--- a/help/data-sheets/assets/BusinessSupportDatasheet.pptx
+++ b/help/data-sheets/assets/BusinessSupportDatasheet.pptx
@@ -368,7 +368,7 @@
           <a:p>
             <a:fld id="{FB81873C-0B24-F04A-98A1-90E0A78F7E8A}" type="datetimeFigureOut">
               <a:rPr lang="en-US" smtClean="0"/>
-              <a:t>9/22/2021</a:t>
+              <a:t>10/1/2021</a:t>
             </a:fld>
             <a:endParaRPr lang="en-US"/>
           </a:p>
@@ -991,7 +991,7 @@
           <a:p>
             <a:fld id="{1D8BD707-D9CF-40AE-B4C6-C98DA3205C09}" type="datetimeFigureOut">
               <a:rPr lang="en-US"/>
-              <a:t>9/22/2021</a:t>
+              <a:t>10/1/2021</a:t>
             </a:fld>
             <a:endParaRPr lang="en-US"/>
           </a:p>
@@ -1183,7 +1183,7 @@
           <a:p>
             <a:fld id="{1D8BD707-D9CF-40AE-B4C6-C98DA3205C09}" type="datetimeFigureOut">
               <a:rPr lang="en-US"/>
-              <a:t>9/22/2021</a:t>
+              <a:t>10/1/2021</a:t>
             </a:fld>
             <a:endParaRPr lang="en-US"/>
           </a:p>
@@ -1501,7 +1501,7 @@
           <a:p>
             <a:fld id="{1D8BD707-D9CF-40AE-B4C6-C98DA3205C09}" type="datetimeFigureOut">
               <a:rPr lang="en-US"/>
-              <a:t>9/22/2021</a:t>
+              <a:t>10/1/2021</a:t>
             </a:fld>
             <a:endParaRPr lang="en-US"/>
           </a:p>
@@ -1756,7 +1756,7 @@
         <p:spPr>
           <a:xfrm>
             <a:off x="168565" y="7162363"/>
-            <a:ext cx="2800350" cy="238760"/>
+            <a:ext cx="4032732" cy="227626"/>
           </a:xfrm>
           <a:prstGeom prst="rect">
             <a:avLst/>
@@ -1777,7 +1777,7 @@
               </a:spcBef>
             </a:pPr>
             <a:r>
-              <a:rPr sz="1400" b="1" u="heavy" spc="10">
+              <a:rPr lang="it-IT" sz="1400" b="1" u="heavy" dirty="0">
                 <a:solidFill>
                   <a:srgbClr val="020302"/>
                 </a:solidFill>
@@ -1789,87 +1789,8 @@
                 <a:latin typeface="Adobe Clean"/>
                 <a:cs typeface="Adobe Clean"/>
               </a:rPr>
-              <a:t>Service </a:t>
+              <a:t>Obiettivi del livello di servizio: risposta iniziale</a:t>
             </a:r>
-            <a:r>
-              <a:rPr sz="1400" b="1" u="heavy" spc="-10">
-                <a:solidFill>
-                  <a:srgbClr val="020302"/>
-                </a:solidFill>
-                <a:uFill>
-                  <a:solidFill>
-                    <a:srgbClr val="020302"/>
-                  </a:solidFill>
-                </a:uFill>
-                <a:latin typeface="Adobe Clean"/>
-                <a:cs typeface="Adobe Clean"/>
-              </a:rPr>
-              <a:t>Level </a:t>
-            </a:r>
-            <a:r>
-              <a:rPr sz="1400" b="1" u="heavy" spc="-45">
-                <a:solidFill>
-                  <a:srgbClr val="020302"/>
-                </a:solidFill>
-                <a:uFill>
-                  <a:solidFill>
-                    <a:srgbClr val="020302"/>
-                  </a:solidFill>
-                </a:uFill>
-                <a:latin typeface="Adobe Clean"/>
-                <a:cs typeface="Adobe Clean"/>
-              </a:rPr>
-              <a:t>Targets: </a:t>
-            </a:r>
-            <a:r>
-              <a:rPr sz="1400" b="1" u="heavy" spc="-10">
-                <a:solidFill>
-                  <a:srgbClr val="020302"/>
-                </a:solidFill>
-                <a:uFill>
-                  <a:solidFill>
-                    <a:srgbClr val="020302"/>
-                  </a:solidFill>
-                </a:uFill>
-                <a:latin typeface="Adobe Clean"/>
-                <a:cs typeface="Adobe Clean"/>
-              </a:rPr>
-              <a:t>Initial</a:t>
-            </a:r>
-            <a:r>
-              <a:rPr sz="1400" b="1" u="heavy" spc="-140">
-                <a:solidFill>
-                  <a:srgbClr val="020302"/>
-                </a:solidFill>
-                <a:uFill>
-                  <a:solidFill>
-                    <a:srgbClr val="020302"/>
-                  </a:solidFill>
-                </a:uFill>
-                <a:latin typeface="Adobe Clean"/>
-                <a:cs typeface="Adobe Clean"/>
-              </a:rPr>
-              <a:t> </a:t>
-            </a:r>
-            <a:r>
-              <a:rPr sz="1400" b="1" u="heavy" spc="-15">
-                <a:solidFill>
-                  <a:srgbClr val="020302"/>
-                </a:solidFill>
-                <a:uFill>
-                  <a:solidFill>
-                    <a:srgbClr val="020302"/>
-                  </a:solidFill>
-                </a:uFill>
-                <a:latin typeface="Adobe Clean"/>
-                <a:cs typeface="Adobe Clean"/>
-              </a:rPr>
-              <a:t>Response</a:t>
-            </a:r>
-            <a:endParaRPr sz="1400">
-              <a:latin typeface="Adobe Clean"/>
-              <a:cs typeface="Adobe Clean"/>
-            </a:endParaRPr>
           </a:p>
         </p:txBody>
       </p:sp>
@@ -1936,20 +1857,11 @@
               </a:spcBef>
             </a:pPr>
             <a:r>
-              <a:rPr sz="2300">
+              <a:rPr lang="it-IT" sz="2300">
                 <a:latin typeface="Adobe Clean" panose="020B0503020404020204" pitchFamily="34" charset="0"/>
               </a:rPr>
-              <a:t>ADOBE </a:t>
+              <a:t>OPZIONI DI SUPPORTO ADOBE</a:t>
             </a:r>
-            <a:r>
-              <a:rPr lang="en-US" sz="2300">
-                <a:latin typeface="Adobe Clean" panose="020B0503020404020204" pitchFamily="34" charset="0"/>
-              </a:rPr>
-              <a:t>SUPPORT OFFERINGS</a:t>
-            </a:r>
-            <a:endParaRPr sz="2300">
-              <a:latin typeface="Adobe Clean" panose="020B0503020404020204" pitchFamily="34" charset="0"/>
-            </a:endParaRPr>
           </a:p>
         </p:txBody>
       </p:sp>
@@ -1983,7 +1895,7 @@
               </a:spcBef>
             </a:pPr>
             <a:r>
-              <a:rPr lang="en-US" sz="900">
+              <a:rPr lang="it-IT" sz="900" dirty="0">
                 <a:solidFill>
                   <a:schemeClr val="bg1"/>
                 </a:solidFill>
@@ -1992,7 +1904,7 @@
               <a:t>Online | </a:t>
             </a:r>
             <a:r>
-              <a:rPr lang="en-US" sz="900" b="1">
+              <a:rPr lang="it-IT" sz="900" b="1" dirty="0">
                 <a:solidFill>
                   <a:schemeClr val="bg1"/>
                 </a:solidFill>
@@ -2001,7 +1913,7 @@
               <a:t>Business</a:t>
             </a:r>
             <a:r>
-              <a:rPr lang="en-US" sz="900">
+              <a:rPr lang="it-IT" sz="900" dirty="0">
                 <a:solidFill>
                   <a:schemeClr val="bg1"/>
                 </a:solidFill>
@@ -2020,21 +1932,65 @@
               </a:spcBef>
             </a:pPr>
             <a:r>
-              <a:rPr lang="en-US" sz="900">
+              <a:rPr lang="it-IT" sz="900" dirty="0">
                 <a:solidFill>
                   <a:schemeClr val="bg1"/>
                 </a:solidFill>
                 <a:latin typeface="Adobe Clean SemiLight" panose="020B0403020404020204" pitchFamily="34" charset="0"/>
               </a:rPr>
-              <a:t>Adobe provides a comprehensive range of technical resources to help support your business, included as part of your Experience Cloud license subscription and enhanced in the BUSINESS support package. BUSINESS support includes access to personalized learning paths and monitored community forums via the Adobe Experience League. You can also take advantage of our detailed and in-depth technical product documentation and current release notes. BUSINESS customers also benefit from access to our technical support teams for any product query via either the telephone or the support web portal, to help protect your business at the most critical times. BUSINESS customers will receive regular communications and updates from their Account Support Lead in addition to support case escalation management for your most critical of support requests. </a:t>
+              <a:t>Adobe offre una gamma completa di risorse tecniche per assistere la tua azienda, incluse nell’abbonamento Experience Cloud </a:t>
             </a:r>
-            <a:endParaRPr lang="en-US" sz="900">
-              <a:solidFill>
-                <a:schemeClr val="bg1"/>
-              </a:solidFill>
-              <a:latin typeface="Adobe Clean Light" panose="020B0303020404020204" pitchFamily="34" charset="0"/>
-              <a:cs typeface="AdobeClean-Light"/>
-            </a:endParaRPr>
+            <a:br>
+              <a:rPr lang="sk-SK" sz="900" dirty="0">
+                <a:solidFill>
+                  <a:schemeClr val="bg1"/>
+                </a:solidFill>
+                <a:latin typeface="Adobe Clean SemiLight" panose="020B0403020404020204" pitchFamily="34" charset="0"/>
+              </a:rPr>
+            </a:br>
+            <a:r>
+              <a:rPr lang="it-IT" sz="900" dirty="0">
+                <a:solidFill>
+                  <a:schemeClr val="bg1"/>
+                </a:solidFill>
+                <a:latin typeface="Adobe Clean SemiLight" panose="020B0403020404020204" pitchFamily="34" charset="0"/>
+              </a:rPr>
+              <a:t>e ampliabili con un pacchetto di supporto BUSINESS. Il supporto BUSINESS include l’accesso a percorsi di apprendimento personalizzati e forum della community monitorati tramite Adobe Experience League. Puoi inoltre usufruire di documentazione tecnica dettagliata e note sulla versione sempre aggiornate. I clienti BUSINESS possono anche contattare, tramite telefono </a:t>
+            </a:r>
+            <a:br>
+              <a:rPr lang="sk-SK" sz="900" dirty="0">
+                <a:solidFill>
+                  <a:schemeClr val="bg1"/>
+                </a:solidFill>
+                <a:latin typeface="Adobe Clean SemiLight" panose="020B0403020404020204" pitchFamily="34" charset="0"/>
+              </a:rPr>
+            </a:br>
+            <a:r>
+              <a:rPr lang="it-IT" sz="900" dirty="0">
+                <a:solidFill>
+                  <a:schemeClr val="bg1"/>
+                </a:solidFill>
+                <a:latin typeface="Adobe Clean SemiLight" panose="020B0403020404020204" pitchFamily="34" charset="0"/>
+              </a:rPr>
+              <a:t>o portale web, i team addetti al supporto tecnico, per ricevere assistenza nei momenti più critici. I clienti BUSINESS riceveranno comunicazioni e aggiornamenti regolari dal proprio Account Support Lead, nonché la gestione delle escalation per le richieste </a:t>
+            </a:r>
+            <a:br>
+              <a:rPr lang="sk-SK" sz="900" dirty="0">
+                <a:solidFill>
+                  <a:schemeClr val="bg1"/>
+                </a:solidFill>
+                <a:latin typeface="Adobe Clean SemiLight" panose="020B0403020404020204" pitchFamily="34" charset="0"/>
+              </a:rPr>
+            </a:br>
+            <a:r>
+              <a:rPr lang="it-IT" sz="900" dirty="0">
+                <a:solidFill>
+                  <a:schemeClr val="bg1"/>
+                </a:solidFill>
+                <a:latin typeface="Adobe Clean SemiLight" panose="020B0403020404020204" pitchFamily="34" charset="0"/>
+              </a:rPr>
+              <a:t>di supporto più critiche. </a:t>
+            </a:r>
           </a:p>
         </p:txBody>
       </p:sp>
@@ -2101,24 +2057,8 @@
               </a:spcBef>
             </a:pPr>
             <a:r>
-              <a:rPr spc="-5"/>
-              <a:t>©202</a:t>
-            </a:r>
-            <a:r>
-              <a:rPr lang="en-US" spc="-5"/>
-              <a:t>1</a:t>
-            </a:r>
-            <a:r>
-              <a:rPr spc="-5"/>
-              <a:t> Adobe. All Rights Reserved. Adobe</a:t>
-            </a:r>
-            <a:r>
-              <a:rPr spc="60"/>
-              <a:t> </a:t>
-            </a:r>
-            <a:r>
-              <a:rPr spc="-5"/>
-              <a:t>Confidential.</a:t>
+              <a:rPr lang="it-IT"/>
+              <a:t>©2021 Adobe. All Rights Reserved. Adobe Confidential.</a:t>
             </a:r>
           </a:p>
         </p:txBody>
@@ -2132,7 +2072,7 @@
           <p:nvPr>
             <p:extLst>
               <p:ext uri="{D42A27DB-BD31-4B8C-83A1-F6EECF244321}">
-                <p14:modId xmlns:p14="http://schemas.microsoft.com/office/powerpoint/2010/main" val="2501956132"/>
+                <p14:modId xmlns:p14="http://schemas.microsoft.com/office/powerpoint/2010/main" val="962784674"/>
               </p:ext>
             </p:extLst>
           </p:nvPr>
@@ -2185,19 +2125,15 @@
                         </a:spcBef>
                       </a:pPr>
                       <a:r>
-                        <a:rPr sz="900" spc="0">
+                        <a:rPr lang="it-IT" sz="900">
                           <a:solidFill>
                             <a:srgbClr val="020302"/>
                           </a:solidFill>
                           <a:latin typeface="Adobe Clean"/>
                           <a:cs typeface="Adobe Clean"/>
                         </a:rPr>
-                        <a:t>Priority</a:t>
+                        <a:t>Priorità</a:t>
                       </a:r>
-                      <a:endParaRPr sz="900" spc="0">
-                        <a:latin typeface="Adobe Clean"/>
-                        <a:cs typeface="Adobe Clean"/>
-                      </a:endParaRPr>
                     </a:p>
                   </a:txBody>
                   <a:tcPr marL="0" marR="0" marT="7620" marB="0" anchor="ctr">
@@ -2244,19 +2180,15 @@
                         </a:spcBef>
                       </a:pPr>
                       <a:r>
-                        <a:rPr sz="900" spc="0">
+                        <a:rPr lang="it-IT" sz="900">
                           <a:solidFill>
                             <a:srgbClr val="020302"/>
                           </a:solidFill>
                           <a:latin typeface="Adobe Clean"/>
                           <a:cs typeface="Adobe Clean"/>
                         </a:rPr>
-                        <a:t>Online Support</a:t>
+                        <a:t>Supporto Online</a:t>
                       </a:r>
-                      <a:endParaRPr sz="900" spc="0">
-                        <a:latin typeface="Adobe Clean"/>
-                        <a:cs typeface="Adobe Clean"/>
-                      </a:endParaRPr>
                     </a:p>
                   </a:txBody>
                   <a:tcPr anchor="ctr">
@@ -2303,39 +2235,15 @@
                         </a:spcBef>
                       </a:pPr>
                       <a:r>
-                        <a:rPr sz="900" spc="0">
+                        <a:rPr lang="it-IT" sz="900">
                           <a:solidFill>
                             <a:srgbClr val="FFFFFF"/>
                           </a:solidFill>
                           <a:latin typeface="Adobe Clean"/>
                           <a:cs typeface="Adobe Clean"/>
                         </a:rPr>
-                        <a:t>Business</a:t>
+                        <a:t>Supporto Business</a:t>
                       </a:r>
-                      <a:r>
-                        <a:rPr lang="en-US" sz="900" spc="0">
-                          <a:solidFill>
-                            <a:srgbClr val="FFFFFF"/>
-                          </a:solidFill>
-                          <a:latin typeface="Adobe Clean"/>
-                          <a:cs typeface="Adobe Clean"/>
-                        </a:rPr>
-                        <a:t> </a:t>
-                      </a:r>
-                      <a:r>
-                        <a:rPr sz="900" spc="0">
-                          <a:solidFill>
-                            <a:srgbClr val="FFFFFF"/>
-                          </a:solidFill>
-                          <a:latin typeface="Adobe Clean"/>
-                          <a:cs typeface="Adobe Clean"/>
-                        </a:rPr>
-                        <a:t>Support</a:t>
-                      </a:r>
-                      <a:endParaRPr sz="900" spc="0">
-                        <a:latin typeface="Adobe Clean"/>
-                        <a:cs typeface="Adobe Clean"/>
-                      </a:endParaRPr>
                     </a:p>
                   </a:txBody>
                   <a:tcPr anchor="ctr">
@@ -2389,19 +2297,15 @@
                         </a:spcBef>
                       </a:pPr>
                       <a:r>
-                        <a:rPr sz="900" b="1" spc="0">
+                        <a:rPr lang="it-IT" sz="900" b="1" dirty="0">
                           <a:solidFill>
                             <a:srgbClr val="020302"/>
                           </a:solidFill>
                           <a:latin typeface="Adobe Clean"/>
                           <a:cs typeface="Adobe Clean"/>
                         </a:rPr>
-                        <a:t>PRIORITY 1</a:t>
+                        <a:t>PRIORITÀ 1 (P1)</a:t>
                       </a:r>
-                      <a:endParaRPr sz="900" spc="0">
-                        <a:latin typeface="Adobe Clean"/>
-                        <a:cs typeface="Adobe Clean"/>
-                      </a:endParaRPr>
                     </a:p>
                     <a:p>
                       <a:pPr marL="50800" marR="387985" lvl="0" indent="0" algn="l" defTabSz="914400" rtl="0" eaLnBrk="1" fontAlgn="auto" latinLnBrk="0" hangingPunct="1">
@@ -2422,19 +2326,31 @@
                         <a:defRPr/>
                       </a:pPr>
                       <a:r>
-                        <a:rPr lang="en-US" sz="900" b="0" i="0" spc="0">
+                        <a:rPr lang="it-IT" sz="900" b="0" i="0" dirty="0">
                           <a:solidFill>
                             <a:srgbClr val="000000"/>
                           </a:solidFill>
-                          <a:effectLst/>
                           <a:latin typeface="Adobe Clean Light" panose="020B0303020404020204" pitchFamily="34" charset="0"/>
                         </a:rPr>
-                        <a:t>Customer's production business functions are down or have significant data loss or service degradation and immediate attention is required to restore functionality and usability</a:t>
+                        <a:t>Le funzioni operative nell’ambiente di produzione del cliente non sono disponibili oppure </a:t>
                       </a:r>
-                      <a:endParaRPr lang="en-US" sz="900" b="0" i="0" spc="0">
-                        <a:latin typeface="Adobe Clean Light" panose="020B0303020404020204" pitchFamily="34" charset="0"/>
-                        <a:cs typeface="AdobeClean-Light"/>
-                      </a:endParaRPr>
+                      <a:br>
+                        <a:rPr lang="sk-SK" sz="900" b="0" i="0" dirty="0">
+                          <a:solidFill>
+                            <a:srgbClr val="000000"/>
+                          </a:solidFill>
+                          <a:latin typeface="Adobe Clean Light" panose="020B0303020404020204" pitchFamily="34" charset="0"/>
+                        </a:rPr>
+                      </a:br>
+                      <a:r>
+                        <a:rPr lang="it-IT" sz="900" b="0" i="0" dirty="0">
+                          <a:solidFill>
+                            <a:srgbClr val="000000"/>
+                          </a:solidFill>
+                          <a:latin typeface="Adobe Clean Light" panose="020B0303020404020204" pitchFamily="34" charset="0"/>
+                        </a:rPr>
+                        <a:t>si verificano problemi significativi di perdita di dati o deterioramento del servizio ed è richiesto un intervento immediato per ripristinare funzionalità e usabilità.</a:t>
+                      </a:r>
                     </a:p>
                   </a:txBody>
                   <a:tcPr marL="0" marR="0" marT="3810" marB="0">
@@ -2478,59 +2394,15 @@
                         </a:spcBef>
                       </a:pPr>
                       <a:r>
-                        <a:rPr sz="900" spc="0">
+                        <a:rPr lang="it-IT" sz="900">
                           <a:solidFill>
                             <a:srgbClr val="020302"/>
                           </a:solidFill>
                           <a:latin typeface="AdobeClean-Light"/>
                           <a:cs typeface="AdobeClean-Light"/>
                         </a:rPr>
-                        <a:t>24x7</a:t>
+                        <a:t>24x7 /           1 ora</a:t>
                       </a:r>
-                      <a:r>
-                        <a:rPr lang="en-US" sz="900" spc="0">
-                          <a:solidFill>
-                            <a:srgbClr val="020302"/>
-                          </a:solidFill>
-                          <a:latin typeface="AdobeClean-Light"/>
-                          <a:cs typeface="AdobeClean-Light"/>
-                        </a:rPr>
-                        <a:t> </a:t>
-                      </a:r>
-                      <a:r>
-                        <a:rPr sz="900" spc="0">
-                          <a:solidFill>
-                            <a:srgbClr val="020302"/>
-                          </a:solidFill>
-                          <a:latin typeface="AdobeClean-Light"/>
-                          <a:cs typeface="AdobeClean-Light"/>
-                        </a:rPr>
-                        <a:t>/  </a:t>
-                      </a:r>
-                      <a:r>
-                        <a:rPr lang="en-US" sz="900" spc="0">
-                          <a:solidFill>
-                            <a:srgbClr val="020302"/>
-                          </a:solidFill>
-                          <a:latin typeface="AdobeClean-Light"/>
-                          <a:cs typeface="AdobeClean-Light"/>
-                        </a:rPr>
-                        <a:t>         </a:t>
-                      </a:r>
-                      <a:r>
-                        <a:rPr sz="900" spc="0">
-                          <a:solidFill>
-                            <a:srgbClr val="020302"/>
-                          </a:solidFill>
-                          <a:latin typeface="AdobeClean-Light"/>
-                          <a:cs typeface="AdobeClean-Light"/>
-                        </a:rPr>
-                        <a:t>1 hour</a:t>
-                      </a:r>
-                      <a:endParaRPr sz="900" spc="0">
-                        <a:latin typeface="AdobeClean-Light"/>
-                        <a:cs typeface="AdobeClean-Light"/>
-                      </a:endParaRPr>
                     </a:p>
                   </a:txBody>
                   <a:tcPr anchor="ctr">
@@ -2574,59 +2446,15 @@
                         </a:spcBef>
                       </a:pPr>
                       <a:r>
-                        <a:rPr sz="900" spc="0">
+                        <a:rPr lang="it-IT" sz="900">
                           <a:solidFill>
                             <a:srgbClr val="020302"/>
                           </a:solidFill>
                           <a:latin typeface="AdobeClean-Light"/>
                           <a:cs typeface="AdobeClean-Light"/>
                         </a:rPr>
-                        <a:t>24x7</a:t>
+                        <a:t>24x7 /          1 ora</a:t>
                       </a:r>
-                      <a:r>
-                        <a:rPr lang="en-US" sz="900" spc="0">
-                          <a:solidFill>
-                            <a:srgbClr val="020302"/>
-                          </a:solidFill>
-                          <a:latin typeface="AdobeClean-Light"/>
-                          <a:cs typeface="AdobeClean-Light"/>
-                        </a:rPr>
-                        <a:t> </a:t>
-                      </a:r>
-                      <a:r>
-                        <a:rPr sz="900" spc="0">
-                          <a:solidFill>
-                            <a:srgbClr val="020302"/>
-                          </a:solidFill>
-                          <a:latin typeface="AdobeClean-Light"/>
-                          <a:cs typeface="AdobeClean-Light"/>
-                        </a:rPr>
-                        <a:t>/ </a:t>
-                      </a:r>
-                      <a:r>
-                        <a:rPr lang="en-US" sz="900" spc="0">
-                          <a:solidFill>
-                            <a:srgbClr val="020302"/>
-                          </a:solidFill>
-                          <a:latin typeface="AdobeClean-Light"/>
-                          <a:cs typeface="AdobeClean-Light"/>
-                        </a:rPr>
-                        <a:t>        </a:t>
-                      </a:r>
-                      <a:r>
-                        <a:rPr sz="900" spc="0">
-                          <a:solidFill>
-                            <a:srgbClr val="020302"/>
-                          </a:solidFill>
-                          <a:latin typeface="AdobeClean-Light"/>
-                          <a:cs typeface="AdobeClean-Light"/>
-                        </a:rPr>
-                        <a:t> 1 hour</a:t>
-                      </a:r>
-                      <a:endParaRPr sz="900" spc="0">
-                        <a:latin typeface="AdobeClean-Light"/>
-                        <a:cs typeface="AdobeClean-Light"/>
-                      </a:endParaRPr>
                     </a:p>
                   </a:txBody>
                   <a:tcPr anchor="ctr">
@@ -2682,19 +2510,15 @@
                         </a:spcBef>
                       </a:pPr>
                       <a:r>
-                        <a:rPr sz="900" b="1" spc="0">
+                        <a:rPr lang="it-IT" sz="900" b="1">
                           <a:solidFill>
                             <a:srgbClr val="020302"/>
                           </a:solidFill>
                           <a:latin typeface="Adobe Clean"/>
                           <a:cs typeface="Adobe Clean"/>
                         </a:rPr>
-                        <a:t>PRIORITY 2</a:t>
+                        <a:t>PRIORITÀ 2 (P2)</a:t>
                       </a:r>
-                      <a:endParaRPr sz="900" spc="0">
-                        <a:latin typeface="Adobe Clean"/>
-                        <a:cs typeface="Adobe Clean"/>
-                      </a:endParaRPr>
                     </a:p>
                     <a:p>
                       <a:pPr marL="50165" marR="203200">
@@ -2706,19 +2530,14 @@
                         </a:spcBef>
                       </a:pPr>
                       <a:r>
-                        <a:rPr lang="en-US" sz="900" b="0" i="0" spc="0">
+                        <a:rPr lang="it-IT" sz="900" b="0" i="0">
                           <a:solidFill>
                             <a:srgbClr val="000000"/>
                           </a:solidFill>
-                          <a:effectLst/>
                           <a:latin typeface="Adobe Clean Light" panose="020B0303020404020204" pitchFamily="34" charset="0"/>
                         </a:rPr>
-                        <a:t>Customer's business functions have major service degradation or potential data loss, or a major feature is impacted </a:t>
+                        <a:t>Le funzioni operative del cliente hanno subìto un notevole deterioramento del servizio o potenziale perdita di dati, oppure un problema interessa una funzione importante. </a:t>
                       </a:r>
-                      <a:endParaRPr lang="en-US" sz="900" b="0" i="0" spc="0">
-                        <a:latin typeface="Adobe Clean Light" panose="020B0303020404020204" pitchFamily="34" charset="0"/>
-                        <a:cs typeface="AdobeClean-Light"/>
-                      </a:endParaRPr>
                     </a:p>
                   </a:txBody>
                   <a:tcPr marL="0" marR="0" marT="3810" marB="0">
@@ -2762,79 +2581,15 @@
                         </a:spcBef>
                       </a:pPr>
                       <a:r>
-                        <a:rPr sz="900" spc="0">
+                        <a:rPr lang="it-IT" sz="900">
                           <a:solidFill>
                             <a:srgbClr val="020302"/>
                           </a:solidFill>
                           <a:latin typeface="AdobeClean-Light"/>
                           <a:cs typeface="AdobeClean-Light"/>
                         </a:rPr>
-                        <a:t>Business</a:t>
+                        <a:t>Orario operativo /     4 ore</a:t>
                       </a:r>
-                      <a:r>
-                        <a:rPr lang="en-US" sz="900" spc="0">
-                          <a:solidFill>
-                            <a:srgbClr val="020302"/>
-                          </a:solidFill>
-                          <a:latin typeface="AdobeClean-Light"/>
-                          <a:cs typeface="AdobeClean-Light"/>
-                        </a:rPr>
-                        <a:t> </a:t>
-                      </a:r>
-                      <a:r>
-                        <a:rPr sz="900" spc="0">
-                          <a:solidFill>
-                            <a:srgbClr val="020302"/>
-                          </a:solidFill>
-                          <a:latin typeface="AdobeClean-Light"/>
-                          <a:cs typeface="AdobeClean-Light"/>
-                        </a:rPr>
-                        <a:t>hours</a:t>
-                      </a:r>
-                      <a:r>
-                        <a:rPr lang="en-US" sz="900" spc="0">
-                          <a:solidFill>
-                            <a:srgbClr val="020302"/>
-                          </a:solidFill>
-                          <a:latin typeface="AdobeClean-Light"/>
-                          <a:cs typeface="AdobeClean-Light"/>
-                        </a:rPr>
-                        <a:t> </a:t>
-                      </a:r>
-                      <a:r>
-                        <a:rPr sz="900" spc="0">
-                          <a:solidFill>
-                            <a:srgbClr val="020302"/>
-                          </a:solidFill>
-                          <a:latin typeface="AdobeClean-Light"/>
-                          <a:cs typeface="AdobeClean-Light"/>
-                        </a:rPr>
-                        <a:t>/  </a:t>
-                      </a:r>
-                      <a:r>
-                        <a:rPr lang="en-US" sz="900" spc="0">
-                          <a:solidFill>
-                            <a:srgbClr val="020302"/>
-                          </a:solidFill>
-                          <a:latin typeface="AdobeClean-Light"/>
-                          <a:cs typeface="AdobeClean-Light"/>
-                        </a:rPr>
-                        <a:t>   </a:t>
-                      </a:r>
-                      <a:r>
-                        <a:rPr sz="900" spc="0">
-                          <a:solidFill>
-                            <a:srgbClr val="020302"/>
-                          </a:solidFill>
-                          <a:latin typeface="AdobeClean-Light"/>
-                          <a:cs typeface="AdobeClean-Light"/>
-                        </a:rPr>
-                        <a:t>4 hours</a:t>
-                      </a:r>
-                      <a:endParaRPr sz="900" spc="0">
-                        <a:latin typeface="AdobeClean-Light"/>
-                        <a:cs typeface="AdobeClean-Light"/>
-                      </a:endParaRPr>
                     </a:p>
                   </a:txBody>
                   <a:tcPr anchor="ctr">
@@ -2878,79 +2633,15 @@
                         </a:spcBef>
                       </a:pPr>
                       <a:r>
-                        <a:rPr sz="900" spc="0">
+                        <a:rPr lang="it-IT" sz="900">
                           <a:solidFill>
                             <a:srgbClr val="020302"/>
                           </a:solidFill>
                           <a:latin typeface="AdobeClean-Light"/>
                           <a:cs typeface="AdobeClean-Light"/>
                         </a:rPr>
-                        <a:t>Business</a:t>
+                        <a:t>Orario operativo /      2 ore</a:t>
                       </a:r>
-                      <a:r>
-                        <a:rPr lang="en-US" sz="900" spc="0">
-                          <a:solidFill>
-                            <a:srgbClr val="020302"/>
-                          </a:solidFill>
-                          <a:latin typeface="AdobeClean-Light"/>
-                          <a:cs typeface="AdobeClean-Light"/>
-                        </a:rPr>
-                        <a:t> </a:t>
-                      </a:r>
-                      <a:r>
-                        <a:rPr sz="900" spc="0">
-                          <a:solidFill>
-                            <a:srgbClr val="020302"/>
-                          </a:solidFill>
-                          <a:latin typeface="AdobeClean-Light"/>
-                          <a:cs typeface="AdobeClean-Light"/>
-                        </a:rPr>
-                        <a:t>hours</a:t>
-                      </a:r>
-                      <a:r>
-                        <a:rPr lang="en-US" sz="900" spc="0">
-                          <a:solidFill>
-                            <a:srgbClr val="020302"/>
-                          </a:solidFill>
-                          <a:latin typeface="AdobeClean-Light"/>
-                          <a:cs typeface="AdobeClean-Light"/>
-                        </a:rPr>
-                        <a:t> </a:t>
-                      </a:r>
-                      <a:r>
-                        <a:rPr sz="900" spc="0">
-                          <a:solidFill>
-                            <a:srgbClr val="020302"/>
-                          </a:solidFill>
-                          <a:latin typeface="AdobeClean-Light"/>
-                          <a:cs typeface="AdobeClean-Light"/>
-                        </a:rPr>
-                        <a:t>/  </a:t>
-                      </a:r>
-                      <a:r>
-                        <a:rPr lang="en-US" sz="900" spc="0">
-                          <a:solidFill>
-                            <a:srgbClr val="020302"/>
-                          </a:solidFill>
-                          <a:latin typeface="AdobeClean-Light"/>
-                          <a:cs typeface="AdobeClean-Light"/>
-                        </a:rPr>
-                        <a:t>    </a:t>
-                      </a:r>
-                      <a:r>
-                        <a:rPr sz="900" spc="0">
-                          <a:solidFill>
-                            <a:srgbClr val="020302"/>
-                          </a:solidFill>
-                          <a:latin typeface="AdobeClean-Light"/>
-                          <a:cs typeface="AdobeClean-Light"/>
-                        </a:rPr>
-                        <a:t>2 hours</a:t>
-                      </a:r>
-                      <a:endParaRPr sz="900" spc="0">
-                        <a:latin typeface="AdobeClean-Light"/>
-                        <a:cs typeface="AdobeClean-Light"/>
-                      </a:endParaRPr>
                     </a:p>
                   </a:txBody>
                   <a:tcPr anchor="ctr">
@@ -3006,19 +2697,15 @@
                         </a:spcBef>
                       </a:pPr>
                       <a:r>
-                        <a:rPr sz="900" b="1" spc="0">
+                        <a:rPr lang="it-IT" sz="900" b="1" dirty="0">
                           <a:solidFill>
                             <a:srgbClr val="020302"/>
                           </a:solidFill>
                           <a:latin typeface="Adobe Clean"/>
                           <a:cs typeface="Adobe Clean"/>
                         </a:rPr>
-                        <a:t>PRIORITY 3</a:t>
+                        <a:t>PRIORITÀ 3 (P3)</a:t>
                       </a:r>
-                      <a:endParaRPr sz="900" spc="0">
-                        <a:latin typeface="Adobe Clean"/>
-                        <a:cs typeface="Adobe Clean"/>
-                      </a:endParaRPr>
                     </a:p>
                     <a:p>
                       <a:pPr marL="49530" marR="212090" indent="-2540">
@@ -3030,26 +2717,52 @@
                         </a:spcBef>
                       </a:pPr>
                       <a:r>
-                        <a:rPr kumimoji="0" lang="en-US" sz="900" b="0" i="0" u="none" strike="noStrike" kern="1200" cap="none" spc="0" normalizeH="0" baseline="0" noProof="0">
+                        <a:rPr kumimoji="0" lang="it-IT" sz="900" b="0" i="0" u="none" strike="noStrike" cap="none" normalizeH="0" baseline="0" noProof="0" dirty="0">
                           <a:ln>
                             <a:noFill/>
                           </a:ln>
                           <a:solidFill>
                             <a:srgbClr val="000000"/>
                           </a:solidFill>
-                          <a:effectLst/>
                           <a:uLnTx/>
                           <a:uFillTx/>
                           <a:latin typeface="Adobe Clean Light" panose="020B0303020404020204" pitchFamily="34" charset="0"/>
                           <a:ea typeface="+mn-ea"/>
                           <a:cs typeface="+mn-cs"/>
                         </a:rPr>
-                        <a:t>Customer's business functions have minor service degradation but there exists a solution/workaround allowing business functions to continue </a:t>
+                        <a:t>Le funzioni operative del cliente sono interessate da deterioramento lieve del servizio, </a:t>
                       </a:r>
-                      <a:endParaRPr lang="en-US" sz="900" b="0" i="0" spc="0">
-                        <a:latin typeface="Adobe Clean Light" panose="020B0303020404020204" pitchFamily="34" charset="0"/>
-                        <a:cs typeface="AdobeClean-Light"/>
-                      </a:endParaRPr>
+                      <a:br>
+                        <a:rPr kumimoji="0" lang="sk-SK" sz="900" b="0" i="0" u="none" strike="noStrike" cap="none" normalizeH="0" baseline="0" noProof="0" dirty="0">
+                          <a:ln>
+                            <a:noFill/>
+                          </a:ln>
+                          <a:solidFill>
+                            <a:srgbClr val="000000"/>
+                          </a:solidFill>
+                          <a:uLnTx/>
+                          <a:uFillTx/>
+                          <a:latin typeface="Adobe Clean Light" panose="020B0303020404020204" pitchFamily="34" charset="0"/>
+                          <a:ea typeface="+mn-ea"/>
+                          <a:cs typeface="+mn-cs"/>
+                        </a:rPr>
+                      </a:br>
+                      <a:r>
+                        <a:rPr kumimoji="0" lang="it-IT" sz="900" b="0" i="0" u="none" strike="noStrike" cap="none" normalizeH="0" baseline="0" noProof="0" dirty="0">
+                          <a:ln>
+                            <a:noFill/>
+                          </a:ln>
+                          <a:solidFill>
+                            <a:srgbClr val="000000"/>
+                          </a:solidFill>
+                          <a:uLnTx/>
+                          <a:uFillTx/>
+                          <a:latin typeface="Adobe Clean Light" panose="020B0303020404020204" pitchFamily="34" charset="0"/>
+                          <a:ea typeface="+mn-ea"/>
+                          <a:cs typeface="+mn-cs"/>
+                        </a:rPr>
+                        <a:t>tuttavia è possibile procedere mediante una soluzione temporanea. </a:t>
+                      </a:r>
                     </a:p>
                   </a:txBody>
                   <a:tcPr marL="0" marR="0" marT="3810" marB="0">
@@ -3093,99 +2806,15 @@
                         </a:spcBef>
                       </a:pPr>
                       <a:r>
-                        <a:rPr sz="900" spc="0">
+                        <a:rPr lang="it-IT" sz="900">
                           <a:solidFill>
                             <a:srgbClr val="020302"/>
                           </a:solidFill>
                           <a:latin typeface="AdobeClean-Light"/>
                           <a:cs typeface="AdobeClean-Light"/>
                         </a:rPr>
-                        <a:t>Business</a:t>
+                        <a:t>Orario operativo /     6 ore</a:t>
                       </a:r>
-                      <a:r>
-                        <a:rPr lang="en-US" sz="900" spc="0">
-                          <a:solidFill>
-                            <a:srgbClr val="020302"/>
-                          </a:solidFill>
-                          <a:latin typeface="AdobeClean-Light"/>
-                          <a:cs typeface="AdobeClean-Light"/>
-                        </a:rPr>
-                        <a:t> </a:t>
-                      </a:r>
-                      <a:r>
-                        <a:rPr sz="900" spc="0">
-                          <a:solidFill>
-                            <a:srgbClr val="020302"/>
-                          </a:solidFill>
-                          <a:latin typeface="AdobeClean-Light"/>
-                          <a:cs typeface="AdobeClean-Light"/>
-                        </a:rPr>
-                        <a:t>hours</a:t>
-                      </a:r>
-                      <a:r>
-                        <a:rPr lang="en-US" sz="900" spc="0">
-                          <a:solidFill>
-                            <a:srgbClr val="020302"/>
-                          </a:solidFill>
-                          <a:latin typeface="AdobeClean-Light"/>
-                          <a:cs typeface="AdobeClean-Light"/>
-                        </a:rPr>
-                        <a:t> </a:t>
-                      </a:r>
-                      <a:r>
-                        <a:rPr sz="900" spc="0">
-                          <a:solidFill>
-                            <a:srgbClr val="020302"/>
-                          </a:solidFill>
-                          <a:latin typeface="AdobeClean-Light"/>
-                          <a:cs typeface="AdobeClean-Light"/>
-                        </a:rPr>
-                        <a:t>/  </a:t>
-                      </a:r>
-                      <a:r>
-                        <a:rPr lang="en-US" sz="900" spc="0">
-                          <a:solidFill>
-                            <a:srgbClr val="020302"/>
-                          </a:solidFill>
-                          <a:latin typeface="AdobeClean-Light"/>
-                          <a:cs typeface="AdobeClean-Light"/>
-                        </a:rPr>
-                        <a:t>   </a:t>
-                      </a:r>
-                      <a:r>
-                        <a:rPr sz="900" spc="0">
-                          <a:solidFill>
-                            <a:srgbClr val="020302"/>
-                          </a:solidFill>
-                          <a:latin typeface="AdobeClean-Light"/>
-                          <a:cs typeface="AdobeClean-Light"/>
-                        </a:rPr>
-                        <a:t>6</a:t>
-                      </a:r>
-                      <a:r>
-                        <a:rPr lang="en-US" sz="900" spc="0">
-                          <a:solidFill>
-                            <a:srgbClr val="020302"/>
-                          </a:solidFill>
-                          <a:latin typeface="AdobeClean-Light"/>
-                          <a:cs typeface="AdobeClean-Light"/>
-                        </a:rPr>
-                        <a:t> </a:t>
-                      </a:r>
-                      <a:r>
-                        <a:rPr sz="900" spc="0">
-                          <a:solidFill>
-                            <a:srgbClr val="020302"/>
-                          </a:solidFill>
-                          <a:latin typeface="AdobeClean-Light"/>
-                          <a:cs typeface="AdobeClean-Light"/>
-                        </a:rPr>
-                        <a:t>hours</a:t>
-                      </a:r>
-                      <a:endParaRPr sz="900" spc="0">
-                        <a:latin typeface="AdobeClean-Light"/>
-                        <a:cs typeface="AdobeClean-Light"/>
-                      </a:endParaRPr>
                     </a:p>
                   </a:txBody>
                   <a:tcPr anchor="ctr">
@@ -3229,99 +2858,15 @@
                         </a:spcBef>
                       </a:pPr>
                       <a:r>
-                        <a:rPr sz="900" spc="0">
+                        <a:rPr lang="it-IT" sz="900">
                           <a:solidFill>
                             <a:srgbClr val="020302"/>
                           </a:solidFill>
                           <a:latin typeface="AdobeClean-Light"/>
                           <a:cs typeface="AdobeClean-Light"/>
                         </a:rPr>
-                        <a:t>Business</a:t>
+                        <a:t>Orario operativo /     4 ore</a:t>
                       </a:r>
-                      <a:r>
-                        <a:rPr lang="en-US" sz="900" spc="0">
-                          <a:solidFill>
-                            <a:srgbClr val="020302"/>
-                          </a:solidFill>
-                          <a:latin typeface="AdobeClean-Light"/>
-                          <a:cs typeface="AdobeClean-Light"/>
-                        </a:rPr>
-                        <a:t> </a:t>
-                      </a:r>
-                      <a:r>
-                        <a:rPr sz="900" spc="0">
-                          <a:solidFill>
-                            <a:srgbClr val="020302"/>
-                          </a:solidFill>
-                          <a:latin typeface="AdobeClean-Light"/>
-                          <a:cs typeface="AdobeClean-Light"/>
-                        </a:rPr>
-                        <a:t>hours</a:t>
-                      </a:r>
-                      <a:r>
-                        <a:rPr lang="en-US" sz="900" spc="0">
-                          <a:solidFill>
-                            <a:srgbClr val="020302"/>
-                          </a:solidFill>
-                          <a:latin typeface="AdobeClean-Light"/>
-                          <a:cs typeface="AdobeClean-Light"/>
-                        </a:rPr>
-                        <a:t> </a:t>
-                      </a:r>
-                      <a:r>
-                        <a:rPr sz="900" spc="0">
-                          <a:solidFill>
-                            <a:srgbClr val="020302"/>
-                          </a:solidFill>
-                          <a:latin typeface="AdobeClean-Light"/>
-                          <a:cs typeface="AdobeClean-Light"/>
-                        </a:rPr>
-                        <a:t>/  </a:t>
-                      </a:r>
-                      <a:r>
-                        <a:rPr lang="en-US" sz="900" spc="0">
-                          <a:solidFill>
-                            <a:srgbClr val="020302"/>
-                          </a:solidFill>
-                          <a:latin typeface="AdobeClean-Light"/>
-                          <a:cs typeface="AdobeClean-Light"/>
-                        </a:rPr>
-                        <a:t>   </a:t>
-                      </a:r>
-                      <a:r>
-                        <a:rPr sz="900" spc="0">
-                          <a:solidFill>
-                            <a:srgbClr val="020302"/>
-                          </a:solidFill>
-                          <a:latin typeface="AdobeClean-Light"/>
-                          <a:cs typeface="AdobeClean-Light"/>
-                        </a:rPr>
-                        <a:t>4</a:t>
-                      </a:r>
-                      <a:r>
-                        <a:rPr lang="en-US" sz="900" spc="0">
-                          <a:solidFill>
-                            <a:srgbClr val="020302"/>
-                          </a:solidFill>
-                          <a:latin typeface="AdobeClean-Light"/>
-                          <a:cs typeface="AdobeClean-Light"/>
-                        </a:rPr>
-                        <a:t> </a:t>
-                      </a:r>
-                      <a:r>
-                        <a:rPr sz="900" spc="0">
-                          <a:solidFill>
-                            <a:srgbClr val="020302"/>
-                          </a:solidFill>
-                          <a:latin typeface="AdobeClean-Light"/>
-                          <a:cs typeface="AdobeClean-Light"/>
-                        </a:rPr>
-                        <a:t>hours</a:t>
-                      </a:r>
-                      <a:endParaRPr sz="900" spc="0">
-                        <a:latin typeface="AdobeClean-Light"/>
-                        <a:cs typeface="AdobeClean-Light"/>
-                      </a:endParaRPr>
                     </a:p>
                   </a:txBody>
                   <a:tcPr anchor="ctr">
@@ -3377,19 +2922,15 @@
                         </a:spcBef>
                       </a:pPr>
                       <a:r>
-                        <a:rPr sz="900" b="1" spc="0">
+                        <a:rPr lang="it-IT" sz="900" b="1" dirty="0">
                           <a:solidFill>
                             <a:srgbClr val="020302"/>
                           </a:solidFill>
                           <a:latin typeface="Adobe Clean"/>
                           <a:cs typeface="Adobe Clean"/>
                         </a:rPr>
-                        <a:t>PRIORITY 4</a:t>
+                        <a:t>PRIORITÀ 4 (P4)</a:t>
                       </a:r>
-                      <a:endParaRPr sz="900" spc="0">
-                        <a:latin typeface="Adobe Clean"/>
-                        <a:cs typeface="Adobe Clean"/>
-                      </a:endParaRPr>
                     </a:p>
                     <a:p>
                       <a:pPr marL="48895" marR="0" lvl="0" indent="0" defTabSz="914400" eaLnBrk="1" fontAlgn="auto" latinLnBrk="0" hangingPunct="1">
@@ -3410,19 +2951,14 @@
                         <a:defRPr/>
                       </a:pPr>
                       <a:r>
-                        <a:rPr lang="en-US" sz="900" b="0" i="0" spc="0">
+                        <a:rPr lang="it-IT" sz="900" b="0" i="0" dirty="0">
                           <a:solidFill>
                             <a:srgbClr val="000000"/>
                           </a:solidFill>
-                          <a:effectLst/>
                           <a:latin typeface="Adobe Clean Light" panose="020B0303020404020204" pitchFamily="34" charset="0"/>
                         </a:rPr>
-                        <a:t>General question regarding current product functionality or an enhancement request</a:t>
+                        <a:t>Domande generali sulle attuali funzionalità del prodotto o su una richiesta di miglioramento</a:t>
                       </a:r>
-                      <a:endParaRPr lang="en-US" sz="900" b="0" i="0" spc="0">
-                        <a:latin typeface="Adobe Clean Light" panose="020B0303020404020204" pitchFamily="34" charset="0"/>
-                        <a:cs typeface="AdobeClean-Light"/>
-                      </a:endParaRPr>
                     </a:p>
                   </a:txBody>
                   <a:tcPr marL="0" marR="0" marT="1905" marB="0">
@@ -3466,79 +3002,15 @@
                         </a:spcBef>
                       </a:pPr>
                       <a:r>
-                        <a:rPr sz="900" spc="0">
+                        <a:rPr lang="it-IT" sz="900">
                           <a:solidFill>
                             <a:srgbClr val="020302"/>
                           </a:solidFill>
                           <a:latin typeface="AdobeClean-Light"/>
                           <a:cs typeface="AdobeClean-Light"/>
                         </a:rPr>
-                        <a:t>Business</a:t>
+                        <a:t>Giorni lavorativi /     3 giorni</a:t>
                       </a:r>
-                      <a:r>
-                        <a:rPr lang="en-US" sz="900" spc="0">
-                          <a:solidFill>
-                            <a:srgbClr val="020302"/>
-                          </a:solidFill>
-                          <a:latin typeface="AdobeClean-Light"/>
-                          <a:cs typeface="AdobeClean-Light"/>
-                        </a:rPr>
-                        <a:t> </a:t>
-                      </a:r>
-                      <a:r>
-                        <a:rPr sz="900" spc="0">
-                          <a:solidFill>
-                            <a:srgbClr val="020302"/>
-                          </a:solidFill>
-                          <a:latin typeface="AdobeClean-Light"/>
-                          <a:cs typeface="AdobeClean-Light"/>
-                        </a:rPr>
-                        <a:t>days</a:t>
-                      </a:r>
-                      <a:r>
-                        <a:rPr lang="en-US" sz="900" spc="0">
-                          <a:solidFill>
-                            <a:srgbClr val="020302"/>
-                          </a:solidFill>
-                          <a:latin typeface="AdobeClean-Light"/>
-                          <a:cs typeface="AdobeClean-Light"/>
-                        </a:rPr>
-                        <a:t> </a:t>
-                      </a:r>
-                      <a:r>
-                        <a:rPr sz="900" spc="0">
-                          <a:solidFill>
-                            <a:srgbClr val="020302"/>
-                          </a:solidFill>
-                          <a:latin typeface="AdobeClean-Light"/>
-                          <a:cs typeface="AdobeClean-Light"/>
-                        </a:rPr>
-                        <a:t>/  </a:t>
-                      </a:r>
-                      <a:r>
-                        <a:rPr lang="en-US" sz="900" spc="0">
-                          <a:solidFill>
-                            <a:srgbClr val="020302"/>
-                          </a:solidFill>
-                          <a:latin typeface="AdobeClean-Light"/>
-                          <a:cs typeface="AdobeClean-Light"/>
-                        </a:rPr>
-                        <a:t>    </a:t>
-                      </a:r>
-                      <a:r>
-                        <a:rPr sz="900" spc="0">
-                          <a:solidFill>
-                            <a:srgbClr val="020302"/>
-                          </a:solidFill>
-                          <a:latin typeface="AdobeClean-Light"/>
-                          <a:cs typeface="AdobeClean-Light"/>
-                        </a:rPr>
-                        <a:t>3 days</a:t>
-                      </a:r>
-                      <a:endParaRPr sz="900" spc="0">
-                        <a:latin typeface="AdobeClean-Light"/>
-                        <a:cs typeface="AdobeClean-Light"/>
-                      </a:endParaRPr>
                     </a:p>
                   </a:txBody>
                   <a:tcPr anchor="ctr">
@@ -3582,62 +3054,15 @@
                         </a:spcBef>
                       </a:pPr>
                       <a:r>
-                        <a:rPr sz="900" spc="0">
+                        <a:rPr lang="it-IT" sz="900" dirty="0">
                           <a:solidFill>
                             <a:srgbClr val="020302"/>
                           </a:solidFill>
                           <a:latin typeface="AdobeClean-Light"/>
                           <a:cs typeface="AdobeClean-Light"/>
                         </a:rPr>
-                        <a:t>Business</a:t>
+                        <a:t>Giorni lavorativi / </a:t>
                       </a:r>
-                      <a:r>
-                        <a:rPr lang="en-US" sz="900" spc="0">
-                          <a:solidFill>
-                            <a:srgbClr val="020302"/>
-                          </a:solidFill>
-                          <a:latin typeface="AdobeClean-Light"/>
-                          <a:cs typeface="AdobeClean-Light"/>
-                        </a:rPr>
-                        <a:t> </a:t>
-                      </a:r>
-                      <a:r>
-                        <a:rPr sz="900" spc="0">
-                          <a:solidFill>
-                            <a:srgbClr val="020302"/>
-                          </a:solidFill>
-                          <a:latin typeface="AdobeClean-Light"/>
-                          <a:cs typeface="AdobeClean-Light"/>
-                        </a:rPr>
-                        <a:t>day</a:t>
-                      </a:r>
-                      <a:r>
-                        <a:rPr lang="en-US" sz="900" spc="0">
-                          <a:solidFill>
-                            <a:srgbClr val="020302"/>
-                          </a:solidFill>
-                          <a:latin typeface="AdobeClean-Light"/>
-                          <a:cs typeface="AdobeClean-Light"/>
-                        </a:rPr>
-                        <a:t>s </a:t>
-                      </a:r>
-                      <a:r>
-                        <a:rPr sz="900" spc="0">
-                          <a:solidFill>
-                            <a:srgbClr val="020302"/>
-                          </a:solidFill>
-                          <a:latin typeface="AdobeClean-Light"/>
-                          <a:cs typeface="AdobeClean-Light"/>
-                        </a:rPr>
-                        <a:t>/ </a:t>
-                      </a:r>
-                      <a:endParaRPr lang="en-US" sz="900" spc="0">
-                        <a:solidFill>
-                          <a:srgbClr val="020302"/>
-                        </a:solidFill>
-                        <a:latin typeface="AdobeClean-Light"/>
-                        <a:cs typeface="AdobeClean-Light"/>
-                      </a:endParaRPr>
                     </a:p>
                     <a:p>
                       <a:pPr marL="370840" marR="223520" indent="-202565" algn="ctr">
@@ -3649,39 +3074,15 @@
                         </a:spcBef>
                       </a:pPr>
                       <a:r>
-                        <a:rPr sz="900" spc="0">
+                        <a:rPr lang="it-IT" sz="900" dirty="0">
                           <a:solidFill>
                             <a:srgbClr val="020302"/>
                           </a:solidFill>
                           <a:latin typeface="AdobeClean-Light"/>
                           <a:cs typeface="AdobeClean-Light"/>
                         </a:rPr>
-                        <a:t> </a:t>
+                        <a:t>  1 giorno</a:t>
                       </a:r>
-                      <a:r>
-                        <a:rPr lang="en-US" sz="900" spc="0">
-                          <a:solidFill>
-                            <a:srgbClr val="020302"/>
-                          </a:solidFill>
-                          <a:latin typeface="AdobeClean-Light"/>
-                          <a:cs typeface="AdobeClean-Light"/>
-                        </a:rPr>
-                        <a:t> </a:t>
-                      </a:r>
-                      <a:r>
-                        <a:rPr sz="900" spc="0">
-                          <a:solidFill>
-                            <a:srgbClr val="020302"/>
-                          </a:solidFill>
-                          <a:latin typeface="AdobeClean-Light"/>
-                          <a:cs typeface="AdobeClean-Light"/>
-                        </a:rPr>
-                        <a:t>1 day</a:t>
-                      </a:r>
-                      <a:endParaRPr sz="900" spc="0">
-                        <a:latin typeface="AdobeClean-Light"/>
-                        <a:cs typeface="AdobeClean-Light"/>
-                      </a:endParaRPr>
                     </a:p>
                   </a:txBody>
                   <a:tcPr anchor="ctr">
@@ -3741,14 +3142,14 @@
           <p:nvPr>
             <p:extLst>
               <p:ext uri="{D42A27DB-BD31-4B8C-83A1-F6EECF244321}">
-                <p14:modId xmlns:p14="http://schemas.microsoft.com/office/powerpoint/2010/main" val="116851390"/>
+                <p14:modId xmlns:p14="http://schemas.microsoft.com/office/powerpoint/2010/main" val="495156521"/>
               </p:ext>
             </p:extLst>
           </p:nvPr>
         </p:nvGraphicFramePr>
         <p:xfrm>
           <a:off x="121147" y="2120949"/>
-          <a:ext cx="7498851" cy="4714546"/>
+          <a:ext cx="7498851" cy="4815558"/>
         </p:xfrm>
         <a:graphic>
           <a:graphicData uri="http://schemas.openxmlformats.org/drawingml/2006/table">
@@ -3830,39 +3231,15 @@
                         <a:defRPr/>
                       </a:pPr>
                       <a:r>
-                        <a:rPr lang="en-US" sz="900" spc="-20">
+                        <a:rPr lang="it-IT" sz="900">
                           <a:solidFill>
                             <a:srgbClr val="404040"/>
                           </a:solidFill>
                           <a:latin typeface="Adobe Clean"/>
                           <a:cs typeface="Adobe Clean"/>
                         </a:rPr>
-                        <a:t>Online </a:t>
+                        <a:t>Supporto Online</a:t>
                       </a:r>
-                      <a:r>
-                        <a:rPr lang="en-US" sz="900" spc="-135">
-                          <a:solidFill>
-                            <a:srgbClr val="404040"/>
-                          </a:solidFill>
-                          <a:latin typeface="Adobe Clean"/>
-                          <a:cs typeface="Adobe Clean"/>
-                        </a:rPr>
-                        <a:t> </a:t>
-                      </a:r>
-                      <a:r>
-                        <a:rPr lang="en-US" sz="900" spc="-20">
-                          <a:solidFill>
-                            <a:srgbClr val="404040"/>
-                          </a:solidFill>
-                          <a:latin typeface="Adobe Clean"/>
-                          <a:cs typeface="Adobe Clean"/>
-                        </a:rPr>
-                        <a:t>Support</a:t>
-                      </a:r>
-                      <a:endParaRPr lang="en-US" sz="900">
-                        <a:latin typeface="Adobe Clean"/>
-                        <a:cs typeface="Adobe Clean"/>
-                      </a:endParaRPr>
                     </a:p>
                   </a:txBody>
                   <a:tcPr marL="0" marR="0" marT="7620" marB="0" anchor="ctr">
@@ -3903,39 +3280,15 @@
                         </a:spcBef>
                       </a:pPr>
                       <a:r>
-                        <a:rPr sz="900" spc="-20">
+                        <a:rPr lang="it-IT" sz="900">
                           <a:solidFill>
                             <a:srgbClr val="FFFFFF"/>
                           </a:solidFill>
                           <a:latin typeface="Adobe Clean"/>
                           <a:cs typeface="Adobe Clean"/>
                         </a:rPr>
-                        <a:t>Business</a:t>
+                        <a:t>Supporto Business</a:t>
                       </a:r>
-                      <a:r>
-                        <a:rPr lang="en-US" sz="900" spc="-20">
-                          <a:solidFill>
-                            <a:srgbClr val="FFFFFF"/>
-                          </a:solidFill>
-                          <a:latin typeface="Adobe Clean"/>
-                          <a:cs typeface="Adobe Clean"/>
-                        </a:rPr>
-                        <a:t> </a:t>
-                      </a:r>
-                      <a:r>
-                        <a:rPr sz="900" spc="-20">
-                          <a:solidFill>
-                            <a:srgbClr val="FFFFFF"/>
-                          </a:solidFill>
-                          <a:latin typeface="Adobe Clean"/>
-                          <a:cs typeface="Adobe Clean"/>
-                        </a:rPr>
-                        <a:t>Support</a:t>
-                      </a:r>
-                      <a:endParaRPr sz="900">
-                        <a:latin typeface="Adobe Clean"/>
-                        <a:cs typeface="Adobe Clean"/>
-                      </a:endParaRPr>
                     </a:p>
                   </a:txBody>
                   <a:tcPr marL="0" marR="0" marT="7620" marB="0" anchor="ctr">
@@ -4000,7 +3353,7 @@
                     <a:bodyPr/>
                     <a:lstStyle/>
                     <a:p>
-                      <a:pPr marL="0" marR="0" lvl="0" indent="0" algn="ctr" defTabSz="914400" eaLnBrk="1" fontAlgn="auto" latinLnBrk="0" hangingPunct="1">
+                      <a:pPr marL="0" marR="0" lvl="0" indent="0" algn="l" defTabSz="914400" rtl="0" eaLnBrk="1" fontAlgn="auto" latinLnBrk="0" hangingPunct="1">
                         <a:lnSpc>
                           <a:spcPct val="100000"/>
                         </a:lnSpc>
@@ -4081,13 +3434,13 @@
                         <a:defRPr/>
                       </a:pPr>
                       <a:r>
-                        <a:rPr lang="en-US" sz="800" i="1">
+                        <a:rPr lang="it-IT" sz="800" i="1">
                           <a:solidFill>
                             <a:schemeClr val="bg1"/>
                           </a:solidFill>
                           <a:latin typeface="Adobe Clean Light" panose="020B0303020404020204" pitchFamily="34" charset="0"/>
                         </a:rPr>
-                        <a:t>Paid Support ($)</a:t>
+                        <a:t>Supporto a pagamento ($)</a:t>
                       </a:r>
                     </a:p>
                   </a:txBody>
@@ -4151,22 +3504,15 @@
                         </a:spcBef>
                       </a:pPr>
                       <a:r>
-                        <a:rPr lang="en-US" sz="1000" b="1" i="0" spc="0">
+                        <a:rPr lang="it-IT" sz="1000" b="1" i="0">
                           <a:solidFill>
                             <a:schemeClr val="bg1"/>
                           </a:solidFill>
                           <a:latin typeface="Adobe Clean" panose="020B0503020404020204" pitchFamily="34" charset="0"/>
                           <a:cs typeface="AdobeClean-Light"/>
                         </a:rPr>
-                        <a:t>Assigned Experts</a:t>
+                        <a:t>Esperti assegnati</a:t>
                       </a:r>
-                      <a:endParaRPr sz="1000" b="1" i="0" spc="0">
-                        <a:solidFill>
-                          <a:schemeClr val="bg1"/>
-                        </a:solidFill>
-                        <a:latin typeface="Adobe Clean" panose="020B0503020404020204" pitchFamily="34" charset="0"/>
-                        <a:cs typeface="AdobeClean-Light"/>
-                      </a:endParaRPr>
                     </a:p>
                   </a:txBody>
                   <a:tcPr marL="0" marR="0" marT="58419" marB="0" anchor="ctr">
@@ -4213,7 +3559,7 @@
                         </a:spcBef>
                       </a:pPr>
                       <a:r>
-                        <a:rPr sz="900" spc="0">
+                        <a:rPr lang="it-IT" sz="900">
                           <a:solidFill>
                             <a:srgbClr val="020302"/>
                           </a:solidFill>
@@ -4222,10 +3568,6 @@
                         </a:rPr>
                         <a:t>Account Support Lead</a:t>
                       </a:r>
-                      <a:endParaRPr sz="900" spc="0">
-                        <a:latin typeface="AdobeClean-Light"/>
-                        <a:cs typeface="AdobeClean-Light"/>
-                      </a:endParaRPr>
                     </a:p>
                   </a:txBody>
                   <a:tcPr marL="0" marR="0" marT="58419" marB="0">
@@ -4260,7 +3602,7 @@
                     <a:bodyPr/>
                     <a:lstStyle/>
                     <a:p>
-                      <a:pPr algn="ctr">
+                      <a:pPr algn="l" rtl="0">
                         <a:lnSpc>
                           <a:spcPct val="100000"/>
                         </a:lnSpc>
@@ -4310,7 +3652,7 @@
                         </a:spcBef>
                       </a:pPr>
                       <a:r>
-                        <a:rPr sz="900">
+                        <a:rPr lang="it-IT" sz="900">
                           <a:solidFill>
                             <a:srgbClr val="020302"/>
                           </a:solidFill>
@@ -4319,10 +3661,6 @@
                         </a:rPr>
                         <a:t></a:t>
                       </a:r>
-                      <a:endParaRPr sz="900">
-                        <a:latin typeface="Wingdings"/>
-                        <a:cs typeface="Wingdings"/>
-                      </a:endParaRPr>
                     </a:p>
                   </a:txBody>
                   <a:tcPr marL="0" marR="0" marT="59690" marB="0" anchor="ctr">
@@ -4354,7 +3692,7 @@
                     <a:bodyPr/>
                     <a:lstStyle/>
                     <a:p>
-                      <a:pPr marL="50800">
+                      <a:pPr marL="50800" algn="l" rtl="0">
                         <a:lnSpc>
                           <a:spcPct val="100000"/>
                         </a:lnSpc>
@@ -4400,7 +3738,7 @@
                         </a:spcBef>
                       </a:pPr>
                       <a:r>
-                        <a:rPr sz="900" spc="0">
+                        <a:rPr lang="it-IT" sz="900">
                           <a:solidFill>
                             <a:srgbClr val="020302"/>
                           </a:solidFill>
@@ -4409,10 +3747,6 @@
                         </a:rPr>
                         <a:t>Named Support Engineer</a:t>
                       </a:r>
-                      <a:endParaRPr sz="900" spc="0">
-                        <a:latin typeface="AdobeClean-Light"/>
-                        <a:cs typeface="AdobeClean-Light"/>
-                      </a:endParaRPr>
                     </a:p>
                   </a:txBody>
                   <a:tcPr marL="0" marR="0" marT="58419" marB="0">
@@ -4435,7 +3769,7 @@
                     <a:bodyPr/>
                     <a:lstStyle/>
                     <a:p>
-                      <a:pPr algn="ctr">
+                      <a:pPr algn="l" rtl="0">
                         <a:lnSpc>
                           <a:spcPct val="100000"/>
                         </a:lnSpc>
@@ -4464,7 +3798,7 @@
                     <a:bodyPr/>
                     <a:lstStyle/>
                     <a:p>
-                      <a:pPr algn="ctr">
+                      <a:pPr algn="l" rtl="0">
                         <a:lnSpc>
                           <a:spcPct val="100000"/>
                         </a:lnSpc>
@@ -4495,7 +3829,7 @@
                     <a:bodyPr/>
                     <a:lstStyle/>
                     <a:p>
-                      <a:pPr marL="50800">
+                      <a:pPr marL="50800" algn="l" rtl="0">
                         <a:lnSpc>
                           <a:spcPct val="100000"/>
                         </a:lnSpc>
@@ -4553,7 +3887,7 @@
                         </a:spcBef>
                       </a:pPr>
                       <a:r>
-                        <a:rPr sz="900" spc="0">
+                        <a:rPr lang="it-IT" sz="900">
                           <a:solidFill>
                             <a:srgbClr val="020302"/>
                           </a:solidFill>
@@ -4562,10 +3896,6 @@
                         </a:rPr>
                         <a:t>Technical Account Manager</a:t>
                       </a:r>
-                      <a:endParaRPr sz="900" spc="0">
-                        <a:latin typeface="AdobeClean-Light"/>
-                        <a:cs typeface="AdobeClean-Light"/>
-                      </a:endParaRPr>
                     </a:p>
                   </a:txBody>
                   <a:tcPr marL="0" marR="0" marT="63500" marB="0">
@@ -4594,7 +3924,7 @@
                     <a:bodyPr/>
                     <a:lstStyle/>
                     <a:p>
-                      <a:pPr algn="ctr">
+                      <a:pPr algn="l" rtl="0">
                         <a:lnSpc>
                           <a:spcPct val="100000"/>
                         </a:lnSpc>
@@ -4632,7 +3962,7 @@
                     <a:bodyPr/>
                     <a:lstStyle/>
                     <a:p>
-                      <a:pPr algn="ctr">
+                      <a:pPr algn="l" rtl="0">
                         <a:lnSpc>
                           <a:spcPct val="100000"/>
                         </a:lnSpc>
@@ -4681,22 +4011,15 @@
                         </a:spcBef>
                       </a:pPr>
                       <a:r>
-                        <a:rPr lang="en-US" sz="1000" b="1" i="0" spc="0">
+                        <a:rPr lang="it-IT" sz="1000" b="1" i="0">
                           <a:solidFill>
                             <a:schemeClr val="bg1"/>
                           </a:solidFill>
                           <a:latin typeface="Adobe Clean" panose="020B0503020404020204" pitchFamily="34" charset="0"/>
                           <a:cs typeface="AdobeClean-Light"/>
                         </a:rPr>
-                        <a:t>Support Services</a:t>
+                        <a:t>Servizi di assistenza</a:t>
                       </a:r>
-                      <a:endParaRPr sz="1000" b="1" i="0" spc="0">
-                        <a:solidFill>
-                          <a:schemeClr val="bg1"/>
-                        </a:solidFill>
-                        <a:latin typeface="Adobe Clean" panose="020B0503020404020204" pitchFamily="34" charset="0"/>
-                        <a:cs typeface="AdobeClean-Light"/>
-                      </a:endParaRPr>
                     </a:p>
                   </a:txBody>
                   <a:tcPr marL="0" marR="0" marT="57150" marB="0" anchor="ctr">
@@ -4752,29 +4075,15 @@
                         </a:spcBef>
                       </a:pPr>
                       <a:r>
-                        <a:rPr lang="en-US" sz="900" spc="0">
+                        <a:rPr lang="it-IT" sz="900">
                           <a:solidFill>
                             <a:srgbClr val="020302"/>
                           </a:solidFill>
                           <a:latin typeface="AdobeClean-Light"/>
                           <a:cs typeface="AdobeClean-Light"/>
                         </a:rPr>
-                        <a:t>Online</a:t>
+                        <a:t>Supporto Online</a:t>
                       </a:r>
-                      <a:r>
-                        <a:rPr sz="900" spc="0">
-                          <a:solidFill>
-                            <a:srgbClr val="020302"/>
-                          </a:solidFill>
-                          <a:latin typeface="AdobeClean-Light"/>
-                          <a:cs typeface="AdobeClean-Light"/>
-                        </a:rPr>
-                        <a:t> Support</a:t>
-                      </a:r>
-                      <a:endParaRPr sz="900" spc="0">
-                        <a:latin typeface="AdobeClean-Light"/>
-                        <a:cs typeface="AdobeClean-Light"/>
-                      </a:endParaRPr>
                     </a:p>
                   </a:txBody>
                   <a:tcPr marL="0" marR="0" marT="57150" marB="0">
@@ -4812,39 +4121,15 @@
                         </a:spcBef>
                       </a:pPr>
                       <a:r>
-                        <a:rPr sz="900" spc="-25">
+                        <a:rPr lang="it-IT" sz="900">
                           <a:solidFill>
                             <a:srgbClr val="020302"/>
                           </a:solidFill>
                           <a:latin typeface="AdobeClean-Light"/>
                           <a:cs typeface="AdobeClean-Light"/>
                         </a:rPr>
-                        <a:t>Business</a:t>
+                        <a:t>Orario operativo</a:t>
                       </a:r>
-                      <a:r>
-                        <a:rPr sz="900" spc="-15">
-                          <a:solidFill>
-                            <a:srgbClr val="020302"/>
-                          </a:solidFill>
-                          <a:latin typeface="AdobeClean-Light"/>
-                          <a:cs typeface="AdobeClean-Light"/>
-                        </a:rPr>
-                        <a:t> </a:t>
-                      </a:r>
-                      <a:r>
-                        <a:rPr sz="900" spc="-30">
-                          <a:solidFill>
-                            <a:srgbClr val="020302"/>
-                          </a:solidFill>
-                          <a:latin typeface="AdobeClean-Light"/>
-                          <a:cs typeface="AdobeClean-Light"/>
-                        </a:rPr>
-                        <a:t>hours</a:t>
-                      </a:r>
-                      <a:endParaRPr sz="900">
-                        <a:latin typeface="AdobeClean-Light"/>
-                        <a:cs typeface="AdobeClean-Light"/>
-                      </a:endParaRPr>
                     </a:p>
                   </a:txBody>
                   <a:tcPr marL="0" marR="0" marT="67945" marB="0">
@@ -4883,39 +4168,15 @@
                         </a:spcBef>
                       </a:pPr>
                       <a:r>
-                        <a:rPr sz="900" spc="-25">
+                        <a:rPr lang="it-IT" sz="900">
                           <a:solidFill>
                             <a:srgbClr val="020302"/>
                           </a:solidFill>
                           <a:latin typeface="AdobeClean-Light"/>
                           <a:cs typeface="AdobeClean-Light"/>
                         </a:rPr>
-                        <a:t>Business</a:t>
+                        <a:t>Orario operativo</a:t>
                       </a:r>
-                      <a:r>
-                        <a:rPr sz="900" spc="-15">
-                          <a:solidFill>
-                            <a:srgbClr val="020302"/>
-                          </a:solidFill>
-                          <a:latin typeface="AdobeClean-Light"/>
-                          <a:cs typeface="AdobeClean-Light"/>
-                        </a:rPr>
-                        <a:t> </a:t>
-                      </a:r>
-                      <a:r>
-                        <a:rPr sz="900" spc="-30">
-                          <a:solidFill>
-                            <a:srgbClr val="020302"/>
-                          </a:solidFill>
-                          <a:latin typeface="AdobeClean-Light"/>
-                          <a:cs typeface="AdobeClean-Light"/>
-                        </a:rPr>
-                        <a:t>hours</a:t>
-                      </a:r>
-                      <a:endParaRPr sz="900">
-                        <a:latin typeface="AdobeClean-Light"/>
-                        <a:cs typeface="AdobeClean-Light"/>
-                      </a:endParaRPr>
                     </a:p>
                   </a:txBody>
                   <a:tcPr marL="0" marR="0" marT="67945" marB="0">
@@ -4947,7 +4208,7 @@
                     <a:bodyPr/>
                     <a:lstStyle/>
                     <a:p>
-                      <a:pPr marL="50800">
+                      <a:pPr marL="50800" algn="l" rtl="0">
                         <a:lnSpc>
                           <a:spcPct val="100000"/>
                         </a:lnSpc>
@@ -4996,39 +4257,15 @@
                         </a:spcBef>
                       </a:pPr>
                       <a:r>
-                        <a:rPr sz="900" spc="0">
+                        <a:rPr lang="it-IT" sz="900">
                           <a:solidFill>
                             <a:srgbClr val="020302"/>
                           </a:solidFill>
                           <a:latin typeface="AdobeClean-Light"/>
                           <a:cs typeface="AdobeClean-Light"/>
                         </a:rPr>
-                        <a:t>24x7</a:t>
+                        <a:t>Supporto per problemi P1 24x7x365</a:t>
                       </a:r>
-                      <a:r>
-                        <a:rPr lang="en-US" sz="900" spc="0">
-                          <a:solidFill>
-                            <a:srgbClr val="020302"/>
-                          </a:solidFill>
-                          <a:latin typeface="AdobeClean-Light"/>
-                          <a:cs typeface="AdobeClean-Light"/>
-                        </a:rPr>
-                        <a:t>x365</a:t>
-                      </a:r>
-                      <a:r>
-                        <a:rPr sz="900" spc="0">
-                          <a:solidFill>
-                            <a:srgbClr val="020302"/>
-                          </a:solidFill>
-                          <a:latin typeface="AdobeClean-Light"/>
-                          <a:cs typeface="AdobeClean-Light"/>
-                        </a:rPr>
-                        <a:t> P1 Issue Support</a:t>
-                      </a:r>
-                      <a:endParaRPr sz="900" spc="0">
-                        <a:latin typeface="AdobeClean-Light"/>
-                        <a:cs typeface="AdobeClean-Light"/>
-                      </a:endParaRPr>
                     </a:p>
                   </a:txBody>
                   <a:tcPr marL="0" marR="0" marT="57785" marB="0">
@@ -5060,7 +4297,7 @@
                         </a:spcBef>
                       </a:pPr>
                       <a:r>
-                        <a:rPr sz="900">
+                        <a:rPr lang="it-IT" sz="900">
                           <a:solidFill>
                             <a:srgbClr val="020302"/>
                           </a:solidFill>
@@ -5069,10 +4306,6 @@
                         </a:rPr>
                         <a:t></a:t>
                       </a:r>
-                      <a:endParaRPr sz="900">
-                        <a:latin typeface="Wingdings"/>
-                        <a:cs typeface="Wingdings"/>
-                      </a:endParaRPr>
                     </a:p>
                   </a:txBody>
                   <a:tcPr marL="0" marR="0" marT="58419" marB="0">
@@ -5102,7 +4335,7 @@
                         </a:spcBef>
                       </a:pPr>
                       <a:r>
-                        <a:rPr sz="900">
+                        <a:rPr lang="it-IT" sz="900">
                           <a:solidFill>
                             <a:srgbClr val="020302"/>
                           </a:solidFill>
@@ -5111,10 +4344,6 @@
                         </a:rPr>
                         <a:t></a:t>
                       </a:r>
-                      <a:endParaRPr sz="900">
-                        <a:latin typeface="Wingdings"/>
-                        <a:cs typeface="Wingdings"/>
-                      </a:endParaRPr>
                     </a:p>
                   </a:txBody>
                   <a:tcPr marL="0" marR="0" marT="58419" marB="0">
@@ -5137,7 +4366,7 @@
                     <a:bodyPr/>
                     <a:lstStyle/>
                     <a:p>
-                      <a:pPr marL="50800">
+                      <a:pPr marL="50800" algn="l" rtl="0">
                         <a:lnSpc>
                           <a:spcPct val="100000"/>
                         </a:lnSpc>
@@ -5195,19 +4424,15 @@
                         </a:spcBef>
                       </a:pPr>
                       <a:r>
-                        <a:rPr lang="en-US" sz="900" spc="0">
+                        <a:rPr lang="it-IT" sz="900">
                           <a:solidFill>
                             <a:srgbClr val="020302"/>
                           </a:solidFill>
                           <a:latin typeface="AdobeClean-Light"/>
                           <a:cs typeface="AdobeClean-Light"/>
                         </a:rPr>
-                        <a:t>Named Support Contacts (per product)</a:t>
+                        <a:t>Contatti interni per il supporto (per prodotto)</a:t>
                       </a:r>
-                      <a:endParaRPr sz="900" spc="0">
-                        <a:latin typeface="AdobeClean-Light"/>
-                        <a:cs typeface="AdobeClean-Light"/>
-                      </a:endParaRPr>
                     </a:p>
                   </a:txBody>
                   <a:tcPr marL="0" marR="0" marT="57785" marB="0">
@@ -5245,7 +4470,7 @@
                         </a:spcBef>
                       </a:pPr>
                       <a:r>
-                        <a:rPr sz="900">
+                        <a:rPr lang="it-IT" sz="900">
                           <a:solidFill>
                             <a:srgbClr val="020302"/>
                           </a:solidFill>
@@ -5254,10 +4479,6 @@
                         </a:rPr>
                         <a:t>4</a:t>
                       </a:r>
-                      <a:endParaRPr sz="900">
-                        <a:latin typeface="AdobeClean-Light"/>
-                        <a:cs typeface="AdobeClean-Light"/>
-                      </a:endParaRPr>
                     </a:p>
                   </a:txBody>
                   <a:tcPr marL="0" marR="0" marT="57785" marB="0">
@@ -5287,7 +4508,7 @@
                         </a:spcBef>
                       </a:pPr>
                       <a:r>
-                        <a:rPr sz="900">
+                        <a:rPr lang="it-IT" sz="900">
                           <a:solidFill>
                             <a:srgbClr val="020302"/>
                           </a:solidFill>
@@ -5296,10 +4517,6 @@
                         </a:rPr>
                         <a:t>6</a:t>
                       </a:r>
-                      <a:endParaRPr sz="900">
-                        <a:latin typeface="AdobeClean-Light"/>
-                        <a:cs typeface="AdobeClean-Light"/>
-                      </a:endParaRPr>
                     </a:p>
                   </a:txBody>
                   <a:tcPr marL="0" marR="0" marT="57785" marB="0">
@@ -5322,7 +4539,7 @@
                     <a:bodyPr/>
                     <a:lstStyle/>
                     <a:p>
-                      <a:pPr marL="50800">
+                      <a:pPr marL="50800" algn="l" rtl="0">
                         <a:lnSpc>
                           <a:spcPct val="100000"/>
                         </a:lnSpc>
@@ -5371,19 +4588,15 @@
                         </a:spcBef>
                       </a:pPr>
                       <a:r>
-                        <a:rPr lang="en-US" sz="900" spc="0">
+                        <a:rPr lang="it-IT" sz="900">
                           <a:solidFill>
                             <a:srgbClr val="020302"/>
                           </a:solidFill>
                           <a:latin typeface="AdobeClean-Light"/>
                           <a:cs typeface="AdobeClean-Light"/>
                         </a:rPr>
-                        <a:t>Live Telephone Support</a:t>
+                        <a:t>Supporto telefonico in diretta</a:t>
                       </a:r>
-                      <a:endParaRPr sz="900" spc="0">
-                        <a:latin typeface="AdobeClean-Light"/>
-                        <a:cs typeface="AdobeClean-Light"/>
-                      </a:endParaRPr>
                     </a:p>
                   </a:txBody>
                   <a:tcPr marL="0" marR="0" marT="57785" marB="0">
@@ -5406,7 +4619,7 @@
                     <a:bodyPr/>
                     <a:lstStyle/>
                     <a:p>
-                      <a:pPr algn="ctr">
+                      <a:pPr algn="l" rtl="0">
                         <a:lnSpc>
                           <a:spcPct val="100000"/>
                         </a:lnSpc>
@@ -5447,7 +4660,7 @@
                         </a:spcBef>
                       </a:pPr>
                       <a:r>
-                        <a:rPr sz="900">
+                        <a:rPr lang="it-IT" sz="900">
                           <a:solidFill>
                             <a:srgbClr val="020302"/>
                           </a:solidFill>
@@ -5456,10 +4669,6 @@
                         </a:rPr>
                         <a:t></a:t>
                       </a:r>
-                      <a:endParaRPr sz="900">
-                        <a:latin typeface="Wingdings"/>
-                        <a:cs typeface="Wingdings"/>
-                      </a:endParaRPr>
                     </a:p>
                   </a:txBody>
                   <a:tcPr marL="0" marR="0" marT="59054" marB="0">
@@ -5482,7 +4691,7 @@
                     <a:bodyPr/>
                     <a:lstStyle/>
                     <a:p>
-                      <a:pPr marL="50800">
+                      <a:pPr marL="50800" algn="l" rtl="0">
                         <a:lnSpc>
                           <a:spcPct val="100000"/>
                         </a:lnSpc>
@@ -5531,19 +4740,15 @@
                         </a:spcBef>
                       </a:pPr>
                       <a:r>
-                        <a:rPr sz="900" spc="0">
+                        <a:rPr lang="it-IT" sz="900">
                           <a:solidFill>
                             <a:srgbClr val="020302"/>
                           </a:solidFill>
                           <a:latin typeface="AdobeClean-Light"/>
                           <a:cs typeface="AdobeClean-Light"/>
                         </a:rPr>
-                        <a:t>Escalation Management</a:t>
+                        <a:t>Gestione delle escalation</a:t>
                       </a:r>
-                      <a:endParaRPr sz="900" spc="0">
-                        <a:latin typeface="AdobeClean-Light"/>
-                        <a:cs typeface="AdobeClean-Light"/>
-                      </a:endParaRPr>
                     </a:p>
                   </a:txBody>
                   <a:tcPr marL="0" marR="0" marT="58419" marB="0">
@@ -5566,7 +4771,7 @@
                     <a:bodyPr/>
                     <a:lstStyle/>
                     <a:p>
-                      <a:pPr algn="ctr">
+                      <a:pPr algn="l" rtl="0">
                         <a:lnSpc>
                           <a:spcPct val="100000"/>
                         </a:lnSpc>
@@ -5607,7 +4812,7 @@
                         </a:spcBef>
                       </a:pPr>
                       <a:r>
-                        <a:rPr sz="900">
+                        <a:rPr lang="it-IT" sz="900">
                           <a:solidFill>
                             <a:srgbClr val="020302"/>
                           </a:solidFill>
@@ -5616,10 +4821,6 @@
                         </a:rPr>
                         <a:t></a:t>
                       </a:r>
-                      <a:endParaRPr sz="900">
-                        <a:latin typeface="Wingdings"/>
-                        <a:cs typeface="Wingdings"/>
-                      </a:endParaRPr>
                     </a:p>
                   </a:txBody>
                   <a:tcPr marL="0" marR="0" marT="59690" marB="0">
@@ -5642,7 +4843,7 @@
                     <a:bodyPr/>
                     <a:lstStyle/>
                     <a:p>
-                      <a:pPr marL="50800">
+                      <a:pPr marL="50800" algn="l" rtl="0">
                         <a:lnSpc>
                           <a:spcPct val="100000"/>
                         </a:lnSpc>
@@ -5691,29 +4892,15 @@
                         </a:spcBef>
                       </a:pPr>
                       <a:r>
-                        <a:rPr sz="900" spc="0">
+                        <a:rPr lang="it-IT" sz="900">
                           <a:solidFill>
                             <a:srgbClr val="020302"/>
                           </a:solidFill>
                           <a:latin typeface="AdobeClean-Light"/>
                           <a:cs typeface="AdobeClean-Light"/>
                         </a:rPr>
-                        <a:t>Service Reviews </a:t>
+                        <a:t>Valutazioni dei servizi all’anno</a:t>
                       </a:r>
-                      <a:r>
-                        <a:rPr lang="en-US" sz="900" spc="0">
-                          <a:solidFill>
-                            <a:srgbClr val="020302"/>
-                          </a:solidFill>
-                          <a:latin typeface="AdobeClean-Light"/>
-                          <a:cs typeface="AdobeClean-Light"/>
-                        </a:rPr>
-                        <a:t>per Year</a:t>
-                      </a:r>
-                      <a:endParaRPr sz="900" spc="0">
-                        <a:latin typeface="AdobeClean-Light"/>
-                        <a:cs typeface="AdobeClean-Light"/>
-                      </a:endParaRPr>
                     </a:p>
                   </a:txBody>
                   <a:tcPr marL="0" marR="0" marT="57150" marB="0">
@@ -5736,7 +4923,7 @@
                     <a:bodyPr/>
                     <a:lstStyle/>
                     <a:p>
-                      <a:pPr>
+                      <a:pPr algn="l" rtl="0">
                         <a:lnSpc>
                           <a:spcPct val="100000"/>
                         </a:lnSpc>
@@ -5765,7 +4952,7 @@
                     <a:bodyPr/>
                     <a:lstStyle/>
                     <a:p>
-                      <a:pPr>
+                      <a:pPr algn="l" rtl="0">
                         <a:lnSpc>
                           <a:spcPct val="100000"/>
                         </a:lnSpc>
@@ -5815,16 +5002,12 @@
                         </a:spcBef>
                       </a:pPr>
                       <a:r>
-                        <a:rPr lang="en-US" sz="900" spc="0">
+                        <a:rPr lang="it-IT" sz="900">
                           <a:latin typeface="AdobeClean-Light"/>
                           <a:cs typeface="AdobeClean-Light"/>
                         </a:rPr>
-                        <a:t>Expert Sessions per Year</a:t>
+                        <a:t>Sessioni con esperti all’anno</a:t>
                       </a:r>
-                      <a:endParaRPr sz="900" spc="0">
-                        <a:latin typeface="AdobeClean-Light"/>
-                        <a:cs typeface="AdobeClean-Light"/>
-                      </a:endParaRPr>
                     </a:p>
                   </a:txBody>
                   <a:tcPr marL="0" marR="0" marT="57150" marB="0">
@@ -5853,7 +5036,7 @@
                     <a:bodyPr/>
                     <a:lstStyle/>
                     <a:p>
-                      <a:pPr>
+                      <a:pPr algn="l" rtl="0">
                         <a:lnSpc>
                           <a:spcPct val="100000"/>
                         </a:lnSpc>
@@ -5882,7 +5065,7 @@
                     <a:bodyPr/>
                     <a:lstStyle/>
                     <a:p>
-                      <a:pPr>
+                      <a:pPr algn="l" rtl="0">
                         <a:lnSpc>
                           <a:spcPct val="100000"/>
                         </a:lnSpc>
@@ -5932,16 +5115,12 @@
                         </a:spcBef>
                       </a:pPr>
                       <a:r>
-                        <a:rPr lang="en-US" sz="900" spc="0">
+                        <a:rPr lang="it-IT" sz="900">
                           <a:latin typeface="AdobeClean-Light"/>
                           <a:cs typeface="AdobeClean-Light"/>
                         </a:rPr>
-                        <a:t>Case Reviews</a:t>
+                        <a:t>Valutazione dei casi</a:t>
                       </a:r>
-                      <a:endParaRPr sz="900" spc="0">
-                        <a:latin typeface="AdobeClean-Light"/>
-                        <a:cs typeface="AdobeClean-Light"/>
-                      </a:endParaRPr>
                     </a:p>
                   </a:txBody>
                   <a:tcPr marL="0" marR="0" marT="57150" marB="0">
@@ -5970,7 +5149,7 @@
                     <a:bodyPr/>
                     <a:lstStyle/>
                     <a:p>
-                      <a:pPr>
+                      <a:pPr algn="l" rtl="0">
                         <a:lnSpc>
                           <a:spcPct val="100000"/>
                         </a:lnSpc>
@@ -5999,7 +5178,7 @@
                     <a:bodyPr/>
                     <a:lstStyle/>
                     <a:p>
-                      <a:pPr>
+                      <a:pPr algn="l" rtl="0">
                         <a:lnSpc>
                           <a:spcPct val="100000"/>
                         </a:lnSpc>
@@ -6030,7 +5209,7 @@
                     <a:bodyPr/>
                     <a:lstStyle/>
                     <a:p>
-                      <a:pPr marL="48895">
+                      <a:pPr marL="48895" algn="l" rtl="0">
                         <a:lnSpc>
                           <a:spcPct val="100000"/>
                         </a:lnSpc>
@@ -6088,29 +5267,15 @@
                         </a:spcBef>
                       </a:pPr>
                       <a:r>
-                        <a:rPr sz="900" spc="0">
+                        <a:rPr lang="it-IT" sz="900">
                           <a:solidFill>
                             <a:srgbClr val="020302"/>
                           </a:solidFill>
                           <a:latin typeface="AdobeClean-Light"/>
                           <a:cs typeface="AdobeClean-Light"/>
                         </a:rPr>
-                        <a:t>Event </a:t>
+                        <a:t>Gestione degli eventi</a:t>
                       </a:r>
-                      <a:r>
-                        <a:rPr lang="en-US" sz="900" spc="0">
-                          <a:solidFill>
-                            <a:srgbClr val="020302"/>
-                          </a:solidFill>
-                          <a:latin typeface="AdobeClean-Light"/>
-                          <a:cs typeface="AdobeClean-Light"/>
-                        </a:rPr>
-                        <a:t>Management</a:t>
-                      </a:r>
-                      <a:endParaRPr sz="900" spc="0">
-                        <a:latin typeface="AdobeClean-Light"/>
-                        <a:cs typeface="AdobeClean-Light"/>
-                      </a:endParaRPr>
                     </a:p>
                   </a:txBody>
                   <a:tcPr marL="0" marR="0" marT="58419" marB="0">
@@ -6139,7 +5304,7 @@
                     <a:bodyPr/>
                     <a:lstStyle/>
                     <a:p>
-                      <a:pPr>
+                      <a:pPr algn="l" rtl="0">
                         <a:lnSpc>
                           <a:spcPct val="100000"/>
                         </a:lnSpc>
@@ -6168,7 +5333,7 @@
                     <a:bodyPr/>
                     <a:lstStyle/>
                     <a:p>
-                      <a:pPr>
+                      <a:pPr algn="l" rtl="0">
                         <a:lnSpc>
                           <a:spcPct val="100000"/>
                         </a:lnSpc>
@@ -6199,7 +5364,7 @@
                     <a:bodyPr/>
                     <a:lstStyle/>
                     <a:p>
-                      <a:pPr marL="48895">
+                      <a:pPr marL="48895" algn="l" rtl="0">
                         <a:lnSpc>
                           <a:spcPct val="100000"/>
                         </a:lnSpc>
@@ -6248,39 +5413,15 @@
                         </a:spcBef>
                       </a:pPr>
                       <a:r>
-                        <a:rPr sz="900" spc="0">
+                        <a:rPr lang="it-IT" sz="900">
                           <a:solidFill>
                             <a:srgbClr val="020302"/>
                           </a:solidFill>
                           <a:latin typeface="AdobeClean-Light"/>
                           <a:cs typeface="AdobeClean-Light"/>
                         </a:rPr>
-                        <a:t>Environment</a:t>
+                        <a:t>Valutazione ambiente, manutenzione e monitoraggio</a:t>
                       </a:r>
-                      <a:r>
-                        <a:rPr lang="en-US" sz="900" spc="0">
-                          <a:solidFill>
-                            <a:srgbClr val="020302"/>
-                          </a:solidFill>
-                          <a:latin typeface="AdobeClean-Light"/>
-                          <a:cs typeface="AdobeClean-Light"/>
-                        </a:rPr>
-                        <a:t> </a:t>
-                      </a:r>
-                      <a:r>
-                        <a:rPr sz="900" spc="0">
-                          <a:solidFill>
-                            <a:srgbClr val="020302"/>
-                          </a:solidFill>
-                          <a:latin typeface="AdobeClean-Light"/>
-                          <a:cs typeface="AdobeClean-Light"/>
-                        </a:rPr>
-                        <a:t>Review, Maintenance &amp; Monitoring</a:t>
-                      </a:r>
-                      <a:endParaRPr sz="900" spc="0">
-                        <a:latin typeface="AdobeClean-Light"/>
-                        <a:cs typeface="AdobeClean-Light"/>
-                      </a:endParaRPr>
                     </a:p>
                   </a:txBody>
                   <a:tcPr marL="0" marR="0" marT="59055" marB="0">
@@ -6303,7 +5444,7 @@
                     <a:bodyPr/>
                     <a:lstStyle/>
                     <a:p>
-                      <a:pPr>
+                      <a:pPr algn="l" rtl="0">
                         <a:lnSpc>
                           <a:spcPct val="100000"/>
                         </a:lnSpc>
@@ -6332,7 +5473,7 @@
                     <a:bodyPr/>
                     <a:lstStyle/>
                     <a:p>
-                      <a:pPr>
+                      <a:pPr algn="l" rtl="0">
                         <a:lnSpc>
                           <a:spcPct val="100000"/>
                         </a:lnSpc>
@@ -6363,7 +5504,7 @@
                     <a:bodyPr/>
                     <a:lstStyle/>
                     <a:p>
-                      <a:pPr marL="49530">
+                      <a:pPr marL="49530" algn="l" rtl="0">
                         <a:lnSpc>
                           <a:spcPct val="100000"/>
                         </a:lnSpc>
@@ -6412,19 +5553,34 @@
                         </a:spcBef>
                       </a:pPr>
                       <a:r>
-                        <a:rPr sz="900" spc="0">
+                        <a:rPr lang="it-IT" sz="900" dirty="0">
                           <a:solidFill>
                             <a:srgbClr val="020302"/>
                           </a:solidFill>
                           <a:latin typeface="AdobeClean-Light"/>
                           <a:cs typeface="AdobeClean-Light"/>
                         </a:rPr>
-                        <a:t>Release, Migration, Upgrade &amp; Product Roadmap Review</a:t>
+                        <a:t>Valutazione della roadmap di prodotti, versioni, </a:t>
                       </a:r>
-                      <a:endParaRPr sz="900" spc="0">
-                        <a:latin typeface="AdobeClean-Light"/>
-                        <a:cs typeface="AdobeClean-Light"/>
-                      </a:endParaRPr>
+                      <a:br>
+                        <a:rPr lang="sk-SK" sz="900" dirty="0">
+                          <a:solidFill>
+                            <a:srgbClr val="020302"/>
+                          </a:solidFill>
+                          <a:latin typeface="AdobeClean-Light"/>
+                          <a:cs typeface="AdobeClean-Light"/>
+                        </a:rPr>
+                      </a:br>
+                      <a:r>
+                        <a:rPr lang="it-IT" sz="900" dirty="0">
+                          <a:solidFill>
+                            <a:srgbClr val="020302"/>
+                          </a:solidFill>
+                          <a:latin typeface="AdobeClean-Light"/>
+                          <a:cs typeface="AdobeClean-Light"/>
+                        </a:rPr>
+                        <a:t>migrazione e aggiornamento</a:t>
+                      </a:r>
                     </a:p>
                   </a:txBody>
                   <a:tcPr marL="0" marR="0" marT="63500" marB="0">
@@ -6447,7 +5603,7 @@
                     <a:bodyPr/>
                     <a:lstStyle/>
                     <a:p>
-                      <a:pPr>
+                      <a:pPr algn="l" rtl="0">
                         <a:lnSpc>
                           <a:spcPct val="100000"/>
                         </a:lnSpc>
@@ -6476,7 +5632,7 @@
                     <a:bodyPr/>
                     <a:lstStyle/>
                     <a:p>
-                      <a:pPr>
+                      <a:pPr algn="l" rtl="0">
                         <a:lnSpc>
                           <a:spcPct val="100000"/>
                         </a:lnSpc>
@@ -6507,7 +5663,7 @@
                     <a:bodyPr/>
                     <a:lstStyle/>
                     <a:p>
-                      <a:pPr marL="49530">
+                      <a:pPr marL="49530" algn="l" rtl="0">
                         <a:lnSpc>
                           <a:spcPct val="100000"/>
                         </a:lnSpc>
@@ -6565,11 +5721,11 @@
                         </a:spcBef>
                       </a:pPr>
                       <a:r>
-                        <a:rPr sz="900" spc="0">
+                        <a:rPr lang="it-IT" sz="900">
                           <a:latin typeface="AdobeClean-Light"/>
                           <a:cs typeface="AdobeClean-Light"/>
                         </a:rPr>
-                        <a:t>Cloud Support Activities – Experience Manager as Cloud</a:t>
+                        <a:t>Attività di supporto cloud - Experience Manager as Cloud</a:t>
                       </a:r>
                     </a:p>
                   </a:txBody>
@@ -6599,7 +5755,7 @@
                     <a:bodyPr/>
                     <a:lstStyle/>
                     <a:p>
-                      <a:pPr>
+                      <a:pPr algn="l" rtl="0">
                         <a:lnSpc>
                           <a:spcPct val="100000"/>
                         </a:lnSpc>
@@ -6637,7 +5793,7 @@
                     <a:bodyPr/>
                     <a:lstStyle/>
                     <a:p>
-                      <a:pPr>
+                      <a:pPr algn="l" rtl="0">
                         <a:lnSpc>
                           <a:spcPct val="100000"/>
                         </a:lnSpc>
@@ -6686,22 +5842,15 @@
                         </a:spcBef>
                       </a:pPr>
                       <a:r>
-                        <a:rPr lang="en-US" sz="1000" b="1" i="0" spc="0">
+                        <a:rPr lang="it-IT" sz="1000" b="1" i="0">
                           <a:solidFill>
                             <a:schemeClr val="bg1"/>
                           </a:solidFill>
                           <a:latin typeface="Adobe Clean" panose="020B0503020404020204" pitchFamily="34" charset="0"/>
                           <a:cs typeface="AdobeClean-Light"/>
                         </a:rPr>
-                        <a:t>Field Services</a:t>
+                        <a:t>Servizi sul campo</a:t>
                       </a:r>
-                      <a:endParaRPr sz="1000" b="1" i="0" spc="0">
-                        <a:solidFill>
-                          <a:schemeClr val="bg1"/>
-                        </a:solidFill>
-                        <a:latin typeface="Adobe Clean" panose="020B0503020404020204" pitchFamily="34" charset="0"/>
-                        <a:cs typeface="AdobeClean-Light"/>
-                      </a:endParaRPr>
                     </a:p>
                   </a:txBody>
                   <a:tcPr marL="0" marR="0" marT="48260" marB="0" anchor="ctr">
@@ -6754,19 +5903,15 @@
                         </a:spcBef>
                       </a:pPr>
                       <a:r>
-                        <a:rPr sz="900" spc="0">
+                        <a:rPr lang="it-IT" sz="900">
                           <a:solidFill>
                             <a:srgbClr val="020302"/>
                           </a:solidFill>
                           <a:latin typeface="AdobeClean-Light"/>
                           <a:cs typeface="AdobeClean-Light"/>
                         </a:rPr>
-                        <a:t>Launch Advisory Services – First Year of new solution</a:t>
+                        <a:t>Launch Advisory - Nel primo anno di nuove soluzioni</a:t>
                       </a:r>
-                      <a:endParaRPr sz="900" spc="0">
-                        <a:latin typeface="AdobeClean-Light"/>
-                        <a:cs typeface="AdobeClean-Light"/>
-                      </a:endParaRPr>
                     </a:p>
                     <a:p>
                       <a:pPr marL="48260" hangingPunct="0">
@@ -6778,11 +5923,11 @@
                         </a:spcBef>
                       </a:pPr>
                       <a:r>
-                        <a:rPr sz="900" spc="0">
+                        <a:rPr lang="it-IT" sz="900">
                           <a:latin typeface="AdobeClean-Light"/>
                           <a:cs typeface="AdobeClean-Light"/>
                         </a:rPr>
-                        <a:t>Field Service Activities </a:t>
+                        <a:t>Attività di servizio sul campo </a:t>
                       </a:r>
                     </a:p>
                   </a:txBody>
@@ -6818,7 +5963,7 @@
                     <a:bodyPr/>
                     <a:lstStyle/>
                     <a:p>
-                      <a:pPr>
+                      <a:pPr algn="l" rtl="0">
                         <a:lnSpc>
                           <a:spcPct val="100000"/>
                         </a:lnSpc>
@@ -6856,7 +6001,7 @@
                     <a:bodyPr/>
                     <a:lstStyle/>
                     <a:p>
-                      <a:pPr>
+                      <a:pPr algn="l" rtl="0">
                         <a:lnSpc>
                           <a:spcPct val="100000"/>
                         </a:lnSpc>
@@ -6941,7 +6086,7 @@
                     <a:bodyPr/>
                     <a:lstStyle/>
                     <a:p>
-                      <a:pPr>
+                      <a:pPr algn="l" rtl="0">
                         <a:lnSpc>
                           <a:spcPct val="100000"/>
                         </a:lnSpc>
@@ -6967,12 +6112,12 @@
                     <a:bodyPr/>
                     <a:lstStyle/>
                     <a:p>
-                      <a:pPr>
+                      <a:pPr algn="l" rtl="0">
                         <a:lnSpc>
                           <a:spcPct val="100000"/>
                         </a:lnSpc>
                       </a:pPr>
-                      <a:endParaRPr sz="900">
+                      <a:endParaRPr sz="900" dirty="0">
                         <a:latin typeface="Times New Roman"/>
                         <a:cs typeface="Times New Roman"/>
                       </a:endParaRPr>
@@ -7031,7 +6176,7 @@
           <a:lstStyle/>
           <a:p>
             <a:r>
-              <a:rPr lang="en-US" sz="700" i="1">
+              <a:rPr lang="it-IT" sz="700" i="1">
                 <a:solidFill>
                   <a:schemeClr val="bg1"/>
                 </a:solidFill>
@@ -7234,18 +6379,14 @@
               </a:spcBef>
             </a:pPr>
             <a:r>
-              <a:rPr lang="en-US" sz="1000">
+              <a:rPr lang="it-IT" sz="1000">
                 <a:solidFill>
                   <a:srgbClr val="000000"/>
                 </a:solidFill>
                 <a:latin typeface="Adobe Clean Light" panose="020B0303020404020204" pitchFamily="34" charset="0"/>
               </a:rPr>
-              <a:t>A designated Account Support Lead to proactively monitor cases, drive cross-team collaboration, deliver onboarding webinars, run service reports, provide non-technical support assistance, and function as your escalation point and internal advocate within Adobe Support.</a:t>
+              <a:t>Un Account Support Lead dedicato per il monitoraggio proattivo dei casi e per promuovere la collaborazione tra team, fornire webinar introduttivi, eseguire rapporti sui servizi e fornire assistenza non tecnica. Inoltre funge da riferimento per l’escalation dei problemi e da rappresentante del cliente all’interno del supporto Adobe.</a:t>
             </a:r>
-            <a:endParaRPr lang="en-US" sz="1000">
-              <a:latin typeface="Adobe Clean Light" panose="020B0303020404020204" pitchFamily="34" charset="0"/>
-              <a:cs typeface="AdobeClean-Light"/>
-            </a:endParaRPr>
           </a:p>
         </p:txBody>
       </p:sp>
@@ -7282,42 +6423,15 @@
               </a:tabLst>
             </a:pPr>
             <a:r>
-              <a:rPr sz="1000">
+              <a:rPr lang="it-IT" sz="1000">
                 <a:solidFill>
                   <a:srgbClr val="020302"/>
                 </a:solidFill>
                 <a:latin typeface="AdobeClean-Light"/>
                 <a:cs typeface="AdobeClean-Light"/>
               </a:rPr>
-              <a:t>Start a chat session to get answers</a:t>
+              <a:t>Avvia una sessione di chat per ottenere risposte e assistenza nell’invio di un caso.</a:t>
             </a:r>
-            <a:r>
-              <a:rPr lang="en-US" sz="1000">
-                <a:solidFill>
-                  <a:srgbClr val="020302"/>
-                </a:solidFill>
-                <a:latin typeface="AdobeClean-Light"/>
-                <a:cs typeface="AdobeClean-Light"/>
-              </a:rPr>
-              <a:t> &amp; </a:t>
-            </a:r>
-            <a:r>
-              <a:rPr sz="1000">
-                <a:solidFill>
-                  <a:srgbClr val="020302"/>
-                </a:solidFill>
-                <a:latin typeface="AdobeClean-Light"/>
-                <a:cs typeface="AdobeClean-Light"/>
-              </a:rPr>
-              <a:t>help with case submission</a:t>
-            </a:r>
-            <a:endParaRPr lang="en-US" sz="1000">
-              <a:solidFill>
-                <a:srgbClr val="020302"/>
-              </a:solidFill>
-              <a:latin typeface="AdobeClean-Light"/>
-              <a:cs typeface="AdobeClean-Light"/>
-            </a:endParaRPr>
           </a:p>
           <a:p>
             <a:pPr marL="33020" marR="159385">
@@ -7332,17 +6446,17 @@
               </a:tabLst>
             </a:pPr>
             <a:r>
-              <a:rPr sz="1000" i="1">
+              <a:rPr lang="it-IT" sz="1000" i="1">
                 <a:solidFill>
                   <a:srgbClr val="7A7A7A"/>
                 </a:solidFill>
                 <a:latin typeface="AdobeClean-LightIt"/>
                 <a:cs typeface="AdobeClean-LightIt"/>
               </a:rPr>
-              <a:t>*Not all products have live chat support</a:t>
+              <a:t>* Il supporto chat in diretta non è disponibile per tutti i prodotti</a:t>
             </a:r>
             <a:r>
-              <a:rPr sz="900" i="1">
+              <a:rPr lang="it-IT" sz="900" i="1">
                 <a:solidFill>
                   <a:srgbClr val="7A7A7A"/>
                 </a:solidFill>
@@ -7351,10 +6465,6 @@
               </a:rPr>
               <a:t>.  </a:t>
             </a:r>
-            <a:endParaRPr sz="900">
-              <a:latin typeface="AdobeClean-Light"/>
-              <a:cs typeface="AdobeClean-Light"/>
-            </a:endParaRPr>
           </a:p>
         </p:txBody>
       </p:sp>
@@ -7430,12 +6540,12 @@
               <a:defRPr/>
             </a:pPr>
             <a:r>
-              <a:rPr lang="en-US" sz="1200">
+              <a:rPr lang="it-IT" sz="1200">
                 <a:solidFill>
                   <a:srgbClr val="000000"/>
                 </a:solidFill>
               </a:rPr>
-              <a:t>Community Forums</a:t>
+              <a:t>Forum della community</a:t>
             </a:r>
           </a:p>
         </p:txBody>
@@ -7478,12 +6588,12 @@
               </a:spcAft>
             </a:pPr>
             <a:r>
-              <a:rPr lang="en-US" sz="1200" b="1">
+              <a:rPr lang="it-IT" sz="1200" b="1">
                 <a:latin typeface="+mj-lt"/>
                 <a:ea typeface="Open Sans" pitchFamily="34" charset="0"/>
                 <a:cs typeface="Open Sans" pitchFamily="34" charset="0"/>
               </a:rPr>
-              <a:t>Online Forums</a:t>
+              <a:t>Forum online</a:t>
             </a:r>
           </a:p>
         </p:txBody>
@@ -7516,13 +6626,13 @@
           <a:lstStyle/>
           <a:p>
             <a:r>
-              <a:rPr lang="en-US" sz="1000">
+              <a:rPr lang="it-IT" sz="1000">
                 <a:solidFill>
                   <a:srgbClr val="000000"/>
                 </a:solidFill>
                 <a:latin typeface="Adobe Clean Light" panose="020B0303020404020204" pitchFamily="34" charset="0"/>
               </a:rPr>
-              <a:t>Continuous online access to a growing database of technical solutions, product documentation, FAQs and more. Thousands of customers can connect to share best practices and lessons learned.</a:t>
+              <a:t>Accesso online continuo a un database in continua crescita di soluzioni tecniche, documentazione del prodotto, risposte alle domande più frequenti e altro ancora. Migliaia di clienti possono condividere best practice ed esperienze.</a:t>
             </a:r>
           </a:p>
         </p:txBody>
@@ -7565,12 +6675,12 @@
               </a:spcAft>
             </a:pPr>
             <a:r>
-              <a:rPr lang="en-US" sz="1200" b="1">
+              <a:rPr lang="it-IT" sz="1200" b="1">
                 <a:latin typeface="+mj-lt"/>
                 <a:ea typeface="Open Sans" pitchFamily="34" charset="0"/>
                 <a:cs typeface="Open Sans" pitchFamily="34" charset="0"/>
               </a:rPr>
-              <a:t>Self-guided Journeys</a:t>
+              <a:t>Percorsi autoguidati</a:t>
             </a:r>
           </a:p>
         </p:txBody>
@@ -7590,7 +6700,7 @@
         <p:spPr>
           <a:xfrm>
             <a:off x="5376301" y="6529249"/>
-            <a:ext cx="2286000" cy="959237"/>
+            <a:ext cx="2286000" cy="1143903"/>
           </a:xfrm>
           <a:prstGeom prst="rect">
             <a:avLst/>
@@ -7603,13 +6713,13 @@
           <a:lstStyle/>
           <a:p>
             <a:r>
-              <a:rPr lang="en-US" sz="1000">
+              <a:rPr lang="it-IT" sz="900" dirty="0">
                 <a:solidFill>
                   <a:srgbClr val="000000"/>
                 </a:solidFill>
                 <a:latin typeface="Adobe Clean Light" panose="020B0303020404020204" pitchFamily="34" charset="0"/>
               </a:rPr>
-              <a:t>Experience Makers are made with Experience League. Customers can kickstart their Customer Experience Management abilities with personalized learning to develop skills, engage with a global community of peers, and earn career advancing recognition.</a:t>
+              <a:t>Diventa un Experience Maker con Experience League. Puoi acquisire rapidamente le capacità necessarie nella gestione della customer experience seguendo un percorso di apprendimento personalizzato per sviluppare nuove competenze, partecipare a una comunità globale di professionisti e guadagnare riconoscimenti di valore sul piano professionale.</a:t>
             </a:r>
           </a:p>
         </p:txBody>
@@ -7657,12 +6767,12 @@
               <a:defRPr/>
             </a:pPr>
             <a:r>
-              <a:rPr lang="en-US" sz="1200">
+              <a:rPr lang="it-IT" sz="1200">
                 <a:solidFill>
                   <a:srgbClr val="000000"/>
                 </a:solidFill>
               </a:rPr>
-              <a:t>Live Chat  Support*</a:t>
+              <a:t>Supporto chat in diretta*</a:t>
             </a:r>
           </a:p>
         </p:txBody>
@@ -7705,12 +6815,12 @@
               </a:spcAft>
             </a:pPr>
             <a:r>
-              <a:rPr lang="en-US" sz="1200" b="1">
+              <a:rPr lang="it-IT" sz="1200" b="1">
                 <a:latin typeface="+mj-lt"/>
                 <a:ea typeface="Open Sans" pitchFamily="34" charset="0"/>
                 <a:cs typeface="Open Sans" pitchFamily="34" charset="0"/>
               </a:rPr>
-              <a:t>Chat Support</a:t>
+              <a:t>Supporto chat</a:t>
             </a:r>
           </a:p>
         </p:txBody>
@@ -7758,12 +6868,12 @@
               <a:defRPr/>
             </a:pPr>
             <a:r>
-              <a:rPr lang="en-US" sz="1200">
+              <a:rPr lang="it-IT" sz="1200">
                 <a:solidFill>
                   <a:srgbClr val="000000"/>
                 </a:solidFill>
               </a:rPr>
-              <a:t>24X7 P1 </a:t>
+              <a:t>24x7 P1 </a:t>
             </a:r>
           </a:p>
         </p:txBody>
@@ -7806,12 +6916,12 @@
               </a:spcAft>
             </a:pPr>
             <a:r>
-              <a:rPr lang="en-US" sz="1200" b="1">
+              <a:rPr lang="it-IT" sz="1200" b="1">
                 <a:latin typeface="+mj-lt"/>
                 <a:ea typeface="Open Sans" pitchFamily="34" charset="0"/>
                 <a:cs typeface="Open Sans" pitchFamily="34" charset="0"/>
               </a:rPr>
-              <a:t>Phone Support</a:t>
+              <a:t>Supporto telefonico</a:t>
             </a:r>
           </a:p>
         </p:txBody>
@@ -7844,26 +6954,20 @@
           <a:lstStyle/>
           <a:p>
             <a:r>
-              <a:rPr lang="en-US" sz="1000">
+              <a:rPr lang="it-IT" sz="1000">
                 <a:solidFill>
                   <a:srgbClr val="020302"/>
                 </a:solidFill>
                 <a:latin typeface="AdobeClean-Light"/>
               </a:rPr>
-              <a:t>Authorized users or Named Support Contacts </a:t>
+              <a:t>Gli utenti autorizzati o i contatti interni per il supporto possono segnalare i problemi tramite tutti i canali disponibili (compreso il supporto telefonico per casi P1) e interagire con il team Adobe di assistenza tecnica per conto della tua azienda</a:t>
             </a:r>
             <a:r>
-              <a:rPr lang="en-US" sz="1000">
+              <a:rPr lang="it-IT" sz="1000">
                 <a:latin typeface="Adobe Clean Light" panose="020B0303020404020204" pitchFamily="34" charset="0"/>
               </a:rPr>
-              <a:t>can submit issues through all available  channels (including phone for P1) and interact with our technical support team on behalf of your company. </a:t>
+              <a:t>. </a:t>
             </a:r>
-            <a:endParaRPr lang="en-US" sz="1000">
-              <a:solidFill>
-                <a:srgbClr val="000000"/>
-              </a:solidFill>
-              <a:latin typeface="Adobe Clean Light" panose="020B0303020404020204" pitchFamily="34" charset="0"/>
-            </a:endParaRPr>
           </a:p>
         </p:txBody>
       </p:sp>
@@ -7907,24 +7011,8 @@
               </a:spcBef>
             </a:pPr>
             <a:r>
-              <a:rPr spc="-5"/>
-              <a:t>©202</a:t>
-            </a:r>
-            <a:r>
-              <a:rPr lang="en-US" spc="-5"/>
-              <a:t>1</a:t>
-            </a:r>
-            <a:r>
-              <a:rPr spc="-5"/>
-              <a:t> Adobe. All Rights Reserved. Adobe</a:t>
-            </a:r>
-            <a:r>
-              <a:rPr spc="60"/>
-              <a:t> </a:t>
-            </a:r>
-            <a:r>
-              <a:rPr spc="-5"/>
-              <a:t>Confidential.</a:t>
+              <a:rPr lang="it-IT"/>
+              <a:t>©2021 Adobe. All Rights Reserved. Adobe Confidential.</a:t>
             </a:r>
           </a:p>
         </p:txBody>
@@ -7967,7 +7055,7 @@
               </a:spcAft>
             </a:pPr>
             <a:r>
-              <a:rPr lang="en-US" sz="1200" b="1" spc="-10">
+              <a:rPr lang="it-IT" sz="1200" b="1">
                 <a:solidFill>
                   <a:srgbClr val="020302"/>
                 </a:solidFill>
@@ -7993,7 +7081,7 @@
         <p:spPr>
           <a:xfrm>
             <a:off x="401995" y="5785009"/>
-            <a:ext cx="1848207" cy="45719"/>
+            <a:ext cx="2600697" cy="52862"/>
           </a:xfrm>
           <a:custGeom>
             <a:avLst/>
@@ -8062,19 +7150,15 @@
               </a:spcBef>
             </a:pPr>
             <a:r>
-              <a:rPr lang="en-US" sz="1400" b="1" spc="-10">
+              <a:rPr lang="it-IT" sz="1400" b="1">
                 <a:solidFill>
                   <a:srgbClr val="020302"/>
                 </a:solidFill>
                 <a:latin typeface="Adobe Clean"/>
                 <a:cs typeface="Adobe Clean"/>
               </a:rPr>
-              <a:t>Online Support Features</a:t>
+              <a:t>Caratteristiche del supporto online</a:t>
             </a:r>
-            <a:endParaRPr lang="en-US" sz="1400">
-              <a:latin typeface="Adobe Clean"/>
-              <a:cs typeface="Adobe Clean"/>
-            </a:endParaRPr>
           </a:p>
         </p:txBody>
       </p:sp>
@@ -8092,8 +7176,8 @@
         </p:nvSpPr>
         <p:spPr>
           <a:xfrm>
-            <a:off x="384421" y="774495"/>
-            <a:ext cx="2011680" cy="0"/>
+            <a:off x="384420" y="774494"/>
+            <a:ext cx="2717125" cy="45719"/>
           </a:xfrm>
           <a:custGeom>
             <a:avLst/>
@@ -8162,19 +7246,15 @@
               </a:spcBef>
             </a:pPr>
             <a:r>
-              <a:rPr lang="en-US" sz="1400" b="1" spc="-10">
+              <a:rPr lang="it-IT" sz="1400" b="1">
                 <a:solidFill>
                   <a:srgbClr val="020302"/>
                 </a:solidFill>
                 <a:latin typeface="Adobe Clean"/>
                 <a:cs typeface="Adobe Clean"/>
               </a:rPr>
-              <a:t>Business  Support Features</a:t>
+              <a:t>Caratteristiche del supporto Business</a:t>
             </a:r>
-            <a:endParaRPr lang="en-US" sz="1400">
-              <a:latin typeface="Adobe Clean"/>
-              <a:cs typeface="Adobe Clean"/>
-            </a:endParaRPr>
           </a:p>
         </p:txBody>
       </p:sp>
@@ -8214,15 +7294,11 @@
               </a:spcBef>
             </a:pPr>
             <a:r>
-              <a:rPr lang="en-US" sz="1000">
+              <a:rPr lang="it-IT" sz="1000">
                 <a:latin typeface="Adobe Clean Light" panose="020B0303020404020204" pitchFamily="34" charset="0"/>
               </a:rPr>
-              <a:t>Customers can submit support cases via Phone for all P2, P3, P4 issues during regional support hours. There are no upper limits on the number of times you can call into support. Customers can also request a call back from support or request a meeting to demonstrate or work through an issue using a shared remote desktop session.</a:t>
+              <a:t>I clienti possono segnalare telefonicamente i problemi P2, P3 e P4 durante l’orario operativo per la propria area geografica. Non vi è alcun limite al numero di chiamate di supporto consentite. I clienti possono anche chiedere di essere richiamati dal supporto, o richiedere una sessione con desktop remoto condiviso a scopo di dimostrazione o risoluzione di un problema.</a:t>
             </a:r>
-            <a:endParaRPr lang="en-US" sz="1000">
-              <a:latin typeface="Adobe Clean Light" panose="020B0303020404020204" pitchFamily="34" charset="0"/>
-              <a:cs typeface="AdobeClean-Light"/>
-            </a:endParaRPr>
           </a:p>
         </p:txBody>
       </p:sp>
@@ -8264,13 +7340,13 @@
               </a:spcAft>
             </a:pPr>
             <a:r>
-              <a:rPr lang="en-US" sz="1200" b="1" spc="-10">
+              <a:rPr lang="it-IT" sz="1200" b="1">
                 <a:solidFill>
                   <a:srgbClr val="020302"/>
                 </a:solidFill>
                 <a:latin typeface="+mj-lt"/>
               </a:rPr>
-              <a:t>Live Telephone Support</a:t>
+              <a:t>Supporto telefonico in diretta</a:t>
             </a:r>
           </a:p>
         </p:txBody>
@@ -8311,18 +7387,14 @@
               </a:spcBef>
             </a:pPr>
             <a:r>
-              <a:rPr lang="en-US" sz="1000">
+              <a:rPr lang="it-IT" sz="1000">
                 <a:solidFill>
                   <a:srgbClr val="4B4B4B"/>
                 </a:solidFill>
                 <a:latin typeface="Adobe Clean Light" panose="020B0303020404020204" pitchFamily="34" charset="0"/>
               </a:rPr>
-              <a:t>A designated point of contact within Adobe who can provide escalation assistance, regular updates and ensure priority is given to your most critical open support requests.</a:t>
+              <a:t>Un contatto Adobe dedicato che può fornire assistenza e aggiornamenti regolari in merito ai casi che richiedono escalation, e assicurarsi che venga data priorità alle richieste di supporto aperte più critiche.</a:t>
             </a:r>
-            <a:endParaRPr lang="en-US" sz="1000">
-              <a:latin typeface="Adobe Clean Light" panose="020B0303020404020204" pitchFamily="34" charset="0"/>
-              <a:cs typeface="AdobeClean-Light"/>
-            </a:endParaRPr>
           </a:p>
         </p:txBody>
       </p:sp>
@@ -8364,13 +7436,13 @@
               </a:spcAft>
             </a:pPr>
             <a:r>
-              <a:rPr lang="en-US" sz="1200" b="1" spc="-10">
+              <a:rPr lang="it-IT" sz="1200" b="1">
                 <a:solidFill>
                   <a:srgbClr val="020302"/>
                 </a:solidFill>
                 <a:latin typeface="+mj-lt"/>
               </a:rPr>
-              <a:t>Escalation Management</a:t>
+              <a:t>Gestione delle escalation</a:t>
             </a:r>
           </a:p>
         </p:txBody>
@@ -8418,7 +7490,7 @@
               <a:defRPr/>
             </a:pPr>
             <a:r>
-              <a:rPr lang="en-US" sz="1200">
+              <a:rPr lang="it-IT" sz="1200">
                 <a:solidFill>
                   <a:srgbClr val="000000"/>
                 </a:solidFill>
@@ -8466,12 +7538,12 @@
               </a:spcAft>
             </a:pPr>
             <a:r>
-              <a:rPr lang="en-US" sz="1200" b="1">
+              <a:rPr lang="it-IT" sz="1200" b="1">
                 <a:latin typeface="+mj-lt"/>
                 <a:ea typeface="Open Sans" pitchFamily="34" charset="0"/>
                 <a:cs typeface="Open Sans" pitchFamily="34" charset="0"/>
               </a:rPr>
-              <a:t>Webinars</a:t>
+              <a:t>Webinar</a:t>
             </a:r>
           </a:p>
         </p:txBody>
@@ -8491,7 +7563,7 @@
         <p:spPr>
           <a:xfrm>
             <a:off x="370040" y="8618616"/>
-            <a:ext cx="2286000" cy="1113125"/>
+            <a:ext cx="2286000" cy="959237"/>
           </a:xfrm>
           <a:prstGeom prst="rect">
             <a:avLst/>
@@ -8504,13 +7576,30 @@
           <a:lstStyle/>
           <a:p>
             <a:r>
-              <a:rPr lang="en-US" sz="1000">
+              <a:rPr lang="it-IT" sz="1000" dirty="0">
                 <a:solidFill>
                   <a:srgbClr val="000000"/>
                 </a:solidFill>
                 <a:latin typeface="Adobe Clean Light" panose="020B0303020404020204" pitchFamily="34" charset="0"/>
               </a:rPr>
-              <a:t>Office Hours is an initiative led by the Adobe Customer Support team. These sessions are designed to inform as well as help participants troubleshoot problems and provide tips and tricks to be successful with Adobe Experience Cloud.</a:t>
+              <a:t>Office Hours è un’iniziativa nata dal team del Servizio clienti di Adobe. Queste sessioni sono progettate per informare e aiutare</a:t>
+            </a:r>
+            <a:br>
+              <a:rPr lang="sk-SK" sz="1000" dirty="0">
+                <a:solidFill>
+                  <a:srgbClr val="000000"/>
+                </a:solidFill>
+                <a:latin typeface="Adobe Clean Light" panose="020B0303020404020204" pitchFamily="34" charset="0"/>
+              </a:rPr>
+            </a:br>
+            <a:r>
+              <a:rPr lang="it-IT" sz="1000" dirty="0">
+                <a:solidFill>
+                  <a:srgbClr val="000000"/>
+                </a:solidFill>
+                <a:latin typeface="Adobe Clean Light" panose="020B0303020404020204" pitchFamily="34" charset="0"/>
+              </a:rPr>
+              <a:t>i partecipanti a risolvere problemi e fornire suggerimenti e trucchi utili per le soluzioni Adobe Experience Cloud.</a:t>
             </a:r>
           </a:p>
         </p:txBody>
@@ -8553,12 +7642,12 @@
               </a:spcAft>
             </a:pPr>
             <a:r>
-              <a:rPr lang="en-US" sz="1200" b="1">
+              <a:rPr lang="it-IT" sz="1200" b="1">
                 <a:latin typeface="+mj-lt"/>
                 <a:ea typeface="Open Sans" pitchFamily="34" charset="0"/>
                 <a:cs typeface="Open Sans" pitchFamily="34" charset="0"/>
               </a:rPr>
-              <a:t>24/7 Support Portal</a:t>
+              <a:t>Portale di supporto 24/7</a:t>
             </a:r>
           </a:p>
         </p:txBody>
@@ -8591,16 +7680,16 @@
           <a:lstStyle/>
           <a:p>
             <a:r>
-              <a:rPr lang="en-US" sz="1000">
+              <a:rPr lang="it-IT" sz="1000" dirty="0">
                 <a:solidFill>
                   <a:srgbClr val="000000"/>
                 </a:solidFill>
                 <a:latin typeface="Adobe Clean Light" panose="020B0303020404020204" pitchFamily="34" charset="0"/>
               </a:rPr>
-              <a:t>On-demand access to the online </a:t>
+              <a:t>Accesso on-demand al portale di assistenza autonoma per inviare richieste di supporto, esaminare lo stato dei casi e sfogliare altre risorse, come la knowledge base, notizie </a:t>
             </a:r>
             <a:br>
-              <a:rPr lang="en-US" sz="1000">
+              <a:rPr lang="sk-SK" sz="1000" dirty="0">
                 <a:solidFill>
                   <a:srgbClr val="000000"/>
                 </a:solidFill>
@@ -8608,13 +7697,13 @@
               </a:rPr>
             </a:br>
             <a:r>
-              <a:rPr lang="en-US" sz="1000">
+              <a:rPr lang="it-IT" sz="1000" dirty="0">
                 <a:solidFill>
                   <a:srgbClr val="000000"/>
                 </a:solidFill>
                 <a:latin typeface="Adobe Clean Light" panose="020B0303020404020204" pitchFamily="34" charset="0"/>
               </a:rPr>
-              <a:t>Self-help Support Portal to submit support requests, review case status, and browse other resources, like our knowledgebase, news and alerts, featured tips, and more.</a:t>
+              <a:t>e avvisi, suggerimenti e altro ancora.</a:t>
             </a:r>
           </a:p>
         </p:txBody>
@@ -8726,10 +7815,10 @@
           <a:lstStyle/>
           <a:p>
             <a:r>
-              <a:rPr lang="en-US" sz="1200" b="1">
+              <a:rPr lang="it-IT" sz="1200" b="1">
                 <a:latin typeface="+mj-lt"/>
               </a:rPr>
-              <a:t>Business Services</a:t>
+              <a:t>Servizi Business</a:t>
             </a:r>
           </a:p>
         </p:txBody>
@@ -8770,15 +7859,11 @@
               </a:spcBef>
             </a:pPr>
             <a:r>
-              <a:rPr lang="en-US" sz="1000">
+              <a:rPr lang="it-IT" sz="1000">
                 <a:latin typeface="Adobe Clean Light" panose="020B0303020404020204" pitchFamily="34" charset="0"/>
               </a:rPr>
-              <a:t>An Account Support Lead will host webinars covering an overview of business support services.  </a:t>
+              <a:t>Un Account Support Lead terrà dei webinar per illustrare i servizi di supporto Business.  </a:t>
             </a:r>
-            <a:endParaRPr lang="en-US" sz="1000">
-              <a:latin typeface="Adobe Clean Light" panose="020B0303020404020204" pitchFamily="34" charset="0"/>
-              <a:cs typeface="AdobeClean-Light"/>
-            </a:endParaRPr>
           </a:p>
         </p:txBody>
       </p:sp>
@@ -9247,12 +8332,12 @@
               <a:defRPr/>
             </a:pPr>
             <a:r>
-              <a:rPr lang="en-US" sz="1200">
+              <a:rPr lang="it-IT" sz="1200">
                 <a:solidFill>
                   <a:srgbClr val="000000"/>
                 </a:solidFill>
               </a:rPr>
-              <a:t>Self– Help Portal</a:t>
+              <a:t>Portale di assistenza autonoma</a:t>
             </a:r>
           </a:p>
         </p:txBody>
@@ -9300,7 +8385,7 @@
               <a:defRPr/>
             </a:pPr>
             <a:r>
-              <a:rPr lang="en-US" sz="1200">
+              <a:rPr lang="it-IT" sz="1200">
                 <a:solidFill>
                   <a:srgbClr val="000000"/>
                 </a:solidFill>
@@ -9362,49 +8447,15 @@
               </a:lnSpc>
             </a:pPr>
             <a:r>
-              <a:rPr sz="500" spc="-5">
+              <a:rPr lang="it-IT" sz="500">
                 <a:solidFill>
                   <a:srgbClr val="6C6C6C"/>
                 </a:solidFill>
                 <a:latin typeface="Adobe Clean"/>
                 <a:cs typeface="Adobe Clean"/>
               </a:rPr>
-              <a:t>©2020 Adobe. All Rights Reserved. </a:t>
+              <a:t>©2020 Adobe. All Rights Reserved. Adobe Confidential.</a:t>
             </a:r>
-            <a:r>
-              <a:rPr sz="500">
-                <a:solidFill>
-                  <a:srgbClr val="6C6C6C"/>
-                </a:solidFill>
-                <a:latin typeface="Adobe Clean"/>
-                <a:cs typeface="Adobe Clean"/>
-              </a:rPr>
-              <a:t>Adobe</a:t>
-            </a:r>
-            <a:r>
-              <a:rPr sz="500" spc="5">
-                <a:solidFill>
-                  <a:srgbClr val="6C6C6C"/>
-                </a:solidFill>
-                <a:latin typeface="Adobe Clean"/>
-                <a:cs typeface="Adobe Clean"/>
-              </a:rPr>
-              <a:t> </a:t>
-            </a:r>
-            <a:r>
-              <a:rPr sz="500" spc="-5">
-                <a:solidFill>
-                  <a:srgbClr val="6C6C6C"/>
-                </a:solidFill>
-                <a:latin typeface="Adobe Clean"/>
-                <a:cs typeface="Adobe Clean"/>
-              </a:rPr>
-              <a:t>Confidential.</a:t>
-            </a:r>
-            <a:endParaRPr sz="500">
-              <a:latin typeface="Adobe Clean"/>
-              <a:cs typeface="Adobe Clean"/>
-            </a:endParaRPr>
           </a:p>
           <a:p>
             <a:pPr>
@@ -9430,39 +8481,15 @@
               </a:spcBef>
             </a:pPr>
             <a:r>
-              <a:rPr sz="800" spc="-5">
+              <a:rPr lang="it-IT" sz="800">
                 <a:solidFill>
                   <a:srgbClr val="6D6D6D"/>
                 </a:solidFill>
                 <a:latin typeface="Adobe Clean"/>
                 <a:cs typeface="Adobe Clean"/>
               </a:rPr>
-              <a:t>©2020 Adobe. All Rights Reserved. Adobe</a:t>
+              <a:t>©2020 Adobe. All Rights Reserved. Adobe Confidential.</a:t>
             </a:r>
-            <a:r>
-              <a:rPr sz="800" spc="75">
-                <a:solidFill>
-                  <a:srgbClr val="6D6D6D"/>
-                </a:solidFill>
-                <a:latin typeface="Adobe Clean"/>
-                <a:cs typeface="Adobe Clean"/>
-              </a:rPr>
-              <a:t> </a:t>
-            </a:r>
-            <a:r>
-              <a:rPr sz="800" spc="-5">
-                <a:solidFill>
-                  <a:srgbClr val="6D6D6D"/>
-                </a:solidFill>
-                <a:latin typeface="Adobe Clean"/>
-                <a:cs typeface="Adobe Clean"/>
-              </a:rPr>
-              <a:t>Confidential.</a:t>
-            </a:r>
-            <a:endParaRPr sz="800">
-              <a:latin typeface="Adobe Clean"/>
-              <a:cs typeface="Adobe Clean"/>
-            </a:endParaRPr>
           </a:p>
         </p:txBody>
       </p:sp>
@@ -9546,19 +8573,15 @@
               </a:spcBef>
             </a:pPr>
             <a:r>
-              <a:rPr lang="en-US" sz="1400" b="1" spc="-15">
+              <a:rPr lang="it-IT" sz="1400" b="1">
                 <a:solidFill>
                   <a:srgbClr val="020302"/>
                 </a:solidFill>
                 <a:latin typeface="Adobe Clean"/>
                 <a:cs typeface="Adobe Clean"/>
               </a:rPr>
-              <a:t>Resources</a:t>
+              <a:t>Risorse</a:t>
             </a:r>
-            <a:endParaRPr sz="1400">
-              <a:latin typeface="Adobe Clean"/>
-              <a:cs typeface="Adobe Clean"/>
-            </a:endParaRPr>
           </a:p>
         </p:txBody>
       </p:sp>
@@ -9592,7 +8615,7 @@
               </a:spcBef>
             </a:pPr>
             <a:r>
-              <a:rPr sz="800" spc="-15">
+              <a:rPr lang="it-IT" sz="800">
                 <a:solidFill>
                   <a:srgbClr val="777879"/>
                 </a:solidFill>
@@ -9601,10 +8624,6 @@
               </a:rPr>
               <a:t>Adobe</a:t>
             </a:r>
-            <a:endParaRPr sz="800">
-              <a:latin typeface="Adobe Clean"/>
-              <a:cs typeface="Adobe Clean"/>
-            </a:endParaRPr>
           </a:p>
           <a:p>
             <a:pPr marL="12700">
@@ -9613,39 +8632,15 @@
               </a:lnSpc>
             </a:pPr>
             <a:r>
-              <a:rPr sz="800" spc="-15">
+              <a:rPr lang="it-IT" sz="800">
                 <a:solidFill>
                   <a:srgbClr val="777879"/>
                 </a:solidFill>
                 <a:latin typeface="Adobe Clean"/>
                 <a:cs typeface="Adobe Clean"/>
               </a:rPr>
-              <a:t>345 Park</a:t>
+              <a:t>345 Park Avenue</a:t>
             </a:r>
-            <a:r>
-              <a:rPr sz="800" spc="-100">
-                <a:solidFill>
-                  <a:srgbClr val="777879"/>
-                </a:solidFill>
-                <a:latin typeface="Adobe Clean"/>
-                <a:cs typeface="Adobe Clean"/>
-              </a:rPr>
-              <a:t> </a:t>
-            </a:r>
-            <a:r>
-              <a:rPr sz="800" spc="-15">
-                <a:solidFill>
-                  <a:srgbClr val="777879"/>
-                </a:solidFill>
-                <a:latin typeface="Adobe Clean"/>
-                <a:cs typeface="Adobe Clean"/>
-              </a:rPr>
-              <a:t>Avenue</a:t>
-            </a:r>
-            <a:endParaRPr sz="800">
-              <a:latin typeface="Adobe Clean"/>
-              <a:cs typeface="Adobe Clean"/>
-            </a:endParaRPr>
           </a:p>
           <a:p>
             <a:pPr marL="12700">
@@ -9654,49 +8649,15 @@
               </a:lnSpc>
             </a:pPr>
             <a:r>
-              <a:rPr sz="800" spc="-10">
+              <a:rPr lang="it-IT" sz="800">
                 <a:solidFill>
                   <a:srgbClr val="777879"/>
                 </a:solidFill>
                 <a:latin typeface="Adobe Clean"/>
                 <a:cs typeface="Adobe Clean"/>
               </a:rPr>
-              <a:t>San </a:t>
+              <a:t>San Jose, CA 95110-2704</a:t>
             </a:r>
-            <a:r>
-              <a:rPr sz="800" spc="-15">
-                <a:solidFill>
-                  <a:srgbClr val="777879"/>
-                </a:solidFill>
-                <a:latin typeface="Adobe Clean"/>
-                <a:cs typeface="Adobe Clean"/>
-              </a:rPr>
-              <a:t>Jose,</a:t>
-            </a:r>
-            <a:r>
-              <a:rPr sz="800" spc="-140">
-                <a:solidFill>
-                  <a:srgbClr val="777879"/>
-                </a:solidFill>
-                <a:latin typeface="Adobe Clean"/>
-                <a:cs typeface="Adobe Clean"/>
-              </a:rPr>
-              <a:t> </a:t>
-            </a:r>
-            <a:r>
-              <a:rPr sz="800" spc="-20">
-                <a:solidFill>
-                  <a:srgbClr val="777879"/>
-                </a:solidFill>
-                <a:latin typeface="Adobe Clean"/>
-                <a:cs typeface="Adobe Clean"/>
-              </a:rPr>
-              <a:t>CA95110-2704</a:t>
-            </a:r>
-            <a:endParaRPr sz="800">
-              <a:latin typeface="Adobe Clean"/>
-              <a:cs typeface="Adobe Clean"/>
-            </a:endParaRPr>
           </a:p>
           <a:p>
             <a:pPr marL="12700">
@@ -9708,7 +8669,7 @@
               </a:spcBef>
             </a:pPr>
             <a:r>
-              <a:rPr sz="800" spc="-10">
+              <a:rPr lang="it-IT" sz="800">
                 <a:solidFill>
                   <a:srgbClr val="777879"/>
                 </a:solidFill>
@@ -9717,10 +8678,6 @@
               </a:rPr>
               <a:t>USA</a:t>
             </a:r>
-            <a:endParaRPr sz="800">
-              <a:latin typeface="Adobe Clean"/>
-              <a:cs typeface="Adobe Clean"/>
-            </a:endParaRPr>
           </a:p>
           <a:p>
             <a:pPr marL="12700">
@@ -9732,7 +8689,7 @@
               </a:spcBef>
             </a:pPr>
             <a:r>
-              <a:rPr sz="800" u="sng" spc="-25">
+              <a:rPr lang="it-IT" sz="800" u="sng">
                 <a:solidFill>
                   <a:srgbClr val="5F5F5F"/>
                 </a:solidFill>
@@ -9747,10 +8704,6 @@
               </a:rPr>
               <a:t>www.adobe.com</a:t>
             </a:r>
-            <a:endParaRPr sz="800">
-              <a:latin typeface="Adobe Clean"/>
-              <a:cs typeface="Adobe Clean"/>
-            </a:endParaRPr>
           </a:p>
         </p:txBody>
       </p:sp>
@@ -9925,409 +8878,15 @@
               </a:spcBef>
             </a:pPr>
             <a:r>
-              <a:rPr sz="1100" i="1" spc="-10">
+              <a:rPr lang="it-IT" sz="1100" i="1">
                 <a:solidFill>
                   <a:srgbClr val="777879"/>
                 </a:solidFill>
                 <a:latin typeface="AdobeClean-LightIt"/>
                 <a:cs typeface="AdobeClean-LightIt"/>
               </a:rPr>
-              <a:t>To</a:t>
+              <a:t>Per saperne di più sulle opzioni di Supporto Adobe e capire quale sia il livello più adatto alle tue esigenze, contatta il tuo Named Account Manager (NAM) o Customer Success Manager (CSM).</a:t>
             </a:r>
-            <a:r>
-              <a:rPr sz="1100" i="1" spc="-50">
-                <a:solidFill>
-                  <a:srgbClr val="777879"/>
-                </a:solidFill>
-                <a:latin typeface="AdobeClean-LightIt"/>
-                <a:cs typeface="AdobeClean-LightIt"/>
-              </a:rPr>
-              <a:t> </a:t>
-            </a:r>
-            <a:r>
-              <a:rPr sz="1100" i="1" spc="-15">
-                <a:solidFill>
-                  <a:srgbClr val="777879"/>
-                </a:solidFill>
-                <a:latin typeface="AdobeClean-LightIt"/>
-                <a:cs typeface="AdobeClean-LightIt"/>
-              </a:rPr>
-              <a:t>learn</a:t>
-            </a:r>
-            <a:r>
-              <a:rPr sz="1100" i="1" spc="-40">
-                <a:solidFill>
-                  <a:srgbClr val="777879"/>
-                </a:solidFill>
-                <a:latin typeface="AdobeClean-LightIt"/>
-                <a:cs typeface="AdobeClean-LightIt"/>
-              </a:rPr>
-              <a:t> </a:t>
-            </a:r>
-            <a:r>
-              <a:rPr sz="1100" i="1" spc="-15">
-                <a:solidFill>
-                  <a:srgbClr val="777879"/>
-                </a:solidFill>
-                <a:latin typeface="AdobeClean-LightIt"/>
-                <a:cs typeface="AdobeClean-LightIt"/>
-              </a:rPr>
-              <a:t>more</a:t>
-            </a:r>
-            <a:r>
-              <a:rPr sz="1100" i="1" spc="-45">
-                <a:solidFill>
-                  <a:srgbClr val="777879"/>
-                </a:solidFill>
-                <a:latin typeface="AdobeClean-LightIt"/>
-                <a:cs typeface="AdobeClean-LightIt"/>
-              </a:rPr>
-              <a:t> </a:t>
-            </a:r>
-            <a:r>
-              <a:rPr sz="1100" i="1" spc="-15">
-                <a:solidFill>
-                  <a:srgbClr val="777879"/>
-                </a:solidFill>
-                <a:latin typeface="AdobeClean-LightIt"/>
-                <a:cs typeface="AdobeClean-LightIt"/>
-              </a:rPr>
-              <a:t>about</a:t>
-            </a:r>
-            <a:r>
-              <a:rPr sz="1100" i="1" spc="-45">
-                <a:solidFill>
-                  <a:srgbClr val="777879"/>
-                </a:solidFill>
-                <a:latin typeface="AdobeClean-LightIt"/>
-                <a:cs typeface="AdobeClean-LightIt"/>
-              </a:rPr>
-              <a:t> </a:t>
-            </a:r>
-            <a:r>
-              <a:rPr sz="1100" i="1" spc="-15">
-                <a:solidFill>
-                  <a:srgbClr val="777879"/>
-                </a:solidFill>
-                <a:latin typeface="AdobeClean-LightIt"/>
-                <a:cs typeface="AdobeClean-LightIt"/>
-              </a:rPr>
-              <a:t>Adobe</a:t>
-            </a:r>
-            <a:r>
-              <a:rPr sz="1100" i="1" spc="-50">
-                <a:solidFill>
-                  <a:srgbClr val="777879"/>
-                </a:solidFill>
-                <a:latin typeface="AdobeClean-LightIt"/>
-                <a:cs typeface="AdobeClean-LightIt"/>
-              </a:rPr>
-              <a:t> </a:t>
-            </a:r>
-            <a:r>
-              <a:rPr sz="1100" i="1" spc="-15">
-                <a:solidFill>
-                  <a:srgbClr val="777879"/>
-                </a:solidFill>
-                <a:latin typeface="AdobeClean-LightIt"/>
-                <a:cs typeface="AdobeClean-LightIt"/>
-              </a:rPr>
-              <a:t>Support</a:t>
-            </a:r>
-            <a:r>
-              <a:rPr lang="en-US" sz="1100" i="1" spc="-15">
-                <a:solidFill>
-                  <a:srgbClr val="777879"/>
-                </a:solidFill>
-                <a:latin typeface="AdobeClean-LightIt"/>
-                <a:cs typeface="AdobeClean-LightIt"/>
-              </a:rPr>
-              <a:t> Offerings</a:t>
-            </a:r>
-            <a:r>
-              <a:rPr sz="1100" i="1" spc="-75">
-                <a:solidFill>
-                  <a:srgbClr val="777879"/>
-                </a:solidFill>
-                <a:latin typeface="AdobeClean-LightIt"/>
-                <a:cs typeface="AdobeClean-LightIt"/>
-              </a:rPr>
-              <a:t> </a:t>
-            </a:r>
-            <a:r>
-              <a:rPr sz="1100" i="1" spc="-15">
-                <a:solidFill>
-                  <a:srgbClr val="777879"/>
-                </a:solidFill>
-                <a:latin typeface="AdobeClean-LightIt"/>
-                <a:cs typeface="AdobeClean-LightIt"/>
-              </a:rPr>
-              <a:t>and</a:t>
-            </a:r>
-            <a:r>
-              <a:rPr sz="1100" i="1" spc="-50">
-                <a:solidFill>
-                  <a:srgbClr val="777879"/>
-                </a:solidFill>
-                <a:latin typeface="AdobeClean-LightIt"/>
-                <a:cs typeface="AdobeClean-LightIt"/>
-              </a:rPr>
-              <a:t> </a:t>
-            </a:r>
-            <a:r>
-              <a:rPr sz="1100" i="1" spc="-15">
-                <a:solidFill>
-                  <a:srgbClr val="777879"/>
-                </a:solidFill>
-                <a:latin typeface="AdobeClean-LightIt"/>
-                <a:cs typeface="AdobeClean-LightIt"/>
-              </a:rPr>
-              <a:t>the</a:t>
-            </a:r>
-            <a:r>
-              <a:rPr sz="1100" i="1" spc="-55">
-                <a:solidFill>
-                  <a:srgbClr val="777879"/>
-                </a:solidFill>
-                <a:latin typeface="AdobeClean-LightIt"/>
-                <a:cs typeface="AdobeClean-LightIt"/>
-              </a:rPr>
-              <a:t> </a:t>
-            </a:r>
-            <a:r>
-              <a:rPr sz="1100" i="1" spc="-15">
-                <a:solidFill>
-                  <a:srgbClr val="777879"/>
-                </a:solidFill>
-                <a:latin typeface="AdobeClean-LightIt"/>
-                <a:cs typeface="AdobeClean-LightIt"/>
-              </a:rPr>
-              <a:t>right</a:t>
-            </a:r>
-            <a:r>
-              <a:rPr sz="1100" i="1" spc="-95">
-                <a:solidFill>
-                  <a:srgbClr val="777879"/>
-                </a:solidFill>
-                <a:latin typeface="AdobeClean-LightIt"/>
-                <a:cs typeface="AdobeClean-LightIt"/>
-              </a:rPr>
-              <a:t> </a:t>
-            </a:r>
-            <a:r>
-              <a:rPr sz="1100" i="1" spc="-15">
-                <a:solidFill>
-                  <a:srgbClr val="777879"/>
-                </a:solidFill>
-                <a:latin typeface="AdobeClean-LightIt"/>
-                <a:cs typeface="AdobeClean-LightIt"/>
-              </a:rPr>
-              <a:t>level</a:t>
-            </a:r>
-            <a:r>
-              <a:rPr sz="1100" i="1" spc="-55">
-                <a:solidFill>
-                  <a:srgbClr val="777879"/>
-                </a:solidFill>
-                <a:latin typeface="AdobeClean-LightIt"/>
-                <a:cs typeface="AdobeClean-LightIt"/>
-              </a:rPr>
-              <a:t> </a:t>
-            </a:r>
-            <a:r>
-              <a:rPr sz="1100" i="1" spc="-15">
-                <a:solidFill>
-                  <a:srgbClr val="777879"/>
-                </a:solidFill>
-                <a:latin typeface="AdobeClean-LightIt"/>
-                <a:cs typeface="AdobeClean-LightIt"/>
-              </a:rPr>
-              <a:t>for</a:t>
-            </a:r>
-            <a:r>
-              <a:rPr sz="1100" i="1" spc="-85">
-                <a:solidFill>
-                  <a:srgbClr val="777879"/>
-                </a:solidFill>
-                <a:latin typeface="AdobeClean-LightIt"/>
-                <a:cs typeface="AdobeClean-LightIt"/>
-              </a:rPr>
-              <a:t> </a:t>
-            </a:r>
-            <a:r>
-              <a:rPr sz="1100" i="1" spc="-15">
-                <a:solidFill>
-                  <a:srgbClr val="777879"/>
-                </a:solidFill>
-                <a:latin typeface="AdobeClean-LightIt"/>
-                <a:cs typeface="AdobeClean-LightIt"/>
-              </a:rPr>
-              <a:t>you,</a:t>
-            </a:r>
-            <a:r>
-              <a:rPr sz="1100" i="1" spc="-65">
-                <a:solidFill>
-                  <a:srgbClr val="777879"/>
-                </a:solidFill>
-                <a:latin typeface="AdobeClean-LightIt"/>
-                <a:cs typeface="AdobeClean-LightIt"/>
-              </a:rPr>
-              <a:t> </a:t>
-            </a:r>
-            <a:r>
-              <a:rPr sz="1100" i="1" spc="-15">
-                <a:solidFill>
-                  <a:srgbClr val="777879"/>
-                </a:solidFill>
-                <a:latin typeface="AdobeClean-LightIt"/>
-                <a:cs typeface="AdobeClean-LightIt"/>
-              </a:rPr>
-              <a:t>contact</a:t>
-            </a:r>
-            <a:r>
-              <a:rPr sz="1100" i="1" spc="-85">
-                <a:solidFill>
-                  <a:srgbClr val="777879"/>
-                </a:solidFill>
-                <a:latin typeface="AdobeClean-LightIt"/>
-                <a:cs typeface="AdobeClean-LightIt"/>
-              </a:rPr>
-              <a:t> </a:t>
-            </a:r>
-            <a:r>
-              <a:rPr sz="1100" i="1" spc="-15">
-                <a:solidFill>
-                  <a:srgbClr val="777879"/>
-                </a:solidFill>
-                <a:latin typeface="AdobeClean-LightIt"/>
-                <a:cs typeface="AdobeClean-LightIt"/>
-              </a:rPr>
-              <a:t>your</a:t>
-            </a:r>
-            <a:r>
-              <a:rPr sz="1100" i="1" spc="-70">
-                <a:solidFill>
-                  <a:srgbClr val="777879"/>
-                </a:solidFill>
-                <a:latin typeface="AdobeClean-LightIt"/>
-                <a:cs typeface="AdobeClean-LightIt"/>
-              </a:rPr>
-              <a:t> </a:t>
-            </a:r>
-            <a:r>
-              <a:rPr sz="1100" i="1" spc="-15">
-                <a:solidFill>
-                  <a:srgbClr val="777879"/>
-                </a:solidFill>
-                <a:latin typeface="AdobeClean-LightIt"/>
-                <a:cs typeface="AdobeClean-LightIt"/>
-              </a:rPr>
-              <a:t>Named</a:t>
-            </a:r>
-            <a:r>
-              <a:rPr sz="1100" i="1" spc="-55">
-                <a:solidFill>
-                  <a:srgbClr val="777879"/>
-                </a:solidFill>
-                <a:latin typeface="AdobeClean-LightIt"/>
-                <a:cs typeface="AdobeClean-LightIt"/>
-              </a:rPr>
-              <a:t> </a:t>
-            </a:r>
-            <a:r>
-              <a:rPr sz="1100" i="1" spc="-25">
-                <a:solidFill>
-                  <a:srgbClr val="777879"/>
-                </a:solidFill>
-                <a:latin typeface="AdobeClean-LightIt"/>
-                <a:cs typeface="AdobeClean-LightIt"/>
-              </a:rPr>
-              <a:t>Account</a:t>
-            </a:r>
-            <a:r>
-              <a:rPr sz="1100" i="1" spc="-120">
-                <a:solidFill>
-                  <a:srgbClr val="777879"/>
-                </a:solidFill>
-                <a:latin typeface="AdobeClean-LightIt"/>
-                <a:cs typeface="AdobeClean-LightIt"/>
-              </a:rPr>
-              <a:t> </a:t>
-            </a:r>
-            <a:r>
-              <a:rPr sz="1100" i="1" spc="-20">
-                <a:solidFill>
-                  <a:srgbClr val="777879"/>
-                </a:solidFill>
-                <a:latin typeface="AdobeClean-LightIt"/>
-                <a:cs typeface="AdobeClean-LightIt"/>
-              </a:rPr>
-              <a:t>Manager  </a:t>
-            </a:r>
-            <a:r>
-              <a:rPr sz="1100" i="1" spc="-15">
-                <a:solidFill>
-                  <a:srgbClr val="777879"/>
-                </a:solidFill>
-                <a:latin typeface="AdobeClean-LightIt"/>
-                <a:cs typeface="AdobeClean-LightIt"/>
-              </a:rPr>
-              <a:t>(NAM) </a:t>
-            </a:r>
-            <a:r>
-              <a:rPr sz="1100" i="1" spc="-10">
-                <a:solidFill>
-                  <a:srgbClr val="777879"/>
-                </a:solidFill>
-                <a:latin typeface="AdobeClean-LightIt"/>
-                <a:cs typeface="AdobeClean-LightIt"/>
-              </a:rPr>
-              <a:t>or </a:t>
-            </a:r>
-            <a:r>
-              <a:rPr sz="1100" i="1" spc="-15">
-                <a:solidFill>
-                  <a:srgbClr val="777879"/>
-                </a:solidFill>
-                <a:latin typeface="AdobeClean-LightIt"/>
-                <a:cs typeface="AdobeClean-LightIt"/>
-              </a:rPr>
-              <a:t>Customer </a:t>
-            </a:r>
-            <a:r>
-              <a:rPr sz="1100" i="1" spc="-20">
-                <a:solidFill>
-                  <a:srgbClr val="777879"/>
-                </a:solidFill>
-                <a:latin typeface="AdobeClean-LightIt"/>
-                <a:cs typeface="AdobeClean-LightIt"/>
-              </a:rPr>
-              <a:t>Success</a:t>
-            </a:r>
-            <a:r>
-              <a:rPr sz="1100" i="1" spc="-180">
-                <a:solidFill>
-                  <a:srgbClr val="777879"/>
-                </a:solidFill>
-                <a:latin typeface="AdobeClean-LightIt"/>
-                <a:cs typeface="AdobeClean-LightIt"/>
-              </a:rPr>
-              <a:t> </a:t>
-            </a:r>
-            <a:r>
-              <a:rPr sz="1100" i="1" spc="-15">
-                <a:solidFill>
-                  <a:srgbClr val="777879"/>
-                </a:solidFill>
-                <a:latin typeface="AdobeClean-LightIt"/>
-                <a:cs typeface="AdobeClean-LightIt"/>
-              </a:rPr>
-              <a:t>Manager(CSM)</a:t>
-            </a:r>
-            <a:endParaRPr sz="1100">
-              <a:latin typeface="AdobeClean-LightIt"/>
-              <a:cs typeface="AdobeClean-LightIt"/>
-            </a:endParaRPr>
           </a:p>
           <a:p>
             <a:pPr marL="34290">
@@ -10339,59 +8898,15 @@
               </a:spcBef>
             </a:pPr>
             <a:r>
-              <a:rPr sz="800" spc="-5">
+              <a:rPr lang="it-IT" sz="800">
                 <a:solidFill>
                   <a:srgbClr val="6D6D6D"/>
                 </a:solidFill>
                 <a:latin typeface="Adobe Clean"/>
                 <a:cs typeface="Adobe Clean"/>
               </a:rPr>
-              <a:t>©202</a:t>
+              <a:t>©2021 Adobe. All Rights Reserved. Adobe Confidential.</a:t>
             </a:r>
-            <a:r>
-              <a:rPr lang="en-US" sz="800" spc="-5">
-                <a:solidFill>
-                  <a:srgbClr val="6D6D6D"/>
-                </a:solidFill>
-                <a:latin typeface="Adobe Clean"/>
-                <a:cs typeface="Adobe Clean"/>
-              </a:rPr>
-              <a:t>1</a:t>
-            </a:r>
-            <a:r>
-              <a:rPr sz="800" spc="-5">
-                <a:solidFill>
-                  <a:srgbClr val="6D6D6D"/>
-                </a:solidFill>
-                <a:latin typeface="Adobe Clean"/>
-                <a:cs typeface="Adobe Clean"/>
-              </a:rPr>
-              <a:t> Adobe. All Rights Reserved. Adobe</a:t>
-            </a:r>
-            <a:r>
-              <a:rPr sz="800" spc="75">
-                <a:solidFill>
-                  <a:srgbClr val="6D6D6D"/>
-                </a:solidFill>
-                <a:latin typeface="Adobe Clean"/>
-                <a:cs typeface="Adobe Clean"/>
-              </a:rPr>
-              <a:t> </a:t>
-            </a:r>
-            <a:r>
-              <a:rPr sz="800" spc="-5">
-                <a:solidFill>
-                  <a:srgbClr val="6D6D6D"/>
-                </a:solidFill>
-                <a:latin typeface="Adobe Clean"/>
-                <a:cs typeface="Adobe Clean"/>
-              </a:rPr>
-              <a:t>Confidential.</a:t>
-            </a:r>
-            <a:endParaRPr sz="800">
-              <a:latin typeface="Adobe Clean"/>
-              <a:cs typeface="Adobe Clean"/>
-            </a:endParaRPr>
           </a:p>
         </p:txBody>
       </p:sp>
@@ -10428,19 +8943,15 @@
               </a:spcBef>
             </a:pPr>
             <a:r>
-              <a:rPr lang="en-US" sz="1400" b="1" spc="-15">
+              <a:rPr lang="it-IT" sz="1400" b="1">
                 <a:solidFill>
                   <a:srgbClr val="020302"/>
                 </a:solidFill>
                 <a:latin typeface="Adobe Clean"/>
                 <a:cs typeface="Adobe Clean"/>
               </a:rPr>
-              <a:t>Regional scope of Adobe Support, Local Hours Of Operation And Language Support</a:t>
+              <a:t>Supporto Adobe: aree geografiche, orari operativi e lingue</a:t>
             </a:r>
-            <a:endParaRPr lang="en-US" sz="1400" spc="-15">
-              <a:ea typeface="+mn-lt"/>
-              <a:cs typeface="+mn-lt"/>
-            </a:endParaRPr>
           </a:p>
           <a:p>
             <a:pPr>
@@ -10449,15 +8960,14 @@
               </a:spcBef>
             </a:pPr>
             <a:r>
-              <a:rPr lang="en-US" sz="1000" spc="-15">
+              <a:rPr lang="it-IT" sz="1000">
                 <a:solidFill>
                   <a:srgbClr val="1F1F1F"/>
                 </a:solidFill>
                 <a:latin typeface="AdobeClean-Light"/>
               </a:rPr>
-              <a:t>The Regional scope of Adobe Support is established by aligning the customer's billing address (via the Sales Order or other Adobe Support purchasing document) to one of the following regions:</a:t>
+              <a:t>L’ambito del supporto Adobe è definito allineando l’indirizzo di fatturazione del cliente (in base all’ordine di vendita o altro documento di acquisto del servizio di supporto Adobe) a una delle seguenti aree geografiche:</a:t>
             </a:r>
-            <a:endParaRPr lang="en-US"/>
           </a:p>
         </p:txBody>
       </p:sp>
@@ -10529,13 +9039,13 @@
                     <a:p>
                       <a:pPr algn="ctr"/>
                       <a:r>
-                        <a:rPr lang="en-US" sz="1100" dirty="0">
+                        <a:rPr lang="it-IT" sz="1100">
                           <a:solidFill>
                             <a:schemeClr val="tx1"/>
                           </a:solidFill>
                           <a:latin typeface="Adobe Clean"/>
                         </a:rPr>
-                        <a:t>Americas</a:t>
+                        <a:t>Americhe</a:t>
                       </a:r>
                     </a:p>
                   </a:txBody>
@@ -10594,13 +9104,13 @@
                     <a:p>
                       <a:pPr algn="ctr"/>
                       <a:r>
-                        <a:rPr lang="en-US" sz="1100" dirty="0">
+                        <a:rPr lang="it-IT" sz="1100">
                           <a:solidFill>
                             <a:schemeClr val="tx1"/>
                           </a:solidFill>
                           <a:latin typeface="Adobe Clean"/>
                         </a:rPr>
-                        <a:t>Europe, Middle East &amp; Africa</a:t>
+                        <a:t>Europa, Medio Oriente e Africa</a:t>
                       </a:r>
                     </a:p>
                   </a:txBody>
@@ -10659,13 +9169,13 @@
                     <a:p>
                       <a:pPr algn="ctr"/>
                       <a:r>
-                        <a:rPr lang="en-US" sz="1100" dirty="0">
+                        <a:rPr lang="it-IT" sz="1100">
                           <a:solidFill>
                             <a:schemeClr val="tx1"/>
                           </a:solidFill>
                           <a:latin typeface="Adobe Clean"/>
                         </a:rPr>
-                        <a:t>Asia Pacific</a:t>
+                        <a:t>Asia-Pacifico</a:t>
                       </a:r>
                     </a:p>
                   </a:txBody>
@@ -10724,16 +9234,16 @@
                     <a:p>
                       <a:pPr algn="ctr"/>
                       <a:r>
-                        <a:rPr lang="en-US" sz="1100" dirty="0">
+                        <a:rPr lang="it-IT" sz="1100">
                           <a:solidFill>
                             <a:schemeClr val="tx1"/>
                           </a:solidFill>
                           <a:latin typeface="Adobe Clean"/>
                         </a:rPr>
-                        <a:t>Japan </a:t>
+                        <a:t>Giappone</a:t>
                       </a:r>
                       <a:r>
-                        <a:rPr lang="en-US" sz="1100" baseline="30000" dirty="0">
+                        <a:rPr lang="it-IT" sz="1100" baseline="30000">
                           <a:solidFill>
                             <a:schemeClr val="tx1"/>
                           </a:solidFill>
@@ -10741,12 +9251,6 @@
                         </a:rPr>
                         <a:t>1 </a:t>
                       </a:r>
-                      <a:endParaRPr lang="en-US" sz="1100">
-                        <a:solidFill>
-                          <a:schemeClr val="tx1"/>
-                        </a:solidFill>
-                        <a:latin typeface="Adobe Clean" panose="020B0503020404020204" pitchFamily="34" charset="0"/>
-                      </a:endParaRPr>
                     </a:p>
                   </a:txBody>
                   <a:tcPr anchor="ctr">
@@ -10811,13 +9315,13 @@
                     <a:p>
                       <a:pPr algn="ctr"/>
                       <a:r>
-                        <a:rPr lang="en-US" sz="1100" dirty="0">
+                        <a:rPr lang="it-IT" sz="1100">
                           <a:solidFill>
                             <a:schemeClr val="tx1"/>
                           </a:solidFill>
                           <a:latin typeface="Adobe Clean"/>
                         </a:rPr>
-                        <a:t>6 am – 5:30 pm</a:t>
+                        <a:t>06:00 – 17:30</a:t>
                       </a:r>
                     </a:p>
                   </a:txBody>
@@ -10876,13 +9380,13 @@
                     <a:p>
                       <a:pPr algn="ctr"/>
                       <a:r>
-                        <a:rPr lang="en-US" sz="1100" dirty="0">
+                        <a:rPr lang="it-IT" sz="1100">
                           <a:solidFill>
                             <a:schemeClr val="tx1"/>
                           </a:solidFill>
                           <a:latin typeface="Adobe Clean"/>
                         </a:rPr>
-                        <a:t>9 am – 5 pm</a:t>
+                        <a:t>09:00 – 17:00</a:t>
                       </a:r>
                     </a:p>
                   </a:txBody>
@@ -10941,13 +9445,13 @@
                     <a:p>
                       <a:pPr algn="ctr"/>
                       <a:r>
-                        <a:rPr lang="en-US" sz="1100" dirty="0">
+                        <a:rPr lang="it-IT" sz="1100">
                           <a:solidFill>
                             <a:schemeClr val="tx1"/>
                           </a:solidFill>
                           <a:latin typeface="Adobe Clean"/>
                         </a:rPr>
-                        <a:t>9 am – 5 pm</a:t>
+                        <a:t>09:00 – 17:00</a:t>
                       </a:r>
                     </a:p>
                   </a:txBody>
@@ -11006,13 +9510,13 @@
                     <a:p>
                       <a:pPr algn="ctr"/>
                       <a:r>
-                        <a:rPr lang="en-US" sz="1100" dirty="0">
+                        <a:rPr lang="it-IT" sz="1100">
                           <a:solidFill>
                             <a:schemeClr val="tx1"/>
                           </a:solidFill>
                           <a:latin typeface="Adobe Clean"/>
                         </a:rPr>
-                        <a:t>9 am – 5:30 pm</a:t>
+                        <a:t>09:00 – 17:30</a:t>
                       </a:r>
                     </a:p>
                   </a:txBody>
@@ -11092,11 +9596,10 @@
                         <a:buNone/>
                       </a:pPr>
                       <a:r>
-                        <a:rPr lang="en-US" sz="1100" b="1" i="0" u="none" strike="noStrike" kern="0" cap="none" spc="0" normalizeH="0" baseline="30000" noProof="0" dirty="0">
+                        <a:rPr lang="it-IT" sz="1100" b="1" i="0" u="none" strike="noStrike" cap="none" normalizeH="0" baseline="30000" noProof="0">
                           <a:ln>
                             <a:noFill/>
                           </a:ln>
-                          <a:effectLst/>
                           <a:uLnTx/>
                           <a:uFillTx/>
                           <a:latin typeface="Adobe Clean"/>
@@ -11106,17 +9609,16 @@
                         <a:t> </a:t>
                       </a:r>
                       <a:r>
-                        <a:rPr lang="en-US" sz="1100" dirty="0">
+                        <a:rPr lang="it-IT" sz="1100">
                           <a:solidFill>
                             <a:schemeClr val="tx1"/>
                           </a:solidFill>
                           <a:latin typeface="Adobe Clean"/>
+                          <a:ea typeface="+mn-ea"/>
+                          <a:cs typeface="+mn-cs"/>
                         </a:rPr>
-                        <a:t>Language support is only available in English and Japanese.</a:t>
+                        <a:t>Il supporto è disponibile solo in inglese e giapponese.</a:t>
                       </a:r>
-                      <a:endParaRPr lang="en-US" dirty="0">
-                        <a:latin typeface="Adobe Clean"/>
-                      </a:endParaRPr>
                     </a:p>
                     <a:p>
                       <a:pPr marL="0" marR="0" lvl="0" indent="0" algn="ctr">
@@ -11135,17 +9637,17 @@
                         <a:buNone/>
                       </a:pPr>
                       <a:r>
-                        <a:rPr lang="en-US" sz="1100" i="1" dirty="0">
+                        <a:rPr lang="it-IT" sz="1100" i="1">
                           <a:solidFill>
                             <a:schemeClr val="tx1"/>
                           </a:solidFill>
                           <a:latin typeface="Adobe Clean"/>
                         </a:rPr>
-                        <a:t>*Adobe Commerce excludes Japanese languages support.</a:t>
+                        <a:t>* Adobe Commerce non prevede il supporto in lingua giapponese.</a:t>
                       </a:r>
                     </a:p>
                     <a:p>
-                      <a:pPr algn="ctr"/>
+                      <a:pPr algn="l" rtl="0"/>
                       <a:endParaRPr kumimoji="0" lang="en-US" sz="1100" b="1" i="0" u="none" strike="noStrike" kern="0" cap="none" spc="0" normalizeH="0" baseline="30000" noProof="0">
                         <a:ln>
                           <a:noFill/>
@@ -11164,7 +9666,7 @@
                     <a:p>
                       <a:pPr algn="ctr"/>
                       <a:r>
-                        <a:rPr lang="en-US" sz="1100" i="0" dirty="0">
+                        <a:rPr lang="it-IT" sz="1100" i="0">
                           <a:solidFill>
                             <a:schemeClr val="tx1"/>
                           </a:solidFill>
@@ -11173,7 +9675,7 @@
                         <a:t> </a:t>
                       </a:r>
                       <a:r>
-                        <a:rPr lang="en-US" sz="1100" i="0" baseline="30000" dirty="0">
+                        <a:rPr lang="it-IT" sz="1100" i="0" baseline="30000">
                           <a:solidFill>
                             <a:schemeClr val="tx1"/>
                           </a:solidFill>
@@ -11182,20 +9684,14 @@
                         <a:t>1 </a:t>
                       </a:r>
                       <a:r>
-                        <a:rPr lang="en-US" sz="1100" i="0" dirty="0">
+                        <a:rPr lang="it-IT" sz="1100" i="0">
                           <a:solidFill>
                             <a:schemeClr val="tx1"/>
                           </a:solidFill>
                           <a:latin typeface="Adobe Clean"/>
                         </a:rPr>
-                        <a:t>P2, P3, P4 cases are limited to business hours only in Japan.</a:t>
+                        <a:t>In Giappone, i casi P2, P3 e P4 sono limitati al solo orario operativo.</a:t>
                       </a:r>
-                      <a:endParaRPr lang="en-US" sz="1100" b="1" i="0">
-                        <a:solidFill>
-                          <a:schemeClr val="tx1"/>
-                        </a:solidFill>
-                        <a:latin typeface="Adobe Clean"/>
-                      </a:endParaRPr>
                     </a:p>
                   </a:txBody>
                   <a:tcPr anchor="ctr">
@@ -11559,129 +10055,15 @@
               </a:spcBef>
             </a:pPr>
             <a:r>
-              <a:rPr sz="1200" b="1" spc="-15">
+              <a:rPr lang="it-IT" sz="1200" b="1">
                 <a:solidFill>
                   <a:srgbClr val="FFFFFF"/>
                 </a:solidFill>
                 <a:latin typeface="Adobe Clean"/>
                 <a:cs typeface="Adobe Clean"/>
               </a:rPr>
-              <a:t>U</a:t>
+              <a:t>Eccellenza tecnica</a:t>
             </a:r>
-            <a:r>
-              <a:rPr sz="1200" b="1" spc="-20">
-                <a:solidFill>
-                  <a:srgbClr val="FFFFFF"/>
-                </a:solidFill>
-                <a:latin typeface="Adobe Clean"/>
-                <a:cs typeface="Adobe Clean"/>
-              </a:rPr>
-              <a:t>n</a:t>
-            </a:r>
-            <a:r>
-              <a:rPr sz="1200" b="1" spc="-25">
-                <a:solidFill>
-                  <a:srgbClr val="FFFFFF"/>
-                </a:solidFill>
-                <a:latin typeface="Adobe Clean"/>
-                <a:cs typeface="Adobe Clean"/>
-              </a:rPr>
-              <a:t>p</a:t>
-            </a:r>
-            <a:r>
-              <a:rPr sz="1200" b="1" spc="-15">
-                <a:solidFill>
-                  <a:srgbClr val="FFFFFF"/>
-                </a:solidFill>
-                <a:latin typeface="Adobe Clean"/>
-                <a:cs typeface="Adobe Clean"/>
-              </a:rPr>
-              <a:t>a</a:t>
-            </a:r>
-            <a:r>
-              <a:rPr sz="1200" b="1" spc="-25">
-                <a:solidFill>
-                  <a:srgbClr val="FFFFFF"/>
-                </a:solidFill>
-                <a:latin typeface="Adobe Clean"/>
-                <a:cs typeface="Adobe Clean"/>
-              </a:rPr>
-              <a:t>r</a:t>
-            </a:r>
-            <a:r>
-              <a:rPr sz="1200" b="1" spc="-15">
-                <a:solidFill>
-                  <a:srgbClr val="FFFFFF"/>
-                </a:solidFill>
-                <a:latin typeface="Adobe Clean"/>
-                <a:cs typeface="Adobe Clean"/>
-              </a:rPr>
-              <a:t>a</a:t>
-            </a:r>
-            <a:r>
-              <a:rPr sz="1200" b="1" spc="-30">
-                <a:solidFill>
-                  <a:srgbClr val="FFFFFF"/>
-                </a:solidFill>
-                <a:latin typeface="Adobe Clean"/>
-                <a:cs typeface="Adobe Clean"/>
-              </a:rPr>
-              <a:t>ll</a:t>
-            </a:r>
-            <a:r>
-              <a:rPr sz="1200" b="1" spc="-25">
-                <a:solidFill>
-                  <a:srgbClr val="FFFFFF"/>
-                </a:solidFill>
-                <a:latin typeface="Adobe Clean"/>
-                <a:cs typeface="Adobe Clean"/>
-              </a:rPr>
-              <a:t>e</a:t>
-            </a:r>
-            <a:r>
-              <a:rPr sz="1200" b="1" spc="-30">
-                <a:solidFill>
-                  <a:srgbClr val="FFFFFF"/>
-                </a:solidFill>
-                <a:latin typeface="Adobe Clean"/>
-                <a:cs typeface="Adobe Clean"/>
-              </a:rPr>
-              <a:t>l</a:t>
-            </a:r>
-            <a:r>
-              <a:rPr sz="1200" b="1" spc="-25">
-                <a:solidFill>
-                  <a:srgbClr val="FFFFFF"/>
-                </a:solidFill>
-                <a:latin typeface="Adobe Clean"/>
-                <a:cs typeface="Adobe Clean"/>
-              </a:rPr>
-              <a:t>e</a:t>
-            </a:r>
-            <a:r>
-              <a:rPr sz="1200" b="1">
-                <a:solidFill>
-                  <a:srgbClr val="FFFFFF"/>
-                </a:solidFill>
-                <a:latin typeface="Adobe Clean"/>
-                <a:cs typeface="Adobe Clean"/>
-              </a:rPr>
-              <a:t>d  </a:t>
-            </a:r>
-            <a:r>
-              <a:rPr sz="1200" b="1" spc="-25">
-                <a:solidFill>
-                  <a:srgbClr val="FFFFFF"/>
-                </a:solidFill>
-                <a:latin typeface="Adobe Clean"/>
-                <a:cs typeface="Adobe Clean"/>
-              </a:rPr>
-              <a:t>Expertise</a:t>
-            </a:r>
-            <a:endParaRPr sz="1200">
-              <a:latin typeface="Adobe Clean"/>
-              <a:cs typeface="Adobe Clean"/>
-            </a:endParaRPr>
           </a:p>
         </p:txBody>
       </p:sp>
@@ -11721,19 +10103,15 @@
               </a:spcBef>
             </a:pPr>
             <a:r>
-              <a:rPr lang="en-US" sz="1200" b="1" spc="-15">
+              <a:rPr lang="it-IT" sz="1200" b="1">
                 <a:solidFill>
                   <a:srgbClr val="FFFFFF"/>
                 </a:solidFill>
                 <a:latin typeface="Adobe Clean"/>
                 <a:cs typeface="Adobe Clean"/>
               </a:rPr>
-              <a:t>Accelerated Support</a:t>
+              <a:t>Supporto rapido</a:t>
             </a:r>
-            <a:endParaRPr sz="1200">
-              <a:latin typeface="Adobe Clean"/>
-              <a:cs typeface="Adobe Clean"/>
-            </a:endParaRPr>
           </a:p>
         </p:txBody>
       </p:sp>
@@ -11751,8 +10129,8 @@
         </p:nvSpPr>
         <p:spPr>
           <a:xfrm>
-            <a:off x="6624119" y="8543943"/>
-            <a:ext cx="510540" cy="385445"/>
+            <a:off x="6429819" y="8543969"/>
+            <a:ext cx="810895" cy="385445"/>
           </a:xfrm>
           <a:prstGeom prst="rect">
             <a:avLst/>
@@ -11773,109 +10151,15 @@
               </a:spcBef>
             </a:pPr>
             <a:r>
-              <a:rPr sz="1200" b="1" spc="-50">
+              <a:rPr lang="it-IT" sz="1200" b="1" dirty="0">
                 <a:solidFill>
                   <a:srgbClr val="FFFFFF"/>
                 </a:solidFill>
                 <a:latin typeface="Adobe Clean"/>
                 <a:cs typeface="Adobe Clean"/>
               </a:rPr>
-              <a:t>S</a:t>
+              <a:t>Consulenza strategica</a:t>
             </a:r>
-            <a:r>
-              <a:rPr sz="1200" b="1" spc="-20">
-                <a:solidFill>
-                  <a:srgbClr val="FFFFFF"/>
-                </a:solidFill>
-                <a:latin typeface="Adobe Clean"/>
-                <a:cs typeface="Adobe Clean"/>
-              </a:rPr>
-              <a:t>t</a:t>
-            </a:r>
-            <a:r>
-              <a:rPr sz="1200" b="1" spc="-75">
-                <a:solidFill>
-                  <a:srgbClr val="FFFFFF"/>
-                </a:solidFill>
-                <a:latin typeface="Adobe Clean"/>
-                <a:cs typeface="Adobe Clean"/>
-              </a:rPr>
-              <a:t>r</a:t>
-            </a:r>
-            <a:r>
-              <a:rPr sz="1200" b="1" spc="-90">
-                <a:solidFill>
-                  <a:srgbClr val="FFFFFF"/>
-                </a:solidFill>
-                <a:latin typeface="Adobe Clean"/>
-                <a:cs typeface="Adobe Clean"/>
-              </a:rPr>
-              <a:t>a</a:t>
-            </a:r>
-            <a:r>
-              <a:rPr sz="1200" b="1" spc="-55">
-                <a:solidFill>
-                  <a:srgbClr val="FFFFFF"/>
-                </a:solidFill>
-                <a:latin typeface="Adobe Clean"/>
-                <a:cs typeface="Adobe Clean"/>
-              </a:rPr>
-              <a:t>t</a:t>
-            </a:r>
-            <a:r>
-              <a:rPr sz="1200" b="1" spc="-100">
-                <a:solidFill>
-                  <a:srgbClr val="FFFFFF"/>
-                </a:solidFill>
-                <a:latin typeface="Adobe Clean"/>
-                <a:cs typeface="Adobe Clean"/>
-              </a:rPr>
-              <a:t>e</a:t>
-            </a:r>
-            <a:r>
-              <a:rPr sz="1200" b="1" spc="-80">
-                <a:solidFill>
-                  <a:srgbClr val="FFFFFF"/>
-                </a:solidFill>
-                <a:latin typeface="Adobe Clean"/>
-                <a:cs typeface="Adobe Clean"/>
-              </a:rPr>
-              <a:t>g</a:t>
-            </a:r>
-            <a:r>
-              <a:rPr sz="1200" b="1" spc="-35">
-                <a:solidFill>
-                  <a:srgbClr val="FFFFFF"/>
-                </a:solidFill>
-                <a:latin typeface="Adobe Clean"/>
-                <a:cs typeface="Adobe Clean"/>
-              </a:rPr>
-              <a:t>i</a:t>
-            </a:r>
-            <a:r>
-              <a:rPr sz="1200" b="1">
-                <a:solidFill>
-                  <a:srgbClr val="FFFFFF"/>
-                </a:solidFill>
-                <a:latin typeface="Adobe Clean"/>
-                <a:cs typeface="Adobe Clean"/>
-              </a:rPr>
-              <a:t>c  </a:t>
-            </a:r>
-            <a:r>
-              <a:rPr sz="1200" b="1" spc="-45">
-                <a:solidFill>
-                  <a:srgbClr val="FFFFFF"/>
-                </a:solidFill>
-                <a:latin typeface="Adobe Clean"/>
-                <a:cs typeface="Adobe Clean"/>
-              </a:rPr>
-              <a:t>Advice</a:t>
-            </a:r>
-            <a:endParaRPr sz="1200">
-              <a:latin typeface="Adobe Clean"/>
-              <a:cs typeface="Adobe Clean"/>
-            </a:endParaRPr>
           </a:p>
         </p:txBody>
       </p:sp>
@@ -11891,7 +10175,13 @@
           <p:cNvGraphicFramePr>
             <a:graphicFrameLocks noGrp="1"/>
           </p:cNvGraphicFramePr>
-          <p:nvPr/>
+          <p:nvPr>
+            <p:extLst>
+              <p:ext uri="{D42A27DB-BD31-4B8C-83A1-F6EECF244321}">
+                <p14:modId xmlns:p14="http://schemas.microsoft.com/office/powerpoint/2010/main" val="3878089471"/>
+              </p:ext>
+            </p:extLst>
+          </p:nvPr>
         </p:nvGraphicFramePr>
         <p:xfrm>
           <a:off x="194236" y="1059345"/>
@@ -11926,7 +10216,7 @@
                     <a:lstStyle/>
                     <a:p>
                       <a:r>
-                        <a:rPr lang="en-US" sz="1100" b="0">
+                        <a:rPr lang="it-IT" sz="1100" b="0">
                           <a:solidFill>
                             <a:schemeClr val="tx1"/>
                           </a:solidFill>
@@ -11937,14 +10227,6 @@
                         </a:rPr>
                         <a:t>Experience League</a:t>
                       </a:r>
-                      <a:endParaRPr lang="en-US" sz="1100" b="0">
-                        <a:solidFill>
-                          <a:schemeClr val="tx1"/>
-                        </a:solidFill>
-                        <a:latin typeface="Adobe Clean" panose="020B0503020404020204" pitchFamily="34" charset="0"/>
-                        <a:ea typeface="+mn-ea"/>
-                        <a:cs typeface="+mn-cs"/>
-                      </a:endParaRPr>
                     </a:p>
                   </a:txBody>
                   <a:tcPr marL="47625" marR="47625" marT="0" marB="0" anchor="ctr">
@@ -12018,7 +10300,7 @@
                         <a:defRPr/>
                       </a:pPr>
                       <a:r>
-                        <a:rPr lang="en-US" sz="1000" b="0" kern="1200">
+                        <a:rPr lang="it-IT" sz="1000" b="0" dirty="0">
                           <a:solidFill>
                             <a:srgbClr val="000000"/>
                           </a:solidFill>
@@ -12026,7 +10308,28 @@
                           <a:ea typeface="+mn-ea"/>
                           <a:cs typeface="+mn-cs"/>
                         </a:rPr>
-                        <a:t>Experience League is how Adobe helps businesses achieve the value they expect from their Adobe investment. It’s the unified place where customers can learn, connect, and grow along a personalized path to success that includes self-help tutorials, product documentation, instructor-led training, community and technical support. </a:t>
+                        <a:t>Con Experience League, Adobe aiuta le aziende a conseguire il valore che si aspettano dalle soluzioni Adobe in cui hanno investito. In questo portale unificato, puoi imparare, relazionarti con altri professionisti </a:t>
+                      </a:r>
+                      <a:br>
+                        <a:rPr lang="sk-SK" sz="1000" b="0" dirty="0">
+                          <a:solidFill>
+                            <a:srgbClr val="000000"/>
+                          </a:solidFill>
+                          <a:latin typeface="Adobe Clean Light" panose="020B0303020404020204" pitchFamily="34" charset="0"/>
+                          <a:ea typeface="+mn-ea"/>
+                          <a:cs typeface="+mn-cs"/>
+                        </a:rPr>
+                      </a:br>
+                      <a:r>
+                        <a:rPr lang="it-IT" sz="1000" b="0" dirty="0">
+                          <a:solidFill>
+                            <a:srgbClr val="000000"/>
+                          </a:solidFill>
+                          <a:latin typeface="Adobe Clean Light" panose="020B0303020404020204" pitchFamily="34" charset="0"/>
+                          <a:ea typeface="+mn-ea"/>
+                          <a:cs typeface="+mn-cs"/>
+                        </a:rPr>
+                        <a:t>e crescere seguendo un percorso personalizzato con tutorial, documentazione dei prodotti, formazione con istruttori, supporto tecnico e il sostegno dell’intera community. </a:t>
                       </a:r>
                     </a:p>
                   </a:txBody>
@@ -12108,39 +10411,28 @@
                         <a:defRPr/>
                       </a:pPr>
                       <a:r>
-                        <a:rPr lang="en-US" sz="1100">
+                        <a:rPr lang="it-IT" sz="1100">
                           <a:solidFill>
                             <a:schemeClr val="dk1"/>
                           </a:solidFill>
-                          <a:effectLst/>
                           <a:latin typeface="Adobe Clean" panose="020B0503020404020204" pitchFamily="34" charset="0"/>
                           <a:ea typeface="+mn-ea"/>
                           <a:cs typeface="+mn-cs"/>
                           <a:hlinkClick r:id="rId8"/>
                         </a:rPr>
-                        <a:t>Training</a:t>
+                        <a:t>Formazione</a:t>
                       </a:r>
                       <a:r>
-                        <a:rPr lang="en-US" sz="1100">
+                        <a:rPr lang="it-IT" sz="1100">
                           <a:solidFill>
                             <a:schemeClr val="dk1"/>
                           </a:solidFill>
-                          <a:effectLst/>
                           <a:latin typeface="Adobe Clean" panose="020B0503020404020204" pitchFamily="34" charset="0"/>
                           <a:ea typeface="+mn-ea"/>
                           <a:cs typeface="+mn-cs"/>
                         </a:rPr>
                         <a:t> </a:t>
                       </a:r>
-                      <a:endParaRPr lang="en-US" sz="1100">
-                        <a:solidFill>
-                          <a:schemeClr val="tx1"/>
-                        </a:solidFill>
-                        <a:effectLst/>
-                        <a:latin typeface="Adobe Clean" panose="020B0503020404020204" pitchFamily="34" charset="0"/>
-                        <a:ea typeface="+mn-ea"/>
-                        <a:cs typeface="+mn-cs"/>
-                      </a:endParaRPr>
                     </a:p>
                   </a:txBody>
                   <a:tcPr anchor="ctr">
@@ -12214,7 +10506,7 @@
                         <a:defRPr/>
                       </a:pPr>
                       <a:r>
-                        <a:rPr lang="en-US" sz="1000" kern="1200">
+                        <a:rPr lang="it-IT" sz="1000">
                           <a:solidFill>
                             <a:srgbClr val="000000"/>
                           </a:solidFill>
@@ -12222,7 +10514,7 @@
                           <a:ea typeface="+mn-ea"/>
                           <a:cs typeface="+mn-cs"/>
                         </a:rPr>
-                        <a:t>Adobe Digital Learning Services courses are accessible from Experience League. Learning courses integrate both on-demand and instructor-led lessons.  Here you can accrue skills that have recognized market value and position them to drive success in your organizations.</a:t>
+                        <a:t>I corsi Adobe Digital Learning Services sono accessibili da Experience League. I corsi di apprendimento comprendono lezioni sia on-demand che guidate da istruttori.  Potrai acquisire nuove competenze particolarmente ricercate nel settore e metterle in pratica nella tua organizzazione, per favorirne il successo.</a:t>
                       </a:r>
                     </a:p>
                   </a:txBody>
@@ -12304,27 +10596,17 @@
                         <a:defRPr/>
                       </a:pPr>
                       <a:r>
-                        <a:rPr lang="en-US" sz="1100">
+                        <a:rPr lang="it-IT" sz="1100">
                           <a:solidFill>
                             <a:schemeClr val="tx1"/>
                           </a:solidFill>
-                          <a:effectLst/>
                           <a:latin typeface="Adobe Clean" panose="020B0503020404020204" pitchFamily="34" charset="0"/>
                           <a:ea typeface="+mn-ea"/>
                           <a:cs typeface="+mn-cs"/>
                           <a:hlinkClick r:id="rId9"/>
                         </a:rPr>
-                        <a:t>Production Issues &amp; System Outages</a:t>
+                        <a:t>Problemi di produzione e interruzioni del sistema</a:t>
                       </a:r>
-                      <a:endParaRPr lang="en-US" sz="1100">
-                        <a:solidFill>
-                          <a:schemeClr val="tx1"/>
-                        </a:solidFill>
-                        <a:effectLst/>
-                        <a:latin typeface="Adobe Clean" panose="020B0503020404020204" pitchFamily="34" charset="0"/>
-                        <a:ea typeface="+mn-ea"/>
-                        <a:cs typeface="+mn-cs"/>
-                      </a:endParaRPr>
                     </a:p>
                   </a:txBody>
                   <a:tcPr anchor="ctr">
@@ -12398,7 +10680,7 @@
                         <a:defRPr/>
                       </a:pPr>
                       <a:r>
-                        <a:rPr lang="en-US" sz="1000" kern="1200">
+                        <a:rPr lang="it-IT" sz="1000" dirty="0">
                           <a:solidFill>
                             <a:srgbClr val="000000"/>
                           </a:solidFill>
@@ -12406,7 +10688,70 @@
                           <a:ea typeface="+mn-ea"/>
                           <a:cs typeface="+mn-cs"/>
                         </a:rPr>
-                        <a:t>Status.adobe.com conveys the health information of all Adobe products and services that are deployed in multi-tenant environments. Customers can choose their subscription preferences to get email notifications whenever Adobe creates, updates or resolves a product event. This can include scheduled maintenance or service issues of varying levels of severity. </a:t>
+                        <a:t>Status.adobe.com trasmette informazioni sullo stato di tutti i prodotti </a:t>
+                      </a:r>
+                      <a:br>
+                        <a:rPr lang="sk-SK" sz="1000" dirty="0">
+                          <a:solidFill>
+                            <a:srgbClr val="000000"/>
+                          </a:solidFill>
+                          <a:latin typeface="Adobe Clean Light" panose="020B0303020404020204" pitchFamily="34" charset="0"/>
+                          <a:ea typeface="+mn-ea"/>
+                          <a:cs typeface="+mn-cs"/>
+                        </a:rPr>
+                      </a:br>
+                      <a:r>
+                        <a:rPr lang="it-IT" sz="1000" dirty="0">
+                          <a:solidFill>
+                            <a:srgbClr val="000000"/>
+                          </a:solidFill>
+                          <a:latin typeface="Adobe Clean Light" panose="020B0303020404020204" pitchFamily="34" charset="0"/>
+                          <a:ea typeface="+mn-ea"/>
+                          <a:cs typeface="+mn-cs"/>
+                        </a:rPr>
+                        <a:t>e i servizi Adobe implementati in ambienti multi-tenant. Puoi scegliere se ricevere notifiche e-mail ogni volta che Adobe segnala, aggiorna </a:t>
+                      </a:r>
+                      <a:br>
+                        <a:rPr lang="sk-SK" sz="1000" dirty="0">
+                          <a:solidFill>
+                            <a:srgbClr val="000000"/>
+                          </a:solidFill>
+                          <a:latin typeface="Adobe Clean Light" panose="020B0303020404020204" pitchFamily="34" charset="0"/>
+                          <a:ea typeface="+mn-ea"/>
+                          <a:cs typeface="+mn-cs"/>
+                        </a:rPr>
+                      </a:br>
+                      <a:r>
+                        <a:rPr lang="it-IT" sz="1000" dirty="0">
+                          <a:solidFill>
+                            <a:srgbClr val="000000"/>
+                          </a:solidFill>
+                          <a:latin typeface="Adobe Clean Light" panose="020B0303020404020204" pitchFamily="34" charset="0"/>
+                          <a:ea typeface="+mn-ea"/>
+                          <a:cs typeface="+mn-cs"/>
+                        </a:rPr>
+                        <a:t>o risolve un problema relativo a un prodotto. Vengono segnalate </a:t>
+                      </a:r>
+                      <a:br>
+                        <a:rPr lang="sk-SK" sz="1000" dirty="0">
+                          <a:solidFill>
+                            <a:srgbClr val="000000"/>
+                          </a:solidFill>
+                          <a:latin typeface="Adobe Clean Light" panose="020B0303020404020204" pitchFamily="34" charset="0"/>
+                          <a:ea typeface="+mn-ea"/>
+                          <a:cs typeface="+mn-cs"/>
+                        </a:rPr>
+                      </a:br>
+                      <a:r>
+                        <a:rPr lang="it-IT" sz="1000" dirty="0">
+                          <a:solidFill>
+                            <a:srgbClr val="000000"/>
+                          </a:solidFill>
+                          <a:latin typeface="Adobe Clean Light" panose="020B0303020404020204" pitchFamily="34" charset="0"/>
+                          <a:ea typeface="+mn-ea"/>
+                          <a:cs typeface="+mn-cs"/>
+                        </a:rPr>
+                        <a:t>ad esempio le interruzioni per manutenzione programmata o problemi relativi ai servizi con diversi livelli di gravità. </a:t>
                       </a:r>
                     </a:p>
                   </a:txBody>
@@ -12488,27 +10833,17 @@
                         <a:defRPr/>
                       </a:pPr>
                       <a:r>
-                        <a:rPr lang="en-US" sz="1100" b="0" i="0">
+                        <a:rPr lang="it-IT" sz="1100" b="0" i="0">
                           <a:solidFill>
                             <a:schemeClr val="dk1"/>
                           </a:solidFill>
-                          <a:effectLst/>
                           <a:latin typeface="Adobe Clean" panose="020B0503020404020204" pitchFamily="34" charset="0"/>
                           <a:ea typeface="+mn-ea"/>
                           <a:cs typeface="+mn-cs"/>
-                          <a:hlinkClick r:id="rId10" tooltip="https://helpx.adobe.com/support/programs/enterprise-support-programs/premier-support-business.html"/>
+                          <a:hlinkClick r:id="rId10" tooltip="https://helpx.adobe.com/it/support/programs/enterprise-support-programs/premier-support-business.html"/>
                         </a:rPr>
-                        <a:t>Business Support Website</a:t>
+                        <a:t>Sito del supporto Business</a:t>
                       </a:r>
-                      <a:endParaRPr lang="en-US" sz="1100" b="0" i="0">
-                        <a:solidFill>
-                          <a:schemeClr val="dk1"/>
-                        </a:solidFill>
-                        <a:effectLst/>
-                        <a:latin typeface="Adobe Clean" panose="020B0503020404020204" pitchFamily="34" charset="0"/>
-                        <a:ea typeface="+mn-ea"/>
-                        <a:cs typeface="+mn-cs"/>
-                      </a:endParaRPr>
                     </a:p>
                   </a:txBody>
                   <a:tcPr anchor="ctr">
@@ -12565,7 +10900,7 @@
                     <a:lstStyle/>
                     <a:p>
                       <a:r>
-                        <a:rPr lang="en-US" sz="1000" kern="1200">
+                        <a:rPr lang="it-IT" sz="1000">
                           <a:solidFill>
                             <a:srgbClr val="000000"/>
                           </a:solidFill>
@@ -12573,7 +10908,7 @@
                           <a:ea typeface="+mn-ea"/>
                           <a:cs typeface="+mn-cs"/>
                         </a:rPr>
-                        <a:t>Adobe Business Support website</a:t>
+                        <a:t>Sito del supporto Business di Adobe</a:t>
                       </a:r>
                     </a:p>
                   </a:txBody>
@@ -12655,27 +10990,17 @@
                         <a:defRPr/>
                       </a:pPr>
                       <a:r>
-                        <a:rPr lang="en-US" sz="1100">
+                        <a:rPr lang="it-IT" sz="1100">
                           <a:solidFill>
                             <a:schemeClr val="tx1"/>
                           </a:solidFill>
-                          <a:effectLst/>
                           <a:latin typeface="Adobe Clean" panose="020B0503020404020204" pitchFamily="34" charset="0"/>
                           <a:ea typeface="+mn-ea"/>
                           <a:cs typeface="+mn-cs"/>
                           <a:hlinkClick r:id="rId11"/>
                         </a:rPr>
-                        <a:t>Terms and Conditions</a:t>
+                        <a:t>Termini e condizioni</a:t>
                       </a:r>
-                      <a:endParaRPr lang="en-US" sz="1100">
-                        <a:solidFill>
-                          <a:schemeClr val="tx1"/>
-                        </a:solidFill>
-                        <a:effectLst/>
-                        <a:latin typeface="Adobe Clean" panose="020B0503020404020204" pitchFamily="34" charset="0"/>
-                        <a:ea typeface="+mn-ea"/>
-                        <a:cs typeface="+mn-cs"/>
-                      </a:endParaRPr>
                     </a:p>
                   </a:txBody>
                   <a:tcPr anchor="ctr">
@@ -12732,7 +11057,7 @@
                     <a:lstStyle/>
                     <a:p>
                       <a:r>
-                        <a:rPr lang="en-US" sz="1000" kern="1200">
+                        <a:rPr lang="it-IT" sz="1000" dirty="0">
                           <a:solidFill>
                             <a:srgbClr val="000000"/>
                           </a:solidFill>
@@ -12740,7 +11065,7 @@
                           <a:ea typeface="+mn-ea"/>
                           <a:cs typeface="+mn-cs"/>
                         </a:rPr>
-                        <a:t>Terms and conditions detailing Support Services offerings</a:t>
+                        <a:t>Termini e condizioni che descrivono i servizi di supporto disponibili</a:t>
                       </a:r>
                     </a:p>
                   </a:txBody>
@@ -13511,6 +11836,12 @@
 </file>
 
 <file path=customXml/item1.xml><?xml version="1.0" encoding="utf-8"?>
+<p:properties xmlns:p="http://schemas.microsoft.com/office/2006/metadata/properties" xmlns:xsi="http://www.w3.org/2001/XMLSchema-instance" xmlns:pc="http://schemas.microsoft.com/office/infopath/2007/PartnerControls">
+  <documentManagement/>
+</p:properties>
+</file>
+
+<file path=customXml/item2.xml><?xml version="1.0" encoding="utf-8"?>
 <ct:contentTypeSchema xmlns:ct="http://schemas.microsoft.com/office/2006/metadata/contentType" xmlns:ma="http://schemas.microsoft.com/office/2006/metadata/properties/metaAttributes" ct:_="" ma:_="" ma:contentTypeName="Document" ma:contentTypeID="0x010100E783BF6876BCC646A459363AF21A7736" ma:contentTypeVersion="10" ma:contentTypeDescription="Create a new document." ma:contentTypeScope="" ma:versionID="c4ffda7f4f415767600769e454c2ea87">
   <xsd:schema xmlns:xsd="http://www.w3.org/2001/XMLSchema" xmlns:xs="http://www.w3.org/2001/XMLSchema" xmlns:p="http://schemas.microsoft.com/office/2006/metadata/properties" xmlns:ns2="8a053bff-88be-49e4-9a87-e748e18b8b62" xmlns:ns3="6c8368ec-3776-49b5-a5bb-90648cf9530f" targetNamespace="http://schemas.microsoft.com/office/2006/metadata/properties" ma:root="true" ma:fieldsID="df3ec33bccc23e23bce7bc897fad43d1" ns2:_="" ns3:_="">
     <xsd:import namespace="8a053bff-88be-49e4-9a87-e748e18b8b62"/>
@@ -13715,12 +12046,6 @@
 </ct:contentTypeSchema>
 </file>
 
-<file path=customXml/item2.xml><?xml version="1.0" encoding="utf-8"?>
-<p:properties xmlns:p="http://schemas.microsoft.com/office/2006/metadata/properties" xmlns:xsi="http://www.w3.org/2001/XMLSchema-instance" xmlns:pc="http://schemas.microsoft.com/office/infopath/2007/PartnerControls">
-  <documentManagement/>
-</p:properties>
-</file>
-
 <file path=customXml/item3.xml><?xml version="1.0" encoding="utf-8"?>
 <?mso-contentType ?>
 <FormTemplates xmlns="http://schemas.microsoft.com/sharepoint/v3/contenttype/forms">
@@ -13731,6 +12056,15 @@
 </file>
 
 <file path=customXml/itemProps1.xml><?xml version="1.0" encoding="utf-8"?>
+<ds:datastoreItem xmlns:ds="http://schemas.openxmlformats.org/officeDocument/2006/customXml" ds:itemID="{10FC3CAF-E6F1-40E3-87D4-6B781C97D6B4}">
+  <ds:schemaRefs>
+    <ds:schemaRef ds:uri="http://schemas.microsoft.com/office/2006/metadata/properties"/>
+    <ds:schemaRef ds:uri="http://schemas.microsoft.com/office/infopath/2007/PartnerControls"/>
+  </ds:schemaRefs>
+</ds:datastoreItem>
+</file>
+
+<file path=customXml/itemProps2.xml><?xml version="1.0" encoding="utf-8"?>
 <ds:datastoreItem xmlns:ds="http://schemas.openxmlformats.org/officeDocument/2006/customXml" ds:itemID="{E0DB8BDF-6DA8-4ABC-A3CA-043AFD674CFC}">
   <ds:schemaRefs>
     <ds:schemaRef ds:uri="6c8368ec-3776-49b5-a5bb-90648cf9530f"/>
@@ -13749,15 +12083,6 @@
 </ds:datastoreItem>
 </file>
 
-<file path=customXml/itemProps2.xml><?xml version="1.0" encoding="utf-8"?>
-<ds:datastoreItem xmlns:ds="http://schemas.openxmlformats.org/officeDocument/2006/customXml" ds:itemID="{10FC3CAF-E6F1-40E3-87D4-6B781C97D6B4}">
-  <ds:schemaRefs>
-    <ds:schemaRef ds:uri="http://schemas.microsoft.com/office/2006/metadata/properties"/>
-    <ds:schemaRef ds:uri="http://schemas.microsoft.com/office/infopath/2007/PartnerControls"/>
-  </ds:schemaRefs>
-</ds:datastoreItem>
-</file>
-
 <file path=customXml/itemProps3.xml><?xml version="1.0" encoding="utf-8"?>
 <ds:datastoreItem xmlns:ds="http://schemas.openxmlformats.org/officeDocument/2006/customXml" ds:itemID="{95AE3B0B-E909-400C-B0B3-909FB50E07DE}">
   <ds:schemaRefs>

--- a/help/data-sheets/assets/BusinessSupportDatasheet.pptx
+++ b/help/data-sheets/assets/BusinessSupportDatasheet.pptx
@@ -143,12 +143,8 @@
 <file path=ppt/revisionInfo.xml><?xml version="1.0" encoding="utf-8"?>
 <p1510:revInfo xmlns:a="http://schemas.openxmlformats.org/drawingml/2006/main" xmlns:r="http://schemas.openxmlformats.org/officeDocument/2006/relationships" xmlns:p1510="http://schemas.microsoft.com/office/powerpoint/2015/10/main">
   <p1510:revLst>
-    <p1510:client id="{06B13378-B080-7F0F-51A5-F9203CEE57ED}" v="370" dt="2021-08-25T22:26:24.850"/>
-    <p1510:client id="{4D8E0410-E0CE-85E2-0F84-C1BF4F647622}" v="27" dt="2021-09-22T22:57:14.395"/>
-    <p1510:client id="{71D6CFBF-0EA2-99B0-93F4-22F19EF0AE4E}" v="2" dt="2021-09-22T19:06:58.732"/>
-    <p1510:client id="{9E385600-BF81-FC49-9ED0-E33BC37F7908}" v="55" dt="2021-08-04T08:16:13.478"/>
-    <p1510:client id="{AFB92C2B-405E-C597-0988-18F97C53104C}" v="37" dt="2021-09-22T18:53:28.028"/>
-    <p1510:client id="{CA5D33DF-AE75-BCA1-B9BC-A7CD44D2F3C7}" v="2" dt="2021-08-25T22:38:18.624"/>
+    <p1510:client id="{61630BD6-9AE9-064C-B39F-AFA945B82B3E}" v="202" dt="2021-10-13T19:21:08.267"/>
+    <p1510:client id="{AC30C20D-1316-8ECC-DADD-39CCEC6A7FCF}" v="9" dt="2021-10-13T19:03:35.035"/>
   </p1510:revLst>
 </p1510:revInfo>
 </file>
@@ -170,6 +166,77 @@
         </pc:sldMkLst>
         <pc:graphicFrameChg chg="mod modGraphic">
           <ac:chgData name="Akilah Johnson" userId="S::akjohnso@adobe.com::2fa3aa60-0c9c-4d06-bae2-795983241227" providerId="AD" clId="Web-{4D8E0410-E0CE-85E2-0F84-C1BF4F647622}" dt="2021-09-22T22:57:04.802" v="5"/>
+          <ac:graphicFrameMkLst>
+            <pc:docMk/>
+            <pc:sldMk cId="1050037809" sldId="261"/>
+            <ac:graphicFrameMk id="25" creationId="{3A91F5B0-3974-A14D-A146-FB590F2AAD18}"/>
+          </ac:graphicFrameMkLst>
+        </pc:graphicFrameChg>
+      </pc:sldChg>
+    </pc:docChg>
+  </pc:docChgLst>
+  <pc:docChgLst>
+    <pc:chgData name="Akilah Johnson" userId="S::akjohnso@adobe.com::2fa3aa60-0c9c-4d06-bae2-795983241227" providerId="AD" clId="Web-{019F6A09-DCDA-BB53-9E3C-5BA3B13E26BB}"/>
+    <pc:docChg chg="modSld">
+      <pc:chgData name="Akilah Johnson" userId="S::akjohnso@adobe.com::2fa3aa60-0c9c-4d06-bae2-795983241227" providerId="AD" clId="Web-{019F6A09-DCDA-BB53-9E3C-5BA3B13E26BB}" dt="2021-10-12T17:10:36.752" v="17" actId="20577"/>
+      <pc:docMkLst>
+        <pc:docMk/>
+      </pc:docMkLst>
+      <pc:sldChg chg="modSp">
+        <pc:chgData name="Akilah Johnson" userId="S::akjohnso@adobe.com::2fa3aa60-0c9c-4d06-bae2-795983241227" providerId="AD" clId="Web-{019F6A09-DCDA-BB53-9E3C-5BA3B13E26BB}" dt="2021-10-12T17:09:32.112" v="2" actId="20577"/>
+        <pc:sldMkLst>
+          <pc:docMk/>
+          <pc:sldMk cId="0" sldId="257"/>
+        </pc:sldMkLst>
+        <pc:spChg chg="mod">
+          <ac:chgData name="Akilah Johnson" userId="S::akjohnso@adobe.com::2fa3aa60-0c9c-4d06-bae2-795983241227" providerId="AD" clId="Web-{019F6A09-DCDA-BB53-9E3C-5BA3B13E26BB}" dt="2021-10-12T17:09:32.112" v="2" actId="20577"/>
+          <ac:spMkLst>
+            <pc:docMk/>
+            <pc:sldMk cId="0" sldId="257"/>
+            <ac:spMk id="46" creationId="{00000000-0000-0000-0000-000000000000}"/>
+          </ac:spMkLst>
+        </pc:spChg>
+      </pc:sldChg>
+      <pc:sldChg chg="modSp">
+        <pc:chgData name="Akilah Johnson" userId="S::akjohnso@adobe.com::2fa3aa60-0c9c-4d06-bae2-795983241227" providerId="AD" clId="Web-{019F6A09-DCDA-BB53-9E3C-5BA3B13E26BB}" dt="2021-10-12T17:10:36.752" v="17" actId="20577"/>
+        <pc:sldMkLst>
+          <pc:docMk/>
+          <pc:sldMk cId="1050037809" sldId="261"/>
+        </pc:sldMkLst>
+        <pc:spChg chg="mod">
+          <ac:chgData name="Akilah Johnson" userId="S::akjohnso@adobe.com::2fa3aa60-0c9c-4d06-bae2-795983241227" providerId="AD" clId="Web-{019F6A09-DCDA-BB53-9E3C-5BA3B13E26BB}" dt="2021-10-12T17:10:36.752" v="17" actId="20577"/>
+          <ac:spMkLst>
+            <pc:docMk/>
+            <pc:sldMk cId="1050037809" sldId="261"/>
+            <ac:spMk id="56" creationId="{00000000-0000-0000-0000-000000000000}"/>
+          </ac:spMkLst>
+        </pc:spChg>
+        <pc:graphicFrameChg chg="mod modGraphic">
+          <ac:chgData name="Akilah Johnson" userId="S::akjohnso@adobe.com::2fa3aa60-0c9c-4d06-bae2-795983241227" providerId="AD" clId="Web-{019F6A09-DCDA-BB53-9E3C-5BA3B13E26BB}" dt="2021-10-12T17:09:41.471" v="6"/>
+          <ac:graphicFrameMkLst>
+            <pc:docMk/>
+            <pc:sldMk cId="1050037809" sldId="261"/>
+            <ac:graphicFrameMk id="111" creationId="{D8653CEC-4213-DE40-9BAF-D1E3318FF89C}"/>
+          </ac:graphicFrameMkLst>
+        </pc:graphicFrameChg>
+      </pc:sldChg>
+    </pc:docChg>
+  </pc:docChgLst>
+  <pc:docChgLst>
+    <pc:chgData name="Andy Witt" userId="S::awitt@adobe.com::e9157bdf-53b2-40e4-9459-936793d75696" providerId="AD" clId="Web-{06B13378-B080-7F0F-51A5-F9203CEE57ED}"/>
+    <pc:docChg chg="modSld">
+      <pc:chgData name="Andy Witt" userId="S::awitt@adobe.com::e9157bdf-53b2-40e4-9459-936793d75696" providerId="AD" clId="Web-{06B13378-B080-7F0F-51A5-F9203CEE57ED}" dt="2021-08-25T22:25:13.647" v="363"/>
+      <pc:docMkLst>
+        <pc:docMk/>
+      </pc:docMkLst>
+      <pc:sldChg chg="modSp">
+        <pc:chgData name="Andy Witt" userId="S::awitt@adobe.com::e9157bdf-53b2-40e4-9459-936793d75696" providerId="AD" clId="Web-{06B13378-B080-7F0F-51A5-F9203CEE57ED}" dt="2021-08-25T22:25:13.647" v="363"/>
+        <pc:sldMkLst>
+          <pc:docMk/>
+          <pc:sldMk cId="1050037809" sldId="261"/>
+        </pc:sldMkLst>
+        <pc:graphicFrameChg chg="mod modGraphic">
+          <ac:chgData name="Andy Witt" userId="S::awitt@adobe.com::e9157bdf-53b2-40e4-9459-936793d75696" providerId="AD" clId="Web-{06B13378-B080-7F0F-51A5-F9203CEE57ED}" dt="2021-08-25T22:25:13.647" v="363"/>
           <ac:graphicFrameMkLst>
             <pc:docMk/>
             <pc:sldMk cId="1050037809" sldId="261"/>
@@ -204,26 +271,58 @@
     </pc:docChg>
   </pc:docChgLst>
   <pc:docChgLst>
-    <pc:chgData name="Andy Witt" userId="S::awitt@adobe.com::e9157bdf-53b2-40e4-9459-936793d75696" providerId="AD" clId="Web-{06B13378-B080-7F0F-51A5-F9203CEE57ED}"/>
+    <pc:chgData name="Akilah Johnson" userId="S::akjohnso@adobe.com::2fa3aa60-0c9c-4d06-bae2-795983241227" providerId="AD" clId="Web-{D428A0AE-54E2-30D2-C574-7A0742876CCF}"/>
     <pc:docChg chg="modSld">
-      <pc:chgData name="Andy Witt" userId="S::awitt@adobe.com::e9157bdf-53b2-40e4-9459-936793d75696" providerId="AD" clId="Web-{06B13378-B080-7F0F-51A5-F9203CEE57ED}" dt="2021-08-25T22:25:13.647" v="363"/>
+      <pc:chgData name="Akilah Johnson" userId="S::akjohnso@adobe.com::2fa3aa60-0c9c-4d06-bae2-795983241227" providerId="AD" clId="Web-{D428A0AE-54E2-30D2-C574-7A0742876CCF}" dt="2021-10-12T19:11:25.330" v="0" actId="20577"/>
       <pc:docMkLst>
         <pc:docMk/>
       </pc:docMkLst>
       <pc:sldChg chg="modSp">
-        <pc:chgData name="Andy Witt" userId="S::awitt@adobe.com::e9157bdf-53b2-40e4-9459-936793d75696" providerId="AD" clId="Web-{06B13378-B080-7F0F-51A5-F9203CEE57ED}" dt="2021-08-25T22:25:13.647" v="363"/>
+        <pc:chgData name="Akilah Johnson" userId="S::akjohnso@adobe.com::2fa3aa60-0c9c-4d06-bae2-795983241227" providerId="AD" clId="Web-{D428A0AE-54E2-30D2-C574-7A0742876CCF}" dt="2021-10-12T19:11:25.330" v="0" actId="20577"/>
         <pc:sldMkLst>
           <pc:docMk/>
-          <pc:sldMk cId="1050037809" sldId="261"/>
+          <pc:sldMk cId="0" sldId="256"/>
         </pc:sldMkLst>
-        <pc:graphicFrameChg chg="mod modGraphic">
-          <ac:chgData name="Andy Witt" userId="S::awitt@adobe.com::e9157bdf-53b2-40e4-9459-936793d75696" providerId="AD" clId="Web-{06B13378-B080-7F0F-51A5-F9203CEE57ED}" dt="2021-08-25T22:25:13.647" v="363"/>
-          <ac:graphicFrameMkLst>
+        <pc:spChg chg="mod">
+          <ac:chgData name="Akilah Johnson" userId="S::akjohnso@adobe.com::2fa3aa60-0c9c-4d06-bae2-795983241227" providerId="AD" clId="Web-{D428A0AE-54E2-30D2-C574-7A0742876CCF}" dt="2021-10-12T19:11:25.330" v="0" actId="20577"/>
+          <ac:spMkLst>
             <pc:docMk/>
-            <pc:sldMk cId="1050037809" sldId="261"/>
-            <ac:graphicFrameMk id="25" creationId="{3A91F5B0-3974-A14D-A146-FB590F2AAD18}"/>
-          </ac:graphicFrameMkLst>
-        </pc:graphicFrameChg>
+            <pc:sldMk cId="0" sldId="256"/>
+            <ac:spMk id="4" creationId="{00000000-0000-0000-0000-000000000000}"/>
+          </ac:spMkLst>
+        </pc:spChg>
+      </pc:sldChg>
+    </pc:docChg>
+  </pc:docChgLst>
+  <pc:docChgLst>
+    <pc:chgData name="Lauren Schutte" userId="S::schutte@adobe.com::6e08b2d3-447a-4d66-86be-444d50df187f" providerId="AD" clId="Web-{AC30C20D-1316-8ECC-DADD-39CCEC6A7FCF}"/>
+    <pc:docChg chg="modSld">
+      <pc:chgData name="Lauren Schutte" userId="S::schutte@adobe.com::6e08b2d3-447a-4d66-86be-444d50df187f" providerId="AD" clId="Web-{AC30C20D-1316-8ECC-DADD-39CCEC6A7FCF}" dt="2021-10-13T19:03:35.035" v="8" actId="1076"/>
+      <pc:docMkLst>
+        <pc:docMk/>
+      </pc:docMkLst>
+      <pc:sldChg chg="modSp">
+        <pc:chgData name="Lauren Schutte" userId="S::schutte@adobe.com::6e08b2d3-447a-4d66-86be-444d50df187f" providerId="AD" clId="Web-{AC30C20D-1316-8ECC-DADD-39CCEC6A7FCF}" dt="2021-10-13T19:03:35.035" v="8" actId="1076"/>
+        <pc:sldMkLst>
+          <pc:docMk/>
+          <pc:sldMk cId="0" sldId="256"/>
+        </pc:sldMkLst>
+        <pc:spChg chg="mod">
+          <ac:chgData name="Lauren Schutte" userId="S::schutte@adobe.com::6e08b2d3-447a-4d66-86be-444d50df187f" providerId="AD" clId="Web-{AC30C20D-1316-8ECC-DADD-39CCEC6A7FCF}" dt="2021-10-13T19:03:27.878" v="7" actId="14100"/>
+          <ac:spMkLst>
+            <pc:docMk/>
+            <pc:sldMk cId="0" sldId="256"/>
+            <ac:spMk id="3" creationId="{00000000-0000-0000-0000-000000000000}"/>
+          </ac:spMkLst>
+        </pc:spChg>
+        <pc:spChg chg="mod">
+          <ac:chgData name="Lauren Schutte" userId="S::schutte@adobe.com::6e08b2d3-447a-4d66-86be-444d50df187f" providerId="AD" clId="Web-{AC30C20D-1316-8ECC-DADD-39CCEC6A7FCF}" dt="2021-10-13T19:03:35.035" v="8" actId="1076"/>
+          <ac:spMkLst>
+            <pc:docMk/>
+            <pc:sldMk cId="0" sldId="256"/>
+            <ac:spMk id="5" creationId="{00000000-0000-0000-0000-000000000000}"/>
+          </ac:spMkLst>
+        </pc:spChg>
       </pc:sldChg>
     </pc:docChg>
   </pc:docChgLst>
@@ -254,6 +353,38 @@
             <pc:docMk/>
             <pc:sldMk cId="1050037809" sldId="261"/>
             <ac:graphicFrameMk id="25" creationId="{3A91F5B0-3974-A14D-A146-FB590F2AAD18}"/>
+          </ac:graphicFrameMkLst>
+        </pc:graphicFrameChg>
+      </pc:sldChg>
+    </pc:docChg>
+  </pc:docChgLst>
+  <pc:docChgLst>
+    <pc:chgData name="Lauren Schutte" userId="6e08b2d3-447a-4d66-86be-444d50df187f" providerId="ADAL" clId="{61630BD6-9AE9-064C-B39F-AFA945B82B3E}"/>
+    <pc:docChg chg="undo custSel modSld">
+      <pc:chgData name="Lauren Schutte" userId="6e08b2d3-447a-4d66-86be-444d50df187f" providerId="ADAL" clId="{61630BD6-9AE9-064C-B39F-AFA945B82B3E}" dt="2021-10-13T19:21:08.267" v="201" actId="20577"/>
+      <pc:docMkLst>
+        <pc:docMk/>
+      </pc:docMkLst>
+      <pc:sldChg chg="modSp mod">
+        <pc:chgData name="Lauren Schutte" userId="6e08b2d3-447a-4d66-86be-444d50df187f" providerId="ADAL" clId="{61630BD6-9AE9-064C-B39F-AFA945B82B3E}" dt="2021-10-13T19:21:08.267" v="201" actId="20577"/>
+        <pc:sldMkLst>
+          <pc:docMk/>
+          <pc:sldMk cId="0" sldId="256"/>
+        </pc:sldMkLst>
+        <pc:spChg chg="mod">
+          <ac:chgData name="Lauren Schutte" userId="6e08b2d3-447a-4d66-86be-444d50df187f" providerId="ADAL" clId="{61630BD6-9AE9-064C-B39F-AFA945B82B3E}" dt="2021-10-13T19:03:44.344" v="3" actId="1076"/>
+          <ac:spMkLst>
+            <pc:docMk/>
+            <pc:sldMk cId="0" sldId="256"/>
+            <ac:spMk id="3" creationId="{00000000-0000-0000-0000-000000000000}"/>
+          </ac:spMkLst>
+        </pc:spChg>
+        <pc:graphicFrameChg chg="mod modGraphic">
+          <ac:chgData name="Lauren Schutte" userId="6e08b2d3-447a-4d66-86be-444d50df187f" providerId="ADAL" clId="{61630BD6-9AE9-064C-B39F-AFA945B82B3E}" dt="2021-10-13T19:21:08.267" v="201" actId="20577"/>
+          <ac:graphicFrameMkLst>
+            <pc:docMk/>
+            <pc:sldMk cId="0" sldId="256"/>
+            <ac:graphicFrameMk id="9" creationId="{00000000-0000-0000-0000-000000000000}"/>
           </ac:graphicFrameMkLst>
         </pc:graphicFrameChg>
       </pc:sldChg>
@@ -368,7 +499,7 @@
           <a:p>
             <a:fld id="{FB81873C-0B24-F04A-98A1-90E0A78F7E8A}" type="datetimeFigureOut">
               <a:rPr lang="en-US" smtClean="0"/>
-              <a:t>10/1/2021</a:t>
+              <a:t>10/13/2021</a:t>
             </a:fld>
             <a:endParaRPr lang="en-US"/>
           </a:p>
@@ -991,7 +1122,7 @@
           <a:p>
             <a:fld id="{1D8BD707-D9CF-40AE-B4C6-C98DA3205C09}" type="datetimeFigureOut">
               <a:rPr lang="en-US"/>
-              <a:t>10/1/2021</a:t>
+              <a:t>10/13/2021</a:t>
             </a:fld>
             <a:endParaRPr lang="en-US"/>
           </a:p>
@@ -1183,7 +1314,7 @@
           <a:p>
             <a:fld id="{1D8BD707-D9CF-40AE-B4C6-C98DA3205C09}" type="datetimeFigureOut">
               <a:rPr lang="en-US"/>
-              <a:t>10/1/2021</a:t>
+              <a:t>10/13/2021</a:t>
             </a:fld>
             <a:endParaRPr lang="en-US"/>
           </a:p>
@@ -1501,7 +1632,7 @@
           <a:p>
             <a:fld id="{1D8BD707-D9CF-40AE-B4C6-C98DA3205C09}" type="datetimeFigureOut">
               <a:rPr lang="en-US"/>
-              <a:t>10/1/2021</a:t>
+              <a:t>10/13/2021</a:t>
             </a:fld>
             <a:endParaRPr lang="en-US"/>
           </a:p>
@@ -1756,7 +1887,7 @@
         <p:spPr>
           <a:xfrm>
             <a:off x="168565" y="7162363"/>
-            <a:ext cx="4032732" cy="227626"/>
+            <a:ext cx="2800350" cy="238760"/>
           </a:xfrm>
           <a:prstGeom prst="rect">
             <a:avLst/>
@@ -1777,7 +1908,7 @@
               </a:spcBef>
             </a:pPr>
             <a:r>
-              <a:rPr lang="it-IT" sz="1400" b="1" u="heavy" dirty="0">
+              <a:rPr sz="1400" b="1" u="heavy" spc="10">
                 <a:solidFill>
                   <a:srgbClr val="020302"/>
                 </a:solidFill>
@@ -1789,8 +1920,87 @@
                 <a:latin typeface="Adobe Clean"/>
                 <a:cs typeface="Adobe Clean"/>
               </a:rPr>
-              <a:t>Obiettivi del livello di servizio: risposta iniziale</a:t>
-            </a:r>
+              <a:t>Service </a:t>
+            </a:r>
+            <a:r>
+              <a:rPr sz="1400" b="1" u="heavy" spc="-10">
+                <a:solidFill>
+                  <a:srgbClr val="020302"/>
+                </a:solidFill>
+                <a:uFill>
+                  <a:solidFill>
+                    <a:srgbClr val="020302"/>
+                  </a:solidFill>
+                </a:uFill>
+                <a:latin typeface="Adobe Clean"/>
+                <a:cs typeface="Adobe Clean"/>
+              </a:rPr>
+              <a:t>Level </a:t>
+            </a:r>
+            <a:r>
+              <a:rPr sz="1400" b="1" u="heavy" spc="-45">
+                <a:solidFill>
+                  <a:srgbClr val="020302"/>
+                </a:solidFill>
+                <a:uFill>
+                  <a:solidFill>
+                    <a:srgbClr val="020302"/>
+                  </a:solidFill>
+                </a:uFill>
+                <a:latin typeface="Adobe Clean"/>
+                <a:cs typeface="Adobe Clean"/>
+              </a:rPr>
+              <a:t>Targets: </a:t>
+            </a:r>
+            <a:r>
+              <a:rPr sz="1400" b="1" u="heavy" spc="-10">
+                <a:solidFill>
+                  <a:srgbClr val="020302"/>
+                </a:solidFill>
+                <a:uFill>
+                  <a:solidFill>
+                    <a:srgbClr val="020302"/>
+                  </a:solidFill>
+                </a:uFill>
+                <a:latin typeface="Adobe Clean"/>
+                <a:cs typeface="Adobe Clean"/>
+              </a:rPr>
+              <a:t>Initial</a:t>
+            </a:r>
+            <a:r>
+              <a:rPr sz="1400" b="1" u="heavy" spc="-140">
+                <a:solidFill>
+                  <a:srgbClr val="020302"/>
+                </a:solidFill>
+                <a:uFill>
+                  <a:solidFill>
+                    <a:srgbClr val="020302"/>
+                  </a:solidFill>
+                </a:uFill>
+                <a:latin typeface="Adobe Clean"/>
+                <a:cs typeface="Adobe Clean"/>
+              </a:rPr>
+              <a:t> </a:t>
+            </a:r>
+            <a:r>
+              <a:rPr sz="1400" b="1" u="heavy" spc="-15">
+                <a:solidFill>
+                  <a:srgbClr val="020302"/>
+                </a:solidFill>
+                <a:uFill>
+                  <a:solidFill>
+                    <a:srgbClr val="020302"/>
+                  </a:solidFill>
+                </a:uFill>
+                <a:latin typeface="Adobe Clean"/>
+                <a:cs typeface="Adobe Clean"/>
+              </a:rPr>
+              <a:t>Response</a:t>
+            </a:r>
+            <a:endParaRPr sz="1400">
+              <a:latin typeface="Adobe Clean"/>
+              <a:cs typeface="Adobe Clean"/>
+            </a:endParaRPr>
           </a:p>
         </p:txBody>
       </p:sp>
@@ -1843,7 +2053,7 @@
           </a:prstGeom>
         </p:spPr>
         <p:txBody>
-          <a:bodyPr vert="horz" wrap="square" lIns="0" tIns="12700" rIns="0" bIns="0" rtlCol="0">
+          <a:bodyPr vert="horz" wrap="square" lIns="0" tIns="12700" rIns="0" bIns="0" rtlCol="0" anchor="t">
             <a:spAutoFit/>
           </a:bodyPr>
           <a:lstStyle/>
@@ -1857,11 +2067,20 @@
               </a:spcBef>
             </a:pPr>
             <a:r>
-              <a:rPr lang="it-IT" sz="2300">
-                <a:latin typeface="Adobe Clean" panose="020B0503020404020204" pitchFamily="34" charset="0"/>
-              </a:rPr>
-              <a:t>OPZIONI DI SUPPORTO ADOBE</a:t>
-            </a:r>
+              <a:rPr sz="2300">
+                <a:latin typeface="Adobe Clean"/>
+              </a:rPr>
+              <a:t>ADOBE </a:t>
+            </a:r>
+            <a:r>
+              <a:rPr lang="en-US" sz="2300">
+                <a:latin typeface="Adobe Clean"/>
+              </a:rPr>
+              <a:t>SUPPORT PLANS</a:t>
+            </a:r>
+            <a:endParaRPr sz="2300">
+              <a:latin typeface="Adobe Clean" panose="020B0503020404020204" pitchFamily="34" charset="0"/>
+            </a:endParaRPr>
           </a:p>
         </p:txBody>
       </p:sp>
@@ -1873,7 +2092,7 @@
         </p:nvSpPr>
         <p:spPr>
           <a:xfrm>
-            <a:off x="121147" y="635935"/>
+            <a:off x="121147" y="531160"/>
             <a:ext cx="5865216" cy="1269065"/>
           </a:xfrm>
           <a:prstGeom prst="rect">
@@ -1895,7 +2114,7 @@
               </a:spcBef>
             </a:pPr>
             <a:r>
-              <a:rPr lang="it-IT" sz="900" dirty="0">
+              <a:rPr lang="en-US" sz="900">
                 <a:solidFill>
                   <a:schemeClr val="bg1"/>
                 </a:solidFill>
@@ -1904,7 +2123,7 @@
               <a:t>Online | </a:t>
             </a:r>
             <a:r>
-              <a:rPr lang="it-IT" sz="900" b="1" dirty="0">
+              <a:rPr lang="en-US" sz="900" b="1">
                 <a:solidFill>
                   <a:schemeClr val="bg1"/>
                 </a:solidFill>
@@ -1913,7 +2132,7 @@
               <a:t>Business</a:t>
             </a:r>
             <a:r>
-              <a:rPr lang="it-IT" sz="900" dirty="0">
+              <a:rPr lang="en-US" sz="900">
                 <a:solidFill>
                   <a:schemeClr val="bg1"/>
                 </a:solidFill>
@@ -1932,65 +2151,21 @@
               </a:spcBef>
             </a:pPr>
             <a:r>
-              <a:rPr lang="it-IT" sz="900" dirty="0">
+              <a:rPr lang="en-US" sz="900">
                 <a:solidFill>
                   <a:schemeClr val="bg1"/>
                 </a:solidFill>
                 <a:latin typeface="Adobe Clean SemiLight" panose="020B0403020404020204" pitchFamily="34" charset="0"/>
               </a:rPr>
-              <a:t>Adobe offre una gamma completa di risorse tecniche per assistere la tua azienda, incluse nell’abbonamento Experience Cloud </a:t>
-            </a:r>
-            <a:br>
-              <a:rPr lang="sk-SK" sz="900" dirty="0">
-                <a:solidFill>
-                  <a:schemeClr val="bg1"/>
-                </a:solidFill>
-                <a:latin typeface="Adobe Clean SemiLight" panose="020B0403020404020204" pitchFamily="34" charset="0"/>
-              </a:rPr>
-            </a:br>
-            <a:r>
-              <a:rPr lang="it-IT" sz="900" dirty="0">
-                <a:solidFill>
-                  <a:schemeClr val="bg1"/>
-                </a:solidFill>
-                <a:latin typeface="Adobe Clean SemiLight" panose="020B0403020404020204" pitchFamily="34" charset="0"/>
-              </a:rPr>
-              <a:t>e ampliabili con un pacchetto di supporto BUSINESS. Il supporto BUSINESS include l’accesso a percorsi di apprendimento personalizzati e forum della community monitorati tramite Adobe Experience League. Puoi inoltre usufruire di documentazione tecnica dettagliata e note sulla versione sempre aggiornate. I clienti BUSINESS possono anche contattare, tramite telefono </a:t>
-            </a:r>
-            <a:br>
-              <a:rPr lang="sk-SK" sz="900" dirty="0">
-                <a:solidFill>
-                  <a:schemeClr val="bg1"/>
-                </a:solidFill>
-                <a:latin typeface="Adobe Clean SemiLight" panose="020B0403020404020204" pitchFamily="34" charset="0"/>
-              </a:rPr>
-            </a:br>
-            <a:r>
-              <a:rPr lang="it-IT" sz="900" dirty="0">
-                <a:solidFill>
-                  <a:schemeClr val="bg1"/>
-                </a:solidFill>
-                <a:latin typeface="Adobe Clean SemiLight" panose="020B0403020404020204" pitchFamily="34" charset="0"/>
-              </a:rPr>
-              <a:t>o portale web, i team addetti al supporto tecnico, per ricevere assistenza nei momenti più critici. I clienti BUSINESS riceveranno comunicazioni e aggiornamenti regolari dal proprio Account Support Lead, nonché la gestione delle escalation per le richieste </a:t>
-            </a:r>
-            <a:br>
-              <a:rPr lang="sk-SK" sz="900" dirty="0">
-                <a:solidFill>
-                  <a:schemeClr val="bg1"/>
-                </a:solidFill>
-                <a:latin typeface="Adobe Clean SemiLight" panose="020B0403020404020204" pitchFamily="34" charset="0"/>
-              </a:rPr>
-            </a:br>
-            <a:r>
-              <a:rPr lang="it-IT" sz="900" dirty="0">
-                <a:solidFill>
-                  <a:schemeClr val="bg1"/>
-                </a:solidFill>
-                <a:latin typeface="Adobe Clean SemiLight" panose="020B0403020404020204" pitchFamily="34" charset="0"/>
-              </a:rPr>
-              <a:t>di supporto più critiche. </a:t>
-            </a:r>
+              <a:t>Adobe provides a comprehensive range of technical resources to help support your business, included as part of your Experience Cloud license subscription and enhanced in the BUSINESS support package. BUSINESS support includes access to personalized learning paths and monitored community forums via the Adobe Experience League. You can also take advantage of our detailed and in-depth technical product documentation and current release notes. BUSINESS customers also benefit from access to our technical support teams for any product query via either the telephone or the support web portal, to help protect your business at the most critical times. BUSINESS customers will receive regular communications and updates from their Account Support Lead in addition to support case escalation management for your most critical of support requests. </a:t>
+            </a:r>
+            <a:endParaRPr lang="en-US" sz="900">
+              <a:solidFill>
+                <a:schemeClr val="bg1"/>
+              </a:solidFill>
+              <a:latin typeface="Adobe Clean Light" panose="020B0303020404020204" pitchFamily="34" charset="0"/>
+              <a:cs typeface="AdobeClean-Light"/>
+            </a:endParaRPr>
           </a:p>
         </p:txBody>
       </p:sp>
@@ -2057,8 +2232,24 @@
               </a:spcBef>
             </a:pPr>
             <a:r>
-              <a:rPr lang="it-IT"/>
-              <a:t>©2021 Adobe. All Rights Reserved. Adobe Confidential.</a:t>
+              <a:rPr spc="-5"/>
+              <a:t>©202</a:t>
+            </a:r>
+            <a:r>
+              <a:rPr lang="en-US" spc="-5"/>
+              <a:t>1</a:t>
+            </a:r>
+            <a:r>
+              <a:rPr spc="-5"/>
+              <a:t> Adobe. All Rights Reserved. Adobe</a:t>
+            </a:r>
+            <a:r>
+              <a:rPr spc="60"/>
+              <a:t> </a:t>
+            </a:r>
+            <a:r>
+              <a:rPr spc="-5"/>
+              <a:t>Confidential.</a:t>
             </a:r>
           </a:p>
         </p:txBody>
@@ -2072,14 +2263,14 @@
           <p:nvPr>
             <p:extLst>
               <p:ext uri="{D42A27DB-BD31-4B8C-83A1-F6EECF244321}">
-                <p14:modId xmlns:p14="http://schemas.microsoft.com/office/powerpoint/2010/main" val="962784674"/>
+                <p14:modId xmlns:p14="http://schemas.microsoft.com/office/powerpoint/2010/main" val="852543156"/>
               </p:ext>
             </p:extLst>
           </p:nvPr>
         </p:nvGraphicFramePr>
         <p:xfrm>
-          <a:off x="121146" y="7475985"/>
-          <a:ext cx="7498852" cy="2207759"/>
+          <a:off x="118872" y="7475985"/>
+          <a:ext cx="7498851" cy="2223598"/>
         </p:xfrm>
         <a:graphic>
           <a:graphicData uri="http://schemas.openxmlformats.org/drawingml/2006/table">
@@ -2088,7 +2279,7 @@
                 <a:tableStyleId>{2D5ABB26-0587-4C30-8999-92F81FD0307C}</a:tableStyleId>
               </a:tblPr>
               <a:tblGrid>
-                <a:gridCol w="4698745">
+                <a:gridCol w="4698744">
                   <a:extLst>
                     <a:ext uri="{9D8B030D-6E8A-4147-A177-3AD203B41FA5}">
                       <a16:colId xmlns:a16="http://schemas.microsoft.com/office/drawing/2014/main" val="20000"/>
@@ -2110,7 +2301,7 @@
                   </a:extLst>
                 </a:gridCol>
               </a:tblGrid>
-              <a:tr h="274318">
+              <a:tr h="291248">
                 <a:tc>
                   <a:txBody>
                     <a:bodyPr/>
@@ -2125,18 +2316,22 @@
                         </a:spcBef>
                       </a:pPr>
                       <a:r>
-                        <a:rPr lang="it-IT" sz="900">
+                        <a:rPr sz="900" spc="0">
                           <a:solidFill>
                             <a:srgbClr val="020302"/>
                           </a:solidFill>
                           <a:latin typeface="Adobe Clean"/>
                           <a:cs typeface="Adobe Clean"/>
                         </a:rPr>
-                        <a:t>Priorità</a:t>
+                        <a:t>Priority</a:t>
                       </a:r>
+                      <a:endParaRPr sz="900" spc="0">
+                        <a:latin typeface="Adobe Clean"/>
+                        <a:cs typeface="Adobe Clean"/>
+                      </a:endParaRPr>
                     </a:p>
                   </a:txBody>
-                  <a:tcPr marL="0" marR="0" marT="7620" marB="0" anchor="ctr">
+                  <a:tcPr marL="0" marR="0" marT="7620" marB="0">
                     <a:lnL w="3175">
                       <a:solidFill>
                         <a:srgbClr val="B7B8B8"/>
@@ -2180,18 +2375,22 @@
                         </a:spcBef>
                       </a:pPr>
                       <a:r>
-                        <a:rPr lang="it-IT" sz="900">
+                        <a:rPr sz="900" spc="0">
                           <a:solidFill>
                             <a:srgbClr val="020302"/>
                           </a:solidFill>
                           <a:latin typeface="Adobe Clean"/>
                           <a:cs typeface="Adobe Clean"/>
                         </a:rPr>
-                        <a:t>Supporto Online</a:t>
+                        <a:t>Online Support</a:t>
                       </a:r>
+                      <a:endParaRPr sz="900" spc="0">
+                        <a:latin typeface="Adobe Clean"/>
+                        <a:cs typeface="Adobe Clean"/>
+                      </a:endParaRPr>
                     </a:p>
                   </a:txBody>
-                  <a:tcPr anchor="ctr">
+                  <a:tcPr marL="182880" marT="91440" anchor="ctr">
                     <a:lnL w="3175">
                       <a:solidFill>
                         <a:srgbClr val="B7B8B8"/>
@@ -2235,18 +2434,42 @@
                         </a:spcBef>
                       </a:pPr>
                       <a:r>
-                        <a:rPr lang="it-IT" sz="900">
+                        <a:rPr sz="900" spc="0">
                           <a:solidFill>
                             <a:srgbClr val="FFFFFF"/>
                           </a:solidFill>
                           <a:latin typeface="Adobe Clean"/>
                           <a:cs typeface="Adobe Clean"/>
                         </a:rPr>
-                        <a:t>Supporto Business</a:t>
+                        <a:t>Business</a:t>
                       </a:r>
+                      <a:r>
+                        <a:rPr lang="en-US" sz="900" spc="0">
+                          <a:solidFill>
+                            <a:srgbClr val="FFFFFF"/>
+                          </a:solidFill>
+                          <a:latin typeface="Adobe Clean"/>
+                          <a:cs typeface="Adobe Clean"/>
+                        </a:rPr>
+                        <a:t> </a:t>
+                      </a:r>
+                      <a:r>
+                        <a:rPr sz="900" spc="0">
+                          <a:solidFill>
+                            <a:srgbClr val="FFFFFF"/>
+                          </a:solidFill>
+                          <a:latin typeface="Adobe Clean"/>
+                          <a:cs typeface="Adobe Clean"/>
+                        </a:rPr>
+                        <a:t>Support</a:t>
+                      </a:r>
+                      <a:endParaRPr sz="900" spc="0">
+                        <a:latin typeface="Adobe Clean"/>
+                        <a:cs typeface="Adobe Clean"/>
+                      </a:endParaRPr>
                     </a:p>
                   </a:txBody>
-                  <a:tcPr anchor="ctr">
+                  <a:tcPr marL="182880" marT="91440" anchor="ctr">
                     <a:lnL w="3175">
                       <a:solidFill>
                         <a:srgbClr val="B7B8B8"/>
@@ -2282,7 +2505,7 @@
                   </a:ext>
                 </a:extLst>
               </a:tr>
-              <a:tr h="484755">
+              <a:tr h="514672">
                 <a:tc>
                   <a:txBody>
                     <a:bodyPr/>
@@ -2297,15 +2520,19 @@
                         </a:spcBef>
                       </a:pPr>
                       <a:r>
-                        <a:rPr lang="it-IT" sz="900" b="1" dirty="0">
+                        <a:rPr sz="900" b="1" spc="0">
                           <a:solidFill>
                             <a:srgbClr val="020302"/>
                           </a:solidFill>
                           <a:latin typeface="Adobe Clean"/>
                           <a:cs typeface="Adobe Clean"/>
                         </a:rPr>
-                        <a:t>PRIORITÀ 1 (P1)</a:t>
+                        <a:t>PRIORITY 1</a:t>
                       </a:r>
+                      <a:endParaRPr sz="900" spc="0">
+                        <a:latin typeface="Adobe Clean"/>
+                        <a:cs typeface="Adobe Clean"/>
+                      </a:endParaRPr>
                     </a:p>
                     <a:p>
                       <a:pPr marL="50800" marR="387985" lvl="0" indent="0" algn="l" defTabSz="914400" rtl="0" eaLnBrk="1" fontAlgn="auto" latinLnBrk="0" hangingPunct="1">
@@ -2326,31 +2553,19 @@
                         <a:defRPr/>
                       </a:pPr>
                       <a:r>
-                        <a:rPr lang="it-IT" sz="900" b="0" i="0" dirty="0">
+                        <a:rPr lang="en-US" sz="900" b="0" i="0" spc="0">
                           <a:solidFill>
                             <a:srgbClr val="000000"/>
                           </a:solidFill>
+                          <a:effectLst/>
                           <a:latin typeface="Adobe Clean Light" panose="020B0303020404020204" pitchFamily="34" charset="0"/>
                         </a:rPr>
-                        <a:t>Le funzioni operative nell’ambiente di produzione del cliente non sono disponibili oppure </a:t>
+                        <a:t>Customer's production business functions are down or have significant data loss or service degradation and immediate attention is required to restore functionality and usability</a:t>
                       </a:r>
-                      <a:br>
-                        <a:rPr lang="sk-SK" sz="900" b="0" i="0" dirty="0">
-                          <a:solidFill>
-                            <a:srgbClr val="000000"/>
-                          </a:solidFill>
-                          <a:latin typeface="Adobe Clean Light" panose="020B0303020404020204" pitchFamily="34" charset="0"/>
-                        </a:rPr>
-                      </a:br>
-                      <a:r>
-                        <a:rPr lang="it-IT" sz="900" b="0" i="0" dirty="0">
-                          <a:solidFill>
-                            <a:srgbClr val="000000"/>
-                          </a:solidFill>
-                          <a:latin typeface="Adobe Clean Light" panose="020B0303020404020204" pitchFamily="34" charset="0"/>
-                        </a:rPr>
-                        <a:t>si verificano problemi significativi di perdita di dati o deterioramento del servizio ed è richiesto un intervento immediato per ripristinare funzionalità e usabilità.</a:t>
-                      </a:r>
+                      <a:endParaRPr lang="en-US" sz="900" b="0" i="0" spc="0">
+                        <a:latin typeface="Adobe Clean Light" panose="020B0303020404020204" pitchFamily="34" charset="0"/>
+                        <a:cs typeface="AdobeClean-Light"/>
+                      </a:endParaRPr>
                     </a:p>
                   </a:txBody>
                   <a:tcPr marL="0" marR="0" marT="3810" marB="0">
@@ -2394,18 +2609,62 @@
                         </a:spcBef>
                       </a:pPr>
                       <a:r>
-                        <a:rPr lang="it-IT" sz="900">
+                        <a:rPr sz="900" spc="0">
                           <a:solidFill>
                             <a:srgbClr val="020302"/>
                           </a:solidFill>
                           <a:latin typeface="AdobeClean-Light"/>
                           <a:cs typeface="AdobeClean-Light"/>
                         </a:rPr>
-                        <a:t>24x7 /           1 ora</a:t>
+                        <a:t>24x7</a:t>
                       </a:r>
+                      <a:r>
+                        <a:rPr lang="en-US" sz="900" spc="0">
+                          <a:solidFill>
+                            <a:srgbClr val="020302"/>
+                          </a:solidFill>
+                          <a:latin typeface="AdobeClean-Light"/>
+                          <a:cs typeface="AdobeClean-Light"/>
+                        </a:rPr>
+                        <a:t> </a:t>
+                      </a:r>
+                      <a:r>
+                        <a:rPr sz="900" spc="0">
+                          <a:solidFill>
+                            <a:srgbClr val="020302"/>
+                          </a:solidFill>
+                          <a:latin typeface="AdobeClean-Light"/>
+                          <a:cs typeface="AdobeClean-Light"/>
+                        </a:rPr>
+                        <a:t>/</a:t>
+                      </a:r>
+                      <a:r>
+                        <a:rPr lang="en-US" sz="900" spc="0">
+                          <a:solidFill>
+                            <a:srgbClr val="020302"/>
+                          </a:solidFill>
+                          <a:latin typeface="AdobeClean-Light"/>
+                          <a:cs typeface="AdobeClean-Light"/>
+                        </a:rPr>
+                        <a:t> </a:t>
+                      </a:r>
+                      <a:r>
+                        <a:rPr sz="900" spc="0">
+                          <a:solidFill>
+                            <a:srgbClr val="020302"/>
+                          </a:solidFill>
+                          <a:latin typeface="AdobeClean-Light"/>
+                          <a:cs typeface="AdobeClean-Light"/>
+                        </a:rPr>
+                        <a:t>1 hour</a:t>
+                      </a:r>
+                      <a:endParaRPr sz="900" spc="0">
+                        <a:latin typeface="AdobeClean-Light"/>
+                        <a:cs typeface="AdobeClean-Light"/>
+                      </a:endParaRPr>
                     </a:p>
                   </a:txBody>
-                  <a:tcPr anchor="ctr">
+                  <a:tcPr marL="0" marR="0" marT="91440" marB="91440" anchor="ctr" anchorCtr="1">
                     <a:lnL w="3175">
                       <a:solidFill>
                         <a:srgbClr val="B7B8B8"/>
@@ -2446,18 +2705,62 @@
                         </a:spcBef>
                       </a:pPr>
                       <a:r>
-                        <a:rPr lang="it-IT" sz="900">
+                        <a:rPr sz="900" spc="0">
                           <a:solidFill>
                             <a:srgbClr val="020302"/>
                           </a:solidFill>
                           <a:latin typeface="AdobeClean-Light"/>
                           <a:cs typeface="AdobeClean-Light"/>
                         </a:rPr>
-                        <a:t>24x7 /          1 ora</a:t>
+                        <a:t>24x7</a:t>
                       </a:r>
+                      <a:r>
+                        <a:rPr lang="en-US" sz="900" spc="0">
+                          <a:solidFill>
+                            <a:srgbClr val="020302"/>
+                          </a:solidFill>
+                          <a:latin typeface="AdobeClean-Light"/>
+                          <a:cs typeface="AdobeClean-Light"/>
+                        </a:rPr>
+                        <a:t> </a:t>
+                      </a:r>
+                      <a:r>
+                        <a:rPr sz="900" spc="0">
+                          <a:solidFill>
+                            <a:srgbClr val="020302"/>
+                          </a:solidFill>
+                          <a:latin typeface="AdobeClean-Light"/>
+                          <a:cs typeface="AdobeClean-Light"/>
+                        </a:rPr>
+                        <a:t>/</a:t>
+                      </a:r>
+                      <a:r>
+                        <a:rPr lang="en-US" sz="900" spc="0">
+                          <a:solidFill>
+                            <a:srgbClr val="020302"/>
+                          </a:solidFill>
+                          <a:latin typeface="AdobeClean-Light"/>
+                          <a:cs typeface="AdobeClean-Light"/>
+                        </a:rPr>
+                        <a:t> </a:t>
+                      </a:r>
+                      <a:r>
+                        <a:rPr sz="900" spc="0">
+                          <a:solidFill>
+                            <a:srgbClr val="020302"/>
+                          </a:solidFill>
+                          <a:latin typeface="AdobeClean-Light"/>
+                          <a:cs typeface="AdobeClean-Light"/>
+                        </a:rPr>
+                        <a:t>1 hour</a:t>
+                      </a:r>
+                      <a:endParaRPr sz="900" spc="0">
+                        <a:latin typeface="AdobeClean-Light"/>
+                        <a:cs typeface="AdobeClean-Light"/>
+                      </a:endParaRPr>
                     </a:p>
                   </a:txBody>
-                  <a:tcPr anchor="ctr">
+                  <a:tcPr marL="0" marR="0" marT="91440" marB="91440" anchor="ctr" anchorCtr="1">
                     <a:lnL w="3175">
                       <a:solidFill>
                         <a:srgbClr val="B7B8B8"/>
@@ -2495,7 +2798,7 @@
                   </a:ext>
                 </a:extLst>
               </a:tr>
-              <a:tr h="484755">
+              <a:tr h="514672">
                 <a:tc>
                   <a:txBody>
                     <a:bodyPr/>
@@ -2510,15 +2813,19 @@
                         </a:spcBef>
                       </a:pPr>
                       <a:r>
-                        <a:rPr lang="it-IT" sz="900" b="1">
+                        <a:rPr sz="900" b="1" spc="0">
                           <a:solidFill>
                             <a:srgbClr val="020302"/>
                           </a:solidFill>
                           <a:latin typeface="Adobe Clean"/>
                           <a:cs typeface="Adobe Clean"/>
                         </a:rPr>
-                        <a:t>PRIORITÀ 2 (P2)</a:t>
+                        <a:t>PRIORITY 2</a:t>
                       </a:r>
+                      <a:endParaRPr sz="900" spc="0">
+                        <a:latin typeface="Adobe Clean"/>
+                        <a:cs typeface="Adobe Clean"/>
+                      </a:endParaRPr>
                     </a:p>
                     <a:p>
                       <a:pPr marL="50165" marR="203200">
@@ -2530,14 +2837,19 @@
                         </a:spcBef>
                       </a:pPr>
                       <a:r>
-                        <a:rPr lang="it-IT" sz="900" b="0" i="0">
+                        <a:rPr lang="en-US" sz="900" b="0" i="0" spc="0">
                           <a:solidFill>
                             <a:srgbClr val="000000"/>
                           </a:solidFill>
+                          <a:effectLst/>
                           <a:latin typeface="Adobe Clean Light" panose="020B0303020404020204" pitchFamily="34" charset="0"/>
                         </a:rPr>
-                        <a:t>Le funzioni operative del cliente hanno subìto un notevole deterioramento del servizio o potenziale perdita di dati, oppure un problema interessa una funzione importante. </a:t>
+                        <a:t>Customer's business functions have major service degradation or potential data loss, or a major feature is impacted </a:t>
                       </a:r>
+                      <a:endParaRPr lang="en-US" sz="900" b="0" i="0" spc="0">
+                        <a:latin typeface="Adobe Clean Light" panose="020B0303020404020204" pitchFamily="34" charset="0"/>
+                        <a:cs typeface="AdobeClean-Light"/>
+                      </a:endParaRPr>
                     </a:p>
                   </a:txBody>
                   <a:tcPr marL="0" marR="0" marT="3810" marB="0">
@@ -2581,18 +2893,82 @@
                         </a:spcBef>
                       </a:pPr>
                       <a:r>
-                        <a:rPr lang="it-IT" sz="900">
+                        <a:rPr sz="900" spc="0">
                           <a:solidFill>
                             <a:srgbClr val="020302"/>
                           </a:solidFill>
                           <a:latin typeface="AdobeClean-Light"/>
                           <a:cs typeface="AdobeClean-Light"/>
                         </a:rPr>
-                        <a:t>Orario operativo /     4 ore</a:t>
+                        <a:t>Business</a:t>
                       </a:r>
+                      <a:r>
+                        <a:rPr lang="en-US" sz="900" spc="0">
+                          <a:solidFill>
+                            <a:srgbClr val="020302"/>
+                          </a:solidFill>
+                          <a:latin typeface="AdobeClean-Light"/>
+                          <a:cs typeface="AdobeClean-Light"/>
+                        </a:rPr>
+                        <a:t> </a:t>
+                      </a:r>
+                      <a:r>
+                        <a:rPr sz="900" spc="0">
+                          <a:solidFill>
+                            <a:srgbClr val="020302"/>
+                          </a:solidFill>
+                          <a:latin typeface="AdobeClean-Light"/>
+                          <a:cs typeface="AdobeClean-Light"/>
+                        </a:rPr>
+                        <a:t>hours</a:t>
+                      </a:r>
+                      <a:r>
+                        <a:rPr lang="en-US" sz="900" spc="0">
+                          <a:solidFill>
+                            <a:srgbClr val="020302"/>
+                          </a:solidFill>
+                          <a:latin typeface="AdobeClean-Light"/>
+                          <a:cs typeface="AdobeClean-Light"/>
+                        </a:rPr>
+                        <a:t> </a:t>
+                      </a:r>
+                      <a:r>
+                        <a:rPr sz="900" spc="0">
+                          <a:solidFill>
+                            <a:srgbClr val="020302"/>
+                          </a:solidFill>
+                          <a:latin typeface="AdobeClean-Light"/>
+                          <a:cs typeface="AdobeClean-Light"/>
+                        </a:rPr>
+                        <a:t>/</a:t>
+                      </a:r>
+                      <a:r>
+                        <a:rPr lang="en-US" sz="900" spc="0">
+                          <a:solidFill>
+                            <a:srgbClr val="020302"/>
+                          </a:solidFill>
+                          <a:latin typeface="AdobeClean-Light"/>
+                          <a:cs typeface="AdobeClean-Light"/>
+                        </a:rPr>
+                        <a:t> </a:t>
+                      </a:r>
+                      <a:r>
+                        <a:rPr sz="900" spc="0">
+                          <a:solidFill>
+                            <a:srgbClr val="020302"/>
+                          </a:solidFill>
+                          <a:latin typeface="AdobeClean-Light"/>
+                          <a:cs typeface="AdobeClean-Light"/>
+                        </a:rPr>
+                        <a:t>4 hours</a:t>
+                      </a:r>
+                      <a:endParaRPr sz="900" spc="0">
+                        <a:latin typeface="AdobeClean-Light"/>
+                        <a:cs typeface="AdobeClean-Light"/>
+                      </a:endParaRPr>
                     </a:p>
                   </a:txBody>
-                  <a:tcPr anchor="ctr">
+                  <a:tcPr marL="0" marR="0" marT="91440" marB="91440" anchor="ctr" anchorCtr="1">
                     <a:lnL w="3175">
                       <a:solidFill>
                         <a:srgbClr val="B7B8B8"/>
@@ -2633,18 +3009,92 @@
                         </a:spcBef>
                       </a:pPr>
                       <a:r>
-                        <a:rPr lang="it-IT" sz="900">
+                        <a:rPr lang="en-US" sz="900" spc="0">
                           <a:solidFill>
                             <a:srgbClr val="020302"/>
                           </a:solidFill>
                           <a:latin typeface="AdobeClean-Light"/>
                           <a:cs typeface="AdobeClean-Light"/>
                         </a:rPr>
-                        <a:t>Orario operativo /      2 ore</a:t>
+                        <a:t>    </a:t>
                       </a:r>
+                      <a:r>
+                        <a:rPr sz="900" spc="0">
+                          <a:solidFill>
+                            <a:srgbClr val="020302"/>
+                          </a:solidFill>
+                          <a:latin typeface="AdobeClean-Light"/>
+                          <a:cs typeface="AdobeClean-Light"/>
+                        </a:rPr>
+                        <a:t>Business</a:t>
+                      </a:r>
+                      <a:r>
+                        <a:rPr lang="en-US" sz="900" spc="0">
+                          <a:solidFill>
+                            <a:srgbClr val="020302"/>
+                          </a:solidFill>
+                          <a:latin typeface="AdobeClean-Light"/>
+                          <a:cs typeface="AdobeClean-Light"/>
+                        </a:rPr>
+                        <a:t> </a:t>
+                      </a:r>
+                      <a:r>
+                        <a:rPr sz="900" spc="0">
+                          <a:solidFill>
+                            <a:srgbClr val="020302"/>
+                          </a:solidFill>
+                          <a:latin typeface="AdobeClean-Light"/>
+                          <a:cs typeface="AdobeClean-Light"/>
+                        </a:rPr>
+                        <a:t>hours</a:t>
+                      </a:r>
+                      <a:r>
+                        <a:rPr lang="en-US" sz="900" spc="0">
+                          <a:solidFill>
+                            <a:srgbClr val="020302"/>
+                          </a:solidFill>
+                          <a:latin typeface="AdobeClean-Light"/>
+                          <a:cs typeface="AdobeClean-Light"/>
+                        </a:rPr>
+                        <a:t> / </a:t>
+                      </a:r>
+                      <a:r>
+                        <a:rPr sz="900" spc="0">
+                          <a:solidFill>
+                            <a:srgbClr val="020302"/>
+                          </a:solidFill>
+                          <a:latin typeface="AdobeClean-Light"/>
+                          <a:cs typeface="AdobeClean-Light"/>
+                        </a:rPr>
+                        <a:t>2</a:t>
+                      </a:r>
+                      <a:r>
+                        <a:rPr lang="en-US" sz="900" spc="0">
+                          <a:solidFill>
+                            <a:srgbClr val="020302"/>
+                          </a:solidFill>
+                          <a:latin typeface="AdobeClean-Light"/>
+                          <a:cs typeface="AdobeClean-Light"/>
+                        </a:rPr>
+                        <a:t> </a:t>
+                      </a:r>
+                      <a:r>
+                        <a:rPr sz="900" spc="0">
+                          <a:solidFill>
+                            <a:srgbClr val="020302"/>
+                          </a:solidFill>
+                          <a:latin typeface="AdobeClean-Light"/>
+                          <a:cs typeface="AdobeClean-Light"/>
+                        </a:rPr>
+                        <a:t>hours</a:t>
+                      </a:r>
+                      <a:endParaRPr sz="900" spc="0">
+                        <a:latin typeface="AdobeClean-Light"/>
+                        <a:cs typeface="AdobeClean-Light"/>
+                      </a:endParaRPr>
                     </a:p>
                   </a:txBody>
-                  <a:tcPr anchor="ctr">
+                  <a:tcPr marL="0" marR="0" marT="91440" marB="91440" anchor="ctr" anchorCtr="1">
                     <a:lnL w="3175">
                       <a:solidFill>
                         <a:srgbClr val="B7B8B8"/>
@@ -2682,7 +3132,7 @@
                   </a:ext>
                 </a:extLst>
               </a:tr>
-              <a:tr h="484756">
+              <a:tr h="514673">
                 <a:tc>
                   <a:txBody>
                     <a:bodyPr/>
@@ -2697,15 +3147,19 @@
                         </a:spcBef>
                       </a:pPr>
                       <a:r>
-                        <a:rPr lang="it-IT" sz="900" b="1" dirty="0">
+                        <a:rPr sz="900" b="1" spc="0">
                           <a:solidFill>
                             <a:srgbClr val="020302"/>
                           </a:solidFill>
                           <a:latin typeface="Adobe Clean"/>
                           <a:cs typeface="Adobe Clean"/>
                         </a:rPr>
-                        <a:t>PRIORITÀ 3 (P3)</a:t>
+                        <a:t>PRIORITY 3</a:t>
                       </a:r>
+                      <a:endParaRPr sz="900" spc="0">
+                        <a:latin typeface="Adobe Clean"/>
+                        <a:cs typeface="Adobe Clean"/>
+                      </a:endParaRPr>
                     </a:p>
                     <a:p>
                       <a:pPr marL="49530" marR="212090" indent="-2540">
@@ -2717,52 +3171,26 @@
                         </a:spcBef>
                       </a:pPr>
                       <a:r>
-                        <a:rPr kumimoji="0" lang="it-IT" sz="900" b="0" i="0" u="none" strike="noStrike" cap="none" normalizeH="0" baseline="0" noProof="0" dirty="0">
+                        <a:rPr kumimoji="0" lang="en-US" sz="900" b="0" i="0" u="none" strike="noStrike" kern="1200" cap="none" spc="0" normalizeH="0" baseline="0" noProof="0">
                           <a:ln>
                             <a:noFill/>
                           </a:ln>
                           <a:solidFill>
                             <a:srgbClr val="000000"/>
                           </a:solidFill>
+                          <a:effectLst/>
                           <a:uLnTx/>
                           <a:uFillTx/>
                           <a:latin typeface="Adobe Clean Light" panose="020B0303020404020204" pitchFamily="34" charset="0"/>
                           <a:ea typeface="+mn-ea"/>
                           <a:cs typeface="+mn-cs"/>
                         </a:rPr>
-                        <a:t>Le funzioni operative del cliente sono interessate da deterioramento lieve del servizio, </a:t>
+                        <a:t>Customer's business functions have minor service degradation but there exists a solution/workaround allowing business functions to continue </a:t>
                       </a:r>
-                      <a:br>
-                        <a:rPr kumimoji="0" lang="sk-SK" sz="900" b="0" i="0" u="none" strike="noStrike" cap="none" normalizeH="0" baseline="0" noProof="0" dirty="0">
-                          <a:ln>
-                            <a:noFill/>
-                          </a:ln>
-                          <a:solidFill>
-                            <a:srgbClr val="000000"/>
-                          </a:solidFill>
-                          <a:uLnTx/>
-                          <a:uFillTx/>
-                          <a:latin typeface="Adobe Clean Light" panose="020B0303020404020204" pitchFamily="34" charset="0"/>
-                          <a:ea typeface="+mn-ea"/>
-                          <a:cs typeface="+mn-cs"/>
-                        </a:rPr>
-                      </a:br>
-                      <a:r>
-                        <a:rPr kumimoji="0" lang="it-IT" sz="900" b="0" i="0" u="none" strike="noStrike" cap="none" normalizeH="0" baseline="0" noProof="0" dirty="0">
-                          <a:ln>
-                            <a:noFill/>
-                          </a:ln>
-                          <a:solidFill>
-                            <a:srgbClr val="000000"/>
-                          </a:solidFill>
-                          <a:uLnTx/>
-                          <a:uFillTx/>
-                          <a:latin typeface="Adobe Clean Light" panose="020B0303020404020204" pitchFamily="34" charset="0"/>
-                          <a:ea typeface="+mn-ea"/>
-                          <a:cs typeface="+mn-cs"/>
-                        </a:rPr>
-                        <a:t>tuttavia è possibile procedere mediante una soluzione temporanea. </a:t>
-                      </a:r>
+                      <a:endParaRPr lang="en-US" sz="900" b="0" i="0" spc="0">
+                        <a:latin typeface="Adobe Clean Light" panose="020B0303020404020204" pitchFamily="34" charset="0"/>
+                        <a:cs typeface="AdobeClean-Light"/>
+                      </a:endParaRPr>
                     </a:p>
                   </a:txBody>
                   <a:tcPr marL="0" marR="0" marT="3810" marB="0">
@@ -2806,18 +3234,92 @@
                         </a:spcBef>
                       </a:pPr>
                       <a:r>
-                        <a:rPr lang="it-IT" sz="900">
+                        <a:rPr lang="en-US" sz="900" spc="0">
                           <a:solidFill>
                             <a:srgbClr val="020302"/>
                           </a:solidFill>
                           <a:latin typeface="AdobeClean-Light"/>
                           <a:cs typeface="AdobeClean-Light"/>
                         </a:rPr>
-                        <a:t>Orario operativo /     6 ore</a:t>
+                        <a:t>   </a:t>
                       </a:r>
+                      <a:r>
+                        <a:rPr sz="900" spc="0">
+                          <a:solidFill>
+                            <a:srgbClr val="020302"/>
+                          </a:solidFill>
+                          <a:latin typeface="AdobeClean-Light"/>
+                          <a:cs typeface="AdobeClean-Light"/>
+                        </a:rPr>
+                        <a:t>Business</a:t>
+                      </a:r>
+                      <a:r>
+                        <a:rPr lang="en-US" sz="900" spc="0">
+                          <a:solidFill>
+                            <a:srgbClr val="020302"/>
+                          </a:solidFill>
+                          <a:latin typeface="AdobeClean-Light"/>
+                          <a:cs typeface="AdobeClean-Light"/>
+                        </a:rPr>
+                        <a:t> </a:t>
+                      </a:r>
+                      <a:r>
+                        <a:rPr sz="900" spc="0">
+                          <a:solidFill>
+                            <a:srgbClr val="020302"/>
+                          </a:solidFill>
+                          <a:latin typeface="AdobeClean-Light"/>
+                          <a:cs typeface="AdobeClean-Light"/>
+                        </a:rPr>
+                        <a:t>hours</a:t>
+                      </a:r>
+                      <a:r>
+                        <a:rPr lang="en-US" sz="900" spc="0">
+                          <a:solidFill>
+                            <a:srgbClr val="020302"/>
+                          </a:solidFill>
+                          <a:latin typeface="AdobeClean-Light"/>
+                          <a:cs typeface="AdobeClean-Light"/>
+                        </a:rPr>
+                        <a:t> / </a:t>
+                      </a:r>
+                      <a:r>
+                        <a:rPr sz="900" spc="0">
+                          <a:solidFill>
+                            <a:srgbClr val="020302"/>
+                          </a:solidFill>
+                          <a:latin typeface="AdobeClean-Light"/>
+                          <a:cs typeface="AdobeClean-Light"/>
+                        </a:rPr>
+                        <a:t>6</a:t>
+                      </a:r>
+                      <a:r>
+                        <a:rPr lang="en-US" sz="900" spc="0">
+                          <a:solidFill>
+                            <a:srgbClr val="020302"/>
+                          </a:solidFill>
+                          <a:latin typeface="AdobeClean-Light"/>
+                          <a:cs typeface="AdobeClean-Light"/>
+                        </a:rPr>
+                        <a:t> </a:t>
+                      </a:r>
+                      <a:r>
+                        <a:rPr sz="900" spc="0">
+                          <a:solidFill>
+                            <a:srgbClr val="020302"/>
+                          </a:solidFill>
+                          <a:latin typeface="AdobeClean-Light"/>
+                          <a:cs typeface="AdobeClean-Light"/>
+                        </a:rPr>
+                        <a:t>hours</a:t>
+                      </a:r>
+                      <a:endParaRPr sz="900" spc="0">
+                        <a:latin typeface="AdobeClean-Light"/>
+                        <a:cs typeface="AdobeClean-Light"/>
+                      </a:endParaRPr>
                     </a:p>
                   </a:txBody>
-                  <a:tcPr anchor="ctr">
+                  <a:tcPr marL="0" marR="0" marT="91440" marB="91440" anchor="ctr" anchorCtr="1">
                     <a:lnL w="3175">
                       <a:solidFill>
                         <a:srgbClr val="B7B8B8"/>
@@ -2858,18 +3360,82 @@
                         </a:spcBef>
                       </a:pPr>
                       <a:r>
-                        <a:rPr lang="it-IT" sz="900">
+                        <a:rPr sz="900" spc="0">
                           <a:solidFill>
                             <a:srgbClr val="020302"/>
                           </a:solidFill>
                           <a:latin typeface="AdobeClean-Light"/>
                           <a:cs typeface="AdobeClean-Light"/>
                         </a:rPr>
-                        <a:t>Orario operativo /     4 ore</a:t>
+                        <a:t>Business</a:t>
                       </a:r>
+                      <a:r>
+                        <a:rPr lang="en-US" sz="900" spc="0">
+                          <a:solidFill>
+                            <a:srgbClr val="020302"/>
+                          </a:solidFill>
+                          <a:latin typeface="AdobeClean-Light"/>
+                          <a:cs typeface="AdobeClean-Light"/>
+                        </a:rPr>
+                        <a:t> </a:t>
+                      </a:r>
+                      <a:r>
+                        <a:rPr sz="900" spc="0">
+                          <a:solidFill>
+                            <a:srgbClr val="020302"/>
+                          </a:solidFill>
+                          <a:latin typeface="AdobeClean-Light"/>
+                          <a:cs typeface="AdobeClean-Light"/>
+                        </a:rPr>
+                        <a:t>hours</a:t>
+                      </a:r>
+                      <a:r>
+                        <a:rPr lang="en-US" sz="900" spc="0">
+                          <a:solidFill>
+                            <a:srgbClr val="020302"/>
+                          </a:solidFill>
+                          <a:latin typeface="AdobeClean-Light"/>
+                          <a:cs typeface="AdobeClean-Light"/>
+                        </a:rPr>
+                        <a:t> </a:t>
+                      </a:r>
+                      <a:r>
+                        <a:rPr sz="900" spc="0">
+                          <a:solidFill>
+                            <a:srgbClr val="020302"/>
+                          </a:solidFill>
+                          <a:latin typeface="AdobeClean-Light"/>
+                          <a:cs typeface="AdobeClean-Light"/>
+                        </a:rPr>
+                        <a:t>/ 4</a:t>
+                      </a:r>
+                      <a:r>
+                        <a:rPr lang="en-US" sz="900" spc="0">
+                          <a:solidFill>
+                            <a:srgbClr val="020302"/>
+                          </a:solidFill>
+                          <a:latin typeface="AdobeClean-Light"/>
+                          <a:cs typeface="AdobeClean-Light"/>
+                        </a:rPr>
+                        <a:t> </a:t>
+                      </a:r>
+                      <a:r>
+                        <a:rPr sz="900" spc="0">
+                          <a:solidFill>
+                            <a:srgbClr val="020302"/>
+                          </a:solidFill>
+                          <a:latin typeface="AdobeClean-Light"/>
+                          <a:cs typeface="AdobeClean-Light"/>
+                        </a:rPr>
+                        <a:t>hours</a:t>
+                      </a:r>
+                      <a:endParaRPr sz="900" spc="0">
+                        <a:latin typeface="AdobeClean-Light"/>
+                        <a:cs typeface="AdobeClean-Light"/>
+                      </a:endParaRPr>
                     </a:p>
                   </a:txBody>
-                  <a:tcPr anchor="ctr">
+                  <a:tcPr marL="0" marR="0" marT="91440" marB="91440" anchor="ctr" anchorCtr="1">
                     <a:lnL w="3175">
                       <a:solidFill>
                         <a:srgbClr val="B7B8B8"/>
@@ -2907,7 +3473,7 @@
                   </a:ext>
                 </a:extLst>
               </a:tr>
-              <a:tr h="359998">
+              <a:tr h="388333">
                 <a:tc>
                   <a:txBody>
                     <a:bodyPr/>
@@ -2922,15 +3488,19 @@
                         </a:spcBef>
                       </a:pPr>
                       <a:r>
-                        <a:rPr lang="it-IT" sz="900" b="1" dirty="0">
+                        <a:rPr sz="900" b="1" spc="0">
                           <a:solidFill>
                             <a:srgbClr val="020302"/>
                           </a:solidFill>
                           <a:latin typeface="Adobe Clean"/>
                           <a:cs typeface="Adobe Clean"/>
                         </a:rPr>
-                        <a:t>PRIORITÀ 4 (P4)</a:t>
+                        <a:t>PRIORITY 4</a:t>
                       </a:r>
+                      <a:endParaRPr sz="900" spc="0">
+                        <a:latin typeface="Adobe Clean"/>
+                        <a:cs typeface="Adobe Clean"/>
+                      </a:endParaRPr>
                     </a:p>
                     <a:p>
                       <a:pPr marL="48895" marR="0" lvl="0" indent="0" defTabSz="914400" eaLnBrk="1" fontAlgn="auto" latinLnBrk="0" hangingPunct="1">
@@ -2951,14 +3521,19 @@
                         <a:defRPr/>
                       </a:pPr>
                       <a:r>
-                        <a:rPr lang="it-IT" sz="900" b="0" i="0" dirty="0">
+                        <a:rPr lang="en-US" sz="900" b="0" i="0" spc="0">
                           <a:solidFill>
                             <a:srgbClr val="000000"/>
                           </a:solidFill>
+                          <a:effectLst/>
                           <a:latin typeface="Adobe Clean Light" panose="020B0303020404020204" pitchFamily="34" charset="0"/>
                         </a:rPr>
-                        <a:t>Domande generali sulle attuali funzionalità del prodotto o su una richiesta di miglioramento</a:t>
+                        <a:t>General question regarding current product functionality or an enhancement request</a:t>
                       </a:r>
+                      <a:endParaRPr lang="en-US" sz="900" b="0" i="0" spc="0">
+                        <a:latin typeface="Adobe Clean Light" panose="020B0303020404020204" pitchFamily="34" charset="0"/>
+                        <a:cs typeface="AdobeClean-Light"/>
+                      </a:endParaRPr>
                     </a:p>
                   </a:txBody>
                   <a:tcPr marL="0" marR="0" marT="1905" marB="0">
@@ -3002,18 +3577,72 @@
                         </a:spcBef>
                       </a:pPr>
                       <a:r>
-                        <a:rPr lang="it-IT" sz="900">
+                        <a:rPr lang="en-US" sz="900" spc="0">
                           <a:solidFill>
                             <a:srgbClr val="020302"/>
                           </a:solidFill>
                           <a:latin typeface="AdobeClean-Light"/>
                           <a:cs typeface="AdobeClean-Light"/>
                         </a:rPr>
-                        <a:t>Giorni lavorativi /     3 giorni</a:t>
+                        <a:t>  </a:t>
                       </a:r>
+                      <a:r>
+                        <a:rPr sz="900" spc="0">
+                          <a:solidFill>
+                            <a:srgbClr val="020302"/>
+                          </a:solidFill>
+                          <a:latin typeface="AdobeClean-Light"/>
+                          <a:cs typeface="AdobeClean-Light"/>
+                        </a:rPr>
+                        <a:t>Business</a:t>
+                      </a:r>
+                      <a:r>
+                        <a:rPr lang="en-US" sz="900" spc="0">
+                          <a:solidFill>
+                            <a:srgbClr val="020302"/>
+                          </a:solidFill>
+                          <a:latin typeface="AdobeClean-Light"/>
+                          <a:cs typeface="AdobeClean-Light"/>
+                        </a:rPr>
+                        <a:t> </a:t>
+                      </a:r>
+                      <a:r>
+                        <a:rPr sz="900" spc="0">
+                          <a:solidFill>
+                            <a:srgbClr val="020302"/>
+                          </a:solidFill>
+                          <a:latin typeface="AdobeClean-Light"/>
+                          <a:cs typeface="AdobeClean-Light"/>
+                        </a:rPr>
+                        <a:t>days</a:t>
+                      </a:r>
+                      <a:r>
+                        <a:rPr lang="en-US" sz="900" spc="0">
+                          <a:solidFill>
+                            <a:srgbClr val="020302"/>
+                          </a:solidFill>
+                          <a:latin typeface="AdobeClean-Light"/>
+                          <a:cs typeface="AdobeClean-Light"/>
+                        </a:rPr>
+                        <a:t> / </a:t>
+                      </a:r>
+                      <a:r>
+                        <a:rPr sz="900" spc="0">
+                          <a:solidFill>
+                            <a:srgbClr val="020302"/>
+                          </a:solidFill>
+                          <a:latin typeface="AdobeClean-Light"/>
+                          <a:cs typeface="AdobeClean-Light"/>
+                        </a:rPr>
+                        <a:t>3 days</a:t>
+                      </a:r>
+                      <a:endParaRPr sz="900" spc="0">
+                        <a:latin typeface="AdobeClean-Light"/>
+                        <a:cs typeface="AdobeClean-Light"/>
+                      </a:endParaRPr>
                     </a:p>
                   </a:txBody>
-                  <a:tcPr anchor="ctr">
+                  <a:tcPr marL="0" marR="0" marT="91440" marB="91440" anchor="ctr" anchorCtr="1">
                     <a:lnL w="3175">
                       <a:solidFill>
                         <a:srgbClr val="B7B8B8"/>
@@ -3054,38 +3683,82 @@
                         </a:spcBef>
                       </a:pPr>
                       <a:r>
-                        <a:rPr lang="it-IT" sz="900" dirty="0">
+                        <a:rPr sz="900" spc="0">
                           <a:solidFill>
                             <a:srgbClr val="020302"/>
                           </a:solidFill>
                           <a:latin typeface="AdobeClean-Light"/>
                           <a:cs typeface="AdobeClean-Light"/>
                         </a:rPr>
-                        <a:t>Giorni lavorativi / </a:t>
+                        <a:t>Business</a:t>
                       </a:r>
-                    </a:p>
-                    <a:p>
-                      <a:pPr marL="370840" marR="223520" indent="-202565" algn="ctr">
-                        <a:lnSpc>
-                          <a:spcPct val="100000"/>
-                        </a:lnSpc>
-                        <a:spcBef>
-                          <a:spcPts val="155"/>
-                        </a:spcBef>
-                      </a:pPr>
                       <a:r>
-                        <a:rPr lang="it-IT" sz="900" dirty="0">
+                        <a:rPr lang="en-US" sz="900" spc="0">
                           <a:solidFill>
                             <a:srgbClr val="020302"/>
                           </a:solidFill>
                           <a:latin typeface="AdobeClean-Light"/>
                           <a:cs typeface="AdobeClean-Light"/>
                         </a:rPr>
-                        <a:t>  1 giorno</a:t>
+                        <a:t> </a:t>
                       </a:r>
+                      <a:r>
+                        <a:rPr sz="900" spc="0">
+                          <a:solidFill>
+                            <a:srgbClr val="020302"/>
+                          </a:solidFill>
+                          <a:latin typeface="AdobeClean-Light"/>
+                          <a:cs typeface="AdobeClean-Light"/>
+                        </a:rPr>
+                        <a:t>day</a:t>
+                      </a:r>
+                      <a:r>
+                        <a:rPr lang="en-US" sz="900" spc="0">
+                          <a:solidFill>
+                            <a:srgbClr val="020302"/>
+                          </a:solidFill>
+                          <a:latin typeface="AdobeClean-Light"/>
+                          <a:cs typeface="AdobeClean-Light"/>
+                        </a:rPr>
+                        <a:t>s </a:t>
+                      </a:r>
+                      <a:r>
+                        <a:rPr sz="900" spc="0">
+                          <a:solidFill>
+                            <a:srgbClr val="020302"/>
+                          </a:solidFill>
+                          <a:latin typeface="AdobeClean-Light"/>
+                          <a:cs typeface="AdobeClean-Light"/>
+                        </a:rPr>
+                        <a:t>/</a:t>
+                      </a:r>
+                      <a:r>
+                        <a:rPr lang="en-US" sz="900" spc="0">
+                          <a:solidFill>
+                            <a:srgbClr val="020302"/>
+                          </a:solidFill>
+                          <a:latin typeface="AdobeClean-Light"/>
+                          <a:cs typeface="AdobeClean-Light"/>
+                        </a:rPr>
+                        <a:t> </a:t>
+                      </a:r>
+                      <a:r>
+                        <a:rPr sz="900" spc="0">
+                          <a:solidFill>
+                            <a:srgbClr val="020302"/>
+                          </a:solidFill>
+                          <a:latin typeface="AdobeClean-Light"/>
+                          <a:cs typeface="AdobeClean-Light"/>
+                        </a:rPr>
+                        <a:t>1 day</a:t>
+                      </a:r>
+                      <a:endParaRPr sz="900" spc="0">
+                        <a:latin typeface="AdobeClean-Light"/>
+                        <a:cs typeface="AdobeClean-Light"/>
+                      </a:endParaRPr>
                     </a:p>
                   </a:txBody>
-                  <a:tcPr anchor="ctr">
+                  <a:tcPr marL="0" marR="0" marT="91440" marB="91440" anchor="ctr" anchorCtr="1">
                     <a:lnL w="3175">
                       <a:solidFill>
                         <a:srgbClr val="B7B8B8"/>
@@ -3142,14 +3815,14 @@
           <p:nvPr>
             <p:extLst>
               <p:ext uri="{D42A27DB-BD31-4B8C-83A1-F6EECF244321}">
-                <p14:modId xmlns:p14="http://schemas.microsoft.com/office/powerpoint/2010/main" val="495156521"/>
+                <p14:modId xmlns:p14="http://schemas.microsoft.com/office/powerpoint/2010/main" val="116851390"/>
               </p:ext>
             </p:extLst>
           </p:nvPr>
         </p:nvGraphicFramePr>
         <p:xfrm>
           <a:off x="121147" y="2120949"/>
-          <a:ext cx="7498851" cy="4815558"/>
+          <a:ext cx="7498851" cy="4714546"/>
         </p:xfrm>
         <a:graphic>
           <a:graphicData uri="http://schemas.openxmlformats.org/drawingml/2006/table">
@@ -3231,15 +3904,39 @@
                         <a:defRPr/>
                       </a:pPr>
                       <a:r>
-                        <a:rPr lang="it-IT" sz="900">
+                        <a:rPr lang="en-US" sz="900" spc="-20">
                           <a:solidFill>
                             <a:srgbClr val="404040"/>
                           </a:solidFill>
                           <a:latin typeface="Adobe Clean"/>
                           <a:cs typeface="Adobe Clean"/>
                         </a:rPr>
-                        <a:t>Supporto Online</a:t>
+                        <a:t>Online </a:t>
                       </a:r>
+                      <a:r>
+                        <a:rPr lang="en-US" sz="900" spc="-135">
+                          <a:solidFill>
+                            <a:srgbClr val="404040"/>
+                          </a:solidFill>
+                          <a:latin typeface="Adobe Clean"/>
+                          <a:cs typeface="Adobe Clean"/>
+                        </a:rPr>
+                        <a:t> </a:t>
+                      </a:r>
+                      <a:r>
+                        <a:rPr lang="en-US" sz="900" spc="-20">
+                          <a:solidFill>
+                            <a:srgbClr val="404040"/>
+                          </a:solidFill>
+                          <a:latin typeface="Adobe Clean"/>
+                          <a:cs typeface="Adobe Clean"/>
+                        </a:rPr>
+                        <a:t>Support</a:t>
+                      </a:r>
+                      <a:endParaRPr lang="en-US" sz="900">
+                        <a:latin typeface="Adobe Clean"/>
+                        <a:cs typeface="Adobe Clean"/>
+                      </a:endParaRPr>
                     </a:p>
                   </a:txBody>
                   <a:tcPr marL="0" marR="0" marT="7620" marB="0" anchor="ctr">
@@ -3280,15 +3977,39 @@
                         </a:spcBef>
                       </a:pPr>
                       <a:r>
-                        <a:rPr lang="it-IT" sz="900">
+                        <a:rPr sz="900" spc="-20">
                           <a:solidFill>
                             <a:srgbClr val="FFFFFF"/>
                           </a:solidFill>
                           <a:latin typeface="Adobe Clean"/>
                           <a:cs typeface="Adobe Clean"/>
                         </a:rPr>
-                        <a:t>Supporto Business</a:t>
+                        <a:t>Business</a:t>
                       </a:r>
+                      <a:r>
+                        <a:rPr lang="en-US" sz="900" spc="-20">
+                          <a:solidFill>
+                            <a:srgbClr val="FFFFFF"/>
+                          </a:solidFill>
+                          <a:latin typeface="Adobe Clean"/>
+                          <a:cs typeface="Adobe Clean"/>
+                        </a:rPr>
+                        <a:t> </a:t>
+                      </a:r>
+                      <a:r>
+                        <a:rPr sz="900" spc="-20">
+                          <a:solidFill>
+                            <a:srgbClr val="FFFFFF"/>
+                          </a:solidFill>
+                          <a:latin typeface="Adobe Clean"/>
+                          <a:cs typeface="Adobe Clean"/>
+                        </a:rPr>
+                        <a:t>Support</a:t>
+                      </a:r>
+                      <a:endParaRPr sz="900">
+                        <a:latin typeface="Adobe Clean"/>
+                        <a:cs typeface="Adobe Clean"/>
+                      </a:endParaRPr>
                     </a:p>
                   </a:txBody>
                   <a:tcPr marL="0" marR="0" marT="7620" marB="0" anchor="ctr">
@@ -3353,7 +4074,7 @@
                     <a:bodyPr/>
                     <a:lstStyle/>
                     <a:p>
-                      <a:pPr marL="0" marR="0" lvl="0" indent="0" algn="l" defTabSz="914400" rtl="0" eaLnBrk="1" fontAlgn="auto" latinLnBrk="0" hangingPunct="1">
+                      <a:pPr marL="0" marR="0" lvl="0" indent="0" algn="ctr" defTabSz="914400" eaLnBrk="1" fontAlgn="auto" latinLnBrk="0" hangingPunct="1">
                         <a:lnSpc>
                           <a:spcPct val="100000"/>
                         </a:lnSpc>
@@ -3434,13 +4155,13 @@
                         <a:defRPr/>
                       </a:pPr>
                       <a:r>
-                        <a:rPr lang="it-IT" sz="800" i="1">
+                        <a:rPr lang="en-US" sz="800" i="1">
                           <a:solidFill>
                             <a:schemeClr val="bg1"/>
                           </a:solidFill>
                           <a:latin typeface="Adobe Clean Light" panose="020B0303020404020204" pitchFamily="34" charset="0"/>
                         </a:rPr>
-                        <a:t>Supporto a pagamento ($)</a:t>
+                        <a:t>Paid Support ($)</a:t>
                       </a:r>
                     </a:p>
                   </a:txBody>
@@ -3504,15 +4225,22 @@
                         </a:spcBef>
                       </a:pPr>
                       <a:r>
-                        <a:rPr lang="it-IT" sz="1000" b="1" i="0">
+                        <a:rPr lang="en-US" sz="1000" b="1" i="0" spc="0">
                           <a:solidFill>
                             <a:schemeClr val="bg1"/>
                           </a:solidFill>
                           <a:latin typeface="Adobe Clean" panose="020B0503020404020204" pitchFamily="34" charset="0"/>
                           <a:cs typeface="AdobeClean-Light"/>
                         </a:rPr>
-                        <a:t>Esperti assegnati</a:t>
+                        <a:t>Assigned Experts</a:t>
                       </a:r>
+                      <a:endParaRPr sz="1000" b="1" i="0" spc="0">
+                        <a:solidFill>
+                          <a:schemeClr val="bg1"/>
+                        </a:solidFill>
+                        <a:latin typeface="Adobe Clean" panose="020B0503020404020204" pitchFamily="34" charset="0"/>
+                        <a:cs typeface="AdobeClean-Light"/>
+                      </a:endParaRPr>
                     </a:p>
                   </a:txBody>
                   <a:tcPr marL="0" marR="0" marT="58419" marB="0" anchor="ctr">
@@ -3559,7 +4287,7 @@
                         </a:spcBef>
                       </a:pPr>
                       <a:r>
-                        <a:rPr lang="it-IT" sz="900">
+                        <a:rPr sz="900" spc="0">
                           <a:solidFill>
                             <a:srgbClr val="020302"/>
                           </a:solidFill>
@@ -3568,6 +4296,10 @@
                         </a:rPr>
                         <a:t>Account Support Lead</a:t>
                       </a:r>
+                      <a:endParaRPr sz="900" spc="0">
+                        <a:latin typeface="AdobeClean-Light"/>
+                        <a:cs typeface="AdobeClean-Light"/>
+                      </a:endParaRPr>
                     </a:p>
                   </a:txBody>
                   <a:tcPr marL="0" marR="0" marT="58419" marB="0">
@@ -3602,7 +4334,7 @@
                     <a:bodyPr/>
                     <a:lstStyle/>
                     <a:p>
-                      <a:pPr algn="l" rtl="0">
+                      <a:pPr algn="ctr">
                         <a:lnSpc>
                           <a:spcPct val="100000"/>
                         </a:lnSpc>
@@ -3652,7 +4384,7 @@
                         </a:spcBef>
                       </a:pPr>
                       <a:r>
-                        <a:rPr lang="it-IT" sz="900">
+                        <a:rPr sz="900">
                           <a:solidFill>
                             <a:srgbClr val="020302"/>
                           </a:solidFill>
@@ -3661,6 +4393,10 @@
                         </a:rPr>
                         <a:t></a:t>
                       </a:r>
+                      <a:endParaRPr sz="900">
+                        <a:latin typeface="Wingdings"/>
+                        <a:cs typeface="Wingdings"/>
+                      </a:endParaRPr>
                     </a:p>
                   </a:txBody>
                   <a:tcPr marL="0" marR="0" marT="59690" marB="0" anchor="ctr">
@@ -3692,7 +4428,7 @@
                     <a:bodyPr/>
                     <a:lstStyle/>
                     <a:p>
-                      <a:pPr marL="50800" algn="l" rtl="0">
+                      <a:pPr marL="50800">
                         <a:lnSpc>
                           <a:spcPct val="100000"/>
                         </a:lnSpc>
@@ -3738,7 +4474,7 @@
                         </a:spcBef>
                       </a:pPr>
                       <a:r>
-                        <a:rPr lang="it-IT" sz="900">
+                        <a:rPr sz="900" spc="0">
                           <a:solidFill>
                             <a:srgbClr val="020302"/>
                           </a:solidFill>
@@ -3747,6 +4483,10 @@
                         </a:rPr>
                         <a:t>Named Support Engineer</a:t>
                       </a:r>
+                      <a:endParaRPr sz="900" spc="0">
+                        <a:latin typeface="AdobeClean-Light"/>
+                        <a:cs typeface="AdobeClean-Light"/>
+                      </a:endParaRPr>
                     </a:p>
                   </a:txBody>
                   <a:tcPr marL="0" marR="0" marT="58419" marB="0">
@@ -3769,7 +4509,7 @@
                     <a:bodyPr/>
                     <a:lstStyle/>
                     <a:p>
-                      <a:pPr algn="l" rtl="0">
+                      <a:pPr algn="ctr">
                         <a:lnSpc>
                           <a:spcPct val="100000"/>
                         </a:lnSpc>
@@ -3798,7 +4538,7 @@
                     <a:bodyPr/>
                     <a:lstStyle/>
                     <a:p>
-                      <a:pPr algn="l" rtl="0">
+                      <a:pPr algn="ctr">
                         <a:lnSpc>
                           <a:spcPct val="100000"/>
                         </a:lnSpc>
@@ -3829,7 +4569,7 @@
                     <a:bodyPr/>
                     <a:lstStyle/>
                     <a:p>
-                      <a:pPr marL="50800" algn="l" rtl="0">
+                      <a:pPr marL="50800">
                         <a:lnSpc>
                           <a:spcPct val="100000"/>
                         </a:lnSpc>
@@ -3887,7 +4627,7 @@
                         </a:spcBef>
                       </a:pPr>
                       <a:r>
-                        <a:rPr lang="it-IT" sz="900">
+                        <a:rPr sz="900" spc="0">
                           <a:solidFill>
                             <a:srgbClr val="020302"/>
                           </a:solidFill>
@@ -3896,6 +4636,10 @@
                         </a:rPr>
                         <a:t>Technical Account Manager</a:t>
                       </a:r>
+                      <a:endParaRPr sz="900" spc="0">
+                        <a:latin typeface="AdobeClean-Light"/>
+                        <a:cs typeface="AdobeClean-Light"/>
+                      </a:endParaRPr>
                     </a:p>
                   </a:txBody>
                   <a:tcPr marL="0" marR="0" marT="63500" marB="0">
@@ -3924,7 +4668,7 @@
                     <a:bodyPr/>
                     <a:lstStyle/>
                     <a:p>
-                      <a:pPr algn="l" rtl="0">
+                      <a:pPr algn="ctr">
                         <a:lnSpc>
                           <a:spcPct val="100000"/>
                         </a:lnSpc>
@@ -3962,7 +4706,7 @@
                     <a:bodyPr/>
                     <a:lstStyle/>
                     <a:p>
-                      <a:pPr algn="l" rtl="0">
+                      <a:pPr algn="ctr">
                         <a:lnSpc>
                           <a:spcPct val="100000"/>
                         </a:lnSpc>
@@ -4011,15 +4755,22 @@
                         </a:spcBef>
                       </a:pPr>
                       <a:r>
-                        <a:rPr lang="it-IT" sz="1000" b="1" i="0">
+                        <a:rPr lang="en-US" sz="1000" b="1" i="0" spc="0">
                           <a:solidFill>
                             <a:schemeClr val="bg1"/>
                           </a:solidFill>
                           <a:latin typeface="Adobe Clean" panose="020B0503020404020204" pitchFamily="34" charset="0"/>
                           <a:cs typeface="AdobeClean-Light"/>
                         </a:rPr>
-                        <a:t>Servizi di assistenza</a:t>
+                        <a:t>Support Services</a:t>
                       </a:r>
+                      <a:endParaRPr sz="1000" b="1" i="0" spc="0">
+                        <a:solidFill>
+                          <a:schemeClr val="bg1"/>
+                        </a:solidFill>
+                        <a:latin typeface="Adobe Clean" panose="020B0503020404020204" pitchFamily="34" charset="0"/>
+                        <a:cs typeface="AdobeClean-Light"/>
+                      </a:endParaRPr>
                     </a:p>
                   </a:txBody>
                   <a:tcPr marL="0" marR="0" marT="57150" marB="0" anchor="ctr">
@@ -4075,15 +4826,29 @@
                         </a:spcBef>
                       </a:pPr>
                       <a:r>
-                        <a:rPr lang="it-IT" sz="900">
+                        <a:rPr lang="en-US" sz="900" spc="0">
                           <a:solidFill>
                             <a:srgbClr val="020302"/>
                           </a:solidFill>
                           <a:latin typeface="AdobeClean-Light"/>
                           <a:cs typeface="AdobeClean-Light"/>
                         </a:rPr>
-                        <a:t>Supporto Online</a:t>
+                        <a:t>Online</a:t>
                       </a:r>
+                      <a:r>
+                        <a:rPr sz="900" spc="0">
+                          <a:solidFill>
+                            <a:srgbClr val="020302"/>
+                          </a:solidFill>
+                          <a:latin typeface="AdobeClean-Light"/>
+                          <a:cs typeface="AdobeClean-Light"/>
+                        </a:rPr>
+                        <a:t> Support</a:t>
+                      </a:r>
+                      <a:endParaRPr sz="900" spc="0">
+                        <a:latin typeface="AdobeClean-Light"/>
+                        <a:cs typeface="AdobeClean-Light"/>
+                      </a:endParaRPr>
                     </a:p>
                   </a:txBody>
                   <a:tcPr marL="0" marR="0" marT="57150" marB="0">
@@ -4121,15 +4886,39 @@
                         </a:spcBef>
                       </a:pPr>
                       <a:r>
-                        <a:rPr lang="it-IT" sz="900">
+                        <a:rPr sz="900" spc="-25">
                           <a:solidFill>
                             <a:srgbClr val="020302"/>
                           </a:solidFill>
                           <a:latin typeface="AdobeClean-Light"/>
                           <a:cs typeface="AdobeClean-Light"/>
                         </a:rPr>
-                        <a:t>Orario operativo</a:t>
+                        <a:t>Business</a:t>
                       </a:r>
+                      <a:r>
+                        <a:rPr sz="900" spc="-15">
+                          <a:solidFill>
+                            <a:srgbClr val="020302"/>
+                          </a:solidFill>
+                          <a:latin typeface="AdobeClean-Light"/>
+                          <a:cs typeface="AdobeClean-Light"/>
+                        </a:rPr>
+                        <a:t> </a:t>
+                      </a:r>
+                      <a:r>
+                        <a:rPr sz="900" spc="-30">
+                          <a:solidFill>
+                            <a:srgbClr val="020302"/>
+                          </a:solidFill>
+                          <a:latin typeface="AdobeClean-Light"/>
+                          <a:cs typeface="AdobeClean-Light"/>
+                        </a:rPr>
+                        <a:t>hours</a:t>
+                      </a:r>
+                      <a:endParaRPr sz="900">
+                        <a:latin typeface="AdobeClean-Light"/>
+                        <a:cs typeface="AdobeClean-Light"/>
+                      </a:endParaRPr>
                     </a:p>
                   </a:txBody>
                   <a:tcPr marL="0" marR="0" marT="67945" marB="0">
@@ -4168,15 +4957,39 @@
                         </a:spcBef>
                       </a:pPr>
                       <a:r>
-                        <a:rPr lang="it-IT" sz="900">
+                        <a:rPr sz="900" spc="-25">
                           <a:solidFill>
                             <a:srgbClr val="020302"/>
                           </a:solidFill>
                           <a:latin typeface="AdobeClean-Light"/>
                           <a:cs typeface="AdobeClean-Light"/>
                         </a:rPr>
-                        <a:t>Orario operativo</a:t>
+                        <a:t>Business</a:t>
                       </a:r>
+                      <a:r>
+                        <a:rPr sz="900" spc="-15">
+                          <a:solidFill>
+                            <a:srgbClr val="020302"/>
+                          </a:solidFill>
+                          <a:latin typeface="AdobeClean-Light"/>
+                          <a:cs typeface="AdobeClean-Light"/>
+                        </a:rPr>
+                        <a:t> </a:t>
+                      </a:r>
+                      <a:r>
+                        <a:rPr sz="900" spc="-30">
+                          <a:solidFill>
+                            <a:srgbClr val="020302"/>
+                          </a:solidFill>
+                          <a:latin typeface="AdobeClean-Light"/>
+                          <a:cs typeface="AdobeClean-Light"/>
+                        </a:rPr>
+                        <a:t>hours</a:t>
+                      </a:r>
+                      <a:endParaRPr sz="900">
+                        <a:latin typeface="AdobeClean-Light"/>
+                        <a:cs typeface="AdobeClean-Light"/>
+                      </a:endParaRPr>
                     </a:p>
                   </a:txBody>
                   <a:tcPr marL="0" marR="0" marT="67945" marB="0">
@@ -4208,7 +5021,7 @@
                     <a:bodyPr/>
                     <a:lstStyle/>
                     <a:p>
-                      <a:pPr marL="50800" algn="l" rtl="0">
+                      <a:pPr marL="50800">
                         <a:lnSpc>
                           <a:spcPct val="100000"/>
                         </a:lnSpc>
@@ -4257,15 +5070,39 @@
                         </a:spcBef>
                       </a:pPr>
                       <a:r>
-                        <a:rPr lang="it-IT" sz="900">
+                        <a:rPr sz="900" spc="0">
                           <a:solidFill>
                             <a:srgbClr val="020302"/>
                           </a:solidFill>
                           <a:latin typeface="AdobeClean-Light"/>
                           <a:cs typeface="AdobeClean-Light"/>
                         </a:rPr>
-                        <a:t>Supporto per problemi P1 24x7x365</a:t>
+                        <a:t>24x7</a:t>
                       </a:r>
+                      <a:r>
+                        <a:rPr lang="en-US" sz="900" spc="0">
+                          <a:solidFill>
+                            <a:srgbClr val="020302"/>
+                          </a:solidFill>
+                          <a:latin typeface="AdobeClean-Light"/>
+                          <a:cs typeface="AdobeClean-Light"/>
+                        </a:rPr>
+                        <a:t>x365</a:t>
+                      </a:r>
+                      <a:r>
+                        <a:rPr sz="900" spc="0">
+                          <a:solidFill>
+                            <a:srgbClr val="020302"/>
+                          </a:solidFill>
+                          <a:latin typeface="AdobeClean-Light"/>
+                          <a:cs typeface="AdobeClean-Light"/>
+                        </a:rPr>
+                        <a:t> P1 Issue Support</a:t>
+                      </a:r>
+                      <a:endParaRPr sz="900" spc="0">
+                        <a:latin typeface="AdobeClean-Light"/>
+                        <a:cs typeface="AdobeClean-Light"/>
+                      </a:endParaRPr>
                     </a:p>
                   </a:txBody>
                   <a:tcPr marL="0" marR="0" marT="57785" marB="0">
@@ -4297,7 +5134,7 @@
                         </a:spcBef>
                       </a:pPr>
                       <a:r>
-                        <a:rPr lang="it-IT" sz="900">
+                        <a:rPr sz="900">
                           <a:solidFill>
                             <a:srgbClr val="020302"/>
                           </a:solidFill>
@@ -4306,6 +5143,10 @@
                         </a:rPr>
                         <a:t></a:t>
                       </a:r>
+                      <a:endParaRPr sz="900">
+                        <a:latin typeface="Wingdings"/>
+                        <a:cs typeface="Wingdings"/>
+                      </a:endParaRPr>
                     </a:p>
                   </a:txBody>
                   <a:tcPr marL="0" marR="0" marT="58419" marB="0">
@@ -4335,7 +5176,7 @@
                         </a:spcBef>
                       </a:pPr>
                       <a:r>
-                        <a:rPr lang="it-IT" sz="900">
+                        <a:rPr sz="900">
                           <a:solidFill>
                             <a:srgbClr val="020302"/>
                           </a:solidFill>
@@ -4344,6 +5185,10 @@
                         </a:rPr>
                         <a:t></a:t>
                       </a:r>
+                      <a:endParaRPr sz="900">
+                        <a:latin typeface="Wingdings"/>
+                        <a:cs typeface="Wingdings"/>
+                      </a:endParaRPr>
                     </a:p>
                   </a:txBody>
                   <a:tcPr marL="0" marR="0" marT="58419" marB="0">
@@ -4366,7 +5211,7 @@
                     <a:bodyPr/>
                     <a:lstStyle/>
                     <a:p>
-                      <a:pPr marL="50800" algn="l" rtl="0">
+                      <a:pPr marL="50800">
                         <a:lnSpc>
                           <a:spcPct val="100000"/>
                         </a:lnSpc>
@@ -4424,15 +5269,19 @@
                         </a:spcBef>
                       </a:pPr>
                       <a:r>
-                        <a:rPr lang="it-IT" sz="900">
+                        <a:rPr lang="en-US" sz="900" spc="0">
                           <a:solidFill>
                             <a:srgbClr val="020302"/>
                           </a:solidFill>
                           <a:latin typeface="AdobeClean-Light"/>
                           <a:cs typeface="AdobeClean-Light"/>
                         </a:rPr>
-                        <a:t>Contatti interni per il supporto (per prodotto)</a:t>
+                        <a:t>Named Support Contacts (per product)</a:t>
                       </a:r>
+                      <a:endParaRPr sz="900" spc="0">
+                        <a:latin typeface="AdobeClean-Light"/>
+                        <a:cs typeface="AdobeClean-Light"/>
+                      </a:endParaRPr>
                     </a:p>
                   </a:txBody>
                   <a:tcPr marL="0" marR="0" marT="57785" marB="0">
@@ -4470,7 +5319,7 @@
                         </a:spcBef>
                       </a:pPr>
                       <a:r>
-                        <a:rPr lang="it-IT" sz="900">
+                        <a:rPr sz="900">
                           <a:solidFill>
                             <a:srgbClr val="020302"/>
                           </a:solidFill>
@@ -4479,6 +5328,10 @@
                         </a:rPr>
                         <a:t>4</a:t>
                       </a:r>
+                      <a:endParaRPr sz="900">
+                        <a:latin typeface="AdobeClean-Light"/>
+                        <a:cs typeface="AdobeClean-Light"/>
+                      </a:endParaRPr>
                     </a:p>
                   </a:txBody>
                   <a:tcPr marL="0" marR="0" marT="57785" marB="0">
@@ -4508,7 +5361,7 @@
                         </a:spcBef>
                       </a:pPr>
                       <a:r>
-                        <a:rPr lang="it-IT" sz="900">
+                        <a:rPr sz="900">
                           <a:solidFill>
                             <a:srgbClr val="020302"/>
                           </a:solidFill>
@@ -4517,6 +5370,10 @@
                         </a:rPr>
                         <a:t>6</a:t>
                       </a:r>
+                      <a:endParaRPr sz="900">
+                        <a:latin typeface="AdobeClean-Light"/>
+                        <a:cs typeface="AdobeClean-Light"/>
+                      </a:endParaRPr>
                     </a:p>
                   </a:txBody>
                   <a:tcPr marL="0" marR="0" marT="57785" marB="0">
@@ -4539,7 +5396,7 @@
                     <a:bodyPr/>
                     <a:lstStyle/>
                     <a:p>
-                      <a:pPr marL="50800" algn="l" rtl="0">
+                      <a:pPr marL="50800">
                         <a:lnSpc>
                           <a:spcPct val="100000"/>
                         </a:lnSpc>
@@ -4588,15 +5445,19 @@
                         </a:spcBef>
                       </a:pPr>
                       <a:r>
-                        <a:rPr lang="it-IT" sz="900">
+                        <a:rPr lang="en-US" sz="900" spc="0">
                           <a:solidFill>
                             <a:srgbClr val="020302"/>
                           </a:solidFill>
                           <a:latin typeface="AdobeClean-Light"/>
                           <a:cs typeface="AdobeClean-Light"/>
                         </a:rPr>
-                        <a:t>Supporto telefonico in diretta</a:t>
+                        <a:t>Live Telephone Support</a:t>
                       </a:r>
+                      <a:endParaRPr sz="900" spc="0">
+                        <a:latin typeface="AdobeClean-Light"/>
+                        <a:cs typeface="AdobeClean-Light"/>
+                      </a:endParaRPr>
                     </a:p>
                   </a:txBody>
                   <a:tcPr marL="0" marR="0" marT="57785" marB="0">
@@ -4619,7 +5480,7 @@
                     <a:bodyPr/>
                     <a:lstStyle/>
                     <a:p>
-                      <a:pPr algn="l" rtl="0">
+                      <a:pPr algn="ctr">
                         <a:lnSpc>
                           <a:spcPct val="100000"/>
                         </a:lnSpc>
@@ -4660,7 +5521,7 @@
                         </a:spcBef>
                       </a:pPr>
                       <a:r>
-                        <a:rPr lang="it-IT" sz="900">
+                        <a:rPr sz="900">
                           <a:solidFill>
                             <a:srgbClr val="020302"/>
                           </a:solidFill>
@@ -4669,6 +5530,10 @@
                         </a:rPr>
                         <a:t></a:t>
                       </a:r>
+                      <a:endParaRPr sz="900">
+                        <a:latin typeface="Wingdings"/>
+                        <a:cs typeface="Wingdings"/>
+                      </a:endParaRPr>
                     </a:p>
                   </a:txBody>
                   <a:tcPr marL="0" marR="0" marT="59054" marB="0">
@@ -4691,7 +5556,7 @@
                     <a:bodyPr/>
                     <a:lstStyle/>
                     <a:p>
-                      <a:pPr marL="50800" algn="l" rtl="0">
+                      <a:pPr marL="50800">
                         <a:lnSpc>
                           <a:spcPct val="100000"/>
                         </a:lnSpc>
@@ -4740,15 +5605,19 @@
                         </a:spcBef>
                       </a:pPr>
                       <a:r>
-                        <a:rPr lang="it-IT" sz="900">
+                        <a:rPr sz="900" spc="0">
                           <a:solidFill>
                             <a:srgbClr val="020302"/>
                           </a:solidFill>
                           <a:latin typeface="AdobeClean-Light"/>
                           <a:cs typeface="AdobeClean-Light"/>
                         </a:rPr>
-                        <a:t>Gestione delle escalation</a:t>
+                        <a:t>Escalation Management</a:t>
                       </a:r>
+                      <a:endParaRPr sz="900" spc="0">
+                        <a:latin typeface="AdobeClean-Light"/>
+                        <a:cs typeface="AdobeClean-Light"/>
+                      </a:endParaRPr>
                     </a:p>
                   </a:txBody>
                   <a:tcPr marL="0" marR="0" marT="58419" marB="0">
@@ -4771,7 +5640,7 @@
                     <a:bodyPr/>
                     <a:lstStyle/>
                     <a:p>
-                      <a:pPr algn="l" rtl="0">
+                      <a:pPr algn="ctr">
                         <a:lnSpc>
                           <a:spcPct val="100000"/>
                         </a:lnSpc>
@@ -4812,7 +5681,7 @@
                         </a:spcBef>
                       </a:pPr>
                       <a:r>
-                        <a:rPr lang="it-IT" sz="900">
+                        <a:rPr sz="900">
                           <a:solidFill>
                             <a:srgbClr val="020302"/>
                           </a:solidFill>
@@ -4821,6 +5690,10 @@
                         </a:rPr>
                         <a:t></a:t>
                       </a:r>
+                      <a:endParaRPr sz="900">
+                        <a:latin typeface="Wingdings"/>
+                        <a:cs typeface="Wingdings"/>
+                      </a:endParaRPr>
                     </a:p>
                   </a:txBody>
                   <a:tcPr marL="0" marR="0" marT="59690" marB="0">
@@ -4843,7 +5716,7 @@
                     <a:bodyPr/>
                     <a:lstStyle/>
                     <a:p>
-                      <a:pPr marL="50800" algn="l" rtl="0">
+                      <a:pPr marL="50800">
                         <a:lnSpc>
                           <a:spcPct val="100000"/>
                         </a:lnSpc>
@@ -4892,15 +5765,29 @@
                         </a:spcBef>
                       </a:pPr>
                       <a:r>
-                        <a:rPr lang="it-IT" sz="900">
+                        <a:rPr sz="900" spc="0">
                           <a:solidFill>
                             <a:srgbClr val="020302"/>
                           </a:solidFill>
                           <a:latin typeface="AdobeClean-Light"/>
                           <a:cs typeface="AdobeClean-Light"/>
                         </a:rPr>
-                        <a:t>Valutazioni dei servizi all’anno</a:t>
+                        <a:t>Service Reviews </a:t>
                       </a:r>
+                      <a:r>
+                        <a:rPr lang="en-US" sz="900" spc="0">
+                          <a:solidFill>
+                            <a:srgbClr val="020302"/>
+                          </a:solidFill>
+                          <a:latin typeface="AdobeClean-Light"/>
+                          <a:cs typeface="AdobeClean-Light"/>
+                        </a:rPr>
+                        <a:t>per Year</a:t>
+                      </a:r>
+                      <a:endParaRPr sz="900" spc="0">
+                        <a:latin typeface="AdobeClean-Light"/>
+                        <a:cs typeface="AdobeClean-Light"/>
+                      </a:endParaRPr>
                     </a:p>
                   </a:txBody>
                   <a:tcPr marL="0" marR="0" marT="57150" marB="0">
@@ -4923,7 +5810,7 @@
                     <a:bodyPr/>
                     <a:lstStyle/>
                     <a:p>
-                      <a:pPr algn="l" rtl="0">
+                      <a:pPr>
                         <a:lnSpc>
                           <a:spcPct val="100000"/>
                         </a:lnSpc>
@@ -4952,7 +5839,7 @@
                     <a:bodyPr/>
                     <a:lstStyle/>
                     <a:p>
-                      <a:pPr algn="l" rtl="0">
+                      <a:pPr>
                         <a:lnSpc>
                           <a:spcPct val="100000"/>
                         </a:lnSpc>
@@ -5002,12 +5889,16 @@
                         </a:spcBef>
                       </a:pPr>
                       <a:r>
-                        <a:rPr lang="it-IT" sz="900">
+                        <a:rPr lang="en-US" sz="900" spc="0">
                           <a:latin typeface="AdobeClean-Light"/>
                           <a:cs typeface="AdobeClean-Light"/>
                         </a:rPr>
-                        <a:t>Sessioni con esperti all’anno</a:t>
+                        <a:t>Expert Sessions per Year</a:t>
                       </a:r>
+                      <a:endParaRPr sz="900" spc="0">
+                        <a:latin typeface="AdobeClean-Light"/>
+                        <a:cs typeface="AdobeClean-Light"/>
+                      </a:endParaRPr>
                     </a:p>
                   </a:txBody>
                   <a:tcPr marL="0" marR="0" marT="57150" marB="0">
@@ -5036,7 +5927,7 @@
                     <a:bodyPr/>
                     <a:lstStyle/>
                     <a:p>
-                      <a:pPr algn="l" rtl="0">
+                      <a:pPr>
                         <a:lnSpc>
                           <a:spcPct val="100000"/>
                         </a:lnSpc>
@@ -5065,7 +5956,7 @@
                     <a:bodyPr/>
                     <a:lstStyle/>
                     <a:p>
-                      <a:pPr algn="l" rtl="0">
+                      <a:pPr>
                         <a:lnSpc>
                           <a:spcPct val="100000"/>
                         </a:lnSpc>
@@ -5115,12 +6006,16 @@
                         </a:spcBef>
                       </a:pPr>
                       <a:r>
-                        <a:rPr lang="it-IT" sz="900">
+                        <a:rPr lang="en-US" sz="900" spc="0">
                           <a:latin typeface="AdobeClean-Light"/>
                           <a:cs typeface="AdobeClean-Light"/>
                         </a:rPr>
-                        <a:t>Valutazione dei casi</a:t>
+                        <a:t>Case Reviews</a:t>
                       </a:r>
+                      <a:endParaRPr sz="900" spc="0">
+                        <a:latin typeface="AdobeClean-Light"/>
+                        <a:cs typeface="AdobeClean-Light"/>
+                      </a:endParaRPr>
                     </a:p>
                   </a:txBody>
                   <a:tcPr marL="0" marR="0" marT="57150" marB="0">
@@ -5149,7 +6044,7 @@
                     <a:bodyPr/>
                     <a:lstStyle/>
                     <a:p>
-                      <a:pPr algn="l" rtl="0">
+                      <a:pPr>
                         <a:lnSpc>
                           <a:spcPct val="100000"/>
                         </a:lnSpc>
@@ -5178,7 +6073,7 @@
                     <a:bodyPr/>
                     <a:lstStyle/>
                     <a:p>
-                      <a:pPr algn="l" rtl="0">
+                      <a:pPr>
                         <a:lnSpc>
                           <a:spcPct val="100000"/>
                         </a:lnSpc>
@@ -5209,7 +6104,7 @@
                     <a:bodyPr/>
                     <a:lstStyle/>
                     <a:p>
-                      <a:pPr marL="48895" algn="l" rtl="0">
+                      <a:pPr marL="48895">
                         <a:lnSpc>
                           <a:spcPct val="100000"/>
                         </a:lnSpc>
@@ -5267,15 +6162,29 @@
                         </a:spcBef>
                       </a:pPr>
                       <a:r>
-                        <a:rPr lang="it-IT" sz="900">
+                        <a:rPr sz="900" spc="0">
                           <a:solidFill>
                             <a:srgbClr val="020302"/>
                           </a:solidFill>
                           <a:latin typeface="AdobeClean-Light"/>
                           <a:cs typeface="AdobeClean-Light"/>
                         </a:rPr>
-                        <a:t>Gestione degli eventi</a:t>
+                        <a:t>Event </a:t>
                       </a:r>
+                      <a:r>
+                        <a:rPr lang="en-US" sz="900" spc="0">
+                          <a:solidFill>
+                            <a:srgbClr val="020302"/>
+                          </a:solidFill>
+                          <a:latin typeface="AdobeClean-Light"/>
+                          <a:cs typeface="AdobeClean-Light"/>
+                        </a:rPr>
+                        <a:t>Management</a:t>
+                      </a:r>
+                      <a:endParaRPr sz="900" spc="0">
+                        <a:latin typeface="AdobeClean-Light"/>
+                        <a:cs typeface="AdobeClean-Light"/>
+                      </a:endParaRPr>
                     </a:p>
                   </a:txBody>
                   <a:tcPr marL="0" marR="0" marT="58419" marB="0">
@@ -5304,7 +6213,7 @@
                     <a:bodyPr/>
                     <a:lstStyle/>
                     <a:p>
-                      <a:pPr algn="l" rtl="0">
+                      <a:pPr>
                         <a:lnSpc>
                           <a:spcPct val="100000"/>
                         </a:lnSpc>
@@ -5333,7 +6242,7 @@
                     <a:bodyPr/>
                     <a:lstStyle/>
                     <a:p>
-                      <a:pPr algn="l" rtl="0">
+                      <a:pPr>
                         <a:lnSpc>
                           <a:spcPct val="100000"/>
                         </a:lnSpc>
@@ -5364,7 +6273,7 @@
                     <a:bodyPr/>
                     <a:lstStyle/>
                     <a:p>
-                      <a:pPr marL="48895" algn="l" rtl="0">
+                      <a:pPr marL="48895">
                         <a:lnSpc>
                           <a:spcPct val="100000"/>
                         </a:lnSpc>
@@ -5413,15 +6322,39 @@
                         </a:spcBef>
                       </a:pPr>
                       <a:r>
-                        <a:rPr lang="it-IT" sz="900">
+                        <a:rPr sz="900" spc="0">
                           <a:solidFill>
                             <a:srgbClr val="020302"/>
                           </a:solidFill>
                           <a:latin typeface="AdobeClean-Light"/>
                           <a:cs typeface="AdobeClean-Light"/>
                         </a:rPr>
-                        <a:t>Valutazione ambiente, manutenzione e monitoraggio</a:t>
+                        <a:t>Environment</a:t>
                       </a:r>
+                      <a:r>
+                        <a:rPr lang="en-US" sz="900" spc="0">
+                          <a:solidFill>
+                            <a:srgbClr val="020302"/>
+                          </a:solidFill>
+                          <a:latin typeface="AdobeClean-Light"/>
+                          <a:cs typeface="AdobeClean-Light"/>
+                        </a:rPr>
+                        <a:t> </a:t>
+                      </a:r>
+                      <a:r>
+                        <a:rPr sz="900" spc="0">
+                          <a:solidFill>
+                            <a:srgbClr val="020302"/>
+                          </a:solidFill>
+                          <a:latin typeface="AdobeClean-Light"/>
+                          <a:cs typeface="AdobeClean-Light"/>
+                        </a:rPr>
+                        <a:t>Review, Maintenance &amp; Monitoring</a:t>
+                      </a:r>
+                      <a:endParaRPr sz="900" spc="0">
+                        <a:latin typeface="AdobeClean-Light"/>
+                        <a:cs typeface="AdobeClean-Light"/>
+                      </a:endParaRPr>
                     </a:p>
                   </a:txBody>
                   <a:tcPr marL="0" marR="0" marT="59055" marB="0">
@@ -5444,7 +6377,7 @@
                     <a:bodyPr/>
                     <a:lstStyle/>
                     <a:p>
-                      <a:pPr algn="l" rtl="0">
+                      <a:pPr>
                         <a:lnSpc>
                           <a:spcPct val="100000"/>
                         </a:lnSpc>
@@ -5473,7 +6406,7 @@
                     <a:bodyPr/>
                     <a:lstStyle/>
                     <a:p>
-                      <a:pPr algn="l" rtl="0">
+                      <a:pPr>
                         <a:lnSpc>
                           <a:spcPct val="100000"/>
                         </a:lnSpc>
@@ -5504,7 +6437,7 @@
                     <a:bodyPr/>
                     <a:lstStyle/>
                     <a:p>
-                      <a:pPr marL="49530" algn="l" rtl="0">
+                      <a:pPr marL="49530">
                         <a:lnSpc>
                           <a:spcPct val="100000"/>
                         </a:lnSpc>
@@ -5553,34 +6486,19 @@
                         </a:spcBef>
                       </a:pPr>
                       <a:r>
-                        <a:rPr lang="it-IT" sz="900" dirty="0">
+                        <a:rPr sz="900" spc="0">
                           <a:solidFill>
                             <a:srgbClr val="020302"/>
                           </a:solidFill>
                           <a:latin typeface="AdobeClean-Light"/>
                           <a:cs typeface="AdobeClean-Light"/>
                         </a:rPr>
-                        <a:t>Valutazione della roadmap di prodotti, versioni, </a:t>
+                        <a:t>Release, Migration, Upgrade &amp; Product Roadmap Review</a:t>
                       </a:r>
-                      <a:br>
-                        <a:rPr lang="sk-SK" sz="900" dirty="0">
-                          <a:solidFill>
-                            <a:srgbClr val="020302"/>
-                          </a:solidFill>
-                          <a:latin typeface="AdobeClean-Light"/>
-                          <a:cs typeface="AdobeClean-Light"/>
-                        </a:rPr>
-                      </a:br>
-                      <a:r>
-                        <a:rPr lang="it-IT" sz="900" dirty="0">
-                          <a:solidFill>
-                            <a:srgbClr val="020302"/>
-                          </a:solidFill>
-                          <a:latin typeface="AdobeClean-Light"/>
-                          <a:cs typeface="AdobeClean-Light"/>
-                        </a:rPr>
-                        <a:t>migrazione e aggiornamento</a:t>
-                      </a:r>
+                      <a:endParaRPr sz="900" spc="0">
+                        <a:latin typeface="AdobeClean-Light"/>
+                        <a:cs typeface="AdobeClean-Light"/>
+                      </a:endParaRPr>
                     </a:p>
                   </a:txBody>
                   <a:tcPr marL="0" marR="0" marT="63500" marB="0">
@@ -5603,7 +6521,7 @@
                     <a:bodyPr/>
                     <a:lstStyle/>
                     <a:p>
-                      <a:pPr algn="l" rtl="0">
+                      <a:pPr>
                         <a:lnSpc>
                           <a:spcPct val="100000"/>
                         </a:lnSpc>
@@ -5632,7 +6550,7 @@
                     <a:bodyPr/>
                     <a:lstStyle/>
                     <a:p>
-                      <a:pPr algn="l" rtl="0">
+                      <a:pPr>
                         <a:lnSpc>
                           <a:spcPct val="100000"/>
                         </a:lnSpc>
@@ -5663,7 +6581,7 @@
                     <a:bodyPr/>
                     <a:lstStyle/>
                     <a:p>
-                      <a:pPr marL="49530" algn="l" rtl="0">
+                      <a:pPr marL="49530">
                         <a:lnSpc>
                           <a:spcPct val="100000"/>
                         </a:lnSpc>
@@ -5721,11 +6639,11 @@
                         </a:spcBef>
                       </a:pPr>
                       <a:r>
-                        <a:rPr lang="it-IT" sz="900">
+                        <a:rPr sz="900" spc="0">
                           <a:latin typeface="AdobeClean-Light"/>
                           <a:cs typeface="AdobeClean-Light"/>
                         </a:rPr>
-                        <a:t>Attività di supporto cloud - Experience Manager as Cloud</a:t>
+                        <a:t>Cloud Support Activities – Experience Manager as Cloud</a:t>
                       </a:r>
                     </a:p>
                   </a:txBody>
@@ -5755,7 +6673,7 @@
                     <a:bodyPr/>
                     <a:lstStyle/>
                     <a:p>
-                      <a:pPr algn="l" rtl="0">
+                      <a:pPr>
                         <a:lnSpc>
                           <a:spcPct val="100000"/>
                         </a:lnSpc>
@@ -5793,7 +6711,7 @@
                     <a:bodyPr/>
                     <a:lstStyle/>
                     <a:p>
-                      <a:pPr algn="l" rtl="0">
+                      <a:pPr>
                         <a:lnSpc>
                           <a:spcPct val="100000"/>
                         </a:lnSpc>
@@ -5842,15 +6760,22 @@
                         </a:spcBef>
                       </a:pPr>
                       <a:r>
-                        <a:rPr lang="it-IT" sz="1000" b="1" i="0">
+                        <a:rPr lang="en-US" sz="1000" b="1" i="0" spc="0">
                           <a:solidFill>
                             <a:schemeClr val="bg1"/>
                           </a:solidFill>
                           <a:latin typeface="Adobe Clean" panose="020B0503020404020204" pitchFamily="34" charset="0"/>
                           <a:cs typeface="AdobeClean-Light"/>
                         </a:rPr>
-                        <a:t>Servizi sul campo</a:t>
+                        <a:t>Field Services</a:t>
                       </a:r>
+                      <a:endParaRPr sz="1000" b="1" i="0" spc="0">
+                        <a:solidFill>
+                          <a:schemeClr val="bg1"/>
+                        </a:solidFill>
+                        <a:latin typeface="Adobe Clean" panose="020B0503020404020204" pitchFamily="34" charset="0"/>
+                        <a:cs typeface="AdobeClean-Light"/>
+                      </a:endParaRPr>
                     </a:p>
                   </a:txBody>
                   <a:tcPr marL="0" marR="0" marT="48260" marB="0" anchor="ctr">
@@ -5903,15 +6828,19 @@
                         </a:spcBef>
                       </a:pPr>
                       <a:r>
-                        <a:rPr lang="it-IT" sz="900">
+                        <a:rPr sz="900" spc="0">
                           <a:solidFill>
                             <a:srgbClr val="020302"/>
                           </a:solidFill>
                           <a:latin typeface="AdobeClean-Light"/>
                           <a:cs typeface="AdobeClean-Light"/>
                         </a:rPr>
-                        <a:t>Launch Advisory - Nel primo anno di nuove soluzioni</a:t>
+                        <a:t>Launch Advisory Services – First Year of new solution</a:t>
                       </a:r>
+                      <a:endParaRPr sz="900" spc="0">
+                        <a:latin typeface="AdobeClean-Light"/>
+                        <a:cs typeface="AdobeClean-Light"/>
+                      </a:endParaRPr>
                     </a:p>
                     <a:p>
                       <a:pPr marL="48260" hangingPunct="0">
@@ -5923,11 +6852,11 @@
                         </a:spcBef>
                       </a:pPr>
                       <a:r>
-                        <a:rPr lang="it-IT" sz="900">
+                        <a:rPr sz="900" spc="0">
                           <a:latin typeface="AdobeClean-Light"/>
                           <a:cs typeface="AdobeClean-Light"/>
                         </a:rPr>
-                        <a:t>Attività di servizio sul campo </a:t>
+                        <a:t>Field Service Activities </a:t>
                       </a:r>
                     </a:p>
                   </a:txBody>
@@ -5963,7 +6892,7 @@
                     <a:bodyPr/>
                     <a:lstStyle/>
                     <a:p>
-                      <a:pPr algn="l" rtl="0">
+                      <a:pPr>
                         <a:lnSpc>
                           <a:spcPct val="100000"/>
                         </a:lnSpc>
@@ -6001,7 +6930,7 @@
                     <a:bodyPr/>
                     <a:lstStyle/>
                     <a:p>
-                      <a:pPr algn="l" rtl="0">
+                      <a:pPr>
                         <a:lnSpc>
                           <a:spcPct val="100000"/>
                         </a:lnSpc>
@@ -6086,7 +7015,7 @@
                     <a:bodyPr/>
                     <a:lstStyle/>
                     <a:p>
-                      <a:pPr algn="l" rtl="0">
+                      <a:pPr>
                         <a:lnSpc>
                           <a:spcPct val="100000"/>
                         </a:lnSpc>
@@ -6112,12 +7041,12 @@
                     <a:bodyPr/>
                     <a:lstStyle/>
                     <a:p>
-                      <a:pPr algn="l" rtl="0">
+                      <a:pPr>
                         <a:lnSpc>
                           <a:spcPct val="100000"/>
                         </a:lnSpc>
                       </a:pPr>
-                      <a:endParaRPr sz="900" dirty="0">
+                      <a:endParaRPr sz="900">
                         <a:latin typeface="Times New Roman"/>
                         <a:cs typeface="Times New Roman"/>
                       </a:endParaRPr>
@@ -6176,7 +7105,7 @@
           <a:lstStyle/>
           <a:p>
             <a:r>
-              <a:rPr lang="it-IT" sz="700" i="1">
+              <a:rPr lang="en-US" sz="700" i="1">
                 <a:solidFill>
                   <a:schemeClr val="bg1"/>
                 </a:solidFill>
@@ -6379,14 +7308,18 @@
               </a:spcBef>
             </a:pPr>
             <a:r>
-              <a:rPr lang="it-IT" sz="1000">
+              <a:rPr lang="en-US" sz="1000">
                 <a:solidFill>
                   <a:srgbClr val="000000"/>
                 </a:solidFill>
                 <a:latin typeface="Adobe Clean Light" panose="020B0303020404020204" pitchFamily="34" charset="0"/>
               </a:rPr>
-              <a:t>Un Account Support Lead dedicato per il monitoraggio proattivo dei casi e per promuovere la collaborazione tra team, fornire webinar introduttivi, eseguire rapporti sui servizi e fornire assistenza non tecnica. Inoltre funge da riferimento per l’escalation dei problemi e da rappresentante del cliente all’interno del supporto Adobe.</a:t>
-            </a:r>
+              <a:t>A designated Account Support Lead to proactively monitor cases, drive cross-team collaboration, deliver onboarding webinars, run service reports, provide non-technical support assistance, and function as your escalation point and internal advocate within Adobe Support.</a:t>
+            </a:r>
+            <a:endParaRPr lang="en-US" sz="1000">
+              <a:latin typeface="Adobe Clean Light" panose="020B0303020404020204" pitchFamily="34" charset="0"/>
+              <a:cs typeface="AdobeClean-Light"/>
+            </a:endParaRPr>
           </a:p>
         </p:txBody>
       </p:sp>
@@ -6399,14 +7332,14 @@
         <p:spPr>
           <a:xfrm>
             <a:off x="2836967" y="8618616"/>
-            <a:ext cx="2286000" cy="487313"/>
+            <a:ext cx="2286000" cy="641201"/>
           </a:xfrm>
           <a:prstGeom prst="rect">
             <a:avLst/>
           </a:prstGeom>
         </p:spPr>
         <p:txBody>
-          <a:bodyPr vert="horz" wrap="square" lIns="0" tIns="12700" rIns="0" bIns="0" rtlCol="0">
+          <a:bodyPr vert="horz" wrap="square" lIns="0" tIns="12700" rIns="0" bIns="0" rtlCol="0" anchor="t">
             <a:spAutoFit/>
           </a:bodyPr>
           <a:lstStyle/>
@@ -6423,21 +7356,48 @@
               </a:tabLst>
             </a:pPr>
             <a:r>
-              <a:rPr lang="it-IT" sz="1000">
+              <a:rPr sz="1000">
                 <a:solidFill>
                   <a:srgbClr val="020302"/>
                 </a:solidFill>
                 <a:latin typeface="AdobeClean-Light"/>
                 <a:cs typeface="AdobeClean-Light"/>
               </a:rPr>
-              <a:t>Avvia una sessione di chat per ottenere risposte e assistenza nell’invio di un caso.</a:t>
+              <a:t>Start a chat session to get answers</a:t>
+            </a:r>
+            <a:r>
+              <a:rPr lang="en-US" sz="1000">
+                <a:solidFill>
+                  <a:srgbClr val="020302"/>
+                </a:solidFill>
+                <a:latin typeface="AdobeClean-Light"/>
+                <a:cs typeface="AdobeClean-Light"/>
+              </a:rPr>
+              <a:t> &amp; </a:t>
+            </a:r>
+            <a:r>
+              <a:rPr sz="1000">
+                <a:solidFill>
+                  <a:srgbClr val="020302"/>
+                </a:solidFill>
+                <a:latin typeface="AdobeClean-Light"/>
+                <a:cs typeface="AdobeClean-Light"/>
+              </a:rPr>
+              <a:t>help with case submission</a:t>
+            </a:r>
+            <a:r>
+              <a:rPr lang="en-US" sz="1000">
+                <a:solidFill>
+                  <a:srgbClr val="020302"/>
+                </a:solidFill>
+                <a:latin typeface="AdobeClean-Light"/>
+                <a:cs typeface="AdobeClean-Light"/>
+              </a:rPr>
+              <a:t>.</a:t>
             </a:r>
           </a:p>
           <a:p>
             <a:pPr marL="33020" marR="159385">
-              <a:lnSpc>
-                <a:spcPct val="100000"/>
-              </a:lnSpc>
               <a:spcBef>
                 <a:spcPts val="100"/>
               </a:spcBef>
@@ -6446,25 +7406,39 @@
               </a:tabLst>
             </a:pPr>
             <a:r>
-              <a:rPr lang="it-IT" sz="1000" i="1">
+              <a:rPr sz="1000" i="1">
                 <a:solidFill>
                   <a:srgbClr val="7A7A7A"/>
                 </a:solidFill>
                 <a:latin typeface="AdobeClean-LightIt"/>
                 <a:cs typeface="AdobeClean-LightIt"/>
               </a:rPr>
-              <a:t>* Il supporto chat in diretta non è disponibile per tutti i prodotti</a:t>
-            </a:r>
-            <a:r>
-              <a:rPr lang="it-IT" sz="900" i="1">
+              <a:t>*Not all products have live chat support</a:t>
+            </a:r>
+            <a:r>
+              <a:rPr sz="900" i="1">
                 <a:solidFill>
                   <a:srgbClr val="7A7A7A"/>
                 </a:solidFill>
                 <a:latin typeface="AdobeClean-LightIt"/>
                 <a:cs typeface="AdobeClean-LightIt"/>
               </a:rPr>
-              <a:t>.  </a:t>
-            </a:r>
+              <a:t>.</a:t>
+            </a:r>
+            <a:r>
+              <a:rPr lang="en-US" sz="900" i="1">
+                <a:solidFill>
+                  <a:srgbClr val="7A7A7A"/>
+                </a:solidFill>
+                <a:latin typeface="AdobeClean-LightIt"/>
+                <a:cs typeface="AdobeClean-LightIt"/>
+              </a:rPr>
+              <a:t>  </a:t>
+            </a:r>
+            <a:endParaRPr sz="900">
+              <a:latin typeface="AdobeClean-Light"/>
+              <a:cs typeface="AdobeClean-Light"/>
+            </a:endParaRPr>
           </a:p>
         </p:txBody>
       </p:sp>
@@ -6540,12 +7514,12 @@
               <a:defRPr/>
             </a:pPr>
             <a:r>
-              <a:rPr lang="it-IT" sz="1200">
+              <a:rPr lang="en-US" sz="1200">
                 <a:solidFill>
                   <a:srgbClr val="000000"/>
                 </a:solidFill>
               </a:rPr>
-              <a:t>Forum della community</a:t>
+              <a:t>Community Forums</a:t>
             </a:r>
           </a:p>
         </p:txBody>
@@ -6588,12 +7562,12 @@
               </a:spcAft>
             </a:pPr>
             <a:r>
-              <a:rPr lang="it-IT" sz="1200" b="1">
+              <a:rPr lang="en-US" sz="1200" b="1">
                 <a:latin typeface="+mj-lt"/>
                 <a:ea typeface="Open Sans" pitchFamily="34" charset="0"/>
                 <a:cs typeface="Open Sans" pitchFamily="34" charset="0"/>
               </a:rPr>
-              <a:t>Forum online</a:t>
+              <a:t>Online Forums</a:t>
             </a:r>
           </a:p>
         </p:txBody>
@@ -6626,13 +7600,13 @@
           <a:lstStyle/>
           <a:p>
             <a:r>
-              <a:rPr lang="it-IT" sz="1000">
+              <a:rPr lang="en-US" sz="1000">
                 <a:solidFill>
                   <a:srgbClr val="000000"/>
                 </a:solidFill>
                 <a:latin typeface="Adobe Clean Light" panose="020B0303020404020204" pitchFamily="34" charset="0"/>
               </a:rPr>
-              <a:t>Accesso online continuo a un database in continua crescita di soluzioni tecniche, documentazione del prodotto, risposte alle domande più frequenti e altro ancora. Migliaia di clienti possono condividere best practice ed esperienze.</a:t>
+              <a:t>Continuous online access to a growing database of technical solutions, product documentation, FAQs and more. Thousands of customers can connect to share best practices and lessons learned.</a:t>
             </a:r>
           </a:p>
         </p:txBody>
@@ -6675,12 +7649,12 @@
               </a:spcAft>
             </a:pPr>
             <a:r>
-              <a:rPr lang="it-IT" sz="1200" b="1">
+              <a:rPr lang="en-US" sz="1200" b="1">
                 <a:latin typeface="+mj-lt"/>
                 <a:ea typeface="Open Sans" pitchFamily="34" charset="0"/>
                 <a:cs typeface="Open Sans" pitchFamily="34" charset="0"/>
               </a:rPr>
-              <a:t>Percorsi autoguidati</a:t>
+              <a:t>Self-guided Journeys</a:t>
             </a:r>
           </a:p>
         </p:txBody>
@@ -6700,7 +7674,7 @@
         <p:spPr>
           <a:xfrm>
             <a:off x="5376301" y="6529249"/>
-            <a:ext cx="2286000" cy="1143903"/>
+            <a:ext cx="2286000" cy="959237"/>
           </a:xfrm>
           <a:prstGeom prst="rect">
             <a:avLst/>
@@ -6713,13 +7687,13 @@
           <a:lstStyle/>
           <a:p>
             <a:r>
-              <a:rPr lang="it-IT" sz="900" dirty="0">
+              <a:rPr lang="en-US" sz="1000">
                 <a:solidFill>
                   <a:srgbClr val="000000"/>
                 </a:solidFill>
                 <a:latin typeface="Adobe Clean Light" panose="020B0303020404020204" pitchFamily="34" charset="0"/>
               </a:rPr>
-              <a:t>Diventa un Experience Maker con Experience League. Puoi acquisire rapidamente le capacità necessarie nella gestione della customer experience seguendo un percorso di apprendimento personalizzato per sviluppare nuove competenze, partecipare a una comunità globale di professionisti e guadagnare riconoscimenti di valore sul piano professionale.</a:t>
+              <a:t>Experience Makers are made with Experience League. Customers can kickstart their Customer Experience Management abilities with personalized learning to develop skills, engage with a global community of peers, and earn career advancing recognition.</a:t>
             </a:r>
           </a:p>
         </p:txBody>
@@ -6767,12 +7741,12 @@
               <a:defRPr/>
             </a:pPr>
             <a:r>
-              <a:rPr lang="it-IT" sz="1200">
+              <a:rPr lang="en-US" sz="1200">
                 <a:solidFill>
                   <a:srgbClr val="000000"/>
                 </a:solidFill>
               </a:rPr>
-              <a:t>Supporto chat in diretta*</a:t>
+              <a:t>Live Chat  Support*</a:t>
             </a:r>
           </a:p>
         </p:txBody>
@@ -6815,12 +7789,12 @@
               </a:spcAft>
             </a:pPr>
             <a:r>
-              <a:rPr lang="it-IT" sz="1200" b="1">
+              <a:rPr lang="en-US" sz="1200" b="1">
                 <a:latin typeface="+mj-lt"/>
                 <a:ea typeface="Open Sans" pitchFamily="34" charset="0"/>
                 <a:cs typeface="Open Sans" pitchFamily="34" charset="0"/>
               </a:rPr>
-              <a:t>Supporto chat</a:t>
+              <a:t>Chat Support</a:t>
             </a:r>
           </a:p>
         </p:txBody>
@@ -6868,12 +7842,12 @@
               <a:defRPr/>
             </a:pPr>
             <a:r>
-              <a:rPr lang="it-IT" sz="1200">
+              <a:rPr lang="en-US" sz="1200">
                 <a:solidFill>
                   <a:srgbClr val="000000"/>
                 </a:solidFill>
               </a:rPr>
-              <a:t>24x7 P1 </a:t>
+              <a:t>24X7 P1 </a:t>
             </a:r>
           </a:p>
         </p:txBody>
@@ -6916,12 +7890,12 @@
               </a:spcAft>
             </a:pPr>
             <a:r>
-              <a:rPr lang="it-IT" sz="1200" b="1">
+              <a:rPr lang="en-US" sz="1200" b="1">
                 <a:latin typeface="+mj-lt"/>
                 <a:ea typeface="Open Sans" pitchFamily="34" charset="0"/>
                 <a:cs typeface="Open Sans" pitchFamily="34" charset="0"/>
               </a:rPr>
-              <a:t>Supporto telefonico</a:t>
+              <a:t>Phone Support</a:t>
             </a:r>
           </a:p>
         </p:txBody>
@@ -6954,20 +7928,26 @@
           <a:lstStyle/>
           <a:p>
             <a:r>
-              <a:rPr lang="it-IT" sz="1000">
+              <a:rPr lang="en-US" sz="1000">
                 <a:solidFill>
                   <a:srgbClr val="020302"/>
                 </a:solidFill>
                 <a:latin typeface="AdobeClean-Light"/>
               </a:rPr>
-              <a:t>Gli utenti autorizzati o i contatti interni per il supporto possono segnalare i problemi tramite tutti i canali disponibili (compreso il supporto telefonico per casi P1) e interagire con il team Adobe di assistenza tecnica per conto della tua azienda</a:t>
-            </a:r>
-            <a:r>
-              <a:rPr lang="it-IT" sz="1000">
+              <a:t>Authorized users or Named Support Contacts </a:t>
+            </a:r>
+            <a:r>
+              <a:rPr lang="en-US" sz="1000">
                 <a:latin typeface="Adobe Clean Light" panose="020B0303020404020204" pitchFamily="34" charset="0"/>
               </a:rPr>
-              <a:t>. </a:t>
-            </a:r>
+              <a:t>can submit issues through all available  channels (including phone for P1) and interact with our technical support team on behalf of your company. </a:t>
+            </a:r>
+            <a:endParaRPr lang="en-US" sz="1000">
+              <a:solidFill>
+                <a:srgbClr val="000000"/>
+              </a:solidFill>
+              <a:latin typeface="Adobe Clean Light" panose="020B0303020404020204" pitchFamily="34" charset="0"/>
+            </a:endParaRPr>
           </a:p>
         </p:txBody>
       </p:sp>
@@ -7011,8 +7991,24 @@
               </a:spcBef>
             </a:pPr>
             <a:r>
-              <a:rPr lang="it-IT"/>
-              <a:t>©2021 Adobe. All Rights Reserved. Adobe Confidential.</a:t>
+              <a:rPr spc="-5"/>
+              <a:t>©202</a:t>
+            </a:r>
+            <a:r>
+              <a:rPr lang="en-US" spc="-5"/>
+              <a:t>1</a:t>
+            </a:r>
+            <a:r>
+              <a:rPr spc="-5"/>
+              <a:t> Adobe. All Rights Reserved. Adobe</a:t>
+            </a:r>
+            <a:r>
+              <a:rPr spc="60"/>
+              <a:t> </a:t>
+            </a:r>
+            <a:r>
+              <a:rPr spc="-5"/>
+              <a:t>Confidential.</a:t>
             </a:r>
           </a:p>
         </p:txBody>
@@ -7055,7 +8051,7 @@
               </a:spcAft>
             </a:pPr>
             <a:r>
-              <a:rPr lang="it-IT" sz="1200" b="1">
+              <a:rPr lang="en-US" sz="1200" b="1" spc="-10">
                 <a:solidFill>
                   <a:srgbClr val="020302"/>
                 </a:solidFill>
@@ -7081,7 +8077,7 @@
         <p:spPr>
           <a:xfrm>
             <a:off x="401995" y="5785009"/>
-            <a:ext cx="2600697" cy="52862"/>
+            <a:ext cx="1848207" cy="45719"/>
           </a:xfrm>
           <a:custGeom>
             <a:avLst/>
@@ -7150,15 +8146,19 @@
               </a:spcBef>
             </a:pPr>
             <a:r>
-              <a:rPr lang="it-IT" sz="1400" b="1">
+              <a:rPr lang="en-US" sz="1400" b="1" spc="-10">
                 <a:solidFill>
                   <a:srgbClr val="020302"/>
                 </a:solidFill>
                 <a:latin typeface="Adobe Clean"/>
                 <a:cs typeface="Adobe Clean"/>
               </a:rPr>
-              <a:t>Caratteristiche del supporto online</a:t>
-            </a:r>
+              <a:t>Online Support Features</a:t>
+            </a:r>
+            <a:endParaRPr lang="en-US" sz="1400">
+              <a:latin typeface="Adobe Clean"/>
+              <a:cs typeface="Adobe Clean"/>
+            </a:endParaRPr>
           </a:p>
         </p:txBody>
       </p:sp>
@@ -7176,8 +8176,8 @@
         </p:nvSpPr>
         <p:spPr>
           <a:xfrm>
-            <a:off x="384420" y="774494"/>
-            <a:ext cx="2717125" cy="45719"/>
+            <a:off x="384421" y="774495"/>
+            <a:ext cx="2011680" cy="0"/>
           </a:xfrm>
           <a:custGeom>
             <a:avLst/>
@@ -7246,15 +8246,19 @@
               </a:spcBef>
             </a:pPr>
             <a:r>
-              <a:rPr lang="it-IT" sz="1400" b="1">
+              <a:rPr lang="en-US" sz="1400" b="1" spc="-10">
                 <a:solidFill>
                   <a:srgbClr val="020302"/>
                 </a:solidFill>
                 <a:latin typeface="Adobe Clean"/>
                 <a:cs typeface="Adobe Clean"/>
               </a:rPr>
-              <a:t>Caratteristiche del supporto Business</a:t>
-            </a:r>
+              <a:t>Business  Support Features</a:t>
+            </a:r>
+            <a:endParaRPr lang="en-US" sz="1400">
+              <a:latin typeface="Adobe Clean"/>
+              <a:cs typeface="Adobe Clean"/>
+            </a:endParaRPr>
           </a:p>
         </p:txBody>
       </p:sp>
@@ -7294,11 +8298,15 @@
               </a:spcBef>
             </a:pPr>
             <a:r>
-              <a:rPr lang="it-IT" sz="1000">
+              <a:rPr lang="en-US" sz="1000">
                 <a:latin typeface="Adobe Clean Light" panose="020B0303020404020204" pitchFamily="34" charset="0"/>
               </a:rPr>
-              <a:t>I clienti possono segnalare telefonicamente i problemi P2, P3 e P4 durante l’orario operativo per la propria area geografica. Non vi è alcun limite al numero di chiamate di supporto consentite. I clienti possono anche chiedere di essere richiamati dal supporto, o richiedere una sessione con desktop remoto condiviso a scopo di dimostrazione o risoluzione di un problema.</a:t>
-            </a:r>
+              <a:t>Customers can submit support cases via Phone for all P2, P3, P4 issues during regional support hours. There are no upper limits on the number of times you can call into support. Customers can also request a call back from support or request a meeting to demonstrate or work through an issue using a shared remote desktop session.</a:t>
+            </a:r>
+            <a:endParaRPr lang="en-US" sz="1000">
+              <a:latin typeface="Adobe Clean Light" panose="020B0303020404020204" pitchFamily="34" charset="0"/>
+              <a:cs typeface="AdobeClean-Light"/>
+            </a:endParaRPr>
           </a:p>
         </p:txBody>
       </p:sp>
@@ -7340,13 +8348,13 @@
               </a:spcAft>
             </a:pPr>
             <a:r>
-              <a:rPr lang="it-IT" sz="1200" b="1">
+              <a:rPr lang="en-US" sz="1200" b="1" spc="-10">
                 <a:solidFill>
                   <a:srgbClr val="020302"/>
                 </a:solidFill>
                 <a:latin typeface="+mj-lt"/>
               </a:rPr>
-              <a:t>Supporto telefonico in diretta</a:t>
+              <a:t>Live Telephone Support</a:t>
             </a:r>
           </a:p>
         </p:txBody>
@@ -7387,14 +8395,18 @@
               </a:spcBef>
             </a:pPr>
             <a:r>
-              <a:rPr lang="it-IT" sz="1000">
+              <a:rPr lang="en-US" sz="1000">
                 <a:solidFill>
                   <a:srgbClr val="4B4B4B"/>
                 </a:solidFill>
                 <a:latin typeface="Adobe Clean Light" panose="020B0303020404020204" pitchFamily="34" charset="0"/>
               </a:rPr>
-              <a:t>Un contatto Adobe dedicato che può fornire assistenza e aggiornamenti regolari in merito ai casi che richiedono escalation, e assicurarsi che venga data priorità alle richieste di supporto aperte più critiche.</a:t>
-            </a:r>
+              <a:t>A designated point of contact within Adobe who can provide escalation assistance, regular updates and ensure priority is given to your most critical open support requests.</a:t>
+            </a:r>
+            <a:endParaRPr lang="en-US" sz="1000">
+              <a:latin typeface="Adobe Clean Light" panose="020B0303020404020204" pitchFamily="34" charset="0"/>
+              <a:cs typeface="AdobeClean-Light"/>
+            </a:endParaRPr>
           </a:p>
         </p:txBody>
       </p:sp>
@@ -7436,13 +8448,13 @@
               </a:spcAft>
             </a:pPr>
             <a:r>
-              <a:rPr lang="it-IT" sz="1200" b="1">
+              <a:rPr lang="en-US" sz="1200" b="1" spc="-10">
                 <a:solidFill>
                   <a:srgbClr val="020302"/>
                 </a:solidFill>
                 <a:latin typeface="+mj-lt"/>
               </a:rPr>
-              <a:t>Gestione delle escalation</a:t>
+              <a:t>Escalation Management</a:t>
             </a:r>
           </a:p>
         </p:txBody>
@@ -7490,7 +8502,7 @@
               <a:defRPr/>
             </a:pPr>
             <a:r>
-              <a:rPr lang="it-IT" sz="1200">
+              <a:rPr lang="en-US" sz="1200">
                 <a:solidFill>
                   <a:srgbClr val="000000"/>
                 </a:solidFill>
@@ -7538,12 +8550,12 @@
               </a:spcAft>
             </a:pPr>
             <a:r>
-              <a:rPr lang="it-IT" sz="1200" b="1">
+              <a:rPr lang="en-US" sz="1200" b="1">
                 <a:latin typeface="+mj-lt"/>
                 <a:ea typeface="Open Sans" pitchFamily="34" charset="0"/>
                 <a:cs typeface="Open Sans" pitchFamily="34" charset="0"/>
               </a:rPr>
-              <a:t>Webinar</a:t>
+              <a:t>Webinars</a:t>
             </a:r>
           </a:p>
         </p:txBody>
@@ -7563,7 +8575,7 @@
         <p:spPr>
           <a:xfrm>
             <a:off x="370040" y="8618616"/>
-            <a:ext cx="2286000" cy="959237"/>
+            <a:ext cx="2286000" cy="1113125"/>
           </a:xfrm>
           <a:prstGeom prst="rect">
             <a:avLst/>
@@ -7576,30 +8588,13 @@
           <a:lstStyle/>
           <a:p>
             <a:r>
-              <a:rPr lang="it-IT" sz="1000" dirty="0">
+              <a:rPr lang="en-US" sz="1000">
                 <a:solidFill>
                   <a:srgbClr val="000000"/>
                 </a:solidFill>
                 <a:latin typeface="Adobe Clean Light" panose="020B0303020404020204" pitchFamily="34" charset="0"/>
               </a:rPr>
-              <a:t>Office Hours è un’iniziativa nata dal team del Servizio clienti di Adobe. Queste sessioni sono progettate per informare e aiutare</a:t>
-            </a:r>
-            <a:br>
-              <a:rPr lang="sk-SK" sz="1000" dirty="0">
-                <a:solidFill>
-                  <a:srgbClr val="000000"/>
-                </a:solidFill>
-                <a:latin typeface="Adobe Clean Light" panose="020B0303020404020204" pitchFamily="34" charset="0"/>
-              </a:rPr>
-            </a:br>
-            <a:r>
-              <a:rPr lang="it-IT" sz="1000" dirty="0">
-                <a:solidFill>
-                  <a:srgbClr val="000000"/>
-                </a:solidFill>
-                <a:latin typeface="Adobe Clean Light" panose="020B0303020404020204" pitchFamily="34" charset="0"/>
-              </a:rPr>
-              <a:t>i partecipanti a risolvere problemi e fornire suggerimenti e trucchi utili per le soluzioni Adobe Experience Cloud.</a:t>
+              <a:t>Office Hours is an initiative led by the Adobe Customer Support team. These sessions are designed to inform as well as help participants troubleshoot problems and provide tips and tricks to be successful with Adobe Experience Cloud.</a:t>
             </a:r>
           </a:p>
         </p:txBody>
@@ -7642,12 +8637,12 @@
               </a:spcAft>
             </a:pPr>
             <a:r>
-              <a:rPr lang="it-IT" sz="1200" b="1">
+              <a:rPr lang="en-US" sz="1200" b="1">
                 <a:latin typeface="+mj-lt"/>
                 <a:ea typeface="Open Sans" pitchFamily="34" charset="0"/>
                 <a:cs typeface="Open Sans" pitchFamily="34" charset="0"/>
               </a:rPr>
-              <a:t>Portale di supporto 24/7</a:t>
+              <a:t>24/7 Support Portal</a:t>
             </a:r>
           </a:p>
         </p:txBody>
@@ -7680,16 +8675,16 @@
           <a:lstStyle/>
           <a:p>
             <a:r>
-              <a:rPr lang="it-IT" sz="1000" dirty="0">
+              <a:rPr lang="en-US" sz="1000">
                 <a:solidFill>
                   <a:srgbClr val="000000"/>
                 </a:solidFill>
                 <a:latin typeface="Adobe Clean Light" panose="020B0303020404020204" pitchFamily="34" charset="0"/>
               </a:rPr>
-              <a:t>Accesso on-demand al portale di assistenza autonoma per inviare richieste di supporto, esaminare lo stato dei casi e sfogliare altre risorse, come la knowledge base, notizie </a:t>
+              <a:t>On-demand access to the online </a:t>
             </a:r>
             <a:br>
-              <a:rPr lang="sk-SK" sz="1000" dirty="0">
+              <a:rPr lang="en-US" sz="1000">
                 <a:solidFill>
                   <a:srgbClr val="000000"/>
                 </a:solidFill>
@@ -7697,13 +8692,13 @@
               </a:rPr>
             </a:br>
             <a:r>
-              <a:rPr lang="it-IT" sz="1000" dirty="0">
+              <a:rPr lang="en-US" sz="1000">
                 <a:solidFill>
                   <a:srgbClr val="000000"/>
                 </a:solidFill>
                 <a:latin typeface="Adobe Clean Light" panose="020B0303020404020204" pitchFamily="34" charset="0"/>
               </a:rPr>
-              <a:t>e avvisi, suggerimenti e altro ancora.</a:t>
+              <a:t>Self-help Support Portal to submit support requests, review case status, and browse other resources, like our knowledgebase, news and alerts, featured tips, and more.</a:t>
             </a:r>
           </a:p>
         </p:txBody>
@@ -7815,10 +8810,10 @@
           <a:lstStyle/>
           <a:p>
             <a:r>
-              <a:rPr lang="it-IT" sz="1200" b="1">
+              <a:rPr lang="en-US" sz="1200" b="1">
                 <a:latin typeface="+mj-lt"/>
               </a:rPr>
-              <a:t>Servizi Business</a:t>
+              <a:t>Business Services</a:t>
             </a:r>
           </a:p>
         </p:txBody>
@@ -7859,11 +8854,15 @@
               </a:spcBef>
             </a:pPr>
             <a:r>
-              <a:rPr lang="it-IT" sz="1000">
+              <a:rPr lang="en-US" sz="1000">
                 <a:latin typeface="Adobe Clean Light" panose="020B0303020404020204" pitchFamily="34" charset="0"/>
               </a:rPr>
-              <a:t>Un Account Support Lead terrà dei webinar per illustrare i servizi di supporto Business.  </a:t>
-            </a:r>
+              <a:t>An Account Support Lead will host webinars covering an overview of business support services.  </a:t>
+            </a:r>
+            <a:endParaRPr lang="en-US" sz="1000">
+              <a:latin typeface="Adobe Clean Light" panose="020B0303020404020204" pitchFamily="34" charset="0"/>
+              <a:cs typeface="AdobeClean-Light"/>
+            </a:endParaRPr>
           </a:p>
         </p:txBody>
       </p:sp>
@@ -8332,12 +9331,12 @@
               <a:defRPr/>
             </a:pPr>
             <a:r>
-              <a:rPr lang="it-IT" sz="1200">
+              <a:rPr lang="en-US" sz="1200">
                 <a:solidFill>
                   <a:srgbClr val="000000"/>
                 </a:solidFill>
               </a:rPr>
-              <a:t>Portale di assistenza autonoma</a:t>
+              <a:t>Self– Help Portal</a:t>
             </a:r>
           </a:p>
         </p:txBody>
@@ -8385,7 +9384,7 @@
               <a:defRPr/>
             </a:pPr>
             <a:r>
-              <a:rPr lang="it-IT" sz="1200">
+              <a:rPr lang="en-US" sz="1200">
                 <a:solidFill>
                   <a:srgbClr val="000000"/>
                 </a:solidFill>
@@ -8447,15 +9446,49 @@
               </a:lnSpc>
             </a:pPr>
             <a:r>
-              <a:rPr lang="it-IT" sz="500">
+              <a:rPr sz="500" spc="-5">
                 <a:solidFill>
                   <a:srgbClr val="6C6C6C"/>
                 </a:solidFill>
                 <a:latin typeface="Adobe Clean"/>
                 <a:cs typeface="Adobe Clean"/>
               </a:rPr>
-              <a:t>©2020 Adobe. All Rights Reserved. Adobe Confidential.</a:t>
-            </a:r>
+              <a:t>©2020 Adobe. All Rights Reserved. </a:t>
+            </a:r>
+            <a:r>
+              <a:rPr sz="500">
+                <a:solidFill>
+                  <a:srgbClr val="6C6C6C"/>
+                </a:solidFill>
+                <a:latin typeface="Adobe Clean"/>
+                <a:cs typeface="Adobe Clean"/>
+              </a:rPr>
+              <a:t>Adobe</a:t>
+            </a:r>
+            <a:r>
+              <a:rPr sz="500" spc="5">
+                <a:solidFill>
+                  <a:srgbClr val="6C6C6C"/>
+                </a:solidFill>
+                <a:latin typeface="Adobe Clean"/>
+                <a:cs typeface="Adobe Clean"/>
+              </a:rPr>
+              <a:t> </a:t>
+            </a:r>
+            <a:r>
+              <a:rPr sz="500" spc="-5">
+                <a:solidFill>
+                  <a:srgbClr val="6C6C6C"/>
+                </a:solidFill>
+                <a:latin typeface="Adobe Clean"/>
+                <a:cs typeface="Adobe Clean"/>
+              </a:rPr>
+              <a:t>Confidential.</a:t>
+            </a:r>
+            <a:endParaRPr sz="500">
+              <a:latin typeface="Adobe Clean"/>
+              <a:cs typeface="Adobe Clean"/>
+            </a:endParaRPr>
           </a:p>
           <a:p>
             <a:pPr>
@@ -8481,15 +9514,39 @@
               </a:spcBef>
             </a:pPr>
             <a:r>
-              <a:rPr lang="it-IT" sz="800">
+              <a:rPr sz="800" spc="-5">
                 <a:solidFill>
                   <a:srgbClr val="6D6D6D"/>
                 </a:solidFill>
                 <a:latin typeface="Adobe Clean"/>
                 <a:cs typeface="Adobe Clean"/>
               </a:rPr>
-              <a:t>©2020 Adobe. All Rights Reserved. Adobe Confidential.</a:t>
-            </a:r>
+              <a:t>©2020 Adobe. All Rights Reserved. Adobe</a:t>
+            </a:r>
+            <a:r>
+              <a:rPr sz="800" spc="75">
+                <a:solidFill>
+                  <a:srgbClr val="6D6D6D"/>
+                </a:solidFill>
+                <a:latin typeface="Adobe Clean"/>
+                <a:cs typeface="Adobe Clean"/>
+              </a:rPr>
+              <a:t> </a:t>
+            </a:r>
+            <a:r>
+              <a:rPr sz="800" spc="-5">
+                <a:solidFill>
+                  <a:srgbClr val="6D6D6D"/>
+                </a:solidFill>
+                <a:latin typeface="Adobe Clean"/>
+                <a:cs typeface="Adobe Clean"/>
+              </a:rPr>
+              <a:t>Confidential.</a:t>
+            </a:r>
+            <a:endParaRPr sz="800">
+              <a:latin typeface="Adobe Clean"/>
+              <a:cs typeface="Adobe Clean"/>
+            </a:endParaRPr>
           </a:p>
         </p:txBody>
       </p:sp>
@@ -8573,15 +9630,19 @@
               </a:spcBef>
             </a:pPr>
             <a:r>
-              <a:rPr lang="it-IT" sz="1400" b="1">
+              <a:rPr lang="en-US" sz="1400" b="1" spc="-15">
                 <a:solidFill>
                   <a:srgbClr val="020302"/>
                 </a:solidFill>
                 <a:latin typeface="Adobe Clean"/>
                 <a:cs typeface="Adobe Clean"/>
               </a:rPr>
-              <a:t>Risorse</a:t>
-            </a:r>
+              <a:t>Resources</a:t>
+            </a:r>
+            <a:endParaRPr sz="1400">
+              <a:latin typeface="Adobe Clean"/>
+              <a:cs typeface="Adobe Clean"/>
+            </a:endParaRPr>
           </a:p>
         </p:txBody>
       </p:sp>
@@ -8615,7 +9676,7 @@
               </a:spcBef>
             </a:pPr>
             <a:r>
-              <a:rPr lang="it-IT" sz="800">
+              <a:rPr sz="800" spc="-15">
                 <a:solidFill>
                   <a:srgbClr val="777879"/>
                 </a:solidFill>
@@ -8624,6 +9685,10 @@
               </a:rPr>
               <a:t>Adobe</a:t>
             </a:r>
+            <a:endParaRPr sz="800">
+              <a:latin typeface="Adobe Clean"/>
+              <a:cs typeface="Adobe Clean"/>
+            </a:endParaRPr>
           </a:p>
           <a:p>
             <a:pPr marL="12700">
@@ -8632,15 +9697,39 @@
               </a:lnSpc>
             </a:pPr>
             <a:r>
-              <a:rPr lang="it-IT" sz="800">
+              <a:rPr sz="800" spc="-15">
                 <a:solidFill>
                   <a:srgbClr val="777879"/>
                 </a:solidFill>
                 <a:latin typeface="Adobe Clean"/>
                 <a:cs typeface="Adobe Clean"/>
               </a:rPr>
-              <a:t>345 Park Avenue</a:t>
-            </a:r>
+              <a:t>345 Park</a:t>
+            </a:r>
+            <a:r>
+              <a:rPr sz="800" spc="-100">
+                <a:solidFill>
+                  <a:srgbClr val="777879"/>
+                </a:solidFill>
+                <a:latin typeface="Adobe Clean"/>
+                <a:cs typeface="Adobe Clean"/>
+              </a:rPr>
+              <a:t> </a:t>
+            </a:r>
+            <a:r>
+              <a:rPr sz="800" spc="-15">
+                <a:solidFill>
+                  <a:srgbClr val="777879"/>
+                </a:solidFill>
+                <a:latin typeface="Adobe Clean"/>
+                <a:cs typeface="Adobe Clean"/>
+              </a:rPr>
+              <a:t>Avenue</a:t>
+            </a:r>
+            <a:endParaRPr sz="800">
+              <a:latin typeface="Adobe Clean"/>
+              <a:cs typeface="Adobe Clean"/>
+            </a:endParaRPr>
           </a:p>
           <a:p>
             <a:pPr marL="12700">
@@ -8649,15 +9738,49 @@
               </a:lnSpc>
             </a:pPr>
             <a:r>
-              <a:rPr lang="it-IT" sz="800">
+              <a:rPr sz="800" spc="-10">
                 <a:solidFill>
                   <a:srgbClr val="777879"/>
                 </a:solidFill>
                 <a:latin typeface="Adobe Clean"/>
                 <a:cs typeface="Adobe Clean"/>
               </a:rPr>
-              <a:t>San Jose, CA 95110-2704</a:t>
-            </a:r>
+              <a:t>San </a:t>
+            </a:r>
+            <a:r>
+              <a:rPr sz="800" spc="-15">
+                <a:solidFill>
+                  <a:srgbClr val="777879"/>
+                </a:solidFill>
+                <a:latin typeface="Adobe Clean"/>
+                <a:cs typeface="Adobe Clean"/>
+              </a:rPr>
+              <a:t>Jose,</a:t>
+            </a:r>
+            <a:r>
+              <a:rPr sz="800" spc="-140">
+                <a:solidFill>
+                  <a:srgbClr val="777879"/>
+                </a:solidFill>
+                <a:latin typeface="Adobe Clean"/>
+                <a:cs typeface="Adobe Clean"/>
+              </a:rPr>
+              <a:t> </a:t>
+            </a:r>
+            <a:r>
+              <a:rPr sz="800" spc="-20">
+                <a:solidFill>
+                  <a:srgbClr val="777879"/>
+                </a:solidFill>
+                <a:latin typeface="Adobe Clean"/>
+                <a:cs typeface="Adobe Clean"/>
+              </a:rPr>
+              <a:t>CA95110-2704</a:t>
+            </a:r>
+            <a:endParaRPr sz="800">
+              <a:latin typeface="Adobe Clean"/>
+              <a:cs typeface="Adobe Clean"/>
+            </a:endParaRPr>
           </a:p>
           <a:p>
             <a:pPr marL="12700">
@@ -8669,7 +9792,7 @@
               </a:spcBef>
             </a:pPr>
             <a:r>
-              <a:rPr lang="it-IT" sz="800">
+              <a:rPr sz="800" spc="-10">
                 <a:solidFill>
                   <a:srgbClr val="777879"/>
                 </a:solidFill>
@@ -8678,6 +9801,10 @@
               </a:rPr>
               <a:t>USA</a:t>
             </a:r>
+            <a:endParaRPr sz="800">
+              <a:latin typeface="Adobe Clean"/>
+              <a:cs typeface="Adobe Clean"/>
+            </a:endParaRPr>
           </a:p>
           <a:p>
             <a:pPr marL="12700">
@@ -8689,7 +9816,7 @@
               </a:spcBef>
             </a:pPr>
             <a:r>
-              <a:rPr lang="it-IT" sz="800" u="sng">
+              <a:rPr sz="800" u="sng" spc="-25">
                 <a:solidFill>
                   <a:srgbClr val="5F5F5F"/>
                 </a:solidFill>
@@ -8704,6 +9831,10 @@
               </a:rPr>
               <a:t>www.adobe.com</a:t>
             </a:r>
+            <a:endParaRPr sz="800">
+              <a:latin typeface="Adobe Clean"/>
+              <a:cs typeface="Adobe Clean"/>
+            </a:endParaRPr>
           </a:p>
         </p:txBody>
       </p:sp>
@@ -8864,7 +9995,7 @@
           </a:prstGeom>
         </p:spPr>
         <p:txBody>
-          <a:bodyPr vert="horz" wrap="square" lIns="0" tIns="29845" rIns="0" bIns="0" rtlCol="0">
+          <a:bodyPr vert="horz" wrap="square" lIns="0" tIns="29845" rIns="0" bIns="0" rtlCol="0" anchor="t">
             <a:spAutoFit/>
           </a:bodyPr>
           <a:lstStyle/>
@@ -8878,15 +10009,439 @@
               </a:spcBef>
             </a:pPr>
             <a:r>
-              <a:rPr lang="it-IT" sz="1100" i="1">
+              <a:rPr sz="1100" i="1" spc="-10">
                 <a:solidFill>
                   <a:srgbClr val="777879"/>
                 </a:solidFill>
                 <a:latin typeface="AdobeClean-LightIt"/>
                 <a:cs typeface="AdobeClean-LightIt"/>
               </a:rPr>
-              <a:t>Per saperne di più sulle opzioni di Supporto Adobe e capire quale sia il livello più adatto alle tue esigenze, contatta il tuo Named Account Manager (NAM) o Customer Success Manager (CSM).</a:t>
-            </a:r>
+              <a:t>To</a:t>
+            </a:r>
+            <a:r>
+              <a:rPr sz="1100" i="1" spc="-50">
+                <a:solidFill>
+                  <a:srgbClr val="777879"/>
+                </a:solidFill>
+                <a:latin typeface="AdobeClean-LightIt"/>
+                <a:cs typeface="AdobeClean-LightIt"/>
+              </a:rPr>
+              <a:t> </a:t>
+            </a:r>
+            <a:r>
+              <a:rPr sz="1100" i="1" spc="-15">
+                <a:solidFill>
+                  <a:srgbClr val="777879"/>
+                </a:solidFill>
+                <a:latin typeface="AdobeClean-LightIt"/>
+                <a:cs typeface="AdobeClean-LightIt"/>
+              </a:rPr>
+              <a:t>learn</a:t>
+            </a:r>
+            <a:r>
+              <a:rPr sz="1100" i="1" spc="-40">
+                <a:solidFill>
+                  <a:srgbClr val="777879"/>
+                </a:solidFill>
+                <a:latin typeface="AdobeClean-LightIt"/>
+                <a:cs typeface="AdobeClean-LightIt"/>
+              </a:rPr>
+              <a:t> </a:t>
+            </a:r>
+            <a:r>
+              <a:rPr sz="1100" i="1" spc="-15">
+                <a:solidFill>
+                  <a:srgbClr val="777879"/>
+                </a:solidFill>
+                <a:latin typeface="AdobeClean-LightIt"/>
+                <a:cs typeface="AdobeClean-LightIt"/>
+              </a:rPr>
+              <a:t>more</a:t>
+            </a:r>
+            <a:r>
+              <a:rPr sz="1100" i="1" spc="-45">
+                <a:solidFill>
+                  <a:srgbClr val="777879"/>
+                </a:solidFill>
+                <a:latin typeface="AdobeClean-LightIt"/>
+                <a:cs typeface="AdobeClean-LightIt"/>
+              </a:rPr>
+              <a:t> </a:t>
+            </a:r>
+            <a:r>
+              <a:rPr sz="1100" i="1" spc="-15">
+                <a:solidFill>
+                  <a:srgbClr val="777879"/>
+                </a:solidFill>
+                <a:latin typeface="AdobeClean-LightIt"/>
+                <a:cs typeface="AdobeClean-LightIt"/>
+              </a:rPr>
+              <a:t>about</a:t>
+            </a:r>
+            <a:r>
+              <a:rPr sz="1100" i="1" spc="-45">
+                <a:solidFill>
+                  <a:srgbClr val="777879"/>
+                </a:solidFill>
+                <a:latin typeface="AdobeClean-LightIt"/>
+                <a:cs typeface="AdobeClean-LightIt"/>
+              </a:rPr>
+              <a:t> </a:t>
+            </a:r>
+            <a:r>
+              <a:rPr sz="1100" i="1" spc="-15">
+                <a:solidFill>
+                  <a:srgbClr val="777879"/>
+                </a:solidFill>
+                <a:latin typeface="AdobeClean-LightIt"/>
+                <a:cs typeface="AdobeClean-LightIt"/>
+              </a:rPr>
+              <a:t>Adobe</a:t>
+            </a:r>
+            <a:r>
+              <a:rPr sz="1100" i="1" spc="-50">
+                <a:solidFill>
+                  <a:srgbClr val="777879"/>
+                </a:solidFill>
+                <a:latin typeface="AdobeClean-LightIt"/>
+                <a:cs typeface="AdobeClean-LightIt"/>
+              </a:rPr>
+              <a:t> </a:t>
+            </a:r>
+            <a:r>
+              <a:rPr sz="1100" i="1" spc="-15">
+                <a:solidFill>
+                  <a:srgbClr val="777879"/>
+                </a:solidFill>
+                <a:latin typeface="AdobeClean-LightIt"/>
+                <a:cs typeface="AdobeClean-LightIt"/>
+              </a:rPr>
+              <a:t>Support</a:t>
+            </a:r>
+            <a:r>
+              <a:rPr lang="en-US" sz="1100" i="1" spc="-15">
+                <a:solidFill>
+                  <a:srgbClr val="777879"/>
+                </a:solidFill>
+                <a:latin typeface="AdobeClean-LightIt"/>
+                <a:cs typeface="AdobeClean-LightIt"/>
+              </a:rPr>
+              <a:t> Offerings</a:t>
+            </a:r>
+            <a:r>
+              <a:rPr sz="1100" i="1" spc="-75">
+                <a:solidFill>
+                  <a:srgbClr val="777879"/>
+                </a:solidFill>
+                <a:latin typeface="AdobeClean-LightIt"/>
+                <a:cs typeface="AdobeClean-LightIt"/>
+              </a:rPr>
+              <a:t> </a:t>
+            </a:r>
+            <a:r>
+              <a:rPr sz="1100" i="1" spc="-15">
+                <a:solidFill>
+                  <a:srgbClr val="777879"/>
+                </a:solidFill>
+                <a:latin typeface="AdobeClean-LightIt"/>
+                <a:cs typeface="AdobeClean-LightIt"/>
+              </a:rPr>
+              <a:t>and</a:t>
+            </a:r>
+            <a:r>
+              <a:rPr sz="1100" i="1" spc="-50">
+                <a:solidFill>
+                  <a:srgbClr val="777879"/>
+                </a:solidFill>
+                <a:latin typeface="AdobeClean-LightIt"/>
+                <a:cs typeface="AdobeClean-LightIt"/>
+              </a:rPr>
+              <a:t> </a:t>
+            </a:r>
+            <a:r>
+              <a:rPr sz="1100" i="1" spc="-15">
+                <a:solidFill>
+                  <a:srgbClr val="777879"/>
+                </a:solidFill>
+                <a:latin typeface="AdobeClean-LightIt"/>
+                <a:cs typeface="AdobeClean-LightIt"/>
+              </a:rPr>
+              <a:t>the</a:t>
+            </a:r>
+            <a:r>
+              <a:rPr sz="1100" i="1" spc="-55">
+                <a:solidFill>
+                  <a:srgbClr val="777879"/>
+                </a:solidFill>
+                <a:latin typeface="AdobeClean-LightIt"/>
+                <a:cs typeface="AdobeClean-LightIt"/>
+              </a:rPr>
+              <a:t> </a:t>
+            </a:r>
+            <a:r>
+              <a:rPr sz="1100" i="1" spc="-15">
+                <a:solidFill>
+                  <a:srgbClr val="777879"/>
+                </a:solidFill>
+                <a:latin typeface="AdobeClean-LightIt"/>
+                <a:cs typeface="AdobeClean-LightIt"/>
+              </a:rPr>
+              <a:t>right</a:t>
+            </a:r>
+            <a:r>
+              <a:rPr sz="1100" i="1" spc="-95">
+                <a:solidFill>
+                  <a:srgbClr val="777879"/>
+                </a:solidFill>
+                <a:latin typeface="AdobeClean-LightIt"/>
+                <a:cs typeface="AdobeClean-LightIt"/>
+              </a:rPr>
+              <a:t> </a:t>
+            </a:r>
+            <a:r>
+              <a:rPr sz="1100" i="1" spc="-15">
+                <a:solidFill>
+                  <a:srgbClr val="777879"/>
+                </a:solidFill>
+                <a:latin typeface="AdobeClean-LightIt"/>
+                <a:cs typeface="AdobeClean-LightIt"/>
+              </a:rPr>
+              <a:t>level</a:t>
+            </a:r>
+            <a:r>
+              <a:rPr sz="1100" i="1" spc="-55">
+                <a:solidFill>
+                  <a:srgbClr val="777879"/>
+                </a:solidFill>
+                <a:latin typeface="AdobeClean-LightIt"/>
+                <a:cs typeface="AdobeClean-LightIt"/>
+              </a:rPr>
+              <a:t> </a:t>
+            </a:r>
+            <a:r>
+              <a:rPr sz="1100" i="1" spc="-15">
+                <a:solidFill>
+                  <a:srgbClr val="777879"/>
+                </a:solidFill>
+                <a:latin typeface="AdobeClean-LightIt"/>
+                <a:cs typeface="AdobeClean-LightIt"/>
+              </a:rPr>
+              <a:t>for</a:t>
+            </a:r>
+            <a:r>
+              <a:rPr sz="1100" i="1" spc="-85">
+                <a:solidFill>
+                  <a:srgbClr val="777879"/>
+                </a:solidFill>
+                <a:latin typeface="AdobeClean-LightIt"/>
+                <a:cs typeface="AdobeClean-LightIt"/>
+              </a:rPr>
+              <a:t> </a:t>
+            </a:r>
+            <a:r>
+              <a:rPr sz="1100" i="1" spc="-15">
+                <a:solidFill>
+                  <a:srgbClr val="777879"/>
+                </a:solidFill>
+                <a:latin typeface="AdobeClean-LightIt"/>
+                <a:cs typeface="AdobeClean-LightIt"/>
+              </a:rPr>
+              <a:t>you,</a:t>
+            </a:r>
+            <a:r>
+              <a:rPr sz="1100" i="1" spc="-65">
+                <a:solidFill>
+                  <a:srgbClr val="777879"/>
+                </a:solidFill>
+                <a:latin typeface="AdobeClean-LightIt"/>
+                <a:cs typeface="AdobeClean-LightIt"/>
+              </a:rPr>
+              <a:t> </a:t>
+            </a:r>
+            <a:r>
+              <a:rPr sz="1100" i="1" spc="-15">
+                <a:solidFill>
+                  <a:srgbClr val="777879"/>
+                </a:solidFill>
+                <a:latin typeface="AdobeClean-LightIt"/>
+                <a:cs typeface="AdobeClean-LightIt"/>
+              </a:rPr>
+              <a:t>contact</a:t>
+            </a:r>
+            <a:r>
+              <a:rPr sz="1100" i="1" spc="-85">
+                <a:solidFill>
+                  <a:srgbClr val="777879"/>
+                </a:solidFill>
+                <a:latin typeface="AdobeClean-LightIt"/>
+                <a:cs typeface="AdobeClean-LightIt"/>
+              </a:rPr>
+              <a:t> </a:t>
+            </a:r>
+            <a:r>
+              <a:rPr sz="1100" i="1" spc="-15">
+                <a:solidFill>
+                  <a:srgbClr val="777879"/>
+                </a:solidFill>
+                <a:latin typeface="AdobeClean-LightIt"/>
+                <a:cs typeface="AdobeClean-LightIt"/>
+              </a:rPr>
+              <a:t>your</a:t>
+            </a:r>
+            <a:r>
+              <a:rPr sz="1100" i="1" spc="-70">
+                <a:solidFill>
+                  <a:srgbClr val="777879"/>
+                </a:solidFill>
+                <a:latin typeface="AdobeClean-LightIt"/>
+                <a:cs typeface="AdobeClean-LightIt"/>
+              </a:rPr>
+              <a:t> </a:t>
+            </a:r>
+            <a:r>
+              <a:rPr sz="1100" i="1" spc="-15">
+                <a:solidFill>
+                  <a:srgbClr val="777879"/>
+                </a:solidFill>
+                <a:latin typeface="AdobeClean-LightIt"/>
+                <a:cs typeface="AdobeClean-LightIt"/>
+              </a:rPr>
+              <a:t>Named</a:t>
+            </a:r>
+            <a:r>
+              <a:rPr sz="1100" i="1" spc="-55">
+                <a:solidFill>
+                  <a:srgbClr val="777879"/>
+                </a:solidFill>
+                <a:latin typeface="AdobeClean-LightIt"/>
+                <a:cs typeface="AdobeClean-LightIt"/>
+              </a:rPr>
+              <a:t> </a:t>
+            </a:r>
+            <a:r>
+              <a:rPr sz="1100" i="1" spc="-25">
+                <a:solidFill>
+                  <a:srgbClr val="777879"/>
+                </a:solidFill>
+                <a:latin typeface="AdobeClean-LightIt"/>
+                <a:cs typeface="AdobeClean-LightIt"/>
+              </a:rPr>
+              <a:t>Account</a:t>
+            </a:r>
+            <a:r>
+              <a:rPr sz="1100" i="1" spc="-120">
+                <a:solidFill>
+                  <a:srgbClr val="777879"/>
+                </a:solidFill>
+                <a:latin typeface="AdobeClean-LightIt"/>
+                <a:cs typeface="AdobeClean-LightIt"/>
+              </a:rPr>
+              <a:t> </a:t>
+            </a:r>
+            <a:r>
+              <a:rPr sz="1100" i="1" spc="-20">
+                <a:solidFill>
+                  <a:srgbClr val="777879"/>
+                </a:solidFill>
+                <a:latin typeface="AdobeClean-LightIt"/>
+                <a:cs typeface="AdobeClean-LightIt"/>
+              </a:rPr>
+              <a:t>Manager</a:t>
+            </a:r>
+            <a:r>
+              <a:rPr lang="en-US" sz="1100" i="1" spc="-20">
+                <a:solidFill>
+                  <a:srgbClr val="777879"/>
+                </a:solidFill>
+                <a:latin typeface="AdobeClean-LightIt"/>
+                <a:cs typeface="AdobeClean-LightIt"/>
+              </a:rPr>
+              <a:t> </a:t>
+            </a:r>
+            <a:r>
+              <a:rPr sz="1100" i="1" spc="-20">
+                <a:solidFill>
+                  <a:srgbClr val="777879"/>
+                </a:solidFill>
+                <a:latin typeface="AdobeClean-LightIt"/>
+                <a:cs typeface="AdobeClean-LightIt"/>
+              </a:rPr>
+              <a:t> </a:t>
+            </a:r>
+            <a:r>
+              <a:rPr sz="1100" i="1" spc="-15">
+                <a:solidFill>
+                  <a:srgbClr val="777879"/>
+                </a:solidFill>
+                <a:latin typeface="AdobeClean-LightIt"/>
+                <a:cs typeface="AdobeClean-LightIt"/>
+              </a:rPr>
+              <a:t>(NAM) </a:t>
+            </a:r>
+            <a:r>
+              <a:rPr sz="1100" i="1" spc="-10">
+                <a:solidFill>
+                  <a:srgbClr val="777879"/>
+                </a:solidFill>
+                <a:latin typeface="AdobeClean-LightIt"/>
+                <a:cs typeface="AdobeClean-LightIt"/>
+              </a:rPr>
+              <a:t>or </a:t>
+            </a:r>
+            <a:r>
+              <a:rPr sz="1100" i="1" spc="-15">
+                <a:solidFill>
+                  <a:srgbClr val="777879"/>
+                </a:solidFill>
+                <a:latin typeface="AdobeClean-LightIt"/>
+                <a:cs typeface="AdobeClean-LightIt"/>
+              </a:rPr>
+              <a:t>Customer</a:t>
+            </a:r>
+            <a:r>
+              <a:rPr lang="en-US" sz="1100" i="1" spc="-15">
+                <a:solidFill>
+                  <a:srgbClr val="777879"/>
+                </a:solidFill>
+                <a:latin typeface="AdobeClean-LightIt"/>
+                <a:cs typeface="AdobeClean-LightIt"/>
+              </a:rPr>
+              <a:t> </a:t>
+            </a:r>
+            <a:r>
+              <a:rPr lang="en-US" sz="1100" i="1" spc="-20">
+                <a:solidFill>
+                  <a:srgbClr val="777879"/>
+                </a:solidFill>
+                <a:latin typeface="AdobeClean-LightIt"/>
+                <a:cs typeface="AdobeClean-LightIt"/>
+              </a:rPr>
+              <a:t>Success </a:t>
+            </a:r>
+            <a:r>
+              <a:rPr lang="en-US" sz="1100" i="1" spc="-15">
+                <a:solidFill>
+                  <a:srgbClr val="777879"/>
+                </a:solidFill>
+                <a:latin typeface="AdobeClean-LightIt"/>
+                <a:cs typeface="AdobeClean-LightIt"/>
+              </a:rPr>
+              <a:t>Manager </a:t>
+            </a:r>
+            <a:r>
+              <a:rPr sz="1100" i="1" spc="-15">
+                <a:solidFill>
+                  <a:srgbClr val="777879"/>
+                </a:solidFill>
+                <a:latin typeface="AdobeClean-LightIt"/>
+                <a:cs typeface="AdobeClean-LightIt"/>
+              </a:rPr>
+              <a:t>(CSM)</a:t>
+            </a:r>
+            <a:endParaRPr sz="1100">
+              <a:latin typeface="AdobeClean-LightIt"/>
+              <a:cs typeface="AdobeClean-LightIt"/>
+            </a:endParaRPr>
           </a:p>
           <a:p>
             <a:pPr marL="34290">
@@ -8898,15 +10453,59 @@
               </a:spcBef>
             </a:pPr>
             <a:r>
-              <a:rPr lang="it-IT" sz="800">
+              <a:rPr sz="800" spc="-5">
                 <a:solidFill>
                   <a:srgbClr val="6D6D6D"/>
                 </a:solidFill>
                 <a:latin typeface="Adobe Clean"/>
                 <a:cs typeface="Adobe Clean"/>
               </a:rPr>
-              <a:t>©2021 Adobe. All Rights Reserved. Adobe Confidential.</a:t>
-            </a:r>
+              <a:t>©202</a:t>
+            </a:r>
+            <a:r>
+              <a:rPr lang="en-US" sz="800" spc="-5">
+                <a:solidFill>
+                  <a:srgbClr val="6D6D6D"/>
+                </a:solidFill>
+                <a:latin typeface="Adobe Clean"/>
+                <a:cs typeface="Adobe Clean"/>
+              </a:rPr>
+              <a:t>1</a:t>
+            </a:r>
+            <a:r>
+              <a:rPr sz="800" spc="-5">
+                <a:solidFill>
+                  <a:srgbClr val="6D6D6D"/>
+                </a:solidFill>
+                <a:latin typeface="Adobe Clean"/>
+                <a:cs typeface="Adobe Clean"/>
+              </a:rPr>
+              <a:t> Adobe. All Rights Reserved. Adobe</a:t>
+            </a:r>
+            <a:r>
+              <a:rPr sz="800" spc="75">
+                <a:solidFill>
+                  <a:srgbClr val="6D6D6D"/>
+                </a:solidFill>
+                <a:latin typeface="Adobe Clean"/>
+                <a:cs typeface="Adobe Clean"/>
+              </a:rPr>
+              <a:t> </a:t>
+            </a:r>
+            <a:r>
+              <a:rPr sz="800" spc="-5">
+                <a:solidFill>
+                  <a:srgbClr val="6D6D6D"/>
+                </a:solidFill>
+                <a:latin typeface="Adobe Clean"/>
+                <a:cs typeface="Adobe Clean"/>
+              </a:rPr>
+              <a:t>Confidential.</a:t>
+            </a:r>
+            <a:endParaRPr sz="800">
+              <a:latin typeface="Adobe Clean"/>
+              <a:cs typeface="Adobe Clean"/>
+            </a:endParaRPr>
           </a:p>
         </p:txBody>
       </p:sp>
@@ -8943,15 +10542,19 @@
               </a:spcBef>
             </a:pPr>
             <a:r>
-              <a:rPr lang="it-IT" sz="1400" b="1">
+              <a:rPr lang="en-US" sz="1400" b="1" spc="-15">
                 <a:solidFill>
                   <a:srgbClr val="020302"/>
                 </a:solidFill>
                 <a:latin typeface="Adobe Clean"/>
                 <a:cs typeface="Adobe Clean"/>
               </a:rPr>
-              <a:t>Supporto Adobe: aree geografiche, orari operativi e lingue</a:t>
-            </a:r>
+              <a:t>Regional scope of Adobe Support, Local Hours Of Operation And Language Support</a:t>
+            </a:r>
+            <a:endParaRPr lang="en-US" sz="1400" spc="-15">
+              <a:ea typeface="+mn-lt"/>
+              <a:cs typeface="+mn-lt"/>
+            </a:endParaRPr>
           </a:p>
           <a:p>
             <a:pPr>
@@ -8960,14 +10563,15 @@
               </a:spcBef>
             </a:pPr>
             <a:r>
-              <a:rPr lang="it-IT" sz="1000">
+              <a:rPr lang="en-US" sz="1000" spc="-15">
                 <a:solidFill>
                   <a:srgbClr val="1F1F1F"/>
                 </a:solidFill>
                 <a:latin typeface="AdobeClean-Light"/>
               </a:rPr>
-              <a:t>L’ambito del supporto Adobe è definito allineando l’indirizzo di fatturazione del cliente (in base all’ordine di vendita o altro documento di acquisto del servizio di supporto Adobe) a una delle seguenti aree geografiche:</a:t>
-            </a:r>
+              <a:t>The Regional scope of Adobe Support is established by aligning the customer's billing address (via the Sales Order or other Adobe Support purchasing document) to one of the following regions:</a:t>
+            </a:r>
+            <a:endParaRPr lang="en-US"/>
           </a:p>
         </p:txBody>
       </p:sp>
@@ -9039,13 +10643,13 @@
                     <a:p>
                       <a:pPr algn="ctr"/>
                       <a:r>
-                        <a:rPr lang="it-IT" sz="1100">
+                        <a:rPr lang="en-US" sz="1100">
                           <a:solidFill>
                             <a:schemeClr val="tx1"/>
                           </a:solidFill>
                           <a:latin typeface="Adobe Clean"/>
                         </a:rPr>
-                        <a:t>Americhe</a:t>
+                        <a:t>Americas</a:t>
                       </a:r>
                     </a:p>
                   </a:txBody>
@@ -9104,13 +10708,13 @@
                     <a:p>
                       <a:pPr algn="ctr"/>
                       <a:r>
-                        <a:rPr lang="it-IT" sz="1100">
+                        <a:rPr lang="en-US" sz="1100">
                           <a:solidFill>
                             <a:schemeClr val="tx1"/>
                           </a:solidFill>
                           <a:latin typeface="Adobe Clean"/>
                         </a:rPr>
-                        <a:t>Europa, Medio Oriente e Africa</a:t>
+                        <a:t>Europe, Middle East &amp; Africa</a:t>
                       </a:r>
                     </a:p>
                   </a:txBody>
@@ -9169,13 +10773,13 @@
                     <a:p>
                       <a:pPr algn="ctr"/>
                       <a:r>
-                        <a:rPr lang="it-IT" sz="1100">
+                        <a:rPr lang="en-US" sz="1100">
                           <a:solidFill>
                             <a:schemeClr val="tx1"/>
                           </a:solidFill>
                           <a:latin typeface="Adobe Clean"/>
                         </a:rPr>
-                        <a:t>Asia-Pacifico</a:t>
+                        <a:t>Asia Pacific</a:t>
                       </a:r>
                     </a:p>
                   </a:txBody>
@@ -9234,16 +10838,16 @@
                     <a:p>
                       <a:pPr algn="ctr"/>
                       <a:r>
-                        <a:rPr lang="it-IT" sz="1100">
+                        <a:rPr lang="en-US" sz="1100">
                           <a:solidFill>
                             <a:schemeClr val="tx1"/>
                           </a:solidFill>
                           <a:latin typeface="Adobe Clean"/>
                         </a:rPr>
-                        <a:t>Giappone</a:t>
+                        <a:t>Japan </a:t>
                       </a:r>
                       <a:r>
-                        <a:rPr lang="it-IT" sz="1100" baseline="30000">
+                        <a:rPr lang="en-US" sz="1100" baseline="30000">
                           <a:solidFill>
                             <a:schemeClr val="tx1"/>
                           </a:solidFill>
@@ -9251,6 +10855,12 @@
                         </a:rPr>
                         <a:t>1 </a:t>
                       </a:r>
+                      <a:endParaRPr lang="en-US" sz="1100">
+                        <a:solidFill>
+                          <a:schemeClr val="tx1"/>
+                        </a:solidFill>
+                        <a:latin typeface="Adobe Clean" panose="020B0503020404020204" pitchFamily="34" charset="0"/>
+                      </a:endParaRPr>
                     </a:p>
                   </a:txBody>
                   <a:tcPr anchor="ctr">
@@ -9315,13 +10925,13 @@
                     <a:p>
                       <a:pPr algn="ctr"/>
                       <a:r>
-                        <a:rPr lang="it-IT" sz="1100">
+                        <a:rPr lang="en-US" sz="1100">
                           <a:solidFill>
                             <a:schemeClr val="tx1"/>
                           </a:solidFill>
                           <a:latin typeface="Adobe Clean"/>
                         </a:rPr>
-                        <a:t>06:00 – 17:30</a:t>
+                        <a:t>6 am – 5:30 pm</a:t>
                       </a:r>
                     </a:p>
                   </a:txBody>
@@ -9380,13 +10990,13 @@
                     <a:p>
                       <a:pPr algn="ctr"/>
                       <a:r>
-                        <a:rPr lang="it-IT" sz="1100">
+                        <a:rPr lang="en-US" sz="1100">
                           <a:solidFill>
                             <a:schemeClr val="tx1"/>
                           </a:solidFill>
                           <a:latin typeface="Adobe Clean"/>
                         </a:rPr>
-                        <a:t>09:00 – 17:00</a:t>
+                        <a:t>9 am – 5 pm</a:t>
                       </a:r>
                     </a:p>
                   </a:txBody>
@@ -9445,13 +11055,13 @@
                     <a:p>
                       <a:pPr algn="ctr"/>
                       <a:r>
-                        <a:rPr lang="it-IT" sz="1100">
+                        <a:rPr lang="en-US" sz="1100">
                           <a:solidFill>
                             <a:schemeClr val="tx1"/>
                           </a:solidFill>
                           <a:latin typeface="Adobe Clean"/>
                         </a:rPr>
-                        <a:t>09:00 – 17:00</a:t>
+                        <a:t>9 am – 5 pm</a:t>
                       </a:r>
                     </a:p>
                   </a:txBody>
@@ -9510,13 +11120,13 @@
                     <a:p>
                       <a:pPr algn="ctr"/>
                       <a:r>
-                        <a:rPr lang="it-IT" sz="1100">
+                        <a:rPr lang="en-US" sz="1100">
                           <a:solidFill>
                             <a:schemeClr val="tx1"/>
                           </a:solidFill>
                           <a:latin typeface="Adobe Clean"/>
                         </a:rPr>
-                        <a:t>09:00 – 17:30</a:t>
+                        <a:t>9 am – 5:30 pm</a:t>
                       </a:r>
                     </a:p>
                   </a:txBody>
@@ -9596,10 +11206,11 @@
                         <a:buNone/>
                       </a:pPr>
                       <a:r>
-                        <a:rPr lang="it-IT" sz="1100" b="1" i="0" u="none" strike="noStrike" cap="none" normalizeH="0" baseline="30000" noProof="0">
+                        <a:rPr lang="en-US" sz="1100" b="1" i="0" u="none" strike="noStrike" kern="0" cap="none" spc="0" normalizeH="0" baseline="30000" noProof="0">
                           <a:ln>
                             <a:noFill/>
                           </a:ln>
+                          <a:effectLst/>
                           <a:uLnTx/>
                           <a:uFillTx/>
                           <a:latin typeface="Adobe Clean"/>
@@ -9609,16 +11220,17 @@
                         <a:t> </a:t>
                       </a:r>
                       <a:r>
-                        <a:rPr lang="it-IT" sz="1100">
+                        <a:rPr lang="en-US" sz="1100">
                           <a:solidFill>
                             <a:schemeClr val="tx1"/>
                           </a:solidFill>
                           <a:latin typeface="Adobe Clean"/>
-                          <a:ea typeface="+mn-ea"/>
-                          <a:cs typeface="+mn-cs"/>
                         </a:rPr>
-                        <a:t>Il supporto è disponibile solo in inglese e giapponese.</a:t>
+                        <a:t>Language support is only available in English and Japanese.</a:t>
                       </a:r>
+                      <a:endParaRPr lang="en-US">
+                        <a:latin typeface="Adobe Clean"/>
+                      </a:endParaRPr>
                     </a:p>
                     <a:p>
                       <a:pPr marL="0" marR="0" lvl="0" indent="0" algn="ctr">
@@ -9637,17 +11249,17 @@
                         <a:buNone/>
                       </a:pPr>
                       <a:r>
-                        <a:rPr lang="it-IT" sz="1100" i="1">
+                        <a:rPr lang="en-US" sz="1100" i="1">
                           <a:solidFill>
                             <a:schemeClr val="tx1"/>
                           </a:solidFill>
                           <a:latin typeface="Adobe Clean"/>
                         </a:rPr>
-                        <a:t>* Adobe Commerce non prevede il supporto in lingua giapponese.</a:t>
+                        <a:t>*Adobe Commerce excludes Japanese languages support.</a:t>
                       </a:r>
                     </a:p>
                     <a:p>
-                      <a:pPr algn="l" rtl="0"/>
+                      <a:pPr algn="ctr"/>
                       <a:endParaRPr kumimoji="0" lang="en-US" sz="1100" b="1" i="0" u="none" strike="noStrike" kern="0" cap="none" spc="0" normalizeH="0" baseline="30000" noProof="0">
                         <a:ln>
                           <a:noFill/>
@@ -9666,7 +11278,7 @@
                     <a:p>
                       <a:pPr algn="ctr"/>
                       <a:r>
-                        <a:rPr lang="it-IT" sz="1100" i="0">
+                        <a:rPr lang="en-US" sz="1100" i="0">
                           <a:solidFill>
                             <a:schemeClr val="tx1"/>
                           </a:solidFill>
@@ -9675,7 +11287,7 @@
                         <a:t> </a:t>
                       </a:r>
                       <a:r>
-                        <a:rPr lang="it-IT" sz="1100" i="0" baseline="30000">
+                        <a:rPr lang="en-US" sz="1100" i="0" baseline="30000">
                           <a:solidFill>
                             <a:schemeClr val="tx1"/>
                           </a:solidFill>
@@ -9684,14 +11296,20 @@
                         <a:t>1 </a:t>
                       </a:r>
                       <a:r>
-                        <a:rPr lang="it-IT" sz="1100" i="0">
+                        <a:rPr lang="en-US" sz="1100" i="0">
                           <a:solidFill>
                             <a:schemeClr val="tx1"/>
                           </a:solidFill>
                           <a:latin typeface="Adobe Clean"/>
                         </a:rPr>
-                        <a:t>In Giappone, i casi P2, P3 e P4 sono limitati al solo orario operativo.</a:t>
+                        <a:t>P2, P3, P4 cases are limited to business hours only in Japan.</a:t>
                       </a:r>
+                      <a:endParaRPr lang="en-US" sz="1100" b="1" i="0">
+                        <a:solidFill>
+                          <a:schemeClr val="tx1"/>
+                        </a:solidFill>
+                        <a:latin typeface="Adobe Clean"/>
+                      </a:endParaRPr>
                     </a:p>
                   </a:txBody>
                   <a:tcPr anchor="ctr">
@@ -10055,15 +11673,129 @@
               </a:spcBef>
             </a:pPr>
             <a:r>
-              <a:rPr lang="it-IT" sz="1200" b="1">
+              <a:rPr sz="1200" b="1" spc="-15">
                 <a:solidFill>
                   <a:srgbClr val="FFFFFF"/>
                 </a:solidFill>
                 <a:latin typeface="Adobe Clean"/>
                 <a:cs typeface="Adobe Clean"/>
               </a:rPr>
-              <a:t>Eccellenza tecnica</a:t>
-            </a:r>
+              <a:t>U</a:t>
+            </a:r>
+            <a:r>
+              <a:rPr sz="1200" b="1" spc="-20">
+                <a:solidFill>
+                  <a:srgbClr val="FFFFFF"/>
+                </a:solidFill>
+                <a:latin typeface="Adobe Clean"/>
+                <a:cs typeface="Adobe Clean"/>
+              </a:rPr>
+              <a:t>n</a:t>
+            </a:r>
+            <a:r>
+              <a:rPr sz="1200" b="1" spc="-25">
+                <a:solidFill>
+                  <a:srgbClr val="FFFFFF"/>
+                </a:solidFill>
+                <a:latin typeface="Adobe Clean"/>
+                <a:cs typeface="Adobe Clean"/>
+              </a:rPr>
+              <a:t>p</a:t>
+            </a:r>
+            <a:r>
+              <a:rPr sz="1200" b="1" spc="-15">
+                <a:solidFill>
+                  <a:srgbClr val="FFFFFF"/>
+                </a:solidFill>
+                <a:latin typeface="Adobe Clean"/>
+                <a:cs typeface="Adobe Clean"/>
+              </a:rPr>
+              <a:t>a</a:t>
+            </a:r>
+            <a:r>
+              <a:rPr sz="1200" b="1" spc="-25">
+                <a:solidFill>
+                  <a:srgbClr val="FFFFFF"/>
+                </a:solidFill>
+                <a:latin typeface="Adobe Clean"/>
+                <a:cs typeface="Adobe Clean"/>
+              </a:rPr>
+              <a:t>r</a:t>
+            </a:r>
+            <a:r>
+              <a:rPr sz="1200" b="1" spc="-15">
+                <a:solidFill>
+                  <a:srgbClr val="FFFFFF"/>
+                </a:solidFill>
+                <a:latin typeface="Adobe Clean"/>
+                <a:cs typeface="Adobe Clean"/>
+              </a:rPr>
+              <a:t>a</a:t>
+            </a:r>
+            <a:r>
+              <a:rPr sz="1200" b="1" spc="-30">
+                <a:solidFill>
+                  <a:srgbClr val="FFFFFF"/>
+                </a:solidFill>
+                <a:latin typeface="Adobe Clean"/>
+                <a:cs typeface="Adobe Clean"/>
+              </a:rPr>
+              <a:t>ll</a:t>
+            </a:r>
+            <a:r>
+              <a:rPr sz="1200" b="1" spc="-25">
+                <a:solidFill>
+                  <a:srgbClr val="FFFFFF"/>
+                </a:solidFill>
+                <a:latin typeface="Adobe Clean"/>
+                <a:cs typeface="Adobe Clean"/>
+              </a:rPr>
+              <a:t>e</a:t>
+            </a:r>
+            <a:r>
+              <a:rPr sz="1200" b="1" spc="-30">
+                <a:solidFill>
+                  <a:srgbClr val="FFFFFF"/>
+                </a:solidFill>
+                <a:latin typeface="Adobe Clean"/>
+                <a:cs typeface="Adobe Clean"/>
+              </a:rPr>
+              <a:t>l</a:t>
+            </a:r>
+            <a:r>
+              <a:rPr sz="1200" b="1" spc="-25">
+                <a:solidFill>
+                  <a:srgbClr val="FFFFFF"/>
+                </a:solidFill>
+                <a:latin typeface="Adobe Clean"/>
+                <a:cs typeface="Adobe Clean"/>
+              </a:rPr>
+              <a:t>e</a:t>
+            </a:r>
+            <a:r>
+              <a:rPr sz="1200" b="1">
+                <a:solidFill>
+                  <a:srgbClr val="FFFFFF"/>
+                </a:solidFill>
+                <a:latin typeface="Adobe Clean"/>
+                <a:cs typeface="Adobe Clean"/>
+              </a:rPr>
+              <a:t>d  </a:t>
+            </a:r>
+            <a:r>
+              <a:rPr sz="1200" b="1" spc="-25">
+                <a:solidFill>
+                  <a:srgbClr val="FFFFFF"/>
+                </a:solidFill>
+                <a:latin typeface="Adobe Clean"/>
+                <a:cs typeface="Adobe Clean"/>
+              </a:rPr>
+              <a:t>Expertise</a:t>
+            </a:r>
+            <a:endParaRPr sz="1200">
+              <a:latin typeface="Adobe Clean"/>
+              <a:cs typeface="Adobe Clean"/>
+            </a:endParaRPr>
           </a:p>
         </p:txBody>
       </p:sp>
@@ -10103,15 +11835,19 @@
               </a:spcBef>
             </a:pPr>
             <a:r>
-              <a:rPr lang="it-IT" sz="1200" b="1">
+              <a:rPr lang="en-US" sz="1200" b="1" spc="-15">
                 <a:solidFill>
                   <a:srgbClr val="FFFFFF"/>
                 </a:solidFill>
                 <a:latin typeface="Adobe Clean"/>
                 <a:cs typeface="Adobe Clean"/>
               </a:rPr>
-              <a:t>Supporto rapido</a:t>
-            </a:r>
+              <a:t>Accelerated Support</a:t>
+            </a:r>
+            <a:endParaRPr sz="1200">
+              <a:latin typeface="Adobe Clean"/>
+              <a:cs typeface="Adobe Clean"/>
+            </a:endParaRPr>
           </a:p>
         </p:txBody>
       </p:sp>
@@ -10129,8 +11865,8 @@
         </p:nvSpPr>
         <p:spPr>
           <a:xfrm>
-            <a:off x="6429819" y="8543969"/>
-            <a:ext cx="810895" cy="385445"/>
+            <a:off x="6624119" y="8543943"/>
+            <a:ext cx="510540" cy="385445"/>
           </a:xfrm>
           <a:prstGeom prst="rect">
             <a:avLst/>
@@ -10151,15 +11887,109 @@
               </a:spcBef>
             </a:pPr>
             <a:r>
-              <a:rPr lang="it-IT" sz="1200" b="1" dirty="0">
+              <a:rPr sz="1200" b="1" spc="-50">
                 <a:solidFill>
                   <a:srgbClr val="FFFFFF"/>
                 </a:solidFill>
                 <a:latin typeface="Adobe Clean"/>
                 <a:cs typeface="Adobe Clean"/>
               </a:rPr>
-              <a:t>Consulenza strategica</a:t>
-            </a:r>
+              <a:t>S</a:t>
+            </a:r>
+            <a:r>
+              <a:rPr sz="1200" b="1" spc="-20">
+                <a:solidFill>
+                  <a:srgbClr val="FFFFFF"/>
+                </a:solidFill>
+                <a:latin typeface="Adobe Clean"/>
+                <a:cs typeface="Adobe Clean"/>
+              </a:rPr>
+              <a:t>t</a:t>
+            </a:r>
+            <a:r>
+              <a:rPr sz="1200" b="1" spc="-75">
+                <a:solidFill>
+                  <a:srgbClr val="FFFFFF"/>
+                </a:solidFill>
+                <a:latin typeface="Adobe Clean"/>
+                <a:cs typeface="Adobe Clean"/>
+              </a:rPr>
+              <a:t>r</a:t>
+            </a:r>
+            <a:r>
+              <a:rPr sz="1200" b="1" spc="-90">
+                <a:solidFill>
+                  <a:srgbClr val="FFFFFF"/>
+                </a:solidFill>
+                <a:latin typeface="Adobe Clean"/>
+                <a:cs typeface="Adobe Clean"/>
+              </a:rPr>
+              <a:t>a</a:t>
+            </a:r>
+            <a:r>
+              <a:rPr sz="1200" b="1" spc="-55">
+                <a:solidFill>
+                  <a:srgbClr val="FFFFFF"/>
+                </a:solidFill>
+                <a:latin typeface="Adobe Clean"/>
+                <a:cs typeface="Adobe Clean"/>
+              </a:rPr>
+              <a:t>t</a:t>
+            </a:r>
+            <a:r>
+              <a:rPr sz="1200" b="1" spc="-100">
+                <a:solidFill>
+                  <a:srgbClr val="FFFFFF"/>
+                </a:solidFill>
+                <a:latin typeface="Adobe Clean"/>
+                <a:cs typeface="Adobe Clean"/>
+              </a:rPr>
+              <a:t>e</a:t>
+            </a:r>
+            <a:r>
+              <a:rPr sz="1200" b="1" spc="-80">
+                <a:solidFill>
+                  <a:srgbClr val="FFFFFF"/>
+                </a:solidFill>
+                <a:latin typeface="Adobe Clean"/>
+                <a:cs typeface="Adobe Clean"/>
+              </a:rPr>
+              <a:t>g</a:t>
+            </a:r>
+            <a:r>
+              <a:rPr sz="1200" b="1" spc="-35">
+                <a:solidFill>
+                  <a:srgbClr val="FFFFFF"/>
+                </a:solidFill>
+                <a:latin typeface="Adobe Clean"/>
+                <a:cs typeface="Adobe Clean"/>
+              </a:rPr>
+              <a:t>i</a:t>
+            </a:r>
+            <a:r>
+              <a:rPr sz="1200" b="1">
+                <a:solidFill>
+                  <a:srgbClr val="FFFFFF"/>
+                </a:solidFill>
+                <a:latin typeface="Adobe Clean"/>
+                <a:cs typeface="Adobe Clean"/>
+              </a:rPr>
+              <a:t>c  </a:t>
+            </a:r>
+            <a:r>
+              <a:rPr sz="1200" b="1" spc="-45">
+                <a:solidFill>
+                  <a:srgbClr val="FFFFFF"/>
+                </a:solidFill>
+                <a:latin typeface="Adobe Clean"/>
+                <a:cs typeface="Adobe Clean"/>
+              </a:rPr>
+              <a:t>Advice</a:t>
+            </a:r>
+            <a:endParaRPr sz="1200">
+              <a:latin typeface="Adobe Clean"/>
+              <a:cs typeface="Adobe Clean"/>
+            </a:endParaRPr>
           </a:p>
         </p:txBody>
       </p:sp>
@@ -10178,14 +12008,14 @@
           <p:nvPr>
             <p:extLst>
               <p:ext uri="{D42A27DB-BD31-4B8C-83A1-F6EECF244321}">
-                <p14:modId xmlns:p14="http://schemas.microsoft.com/office/powerpoint/2010/main" val="3878089471"/>
+                <p14:modId xmlns:p14="http://schemas.microsoft.com/office/powerpoint/2010/main" val="3773282750"/>
               </p:ext>
             </p:extLst>
           </p:nvPr>
         </p:nvGraphicFramePr>
         <p:xfrm>
           <a:off x="194236" y="1059345"/>
-          <a:ext cx="7368291" cy="3606800"/>
+          <a:ext cx="7368291" cy="3302000"/>
         </p:xfrm>
         <a:graphic>
           <a:graphicData uri="http://schemas.openxmlformats.org/drawingml/2006/table">
@@ -10216,17 +12046,25 @@
                     <a:lstStyle/>
                     <a:p>
                       <a:r>
-                        <a:rPr lang="it-IT" sz="1100" b="0">
+                        <a:rPr lang="en-US" sz="1100" b="0">
                           <a:solidFill>
                             <a:schemeClr val="tx1"/>
                           </a:solidFill>
-                          <a:latin typeface="Adobe Clean" panose="020B0503020404020204" pitchFamily="34" charset="0"/>
+                          <a:latin typeface="Adobe Clean"/>
                           <a:ea typeface="+mn-ea"/>
                           <a:cs typeface="+mn-cs"/>
                           <a:hlinkClick r:id="rId7"/>
                         </a:rPr>
                         <a:t>Experience League</a:t>
                       </a:r>
+                      <a:endParaRPr lang="en-US" sz="1100" b="0">
+                        <a:solidFill>
+                          <a:schemeClr val="tx1"/>
+                        </a:solidFill>
+                        <a:latin typeface="Adobe Clean"/>
+                        <a:ea typeface="+mn-ea"/>
+                        <a:cs typeface="+mn-cs"/>
+                      </a:endParaRPr>
                     </a:p>
                   </a:txBody>
                   <a:tcPr marL="47625" marR="47625" marT="0" marB="0" anchor="ctr">
@@ -10282,7 +12120,7 @@
                     <a:bodyPr/>
                     <a:lstStyle/>
                     <a:p>
-                      <a:pPr marL="0" marR="0" lvl="0" indent="0" defTabSz="914400" eaLnBrk="1" fontAlgn="auto" latinLnBrk="0" hangingPunct="1">
+                      <a:pPr marL="0" marR="0" lvl="0" indent="0" eaLnBrk="1" fontAlgn="auto" latinLnBrk="0" hangingPunct="1">
                         <a:lnSpc>
                           <a:spcPct val="100000"/>
                         </a:lnSpc>
@@ -10296,41 +12134,26 @@
                         <a:buSzTx/>
                         <a:buFontTx/>
                         <a:buNone/>
-                        <a:tabLst/>
-                        <a:defRPr/>
                       </a:pPr>
                       <a:r>
-                        <a:rPr lang="it-IT" sz="1000" b="0" dirty="0">
+                        <a:rPr lang="en-US" sz="1000" b="0" kern="1200">
                           <a:solidFill>
                             <a:srgbClr val="000000"/>
                           </a:solidFill>
-                          <a:latin typeface="Adobe Clean Light" panose="020B0303020404020204" pitchFamily="34" charset="0"/>
+                          <a:latin typeface="Adobe Clean Light"/>
                           <a:ea typeface="+mn-ea"/>
                           <a:cs typeface="+mn-cs"/>
                         </a:rPr>
-                        <a:t>Con Experience League, Adobe aiuta le aziende a conseguire il valore che si aspettano dalle soluzioni Adobe in cui hanno investito. In questo portale unificato, puoi imparare, relazionarti con altri professionisti </a:t>
+                        <a:t>Experience League is how Adobe helps businesses achieve the value they expect from their Adobe investment. It’s the unified place where customers can learn, connect, and grow along a personalized path to success that includes self-help tutorials, product documentation, instructor-led training, community and technical support. </a:t>
                       </a:r>
-                      <a:br>
-                        <a:rPr lang="sk-SK" sz="1000" b="0" dirty="0">
-                          <a:solidFill>
-                            <a:srgbClr val="000000"/>
-                          </a:solidFill>
-                          <a:latin typeface="Adobe Clean Light" panose="020B0303020404020204" pitchFamily="34" charset="0"/>
-                          <a:ea typeface="+mn-ea"/>
-                          <a:cs typeface="+mn-cs"/>
-                        </a:rPr>
-                      </a:br>
-                      <a:r>
-                        <a:rPr lang="it-IT" sz="1000" b="0" dirty="0">
-                          <a:solidFill>
-                            <a:srgbClr val="000000"/>
-                          </a:solidFill>
-                          <a:latin typeface="Adobe Clean Light" panose="020B0303020404020204" pitchFamily="34" charset="0"/>
-                          <a:ea typeface="+mn-ea"/>
-                          <a:cs typeface="+mn-cs"/>
-                        </a:rPr>
-                        <a:t>e crescere seguendo un percorso personalizzato con tutorial, documentazione dei prodotti, formazione con istruttori, supporto tecnico e il sostegno dell’intera community. </a:t>
-                      </a:r>
+                      <a:endParaRPr lang="en-US" sz="1000" b="0" kern="1200">
+                        <a:solidFill>
+                          <a:srgbClr val="000000"/>
+                        </a:solidFill>
+                        <a:latin typeface="Adobe Clean Light" panose="020B0303020404020204" pitchFamily="34" charset="0"/>
+                        <a:ea typeface="+mn-ea"/>
+                        <a:cs typeface="+mn-cs"/>
+                      </a:endParaRPr>
                     </a:p>
                   </a:txBody>
                   <a:tcPr anchor="ctr">
@@ -10411,28 +12234,39 @@
                         <a:defRPr/>
                       </a:pPr>
                       <a:r>
-                        <a:rPr lang="it-IT" sz="1100">
+                        <a:rPr lang="en-US" sz="1100">
                           <a:solidFill>
                             <a:schemeClr val="dk1"/>
                           </a:solidFill>
-                          <a:latin typeface="Adobe Clean" panose="020B0503020404020204" pitchFamily="34" charset="0"/>
+                          <a:effectLst/>
+                          <a:latin typeface="Adobe Clean"/>
                           <a:ea typeface="+mn-ea"/>
                           <a:cs typeface="+mn-cs"/>
                           <a:hlinkClick r:id="rId8"/>
                         </a:rPr>
-                        <a:t>Formazione</a:t>
+                        <a:t>Training</a:t>
                       </a:r>
                       <a:r>
-                        <a:rPr lang="it-IT" sz="1100">
+                        <a:rPr lang="en-US" sz="1100">
                           <a:solidFill>
                             <a:schemeClr val="dk1"/>
                           </a:solidFill>
-                          <a:latin typeface="Adobe Clean" panose="020B0503020404020204" pitchFamily="34" charset="0"/>
+                          <a:effectLst/>
+                          <a:latin typeface="Adobe Clean"/>
                           <a:ea typeface="+mn-ea"/>
                           <a:cs typeface="+mn-cs"/>
                         </a:rPr>
                         <a:t> </a:t>
                       </a:r>
+                      <a:endParaRPr lang="en-US" sz="1100">
+                        <a:solidFill>
+                          <a:schemeClr val="tx1"/>
+                        </a:solidFill>
+                        <a:effectLst/>
+                        <a:latin typeface="Adobe Clean"/>
+                        <a:ea typeface="+mn-ea"/>
+                        <a:cs typeface="+mn-cs"/>
+                      </a:endParaRPr>
                     </a:p>
                   </a:txBody>
                   <a:tcPr anchor="ctr">
@@ -10506,15 +12340,15 @@
                         <a:defRPr/>
                       </a:pPr>
                       <a:r>
-                        <a:rPr lang="it-IT" sz="1000">
+                        <a:rPr lang="en-US" sz="1000" kern="1200">
                           <a:solidFill>
                             <a:srgbClr val="000000"/>
                           </a:solidFill>
-                          <a:latin typeface="Adobe Clean Light" panose="020B0303020404020204" pitchFamily="34" charset="0"/>
+                          <a:latin typeface="Adobe Clean Light"/>
                           <a:ea typeface="+mn-ea"/>
                           <a:cs typeface="+mn-cs"/>
                         </a:rPr>
-                        <a:t>I corsi Adobe Digital Learning Services sono accessibili da Experience League. I corsi di apprendimento comprendono lezioni sia on-demand che guidate da istruttori.  Potrai acquisire nuove competenze particolarmente ricercate nel settore e metterle in pratica nella tua organizzazione, per favorirne il successo.</a:t>
+                        <a:t>Adobe Digital Learning Services courses are accessible from Experience League. Learning courses integrate both on-demand and instructor-led lessons.  Here you can accrue skills that have recognized market value and position them to drive success in your organizations.</a:t>
                       </a:r>
                     </a:p>
                   </a:txBody>
@@ -10596,17 +12430,27 @@
                         <a:defRPr/>
                       </a:pPr>
                       <a:r>
-                        <a:rPr lang="it-IT" sz="1100">
+                        <a:rPr lang="en-US" sz="1100">
                           <a:solidFill>
                             <a:schemeClr val="tx1"/>
                           </a:solidFill>
-                          <a:latin typeface="Adobe Clean" panose="020B0503020404020204" pitchFamily="34" charset="0"/>
+                          <a:effectLst/>
+                          <a:latin typeface="Adobe Clean"/>
                           <a:ea typeface="+mn-ea"/>
                           <a:cs typeface="+mn-cs"/>
                           <a:hlinkClick r:id="rId9"/>
                         </a:rPr>
-                        <a:t>Problemi di produzione e interruzioni del sistema</a:t>
+                        <a:t>Production Issues &amp; System Outages</a:t>
                       </a:r>
+                      <a:endParaRPr lang="en-US" sz="1100">
+                        <a:solidFill>
+                          <a:schemeClr val="tx1"/>
+                        </a:solidFill>
+                        <a:effectLst/>
+                        <a:latin typeface="Adobe Clean"/>
+                        <a:ea typeface="+mn-ea"/>
+                        <a:cs typeface="+mn-cs"/>
+                      </a:endParaRPr>
                     </a:p>
                   </a:txBody>
                   <a:tcPr anchor="ctr">
@@ -10662,7 +12506,7 @@
                     <a:bodyPr/>
                     <a:lstStyle/>
                     <a:p>
-                      <a:pPr marL="0" marR="0" lvl="0" indent="0" defTabSz="914400" eaLnBrk="1" fontAlgn="auto" latinLnBrk="0" hangingPunct="1">
+                      <a:pPr marL="0" marR="0" lvl="0" indent="0" eaLnBrk="1" fontAlgn="auto" latinLnBrk="0" hangingPunct="1">
                         <a:lnSpc>
                           <a:spcPct val="100000"/>
                         </a:lnSpc>
@@ -10676,83 +12520,26 @@
                         <a:buSzTx/>
                         <a:buFontTx/>
                         <a:buNone/>
-                        <a:tabLst/>
-                        <a:defRPr/>
                       </a:pPr>
                       <a:r>
-                        <a:rPr lang="it-IT" sz="1000" dirty="0">
+                        <a:rPr lang="en-US" sz="1000" kern="1200">
                           <a:solidFill>
                             <a:srgbClr val="000000"/>
                           </a:solidFill>
-                          <a:latin typeface="Adobe Clean Light" panose="020B0303020404020204" pitchFamily="34" charset="0"/>
+                          <a:latin typeface="Adobe Clean Light"/>
                           <a:ea typeface="+mn-ea"/>
                           <a:cs typeface="+mn-cs"/>
                         </a:rPr>
-                        <a:t>Status.adobe.com trasmette informazioni sullo stato di tutti i prodotti </a:t>
+                        <a:t>Status.adobe.com conveys the health information of all Adobe products and services that are deployed in multi-tenant environments. Customers can choose their subscription preferences to get email notifications whenever Adobe creates, updates or resolves a product event. This can include scheduled maintenance or service issues of varying levels of severity. </a:t>
                       </a:r>
-                      <a:br>
-                        <a:rPr lang="sk-SK" sz="1000" dirty="0">
-                          <a:solidFill>
-                            <a:srgbClr val="000000"/>
-                          </a:solidFill>
-                          <a:latin typeface="Adobe Clean Light" panose="020B0303020404020204" pitchFamily="34" charset="0"/>
-                          <a:ea typeface="+mn-ea"/>
-                          <a:cs typeface="+mn-cs"/>
-                        </a:rPr>
-                      </a:br>
-                      <a:r>
-                        <a:rPr lang="it-IT" sz="1000" dirty="0">
-                          <a:solidFill>
-                            <a:srgbClr val="000000"/>
-                          </a:solidFill>
-                          <a:latin typeface="Adobe Clean Light" panose="020B0303020404020204" pitchFamily="34" charset="0"/>
-                          <a:ea typeface="+mn-ea"/>
-                          <a:cs typeface="+mn-cs"/>
-                        </a:rPr>
-                        <a:t>e i servizi Adobe implementati in ambienti multi-tenant. Puoi scegliere se ricevere notifiche e-mail ogni volta che Adobe segnala, aggiorna </a:t>
-                      </a:r>
-                      <a:br>
-                        <a:rPr lang="sk-SK" sz="1000" dirty="0">
-                          <a:solidFill>
-                            <a:srgbClr val="000000"/>
-                          </a:solidFill>
-                          <a:latin typeface="Adobe Clean Light" panose="020B0303020404020204" pitchFamily="34" charset="0"/>
-                          <a:ea typeface="+mn-ea"/>
-                          <a:cs typeface="+mn-cs"/>
-                        </a:rPr>
-                      </a:br>
-                      <a:r>
-                        <a:rPr lang="it-IT" sz="1000" dirty="0">
-                          <a:solidFill>
-                            <a:srgbClr val="000000"/>
-                          </a:solidFill>
-                          <a:latin typeface="Adobe Clean Light" panose="020B0303020404020204" pitchFamily="34" charset="0"/>
-                          <a:ea typeface="+mn-ea"/>
-                          <a:cs typeface="+mn-cs"/>
-                        </a:rPr>
-                        <a:t>o risolve un problema relativo a un prodotto. Vengono segnalate </a:t>
-                      </a:r>
-                      <a:br>
-                        <a:rPr lang="sk-SK" sz="1000" dirty="0">
-                          <a:solidFill>
-                            <a:srgbClr val="000000"/>
-                          </a:solidFill>
-                          <a:latin typeface="Adobe Clean Light" panose="020B0303020404020204" pitchFamily="34" charset="0"/>
-                          <a:ea typeface="+mn-ea"/>
-                          <a:cs typeface="+mn-cs"/>
-                        </a:rPr>
-                      </a:br>
-                      <a:r>
-                        <a:rPr lang="it-IT" sz="1000" dirty="0">
-                          <a:solidFill>
-                            <a:srgbClr val="000000"/>
-                          </a:solidFill>
-                          <a:latin typeface="Adobe Clean Light" panose="020B0303020404020204" pitchFamily="34" charset="0"/>
-                          <a:ea typeface="+mn-ea"/>
-                          <a:cs typeface="+mn-cs"/>
-                        </a:rPr>
-                        <a:t>ad esempio le interruzioni per manutenzione programmata o problemi relativi ai servizi con diversi livelli di gravità. </a:t>
-                      </a:r>
+                      <a:endParaRPr lang="en-US" sz="1000" kern="1200">
+                        <a:solidFill>
+                          <a:srgbClr val="000000"/>
+                        </a:solidFill>
+                        <a:latin typeface="Adobe Clean Light" panose="020B0303020404020204" pitchFamily="34" charset="0"/>
+                        <a:ea typeface="+mn-ea"/>
+                        <a:cs typeface="+mn-cs"/>
+                      </a:endParaRPr>
                     </a:p>
                   </a:txBody>
                   <a:tcPr anchor="ctr">
@@ -10833,17 +12620,27 @@
                         <a:defRPr/>
                       </a:pPr>
                       <a:r>
-                        <a:rPr lang="it-IT" sz="1100" b="0" i="0">
+                        <a:rPr lang="en-US" sz="1100" b="0" i="0">
                           <a:solidFill>
                             <a:schemeClr val="dk1"/>
                           </a:solidFill>
-                          <a:latin typeface="Adobe Clean" panose="020B0503020404020204" pitchFamily="34" charset="0"/>
+                          <a:effectLst/>
+                          <a:latin typeface="Adobe Clean"/>
                           <a:ea typeface="+mn-ea"/>
                           <a:cs typeface="+mn-cs"/>
-                          <a:hlinkClick r:id="rId10" tooltip="https://helpx.adobe.com/it/support/programs/enterprise-support-programs/premier-support-business.html"/>
+                          <a:hlinkClick r:id="rId10" tooltip="https://helpx.adobe.com/support/programs/enterprise-support-programs/premier-support-business.html"/>
                         </a:rPr>
-                        <a:t>Sito del supporto Business</a:t>
+                        <a:t>Business Support Website</a:t>
                       </a:r>
+                      <a:endParaRPr lang="en-US" sz="1100" b="0" i="0">
+                        <a:solidFill>
+                          <a:schemeClr val="dk1"/>
+                        </a:solidFill>
+                        <a:effectLst/>
+                        <a:latin typeface="Adobe Clean"/>
+                        <a:ea typeface="+mn-ea"/>
+                        <a:cs typeface="+mn-cs"/>
+                      </a:endParaRPr>
                     </a:p>
                   </a:txBody>
                   <a:tcPr anchor="ctr">
@@ -10900,16 +12697,24 @@
                     <a:lstStyle/>
                     <a:p>
                       <a:r>
-                        <a:rPr lang="it-IT" sz="1000">
+                        <a:rPr lang="en-US" sz="1000" kern="1200">
                           <a:solidFill>
                             <a:srgbClr val="000000"/>
                           </a:solidFill>
-                          <a:latin typeface="Adobe Clean Light" panose="020B0303020404020204" pitchFamily="34" charset="0"/>
+                          <a:latin typeface="Adobe Clean Light"/>
                           <a:ea typeface="+mn-ea"/>
                           <a:cs typeface="+mn-cs"/>
                         </a:rPr>
-                        <a:t>Sito del supporto Business di Adobe</a:t>
+                        <a:t>Adobe Business Support website.</a:t>
                       </a:r>
+                      <a:endParaRPr lang="en-US" sz="1000" kern="1200">
+                        <a:solidFill>
+                          <a:srgbClr val="000000"/>
+                        </a:solidFill>
+                        <a:latin typeface="Adobe Clean Light" panose="020B0303020404020204" pitchFamily="34" charset="0"/>
+                        <a:ea typeface="+mn-ea"/>
+                        <a:cs typeface="+mn-cs"/>
+                      </a:endParaRPr>
                     </a:p>
                   </a:txBody>
                   <a:tcPr anchor="ctr">
@@ -10990,17 +12795,27 @@
                         <a:defRPr/>
                       </a:pPr>
                       <a:r>
-                        <a:rPr lang="it-IT" sz="1100">
+                        <a:rPr lang="en-US" sz="1100">
                           <a:solidFill>
                             <a:schemeClr val="tx1"/>
                           </a:solidFill>
-                          <a:latin typeface="Adobe Clean" panose="020B0503020404020204" pitchFamily="34" charset="0"/>
+                          <a:effectLst/>
+                          <a:latin typeface="Adobe Clean"/>
                           <a:ea typeface="+mn-ea"/>
                           <a:cs typeface="+mn-cs"/>
                           <a:hlinkClick r:id="rId11"/>
                         </a:rPr>
-                        <a:t>Termini e condizioni</a:t>
+                        <a:t>Terms and Conditions</a:t>
                       </a:r>
+                      <a:endParaRPr lang="en-US" sz="1100">
+                        <a:solidFill>
+                          <a:schemeClr val="tx1"/>
+                        </a:solidFill>
+                        <a:effectLst/>
+                        <a:latin typeface="Adobe Clean"/>
+                        <a:ea typeface="+mn-ea"/>
+                        <a:cs typeface="+mn-cs"/>
+                      </a:endParaRPr>
                     </a:p>
                   </a:txBody>
                   <a:tcPr anchor="ctr">
@@ -11057,16 +12872,24 @@
                     <a:lstStyle/>
                     <a:p>
                       <a:r>
-                        <a:rPr lang="it-IT" sz="1000" dirty="0">
+                        <a:rPr lang="en-US" sz="1000" kern="1200">
                           <a:solidFill>
                             <a:srgbClr val="000000"/>
                           </a:solidFill>
-                          <a:latin typeface="Adobe Clean Light" panose="020B0303020404020204" pitchFamily="34" charset="0"/>
+                          <a:latin typeface="Adobe Clean Light"/>
                           <a:ea typeface="+mn-ea"/>
                           <a:cs typeface="+mn-cs"/>
                         </a:rPr>
-                        <a:t>Termini e condizioni che descrivono i servizi di supporto disponibili</a:t>
+                        <a:t>Terms and conditions detailing Support Services offerings.</a:t>
                       </a:r>
+                      <a:endParaRPr lang="en-US" sz="1000" kern="1200">
+                        <a:solidFill>
+                          <a:srgbClr val="000000"/>
+                        </a:solidFill>
+                        <a:latin typeface="Adobe Clean Light" panose="020B0303020404020204" pitchFamily="34" charset="0"/>
+                        <a:ea typeface="+mn-ea"/>
+                        <a:cs typeface="+mn-cs"/>
+                      </a:endParaRPr>
                     </a:p>
                   </a:txBody>
                   <a:tcPr anchor="ctr">
@@ -11836,12 +13659,6 @@
 </file>
 
 <file path=customXml/item1.xml><?xml version="1.0" encoding="utf-8"?>
-<p:properties xmlns:p="http://schemas.microsoft.com/office/2006/metadata/properties" xmlns:xsi="http://www.w3.org/2001/XMLSchema-instance" xmlns:pc="http://schemas.microsoft.com/office/infopath/2007/PartnerControls">
-  <documentManagement/>
-</p:properties>
-</file>
-
-<file path=customXml/item2.xml><?xml version="1.0" encoding="utf-8"?>
 <ct:contentTypeSchema xmlns:ct="http://schemas.microsoft.com/office/2006/metadata/contentType" xmlns:ma="http://schemas.microsoft.com/office/2006/metadata/properties/metaAttributes" ct:_="" ma:_="" ma:contentTypeName="Document" ma:contentTypeID="0x010100E783BF6876BCC646A459363AF21A7736" ma:contentTypeVersion="10" ma:contentTypeDescription="Create a new document." ma:contentTypeScope="" ma:versionID="c4ffda7f4f415767600769e454c2ea87">
   <xsd:schema xmlns:xsd="http://www.w3.org/2001/XMLSchema" xmlns:xs="http://www.w3.org/2001/XMLSchema" xmlns:p="http://schemas.microsoft.com/office/2006/metadata/properties" xmlns:ns2="8a053bff-88be-49e4-9a87-e748e18b8b62" xmlns:ns3="6c8368ec-3776-49b5-a5bb-90648cf9530f" targetNamespace="http://schemas.microsoft.com/office/2006/metadata/properties" ma:root="true" ma:fieldsID="df3ec33bccc23e23bce7bc897fad43d1" ns2:_="" ns3:_="">
     <xsd:import namespace="8a053bff-88be-49e4-9a87-e748e18b8b62"/>
@@ -12046,7 +13863,7 @@
 </ct:contentTypeSchema>
 </file>
 
-<file path=customXml/item3.xml><?xml version="1.0" encoding="utf-8"?>
+<file path=customXml/item2.xml><?xml version="1.0" encoding="utf-8"?>
 <?mso-contentType ?>
 <FormTemplates xmlns="http://schemas.microsoft.com/sharepoint/v3/contenttype/forms">
   <Display>DocumentLibraryForm</Display>
@@ -12055,16 +13872,13 @@
 </FormTemplates>
 </file>
 
-<file path=customXml/itemProps1.xml><?xml version="1.0" encoding="utf-8"?>
-<ds:datastoreItem xmlns:ds="http://schemas.openxmlformats.org/officeDocument/2006/customXml" ds:itemID="{10FC3CAF-E6F1-40E3-87D4-6B781C97D6B4}">
-  <ds:schemaRefs>
-    <ds:schemaRef ds:uri="http://schemas.microsoft.com/office/2006/metadata/properties"/>
-    <ds:schemaRef ds:uri="http://schemas.microsoft.com/office/infopath/2007/PartnerControls"/>
-  </ds:schemaRefs>
-</ds:datastoreItem>
+<file path=customXml/item3.xml><?xml version="1.0" encoding="utf-8"?>
+<p:properties xmlns:p="http://schemas.microsoft.com/office/2006/metadata/properties" xmlns:xsi="http://www.w3.org/2001/XMLSchema-instance" xmlns:pc="http://schemas.microsoft.com/office/infopath/2007/PartnerControls">
+  <documentManagement/>
+</p:properties>
 </file>
 
-<file path=customXml/itemProps2.xml><?xml version="1.0" encoding="utf-8"?>
+<file path=customXml/itemProps1.xml><?xml version="1.0" encoding="utf-8"?>
 <ds:datastoreItem xmlns:ds="http://schemas.openxmlformats.org/officeDocument/2006/customXml" ds:itemID="{E0DB8BDF-6DA8-4ABC-A3CA-043AFD674CFC}">
   <ds:schemaRefs>
     <ds:schemaRef ds:uri="6c8368ec-3776-49b5-a5bb-90648cf9530f"/>
@@ -12083,10 +13897,27 @@
 </ds:datastoreItem>
 </file>
 
-<file path=customXml/itemProps3.xml><?xml version="1.0" encoding="utf-8"?>
+<file path=customXml/itemProps2.xml><?xml version="1.0" encoding="utf-8"?>
 <ds:datastoreItem xmlns:ds="http://schemas.openxmlformats.org/officeDocument/2006/customXml" ds:itemID="{95AE3B0B-E909-400C-B0B3-909FB50E07DE}">
   <ds:schemaRefs>
     <ds:schemaRef ds:uri="http://schemas.microsoft.com/sharepoint/v3/contenttype/forms"/>
   </ds:schemaRefs>
 </ds:datastoreItem>
+</file>
+
+<file path=customXml/itemProps3.xml><?xml version="1.0" encoding="utf-8"?>
+<ds:datastoreItem xmlns:ds="http://schemas.openxmlformats.org/officeDocument/2006/customXml" ds:itemID="{10FC3CAF-E6F1-40E3-87D4-6B781C97D6B4}">
+  <ds:schemaRefs>
+    <ds:schemaRef ds:uri="6c8368ec-3776-49b5-a5bb-90648cf9530f"/>
+    <ds:schemaRef ds:uri="8a053bff-88be-49e4-9a87-e748e18b8b62"/>
+    <ds:schemaRef ds:uri="http://purl.org/dc/dcmitype/"/>
+    <ds:schemaRef ds:uri="http://purl.org/dc/elements/1.1/"/>
+    <ds:schemaRef ds:uri="http://purl.org/dc/terms/"/>
+    <ds:schemaRef ds:uri="http://schemas.microsoft.com/office/2006/documentManagement/types"/>
+    <ds:schemaRef ds:uri="http://schemas.microsoft.com/office/2006/metadata/properties"/>
+    <ds:schemaRef ds:uri="http://schemas.microsoft.com/office/infopath/2007/PartnerControls"/>
+    <ds:schemaRef ds:uri="http://schemas.openxmlformats.org/package/2006/metadata/core-properties"/>
+    <ds:schemaRef ds:uri="http://www.w3.org/XML/1998/namespace"/>
+  </ds:schemaRefs>
+</ds:datastoreItem>
 </file>
--- a/help/data-sheets/assets/BusinessSupportDatasheet.pptx
+++ b/help/data-sheets/assets/BusinessSupportDatasheet.pptx
@@ -143,8 +143,12 @@
 <file path=ppt/revisionInfo.xml><?xml version="1.0" encoding="utf-8"?>
 <p1510:revInfo xmlns:a="http://schemas.openxmlformats.org/drawingml/2006/main" xmlns:r="http://schemas.openxmlformats.org/officeDocument/2006/relationships" xmlns:p1510="http://schemas.microsoft.com/office/powerpoint/2015/10/main">
   <p1510:revLst>
-    <p1510:client id="{61630BD6-9AE9-064C-B39F-AFA945B82B3E}" v="202" dt="2021-10-13T19:21:08.267"/>
-    <p1510:client id="{AC30C20D-1316-8ECC-DADD-39CCEC6A7FCF}" v="9" dt="2021-10-13T19:03:35.035"/>
+    <p1510:client id="{06B13378-B080-7F0F-51A5-F9203CEE57ED}" v="370" dt="2021-08-25T22:26:24.850"/>
+    <p1510:client id="{4D8E0410-E0CE-85E2-0F84-C1BF4F647622}" v="27" dt="2021-09-22T22:57:14.395"/>
+    <p1510:client id="{71D6CFBF-0EA2-99B0-93F4-22F19EF0AE4E}" v="2" dt="2021-09-22T19:06:58.732"/>
+    <p1510:client id="{9E385600-BF81-FC49-9ED0-E33BC37F7908}" v="55" dt="2021-08-04T08:16:13.478"/>
+    <p1510:client id="{AFB92C2B-405E-C597-0988-18F97C53104C}" v="37" dt="2021-09-22T18:53:28.028"/>
+    <p1510:client id="{CA5D33DF-AE75-BCA1-B9BC-A7CD44D2F3C7}" v="2" dt="2021-08-25T22:38:18.624"/>
   </p1510:revLst>
 </p1510:revInfo>
 </file>
@@ -166,77 +170,6 @@
         </pc:sldMkLst>
         <pc:graphicFrameChg chg="mod modGraphic">
           <ac:chgData name="Akilah Johnson" userId="S::akjohnso@adobe.com::2fa3aa60-0c9c-4d06-bae2-795983241227" providerId="AD" clId="Web-{4D8E0410-E0CE-85E2-0F84-C1BF4F647622}" dt="2021-09-22T22:57:04.802" v="5"/>
-          <ac:graphicFrameMkLst>
-            <pc:docMk/>
-            <pc:sldMk cId="1050037809" sldId="261"/>
-            <ac:graphicFrameMk id="25" creationId="{3A91F5B0-3974-A14D-A146-FB590F2AAD18}"/>
-          </ac:graphicFrameMkLst>
-        </pc:graphicFrameChg>
-      </pc:sldChg>
-    </pc:docChg>
-  </pc:docChgLst>
-  <pc:docChgLst>
-    <pc:chgData name="Akilah Johnson" userId="S::akjohnso@adobe.com::2fa3aa60-0c9c-4d06-bae2-795983241227" providerId="AD" clId="Web-{019F6A09-DCDA-BB53-9E3C-5BA3B13E26BB}"/>
-    <pc:docChg chg="modSld">
-      <pc:chgData name="Akilah Johnson" userId="S::akjohnso@adobe.com::2fa3aa60-0c9c-4d06-bae2-795983241227" providerId="AD" clId="Web-{019F6A09-DCDA-BB53-9E3C-5BA3B13E26BB}" dt="2021-10-12T17:10:36.752" v="17" actId="20577"/>
-      <pc:docMkLst>
-        <pc:docMk/>
-      </pc:docMkLst>
-      <pc:sldChg chg="modSp">
-        <pc:chgData name="Akilah Johnson" userId="S::akjohnso@adobe.com::2fa3aa60-0c9c-4d06-bae2-795983241227" providerId="AD" clId="Web-{019F6A09-DCDA-BB53-9E3C-5BA3B13E26BB}" dt="2021-10-12T17:09:32.112" v="2" actId="20577"/>
-        <pc:sldMkLst>
-          <pc:docMk/>
-          <pc:sldMk cId="0" sldId="257"/>
-        </pc:sldMkLst>
-        <pc:spChg chg="mod">
-          <ac:chgData name="Akilah Johnson" userId="S::akjohnso@adobe.com::2fa3aa60-0c9c-4d06-bae2-795983241227" providerId="AD" clId="Web-{019F6A09-DCDA-BB53-9E3C-5BA3B13E26BB}" dt="2021-10-12T17:09:32.112" v="2" actId="20577"/>
-          <ac:spMkLst>
-            <pc:docMk/>
-            <pc:sldMk cId="0" sldId="257"/>
-            <ac:spMk id="46" creationId="{00000000-0000-0000-0000-000000000000}"/>
-          </ac:spMkLst>
-        </pc:spChg>
-      </pc:sldChg>
-      <pc:sldChg chg="modSp">
-        <pc:chgData name="Akilah Johnson" userId="S::akjohnso@adobe.com::2fa3aa60-0c9c-4d06-bae2-795983241227" providerId="AD" clId="Web-{019F6A09-DCDA-BB53-9E3C-5BA3B13E26BB}" dt="2021-10-12T17:10:36.752" v="17" actId="20577"/>
-        <pc:sldMkLst>
-          <pc:docMk/>
-          <pc:sldMk cId="1050037809" sldId="261"/>
-        </pc:sldMkLst>
-        <pc:spChg chg="mod">
-          <ac:chgData name="Akilah Johnson" userId="S::akjohnso@adobe.com::2fa3aa60-0c9c-4d06-bae2-795983241227" providerId="AD" clId="Web-{019F6A09-DCDA-BB53-9E3C-5BA3B13E26BB}" dt="2021-10-12T17:10:36.752" v="17" actId="20577"/>
-          <ac:spMkLst>
-            <pc:docMk/>
-            <pc:sldMk cId="1050037809" sldId="261"/>
-            <ac:spMk id="56" creationId="{00000000-0000-0000-0000-000000000000}"/>
-          </ac:spMkLst>
-        </pc:spChg>
-        <pc:graphicFrameChg chg="mod modGraphic">
-          <ac:chgData name="Akilah Johnson" userId="S::akjohnso@adobe.com::2fa3aa60-0c9c-4d06-bae2-795983241227" providerId="AD" clId="Web-{019F6A09-DCDA-BB53-9E3C-5BA3B13E26BB}" dt="2021-10-12T17:09:41.471" v="6"/>
-          <ac:graphicFrameMkLst>
-            <pc:docMk/>
-            <pc:sldMk cId="1050037809" sldId="261"/>
-            <ac:graphicFrameMk id="111" creationId="{D8653CEC-4213-DE40-9BAF-D1E3318FF89C}"/>
-          </ac:graphicFrameMkLst>
-        </pc:graphicFrameChg>
-      </pc:sldChg>
-    </pc:docChg>
-  </pc:docChgLst>
-  <pc:docChgLst>
-    <pc:chgData name="Andy Witt" userId="S::awitt@adobe.com::e9157bdf-53b2-40e4-9459-936793d75696" providerId="AD" clId="Web-{06B13378-B080-7F0F-51A5-F9203CEE57ED}"/>
-    <pc:docChg chg="modSld">
-      <pc:chgData name="Andy Witt" userId="S::awitt@adobe.com::e9157bdf-53b2-40e4-9459-936793d75696" providerId="AD" clId="Web-{06B13378-B080-7F0F-51A5-F9203CEE57ED}" dt="2021-08-25T22:25:13.647" v="363"/>
-      <pc:docMkLst>
-        <pc:docMk/>
-      </pc:docMkLst>
-      <pc:sldChg chg="modSp">
-        <pc:chgData name="Andy Witt" userId="S::awitt@adobe.com::e9157bdf-53b2-40e4-9459-936793d75696" providerId="AD" clId="Web-{06B13378-B080-7F0F-51A5-F9203CEE57ED}" dt="2021-08-25T22:25:13.647" v="363"/>
-        <pc:sldMkLst>
-          <pc:docMk/>
-          <pc:sldMk cId="1050037809" sldId="261"/>
-        </pc:sldMkLst>
-        <pc:graphicFrameChg chg="mod modGraphic">
-          <ac:chgData name="Andy Witt" userId="S::awitt@adobe.com::e9157bdf-53b2-40e4-9459-936793d75696" providerId="AD" clId="Web-{06B13378-B080-7F0F-51A5-F9203CEE57ED}" dt="2021-08-25T22:25:13.647" v="363"/>
           <ac:graphicFrameMkLst>
             <pc:docMk/>
             <pc:sldMk cId="1050037809" sldId="261"/>
@@ -271,58 +204,26 @@
     </pc:docChg>
   </pc:docChgLst>
   <pc:docChgLst>
-    <pc:chgData name="Akilah Johnson" userId="S::akjohnso@adobe.com::2fa3aa60-0c9c-4d06-bae2-795983241227" providerId="AD" clId="Web-{D428A0AE-54E2-30D2-C574-7A0742876CCF}"/>
+    <pc:chgData name="Andy Witt" userId="S::awitt@adobe.com::e9157bdf-53b2-40e4-9459-936793d75696" providerId="AD" clId="Web-{06B13378-B080-7F0F-51A5-F9203CEE57ED}"/>
     <pc:docChg chg="modSld">
-      <pc:chgData name="Akilah Johnson" userId="S::akjohnso@adobe.com::2fa3aa60-0c9c-4d06-bae2-795983241227" providerId="AD" clId="Web-{D428A0AE-54E2-30D2-C574-7A0742876CCF}" dt="2021-10-12T19:11:25.330" v="0" actId="20577"/>
+      <pc:chgData name="Andy Witt" userId="S::awitt@adobe.com::e9157bdf-53b2-40e4-9459-936793d75696" providerId="AD" clId="Web-{06B13378-B080-7F0F-51A5-F9203CEE57ED}" dt="2021-08-25T22:25:13.647" v="363"/>
       <pc:docMkLst>
         <pc:docMk/>
       </pc:docMkLst>
       <pc:sldChg chg="modSp">
-        <pc:chgData name="Akilah Johnson" userId="S::akjohnso@adobe.com::2fa3aa60-0c9c-4d06-bae2-795983241227" providerId="AD" clId="Web-{D428A0AE-54E2-30D2-C574-7A0742876CCF}" dt="2021-10-12T19:11:25.330" v="0" actId="20577"/>
+        <pc:chgData name="Andy Witt" userId="S::awitt@adobe.com::e9157bdf-53b2-40e4-9459-936793d75696" providerId="AD" clId="Web-{06B13378-B080-7F0F-51A5-F9203CEE57ED}" dt="2021-08-25T22:25:13.647" v="363"/>
         <pc:sldMkLst>
           <pc:docMk/>
-          <pc:sldMk cId="0" sldId="256"/>
+          <pc:sldMk cId="1050037809" sldId="261"/>
         </pc:sldMkLst>
-        <pc:spChg chg="mod">
-          <ac:chgData name="Akilah Johnson" userId="S::akjohnso@adobe.com::2fa3aa60-0c9c-4d06-bae2-795983241227" providerId="AD" clId="Web-{D428A0AE-54E2-30D2-C574-7A0742876CCF}" dt="2021-10-12T19:11:25.330" v="0" actId="20577"/>
-          <ac:spMkLst>
+        <pc:graphicFrameChg chg="mod modGraphic">
+          <ac:chgData name="Andy Witt" userId="S::awitt@adobe.com::e9157bdf-53b2-40e4-9459-936793d75696" providerId="AD" clId="Web-{06B13378-B080-7F0F-51A5-F9203CEE57ED}" dt="2021-08-25T22:25:13.647" v="363"/>
+          <ac:graphicFrameMkLst>
             <pc:docMk/>
-            <pc:sldMk cId="0" sldId="256"/>
-            <ac:spMk id="4" creationId="{00000000-0000-0000-0000-000000000000}"/>
-          </ac:spMkLst>
-        </pc:spChg>
-      </pc:sldChg>
-    </pc:docChg>
-  </pc:docChgLst>
-  <pc:docChgLst>
-    <pc:chgData name="Lauren Schutte" userId="S::schutte@adobe.com::6e08b2d3-447a-4d66-86be-444d50df187f" providerId="AD" clId="Web-{AC30C20D-1316-8ECC-DADD-39CCEC6A7FCF}"/>
-    <pc:docChg chg="modSld">
-      <pc:chgData name="Lauren Schutte" userId="S::schutte@adobe.com::6e08b2d3-447a-4d66-86be-444d50df187f" providerId="AD" clId="Web-{AC30C20D-1316-8ECC-DADD-39CCEC6A7FCF}" dt="2021-10-13T19:03:35.035" v="8" actId="1076"/>
-      <pc:docMkLst>
-        <pc:docMk/>
-      </pc:docMkLst>
-      <pc:sldChg chg="modSp">
-        <pc:chgData name="Lauren Schutte" userId="S::schutte@adobe.com::6e08b2d3-447a-4d66-86be-444d50df187f" providerId="AD" clId="Web-{AC30C20D-1316-8ECC-DADD-39CCEC6A7FCF}" dt="2021-10-13T19:03:35.035" v="8" actId="1076"/>
-        <pc:sldMkLst>
-          <pc:docMk/>
-          <pc:sldMk cId="0" sldId="256"/>
-        </pc:sldMkLst>
-        <pc:spChg chg="mod">
-          <ac:chgData name="Lauren Schutte" userId="S::schutte@adobe.com::6e08b2d3-447a-4d66-86be-444d50df187f" providerId="AD" clId="Web-{AC30C20D-1316-8ECC-DADD-39CCEC6A7FCF}" dt="2021-10-13T19:03:27.878" v="7" actId="14100"/>
-          <ac:spMkLst>
-            <pc:docMk/>
-            <pc:sldMk cId="0" sldId="256"/>
-            <ac:spMk id="3" creationId="{00000000-0000-0000-0000-000000000000}"/>
-          </ac:spMkLst>
-        </pc:spChg>
-        <pc:spChg chg="mod">
-          <ac:chgData name="Lauren Schutte" userId="S::schutte@adobe.com::6e08b2d3-447a-4d66-86be-444d50df187f" providerId="AD" clId="Web-{AC30C20D-1316-8ECC-DADD-39CCEC6A7FCF}" dt="2021-10-13T19:03:35.035" v="8" actId="1076"/>
-          <ac:spMkLst>
-            <pc:docMk/>
-            <pc:sldMk cId="0" sldId="256"/>
-            <ac:spMk id="5" creationId="{00000000-0000-0000-0000-000000000000}"/>
-          </ac:spMkLst>
-        </pc:spChg>
+            <pc:sldMk cId="1050037809" sldId="261"/>
+            <ac:graphicFrameMk id="25" creationId="{3A91F5B0-3974-A14D-A146-FB590F2AAD18}"/>
+          </ac:graphicFrameMkLst>
+        </pc:graphicFrameChg>
       </pc:sldChg>
     </pc:docChg>
   </pc:docChgLst>
@@ -353,38 +254,6 @@
             <pc:docMk/>
             <pc:sldMk cId="1050037809" sldId="261"/>
             <ac:graphicFrameMk id="25" creationId="{3A91F5B0-3974-A14D-A146-FB590F2AAD18}"/>
-          </ac:graphicFrameMkLst>
-        </pc:graphicFrameChg>
-      </pc:sldChg>
-    </pc:docChg>
-  </pc:docChgLst>
-  <pc:docChgLst>
-    <pc:chgData name="Lauren Schutte" userId="6e08b2d3-447a-4d66-86be-444d50df187f" providerId="ADAL" clId="{61630BD6-9AE9-064C-B39F-AFA945B82B3E}"/>
-    <pc:docChg chg="undo custSel modSld">
-      <pc:chgData name="Lauren Schutte" userId="6e08b2d3-447a-4d66-86be-444d50df187f" providerId="ADAL" clId="{61630BD6-9AE9-064C-B39F-AFA945B82B3E}" dt="2021-10-13T19:21:08.267" v="201" actId="20577"/>
-      <pc:docMkLst>
-        <pc:docMk/>
-      </pc:docMkLst>
-      <pc:sldChg chg="modSp mod">
-        <pc:chgData name="Lauren Schutte" userId="6e08b2d3-447a-4d66-86be-444d50df187f" providerId="ADAL" clId="{61630BD6-9AE9-064C-B39F-AFA945B82B3E}" dt="2021-10-13T19:21:08.267" v="201" actId="20577"/>
-        <pc:sldMkLst>
-          <pc:docMk/>
-          <pc:sldMk cId="0" sldId="256"/>
-        </pc:sldMkLst>
-        <pc:spChg chg="mod">
-          <ac:chgData name="Lauren Schutte" userId="6e08b2d3-447a-4d66-86be-444d50df187f" providerId="ADAL" clId="{61630BD6-9AE9-064C-B39F-AFA945B82B3E}" dt="2021-10-13T19:03:44.344" v="3" actId="1076"/>
-          <ac:spMkLst>
-            <pc:docMk/>
-            <pc:sldMk cId="0" sldId="256"/>
-            <ac:spMk id="3" creationId="{00000000-0000-0000-0000-000000000000}"/>
-          </ac:spMkLst>
-        </pc:spChg>
-        <pc:graphicFrameChg chg="mod modGraphic">
-          <ac:chgData name="Lauren Schutte" userId="6e08b2d3-447a-4d66-86be-444d50df187f" providerId="ADAL" clId="{61630BD6-9AE9-064C-B39F-AFA945B82B3E}" dt="2021-10-13T19:21:08.267" v="201" actId="20577"/>
-          <ac:graphicFrameMkLst>
-            <pc:docMk/>
-            <pc:sldMk cId="0" sldId="256"/>
-            <ac:graphicFrameMk id="9" creationId="{00000000-0000-0000-0000-000000000000}"/>
           </ac:graphicFrameMkLst>
         </pc:graphicFrameChg>
       </pc:sldChg>
@@ -499,7 +368,7 @@
           <a:p>
             <a:fld id="{FB81873C-0B24-F04A-98A1-90E0A78F7E8A}" type="datetimeFigureOut">
               <a:rPr lang="en-US" smtClean="0"/>
-              <a:t>10/13/2021</a:t>
+              <a:t>10/1/2021</a:t>
             </a:fld>
             <a:endParaRPr lang="en-US"/>
           </a:p>
@@ -1122,7 +991,7 @@
           <a:p>
             <a:fld id="{1D8BD707-D9CF-40AE-B4C6-C98DA3205C09}" type="datetimeFigureOut">
               <a:rPr lang="en-US"/>
-              <a:t>10/13/2021</a:t>
+              <a:t>10/1/2021</a:t>
             </a:fld>
             <a:endParaRPr lang="en-US"/>
           </a:p>
@@ -1314,7 +1183,7 @@
           <a:p>
             <a:fld id="{1D8BD707-D9CF-40AE-B4C6-C98DA3205C09}" type="datetimeFigureOut">
               <a:rPr lang="en-US"/>
-              <a:t>10/13/2021</a:t>
+              <a:t>10/1/2021</a:t>
             </a:fld>
             <a:endParaRPr lang="en-US"/>
           </a:p>
@@ -1632,7 +1501,7 @@
           <a:p>
             <a:fld id="{1D8BD707-D9CF-40AE-B4C6-C98DA3205C09}" type="datetimeFigureOut">
               <a:rPr lang="en-US"/>
-              <a:t>10/13/2021</a:t>
+              <a:t>10/1/2021</a:t>
             </a:fld>
             <a:endParaRPr lang="en-US"/>
           </a:p>
@@ -1887,7 +1756,7 @@
         <p:spPr>
           <a:xfrm>
             <a:off x="168565" y="7162363"/>
-            <a:ext cx="2800350" cy="238760"/>
+            <a:ext cx="4032732" cy="227626"/>
           </a:xfrm>
           <a:prstGeom prst="rect">
             <a:avLst/>
@@ -1908,7 +1777,7 @@
               </a:spcBef>
             </a:pPr>
             <a:r>
-              <a:rPr sz="1400" b="1" u="heavy" spc="10">
+              <a:rPr lang="it-IT" sz="1400" b="1" u="heavy" dirty="0">
                 <a:solidFill>
                   <a:srgbClr val="020302"/>
                 </a:solidFill>
@@ -1920,87 +1789,8 @@
                 <a:latin typeface="Adobe Clean"/>
                 <a:cs typeface="Adobe Clean"/>
               </a:rPr>
-              <a:t>Service </a:t>
+              <a:t>Obiettivi del livello di servizio: risposta iniziale</a:t>
             </a:r>
-            <a:r>
-              <a:rPr sz="1400" b="1" u="heavy" spc="-10">
-                <a:solidFill>
-                  <a:srgbClr val="020302"/>
-                </a:solidFill>
-                <a:uFill>
-                  <a:solidFill>
-                    <a:srgbClr val="020302"/>
-                  </a:solidFill>
-                </a:uFill>
-                <a:latin typeface="Adobe Clean"/>
-                <a:cs typeface="Adobe Clean"/>
-              </a:rPr>
-              <a:t>Level </a:t>
-            </a:r>
-            <a:r>
-              <a:rPr sz="1400" b="1" u="heavy" spc="-45">
-                <a:solidFill>
-                  <a:srgbClr val="020302"/>
-                </a:solidFill>
-                <a:uFill>
-                  <a:solidFill>
-                    <a:srgbClr val="020302"/>
-                  </a:solidFill>
-                </a:uFill>
-                <a:latin typeface="Adobe Clean"/>
-                <a:cs typeface="Adobe Clean"/>
-              </a:rPr>
-              <a:t>Targets: </a:t>
-            </a:r>
-            <a:r>
-              <a:rPr sz="1400" b="1" u="heavy" spc="-10">
-                <a:solidFill>
-                  <a:srgbClr val="020302"/>
-                </a:solidFill>
-                <a:uFill>
-                  <a:solidFill>
-                    <a:srgbClr val="020302"/>
-                  </a:solidFill>
-                </a:uFill>
-                <a:latin typeface="Adobe Clean"/>
-                <a:cs typeface="Adobe Clean"/>
-              </a:rPr>
-              <a:t>Initial</a:t>
-            </a:r>
-            <a:r>
-              <a:rPr sz="1400" b="1" u="heavy" spc="-140">
-                <a:solidFill>
-                  <a:srgbClr val="020302"/>
-                </a:solidFill>
-                <a:uFill>
-                  <a:solidFill>
-                    <a:srgbClr val="020302"/>
-                  </a:solidFill>
-                </a:uFill>
-                <a:latin typeface="Adobe Clean"/>
-                <a:cs typeface="Adobe Clean"/>
-              </a:rPr>
-              <a:t> </a:t>
-            </a:r>
-            <a:r>
-              <a:rPr sz="1400" b="1" u="heavy" spc="-15">
-                <a:solidFill>
-                  <a:srgbClr val="020302"/>
-                </a:solidFill>
-                <a:uFill>
-                  <a:solidFill>
-                    <a:srgbClr val="020302"/>
-                  </a:solidFill>
-                </a:uFill>
-                <a:latin typeface="Adobe Clean"/>
-                <a:cs typeface="Adobe Clean"/>
-              </a:rPr>
-              <a:t>Response</a:t>
-            </a:r>
-            <a:endParaRPr sz="1400">
-              <a:latin typeface="Adobe Clean"/>
-              <a:cs typeface="Adobe Clean"/>
-            </a:endParaRPr>
           </a:p>
         </p:txBody>
       </p:sp>
@@ -2053,7 +1843,7 @@
           </a:prstGeom>
         </p:spPr>
         <p:txBody>
-          <a:bodyPr vert="horz" wrap="square" lIns="0" tIns="12700" rIns="0" bIns="0" rtlCol="0" anchor="t">
+          <a:bodyPr vert="horz" wrap="square" lIns="0" tIns="12700" rIns="0" bIns="0" rtlCol="0">
             <a:spAutoFit/>
           </a:bodyPr>
           <a:lstStyle/>
@@ -2067,20 +1857,11 @@
               </a:spcBef>
             </a:pPr>
             <a:r>
-              <a:rPr sz="2300">
-                <a:latin typeface="Adobe Clean"/>
+              <a:rPr lang="it-IT" sz="2300">
+                <a:latin typeface="Adobe Clean" panose="020B0503020404020204" pitchFamily="34" charset="0"/>
               </a:rPr>
-              <a:t>ADOBE </a:t>
+              <a:t>OPZIONI DI SUPPORTO ADOBE</a:t>
             </a:r>
-            <a:r>
-              <a:rPr lang="en-US" sz="2300">
-                <a:latin typeface="Adobe Clean"/>
-              </a:rPr>
-              <a:t>SUPPORT PLANS</a:t>
-            </a:r>
-            <a:endParaRPr sz="2300">
-              <a:latin typeface="Adobe Clean" panose="020B0503020404020204" pitchFamily="34" charset="0"/>
-            </a:endParaRPr>
           </a:p>
         </p:txBody>
       </p:sp>
@@ -2092,7 +1873,7 @@
         </p:nvSpPr>
         <p:spPr>
           <a:xfrm>
-            <a:off x="121147" y="531160"/>
+            <a:off x="121147" y="635935"/>
             <a:ext cx="5865216" cy="1269065"/>
           </a:xfrm>
           <a:prstGeom prst="rect">
@@ -2114,7 +1895,7 @@
               </a:spcBef>
             </a:pPr>
             <a:r>
-              <a:rPr lang="en-US" sz="900">
+              <a:rPr lang="it-IT" sz="900" dirty="0">
                 <a:solidFill>
                   <a:schemeClr val="bg1"/>
                 </a:solidFill>
@@ -2123,7 +1904,7 @@
               <a:t>Online | </a:t>
             </a:r>
             <a:r>
-              <a:rPr lang="en-US" sz="900" b="1">
+              <a:rPr lang="it-IT" sz="900" b="1" dirty="0">
                 <a:solidFill>
                   <a:schemeClr val="bg1"/>
                 </a:solidFill>
@@ -2132,7 +1913,7 @@
               <a:t>Business</a:t>
             </a:r>
             <a:r>
-              <a:rPr lang="en-US" sz="900">
+              <a:rPr lang="it-IT" sz="900" dirty="0">
                 <a:solidFill>
                   <a:schemeClr val="bg1"/>
                 </a:solidFill>
@@ -2151,21 +1932,65 @@
               </a:spcBef>
             </a:pPr>
             <a:r>
-              <a:rPr lang="en-US" sz="900">
+              <a:rPr lang="it-IT" sz="900" dirty="0">
                 <a:solidFill>
                   <a:schemeClr val="bg1"/>
                 </a:solidFill>
                 <a:latin typeface="Adobe Clean SemiLight" panose="020B0403020404020204" pitchFamily="34" charset="0"/>
               </a:rPr>
-              <a:t>Adobe provides a comprehensive range of technical resources to help support your business, included as part of your Experience Cloud license subscription and enhanced in the BUSINESS support package. BUSINESS support includes access to personalized learning paths and monitored community forums via the Adobe Experience League. You can also take advantage of our detailed and in-depth technical product documentation and current release notes. BUSINESS customers also benefit from access to our technical support teams for any product query via either the telephone or the support web portal, to help protect your business at the most critical times. BUSINESS customers will receive regular communications and updates from their Account Support Lead in addition to support case escalation management for your most critical of support requests. </a:t>
+              <a:t>Adobe offre una gamma completa di risorse tecniche per assistere la tua azienda, incluse nell’abbonamento Experience Cloud </a:t>
             </a:r>
-            <a:endParaRPr lang="en-US" sz="900">
-              <a:solidFill>
-                <a:schemeClr val="bg1"/>
-              </a:solidFill>
-              <a:latin typeface="Adobe Clean Light" panose="020B0303020404020204" pitchFamily="34" charset="0"/>
-              <a:cs typeface="AdobeClean-Light"/>
-            </a:endParaRPr>
+            <a:br>
+              <a:rPr lang="sk-SK" sz="900" dirty="0">
+                <a:solidFill>
+                  <a:schemeClr val="bg1"/>
+                </a:solidFill>
+                <a:latin typeface="Adobe Clean SemiLight" panose="020B0403020404020204" pitchFamily="34" charset="0"/>
+              </a:rPr>
+            </a:br>
+            <a:r>
+              <a:rPr lang="it-IT" sz="900" dirty="0">
+                <a:solidFill>
+                  <a:schemeClr val="bg1"/>
+                </a:solidFill>
+                <a:latin typeface="Adobe Clean SemiLight" panose="020B0403020404020204" pitchFamily="34" charset="0"/>
+              </a:rPr>
+              <a:t>e ampliabili con un pacchetto di supporto BUSINESS. Il supporto BUSINESS include l’accesso a percorsi di apprendimento personalizzati e forum della community monitorati tramite Adobe Experience League. Puoi inoltre usufruire di documentazione tecnica dettagliata e note sulla versione sempre aggiornate. I clienti BUSINESS possono anche contattare, tramite telefono </a:t>
+            </a:r>
+            <a:br>
+              <a:rPr lang="sk-SK" sz="900" dirty="0">
+                <a:solidFill>
+                  <a:schemeClr val="bg1"/>
+                </a:solidFill>
+                <a:latin typeface="Adobe Clean SemiLight" panose="020B0403020404020204" pitchFamily="34" charset="0"/>
+              </a:rPr>
+            </a:br>
+            <a:r>
+              <a:rPr lang="it-IT" sz="900" dirty="0">
+                <a:solidFill>
+                  <a:schemeClr val="bg1"/>
+                </a:solidFill>
+                <a:latin typeface="Adobe Clean SemiLight" panose="020B0403020404020204" pitchFamily="34" charset="0"/>
+              </a:rPr>
+              <a:t>o portale web, i team addetti al supporto tecnico, per ricevere assistenza nei momenti più critici. I clienti BUSINESS riceveranno comunicazioni e aggiornamenti regolari dal proprio Account Support Lead, nonché la gestione delle escalation per le richieste </a:t>
+            </a:r>
+            <a:br>
+              <a:rPr lang="sk-SK" sz="900" dirty="0">
+                <a:solidFill>
+                  <a:schemeClr val="bg1"/>
+                </a:solidFill>
+                <a:latin typeface="Adobe Clean SemiLight" panose="020B0403020404020204" pitchFamily="34" charset="0"/>
+              </a:rPr>
+            </a:br>
+            <a:r>
+              <a:rPr lang="it-IT" sz="900" dirty="0">
+                <a:solidFill>
+                  <a:schemeClr val="bg1"/>
+                </a:solidFill>
+                <a:latin typeface="Adobe Clean SemiLight" panose="020B0403020404020204" pitchFamily="34" charset="0"/>
+              </a:rPr>
+              <a:t>di supporto più critiche. </a:t>
+            </a:r>
           </a:p>
         </p:txBody>
       </p:sp>
@@ -2232,24 +2057,8 @@
               </a:spcBef>
             </a:pPr>
             <a:r>
-              <a:rPr spc="-5"/>
-              <a:t>©202</a:t>
-            </a:r>
-            <a:r>
-              <a:rPr lang="en-US" spc="-5"/>
-              <a:t>1</a:t>
-            </a:r>
-            <a:r>
-              <a:rPr spc="-5"/>
-              <a:t> Adobe. All Rights Reserved. Adobe</a:t>
-            </a:r>
-            <a:r>
-              <a:rPr spc="60"/>
-              <a:t> </a:t>
-            </a:r>
-            <a:r>
-              <a:rPr spc="-5"/>
-              <a:t>Confidential.</a:t>
+              <a:rPr lang="it-IT"/>
+              <a:t>©2021 Adobe. All Rights Reserved. Adobe Confidential.</a:t>
             </a:r>
           </a:p>
         </p:txBody>
@@ -2263,14 +2072,14 @@
           <p:nvPr>
             <p:extLst>
               <p:ext uri="{D42A27DB-BD31-4B8C-83A1-F6EECF244321}">
-                <p14:modId xmlns:p14="http://schemas.microsoft.com/office/powerpoint/2010/main" val="852543156"/>
+                <p14:modId xmlns:p14="http://schemas.microsoft.com/office/powerpoint/2010/main" val="962784674"/>
               </p:ext>
             </p:extLst>
           </p:nvPr>
         </p:nvGraphicFramePr>
         <p:xfrm>
-          <a:off x="118872" y="7475985"/>
-          <a:ext cx="7498851" cy="2223598"/>
+          <a:off x="121146" y="7475985"/>
+          <a:ext cx="7498852" cy="2207759"/>
         </p:xfrm>
         <a:graphic>
           <a:graphicData uri="http://schemas.openxmlformats.org/drawingml/2006/table">
@@ -2279,7 +2088,7 @@
                 <a:tableStyleId>{2D5ABB26-0587-4C30-8999-92F81FD0307C}</a:tableStyleId>
               </a:tblPr>
               <a:tblGrid>
-                <a:gridCol w="4698744">
+                <a:gridCol w="4698745">
                   <a:extLst>
                     <a:ext uri="{9D8B030D-6E8A-4147-A177-3AD203B41FA5}">
                       <a16:colId xmlns:a16="http://schemas.microsoft.com/office/drawing/2014/main" val="20000"/>
@@ -2301,7 +2110,7 @@
                   </a:extLst>
                 </a:gridCol>
               </a:tblGrid>
-              <a:tr h="291248">
+              <a:tr h="274318">
                 <a:tc>
                   <a:txBody>
                     <a:bodyPr/>
@@ -2316,22 +2125,18 @@
                         </a:spcBef>
                       </a:pPr>
                       <a:r>
-                        <a:rPr sz="900" spc="0">
+                        <a:rPr lang="it-IT" sz="900">
                           <a:solidFill>
                             <a:srgbClr val="020302"/>
                           </a:solidFill>
                           <a:latin typeface="Adobe Clean"/>
                           <a:cs typeface="Adobe Clean"/>
                         </a:rPr>
-                        <a:t>Priority</a:t>
+                        <a:t>Priorità</a:t>
                       </a:r>
-                      <a:endParaRPr sz="900" spc="0">
-                        <a:latin typeface="Adobe Clean"/>
-                        <a:cs typeface="Adobe Clean"/>
-                      </a:endParaRPr>
                     </a:p>
                   </a:txBody>
-                  <a:tcPr marL="0" marR="0" marT="7620" marB="0">
+                  <a:tcPr marL="0" marR="0" marT="7620" marB="0" anchor="ctr">
                     <a:lnL w="3175">
                       <a:solidFill>
                         <a:srgbClr val="B7B8B8"/>
@@ -2375,22 +2180,18 @@
                         </a:spcBef>
                       </a:pPr>
                       <a:r>
-                        <a:rPr sz="900" spc="0">
+                        <a:rPr lang="it-IT" sz="900">
                           <a:solidFill>
                             <a:srgbClr val="020302"/>
                           </a:solidFill>
                           <a:latin typeface="Adobe Clean"/>
                           <a:cs typeface="Adobe Clean"/>
                         </a:rPr>
-                        <a:t>Online Support</a:t>
+                        <a:t>Supporto Online</a:t>
                       </a:r>
-                      <a:endParaRPr sz="900" spc="0">
-                        <a:latin typeface="Adobe Clean"/>
-                        <a:cs typeface="Adobe Clean"/>
-                      </a:endParaRPr>
                     </a:p>
                   </a:txBody>
-                  <a:tcPr marL="182880" marT="91440" anchor="ctr">
+                  <a:tcPr anchor="ctr">
                     <a:lnL w="3175">
                       <a:solidFill>
                         <a:srgbClr val="B7B8B8"/>
@@ -2434,42 +2235,18 @@
                         </a:spcBef>
                       </a:pPr>
                       <a:r>
-                        <a:rPr sz="900" spc="0">
+                        <a:rPr lang="it-IT" sz="900">
                           <a:solidFill>
                             <a:srgbClr val="FFFFFF"/>
                           </a:solidFill>
                           <a:latin typeface="Adobe Clean"/>
                           <a:cs typeface="Adobe Clean"/>
                         </a:rPr>
-                        <a:t>Business</a:t>
+                        <a:t>Supporto Business</a:t>
                       </a:r>
-                      <a:r>
-                        <a:rPr lang="en-US" sz="900" spc="0">
-                          <a:solidFill>
-                            <a:srgbClr val="FFFFFF"/>
-                          </a:solidFill>
-                          <a:latin typeface="Adobe Clean"/>
-                          <a:cs typeface="Adobe Clean"/>
-                        </a:rPr>
-                        <a:t> </a:t>
-                      </a:r>
-                      <a:r>
-                        <a:rPr sz="900" spc="0">
-                          <a:solidFill>
-                            <a:srgbClr val="FFFFFF"/>
-                          </a:solidFill>
-                          <a:latin typeface="Adobe Clean"/>
-                          <a:cs typeface="Adobe Clean"/>
-                        </a:rPr>
-                        <a:t>Support</a:t>
-                      </a:r>
-                      <a:endParaRPr sz="900" spc="0">
-                        <a:latin typeface="Adobe Clean"/>
-                        <a:cs typeface="Adobe Clean"/>
-                      </a:endParaRPr>
                     </a:p>
                   </a:txBody>
-                  <a:tcPr marL="182880" marT="91440" anchor="ctr">
+                  <a:tcPr anchor="ctr">
                     <a:lnL w="3175">
                       <a:solidFill>
                         <a:srgbClr val="B7B8B8"/>
@@ -2505,7 +2282,7 @@
                   </a:ext>
                 </a:extLst>
               </a:tr>
-              <a:tr h="514672">
+              <a:tr h="484755">
                 <a:tc>
                   <a:txBody>
                     <a:bodyPr/>
@@ -2520,19 +2297,15 @@
                         </a:spcBef>
                       </a:pPr>
                       <a:r>
-                        <a:rPr sz="900" b="1" spc="0">
+                        <a:rPr lang="it-IT" sz="900" b="1" dirty="0">
                           <a:solidFill>
                             <a:srgbClr val="020302"/>
                           </a:solidFill>
                           <a:latin typeface="Adobe Clean"/>
                           <a:cs typeface="Adobe Clean"/>
                         </a:rPr>
-                        <a:t>PRIORITY 1</a:t>
+                        <a:t>PRIORITÀ 1 (P1)</a:t>
                       </a:r>
-                      <a:endParaRPr sz="900" spc="0">
-                        <a:latin typeface="Adobe Clean"/>
-                        <a:cs typeface="Adobe Clean"/>
-                      </a:endParaRPr>
                     </a:p>
                     <a:p>
                       <a:pPr marL="50800" marR="387985" lvl="0" indent="0" algn="l" defTabSz="914400" rtl="0" eaLnBrk="1" fontAlgn="auto" latinLnBrk="0" hangingPunct="1">
@@ -2553,19 +2326,31 @@
                         <a:defRPr/>
                       </a:pPr>
                       <a:r>
-                        <a:rPr lang="en-US" sz="900" b="0" i="0" spc="0">
+                        <a:rPr lang="it-IT" sz="900" b="0" i="0" dirty="0">
                           <a:solidFill>
                             <a:srgbClr val="000000"/>
                           </a:solidFill>
-                          <a:effectLst/>
                           <a:latin typeface="Adobe Clean Light" panose="020B0303020404020204" pitchFamily="34" charset="0"/>
                         </a:rPr>
-                        <a:t>Customer's production business functions are down or have significant data loss or service degradation and immediate attention is required to restore functionality and usability</a:t>
+                        <a:t>Le funzioni operative nell’ambiente di produzione del cliente non sono disponibili oppure </a:t>
                       </a:r>
-                      <a:endParaRPr lang="en-US" sz="900" b="0" i="0" spc="0">
-                        <a:latin typeface="Adobe Clean Light" panose="020B0303020404020204" pitchFamily="34" charset="0"/>
-                        <a:cs typeface="AdobeClean-Light"/>
-                      </a:endParaRPr>
+                      <a:br>
+                        <a:rPr lang="sk-SK" sz="900" b="0" i="0" dirty="0">
+                          <a:solidFill>
+                            <a:srgbClr val="000000"/>
+                          </a:solidFill>
+                          <a:latin typeface="Adobe Clean Light" panose="020B0303020404020204" pitchFamily="34" charset="0"/>
+                        </a:rPr>
+                      </a:br>
+                      <a:r>
+                        <a:rPr lang="it-IT" sz="900" b="0" i="0" dirty="0">
+                          <a:solidFill>
+                            <a:srgbClr val="000000"/>
+                          </a:solidFill>
+                          <a:latin typeface="Adobe Clean Light" panose="020B0303020404020204" pitchFamily="34" charset="0"/>
+                        </a:rPr>
+                        <a:t>si verificano problemi significativi di perdita di dati o deterioramento del servizio ed è richiesto un intervento immediato per ripristinare funzionalità e usabilità.</a:t>
+                      </a:r>
                     </a:p>
                   </a:txBody>
                   <a:tcPr marL="0" marR="0" marT="3810" marB="0">
@@ -2609,62 +2394,18 @@
                         </a:spcBef>
                       </a:pPr>
                       <a:r>
-                        <a:rPr sz="900" spc="0">
+                        <a:rPr lang="it-IT" sz="900">
                           <a:solidFill>
                             <a:srgbClr val="020302"/>
                           </a:solidFill>
                           <a:latin typeface="AdobeClean-Light"/>
                           <a:cs typeface="AdobeClean-Light"/>
                         </a:rPr>
-                        <a:t>24x7</a:t>
+                        <a:t>24x7 /           1 ora</a:t>
                       </a:r>
-                      <a:r>
-                        <a:rPr lang="en-US" sz="900" spc="0">
-                          <a:solidFill>
-                            <a:srgbClr val="020302"/>
-                          </a:solidFill>
-                          <a:latin typeface="AdobeClean-Light"/>
-                          <a:cs typeface="AdobeClean-Light"/>
-                        </a:rPr>
-                        <a:t> </a:t>
-                      </a:r>
-                      <a:r>
-                        <a:rPr sz="900" spc="0">
-                          <a:solidFill>
-                            <a:srgbClr val="020302"/>
-                          </a:solidFill>
-                          <a:latin typeface="AdobeClean-Light"/>
-                          <a:cs typeface="AdobeClean-Light"/>
-                        </a:rPr>
-                        <a:t>/</a:t>
-                      </a:r>
-                      <a:r>
-                        <a:rPr lang="en-US" sz="900" spc="0">
-                          <a:solidFill>
-                            <a:srgbClr val="020302"/>
-                          </a:solidFill>
-                          <a:latin typeface="AdobeClean-Light"/>
-                          <a:cs typeface="AdobeClean-Light"/>
-                        </a:rPr>
-                        <a:t> </a:t>
-                      </a:r>
-                      <a:r>
-                        <a:rPr sz="900" spc="0">
-                          <a:solidFill>
-                            <a:srgbClr val="020302"/>
-                          </a:solidFill>
-                          <a:latin typeface="AdobeClean-Light"/>
-                          <a:cs typeface="AdobeClean-Light"/>
-                        </a:rPr>
-                        <a:t>1 hour</a:t>
-                      </a:r>
-                      <a:endParaRPr sz="900" spc="0">
-                        <a:latin typeface="AdobeClean-Light"/>
-                        <a:cs typeface="AdobeClean-Light"/>
-                      </a:endParaRPr>
                     </a:p>
                   </a:txBody>
-                  <a:tcPr marL="0" marR="0" marT="91440" marB="91440" anchor="ctr" anchorCtr="1">
+                  <a:tcPr anchor="ctr">
                     <a:lnL w="3175">
                       <a:solidFill>
                         <a:srgbClr val="B7B8B8"/>
@@ -2705,62 +2446,18 @@
                         </a:spcBef>
                       </a:pPr>
                       <a:r>
-                        <a:rPr sz="900" spc="0">
+                        <a:rPr lang="it-IT" sz="900">
                           <a:solidFill>
                             <a:srgbClr val="020302"/>
                           </a:solidFill>
                           <a:latin typeface="AdobeClean-Light"/>
                           <a:cs typeface="AdobeClean-Light"/>
                         </a:rPr>
-                        <a:t>24x7</a:t>
+                        <a:t>24x7 /          1 ora</a:t>
                       </a:r>
-                      <a:r>
-                        <a:rPr lang="en-US" sz="900" spc="0">
-                          <a:solidFill>
-                            <a:srgbClr val="020302"/>
-                          </a:solidFill>
-                          <a:latin typeface="AdobeClean-Light"/>
-                          <a:cs typeface="AdobeClean-Light"/>
-                        </a:rPr>
-                        <a:t> </a:t>
-                      </a:r>
-                      <a:r>
-                        <a:rPr sz="900" spc="0">
-                          <a:solidFill>
-                            <a:srgbClr val="020302"/>
-                          </a:solidFill>
-                          <a:latin typeface="AdobeClean-Light"/>
-                          <a:cs typeface="AdobeClean-Light"/>
-                        </a:rPr>
-                        <a:t>/</a:t>
-                      </a:r>
-                      <a:r>
-                        <a:rPr lang="en-US" sz="900" spc="0">
-                          <a:solidFill>
-                            <a:srgbClr val="020302"/>
-                          </a:solidFill>
-                          <a:latin typeface="AdobeClean-Light"/>
-                          <a:cs typeface="AdobeClean-Light"/>
-                        </a:rPr>
-                        <a:t> </a:t>
-                      </a:r>
-                      <a:r>
-                        <a:rPr sz="900" spc="0">
-                          <a:solidFill>
-                            <a:srgbClr val="020302"/>
-                          </a:solidFill>
-                          <a:latin typeface="AdobeClean-Light"/>
-                          <a:cs typeface="AdobeClean-Light"/>
-                        </a:rPr>
-                        <a:t>1 hour</a:t>
-                      </a:r>
-                      <a:endParaRPr sz="900" spc="0">
-                        <a:latin typeface="AdobeClean-Light"/>
-                        <a:cs typeface="AdobeClean-Light"/>
-                      </a:endParaRPr>
                     </a:p>
                   </a:txBody>
-                  <a:tcPr marL="0" marR="0" marT="91440" marB="91440" anchor="ctr" anchorCtr="1">
+                  <a:tcPr anchor="ctr">
                     <a:lnL w="3175">
                       <a:solidFill>
                         <a:srgbClr val="B7B8B8"/>
@@ -2798,7 +2495,7 @@
                   </a:ext>
                 </a:extLst>
               </a:tr>
-              <a:tr h="514672">
+              <a:tr h="484755">
                 <a:tc>
                   <a:txBody>
                     <a:bodyPr/>
@@ -2813,19 +2510,15 @@
                         </a:spcBef>
                       </a:pPr>
                       <a:r>
-                        <a:rPr sz="900" b="1" spc="0">
+                        <a:rPr lang="it-IT" sz="900" b="1">
                           <a:solidFill>
                             <a:srgbClr val="020302"/>
                           </a:solidFill>
                           <a:latin typeface="Adobe Clean"/>
                           <a:cs typeface="Adobe Clean"/>
                         </a:rPr>
-                        <a:t>PRIORITY 2</a:t>
+                        <a:t>PRIORITÀ 2 (P2)</a:t>
                       </a:r>
-                      <a:endParaRPr sz="900" spc="0">
-                        <a:latin typeface="Adobe Clean"/>
-                        <a:cs typeface="Adobe Clean"/>
-                      </a:endParaRPr>
                     </a:p>
                     <a:p>
                       <a:pPr marL="50165" marR="203200">
@@ -2837,19 +2530,14 @@
                         </a:spcBef>
                       </a:pPr>
                       <a:r>
-                        <a:rPr lang="en-US" sz="900" b="0" i="0" spc="0">
+                        <a:rPr lang="it-IT" sz="900" b="0" i="0">
                           <a:solidFill>
                             <a:srgbClr val="000000"/>
                           </a:solidFill>
-                          <a:effectLst/>
                           <a:latin typeface="Adobe Clean Light" panose="020B0303020404020204" pitchFamily="34" charset="0"/>
                         </a:rPr>
-                        <a:t>Customer's business functions have major service degradation or potential data loss, or a major feature is impacted </a:t>
+                        <a:t>Le funzioni operative del cliente hanno subìto un notevole deterioramento del servizio o potenziale perdita di dati, oppure un problema interessa una funzione importante. </a:t>
                       </a:r>
-                      <a:endParaRPr lang="en-US" sz="900" b="0" i="0" spc="0">
-                        <a:latin typeface="Adobe Clean Light" panose="020B0303020404020204" pitchFamily="34" charset="0"/>
-                        <a:cs typeface="AdobeClean-Light"/>
-                      </a:endParaRPr>
                     </a:p>
                   </a:txBody>
                   <a:tcPr marL="0" marR="0" marT="3810" marB="0">
@@ -2893,82 +2581,18 @@
                         </a:spcBef>
                       </a:pPr>
                       <a:r>
-                        <a:rPr sz="900" spc="0">
+                        <a:rPr lang="it-IT" sz="900">
                           <a:solidFill>
                             <a:srgbClr val="020302"/>
                           </a:solidFill>
                           <a:latin typeface="AdobeClean-Light"/>
                           <a:cs typeface="AdobeClean-Light"/>
                         </a:rPr>
-                        <a:t>Business</a:t>
+                        <a:t>Orario operativo /     4 ore</a:t>
                       </a:r>
-                      <a:r>
-                        <a:rPr lang="en-US" sz="900" spc="0">
-                          <a:solidFill>
-                            <a:srgbClr val="020302"/>
-                          </a:solidFill>
-                          <a:latin typeface="AdobeClean-Light"/>
-                          <a:cs typeface="AdobeClean-Light"/>
-                        </a:rPr>
-                        <a:t> </a:t>
-                      </a:r>
-                      <a:r>
-                        <a:rPr sz="900" spc="0">
-                          <a:solidFill>
-                            <a:srgbClr val="020302"/>
-                          </a:solidFill>
-                          <a:latin typeface="AdobeClean-Light"/>
-                          <a:cs typeface="AdobeClean-Light"/>
-                        </a:rPr>
-                        <a:t>hours</a:t>
-                      </a:r>
-                      <a:r>
-                        <a:rPr lang="en-US" sz="900" spc="0">
-                          <a:solidFill>
-                            <a:srgbClr val="020302"/>
-                          </a:solidFill>
-                          <a:latin typeface="AdobeClean-Light"/>
-                          <a:cs typeface="AdobeClean-Light"/>
-                        </a:rPr>
-                        <a:t> </a:t>
-                      </a:r>
-                      <a:r>
-                        <a:rPr sz="900" spc="0">
-                          <a:solidFill>
-                            <a:srgbClr val="020302"/>
-                          </a:solidFill>
-                          <a:latin typeface="AdobeClean-Light"/>
-                          <a:cs typeface="AdobeClean-Light"/>
-                        </a:rPr>
-                        <a:t>/</a:t>
-                      </a:r>
-                      <a:r>
-                        <a:rPr lang="en-US" sz="900" spc="0">
-                          <a:solidFill>
-                            <a:srgbClr val="020302"/>
-                          </a:solidFill>
-                          <a:latin typeface="AdobeClean-Light"/>
-                          <a:cs typeface="AdobeClean-Light"/>
-                        </a:rPr>
-                        <a:t> </a:t>
-                      </a:r>
-                      <a:r>
-                        <a:rPr sz="900" spc="0">
-                          <a:solidFill>
-                            <a:srgbClr val="020302"/>
-                          </a:solidFill>
-                          <a:latin typeface="AdobeClean-Light"/>
-                          <a:cs typeface="AdobeClean-Light"/>
-                        </a:rPr>
-                        <a:t>4 hours</a:t>
-                      </a:r>
-                      <a:endParaRPr sz="900" spc="0">
-                        <a:latin typeface="AdobeClean-Light"/>
-                        <a:cs typeface="AdobeClean-Light"/>
-                      </a:endParaRPr>
                     </a:p>
                   </a:txBody>
-                  <a:tcPr marL="0" marR="0" marT="91440" marB="91440" anchor="ctr" anchorCtr="1">
+                  <a:tcPr anchor="ctr">
                     <a:lnL w="3175">
                       <a:solidFill>
                         <a:srgbClr val="B7B8B8"/>
@@ -3009,92 +2633,18 @@
                         </a:spcBef>
                       </a:pPr>
                       <a:r>
-                        <a:rPr lang="en-US" sz="900" spc="0">
+                        <a:rPr lang="it-IT" sz="900">
                           <a:solidFill>
                             <a:srgbClr val="020302"/>
                           </a:solidFill>
                           <a:latin typeface="AdobeClean-Light"/>
                           <a:cs typeface="AdobeClean-Light"/>
                         </a:rPr>
-                        <a:t>    </a:t>
+                        <a:t>Orario operativo /      2 ore</a:t>
                       </a:r>
-                      <a:r>
-                        <a:rPr sz="900" spc="0">
-                          <a:solidFill>
-                            <a:srgbClr val="020302"/>
-                          </a:solidFill>
-                          <a:latin typeface="AdobeClean-Light"/>
-                          <a:cs typeface="AdobeClean-Light"/>
-                        </a:rPr>
-                        <a:t>Business</a:t>
-                      </a:r>
-                      <a:r>
-                        <a:rPr lang="en-US" sz="900" spc="0">
-                          <a:solidFill>
-                            <a:srgbClr val="020302"/>
-                          </a:solidFill>
-                          <a:latin typeface="AdobeClean-Light"/>
-                          <a:cs typeface="AdobeClean-Light"/>
-                        </a:rPr>
-                        <a:t> </a:t>
-                      </a:r>
-                      <a:r>
-                        <a:rPr sz="900" spc="0">
-                          <a:solidFill>
-                            <a:srgbClr val="020302"/>
-                          </a:solidFill>
-                          <a:latin typeface="AdobeClean-Light"/>
-                          <a:cs typeface="AdobeClean-Light"/>
-                        </a:rPr>
-                        <a:t>hours</a:t>
-                      </a:r>
-                      <a:r>
-                        <a:rPr lang="en-US" sz="900" spc="0">
-                          <a:solidFill>
-                            <a:srgbClr val="020302"/>
-                          </a:solidFill>
-                          <a:latin typeface="AdobeClean-Light"/>
-                          <a:cs typeface="AdobeClean-Light"/>
-                        </a:rPr>
-                        <a:t> / </a:t>
-                      </a:r>
-                      <a:r>
-                        <a:rPr sz="900" spc="0">
-                          <a:solidFill>
-                            <a:srgbClr val="020302"/>
-                          </a:solidFill>
-                          <a:latin typeface="AdobeClean-Light"/>
-                          <a:cs typeface="AdobeClean-Light"/>
-                        </a:rPr>
-                        <a:t>2</a:t>
-                      </a:r>
-                      <a:r>
-                        <a:rPr lang="en-US" sz="900" spc="0">
-                          <a:solidFill>
-                            <a:srgbClr val="020302"/>
-                          </a:solidFill>
-                          <a:latin typeface="AdobeClean-Light"/>
-                          <a:cs typeface="AdobeClean-Light"/>
-                        </a:rPr>
-                        <a:t> </a:t>
-                      </a:r>
-                      <a:r>
-                        <a:rPr sz="900" spc="0">
-                          <a:solidFill>
-                            <a:srgbClr val="020302"/>
-                          </a:solidFill>
-                          <a:latin typeface="AdobeClean-Light"/>
-                          <a:cs typeface="AdobeClean-Light"/>
-                        </a:rPr>
-                        <a:t>hours</a:t>
-                      </a:r>
-                      <a:endParaRPr sz="900" spc="0">
-                        <a:latin typeface="AdobeClean-Light"/>
-                        <a:cs typeface="AdobeClean-Light"/>
-                      </a:endParaRPr>
                     </a:p>
                   </a:txBody>
-                  <a:tcPr marL="0" marR="0" marT="91440" marB="91440" anchor="ctr" anchorCtr="1">
+                  <a:tcPr anchor="ctr">
                     <a:lnL w="3175">
                       <a:solidFill>
                         <a:srgbClr val="B7B8B8"/>
@@ -3132,7 +2682,7 @@
                   </a:ext>
                 </a:extLst>
               </a:tr>
-              <a:tr h="514673">
+              <a:tr h="484756">
                 <a:tc>
                   <a:txBody>
                     <a:bodyPr/>
@@ -3147,19 +2697,15 @@
                         </a:spcBef>
                       </a:pPr>
                       <a:r>
-                        <a:rPr sz="900" b="1" spc="0">
+                        <a:rPr lang="it-IT" sz="900" b="1" dirty="0">
                           <a:solidFill>
                             <a:srgbClr val="020302"/>
                           </a:solidFill>
                           <a:latin typeface="Adobe Clean"/>
                           <a:cs typeface="Adobe Clean"/>
                         </a:rPr>
-                        <a:t>PRIORITY 3</a:t>
+                        <a:t>PRIORITÀ 3 (P3)</a:t>
                       </a:r>
-                      <a:endParaRPr sz="900" spc="0">
-                        <a:latin typeface="Adobe Clean"/>
-                        <a:cs typeface="Adobe Clean"/>
-                      </a:endParaRPr>
                     </a:p>
                     <a:p>
                       <a:pPr marL="49530" marR="212090" indent="-2540">
@@ -3171,26 +2717,52 @@
                         </a:spcBef>
                       </a:pPr>
                       <a:r>
-                        <a:rPr kumimoji="0" lang="en-US" sz="900" b="0" i="0" u="none" strike="noStrike" kern="1200" cap="none" spc="0" normalizeH="0" baseline="0" noProof="0">
+                        <a:rPr kumimoji="0" lang="it-IT" sz="900" b="0" i="0" u="none" strike="noStrike" cap="none" normalizeH="0" baseline="0" noProof="0" dirty="0">
                           <a:ln>
                             <a:noFill/>
                           </a:ln>
                           <a:solidFill>
                             <a:srgbClr val="000000"/>
                           </a:solidFill>
-                          <a:effectLst/>
                           <a:uLnTx/>
                           <a:uFillTx/>
                           <a:latin typeface="Adobe Clean Light" panose="020B0303020404020204" pitchFamily="34" charset="0"/>
                           <a:ea typeface="+mn-ea"/>
                           <a:cs typeface="+mn-cs"/>
                         </a:rPr>
-                        <a:t>Customer's business functions have minor service degradation but there exists a solution/workaround allowing business functions to continue </a:t>
+                        <a:t>Le funzioni operative del cliente sono interessate da deterioramento lieve del servizio, </a:t>
                       </a:r>
-                      <a:endParaRPr lang="en-US" sz="900" b="0" i="0" spc="0">
-                        <a:latin typeface="Adobe Clean Light" panose="020B0303020404020204" pitchFamily="34" charset="0"/>
-                        <a:cs typeface="AdobeClean-Light"/>
-                      </a:endParaRPr>
+                      <a:br>
+                        <a:rPr kumimoji="0" lang="sk-SK" sz="900" b="0" i="0" u="none" strike="noStrike" cap="none" normalizeH="0" baseline="0" noProof="0" dirty="0">
+                          <a:ln>
+                            <a:noFill/>
+                          </a:ln>
+                          <a:solidFill>
+                            <a:srgbClr val="000000"/>
+                          </a:solidFill>
+                          <a:uLnTx/>
+                          <a:uFillTx/>
+                          <a:latin typeface="Adobe Clean Light" panose="020B0303020404020204" pitchFamily="34" charset="0"/>
+                          <a:ea typeface="+mn-ea"/>
+                          <a:cs typeface="+mn-cs"/>
+                        </a:rPr>
+                      </a:br>
+                      <a:r>
+                        <a:rPr kumimoji="0" lang="it-IT" sz="900" b="0" i="0" u="none" strike="noStrike" cap="none" normalizeH="0" baseline="0" noProof="0" dirty="0">
+                          <a:ln>
+                            <a:noFill/>
+                          </a:ln>
+                          <a:solidFill>
+                            <a:srgbClr val="000000"/>
+                          </a:solidFill>
+                          <a:uLnTx/>
+                          <a:uFillTx/>
+                          <a:latin typeface="Adobe Clean Light" panose="020B0303020404020204" pitchFamily="34" charset="0"/>
+                          <a:ea typeface="+mn-ea"/>
+                          <a:cs typeface="+mn-cs"/>
+                        </a:rPr>
+                        <a:t>tuttavia è possibile procedere mediante una soluzione temporanea. </a:t>
+                      </a:r>
                     </a:p>
                   </a:txBody>
                   <a:tcPr marL="0" marR="0" marT="3810" marB="0">
@@ -3234,92 +2806,18 @@
                         </a:spcBef>
                       </a:pPr>
                       <a:r>
-                        <a:rPr lang="en-US" sz="900" spc="0">
+                        <a:rPr lang="it-IT" sz="900">
                           <a:solidFill>
                             <a:srgbClr val="020302"/>
                           </a:solidFill>
                           <a:latin typeface="AdobeClean-Light"/>
                           <a:cs typeface="AdobeClean-Light"/>
                         </a:rPr>
-                        <a:t>   </a:t>
+                        <a:t>Orario operativo /     6 ore</a:t>
                       </a:r>
-                      <a:r>
-                        <a:rPr sz="900" spc="0">
-                          <a:solidFill>
-                            <a:srgbClr val="020302"/>
-                          </a:solidFill>
-                          <a:latin typeface="AdobeClean-Light"/>
-                          <a:cs typeface="AdobeClean-Light"/>
-                        </a:rPr>
-                        <a:t>Business</a:t>
-                      </a:r>
-                      <a:r>
-                        <a:rPr lang="en-US" sz="900" spc="0">
-                          <a:solidFill>
-                            <a:srgbClr val="020302"/>
-                          </a:solidFill>
-                          <a:latin typeface="AdobeClean-Light"/>
-                          <a:cs typeface="AdobeClean-Light"/>
-                        </a:rPr>
-                        <a:t> </a:t>
-                      </a:r>
-                      <a:r>
-                        <a:rPr sz="900" spc="0">
-                          <a:solidFill>
-                            <a:srgbClr val="020302"/>
-                          </a:solidFill>
-                          <a:latin typeface="AdobeClean-Light"/>
-                          <a:cs typeface="AdobeClean-Light"/>
-                        </a:rPr>
-                        <a:t>hours</a:t>
-                      </a:r>
-                      <a:r>
-                        <a:rPr lang="en-US" sz="900" spc="0">
-                          <a:solidFill>
-                            <a:srgbClr val="020302"/>
-                          </a:solidFill>
-                          <a:latin typeface="AdobeClean-Light"/>
-                          <a:cs typeface="AdobeClean-Light"/>
-                        </a:rPr>
-                        <a:t> / </a:t>
-                      </a:r>
-                      <a:r>
-                        <a:rPr sz="900" spc="0">
-                          <a:solidFill>
-                            <a:srgbClr val="020302"/>
-                          </a:solidFill>
-                          <a:latin typeface="AdobeClean-Light"/>
-                          <a:cs typeface="AdobeClean-Light"/>
-                        </a:rPr>
-                        <a:t>6</a:t>
-                      </a:r>
-                      <a:r>
-                        <a:rPr lang="en-US" sz="900" spc="0">
-                          <a:solidFill>
-                            <a:srgbClr val="020302"/>
-                          </a:solidFill>
-                          <a:latin typeface="AdobeClean-Light"/>
-                          <a:cs typeface="AdobeClean-Light"/>
-                        </a:rPr>
-                        <a:t> </a:t>
-                      </a:r>
-                      <a:r>
-                        <a:rPr sz="900" spc="0">
-                          <a:solidFill>
-                            <a:srgbClr val="020302"/>
-                          </a:solidFill>
-                          <a:latin typeface="AdobeClean-Light"/>
-                          <a:cs typeface="AdobeClean-Light"/>
-                        </a:rPr>
-                        <a:t>hours</a:t>
-                      </a:r>
-                      <a:endParaRPr sz="900" spc="0">
-                        <a:latin typeface="AdobeClean-Light"/>
-                        <a:cs typeface="AdobeClean-Light"/>
-                      </a:endParaRPr>
                     </a:p>
                   </a:txBody>
-                  <a:tcPr marL="0" marR="0" marT="91440" marB="91440" anchor="ctr" anchorCtr="1">
+                  <a:tcPr anchor="ctr">
                     <a:lnL w="3175">
                       <a:solidFill>
                         <a:srgbClr val="B7B8B8"/>
@@ -3360,82 +2858,18 @@
                         </a:spcBef>
                       </a:pPr>
                       <a:r>
-                        <a:rPr sz="900" spc="0">
+                        <a:rPr lang="it-IT" sz="900">
                           <a:solidFill>
                             <a:srgbClr val="020302"/>
                           </a:solidFill>
                           <a:latin typeface="AdobeClean-Light"/>
                           <a:cs typeface="AdobeClean-Light"/>
                         </a:rPr>
-                        <a:t>Business</a:t>
+                        <a:t>Orario operativo /     4 ore</a:t>
                       </a:r>
-                      <a:r>
-                        <a:rPr lang="en-US" sz="900" spc="0">
-                          <a:solidFill>
-                            <a:srgbClr val="020302"/>
-                          </a:solidFill>
-                          <a:latin typeface="AdobeClean-Light"/>
-                          <a:cs typeface="AdobeClean-Light"/>
-                        </a:rPr>
-                        <a:t> </a:t>
-                      </a:r>
-                      <a:r>
-                        <a:rPr sz="900" spc="0">
-                          <a:solidFill>
-                            <a:srgbClr val="020302"/>
-                          </a:solidFill>
-                          <a:latin typeface="AdobeClean-Light"/>
-                          <a:cs typeface="AdobeClean-Light"/>
-                        </a:rPr>
-                        <a:t>hours</a:t>
-                      </a:r>
-                      <a:r>
-                        <a:rPr lang="en-US" sz="900" spc="0">
-                          <a:solidFill>
-                            <a:srgbClr val="020302"/>
-                          </a:solidFill>
-                          <a:latin typeface="AdobeClean-Light"/>
-                          <a:cs typeface="AdobeClean-Light"/>
-                        </a:rPr>
-                        <a:t> </a:t>
-                      </a:r>
-                      <a:r>
-                        <a:rPr sz="900" spc="0">
-                          <a:solidFill>
-                            <a:srgbClr val="020302"/>
-                          </a:solidFill>
-                          <a:latin typeface="AdobeClean-Light"/>
-                          <a:cs typeface="AdobeClean-Light"/>
-                        </a:rPr>
-                        <a:t>/ 4</a:t>
-                      </a:r>
-                      <a:r>
-                        <a:rPr lang="en-US" sz="900" spc="0">
-                          <a:solidFill>
-                            <a:srgbClr val="020302"/>
-                          </a:solidFill>
-                          <a:latin typeface="AdobeClean-Light"/>
-                          <a:cs typeface="AdobeClean-Light"/>
-                        </a:rPr>
-                        <a:t> </a:t>
-                      </a:r>
-                      <a:r>
-                        <a:rPr sz="900" spc="0">
-                          <a:solidFill>
-                            <a:srgbClr val="020302"/>
-                          </a:solidFill>
-                          <a:latin typeface="AdobeClean-Light"/>
-                          <a:cs typeface="AdobeClean-Light"/>
-                        </a:rPr>
-                        <a:t>hours</a:t>
-                      </a:r>
-                      <a:endParaRPr sz="900" spc="0">
-                        <a:latin typeface="AdobeClean-Light"/>
-                        <a:cs typeface="AdobeClean-Light"/>
-                      </a:endParaRPr>
                     </a:p>
                   </a:txBody>
-                  <a:tcPr marL="0" marR="0" marT="91440" marB="91440" anchor="ctr" anchorCtr="1">
+                  <a:tcPr anchor="ctr">
                     <a:lnL w="3175">
                       <a:solidFill>
                         <a:srgbClr val="B7B8B8"/>
@@ -3473,7 +2907,7 @@
                   </a:ext>
                 </a:extLst>
               </a:tr>
-              <a:tr h="388333">
+              <a:tr h="359998">
                 <a:tc>
                   <a:txBody>
                     <a:bodyPr/>
@@ -3488,19 +2922,15 @@
                         </a:spcBef>
                       </a:pPr>
                       <a:r>
-                        <a:rPr sz="900" b="1" spc="0">
+                        <a:rPr lang="it-IT" sz="900" b="1" dirty="0">
                           <a:solidFill>
                             <a:srgbClr val="020302"/>
                           </a:solidFill>
                           <a:latin typeface="Adobe Clean"/>
                           <a:cs typeface="Adobe Clean"/>
                         </a:rPr>
-                        <a:t>PRIORITY 4</a:t>
+                        <a:t>PRIORITÀ 4 (P4)</a:t>
                       </a:r>
-                      <a:endParaRPr sz="900" spc="0">
-                        <a:latin typeface="Adobe Clean"/>
-                        <a:cs typeface="Adobe Clean"/>
-                      </a:endParaRPr>
                     </a:p>
                     <a:p>
                       <a:pPr marL="48895" marR="0" lvl="0" indent="0" defTabSz="914400" eaLnBrk="1" fontAlgn="auto" latinLnBrk="0" hangingPunct="1">
@@ -3521,19 +2951,14 @@
                         <a:defRPr/>
                       </a:pPr>
                       <a:r>
-                        <a:rPr lang="en-US" sz="900" b="0" i="0" spc="0">
+                        <a:rPr lang="it-IT" sz="900" b="0" i="0" dirty="0">
                           <a:solidFill>
                             <a:srgbClr val="000000"/>
                           </a:solidFill>
-                          <a:effectLst/>
                           <a:latin typeface="Adobe Clean Light" panose="020B0303020404020204" pitchFamily="34" charset="0"/>
                         </a:rPr>
-                        <a:t>General question regarding current product functionality or an enhancement request</a:t>
+                        <a:t>Domande generali sulle attuali funzionalità del prodotto o su una richiesta di miglioramento</a:t>
                       </a:r>
-                      <a:endParaRPr lang="en-US" sz="900" b="0" i="0" spc="0">
-                        <a:latin typeface="Adobe Clean Light" panose="020B0303020404020204" pitchFamily="34" charset="0"/>
-                        <a:cs typeface="AdobeClean-Light"/>
-                      </a:endParaRPr>
                     </a:p>
                   </a:txBody>
                   <a:tcPr marL="0" marR="0" marT="1905" marB="0">
@@ -3577,72 +3002,18 @@
                         </a:spcBef>
                       </a:pPr>
                       <a:r>
-                        <a:rPr lang="en-US" sz="900" spc="0">
+                        <a:rPr lang="it-IT" sz="900">
                           <a:solidFill>
                             <a:srgbClr val="020302"/>
                           </a:solidFill>
                           <a:latin typeface="AdobeClean-Light"/>
                           <a:cs typeface="AdobeClean-Light"/>
                         </a:rPr>
-                        <a:t>  </a:t>
+                        <a:t>Giorni lavorativi /     3 giorni</a:t>
                       </a:r>
-                      <a:r>
-                        <a:rPr sz="900" spc="0">
-                          <a:solidFill>
-                            <a:srgbClr val="020302"/>
-                          </a:solidFill>
-                          <a:latin typeface="AdobeClean-Light"/>
-                          <a:cs typeface="AdobeClean-Light"/>
-                        </a:rPr>
-                        <a:t>Business</a:t>
-                      </a:r>
-                      <a:r>
-                        <a:rPr lang="en-US" sz="900" spc="0">
-                          <a:solidFill>
-                            <a:srgbClr val="020302"/>
-                          </a:solidFill>
-                          <a:latin typeface="AdobeClean-Light"/>
-                          <a:cs typeface="AdobeClean-Light"/>
-                        </a:rPr>
-                        <a:t> </a:t>
-                      </a:r>
-                      <a:r>
-                        <a:rPr sz="900" spc="0">
-                          <a:solidFill>
-                            <a:srgbClr val="020302"/>
-                          </a:solidFill>
-                          <a:latin typeface="AdobeClean-Light"/>
-                          <a:cs typeface="AdobeClean-Light"/>
-                        </a:rPr>
-                        <a:t>days</a:t>
-                      </a:r>
-                      <a:r>
-                        <a:rPr lang="en-US" sz="900" spc="0">
-                          <a:solidFill>
-                            <a:srgbClr val="020302"/>
-                          </a:solidFill>
-                          <a:latin typeface="AdobeClean-Light"/>
-                          <a:cs typeface="AdobeClean-Light"/>
-                        </a:rPr>
-                        <a:t> / </a:t>
-                      </a:r>
-                      <a:r>
-                        <a:rPr sz="900" spc="0">
-                          <a:solidFill>
-                            <a:srgbClr val="020302"/>
-                          </a:solidFill>
-                          <a:latin typeface="AdobeClean-Light"/>
-                          <a:cs typeface="AdobeClean-Light"/>
-                        </a:rPr>
-                        <a:t>3 days</a:t>
-                      </a:r>
-                      <a:endParaRPr sz="900" spc="0">
-                        <a:latin typeface="AdobeClean-Light"/>
-                        <a:cs typeface="AdobeClean-Light"/>
-                      </a:endParaRPr>
                     </a:p>
                   </a:txBody>
-                  <a:tcPr marL="0" marR="0" marT="91440" marB="91440" anchor="ctr" anchorCtr="1">
+                  <a:tcPr anchor="ctr">
                     <a:lnL w="3175">
                       <a:solidFill>
                         <a:srgbClr val="B7B8B8"/>
@@ -3683,82 +3054,38 @@
                         </a:spcBef>
                       </a:pPr>
                       <a:r>
-                        <a:rPr sz="900" spc="0">
+                        <a:rPr lang="it-IT" sz="900" dirty="0">
                           <a:solidFill>
                             <a:srgbClr val="020302"/>
                           </a:solidFill>
                           <a:latin typeface="AdobeClean-Light"/>
                           <a:cs typeface="AdobeClean-Light"/>
                         </a:rPr>
-                        <a:t>Business</a:t>
+                        <a:t>Giorni lavorativi / </a:t>
                       </a:r>
+                    </a:p>
+                    <a:p>
+                      <a:pPr marL="370840" marR="223520" indent="-202565" algn="ctr">
+                        <a:lnSpc>
+                          <a:spcPct val="100000"/>
+                        </a:lnSpc>
+                        <a:spcBef>
+                          <a:spcPts val="155"/>
+                        </a:spcBef>
+                      </a:pPr>
                       <a:r>
-                        <a:rPr lang="en-US" sz="900" spc="0">
+                        <a:rPr lang="it-IT" sz="900" dirty="0">
                           <a:solidFill>
                             <a:srgbClr val="020302"/>
                           </a:solidFill>
                           <a:latin typeface="AdobeClean-Light"/>
                           <a:cs typeface="AdobeClean-Light"/>
                         </a:rPr>
-                        <a:t> </a:t>
+                        <a:t>  1 giorno</a:t>
                       </a:r>
-                      <a:r>
-                        <a:rPr sz="900" spc="0">
-                          <a:solidFill>
-                            <a:srgbClr val="020302"/>
-                          </a:solidFill>
-                          <a:latin typeface="AdobeClean-Light"/>
-                          <a:cs typeface="AdobeClean-Light"/>
-                        </a:rPr>
-                        <a:t>day</a:t>
-                      </a:r>
-                      <a:r>
-                        <a:rPr lang="en-US" sz="900" spc="0">
-                          <a:solidFill>
-                            <a:srgbClr val="020302"/>
-                          </a:solidFill>
-                          <a:latin typeface="AdobeClean-Light"/>
-                          <a:cs typeface="AdobeClean-Light"/>
-                        </a:rPr>
-                        <a:t>s </a:t>
-                      </a:r>
-                      <a:r>
-                        <a:rPr sz="900" spc="0">
-                          <a:solidFill>
-                            <a:srgbClr val="020302"/>
-                          </a:solidFill>
-                          <a:latin typeface="AdobeClean-Light"/>
-                          <a:cs typeface="AdobeClean-Light"/>
-                        </a:rPr>
-                        <a:t>/</a:t>
-                      </a:r>
-                      <a:r>
-                        <a:rPr lang="en-US" sz="900" spc="0">
-                          <a:solidFill>
-                            <a:srgbClr val="020302"/>
-                          </a:solidFill>
-                          <a:latin typeface="AdobeClean-Light"/>
-                          <a:cs typeface="AdobeClean-Light"/>
-                        </a:rPr>
-                        <a:t> </a:t>
-                      </a:r>
-                      <a:r>
-                        <a:rPr sz="900" spc="0">
-                          <a:solidFill>
-                            <a:srgbClr val="020302"/>
-                          </a:solidFill>
-                          <a:latin typeface="AdobeClean-Light"/>
-                          <a:cs typeface="AdobeClean-Light"/>
-                        </a:rPr>
-                        <a:t>1 day</a:t>
-                      </a:r>
-                      <a:endParaRPr sz="900" spc="0">
-                        <a:latin typeface="AdobeClean-Light"/>
-                        <a:cs typeface="AdobeClean-Light"/>
-                      </a:endParaRPr>
                     </a:p>
                   </a:txBody>
-                  <a:tcPr marL="0" marR="0" marT="91440" marB="91440" anchor="ctr" anchorCtr="1">
+                  <a:tcPr anchor="ctr">
                     <a:lnL w="3175">
                       <a:solidFill>
                         <a:srgbClr val="B7B8B8"/>
@@ -3815,14 +3142,14 @@
           <p:nvPr>
             <p:extLst>
               <p:ext uri="{D42A27DB-BD31-4B8C-83A1-F6EECF244321}">
-                <p14:modId xmlns:p14="http://schemas.microsoft.com/office/powerpoint/2010/main" val="116851390"/>
+                <p14:modId xmlns:p14="http://schemas.microsoft.com/office/powerpoint/2010/main" val="495156521"/>
               </p:ext>
             </p:extLst>
           </p:nvPr>
         </p:nvGraphicFramePr>
         <p:xfrm>
           <a:off x="121147" y="2120949"/>
-          <a:ext cx="7498851" cy="4714546"/>
+          <a:ext cx="7498851" cy="4815558"/>
         </p:xfrm>
         <a:graphic>
           <a:graphicData uri="http://schemas.openxmlformats.org/drawingml/2006/table">
@@ -3904,39 +3231,15 @@
                         <a:defRPr/>
                       </a:pPr>
                       <a:r>
-                        <a:rPr lang="en-US" sz="900" spc="-20">
+                        <a:rPr lang="it-IT" sz="900">
                           <a:solidFill>
                             <a:srgbClr val="404040"/>
                           </a:solidFill>
                           <a:latin typeface="Adobe Clean"/>
                           <a:cs typeface="Adobe Clean"/>
                         </a:rPr>
-                        <a:t>Online </a:t>
+                        <a:t>Supporto Online</a:t>
                       </a:r>
-                      <a:r>
-                        <a:rPr lang="en-US" sz="900" spc="-135">
-                          <a:solidFill>
-                            <a:srgbClr val="404040"/>
-                          </a:solidFill>
-                          <a:latin typeface="Adobe Clean"/>
-                          <a:cs typeface="Adobe Clean"/>
-                        </a:rPr>
-                        <a:t> </a:t>
-                      </a:r>
-                      <a:r>
-                        <a:rPr lang="en-US" sz="900" spc="-20">
-                          <a:solidFill>
-                            <a:srgbClr val="404040"/>
-                          </a:solidFill>
-                          <a:latin typeface="Adobe Clean"/>
-                          <a:cs typeface="Adobe Clean"/>
-                        </a:rPr>
-                        <a:t>Support</a:t>
-                      </a:r>
-                      <a:endParaRPr lang="en-US" sz="900">
-                        <a:latin typeface="Adobe Clean"/>
-                        <a:cs typeface="Adobe Clean"/>
-                      </a:endParaRPr>
                     </a:p>
                   </a:txBody>
                   <a:tcPr marL="0" marR="0" marT="7620" marB="0" anchor="ctr">
@@ -3977,39 +3280,15 @@
                         </a:spcBef>
                       </a:pPr>
                       <a:r>
-                        <a:rPr sz="900" spc="-20">
+                        <a:rPr lang="it-IT" sz="900">
                           <a:solidFill>
                             <a:srgbClr val="FFFFFF"/>
                           </a:solidFill>
                           <a:latin typeface="Adobe Clean"/>
                           <a:cs typeface="Adobe Clean"/>
                         </a:rPr>
-                        <a:t>Business</a:t>
+                        <a:t>Supporto Business</a:t>
                       </a:r>
-                      <a:r>
-                        <a:rPr lang="en-US" sz="900" spc="-20">
-                          <a:solidFill>
-                            <a:srgbClr val="FFFFFF"/>
-                          </a:solidFill>
-                          <a:latin typeface="Adobe Clean"/>
-                          <a:cs typeface="Adobe Clean"/>
-                        </a:rPr>
-                        <a:t> </a:t>
-                      </a:r>
-                      <a:r>
-                        <a:rPr sz="900" spc="-20">
-                          <a:solidFill>
-                            <a:srgbClr val="FFFFFF"/>
-                          </a:solidFill>
-                          <a:latin typeface="Adobe Clean"/>
-                          <a:cs typeface="Adobe Clean"/>
-                        </a:rPr>
-                        <a:t>Support</a:t>
-                      </a:r>
-                      <a:endParaRPr sz="900">
-                        <a:latin typeface="Adobe Clean"/>
-                        <a:cs typeface="Adobe Clean"/>
-                      </a:endParaRPr>
                     </a:p>
                   </a:txBody>
                   <a:tcPr marL="0" marR="0" marT="7620" marB="0" anchor="ctr">
@@ -4074,7 +3353,7 @@
                     <a:bodyPr/>
                     <a:lstStyle/>
                     <a:p>
-                      <a:pPr marL="0" marR="0" lvl="0" indent="0" algn="ctr" defTabSz="914400" eaLnBrk="1" fontAlgn="auto" latinLnBrk="0" hangingPunct="1">
+                      <a:pPr marL="0" marR="0" lvl="0" indent="0" algn="l" defTabSz="914400" rtl="0" eaLnBrk="1" fontAlgn="auto" latinLnBrk="0" hangingPunct="1">
                         <a:lnSpc>
                           <a:spcPct val="100000"/>
                         </a:lnSpc>
@@ -4155,13 +3434,13 @@
                         <a:defRPr/>
                       </a:pPr>
                       <a:r>
-                        <a:rPr lang="en-US" sz="800" i="1">
+                        <a:rPr lang="it-IT" sz="800" i="1">
                           <a:solidFill>
                             <a:schemeClr val="bg1"/>
                           </a:solidFill>
                           <a:latin typeface="Adobe Clean Light" panose="020B0303020404020204" pitchFamily="34" charset="0"/>
                         </a:rPr>
-                        <a:t>Paid Support ($)</a:t>
+                        <a:t>Supporto a pagamento ($)</a:t>
                       </a:r>
                     </a:p>
                   </a:txBody>
@@ -4225,22 +3504,15 @@
                         </a:spcBef>
                       </a:pPr>
                       <a:r>
-                        <a:rPr lang="en-US" sz="1000" b="1" i="0" spc="0">
+                        <a:rPr lang="it-IT" sz="1000" b="1" i="0">
                           <a:solidFill>
                             <a:schemeClr val="bg1"/>
                           </a:solidFill>
                           <a:latin typeface="Adobe Clean" panose="020B0503020404020204" pitchFamily="34" charset="0"/>
                           <a:cs typeface="AdobeClean-Light"/>
                         </a:rPr>
-                        <a:t>Assigned Experts</a:t>
+                        <a:t>Esperti assegnati</a:t>
                       </a:r>
-                      <a:endParaRPr sz="1000" b="1" i="0" spc="0">
-                        <a:solidFill>
-                          <a:schemeClr val="bg1"/>
-                        </a:solidFill>
-                        <a:latin typeface="Adobe Clean" panose="020B0503020404020204" pitchFamily="34" charset="0"/>
-                        <a:cs typeface="AdobeClean-Light"/>
-                      </a:endParaRPr>
                     </a:p>
                   </a:txBody>
                   <a:tcPr marL="0" marR="0" marT="58419" marB="0" anchor="ctr">
@@ -4287,7 +3559,7 @@
                         </a:spcBef>
                       </a:pPr>
                       <a:r>
-                        <a:rPr sz="900" spc="0">
+                        <a:rPr lang="it-IT" sz="900">
                           <a:solidFill>
                             <a:srgbClr val="020302"/>
                           </a:solidFill>
@@ -4296,10 +3568,6 @@
                         </a:rPr>
                         <a:t>Account Support Lead</a:t>
                       </a:r>
-                      <a:endParaRPr sz="900" spc="0">
-                        <a:latin typeface="AdobeClean-Light"/>
-                        <a:cs typeface="AdobeClean-Light"/>
-                      </a:endParaRPr>
                     </a:p>
                   </a:txBody>
                   <a:tcPr marL="0" marR="0" marT="58419" marB="0">
@@ -4334,7 +3602,7 @@
                     <a:bodyPr/>
                     <a:lstStyle/>
                     <a:p>
-                      <a:pPr algn="ctr">
+                      <a:pPr algn="l" rtl="0">
                         <a:lnSpc>
                           <a:spcPct val="100000"/>
                         </a:lnSpc>
@@ -4384,7 +3652,7 @@
                         </a:spcBef>
                       </a:pPr>
                       <a:r>
-                        <a:rPr sz="900">
+                        <a:rPr lang="it-IT" sz="900">
                           <a:solidFill>
                             <a:srgbClr val="020302"/>
                           </a:solidFill>
@@ -4393,10 +3661,6 @@
                         </a:rPr>
                         <a:t></a:t>
                       </a:r>
-                      <a:endParaRPr sz="900">
-                        <a:latin typeface="Wingdings"/>
-                        <a:cs typeface="Wingdings"/>
-                      </a:endParaRPr>
                     </a:p>
                   </a:txBody>
                   <a:tcPr marL="0" marR="0" marT="59690" marB="0" anchor="ctr">
@@ -4428,7 +3692,7 @@
                     <a:bodyPr/>
                     <a:lstStyle/>
                     <a:p>
-                      <a:pPr marL="50800">
+                      <a:pPr marL="50800" algn="l" rtl="0">
                         <a:lnSpc>
                           <a:spcPct val="100000"/>
                         </a:lnSpc>
@@ -4474,7 +3738,7 @@
                         </a:spcBef>
                       </a:pPr>
                       <a:r>
-                        <a:rPr sz="900" spc="0">
+                        <a:rPr lang="it-IT" sz="900">
                           <a:solidFill>
                             <a:srgbClr val="020302"/>
                           </a:solidFill>
@@ -4483,10 +3747,6 @@
                         </a:rPr>
                         <a:t>Named Support Engineer</a:t>
                       </a:r>
-                      <a:endParaRPr sz="900" spc="0">
-                        <a:latin typeface="AdobeClean-Light"/>
-                        <a:cs typeface="AdobeClean-Light"/>
-                      </a:endParaRPr>
                     </a:p>
                   </a:txBody>
                   <a:tcPr marL="0" marR="0" marT="58419" marB="0">
@@ -4509,7 +3769,7 @@
                     <a:bodyPr/>
                     <a:lstStyle/>
                     <a:p>
-                      <a:pPr algn="ctr">
+                      <a:pPr algn="l" rtl="0">
                         <a:lnSpc>
                           <a:spcPct val="100000"/>
                         </a:lnSpc>
@@ -4538,7 +3798,7 @@
                     <a:bodyPr/>
                     <a:lstStyle/>
                     <a:p>
-                      <a:pPr algn="ctr">
+                      <a:pPr algn="l" rtl="0">
                         <a:lnSpc>
                           <a:spcPct val="100000"/>
                         </a:lnSpc>
@@ -4569,7 +3829,7 @@
                     <a:bodyPr/>
                     <a:lstStyle/>
                     <a:p>
-                      <a:pPr marL="50800">
+                      <a:pPr marL="50800" algn="l" rtl="0">
                         <a:lnSpc>
                           <a:spcPct val="100000"/>
                         </a:lnSpc>
@@ -4627,7 +3887,7 @@
                         </a:spcBef>
                       </a:pPr>
                       <a:r>
-                        <a:rPr sz="900" spc="0">
+                        <a:rPr lang="it-IT" sz="900">
                           <a:solidFill>
                             <a:srgbClr val="020302"/>
                           </a:solidFill>
@@ -4636,10 +3896,6 @@
                         </a:rPr>
                         <a:t>Technical Account Manager</a:t>
                       </a:r>
-                      <a:endParaRPr sz="900" spc="0">
-                        <a:latin typeface="AdobeClean-Light"/>
-                        <a:cs typeface="AdobeClean-Light"/>
-                      </a:endParaRPr>
                     </a:p>
                   </a:txBody>
                   <a:tcPr marL="0" marR="0" marT="63500" marB="0">
@@ -4668,7 +3924,7 @@
                     <a:bodyPr/>
                     <a:lstStyle/>
                     <a:p>
-                      <a:pPr algn="ctr">
+                      <a:pPr algn="l" rtl="0">
                         <a:lnSpc>
                           <a:spcPct val="100000"/>
                         </a:lnSpc>
@@ -4706,7 +3962,7 @@
                     <a:bodyPr/>
                     <a:lstStyle/>
                     <a:p>
-                      <a:pPr algn="ctr">
+                      <a:pPr algn="l" rtl="0">
                         <a:lnSpc>
                           <a:spcPct val="100000"/>
                         </a:lnSpc>
@@ -4755,22 +4011,15 @@
                         </a:spcBef>
                       </a:pPr>
                       <a:r>
-                        <a:rPr lang="en-US" sz="1000" b="1" i="0" spc="0">
+                        <a:rPr lang="it-IT" sz="1000" b="1" i="0">
                           <a:solidFill>
                             <a:schemeClr val="bg1"/>
                           </a:solidFill>
                           <a:latin typeface="Adobe Clean" panose="020B0503020404020204" pitchFamily="34" charset="0"/>
                           <a:cs typeface="AdobeClean-Light"/>
                         </a:rPr>
-                        <a:t>Support Services</a:t>
+                        <a:t>Servizi di assistenza</a:t>
                       </a:r>
-                      <a:endParaRPr sz="1000" b="1" i="0" spc="0">
-                        <a:solidFill>
-                          <a:schemeClr val="bg1"/>
-                        </a:solidFill>
-                        <a:latin typeface="Adobe Clean" panose="020B0503020404020204" pitchFamily="34" charset="0"/>
-                        <a:cs typeface="AdobeClean-Light"/>
-                      </a:endParaRPr>
                     </a:p>
                   </a:txBody>
                   <a:tcPr marL="0" marR="0" marT="57150" marB="0" anchor="ctr">
@@ -4826,29 +4075,15 @@
                         </a:spcBef>
                       </a:pPr>
                       <a:r>
-                        <a:rPr lang="en-US" sz="900" spc="0">
+                        <a:rPr lang="it-IT" sz="900">
                           <a:solidFill>
                             <a:srgbClr val="020302"/>
                           </a:solidFill>
                           <a:latin typeface="AdobeClean-Light"/>
                           <a:cs typeface="AdobeClean-Light"/>
                         </a:rPr>
-                        <a:t>Online</a:t>
+                        <a:t>Supporto Online</a:t>
                       </a:r>
-                      <a:r>
-                        <a:rPr sz="900" spc="0">
-                          <a:solidFill>
-                            <a:srgbClr val="020302"/>
-                          </a:solidFill>
-                          <a:latin typeface="AdobeClean-Light"/>
-                          <a:cs typeface="AdobeClean-Light"/>
-                        </a:rPr>
-                        <a:t> Support</a:t>
-                      </a:r>
-                      <a:endParaRPr sz="900" spc="0">
-                        <a:latin typeface="AdobeClean-Light"/>
-                        <a:cs typeface="AdobeClean-Light"/>
-                      </a:endParaRPr>
                     </a:p>
                   </a:txBody>
                   <a:tcPr marL="0" marR="0" marT="57150" marB="0">
@@ -4886,39 +4121,15 @@
                         </a:spcBef>
                       </a:pPr>
                       <a:r>
-                        <a:rPr sz="900" spc="-25">
+                        <a:rPr lang="it-IT" sz="900">
                           <a:solidFill>
                             <a:srgbClr val="020302"/>
                           </a:solidFill>
                           <a:latin typeface="AdobeClean-Light"/>
                           <a:cs typeface="AdobeClean-Light"/>
                         </a:rPr>
-                        <a:t>Business</a:t>
+                        <a:t>Orario operativo</a:t>
                       </a:r>
-                      <a:r>
-                        <a:rPr sz="900" spc="-15">
-                          <a:solidFill>
-                            <a:srgbClr val="020302"/>
-                          </a:solidFill>
-                          <a:latin typeface="AdobeClean-Light"/>
-                          <a:cs typeface="AdobeClean-Light"/>
-                        </a:rPr>
-                        <a:t> </a:t>
-                      </a:r>
-                      <a:r>
-                        <a:rPr sz="900" spc="-30">
-                          <a:solidFill>
-                            <a:srgbClr val="020302"/>
-                          </a:solidFill>
-                          <a:latin typeface="AdobeClean-Light"/>
-                          <a:cs typeface="AdobeClean-Light"/>
-                        </a:rPr>
-                        <a:t>hours</a:t>
-                      </a:r>
-                      <a:endParaRPr sz="900">
-                        <a:latin typeface="AdobeClean-Light"/>
-                        <a:cs typeface="AdobeClean-Light"/>
-                      </a:endParaRPr>
                     </a:p>
                   </a:txBody>
                   <a:tcPr marL="0" marR="0" marT="67945" marB="0">
@@ -4957,39 +4168,15 @@
                         </a:spcBef>
                       </a:pPr>
                       <a:r>
-                        <a:rPr sz="900" spc="-25">
+                        <a:rPr lang="it-IT" sz="900">
                           <a:solidFill>
                             <a:srgbClr val="020302"/>
                           </a:solidFill>
                           <a:latin typeface="AdobeClean-Light"/>
                           <a:cs typeface="AdobeClean-Light"/>
                         </a:rPr>
-                        <a:t>Business</a:t>
+                        <a:t>Orario operativo</a:t>
                       </a:r>
-                      <a:r>
-                        <a:rPr sz="900" spc="-15">
-                          <a:solidFill>
-                            <a:srgbClr val="020302"/>
-                          </a:solidFill>
-                          <a:latin typeface="AdobeClean-Light"/>
-                          <a:cs typeface="AdobeClean-Light"/>
-                        </a:rPr>
-                        <a:t> </a:t>
-                      </a:r>
-                      <a:r>
-                        <a:rPr sz="900" spc="-30">
-                          <a:solidFill>
-                            <a:srgbClr val="020302"/>
-                          </a:solidFill>
-                          <a:latin typeface="AdobeClean-Light"/>
-                          <a:cs typeface="AdobeClean-Light"/>
-                        </a:rPr>
-                        <a:t>hours</a:t>
-                      </a:r>
-                      <a:endParaRPr sz="900">
-                        <a:latin typeface="AdobeClean-Light"/>
-                        <a:cs typeface="AdobeClean-Light"/>
-                      </a:endParaRPr>
                     </a:p>
                   </a:txBody>
                   <a:tcPr marL="0" marR="0" marT="67945" marB="0">
@@ -5021,7 +4208,7 @@
                     <a:bodyPr/>
                     <a:lstStyle/>
                     <a:p>
-                      <a:pPr marL="50800">
+                      <a:pPr marL="50800" algn="l" rtl="0">
                         <a:lnSpc>
                           <a:spcPct val="100000"/>
                         </a:lnSpc>
@@ -5070,39 +4257,15 @@
                         </a:spcBef>
                       </a:pPr>
                       <a:r>
-                        <a:rPr sz="900" spc="0">
+                        <a:rPr lang="it-IT" sz="900">
                           <a:solidFill>
                             <a:srgbClr val="020302"/>
                           </a:solidFill>
                           <a:latin typeface="AdobeClean-Light"/>
                           <a:cs typeface="AdobeClean-Light"/>
                         </a:rPr>
-                        <a:t>24x7</a:t>
+                        <a:t>Supporto per problemi P1 24x7x365</a:t>
                       </a:r>
-                      <a:r>
-                        <a:rPr lang="en-US" sz="900" spc="0">
-                          <a:solidFill>
-                            <a:srgbClr val="020302"/>
-                          </a:solidFill>
-                          <a:latin typeface="AdobeClean-Light"/>
-                          <a:cs typeface="AdobeClean-Light"/>
-                        </a:rPr>
-                        <a:t>x365</a:t>
-                      </a:r>
-                      <a:r>
-                        <a:rPr sz="900" spc="0">
-                          <a:solidFill>
-                            <a:srgbClr val="020302"/>
-                          </a:solidFill>
-                          <a:latin typeface="AdobeClean-Light"/>
-                          <a:cs typeface="AdobeClean-Light"/>
-                        </a:rPr>
-                        <a:t> P1 Issue Support</a:t>
-                      </a:r>
-                      <a:endParaRPr sz="900" spc="0">
-                        <a:latin typeface="AdobeClean-Light"/>
-                        <a:cs typeface="AdobeClean-Light"/>
-                      </a:endParaRPr>
                     </a:p>
                   </a:txBody>
                   <a:tcPr marL="0" marR="0" marT="57785" marB="0">
@@ -5134,7 +4297,7 @@
                         </a:spcBef>
                       </a:pPr>
                       <a:r>
-                        <a:rPr sz="900">
+                        <a:rPr lang="it-IT" sz="900">
                           <a:solidFill>
                             <a:srgbClr val="020302"/>
                           </a:solidFill>
@@ -5143,10 +4306,6 @@
                         </a:rPr>
                         <a:t></a:t>
                       </a:r>
-                      <a:endParaRPr sz="900">
-                        <a:latin typeface="Wingdings"/>
-                        <a:cs typeface="Wingdings"/>
-                      </a:endParaRPr>
                     </a:p>
                   </a:txBody>
                   <a:tcPr marL="0" marR="0" marT="58419" marB="0">
@@ -5176,7 +4335,7 @@
                         </a:spcBef>
                       </a:pPr>
                       <a:r>
-                        <a:rPr sz="900">
+                        <a:rPr lang="it-IT" sz="900">
                           <a:solidFill>
                             <a:srgbClr val="020302"/>
                           </a:solidFill>
@@ -5185,10 +4344,6 @@
                         </a:rPr>
                         <a:t></a:t>
                       </a:r>
-                      <a:endParaRPr sz="900">
-                        <a:latin typeface="Wingdings"/>
-                        <a:cs typeface="Wingdings"/>
-                      </a:endParaRPr>
                     </a:p>
                   </a:txBody>
                   <a:tcPr marL="0" marR="0" marT="58419" marB="0">
@@ -5211,7 +4366,7 @@
                     <a:bodyPr/>
                     <a:lstStyle/>
                     <a:p>
-                      <a:pPr marL="50800">
+                      <a:pPr marL="50800" algn="l" rtl="0">
                         <a:lnSpc>
                           <a:spcPct val="100000"/>
                         </a:lnSpc>
@@ -5269,19 +4424,15 @@
                         </a:spcBef>
                       </a:pPr>
                       <a:r>
-                        <a:rPr lang="en-US" sz="900" spc="0">
+                        <a:rPr lang="it-IT" sz="900">
                           <a:solidFill>
                             <a:srgbClr val="020302"/>
                           </a:solidFill>
                           <a:latin typeface="AdobeClean-Light"/>
                           <a:cs typeface="AdobeClean-Light"/>
                         </a:rPr>
-                        <a:t>Named Support Contacts (per product)</a:t>
+                        <a:t>Contatti interni per il supporto (per prodotto)</a:t>
                       </a:r>
-                      <a:endParaRPr sz="900" spc="0">
-                        <a:latin typeface="AdobeClean-Light"/>
-                        <a:cs typeface="AdobeClean-Light"/>
-                      </a:endParaRPr>
                     </a:p>
                   </a:txBody>
                   <a:tcPr marL="0" marR="0" marT="57785" marB="0">
@@ -5319,7 +4470,7 @@
                         </a:spcBef>
                       </a:pPr>
                       <a:r>
-                        <a:rPr sz="900">
+                        <a:rPr lang="it-IT" sz="900">
                           <a:solidFill>
                             <a:srgbClr val="020302"/>
                           </a:solidFill>
@@ -5328,10 +4479,6 @@
                         </a:rPr>
                         <a:t>4</a:t>
                       </a:r>
-                      <a:endParaRPr sz="900">
-                        <a:latin typeface="AdobeClean-Light"/>
-                        <a:cs typeface="AdobeClean-Light"/>
-                      </a:endParaRPr>
                     </a:p>
                   </a:txBody>
                   <a:tcPr marL="0" marR="0" marT="57785" marB="0">
@@ -5361,7 +4508,7 @@
                         </a:spcBef>
                       </a:pPr>
                       <a:r>
-                        <a:rPr sz="900">
+                        <a:rPr lang="it-IT" sz="900">
                           <a:solidFill>
                             <a:srgbClr val="020302"/>
                           </a:solidFill>
@@ -5370,10 +4517,6 @@
                         </a:rPr>
                         <a:t>6</a:t>
                       </a:r>
-                      <a:endParaRPr sz="900">
-                        <a:latin typeface="AdobeClean-Light"/>
-                        <a:cs typeface="AdobeClean-Light"/>
-                      </a:endParaRPr>
                     </a:p>
                   </a:txBody>
                   <a:tcPr marL="0" marR="0" marT="57785" marB="0">
@@ -5396,7 +4539,7 @@
                     <a:bodyPr/>
                     <a:lstStyle/>
                     <a:p>
-                      <a:pPr marL="50800">
+                      <a:pPr marL="50800" algn="l" rtl="0">
                         <a:lnSpc>
                           <a:spcPct val="100000"/>
                         </a:lnSpc>
@@ -5445,19 +4588,15 @@
                         </a:spcBef>
                       </a:pPr>
                       <a:r>
-                        <a:rPr lang="en-US" sz="900" spc="0">
+                        <a:rPr lang="it-IT" sz="900">
                           <a:solidFill>
                             <a:srgbClr val="020302"/>
                           </a:solidFill>
                           <a:latin typeface="AdobeClean-Light"/>
                           <a:cs typeface="AdobeClean-Light"/>
                         </a:rPr>
-                        <a:t>Live Telephone Support</a:t>
+                        <a:t>Supporto telefonico in diretta</a:t>
                       </a:r>
-                      <a:endParaRPr sz="900" spc="0">
-                        <a:latin typeface="AdobeClean-Light"/>
-                        <a:cs typeface="AdobeClean-Light"/>
-                      </a:endParaRPr>
                     </a:p>
                   </a:txBody>
                   <a:tcPr marL="0" marR="0" marT="57785" marB="0">
@@ -5480,7 +4619,7 @@
                     <a:bodyPr/>
                     <a:lstStyle/>
                     <a:p>
-                      <a:pPr algn="ctr">
+                      <a:pPr algn="l" rtl="0">
                         <a:lnSpc>
                           <a:spcPct val="100000"/>
                         </a:lnSpc>
@@ -5521,7 +4660,7 @@
                         </a:spcBef>
                       </a:pPr>
                       <a:r>
-                        <a:rPr sz="900">
+                        <a:rPr lang="it-IT" sz="900">
                           <a:solidFill>
                             <a:srgbClr val="020302"/>
                           </a:solidFill>
@@ -5530,10 +4669,6 @@
                         </a:rPr>
                         <a:t></a:t>
                       </a:r>
-                      <a:endParaRPr sz="900">
-                        <a:latin typeface="Wingdings"/>
-                        <a:cs typeface="Wingdings"/>
-                      </a:endParaRPr>
                     </a:p>
                   </a:txBody>
                   <a:tcPr marL="0" marR="0" marT="59054" marB="0">
@@ -5556,7 +4691,7 @@
                     <a:bodyPr/>
                     <a:lstStyle/>
                     <a:p>
-                      <a:pPr marL="50800">
+                      <a:pPr marL="50800" algn="l" rtl="0">
                         <a:lnSpc>
                           <a:spcPct val="100000"/>
                         </a:lnSpc>
@@ -5605,19 +4740,15 @@
                         </a:spcBef>
                       </a:pPr>
                       <a:r>
-                        <a:rPr sz="900" spc="0">
+                        <a:rPr lang="it-IT" sz="900">
                           <a:solidFill>
                             <a:srgbClr val="020302"/>
                           </a:solidFill>
                           <a:latin typeface="AdobeClean-Light"/>
                           <a:cs typeface="AdobeClean-Light"/>
                         </a:rPr>
-                        <a:t>Escalation Management</a:t>
+                        <a:t>Gestione delle escalation</a:t>
                       </a:r>
-                      <a:endParaRPr sz="900" spc="0">
-                        <a:latin typeface="AdobeClean-Light"/>
-                        <a:cs typeface="AdobeClean-Light"/>
-                      </a:endParaRPr>
                     </a:p>
                   </a:txBody>
                   <a:tcPr marL="0" marR="0" marT="58419" marB="0">
@@ -5640,7 +4771,7 @@
                     <a:bodyPr/>
                     <a:lstStyle/>
                     <a:p>
-                      <a:pPr algn="ctr">
+                      <a:pPr algn="l" rtl="0">
                         <a:lnSpc>
                           <a:spcPct val="100000"/>
                         </a:lnSpc>
@@ -5681,7 +4812,7 @@
                         </a:spcBef>
                       </a:pPr>
                       <a:r>
-                        <a:rPr sz="900">
+                        <a:rPr lang="it-IT" sz="900">
                           <a:solidFill>
                             <a:srgbClr val="020302"/>
                           </a:solidFill>
@@ -5690,10 +4821,6 @@
                         </a:rPr>
                         <a:t></a:t>
                       </a:r>
-                      <a:endParaRPr sz="900">
-                        <a:latin typeface="Wingdings"/>
-                        <a:cs typeface="Wingdings"/>
-                      </a:endParaRPr>
                     </a:p>
                   </a:txBody>
                   <a:tcPr marL="0" marR="0" marT="59690" marB="0">
@@ -5716,7 +4843,7 @@
                     <a:bodyPr/>
                     <a:lstStyle/>
                     <a:p>
-                      <a:pPr marL="50800">
+                      <a:pPr marL="50800" algn="l" rtl="0">
                         <a:lnSpc>
                           <a:spcPct val="100000"/>
                         </a:lnSpc>
@@ -5765,29 +4892,15 @@
                         </a:spcBef>
                       </a:pPr>
                       <a:r>
-                        <a:rPr sz="900" spc="0">
+                        <a:rPr lang="it-IT" sz="900">
                           <a:solidFill>
                             <a:srgbClr val="020302"/>
                           </a:solidFill>
                           <a:latin typeface="AdobeClean-Light"/>
                           <a:cs typeface="AdobeClean-Light"/>
                         </a:rPr>
-                        <a:t>Service Reviews </a:t>
+                        <a:t>Valutazioni dei servizi all’anno</a:t>
                       </a:r>
-                      <a:r>
-                        <a:rPr lang="en-US" sz="900" spc="0">
-                          <a:solidFill>
-                            <a:srgbClr val="020302"/>
-                          </a:solidFill>
-                          <a:latin typeface="AdobeClean-Light"/>
-                          <a:cs typeface="AdobeClean-Light"/>
-                        </a:rPr>
-                        <a:t>per Year</a:t>
-                      </a:r>
-                      <a:endParaRPr sz="900" spc="0">
-                        <a:latin typeface="AdobeClean-Light"/>
-                        <a:cs typeface="AdobeClean-Light"/>
-                      </a:endParaRPr>
                     </a:p>
                   </a:txBody>
                   <a:tcPr marL="0" marR="0" marT="57150" marB="0">
@@ -5810,7 +4923,7 @@
                     <a:bodyPr/>
                     <a:lstStyle/>
                     <a:p>
-                      <a:pPr>
+                      <a:pPr algn="l" rtl="0">
                         <a:lnSpc>
                           <a:spcPct val="100000"/>
                         </a:lnSpc>
@@ -5839,7 +4952,7 @@
                     <a:bodyPr/>
                     <a:lstStyle/>
                     <a:p>
-                      <a:pPr>
+                      <a:pPr algn="l" rtl="0">
                         <a:lnSpc>
                           <a:spcPct val="100000"/>
                         </a:lnSpc>
@@ -5889,16 +5002,12 @@
                         </a:spcBef>
                       </a:pPr>
                       <a:r>
-                        <a:rPr lang="en-US" sz="900" spc="0">
+                        <a:rPr lang="it-IT" sz="900">
                           <a:latin typeface="AdobeClean-Light"/>
                           <a:cs typeface="AdobeClean-Light"/>
                         </a:rPr>
-                        <a:t>Expert Sessions per Year</a:t>
+                        <a:t>Sessioni con esperti all’anno</a:t>
                       </a:r>
-                      <a:endParaRPr sz="900" spc="0">
-                        <a:latin typeface="AdobeClean-Light"/>
-                        <a:cs typeface="AdobeClean-Light"/>
-                      </a:endParaRPr>
                     </a:p>
                   </a:txBody>
                   <a:tcPr marL="0" marR="0" marT="57150" marB="0">
@@ -5927,7 +5036,7 @@
                     <a:bodyPr/>
                     <a:lstStyle/>
                     <a:p>
-                      <a:pPr>
+                      <a:pPr algn="l" rtl="0">
                         <a:lnSpc>
                           <a:spcPct val="100000"/>
                         </a:lnSpc>
@@ -5956,7 +5065,7 @@
                     <a:bodyPr/>
                     <a:lstStyle/>
                     <a:p>
-                      <a:pPr>
+                      <a:pPr algn="l" rtl="0">
                         <a:lnSpc>
                           <a:spcPct val="100000"/>
                         </a:lnSpc>
@@ -6006,16 +5115,12 @@
                         </a:spcBef>
                       </a:pPr>
                       <a:r>
-                        <a:rPr lang="en-US" sz="900" spc="0">
+                        <a:rPr lang="it-IT" sz="900">
                           <a:latin typeface="AdobeClean-Light"/>
                           <a:cs typeface="AdobeClean-Light"/>
                         </a:rPr>
-                        <a:t>Case Reviews</a:t>
+                        <a:t>Valutazione dei casi</a:t>
                       </a:r>
-                      <a:endParaRPr sz="900" spc="0">
-                        <a:latin typeface="AdobeClean-Light"/>
-                        <a:cs typeface="AdobeClean-Light"/>
-                      </a:endParaRPr>
                     </a:p>
                   </a:txBody>
                   <a:tcPr marL="0" marR="0" marT="57150" marB="0">
@@ -6044,7 +5149,7 @@
                     <a:bodyPr/>
                     <a:lstStyle/>
                     <a:p>
-                      <a:pPr>
+                      <a:pPr algn="l" rtl="0">
                         <a:lnSpc>
                           <a:spcPct val="100000"/>
                         </a:lnSpc>
@@ -6073,7 +5178,7 @@
                     <a:bodyPr/>
                     <a:lstStyle/>
                     <a:p>
-                      <a:pPr>
+                      <a:pPr algn="l" rtl="0">
                         <a:lnSpc>
                           <a:spcPct val="100000"/>
                         </a:lnSpc>
@@ -6104,7 +5209,7 @@
                     <a:bodyPr/>
                     <a:lstStyle/>
                     <a:p>
-                      <a:pPr marL="48895">
+                      <a:pPr marL="48895" algn="l" rtl="0">
                         <a:lnSpc>
                           <a:spcPct val="100000"/>
                         </a:lnSpc>
@@ -6162,29 +5267,15 @@
                         </a:spcBef>
                       </a:pPr>
                       <a:r>
-                        <a:rPr sz="900" spc="0">
+                        <a:rPr lang="it-IT" sz="900">
                           <a:solidFill>
                             <a:srgbClr val="020302"/>
                           </a:solidFill>
                           <a:latin typeface="AdobeClean-Light"/>
                           <a:cs typeface="AdobeClean-Light"/>
                         </a:rPr>
-                        <a:t>Event </a:t>
+                        <a:t>Gestione degli eventi</a:t>
                       </a:r>
-                      <a:r>
-                        <a:rPr lang="en-US" sz="900" spc="0">
-                          <a:solidFill>
-                            <a:srgbClr val="020302"/>
-                          </a:solidFill>
-                          <a:latin typeface="AdobeClean-Light"/>
-                          <a:cs typeface="AdobeClean-Light"/>
-                        </a:rPr>
-                        <a:t>Management</a:t>
-                      </a:r>
-                      <a:endParaRPr sz="900" spc="0">
-                        <a:latin typeface="AdobeClean-Light"/>
-                        <a:cs typeface="AdobeClean-Light"/>
-                      </a:endParaRPr>
                     </a:p>
                   </a:txBody>
                   <a:tcPr marL="0" marR="0" marT="58419" marB="0">
@@ -6213,7 +5304,7 @@
                     <a:bodyPr/>
                     <a:lstStyle/>
                     <a:p>
-                      <a:pPr>
+                      <a:pPr algn="l" rtl="0">
                         <a:lnSpc>
                           <a:spcPct val="100000"/>
                         </a:lnSpc>
@@ -6242,7 +5333,7 @@
                     <a:bodyPr/>
                     <a:lstStyle/>
                     <a:p>
-                      <a:pPr>
+                      <a:pPr algn="l" rtl="0">
                         <a:lnSpc>
                           <a:spcPct val="100000"/>
                         </a:lnSpc>
@@ -6273,7 +5364,7 @@
                     <a:bodyPr/>
                     <a:lstStyle/>
                     <a:p>
-                      <a:pPr marL="48895">
+                      <a:pPr marL="48895" algn="l" rtl="0">
                         <a:lnSpc>
                           <a:spcPct val="100000"/>
                         </a:lnSpc>
@@ -6322,39 +5413,15 @@
                         </a:spcBef>
                       </a:pPr>
                       <a:r>
-                        <a:rPr sz="900" spc="0">
+                        <a:rPr lang="it-IT" sz="900">
                           <a:solidFill>
                             <a:srgbClr val="020302"/>
                           </a:solidFill>
                           <a:latin typeface="AdobeClean-Light"/>
                           <a:cs typeface="AdobeClean-Light"/>
                         </a:rPr>
-                        <a:t>Environment</a:t>
+                        <a:t>Valutazione ambiente, manutenzione e monitoraggio</a:t>
                       </a:r>
-                      <a:r>
-                        <a:rPr lang="en-US" sz="900" spc="0">
-                          <a:solidFill>
-                            <a:srgbClr val="020302"/>
-                          </a:solidFill>
-                          <a:latin typeface="AdobeClean-Light"/>
-                          <a:cs typeface="AdobeClean-Light"/>
-                        </a:rPr>
-                        <a:t> </a:t>
-                      </a:r>
-                      <a:r>
-                        <a:rPr sz="900" spc="0">
-                          <a:solidFill>
-                            <a:srgbClr val="020302"/>
-                          </a:solidFill>
-                          <a:latin typeface="AdobeClean-Light"/>
-                          <a:cs typeface="AdobeClean-Light"/>
-                        </a:rPr>
-                        <a:t>Review, Maintenance &amp; Monitoring</a:t>
-                      </a:r>
-                      <a:endParaRPr sz="900" spc="0">
-                        <a:latin typeface="AdobeClean-Light"/>
-                        <a:cs typeface="AdobeClean-Light"/>
-                      </a:endParaRPr>
                     </a:p>
                   </a:txBody>
                   <a:tcPr marL="0" marR="0" marT="59055" marB="0">
@@ -6377,7 +5444,7 @@
                     <a:bodyPr/>
                     <a:lstStyle/>
                     <a:p>
-                      <a:pPr>
+                      <a:pPr algn="l" rtl="0">
                         <a:lnSpc>
                           <a:spcPct val="100000"/>
                         </a:lnSpc>
@@ -6406,7 +5473,7 @@
                     <a:bodyPr/>
                     <a:lstStyle/>
                     <a:p>
-                      <a:pPr>
+                      <a:pPr algn="l" rtl="0">
                         <a:lnSpc>
                           <a:spcPct val="100000"/>
                         </a:lnSpc>
@@ -6437,7 +5504,7 @@
                     <a:bodyPr/>
                     <a:lstStyle/>
                     <a:p>
-                      <a:pPr marL="49530">
+                      <a:pPr marL="49530" algn="l" rtl="0">
                         <a:lnSpc>
                           <a:spcPct val="100000"/>
                         </a:lnSpc>
@@ -6486,19 +5553,34 @@
                         </a:spcBef>
                       </a:pPr>
                       <a:r>
-                        <a:rPr sz="900" spc="0">
+                        <a:rPr lang="it-IT" sz="900" dirty="0">
                           <a:solidFill>
                             <a:srgbClr val="020302"/>
                           </a:solidFill>
                           <a:latin typeface="AdobeClean-Light"/>
                           <a:cs typeface="AdobeClean-Light"/>
                         </a:rPr>
-                        <a:t>Release, Migration, Upgrade &amp; Product Roadmap Review</a:t>
+                        <a:t>Valutazione della roadmap di prodotti, versioni, </a:t>
                       </a:r>
-                      <a:endParaRPr sz="900" spc="0">
-                        <a:latin typeface="AdobeClean-Light"/>
-                        <a:cs typeface="AdobeClean-Light"/>
-                      </a:endParaRPr>
+                      <a:br>
+                        <a:rPr lang="sk-SK" sz="900" dirty="0">
+                          <a:solidFill>
+                            <a:srgbClr val="020302"/>
+                          </a:solidFill>
+                          <a:latin typeface="AdobeClean-Light"/>
+                          <a:cs typeface="AdobeClean-Light"/>
+                        </a:rPr>
+                      </a:br>
+                      <a:r>
+                        <a:rPr lang="it-IT" sz="900" dirty="0">
+                          <a:solidFill>
+                            <a:srgbClr val="020302"/>
+                          </a:solidFill>
+                          <a:latin typeface="AdobeClean-Light"/>
+                          <a:cs typeface="AdobeClean-Light"/>
+                        </a:rPr>
+                        <a:t>migrazione e aggiornamento</a:t>
+                      </a:r>
                     </a:p>
                   </a:txBody>
                   <a:tcPr marL="0" marR="0" marT="63500" marB="0">
@@ -6521,7 +5603,7 @@
                     <a:bodyPr/>
                     <a:lstStyle/>
                     <a:p>
-                      <a:pPr>
+                      <a:pPr algn="l" rtl="0">
                         <a:lnSpc>
                           <a:spcPct val="100000"/>
                         </a:lnSpc>
@@ -6550,7 +5632,7 @@
                     <a:bodyPr/>
                     <a:lstStyle/>
                     <a:p>
-                      <a:pPr>
+                      <a:pPr algn="l" rtl="0">
                         <a:lnSpc>
                           <a:spcPct val="100000"/>
                         </a:lnSpc>
@@ -6581,7 +5663,7 @@
                     <a:bodyPr/>
                     <a:lstStyle/>
                     <a:p>
-                      <a:pPr marL="49530">
+                      <a:pPr marL="49530" algn="l" rtl="0">
                         <a:lnSpc>
                           <a:spcPct val="100000"/>
                         </a:lnSpc>
@@ -6639,11 +5721,11 @@
                         </a:spcBef>
                       </a:pPr>
                       <a:r>
-                        <a:rPr sz="900" spc="0">
+                        <a:rPr lang="it-IT" sz="900">
                           <a:latin typeface="AdobeClean-Light"/>
                           <a:cs typeface="AdobeClean-Light"/>
                         </a:rPr>
-                        <a:t>Cloud Support Activities – Experience Manager as Cloud</a:t>
+                        <a:t>Attività di supporto cloud - Experience Manager as Cloud</a:t>
                       </a:r>
                     </a:p>
                   </a:txBody>
@@ -6673,7 +5755,7 @@
                     <a:bodyPr/>
                     <a:lstStyle/>
                     <a:p>
-                      <a:pPr>
+                      <a:pPr algn="l" rtl="0">
                         <a:lnSpc>
                           <a:spcPct val="100000"/>
                         </a:lnSpc>
@@ -6711,7 +5793,7 @@
                     <a:bodyPr/>
                     <a:lstStyle/>
                     <a:p>
-                      <a:pPr>
+                      <a:pPr algn="l" rtl="0">
                         <a:lnSpc>
                           <a:spcPct val="100000"/>
                         </a:lnSpc>
@@ -6760,22 +5842,15 @@
                         </a:spcBef>
                       </a:pPr>
                       <a:r>
-                        <a:rPr lang="en-US" sz="1000" b="1" i="0" spc="0">
+                        <a:rPr lang="it-IT" sz="1000" b="1" i="0">
                           <a:solidFill>
                             <a:schemeClr val="bg1"/>
                           </a:solidFill>
                           <a:latin typeface="Adobe Clean" panose="020B0503020404020204" pitchFamily="34" charset="0"/>
                           <a:cs typeface="AdobeClean-Light"/>
                         </a:rPr>
-                        <a:t>Field Services</a:t>
+                        <a:t>Servizi sul campo</a:t>
                       </a:r>
-                      <a:endParaRPr sz="1000" b="1" i="0" spc="0">
-                        <a:solidFill>
-                          <a:schemeClr val="bg1"/>
-                        </a:solidFill>
-                        <a:latin typeface="Adobe Clean" panose="020B0503020404020204" pitchFamily="34" charset="0"/>
-                        <a:cs typeface="AdobeClean-Light"/>
-                      </a:endParaRPr>
                     </a:p>
                   </a:txBody>
                   <a:tcPr marL="0" marR="0" marT="48260" marB="0" anchor="ctr">
@@ -6828,19 +5903,15 @@
                         </a:spcBef>
                       </a:pPr>
                       <a:r>
-                        <a:rPr sz="900" spc="0">
+                        <a:rPr lang="it-IT" sz="900">
                           <a:solidFill>
                             <a:srgbClr val="020302"/>
                           </a:solidFill>
                           <a:latin typeface="AdobeClean-Light"/>
                           <a:cs typeface="AdobeClean-Light"/>
                         </a:rPr>
-                        <a:t>Launch Advisory Services – First Year of new solution</a:t>
+                        <a:t>Launch Advisory - Nel primo anno di nuove soluzioni</a:t>
                       </a:r>
-                      <a:endParaRPr sz="900" spc="0">
-                        <a:latin typeface="AdobeClean-Light"/>
-                        <a:cs typeface="AdobeClean-Light"/>
-                      </a:endParaRPr>
                     </a:p>
                     <a:p>
                       <a:pPr marL="48260" hangingPunct="0">
@@ -6852,11 +5923,11 @@
                         </a:spcBef>
                       </a:pPr>
                       <a:r>
-                        <a:rPr sz="900" spc="0">
+                        <a:rPr lang="it-IT" sz="900">
                           <a:latin typeface="AdobeClean-Light"/>
                           <a:cs typeface="AdobeClean-Light"/>
                         </a:rPr>
-                        <a:t>Field Service Activities </a:t>
+                        <a:t>Attività di servizio sul campo </a:t>
                       </a:r>
                     </a:p>
                   </a:txBody>
@@ -6892,7 +5963,7 @@
                     <a:bodyPr/>
                     <a:lstStyle/>
                     <a:p>
-                      <a:pPr>
+                      <a:pPr algn="l" rtl="0">
                         <a:lnSpc>
                           <a:spcPct val="100000"/>
                         </a:lnSpc>
@@ -6930,7 +6001,7 @@
                     <a:bodyPr/>
                     <a:lstStyle/>
                     <a:p>
-                      <a:pPr>
+                      <a:pPr algn="l" rtl="0">
                         <a:lnSpc>
                           <a:spcPct val="100000"/>
                         </a:lnSpc>
@@ -7015,7 +6086,7 @@
                     <a:bodyPr/>
                     <a:lstStyle/>
                     <a:p>
-                      <a:pPr>
+                      <a:pPr algn="l" rtl="0">
                         <a:lnSpc>
                           <a:spcPct val="100000"/>
                         </a:lnSpc>
@@ -7041,12 +6112,12 @@
                     <a:bodyPr/>
                     <a:lstStyle/>
                     <a:p>
-                      <a:pPr>
+                      <a:pPr algn="l" rtl="0">
                         <a:lnSpc>
                           <a:spcPct val="100000"/>
                         </a:lnSpc>
                       </a:pPr>
-                      <a:endParaRPr sz="900">
+                      <a:endParaRPr sz="900" dirty="0">
                         <a:latin typeface="Times New Roman"/>
                         <a:cs typeface="Times New Roman"/>
                       </a:endParaRPr>
@@ -7105,7 +6176,7 @@
           <a:lstStyle/>
           <a:p>
             <a:r>
-              <a:rPr lang="en-US" sz="700" i="1">
+              <a:rPr lang="it-IT" sz="700" i="1">
                 <a:solidFill>
                   <a:schemeClr val="bg1"/>
                 </a:solidFill>
@@ -7308,18 +6379,14 @@
               </a:spcBef>
             </a:pPr>
             <a:r>
-              <a:rPr lang="en-US" sz="1000">
+              <a:rPr lang="it-IT" sz="1000">
                 <a:solidFill>
                   <a:srgbClr val="000000"/>
                 </a:solidFill>
                 <a:latin typeface="Adobe Clean Light" panose="020B0303020404020204" pitchFamily="34" charset="0"/>
               </a:rPr>
-              <a:t>A designated Account Support Lead to proactively monitor cases, drive cross-team collaboration, deliver onboarding webinars, run service reports, provide non-technical support assistance, and function as your escalation point and internal advocate within Adobe Support.</a:t>
+              <a:t>Un Account Support Lead dedicato per il monitoraggio proattivo dei casi e per promuovere la collaborazione tra team, fornire webinar introduttivi, eseguire rapporti sui servizi e fornire assistenza non tecnica. Inoltre funge da riferimento per l’escalation dei problemi e da rappresentante del cliente all’interno del supporto Adobe.</a:t>
             </a:r>
-            <a:endParaRPr lang="en-US" sz="1000">
-              <a:latin typeface="Adobe Clean Light" panose="020B0303020404020204" pitchFamily="34" charset="0"/>
-              <a:cs typeface="AdobeClean-Light"/>
-            </a:endParaRPr>
           </a:p>
         </p:txBody>
       </p:sp>
@@ -7332,14 +6399,14 @@
         <p:spPr>
           <a:xfrm>
             <a:off x="2836967" y="8618616"/>
-            <a:ext cx="2286000" cy="641201"/>
+            <a:ext cx="2286000" cy="487313"/>
           </a:xfrm>
           <a:prstGeom prst="rect">
             <a:avLst/>
           </a:prstGeom>
         </p:spPr>
         <p:txBody>
-          <a:bodyPr vert="horz" wrap="square" lIns="0" tIns="12700" rIns="0" bIns="0" rtlCol="0" anchor="t">
+          <a:bodyPr vert="horz" wrap="square" lIns="0" tIns="12700" rIns="0" bIns="0" rtlCol="0">
             <a:spAutoFit/>
           </a:bodyPr>
           <a:lstStyle/>
@@ -7356,48 +6423,21 @@
               </a:tabLst>
             </a:pPr>
             <a:r>
-              <a:rPr sz="1000">
+              <a:rPr lang="it-IT" sz="1000">
                 <a:solidFill>
                   <a:srgbClr val="020302"/>
                 </a:solidFill>
                 <a:latin typeface="AdobeClean-Light"/>
                 <a:cs typeface="AdobeClean-Light"/>
               </a:rPr>
-              <a:t>Start a chat session to get answers</a:t>
-            </a:r>
-            <a:r>
-              <a:rPr lang="en-US" sz="1000">
-                <a:solidFill>
-                  <a:srgbClr val="020302"/>
-                </a:solidFill>
-                <a:latin typeface="AdobeClean-Light"/>
-                <a:cs typeface="AdobeClean-Light"/>
-              </a:rPr>
-              <a:t> &amp; </a:t>
-            </a:r>
-            <a:r>
-              <a:rPr sz="1000">
-                <a:solidFill>
-                  <a:srgbClr val="020302"/>
-                </a:solidFill>
-                <a:latin typeface="AdobeClean-Light"/>
-                <a:cs typeface="AdobeClean-Light"/>
-              </a:rPr>
-              <a:t>help with case submission</a:t>
-            </a:r>
-            <a:r>
-              <a:rPr lang="en-US" sz="1000">
-                <a:solidFill>
-                  <a:srgbClr val="020302"/>
-                </a:solidFill>
-                <a:latin typeface="AdobeClean-Light"/>
-                <a:cs typeface="AdobeClean-Light"/>
-              </a:rPr>
-              <a:t>.</a:t>
+              <a:t>Avvia una sessione di chat per ottenere risposte e assistenza nell’invio di un caso.</a:t>
             </a:r>
           </a:p>
           <a:p>
             <a:pPr marL="33020" marR="159385">
+              <a:lnSpc>
+                <a:spcPct val="100000"/>
+              </a:lnSpc>
               <a:spcBef>
                 <a:spcPts val="100"/>
               </a:spcBef>
@@ -7406,39 +6446,25 @@
               </a:tabLst>
             </a:pPr>
             <a:r>
-              <a:rPr sz="1000" i="1">
+              <a:rPr lang="it-IT" sz="1000" i="1">
                 <a:solidFill>
                   <a:srgbClr val="7A7A7A"/>
                 </a:solidFill>
                 <a:latin typeface="AdobeClean-LightIt"/>
                 <a:cs typeface="AdobeClean-LightIt"/>
               </a:rPr>
-              <a:t>*Not all products have live chat support</a:t>
+              <a:t>* Il supporto chat in diretta non è disponibile per tutti i prodotti</a:t>
             </a:r>
             <a:r>
-              <a:rPr sz="900" i="1">
+              <a:rPr lang="it-IT" sz="900" i="1">
                 <a:solidFill>
                   <a:srgbClr val="7A7A7A"/>
                 </a:solidFill>
                 <a:latin typeface="AdobeClean-LightIt"/>
                 <a:cs typeface="AdobeClean-LightIt"/>
               </a:rPr>
-              <a:t>.</a:t>
+              <a:t>.  </a:t>
             </a:r>
-            <a:r>
-              <a:rPr lang="en-US" sz="900" i="1">
-                <a:solidFill>
-                  <a:srgbClr val="7A7A7A"/>
-                </a:solidFill>
-                <a:latin typeface="AdobeClean-LightIt"/>
-                <a:cs typeface="AdobeClean-LightIt"/>
-              </a:rPr>
-              <a:t>  </a:t>
-            </a:r>
-            <a:endParaRPr sz="900">
-              <a:latin typeface="AdobeClean-Light"/>
-              <a:cs typeface="AdobeClean-Light"/>
-            </a:endParaRPr>
           </a:p>
         </p:txBody>
       </p:sp>
@@ -7514,12 +6540,12 @@
               <a:defRPr/>
             </a:pPr>
             <a:r>
-              <a:rPr lang="en-US" sz="1200">
+              <a:rPr lang="it-IT" sz="1200">
                 <a:solidFill>
                   <a:srgbClr val="000000"/>
                 </a:solidFill>
               </a:rPr>
-              <a:t>Community Forums</a:t>
+              <a:t>Forum della community</a:t>
             </a:r>
           </a:p>
         </p:txBody>
@@ -7562,12 +6588,12 @@
               </a:spcAft>
             </a:pPr>
             <a:r>
-              <a:rPr lang="en-US" sz="1200" b="1">
+              <a:rPr lang="it-IT" sz="1200" b="1">
                 <a:latin typeface="+mj-lt"/>
                 <a:ea typeface="Open Sans" pitchFamily="34" charset="0"/>
                 <a:cs typeface="Open Sans" pitchFamily="34" charset="0"/>
               </a:rPr>
-              <a:t>Online Forums</a:t>
+              <a:t>Forum online</a:t>
             </a:r>
           </a:p>
         </p:txBody>
@@ -7600,13 +6626,13 @@
           <a:lstStyle/>
           <a:p>
             <a:r>
-              <a:rPr lang="en-US" sz="1000">
+              <a:rPr lang="it-IT" sz="1000">
                 <a:solidFill>
                   <a:srgbClr val="000000"/>
                 </a:solidFill>
                 <a:latin typeface="Adobe Clean Light" panose="020B0303020404020204" pitchFamily="34" charset="0"/>
               </a:rPr>
-              <a:t>Continuous online access to a growing database of technical solutions, product documentation, FAQs and more. Thousands of customers can connect to share best practices and lessons learned.</a:t>
+              <a:t>Accesso online continuo a un database in continua crescita di soluzioni tecniche, documentazione del prodotto, risposte alle domande più frequenti e altro ancora. Migliaia di clienti possono condividere best practice ed esperienze.</a:t>
             </a:r>
           </a:p>
         </p:txBody>
@@ -7649,12 +6675,12 @@
               </a:spcAft>
             </a:pPr>
             <a:r>
-              <a:rPr lang="en-US" sz="1200" b="1">
+              <a:rPr lang="it-IT" sz="1200" b="1">
                 <a:latin typeface="+mj-lt"/>
                 <a:ea typeface="Open Sans" pitchFamily="34" charset="0"/>
                 <a:cs typeface="Open Sans" pitchFamily="34" charset="0"/>
               </a:rPr>
-              <a:t>Self-guided Journeys</a:t>
+              <a:t>Percorsi autoguidati</a:t>
             </a:r>
           </a:p>
         </p:txBody>
@@ -7674,7 +6700,7 @@
         <p:spPr>
           <a:xfrm>
             <a:off x="5376301" y="6529249"/>
-            <a:ext cx="2286000" cy="959237"/>
+            <a:ext cx="2286000" cy="1143903"/>
           </a:xfrm>
           <a:prstGeom prst="rect">
             <a:avLst/>
@@ -7687,13 +6713,13 @@
           <a:lstStyle/>
           <a:p>
             <a:r>
-              <a:rPr lang="en-US" sz="1000">
+              <a:rPr lang="it-IT" sz="900" dirty="0">
                 <a:solidFill>
                   <a:srgbClr val="000000"/>
                 </a:solidFill>
                 <a:latin typeface="Adobe Clean Light" panose="020B0303020404020204" pitchFamily="34" charset="0"/>
               </a:rPr>
-              <a:t>Experience Makers are made with Experience League. Customers can kickstart their Customer Experience Management abilities with personalized learning to develop skills, engage with a global community of peers, and earn career advancing recognition.</a:t>
+              <a:t>Diventa un Experience Maker con Experience League. Puoi acquisire rapidamente le capacità necessarie nella gestione della customer experience seguendo un percorso di apprendimento personalizzato per sviluppare nuove competenze, partecipare a una comunità globale di professionisti e guadagnare riconoscimenti di valore sul piano professionale.</a:t>
             </a:r>
           </a:p>
         </p:txBody>
@@ -7741,12 +6767,12 @@
               <a:defRPr/>
             </a:pPr>
             <a:r>
-              <a:rPr lang="en-US" sz="1200">
+              <a:rPr lang="it-IT" sz="1200">
                 <a:solidFill>
                   <a:srgbClr val="000000"/>
                 </a:solidFill>
               </a:rPr>
-              <a:t>Live Chat  Support*</a:t>
+              <a:t>Supporto chat in diretta*</a:t>
             </a:r>
           </a:p>
         </p:txBody>
@@ -7789,12 +6815,12 @@
               </a:spcAft>
             </a:pPr>
             <a:r>
-              <a:rPr lang="en-US" sz="1200" b="1">
+              <a:rPr lang="it-IT" sz="1200" b="1">
                 <a:latin typeface="+mj-lt"/>
                 <a:ea typeface="Open Sans" pitchFamily="34" charset="0"/>
                 <a:cs typeface="Open Sans" pitchFamily="34" charset="0"/>
               </a:rPr>
-              <a:t>Chat Support</a:t>
+              <a:t>Supporto chat</a:t>
             </a:r>
           </a:p>
         </p:txBody>
@@ -7842,12 +6868,12 @@
               <a:defRPr/>
             </a:pPr>
             <a:r>
-              <a:rPr lang="en-US" sz="1200">
+              <a:rPr lang="it-IT" sz="1200">
                 <a:solidFill>
                   <a:srgbClr val="000000"/>
                 </a:solidFill>
               </a:rPr>
-              <a:t>24X7 P1 </a:t>
+              <a:t>24x7 P1 </a:t>
             </a:r>
           </a:p>
         </p:txBody>
@@ -7890,12 +6916,12 @@
               </a:spcAft>
             </a:pPr>
             <a:r>
-              <a:rPr lang="en-US" sz="1200" b="1">
+              <a:rPr lang="it-IT" sz="1200" b="1">
                 <a:latin typeface="+mj-lt"/>
                 <a:ea typeface="Open Sans" pitchFamily="34" charset="0"/>
                 <a:cs typeface="Open Sans" pitchFamily="34" charset="0"/>
               </a:rPr>
-              <a:t>Phone Support</a:t>
+              <a:t>Supporto telefonico</a:t>
             </a:r>
           </a:p>
         </p:txBody>
@@ -7928,26 +6954,20 @@
           <a:lstStyle/>
           <a:p>
             <a:r>
-              <a:rPr lang="en-US" sz="1000">
+              <a:rPr lang="it-IT" sz="1000">
                 <a:solidFill>
                   <a:srgbClr val="020302"/>
                 </a:solidFill>
                 <a:latin typeface="AdobeClean-Light"/>
               </a:rPr>
-              <a:t>Authorized users or Named Support Contacts </a:t>
+              <a:t>Gli utenti autorizzati o i contatti interni per il supporto possono segnalare i problemi tramite tutti i canali disponibili (compreso il supporto telefonico per casi P1) e interagire con il team Adobe di assistenza tecnica per conto della tua azienda</a:t>
             </a:r>
             <a:r>
-              <a:rPr lang="en-US" sz="1000">
+              <a:rPr lang="it-IT" sz="1000">
                 <a:latin typeface="Adobe Clean Light" panose="020B0303020404020204" pitchFamily="34" charset="0"/>
               </a:rPr>
-              <a:t>can submit issues through all available  channels (including phone for P1) and interact with our technical support team on behalf of your company. </a:t>
+              <a:t>. </a:t>
             </a:r>
-            <a:endParaRPr lang="en-US" sz="1000">
-              <a:solidFill>
-                <a:srgbClr val="000000"/>
-              </a:solidFill>
-              <a:latin typeface="Adobe Clean Light" panose="020B0303020404020204" pitchFamily="34" charset="0"/>
-            </a:endParaRPr>
           </a:p>
         </p:txBody>
       </p:sp>
@@ -7991,24 +7011,8 @@
               </a:spcBef>
             </a:pPr>
             <a:r>
-              <a:rPr spc="-5"/>
-              <a:t>©202</a:t>
-            </a:r>
-            <a:r>
-              <a:rPr lang="en-US" spc="-5"/>
-              <a:t>1</a:t>
-            </a:r>
-            <a:r>
-              <a:rPr spc="-5"/>
-              <a:t> Adobe. All Rights Reserved. Adobe</a:t>
-            </a:r>
-            <a:r>
-              <a:rPr spc="60"/>
-              <a:t> </a:t>
-            </a:r>
-            <a:r>
-              <a:rPr spc="-5"/>
-              <a:t>Confidential.</a:t>
+              <a:rPr lang="it-IT"/>
+              <a:t>©2021 Adobe. All Rights Reserved. Adobe Confidential.</a:t>
             </a:r>
           </a:p>
         </p:txBody>
@@ -8051,7 +7055,7 @@
               </a:spcAft>
             </a:pPr>
             <a:r>
-              <a:rPr lang="en-US" sz="1200" b="1" spc="-10">
+              <a:rPr lang="it-IT" sz="1200" b="1">
                 <a:solidFill>
                   <a:srgbClr val="020302"/>
                 </a:solidFill>
@@ -8077,7 +7081,7 @@
         <p:spPr>
           <a:xfrm>
             <a:off x="401995" y="5785009"/>
-            <a:ext cx="1848207" cy="45719"/>
+            <a:ext cx="2600697" cy="52862"/>
           </a:xfrm>
           <a:custGeom>
             <a:avLst/>
@@ -8146,19 +7150,15 @@
               </a:spcBef>
             </a:pPr>
             <a:r>
-              <a:rPr lang="en-US" sz="1400" b="1" spc="-10">
+              <a:rPr lang="it-IT" sz="1400" b="1">
                 <a:solidFill>
                   <a:srgbClr val="020302"/>
                 </a:solidFill>
                 <a:latin typeface="Adobe Clean"/>
                 <a:cs typeface="Adobe Clean"/>
               </a:rPr>
-              <a:t>Online Support Features</a:t>
+              <a:t>Caratteristiche del supporto online</a:t>
             </a:r>
-            <a:endParaRPr lang="en-US" sz="1400">
-              <a:latin typeface="Adobe Clean"/>
-              <a:cs typeface="Adobe Clean"/>
-            </a:endParaRPr>
           </a:p>
         </p:txBody>
       </p:sp>
@@ -8176,8 +7176,8 @@
         </p:nvSpPr>
         <p:spPr>
           <a:xfrm>
-            <a:off x="384421" y="774495"/>
-            <a:ext cx="2011680" cy="0"/>
+            <a:off x="384420" y="774494"/>
+            <a:ext cx="2717125" cy="45719"/>
           </a:xfrm>
           <a:custGeom>
             <a:avLst/>
@@ -8246,19 +7246,15 @@
               </a:spcBef>
             </a:pPr>
             <a:r>
-              <a:rPr lang="en-US" sz="1400" b="1" spc="-10">
+              <a:rPr lang="it-IT" sz="1400" b="1">
                 <a:solidFill>
                   <a:srgbClr val="020302"/>
                 </a:solidFill>
                 <a:latin typeface="Adobe Clean"/>
                 <a:cs typeface="Adobe Clean"/>
               </a:rPr>
-              <a:t>Business  Support Features</a:t>
+              <a:t>Caratteristiche del supporto Business</a:t>
             </a:r>
-            <a:endParaRPr lang="en-US" sz="1400">
-              <a:latin typeface="Adobe Clean"/>
-              <a:cs typeface="Adobe Clean"/>
-            </a:endParaRPr>
           </a:p>
         </p:txBody>
       </p:sp>
@@ -8298,15 +7294,11 @@
               </a:spcBef>
             </a:pPr>
             <a:r>
-              <a:rPr lang="en-US" sz="1000">
+              <a:rPr lang="it-IT" sz="1000">
                 <a:latin typeface="Adobe Clean Light" panose="020B0303020404020204" pitchFamily="34" charset="0"/>
               </a:rPr>
-              <a:t>Customers can submit support cases via Phone for all P2, P3, P4 issues during regional support hours. There are no upper limits on the number of times you can call into support. Customers can also request a call back from support or request a meeting to demonstrate or work through an issue using a shared remote desktop session.</a:t>
+              <a:t>I clienti possono segnalare telefonicamente i problemi P2, P3 e P4 durante l’orario operativo per la propria area geografica. Non vi è alcun limite al numero di chiamate di supporto consentite. I clienti possono anche chiedere di essere richiamati dal supporto, o richiedere una sessione con desktop remoto condiviso a scopo di dimostrazione o risoluzione di un problema.</a:t>
             </a:r>
-            <a:endParaRPr lang="en-US" sz="1000">
-              <a:latin typeface="Adobe Clean Light" panose="020B0303020404020204" pitchFamily="34" charset="0"/>
-              <a:cs typeface="AdobeClean-Light"/>
-            </a:endParaRPr>
           </a:p>
         </p:txBody>
       </p:sp>
@@ -8348,13 +7340,13 @@
               </a:spcAft>
             </a:pPr>
             <a:r>
-              <a:rPr lang="en-US" sz="1200" b="1" spc="-10">
+              <a:rPr lang="it-IT" sz="1200" b="1">
                 <a:solidFill>
                   <a:srgbClr val="020302"/>
                 </a:solidFill>
                 <a:latin typeface="+mj-lt"/>
               </a:rPr>
-              <a:t>Live Telephone Support</a:t>
+              <a:t>Supporto telefonico in diretta</a:t>
             </a:r>
           </a:p>
         </p:txBody>
@@ -8395,18 +7387,14 @@
               </a:spcBef>
             </a:pPr>
             <a:r>
-              <a:rPr lang="en-US" sz="1000">
+              <a:rPr lang="it-IT" sz="1000">
                 <a:solidFill>
                   <a:srgbClr val="4B4B4B"/>
                 </a:solidFill>
                 <a:latin typeface="Adobe Clean Light" panose="020B0303020404020204" pitchFamily="34" charset="0"/>
               </a:rPr>
-              <a:t>A designated point of contact within Adobe who can provide escalation assistance, regular updates and ensure priority is given to your most critical open support requests.</a:t>
+              <a:t>Un contatto Adobe dedicato che può fornire assistenza e aggiornamenti regolari in merito ai casi che richiedono escalation, e assicurarsi che venga data priorità alle richieste di supporto aperte più critiche.</a:t>
             </a:r>
-            <a:endParaRPr lang="en-US" sz="1000">
-              <a:latin typeface="Adobe Clean Light" panose="020B0303020404020204" pitchFamily="34" charset="0"/>
-              <a:cs typeface="AdobeClean-Light"/>
-            </a:endParaRPr>
           </a:p>
         </p:txBody>
       </p:sp>
@@ -8448,13 +7436,13 @@
               </a:spcAft>
             </a:pPr>
             <a:r>
-              <a:rPr lang="en-US" sz="1200" b="1" spc="-10">
+              <a:rPr lang="it-IT" sz="1200" b="1">
                 <a:solidFill>
                   <a:srgbClr val="020302"/>
                 </a:solidFill>
                 <a:latin typeface="+mj-lt"/>
               </a:rPr>
-              <a:t>Escalation Management</a:t>
+              <a:t>Gestione delle escalation</a:t>
             </a:r>
           </a:p>
         </p:txBody>
@@ -8502,7 +7490,7 @@
               <a:defRPr/>
             </a:pPr>
             <a:r>
-              <a:rPr lang="en-US" sz="1200">
+              <a:rPr lang="it-IT" sz="1200">
                 <a:solidFill>
                   <a:srgbClr val="000000"/>
                 </a:solidFill>
@@ -8550,12 +7538,12 @@
               </a:spcAft>
             </a:pPr>
             <a:r>
-              <a:rPr lang="en-US" sz="1200" b="1">
+              <a:rPr lang="it-IT" sz="1200" b="1">
                 <a:latin typeface="+mj-lt"/>
                 <a:ea typeface="Open Sans" pitchFamily="34" charset="0"/>
                 <a:cs typeface="Open Sans" pitchFamily="34" charset="0"/>
               </a:rPr>
-              <a:t>Webinars</a:t>
+              <a:t>Webinar</a:t>
             </a:r>
           </a:p>
         </p:txBody>
@@ -8575,7 +7563,7 @@
         <p:spPr>
           <a:xfrm>
             <a:off x="370040" y="8618616"/>
-            <a:ext cx="2286000" cy="1113125"/>
+            <a:ext cx="2286000" cy="959237"/>
           </a:xfrm>
           <a:prstGeom prst="rect">
             <a:avLst/>
@@ -8588,13 +7576,30 @@
           <a:lstStyle/>
           <a:p>
             <a:r>
-              <a:rPr lang="en-US" sz="1000">
+              <a:rPr lang="it-IT" sz="1000" dirty="0">
                 <a:solidFill>
                   <a:srgbClr val="000000"/>
                 </a:solidFill>
                 <a:latin typeface="Adobe Clean Light" panose="020B0303020404020204" pitchFamily="34" charset="0"/>
               </a:rPr>
-              <a:t>Office Hours is an initiative led by the Adobe Customer Support team. These sessions are designed to inform as well as help participants troubleshoot problems and provide tips and tricks to be successful with Adobe Experience Cloud.</a:t>
+              <a:t>Office Hours è un’iniziativa nata dal team del Servizio clienti di Adobe. Queste sessioni sono progettate per informare e aiutare</a:t>
+            </a:r>
+            <a:br>
+              <a:rPr lang="sk-SK" sz="1000" dirty="0">
+                <a:solidFill>
+                  <a:srgbClr val="000000"/>
+                </a:solidFill>
+                <a:latin typeface="Adobe Clean Light" panose="020B0303020404020204" pitchFamily="34" charset="0"/>
+              </a:rPr>
+            </a:br>
+            <a:r>
+              <a:rPr lang="it-IT" sz="1000" dirty="0">
+                <a:solidFill>
+                  <a:srgbClr val="000000"/>
+                </a:solidFill>
+                <a:latin typeface="Adobe Clean Light" panose="020B0303020404020204" pitchFamily="34" charset="0"/>
+              </a:rPr>
+              <a:t>i partecipanti a risolvere problemi e fornire suggerimenti e trucchi utili per le soluzioni Adobe Experience Cloud.</a:t>
             </a:r>
           </a:p>
         </p:txBody>
@@ -8637,12 +7642,12 @@
               </a:spcAft>
             </a:pPr>
             <a:r>
-              <a:rPr lang="en-US" sz="1200" b="1">
+              <a:rPr lang="it-IT" sz="1200" b="1">
                 <a:latin typeface="+mj-lt"/>
                 <a:ea typeface="Open Sans" pitchFamily="34" charset="0"/>
                 <a:cs typeface="Open Sans" pitchFamily="34" charset="0"/>
               </a:rPr>
-              <a:t>24/7 Support Portal</a:t>
+              <a:t>Portale di supporto 24/7</a:t>
             </a:r>
           </a:p>
         </p:txBody>
@@ -8675,16 +7680,16 @@
           <a:lstStyle/>
           <a:p>
             <a:r>
-              <a:rPr lang="en-US" sz="1000">
+              <a:rPr lang="it-IT" sz="1000" dirty="0">
                 <a:solidFill>
                   <a:srgbClr val="000000"/>
                 </a:solidFill>
                 <a:latin typeface="Adobe Clean Light" panose="020B0303020404020204" pitchFamily="34" charset="0"/>
               </a:rPr>
-              <a:t>On-demand access to the online </a:t>
+              <a:t>Accesso on-demand al portale di assistenza autonoma per inviare richieste di supporto, esaminare lo stato dei casi e sfogliare altre risorse, come la knowledge base, notizie </a:t>
             </a:r>
             <a:br>
-              <a:rPr lang="en-US" sz="1000">
+              <a:rPr lang="sk-SK" sz="1000" dirty="0">
                 <a:solidFill>
                   <a:srgbClr val="000000"/>
                 </a:solidFill>
@@ -8692,13 +7697,13 @@
               </a:rPr>
             </a:br>
             <a:r>
-              <a:rPr lang="en-US" sz="1000">
+              <a:rPr lang="it-IT" sz="1000" dirty="0">
                 <a:solidFill>
                   <a:srgbClr val="000000"/>
                 </a:solidFill>
                 <a:latin typeface="Adobe Clean Light" panose="020B0303020404020204" pitchFamily="34" charset="0"/>
               </a:rPr>
-              <a:t>Self-help Support Portal to submit support requests, review case status, and browse other resources, like our knowledgebase, news and alerts, featured tips, and more.</a:t>
+              <a:t>e avvisi, suggerimenti e altro ancora.</a:t>
             </a:r>
           </a:p>
         </p:txBody>
@@ -8810,10 +7815,10 @@
           <a:lstStyle/>
           <a:p>
             <a:r>
-              <a:rPr lang="en-US" sz="1200" b="1">
+              <a:rPr lang="it-IT" sz="1200" b="1">
                 <a:latin typeface="+mj-lt"/>
               </a:rPr>
-              <a:t>Business Services</a:t>
+              <a:t>Servizi Business</a:t>
             </a:r>
           </a:p>
         </p:txBody>
@@ -8854,15 +7859,11 @@
               </a:spcBef>
             </a:pPr>
             <a:r>
-              <a:rPr lang="en-US" sz="1000">
+              <a:rPr lang="it-IT" sz="1000">
                 <a:latin typeface="Adobe Clean Light" panose="020B0303020404020204" pitchFamily="34" charset="0"/>
               </a:rPr>
-              <a:t>An Account Support Lead will host webinars covering an overview of business support services.  </a:t>
+              <a:t>Un Account Support Lead terrà dei webinar per illustrare i servizi di supporto Business.  </a:t>
             </a:r>
-            <a:endParaRPr lang="en-US" sz="1000">
-              <a:latin typeface="Adobe Clean Light" panose="020B0303020404020204" pitchFamily="34" charset="0"/>
-              <a:cs typeface="AdobeClean-Light"/>
-            </a:endParaRPr>
           </a:p>
         </p:txBody>
       </p:sp>
@@ -9331,12 +8332,12 @@
               <a:defRPr/>
             </a:pPr>
             <a:r>
-              <a:rPr lang="en-US" sz="1200">
+              <a:rPr lang="it-IT" sz="1200">
                 <a:solidFill>
                   <a:srgbClr val="000000"/>
                 </a:solidFill>
               </a:rPr>
-              <a:t>Self– Help Portal</a:t>
+              <a:t>Portale di assistenza autonoma</a:t>
             </a:r>
           </a:p>
         </p:txBody>
@@ -9384,7 +8385,7 @@
               <a:defRPr/>
             </a:pPr>
             <a:r>
-              <a:rPr lang="en-US" sz="1200">
+              <a:rPr lang="it-IT" sz="1200">
                 <a:solidFill>
                   <a:srgbClr val="000000"/>
                 </a:solidFill>
@@ -9446,49 +8447,15 @@
               </a:lnSpc>
             </a:pPr>
             <a:r>
-              <a:rPr sz="500" spc="-5">
+              <a:rPr lang="it-IT" sz="500">
                 <a:solidFill>
                   <a:srgbClr val="6C6C6C"/>
                 </a:solidFill>
                 <a:latin typeface="Adobe Clean"/>
                 <a:cs typeface="Adobe Clean"/>
               </a:rPr>
-              <a:t>©2020 Adobe. All Rights Reserved. </a:t>
+              <a:t>©2020 Adobe. All Rights Reserved. Adobe Confidential.</a:t>
             </a:r>
-            <a:r>
-              <a:rPr sz="500">
-                <a:solidFill>
-                  <a:srgbClr val="6C6C6C"/>
-                </a:solidFill>
-                <a:latin typeface="Adobe Clean"/>
-                <a:cs typeface="Adobe Clean"/>
-              </a:rPr>
-              <a:t>Adobe</a:t>
-            </a:r>
-            <a:r>
-              <a:rPr sz="500" spc="5">
-                <a:solidFill>
-                  <a:srgbClr val="6C6C6C"/>
-                </a:solidFill>
-                <a:latin typeface="Adobe Clean"/>
-                <a:cs typeface="Adobe Clean"/>
-              </a:rPr>
-              <a:t> </a:t>
-            </a:r>
-            <a:r>
-              <a:rPr sz="500" spc="-5">
-                <a:solidFill>
-                  <a:srgbClr val="6C6C6C"/>
-                </a:solidFill>
-                <a:latin typeface="Adobe Clean"/>
-                <a:cs typeface="Adobe Clean"/>
-              </a:rPr>
-              <a:t>Confidential.</a:t>
-            </a:r>
-            <a:endParaRPr sz="500">
-              <a:latin typeface="Adobe Clean"/>
-              <a:cs typeface="Adobe Clean"/>
-            </a:endParaRPr>
           </a:p>
           <a:p>
             <a:pPr>
@@ -9514,39 +8481,15 @@
               </a:spcBef>
             </a:pPr>
             <a:r>
-              <a:rPr sz="800" spc="-5">
+              <a:rPr lang="it-IT" sz="800">
                 <a:solidFill>
                   <a:srgbClr val="6D6D6D"/>
                 </a:solidFill>
                 <a:latin typeface="Adobe Clean"/>
                 <a:cs typeface="Adobe Clean"/>
               </a:rPr>
-              <a:t>©2020 Adobe. All Rights Reserved. Adobe</a:t>
+              <a:t>©2020 Adobe. All Rights Reserved. Adobe Confidential.</a:t>
             </a:r>
-            <a:r>
-              <a:rPr sz="800" spc="75">
-                <a:solidFill>
-                  <a:srgbClr val="6D6D6D"/>
-                </a:solidFill>
-                <a:latin typeface="Adobe Clean"/>
-                <a:cs typeface="Adobe Clean"/>
-              </a:rPr>
-              <a:t> </a:t>
-            </a:r>
-            <a:r>
-              <a:rPr sz="800" spc="-5">
-                <a:solidFill>
-                  <a:srgbClr val="6D6D6D"/>
-                </a:solidFill>
-                <a:latin typeface="Adobe Clean"/>
-                <a:cs typeface="Adobe Clean"/>
-              </a:rPr>
-              <a:t>Confidential.</a:t>
-            </a:r>
-            <a:endParaRPr sz="800">
-              <a:latin typeface="Adobe Clean"/>
-              <a:cs typeface="Adobe Clean"/>
-            </a:endParaRPr>
           </a:p>
         </p:txBody>
       </p:sp>
@@ -9630,19 +8573,15 @@
               </a:spcBef>
             </a:pPr>
             <a:r>
-              <a:rPr lang="en-US" sz="1400" b="1" spc="-15">
+              <a:rPr lang="it-IT" sz="1400" b="1">
                 <a:solidFill>
                   <a:srgbClr val="020302"/>
                 </a:solidFill>
                 <a:latin typeface="Adobe Clean"/>
                 <a:cs typeface="Adobe Clean"/>
               </a:rPr>
-              <a:t>Resources</a:t>
+              <a:t>Risorse</a:t>
             </a:r>
-            <a:endParaRPr sz="1400">
-              <a:latin typeface="Adobe Clean"/>
-              <a:cs typeface="Adobe Clean"/>
-            </a:endParaRPr>
           </a:p>
         </p:txBody>
       </p:sp>
@@ -9676,7 +8615,7 @@
               </a:spcBef>
             </a:pPr>
             <a:r>
-              <a:rPr sz="800" spc="-15">
+              <a:rPr lang="it-IT" sz="800">
                 <a:solidFill>
                   <a:srgbClr val="777879"/>
                 </a:solidFill>
@@ -9685,10 +8624,6 @@
               </a:rPr>
               <a:t>Adobe</a:t>
             </a:r>
-            <a:endParaRPr sz="800">
-              <a:latin typeface="Adobe Clean"/>
-              <a:cs typeface="Adobe Clean"/>
-            </a:endParaRPr>
           </a:p>
           <a:p>
             <a:pPr marL="12700">
@@ -9697,39 +8632,15 @@
               </a:lnSpc>
             </a:pPr>
             <a:r>
-              <a:rPr sz="800" spc="-15">
+              <a:rPr lang="it-IT" sz="800">
                 <a:solidFill>
                   <a:srgbClr val="777879"/>
                 </a:solidFill>
                 <a:latin typeface="Adobe Clean"/>
                 <a:cs typeface="Adobe Clean"/>
               </a:rPr>
-              <a:t>345 Park</a:t>
+              <a:t>345 Park Avenue</a:t>
             </a:r>
-            <a:r>
-              <a:rPr sz="800" spc="-100">
-                <a:solidFill>
-                  <a:srgbClr val="777879"/>
-                </a:solidFill>
-                <a:latin typeface="Adobe Clean"/>
-                <a:cs typeface="Adobe Clean"/>
-              </a:rPr>
-              <a:t> </a:t>
-            </a:r>
-            <a:r>
-              <a:rPr sz="800" spc="-15">
-                <a:solidFill>
-                  <a:srgbClr val="777879"/>
-                </a:solidFill>
-                <a:latin typeface="Adobe Clean"/>
-                <a:cs typeface="Adobe Clean"/>
-              </a:rPr>
-              <a:t>Avenue</a:t>
-            </a:r>
-            <a:endParaRPr sz="800">
-              <a:latin typeface="Adobe Clean"/>
-              <a:cs typeface="Adobe Clean"/>
-            </a:endParaRPr>
           </a:p>
           <a:p>
             <a:pPr marL="12700">
@@ -9738,49 +8649,15 @@
               </a:lnSpc>
             </a:pPr>
             <a:r>
-              <a:rPr sz="800" spc="-10">
+              <a:rPr lang="it-IT" sz="800">
                 <a:solidFill>
                   <a:srgbClr val="777879"/>
                 </a:solidFill>
                 <a:latin typeface="Adobe Clean"/>
                 <a:cs typeface="Adobe Clean"/>
               </a:rPr>
-              <a:t>San </a:t>
+              <a:t>San Jose, CA 95110-2704</a:t>
             </a:r>
-            <a:r>
-              <a:rPr sz="800" spc="-15">
-                <a:solidFill>
-                  <a:srgbClr val="777879"/>
-                </a:solidFill>
-                <a:latin typeface="Adobe Clean"/>
-                <a:cs typeface="Adobe Clean"/>
-              </a:rPr>
-              <a:t>Jose,</a:t>
-            </a:r>
-            <a:r>
-              <a:rPr sz="800" spc="-140">
-                <a:solidFill>
-                  <a:srgbClr val="777879"/>
-                </a:solidFill>
-                <a:latin typeface="Adobe Clean"/>
-                <a:cs typeface="Adobe Clean"/>
-              </a:rPr>
-              <a:t> </a:t>
-            </a:r>
-            <a:r>
-              <a:rPr sz="800" spc="-20">
-                <a:solidFill>
-                  <a:srgbClr val="777879"/>
-                </a:solidFill>
-                <a:latin typeface="Adobe Clean"/>
-                <a:cs typeface="Adobe Clean"/>
-              </a:rPr>
-              <a:t>CA95110-2704</a:t>
-            </a:r>
-            <a:endParaRPr sz="800">
-              <a:latin typeface="Adobe Clean"/>
-              <a:cs typeface="Adobe Clean"/>
-            </a:endParaRPr>
           </a:p>
           <a:p>
             <a:pPr marL="12700">
@@ -9792,7 +8669,7 @@
               </a:spcBef>
             </a:pPr>
             <a:r>
-              <a:rPr sz="800" spc="-10">
+              <a:rPr lang="it-IT" sz="800">
                 <a:solidFill>
                   <a:srgbClr val="777879"/>
                 </a:solidFill>
@@ -9801,10 +8678,6 @@
               </a:rPr>
               <a:t>USA</a:t>
             </a:r>
-            <a:endParaRPr sz="800">
-              <a:latin typeface="Adobe Clean"/>
-              <a:cs typeface="Adobe Clean"/>
-            </a:endParaRPr>
           </a:p>
           <a:p>
             <a:pPr marL="12700">
@@ -9816,7 +8689,7 @@
               </a:spcBef>
             </a:pPr>
             <a:r>
-              <a:rPr sz="800" u="sng" spc="-25">
+              <a:rPr lang="it-IT" sz="800" u="sng">
                 <a:solidFill>
                   <a:srgbClr val="5F5F5F"/>
                 </a:solidFill>
@@ -9831,10 +8704,6 @@
               </a:rPr>
               <a:t>www.adobe.com</a:t>
             </a:r>
-            <a:endParaRPr sz="800">
-              <a:latin typeface="Adobe Clean"/>
-              <a:cs typeface="Adobe Clean"/>
-            </a:endParaRPr>
           </a:p>
         </p:txBody>
       </p:sp>
@@ -9995,7 +8864,7 @@
           </a:prstGeom>
         </p:spPr>
         <p:txBody>
-          <a:bodyPr vert="horz" wrap="square" lIns="0" tIns="29845" rIns="0" bIns="0" rtlCol="0" anchor="t">
+          <a:bodyPr vert="horz" wrap="square" lIns="0" tIns="29845" rIns="0" bIns="0" rtlCol="0">
             <a:spAutoFit/>
           </a:bodyPr>
           <a:lstStyle/>
@@ -10009,439 +8878,15 @@
               </a:spcBef>
             </a:pPr>
             <a:r>
-              <a:rPr sz="1100" i="1" spc="-10">
+              <a:rPr lang="it-IT" sz="1100" i="1">
                 <a:solidFill>
                   <a:srgbClr val="777879"/>
                 </a:solidFill>
                 <a:latin typeface="AdobeClean-LightIt"/>
                 <a:cs typeface="AdobeClean-LightIt"/>
               </a:rPr>
-              <a:t>To</a:t>
+              <a:t>Per saperne di più sulle opzioni di Supporto Adobe e capire quale sia il livello più adatto alle tue esigenze, contatta il tuo Named Account Manager (NAM) o Customer Success Manager (CSM).</a:t>
             </a:r>
-            <a:r>
-              <a:rPr sz="1100" i="1" spc="-50">
-                <a:solidFill>
-                  <a:srgbClr val="777879"/>
-                </a:solidFill>
-                <a:latin typeface="AdobeClean-LightIt"/>
-                <a:cs typeface="AdobeClean-LightIt"/>
-              </a:rPr>
-              <a:t> </a:t>
-            </a:r>
-            <a:r>
-              <a:rPr sz="1100" i="1" spc="-15">
-                <a:solidFill>
-                  <a:srgbClr val="777879"/>
-                </a:solidFill>
-                <a:latin typeface="AdobeClean-LightIt"/>
-                <a:cs typeface="AdobeClean-LightIt"/>
-              </a:rPr>
-              <a:t>learn</a:t>
-            </a:r>
-            <a:r>
-              <a:rPr sz="1100" i="1" spc="-40">
-                <a:solidFill>
-                  <a:srgbClr val="777879"/>
-                </a:solidFill>
-                <a:latin typeface="AdobeClean-LightIt"/>
-                <a:cs typeface="AdobeClean-LightIt"/>
-              </a:rPr>
-              <a:t> </a:t>
-            </a:r>
-            <a:r>
-              <a:rPr sz="1100" i="1" spc="-15">
-                <a:solidFill>
-                  <a:srgbClr val="777879"/>
-                </a:solidFill>
-                <a:latin typeface="AdobeClean-LightIt"/>
-                <a:cs typeface="AdobeClean-LightIt"/>
-              </a:rPr>
-              <a:t>more</a:t>
-            </a:r>
-            <a:r>
-              <a:rPr sz="1100" i="1" spc="-45">
-                <a:solidFill>
-                  <a:srgbClr val="777879"/>
-                </a:solidFill>
-                <a:latin typeface="AdobeClean-LightIt"/>
-                <a:cs typeface="AdobeClean-LightIt"/>
-              </a:rPr>
-              <a:t> </a:t>
-            </a:r>
-            <a:r>
-              <a:rPr sz="1100" i="1" spc="-15">
-                <a:solidFill>
-                  <a:srgbClr val="777879"/>
-                </a:solidFill>
-                <a:latin typeface="AdobeClean-LightIt"/>
-                <a:cs typeface="AdobeClean-LightIt"/>
-              </a:rPr>
-              <a:t>about</a:t>
-            </a:r>
-            <a:r>
-              <a:rPr sz="1100" i="1" spc="-45">
-                <a:solidFill>
-                  <a:srgbClr val="777879"/>
-                </a:solidFill>
-                <a:latin typeface="AdobeClean-LightIt"/>
-                <a:cs typeface="AdobeClean-LightIt"/>
-              </a:rPr>
-              <a:t> </a:t>
-            </a:r>
-            <a:r>
-              <a:rPr sz="1100" i="1" spc="-15">
-                <a:solidFill>
-                  <a:srgbClr val="777879"/>
-                </a:solidFill>
-                <a:latin typeface="AdobeClean-LightIt"/>
-                <a:cs typeface="AdobeClean-LightIt"/>
-              </a:rPr>
-              <a:t>Adobe</a:t>
-            </a:r>
-            <a:r>
-              <a:rPr sz="1100" i="1" spc="-50">
-                <a:solidFill>
-                  <a:srgbClr val="777879"/>
-                </a:solidFill>
-                <a:latin typeface="AdobeClean-LightIt"/>
-                <a:cs typeface="AdobeClean-LightIt"/>
-              </a:rPr>
-              <a:t> </a:t>
-            </a:r>
-            <a:r>
-              <a:rPr sz="1100" i="1" spc="-15">
-                <a:solidFill>
-                  <a:srgbClr val="777879"/>
-                </a:solidFill>
-                <a:latin typeface="AdobeClean-LightIt"/>
-                <a:cs typeface="AdobeClean-LightIt"/>
-              </a:rPr>
-              <a:t>Support</a:t>
-            </a:r>
-            <a:r>
-              <a:rPr lang="en-US" sz="1100" i="1" spc="-15">
-                <a:solidFill>
-                  <a:srgbClr val="777879"/>
-                </a:solidFill>
-                <a:latin typeface="AdobeClean-LightIt"/>
-                <a:cs typeface="AdobeClean-LightIt"/>
-              </a:rPr>
-              <a:t> Offerings</a:t>
-            </a:r>
-            <a:r>
-              <a:rPr sz="1100" i="1" spc="-75">
-                <a:solidFill>
-                  <a:srgbClr val="777879"/>
-                </a:solidFill>
-                <a:latin typeface="AdobeClean-LightIt"/>
-                <a:cs typeface="AdobeClean-LightIt"/>
-              </a:rPr>
-              <a:t> </a:t>
-            </a:r>
-            <a:r>
-              <a:rPr sz="1100" i="1" spc="-15">
-                <a:solidFill>
-                  <a:srgbClr val="777879"/>
-                </a:solidFill>
-                <a:latin typeface="AdobeClean-LightIt"/>
-                <a:cs typeface="AdobeClean-LightIt"/>
-              </a:rPr>
-              <a:t>and</a:t>
-            </a:r>
-            <a:r>
-              <a:rPr sz="1100" i="1" spc="-50">
-                <a:solidFill>
-                  <a:srgbClr val="777879"/>
-                </a:solidFill>
-                <a:latin typeface="AdobeClean-LightIt"/>
-                <a:cs typeface="AdobeClean-LightIt"/>
-              </a:rPr>
-              <a:t> </a:t>
-            </a:r>
-            <a:r>
-              <a:rPr sz="1100" i="1" spc="-15">
-                <a:solidFill>
-                  <a:srgbClr val="777879"/>
-                </a:solidFill>
-                <a:latin typeface="AdobeClean-LightIt"/>
-                <a:cs typeface="AdobeClean-LightIt"/>
-              </a:rPr>
-              <a:t>the</a:t>
-            </a:r>
-            <a:r>
-              <a:rPr sz="1100" i="1" spc="-55">
-                <a:solidFill>
-                  <a:srgbClr val="777879"/>
-                </a:solidFill>
-                <a:latin typeface="AdobeClean-LightIt"/>
-                <a:cs typeface="AdobeClean-LightIt"/>
-              </a:rPr>
-              <a:t> </a:t>
-            </a:r>
-            <a:r>
-              <a:rPr sz="1100" i="1" spc="-15">
-                <a:solidFill>
-                  <a:srgbClr val="777879"/>
-                </a:solidFill>
-                <a:latin typeface="AdobeClean-LightIt"/>
-                <a:cs typeface="AdobeClean-LightIt"/>
-              </a:rPr>
-              <a:t>right</a:t>
-            </a:r>
-            <a:r>
-              <a:rPr sz="1100" i="1" spc="-95">
-                <a:solidFill>
-                  <a:srgbClr val="777879"/>
-                </a:solidFill>
-                <a:latin typeface="AdobeClean-LightIt"/>
-                <a:cs typeface="AdobeClean-LightIt"/>
-              </a:rPr>
-              <a:t> </a:t>
-            </a:r>
-            <a:r>
-              <a:rPr sz="1100" i="1" spc="-15">
-                <a:solidFill>
-                  <a:srgbClr val="777879"/>
-                </a:solidFill>
-                <a:latin typeface="AdobeClean-LightIt"/>
-                <a:cs typeface="AdobeClean-LightIt"/>
-              </a:rPr>
-              <a:t>level</a:t>
-            </a:r>
-            <a:r>
-              <a:rPr sz="1100" i="1" spc="-55">
-                <a:solidFill>
-                  <a:srgbClr val="777879"/>
-                </a:solidFill>
-                <a:latin typeface="AdobeClean-LightIt"/>
-                <a:cs typeface="AdobeClean-LightIt"/>
-              </a:rPr>
-              <a:t> </a:t>
-            </a:r>
-            <a:r>
-              <a:rPr sz="1100" i="1" spc="-15">
-                <a:solidFill>
-                  <a:srgbClr val="777879"/>
-                </a:solidFill>
-                <a:latin typeface="AdobeClean-LightIt"/>
-                <a:cs typeface="AdobeClean-LightIt"/>
-              </a:rPr>
-              <a:t>for</a:t>
-            </a:r>
-            <a:r>
-              <a:rPr sz="1100" i="1" spc="-85">
-                <a:solidFill>
-                  <a:srgbClr val="777879"/>
-                </a:solidFill>
-                <a:latin typeface="AdobeClean-LightIt"/>
-                <a:cs typeface="AdobeClean-LightIt"/>
-              </a:rPr>
-              <a:t> </a:t>
-            </a:r>
-            <a:r>
-              <a:rPr sz="1100" i="1" spc="-15">
-                <a:solidFill>
-                  <a:srgbClr val="777879"/>
-                </a:solidFill>
-                <a:latin typeface="AdobeClean-LightIt"/>
-                <a:cs typeface="AdobeClean-LightIt"/>
-              </a:rPr>
-              <a:t>you,</a:t>
-            </a:r>
-            <a:r>
-              <a:rPr sz="1100" i="1" spc="-65">
-                <a:solidFill>
-                  <a:srgbClr val="777879"/>
-                </a:solidFill>
-                <a:latin typeface="AdobeClean-LightIt"/>
-                <a:cs typeface="AdobeClean-LightIt"/>
-              </a:rPr>
-              <a:t> </a:t>
-            </a:r>
-            <a:r>
-              <a:rPr sz="1100" i="1" spc="-15">
-                <a:solidFill>
-                  <a:srgbClr val="777879"/>
-                </a:solidFill>
-                <a:latin typeface="AdobeClean-LightIt"/>
-                <a:cs typeface="AdobeClean-LightIt"/>
-              </a:rPr>
-              <a:t>contact</a:t>
-            </a:r>
-            <a:r>
-              <a:rPr sz="1100" i="1" spc="-85">
-                <a:solidFill>
-                  <a:srgbClr val="777879"/>
-                </a:solidFill>
-                <a:latin typeface="AdobeClean-LightIt"/>
-                <a:cs typeface="AdobeClean-LightIt"/>
-              </a:rPr>
-              <a:t> </a:t>
-            </a:r>
-            <a:r>
-              <a:rPr sz="1100" i="1" spc="-15">
-                <a:solidFill>
-                  <a:srgbClr val="777879"/>
-                </a:solidFill>
-                <a:latin typeface="AdobeClean-LightIt"/>
-                <a:cs typeface="AdobeClean-LightIt"/>
-              </a:rPr>
-              <a:t>your</a:t>
-            </a:r>
-            <a:r>
-              <a:rPr sz="1100" i="1" spc="-70">
-                <a:solidFill>
-                  <a:srgbClr val="777879"/>
-                </a:solidFill>
-                <a:latin typeface="AdobeClean-LightIt"/>
-                <a:cs typeface="AdobeClean-LightIt"/>
-              </a:rPr>
-              <a:t> </a:t>
-            </a:r>
-            <a:r>
-              <a:rPr sz="1100" i="1" spc="-15">
-                <a:solidFill>
-                  <a:srgbClr val="777879"/>
-                </a:solidFill>
-                <a:latin typeface="AdobeClean-LightIt"/>
-                <a:cs typeface="AdobeClean-LightIt"/>
-              </a:rPr>
-              <a:t>Named</a:t>
-            </a:r>
-            <a:r>
-              <a:rPr sz="1100" i="1" spc="-55">
-                <a:solidFill>
-                  <a:srgbClr val="777879"/>
-                </a:solidFill>
-                <a:latin typeface="AdobeClean-LightIt"/>
-                <a:cs typeface="AdobeClean-LightIt"/>
-              </a:rPr>
-              <a:t> </a:t>
-            </a:r>
-            <a:r>
-              <a:rPr sz="1100" i="1" spc="-25">
-                <a:solidFill>
-                  <a:srgbClr val="777879"/>
-                </a:solidFill>
-                <a:latin typeface="AdobeClean-LightIt"/>
-                <a:cs typeface="AdobeClean-LightIt"/>
-              </a:rPr>
-              <a:t>Account</a:t>
-            </a:r>
-            <a:r>
-              <a:rPr sz="1100" i="1" spc="-120">
-                <a:solidFill>
-                  <a:srgbClr val="777879"/>
-                </a:solidFill>
-                <a:latin typeface="AdobeClean-LightIt"/>
-                <a:cs typeface="AdobeClean-LightIt"/>
-              </a:rPr>
-              <a:t> </a:t>
-            </a:r>
-            <a:r>
-              <a:rPr sz="1100" i="1" spc="-20">
-                <a:solidFill>
-                  <a:srgbClr val="777879"/>
-                </a:solidFill>
-                <a:latin typeface="AdobeClean-LightIt"/>
-                <a:cs typeface="AdobeClean-LightIt"/>
-              </a:rPr>
-              <a:t>Manager</a:t>
-            </a:r>
-            <a:r>
-              <a:rPr lang="en-US" sz="1100" i="1" spc="-20">
-                <a:solidFill>
-                  <a:srgbClr val="777879"/>
-                </a:solidFill>
-                <a:latin typeface="AdobeClean-LightIt"/>
-                <a:cs typeface="AdobeClean-LightIt"/>
-              </a:rPr>
-              <a:t> </a:t>
-            </a:r>
-            <a:r>
-              <a:rPr sz="1100" i="1" spc="-20">
-                <a:solidFill>
-                  <a:srgbClr val="777879"/>
-                </a:solidFill>
-                <a:latin typeface="AdobeClean-LightIt"/>
-                <a:cs typeface="AdobeClean-LightIt"/>
-              </a:rPr>
-              <a:t> </a:t>
-            </a:r>
-            <a:r>
-              <a:rPr sz="1100" i="1" spc="-15">
-                <a:solidFill>
-                  <a:srgbClr val="777879"/>
-                </a:solidFill>
-                <a:latin typeface="AdobeClean-LightIt"/>
-                <a:cs typeface="AdobeClean-LightIt"/>
-              </a:rPr>
-              <a:t>(NAM) </a:t>
-            </a:r>
-            <a:r>
-              <a:rPr sz="1100" i="1" spc="-10">
-                <a:solidFill>
-                  <a:srgbClr val="777879"/>
-                </a:solidFill>
-                <a:latin typeface="AdobeClean-LightIt"/>
-                <a:cs typeface="AdobeClean-LightIt"/>
-              </a:rPr>
-              <a:t>or </a:t>
-            </a:r>
-            <a:r>
-              <a:rPr sz="1100" i="1" spc="-15">
-                <a:solidFill>
-                  <a:srgbClr val="777879"/>
-                </a:solidFill>
-                <a:latin typeface="AdobeClean-LightIt"/>
-                <a:cs typeface="AdobeClean-LightIt"/>
-              </a:rPr>
-              <a:t>Customer</a:t>
-            </a:r>
-            <a:r>
-              <a:rPr lang="en-US" sz="1100" i="1" spc="-15">
-                <a:solidFill>
-                  <a:srgbClr val="777879"/>
-                </a:solidFill>
-                <a:latin typeface="AdobeClean-LightIt"/>
-                <a:cs typeface="AdobeClean-LightIt"/>
-              </a:rPr>
-              <a:t> </a:t>
-            </a:r>
-            <a:r>
-              <a:rPr lang="en-US" sz="1100" i="1" spc="-20">
-                <a:solidFill>
-                  <a:srgbClr val="777879"/>
-                </a:solidFill>
-                <a:latin typeface="AdobeClean-LightIt"/>
-                <a:cs typeface="AdobeClean-LightIt"/>
-              </a:rPr>
-              <a:t>Success </a:t>
-            </a:r>
-            <a:r>
-              <a:rPr lang="en-US" sz="1100" i="1" spc="-15">
-                <a:solidFill>
-                  <a:srgbClr val="777879"/>
-                </a:solidFill>
-                <a:latin typeface="AdobeClean-LightIt"/>
-                <a:cs typeface="AdobeClean-LightIt"/>
-              </a:rPr>
-              <a:t>Manager </a:t>
-            </a:r>
-            <a:r>
-              <a:rPr sz="1100" i="1" spc="-15">
-                <a:solidFill>
-                  <a:srgbClr val="777879"/>
-                </a:solidFill>
-                <a:latin typeface="AdobeClean-LightIt"/>
-                <a:cs typeface="AdobeClean-LightIt"/>
-              </a:rPr>
-              <a:t>(CSM)</a:t>
-            </a:r>
-            <a:endParaRPr sz="1100">
-              <a:latin typeface="AdobeClean-LightIt"/>
-              <a:cs typeface="AdobeClean-LightIt"/>
-            </a:endParaRPr>
           </a:p>
           <a:p>
             <a:pPr marL="34290">
@@ -10453,59 +8898,15 @@
               </a:spcBef>
             </a:pPr>
             <a:r>
-              <a:rPr sz="800" spc="-5">
+              <a:rPr lang="it-IT" sz="800">
                 <a:solidFill>
                   <a:srgbClr val="6D6D6D"/>
                 </a:solidFill>
                 <a:latin typeface="Adobe Clean"/>
                 <a:cs typeface="Adobe Clean"/>
               </a:rPr>
-              <a:t>©202</a:t>
+              <a:t>©2021 Adobe. All Rights Reserved. Adobe Confidential.</a:t>
             </a:r>
-            <a:r>
-              <a:rPr lang="en-US" sz="800" spc="-5">
-                <a:solidFill>
-                  <a:srgbClr val="6D6D6D"/>
-                </a:solidFill>
-                <a:latin typeface="Adobe Clean"/>
-                <a:cs typeface="Adobe Clean"/>
-              </a:rPr>
-              <a:t>1</a:t>
-            </a:r>
-            <a:r>
-              <a:rPr sz="800" spc="-5">
-                <a:solidFill>
-                  <a:srgbClr val="6D6D6D"/>
-                </a:solidFill>
-                <a:latin typeface="Adobe Clean"/>
-                <a:cs typeface="Adobe Clean"/>
-              </a:rPr>
-              <a:t> Adobe. All Rights Reserved. Adobe</a:t>
-            </a:r>
-            <a:r>
-              <a:rPr sz="800" spc="75">
-                <a:solidFill>
-                  <a:srgbClr val="6D6D6D"/>
-                </a:solidFill>
-                <a:latin typeface="Adobe Clean"/>
-                <a:cs typeface="Adobe Clean"/>
-              </a:rPr>
-              <a:t> </a:t>
-            </a:r>
-            <a:r>
-              <a:rPr sz="800" spc="-5">
-                <a:solidFill>
-                  <a:srgbClr val="6D6D6D"/>
-                </a:solidFill>
-                <a:latin typeface="Adobe Clean"/>
-                <a:cs typeface="Adobe Clean"/>
-              </a:rPr>
-              <a:t>Confidential.</a:t>
-            </a:r>
-            <a:endParaRPr sz="800">
-              <a:latin typeface="Adobe Clean"/>
-              <a:cs typeface="Adobe Clean"/>
-            </a:endParaRPr>
           </a:p>
         </p:txBody>
       </p:sp>
@@ -10542,19 +8943,15 @@
               </a:spcBef>
             </a:pPr>
             <a:r>
-              <a:rPr lang="en-US" sz="1400" b="1" spc="-15">
+              <a:rPr lang="it-IT" sz="1400" b="1">
                 <a:solidFill>
                   <a:srgbClr val="020302"/>
                 </a:solidFill>
                 <a:latin typeface="Adobe Clean"/>
                 <a:cs typeface="Adobe Clean"/>
               </a:rPr>
-              <a:t>Regional scope of Adobe Support, Local Hours Of Operation And Language Support</a:t>
+              <a:t>Supporto Adobe: aree geografiche, orari operativi e lingue</a:t>
             </a:r>
-            <a:endParaRPr lang="en-US" sz="1400" spc="-15">
-              <a:ea typeface="+mn-lt"/>
-              <a:cs typeface="+mn-lt"/>
-            </a:endParaRPr>
           </a:p>
           <a:p>
             <a:pPr>
@@ -10563,15 +8960,14 @@
               </a:spcBef>
             </a:pPr>
             <a:r>
-              <a:rPr lang="en-US" sz="1000" spc="-15">
+              <a:rPr lang="it-IT" sz="1000">
                 <a:solidFill>
                   <a:srgbClr val="1F1F1F"/>
                 </a:solidFill>
                 <a:latin typeface="AdobeClean-Light"/>
               </a:rPr>
-              <a:t>The Regional scope of Adobe Support is established by aligning the customer's billing address (via the Sales Order or other Adobe Support purchasing document) to one of the following regions:</a:t>
+              <a:t>L’ambito del supporto Adobe è definito allineando l’indirizzo di fatturazione del cliente (in base all’ordine di vendita o altro documento di acquisto del servizio di supporto Adobe) a una delle seguenti aree geografiche:</a:t>
             </a:r>
-            <a:endParaRPr lang="en-US"/>
           </a:p>
         </p:txBody>
       </p:sp>
@@ -10643,13 +9039,13 @@
                     <a:p>
                       <a:pPr algn="ctr"/>
                       <a:r>
-                        <a:rPr lang="en-US" sz="1100">
+                        <a:rPr lang="it-IT" sz="1100">
                           <a:solidFill>
                             <a:schemeClr val="tx1"/>
                           </a:solidFill>
                           <a:latin typeface="Adobe Clean"/>
                         </a:rPr>
-                        <a:t>Americas</a:t>
+                        <a:t>Americhe</a:t>
                       </a:r>
                     </a:p>
                   </a:txBody>
@@ -10708,13 +9104,13 @@
                     <a:p>
                       <a:pPr algn="ctr"/>
                       <a:r>
-                        <a:rPr lang="en-US" sz="1100">
+                        <a:rPr lang="it-IT" sz="1100">
                           <a:solidFill>
                             <a:schemeClr val="tx1"/>
                           </a:solidFill>
                           <a:latin typeface="Adobe Clean"/>
                         </a:rPr>
-                        <a:t>Europe, Middle East &amp; Africa</a:t>
+                        <a:t>Europa, Medio Oriente e Africa</a:t>
                       </a:r>
                     </a:p>
                   </a:txBody>
@@ -10773,13 +9169,13 @@
                     <a:p>
                       <a:pPr algn="ctr"/>
                       <a:r>
-                        <a:rPr lang="en-US" sz="1100">
+                        <a:rPr lang="it-IT" sz="1100">
                           <a:solidFill>
                             <a:schemeClr val="tx1"/>
                           </a:solidFill>
                           <a:latin typeface="Adobe Clean"/>
                         </a:rPr>
-                        <a:t>Asia Pacific</a:t>
+                        <a:t>Asia-Pacifico</a:t>
                       </a:r>
                     </a:p>
                   </a:txBody>
@@ -10838,16 +9234,16 @@
                     <a:p>
                       <a:pPr algn="ctr"/>
                       <a:r>
-                        <a:rPr lang="en-US" sz="1100">
+                        <a:rPr lang="it-IT" sz="1100">
                           <a:solidFill>
                             <a:schemeClr val="tx1"/>
                           </a:solidFill>
                           <a:latin typeface="Adobe Clean"/>
                         </a:rPr>
-                        <a:t>Japan </a:t>
+                        <a:t>Giappone</a:t>
                       </a:r>
                       <a:r>
-                        <a:rPr lang="en-US" sz="1100" baseline="30000">
+                        <a:rPr lang="it-IT" sz="1100" baseline="30000">
                           <a:solidFill>
                             <a:schemeClr val="tx1"/>
                           </a:solidFill>
@@ -10855,12 +9251,6 @@
                         </a:rPr>
                         <a:t>1 </a:t>
                       </a:r>
-                      <a:endParaRPr lang="en-US" sz="1100">
-                        <a:solidFill>
-                          <a:schemeClr val="tx1"/>
-                        </a:solidFill>
-                        <a:latin typeface="Adobe Clean" panose="020B0503020404020204" pitchFamily="34" charset="0"/>
-                      </a:endParaRPr>
                     </a:p>
                   </a:txBody>
                   <a:tcPr anchor="ctr">
@@ -10925,13 +9315,13 @@
                     <a:p>
                       <a:pPr algn="ctr"/>
                       <a:r>
-                        <a:rPr lang="en-US" sz="1100">
+                        <a:rPr lang="it-IT" sz="1100">
                           <a:solidFill>
                             <a:schemeClr val="tx1"/>
                           </a:solidFill>
                           <a:latin typeface="Adobe Clean"/>
                         </a:rPr>
-                        <a:t>6 am – 5:30 pm</a:t>
+                        <a:t>06:00 – 17:30</a:t>
                       </a:r>
                     </a:p>
                   </a:txBody>
@@ -10990,13 +9380,13 @@
                     <a:p>
                       <a:pPr algn="ctr"/>
                       <a:r>
-                        <a:rPr lang="en-US" sz="1100">
+                        <a:rPr lang="it-IT" sz="1100">
                           <a:solidFill>
                             <a:schemeClr val="tx1"/>
                           </a:solidFill>
                           <a:latin typeface="Adobe Clean"/>
                         </a:rPr>
-                        <a:t>9 am – 5 pm</a:t>
+                        <a:t>09:00 – 17:00</a:t>
                       </a:r>
                     </a:p>
                   </a:txBody>
@@ -11055,13 +9445,13 @@
                     <a:p>
                       <a:pPr algn="ctr"/>
                       <a:r>
-                        <a:rPr lang="en-US" sz="1100">
+                        <a:rPr lang="it-IT" sz="1100">
                           <a:solidFill>
                             <a:schemeClr val="tx1"/>
                           </a:solidFill>
                           <a:latin typeface="Adobe Clean"/>
                         </a:rPr>
-                        <a:t>9 am – 5 pm</a:t>
+                        <a:t>09:00 – 17:00</a:t>
                       </a:r>
                     </a:p>
                   </a:txBody>
@@ -11120,13 +9510,13 @@
                     <a:p>
                       <a:pPr algn="ctr"/>
                       <a:r>
-                        <a:rPr lang="en-US" sz="1100">
+                        <a:rPr lang="it-IT" sz="1100">
                           <a:solidFill>
                             <a:schemeClr val="tx1"/>
                           </a:solidFill>
                           <a:latin typeface="Adobe Clean"/>
                         </a:rPr>
-                        <a:t>9 am – 5:30 pm</a:t>
+                        <a:t>09:00 – 17:30</a:t>
                       </a:r>
                     </a:p>
                   </a:txBody>
@@ -11206,11 +9596,10 @@
                         <a:buNone/>
                       </a:pPr>
                       <a:r>
-                        <a:rPr lang="en-US" sz="1100" b="1" i="0" u="none" strike="noStrike" kern="0" cap="none" spc="0" normalizeH="0" baseline="30000" noProof="0">
+                        <a:rPr lang="it-IT" sz="1100" b="1" i="0" u="none" strike="noStrike" cap="none" normalizeH="0" baseline="30000" noProof="0">
                           <a:ln>
                             <a:noFill/>
                           </a:ln>
-                          <a:effectLst/>
                           <a:uLnTx/>
                           <a:uFillTx/>
                           <a:latin typeface="Adobe Clean"/>
@@ -11220,17 +9609,16 @@
                         <a:t> </a:t>
                       </a:r>
                       <a:r>
-                        <a:rPr lang="en-US" sz="1100">
+                        <a:rPr lang="it-IT" sz="1100">
                           <a:solidFill>
                             <a:schemeClr val="tx1"/>
                           </a:solidFill>
                           <a:latin typeface="Adobe Clean"/>
+                          <a:ea typeface="+mn-ea"/>
+                          <a:cs typeface="+mn-cs"/>
                         </a:rPr>
-                        <a:t>Language support is only available in English and Japanese.</a:t>
+                        <a:t>Il supporto è disponibile solo in inglese e giapponese.</a:t>
                       </a:r>
-                      <a:endParaRPr lang="en-US">
-                        <a:latin typeface="Adobe Clean"/>
-                      </a:endParaRPr>
                     </a:p>
                     <a:p>
                       <a:pPr marL="0" marR="0" lvl="0" indent="0" algn="ctr">
@@ -11249,17 +9637,17 @@
                         <a:buNone/>
                       </a:pPr>
                       <a:r>
-                        <a:rPr lang="en-US" sz="1100" i="1">
+                        <a:rPr lang="it-IT" sz="1100" i="1">
                           <a:solidFill>
                             <a:schemeClr val="tx1"/>
                           </a:solidFill>
                           <a:latin typeface="Adobe Clean"/>
                         </a:rPr>
-                        <a:t>*Adobe Commerce excludes Japanese languages support.</a:t>
+                        <a:t>* Adobe Commerce non prevede il supporto in lingua giapponese.</a:t>
                       </a:r>
                     </a:p>
                     <a:p>
-                      <a:pPr algn="ctr"/>
+                      <a:pPr algn="l" rtl="0"/>
                       <a:endParaRPr kumimoji="0" lang="en-US" sz="1100" b="1" i="0" u="none" strike="noStrike" kern="0" cap="none" spc="0" normalizeH="0" baseline="30000" noProof="0">
                         <a:ln>
                           <a:noFill/>
@@ -11278,7 +9666,7 @@
                     <a:p>
                       <a:pPr algn="ctr"/>
                       <a:r>
-                        <a:rPr lang="en-US" sz="1100" i="0">
+                        <a:rPr lang="it-IT" sz="1100" i="0">
                           <a:solidFill>
                             <a:schemeClr val="tx1"/>
                           </a:solidFill>
@@ -11287,7 +9675,7 @@
                         <a:t> </a:t>
                       </a:r>
                       <a:r>
-                        <a:rPr lang="en-US" sz="1100" i="0" baseline="30000">
+                        <a:rPr lang="it-IT" sz="1100" i="0" baseline="30000">
                           <a:solidFill>
                             <a:schemeClr val="tx1"/>
                           </a:solidFill>
@@ -11296,20 +9684,14 @@
                         <a:t>1 </a:t>
                       </a:r>
                       <a:r>
-                        <a:rPr lang="en-US" sz="1100" i="0">
+                        <a:rPr lang="it-IT" sz="1100" i="0">
                           <a:solidFill>
                             <a:schemeClr val="tx1"/>
                           </a:solidFill>
                           <a:latin typeface="Adobe Clean"/>
                         </a:rPr>
-                        <a:t>P2, P3, P4 cases are limited to business hours only in Japan.</a:t>
+                        <a:t>In Giappone, i casi P2, P3 e P4 sono limitati al solo orario operativo.</a:t>
                       </a:r>
-                      <a:endParaRPr lang="en-US" sz="1100" b="1" i="0">
-                        <a:solidFill>
-                          <a:schemeClr val="tx1"/>
-                        </a:solidFill>
-                        <a:latin typeface="Adobe Clean"/>
-                      </a:endParaRPr>
                     </a:p>
                   </a:txBody>
                   <a:tcPr anchor="ctr">
@@ -11673,129 +10055,15 @@
               </a:spcBef>
             </a:pPr>
             <a:r>
-              <a:rPr sz="1200" b="1" spc="-15">
+              <a:rPr lang="it-IT" sz="1200" b="1">
                 <a:solidFill>
                   <a:srgbClr val="FFFFFF"/>
                 </a:solidFill>
                 <a:latin typeface="Adobe Clean"/>
                 <a:cs typeface="Adobe Clean"/>
               </a:rPr>
-              <a:t>U</a:t>
+              <a:t>Eccellenza tecnica</a:t>
             </a:r>
-            <a:r>
-              <a:rPr sz="1200" b="1" spc="-20">
-                <a:solidFill>
-                  <a:srgbClr val="FFFFFF"/>
-                </a:solidFill>
-                <a:latin typeface="Adobe Clean"/>
-                <a:cs typeface="Adobe Clean"/>
-              </a:rPr>
-              <a:t>n</a:t>
-            </a:r>
-            <a:r>
-              <a:rPr sz="1200" b="1" spc="-25">
-                <a:solidFill>
-                  <a:srgbClr val="FFFFFF"/>
-                </a:solidFill>
-                <a:latin typeface="Adobe Clean"/>
-                <a:cs typeface="Adobe Clean"/>
-              </a:rPr>
-              <a:t>p</a:t>
-            </a:r>
-            <a:r>
-              <a:rPr sz="1200" b="1" spc="-15">
-                <a:solidFill>
-                  <a:srgbClr val="FFFFFF"/>
-                </a:solidFill>
-                <a:latin typeface="Adobe Clean"/>
-                <a:cs typeface="Adobe Clean"/>
-              </a:rPr>
-              <a:t>a</a:t>
-            </a:r>
-            <a:r>
-              <a:rPr sz="1200" b="1" spc="-25">
-                <a:solidFill>
-                  <a:srgbClr val="FFFFFF"/>
-                </a:solidFill>
-                <a:latin typeface="Adobe Clean"/>
-                <a:cs typeface="Adobe Clean"/>
-              </a:rPr>
-              <a:t>r</a:t>
-            </a:r>
-            <a:r>
-              <a:rPr sz="1200" b="1" spc="-15">
-                <a:solidFill>
-                  <a:srgbClr val="FFFFFF"/>
-                </a:solidFill>
-                <a:latin typeface="Adobe Clean"/>
-                <a:cs typeface="Adobe Clean"/>
-              </a:rPr>
-              <a:t>a</a:t>
-            </a:r>
-            <a:r>
-              <a:rPr sz="1200" b="1" spc="-30">
-                <a:solidFill>
-                  <a:srgbClr val="FFFFFF"/>
-                </a:solidFill>
-                <a:latin typeface="Adobe Clean"/>
-                <a:cs typeface="Adobe Clean"/>
-              </a:rPr>
-              <a:t>ll</a:t>
-            </a:r>
-            <a:r>
-              <a:rPr sz="1200" b="1" spc="-25">
-                <a:solidFill>
-                  <a:srgbClr val="FFFFFF"/>
-                </a:solidFill>
-                <a:latin typeface="Adobe Clean"/>
-                <a:cs typeface="Adobe Clean"/>
-              </a:rPr>
-              <a:t>e</a:t>
-            </a:r>
-            <a:r>
-              <a:rPr sz="1200" b="1" spc="-30">
-                <a:solidFill>
-                  <a:srgbClr val="FFFFFF"/>
-                </a:solidFill>
-                <a:latin typeface="Adobe Clean"/>
-                <a:cs typeface="Adobe Clean"/>
-              </a:rPr>
-              <a:t>l</a:t>
-            </a:r>
-            <a:r>
-              <a:rPr sz="1200" b="1" spc="-25">
-                <a:solidFill>
-                  <a:srgbClr val="FFFFFF"/>
-                </a:solidFill>
-                <a:latin typeface="Adobe Clean"/>
-                <a:cs typeface="Adobe Clean"/>
-              </a:rPr>
-              <a:t>e</a:t>
-            </a:r>
-            <a:r>
-              <a:rPr sz="1200" b="1">
-                <a:solidFill>
-                  <a:srgbClr val="FFFFFF"/>
-                </a:solidFill>
-                <a:latin typeface="Adobe Clean"/>
-                <a:cs typeface="Adobe Clean"/>
-              </a:rPr>
-              <a:t>d  </a:t>
-            </a:r>
-            <a:r>
-              <a:rPr sz="1200" b="1" spc="-25">
-                <a:solidFill>
-                  <a:srgbClr val="FFFFFF"/>
-                </a:solidFill>
-                <a:latin typeface="Adobe Clean"/>
-                <a:cs typeface="Adobe Clean"/>
-              </a:rPr>
-              <a:t>Expertise</a:t>
-            </a:r>
-            <a:endParaRPr sz="1200">
-              <a:latin typeface="Adobe Clean"/>
-              <a:cs typeface="Adobe Clean"/>
-            </a:endParaRPr>
           </a:p>
         </p:txBody>
       </p:sp>
@@ -11835,19 +10103,15 @@
               </a:spcBef>
             </a:pPr>
             <a:r>
-              <a:rPr lang="en-US" sz="1200" b="1" spc="-15">
+              <a:rPr lang="it-IT" sz="1200" b="1">
                 <a:solidFill>
                   <a:srgbClr val="FFFFFF"/>
                 </a:solidFill>
                 <a:latin typeface="Adobe Clean"/>
                 <a:cs typeface="Adobe Clean"/>
               </a:rPr>
-              <a:t>Accelerated Support</a:t>
+              <a:t>Supporto rapido</a:t>
             </a:r>
-            <a:endParaRPr sz="1200">
-              <a:latin typeface="Adobe Clean"/>
-              <a:cs typeface="Adobe Clean"/>
-            </a:endParaRPr>
           </a:p>
         </p:txBody>
       </p:sp>
@@ -11865,8 +10129,8 @@
         </p:nvSpPr>
         <p:spPr>
           <a:xfrm>
-            <a:off x="6624119" y="8543943"/>
-            <a:ext cx="510540" cy="385445"/>
+            <a:off x="6429819" y="8543969"/>
+            <a:ext cx="810895" cy="385445"/>
           </a:xfrm>
           <a:prstGeom prst="rect">
             <a:avLst/>
@@ -11887,109 +10151,15 @@
               </a:spcBef>
             </a:pPr>
             <a:r>
-              <a:rPr sz="1200" b="1" spc="-50">
+              <a:rPr lang="it-IT" sz="1200" b="1" dirty="0">
                 <a:solidFill>
                   <a:srgbClr val="FFFFFF"/>
                 </a:solidFill>
                 <a:latin typeface="Adobe Clean"/>
                 <a:cs typeface="Adobe Clean"/>
               </a:rPr>
-              <a:t>S</a:t>
+              <a:t>Consulenza strategica</a:t>
             </a:r>
-            <a:r>
-              <a:rPr sz="1200" b="1" spc="-20">
-                <a:solidFill>
-                  <a:srgbClr val="FFFFFF"/>
-                </a:solidFill>
-                <a:latin typeface="Adobe Clean"/>
-                <a:cs typeface="Adobe Clean"/>
-              </a:rPr>
-              <a:t>t</a:t>
-            </a:r>
-            <a:r>
-              <a:rPr sz="1200" b="1" spc="-75">
-                <a:solidFill>
-                  <a:srgbClr val="FFFFFF"/>
-                </a:solidFill>
-                <a:latin typeface="Adobe Clean"/>
-                <a:cs typeface="Adobe Clean"/>
-              </a:rPr>
-              <a:t>r</a:t>
-            </a:r>
-            <a:r>
-              <a:rPr sz="1200" b="1" spc="-90">
-                <a:solidFill>
-                  <a:srgbClr val="FFFFFF"/>
-                </a:solidFill>
-                <a:latin typeface="Adobe Clean"/>
-                <a:cs typeface="Adobe Clean"/>
-              </a:rPr>
-              <a:t>a</a:t>
-            </a:r>
-            <a:r>
-              <a:rPr sz="1200" b="1" spc="-55">
-                <a:solidFill>
-                  <a:srgbClr val="FFFFFF"/>
-                </a:solidFill>
-                <a:latin typeface="Adobe Clean"/>
-                <a:cs typeface="Adobe Clean"/>
-              </a:rPr>
-              <a:t>t</a:t>
-            </a:r>
-            <a:r>
-              <a:rPr sz="1200" b="1" spc="-100">
-                <a:solidFill>
-                  <a:srgbClr val="FFFFFF"/>
-                </a:solidFill>
-                <a:latin typeface="Adobe Clean"/>
-                <a:cs typeface="Adobe Clean"/>
-              </a:rPr>
-              <a:t>e</a:t>
-            </a:r>
-            <a:r>
-              <a:rPr sz="1200" b="1" spc="-80">
-                <a:solidFill>
-                  <a:srgbClr val="FFFFFF"/>
-                </a:solidFill>
-                <a:latin typeface="Adobe Clean"/>
-                <a:cs typeface="Adobe Clean"/>
-              </a:rPr>
-              <a:t>g</a:t>
-            </a:r>
-            <a:r>
-              <a:rPr sz="1200" b="1" spc="-35">
-                <a:solidFill>
-                  <a:srgbClr val="FFFFFF"/>
-                </a:solidFill>
-                <a:latin typeface="Adobe Clean"/>
-                <a:cs typeface="Adobe Clean"/>
-              </a:rPr>
-              <a:t>i</a:t>
-            </a:r>
-            <a:r>
-              <a:rPr sz="1200" b="1">
-                <a:solidFill>
-                  <a:srgbClr val="FFFFFF"/>
-                </a:solidFill>
-                <a:latin typeface="Adobe Clean"/>
-                <a:cs typeface="Adobe Clean"/>
-              </a:rPr>
-              <a:t>c  </a:t>
-            </a:r>
-            <a:r>
-              <a:rPr sz="1200" b="1" spc="-45">
-                <a:solidFill>
-                  <a:srgbClr val="FFFFFF"/>
-                </a:solidFill>
-                <a:latin typeface="Adobe Clean"/>
-                <a:cs typeface="Adobe Clean"/>
-              </a:rPr>
-              <a:t>Advice</a:t>
-            </a:r>
-            <a:endParaRPr sz="1200">
-              <a:latin typeface="Adobe Clean"/>
-              <a:cs typeface="Adobe Clean"/>
-            </a:endParaRPr>
           </a:p>
         </p:txBody>
       </p:sp>
@@ -12008,14 +10178,14 @@
           <p:nvPr>
             <p:extLst>
               <p:ext uri="{D42A27DB-BD31-4B8C-83A1-F6EECF244321}">
-                <p14:modId xmlns:p14="http://schemas.microsoft.com/office/powerpoint/2010/main" val="3773282750"/>
+                <p14:modId xmlns:p14="http://schemas.microsoft.com/office/powerpoint/2010/main" val="3878089471"/>
               </p:ext>
             </p:extLst>
           </p:nvPr>
         </p:nvGraphicFramePr>
         <p:xfrm>
           <a:off x="194236" y="1059345"/>
-          <a:ext cx="7368291" cy="3302000"/>
+          <a:ext cx="7368291" cy="3606800"/>
         </p:xfrm>
         <a:graphic>
           <a:graphicData uri="http://schemas.openxmlformats.org/drawingml/2006/table">
@@ -12046,25 +10216,17 @@
                     <a:lstStyle/>
                     <a:p>
                       <a:r>
-                        <a:rPr lang="en-US" sz="1100" b="0">
+                        <a:rPr lang="it-IT" sz="1100" b="0">
                           <a:solidFill>
                             <a:schemeClr val="tx1"/>
                           </a:solidFill>
-                          <a:latin typeface="Adobe Clean"/>
+                          <a:latin typeface="Adobe Clean" panose="020B0503020404020204" pitchFamily="34" charset="0"/>
                           <a:ea typeface="+mn-ea"/>
                           <a:cs typeface="+mn-cs"/>
                           <a:hlinkClick r:id="rId7"/>
                         </a:rPr>
                         <a:t>Experience League</a:t>
                       </a:r>
-                      <a:endParaRPr lang="en-US" sz="1100" b="0">
-                        <a:solidFill>
-                          <a:schemeClr val="tx1"/>
-                        </a:solidFill>
-                        <a:latin typeface="Adobe Clean"/>
-                        <a:ea typeface="+mn-ea"/>
-                        <a:cs typeface="+mn-cs"/>
-                      </a:endParaRPr>
                     </a:p>
                   </a:txBody>
                   <a:tcPr marL="47625" marR="47625" marT="0" marB="0" anchor="ctr">
@@ -12115,102 +10277,6 @@
                     <a:noFill/>
                   </a:tcPr>
                 </a:tc>
-                <a:tc>
-                  <a:txBody>
-                    <a:bodyPr/>
-                    <a:lstStyle/>
-                    <a:p>
-                      <a:pPr marL="0" marR="0" lvl="0" indent="0" eaLnBrk="1" fontAlgn="auto" latinLnBrk="0" hangingPunct="1">
-                        <a:lnSpc>
-                          <a:spcPct val="100000"/>
-                        </a:lnSpc>
-                        <a:spcBef>
-                          <a:spcPts val="0"/>
-                        </a:spcBef>
-                        <a:spcAft>
-                          <a:spcPts val="0"/>
-                        </a:spcAft>
-                        <a:buClrTx/>
-                        <a:buSzTx/>
-                        <a:buFontTx/>
-                        <a:buNone/>
-                      </a:pPr>
-                      <a:r>
-                        <a:rPr lang="en-US" sz="1000" b="0" kern="1200">
-                          <a:solidFill>
-                            <a:srgbClr val="000000"/>
-                          </a:solidFill>
-                          <a:latin typeface="Adobe Clean Light"/>
-                          <a:ea typeface="+mn-ea"/>
-                          <a:cs typeface="+mn-cs"/>
-                        </a:rPr>
-                        <a:t>Experience League is how Adobe helps businesses achieve the value they expect from their Adobe investment. It’s the unified place where customers can learn, connect, and grow along a personalized path to success that includes self-help tutorials, product documentation, instructor-led training, community and technical support. </a:t>
-                      </a:r>
-                      <a:endParaRPr lang="en-US" sz="1000" b="0" kern="1200">
-                        <a:solidFill>
-                          <a:srgbClr val="000000"/>
-                        </a:solidFill>
-                        <a:latin typeface="Adobe Clean Light" panose="020B0303020404020204" pitchFamily="34" charset="0"/>
-                        <a:ea typeface="+mn-ea"/>
-                        <a:cs typeface="+mn-cs"/>
-                      </a:endParaRPr>
-                    </a:p>
-                  </a:txBody>
-                  <a:tcPr anchor="ctr">
-                    <a:lnL w="12700" cap="flat" cmpd="sng" algn="ctr">
-                      <a:solidFill>
-                        <a:schemeClr val="bg1">
-                          <a:lumMod val="85000"/>
-                        </a:schemeClr>
-                      </a:solidFill>
-                      <a:prstDash val="solid"/>
-                      <a:round/>
-                      <a:headEnd type="none" w="med" len="med"/>
-                      <a:tailEnd type="none" w="med" len="med"/>
-                    </a:lnL>
-                    <a:lnR w="12700" cap="flat" cmpd="sng" algn="ctr">
-                      <a:solidFill>
-                        <a:schemeClr val="bg1">
-                          <a:lumMod val="85000"/>
-                        </a:schemeClr>
-                      </a:solidFill>
-                      <a:prstDash val="solid"/>
-                      <a:round/>
-                      <a:headEnd type="none" w="med" len="med"/>
-                      <a:tailEnd type="none" w="med" len="med"/>
-                    </a:lnR>
-                    <a:lnT w="12700" cap="flat" cmpd="sng" algn="ctr">
-                      <a:solidFill>
-                        <a:schemeClr val="bg1">
-                          <a:lumMod val="85000"/>
-                        </a:schemeClr>
-                      </a:solidFill>
-                      <a:prstDash val="solid"/>
-                      <a:round/>
-                      <a:headEnd type="none" w="med" len="med"/>
-                      <a:tailEnd type="none" w="med" len="med"/>
-                    </a:lnT>
-                    <a:lnB w="12700" cap="flat" cmpd="sng" algn="ctr">
-                      <a:solidFill>
-                        <a:schemeClr val="bg1">
-                          <a:lumMod val="85000"/>
-                        </a:schemeClr>
-                      </a:solidFill>
-                      <a:prstDash val="solid"/>
-                      <a:round/>
-                      <a:headEnd type="none" w="med" len="med"/>
-                      <a:tailEnd type="none" w="med" len="med"/>
-                    </a:lnB>
-                    <a:noFill/>
-                  </a:tcPr>
-                </a:tc>
-                <a:extLst>
-                  <a:ext uri="{0D108BD9-81ED-4DB2-BD59-A6C34878D82A}">
-                    <a16:rowId xmlns:a16="http://schemas.microsoft.com/office/drawing/2014/main" val="4251285128"/>
-                  </a:ext>
-                </a:extLst>
-              </a:tr>
-              <a:tr h="370840">
                 <a:tc>
                   <a:txBody>
                     <a:bodyPr/>
@@ -12234,39 +10300,37 @@
                         <a:defRPr/>
                       </a:pPr>
                       <a:r>
-                        <a:rPr lang="en-US" sz="1100">
+                        <a:rPr lang="it-IT" sz="1000" b="0" dirty="0">
                           <a:solidFill>
-                            <a:schemeClr val="dk1"/>
+                            <a:srgbClr val="000000"/>
                           </a:solidFill>
-                          <a:effectLst/>
-                          <a:latin typeface="Adobe Clean"/>
-                          <a:ea typeface="+mn-ea"/>
-                          <a:cs typeface="+mn-cs"/>
-                          <a:hlinkClick r:id="rId8"/>
-                        </a:rPr>
-                        <a:t>Training</a:t>
-                      </a:r>
-                      <a:r>
-                        <a:rPr lang="en-US" sz="1100">
-                          <a:solidFill>
-                            <a:schemeClr val="dk1"/>
-                          </a:solidFill>
-                          <a:effectLst/>
-                          <a:latin typeface="Adobe Clean"/>
+                          <a:latin typeface="Adobe Clean Light" panose="020B0303020404020204" pitchFamily="34" charset="0"/>
                           <a:ea typeface="+mn-ea"/>
                           <a:cs typeface="+mn-cs"/>
                         </a:rPr>
-                        <a:t> </a:t>
+                        <a:t>Con Experience League, Adobe aiuta le aziende a conseguire il valore che si aspettano dalle soluzioni Adobe in cui hanno investito. In questo portale unificato, puoi imparare, relazionarti con altri professionisti </a:t>
                       </a:r>
-                      <a:endParaRPr lang="en-US" sz="1100">
-                        <a:solidFill>
-                          <a:schemeClr val="tx1"/>
-                        </a:solidFill>
-                        <a:effectLst/>
-                        <a:latin typeface="Adobe Clean"/>
-                        <a:ea typeface="+mn-ea"/>
-                        <a:cs typeface="+mn-cs"/>
-                      </a:endParaRPr>
+                      <a:br>
+                        <a:rPr lang="sk-SK" sz="1000" b="0" dirty="0">
+                          <a:solidFill>
+                            <a:srgbClr val="000000"/>
+                          </a:solidFill>
+                          <a:latin typeface="Adobe Clean Light" panose="020B0303020404020204" pitchFamily="34" charset="0"/>
+                          <a:ea typeface="+mn-ea"/>
+                          <a:cs typeface="+mn-cs"/>
+                        </a:rPr>
+                      </a:br>
+                      <a:r>
+                        <a:rPr lang="it-IT" sz="1000" b="0" dirty="0">
+                          <a:solidFill>
+                            <a:srgbClr val="000000"/>
+                          </a:solidFill>
+                          <a:latin typeface="Adobe Clean Light" panose="020B0303020404020204" pitchFamily="34" charset="0"/>
+                          <a:ea typeface="+mn-ea"/>
+                          <a:cs typeface="+mn-cs"/>
+                        </a:rPr>
+                        <a:t>e crescere seguendo un percorso personalizzato con tutorial, documentazione dei prodotti, formazione con istruttori, supporto tecnico e il sostegno dell’intera community. </a:t>
+                      </a:r>
                     </a:p>
                   </a:txBody>
                   <a:tcPr anchor="ctr">
@@ -12317,6 +10381,13 @@
                     <a:noFill/>
                   </a:tcPr>
                 </a:tc>
+                <a:extLst>
+                  <a:ext uri="{0D108BD9-81ED-4DB2-BD59-A6C34878D82A}">
+                    <a16:rowId xmlns:a16="http://schemas.microsoft.com/office/drawing/2014/main" val="4251285128"/>
+                  </a:ext>
+                </a:extLst>
+              </a:tr>
+              <a:tr h="370840">
                 <a:tc>
                   <a:txBody>
                     <a:bodyPr/>
@@ -12340,15 +10411,27 @@
                         <a:defRPr/>
                       </a:pPr>
                       <a:r>
-                        <a:rPr lang="en-US" sz="1000" kern="1200">
+                        <a:rPr lang="it-IT" sz="1100">
                           <a:solidFill>
-                            <a:srgbClr val="000000"/>
+                            <a:schemeClr val="dk1"/>
                           </a:solidFill>
-                          <a:latin typeface="Adobe Clean Light"/>
+                          <a:latin typeface="Adobe Clean" panose="020B0503020404020204" pitchFamily="34" charset="0"/>
+                          <a:ea typeface="+mn-ea"/>
+                          <a:cs typeface="+mn-cs"/>
+                          <a:hlinkClick r:id="rId8"/>
+                        </a:rPr>
+                        <a:t>Formazione</a:t>
+                      </a:r>
+                      <a:r>
+                        <a:rPr lang="it-IT" sz="1100">
+                          <a:solidFill>
+                            <a:schemeClr val="dk1"/>
+                          </a:solidFill>
+                          <a:latin typeface="Adobe Clean" panose="020B0503020404020204" pitchFamily="34" charset="0"/>
                           <a:ea typeface="+mn-ea"/>
                           <a:cs typeface="+mn-cs"/>
                         </a:rPr>
-                        <a:t>Adobe Digital Learning Services courses are accessible from Experience League. Learning courses integrate both on-demand and instructor-led lessons.  Here you can accrue skills that have recognized market value and position them to drive success in your organizations.</a:t>
+                        <a:t> </a:t>
                       </a:r>
                     </a:p>
                   </a:txBody>
@@ -12400,13 +10483,6 @@
                     <a:noFill/>
                   </a:tcPr>
                 </a:tc>
-                <a:extLst>
-                  <a:ext uri="{0D108BD9-81ED-4DB2-BD59-A6C34878D82A}">
-                    <a16:rowId xmlns:a16="http://schemas.microsoft.com/office/drawing/2014/main" val="3127522179"/>
-                  </a:ext>
-                </a:extLst>
-              </a:tr>
-              <a:tr h="370840">
                 <a:tc>
                   <a:txBody>
                     <a:bodyPr/>
@@ -12430,116 +10506,16 @@
                         <a:defRPr/>
                       </a:pPr>
                       <a:r>
-                        <a:rPr lang="en-US" sz="1100">
-                          <a:solidFill>
-                            <a:schemeClr val="tx1"/>
-                          </a:solidFill>
-                          <a:effectLst/>
-                          <a:latin typeface="Adobe Clean"/>
-                          <a:ea typeface="+mn-ea"/>
-                          <a:cs typeface="+mn-cs"/>
-                          <a:hlinkClick r:id="rId9"/>
-                        </a:rPr>
-                        <a:t>Production Issues &amp; System Outages</a:t>
-                      </a:r>
-                      <a:endParaRPr lang="en-US" sz="1100">
-                        <a:solidFill>
-                          <a:schemeClr val="tx1"/>
-                        </a:solidFill>
-                        <a:effectLst/>
-                        <a:latin typeface="Adobe Clean"/>
-                        <a:ea typeface="+mn-ea"/>
-                        <a:cs typeface="+mn-cs"/>
-                      </a:endParaRPr>
-                    </a:p>
-                  </a:txBody>
-                  <a:tcPr anchor="ctr">
-                    <a:lnL w="12700" cap="flat" cmpd="sng" algn="ctr">
-                      <a:solidFill>
-                        <a:schemeClr val="bg1">
-                          <a:lumMod val="85000"/>
-                        </a:schemeClr>
-                      </a:solidFill>
-                      <a:prstDash val="solid"/>
-                      <a:round/>
-                      <a:headEnd type="none" w="med" len="med"/>
-                      <a:tailEnd type="none" w="med" len="med"/>
-                    </a:lnL>
-                    <a:lnR w="12700" cap="flat" cmpd="sng" algn="ctr">
-                      <a:solidFill>
-                        <a:schemeClr val="bg1">
-                          <a:lumMod val="85000"/>
-                        </a:schemeClr>
-                      </a:solidFill>
-                      <a:prstDash val="solid"/>
-                      <a:round/>
-                      <a:headEnd type="none" w="med" len="med"/>
-                      <a:tailEnd type="none" w="med" len="med"/>
-                    </a:lnR>
-                    <a:lnT w="12700" cap="flat" cmpd="sng" algn="ctr">
-                      <a:solidFill>
-                        <a:schemeClr val="bg1">
-                          <a:lumMod val="85000"/>
-                        </a:schemeClr>
-                      </a:solidFill>
-                      <a:prstDash val="solid"/>
-                      <a:round/>
-                      <a:headEnd type="none" w="med" len="med"/>
-                      <a:tailEnd type="none" w="med" len="med"/>
-                    </a:lnT>
-                    <a:lnB w="12700" cap="flat" cmpd="sng" algn="ctr">
-                      <a:solidFill>
-                        <a:schemeClr val="bg1">
-                          <a:lumMod val="85000"/>
-                        </a:schemeClr>
-                      </a:solidFill>
-                      <a:prstDash val="solid"/>
-                      <a:round/>
-                      <a:headEnd type="none" w="med" len="med"/>
-                      <a:tailEnd type="none" w="med" len="med"/>
-                    </a:lnB>
-                    <a:noFill/>
-                  </a:tcPr>
-                </a:tc>
-                <a:tc>
-                  <a:txBody>
-                    <a:bodyPr/>
-                    <a:lstStyle/>
-                    <a:p>
-                      <a:pPr marL="0" marR="0" lvl="0" indent="0" eaLnBrk="1" fontAlgn="auto" latinLnBrk="0" hangingPunct="1">
-                        <a:lnSpc>
-                          <a:spcPct val="100000"/>
-                        </a:lnSpc>
-                        <a:spcBef>
-                          <a:spcPts val="0"/>
-                        </a:spcBef>
-                        <a:spcAft>
-                          <a:spcPts val="0"/>
-                        </a:spcAft>
-                        <a:buClrTx/>
-                        <a:buSzTx/>
-                        <a:buFontTx/>
-                        <a:buNone/>
-                      </a:pPr>
-                      <a:r>
-                        <a:rPr lang="en-US" sz="1000" kern="1200">
+                        <a:rPr lang="it-IT" sz="1000">
                           <a:solidFill>
                             <a:srgbClr val="000000"/>
                           </a:solidFill>
-                          <a:latin typeface="Adobe Clean Light"/>
+                          <a:latin typeface="Adobe Clean Light" panose="020B0303020404020204" pitchFamily="34" charset="0"/>
                           <a:ea typeface="+mn-ea"/>
                           <a:cs typeface="+mn-cs"/>
                         </a:rPr>
-                        <a:t>Status.adobe.com conveys the health information of all Adobe products and services that are deployed in multi-tenant environments. Customers can choose their subscription preferences to get email notifications whenever Adobe creates, updates or resolves a product event. This can include scheduled maintenance or service issues of varying levels of severity. </a:t>
+                        <a:t>I corsi Adobe Digital Learning Services sono accessibili da Experience League. I corsi di apprendimento comprendono lezioni sia on-demand che guidate da istruttori.  Potrai acquisire nuove competenze particolarmente ricercate nel settore e metterle in pratica nella tua organizzazione, per favorirne il successo.</a:t>
                       </a:r>
-                      <a:endParaRPr lang="en-US" sz="1000" kern="1200">
-                        <a:solidFill>
-                          <a:srgbClr val="000000"/>
-                        </a:solidFill>
-                        <a:latin typeface="Adobe Clean Light" panose="020B0303020404020204" pitchFamily="34" charset="0"/>
-                        <a:ea typeface="+mn-ea"/>
-                        <a:cs typeface="+mn-cs"/>
-                      </a:endParaRPr>
                     </a:p>
                   </a:txBody>
                   <a:tcPr anchor="ctr">
@@ -12592,7 +10568,7 @@
                 </a:tc>
                 <a:extLst>
                   <a:ext uri="{0D108BD9-81ED-4DB2-BD59-A6C34878D82A}">
-                    <a16:rowId xmlns:a16="http://schemas.microsoft.com/office/drawing/2014/main" val="2696233489"/>
+                    <a16:rowId xmlns:a16="http://schemas.microsoft.com/office/drawing/2014/main" val="3127522179"/>
                   </a:ext>
                 </a:extLst>
               </a:tr>
@@ -12620,27 +10596,17 @@
                         <a:defRPr/>
                       </a:pPr>
                       <a:r>
-                        <a:rPr lang="en-US" sz="1100" b="0" i="0">
+                        <a:rPr lang="it-IT" sz="1100">
                           <a:solidFill>
-                            <a:schemeClr val="dk1"/>
+                            <a:schemeClr val="tx1"/>
                           </a:solidFill>
-                          <a:effectLst/>
-                          <a:latin typeface="Adobe Clean"/>
+                          <a:latin typeface="Adobe Clean" panose="020B0503020404020204" pitchFamily="34" charset="0"/>
                           <a:ea typeface="+mn-ea"/>
                           <a:cs typeface="+mn-cs"/>
-                          <a:hlinkClick r:id="rId10" tooltip="https://helpx.adobe.com/support/programs/enterprise-support-programs/premier-support-business.html"/>
+                          <a:hlinkClick r:id="rId9"/>
                         </a:rPr>
-                        <a:t>Business Support Website</a:t>
+                        <a:t>Problemi di produzione e interruzioni del sistema</a:t>
                       </a:r>
-                      <a:endParaRPr lang="en-US" sz="1100" b="0" i="0">
-                        <a:solidFill>
-                          <a:schemeClr val="dk1"/>
-                        </a:solidFill>
-                        <a:effectLst/>
-                        <a:latin typeface="Adobe Clean"/>
-                        <a:ea typeface="+mn-ea"/>
-                        <a:cs typeface="+mn-cs"/>
-                      </a:endParaRPr>
                     </a:p>
                   </a:txBody>
                   <a:tcPr anchor="ctr">
@@ -12691,87 +10657,6 @@
                     <a:noFill/>
                   </a:tcPr>
                 </a:tc>
-                <a:tc>
-                  <a:txBody>
-                    <a:bodyPr/>
-                    <a:lstStyle/>
-                    <a:p>
-                      <a:r>
-                        <a:rPr lang="en-US" sz="1000" kern="1200">
-                          <a:solidFill>
-                            <a:srgbClr val="000000"/>
-                          </a:solidFill>
-                          <a:latin typeface="Adobe Clean Light"/>
-                          <a:ea typeface="+mn-ea"/>
-                          <a:cs typeface="+mn-cs"/>
-                        </a:rPr>
-                        <a:t>Adobe Business Support website.</a:t>
-                      </a:r>
-                      <a:endParaRPr lang="en-US" sz="1000" kern="1200">
-                        <a:solidFill>
-                          <a:srgbClr val="000000"/>
-                        </a:solidFill>
-                        <a:latin typeface="Adobe Clean Light" panose="020B0303020404020204" pitchFamily="34" charset="0"/>
-                        <a:ea typeface="+mn-ea"/>
-                        <a:cs typeface="+mn-cs"/>
-                      </a:endParaRPr>
-                    </a:p>
-                  </a:txBody>
-                  <a:tcPr anchor="ctr">
-                    <a:lnL w="12700" cap="flat" cmpd="sng" algn="ctr">
-                      <a:solidFill>
-                        <a:schemeClr val="bg1">
-                          <a:lumMod val="85000"/>
-                        </a:schemeClr>
-                      </a:solidFill>
-                      <a:prstDash val="solid"/>
-                      <a:round/>
-                      <a:headEnd type="none" w="med" len="med"/>
-                      <a:tailEnd type="none" w="med" len="med"/>
-                    </a:lnL>
-                    <a:lnR w="12700" cap="flat" cmpd="sng" algn="ctr">
-                      <a:solidFill>
-                        <a:schemeClr val="bg1">
-                          <a:lumMod val="85000"/>
-                        </a:schemeClr>
-                      </a:solidFill>
-                      <a:prstDash val="solid"/>
-                      <a:round/>
-                      <a:headEnd type="none" w="med" len="med"/>
-                      <a:tailEnd type="none" w="med" len="med"/>
-                    </a:lnR>
-                    <a:lnT w="12700" cap="flat" cmpd="sng" algn="ctr">
-                      <a:solidFill>
-                        <a:schemeClr val="bg1">
-                          <a:lumMod val="85000"/>
-                        </a:schemeClr>
-                      </a:solidFill>
-                      <a:prstDash val="solid"/>
-                      <a:round/>
-                      <a:headEnd type="none" w="med" len="med"/>
-                      <a:tailEnd type="none" w="med" len="med"/>
-                    </a:lnT>
-                    <a:lnB w="12700" cap="flat" cmpd="sng" algn="ctr">
-                      <a:solidFill>
-                        <a:schemeClr val="bg1">
-                          <a:lumMod val="85000"/>
-                        </a:schemeClr>
-                      </a:solidFill>
-                      <a:prstDash val="solid"/>
-                      <a:round/>
-                      <a:headEnd type="none" w="med" len="med"/>
-                      <a:tailEnd type="none" w="med" len="med"/>
-                    </a:lnB>
-                    <a:noFill/>
-                  </a:tcPr>
-                </a:tc>
-                <a:extLst>
-                  <a:ext uri="{0D108BD9-81ED-4DB2-BD59-A6C34878D82A}">
-                    <a16:rowId xmlns:a16="http://schemas.microsoft.com/office/drawing/2014/main" val="3772135568"/>
-                  </a:ext>
-                </a:extLst>
-              </a:tr>
-              <a:tr h="370840">
                 <a:tc>
                   <a:txBody>
                     <a:bodyPr/>
@@ -12795,27 +10680,170 @@
                         <a:defRPr/>
                       </a:pPr>
                       <a:r>
-                        <a:rPr lang="en-US" sz="1100">
+                        <a:rPr lang="it-IT" sz="1000" dirty="0">
                           <a:solidFill>
-                            <a:schemeClr val="tx1"/>
+                            <a:srgbClr val="000000"/>
                           </a:solidFill>
-                          <a:effectLst/>
-                          <a:latin typeface="Adobe Clean"/>
+                          <a:latin typeface="Adobe Clean Light" panose="020B0303020404020204" pitchFamily="34" charset="0"/>
                           <a:ea typeface="+mn-ea"/>
                           <a:cs typeface="+mn-cs"/>
-                          <a:hlinkClick r:id="rId11"/>
                         </a:rPr>
-                        <a:t>Terms and Conditions</a:t>
+                        <a:t>Status.adobe.com trasmette informazioni sullo stato di tutti i prodotti </a:t>
                       </a:r>
-                      <a:endParaRPr lang="en-US" sz="1100">
-                        <a:solidFill>
-                          <a:schemeClr val="tx1"/>
-                        </a:solidFill>
-                        <a:effectLst/>
-                        <a:latin typeface="Adobe Clean"/>
-                        <a:ea typeface="+mn-ea"/>
-                        <a:cs typeface="+mn-cs"/>
-                      </a:endParaRPr>
+                      <a:br>
+                        <a:rPr lang="sk-SK" sz="1000" dirty="0">
+                          <a:solidFill>
+                            <a:srgbClr val="000000"/>
+                          </a:solidFill>
+                          <a:latin typeface="Adobe Clean Light" panose="020B0303020404020204" pitchFamily="34" charset="0"/>
+                          <a:ea typeface="+mn-ea"/>
+                          <a:cs typeface="+mn-cs"/>
+                        </a:rPr>
+                      </a:br>
+                      <a:r>
+                        <a:rPr lang="it-IT" sz="1000" dirty="0">
+                          <a:solidFill>
+                            <a:srgbClr val="000000"/>
+                          </a:solidFill>
+                          <a:latin typeface="Adobe Clean Light" panose="020B0303020404020204" pitchFamily="34" charset="0"/>
+                          <a:ea typeface="+mn-ea"/>
+                          <a:cs typeface="+mn-cs"/>
+                        </a:rPr>
+                        <a:t>e i servizi Adobe implementati in ambienti multi-tenant. Puoi scegliere se ricevere notifiche e-mail ogni volta che Adobe segnala, aggiorna </a:t>
+                      </a:r>
+                      <a:br>
+                        <a:rPr lang="sk-SK" sz="1000" dirty="0">
+                          <a:solidFill>
+                            <a:srgbClr val="000000"/>
+                          </a:solidFill>
+                          <a:latin typeface="Adobe Clean Light" panose="020B0303020404020204" pitchFamily="34" charset="0"/>
+                          <a:ea typeface="+mn-ea"/>
+                          <a:cs typeface="+mn-cs"/>
+                        </a:rPr>
+                      </a:br>
+                      <a:r>
+                        <a:rPr lang="it-IT" sz="1000" dirty="0">
+                          <a:solidFill>
+                            <a:srgbClr val="000000"/>
+                          </a:solidFill>
+                          <a:latin typeface="Adobe Clean Light" panose="020B0303020404020204" pitchFamily="34" charset="0"/>
+                          <a:ea typeface="+mn-ea"/>
+                          <a:cs typeface="+mn-cs"/>
+                        </a:rPr>
+                        <a:t>o risolve un problema relativo a un prodotto. Vengono segnalate </a:t>
+                      </a:r>
+                      <a:br>
+                        <a:rPr lang="sk-SK" sz="1000" dirty="0">
+                          <a:solidFill>
+                            <a:srgbClr val="000000"/>
+                          </a:solidFill>
+                          <a:latin typeface="Adobe Clean Light" panose="020B0303020404020204" pitchFamily="34" charset="0"/>
+                          <a:ea typeface="+mn-ea"/>
+                          <a:cs typeface="+mn-cs"/>
+                        </a:rPr>
+                      </a:br>
+                      <a:r>
+                        <a:rPr lang="it-IT" sz="1000" dirty="0">
+                          <a:solidFill>
+                            <a:srgbClr val="000000"/>
+                          </a:solidFill>
+                          <a:latin typeface="Adobe Clean Light" panose="020B0303020404020204" pitchFamily="34" charset="0"/>
+                          <a:ea typeface="+mn-ea"/>
+                          <a:cs typeface="+mn-cs"/>
+                        </a:rPr>
+                        <a:t>ad esempio le interruzioni per manutenzione programmata o problemi relativi ai servizi con diversi livelli di gravità. </a:t>
+                      </a:r>
+                    </a:p>
+                  </a:txBody>
+                  <a:tcPr anchor="ctr">
+                    <a:lnL w="12700" cap="flat" cmpd="sng" algn="ctr">
+                      <a:solidFill>
+                        <a:schemeClr val="bg1">
+                          <a:lumMod val="85000"/>
+                        </a:schemeClr>
+                      </a:solidFill>
+                      <a:prstDash val="solid"/>
+                      <a:round/>
+                      <a:headEnd type="none" w="med" len="med"/>
+                      <a:tailEnd type="none" w="med" len="med"/>
+                    </a:lnL>
+                    <a:lnR w="12700" cap="flat" cmpd="sng" algn="ctr">
+                      <a:solidFill>
+                        <a:schemeClr val="bg1">
+                          <a:lumMod val="85000"/>
+                        </a:schemeClr>
+                      </a:solidFill>
+                      <a:prstDash val="solid"/>
+                      <a:round/>
+                      <a:headEnd type="none" w="med" len="med"/>
+                      <a:tailEnd type="none" w="med" len="med"/>
+                    </a:lnR>
+                    <a:lnT w="12700" cap="flat" cmpd="sng" algn="ctr">
+                      <a:solidFill>
+                        <a:schemeClr val="bg1">
+                          <a:lumMod val="85000"/>
+                        </a:schemeClr>
+                      </a:solidFill>
+                      <a:prstDash val="solid"/>
+                      <a:round/>
+                      <a:headEnd type="none" w="med" len="med"/>
+                      <a:tailEnd type="none" w="med" len="med"/>
+                    </a:lnT>
+                    <a:lnB w="12700" cap="flat" cmpd="sng" algn="ctr">
+                      <a:solidFill>
+                        <a:schemeClr val="bg1">
+                          <a:lumMod val="85000"/>
+                        </a:schemeClr>
+                      </a:solidFill>
+                      <a:prstDash val="solid"/>
+                      <a:round/>
+                      <a:headEnd type="none" w="med" len="med"/>
+                      <a:tailEnd type="none" w="med" len="med"/>
+                    </a:lnB>
+                    <a:noFill/>
+                  </a:tcPr>
+                </a:tc>
+                <a:extLst>
+                  <a:ext uri="{0D108BD9-81ED-4DB2-BD59-A6C34878D82A}">
+                    <a16:rowId xmlns:a16="http://schemas.microsoft.com/office/drawing/2014/main" val="2696233489"/>
+                  </a:ext>
+                </a:extLst>
+              </a:tr>
+              <a:tr h="370840">
+                <a:tc>
+                  <a:txBody>
+                    <a:bodyPr/>
+                    <a:lstStyle/>
+                    <a:p>
+                      <a:pPr marL="0" marR="0" lvl="0" indent="0" defTabSz="914400" eaLnBrk="1" fontAlgn="auto" latinLnBrk="0" hangingPunct="1">
+                        <a:lnSpc>
+                          <a:spcPct val="100000"/>
+                        </a:lnSpc>
+                        <a:spcBef>
+                          <a:spcPts val="0"/>
+                        </a:spcBef>
+                        <a:spcAft>
+                          <a:spcPts val="0"/>
+                        </a:spcAft>
+                        <a:buClrTx/>
+                        <a:buSzTx/>
+                        <a:buFontTx/>
+                        <a:buNone/>
+                        <a:tabLst/>
+                        <a:defRPr/>
+                      </a:pPr>
+                      <a:r>
+                        <a:rPr lang="it-IT" sz="1100" b="0" i="0">
+                          <a:solidFill>
+                            <a:schemeClr val="dk1"/>
+                          </a:solidFill>
+                          <a:latin typeface="Adobe Clean" panose="020B0503020404020204" pitchFamily="34" charset="0"/>
+                          <a:ea typeface="+mn-ea"/>
+                          <a:cs typeface="+mn-cs"/>
+                          <a:hlinkClick r:id="rId10" tooltip="https://helpx.adobe.com/it/support/programs/enterprise-support-programs/premier-support-business.html"/>
+                        </a:rPr>
+                        <a:t>Sito del supporto Business</a:t>
+                      </a:r>
                     </a:p>
                   </a:txBody>
                   <a:tcPr anchor="ctr">
@@ -12872,24 +10900,173 @@
                     <a:lstStyle/>
                     <a:p>
                       <a:r>
-                        <a:rPr lang="en-US" sz="1000" kern="1200">
+                        <a:rPr lang="it-IT" sz="1000">
                           <a:solidFill>
                             <a:srgbClr val="000000"/>
                           </a:solidFill>
-                          <a:latin typeface="Adobe Clean Light"/>
+                          <a:latin typeface="Adobe Clean Light" panose="020B0303020404020204" pitchFamily="34" charset="0"/>
                           <a:ea typeface="+mn-ea"/>
                           <a:cs typeface="+mn-cs"/>
                         </a:rPr>
-                        <a:t>Terms and conditions detailing Support Services offerings.</a:t>
+                        <a:t>Sito del supporto Business di Adobe</a:t>
                       </a:r>
-                      <a:endParaRPr lang="en-US" sz="1000" kern="1200">
-                        <a:solidFill>
-                          <a:srgbClr val="000000"/>
-                        </a:solidFill>
-                        <a:latin typeface="Adobe Clean Light" panose="020B0303020404020204" pitchFamily="34" charset="0"/>
-                        <a:ea typeface="+mn-ea"/>
-                        <a:cs typeface="+mn-cs"/>
-                      </a:endParaRPr>
+                    </a:p>
+                  </a:txBody>
+                  <a:tcPr anchor="ctr">
+                    <a:lnL w="12700" cap="flat" cmpd="sng" algn="ctr">
+                      <a:solidFill>
+                        <a:schemeClr val="bg1">
+                          <a:lumMod val="85000"/>
+                        </a:schemeClr>
+                      </a:solidFill>
+                      <a:prstDash val="solid"/>
+                      <a:round/>
+                      <a:headEnd type="none" w="med" len="med"/>
+                      <a:tailEnd type="none" w="med" len="med"/>
+                    </a:lnL>
+                    <a:lnR w="12700" cap="flat" cmpd="sng" algn="ctr">
+                      <a:solidFill>
+                        <a:schemeClr val="bg1">
+                          <a:lumMod val="85000"/>
+                        </a:schemeClr>
+                      </a:solidFill>
+                      <a:prstDash val="solid"/>
+                      <a:round/>
+                      <a:headEnd type="none" w="med" len="med"/>
+                      <a:tailEnd type="none" w="med" len="med"/>
+                    </a:lnR>
+                    <a:lnT w="12700" cap="flat" cmpd="sng" algn="ctr">
+                      <a:solidFill>
+                        <a:schemeClr val="bg1">
+                          <a:lumMod val="85000"/>
+                        </a:schemeClr>
+                      </a:solidFill>
+                      <a:prstDash val="solid"/>
+                      <a:round/>
+                      <a:headEnd type="none" w="med" len="med"/>
+                      <a:tailEnd type="none" w="med" len="med"/>
+                    </a:lnT>
+                    <a:lnB w="12700" cap="flat" cmpd="sng" algn="ctr">
+                      <a:solidFill>
+                        <a:schemeClr val="bg1">
+                          <a:lumMod val="85000"/>
+                        </a:schemeClr>
+                      </a:solidFill>
+                      <a:prstDash val="solid"/>
+                      <a:round/>
+                      <a:headEnd type="none" w="med" len="med"/>
+                      <a:tailEnd type="none" w="med" len="med"/>
+                    </a:lnB>
+                    <a:noFill/>
+                  </a:tcPr>
+                </a:tc>
+                <a:extLst>
+                  <a:ext uri="{0D108BD9-81ED-4DB2-BD59-A6C34878D82A}">
+                    <a16:rowId xmlns:a16="http://schemas.microsoft.com/office/drawing/2014/main" val="3772135568"/>
+                  </a:ext>
+                </a:extLst>
+              </a:tr>
+              <a:tr h="370840">
+                <a:tc>
+                  <a:txBody>
+                    <a:bodyPr/>
+                    <a:lstStyle/>
+                    <a:p>
+                      <a:pPr marL="0" marR="0" lvl="0" indent="0" defTabSz="914400" eaLnBrk="1" fontAlgn="auto" latinLnBrk="0" hangingPunct="1">
+                        <a:lnSpc>
+                          <a:spcPct val="100000"/>
+                        </a:lnSpc>
+                        <a:spcBef>
+                          <a:spcPts val="0"/>
+                        </a:spcBef>
+                        <a:spcAft>
+                          <a:spcPts val="0"/>
+                        </a:spcAft>
+                        <a:buClrTx/>
+                        <a:buSzTx/>
+                        <a:buFontTx/>
+                        <a:buNone/>
+                        <a:tabLst/>
+                        <a:defRPr/>
+                      </a:pPr>
+                      <a:r>
+                        <a:rPr lang="it-IT" sz="1100">
+                          <a:solidFill>
+                            <a:schemeClr val="tx1"/>
+                          </a:solidFill>
+                          <a:latin typeface="Adobe Clean" panose="020B0503020404020204" pitchFamily="34" charset="0"/>
+                          <a:ea typeface="+mn-ea"/>
+                          <a:cs typeface="+mn-cs"/>
+                          <a:hlinkClick r:id="rId11"/>
+                        </a:rPr>
+                        <a:t>Termini e condizioni</a:t>
+                      </a:r>
+                    </a:p>
+                  </a:txBody>
+                  <a:tcPr anchor="ctr">
+                    <a:lnL w="12700" cap="flat" cmpd="sng" algn="ctr">
+                      <a:solidFill>
+                        <a:schemeClr val="bg1">
+                          <a:lumMod val="85000"/>
+                        </a:schemeClr>
+                      </a:solidFill>
+                      <a:prstDash val="solid"/>
+                      <a:round/>
+                      <a:headEnd type="none" w="med" len="med"/>
+                      <a:tailEnd type="none" w="med" len="med"/>
+                    </a:lnL>
+                    <a:lnR w="12700" cap="flat" cmpd="sng" algn="ctr">
+                      <a:solidFill>
+                        <a:schemeClr val="bg1">
+                          <a:lumMod val="85000"/>
+                        </a:schemeClr>
+                      </a:solidFill>
+                      <a:prstDash val="solid"/>
+                      <a:round/>
+                      <a:headEnd type="none" w="med" len="med"/>
+                      <a:tailEnd type="none" w="med" len="med"/>
+                    </a:lnR>
+                    <a:lnT w="12700" cap="flat" cmpd="sng" algn="ctr">
+                      <a:solidFill>
+                        <a:schemeClr val="bg1">
+                          <a:lumMod val="85000"/>
+                        </a:schemeClr>
+                      </a:solidFill>
+                      <a:prstDash val="solid"/>
+                      <a:round/>
+                      <a:headEnd type="none" w="med" len="med"/>
+                      <a:tailEnd type="none" w="med" len="med"/>
+                    </a:lnT>
+                    <a:lnB w="12700" cap="flat" cmpd="sng" algn="ctr">
+                      <a:solidFill>
+                        <a:schemeClr val="bg1">
+                          <a:lumMod val="85000"/>
+                        </a:schemeClr>
+                      </a:solidFill>
+                      <a:prstDash val="solid"/>
+                      <a:round/>
+                      <a:headEnd type="none" w="med" len="med"/>
+                      <a:tailEnd type="none" w="med" len="med"/>
+                    </a:lnB>
+                    <a:noFill/>
+                  </a:tcPr>
+                </a:tc>
+                <a:tc>
+                  <a:txBody>
+                    <a:bodyPr/>
+                    <a:lstStyle/>
+                    <a:p>
+                      <a:r>
+                        <a:rPr lang="it-IT" sz="1000" dirty="0">
+                          <a:solidFill>
+                            <a:srgbClr val="000000"/>
+                          </a:solidFill>
+                          <a:latin typeface="Adobe Clean Light" panose="020B0303020404020204" pitchFamily="34" charset="0"/>
+                          <a:ea typeface="+mn-ea"/>
+                          <a:cs typeface="+mn-cs"/>
+                        </a:rPr>
+                        <a:t>Termini e condizioni che descrivono i servizi di supporto disponibili</a:t>
+                      </a:r>
                     </a:p>
                   </a:txBody>
                   <a:tcPr anchor="ctr">
@@ -13659,6 +11836,12 @@
 </file>
 
 <file path=customXml/item1.xml><?xml version="1.0" encoding="utf-8"?>
+<p:properties xmlns:p="http://schemas.microsoft.com/office/2006/metadata/properties" xmlns:xsi="http://www.w3.org/2001/XMLSchema-instance" xmlns:pc="http://schemas.microsoft.com/office/infopath/2007/PartnerControls">
+  <documentManagement/>
+</p:properties>
+</file>
+
+<file path=customXml/item2.xml><?xml version="1.0" encoding="utf-8"?>
 <ct:contentTypeSchema xmlns:ct="http://schemas.microsoft.com/office/2006/metadata/contentType" xmlns:ma="http://schemas.microsoft.com/office/2006/metadata/properties/metaAttributes" ct:_="" ma:_="" ma:contentTypeName="Document" ma:contentTypeID="0x010100E783BF6876BCC646A459363AF21A7736" ma:contentTypeVersion="10" ma:contentTypeDescription="Create a new document." ma:contentTypeScope="" ma:versionID="c4ffda7f4f415767600769e454c2ea87">
   <xsd:schema xmlns:xsd="http://www.w3.org/2001/XMLSchema" xmlns:xs="http://www.w3.org/2001/XMLSchema" xmlns:p="http://schemas.microsoft.com/office/2006/metadata/properties" xmlns:ns2="8a053bff-88be-49e4-9a87-e748e18b8b62" xmlns:ns3="6c8368ec-3776-49b5-a5bb-90648cf9530f" targetNamespace="http://schemas.microsoft.com/office/2006/metadata/properties" ma:root="true" ma:fieldsID="df3ec33bccc23e23bce7bc897fad43d1" ns2:_="" ns3:_="">
     <xsd:import namespace="8a053bff-88be-49e4-9a87-e748e18b8b62"/>
@@ -13863,7 +12046,7 @@
 </ct:contentTypeSchema>
 </file>
 
-<file path=customXml/item2.xml><?xml version="1.0" encoding="utf-8"?>
+<file path=customXml/item3.xml><?xml version="1.0" encoding="utf-8"?>
 <?mso-contentType ?>
 <FormTemplates xmlns="http://schemas.microsoft.com/sharepoint/v3/contenttype/forms">
   <Display>DocumentLibraryForm</Display>
@@ -13872,13 +12055,16 @@
 </FormTemplates>
 </file>
 
-<file path=customXml/item3.xml><?xml version="1.0" encoding="utf-8"?>
-<p:properties xmlns:p="http://schemas.microsoft.com/office/2006/metadata/properties" xmlns:xsi="http://www.w3.org/2001/XMLSchema-instance" xmlns:pc="http://schemas.microsoft.com/office/infopath/2007/PartnerControls">
-  <documentManagement/>
-</p:properties>
+<file path=customXml/itemProps1.xml><?xml version="1.0" encoding="utf-8"?>
+<ds:datastoreItem xmlns:ds="http://schemas.openxmlformats.org/officeDocument/2006/customXml" ds:itemID="{10FC3CAF-E6F1-40E3-87D4-6B781C97D6B4}">
+  <ds:schemaRefs>
+    <ds:schemaRef ds:uri="http://schemas.microsoft.com/office/2006/metadata/properties"/>
+    <ds:schemaRef ds:uri="http://schemas.microsoft.com/office/infopath/2007/PartnerControls"/>
+  </ds:schemaRefs>
+</ds:datastoreItem>
 </file>
 
-<file path=customXml/itemProps1.xml><?xml version="1.0" encoding="utf-8"?>
+<file path=customXml/itemProps2.xml><?xml version="1.0" encoding="utf-8"?>
 <ds:datastoreItem xmlns:ds="http://schemas.openxmlformats.org/officeDocument/2006/customXml" ds:itemID="{E0DB8BDF-6DA8-4ABC-A3CA-043AFD674CFC}">
   <ds:schemaRefs>
     <ds:schemaRef ds:uri="6c8368ec-3776-49b5-a5bb-90648cf9530f"/>
@@ -13897,27 +12083,10 @@
 </ds:datastoreItem>
 </file>
 
-<file path=customXml/itemProps2.xml><?xml version="1.0" encoding="utf-8"?>
+<file path=customXml/itemProps3.xml><?xml version="1.0" encoding="utf-8"?>
 <ds:datastoreItem xmlns:ds="http://schemas.openxmlformats.org/officeDocument/2006/customXml" ds:itemID="{95AE3B0B-E909-400C-B0B3-909FB50E07DE}">
   <ds:schemaRefs>
     <ds:schemaRef ds:uri="http://schemas.microsoft.com/sharepoint/v3/contenttype/forms"/>
   </ds:schemaRefs>
 </ds:datastoreItem>
-</file>
-
-<file path=customXml/itemProps3.xml><?xml version="1.0" encoding="utf-8"?>
-<ds:datastoreItem xmlns:ds="http://schemas.openxmlformats.org/officeDocument/2006/customXml" ds:itemID="{10FC3CAF-E6F1-40E3-87D4-6B781C97D6B4}">
-  <ds:schemaRefs>
-    <ds:schemaRef ds:uri="6c8368ec-3776-49b5-a5bb-90648cf9530f"/>
-    <ds:schemaRef ds:uri="8a053bff-88be-49e4-9a87-e748e18b8b62"/>
-    <ds:schemaRef ds:uri="http://purl.org/dc/dcmitype/"/>
-    <ds:schemaRef ds:uri="http://purl.org/dc/elements/1.1/"/>
-    <ds:schemaRef ds:uri="http://purl.org/dc/terms/"/>
-    <ds:schemaRef ds:uri="http://schemas.microsoft.com/office/2006/documentManagement/types"/>
-    <ds:schemaRef ds:uri="http://schemas.microsoft.com/office/2006/metadata/properties"/>
-    <ds:schemaRef ds:uri="http://schemas.microsoft.com/office/infopath/2007/PartnerControls"/>
-    <ds:schemaRef ds:uri="http://schemas.openxmlformats.org/package/2006/metadata/core-properties"/>
-    <ds:schemaRef ds:uri="http://www.w3.org/XML/1998/namespace"/>
-  </ds:schemaRefs>
-</ds:datastoreItem>
 </file>
--- a/help/data-sheets/assets/BusinessSupportDatasheet.pptx
+++ b/help/data-sheets/assets/BusinessSupportDatasheet.pptx
@@ -143,12 +143,8 @@
 <file path=ppt/revisionInfo.xml><?xml version="1.0" encoding="utf-8"?>
 <p1510:revInfo xmlns:a="http://schemas.openxmlformats.org/drawingml/2006/main" xmlns:r="http://schemas.openxmlformats.org/officeDocument/2006/relationships" xmlns:p1510="http://schemas.microsoft.com/office/powerpoint/2015/10/main">
   <p1510:revLst>
-    <p1510:client id="{06B13378-B080-7F0F-51A5-F9203CEE57ED}" v="370" dt="2021-08-25T22:26:24.850"/>
-    <p1510:client id="{4D8E0410-E0CE-85E2-0F84-C1BF4F647622}" v="27" dt="2021-09-22T22:57:14.395"/>
-    <p1510:client id="{71D6CFBF-0EA2-99B0-93F4-22F19EF0AE4E}" v="2" dt="2021-09-22T19:06:58.732"/>
-    <p1510:client id="{9E385600-BF81-FC49-9ED0-E33BC37F7908}" v="55" dt="2021-08-04T08:16:13.478"/>
-    <p1510:client id="{AFB92C2B-405E-C597-0988-18F97C53104C}" v="37" dt="2021-09-22T18:53:28.028"/>
-    <p1510:client id="{CA5D33DF-AE75-BCA1-B9BC-A7CD44D2F3C7}" v="2" dt="2021-08-25T22:38:18.624"/>
+    <p1510:client id="{61630BD6-9AE9-064C-B39F-AFA945B82B3E}" v="202" dt="2021-10-13T19:21:08.267"/>
+    <p1510:client id="{AC30C20D-1316-8ECC-DADD-39CCEC6A7FCF}" v="9" dt="2021-10-13T19:03:35.035"/>
   </p1510:revLst>
 </p1510:revInfo>
 </file>
@@ -170,6 +166,77 @@
         </pc:sldMkLst>
         <pc:graphicFrameChg chg="mod modGraphic">
           <ac:chgData name="Akilah Johnson" userId="S::akjohnso@adobe.com::2fa3aa60-0c9c-4d06-bae2-795983241227" providerId="AD" clId="Web-{4D8E0410-E0CE-85E2-0F84-C1BF4F647622}" dt="2021-09-22T22:57:04.802" v="5"/>
+          <ac:graphicFrameMkLst>
+            <pc:docMk/>
+            <pc:sldMk cId="1050037809" sldId="261"/>
+            <ac:graphicFrameMk id="25" creationId="{3A91F5B0-3974-A14D-A146-FB590F2AAD18}"/>
+          </ac:graphicFrameMkLst>
+        </pc:graphicFrameChg>
+      </pc:sldChg>
+    </pc:docChg>
+  </pc:docChgLst>
+  <pc:docChgLst>
+    <pc:chgData name="Akilah Johnson" userId="S::akjohnso@adobe.com::2fa3aa60-0c9c-4d06-bae2-795983241227" providerId="AD" clId="Web-{019F6A09-DCDA-BB53-9E3C-5BA3B13E26BB}"/>
+    <pc:docChg chg="modSld">
+      <pc:chgData name="Akilah Johnson" userId="S::akjohnso@adobe.com::2fa3aa60-0c9c-4d06-bae2-795983241227" providerId="AD" clId="Web-{019F6A09-DCDA-BB53-9E3C-5BA3B13E26BB}" dt="2021-10-12T17:10:36.752" v="17" actId="20577"/>
+      <pc:docMkLst>
+        <pc:docMk/>
+      </pc:docMkLst>
+      <pc:sldChg chg="modSp">
+        <pc:chgData name="Akilah Johnson" userId="S::akjohnso@adobe.com::2fa3aa60-0c9c-4d06-bae2-795983241227" providerId="AD" clId="Web-{019F6A09-DCDA-BB53-9E3C-5BA3B13E26BB}" dt="2021-10-12T17:09:32.112" v="2" actId="20577"/>
+        <pc:sldMkLst>
+          <pc:docMk/>
+          <pc:sldMk cId="0" sldId="257"/>
+        </pc:sldMkLst>
+        <pc:spChg chg="mod">
+          <ac:chgData name="Akilah Johnson" userId="S::akjohnso@adobe.com::2fa3aa60-0c9c-4d06-bae2-795983241227" providerId="AD" clId="Web-{019F6A09-DCDA-BB53-9E3C-5BA3B13E26BB}" dt="2021-10-12T17:09:32.112" v="2" actId="20577"/>
+          <ac:spMkLst>
+            <pc:docMk/>
+            <pc:sldMk cId="0" sldId="257"/>
+            <ac:spMk id="46" creationId="{00000000-0000-0000-0000-000000000000}"/>
+          </ac:spMkLst>
+        </pc:spChg>
+      </pc:sldChg>
+      <pc:sldChg chg="modSp">
+        <pc:chgData name="Akilah Johnson" userId="S::akjohnso@adobe.com::2fa3aa60-0c9c-4d06-bae2-795983241227" providerId="AD" clId="Web-{019F6A09-DCDA-BB53-9E3C-5BA3B13E26BB}" dt="2021-10-12T17:10:36.752" v="17" actId="20577"/>
+        <pc:sldMkLst>
+          <pc:docMk/>
+          <pc:sldMk cId="1050037809" sldId="261"/>
+        </pc:sldMkLst>
+        <pc:spChg chg="mod">
+          <ac:chgData name="Akilah Johnson" userId="S::akjohnso@adobe.com::2fa3aa60-0c9c-4d06-bae2-795983241227" providerId="AD" clId="Web-{019F6A09-DCDA-BB53-9E3C-5BA3B13E26BB}" dt="2021-10-12T17:10:36.752" v="17" actId="20577"/>
+          <ac:spMkLst>
+            <pc:docMk/>
+            <pc:sldMk cId="1050037809" sldId="261"/>
+            <ac:spMk id="56" creationId="{00000000-0000-0000-0000-000000000000}"/>
+          </ac:spMkLst>
+        </pc:spChg>
+        <pc:graphicFrameChg chg="mod modGraphic">
+          <ac:chgData name="Akilah Johnson" userId="S::akjohnso@adobe.com::2fa3aa60-0c9c-4d06-bae2-795983241227" providerId="AD" clId="Web-{019F6A09-DCDA-BB53-9E3C-5BA3B13E26BB}" dt="2021-10-12T17:09:41.471" v="6"/>
+          <ac:graphicFrameMkLst>
+            <pc:docMk/>
+            <pc:sldMk cId="1050037809" sldId="261"/>
+            <ac:graphicFrameMk id="111" creationId="{D8653CEC-4213-DE40-9BAF-D1E3318FF89C}"/>
+          </ac:graphicFrameMkLst>
+        </pc:graphicFrameChg>
+      </pc:sldChg>
+    </pc:docChg>
+  </pc:docChgLst>
+  <pc:docChgLst>
+    <pc:chgData name="Andy Witt" userId="S::awitt@adobe.com::e9157bdf-53b2-40e4-9459-936793d75696" providerId="AD" clId="Web-{06B13378-B080-7F0F-51A5-F9203CEE57ED}"/>
+    <pc:docChg chg="modSld">
+      <pc:chgData name="Andy Witt" userId="S::awitt@adobe.com::e9157bdf-53b2-40e4-9459-936793d75696" providerId="AD" clId="Web-{06B13378-B080-7F0F-51A5-F9203CEE57ED}" dt="2021-08-25T22:25:13.647" v="363"/>
+      <pc:docMkLst>
+        <pc:docMk/>
+      </pc:docMkLst>
+      <pc:sldChg chg="modSp">
+        <pc:chgData name="Andy Witt" userId="S::awitt@adobe.com::e9157bdf-53b2-40e4-9459-936793d75696" providerId="AD" clId="Web-{06B13378-B080-7F0F-51A5-F9203CEE57ED}" dt="2021-08-25T22:25:13.647" v="363"/>
+        <pc:sldMkLst>
+          <pc:docMk/>
+          <pc:sldMk cId="1050037809" sldId="261"/>
+        </pc:sldMkLst>
+        <pc:graphicFrameChg chg="mod modGraphic">
+          <ac:chgData name="Andy Witt" userId="S::awitt@adobe.com::e9157bdf-53b2-40e4-9459-936793d75696" providerId="AD" clId="Web-{06B13378-B080-7F0F-51A5-F9203CEE57ED}" dt="2021-08-25T22:25:13.647" v="363"/>
           <ac:graphicFrameMkLst>
             <pc:docMk/>
             <pc:sldMk cId="1050037809" sldId="261"/>
@@ -204,26 +271,58 @@
     </pc:docChg>
   </pc:docChgLst>
   <pc:docChgLst>
-    <pc:chgData name="Andy Witt" userId="S::awitt@adobe.com::e9157bdf-53b2-40e4-9459-936793d75696" providerId="AD" clId="Web-{06B13378-B080-7F0F-51A5-F9203CEE57ED}"/>
+    <pc:chgData name="Akilah Johnson" userId="S::akjohnso@adobe.com::2fa3aa60-0c9c-4d06-bae2-795983241227" providerId="AD" clId="Web-{D428A0AE-54E2-30D2-C574-7A0742876CCF}"/>
     <pc:docChg chg="modSld">
-      <pc:chgData name="Andy Witt" userId="S::awitt@adobe.com::e9157bdf-53b2-40e4-9459-936793d75696" providerId="AD" clId="Web-{06B13378-B080-7F0F-51A5-F9203CEE57ED}" dt="2021-08-25T22:25:13.647" v="363"/>
+      <pc:chgData name="Akilah Johnson" userId="S::akjohnso@adobe.com::2fa3aa60-0c9c-4d06-bae2-795983241227" providerId="AD" clId="Web-{D428A0AE-54E2-30D2-C574-7A0742876CCF}" dt="2021-10-12T19:11:25.330" v="0" actId="20577"/>
       <pc:docMkLst>
         <pc:docMk/>
       </pc:docMkLst>
       <pc:sldChg chg="modSp">
-        <pc:chgData name="Andy Witt" userId="S::awitt@adobe.com::e9157bdf-53b2-40e4-9459-936793d75696" providerId="AD" clId="Web-{06B13378-B080-7F0F-51A5-F9203CEE57ED}" dt="2021-08-25T22:25:13.647" v="363"/>
+        <pc:chgData name="Akilah Johnson" userId="S::akjohnso@adobe.com::2fa3aa60-0c9c-4d06-bae2-795983241227" providerId="AD" clId="Web-{D428A0AE-54E2-30D2-C574-7A0742876CCF}" dt="2021-10-12T19:11:25.330" v="0" actId="20577"/>
         <pc:sldMkLst>
           <pc:docMk/>
-          <pc:sldMk cId="1050037809" sldId="261"/>
+          <pc:sldMk cId="0" sldId="256"/>
         </pc:sldMkLst>
-        <pc:graphicFrameChg chg="mod modGraphic">
-          <ac:chgData name="Andy Witt" userId="S::awitt@adobe.com::e9157bdf-53b2-40e4-9459-936793d75696" providerId="AD" clId="Web-{06B13378-B080-7F0F-51A5-F9203CEE57ED}" dt="2021-08-25T22:25:13.647" v="363"/>
-          <ac:graphicFrameMkLst>
+        <pc:spChg chg="mod">
+          <ac:chgData name="Akilah Johnson" userId="S::akjohnso@adobe.com::2fa3aa60-0c9c-4d06-bae2-795983241227" providerId="AD" clId="Web-{D428A0AE-54E2-30D2-C574-7A0742876CCF}" dt="2021-10-12T19:11:25.330" v="0" actId="20577"/>
+          <ac:spMkLst>
             <pc:docMk/>
-            <pc:sldMk cId="1050037809" sldId="261"/>
-            <ac:graphicFrameMk id="25" creationId="{3A91F5B0-3974-A14D-A146-FB590F2AAD18}"/>
-          </ac:graphicFrameMkLst>
-        </pc:graphicFrameChg>
+            <pc:sldMk cId="0" sldId="256"/>
+            <ac:spMk id="4" creationId="{00000000-0000-0000-0000-000000000000}"/>
+          </ac:spMkLst>
+        </pc:spChg>
+      </pc:sldChg>
+    </pc:docChg>
+  </pc:docChgLst>
+  <pc:docChgLst>
+    <pc:chgData name="Lauren Schutte" userId="S::schutte@adobe.com::6e08b2d3-447a-4d66-86be-444d50df187f" providerId="AD" clId="Web-{AC30C20D-1316-8ECC-DADD-39CCEC6A7FCF}"/>
+    <pc:docChg chg="modSld">
+      <pc:chgData name="Lauren Schutte" userId="S::schutte@adobe.com::6e08b2d3-447a-4d66-86be-444d50df187f" providerId="AD" clId="Web-{AC30C20D-1316-8ECC-DADD-39CCEC6A7FCF}" dt="2021-10-13T19:03:35.035" v="8" actId="1076"/>
+      <pc:docMkLst>
+        <pc:docMk/>
+      </pc:docMkLst>
+      <pc:sldChg chg="modSp">
+        <pc:chgData name="Lauren Schutte" userId="S::schutte@adobe.com::6e08b2d3-447a-4d66-86be-444d50df187f" providerId="AD" clId="Web-{AC30C20D-1316-8ECC-DADD-39CCEC6A7FCF}" dt="2021-10-13T19:03:35.035" v="8" actId="1076"/>
+        <pc:sldMkLst>
+          <pc:docMk/>
+          <pc:sldMk cId="0" sldId="256"/>
+        </pc:sldMkLst>
+        <pc:spChg chg="mod">
+          <ac:chgData name="Lauren Schutte" userId="S::schutte@adobe.com::6e08b2d3-447a-4d66-86be-444d50df187f" providerId="AD" clId="Web-{AC30C20D-1316-8ECC-DADD-39CCEC6A7FCF}" dt="2021-10-13T19:03:27.878" v="7" actId="14100"/>
+          <ac:spMkLst>
+            <pc:docMk/>
+            <pc:sldMk cId="0" sldId="256"/>
+            <ac:spMk id="3" creationId="{00000000-0000-0000-0000-000000000000}"/>
+          </ac:spMkLst>
+        </pc:spChg>
+        <pc:spChg chg="mod">
+          <ac:chgData name="Lauren Schutte" userId="S::schutte@adobe.com::6e08b2d3-447a-4d66-86be-444d50df187f" providerId="AD" clId="Web-{AC30C20D-1316-8ECC-DADD-39CCEC6A7FCF}" dt="2021-10-13T19:03:35.035" v="8" actId="1076"/>
+          <ac:spMkLst>
+            <pc:docMk/>
+            <pc:sldMk cId="0" sldId="256"/>
+            <ac:spMk id="5" creationId="{00000000-0000-0000-0000-000000000000}"/>
+          </ac:spMkLst>
+        </pc:spChg>
       </pc:sldChg>
     </pc:docChg>
   </pc:docChgLst>
@@ -254,6 +353,38 @@
             <pc:docMk/>
             <pc:sldMk cId="1050037809" sldId="261"/>
             <ac:graphicFrameMk id="25" creationId="{3A91F5B0-3974-A14D-A146-FB590F2AAD18}"/>
+          </ac:graphicFrameMkLst>
+        </pc:graphicFrameChg>
+      </pc:sldChg>
+    </pc:docChg>
+  </pc:docChgLst>
+  <pc:docChgLst>
+    <pc:chgData name="Lauren Schutte" userId="6e08b2d3-447a-4d66-86be-444d50df187f" providerId="ADAL" clId="{61630BD6-9AE9-064C-B39F-AFA945B82B3E}"/>
+    <pc:docChg chg="undo custSel modSld">
+      <pc:chgData name="Lauren Schutte" userId="6e08b2d3-447a-4d66-86be-444d50df187f" providerId="ADAL" clId="{61630BD6-9AE9-064C-B39F-AFA945B82B3E}" dt="2021-10-13T19:21:08.267" v="201" actId="20577"/>
+      <pc:docMkLst>
+        <pc:docMk/>
+      </pc:docMkLst>
+      <pc:sldChg chg="modSp mod">
+        <pc:chgData name="Lauren Schutte" userId="6e08b2d3-447a-4d66-86be-444d50df187f" providerId="ADAL" clId="{61630BD6-9AE9-064C-B39F-AFA945B82B3E}" dt="2021-10-13T19:21:08.267" v="201" actId="20577"/>
+        <pc:sldMkLst>
+          <pc:docMk/>
+          <pc:sldMk cId="0" sldId="256"/>
+        </pc:sldMkLst>
+        <pc:spChg chg="mod">
+          <ac:chgData name="Lauren Schutte" userId="6e08b2d3-447a-4d66-86be-444d50df187f" providerId="ADAL" clId="{61630BD6-9AE9-064C-B39F-AFA945B82B3E}" dt="2021-10-13T19:03:44.344" v="3" actId="1076"/>
+          <ac:spMkLst>
+            <pc:docMk/>
+            <pc:sldMk cId="0" sldId="256"/>
+            <ac:spMk id="3" creationId="{00000000-0000-0000-0000-000000000000}"/>
+          </ac:spMkLst>
+        </pc:spChg>
+        <pc:graphicFrameChg chg="mod modGraphic">
+          <ac:chgData name="Lauren Schutte" userId="6e08b2d3-447a-4d66-86be-444d50df187f" providerId="ADAL" clId="{61630BD6-9AE9-064C-B39F-AFA945B82B3E}" dt="2021-10-13T19:21:08.267" v="201" actId="20577"/>
+          <ac:graphicFrameMkLst>
+            <pc:docMk/>
+            <pc:sldMk cId="0" sldId="256"/>
+            <ac:graphicFrameMk id="9" creationId="{00000000-0000-0000-0000-000000000000}"/>
           </ac:graphicFrameMkLst>
         </pc:graphicFrameChg>
       </pc:sldChg>
@@ -368,7 +499,7 @@
           <a:p>
             <a:fld id="{FB81873C-0B24-F04A-98A1-90E0A78F7E8A}" type="datetimeFigureOut">
               <a:rPr lang="en-US" smtClean="0"/>
-              <a:t>10/1/2021</a:t>
+              <a:t>11/12/2021</a:t>
             </a:fld>
             <a:endParaRPr lang="en-US"/>
           </a:p>
@@ -991,7 +1122,7 @@
           <a:p>
             <a:fld id="{1D8BD707-D9CF-40AE-B4C6-C98DA3205C09}" type="datetimeFigureOut">
               <a:rPr lang="en-US"/>
-              <a:t>10/1/2021</a:t>
+              <a:t>11/12/2021</a:t>
             </a:fld>
             <a:endParaRPr lang="en-US"/>
           </a:p>
@@ -1183,7 +1314,7 @@
           <a:p>
             <a:fld id="{1D8BD707-D9CF-40AE-B4C6-C98DA3205C09}" type="datetimeFigureOut">
               <a:rPr lang="en-US"/>
-              <a:t>10/1/2021</a:t>
+              <a:t>11/12/2021</a:t>
             </a:fld>
             <a:endParaRPr lang="en-US"/>
           </a:p>
@@ -1501,7 +1632,7 @@
           <a:p>
             <a:fld id="{1D8BD707-D9CF-40AE-B4C6-C98DA3205C09}" type="datetimeFigureOut">
               <a:rPr lang="en-US"/>
-              <a:t>10/1/2021</a:t>
+              <a:t>11/12/2021</a:t>
             </a:fld>
             <a:endParaRPr lang="en-US"/>
           </a:p>
@@ -1755,8 +1886,8 @@
         </p:nvSpPr>
         <p:spPr>
           <a:xfrm>
-            <a:off x="168565" y="7162363"/>
-            <a:ext cx="4032732" cy="227626"/>
+            <a:off x="168564" y="7059493"/>
+            <a:ext cx="5988395" cy="227626"/>
           </a:xfrm>
           <a:prstGeom prst="rect">
             <a:avLst/>
@@ -1843,7 +1974,7 @@
           </a:prstGeom>
         </p:spPr>
         <p:txBody>
-          <a:bodyPr vert="horz" wrap="square" lIns="0" tIns="12700" rIns="0" bIns="0" rtlCol="0">
+          <a:bodyPr vert="horz" wrap="square" lIns="0" tIns="12700" rIns="0" bIns="0" rtlCol="0" anchor="t">
             <a:spAutoFit/>
           </a:bodyPr>
           <a:lstStyle/>
@@ -1858,9 +1989,9 @@
             </a:pPr>
             <a:r>
               <a:rPr lang="it-IT" sz="2300">
-                <a:latin typeface="Adobe Clean" panose="020B0503020404020204" pitchFamily="34" charset="0"/>
+                <a:latin typeface="Adobe Clean"/>
               </a:rPr>
-              <a:t>OPZIONI DI SUPPORTO ADOBE</a:t>
+              <a:t>PIANI DI SUPPORTO ADOBE</a:t>
             </a:r>
           </a:p>
         </p:txBody>
@@ -1873,7 +2004,7 @@
         </p:nvSpPr>
         <p:spPr>
           <a:xfrm>
-            <a:off x="121147" y="635935"/>
+            <a:off x="121147" y="531160"/>
             <a:ext cx="5865216" cy="1269065"/>
           </a:xfrm>
           <a:prstGeom prst="rect">
@@ -1941,7 +2072,7 @@
               <a:t>Adobe offre una gamma completa di risorse tecniche per assistere la tua azienda, incluse nell’abbonamento Experience Cloud </a:t>
             </a:r>
             <a:br>
-              <a:rPr lang="sk-SK" sz="900" dirty="0">
+              <a:rPr lang="it-IT" sz="900" dirty="0">
                 <a:solidFill>
                   <a:schemeClr val="bg1"/>
                 </a:solidFill>
@@ -1958,7 +2089,7 @@
               <a:t>e ampliabili con un pacchetto di supporto BUSINESS. Il supporto BUSINESS include l’accesso a percorsi di apprendimento personalizzati e forum della community monitorati tramite Adobe Experience League. Puoi inoltre usufruire di documentazione tecnica dettagliata e note sulla versione sempre aggiornate. I clienti BUSINESS possono anche contattare, tramite telefono </a:t>
             </a:r>
             <a:br>
-              <a:rPr lang="sk-SK" sz="900" dirty="0">
+              <a:rPr lang="it-IT" sz="900" dirty="0">
                 <a:solidFill>
                   <a:schemeClr val="bg1"/>
                 </a:solidFill>
@@ -1975,7 +2106,7 @@
               <a:t>o portale web, i team addetti al supporto tecnico, per ricevere assistenza nei momenti più critici. I clienti BUSINESS riceveranno comunicazioni e aggiornamenti regolari dal proprio Account Support Lead, nonché la gestione delle escalation per le richieste </a:t>
             </a:r>
             <a:br>
-              <a:rPr lang="sk-SK" sz="900" dirty="0">
+              <a:rPr lang="it-IT" sz="900" dirty="0">
                 <a:solidFill>
                   <a:schemeClr val="bg1"/>
                 </a:solidFill>
@@ -2072,14 +2203,14 @@
           <p:nvPr>
             <p:extLst>
               <p:ext uri="{D42A27DB-BD31-4B8C-83A1-F6EECF244321}">
-                <p14:modId xmlns:p14="http://schemas.microsoft.com/office/powerpoint/2010/main" val="962784674"/>
+                <p14:modId xmlns:p14="http://schemas.microsoft.com/office/powerpoint/2010/main" val="2657955460"/>
               </p:ext>
             </p:extLst>
           </p:nvPr>
         </p:nvGraphicFramePr>
         <p:xfrm>
-          <a:off x="121146" y="7475985"/>
-          <a:ext cx="7498852" cy="2207759"/>
+          <a:off x="118872" y="7373115"/>
+          <a:ext cx="7498851" cy="2386563"/>
         </p:xfrm>
         <a:graphic>
           <a:graphicData uri="http://schemas.openxmlformats.org/drawingml/2006/table">
@@ -2088,7 +2219,7 @@
                 <a:tableStyleId>{2D5ABB26-0587-4C30-8999-92F81FD0307C}</a:tableStyleId>
               </a:tblPr>
               <a:tblGrid>
-                <a:gridCol w="4698745">
+                <a:gridCol w="4698744">
                   <a:extLst>
                     <a:ext uri="{9D8B030D-6E8A-4147-A177-3AD203B41FA5}">
                       <a16:colId xmlns:a16="http://schemas.microsoft.com/office/drawing/2014/main" val="20000"/>
@@ -2110,7 +2241,7 @@
                   </a:extLst>
                 </a:gridCol>
               </a:tblGrid>
-              <a:tr h="274318">
+              <a:tr h="291248">
                 <a:tc>
                   <a:txBody>
                     <a:bodyPr/>
@@ -2125,7 +2256,7 @@
                         </a:spcBef>
                       </a:pPr>
                       <a:r>
-                        <a:rPr lang="it-IT" sz="900">
+                        <a:rPr lang="it-IT" sz="900" dirty="0">
                           <a:solidFill>
                             <a:srgbClr val="020302"/>
                           </a:solidFill>
@@ -2136,7 +2267,7 @@
                       </a:r>
                     </a:p>
                   </a:txBody>
-                  <a:tcPr marL="0" marR="0" marT="7620" marB="0" anchor="ctr">
+                  <a:tcPr marL="0" marR="0" marT="7620" marB="0">
                     <a:lnL w="3175">
                       <a:solidFill>
                         <a:srgbClr val="B7B8B8"/>
@@ -2171,27 +2302,37 @@
                     <a:bodyPr/>
                     <a:lstStyle/>
                     <a:p>
-                      <a:pPr marL="135255" algn="ctr">
+                      <a:pPr marL="2540" marR="0" lvl="0" indent="0" algn="ctr" defTabSz="914400" eaLnBrk="1" fontAlgn="auto" latinLnBrk="0" hangingPunct="1">
                         <a:lnSpc>
                           <a:spcPct val="100000"/>
                         </a:lnSpc>
                         <a:spcBef>
                           <a:spcPts val="60"/>
                         </a:spcBef>
+                        <a:spcAft>
+                          <a:spcPts val="0"/>
+                        </a:spcAft>
+                        <a:buClrTx/>
+                        <a:buSzTx/>
+                        <a:buFontTx/>
+                        <a:buNone/>
+                        <a:tabLst/>
+                        <a:defRPr/>
                       </a:pPr>
                       <a:r>
-                        <a:rPr lang="it-IT" sz="900">
+                        <a:rPr lang="it-IT" sz="900" dirty="0">
                           <a:solidFill>
-                            <a:srgbClr val="020302"/>
+                            <a:srgbClr val="404040"/>
                           </a:solidFill>
                           <a:latin typeface="Adobe Clean"/>
+                          <a:ea typeface="+mn-ea"/>
                           <a:cs typeface="Adobe Clean"/>
                         </a:rPr>
                         <a:t>Supporto Online</a:t>
                       </a:r>
                     </a:p>
                   </a:txBody>
-                  <a:tcPr anchor="ctr">
+                  <a:tcPr marL="182880" marT="91440" anchor="ctr">
                     <a:lnL w="3175">
                       <a:solidFill>
                         <a:srgbClr val="B7B8B8"/>
@@ -2226,7 +2367,7 @@
                     <a:bodyPr/>
                     <a:lstStyle/>
                     <a:p>
-                      <a:pPr marL="92710">
+                      <a:pPr marL="2540" algn="ctr">
                         <a:lnSpc>
                           <a:spcPct val="100000"/>
                         </a:lnSpc>
@@ -2235,18 +2376,19 @@
                         </a:spcBef>
                       </a:pPr>
                       <a:r>
-                        <a:rPr lang="it-IT" sz="900">
+                        <a:rPr lang="it-IT" sz="900" dirty="0">
                           <a:solidFill>
                             <a:srgbClr val="FFFFFF"/>
                           </a:solidFill>
                           <a:latin typeface="Adobe Clean"/>
+                          <a:ea typeface="+mn-ea"/>
                           <a:cs typeface="Adobe Clean"/>
                         </a:rPr>
                         <a:t>Supporto Business</a:t>
                       </a:r>
                     </a:p>
                   </a:txBody>
-                  <a:tcPr anchor="ctr">
+                  <a:tcPr marL="182880" marT="91440" anchor="ctr">
                     <a:lnL w="3175">
                       <a:solidFill>
                         <a:srgbClr val="B7B8B8"/>
@@ -2282,7 +2424,7 @@
                   </a:ext>
                 </a:extLst>
               </a:tr>
-              <a:tr h="484755">
+              <a:tr h="514672">
                 <a:tc>
                   <a:txBody>
                     <a:bodyPr/>
@@ -2335,7 +2477,7 @@
                         <a:t>Le funzioni operative nell’ambiente di produzione del cliente non sono disponibili oppure </a:t>
                       </a:r>
                       <a:br>
-                        <a:rPr lang="sk-SK" sz="900" b="0" i="0" dirty="0">
+                        <a:rPr lang="it-IT" sz="900" b="0" i="0" dirty="0">
                           <a:solidFill>
                             <a:srgbClr val="000000"/>
                           </a:solidFill>
@@ -2353,7 +2495,7 @@
                       </a:r>
                     </a:p>
                   </a:txBody>
-                  <a:tcPr marL="0" marR="0" marT="3810" marB="0">
+                  <a:tcPr marL="0" marR="0" marT="3810" marB="36000">
                     <a:lnL w="3175">
                       <a:solidFill>
                         <a:srgbClr val="B7B8B8"/>
@@ -2401,11 +2543,11 @@
                           <a:latin typeface="AdobeClean-Light"/>
                           <a:cs typeface="AdobeClean-Light"/>
                         </a:rPr>
-                        <a:t>24x7 /           1 ora</a:t>
+                        <a:t>24x7/1 ora</a:t>
                       </a:r>
                     </a:p>
                   </a:txBody>
-                  <a:tcPr anchor="ctr">
+                  <a:tcPr marL="0" marR="0" marT="91440" marB="91440" anchor="ctr" anchorCtr="1">
                     <a:lnL w="3175">
                       <a:solidFill>
                         <a:srgbClr val="B7B8B8"/>
@@ -2453,11 +2595,11 @@
                           <a:latin typeface="AdobeClean-Light"/>
                           <a:cs typeface="AdobeClean-Light"/>
                         </a:rPr>
-                        <a:t>24x7 /          1 ora</a:t>
+                        <a:t>24x7/1 ora</a:t>
                       </a:r>
                     </a:p>
                   </a:txBody>
-                  <a:tcPr anchor="ctr">
+                  <a:tcPr marL="0" marR="0" marT="91440" marB="91440" anchor="ctr" anchorCtr="1">
                     <a:lnL w="3175">
                       <a:solidFill>
                         <a:srgbClr val="B7B8B8"/>
@@ -2495,7 +2637,7 @@
                   </a:ext>
                 </a:extLst>
               </a:tr>
-              <a:tr h="484755">
+              <a:tr h="514672">
                 <a:tc>
                   <a:txBody>
                     <a:bodyPr/>
@@ -2510,7 +2652,7 @@
                         </a:spcBef>
                       </a:pPr>
                       <a:r>
-                        <a:rPr lang="it-IT" sz="900" b="1">
+                        <a:rPr lang="it-IT" sz="900" b="1" dirty="0">
                           <a:solidFill>
                             <a:srgbClr val="020302"/>
                           </a:solidFill>
@@ -2530,13 +2672,30 @@
                         </a:spcBef>
                       </a:pPr>
                       <a:r>
-                        <a:rPr lang="it-IT" sz="900" b="0" i="0">
+                        <a:rPr lang="it-IT" sz="900" b="0" i="0" dirty="0">
                           <a:solidFill>
                             <a:srgbClr val="000000"/>
                           </a:solidFill>
                           <a:latin typeface="Adobe Clean Light" panose="020B0303020404020204" pitchFamily="34" charset="0"/>
                         </a:rPr>
-                        <a:t>Le funzioni operative del cliente hanno subìto un notevole deterioramento del servizio o potenziale perdita di dati, oppure un problema interessa una funzione importante. </a:t>
+                        <a:t>Le funzioni operative del cliente hanno subìto un notevole deterioramento del servizio </a:t>
+                      </a:r>
+                      <a:br>
+                        <a:rPr lang="it-IT" sz="900" b="0" i="0" dirty="0">
+                          <a:solidFill>
+                            <a:srgbClr val="000000"/>
+                          </a:solidFill>
+                          <a:latin typeface="Adobe Clean Light" panose="020B0303020404020204" pitchFamily="34" charset="0"/>
+                        </a:rPr>
+                      </a:br>
+                      <a:r>
+                        <a:rPr lang="it-IT" sz="900" b="0" i="0" dirty="0">
+                          <a:solidFill>
+                            <a:srgbClr val="000000"/>
+                          </a:solidFill>
+                          <a:latin typeface="Adobe Clean Light" panose="020B0303020404020204" pitchFamily="34" charset="0"/>
+                        </a:rPr>
+                        <a:t>o potenziale perdita di dati, oppure un problema interessa una funzione importante. </a:t>
                       </a:r>
                     </a:p>
                   </a:txBody>
@@ -2572,7 +2731,7 @@
                     <a:bodyPr/>
                     <a:lstStyle/>
                     <a:p>
-                      <a:pPr marL="316865" marR="184785" indent="-193675" algn="ctr">
+                      <a:pPr marL="125413" marR="184785" indent="-3175" algn="ctr">
                         <a:lnSpc>
                           <a:spcPct val="100000"/>
                         </a:lnSpc>
@@ -2581,18 +2740,37 @@
                         </a:spcBef>
                       </a:pPr>
                       <a:r>
-                        <a:rPr lang="it-IT" sz="900">
+                        <a:rPr lang="it-IT" sz="900" dirty="0">
                           <a:solidFill>
                             <a:srgbClr val="020302"/>
                           </a:solidFill>
                           <a:latin typeface="AdobeClean-Light"/>
                           <a:cs typeface="AdobeClean-Light"/>
                         </a:rPr>
-                        <a:t>Orario operativo /     4 ore</a:t>
+                        <a:t>Orario operativo/</a:t>
+                      </a:r>
+                      <a:br>
+                        <a:rPr lang="it-IT" sz="900" dirty="0">
+                          <a:solidFill>
+                            <a:srgbClr val="020302"/>
+                          </a:solidFill>
+                          <a:latin typeface="AdobeClean-Light"/>
+                          <a:cs typeface="AdobeClean-Light"/>
+                        </a:rPr>
+                      </a:br>
+                      <a:r>
+                        <a:rPr lang="it-IT" sz="900" dirty="0">
+                          <a:solidFill>
+                            <a:srgbClr val="020302"/>
+                          </a:solidFill>
+                          <a:latin typeface="AdobeClean-Light"/>
+                          <a:cs typeface="AdobeClean-Light"/>
+                        </a:rPr>
+                        <a:t>4 ore</a:t>
                       </a:r>
                     </a:p>
                   </a:txBody>
-                  <a:tcPr anchor="ctr">
+                  <a:tcPr marL="0" marR="0" marT="91440" marB="91440" anchor="ctr" anchorCtr="1">
                     <a:lnL w="3175">
                       <a:solidFill>
                         <a:srgbClr val="B7B8B8"/>
@@ -2624,7 +2802,7 @@
                     <a:bodyPr/>
                     <a:lstStyle/>
                     <a:p>
-                      <a:pPr marL="317500" marR="184785" indent="-194310" algn="ctr">
+                      <a:pPr marL="125413" marR="184785" indent="-3175" algn="ctr">
                         <a:lnSpc>
                           <a:spcPct val="100000"/>
                         </a:lnSpc>
@@ -2633,18 +2811,40 @@
                         </a:spcBef>
                       </a:pPr>
                       <a:r>
-                        <a:rPr lang="it-IT" sz="900">
+                        <a:rPr lang="it-IT" sz="900" dirty="0">
                           <a:solidFill>
                             <a:srgbClr val="020302"/>
                           </a:solidFill>
                           <a:latin typeface="AdobeClean-Light"/>
+                          <a:ea typeface="+mn-ea"/>
                           <a:cs typeface="AdobeClean-Light"/>
                         </a:rPr>
-                        <a:t>Orario operativo /      2 ore</a:t>
+                        <a:t>    Orario operativo/</a:t>
+                      </a:r>
+                      <a:br>
+                        <a:rPr lang="it-IT" sz="900" dirty="0">
+                          <a:solidFill>
+                            <a:srgbClr val="020302"/>
+                          </a:solidFill>
+                          <a:latin typeface="AdobeClean-Light"/>
+                          <a:ea typeface="+mn-ea"/>
+                          <a:cs typeface="AdobeClean-Light"/>
+                        </a:rPr>
+                      </a:br>
+                      <a:r>
+                        <a:rPr lang="it-IT" sz="900" dirty="0">
+                          <a:solidFill>
+                            <a:srgbClr val="020302"/>
+                          </a:solidFill>
+                          <a:latin typeface="AdobeClean-Light"/>
+                          <a:ea typeface="+mn-ea"/>
+                          <a:cs typeface="AdobeClean-Light"/>
+                        </a:rPr>
+                        <a:t>2 ore</a:t>
                       </a:r>
                     </a:p>
                   </a:txBody>
-                  <a:tcPr anchor="ctr">
+                  <a:tcPr marL="0" marR="0" marT="91440" marB="91440" anchor="ctr" anchorCtr="1">
                     <a:lnL w="3175">
                       <a:solidFill>
                         <a:srgbClr val="B7B8B8"/>
@@ -2682,7 +2882,7 @@
                   </a:ext>
                 </a:extLst>
               </a:tr>
-              <a:tr h="484756">
+              <a:tr h="514673">
                 <a:tc>
                   <a:txBody>
                     <a:bodyPr/>
@@ -2733,7 +2933,7 @@
                         <a:t>Le funzioni operative del cliente sono interessate da deterioramento lieve del servizio, </a:t>
                       </a:r>
                       <a:br>
-                        <a:rPr kumimoji="0" lang="sk-SK" sz="900" b="0" i="0" u="none" strike="noStrike" cap="none" normalizeH="0" baseline="0" noProof="0" dirty="0">
+                        <a:rPr kumimoji="0" lang="it-IT" sz="900" b="0" i="0" u="none" strike="noStrike" cap="none" normalizeH="0" baseline="0" noProof="0" dirty="0">
                           <a:ln>
                             <a:noFill/>
                           </a:ln>
@@ -2797,27 +2997,49 @@
                     <a:bodyPr/>
                     <a:lstStyle/>
                     <a:p>
-                      <a:pPr marL="313690" marR="184150" indent="-189865" algn="ctr">
+                      <a:pPr marL="125413" marR="184785" indent="-3175" algn="ctr">
                         <a:lnSpc>
                           <a:spcPct val="100000"/>
                         </a:lnSpc>
                         <a:spcBef>
-                          <a:spcPts val="645"/>
+                          <a:spcPts val="670"/>
                         </a:spcBef>
                       </a:pPr>
                       <a:r>
-                        <a:rPr lang="it-IT" sz="900">
+                        <a:rPr lang="it-IT" sz="900" dirty="0">
                           <a:solidFill>
                             <a:srgbClr val="020302"/>
                           </a:solidFill>
                           <a:latin typeface="AdobeClean-Light"/>
+                          <a:ea typeface="+mn-ea"/>
                           <a:cs typeface="AdobeClean-Light"/>
                         </a:rPr>
-                        <a:t>Orario operativo /     6 ore</a:t>
+                        <a:t>   Orario operativo/</a:t>
+                      </a:r>
+                      <a:br>
+                        <a:rPr lang="it-IT" sz="900" dirty="0">
+                          <a:solidFill>
+                            <a:srgbClr val="020302"/>
+                          </a:solidFill>
+                          <a:latin typeface="AdobeClean-Light"/>
+                          <a:ea typeface="+mn-ea"/>
+                          <a:cs typeface="AdobeClean-Light"/>
+                        </a:rPr>
+                      </a:br>
+                      <a:r>
+                        <a:rPr lang="it-IT" sz="900" dirty="0">
+                          <a:solidFill>
+                            <a:srgbClr val="020302"/>
+                          </a:solidFill>
+                          <a:latin typeface="AdobeClean-Light"/>
+                          <a:ea typeface="+mn-ea"/>
+                          <a:cs typeface="AdobeClean-Light"/>
+                        </a:rPr>
+                        <a:t>6 ore</a:t>
                       </a:r>
                     </a:p>
                   </a:txBody>
-                  <a:tcPr anchor="ctr">
+                  <a:tcPr marL="0" marR="0" marT="91440" marB="91440" anchor="ctr" anchorCtr="1">
                     <a:lnL w="3175">
                       <a:solidFill>
                         <a:srgbClr val="B7B8B8"/>
@@ -2849,27 +3071,49 @@
                     <a:bodyPr/>
                     <a:lstStyle/>
                     <a:p>
-                      <a:pPr marL="316230" marR="185420" indent="-193675" algn="ctr">
+                      <a:pPr marL="125413" marR="184785" indent="-3175" algn="ctr">
                         <a:lnSpc>
                           <a:spcPct val="100000"/>
                         </a:lnSpc>
                         <a:spcBef>
-                          <a:spcPts val="645"/>
+                          <a:spcPts val="670"/>
                         </a:spcBef>
                       </a:pPr>
                       <a:r>
-                        <a:rPr lang="it-IT" sz="900">
+                        <a:rPr lang="it-IT" sz="900" dirty="0">
                           <a:solidFill>
                             <a:srgbClr val="020302"/>
                           </a:solidFill>
                           <a:latin typeface="AdobeClean-Light"/>
+                          <a:ea typeface="+mn-ea"/>
                           <a:cs typeface="AdobeClean-Light"/>
                         </a:rPr>
-                        <a:t>Orario operativo /     4 ore</a:t>
+                        <a:t>Orario operativo/</a:t>
+                      </a:r>
+                      <a:br>
+                        <a:rPr lang="it-IT" sz="900" dirty="0">
+                          <a:solidFill>
+                            <a:srgbClr val="020302"/>
+                          </a:solidFill>
+                          <a:latin typeface="AdobeClean-Light"/>
+                          <a:ea typeface="+mn-ea"/>
+                          <a:cs typeface="AdobeClean-Light"/>
+                        </a:rPr>
+                      </a:br>
+                      <a:r>
+                        <a:rPr lang="it-IT" sz="900" dirty="0">
+                          <a:solidFill>
+                            <a:srgbClr val="020302"/>
+                          </a:solidFill>
+                          <a:latin typeface="AdobeClean-Light"/>
+                          <a:ea typeface="+mn-ea"/>
+                          <a:cs typeface="AdobeClean-Light"/>
+                        </a:rPr>
+                        <a:t>4 ore</a:t>
                       </a:r>
                     </a:p>
                   </a:txBody>
-                  <a:tcPr anchor="ctr">
+                  <a:tcPr marL="0" marR="0" marT="91440" marB="91440" anchor="ctr" anchorCtr="1">
                     <a:lnL w="3175">
                       <a:solidFill>
                         <a:srgbClr val="B7B8B8"/>
@@ -2907,7 +3151,7 @@
                   </a:ext>
                 </a:extLst>
               </a:tr>
-              <a:tr h="359998">
+              <a:tr h="388333">
                 <a:tc>
                   <a:txBody>
                     <a:bodyPr/>
@@ -2922,7 +3166,7 @@
                         </a:spcBef>
                       </a:pPr>
                       <a:r>
-                        <a:rPr lang="it-IT" sz="900" b="1" dirty="0">
+                        <a:rPr lang="it-IT" sz="900" b="1">
                           <a:solidFill>
                             <a:srgbClr val="020302"/>
                           </a:solidFill>
@@ -2951,7 +3195,7 @@
                         <a:defRPr/>
                       </a:pPr>
                       <a:r>
-                        <a:rPr lang="it-IT" sz="900" b="0" i="0" dirty="0">
+                        <a:rPr lang="it-IT" sz="900" b="0" i="0">
                           <a:solidFill>
                             <a:srgbClr val="000000"/>
                           </a:solidFill>
@@ -2993,27 +3237,49 @@
                     <a:bodyPr/>
                     <a:lstStyle/>
                     <a:p>
-                      <a:pPr marL="340360" marR="203200" indent="-193040" algn="ctr">
+                      <a:pPr marL="125413" marR="184785" indent="-3175" algn="ctr">
                         <a:lnSpc>
                           <a:spcPct val="100000"/>
                         </a:lnSpc>
                         <a:spcBef>
-                          <a:spcPts val="155"/>
+                          <a:spcPts val="670"/>
                         </a:spcBef>
                       </a:pPr>
                       <a:r>
-                        <a:rPr lang="it-IT" sz="900">
+                        <a:rPr lang="it-IT" sz="900" dirty="0">
                           <a:solidFill>
                             <a:srgbClr val="020302"/>
                           </a:solidFill>
                           <a:latin typeface="AdobeClean-Light"/>
+                          <a:ea typeface="+mn-ea"/>
                           <a:cs typeface="AdobeClean-Light"/>
                         </a:rPr>
-                        <a:t>Giorni lavorativi /     3 giorni</a:t>
+                        <a:t>  Giorni lavorativi/</a:t>
+                      </a:r>
+                      <a:br>
+                        <a:rPr lang="it-IT" sz="900" dirty="0">
+                          <a:solidFill>
+                            <a:srgbClr val="020302"/>
+                          </a:solidFill>
+                          <a:latin typeface="AdobeClean-Light"/>
+                          <a:ea typeface="+mn-ea"/>
+                          <a:cs typeface="AdobeClean-Light"/>
+                        </a:rPr>
+                      </a:br>
+                      <a:r>
+                        <a:rPr lang="it-IT" sz="900" dirty="0">
+                          <a:solidFill>
+                            <a:srgbClr val="020302"/>
+                          </a:solidFill>
+                          <a:latin typeface="AdobeClean-Light"/>
+                          <a:ea typeface="+mn-ea"/>
+                          <a:cs typeface="AdobeClean-Light"/>
+                        </a:rPr>
+                        <a:t>3 giorni</a:t>
                       </a:r>
                     </a:p>
                   </a:txBody>
-                  <a:tcPr anchor="ctr">
+                  <a:tcPr marL="0" marR="0" marT="91440" marB="91440" anchor="ctr" anchorCtr="1">
                     <a:lnL w="3175">
                       <a:solidFill>
                         <a:srgbClr val="B7B8B8"/>
@@ -3045,12 +3311,12 @@
                     <a:bodyPr/>
                     <a:lstStyle/>
                     <a:p>
-                      <a:pPr marL="370840" marR="223520" indent="-202565" algn="ctr">
+                      <a:pPr marL="125413" marR="184785" indent="-3175" algn="ctr">
                         <a:lnSpc>
                           <a:spcPct val="100000"/>
                         </a:lnSpc>
                         <a:spcBef>
-                          <a:spcPts val="155"/>
+                          <a:spcPts val="670"/>
                         </a:spcBef>
                       </a:pPr>
                       <a:r>
@@ -3059,33 +3325,35 @@
                             <a:srgbClr val="020302"/>
                           </a:solidFill>
                           <a:latin typeface="AdobeClean-Light"/>
+                          <a:ea typeface="+mn-ea"/>
                           <a:cs typeface="AdobeClean-Light"/>
                         </a:rPr>
-                        <a:t>Giorni lavorativi / </a:t>
+                        <a:t>Giorni lavorativi/</a:t>
                       </a:r>
-                    </a:p>
-                    <a:p>
-                      <a:pPr marL="370840" marR="223520" indent="-202565" algn="ctr">
-                        <a:lnSpc>
-                          <a:spcPct val="100000"/>
-                        </a:lnSpc>
-                        <a:spcBef>
-                          <a:spcPts val="155"/>
-                        </a:spcBef>
-                      </a:pPr>
+                      <a:br>
+                        <a:rPr lang="it-IT" sz="900" dirty="0">
+                          <a:solidFill>
+                            <a:srgbClr val="020302"/>
+                          </a:solidFill>
+                          <a:latin typeface="AdobeClean-Light"/>
+                          <a:ea typeface="+mn-ea"/>
+                          <a:cs typeface="AdobeClean-Light"/>
+                        </a:rPr>
+                      </a:br>
                       <a:r>
                         <a:rPr lang="it-IT" sz="900" dirty="0">
                           <a:solidFill>
                             <a:srgbClr val="020302"/>
                           </a:solidFill>
                           <a:latin typeface="AdobeClean-Light"/>
+                          <a:ea typeface="+mn-ea"/>
                           <a:cs typeface="AdobeClean-Light"/>
                         </a:rPr>
-                        <a:t>  1 giorno</a:t>
+                        <a:t>1 giorno</a:t>
                       </a:r>
                     </a:p>
                   </a:txBody>
-                  <a:tcPr anchor="ctr">
+                  <a:tcPr marL="0" marR="0" marT="91440" marB="91440" anchor="ctr" anchorCtr="1">
                     <a:lnL w="3175">
                       <a:solidFill>
                         <a:srgbClr val="B7B8B8"/>
@@ -3142,7 +3410,7 @@
           <p:nvPr>
             <p:extLst>
               <p:ext uri="{D42A27DB-BD31-4B8C-83A1-F6EECF244321}">
-                <p14:modId xmlns:p14="http://schemas.microsoft.com/office/powerpoint/2010/main" val="495156521"/>
+                <p14:modId xmlns:p14="http://schemas.microsoft.com/office/powerpoint/2010/main" val="4201184"/>
               </p:ext>
             </p:extLst>
           </p:nvPr>
@@ -3231,7 +3499,7 @@
                         <a:defRPr/>
                       </a:pPr>
                       <a:r>
-                        <a:rPr lang="it-IT" sz="900">
+                        <a:rPr lang="it-IT" sz="900" dirty="0">
                           <a:solidFill>
                             <a:srgbClr val="404040"/>
                           </a:solidFill>
@@ -3280,7 +3548,7 @@
                         </a:spcBef>
                       </a:pPr>
                       <a:r>
-                        <a:rPr lang="it-IT" sz="900">
+                        <a:rPr lang="it-IT" sz="900" dirty="0">
                           <a:solidFill>
                             <a:srgbClr val="FFFFFF"/>
                           </a:solidFill>
@@ -5560,10 +5828,10 @@
                           <a:latin typeface="AdobeClean-Light"/>
                           <a:cs typeface="AdobeClean-Light"/>
                         </a:rPr>
-                        <a:t>Valutazione della roadmap di prodotti, versioni, </a:t>
+                        <a:t>Valutazione della roadmap di prodotti, versioni, migrazione </a:t>
                       </a:r>
                       <a:br>
-                        <a:rPr lang="sk-SK" sz="900" dirty="0">
+                        <a:rPr lang="it-IT" sz="900" dirty="0">
                           <a:solidFill>
                             <a:srgbClr val="020302"/>
                           </a:solidFill>
@@ -5579,7 +5847,7 @@
                           <a:latin typeface="AdobeClean-Light"/>
                           <a:cs typeface="AdobeClean-Light"/>
                         </a:rPr>
-                        <a:t>migrazione e aggiornamento</a:t>
+                        <a:t>e aggiornamento</a:t>
                       </a:r>
                     </a:p>
                   </a:txBody>
@@ -6358,7 +6626,7 @@
         <p:spPr>
           <a:xfrm>
             <a:off x="370040" y="1409311"/>
-            <a:ext cx="2286000" cy="1289969"/>
+            <a:ext cx="2286000" cy="1458926"/>
           </a:xfrm>
           <a:prstGeom prst="rect">
             <a:avLst/>
@@ -6379,7 +6647,7 @@
               </a:spcBef>
             </a:pPr>
             <a:r>
-              <a:rPr lang="it-IT" sz="1000">
+              <a:rPr lang="it-IT" sz="1000" dirty="0">
                 <a:solidFill>
                   <a:srgbClr val="000000"/>
                 </a:solidFill>
@@ -6399,14 +6667,14 @@
         <p:spPr>
           <a:xfrm>
             <a:off x="2836967" y="8618616"/>
-            <a:ext cx="2286000" cy="487313"/>
+            <a:ext cx="2286000" cy="641201"/>
           </a:xfrm>
           <a:prstGeom prst="rect">
             <a:avLst/>
           </a:prstGeom>
         </p:spPr>
         <p:txBody>
-          <a:bodyPr vert="horz" wrap="square" lIns="0" tIns="12700" rIns="0" bIns="0" rtlCol="0">
+          <a:bodyPr vert="horz" wrap="square" lIns="0" tIns="12700" rIns="0" bIns="0" rtlCol="0" anchor="t">
             <a:spAutoFit/>
           </a:bodyPr>
           <a:lstStyle/>
@@ -6423,7 +6691,7 @@
               </a:tabLst>
             </a:pPr>
             <a:r>
-              <a:rPr lang="it-IT" sz="1000">
+              <a:rPr lang="it-IT" sz="1000" dirty="0">
                 <a:solidFill>
                   <a:srgbClr val="020302"/>
                 </a:solidFill>
@@ -6435,9 +6703,6 @@
           </a:p>
           <a:p>
             <a:pPr marL="33020" marR="159385">
-              <a:lnSpc>
-                <a:spcPct val="100000"/>
-              </a:lnSpc>
               <a:spcBef>
                 <a:spcPts val="100"/>
               </a:spcBef>
@@ -6446,7 +6711,7 @@
               </a:tabLst>
             </a:pPr>
             <a:r>
-              <a:rPr lang="it-IT" sz="1000" i="1">
+              <a:rPr lang="it-IT" sz="1000" i="1" dirty="0">
                 <a:solidFill>
                   <a:srgbClr val="7A7A7A"/>
                 </a:solidFill>
@@ -6456,14 +6721,14 @@
               <a:t>* Il supporto chat in diretta non è disponibile per tutti i prodotti</a:t>
             </a:r>
             <a:r>
-              <a:rPr lang="it-IT" sz="900" i="1">
+              <a:rPr lang="it-IT" sz="900" i="1" dirty="0">
                 <a:solidFill>
                   <a:srgbClr val="7A7A7A"/>
                 </a:solidFill>
                 <a:latin typeface="AdobeClean-LightIt"/>
                 <a:cs typeface="AdobeClean-LightIt"/>
               </a:rPr>
-              <a:t>.  </a:t>
+              <a:t>.  </a:t>
             </a:r>
           </a:p>
         </p:txBody>
@@ -6513,7 +6778,7 @@
         </p:nvSpPr>
         <p:spPr>
           <a:xfrm>
-            <a:off x="838200" y="6046398"/>
+            <a:off x="838200" y="5737788"/>
             <a:ext cx="1568246" cy="184666"/>
           </a:xfrm>
           <a:prstGeom prst="rect">
@@ -6566,7 +6831,7 @@
         </p:nvSpPr>
         <p:spPr>
           <a:xfrm>
-            <a:off x="838200" y="6277305"/>
+            <a:off x="838200" y="5968695"/>
             <a:ext cx="959314" cy="184666"/>
           </a:xfrm>
           <a:prstGeom prst="rect">
@@ -6612,8 +6877,8 @@
         </p:nvSpPr>
         <p:spPr>
           <a:xfrm>
-            <a:off x="370040" y="6529249"/>
-            <a:ext cx="2286000" cy="805349"/>
+            <a:off x="370040" y="6220639"/>
+            <a:ext cx="2286000" cy="959237"/>
           </a:xfrm>
           <a:prstGeom prst="rect">
             <a:avLst/>
@@ -6626,13 +6891,47 @@
           <a:lstStyle/>
           <a:p>
             <a:r>
-              <a:rPr lang="it-IT" sz="1000">
+              <a:rPr lang="it-IT" sz="1000" dirty="0">
                 <a:solidFill>
                   <a:srgbClr val="000000"/>
                 </a:solidFill>
                 <a:latin typeface="Adobe Clean Light" panose="020B0303020404020204" pitchFamily="34" charset="0"/>
               </a:rPr>
-              <a:t>Accesso online continuo a un database in continua crescita di soluzioni tecniche, documentazione del prodotto, risposte alle domande più frequenti e altro ancora. Migliaia di clienti possono condividere best practice ed esperienze.</a:t>
+              <a:t>Accesso online continuo a un database </a:t>
+            </a:r>
+            <a:br>
+              <a:rPr lang="it-IT" sz="1000" dirty="0">
+                <a:solidFill>
+                  <a:srgbClr val="000000"/>
+                </a:solidFill>
+                <a:latin typeface="Adobe Clean Light" panose="020B0303020404020204" pitchFamily="34" charset="0"/>
+              </a:rPr>
+            </a:br>
+            <a:r>
+              <a:rPr lang="it-IT" sz="1000" dirty="0">
+                <a:solidFill>
+                  <a:srgbClr val="000000"/>
+                </a:solidFill>
+                <a:latin typeface="Adobe Clean Light" panose="020B0303020404020204" pitchFamily="34" charset="0"/>
+              </a:rPr>
+              <a:t>in continua crescita di soluzioni tecniche, documentazione del prodotto, risposte alle domande più frequenti e altro ancora. </a:t>
+            </a:r>
+            <a:br>
+              <a:rPr lang="it-IT" sz="1000" dirty="0">
+                <a:solidFill>
+                  <a:srgbClr val="000000"/>
+                </a:solidFill>
+                <a:latin typeface="Adobe Clean Light" panose="020B0303020404020204" pitchFamily="34" charset="0"/>
+              </a:rPr>
+            </a:br>
+            <a:r>
+              <a:rPr lang="it-IT" sz="1000" dirty="0">
+                <a:solidFill>
+                  <a:srgbClr val="000000"/>
+                </a:solidFill>
+                <a:latin typeface="Adobe Clean Light" panose="020B0303020404020204" pitchFamily="34" charset="0"/>
+              </a:rPr>
+              <a:t>Migliaia di clienti possono condividere best practice ed esperienze.</a:t>
             </a:r>
           </a:p>
         </p:txBody>
@@ -6653,7 +6952,7 @@
         </p:nvSpPr>
         <p:spPr>
           <a:xfrm>
-            <a:off x="5851290" y="6277305"/>
+            <a:off x="5851290" y="5968695"/>
             <a:ext cx="1316707" cy="184666"/>
           </a:xfrm>
           <a:prstGeom prst="rect">
@@ -6699,8 +6998,8 @@
         </p:nvSpPr>
         <p:spPr>
           <a:xfrm>
-            <a:off x="5376301" y="6529249"/>
-            <a:ext cx="2286000" cy="1143903"/>
+            <a:off x="5376301" y="6220639"/>
+            <a:ext cx="2243699" cy="1574790"/>
           </a:xfrm>
           <a:prstGeom prst="rect">
             <a:avLst/>
@@ -6713,13 +7012,30 @@
           <a:lstStyle/>
           <a:p>
             <a:r>
-              <a:rPr lang="it-IT" sz="900" dirty="0">
+              <a:rPr lang="it-IT" sz="1000" dirty="0">
                 <a:solidFill>
                   <a:srgbClr val="000000"/>
                 </a:solidFill>
                 <a:latin typeface="Adobe Clean Light" panose="020B0303020404020204" pitchFamily="34" charset="0"/>
               </a:rPr>
-              <a:t>Diventa un Experience Maker con Experience League. Puoi acquisire rapidamente le capacità necessarie nella gestione della customer experience seguendo un percorso di apprendimento personalizzato per sviluppare nuove competenze, partecipare a una comunità globale di professionisti e guadagnare riconoscimenti di valore sul piano professionale.</a:t>
+              <a:t>Diventa un Experience Maker con </a:t>
+            </a:r>
+            <a:br>
+              <a:rPr lang="it-IT" sz="1000" dirty="0">
+                <a:solidFill>
+                  <a:srgbClr val="000000"/>
+                </a:solidFill>
+                <a:latin typeface="Adobe Clean Light" panose="020B0303020404020204" pitchFamily="34" charset="0"/>
+              </a:rPr>
+            </a:br>
+            <a:r>
+              <a:rPr lang="it-IT" sz="1000" dirty="0">
+                <a:solidFill>
+                  <a:srgbClr val="000000"/>
+                </a:solidFill>
+                <a:latin typeface="Adobe Clean Light" panose="020B0303020404020204" pitchFamily="34" charset="0"/>
+              </a:rPr>
+              <a:t>Experience League. Puoi acquisire rapidamente le capacità necessarie nella gestione della customer experience seguendo un percorso di apprendimento personalizzato per sviluppare nuove competenze, partecipare a una comunità globale di professionisti e guadagnare riconoscimenti di valore sul piano professionale.</a:t>
             </a:r>
           </a:p>
         </p:txBody>
@@ -6841,7 +7157,7 @@
         </p:nvSpPr>
         <p:spPr>
           <a:xfrm>
-            <a:off x="3290772" y="6046398"/>
+            <a:off x="3290772" y="5737788"/>
             <a:ext cx="2520000" cy="184666"/>
           </a:xfrm>
           <a:prstGeom prst="rect">
@@ -6894,7 +7210,7 @@
         </p:nvSpPr>
         <p:spPr>
           <a:xfrm>
-            <a:off x="3276600" y="6277305"/>
+            <a:off x="3276600" y="5968695"/>
             <a:ext cx="992259" cy="184666"/>
           </a:xfrm>
           <a:prstGeom prst="rect">
@@ -6940,8 +7256,8 @@
         </p:nvSpPr>
         <p:spPr>
           <a:xfrm>
-            <a:off x="2836967" y="6529249"/>
-            <a:ext cx="2286000" cy="805349"/>
+            <a:off x="2836966" y="6220639"/>
+            <a:ext cx="2325583" cy="959237"/>
           </a:xfrm>
           <a:prstGeom prst="rect">
             <a:avLst/>
@@ -6954,16 +7270,33 @@
           <a:lstStyle/>
           <a:p>
             <a:r>
-              <a:rPr lang="it-IT" sz="1000">
+              <a:rPr lang="it-IT" sz="1000" dirty="0">
                 <a:solidFill>
                   <a:srgbClr val="020302"/>
                 </a:solidFill>
                 <a:latin typeface="AdobeClean-Light"/>
               </a:rPr>
-              <a:t>Gli utenti autorizzati o i contatti interni per il supporto possono segnalare i problemi tramite tutti i canali disponibili (compreso il supporto telefonico per casi P1) e interagire con il team Adobe di assistenza tecnica per conto della tua azienda</a:t>
+              <a:t>Gli utenti autorizzati o i contatti interni per il supporto possono segnalare i problemi tramite tutti i canali disponibili (compreso il supporto telefonico per casi P1) e interagire con il team Adobe di assistenza tecnica per conto della </a:t>
+            </a:r>
+            <a:br>
+              <a:rPr lang="it-IT" sz="1000" dirty="0">
+                <a:solidFill>
+                  <a:srgbClr val="020302"/>
+                </a:solidFill>
+                <a:latin typeface="AdobeClean-Light"/>
+              </a:rPr>
+            </a:br>
+            <a:r>
+              <a:rPr lang="it-IT" sz="1000" dirty="0">
+                <a:solidFill>
+                  <a:srgbClr val="020302"/>
+                </a:solidFill>
+                <a:latin typeface="AdobeClean-Light"/>
+              </a:rPr>
+              <a:t>tua azienda</a:t>
             </a:r>
             <a:r>
-              <a:rPr lang="it-IT" sz="1000">
+              <a:rPr lang="it-IT" sz="1000" dirty="0">
                 <a:latin typeface="Adobe Clean Light" panose="020B0303020404020204" pitchFamily="34" charset="0"/>
               </a:rPr>
               <a:t>. </a:t>
@@ -7080,8 +7413,8 @@
         </p:nvSpPr>
         <p:spPr>
           <a:xfrm>
-            <a:off x="401995" y="5785009"/>
-            <a:ext cx="2600697" cy="52862"/>
+            <a:off x="401995" y="5632609"/>
+            <a:ext cx="2626955" cy="45719"/>
           </a:xfrm>
           <a:custGeom>
             <a:avLst/>
@@ -7128,7 +7461,7 @@
         </p:nvSpPr>
         <p:spPr>
           <a:xfrm>
-            <a:off x="318713" y="5432541"/>
+            <a:off x="318713" y="5314431"/>
             <a:ext cx="2006640" cy="307777"/>
           </a:xfrm>
           <a:prstGeom prst="rect">
@@ -7177,7 +7510,7 @@
         <p:spPr>
           <a:xfrm>
             <a:off x="384420" y="774494"/>
-            <a:ext cx="2717125" cy="45719"/>
+            <a:ext cx="2762639" cy="53355"/>
           </a:xfrm>
           <a:custGeom>
             <a:avLst/>
@@ -7272,8 +7605,8 @@
         </p:nvSpPr>
         <p:spPr>
           <a:xfrm>
-            <a:off x="2836967" y="1370913"/>
-            <a:ext cx="2286000" cy="1456681"/>
+            <a:off x="2836966" y="1370913"/>
+            <a:ext cx="2359873" cy="1638462"/>
           </a:xfrm>
           <a:prstGeom prst="rect">
             <a:avLst/>
@@ -7294,10 +7627,54 @@
               </a:spcBef>
             </a:pPr>
             <a:r>
-              <a:rPr lang="it-IT" sz="1000">
+              <a:rPr lang="it-IT" sz="1000" dirty="0">
                 <a:latin typeface="Adobe Clean Light" panose="020B0303020404020204" pitchFamily="34" charset="0"/>
               </a:rPr>
-              <a:t>I clienti possono segnalare telefonicamente i problemi P2, P3 e P4 durante l’orario operativo per la propria area geografica. Non vi è alcun limite al numero di chiamate di supporto consentite. I clienti possono anche chiedere di essere richiamati dal supporto, o richiedere una sessione con desktop remoto condiviso a scopo di dimostrazione o risoluzione di un problema.</a:t>
+              <a:t>I clienti possono segnalare telefonicamente </a:t>
+            </a:r>
+            <a:br>
+              <a:rPr lang="it-IT" sz="1000" dirty="0">
+                <a:latin typeface="Adobe Clean Light" panose="020B0303020404020204" pitchFamily="34" charset="0"/>
+              </a:rPr>
+            </a:br>
+            <a:r>
+              <a:rPr lang="it-IT" sz="1000" dirty="0">
+                <a:latin typeface="Adobe Clean Light" panose="020B0303020404020204" pitchFamily="34" charset="0"/>
+              </a:rPr>
+              <a:t>i problemi P2, P3 e P4 durante l’orario operativo per la propria area geografica. Non vi è alcun limite al numero di chiamate di supporto consentite. I clienti possono anche chiedere </a:t>
+            </a:r>
+            <a:br>
+              <a:rPr lang="it-IT" sz="1000" dirty="0">
+                <a:latin typeface="Adobe Clean Light" panose="020B0303020404020204" pitchFamily="34" charset="0"/>
+              </a:rPr>
+            </a:br>
+            <a:r>
+              <a:rPr lang="it-IT" sz="1000" dirty="0">
+                <a:latin typeface="Adobe Clean Light" panose="020B0303020404020204" pitchFamily="34" charset="0"/>
+              </a:rPr>
+              <a:t>di essere richiamati dal supporto, o richiedere una sessione con desktop remoto condiviso </a:t>
+            </a:r>
+            <a:br>
+              <a:rPr lang="it-IT" sz="1000" dirty="0">
+                <a:latin typeface="Adobe Clean Light" panose="020B0303020404020204" pitchFamily="34" charset="0"/>
+              </a:rPr>
+            </a:br>
+            <a:r>
+              <a:rPr lang="it-IT" sz="1000" dirty="0">
+                <a:latin typeface="Adobe Clean Light" panose="020B0303020404020204" pitchFamily="34" charset="0"/>
+              </a:rPr>
+              <a:t>a scopo di dimostrazione o risoluzione </a:t>
+            </a:r>
+            <a:br>
+              <a:rPr lang="it-IT" sz="1000" dirty="0">
+                <a:latin typeface="Adobe Clean Light" panose="020B0303020404020204" pitchFamily="34" charset="0"/>
+              </a:rPr>
+            </a:br>
+            <a:r>
+              <a:rPr lang="it-IT" sz="1000" dirty="0">
+                <a:latin typeface="Adobe Clean Light" panose="020B0303020404020204" pitchFamily="34" charset="0"/>
+              </a:rPr>
+              <a:t>di un problema.</a:t>
             </a:r>
           </a:p>
         </p:txBody>
@@ -7340,7 +7717,7 @@
               </a:spcAft>
             </a:pPr>
             <a:r>
-              <a:rPr lang="it-IT" sz="1200" b="1">
+              <a:rPr lang="it-IT" sz="1200" b="1" dirty="0">
                 <a:solidFill>
                   <a:srgbClr val="020302"/>
                 </a:solidFill>
@@ -7366,7 +7743,7 @@
         <p:spPr>
           <a:xfrm>
             <a:off x="5376301" y="1398482"/>
-            <a:ext cx="2286000" cy="805349"/>
+            <a:ext cx="2147240" cy="805349"/>
           </a:xfrm>
           <a:prstGeom prst="rect">
             <a:avLst/>
@@ -7387,7 +7764,7 @@
               </a:spcBef>
             </a:pPr>
             <a:r>
-              <a:rPr lang="it-IT" sz="1000">
+              <a:rPr lang="it-IT" sz="1000" dirty="0">
                 <a:solidFill>
                   <a:srgbClr val="4B4B4B"/>
                 </a:solidFill>
@@ -7436,7 +7813,7 @@
               </a:spcAft>
             </a:pPr>
             <a:r>
-              <a:rPr lang="it-IT" sz="1200" b="1">
+              <a:rPr lang="it-IT" sz="1200" b="1" dirty="0">
                 <a:solidFill>
                   <a:srgbClr val="020302"/>
                 </a:solidFill>
@@ -7582,10 +7959,27 @@
                 </a:solidFill>
                 <a:latin typeface="Adobe Clean Light" panose="020B0303020404020204" pitchFamily="34" charset="0"/>
               </a:rPr>
-              <a:t>Office Hours è un’iniziativa nata dal team del Servizio clienti di Adobe. Queste sessioni sono progettate per informare e aiutare</a:t>
+              <a:t>Office Hours è un’iniziativa nata dal team </a:t>
             </a:r>
             <a:br>
-              <a:rPr lang="sk-SK" sz="1000" dirty="0">
+              <a:rPr lang="it-IT" sz="1000" dirty="0">
+                <a:solidFill>
+                  <a:srgbClr val="000000"/>
+                </a:solidFill>
+                <a:latin typeface="Adobe Clean Light" panose="020B0303020404020204" pitchFamily="34" charset="0"/>
+              </a:rPr>
+            </a:br>
+            <a:r>
+              <a:rPr lang="it-IT" sz="1000" dirty="0">
+                <a:solidFill>
+                  <a:srgbClr val="000000"/>
+                </a:solidFill>
+                <a:latin typeface="Adobe Clean Light" panose="020B0303020404020204" pitchFamily="34" charset="0"/>
+              </a:rPr>
+              <a:t>del Servizio clienti di Adobe. Queste sessioni sono progettate per informare e aiutare </a:t>
+            </a:r>
+            <a:br>
+              <a:rPr lang="it-IT" sz="1000" dirty="0">
                 <a:solidFill>
                   <a:srgbClr val="000000"/>
                 </a:solidFill>
@@ -7620,7 +8014,7 @@
         </p:nvSpPr>
         <p:spPr>
           <a:xfrm>
-            <a:off x="5851290" y="8373543"/>
+            <a:off x="5851290" y="8419263"/>
             <a:ext cx="1267206" cy="184666"/>
           </a:xfrm>
           <a:prstGeom prst="rect">
@@ -7642,7 +8036,7 @@
               </a:spcAft>
             </a:pPr>
             <a:r>
-              <a:rPr lang="it-IT" sz="1200" b="1">
+              <a:rPr lang="it-IT" sz="1200" b="1" dirty="0">
                 <a:latin typeface="+mj-lt"/>
                 <a:ea typeface="Open Sans" pitchFamily="34" charset="0"/>
                 <a:cs typeface="Open Sans" pitchFamily="34" charset="0"/>
@@ -7689,7 +8083,7 @@
               <a:t>Accesso on-demand al portale di assistenza autonoma per inviare richieste di supporto, esaminare lo stato dei casi e sfogliare altre risorse, come la knowledge base, notizie </a:t>
             </a:r>
             <a:br>
-              <a:rPr lang="sk-SK" sz="1000" dirty="0">
+              <a:rPr lang="it-IT" sz="1000" dirty="0">
                 <a:solidFill>
                   <a:srgbClr val="000000"/>
                 </a:solidFill>
@@ -7859,7 +8253,7 @@
               </a:spcBef>
             </a:pPr>
             <a:r>
-              <a:rPr lang="it-IT" sz="1000">
+              <a:rPr lang="it-IT" sz="1000" dirty="0">
                 <a:latin typeface="Adobe Clean Light" panose="020B0303020404020204" pitchFamily="34" charset="0"/>
               </a:rPr>
               <a:t>Un Account Support Lead terrà dei webinar per illustrare i servizi di supporto Business.  </a:t>
@@ -7881,7 +8275,7 @@
         </p:nvSpPr>
         <p:spPr>
           <a:xfrm rot="5400000" flipH="1">
-            <a:off x="3863341" y="302967"/>
+            <a:off x="3863341" y="422235"/>
             <a:ext cx="45719" cy="5577840"/>
           </a:xfrm>
           <a:custGeom>
@@ -8070,7 +8464,7 @@
         </p:blipFill>
         <p:spPr>
           <a:xfrm>
-            <a:off x="2836967" y="6062796"/>
+            <a:off x="2836967" y="5754186"/>
             <a:ext cx="411480" cy="411480"/>
           </a:xfrm>
           <a:prstGeom prst="rect">
@@ -8109,7 +8503,7 @@
         </p:blipFill>
         <p:spPr>
           <a:xfrm>
-            <a:off x="359731" y="6062796"/>
+            <a:off x="359731" y="5754186"/>
             <a:ext cx="411480" cy="411480"/>
           </a:xfrm>
           <a:prstGeom prst="rect">
@@ -8148,7 +8542,7 @@
         </p:blipFill>
         <p:spPr>
           <a:xfrm>
-            <a:off x="5329042" y="6062796"/>
+            <a:off x="5329042" y="5754186"/>
             <a:ext cx="411480" cy="411480"/>
           </a:xfrm>
           <a:prstGeom prst="rect">
@@ -8248,7 +8642,7 @@
         </p:nvSpPr>
         <p:spPr>
           <a:xfrm rot="5400000" flipH="1">
-            <a:off x="3863341" y="4967117"/>
+            <a:off x="3863341" y="5115707"/>
             <a:ext cx="45719" cy="5577840"/>
           </a:xfrm>
           <a:custGeom>
@@ -8305,8 +8699,8 @@
         </p:nvSpPr>
         <p:spPr>
           <a:xfrm>
-            <a:off x="5851290" y="8150141"/>
-            <a:ext cx="2520000" cy="184666"/>
+            <a:off x="5851290" y="8100611"/>
+            <a:ext cx="2520000" cy="307777"/>
           </a:xfrm>
           <a:prstGeom prst="rect">
             <a:avLst/>
@@ -8329,15 +8723,33 @@
           </a:lstStyle>
           <a:p>
             <a:pPr>
+              <a:lnSpc>
+                <a:spcPts val="1200"/>
+              </a:lnSpc>
               <a:defRPr/>
             </a:pPr>
             <a:r>
-              <a:rPr lang="it-IT" sz="1200">
+              <a:rPr lang="it-IT" sz="1200" spc="-20" dirty="0">
                 <a:solidFill>
                   <a:srgbClr val="000000"/>
                 </a:solidFill>
               </a:rPr>
-              <a:t>Portale di assistenza autonoma</a:t>
+              <a:t>Portale di assistenza </a:t>
+            </a:r>
+            <a:br>
+              <a:rPr lang="it-IT" sz="1200" spc="-20" dirty="0">
+                <a:solidFill>
+                  <a:srgbClr val="000000"/>
+                </a:solidFill>
+              </a:rPr>
+            </a:br>
+            <a:r>
+              <a:rPr lang="it-IT" sz="1200" spc="-20" dirty="0">
+                <a:solidFill>
+                  <a:srgbClr val="000000"/>
+                </a:solidFill>
+              </a:rPr>
+              <a:t>autonoma</a:t>
             </a:r>
           </a:p>
         </p:txBody>
@@ -8358,7 +8770,7 @@
         </p:nvSpPr>
         <p:spPr>
           <a:xfrm>
-            <a:off x="5851290" y="6046398"/>
+            <a:off x="5851290" y="5737788"/>
             <a:ext cx="2520000" cy="184666"/>
           </a:xfrm>
           <a:prstGeom prst="rect">
@@ -8594,7 +9006,7 @@
         <p:spPr>
           <a:xfrm>
             <a:off x="6754821" y="9283729"/>
-            <a:ext cx="930275" cy="662305"/>
+            <a:ext cx="990909" cy="662305"/>
           </a:xfrm>
           <a:prstGeom prst="rect">
             <a:avLst/>
@@ -8615,7 +9027,7 @@
               </a:spcBef>
             </a:pPr>
             <a:r>
-              <a:rPr lang="it-IT" sz="800">
+              <a:rPr lang="it-IT" sz="800" dirty="0">
                 <a:solidFill>
                   <a:srgbClr val="777879"/>
                 </a:solidFill>
@@ -8632,7 +9044,7 @@
               </a:lnSpc>
             </a:pPr>
             <a:r>
-              <a:rPr lang="it-IT" sz="800">
+              <a:rPr lang="it-IT" sz="800" dirty="0">
                 <a:solidFill>
                   <a:srgbClr val="777879"/>
                 </a:solidFill>
@@ -8649,7 +9061,7 @@
               </a:lnSpc>
             </a:pPr>
             <a:r>
-              <a:rPr lang="it-IT" sz="800">
+              <a:rPr lang="it-IT" sz="800" dirty="0">
                 <a:solidFill>
                   <a:srgbClr val="777879"/>
                 </a:solidFill>
@@ -8669,7 +9081,7 @@
               </a:spcBef>
             </a:pPr>
             <a:r>
-              <a:rPr lang="it-IT" sz="800">
+              <a:rPr lang="it-IT" sz="800" dirty="0">
                 <a:solidFill>
                   <a:srgbClr val="777879"/>
                 </a:solidFill>
@@ -8689,7 +9101,7 @@
               </a:spcBef>
             </a:pPr>
             <a:r>
-              <a:rPr lang="it-IT" sz="800" u="sng">
+              <a:rPr lang="it-IT" sz="800" u="sng" dirty="0">
                 <a:solidFill>
                   <a:srgbClr val="5F5F5F"/>
                 </a:solidFill>
@@ -8864,7 +9276,7 @@
           </a:prstGeom>
         </p:spPr>
         <p:txBody>
-          <a:bodyPr vert="horz" wrap="square" lIns="0" tIns="29845" rIns="0" bIns="0" rtlCol="0">
+          <a:bodyPr vert="horz" wrap="square" lIns="0" tIns="29845" rIns="0" bIns="0" rtlCol="0" anchor="t">
             <a:spAutoFit/>
           </a:bodyPr>
           <a:lstStyle/>
@@ -8878,7 +9290,7 @@
               </a:spcBef>
             </a:pPr>
             <a:r>
-              <a:rPr lang="it-IT" sz="1100" i="1">
+              <a:rPr lang="it-IT" sz="1100" i="1" dirty="0">
                 <a:solidFill>
                   <a:srgbClr val="777879"/>
                 </a:solidFill>
@@ -8898,7 +9310,7 @@
               </a:spcBef>
             </a:pPr>
             <a:r>
-              <a:rPr lang="it-IT" sz="800">
+              <a:rPr lang="it-IT" sz="800" dirty="0">
                 <a:solidFill>
                   <a:srgbClr val="6D6D6D"/>
                 </a:solidFill>
@@ -8924,8 +9336,8 @@
         </p:nvSpPr>
         <p:spPr>
           <a:xfrm>
-            <a:off x="197233" y="5031270"/>
-            <a:ext cx="6476646" cy="755976"/>
+            <a:off x="197232" y="5031270"/>
+            <a:ext cx="6588377" cy="755976"/>
           </a:xfrm>
           <a:prstGeom prst="rect">
             <a:avLst/>
@@ -8943,7 +9355,7 @@
               </a:spcBef>
             </a:pPr>
             <a:r>
-              <a:rPr lang="it-IT" sz="1400" b="1">
+              <a:rPr lang="it-IT" sz="1400" b="1" dirty="0">
                 <a:solidFill>
                   <a:srgbClr val="020302"/>
                 </a:solidFill>
@@ -8960,7 +9372,7 @@
               </a:spcBef>
             </a:pPr>
             <a:r>
-              <a:rPr lang="it-IT" sz="1000">
+              <a:rPr lang="it-IT" sz="1000" dirty="0">
                 <a:solidFill>
                   <a:srgbClr val="1F1F1F"/>
                 </a:solidFill>
@@ -8986,7 +9398,7 @@
           <p:nvPr>
             <p:extLst>
               <p:ext uri="{D42A27DB-BD31-4B8C-83A1-F6EECF244321}">
-                <p14:modId xmlns:p14="http://schemas.microsoft.com/office/powerpoint/2010/main" val="2969235217"/>
+                <p14:modId xmlns:p14="http://schemas.microsoft.com/office/powerpoint/2010/main" val="2649027313"/>
               </p:ext>
             </p:extLst>
           </p:nvPr>
@@ -9104,13 +9516,30 @@
                     <a:p>
                       <a:pPr algn="ctr"/>
                       <a:r>
-                        <a:rPr lang="it-IT" sz="1100">
+                        <a:rPr lang="it-IT" sz="1100" dirty="0">
                           <a:solidFill>
                             <a:schemeClr val="tx1"/>
                           </a:solidFill>
                           <a:latin typeface="Adobe Clean"/>
                         </a:rPr>
-                        <a:t>Europa, Medio Oriente e Africa</a:t>
+                        <a:t>Europa, Medio Oriente </a:t>
+                      </a:r>
+                      <a:br>
+                        <a:rPr lang="it-IT" sz="1100" dirty="0">
+                          <a:solidFill>
+                            <a:schemeClr val="tx1"/>
+                          </a:solidFill>
+                          <a:latin typeface="Adobe Clean"/>
+                        </a:rPr>
+                      </a:br>
+                      <a:r>
+                        <a:rPr lang="it-IT" sz="1100" dirty="0">
+                          <a:solidFill>
+                            <a:schemeClr val="tx1"/>
+                          </a:solidFill>
+                          <a:latin typeface="Adobe Clean"/>
+                        </a:rPr>
+                        <a:t>e Africa</a:t>
                       </a:r>
                     </a:p>
                   </a:txBody>
@@ -9596,7 +10025,7 @@
                         <a:buNone/>
                       </a:pPr>
                       <a:r>
-                        <a:rPr lang="it-IT" sz="1100" b="1" i="0" u="none" strike="noStrike" cap="none" normalizeH="0" baseline="30000" noProof="0">
+                        <a:rPr lang="it-IT" sz="1100" b="1" i="0" u="none" strike="noStrike" cap="none" normalizeH="0" baseline="30000" noProof="0" dirty="0">
                           <a:ln>
                             <a:noFill/>
                           </a:ln>
@@ -9609,7 +10038,7 @@
                         <a:t> </a:t>
                       </a:r>
                       <a:r>
-                        <a:rPr lang="it-IT" sz="1100">
+                        <a:rPr lang="it-IT" sz="1100" dirty="0">
                           <a:solidFill>
                             <a:schemeClr val="tx1"/>
                           </a:solidFill>
@@ -9637,7 +10066,7 @@
                         <a:buNone/>
                       </a:pPr>
                       <a:r>
-                        <a:rPr lang="it-IT" sz="1100" i="1">
+                        <a:rPr lang="it-IT" sz="1100" i="1" dirty="0">
                           <a:solidFill>
                             <a:schemeClr val="tx1"/>
                           </a:solidFill>
@@ -9648,7 +10077,7 @@
                     </a:p>
                     <a:p>
                       <a:pPr algn="l" rtl="0"/>
-                      <a:endParaRPr kumimoji="0" lang="en-US" sz="1100" b="1" i="0" u="none" strike="noStrike" kern="0" cap="none" spc="0" normalizeH="0" baseline="30000" noProof="0">
+                      <a:endParaRPr kumimoji="0" lang="en-US" sz="1100" b="1" i="0" u="none" strike="noStrike" kern="0" cap="none" spc="0" normalizeH="0" baseline="30000" noProof="0" dirty="0">
                         <a:ln>
                           <a:noFill/>
                         </a:ln>
@@ -9666,7 +10095,7 @@
                     <a:p>
                       <a:pPr algn="ctr"/>
                       <a:r>
-                        <a:rPr lang="it-IT" sz="1100" i="0">
+                        <a:rPr lang="it-IT" sz="1100" i="0" dirty="0">
                           <a:solidFill>
                             <a:schemeClr val="tx1"/>
                           </a:solidFill>
@@ -9675,7 +10104,7 @@
                         <a:t> </a:t>
                       </a:r>
                       <a:r>
-                        <a:rPr lang="it-IT" sz="1100" i="0" baseline="30000">
+                        <a:rPr lang="it-IT" sz="1100" i="0" baseline="30000" dirty="0">
                           <a:solidFill>
                             <a:schemeClr val="tx1"/>
                           </a:solidFill>
@@ -9684,7 +10113,7 @@
                         <a:t>1 </a:t>
                       </a:r>
                       <a:r>
-                        <a:rPr lang="it-IT" sz="1100" i="0">
+                        <a:rPr lang="it-IT" sz="1100" i="0" dirty="0">
                           <a:solidFill>
                             <a:schemeClr val="tx1"/>
                           </a:solidFill>
@@ -10046,7 +10475,7 @@
           </a:bodyPr>
           <a:lstStyle/>
           <a:p>
-            <a:pPr marL="139065" marR="5080" indent="-139065">
+            <a:pPr marR="5080" algn="ctr">
               <a:lnSpc>
                 <a:spcPts val="1390"/>
               </a:lnSpc>
@@ -10055,7 +10484,7 @@
               </a:spcBef>
             </a:pPr>
             <a:r>
-              <a:rPr lang="it-IT" sz="1200" b="1">
+              <a:rPr lang="it-IT" sz="1200" b="1" dirty="0">
                 <a:solidFill>
                   <a:srgbClr val="FFFFFF"/>
                 </a:solidFill>
@@ -10094,7 +10523,7 @@
           </a:bodyPr>
           <a:lstStyle/>
           <a:p>
-            <a:pPr marL="139065" marR="5080" indent="-139065">
+            <a:pPr marR="5080" algn="ctr">
               <a:lnSpc>
                 <a:spcPts val="1390"/>
               </a:lnSpc>
@@ -10103,7 +10532,7 @@
               </a:spcBef>
             </a:pPr>
             <a:r>
-              <a:rPr lang="it-IT" sz="1200" b="1">
+              <a:rPr lang="it-IT" sz="1200" b="1" dirty="0">
                 <a:solidFill>
                   <a:srgbClr val="FFFFFF"/>
                 </a:solidFill>
@@ -10129,8 +10558,8 @@
         </p:nvSpPr>
         <p:spPr>
           <a:xfrm>
-            <a:off x="6429819" y="8543969"/>
-            <a:ext cx="810895" cy="385445"/>
+            <a:off x="6343650" y="8543943"/>
+            <a:ext cx="1071478" cy="385445"/>
           </a:xfrm>
           <a:prstGeom prst="rect">
             <a:avLst/>
@@ -10142,7 +10571,7 @@
           </a:bodyPr>
           <a:lstStyle/>
           <a:p>
-            <a:pPr marL="50800" marR="5080" indent="-51435">
+            <a:pPr marL="3175" marR="5080" indent="-3175" algn="ctr">
               <a:lnSpc>
                 <a:spcPts val="1390"/>
               </a:lnSpc>
@@ -10178,7 +10607,7 @@
           <p:nvPr>
             <p:extLst>
               <p:ext uri="{D42A27DB-BD31-4B8C-83A1-F6EECF244321}">
-                <p14:modId xmlns:p14="http://schemas.microsoft.com/office/powerpoint/2010/main" val="3878089471"/>
+                <p14:modId xmlns:p14="http://schemas.microsoft.com/office/powerpoint/2010/main" val="2987526193"/>
               </p:ext>
             </p:extLst>
           </p:nvPr>
@@ -10220,7 +10649,7 @@
                           <a:solidFill>
                             <a:schemeClr val="tx1"/>
                           </a:solidFill>
-                          <a:latin typeface="Adobe Clean" panose="020B0503020404020204" pitchFamily="34" charset="0"/>
+                          <a:latin typeface="Adobe Clean"/>
                           <a:ea typeface="+mn-ea"/>
                           <a:cs typeface="+mn-cs"/>
                           <a:hlinkClick r:id="rId7"/>
@@ -10282,7 +10711,7 @@
                     <a:bodyPr/>
                     <a:lstStyle/>
                     <a:p>
-                      <a:pPr marL="0" marR="0" lvl="0" indent="0" defTabSz="914400" eaLnBrk="1" fontAlgn="auto" latinLnBrk="0" hangingPunct="1">
+                      <a:pPr marL="0" marR="0" lvl="0" indent="0" eaLnBrk="1" fontAlgn="auto" latinLnBrk="0" hangingPunct="1">
                         <a:lnSpc>
                           <a:spcPct val="100000"/>
                         </a:lnSpc>
@@ -10296,26 +10725,24 @@
                         <a:buSzTx/>
                         <a:buFontTx/>
                         <a:buNone/>
-                        <a:tabLst/>
-                        <a:defRPr/>
                       </a:pPr>
                       <a:r>
                         <a:rPr lang="it-IT" sz="1000" b="0" dirty="0">
                           <a:solidFill>
                             <a:srgbClr val="000000"/>
                           </a:solidFill>
-                          <a:latin typeface="Adobe Clean Light" panose="020B0303020404020204" pitchFamily="34" charset="0"/>
+                          <a:latin typeface="Adobe Clean Light"/>
                           <a:ea typeface="+mn-ea"/>
                           <a:cs typeface="+mn-cs"/>
                         </a:rPr>
                         <a:t>Con Experience League, Adobe aiuta le aziende a conseguire il valore che si aspettano dalle soluzioni Adobe in cui hanno investito. In questo portale unificato, puoi imparare, relazionarti con altri professionisti </a:t>
                       </a:r>
                       <a:br>
-                        <a:rPr lang="sk-SK" sz="1000" b="0" dirty="0">
+                        <a:rPr lang="it-IT" sz="1000" b="0" dirty="0">
                           <a:solidFill>
                             <a:srgbClr val="000000"/>
                           </a:solidFill>
-                          <a:latin typeface="Adobe Clean Light" panose="020B0303020404020204" pitchFamily="34" charset="0"/>
+                          <a:latin typeface="Adobe Clean Light"/>
                           <a:ea typeface="+mn-ea"/>
                           <a:cs typeface="+mn-cs"/>
                         </a:rPr>
@@ -10325,11 +10752,11 @@
                           <a:solidFill>
                             <a:srgbClr val="000000"/>
                           </a:solidFill>
-                          <a:latin typeface="Adobe Clean Light" panose="020B0303020404020204" pitchFamily="34" charset="0"/>
+                          <a:latin typeface="Adobe Clean Light"/>
                           <a:ea typeface="+mn-ea"/>
                           <a:cs typeface="+mn-cs"/>
                         </a:rPr>
-                        <a:t>e crescere seguendo un percorso personalizzato con tutorial, documentazione dei prodotti, formazione con istruttori, supporto tecnico e il sostegno dell’intera community. </a:t>
+                        <a:t>e crescere seguendo un percorso personalizzato con tutorial, documentazione dei prodotti, formazione con istruttori, supporto tecnico e il sostegno dell’intera community. </a:t>
                       </a:r>
                     </a:p>
                   </a:txBody>
@@ -10415,7 +10842,7 @@
                           <a:solidFill>
                             <a:schemeClr val="dk1"/>
                           </a:solidFill>
-                          <a:latin typeface="Adobe Clean" panose="020B0503020404020204" pitchFamily="34" charset="0"/>
+                          <a:latin typeface="Adobe Clean"/>
                           <a:ea typeface="+mn-ea"/>
                           <a:cs typeface="+mn-cs"/>
                           <a:hlinkClick r:id="rId8"/>
@@ -10427,7 +10854,7 @@
                           <a:solidFill>
                             <a:schemeClr val="dk1"/>
                           </a:solidFill>
-                          <a:latin typeface="Adobe Clean" panose="020B0503020404020204" pitchFamily="34" charset="0"/>
+                          <a:latin typeface="Adobe Clean"/>
                           <a:ea typeface="+mn-ea"/>
                           <a:cs typeface="+mn-cs"/>
                         </a:rPr>
@@ -10506,11 +10933,11 @@
                         <a:defRPr/>
                       </a:pPr>
                       <a:r>
-                        <a:rPr lang="it-IT" sz="1000">
+                        <a:rPr lang="it-IT" sz="1000" dirty="0">
                           <a:solidFill>
                             <a:srgbClr val="000000"/>
                           </a:solidFill>
-                          <a:latin typeface="Adobe Clean Light" panose="020B0303020404020204" pitchFamily="34" charset="0"/>
+                          <a:latin typeface="Adobe Clean Light"/>
                           <a:ea typeface="+mn-ea"/>
                           <a:cs typeface="+mn-cs"/>
                         </a:rPr>
@@ -10600,7 +11027,7 @@
                           <a:solidFill>
                             <a:schemeClr val="tx1"/>
                           </a:solidFill>
-                          <a:latin typeface="Adobe Clean" panose="020B0503020404020204" pitchFamily="34" charset="0"/>
+                          <a:latin typeface="Adobe Clean"/>
                           <a:ea typeface="+mn-ea"/>
                           <a:cs typeface="+mn-cs"/>
                           <a:hlinkClick r:id="rId9"/>
@@ -10662,7 +11089,7 @@
                     <a:bodyPr/>
                     <a:lstStyle/>
                     <a:p>
-                      <a:pPr marL="0" marR="0" lvl="0" indent="0" defTabSz="914400" eaLnBrk="1" fontAlgn="auto" latinLnBrk="0" hangingPunct="1">
+                      <a:pPr marL="0" marR="0" lvl="0" indent="0" eaLnBrk="1" fontAlgn="auto" latinLnBrk="0" hangingPunct="1">
                         <a:lnSpc>
                           <a:spcPct val="100000"/>
                         </a:lnSpc>
@@ -10676,26 +11103,24 @@
                         <a:buSzTx/>
                         <a:buFontTx/>
                         <a:buNone/>
-                        <a:tabLst/>
-                        <a:defRPr/>
                       </a:pPr>
                       <a:r>
                         <a:rPr lang="it-IT" sz="1000" dirty="0">
                           <a:solidFill>
                             <a:srgbClr val="000000"/>
                           </a:solidFill>
-                          <a:latin typeface="Adobe Clean Light" panose="020B0303020404020204" pitchFamily="34" charset="0"/>
+                          <a:latin typeface="Adobe Clean Light"/>
                           <a:ea typeface="+mn-ea"/>
                           <a:cs typeface="+mn-cs"/>
                         </a:rPr>
                         <a:t>Status.adobe.com trasmette informazioni sullo stato di tutti i prodotti </a:t>
                       </a:r>
                       <a:br>
-                        <a:rPr lang="sk-SK" sz="1000" dirty="0">
+                        <a:rPr lang="it-IT" sz="1000" dirty="0">
                           <a:solidFill>
                             <a:srgbClr val="000000"/>
                           </a:solidFill>
-                          <a:latin typeface="Adobe Clean Light" panose="020B0303020404020204" pitchFamily="34" charset="0"/>
+                          <a:latin typeface="Adobe Clean Light"/>
                           <a:ea typeface="+mn-ea"/>
                           <a:cs typeface="+mn-cs"/>
                         </a:rPr>
@@ -10705,18 +11130,18 @@
                           <a:solidFill>
                             <a:srgbClr val="000000"/>
                           </a:solidFill>
-                          <a:latin typeface="Adobe Clean Light" panose="020B0303020404020204" pitchFamily="34" charset="0"/>
+                          <a:latin typeface="Adobe Clean Light"/>
                           <a:ea typeface="+mn-ea"/>
                           <a:cs typeface="+mn-cs"/>
                         </a:rPr>
                         <a:t>e i servizi Adobe implementati in ambienti multi-tenant. Puoi scegliere se ricevere notifiche e-mail ogni volta che Adobe segnala, aggiorna </a:t>
                       </a:r>
                       <a:br>
-                        <a:rPr lang="sk-SK" sz="1000" dirty="0">
+                        <a:rPr lang="it-IT" sz="1000" dirty="0">
                           <a:solidFill>
                             <a:srgbClr val="000000"/>
                           </a:solidFill>
-                          <a:latin typeface="Adobe Clean Light" panose="020B0303020404020204" pitchFamily="34" charset="0"/>
+                          <a:latin typeface="Adobe Clean Light"/>
                           <a:ea typeface="+mn-ea"/>
                           <a:cs typeface="+mn-cs"/>
                         </a:rPr>
@@ -10726,32 +11151,11 @@
                           <a:solidFill>
                             <a:srgbClr val="000000"/>
                           </a:solidFill>
-                          <a:latin typeface="Adobe Clean Light" panose="020B0303020404020204" pitchFamily="34" charset="0"/>
+                          <a:latin typeface="Adobe Clean Light"/>
                           <a:ea typeface="+mn-ea"/>
                           <a:cs typeface="+mn-cs"/>
                         </a:rPr>
-                        <a:t>o risolve un problema relativo a un prodotto. Vengono segnalate </a:t>
-                      </a:r>
-                      <a:br>
-                        <a:rPr lang="sk-SK" sz="1000" dirty="0">
-                          <a:solidFill>
-                            <a:srgbClr val="000000"/>
-                          </a:solidFill>
-                          <a:latin typeface="Adobe Clean Light" panose="020B0303020404020204" pitchFamily="34" charset="0"/>
-                          <a:ea typeface="+mn-ea"/>
-                          <a:cs typeface="+mn-cs"/>
-                        </a:rPr>
-                      </a:br>
-                      <a:r>
-                        <a:rPr lang="it-IT" sz="1000" dirty="0">
-                          <a:solidFill>
-                            <a:srgbClr val="000000"/>
-                          </a:solidFill>
-                          <a:latin typeface="Adobe Clean Light" panose="020B0303020404020204" pitchFamily="34" charset="0"/>
-                          <a:ea typeface="+mn-ea"/>
-                          <a:cs typeface="+mn-cs"/>
-                        </a:rPr>
-                        <a:t>ad esempio le interruzioni per manutenzione programmata o problemi relativi ai servizi con diversi livelli di gravità. </a:t>
+                        <a:t>o risolve un problema relativo a un prodotto. Vengono segnalate ad esempio le interruzioni per manutenzione programmata o problemi relativi ai servizi con diversi livelli di gravità. </a:t>
                       </a:r>
                     </a:p>
                   </a:txBody>
@@ -10837,7 +11241,7 @@
                           <a:solidFill>
                             <a:schemeClr val="dk1"/>
                           </a:solidFill>
-                          <a:latin typeface="Adobe Clean" panose="020B0503020404020204" pitchFamily="34" charset="0"/>
+                          <a:latin typeface="Adobe Clean"/>
                           <a:ea typeface="+mn-ea"/>
                           <a:cs typeface="+mn-cs"/>
                           <a:hlinkClick r:id="rId10" tooltip="https://helpx.adobe.com/it/support/programs/enterprise-support-programs/premier-support-business.html"/>
@@ -10904,11 +11308,11 @@
                           <a:solidFill>
                             <a:srgbClr val="000000"/>
                           </a:solidFill>
-                          <a:latin typeface="Adobe Clean Light" panose="020B0303020404020204" pitchFamily="34" charset="0"/>
+                          <a:latin typeface="Adobe Clean Light"/>
                           <a:ea typeface="+mn-ea"/>
                           <a:cs typeface="+mn-cs"/>
                         </a:rPr>
-                        <a:t>Sito del supporto Business di Adobe</a:t>
+                        <a:t>Sito del supporto Business di Adobe.</a:t>
                       </a:r>
                     </a:p>
                   </a:txBody>
@@ -10994,7 +11398,7 @@
                           <a:solidFill>
                             <a:schemeClr val="tx1"/>
                           </a:solidFill>
-                          <a:latin typeface="Adobe Clean" panose="020B0503020404020204" pitchFamily="34" charset="0"/>
+                          <a:latin typeface="Adobe Clean"/>
                           <a:ea typeface="+mn-ea"/>
                           <a:cs typeface="+mn-cs"/>
                           <a:hlinkClick r:id="rId11"/>
@@ -11061,11 +11465,11 @@
                           <a:solidFill>
                             <a:srgbClr val="000000"/>
                           </a:solidFill>
-                          <a:latin typeface="Adobe Clean Light" panose="020B0303020404020204" pitchFamily="34" charset="0"/>
+                          <a:latin typeface="Adobe Clean Light"/>
                           <a:ea typeface="+mn-ea"/>
                           <a:cs typeface="+mn-cs"/>
                         </a:rPr>
-                        <a:t>Termini e condizioni che descrivono i servizi di supporto disponibili</a:t>
+                        <a:t>Termini e condizioni che descrivono i servizi di supporto disponibili.</a:t>
                       </a:r>
                     </a:p>
                   </a:txBody>
@@ -11836,12 +12240,6 @@
 </file>
 
 <file path=customXml/item1.xml><?xml version="1.0" encoding="utf-8"?>
-<p:properties xmlns:p="http://schemas.microsoft.com/office/2006/metadata/properties" xmlns:xsi="http://www.w3.org/2001/XMLSchema-instance" xmlns:pc="http://schemas.microsoft.com/office/infopath/2007/PartnerControls">
-  <documentManagement/>
-</p:properties>
-</file>
-
-<file path=customXml/item2.xml><?xml version="1.0" encoding="utf-8"?>
 <ct:contentTypeSchema xmlns:ct="http://schemas.microsoft.com/office/2006/metadata/contentType" xmlns:ma="http://schemas.microsoft.com/office/2006/metadata/properties/metaAttributes" ct:_="" ma:_="" ma:contentTypeName="Document" ma:contentTypeID="0x010100E783BF6876BCC646A459363AF21A7736" ma:contentTypeVersion="10" ma:contentTypeDescription="Create a new document." ma:contentTypeScope="" ma:versionID="c4ffda7f4f415767600769e454c2ea87">
   <xsd:schema xmlns:xsd="http://www.w3.org/2001/XMLSchema" xmlns:xs="http://www.w3.org/2001/XMLSchema" xmlns:p="http://schemas.microsoft.com/office/2006/metadata/properties" xmlns:ns2="8a053bff-88be-49e4-9a87-e748e18b8b62" xmlns:ns3="6c8368ec-3776-49b5-a5bb-90648cf9530f" targetNamespace="http://schemas.microsoft.com/office/2006/metadata/properties" ma:root="true" ma:fieldsID="df3ec33bccc23e23bce7bc897fad43d1" ns2:_="" ns3:_="">
     <xsd:import namespace="8a053bff-88be-49e4-9a87-e748e18b8b62"/>
@@ -12046,7 +12444,7 @@
 </ct:contentTypeSchema>
 </file>
 
-<file path=customXml/item3.xml><?xml version="1.0" encoding="utf-8"?>
+<file path=customXml/item2.xml><?xml version="1.0" encoding="utf-8"?>
 <?mso-contentType ?>
 <FormTemplates xmlns="http://schemas.microsoft.com/sharepoint/v3/contenttype/forms">
   <Display>DocumentLibraryForm</Display>
@@ -12055,16 +12453,13 @@
 </FormTemplates>
 </file>
 
-<file path=customXml/itemProps1.xml><?xml version="1.0" encoding="utf-8"?>
-<ds:datastoreItem xmlns:ds="http://schemas.openxmlformats.org/officeDocument/2006/customXml" ds:itemID="{10FC3CAF-E6F1-40E3-87D4-6B781C97D6B4}">
-  <ds:schemaRefs>
-    <ds:schemaRef ds:uri="http://schemas.microsoft.com/office/2006/metadata/properties"/>
-    <ds:schemaRef ds:uri="http://schemas.microsoft.com/office/infopath/2007/PartnerControls"/>
-  </ds:schemaRefs>
-</ds:datastoreItem>
+<file path=customXml/item3.xml><?xml version="1.0" encoding="utf-8"?>
+<p:properties xmlns:p="http://schemas.microsoft.com/office/2006/metadata/properties" xmlns:xsi="http://www.w3.org/2001/XMLSchema-instance" xmlns:pc="http://schemas.microsoft.com/office/infopath/2007/PartnerControls">
+  <documentManagement/>
+</p:properties>
 </file>
 
-<file path=customXml/itemProps2.xml><?xml version="1.0" encoding="utf-8"?>
+<file path=customXml/itemProps1.xml><?xml version="1.0" encoding="utf-8"?>
 <ds:datastoreItem xmlns:ds="http://schemas.openxmlformats.org/officeDocument/2006/customXml" ds:itemID="{E0DB8BDF-6DA8-4ABC-A3CA-043AFD674CFC}">
   <ds:schemaRefs>
     <ds:schemaRef ds:uri="6c8368ec-3776-49b5-a5bb-90648cf9530f"/>
@@ -12083,10 +12478,27 @@
 </ds:datastoreItem>
 </file>
 
-<file path=customXml/itemProps3.xml><?xml version="1.0" encoding="utf-8"?>
+<file path=customXml/itemProps2.xml><?xml version="1.0" encoding="utf-8"?>
 <ds:datastoreItem xmlns:ds="http://schemas.openxmlformats.org/officeDocument/2006/customXml" ds:itemID="{95AE3B0B-E909-400C-B0B3-909FB50E07DE}">
   <ds:schemaRefs>
     <ds:schemaRef ds:uri="http://schemas.microsoft.com/sharepoint/v3/contenttype/forms"/>
   </ds:schemaRefs>
 </ds:datastoreItem>
+</file>
+
+<file path=customXml/itemProps3.xml><?xml version="1.0" encoding="utf-8"?>
+<ds:datastoreItem xmlns:ds="http://schemas.openxmlformats.org/officeDocument/2006/customXml" ds:itemID="{10FC3CAF-E6F1-40E3-87D4-6B781C97D6B4}">
+  <ds:schemaRefs>
+    <ds:schemaRef ds:uri="6c8368ec-3776-49b5-a5bb-90648cf9530f"/>
+    <ds:schemaRef ds:uri="8a053bff-88be-49e4-9a87-e748e18b8b62"/>
+    <ds:schemaRef ds:uri="http://purl.org/dc/dcmitype/"/>
+    <ds:schemaRef ds:uri="http://purl.org/dc/elements/1.1/"/>
+    <ds:schemaRef ds:uri="http://purl.org/dc/terms/"/>
+    <ds:schemaRef ds:uri="http://schemas.microsoft.com/office/2006/documentManagement/types"/>
+    <ds:schemaRef ds:uri="http://schemas.microsoft.com/office/2006/metadata/properties"/>
+    <ds:schemaRef ds:uri="http://schemas.microsoft.com/office/infopath/2007/PartnerControls"/>
+    <ds:schemaRef ds:uri="http://schemas.openxmlformats.org/package/2006/metadata/core-properties"/>
+    <ds:schemaRef ds:uri="http://www.w3.org/XML/1998/namespace"/>
+  </ds:schemaRefs>
+</ds:datastoreItem>
 </file>
--- a/help/data-sheets/assets/BusinessSupportDatasheet.pptx
+++ b/help/data-sheets/assets/BusinessSupportDatasheet.pptx
@@ -247,6 +247,30 @@
     </pc:docChg>
   </pc:docChgLst>
   <pc:docChgLst>
+    <pc:chgData name="Akilah Johnson" userId="S::akjohnso@adobe.com::2fa3aa60-0c9c-4d06-bae2-795983241227" providerId="AD" clId="Web-{D428A0AE-54E2-30D2-C574-7A0742876CCF}"/>
+    <pc:docChg chg="modSld">
+      <pc:chgData name="Akilah Johnson" userId="S::akjohnso@adobe.com::2fa3aa60-0c9c-4d06-bae2-795983241227" providerId="AD" clId="Web-{D428A0AE-54E2-30D2-C574-7A0742876CCF}" dt="2021-10-12T19:11:25.330" v="0" actId="20577"/>
+      <pc:docMkLst>
+        <pc:docMk/>
+      </pc:docMkLst>
+      <pc:sldChg chg="modSp">
+        <pc:chgData name="Akilah Johnson" userId="S::akjohnso@adobe.com::2fa3aa60-0c9c-4d06-bae2-795983241227" providerId="AD" clId="Web-{D428A0AE-54E2-30D2-C574-7A0742876CCF}" dt="2021-10-12T19:11:25.330" v="0" actId="20577"/>
+        <pc:sldMkLst>
+          <pc:docMk/>
+          <pc:sldMk cId="0" sldId="256"/>
+        </pc:sldMkLst>
+        <pc:spChg chg="mod">
+          <ac:chgData name="Akilah Johnson" userId="S::akjohnso@adobe.com::2fa3aa60-0c9c-4d06-bae2-795983241227" providerId="AD" clId="Web-{D428A0AE-54E2-30D2-C574-7A0742876CCF}" dt="2021-10-12T19:11:25.330" v="0" actId="20577"/>
+          <ac:spMkLst>
+            <pc:docMk/>
+            <pc:sldMk cId="0" sldId="256"/>
+            <ac:spMk id="4" creationId="{00000000-0000-0000-0000-000000000000}"/>
+          </ac:spMkLst>
+        </pc:spChg>
+      </pc:sldChg>
+    </pc:docChg>
+  </pc:docChgLst>
+  <pc:docChgLst>
     <pc:chgData name="Akilah Johnson" userId="S::akjohnso@adobe.com::2fa3aa60-0c9c-4d06-bae2-795983241227" providerId="AD" clId="Web-{71D6CFBF-0EA2-99B0-93F4-22F19EF0AE4E}"/>
     <pc:docChg chg="modSld">
       <pc:chgData name="Akilah Johnson" userId="S::akjohnso@adobe.com::2fa3aa60-0c9c-4d06-bae2-795983241227" providerId="AD" clId="Web-{71D6CFBF-0EA2-99B0-93F4-22F19EF0AE4E}" dt="2021-09-22T19:06:58.732" v="1" actId="1076"/>
@@ -265,30 +289,6 @@
             <pc:docMk/>
             <pc:sldMk cId="1050037809" sldId="261"/>
             <ac:spMk id="64" creationId="{41467BDC-3D83-D844-B922-CD07E94E5AAB}"/>
-          </ac:spMkLst>
-        </pc:spChg>
-      </pc:sldChg>
-    </pc:docChg>
-  </pc:docChgLst>
-  <pc:docChgLst>
-    <pc:chgData name="Akilah Johnson" userId="S::akjohnso@adobe.com::2fa3aa60-0c9c-4d06-bae2-795983241227" providerId="AD" clId="Web-{D428A0AE-54E2-30D2-C574-7A0742876CCF}"/>
-    <pc:docChg chg="modSld">
-      <pc:chgData name="Akilah Johnson" userId="S::akjohnso@adobe.com::2fa3aa60-0c9c-4d06-bae2-795983241227" providerId="AD" clId="Web-{D428A0AE-54E2-30D2-C574-7A0742876CCF}" dt="2021-10-12T19:11:25.330" v="0" actId="20577"/>
-      <pc:docMkLst>
-        <pc:docMk/>
-      </pc:docMkLst>
-      <pc:sldChg chg="modSp">
-        <pc:chgData name="Akilah Johnson" userId="S::akjohnso@adobe.com::2fa3aa60-0c9c-4d06-bae2-795983241227" providerId="AD" clId="Web-{D428A0AE-54E2-30D2-C574-7A0742876CCF}" dt="2021-10-12T19:11:25.330" v="0" actId="20577"/>
-        <pc:sldMkLst>
-          <pc:docMk/>
-          <pc:sldMk cId="0" sldId="256"/>
-        </pc:sldMkLst>
-        <pc:spChg chg="mod">
-          <ac:chgData name="Akilah Johnson" userId="S::akjohnso@adobe.com::2fa3aa60-0c9c-4d06-bae2-795983241227" providerId="AD" clId="Web-{D428A0AE-54E2-30D2-C574-7A0742876CCF}" dt="2021-10-12T19:11:25.330" v="0" actId="20577"/>
-          <ac:spMkLst>
-            <pc:docMk/>
-            <pc:sldMk cId="0" sldId="256"/>
-            <ac:spMk id="4" creationId="{00000000-0000-0000-0000-000000000000}"/>
           </ac:spMkLst>
         </pc:spChg>
       </pc:sldChg>
@@ -499,7 +499,7 @@
           <a:p>
             <a:fld id="{FB81873C-0B24-F04A-98A1-90E0A78F7E8A}" type="datetimeFigureOut">
               <a:rPr lang="en-US" smtClean="0"/>
-              <a:t>11/12/2021</a:t>
+              <a:t>12/7/21</a:t>
             </a:fld>
             <a:endParaRPr lang="en-US"/>
           </a:p>
@@ -1122,7 +1122,7 @@
           <a:p>
             <a:fld id="{1D8BD707-D9CF-40AE-B4C6-C98DA3205C09}" type="datetimeFigureOut">
               <a:rPr lang="en-US"/>
-              <a:t>11/12/2021</a:t>
+              <a:t>12/7/21</a:t>
             </a:fld>
             <a:endParaRPr lang="en-US"/>
           </a:p>
@@ -1314,7 +1314,7 @@
           <a:p>
             <a:fld id="{1D8BD707-D9CF-40AE-B4C6-C98DA3205C09}" type="datetimeFigureOut">
               <a:rPr lang="en-US"/>
-              <a:t>11/12/2021</a:t>
+              <a:t>12/7/21</a:t>
             </a:fld>
             <a:endParaRPr lang="en-US"/>
           </a:p>
@@ -1632,7 +1632,7 @@
           <a:p>
             <a:fld id="{1D8BD707-D9CF-40AE-B4C6-C98DA3205C09}" type="datetimeFigureOut">
               <a:rPr lang="en-US"/>
-              <a:t>11/12/2021</a:t>
+              <a:t>12/7/21</a:t>
             </a:fld>
             <a:endParaRPr lang="en-US"/>
           </a:p>
@@ -1886,8 +1886,8 @@
         </p:nvSpPr>
         <p:spPr>
           <a:xfrm>
-            <a:off x="168564" y="7059493"/>
-            <a:ext cx="5988395" cy="227626"/>
+            <a:off x="168565" y="7162363"/>
+            <a:ext cx="2800350" cy="238760"/>
           </a:xfrm>
           <a:prstGeom prst="rect">
             <a:avLst/>
@@ -1908,7 +1908,7 @@
               </a:spcBef>
             </a:pPr>
             <a:r>
-              <a:rPr lang="it-IT" sz="1400" b="1" u="heavy" dirty="0">
+              <a:rPr sz="1400" b="1" u="heavy" spc="10">
                 <a:solidFill>
                   <a:srgbClr val="020302"/>
                 </a:solidFill>
@@ -1920,8 +1920,87 @@
                 <a:latin typeface="Adobe Clean"/>
                 <a:cs typeface="Adobe Clean"/>
               </a:rPr>
-              <a:t>Obiettivi del livello di servizio: risposta iniziale</a:t>
-            </a:r>
+              <a:t>Service </a:t>
+            </a:r>
+            <a:r>
+              <a:rPr sz="1400" b="1" u="heavy" spc="-10">
+                <a:solidFill>
+                  <a:srgbClr val="020302"/>
+                </a:solidFill>
+                <a:uFill>
+                  <a:solidFill>
+                    <a:srgbClr val="020302"/>
+                  </a:solidFill>
+                </a:uFill>
+                <a:latin typeface="Adobe Clean"/>
+                <a:cs typeface="Adobe Clean"/>
+              </a:rPr>
+              <a:t>Level </a:t>
+            </a:r>
+            <a:r>
+              <a:rPr sz="1400" b="1" u="heavy" spc="-45">
+                <a:solidFill>
+                  <a:srgbClr val="020302"/>
+                </a:solidFill>
+                <a:uFill>
+                  <a:solidFill>
+                    <a:srgbClr val="020302"/>
+                  </a:solidFill>
+                </a:uFill>
+                <a:latin typeface="Adobe Clean"/>
+                <a:cs typeface="Adobe Clean"/>
+              </a:rPr>
+              <a:t>Targets: </a:t>
+            </a:r>
+            <a:r>
+              <a:rPr sz="1400" b="1" u="heavy" spc="-10">
+                <a:solidFill>
+                  <a:srgbClr val="020302"/>
+                </a:solidFill>
+                <a:uFill>
+                  <a:solidFill>
+                    <a:srgbClr val="020302"/>
+                  </a:solidFill>
+                </a:uFill>
+                <a:latin typeface="Adobe Clean"/>
+                <a:cs typeface="Adobe Clean"/>
+              </a:rPr>
+              <a:t>Initial</a:t>
+            </a:r>
+            <a:r>
+              <a:rPr sz="1400" b="1" u="heavy" spc="-140">
+                <a:solidFill>
+                  <a:srgbClr val="020302"/>
+                </a:solidFill>
+                <a:uFill>
+                  <a:solidFill>
+                    <a:srgbClr val="020302"/>
+                  </a:solidFill>
+                </a:uFill>
+                <a:latin typeface="Adobe Clean"/>
+                <a:cs typeface="Adobe Clean"/>
+              </a:rPr>
+              <a:t> </a:t>
+            </a:r>
+            <a:r>
+              <a:rPr sz="1400" b="1" u="heavy" spc="-15">
+                <a:solidFill>
+                  <a:srgbClr val="020302"/>
+                </a:solidFill>
+                <a:uFill>
+                  <a:solidFill>
+                    <a:srgbClr val="020302"/>
+                  </a:solidFill>
+                </a:uFill>
+                <a:latin typeface="Adobe Clean"/>
+                <a:cs typeface="Adobe Clean"/>
+              </a:rPr>
+              <a:t>Response</a:t>
+            </a:r>
+            <a:endParaRPr sz="1400">
+              <a:latin typeface="Adobe Clean"/>
+              <a:cs typeface="Adobe Clean"/>
+            </a:endParaRPr>
           </a:p>
         </p:txBody>
       </p:sp>
@@ -1988,11 +2067,20 @@
               </a:spcBef>
             </a:pPr>
             <a:r>
-              <a:rPr lang="it-IT" sz="2300">
+              <a:rPr sz="2300">
                 <a:latin typeface="Adobe Clean"/>
               </a:rPr>
-              <a:t>PIANI DI SUPPORTO ADOBE</a:t>
-            </a:r>
+              <a:t>ADOBE </a:t>
+            </a:r>
+            <a:r>
+              <a:rPr lang="en-US" sz="2300">
+                <a:latin typeface="Adobe Clean"/>
+              </a:rPr>
+              <a:t>SUPPORT PLANS</a:t>
+            </a:r>
+            <a:endParaRPr sz="2300">
+              <a:latin typeface="Adobe Clean" panose="020B0503020404020204" pitchFamily="34" charset="0"/>
+            </a:endParaRPr>
           </a:p>
         </p:txBody>
       </p:sp>
@@ -2026,7 +2114,7 @@
               </a:spcBef>
             </a:pPr>
             <a:r>
-              <a:rPr lang="it-IT" sz="900" dirty="0">
+              <a:rPr lang="en-US" sz="900">
                 <a:solidFill>
                   <a:schemeClr val="bg1"/>
                 </a:solidFill>
@@ -2035,7 +2123,7 @@
               <a:t>Online | </a:t>
             </a:r>
             <a:r>
-              <a:rPr lang="it-IT" sz="900" b="1" dirty="0">
+              <a:rPr lang="en-US" sz="900" b="1">
                 <a:solidFill>
                   <a:schemeClr val="bg1"/>
                 </a:solidFill>
@@ -2044,7 +2132,7 @@
               <a:t>Business</a:t>
             </a:r>
             <a:r>
-              <a:rPr lang="it-IT" sz="900" dirty="0">
+              <a:rPr lang="en-US" sz="900">
                 <a:solidFill>
                   <a:schemeClr val="bg1"/>
                 </a:solidFill>
@@ -2063,65 +2151,21 @@
               </a:spcBef>
             </a:pPr>
             <a:r>
-              <a:rPr lang="it-IT" sz="900" dirty="0">
+              <a:rPr lang="en-US" sz="900">
                 <a:solidFill>
                   <a:schemeClr val="bg1"/>
                 </a:solidFill>
                 <a:latin typeface="Adobe Clean SemiLight" panose="020B0403020404020204" pitchFamily="34" charset="0"/>
               </a:rPr>
-              <a:t>Adobe offre una gamma completa di risorse tecniche per assistere la tua azienda, incluse nell’abbonamento Experience Cloud </a:t>
-            </a:r>
-            <a:br>
-              <a:rPr lang="it-IT" sz="900" dirty="0">
-                <a:solidFill>
-                  <a:schemeClr val="bg1"/>
-                </a:solidFill>
-                <a:latin typeface="Adobe Clean SemiLight" panose="020B0403020404020204" pitchFamily="34" charset="0"/>
-              </a:rPr>
-            </a:br>
-            <a:r>
-              <a:rPr lang="it-IT" sz="900" dirty="0">
-                <a:solidFill>
-                  <a:schemeClr val="bg1"/>
-                </a:solidFill>
-                <a:latin typeface="Adobe Clean SemiLight" panose="020B0403020404020204" pitchFamily="34" charset="0"/>
-              </a:rPr>
-              <a:t>e ampliabili con un pacchetto di supporto BUSINESS. Il supporto BUSINESS include l’accesso a percorsi di apprendimento personalizzati e forum della community monitorati tramite Adobe Experience League. Puoi inoltre usufruire di documentazione tecnica dettagliata e note sulla versione sempre aggiornate. I clienti BUSINESS possono anche contattare, tramite telefono </a:t>
-            </a:r>
-            <a:br>
-              <a:rPr lang="it-IT" sz="900" dirty="0">
-                <a:solidFill>
-                  <a:schemeClr val="bg1"/>
-                </a:solidFill>
-                <a:latin typeface="Adobe Clean SemiLight" panose="020B0403020404020204" pitchFamily="34" charset="0"/>
-              </a:rPr>
-            </a:br>
-            <a:r>
-              <a:rPr lang="it-IT" sz="900" dirty="0">
-                <a:solidFill>
-                  <a:schemeClr val="bg1"/>
-                </a:solidFill>
-                <a:latin typeface="Adobe Clean SemiLight" panose="020B0403020404020204" pitchFamily="34" charset="0"/>
-              </a:rPr>
-              <a:t>o portale web, i team addetti al supporto tecnico, per ricevere assistenza nei momenti più critici. I clienti BUSINESS riceveranno comunicazioni e aggiornamenti regolari dal proprio Account Support Lead, nonché la gestione delle escalation per le richieste </a:t>
-            </a:r>
-            <a:br>
-              <a:rPr lang="it-IT" sz="900" dirty="0">
-                <a:solidFill>
-                  <a:schemeClr val="bg1"/>
-                </a:solidFill>
-                <a:latin typeface="Adobe Clean SemiLight" panose="020B0403020404020204" pitchFamily="34" charset="0"/>
-              </a:rPr>
-            </a:br>
-            <a:r>
-              <a:rPr lang="it-IT" sz="900" dirty="0">
-                <a:solidFill>
-                  <a:schemeClr val="bg1"/>
-                </a:solidFill>
-                <a:latin typeface="Adobe Clean SemiLight" panose="020B0403020404020204" pitchFamily="34" charset="0"/>
-              </a:rPr>
-              <a:t>di supporto più critiche. </a:t>
-            </a:r>
+              <a:t>Adobe provides a comprehensive range of technical resources to help support your business, included as part of your Experience Cloud license subscription and enhanced in the BUSINESS support package. BUSINESS support includes access to personalized learning paths and monitored community forums via the Adobe Experience League. You can also take advantage of our detailed and in-depth technical product documentation and current release notes. BUSINESS customers also benefit from access to our technical support teams for any product query via either the telephone or the support web portal, to help protect your business at the most critical times. BUSINESS customers will receive regular communications and updates from their Account Support Lead in addition to support case escalation management for your most critical of support requests. </a:t>
+            </a:r>
+            <a:endParaRPr lang="en-US" sz="900">
+              <a:solidFill>
+                <a:schemeClr val="bg1"/>
+              </a:solidFill>
+              <a:latin typeface="Adobe Clean Light" panose="020B0303020404020204" pitchFamily="34" charset="0"/>
+              <a:cs typeface="AdobeClean-Light"/>
+            </a:endParaRPr>
           </a:p>
         </p:txBody>
       </p:sp>
@@ -2188,8 +2232,24 @@
               </a:spcBef>
             </a:pPr>
             <a:r>
-              <a:rPr lang="it-IT"/>
-              <a:t>©2021 Adobe. All Rights Reserved. Adobe Confidential.</a:t>
+              <a:rPr spc="-5"/>
+              <a:t>©202</a:t>
+            </a:r>
+            <a:r>
+              <a:rPr lang="en-US" spc="-5"/>
+              <a:t>1</a:t>
+            </a:r>
+            <a:r>
+              <a:rPr spc="-5"/>
+              <a:t> Adobe. All Rights Reserved. Adobe</a:t>
+            </a:r>
+            <a:r>
+              <a:rPr spc="60"/>
+              <a:t> </a:t>
+            </a:r>
+            <a:r>
+              <a:rPr spc="-5"/>
+              <a:t>Confidential.</a:t>
             </a:r>
           </a:p>
         </p:txBody>
@@ -2203,14 +2263,14 @@
           <p:nvPr>
             <p:extLst>
               <p:ext uri="{D42A27DB-BD31-4B8C-83A1-F6EECF244321}">
-                <p14:modId xmlns:p14="http://schemas.microsoft.com/office/powerpoint/2010/main" val="2657955460"/>
+                <p14:modId xmlns:p14="http://schemas.microsoft.com/office/powerpoint/2010/main" val="852543156"/>
               </p:ext>
             </p:extLst>
           </p:nvPr>
         </p:nvGraphicFramePr>
         <p:xfrm>
-          <a:off x="118872" y="7373115"/>
-          <a:ext cx="7498851" cy="2386563"/>
+          <a:off x="118872" y="7475985"/>
+          <a:ext cx="7498851" cy="2223598"/>
         </p:xfrm>
         <a:graphic>
           <a:graphicData uri="http://schemas.openxmlformats.org/drawingml/2006/table">
@@ -2256,15 +2316,19 @@
                         </a:spcBef>
                       </a:pPr>
                       <a:r>
-                        <a:rPr lang="it-IT" sz="900" dirty="0">
+                        <a:rPr sz="900" spc="0">
                           <a:solidFill>
                             <a:srgbClr val="020302"/>
                           </a:solidFill>
                           <a:latin typeface="Adobe Clean"/>
                           <a:cs typeface="Adobe Clean"/>
                         </a:rPr>
-                        <a:t>Priorità</a:t>
+                        <a:t>Priority</a:t>
                       </a:r>
+                      <a:endParaRPr sz="900" spc="0">
+                        <a:latin typeface="Adobe Clean"/>
+                        <a:cs typeface="Adobe Clean"/>
+                      </a:endParaRPr>
                     </a:p>
                   </a:txBody>
                   <a:tcPr marL="0" marR="0" marT="7620" marB="0">
@@ -2302,34 +2366,28 @@
                     <a:bodyPr/>
                     <a:lstStyle/>
                     <a:p>
-                      <a:pPr marL="2540" marR="0" lvl="0" indent="0" algn="ctr" defTabSz="914400" eaLnBrk="1" fontAlgn="auto" latinLnBrk="0" hangingPunct="1">
+                      <a:pPr marL="135255" algn="ctr">
                         <a:lnSpc>
                           <a:spcPct val="100000"/>
                         </a:lnSpc>
                         <a:spcBef>
                           <a:spcPts val="60"/>
                         </a:spcBef>
-                        <a:spcAft>
-                          <a:spcPts val="0"/>
-                        </a:spcAft>
-                        <a:buClrTx/>
-                        <a:buSzTx/>
-                        <a:buFontTx/>
-                        <a:buNone/>
-                        <a:tabLst/>
-                        <a:defRPr/>
                       </a:pPr>
                       <a:r>
-                        <a:rPr lang="it-IT" sz="900" dirty="0">
+                        <a:rPr sz="900" spc="0">
                           <a:solidFill>
-                            <a:srgbClr val="404040"/>
+                            <a:srgbClr val="020302"/>
                           </a:solidFill>
                           <a:latin typeface="Adobe Clean"/>
-                          <a:ea typeface="+mn-ea"/>
                           <a:cs typeface="Adobe Clean"/>
                         </a:rPr>
-                        <a:t>Supporto Online</a:t>
+                        <a:t>Online Support</a:t>
                       </a:r>
+                      <a:endParaRPr sz="900" spc="0">
+                        <a:latin typeface="Adobe Clean"/>
+                        <a:cs typeface="Adobe Clean"/>
+                      </a:endParaRPr>
                     </a:p>
                   </a:txBody>
                   <a:tcPr marL="182880" marT="91440" anchor="ctr">
@@ -2367,7 +2425,7 @@
                     <a:bodyPr/>
                     <a:lstStyle/>
                     <a:p>
-                      <a:pPr marL="2540" algn="ctr">
+                      <a:pPr marL="92710">
                         <a:lnSpc>
                           <a:spcPct val="100000"/>
                         </a:lnSpc>
@@ -2376,16 +2434,39 @@
                         </a:spcBef>
                       </a:pPr>
                       <a:r>
-                        <a:rPr lang="it-IT" sz="900" dirty="0">
+                        <a:rPr sz="900" spc="0">
                           <a:solidFill>
                             <a:srgbClr val="FFFFFF"/>
                           </a:solidFill>
                           <a:latin typeface="Adobe Clean"/>
-                          <a:ea typeface="+mn-ea"/>
                           <a:cs typeface="Adobe Clean"/>
                         </a:rPr>
-                        <a:t>Supporto Business</a:t>
+                        <a:t>Business</a:t>
                       </a:r>
+                      <a:r>
+                        <a:rPr lang="en-US" sz="900" spc="0">
+                          <a:solidFill>
+                            <a:srgbClr val="FFFFFF"/>
+                          </a:solidFill>
+                          <a:latin typeface="Adobe Clean"/>
+                          <a:cs typeface="Adobe Clean"/>
+                        </a:rPr>
+                        <a:t> </a:t>
+                      </a:r>
+                      <a:r>
+                        <a:rPr sz="900" spc="0">
+                          <a:solidFill>
+                            <a:srgbClr val="FFFFFF"/>
+                          </a:solidFill>
+                          <a:latin typeface="Adobe Clean"/>
+                          <a:cs typeface="Adobe Clean"/>
+                        </a:rPr>
+                        <a:t>Support</a:t>
+                      </a:r>
+                      <a:endParaRPr sz="900" spc="0">
+                        <a:latin typeface="Adobe Clean"/>
+                        <a:cs typeface="Adobe Clean"/>
+                      </a:endParaRPr>
                     </a:p>
                   </a:txBody>
                   <a:tcPr marL="182880" marT="91440" anchor="ctr">
@@ -2439,15 +2520,19 @@
                         </a:spcBef>
                       </a:pPr>
                       <a:r>
-                        <a:rPr lang="it-IT" sz="900" b="1" dirty="0">
+                        <a:rPr sz="900" b="1" spc="0">
                           <a:solidFill>
                             <a:srgbClr val="020302"/>
                           </a:solidFill>
                           <a:latin typeface="Adobe Clean"/>
                           <a:cs typeface="Adobe Clean"/>
                         </a:rPr>
-                        <a:t>PRIORITÀ 1 (P1)</a:t>
+                        <a:t>PRIORITY 1</a:t>
                       </a:r>
+                      <a:endParaRPr sz="900" spc="0">
+                        <a:latin typeface="Adobe Clean"/>
+                        <a:cs typeface="Adobe Clean"/>
+                      </a:endParaRPr>
                     </a:p>
                     <a:p>
                       <a:pPr marL="50800" marR="387985" lvl="0" indent="0" algn="l" defTabSz="914400" rtl="0" eaLnBrk="1" fontAlgn="auto" latinLnBrk="0" hangingPunct="1">
@@ -2468,34 +2553,22 @@
                         <a:defRPr/>
                       </a:pPr>
                       <a:r>
-                        <a:rPr lang="it-IT" sz="900" b="0" i="0" dirty="0">
+                        <a:rPr lang="en-US" sz="900" b="0" i="0" spc="0">
                           <a:solidFill>
                             <a:srgbClr val="000000"/>
                           </a:solidFill>
+                          <a:effectLst/>
                           <a:latin typeface="Adobe Clean Light" panose="020B0303020404020204" pitchFamily="34" charset="0"/>
                         </a:rPr>
-                        <a:t>Le funzioni operative nell’ambiente di produzione del cliente non sono disponibili oppure </a:t>
+                        <a:t>Customer's production business functions are down or have significant data loss or service degradation and immediate attention is required to restore functionality and usability</a:t>
                       </a:r>
-                      <a:br>
-                        <a:rPr lang="it-IT" sz="900" b="0" i="0" dirty="0">
-                          <a:solidFill>
-                            <a:srgbClr val="000000"/>
-                          </a:solidFill>
-                          <a:latin typeface="Adobe Clean Light" panose="020B0303020404020204" pitchFamily="34" charset="0"/>
-                        </a:rPr>
-                      </a:br>
-                      <a:r>
-                        <a:rPr lang="it-IT" sz="900" b="0" i="0" dirty="0">
-                          <a:solidFill>
-                            <a:srgbClr val="000000"/>
-                          </a:solidFill>
-                          <a:latin typeface="Adobe Clean Light" panose="020B0303020404020204" pitchFamily="34" charset="0"/>
-                        </a:rPr>
-                        <a:t>si verificano problemi significativi di perdita di dati o deterioramento del servizio ed è richiesto un intervento immediato per ripristinare funzionalità e usabilità.</a:t>
-                      </a:r>
+                      <a:endParaRPr lang="en-US" sz="900" b="0" i="0" spc="0">
+                        <a:latin typeface="Adobe Clean Light" panose="020B0303020404020204" pitchFamily="34" charset="0"/>
+                        <a:cs typeface="AdobeClean-Light"/>
+                      </a:endParaRPr>
                     </a:p>
                   </a:txBody>
-                  <a:tcPr marL="0" marR="0" marT="3810" marB="36000">
+                  <a:tcPr marL="0" marR="0" marT="3810" marB="0">
                     <a:lnL w="3175">
                       <a:solidFill>
                         <a:srgbClr val="B7B8B8"/>
@@ -2536,15 +2609,59 @@
                         </a:spcBef>
                       </a:pPr>
                       <a:r>
-                        <a:rPr lang="it-IT" sz="900">
+                        <a:rPr sz="900" spc="0">
                           <a:solidFill>
                             <a:srgbClr val="020302"/>
                           </a:solidFill>
                           <a:latin typeface="AdobeClean-Light"/>
                           <a:cs typeface="AdobeClean-Light"/>
                         </a:rPr>
-                        <a:t>24x7/1 ora</a:t>
+                        <a:t>24x7</a:t>
                       </a:r>
+                      <a:r>
+                        <a:rPr lang="en-US" sz="900" spc="0">
+                          <a:solidFill>
+                            <a:srgbClr val="020302"/>
+                          </a:solidFill>
+                          <a:latin typeface="AdobeClean-Light"/>
+                          <a:cs typeface="AdobeClean-Light"/>
+                        </a:rPr>
+                        <a:t> </a:t>
+                      </a:r>
+                      <a:r>
+                        <a:rPr sz="900" spc="0">
+                          <a:solidFill>
+                            <a:srgbClr val="020302"/>
+                          </a:solidFill>
+                          <a:latin typeface="AdobeClean-Light"/>
+                          <a:cs typeface="AdobeClean-Light"/>
+                        </a:rPr>
+                        <a:t>/</a:t>
+                      </a:r>
+                      <a:r>
+                        <a:rPr lang="en-US" sz="900" spc="0">
+                          <a:solidFill>
+                            <a:srgbClr val="020302"/>
+                          </a:solidFill>
+                          <a:latin typeface="AdobeClean-Light"/>
+                          <a:cs typeface="AdobeClean-Light"/>
+                        </a:rPr>
+                        <a:t> </a:t>
+                      </a:r>
+                      <a:r>
+                        <a:rPr sz="900" spc="0">
+                          <a:solidFill>
+                            <a:srgbClr val="020302"/>
+                          </a:solidFill>
+                          <a:latin typeface="AdobeClean-Light"/>
+                          <a:cs typeface="AdobeClean-Light"/>
+                        </a:rPr>
+                        <a:t>1 hour</a:t>
+                      </a:r>
+                      <a:endParaRPr sz="900" spc="0">
+                        <a:latin typeface="AdobeClean-Light"/>
+                        <a:cs typeface="AdobeClean-Light"/>
+                      </a:endParaRPr>
                     </a:p>
                   </a:txBody>
                   <a:tcPr marL="0" marR="0" marT="91440" marB="91440" anchor="ctr" anchorCtr="1">
@@ -2588,15 +2705,59 @@
                         </a:spcBef>
                       </a:pPr>
                       <a:r>
-                        <a:rPr lang="it-IT" sz="900">
+                        <a:rPr sz="900" spc="0">
                           <a:solidFill>
                             <a:srgbClr val="020302"/>
                           </a:solidFill>
                           <a:latin typeface="AdobeClean-Light"/>
                           <a:cs typeface="AdobeClean-Light"/>
                         </a:rPr>
-                        <a:t>24x7/1 ora</a:t>
+                        <a:t>24x7</a:t>
                       </a:r>
+                      <a:r>
+                        <a:rPr lang="en-US" sz="900" spc="0">
+                          <a:solidFill>
+                            <a:srgbClr val="020302"/>
+                          </a:solidFill>
+                          <a:latin typeface="AdobeClean-Light"/>
+                          <a:cs typeface="AdobeClean-Light"/>
+                        </a:rPr>
+                        <a:t> </a:t>
+                      </a:r>
+                      <a:r>
+                        <a:rPr sz="900" spc="0">
+                          <a:solidFill>
+                            <a:srgbClr val="020302"/>
+                          </a:solidFill>
+                          <a:latin typeface="AdobeClean-Light"/>
+                          <a:cs typeface="AdobeClean-Light"/>
+                        </a:rPr>
+                        <a:t>/</a:t>
+                      </a:r>
+                      <a:r>
+                        <a:rPr lang="en-US" sz="900" spc="0">
+                          <a:solidFill>
+                            <a:srgbClr val="020302"/>
+                          </a:solidFill>
+                          <a:latin typeface="AdobeClean-Light"/>
+                          <a:cs typeface="AdobeClean-Light"/>
+                        </a:rPr>
+                        <a:t> </a:t>
+                      </a:r>
+                      <a:r>
+                        <a:rPr sz="900" spc="0">
+                          <a:solidFill>
+                            <a:srgbClr val="020302"/>
+                          </a:solidFill>
+                          <a:latin typeface="AdobeClean-Light"/>
+                          <a:cs typeface="AdobeClean-Light"/>
+                        </a:rPr>
+                        <a:t>1 hour</a:t>
+                      </a:r>
+                      <a:endParaRPr sz="900" spc="0">
+                        <a:latin typeface="AdobeClean-Light"/>
+                        <a:cs typeface="AdobeClean-Light"/>
+                      </a:endParaRPr>
                     </a:p>
                   </a:txBody>
                   <a:tcPr marL="0" marR="0" marT="91440" marB="91440" anchor="ctr" anchorCtr="1">
@@ -2652,15 +2813,19 @@
                         </a:spcBef>
                       </a:pPr>
                       <a:r>
-                        <a:rPr lang="it-IT" sz="900" b="1" dirty="0">
+                        <a:rPr sz="900" b="1" spc="0">
                           <a:solidFill>
                             <a:srgbClr val="020302"/>
                           </a:solidFill>
                           <a:latin typeface="Adobe Clean"/>
                           <a:cs typeface="Adobe Clean"/>
                         </a:rPr>
-                        <a:t>PRIORITÀ 2 (P2)</a:t>
+                        <a:t>PRIORITY 2</a:t>
                       </a:r>
+                      <a:endParaRPr sz="900" spc="0">
+                        <a:latin typeface="Adobe Clean"/>
+                        <a:cs typeface="Adobe Clean"/>
+                      </a:endParaRPr>
                     </a:p>
                     <a:p>
                       <a:pPr marL="50165" marR="203200">
@@ -2672,31 +2837,19 @@
                         </a:spcBef>
                       </a:pPr>
                       <a:r>
-                        <a:rPr lang="it-IT" sz="900" b="0" i="0" dirty="0">
+                        <a:rPr lang="en-US" sz="900" b="0" i="0" spc="0">
                           <a:solidFill>
                             <a:srgbClr val="000000"/>
                           </a:solidFill>
+                          <a:effectLst/>
                           <a:latin typeface="Adobe Clean Light" panose="020B0303020404020204" pitchFamily="34" charset="0"/>
                         </a:rPr>
-                        <a:t>Le funzioni operative del cliente hanno subìto un notevole deterioramento del servizio </a:t>
+                        <a:t>Customer's business functions have major service degradation or potential data loss, or a major feature is impacted </a:t>
                       </a:r>
-                      <a:br>
-                        <a:rPr lang="it-IT" sz="900" b="0" i="0" dirty="0">
-                          <a:solidFill>
-                            <a:srgbClr val="000000"/>
-                          </a:solidFill>
-                          <a:latin typeface="Adobe Clean Light" panose="020B0303020404020204" pitchFamily="34" charset="0"/>
-                        </a:rPr>
-                      </a:br>
-                      <a:r>
-                        <a:rPr lang="it-IT" sz="900" b="0" i="0" dirty="0">
-                          <a:solidFill>
-                            <a:srgbClr val="000000"/>
-                          </a:solidFill>
-                          <a:latin typeface="Adobe Clean Light" panose="020B0303020404020204" pitchFamily="34" charset="0"/>
-                        </a:rPr>
-                        <a:t>o potenziale perdita di dati, oppure un problema interessa una funzione importante. </a:t>
-                      </a:r>
+                      <a:endParaRPr lang="en-US" sz="900" b="0" i="0" spc="0">
+                        <a:latin typeface="Adobe Clean Light" panose="020B0303020404020204" pitchFamily="34" charset="0"/>
+                        <a:cs typeface="AdobeClean-Light"/>
+                      </a:endParaRPr>
                     </a:p>
                   </a:txBody>
                   <a:tcPr marL="0" marR="0" marT="3810" marB="0">
@@ -2731,7 +2884,7 @@
                     <a:bodyPr/>
                     <a:lstStyle/>
                     <a:p>
-                      <a:pPr marL="125413" marR="184785" indent="-3175" algn="ctr">
+                      <a:pPr marL="316865" marR="184785" indent="-193675" algn="ctr">
                         <a:lnSpc>
                           <a:spcPct val="100000"/>
                         </a:lnSpc>
@@ -2740,34 +2893,79 @@
                         </a:spcBef>
                       </a:pPr>
                       <a:r>
-                        <a:rPr lang="it-IT" sz="900" dirty="0">
+                        <a:rPr sz="900" spc="0">
                           <a:solidFill>
                             <a:srgbClr val="020302"/>
                           </a:solidFill>
                           <a:latin typeface="AdobeClean-Light"/>
                           <a:cs typeface="AdobeClean-Light"/>
                         </a:rPr>
-                        <a:t>Orario operativo/</a:t>
+                        <a:t>Business</a:t>
                       </a:r>
-                      <a:br>
-                        <a:rPr lang="it-IT" sz="900" dirty="0">
+                      <a:r>
+                        <a:rPr lang="en-US" sz="900" spc="0">
                           <a:solidFill>
                             <a:srgbClr val="020302"/>
                           </a:solidFill>
                           <a:latin typeface="AdobeClean-Light"/>
                           <a:cs typeface="AdobeClean-Light"/>
                         </a:rPr>
-                      </a:br>
+                        <a:t> </a:t>
+                      </a:r>
                       <a:r>
-                        <a:rPr lang="it-IT" sz="900" dirty="0">
+                        <a:rPr sz="900" spc="0">
                           <a:solidFill>
                             <a:srgbClr val="020302"/>
                           </a:solidFill>
                           <a:latin typeface="AdobeClean-Light"/>
                           <a:cs typeface="AdobeClean-Light"/>
                         </a:rPr>
-                        <a:t>4 ore</a:t>
+                        <a:t>hours</a:t>
                       </a:r>
+                      <a:r>
+                        <a:rPr lang="en-US" sz="900" spc="0">
+                          <a:solidFill>
+                            <a:srgbClr val="020302"/>
+                          </a:solidFill>
+                          <a:latin typeface="AdobeClean-Light"/>
+                          <a:cs typeface="AdobeClean-Light"/>
+                        </a:rPr>
+                        <a:t> </a:t>
+                      </a:r>
+                      <a:r>
+                        <a:rPr sz="900" spc="0">
+                          <a:solidFill>
+                            <a:srgbClr val="020302"/>
+                          </a:solidFill>
+                          <a:latin typeface="AdobeClean-Light"/>
+                          <a:cs typeface="AdobeClean-Light"/>
+                        </a:rPr>
+                        <a:t>/</a:t>
+                      </a:r>
+                      <a:r>
+                        <a:rPr lang="en-US" sz="900" spc="0">
+                          <a:solidFill>
+                            <a:srgbClr val="020302"/>
+                          </a:solidFill>
+                          <a:latin typeface="AdobeClean-Light"/>
+                          <a:cs typeface="AdobeClean-Light"/>
+                        </a:rPr>
+                        <a:t> </a:t>
+                      </a:r>
+                      <a:r>
+                        <a:rPr sz="900" spc="0">
+                          <a:solidFill>
+                            <a:srgbClr val="020302"/>
+                          </a:solidFill>
+                          <a:latin typeface="AdobeClean-Light"/>
+                          <a:cs typeface="AdobeClean-Light"/>
+                        </a:rPr>
+                        <a:t>4 hours</a:t>
+                      </a:r>
+                      <a:endParaRPr sz="900" spc="0">
+                        <a:latin typeface="AdobeClean-Light"/>
+                        <a:cs typeface="AdobeClean-Light"/>
+                      </a:endParaRPr>
                     </a:p>
                   </a:txBody>
                   <a:tcPr marL="0" marR="0" marT="91440" marB="91440" anchor="ctr" anchorCtr="1">
@@ -2802,7 +3000,7 @@
                     <a:bodyPr/>
                     <a:lstStyle/>
                     <a:p>
-                      <a:pPr marL="125413" marR="184785" indent="-3175" algn="ctr">
+                      <a:pPr marL="317500" marR="184785" indent="-194310" algn="ctr">
                         <a:lnSpc>
                           <a:spcPct val="100000"/>
                         </a:lnSpc>
@@ -2811,37 +3009,89 @@
                         </a:spcBef>
                       </a:pPr>
                       <a:r>
-                        <a:rPr lang="it-IT" sz="900" dirty="0">
+                        <a:rPr lang="en-US" sz="900" spc="0">
                           <a:solidFill>
                             <a:srgbClr val="020302"/>
                           </a:solidFill>
                           <a:latin typeface="AdobeClean-Light"/>
-                          <a:ea typeface="+mn-ea"/>
                           <a:cs typeface="AdobeClean-Light"/>
                         </a:rPr>
-                        <a:t>    Orario operativo/</a:t>
+                        <a:t>    </a:t>
                       </a:r>
-                      <a:br>
-                        <a:rPr lang="it-IT" sz="900" dirty="0">
+                      <a:r>
+                        <a:rPr sz="900" spc="0">
                           <a:solidFill>
                             <a:srgbClr val="020302"/>
                           </a:solidFill>
                           <a:latin typeface="AdobeClean-Light"/>
-                          <a:ea typeface="+mn-ea"/>
                           <a:cs typeface="AdobeClean-Light"/>
                         </a:rPr>
-                      </a:br>
+                        <a:t>Business</a:t>
+                      </a:r>
                       <a:r>
-                        <a:rPr lang="it-IT" sz="900" dirty="0">
+                        <a:rPr lang="en-US" sz="900" spc="0">
                           <a:solidFill>
                             <a:srgbClr val="020302"/>
                           </a:solidFill>
                           <a:latin typeface="AdobeClean-Light"/>
-                          <a:ea typeface="+mn-ea"/>
                           <a:cs typeface="AdobeClean-Light"/>
                         </a:rPr>
-                        <a:t>2 ore</a:t>
+                        <a:t> </a:t>
                       </a:r>
+                      <a:r>
+                        <a:rPr sz="900" spc="0">
+                          <a:solidFill>
+                            <a:srgbClr val="020302"/>
+                          </a:solidFill>
+                          <a:latin typeface="AdobeClean-Light"/>
+                          <a:cs typeface="AdobeClean-Light"/>
+                        </a:rPr>
+                        <a:t>hours</a:t>
+                      </a:r>
+                      <a:r>
+                        <a:rPr lang="en-US" sz="900" spc="0">
+                          <a:solidFill>
+                            <a:srgbClr val="020302"/>
+                          </a:solidFill>
+                          <a:latin typeface="AdobeClean-Light"/>
+                          <a:cs typeface="AdobeClean-Light"/>
+                        </a:rPr>
+                        <a:t> / </a:t>
+                      </a:r>
+                      <a:r>
+                        <a:rPr sz="900" spc="0">
+                          <a:solidFill>
+                            <a:srgbClr val="020302"/>
+                          </a:solidFill>
+                          <a:latin typeface="AdobeClean-Light"/>
+                          <a:cs typeface="AdobeClean-Light"/>
+                        </a:rPr>
+                        <a:t>2</a:t>
+                      </a:r>
+                      <a:r>
+                        <a:rPr lang="en-US" sz="900" spc="0">
+                          <a:solidFill>
+                            <a:srgbClr val="020302"/>
+                          </a:solidFill>
+                          <a:latin typeface="AdobeClean-Light"/>
+                          <a:cs typeface="AdobeClean-Light"/>
+                        </a:rPr>
+                        <a:t> </a:t>
+                      </a:r>
+                      <a:r>
+                        <a:rPr sz="900" spc="0">
+                          <a:solidFill>
+                            <a:srgbClr val="020302"/>
+                          </a:solidFill>
+                          <a:latin typeface="AdobeClean-Light"/>
+                          <a:cs typeface="AdobeClean-Light"/>
+                        </a:rPr>
+                        <a:t>hours</a:t>
+                      </a:r>
+                      <a:endParaRPr sz="900" spc="0">
+                        <a:latin typeface="AdobeClean-Light"/>
+                        <a:cs typeface="AdobeClean-Light"/>
+                      </a:endParaRPr>
                     </a:p>
                   </a:txBody>
                   <a:tcPr marL="0" marR="0" marT="91440" marB="91440" anchor="ctr" anchorCtr="1">
@@ -2897,15 +3147,19 @@
                         </a:spcBef>
                       </a:pPr>
                       <a:r>
-                        <a:rPr lang="it-IT" sz="900" b="1" dirty="0">
+                        <a:rPr sz="900" b="1" spc="0">
                           <a:solidFill>
                             <a:srgbClr val="020302"/>
                           </a:solidFill>
                           <a:latin typeface="Adobe Clean"/>
                           <a:cs typeface="Adobe Clean"/>
                         </a:rPr>
-                        <a:t>PRIORITÀ 3 (P3)</a:t>
+                        <a:t>PRIORITY 3</a:t>
                       </a:r>
+                      <a:endParaRPr sz="900" spc="0">
+                        <a:latin typeface="Adobe Clean"/>
+                        <a:cs typeface="Adobe Clean"/>
+                      </a:endParaRPr>
                     </a:p>
                     <a:p>
                       <a:pPr marL="49530" marR="212090" indent="-2540">
@@ -2917,52 +3171,26 @@
                         </a:spcBef>
                       </a:pPr>
                       <a:r>
-                        <a:rPr kumimoji="0" lang="it-IT" sz="900" b="0" i="0" u="none" strike="noStrike" cap="none" normalizeH="0" baseline="0" noProof="0" dirty="0">
+                        <a:rPr kumimoji="0" lang="en-US" sz="900" b="0" i="0" u="none" strike="noStrike" kern="1200" cap="none" spc="0" normalizeH="0" baseline="0" noProof="0">
                           <a:ln>
                             <a:noFill/>
                           </a:ln>
                           <a:solidFill>
                             <a:srgbClr val="000000"/>
                           </a:solidFill>
+                          <a:effectLst/>
                           <a:uLnTx/>
                           <a:uFillTx/>
                           <a:latin typeface="Adobe Clean Light" panose="020B0303020404020204" pitchFamily="34" charset="0"/>
                           <a:ea typeface="+mn-ea"/>
                           <a:cs typeface="+mn-cs"/>
                         </a:rPr>
-                        <a:t>Le funzioni operative del cliente sono interessate da deterioramento lieve del servizio, </a:t>
+                        <a:t>Customer's business functions have minor service degradation but there exists a solution/workaround allowing business functions to continue </a:t>
                       </a:r>
-                      <a:br>
-                        <a:rPr kumimoji="0" lang="it-IT" sz="900" b="0" i="0" u="none" strike="noStrike" cap="none" normalizeH="0" baseline="0" noProof="0" dirty="0">
-                          <a:ln>
-                            <a:noFill/>
-                          </a:ln>
-                          <a:solidFill>
-                            <a:srgbClr val="000000"/>
-                          </a:solidFill>
-                          <a:uLnTx/>
-                          <a:uFillTx/>
-                          <a:latin typeface="Adobe Clean Light" panose="020B0303020404020204" pitchFamily="34" charset="0"/>
-                          <a:ea typeface="+mn-ea"/>
-                          <a:cs typeface="+mn-cs"/>
-                        </a:rPr>
-                      </a:br>
-                      <a:r>
-                        <a:rPr kumimoji="0" lang="it-IT" sz="900" b="0" i="0" u="none" strike="noStrike" cap="none" normalizeH="0" baseline="0" noProof="0" dirty="0">
-                          <a:ln>
-                            <a:noFill/>
-                          </a:ln>
-                          <a:solidFill>
-                            <a:srgbClr val="000000"/>
-                          </a:solidFill>
-                          <a:uLnTx/>
-                          <a:uFillTx/>
-                          <a:latin typeface="Adobe Clean Light" panose="020B0303020404020204" pitchFamily="34" charset="0"/>
-                          <a:ea typeface="+mn-ea"/>
-                          <a:cs typeface="+mn-cs"/>
-                        </a:rPr>
-                        <a:t>tuttavia è possibile procedere mediante una soluzione temporanea. </a:t>
-                      </a:r>
+                      <a:endParaRPr lang="en-US" sz="900" b="0" i="0" spc="0">
+                        <a:latin typeface="Adobe Clean Light" panose="020B0303020404020204" pitchFamily="34" charset="0"/>
+                        <a:cs typeface="AdobeClean-Light"/>
+                      </a:endParaRPr>
                     </a:p>
                   </a:txBody>
                   <a:tcPr marL="0" marR="0" marT="3810" marB="0">
@@ -2997,46 +3225,98 @@
                     <a:bodyPr/>
                     <a:lstStyle/>
                     <a:p>
-                      <a:pPr marL="125413" marR="184785" indent="-3175" algn="ctr">
+                      <a:pPr marL="313690" marR="184150" indent="-189865" algn="ctr">
                         <a:lnSpc>
                           <a:spcPct val="100000"/>
                         </a:lnSpc>
                         <a:spcBef>
-                          <a:spcPts val="670"/>
+                          <a:spcPts val="645"/>
                         </a:spcBef>
                       </a:pPr>
                       <a:r>
-                        <a:rPr lang="it-IT" sz="900" dirty="0">
+                        <a:rPr lang="en-US" sz="900" spc="0">
                           <a:solidFill>
                             <a:srgbClr val="020302"/>
                           </a:solidFill>
                           <a:latin typeface="AdobeClean-Light"/>
-                          <a:ea typeface="+mn-ea"/>
                           <a:cs typeface="AdobeClean-Light"/>
                         </a:rPr>
-                        <a:t>   Orario operativo/</a:t>
+                        <a:t>   </a:t>
                       </a:r>
-                      <a:br>
-                        <a:rPr lang="it-IT" sz="900" dirty="0">
+                      <a:r>
+                        <a:rPr sz="900" spc="0">
                           <a:solidFill>
                             <a:srgbClr val="020302"/>
                           </a:solidFill>
                           <a:latin typeface="AdobeClean-Light"/>
-                          <a:ea typeface="+mn-ea"/>
                           <a:cs typeface="AdobeClean-Light"/>
                         </a:rPr>
-                      </a:br>
+                        <a:t>Business</a:t>
+                      </a:r>
                       <a:r>
-                        <a:rPr lang="it-IT" sz="900" dirty="0">
+                        <a:rPr lang="en-US" sz="900" spc="0">
                           <a:solidFill>
                             <a:srgbClr val="020302"/>
                           </a:solidFill>
                           <a:latin typeface="AdobeClean-Light"/>
-                          <a:ea typeface="+mn-ea"/>
                           <a:cs typeface="AdobeClean-Light"/>
                         </a:rPr>
-                        <a:t>6 ore</a:t>
+                        <a:t> </a:t>
                       </a:r>
+                      <a:r>
+                        <a:rPr sz="900" spc="0">
+                          <a:solidFill>
+                            <a:srgbClr val="020302"/>
+                          </a:solidFill>
+                          <a:latin typeface="AdobeClean-Light"/>
+                          <a:cs typeface="AdobeClean-Light"/>
+                        </a:rPr>
+                        <a:t>hours</a:t>
+                      </a:r>
+                      <a:r>
+                        <a:rPr lang="en-US" sz="900" spc="0">
+                          <a:solidFill>
+                            <a:srgbClr val="020302"/>
+                          </a:solidFill>
+                          <a:latin typeface="AdobeClean-Light"/>
+                          <a:cs typeface="AdobeClean-Light"/>
+                        </a:rPr>
+                        <a:t> / </a:t>
+                      </a:r>
+                      <a:r>
+                        <a:rPr sz="900" spc="0">
+                          <a:solidFill>
+                            <a:srgbClr val="020302"/>
+                          </a:solidFill>
+                          <a:latin typeface="AdobeClean-Light"/>
+                          <a:cs typeface="AdobeClean-Light"/>
+                        </a:rPr>
+                        <a:t>6</a:t>
+                      </a:r>
+                      <a:r>
+                        <a:rPr lang="en-US" sz="900" spc="0">
+                          <a:solidFill>
+                            <a:srgbClr val="020302"/>
+                          </a:solidFill>
+                          <a:latin typeface="AdobeClean-Light"/>
+                          <a:cs typeface="AdobeClean-Light"/>
+                        </a:rPr>
+                        <a:t> </a:t>
+                      </a:r>
+                      <a:r>
+                        <a:rPr sz="900" spc="0">
+                          <a:solidFill>
+                            <a:srgbClr val="020302"/>
+                          </a:solidFill>
+                          <a:latin typeface="AdobeClean-Light"/>
+                          <a:cs typeface="AdobeClean-Light"/>
+                        </a:rPr>
+                        <a:t>hours</a:t>
+                      </a:r>
+                      <a:endParaRPr sz="900" spc="0">
+                        <a:latin typeface="AdobeClean-Light"/>
+                        <a:cs typeface="AdobeClean-Light"/>
+                      </a:endParaRPr>
                     </a:p>
                   </a:txBody>
                   <a:tcPr marL="0" marR="0" marT="91440" marB="91440" anchor="ctr" anchorCtr="1">
@@ -3071,46 +3351,88 @@
                     <a:bodyPr/>
                     <a:lstStyle/>
                     <a:p>
-                      <a:pPr marL="125413" marR="184785" indent="-3175" algn="ctr">
+                      <a:pPr marL="316230" marR="185420" indent="-193675" algn="ctr">
                         <a:lnSpc>
                           <a:spcPct val="100000"/>
                         </a:lnSpc>
                         <a:spcBef>
-                          <a:spcPts val="670"/>
+                          <a:spcPts val="645"/>
                         </a:spcBef>
                       </a:pPr>
                       <a:r>
-                        <a:rPr lang="it-IT" sz="900" dirty="0">
+                        <a:rPr sz="900" spc="0">
                           <a:solidFill>
                             <a:srgbClr val="020302"/>
                           </a:solidFill>
                           <a:latin typeface="AdobeClean-Light"/>
-                          <a:ea typeface="+mn-ea"/>
                           <a:cs typeface="AdobeClean-Light"/>
                         </a:rPr>
-                        <a:t>Orario operativo/</a:t>
+                        <a:t>Business</a:t>
                       </a:r>
-                      <a:br>
-                        <a:rPr lang="it-IT" sz="900" dirty="0">
+                      <a:r>
+                        <a:rPr lang="en-US" sz="900" spc="0">
                           <a:solidFill>
                             <a:srgbClr val="020302"/>
                           </a:solidFill>
                           <a:latin typeface="AdobeClean-Light"/>
-                          <a:ea typeface="+mn-ea"/>
                           <a:cs typeface="AdobeClean-Light"/>
                         </a:rPr>
-                      </a:br>
+                        <a:t> </a:t>
+                      </a:r>
                       <a:r>
-                        <a:rPr lang="it-IT" sz="900" dirty="0">
+                        <a:rPr sz="900" spc="0">
                           <a:solidFill>
                             <a:srgbClr val="020302"/>
                           </a:solidFill>
                           <a:latin typeface="AdobeClean-Light"/>
-                          <a:ea typeface="+mn-ea"/>
                           <a:cs typeface="AdobeClean-Light"/>
                         </a:rPr>
-                        <a:t>4 ore</a:t>
+                        <a:t>hours</a:t>
                       </a:r>
+                      <a:r>
+                        <a:rPr lang="en-US" sz="900" spc="0">
+                          <a:solidFill>
+                            <a:srgbClr val="020302"/>
+                          </a:solidFill>
+                          <a:latin typeface="AdobeClean-Light"/>
+                          <a:cs typeface="AdobeClean-Light"/>
+                        </a:rPr>
+                        <a:t> </a:t>
+                      </a:r>
+                      <a:r>
+                        <a:rPr sz="900" spc="0">
+                          <a:solidFill>
+                            <a:srgbClr val="020302"/>
+                          </a:solidFill>
+                          <a:latin typeface="AdobeClean-Light"/>
+                          <a:cs typeface="AdobeClean-Light"/>
+                        </a:rPr>
+                        <a:t>/ 4</a:t>
+                      </a:r>
+                      <a:r>
+                        <a:rPr lang="en-US" sz="900" spc="0">
+                          <a:solidFill>
+                            <a:srgbClr val="020302"/>
+                          </a:solidFill>
+                          <a:latin typeface="AdobeClean-Light"/>
+                          <a:cs typeface="AdobeClean-Light"/>
+                        </a:rPr>
+                        <a:t> </a:t>
+                      </a:r>
+                      <a:r>
+                        <a:rPr sz="900" spc="0">
+                          <a:solidFill>
+                            <a:srgbClr val="020302"/>
+                          </a:solidFill>
+                          <a:latin typeface="AdobeClean-Light"/>
+                          <a:cs typeface="AdobeClean-Light"/>
+                        </a:rPr>
+                        <a:t>hours</a:t>
+                      </a:r>
+                      <a:endParaRPr sz="900" spc="0">
+                        <a:latin typeface="AdobeClean-Light"/>
+                        <a:cs typeface="AdobeClean-Light"/>
+                      </a:endParaRPr>
                     </a:p>
                   </a:txBody>
                   <a:tcPr marL="0" marR="0" marT="91440" marB="91440" anchor="ctr" anchorCtr="1">
@@ -3166,15 +3488,19 @@
                         </a:spcBef>
                       </a:pPr>
                       <a:r>
-                        <a:rPr lang="it-IT" sz="900" b="1">
+                        <a:rPr sz="900" b="1" spc="0">
                           <a:solidFill>
                             <a:srgbClr val="020302"/>
                           </a:solidFill>
                           <a:latin typeface="Adobe Clean"/>
                           <a:cs typeface="Adobe Clean"/>
                         </a:rPr>
-                        <a:t>PRIORITÀ 4 (P4)</a:t>
+                        <a:t>PRIORITY 4</a:t>
                       </a:r>
+                      <a:endParaRPr sz="900" spc="0">
+                        <a:latin typeface="Adobe Clean"/>
+                        <a:cs typeface="Adobe Clean"/>
+                      </a:endParaRPr>
                     </a:p>
                     <a:p>
                       <a:pPr marL="48895" marR="0" lvl="0" indent="0" defTabSz="914400" eaLnBrk="1" fontAlgn="auto" latinLnBrk="0" hangingPunct="1">
@@ -3195,14 +3521,19 @@
                         <a:defRPr/>
                       </a:pPr>
                       <a:r>
-                        <a:rPr lang="it-IT" sz="900" b="0" i="0">
+                        <a:rPr lang="en-US" sz="900" b="0" i="0" spc="0">
                           <a:solidFill>
                             <a:srgbClr val="000000"/>
                           </a:solidFill>
+                          <a:effectLst/>
                           <a:latin typeface="Adobe Clean Light" panose="020B0303020404020204" pitchFamily="34" charset="0"/>
                         </a:rPr>
-                        <a:t>Domande generali sulle attuali funzionalità del prodotto o su una richiesta di miglioramento</a:t>
+                        <a:t>General question regarding current product functionality or an enhancement request</a:t>
                       </a:r>
+                      <a:endParaRPr lang="en-US" sz="900" b="0" i="0" spc="0">
+                        <a:latin typeface="Adobe Clean Light" panose="020B0303020404020204" pitchFamily="34" charset="0"/>
+                        <a:cs typeface="AdobeClean-Light"/>
+                      </a:endParaRPr>
                     </a:p>
                   </a:txBody>
                   <a:tcPr marL="0" marR="0" marT="1905" marB="0">
@@ -3237,46 +3568,78 @@
                     <a:bodyPr/>
                     <a:lstStyle/>
                     <a:p>
-                      <a:pPr marL="125413" marR="184785" indent="-3175" algn="ctr">
+                      <a:pPr marL="340360" marR="203200" indent="-193040" algn="ctr">
                         <a:lnSpc>
                           <a:spcPct val="100000"/>
                         </a:lnSpc>
                         <a:spcBef>
-                          <a:spcPts val="670"/>
+                          <a:spcPts val="155"/>
                         </a:spcBef>
                       </a:pPr>
                       <a:r>
-                        <a:rPr lang="it-IT" sz="900" dirty="0">
+                        <a:rPr lang="en-US" sz="900" spc="0">
                           <a:solidFill>
                             <a:srgbClr val="020302"/>
                           </a:solidFill>
                           <a:latin typeface="AdobeClean-Light"/>
-                          <a:ea typeface="+mn-ea"/>
                           <a:cs typeface="AdobeClean-Light"/>
                         </a:rPr>
-                        <a:t>  Giorni lavorativi/</a:t>
+                        <a:t>  </a:t>
                       </a:r>
-                      <a:br>
-                        <a:rPr lang="it-IT" sz="900" dirty="0">
+                      <a:r>
+                        <a:rPr sz="900" spc="0">
                           <a:solidFill>
                             <a:srgbClr val="020302"/>
                           </a:solidFill>
                           <a:latin typeface="AdobeClean-Light"/>
-                          <a:ea typeface="+mn-ea"/>
                           <a:cs typeface="AdobeClean-Light"/>
                         </a:rPr>
-                      </a:br>
+                        <a:t>Business</a:t>
+                      </a:r>
                       <a:r>
-                        <a:rPr lang="it-IT" sz="900" dirty="0">
+                        <a:rPr lang="en-US" sz="900" spc="0">
                           <a:solidFill>
                             <a:srgbClr val="020302"/>
                           </a:solidFill>
                           <a:latin typeface="AdobeClean-Light"/>
-                          <a:ea typeface="+mn-ea"/>
                           <a:cs typeface="AdobeClean-Light"/>
                         </a:rPr>
-                        <a:t>3 giorni</a:t>
+                        <a:t> </a:t>
                       </a:r>
+                      <a:r>
+                        <a:rPr sz="900" spc="0">
+                          <a:solidFill>
+                            <a:srgbClr val="020302"/>
+                          </a:solidFill>
+                          <a:latin typeface="AdobeClean-Light"/>
+                          <a:cs typeface="AdobeClean-Light"/>
+                        </a:rPr>
+                        <a:t>days</a:t>
+                      </a:r>
+                      <a:r>
+                        <a:rPr lang="en-US" sz="900" spc="0">
+                          <a:solidFill>
+                            <a:srgbClr val="020302"/>
+                          </a:solidFill>
+                          <a:latin typeface="AdobeClean-Light"/>
+                          <a:cs typeface="AdobeClean-Light"/>
+                        </a:rPr>
+                        <a:t> / </a:t>
+                      </a:r>
+                      <a:r>
+                        <a:rPr sz="900" spc="0">
+                          <a:solidFill>
+                            <a:srgbClr val="020302"/>
+                          </a:solidFill>
+                          <a:latin typeface="AdobeClean-Light"/>
+                          <a:cs typeface="AdobeClean-Light"/>
+                        </a:rPr>
+                        <a:t>3 days</a:t>
+                      </a:r>
+                      <a:endParaRPr sz="900" spc="0">
+                        <a:latin typeface="AdobeClean-Light"/>
+                        <a:cs typeface="AdobeClean-Light"/>
+                      </a:endParaRPr>
                     </a:p>
                   </a:txBody>
                   <a:tcPr marL="0" marR="0" marT="91440" marB="91440" anchor="ctr" anchorCtr="1">
@@ -3311,46 +3674,88 @@
                     <a:bodyPr/>
                     <a:lstStyle/>
                     <a:p>
-                      <a:pPr marL="125413" marR="184785" indent="-3175" algn="ctr">
+                      <a:pPr marL="370840" marR="223520" indent="-202565" algn="ctr">
                         <a:lnSpc>
                           <a:spcPct val="100000"/>
                         </a:lnSpc>
                         <a:spcBef>
-                          <a:spcPts val="670"/>
+                          <a:spcPts val="155"/>
                         </a:spcBef>
                       </a:pPr>
                       <a:r>
-                        <a:rPr lang="it-IT" sz="900" dirty="0">
+                        <a:rPr sz="900" spc="0">
                           <a:solidFill>
                             <a:srgbClr val="020302"/>
                           </a:solidFill>
                           <a:latin typeface="AdobeClean-Light"/>
-                          <a:ea typeface="+mn-ea"/>
                           <a:cs typeface="AdobeClean-Light"/>
                         </a:rPr>
-                        <a:t>Giorni lavorativi/</a:t>
+                        <a:t>Business</a:t>
                       </a:r>
-                      <a:br>
-                        <a:rPr lang="it-IT" sz="900" dirty="0">
+                      <a:r>
+                        <a:rPr lang="en-US" sz="900" spc="0">
                           <a:solidFill>
                             <a:srgbClr val="020302"/>
                           </a:solidFill>
                           <a:latin typeface="AdobeClean-Light"/>
-                          <a:ea typeface="+mn-ea"/>
                           <a:cs typeface="AdobeClean-Light"/>
                         </a:rPr>
-                      </a:br>
+                        <a:t> </a:t>
+                      </a:r>
                       <a:r>
-                        <a:rPr lang="it-IT" sz="900" dirty="0">
+                        <a:rPr sz="900" spc="0">
                           <a:solidFill>
                             <a:srgbClr val="020302"/>
                           </a:solidFill>
                           <a:latin typeface="AdobeClean-Light"/>
-                          <a:ea typeface="+mn-ea"/>
                           <a:cs typeface="AdobeClean-Light"/>
                         </a:rPr>
-                        <a:t>1 giorno</a:t>
+                        <a:t>day</a:t>
                       </a:r>
+                      <a:r>
+                        <a:rPr lang="en-US" sz="900" spc="0">
+                          <a:solidFill>
+                            <a:srgbClr val="020302"/>
+                          </a:solidFill>
+                          <a:latin typeface="AdobeClean-Light"/>
+                          <a:cs typeface="AdobeClean-Light"/>
+                        </a:rPr>
+                        <a:t>s </a:t>
+                      </a:r>
+                      <a:r>
+                        <a:rPr sz="900" spc="0">
+                          <a:solidFill>
+                            <a:srgbClr val="020302"/>
+                          </a:solidFill>
+                          <a:latin typeface="AdobeClean-Light"/>
+                          <a:cs typeface="AdobeClean-Light"/>
+                        </a:rPr>
+                        <a:t>/</a:t>
+                      </a:r>
+                      <a:r>
+                        <a:rPr lang="en-US" sz="900" spc="0">
+                          <a:solidFill>
+                            <a:srgbClr val="020302"/>
+                          </a:solidFill>
+                          <a:latin typeface="AdobeClean-Light"/>
+                          <a:cs typeface="AdobeClean-Light"/>
+                        </a:rPr>
+                        <a:t> </a:t>
+                      </a:r>
+                      <a:r>
+                        <a:rPr sz="900" spc="0">
+                          <a:solidFill>
+                            <a:srgbClr val="020302"/>
+                          </a:solidFill>
+                          <a:latin typeface="AdobeClean-Light"/>
+                          <a:cs typeface="AdobeClean-Light"/>
+                        </a:rPr>
+                        <a:t>1 day</a:t>
+                      </a:r>
+                      <a:endParaRPr sz="900" spc="0">
+                        <a:latin typeface="AdobeClean-Light"/>
+                        <a:cs typeface="AdobeClean-Light"/>
+                      </a:endParaRPr>
                     </a:p>
                   </a:txBody>
                   <a:tcPr marL="0" marR="0" marT="91440" marB="91440" anchor="ctr" anchorCtr="1">
@@ -3410,14 +3815,14 @@
           <p:nvPr>
             <p:extLst>
               <p:ext uri="{D42A27DB-BD31-4B8C-83A1-F6EECF244321}">
-                <p14:modId xmlns:p14="http://schemas.microsoft.com/office/powerpoint/2010/main" val="4201184"/>
+                <p14:modId xmlns:p14="http://schemas.microsoft.com/office/powerpoint/2010/main" val="116851390"/>
               </p:ext>
             </p:extLst>
           </p:nvPr>
         </p:nvGraphicFramePr>
         <p:xfrm>
           <a:off x="121147" y="2120949"/>
-          <a:ext cx="7498851" cy="4815558"/>
+          <a:ext cx="7498851" cy="4714546"/>
         </p:xfrm>
         <a:graphic>
           <a:graphicData uri="http://schemas.openxmlformats.org/drawingml/2006/table">
@@ -3499,15 +3904,39 @@
                         <a:defRPr/>
                       </a:pPr>
                       <a:r>
-                        <a:rPr lang="it-IT" sz="900" dirty="0">
+                        <a:rPr lang="en-US" sz="900" spc="-20">
                           <a:solidFill>
                             <a:srgbClr val="404040"/>
                           </a:solidFill>
                           <a:latin typeface="Adobe Clean"/>
                           <a:cs typeface="Adobe Clean"/>
                         </a:rPr>
-                        <a:t>Supporto Online</a:t>
+                        <a:t>Online </a:t>
                       </a:r>
+                      <a:r>
+                        <a:rPr lang="en-US" sz="900" spc="-135">
+                          <a:solidFill>
+                            <a:srgbClr val="404040"/>
+                          </a:solidFill>
+                          <a:latin typeface="Adobe Clean"/>
+                          <a:cs typeface="Adobe Clean"/>
+                        </a:rPr>
+                        <a:t> </a:t>
+                      </a:r>
+                      <a:r>
+                        <a:rPr lang="en-US" sz="900" spc="-20">
+                          <a:solidFill>
+                            <a:srgbClr val="404040"/>
+                          </a:solidFill>
+                          <a:latin typeface="Adobe Clean"/>
+                          <a:cs typeface="Adobe Clean"/>
+                        </a:rPr>
+                        <a:t>Support</a:t>
+                      </a:r>
+                      <a:endParaRPr lang="en-US" sz="900">
+                        <a:latin typeface="Adobe Clean"/>
+                        <a:cs typeface="Adobe Clean"/>
+                      </a:endParaRPr>
                     </a:p>
                   </a:txBody>
                   <a:tcPr marL="0" marR="0" marT="7620" marB="0" anchor="ctr">
@@ -3548,15 +3977,39 @@
                         </a:spcBef>
                       </a:pPr>
                       <a:r>
-                        <a:rPr lang="it-IT" sz="900" dirty="0">
+                        <a:rPr sz="900" spc="-20">
                           <a:solidFill>
                             <a:srgbClr val="FFFFFF"/>
                           </a:solidFill>
                           <a:latin typeface="Adobe Clean"/>
                           <a:cs typeface="Adobe Clean"/>
                         </a:rPr>
-                        <a:t>Supporto Business</a:t>
+                        <a:t>Business</a:t>
                       </a:r>
+                      <a:r>
+                        <a:rPr lang="en-US" sz="900" spc="-20">
+                          <a:solidFill>
+                            <a:srgbClr val="FFFFFF"/>
+                          </a:solidFill>
+                          <a:latin typeface="Adobe Clean"/>
+                          <a:cs typeface="Adobe Clean"/>
+                        </a:rPr>
+                        <a:t> </a:t>
+                      </a:r>
+                      <a:r>
+                        <a:rPr sz="900" spc="-20">
+                          <a:solidFill>
+                            <a:srgbClr val="FFFFFF"/>
+                          </a:solidFill>
+                          <a:latin typeface="Adobe Clean"/>
+                          <a:cs typeface="Adobe Clean"/>
+                        </a:rPr>
+                        <a:t>Support</a:t>
+                      </a:r>
+                      <a:endParaRPr sz="900">
+                        <a:latin typeface="Adobe Clean"/>
+                        <a:cs typeface="Adobe Clean"/>
+                      </a:endParaRPr>
                     </a:p>
                   </a:txBody>
                   <a:tcPr marL="0" marR="0" marT="7620" marB="0" anchor="ctr">
@@ -3621,7 +4074,7 @@
                     <a:bodyPr/>
                     <a:lstStyle/>
                     <a:p>
-                      <a:pPr marL="0" marR="0" lvl="0" indent="0" algn="l" defTabSz="914400" rtl="0" eaLnBrk="1" fontAlgn="auto" latinLnBrk="0" hangingPunct="1">
+                      <a:pPr marL="0" marR="0" lvl="0" indent="0" algn="ctr" defTabSz="914400" eaLnBrk="1" fontAlgn="auto" latinLnBrk="0" hangingPunct="1">
                         <a:lnSpc>
                           <a:spcPct val="100000"/>
                         </a:lnSpc>
@@ -3702,13 +4155,13 @@
                         <a:defRPr/>
                       </a:pPr>
                       <a:r>
-                        <a:rPr lang="it-IT" sz="800" i="1">
+                        <a:rPr lang="en-US" sz="800" i="1">
                           <a:solidFill>
                             <a:schemeClr val="bg1"/>
                           </a:solidFill>
                           <a:latin typeface="Adobe Clean Light" panose="020B0303020404020204" pitchFamily="34" charset="0"/>
                         </a:rPr>
-                        <a:t>Supporto a pagamento ($)</a:t>
+                        <a:t>Paid Support ($)</a:t>
                       </a:r>
                     </a:p>
                   </a:txBody>
@@ -3772,15 +4225,22 @@
                         </a:spcBef>
                       </a:pPr>
                       <a:r>
-                        <a:rPr lang="it-IT" sz="1000" b="1" i="0">
+                        <a:rPr lang="en-US" sz="1000" b="1" i="0" spc="0">
                           <a:solidFill>
                             <a:schemeClr val="bg1"/>
                           </a:solidFill>
                           <a:latin typeface="Adobe Clean" panose="020B0503020404020204" pitchFamily="34" charset="0"/>
                           <a:cs typeface="AdobeClean-Light"/>
                         </a:rPr>
-                        <a:t>Esperti assegnati</a:t>
+                        <a:t>Assigned Experts</a:t>
                       </a:r>
+                      <a:endParaRPr sz="1000" b="1" i="0" spc="0">
+                        <a:solidFill>
+                          <a:schemeClr val="bg1"/>
+                        </a:solidFill>
+                        <a:latin typeface="Adobe Clean" panose="020B0503020404020204" pitchFamily="34" charset="0"/>
+                        <a:cs typeface="AdobeClean-Light"/>
+                      </a:endParaRPr>
                     </a:p>
                   </a:txBody>
                   <a:tcPr marL="0" marR="0" marT="58419" marB="0" anchor="ctr">
@@ -3827,7 +4287,7 @@
                         </a:spcBef>
                       </a:pPr>
                       <a:r>
-                        <a:rPr lang="it-IT" sz="900">
+                        <a:rPr sz="900" spc="0">
                           <a:solidFill>
                             <a:srgbClr val="020302"/>
                           </a:solidFill>
@@ -3836,6 +4296,10 @@
                         </a:rPr>
                         <a:t>Account Support Lead</a:t>
                       </a:r>
+                      <a:endParaRPr sz="900" spc="0">
+                        <a:latin typeface="AdobeClean-Light"/>
+                        <a:cs typeface="AdobeClean-Light"/>
+                      </a:endParaRPr>
                     </a:p>
                   </a:txBody>
                   <a:tcPr marL="0" marR="0" marT="58419" marB="0">
@@ -3870,7 +4334,7 @@
                     <a:bodyPr/>
                     <a:lstStyle/>
                     <a:p>
-                      <a:pPr algn="l" rtl="0">
+                      <a:pPr algn="ctr">
                         <a:lnSpc>
                           <a:spcPct val="100000"/>
                         </a:lnSpc>
@@ -3920,7 +4384,7 @@
                         </a:spcBef>
                       </a:pPr>
                       <a:r>
-                        <a:rPr lang="it-IT" sz="900">
+                        <a:rPr sz="900">
                           <a:solidFill>
                             <a:srgbClr val="020302"/>
                           </a:solidFill>
@@ -3929,6 +4393,10 @@
                         </a:rPr>
                         <a:t></a:t>
                       </a:r>
+                      <a:endParaRPr sz="900">
+                        <a:latin typeface="Wingdings"/>
+                        <a:cs typeface="Wingdings"/>
+                      </a:endParaRPr>
                     </a:p>
                   </a:txBody>
                   <a:tcPr marL="0" marR="0" marT="59690" marB="0" anchor="ctr">
@@ -3960,7 +4428,7 @@
                     <a:bodyPr/>
                     <a:lstStyle/>
                     <a:p>
-                      <a:pPr marL="50800" algn="l" rtl="0">
+                      <a:pPr marL="50800">
                         <a:lnSpc>
                           <a:spcPct val="100000"/>
                         </a:lnSpc>
@@ -4006,7 +4474,7 @@
                         </a:spcBef>
                       </a:pPr>
                       <a:r>
-                        <a:rPr lang="it-IT" sz="900">
+                        <a:rPr sz="900" spc="0">
                           <a:solidFill>
                             <a:srgbClr val="020302"/>
                           </a:solidFill>
@@ -4015,6 +4483,10 @@
                         </a:rPr>
                         <a:t>Named Support Engineer</a:t>
                       </a:r>
+                      <a:endParaRPr sz="900" spc="0">
+                        <a:latin typeface="AdobeClean-Light"/>
+                        <a:cs typeface="AdobeClean-Light"/>
+                      </a:endParaRPr>
                     </a:p>
                   </a:txBody>
                   <a:tcPr marL="0" marR="0" marT="58419" marB="0">
@@ -4037,7 +4509,7 @@
                     <a:bodyPr/>
                     <a:lstStyle/>
                     <a:p>
-                      <a:pPr algn="l" rtl="0">
+                      <a:pPr algn="ctr">
                         <a:lnSpc>
                           <a:spcPct val="100000"/>
                         </a:lnSpc>
@@ -4066,7 +4538,7 @@
                     <a:bodyPr/>
                     <a:lstStyle/>
                     <a:p>
-                      <a:pPr algn="l" rtl="0">
+                      <a:pPr algn="ctr">
                         <a:lnSpc>
                           <a:spcPct val="100000"/>
                         </a:lnSpc>
@@ -4097,7 +4569,7 @@
                     <a:bodyPr/>
                     <a:lstStyle/>
                     <a:p>
-                      <a:pPr marL="50800" algn="l" rtl="0">
+                      <a:pPr marL="50800">
                         <a:lnSpc>
                           <a:spcPct val="100000"/>
                         </a:lnSpc>
@@ -4155,7 +4627,7 @@
                         </a:spcBef>
                       </a:pPr>
                       <a:r>
-                        <a:rPr lang="it-IT" sz="900">
+                        <a:rPr sz="900" spc="0">
                           <a:solidFill>
                             <a:srgbClr val="020302"/>
                           </a:solidFill>
@@ -4164,6 +4636,10 @@
                         </a:rPr>
                         <a:t>Technical Account Manager</a:t>
                       </a:r>
+                      <a:endParaRPr sz="900" spc="0">
+                        <a:latin typeface="AdobeClean-Light"/>
+                        <a:cs typeface="AdobeClean-Light"/>
+                      </a:endParaRPr>
                     </a:p>
                   </a:txBody>
                   <a:tcPr marL="0" marR="0" marT="63500" marB="0">
@@ -4192,7 +4668,7 @@
                     <a:bodyPr/>
                     <a:lstStyle/>
                     <a:p>
-                      <a:pPr algn="l" rtl="0">
+                      <a:pPr algn="ctr">
                         <a:lnSpc>
                           <a:spcPct val="100000"/>
                         </a:lnSpc>
@@ -4230,7 +4706,7 @@
                     <a:bodyPr/>
                     <a:lstStyle/>
                     <a:p>
-                      <a:pPr algn="l" rtl="0">
+                      <a:pPr algn="ctr">
                         <a:lnSpc>
                           <a:spcPct val="100000"/>
                         </a:lnSpc>
@@ -4279,15 +4755,22 @@
                         </a:spcBef>
                       </a:pPr>
                       <a:r>
-                        <a:rPr lang="it-IT" sz="1000" b="1" i="0">
+                        <a:rPr lang="en-US" sz="1000" b="1" i="0" spc="0">
                           <a:solidFill>
                             <a:schemeClr val="bg1"/>
                           </a:solidFill>
                           <a:latin typeface="Adobe Clean" panose="020B0503020404020204" pitchFamily="34" charset="0"/>
                           <a:cs typeface="AdobeClean-Light"/>
                         </a:rPr>
-                        <a:t>Servizi di assistenza</a:t>
+                        <a:t>Support Services</a:t>
                       </a:r>
+                      <a:endParaRPr sz="1000" b="1" i="0" spc="0">
+                        <a:solidFill>
+                          <a:schemeClr val="bg1"/>
+                        </a:solidFill>
+                        <a:latin typeface="Adobe Clean" panose="020B0503020404020204" pitchFamily="34" charset="0"/>
+                        <a:cs typeface="AdobeClean-Light"/>
+                      </a:endParaRPr>
                     </a:p>
                   </a:txBody>
                   <a:tcPr marL="0" marR="0" marT="57150" marB="0" anchor="ctr">
@@ -4343,15 +4826,29 @@
                         </a:spcBef>
                       </a:pPr>
                       <a:r>
-                        <a:rPr lang="it-IT" sz="900">
+                        <a:rPr lang="en-US" sz="900" spc="0">
                           <a:solidFill>
                             <a:srgbClr val="020302"/>
                           </a:solidFill>
                           <a:latin typeface="AdobeClean-Light"/>
                           <a:cs typeface="AdobeClean-Light"/>
                         </a:rPr>
-                        <a:t>Supporto Online</a:t>
+                        <a:t>Online</a:t>
                       </a:r>
+                      <a:r>
+                        <a:rPr sz="900" spc="0">
+                          <a:solidFill>
+                            <a:srgbClr val="020302"/>
+                          </a:solidFill>
+                          <a:latin typeface="AdobeClean-Light"/>
+                          <a:cs typeface="AdobeClean-Light"/>
+                        </a:rPr>
+                        <a:t> Support</a:t>
+                      </a:r>
+                      <a:endParaRPr sz="900" spc="0">
+                        <a:latin typeface="AdobeClean-Light"/>
+                        <a:cs typeface="AdobeClean-Light"/>
+                      </a:endParaRPr>
                     </a:p>
                   </a:txBody>
                   <a:tcPr marL="0" marR="0" marT="57150" marB="0">
@@ -4389,15 +4886,39 @@
                         </a:spcBef>
                       </a:pPr>
                       <a:r>
-                        <a:rPr lang="it-IT" sz="900">
+                        <a:rPr sz="900" spc="-25">
                           <a:solidFill>
                             <a:srgbClr val="020302"/>
                           </a:solidFill>
                           <a:latin typeface="AdobeClean-Light"/>
                           <a:cs typeface="AdobeClean-Light"/>
                         </a:rPr>
-                        <a:t>Orario operativo</a:t>
+                        <a:t>Business</a:t>
                       </a:r>
+                      <a:r>
+                        <a:rPr sz="900" spc="-15">
+                          <a:solidFill>
+                            <a:srgbClr val="020302"/>
+                          </a:solidFill>
+                          <a:latin typeface="AdobeClean-Light"/>
+                          <a:cs typeface="AdobeClean-Light"/>
+                        </a:rPr>
+                        <a:t> </a:t>
+                      </a:r>
+                      <a:r>
+                        <a:rPr sz="900" spc="-30">
+                          <a:solidFill>
+                            <a:srgbClr val="020302"/>
+                          </a:solidFill>
+                          <a:latin typeface="AdobeClean-Light"/>
+                          <a:cs typeface="AdobeClean-Light"/>
+                        </a:rPr>
+                        <a:t>hours</a:t>
+                      </a:r>
+                      <a:endParaRPr sz="900">
+                        <a:latin typeface="AdobeClean-Light"/>
+                        <a:cs typeface="AdobeClean-Light"/>
+                      </a:endParaRPr>
                     </a:p>
                   </a:txBody>
                   <a:tcPr marL="0" marR="0" marT="67945" marB="0">
@@ -4436,15 +4957,39 @@
                         </a:spcBef>
                       </a:pPr>
                       <a:r>
-                        <a:rPr lang="it-IT" sz="900">
+                        <a:rPr sz="900" spc="-25">
                           <a:solidFill>
                             <a:srgbClr val="020302"/>
                           </a:solidFill>
                           <a:latin typeface="AdobeClean-Light"/>
                           <a:cs typeface="AdobeClean-Light"/>
                         </a:rPr>
-                        <a:t>Orario operativo</a:t>
+                        <a:t>Business</a:t>
                       </a:r>
+                      <a:r>
+                        <a:rPr sz="900" spc="-15">
+                          <a:solidFill>
+                            <a:srgbClr val="020302"/>
+                          </a:solidFill>
+                          <a:latin typeface="AdobeClean-Light"/>
+                          <a:cs typeface="AdobeClean-Light"/>
+                        </a:rPr>
+                        <a:t> </a:t>
+                      </a:r>
+                      <a:r>
+                        <a:rPr sz="900" spc="-30">
+                          <a:solidFill>
+                            <a:srgbClr val="020302"/>
+                          </a:solidFill>
+                          <a:latin typeface="AdobeClean-Light"/>
+                          <a:cs typeface="AdobeClean-Light"/>
+                        </a:rPr>
+                        <a:t>hours</a:t>
+                      </a:r>
+                      <a:endParaRPr sz="900">
+                        <a:latin typeface="AdobeClean-Light"/>
+                        <a:cs typeface="AdobeClean-Light"/>
+                      </a:endParaRPr>
                     </a:p>
                   </a:txBody>
                   <a:tcPr marL="0" marR="0" marT="67945" marB="0">
@@ -4476,7 +5021,7 @@
                     <a:bodyPr/>
                     <a:lstStyle/>
                     <a:p>
-                      <a:pPr marL="50800" algn="l" rtl="0">
+                      <a:pPr marL="50800">
                         <a:lnSpc>
                           <a:spcPct val="100000"/>
                         </a:lnSpc>
@@ -4525,15 +5070,39 @@
                         </a:spcBef>
                       </a:pPr>
                       <a:r>
-                        <a:rPr lang="it-IT" sz="900">
+                        <a:rPr sz="900" spc="0">
                           <a:solidFill>
                             <a:srgbClr val="020302"/>
                           </a:solidFill>
                           <a:latin typeface="AdobeClean-Light"/>
                           <a:cs typeface="AdobeClean-Light"/>
                         </a:rPr>
-                        <a:t>Supporto per problemi P1 24x7x365</a:t>
+                        <a:t>24x7</a:t>
                       </a:r>
+                      <a:r>
+                        <a:rPr lang="en-US" sz="900" spc="0">
+                          <a:solidFill>
+                            <a:srgbClr val="020302"/>
+                          </a:solidFill>
+                          <a:latin typeface="AdobeClean-Light"/>
+                          <a:cs typeface="AdobeClean-Light"/>
+                        </a:rPr>
+                        <a:t>x365</a:t>
+                      </a:r>
+                      <a:r>
+                        <a:rPr sz="900" spc="0">
+                          <a:solidFill>
+                            <a:srgbClr val="020302"/>
+                          </a:solidFill>
+                          <a:latin typeface="AdobeClean-Light"/>
+                          <a:cs typeface="AdobeClean-Light"/>
+                        </a:rPr>
+                        <a:t> P1 Issue Support</a:t>
+                      </a:r>
+                      <a:endParaRPr sz="900" spc="0">
+                        <a:latin typeface="AdobeClean-Light"/>
+                        <a:cs typeface="AdobeClean-Light"/>
+                      </a:endParaRPr>
                     </a:p>
                   </a:txBody>
                   <a:tcPr marL="0" marR="0" marT="57785" marB="0">
@@ -4565,7 +5134,7 @@
                         </a:spcBef>
                       </a:pPr>
                       <a:r>
-                        <a:rPr lang="it-IT" sz="900">
+                        <a:rPr sz="900">
                           <a:solidFill>
                             <a:srgbClr val="020302"/>
                           </a:solidFill>
@@ -4574,6 +5143,10 @@
                         </a:rPr>
                         <a:t></a:t>
                       </a:r>
+                      <a:endParaRPr sz="900">
+                        <a:latin typeface="Wingdings"/>
+                        <a:cs typeface="Wingdings"/>
+                      </a:endParaRPr>
                     </a:p>
                   </a:txBody>
                   <a:tcPr marL="0" marR="0" marT="58419" marB="0">
@@ -4603,7 +5176,7 @@
                         </a:spcBef>
                       </a:pPr>
                       <a:r>
-                        <a:rPr lang="it-IT" sz="900">
+                        <a:rPr sz="900">
                           <a:solidFill>
                             <a:srgbClr val="020302"/>
                           </a:solidFill>
@@ -4612,6 +5185,10 @@
                         </a:rPr>
                         <a:t></a:t>
                       </a:r>
+                      <a:endParaRPr sz="900">
+                        <a:latin typeface="Wingdings"/>
+                        <a:cs typeface="Wingdings"/>
+                      </a:endParaRPr>
                     </a:p>
                   </a:txBody>
                   <a:tcPr marL="0" marR="0" marT="58419" marB="0">
@@ -4634,7 +5211,7 @@
                     <a:bodyPr/>
                     <a:lstStyle/>
                     <a:p>
-                      <a:pPr marL="50800" algn="l" rtl="0">
+                      <a:pPr marL="50800">
                         <a:lnSpc>
                           <a:spcPct val="100000"/>
                         </a:lnSpc>
@@ -4692,15 +5269,19 @@
                         </a:spcBef>
                       </a:pPr>
                       <a:r>
-                        <a:rPr lang="it-IT" sz="900">
+                        <a:rPr lang="en-US" sz="900" spc="0">
                           <a:solidFill>
                             <a:srgbClr val="020302"/>
                           </a:solidFill>
                           <a:latin typeface="AdobeClean-Light"/>
                           <a:cs typeface="AdobeClean-Light"/>
                         </a:rPr>
-                        <a:t>Contatti interni per il supporto (per prodotto)</a:t>
+                        <a:t>Named Support Contacts (per product)</a:t>
                       </a:r>
+                      <a:endParaRPr sz="900" spc="0">
+                        <a:latin typeface="AdobeClean-Light"/>
+                        <a:cs typeface="AdobeClean-Light"/>
+                      </a:endParaRPr>
                     </a:p>
                   </a:txBody>
                   <a:tcPr marL="0" marR="0" marT="57785" marB="0">
@@ -4738,7 +5319,7 @@
                         </a:spcBef>
                       </a:pPr>
                       <a:r>
-                        <a:rPr lang="it-IT" sz="900">
+                        <a:rPr sz="900">
                           <a:solidFill>
                             <a:srgbClr val="020302"/>
                           </a:solidFill>
@@ -4747,6 +5328,10 @@
                         </a:rPr>
                         <a:t>4</a:t>
                       </a:r>
+                      <a:endParaRPr sz="900">
+                        <a:latin typeface="AdobeClean-Light"/>
+                        <a:cs typeface="AdobeClean-Light"/>
+                      </a:endParaRPr>
                     </a:p>
                   </a:txBody>
                   <a:tcPr marL="0" marR="0" marT="57785" marB="0">
@@ -4776,7 +5361,7 @@
                         </a:spcBef>
                       </a:pPr>
                       <a:r>
-                        <a:rPr lang="it-IT" sz="900">
+                        <a:rPr sz="900">
                           <a:solidFill>
                             <a:srgbClr val="020302"/>
                           </a:solidFill>
@@ -4785,6 +5370,10 @@
                         </a:rPr>
                         <a:t>6</a:t>
                       </a:r>
+                      <a:endParaRPr sz="900">
+                        <a:latin typeface="AdobeClean-Light"/>
+                        <a:cs typeface="AdobeClean-Light"/>
+                      </a:endParaRPr>
                     </a:p>
                   </a:txBody>
                   <a:tcPr marL="0" marR="0" marT="57785" marB="0">
@@ -4807,7 +5396,7 @@
                     <a:bodyPr/>
                     <a:lstStyle/>
                     <a:p>
-                      <a:pPr marL="50800" algn="l" rtl="0">
+                      <a:pPr marL="50800">
                         <a:lnSpc>
                           <a:spcPct val="100000"/>
                         </a:lnSpc>
@@ -4856,15 +5445,19 @@
                         </a:spcBef>
                       </a:pPr>
                       <a:r>
-                        <a:rPr lang="it-IT" sz="900">
+                        <a:rPr lang="en-US" sz="900" spc="0">
                           <a:solidFill>
                             <a:srgbClr val="020302"/>
                           </a:solidFill>
                           <a:latin typeface="AdobeClean-Light"/>
                           <a:cs typeface="AdobeClean-Light"/>
                         </a:rPr>
-                        <a:t>Supporto telefonico in diretta</a:t>
+                        <a:t>Live Telephone Support</a:t>
                       </a:r>
+                      <a:endParaRPr sz="900" spc="0">
+                        <a:latin typeface="AdobeClean-Light"/>
+                        <a:cs typeface="AdobeClean-Light"/>
+                      </a:endParaRPr>
                     </a:p>
                   </a:txBody>
                   <a:tcPr marL="0" marR="0" marT="57785" marB="0">
@@ -4887,7 +5480,7 @@
                     <a:bodyPr/>
                     <a:lstStyle/>
                     <a:p>
-                      <a:pPr algn="l" rtl="0">
+                      <a:pPr algn="ctr">
                         <a:lnSpc>
                           <a:spcPct val="100000"/>
                         </a:lnSpc>
@@ -4928,7 +5521,7 @@
                         </a:spcBef>
                       </a:pPr>
                       <a:r>
-                        <a:rPr lang="it-IT" sz="900">
+                        <a:rPr sz="900">
                           <a:solidFill>
                             <a:srgbClr val="020302"/>
                           </a:solidFill>
@@ -4937,6 +5530,10 @@
                         </a:rPr>
                         <a:t></a:t>
                       </a:r>
+                      <a:endParaRPr sz="900">
+                        <a:latin typeface="Wingdings"/>
+                        <a:cs typeface="Wingdings"/>
+                      </a:endParaRPr>
                     </a:p>
                   </a:txBody>
                   <a:tcPr marL="0" marR="0" marT="59054" marB="0">
@@ -4959,7 +5556,7 @@
                     <a:bodyPr/>
                     <a:lstStyle/>
                     <a:p>
-                      <a:pPr marL="50800" algn="l" rtl="0">
+                      <a:pPr marL="50800">
                         <a:lnSpc>
                           <a:spcPct val="100000"/>
                         </a:lnSpc>
@@ -5008,15 +5605,19 @@
                         </a:spcBef>
                       </a:pPr>
                       <a:r>
-                        <a:rPr lang="it-IT" sz="900">
+                        <a:rPr sz="900" spc="0">
                           <a:solidFill>
                             <a:srgbClr val="020302"/>
                           </a:solidFill>
                           <a:latin typeface="AdobeClean-Light"/>
                           <a:cs typeface="AdobeClean-Light"/>
                         </a:rPr>
-                        <a:t>Gestione delle escalation</a:t>
+                        <a:t>Escalation Management</a:t>
                       </a:r>
+                      <a:endParaRPr sz="900" spc="0">
+                        <a:latin typeface="AdobeClean-Light"/>
+                        <a:cs typeface="AdobeClean-Light"/>
+                      </a:endParaRPr>
                     </a:p>
                   </a:txBody>
                   <a:tcPr marL="0" marR="0" marT="58419" marB="0">
@@ -5039,7 +5640,7 @@
                     <a:bodyPr/>
                     <a:lstStyle/>
                     <a:p>
-                      <a:pPr algn="l" rtl="0">
+                      <a:pPr algn="ctr">
                         <a:lnSpc>
                           <a:spcPct val="100000"/>
                         </a:lnSpc>
@@ -5080,7 +5681,7 @@
                         </a:spcBef>
                       </a:pPr>
                       <a:r>
-                        <a:rPr lang="it-IT" sz="900">
+                        <a:rPr sz="900">
                           <a:solidFill>
                             <a:srgbClr val="020302"/>
                           </a:solidFill>
@@ -5089,6 +5690,10 @@
                         </a:rPr>
                         <a:t></a:t>
                       </a:r>
+                      <a:endParaRPr sz="900">
+                        <a:latin typeface="Wingdings"/>
+                        <a:cs typeface="Wingdings"/>
+                      </a:endParaRPr>
                     </a:p>
                   </a:txBody>
                   <a:tcPr marL="0" marR="0" marT="59690" marB="0">
@@ -5111,7 +5716,7 @@
                     <a:bodyPr/>
                     <a:lstStyle/>
                     <a:p>
-                      <a:pPr marL="50800" algn="l" rtl="0">
+                      <a:pPr marL="50800">
                         <a:lnSpc>
                           <a:spcPct val="100000"/>
                         </a:lnSpc>
@@ -5160,15 +5765,29 @@
                         </a:spcBef>
                       </a:pPr>
                       <a:r>
-                        <a:rPr lang="it-IT" sz="900">
+                        <a:rPr sz="900" spc="0">
                           <a:solidFill>
                             <a:srgbClr val="020302"/>
                           </a:solidFill>
                           <a:latin typeface="AdobeClean-Light"/>
                           <a:cs typeface="AdobeClean-Light"/>
                         </a:rPr>
-                        <a:t>Valutazioni dei servizi all’anno</a:t>
+                        <a:t>Service Reviews </a:t>
                       </a:r>
+                      <a:r>
+                        <a:rPr lang="en-US" sz="900" spc="0">
+                          <a:solidFill>
+                            <a:srgbClr val="020302"/>
+                          </a:solidFill>
+                          <a:latin typeface="AdobeClean-Light"/>
+                          <a:cs typeface="AdobeClean-Light"/>
+                        </a:rPr>
+                        <a:t>per Year</a:t>
+                      </a:r>
+                      <a:endParaRPr sz="900" spc="0">
+                        <a:latin typeface="AdobeClean-Light"/>
+                        <a:cs typeface="AdobeClean-Light"/>
+                      </a:endParaRPr>
                     </a:p>
                   </a:txBody>
                   <a:tcPr marL="0" marR="0" marT="57150" marB="0">
@@ -5191,7 +5810,7 @@
                     <a:bodyPr/>
                     <a:lstStyle/>
                     <a:p>
-                      <a:pPr algn="l" rtl="0">
+                      <a:pPr>
                         <a:lnSpc>
                           <a:spcPct val="100000"/>
                         </a:lnSpc>
@@ -5220,7 +5839,7 @@
                     <a:bodyPr/>
                     <a:lstStyle/>
                     <a:p>
-                      <a:pPr algn="l" rtl="0">
+                      <a:pPr>
                         <a:lnSpc>
                           <a:spcPct val="100000"/>
                         </a:lnSpc>
@@ -5270,12 +5889,16 @@
                         </a:spcBef>
                       </a:pPr>
                       <a:r>
-                        <a:rPr lang="it-IT" sz="900">
+                        <a:rPr lang="en-US" sz="900" spc="0">
                           <a:latin typeface="AdobeClean-Light"/>
                           <a:cs typeface="AdobeClean-Light"/>
                         </a:rPr>
-                        <a:t>Sessioni con esperti all’anno</a:t>
+                        <a:t>Expert Sessions per Year</a:t>
                       </a:r>
+                      <a:endParaRPr sz="900" spc="0">
+                        <a:latin typeface="AdobeClean-Light"/>
+                        <a:cs typeface="AdobeClean-Light"/>
+                      </a:endParaRPr>
                     </a:p>
                   </a:txBody>
                   <a:tcPr marL="0" marR="0" marT="57150" marB="0">
@@ -5304,7 +5927,7 @@
                     <a:bodyPr/>
                     <a:lstStyle/>
                     <a:p>
-                      <a:pPr algn="l" rtl="0">
+                      <a:pPr>
                         <a:lnSpc>
                           <a:spcPct val="100000"/>
                         </a:lnSpc>
@@ -5333,7 +5956,7 @@
                     <a:bodyPr/>
                     <a:lstStyle/>
                     <a:p>
-                      <a:pPr algn="l" rtl="0">
+                      <a:pPr>
                         <a:lnSpc>
                           <a:spcPct val="100000"/>
                         </a:lnSpc>
@@ -5383,12 +6006,16 @@
                         </a:spcBef>
                       </a:pPr>
                       <a:r>
-                        <a:rPr lang="it-IT" sz="900">
+                        <a:rPr lang="en-US" sz="900" spc="0">
                           <a:latin typeface="AdobeClean-Light"/>
                           <a:cs typeface="AdobeClean-Light"/>
                         </a:rPr>
-                        <a:t>Valutazione dei casi</a:t>
+                        <a:t>Case Reviews</a:t>
                       </a:r>
+                      <a:endParaRPr sz="900" spc="0">
+                        <a:latin typeface="AdobeClean-Light"/>
+                        <a:cs typeface="AdobeClean-Light"/>
+                      </a:endParaRPr>
                     </a:p>
                   </a:txBody>
                   <a:tcPr marL="0" marR="0" marT="57150" marB="0">
@@ -5417,7 +6044,7 @@
                     <a:bodyPr/>
                     <a:lstStyle/>
                     <a:p>
-                      <a:pPr algn="l" rtl="0">
+                      <a:pPr>
                         <a:lnSpc>
                           <a:spcPct val="100000"/>
                         </a:lnSpc>
@@ -5446,7 +6073,7 @@
                     <a:bodyPr/>
                     <a:lstStyle/>
                     <a:p>
-                      <a:pPr algn="l" rtl="0">
+                      <a:pPr>
                         <a:lnSpc>
                           <a:spcPct val="100000"/>
                         </a:lnSpc>
@@ -5477,7 +6104,7 @@
                     <a:bodyPr/>
                     <a:lstStyle/>
                     <a:p>
-                      <a:pPr marL="48895" algn="l" rtl="0">
+                      <a:pPr marL="48895">
                         <a:lnSpc>
                           <a:spcPct val="100000"/>
                         </a:lnSpc>
@@ -5535,15 +6162,29 @@
                         </a:spcBef>
                       </a:pPr>
                       <a:r>
-                        <a:rPr lang="it-IT" sz="900">
+                        <a:rPr sz="900" spc="0">
                           <a:solidFill>
                             <a:srgbClr val="020302"/>
                           </a:solidFill>
                           <a:latin typeface="AdobeClean-Light"/>
                           <a:cs typeface="AdobeClean-Light"/>
                         </a:rPr>
-                        <a:t>Gestione degli eventi</a:t>
+                        <a:t>Event </a:t>
                       </a:r>
+                      <a:r>
+                        <a:rPr lang="en-US" sz="900" spc="0">
+                          <a:solidFill>
+                            <a:srgbClr val="020302"/>
+                          </a:solidFill>
+                          <a:latin typeface="AdobeClean-Light"/>
+                          <a:cs typeface="AdobeClean-Light"/>
+                        </a:rPr>
+                        <a:t>Management</a:t>
+                      </a:r>
+                      <a:endParaRPr sz="900" spc="0">
+                        <a:latin typeface="AdobeClean-Light"/>
+                        <a:cs typeface="AdobeClean-Light"/>
+                      </a:endParaRPr>
                     </a:p>
                   </a:txBody>
                   <a:tcPr marL="0" marR="0" marT="58419" marB="0">
@@ -5572,7 +6213,7 @@
                     <a:bodyPr/>
                     <a:lstStyle/>
                     <a:p>
-                      <a:pPr algn="l" rtl="0">
+                      <a:pPr>
                         <a:lnSpc>
                           <a:spcPct val="100000"/>
                         </a:lnSpc>
@@ -5601,7 +6242,7 @@
                     <a:bodyPr/>
                     <a:lstStyle/>
                     <a:p>
-                      <a:pPr algn="l" rtl="0">
+                      <a:pPr>
                         <a:lnSpc>
                           <a:spcPct val="100000"/>
                         </a:lnSpc>
@@ -5632,7 +6273,7 @@
                     <a:bodyPr/>
                     <a:lstStyle/>
                     <a:p>
-                      <a:pPr marL="48895" algn="l" rtl="0">
+                      <a:pPr marL="48895">
                         <a:lnSpc>
                           <a:spcPct val="100000"/>
                         </a:lnSpc>
@@ -5681,15 +6322,39 @@
                         </a:spcBef>
                       </a:pPr>
                       <a:r>
-                        <a:rPr lang="it-IT" sz="900">
+                        <a:rPr sz="900" spc="0">
                           <a:solidFill>
                             <a:srgbClr val="020302"/>
                           </a:solidFill>
                           <a:latin typeface="AdobeClean-Light"/>
                           <a:cs typeface="AdobeClean-Light"/>
                         </a:rPr>
-                        <a:t>Valutazione ambiente, manutenzione e monitoraggio</a:t>
+                        <a:t>Environment</a:t>
                       </a:r>
+                      <a:r>
+                        <a:rPr lang="en-US" sz="900" spc="0">
+                          <a:solidFill>
+                            <a:srgbClr val="020302"/>
+                          </a:solidFill>
+                          <a:latin typeface="AdobeClean-Light"/>
+                          <a:cs typeface="AdobeClean-Light"/>
+                        </a:rPr>
+                        <a:t> </a:t>
+                      </a:r>
+                      <a:r>
+                        <a:rPr sz="900" spc="0">
+                          <a:solidFill>
+                            <a:srgbClr val="020302"/>
+                          </a:solidFill>
+                          <a:latin typeface="AdobeClean-Light"/>
+                          <a:cs typeface="AdobeClean-Light"/>
+                        </a:rPr>
+                        <a:t>Review, Maintenance &amp; Monitoring</a:t>
+                      </a:r>
+                      <a:endParaRPr sz="900" spc="0">
+                        <a:latin typeface="AdobeClean-Light"/>
+                        <a:cs typeface="AdobeClean-Light"/>
+                      </a:endParaRPr>
                     </a:p>
                   </a:txBody>
                   <a:tcPr marL="0" marR="0" marT="59055" marB="0">
@@ -5712,7 +6377,7 @@
                     <a:bodyPr/>
                     <a:lstStyle/>
                     <a:p>
-                      <a:pPr algn="l" rtl="0">
+                      <a:pPr>
                         <a:lnSpc>
                           <a:spcPct val="100000"/>
                         </a:lnSpc>
@@ -5741,7 +6406,7 @@
                     <a:bodyPr/>
                     <a:lstStyle/>
                     <a:p>
-                      <a:pPr algn="l" rtl="0">
+                      <a:pPr>
                         <a:lnSpc>
                           <a:spcPct val="100000"/>
                         </a:lnSpc>
@@ -5772,7 +6437,7 @@
                     <a:bodyPr/>
                     <a:lstStyle/>
                     <a:p>
-                      <a:pPr marL="49530" algn="l" rtl="0">
+                      <a:pPr marL="49530">
                         <a:lnSpc>
                           <a:spcPct val="100000"/>
                         </a:lnSpc>
@@ -5821,34 +6486,19 @@
                         </a:spcBef>
                       </a:pPr>
                       <a:r>
-                        <a:rPr lang="it-IT" sz="900" dirty="0">
+                        <a:rPr sz="900" spc="0">
                           <a:solidFill>
                             <a:srgbClr val="020302"/>
                           </a:solidFill>
                           <a:latin typeface="AdobeClean-Light"/>
                           <a:cs typeface="AdobeClean-Light"/>
                         </a:rPr>
-                        <a:t>Valutazione della roadmap di prodotti, versioni, migrazione </a:t>
+                        <a:t>Release, Migration, Upgrade &amp; Product Roadmap Review</a:t>
                       </a:r>
-                      <a:br>
-                        <a:rPr lang="it-IT" sz="900" dirty="0">
-                          <a:solidFill>
-                            <a:srgbClr val="020302"/>
-                          </a:solidFill>
-                          <a:latin typeface="AdobeClean-Light"/>
-                          <a:cs typeface="AdobeClean-Light"/>
-                        </a:rPr>
-                      </a:br>
-                      <a:r>
-                        <a:rPr lang="it-IT" sz="900" dirty="0">
-                          <a:solidFill>
-                            <a:srgbClr val="020302"/>
-                          </a:solidFill>
-                          <a:latin typeface="AdobeClean-Light"/>
-                          <a:cs typeface="AdobeClean-Light"/>
-                        </a:rPr>
-                        <a:t>e aggiornamento</a:t>
-                      </a:r>
+                      <a:endParaRPr sz="900" spc="0">
+                        <a:latin typeface="AdobeClean-Light"/>
+                        <a:cs typeface="AdobeClean-Light"/>
+                      </a:endParaRPr>
                     </a:p>
                   </a:txBody>
                   <a:tcPr marL="0" marR="0" marT="63500" marB="0">
@@ -5871,7 +6521,7 @@
                     <a:bodyPr/>
                     <a:lstStyle/>
                     <a:p>
-                      <a:pPr algn="l" rtl="0">
+                      <a:pPr>
                         <a:lnSpc>
                           <a:spcPct val="100000"/>
                         </a:lnSpc>
@@ -5900,7 +6550,7 @@
                     <a:bodyPr/>
                     <a:lstStyle/>
                     <a:p>
-                      <a:pPr algn="l" rtl="0">
+                      <a:pPr>
                         <a:lnSpc>
                           <a:spcPct val="100000"/>
                         </a:lnSpc>
@@ -5931,7 +6581,7 @@
                     <a:bodyPr/>
                     <a:lstStyle/>
                     <a:p>
-                      <a:pPr marL="49530" algn="l" rtl="0">
+                      <a:pPr marL="49530">
                         <a:lnSpc>
                           <a:spcPct val="100000"/>
                         </a:lnSpc>
@@ -5989,11 +6639,11 @@
                         </a:spcBef>
                       </a:pPr>
                       <a:r>
-                        <a:rPr lang="it-IT" sz="900">
+                        <a:rPr sz="900" spc="0">
                           <a:latin typeface="AdobeClean-Light"/>
                           <a:cs typeface="AdobeClean-Light"/>
                         </a:rPr>
-                        <a:t>Attività di supporto cloud - Experience Manager as Cloud</a:t>
+                        <a:t>Cloud Support Activities – Experience Manager as Cloud</a:t>
                       </a:r>
                     </a:p>
                   </a:txBody>
@@ -6023,7 +6673,7 @@
                     <a:bodyPr/>
                     <a:lstStyle/>
                     <a:p>
-                      <a:pPr algn="l" rtl="0">
+                      <a:pPr>
                         <a:lnSpc>
                           <a:spcPct val="100000"/>
                         </a:lnSpc>
@@ -6061,7 +6711,7 @@
                     <a:bodyPr/>
                     <a:lstStyle/>
                     <a:p>
-                      <a:pPr algn="l" rtl="0">
+                      <a:pPr>
                         <a:lnSpc>
                           <a:spcPct val="100000"/>
                         </a:lnSpc>
@@ -6110,15 +6760,22 @@
                         </a:spcBef>
                       </a:pPr>
                       <a:r>
-                        <a:rPr lang="it-IT" sz="1000" b="1" i="0">
+                        <a:rPr lang="en-US" sz="1000" b="1" i="0" spc="0">
                           <a:solidFill>
                             <a:schemeClr val="bg1"/>
                           </a:solidFill>
                           <a:latin typeface="Adobe Clean" panose="020B0503020404020204" pitchFamily="34" charset="0"/>
                           <a:cs typeface="AdobeClean-Light"/>
                         </a:rPr>
-                        <a:t>Servizi sul campo</a:t>
+                        <a:t>Field Services</a:t>
                       </a:r>
+                      <a:endParaRPr sz="1000" b="1" i="0" spc="0">
+                        <a:solidFill>
+                          <a:schemeClr val="bg1"/>
+                        </a:solidFill>
+                        <a:latin typeface="Adobe Clean" panose="020B0503020404020204" pitchFamily="34" charset="0"/>
+                        <a:cs typeface="AdobeClean-Light"/>
+                      </a:endParaRPr>
                     </a:p>
                   </a:txBody>
                   <a:tcPr marL="0" marR="0" marT="48260" marB="0" anchor="ctr">
@@ -6171,15 +6828,19 @@
                         </a:spcBef>
                       </a:pPr>
                       <a:r>
-                        <a:rPr lang="it-IT" sz="900">
+                        <a:rPr sz="900" spc="0">
                           <a:solidFill>
                             <a:srgbClr val="020302"/>
                           </a:solidFill>
                           <a:latin typeface="AdobeClean-Light"/>
                           <a:cs typeface="AdobeClean-Light"/>
                         </a:rPr>
-                        <a:t>Launch Advisory - Nel primo anno di nuove soluzioni</a:t>
+                        <a:t>Launch Advisory Services – First Year of new solution</a:t>
                       </a:r>
+                      <a:endParaRPr sz="900" spc="0">
+                        <a:latin typeface="AdobeClean-Light"/>
+                        <a:cs typeface="AdobeClean-Light"/>
+                      </a:endParaRPr>
                     </a:p>
                     <a:p>
                       <a:pPr marL="48260" hangingPunct="0">
@@ -6191,11 +6852,11 @@
                         </a:spcBef>
                       </a:pPr>
                       <a:r>
-                        <a:rPr lang="it-IT" sz="900">
+                        <a:rPr sz="900" spc="0">
                           <a:latin typeface="AdobeClean-Light"/>
                           <a:cs typeface="AdobeClean-Light"/>
                         </a:rPr>
-                        <a:t>Attività di servizio sul campo </a:t>
+                        <a:t>Field Service Activities </a:t>
                       </a:r>
                     </a:p>
                   </a:txBody>
@@ -6231,7 +6892,7 @@
                     <a:bodyPr/>
                     <a:lstStyle/>
                     <a:p>
-                      <a:pPr algn="l" rtl="0">
+                      <a:pPr>
                         <a:lnSpc>
                           <a:spcPct val="100000"/>
                         </a:lnSpc>
@@ -6269,7 +6930,7 @@
                     <a:bodyPr/>
                     <a:lstStyle/>
                     <a:p>
-                      <a:pPr algn="l" rtl="0">
+                      <a:pPr>
                         <a:lnSpc>
                           <a:spcPct val="100000"/>
                         </a:lnSpc>
@@ -6354,7 +7015,7 @@
                     <a:bodyPr/>
                     <a:lstStyle/>
                     <a:p>
-                      <a:pPr algn="l" rtl="0">
+                      <a:pPr>
                         <a:lnSpc>
                           <a:spcPct val="100000"/>
                         </a:lnSpc>
@@ -6380,12 +7041,12 @@
                     <a:bodyPr/>
                     <a:lstStyle/>
                     <a:p>
-                      <a:pPr algn="l" rtl="0">
+                      <a:pPr>
                         <a:lnSpc>
                           <a:spcPct val="100000"/>
                         </a:lnSpc>
                       </a:pPr>
-                      <a:endParaRPr sz="900" dirty="0">
+                      <a:endParaRPr sz="900">
                         <a:latin typeface="Times New Roman"/>
                         <a:cs typeface="Times New Roman"/>
                       </a:endParaRPr>
@@ -6444,7 +7105,7 @@
           <a:lstStyle/>
           <a:p>
             <a:r>
-              <a:rPr lang="it-IT" sz="700" i="1">
+              <a:rPr lang="en-US" sz="700" i="1">
                 <a:solidFill>
                   <a:schemeClr val="bg1"/>
                 </a:solidFill>
@@ -6626,7 +7287,7 @@
         <p:spPr>
           <a:xfrm>
             <a:off x="370040" y="1409311"/>
-            <a:ext cx="2286000" cy="1458926"/>
+            <a:ext cx="2286000" cy="1289969"/>
           </a:xfrm>
           <a:prstGeom prst="rect">
             <a:avLst/>
@@ -6647,14 +7308,18 @@
               </a:spcBef>
             </a:pPr>
             <a:r>
-              <a:rPr lang="it-IT" sz="1000" dirty="0">
+              <a:rPr lang="en-US" sz="1000">
                 <a:solidFill>
                   <a:srgbClr val="000000"/>
                 </a:solidFill>
                 <a:latin typeface="Adobe Clean Light" panose="020B0303020404020204" pitchFamily="34" charset="0"/>
               </a:rPr>
-              <a:t>Un Account Support Lead dedicato per il monitoraggio proattivo dei casi e per promuovere la collaborazione tra team, fornire webinar introduttivi, eseguire rapporti sui servizi e fornire assistenza non tecnica. Inoltre funge da riferimento per l’escalation dei problemi e da rappresentante del cliente all’interno del supporto Adobe.</a:t>
-            </a:r>
+              <a:t>A designated Account Support Lead to proactively monitor cases, drive cross-team collaboration, deliver onboarding webinars, run service reports, provide non-technical support assistance, and function as your escalation point and internal advocate within Adobe Support.</a:t>
+            </a:r>
+            <a:endParaRPr lang="en-US" sz="1000">
+              <a:latin typeface="Adobe Clean Light" panose="020B0303020404020204" pitchFamily="34" charset="0"/>
+              <a:cs typeface="AdobeClean-Light"/>
+            </a:endParaRPr>
           </a:p>
         </p:txBody>
       </p:sp>
@@ -6691,14 +7356,44 @@
               </a:tabLst>
             </a:pPr>
             <a:r>
-              <a:rPr lang="it-IT" sz="1000" dirty="0">
+              <a:rPr sz="1000">
                 <a:solidFill>
                   <a:srgbClr val="020302"/>
                 </a:solidFill>
                 <a:latin typeface="AdobeClean-Light"/>
                 <a:cs typeface="AdobeClean-Light"/>
               </a:rPr>
-              <a:t>Avvia una sessione di chat per ottenere risposte e assistenza nell’invio di un caso.</a:t>
+              <a:t>Start a chat session to get answers</a:t>
+            </a:r>
+            <a:r>
+              <a:rPr lang="en-US" sz="1000">
+                <a:solidFill>
+                  <a:srgbClr val="020302"/>
+                </a:solidFill>
+                <a:latin typeface="AdobeClean-Light"/>
+                <a:cs typeface="AdobeClean-Light"/>
+              </a:rPr>
+              <a:t> &amp; </a:t>
+            </a:r>
+            <a:r>
+              <a:rPr sz="1000">
+                <a:solidFill>
+                  <a:srgbClr val="020302"/>
+                </a:solidFill>
+                <a:latin typeface="AdobeClean-Light"/>
+                <a:cs typeface="AdobeClean-Light"/>
+              </a:rPr>
+              <a:t>help with case submission</a:t>
+            </a:r>
+            <a:r>
+              <a:rPr lang="en-US" sz="1000">
+                <a:solidFill>
+                  <a:srgbClr val="020302"/>
+                </a:solidFill>
+                <a:latin typeface="AdobeClean-Light"/>
+                <a:cs typeface="AdobeClean-Light"/>
+              </a:rPr>
+              <a:t>.</a:t>
             </a:r>
           </a:p>
           <a:p>
@@ -6711,25 +7406,39 @@
               </a:tabLst>
             </a:pPr>
             <a:r>
-              <a:rPr lang="it-IT" sz="1000" i="1" dirty="0">
+              <a:rPr sz="1000" i="1">
                 <a:solidFill>
                   <a:srgbClr val="7A7A7A"/>
                 </a:solidFill>
                 <a:latin typeface="AdobeClean-LightIt"/>
                 <a:cs typeface="AdobeClean-LightIt"/>
               </a:rPr>
-              <a:t>* Il supporto chat in diretta non è disponibile per tutti i prodotti</a:t>
-            </a:r>
-            <a:r>
-              <a:rPr lang="it-IT" sz="900" i="1" dirty="0">
+              <a:t>*Not all products have live chat support</a:t>
+            </a:r>
+            <a:r>
+              <a:rPr sz="900" i="1">
                 <a:solidFill>
                   <a:srgbClr val="7A7A7A"/>
                 </a:solidFill>
                 <a:latin typeface="AdobeClean-LightIt"/>
                 <a:cs typeface="AdobeClean-LightIt"/>
               </a:rPr>
-              <a:t>.  </a:t>
-            </a:r>
+              <a:t>.</a:t>
+            </a:r>
+            <a:r>
+              <a:rPr lang="en-US" sz="900" i="1">
+                <a:solidFill>
+                  <a:srgbClr val="7A7A7A"/>
+                </a:solidFill>
+                <a:latin typeface="AdobeClean-LightIt"/>
+                <a:cs typeface="AdobeClean-LightIt"/>
+              </a:rPr>
+              <a:t>  </a:t>
+            </a:r>
+            <a:endParaRPr sz="900">
+              <a:latin typeface="AdobeClean-Light"/>
+              <a:cs typeface="AdobeClean-Light"/>
+            </a:endParaRPr>
           </a:p>
         </p:txBody>
       </p:sp>
@@ -6778,7 +7487,7 @@
         </p:nvSpPr>
         <p:spPr>
           <a:xfrm>
-            <a:off x="838200" y="5737788"/>
+            <a:off x="838200" y="6046398"/>
             <a:ext cx="1568246" cy="184666"/>
           </a:xfrm>
           <a:prstGeom prst="rect">
@@ -6805,12 +7514,12 @@
               <a:defRPr/>
             </a:pPr>
             <a:r>
-              <a:rPr lang="it-IT" sz="1200">
+              <a:rPr lang="en-US" sz="1200">
                 <a:solidFill>
                   <a:srgbClr val="000000"/>
                 </a:solidFill>
               </a:rPr>
-              <a:t>Forum della community</a:t>
+              <a:t>Community Forums</a:t>
             </a:r>
           </a:p>
         </p:txBody>
@@ -6831,7 +7540,7 @@
         </p:nvSpPr>
         <p:spPr>
           <a:xfrm>
-            <a:off x="838200" y="5968695"/>
+            <a:off x="838200" y="6277305"/>
             <a:ext cx="959314" cy="184666"/>
           </a:xfrm>
           <a:prstGeom prst="rect">
@@ -6853,12 +7562,12 @@
               </a:spcAft>
             </a:pPr>
             <a:r>
-              <a:rPr lang="it-IT" sz="1200" b="1">
+              <a:rPr lang="en-US" sz="1200" b="1">
                 <a:latin typeface="+mj-lt"/>
                 <a:ea typeface="Open Sans" pitchFamily="34" charset="0"/>
                 <a:cs typeface="Open Sans" pitchFamily="34" charset="0"/>
               </a:rPr>
-              <a:t>Forum online</a:t>
+              <a:t>Online Forums</a:t>
             </a:r>
           </a:p>
         </p:txBody>
@@ -6877,8 +7586,8 @@
         </p:nvSpPr>
         <p:spPr>
           <a:xfrm>
-            <a:off x="370040" y="6220639"/>
-            <a:ext cx="2286000" cy="959237"/>
+            <a:off x="370040" y="6529249"/>
+            <a:ext cx="2286000" cy="805349"/>
           </a:xfrm>
           <a:prstGeom prst="rect">
             <a:avLst/>
@@ -6891,47 +7600,13 @@
           <a:lstStyle/>
           <a:p>
             <a:r>
-              <a:rPr lang="it-IT" sz="1000" dirty="0">
+              <a:rPr lang="en-US" sz="1000">
                 <a:solidFill>
                   <a:srgbClr val="000000"/>
                 </a:solidFill>
                 <a:latin typeface="Adobe Clean Light" panose="020B0303020404020204" pitchFamily="34" charset="0"/>
               </a:rPr>
-              <a:t>Accesso online continuo a un database </a:t>
-            </a:r>
-            <a:br>
-              <a:rPr lang="it-IT" sz="1000" dirty="0">
-                <a:solidFill>
-                  <a:srgbClr val="000000"/>
-                </a:solidFill>
-                <a:latin typeface="Adobe Clean Light" panose="020B0303020404020204" pitchFamily="34" charset="0"/>
-              </a:rPr>
-            </a:br>
-            <a:r>
-              <a:rPr lang="it-IT" sz="1000" dirty="0">
-                <a:solidFill>
-                  <a:srgbClr val="000000"/>
-                </a:solidFill>
-                <a:latin typeface="Adobe Clean Light" panose="020B0303020404020204" pitchFamily="34" charset="0"/>
-              </a:rPr>
-              <a:t>in continua crescita di soluzioni tecniche, documentazione del prodotto, risposte alle domande più frequenti e altro ancora. </a:t>
-            </a:r>
-            <a:br>
-              <a:rPr lang="it-IT" sz="1000" dirty="0">
-                <a:solidFill>
-                  <a:srgbClr val="000000"/>
-                </a:solidFill>
-                <a:latin typeface="Adobe Clean Light" panose="020B0303020404020204" pitchFamily="34" charset="0"/>
-              </a:rPr>
-            </a:br>
-            <a:r>
-              <a:rPr lang="it-IT" sz="1000" dirty="0">
-                <a:solidFill>
-                  <a:srgbClr val="000000"/>
-                </a:solidFill>
-                <a:latin typeface="Adobe Clean Light" panose="020B0303020404020204" pitchFamily="34" charset="0"/>
-              </a:rPr>
-              <a:t>Migliaia di clienti possono condividere best practice ed esperienze.</a:t>
+              <a:t>Continuous online access to a growing database of technical solutions, product documentation, FAQs and more. Thousands of customers can connect to share best practices and lessons learned.</a:t>
             </a:r>
           </a:p>
         </p:txBody>
@@ -6952,7 +7627,7 @@
         </p:nvSpPr>
         <p:spPr>
           <a:xfrm>
-            <a:off x="5851290" y="5968695"/>
+            <a:off x="5851290" y="6277305"/>
             <a:ext cx="1316707" cy="184666"/>
           </a:xfrm>
           <a:prstGeom prst="rect">
@@ -6974,12 +7649,12 @@
               </a:spcAft>
             </a:pPr>
             <a:r>
-              <a:rPr lang="it-IT" sz="1200" b="1">
+              <a:rPr lang="en-US" sz="1200" b="1">
                 <a:latin typeface="+mj-lt"/>
                 <a:ea typeface="Open Sans" pitchFamily="34" charset="0"/>
                 <a:cs typeface="Open Sans" pitchFamily="34" charset="0"/>
               </a:rPr>
-              <a:t>Percorsi autoguidati</a:t>
+              <a:t>Self-guided Journeys</a:t>
             </a:r>
           </a:p>
         </p:txBody>
@@ -6998,8 +7673,8 @@
         </p:nvSpPr>
         <p:spPr>
           <a:xfrm>
-            <a:off x="5376301" y="6220639"/>
-            <a:ext cx="2243699" cy="1574790"/>
+            <a:off x="5376301" y="6529249"/>
+            <a:ext cx="2286000" cy="959237"/>
           </a:xfrm>
           <a:prstGeom prst="rect">
             <a:avLst/>
@@ -7012,30 +7687,13 @@
           <a:lstStyle/>
           <a:p>
             <a:r>
-              <a:rPr lang="it-IT" sz="1000" dirty="0">
+              <a:rPr lang="en-US" sz="1000">
                 <a:solidFill>
                   <a:srgbClr val="000000"/>
                 </a:solidFill>
                 <a:latin typeface="Adobe Clean Light" panose="020B0303020404020204" pitchFamily="34" charset="0"/>
               </a:rPr>
-              <a:t>Diventa un Experience Maker con </a:t>
-            </a:r>
-            <a:br>
-              <a:rPr lang="it-IT" sz="1000" dirty="0">
-                <a:solidFill>
-                  <a:srgbClr val="000000"/>
-                </a:solidFill>
-                <a:latin typeface="Adobe Clean Light" panose="020B0303020404020204" pitchFamily="34" charset="0"/>
-              </a:rPr>
-            </a:br>
-            <a:r>
-              <a:rPr lang="it-IT" sz="1000" dirty="0">
-                <a:solidFill>
-                  <a:srgbClr val="000000"/>
-                </a:solidFill>
-                <a:latin typeface="Adobe Clean Light" panose="020B0303020404020204" pitchFamily="34" charset="0"/>
-              </a:rPr>
-              <a:t>Experience League. Puoi acquisire rapidamente le capacità necessarie nella gestione della customer experience seguendo un percorso di apprendimento personalizzato per sviluppare nuove competenze, partecipare a una comunità globale di professionisti e guadagnare riconoscimenti di valore sul piano professionale.</a:t>
+              <a:t>Experience Makers are made with Experience League. Customers can kickstart their Customer Experience Management abilities with personalized learning to develop skills, engage with a global community of peers, and earn career advancing recognition.</a:t>
             </a:r>
           </a:p>
         </p:txBody>
@@ -7083,12 +7741,12 @@
               <a:defRPr/>
             </a:pPr>
             <a:r>
-              <a:rPr lang="it-IT" sz="1200">
+              <a:rPr lang="en-US" sz="1200">
                 <a:solidFill>
                   <a:srgbClr val="000000"/>
                 </a:solidFill>
               </a:rPr>
-              <a:t>Supporto chat in diretta*</a:t>
+              <a:t>Live Chat  Support*</a:t>
             </a:r>
           </a:p>
         </p:txBody>
@@ -7131,12 +7789,12 @@
               </a:spcAft>
             </a:pPr>
             <a:r>
-              <a:rPr lang="it-IT" sz="1200" b="1">
+              <a:rPr lang="en-US" sz="1200" b="1">
                 <a:latin typeface="+mj-lt"/>
                 <a:ea typeface="Open Sans" pitchFamily="34" charset="0"/>
                 <a:cs typeface="Open Sans" pitchFamily="34" charset="0"/>
               </a:rPr>
-              <a:t>Supporto chat</a:t>
+              <a:t>Chat Support</a:t>
             </a:r>
           </a:p>
         </p:txBody>
@@ -7157,7 +7815,7 @@
         </p:nvSpPr>
         <p:spPr>
           <a:xfrm>
-            <a:off x="3290772" y="5737788"/>
+            <a:off x="3290772" y="6046398"/>
             <a:ext cx="2520000" cy="184666"/>
           </a:xfrm>
           <a:prstGeom prst="rect">
@@ -7184,12 +7842,12 @@
               <a:defRPr/>
             </a:pPr>
             <a:r>
-              <a:rPr lang="it-IT" sz="1200">
+              <a:rPr lang="en-US" sz="1200">
                 <a:solidFill>
                   <a:srgbClr val="000000"/>
                 </a:solidFill>
               </a:rPr>
-              <a:t>24x7 P1 </a:t>
+              <a:t>24X7 P1 </a:t>
             </a:r>
           </a:p>
         </p:txBody>
@@ -7210,7 +7868,7 @@
         </p:nvSpPr>
         <p:spPr>
           <a:xfrm>
-            <a:off x="3276600" y="5968695"/>
+            <a:off x="3276600" y="6277305"/>
             <a:ext cx="992259" cy="184666"/>
           </a:xfrm>
           <a:prstGeom prst="rect">
@@ -7232,12 +7890,12 @@
               </a:spcAft>
             </a:pPr>
             <a:r>
-              <a:rPr lang="it-IT" sz="1200" b="1">
+              <a:rPr lang="en-US" sz="1200" b="1">
                 <a:latin typeface="+mj-lt"/>
                 <a:ea typeface="Open Sans" pitchFamily="34" charset="0"/>
                 <a:cs typeface="Open Sans" pitchFamily="34" charset="0"/>
               </a:rPr>
-              <a:t>Supporto telefonico</a:t>
+              <a:t>Phone Support</a:t>
             </a:r>
           </a:p>
         </p:txBody>
@@ -7256,8 +7914,8 @@
         </p:nvSpPr>
         <p:spPr>
           <a:xfrm>
-            <a:off x="2836966" y="6220639"/>
-            <a:ext cx="2325583" cy="959237"/>
+            <a:off x="2836967" y="6529249"/>
+            <a:ext cx="2286000" cy="805349"/>
           </a:xfrm>
           <a:prstGeom prst="rect">
             <a:avLst/>
@@ -7270,37 +7928,26 @@
           <a:lstStyle/>
           <a:p>
             <a:r>
-              <a:rPr lang="it-IT" sz="1000" dirty="0">
+              <a:rPr lang="en-US" sz="1000">
                 <a:solidFill>
                   <a:srgbClr val="020302"/>
                 </a:solidFill>
                 <a:latin typeface="AdobeClean-Light"/>
               </a:rPr>
-              <a:t>Gli utenti autorizzati o i contatti interni per il supporto possono segnalare i problemi tramite tutti i canali disponibili (compreso il supporto telefonico per casi P1) e interagire con il team Adobe di assistenza tecnica per conto della </a:t>
-            </a:r>
-            <a:br>
-              <a:rPr lang="it-IT" sz="1000" dirty="0">
-                <a:solidFill>
-                  <a:srgbClr val="020302"/>
-                </a:solidFill>
-                <a:latin typeface="AdobeClean-Light"/>
-              </a:rPr>
-            </a:br>
-            <a:r>
-              <a:rPr lang="it-IT" sz="1000" dirty="0">
-                <a:solidFill>
-                  <a:srgbClr val="020302"/>
-                </a:solidFill>
-                <a:latin typeface="AdobeClean-Light"/>
-              </a:rPr>
-              <a:t>tua azienda</a:t>
-            </a:r>
-            <a:r>
-              <a:rPr lang="it-IT" sz="1000" dirty="0">
+              <a:t>Authorized users or Named Support Contacts </a:t>
+            </a:r>
+            <a:r>
+              <a:rPr lang="en-US" sz="1000">
                 <a:latin typeface="Adobe Clean Light" panose="020B0303020404020204" pitchFamily="34" charset="0"/>
               </a:rPr>
-              <a:t>. </a:t>
-            </a:r>
+              <a:t>can submit issues through all available  channels (including phone for P1) and interact with our technical support team on behalf of your company. </a:t>
+            </a:r>
+            <a:endParaRPr lang="en-US" sz="1000">
+              <a:solidFill>
+                <a:srgbClr val="000000"/>
+              </a:solidFill>
+              <a:latin typeface="Adobe Clean Light" panose="020B0303020404020204" pitchFamily="34" charset="0"/>
+            </a:endParaRPr>
           </a:p>
         </p:txBody>
       </p:sp>
@@ -7344,8 +7991,24 @@
               </a:spcBef>
             </a:pPr>
             <a:r>
-              <a:rPr lang="it-IT"/>
-              <a:t>©2021 Adobe. All Rights Reserved. Adobe Confidential.</a:t>
+              <a:rPr spc="-5"/>
+              <a:t>©202</a:t>
+            </a:r>
+            <a:r>
+              <a:rPr lang="en-US" spc="-5"/>
+              <a:t>1</a:t>
+            </a:r>
+            <a:r>
+              <a:rPr spc="-5"/>
+              <a:t> Adobe. All Rights Reserved. Adobe</a:t>
+            </a:r>
+            <a:r>
+              <a:rPr spc="60"/>
+              <a:t> </a:t>
+            </a:r>
+            <a:r>
+              <a:rPr spc="-5"/>
+              <a:t>Confidential.</a:t>
             </a:r>
           </a:p>
         </p:txBody>
@@ -7388,7 +8051,7 @@
               </a:spcAft>
             </a:pPr>
             <a:r>
-              <a:rPr lang="it-IT" sz="1200" b="1">
+              <a:rPr lang="en-US" sz="1200" b="1" spc="-10">
                 <a:solidFill>
                   <a:srgbClr val="020302"/>
                 </a:solidFill>
@@ -7413,8 +8076,8 @@
         </p:nvSpPr>
         <p:spPr>
           <a:xfrm>
-            <a:off x="401995" y="5632609"/>
-            <a:ext cx="2626955" cy="45719"/>
+            <a:off x="401995" y="5785009"/>
+            <a:ext cx="1848207" cy="45719"/>
           </a:xfrm>
           <a:custGeom>
             <a:avLst/>
@@ -7461,7 +8124,7 @@
         </p:nvSpPr>
         <p:spPr>
           <a:xfrm>
-            <a:off x="318713" y="5314431"/>
+            <a:off x="318713" y="5432541"/>
             <a:ext cx="2006640" cy="307777"/>
           </a:xfrm>
           <a:prstGeom prst="rect">
@@ -7483,15 +8146,19 @@
               </a:spcBef>
             </a:pPr>
             <a:r>
-              <a:rPr lang="it-IT" sz="1400" b="1">
+              <a:rPr lang="en-US" sz="1400" b="1" spc="-10">
                 <a:solidFill>
                   <a:srgbClr val="020302"/>
                 </a:solidFill>
                 <a:latin typeface="Adobe Clean"/>
                 <a:cs typeface="Adobe Clean"/>
               </a:rPr>
-              <a:t>Caratteristiche del supporto online</a:t>
-            </a:r>
+              <a:t>Online Support Features</a:t>
+            </a:r>
+            <a:endParaRPr lang="en-US" sz="1400">
+              <a:latin typeface="Adobe Clean"/>
+              <a:cs typeface="Adobe Clean"/>
+            </a:endParaRPr>
           </a:p>
         </p:txBody>
       </p:sp>
@@ -7509,8 +8176,8 @@
         </p:nvSpPr>
         <p:spPr>
           <a:xfrm>
-            <a:off x="384420" y="774494"/>
-            <a:ext cx="2762639" cy="53355"/>
+            <a:off x="384421" y="774495"/>
+            <a:ext cx="2011680" cy="0"/>
           </a:xfrm>
           <a:custGeom>
             <a:avLst/>
@@ -7579,15 +8246,19 @@
               </a:spcBef>
             </a:pPr>
             <a:r>
-              <a:rPr lang="it-IT" sz="1400" b="1">
+              <a:rPr lang="en-US" sz="1400" b="1" spc="-10">
                 <a:solidFill>
                   <a:srgbClr val="020302"/>
                 </a:solidFill>
                 <a:latin typeface="Adobe Clean"/>
                 <a:cs typeface="Adobe Clean"/>
               </a:rPr>
-              <a:t>Caratteristiche del supporto Business</a:t>
-            </a:r>
+              <a:t>Business  Support Features</a:t>
+            </a:r>
+            <a:endParaRPr lang="en-US" sz="1400">
+              <a:latin typeface="Adobe Clean"/>
+              <a:cs typeface="Adobe Clean"/>
+            </a:endParaRPr>
           </a:p>
         </p:txBody>
       </p:sp>
@@ -7605,8 +8276,8 @@
         </p:nvSpPr>
         <p:spPr>
           <a:xfrm>
-            <a:off x="2836966" y="1370913"/>
-            <a:ext cx="2359873" cy="1638462"/>
+            <a:off x="2836967" y="1370913"/>
+            <a:ext cx="2286000" cy="1456681"/>
           </a:xfrm>
           <a:prstGeom prst="rect">
             <a:avLst/>
@@ -7627,55 +8298,15 @@
               </a:spcBef>
             </a:pPr>
             <a:r>
-              <a:rPr lang="it-IT" sz="1000" dirty="0">
+              <a:rPr lang="en-US" sz="1000">
                 <a:latin typeface="Adobe Clean Light" panose="020B0303020404020204" pitchFamily="34" charset="0"/>
               </a:rPr>
-              <a:t>I clienti possono segnalare telefonicamente </a:t>
-            </a:r>
-            <a:br>
-              <a:rPr lang="it-IT" sz="1000" dirty="0">
-                <a:latin typeface="Adobe Clean Light" panose="020B0303020404020204" pitchFamily="34" charset="0"/>
-              </a:rPr>
-            </a:br>
-            <a:r>
-              <a:rPr lang="it-IT" sz="1000" dirty="0">
-                <a:latin typeface="Adobe Clean Light" panose="020B0303020404020204" pitchFamily="34" charset="0"/>
-              </a:rPr>
-              <a:t>i problemi P2, P3 e P4 durante l’orario operativo per la propria area geografica. Non vi è alcun limite al numero di chiamate di supporto consentite. I clienti possono anche chiedere </a:t>
-            </a:r>
-            <a:br>
-              <a:rPr lang="it-IT" sz="1000" dirty="0">
-                <a:latin typeface="Adobe Clean Light" panose="020B0303020404020204" pitchFamily="34" charset="0"/>
-              </a:rPr>
-            </a:br>
-            <a:r>
-              <a:rPr lang="it-IT" sz="1000" dirty="0">
-                <a:latin typeface="Adobe Clean Light" panose="020B0303020404020204" pitchFamily="34" charset="0"/>
-              </a:rPr>
-              <a:t>di essere richiamati dal supporto, o richiedere una sessione con desktop remoto condiviso </a:t>
-            </a:r>
-            <a:br>
-              <a:rPr lang="it-IT" sz="1000" dirty="0">
-                <a:latin typeface="Adobe Clean Light" panose="020B0303020404020204" pitchFamily="34" charset="0"/>
-              </a:rPr>
-            </a:br>
-            <a:r>
-              <a:rPr lang="it-IT" sz="1000" dirty="0">
-                <a:latin typeface="Adobe Clean Light" panose="020B0303020404020204" pitchFamily="34" charset="0"/>
-              </a:rPr>
-              <a:t>a scopo di dimostrazione o risoluzione </a:t>
-            </a:r>
-            <a:br>
-              <a:rPr lang="it-IT" sz="1000" dirty="0">
-                <a:latin typeface="Adobe Clean Light" panose="020B0303020404020204" pitchFamily="34" charset="0"/>
-              </a:rPr>
-            </a:br>
-            <a:r>
-              <a:rPr lang="it-IT" sz="1000" dirty="0">
-                <a:latin typeface="Adobe Clean Light" panose="020B0303020404020204" pitchFamily="34" charset="0"/>
-              </a:rPr>
-              <a:t>di un problema.</a:t>
-            </a:r>
+              <a:t>Customers can submit support cases via Phone for all P2, P3, P4 issues during regional support hours. There are no upper limits on the number of times you can call into support. Customers can also request a call back from support or request a meeting to demonstrate or work through an issue using a shared remote desktop session.</a:t>
+            </a:r>
+            <a:endParaRPr lang="en-US" sz="1000">
+              <a:latin typeface="Adobe Clean Light" panose="020B0303020404020204" pitchFamily="34" charset="0"/>
+              <a:cs typeface="AdobeClean-Light"/>
+            </a:endParaRPr>
           </a:p>
         </p:txBody>
       </p:sp>
@@ -7717,13 +8348,13 @@
               </a:spcAft>
             </a:pPr>
             <a:r>
-              <a:rPr lang="it-IT" sz="1200" b="1" dirty="0">
+              <a:rPr lang="en-US" sz="1200" b="1" spc="-10">
                 <a:solidFill>
                   <a:srgbClr val="020302"/>
                 </a:solidFill>
                 <a:latin typeface="+mj-lt"/>
               </a:rPr>
-              <a:t>Supporto telefonico in diretta</a:t>
+              <a:t>Live Telephone Support</a:t>
             </a:r>
           </a:p>
         </p:txBody>
@@ -7743,7 +8374,7 @@
         <p:spPr>
           <a:xfrm>
             <a:off x="5376301" y="1398482"/>
-            <a:ext cx="2147240" cy="805349"/>
+            <a:ext cx="2286000" cy="805349"/>
           </a:xfrm>
           <a:prstGeom prst="rect">
             <a:avLst/>
@@ -7764,14 +8395,18 @@
               </a:spcBef>
             </a:pPr>
             <a:r>
-              <a:rPr lang="it-IT" sz="1000" dirty="0">
+              <a:rPr lang="en-US" sz="1000">
                 <a:solidFill>
                   <a:srgbClr val="4B4B4B"/>
                 </a:solidFill>
                 <a:latin typeface="Adobe Clean Light" panose="020B0303020404020204" pitchFamily="34" charset="0"/>
               </a:rPr>
-              <a:t>Un contatto Adobe dedicato che può fornire assistenza e aggiornamenti regolari in merito ai casi che richiedono escalation, e assicurarsi che venga data priorità alle richieste di supporto aperte più critiche.</a:t>
-            </a:r>
+              <a:t>A designated point of contact within Adobe who can provide escalation assistance, regular updates and ensure priority is given to your most critical open support requests.</a:t>
+            </a:r>
+            <a:endParaRPr lang="en-US" sz="1000">
+              <a:latin typeface="Adobe Clean Light" panose="020B0303020404020204" pitchFamily="34" charset="0"/>
+              <a:cs typeface="AdobeClean-Light"/>
+            </a:endParaRPr>
           </a:p>
         </p:txBody>
       </p:sp>
@@ -7813,13 +8448,13 @@
               </a:spcAft>
             </a:pPr>
             <a:r>
-              <a:rPr lang="it-IT" sz="1200" b="1" dirty="0">
+              <a:rPr lang="en-US" sz="1200" b="1" spc="-10">
                 <a:solidFill>
                   <a:srgbClr val="020302"/>
                 </a:solidFill>
                 <a:latin typeface="+mj-lt"/>
               </a:rPr>
-              <a:t>Gestione delle escalation</a:t>
+              <a:t>Escalation Management</a:t>
             </a:r>
           </a:p>
         </p:txBody>
@@ -7867,7 +8502,7 @@
               <a:defRPr/>
             </a:pPr>
             <a:r>
-              <a:rPr lang="it-IT" sz="1200">
+              <a:rPr lang="en-US" sz="1200">
                 <a:solidFill>
                   <a:srgbClr val="000000"/>
                 </a:solidFill>
@@ -7915,12 +8550,12 @@
               </a:spcAft>
             </a:pPr>
             <a:r>
-              <a:rPr lang="it-IT" sz="1200" b="1">
+              <a:rPr lang="en-US" sz="1200" b="1">
                 <a:latin typeface="+mj-lt"/>
                 <a:ea typeface="Open Sans" pitchFamily="34" charset="0"/>
                 <a:cs typeface="Open Sans" pitchFamily="34" charset="0"/>
               </a:rPr>
-              <a:t>Webinar</a:t>
+              <a:t>Webinars</a:t>
             </a:r>
           </a:p>
         </p:txBody>
@@ -7940,7 +8575,7 @@
         <p:spPr>
           <a:xfrm>
             <a:off x="370040" y="8618616"/>
-            <a:ext cx="2286000" cy="959237"/>
+            <a:ext cx="2286000" cy="1113125"/>
           </a:xfrm>
           <a:prstGeom prst="rect">
             <a:avLst/>
@@ -7953,47 +8588,13 @@
           <a:lstStyle/>
           <a:p>
             <a:r>
-              <a:rPr lang="it-IT" sz="1000" dirty="0">
+              <a:rPr lang="en-US" sz="1000">
                 <a:solidFill>
                   <a:srgbClr val="000000"/>
                 </a:solidFill>
                 <a:latin typeface="Adobe Clean Light" panose="020B0303020404020204" pitchFamily="34" charset="0"/>
               </a:rPr>
-              <a:t>Office Hours è un’iniziativa nata dal team </a:t>
-            </a:r>
-            <a:br>
-              <a:rPr lang="it-IT" sz="1000" dirty="0">
-                <a:solidFill>
-                  <a:srgbClr val="000000"/>
-                </a:solidFill>
-                <a:latin typeface="Adobe Clean Light" panose="020B0303020404020204" pitchFamily="34" charset="0"/>
-              </a:rPr>
-            </a:br>
-            <a:r>
-              <a:rPr lang="it-IT" sz="1000" dirty="0">
-                <a:solidFill>
-                  <a:srgbClr val="000000"/>
-                </a:solidFill>
-                <a:latin typeface="Adobe Clean Light" panose="020B0303020404020204" pitchFamily="34" charset="0"/>
-              </a:rPr>
-              <a:t>del Servizio clienti di Adobe. Queste sessioni sono progettate per informare e aiutare </a:t>
-            </a:r>
-            <a:br>
-              <a:rPr lang="it-IT" sz="1000" dirty="0">
-                <a:solidFill>
-                  <a:srgbClr val="000000"/>
-                </a:solidFill>
-                <a:latin typeface="Adobe Clean Light" panose="020B0303020404020204" pitchFamily="34" charset="0"/>
-              </a:rPr>
-            </a:br>
-            <a:r>
-              <a:rPr lang="it-IT" sz="1000" dirty="0">
-                <a:solidFill>
-                  <a:srgbClr val="000000"/>
-                </a:solidFill>
-                <a:latin typeface="Adobe Clean Light" panose="020B0303020404020204" pitchFamily="34" charset="0"/>
-              </a:rPr>
-              <a:t>i partecipanti a risolvere problemi e fornire suggerimenti e trucchi utili per le soluzioni Adobe Experience Cloud.</a:t>
+              <a:t>Office Hours is an initiative led by the Adobe Customer Support team. These sessions are designed to inform as well as help participants troubleshoot problems and provide tips and tricks to be successful with Adobe Experience Cloud.</a:t>
             </a:r>
           </a:p>
         </p:txBody>
@@ -8014,7 +8615,7 @@
         </p:nvSpPr>
         <p:spPr>
           <a:xfrm>
-            <a:off x="5851290" y="8419263"/>
+            <a:off x="5851290" y="8373543"/>
             <a:ext cx="1267206" cy="184666"/>
           </a:xfrm>
           <a:prstGeom prst="rect">
@@ -8036,12 +8637,12 @@
               </a:spcAft>
             </a:pPr>
             <a:r>
-              <a:rPr lang="it-IT" sz="1200" b="1" dirty="0">
+              <a:rPr lang="en-US" sz="1200" b="1">
                 <a:latin typeface="+mj-lt"/>
                 <a:ea typeface="Open Sans" pitchFamily="34" charset="0"/>
                 <a:cs typeface="Open Sans" pitchFamily="34" charset="0"/>
               </a:rPr>
-              <a:t>Portale di supporto 24/7</a:t>
+              <a:t>24/7 Support Portal</a:t>
             </a:r>
           </a:p>
         </p:txBody>
@@ -8074,16 +8675,16 @@
           <a:lstStyle/>
           <a:p>
             <a:r>
-              <a:rPr lang="it-IT" sz="1000" dirty="0">
+              <a:rPr lang="en-US" sz="1000">
                 <a:solidFill>
                   <a:srgbClr val="000000"/>
                 </a:solidFill>
                 <a:latin typeface="Adobe Clean Light" panose="020B0303020404020204" pitchFamily="34" charset="0"/>
               </a:rPr>
-              <a:t>Accesso on-demand al portale di assistenza autonoma per inviare richieste di supporto, esaminare lo stato dei casi e sfogliare altre risorse, come la knowledge base, notizie </a:t>
+              <a:t>On-demand access to the online </a:t>
             </a:r>
             <a:br>
-              <a:rPr lang="it-IT" sz="1000" dirty="0">
+              <a:rPr lang="en-US" sz="1000">
                 <a:solidFill>
                   <a:srgbClr val="000000"/>
                 </a:solidFill>
@@ -8091,13 +8692,13 @@
               </a:rPr>
             </a:br>
             <a:r>
-              <a:rPr lang="it-IT" sz="1000" dirty="0">
+              <a:rPr lang="en-US" sz="1000">
                 <a:solidFill>
                   <a:srgbClr val="000000"/>
                 </a:solidFill>
                 <a:latin typeface="Adobe Clean Light" panose="020B0303020404020204" pitchFamily="34" charset="0"/>
               </a:rPr>
-              <a:t>e avvisi, suggerimenti e altro ancora.</a:t>
+              <a:t>Self-help Support Portal to submit support requests, review case status, and browse other resources, like our knowledgebase, news and alerts, featured tips, and more.</a:t>
             </a:r>
           </a:p>
         </p:txBody>
@@ -8209,10 +8810,10 @@
           <a:lstStyle/>
           <a:p>
             <a:r>
-              <a:rPr lang="it-IT" sz="1200" b="1">
+              <a:rPr lang="en-US" sz="1200" b="1">
                 <a:latin typeface="+mj-lt"/>
               </a:rPr>
-              <a:t>Servizi Business</a:t>
+              <a:t>Business Services</a:t>
             </a:r>
           </a:p>
         </p:txBody>
@@ -8253,11 +8854,15 @@
               </a:spcBef>
             </a:pPr>
             <a:r>
-              <a:rPr lang="it-IT" sz="1000" dirty="0">
+              <a:rPr lang="en-US" sz="1000">
                 <a:latin typeface="Adobe Clean Light" panose="020B0303020404020204" pitchFamily="34" charset="0"/>
               </a:rPr>
-              <a:t>Un Account Support Lead terrà dei webinar per illustrare i servizi di supporto Business.  </a:t>
-            </a:r>
+              <a:t>An Account Support Lead will host webinars covering an overview of business support services.  </a:t>
+            </a:r>
+            <a:endParaRPr lang="en-US" sz="1000">
+              <a:latin typeface="Adobe Clean Light" panose="020B0303020404020204" pitchFamily="34" charset="0"/>
+              <a:cs typeface="AdobeClean-Light"/>
+            </a:endParaRPr>
           </a:p>
         </p:txBody>
       </p:sp>
@@ -8275,7 +8880,7 @@
         </p:nvSpPr>
         <p:spPr>
           <a:xfrm rot="5400000" flipH="1">
-            <a:off x="3863341" y="422235"/>
+            <a:off x="3863341" y="302967"/>
             <a:ext cx="45719" cy="5577840"/>
           </a:xfrm>
           <a:custGeom>
@@ -8464,7 +9069,7 @@
         </p:blipFill>
         <p:spPr>
           <a:xfrm>
-            <a:off x="2836967" y="5754186"/>
+            <a:off x="2836967" y="6062796"/>
             <a:ext cx="411480" cy="411480"/>
           </a:xfrm>
           <a:prstGeom prst="rect">
@@ -8503,7 +9108,7 @@
         </p:blipFill>
         <p:spPr>
           <a:xfrm>
-            <a:off x="359731" y="5754186"/>
+            <a:off x="359731" y="6062796"/>
             <a:ext cx="411480" cy="411480"/>
           </a:xfrm>
           <a:prstGeom prst="rect">
@@ -8542,7 +9147,7 @@
         </p:blipFill>
         <p:spPr>
           <a:xfrm>
-            <a:off x="5329042" y="5754186"/>
+            <a:off x="5329042" y="6062796"/>
             <a:ext cx="411480" cy="411480"/>
           </a:xfrm>
           <a:prstGeom prst="rect">
@@ -8642,7 +9247,7 @@
         </p:nvSpPr>
         <p:spPr>
           <a:xfrm rot="5400000" flipH="1">
-            <a:off x="3863341" y="5115707"/>
+            <a:off x="3863341" y="4967117"/>
             <a:ext cx="45719" cy="5577840"/>
           </a:xfrm>
           <a:custGeom>
@@ -8699,78 +9304,7 @@
         </p:nvSpPr>
         <p:spPr>
           <a:xfrm>
-            <a:off x="5851290" y="8100611"/>
-            <a:ext cx="2520000" cy="307777"/>
-          </a:xfrm>
-          <a:prstGeom prst="rect">
-            <a:avLst/>
-          </a:prstGeom>
-          <a:noFill/>
-        </p:spPr>
-        <p:txBody>
-          <a:bodyPr wrap="square" lIns="0" tIns="0" rIns="0" bIns="0" rtlCol="0">
-            <a:spAutoFit/>
-          </a:bodyPr>
-          <a:lstStyle>
-            <a:defPPr>
-              <a:defRPr lang="en-US"/>
-            </a:defPPr>
-            <a:lvl1pPr>
-              <a:defRPr sz="3200">
-                <a:latin typeface="Adobe Clean Light" panose="020B0303020404020204" pitchFamily="34" charset="0"/>
-              </a:defRPr>
-            </a:lvl1pPr>
-          </a:lstStyle>
-          <a:p>
-            <a:pPr>
-              <a:lnSpc>
-                <a:spcPts val="1200"/>
-              </a:lnSpc>
-              <a:defRPr/>
-            </a:pPr>
-            <a:r>
-              <a:rPr lang="it-IT" sz="1200" spc="-20" dirty="0">
-                <a:solidFill>
-                  <a:srgbClr val="000000"/>
-                </a:solidFill>
-              </a:rPr>
-              <a:t>Portale di assistenza </a:t>
-            </a:r>
-            <a:br>
-              <a:rPr lang="it-IT" sz="1200" spc="-20" dirty="0">
-                <a:solidFill>
-                  <a:srgbClr val="000000"/>
-                </a:solidFill>
-              </a:rPr>
-            </a:br>
-            <a:r>
-              <a:rPr lang="it-IT" sz="1200" spc="-20" dirty="0">
-                <a:solidFill>
-                  <a:srgbClr val="000000"/>
-                </a:solidFill>
-              </a:rPr>
-              <a:t>autonoma</a:t>
-            </a:r>
-          </a:p>
-        </p:txBody>
-      </p:sp>
-      <p:sp>
-        <p:nvSpPr>
-          <p:cNvPr id="83" name="TextBox 82">
-            <a:extLst>
-              <a:ext uri="{FF2B5EF4-FFF2-40B4-BE49-F238E27FC236}">
-                <a16:creationId xmlns:a16="http://schemas.microsoft.com/office/drawing/2014/main" id="{AF154937-CC7F-194F-914A-583BEF4B46DE}"/>
-              </a:ext>
-            </a:extLst>
-          </p:cNvPr>
-          <p:cNvSpPr txBox="1">
-            <a:spLocks/>
-          </p:cNvSpPr>
-          <p:nvPr/>
-        </p:nvSpPr>
-        <p:spPr>
-          <a:xfrm>
-            <a:off x="5851290" y="5737788"/>
+            <a:off x="5851290" y="8150141"/>
             <a:ext cx="2520000" cy="184666"/>
           </a:xfrm>
           <a:prstGeom prst="rect">
@@ -8797,7 +9331,60 @@
               <a:defRPr/>
             </a:pPr>
             <a:r>
-              <a:rPr lang="it-IT" sz="1200">
+              <a:rPr lang="en-US" sz="1200">
+                <a:solidFill>
+                  <a:srgbClr val="000000"/>
+                </a:solidFill>
+              </a:rPr>
+              <a:t>Self– Help Portal</a:t>
+            </a:r>
+          </a:p>
+        </p:txBody>
+      </p:sp>
+      <p:sp>
+        <p:nvSpPr>
+          <p:cNvPr id="83" name="TextBox 82">
+            <a:extLst>
+              <a:ext uri="{FF2B5EF4-FFF2-40B4-BE49-F238E27FC236}">
+                <a16:creationId xmlns:a16="http://schemas.microsoft.com/office/drawing/2014/main" id="{AF154937-CC7F-194F-914A-583BEF4B46DE}"/>
+              </a:ext>
+            </a:extLst>
+          </p:cNvPr>
+          <p:cNvSpPr txBox="1">
+            <a:spLocks/>
+          </p:cNvSpPr>
+          <p:nvPr/>
+        </p:nvSpPr>
+        <p:spPr>
+          <a:xfrm>
+            <a:off x="5851290" y="6046398"/>
+            <a:ext cx="2520000" cy="184666"/>
+          </a:xfrm>
+          <a:prstGeom prst="rect">
+            <a:avLst/>
+          </a:prstGeom>
+          <a:noFill/>
+        </p:spPr>
+        <p:txBody>
+          <a:bodyPr wrap="square" lIns="0" tIns="0" rIns="0" bIns="0" rtlCol="0">
+            <a:spAutoFit/>
+          </a:bodyPr>
+          <a:lstStyle>
+            <a:defPPr>
+              <a:defRPr lang="en-US"/>
+            </a:defPPr>
+            <a:lvl1pPr>
+              <a:defRPr sz="3200">
+                <a:latin typeface="Adobe Clean Light" panose="020B0303020404020204" pitchFamily="34" charset="0"/>
+              </a:defRPr>
+            </a:lvl1pPr>
+          </a:lstStyle>
+          <a:p>
+            <a:pPr>
+              <a:defRPr/>
+            </a:pPr>
+            <a:r>
+              <a:rPr lang="en-US" sz="1200">
                 <a:solidFill>
                   <a:srgbClr val="000000"/>
                 </a:solidFill>
@@ -8859,15 +9446,49 @@
               </a:lnSpc>
             </a:pPr>
             <a:r>
-              <a:rPr lang="it-IT" sz="500">
+              <a:rPr sz="500" spc="-5">
                 <a:solidFill>
                   <a:srgbClr val="6C6C6C"/>
                 </a:solidFill>
                 <a:latin typeface="Adobe Clean"/>
                 <a:cs typeface="Adobe Clean"/>
               </a:rPr>
-              <a:t>©2020 Adobe. All Rights Reserved. Adobe Confidential.</a:t>
-            </a:r>
+              <a:t>©2020 Adobe. All Rights Reserved. </a:t>
+            </a:r>
+            <a:r>
+              <a:rPr sz="500">
+                <a:solidFill>
+                  <a:srgbClr val="6C6C6C"/>
+                </a:solidFill>
+                <a:latin typeface="Adobe Clean"/>
+                <a:cs typeface="Adobe Clean"/>
+              </a:rPr>
+              <a:t>Adobe</a:t>
+            </a:r>
+            <a:r>
+              <a:rPr sz="500" spc="5">
+                <a:solidFill>
+                  <a:srgbClr val="6C6C6C"/>
+                </a:solidFill>
+                <a:latin typeface="Adobe Clean"/>
+                <a:cs typeface="Adobe Clean"/>
+              </a:rPr>
+              <a:t> </a:t>
+            </a:r>
+            <a:r>
+              <a:rPr sz="500" spc="-5">
+                <a:solidFill>
+                  <a:srgbClr val="6C6C6C"/>
+                </a:solidFill>
+                <a:latin typeface="Adobe Clean"/>
+                <a:cs typeface="Adobe Clean"/>
+              </a:rPr>
+              <a:t>Confidential.</a:t>
+            </a:r>
+            <a:endParaRPr sz="500">
+              <a:latin typeface="Adobe Clean"/>
+              <a:cs typeface="Adobe Clean"/>
+            </a:endParaRPr>
           </a:p>
           <a:p>
             <a:pPr>
@@ -8893,15 +9514,39 @@
               </a:spcBef>
             </a:pPr>
             <a:r>
-              <a:rPr lang="it-IT" sz="800">
+              <a:rPr sz="800" spc="-5">
                 <a:solidFill>
                   <a:srgbClr val="6D6D6D"/>
                 </a:solidFill>
                 <a:latin typeface="Adobe Clean"/>
                 <a:cs typeface="Adobe Clean"/>
               </a:rPr>
-              <a:t>©2020 Adobe. All Rights Reserved. Adobe Confidential.</a:t>
-            </a:r>
+              <a:t>©2020 Adobe. All Rights Reserved. Adobe</a:t>
+            </a:r>
+            <a:r>
+              <a:rPr sz="800" spc="75">
+                <a:solidFill>
+                  <a:srgbClr val="6D6D6D"/>
+                </a:solidFill>
+                <a:latin typeface="Adobe Clean"/>
+                <a:cs typeface="Adobe Clean"/>
+              </a:rPr>
+              <a:t> </a:t>
+            </a:r>
+            <a:r>
+              <a:rPr sz="800" spc="-5">
+                <a:solidFill>
+                  <a:srgbClr val="6D6D6D"/>
+                </a:solidFill>
+                <a:latin typeface="Adobe Clean"/>
+                <a:cs typeface="Adobe Clean"/>
+              </a:rPr>
+              <a:t>Confidential.</a:t>
+            </a:r>
+            <a:endParaRPr sz="800">
+              <a:latin typeface="Adobe Clean"/>
+              <a:cs typeface="Adobe Clean"/>
+            </a:endParaRPr>
           </a:p>
         </p:txBody>
       </p:sp>
@@ -8985,15 +9630,19 @@
               </a:spcBef>
             </a:pPr>
             <a:r>
-              <a:rPr lang="it-IT" sz="1400" b="1">
+              <a:rPr lang="en-US" sz="1400" b="1" spc="-15">
                 <a:solidFill>
                   <a:srgbClr val="020302"/>
                 </a:solidFill>
                 <a:latin typeface="Adobe Clean"/>
                 <a:cs typeface="Adobe Clean"/>
               </a:rPr>
-              <a:t>Risorse</a:t>
-            </a:r>
+              <a:t>Resources</a:t>
+            </a:r>
+            <a:endParaRPr sz="1400">
+              <a:latin typeface="Adobe Clean"/>
+              <a:cs typeface="Adobe Clean"/>
+            </a:endParaRPr>
           </a:p>
         </p:txBody>
       </p:sp>
@@ -9006,7 +9655,7 @@
         <p:spPr>
           <a:xfrm>
             <a:off x="6754821" y="9283729"/>
-            <a:ext cx="990909" cy="662305"/>
+            <a:ext cx="930275" cy="662305"/>
           </a:xfrm>
           <a:prstGeom prst="rect">
             <a:avLst/>
@@ -9027,7 +9676,7 @@
               </a:spcBef>
             </a:pPr>
             <a:r>
-              <a:rPr lang="it-IT" sz="800" dirty="0">
+              <a:rPr sz="800" spc="-15">
                 <a:solidFill>
                   <a:srgbClr val="777879"/>
                 </a:solidFill>
@@ -9036,6 +9685,10 @@
               </a:rPr>
               <a:t>Adobe</a:t>
             </a:r>
+            <a:endParaRPr sz="800">
+              <a:latin typeface="Adobe Clean"/>
+              <a:cs typeface="Adobe Clean"/>
+            </a:endParaRPr>
           </a:p>
           <a:p>
             <a:pPr marL="12700">
@@ -9044,15 +9697,39 @@
               </a:lnSpc>
             </a:pPr>
             <a:r>
-              <a:rPr lang="it-IT" sz="800" dirty="0">
+              <a:rPr sz="800" spc="-15">
                 <a:solidFill>
                   <a:srgbClr val="777879"/>
                 </a:solidFill>
                 <a:latin typeface="Adobe Clean"/>
                 <a:cs typeface="Adobe Clean"/>
               </a:rPr>
-              <a:t>345 Park Avenue</a:t>
-            </a:r>
+              <a:t>345 Park</a:t>
+            </a:r>
+            <a:r>
+              <a:rPr sz="800" spc="-100">
+                <a:solidFill>
+                  <a:srgbClr val="777879"/>
+                </a:solidFill>
+                <a:latin typeface="Adobe Clean"/>
+                <a:cs typeface="Adobe Clean"/>
+              </a:rPr>
+              <a:t> </a:t>
+            </a:r>
+            <a:r>
+              <a:rPr sz="800" spc="-15">
+                <a:solidFill>
+                  <a:srgbClr val="777879"/>
+                </a:solidFill>
+                <a:latin typeface="Adobe Clean"/>
+                <a:cs typeface="Adobe Clean"/>
+              </a:rPr>
+              <a:t>Avenue</a:t>
+            </a:r>
+            <a:endParaRPr sz="800">
+              <a:latin typeface="Adobe Clean"/>
+              <a:cs typeface="Adobe Clean"/>
+            </a:endParaRPr>
           </a:p>
           <a:p>
             <a:pPr marL="12700">
@@ -9061,15 +9738,49 @@
               </a:lnSpc>
             </a:pPr>
             <a:r>
-              <a:rPr lang="it-IT" sz="800" dirty="0">
+              <a:rPr sz="800" spc="-10">
                 <a:solidFill>
                   <a:srgbClr val="777879"/>
                 </a:solidFill>
                 <a:latin typeface="Adobe Clean"/>
                 <a:cs typeface="Adobe Clean"/>
               </a:rPr>
-              <a:t>San Jose, CA 95110-2704</a:t>
-            </a:r>
+              <a:t>San </a:t>
+            </a:r>
+            <a:r>
+              <a:rPr sz="800" spc="-15">
+                <a:solidFill>
+                  <a:srgbClr val="777879"/>
+                </a:solidFill>
+                <a:latin typeface="Adobe Clean"/>
+                <a:cs typeface="Adobe Clean"/>
+              </a:rPr>
+              <a:t>Jose,</a:t>
+            </a:r>
+            <a:r>
+              <a:rPr sz="800" spc="-140">
+                <a:solidFill>
+                  <a:srgbClr val="777879"/>
+                </a:solidFill>
+                <a:latin typeface="Adobe Clean"/>
+                <a:cs typeface="Adobe Clean"/>
+              </a:rPr>
+              <a:t> </a:t>
+            </a:r>
+            <a:r>
+              <a:rPr sz="800" spc="-20">
+                <a:solidFill>
+                  <a:srgbClr val="777879"/>
+                </a:solidFill>
+                <a:latin typeface="Adobe Clean"/>
+                <a:cs typeface="Adobe Clean"/>
+              </a:rPr>
+              <a:t>CA95110-2704</a:t>
+            </a:r>
+            <a:endParaRPr sz="800">
+              <a:latin typeface="Adobe Clean"/>
+              <a:cs typeface="Adobe Clean"/>
+            </a:endParaRPr>
           </a:p>
           <a:p>
             <a:pPr marL="12700">
@@ -9081,7 +9792,7 @@
               </a:spcBef>
             </a:pPr>
             <a:r>
-              <a:rPr lang="it-IT" sz="800" dirty="0">
+              <a:rPr sz="800" spc="-10">
                 <a:solidFill>
                   <a:srgbClr val="777879"/>
                 </a:solidFill>
@@ -9090,6 +9801,10 @@
               </a:rPr>
               <a:t>USA</a:t>
             </a:r>
+            <a:endParaRPr sz="800">
+              <a:latin typeface="Adobe Clean"/>
+              <a:cs typeface="Adobe Clean"/>
+            </a:endParaRPr>
           </a:p>
           <a:p>
             <a:pPr marL="12700">
@@ -9101,7 +9816,7 @@
               </a:spcBef>
             </a:pPr>
             <a:r>
-              <a:rPr lang="it-IT" sz="800" u="sng" dirty="0">
+              <a:rPr sz="800" u="sng" spc="-25">
                 <a:solidFill>
                   <a:srgbClr val="5F5F5F"/>
                 </a:solidFill>
@@ -9116,6 +9831,10 @@
               </a:rPr>
               <a:t>www.adobe.com</a:t>
             </a:r>
+            <a:endParaRPr sz="800">
+              <a:latin typeface="Adobe Clean"/>
+              <a:cs typeface="Adobe Clean"/>
+            </a:endParaRPr>
           </a:p>
         </p:txBody>
       </p:sp>
@@ -9290,15 +10009,439 @@
               </a:spcBef>
             </a:pPr>
             <a:r>
-              <a:rPr lang="it-IT" sz="1100" i="1" dirty="0">
+              <a:rPr sz="1100" i="1" spc="-10">
                 <a:solidFill>
                   <a:srgbClr val="777879"/>
                 </a:solidFill>
                 <a:latin typeface="AdobeClean-LightIt"/>
                 <a:cs typeface="AdobeClean-LightIt"/>
               </a:rPr>
-              <a:t>Per saperne di più sulle opzioni di Supporto Adobe e capire quale sia il livello più adatto alle tue esigenze, contatta il tuo Named Account Manager (NAM) o Customer Success Manager (CSM).</a:t>
-            </a:r>
+              <a:t>To</a:t>
+            </a:r>
+            <a:r>
+              <a:rPr sz="1100" i="1" spc="-50">
+                <a:solidFill>
+                  <a:srgbClr val="777879"/>
+                </a:solidFill>
+                <a:latin typeface="AdobeClean-LightIt"/>
+                <a:cs typeface="AdobeClean-LightIt"/>
+              </a:rPr>
+              <a:t> </a:t>
+            </a:r>
+            <a:r>
+              <a:rPr sz="1100" i="1" spc="-15">
+                <a:solidFill>
+                  <a:srgbClr val="777879"/>
+                </a:solidFill>
+                <a:latin typeface="AdobeClean-LightIt"/>
+                <a:cs typeface="AdobeClean-LightIt"/>
+              </a:rPr>
+              <a:t>learn</a:t>
+            </a:r>
+            <a:r>
+              <a:rPr sz="1100" i="1" spc="-40">
+                <a:solidFill>
+                  <a:srgbClr val="777879"/>
+                </a:solidFill>
+                <a:latin typeface="AdobeClean-LightIt"/>
+                <a:cs typeface="AdobeClean-LightIt"/>
+              </a:rPr>
+              <a:t> </a:t>
+            </a:r>
+            <a:r>
+              <a:rPr sz="1100" i="1" spc="-15">
+                <a:solidFill>
+                  <a:srgbClr val="777879"/>
+                </a:solidFill>
+                <a:latin typeface="AdobeClean-LightIt"/>
+                <a:cs typeface="AdobeClean-LightIt"/>
+              </a:rPr>
+              <a:t>more</a:t>
+            </a:r>
+            <a:r>
+              <a:rPr sz="1100" i="1" spc="-45">
+                <a:solidFill>
+                  <a:srgbClr val="777879"/>
+                </a:solidFill>
+                <a:latin typeface="AdobeClean-LightIt"/>
+                <a:cs typeface="AdobeClean-LightIt"/>
+              </a:rPr>
+              <a:t> </a:t>
+            </a:r>
+            <a:r>
+              <a:rPr sz="1100" i="1" spc="-15">
+                <a:solidFill>
+                  <a:srgbClr val="777879"/>
+                </a:solidFill>
+                <a:latin typeface="AdobeClean-LightIt"/>
+                <a:cs typeface="AdobeClean-LightIt"/>
+              </a:rPr>
+              <a:t>about</a:t>
+            </a:r>
+            <a:r>
+              <a:rPr sz="1100" i="1" spc="-45">
+                <a:solidFill>
+                  <a:srgbClr val="777879"/>
+                </a:solidFill>
+                <a:latin typeface="AdobeClean-LightIt"/>
+                <a:cs typeface="AdobeClean-LightIt"/>
+              </a:rPr>
+              <a:t> </a:t>
+            </a:r>
+            <a:r>
+              <a:rPr sz="1100" i="1" spc="-15">
+                <a:solidFill>
+                  <a:srgbClr val="777879"/>
+                </a:solidFill>
+                <a:latin typeface="AdobeClean-LightIt"/>
+                <a:cs typeface="AdobeClean-LightIt"/>
+              </a:rPr>
+              <a:t>Adobe</a:t>
+            </a:r>
+            <a:r>
+              <a:rPr sz="1100" i="1" spc="-50">
+                <a:solidFill>
+                  <a:srgbClr val="777879"/>
+                </a:solidFill>
+                <a:latin typeface="AdobeClean-LightIt"/>
+                <a:cs typeface="AdobeClean-LightIt"/>
+              </a:rPr>
+              <a:t> </a:t>
+            </a:r>
+            <a:r>
+              <a:rPr sz="1100" i="1" spc="-15">
+                <a:solidFill>
+                  <a:srgbClr val="777879"/>
+                </a:solidFill>
+                <a:latin typeface="AdobeClean-LightIt"/>
+                <a:cs typeface="AdobeClean-LightIt"/>
+              </a:rPr>
+              <a:t>Support</a:t>
+            </a:r>
+            <a:r>
+              <a:rPr lang="en-US" sz="1100" i="1" spc="-15">
+                <a:solidFill>
+                  <a:srgbClr val="777879"/>
+                </a:solidFill>
+                <a:latin typeface="AdobeClean-LightIt"/>
+                <a:cs typeface="AdobeClean-LightIt"/>
+              </a:rPr>
+              <a:t> Offerings</a:t>
+            </a:r>
+            <a:r>
+              <a:rPr sz="1100" i="1" spc="-75">
+                <a:solidFill>
+                  <a:srgbClr val="777879"/>
+                </a:solidFill>
+                <a:latin typeface="AdobeClean-LightIt"/>
+                <a:cs typeface="AdobeClean-LightIt"/>
+              </a:rPr>
+              <a:t> </a:t>
+            </a:r>
+            <a:r>
+              <a:rPr sz="1100" i="1" spc="-15">
+                <a:solidFill>
+                  <a:srgbClr val="777879"/>
+                </a:solidFill>
+                <a:latin typeface="AdobeClean-LightIt"/>
+                <a:cs typeface="AdobeClean-LightIt"/>
+              </a:rPr>
+              <a:t>and</a:t>
+            </a:r>
+            <a:r>
+              <a:rPr sz="1100" i="1" spc="-50">
+                <a:solidFill>
+                  <a:srgbClr val="777879"/>
+                </a:solidFill>
+                <a:latin typeface="AdobeClean-LightIt"/>
+                <a:cs typeface="AdobeClean-LightIt"/>
+              </a:rPr>
+              <a:t> </a:t>
+            </a:r>
+            <a:r>
+              <a:rPr sz="1100" i="1" spc="-15">
+                <a:solidFill>
+                  <a:srgbClr val="777879"/>
+                </a:solidFill>
+                <a:latin typeface="AdobeClean-LightIt"/>
+                <a:cs typeface="AdobeClean-LightIt"/>
+              </a:rPr>
+              <a:t>the</a:t>
+            </a:r>
+            <a:r>
+              <a:rPr sz="1100" i="1" spc="-55">
+                <a:solidFill>
+                  <a:srgbClr val="777879"/>
+                </a:solidFill>
+                <a:latin typeface="AdobeClean-LightIt"/>
+                <a:cs typeface="AdobeClean-LightIt"/>
+              </a:rPr>
+              <a:t> </a:t>
+            </a:r>
+            <a:r>
+              <a:rPr sz="1100" i="1" spc="-15">
+                <a:solidFill>
+                  <a:srgbClr val="777879"/>
+                </a:solidFill>
+                <a:latin typeface="AdobeClean-LightIt"/>
+                <a:cs typeface="AdobeClean-LightIt"/>
+              </a:rPr>
+              <a:t>right</a:t>
+            </a:r>
+            <a:r>
+              <a:rPr sz="1100" i="1" spc="-95">
+                <a:solidFill>
+                  <a:srgbClr val="777879"/>
+                </a:solidFill>
+                <a:latin typeface="AdobeClean-LightIt"/>
+                <a:cs typeface="AdobeClean-LightIt"/>
+              </a:rPr>
+              <a:t> </a:t>
+            </a:r>
+            <a:r>
+              <a:rPr sz="1100" i="1" spc="-15">
+                <a:solidFill>
+                  <a:srgbClr val="777879"/>
+                </a:solidFill>
+                <a:latin typeface="AdobeClean-LightIt"/>
+                <a:cs typeface="AdobeClean-LightIt"/>
+              </a:rPr>
+              <a:t>level</a:t>
+            </a:r>
+            <a:r>
+              <a:rPr sz="1100" i="1" spc="-55">
+                <a:solidFill>
+                  <a:srgbClr val="777879"/>
+                </a:solidFill>
+                <a:latin typeface="AdobeClean-LightIt"/>
+                <a:cs typeface="AdobeClean-LightIt"/>
+              </a:rPr>
+              <a:t> </a:t>
+            </a:r>
+            <a:r>
+              <a:rPr sz="1100" i="1" spc="-15">
+                <a:solidFill>
+                  <a:srgbClr val="777879"/>
+                </a:solidFill>
+                <a:latin typeface="AdobeClean-LightIt"/>
+                <a:cs typeface="AdobeClean-LightIt"/>
+              </a:rPr>
+              <a:t>for</a:t>
+            </a:r>
+            <a:r>
+              <a:rPr sz="1100" i="1" spc="-85">
+                <a:solidFill>
+                  <a:srgbClr val="777879"/>
+                </a:solidFill>
+                <a:latin typeface="AdobeClean-LightIt"/>
+                <a:cs typeface="AdobeClean-LightIt"/>
+              </a:rPr>
+              <a:t> </a:t>
+            </a:r>
+            <a:r>
+              <a:rPr sz="1100" i="1" spc="-15">
+                <a:solidFill>
+                  <a:srgbClr val="777879"/>
+                </a:solidFill>
+                <a:latin typeface="AdobeClean-LightIt"/>
+                <a:cs typeface="AdobeClean-LightIt"/>
+              </a:rPr>
+              <a:t>you,</a:t>
+            </a:r>
+            <a:r>
+              <a:rPr sz="1100" i="1" spc="-65">
+                <a:solidFill>
+                  <a:srgbClr val="777879"/>
+                </a:solidFill>
+                <a:latin typeface="AdobeClean-LightIt"/>
+                <a:cs typeface="AdobeClean-LightIt"/>
+              </a:rPr>
+              <a:t> </a:t>
+            </a:r>
+            <a:r>
+              <a:rPr sz="1100" i="1" spc="-15">
+                <a:solidFill>
+                  <a:srgbClr val="777879"/>
+                </a:solidFill>
+                <a:latin typeface="AdobeClean-LightIt"/>
+                <a:cs typeface="AdobeClean-LightIt"/>
+              </a:rPr>
+              <a:t>contact</a:t>
+            </a:r>
+            <a:r>
+              <a:rPr sz="1100" i="1" spc="-85">
+                <a:solidFill>
+                  <a:srgbClr val="777879"/>
+                </a:solidFill>
+                <a:latin typeface="AdobeClean-LightIt"/>
+                <a:cs typeface="AdobeClean-LightIt"/>
+              </a:rPr>
+              <a:t> </a:t>
+            </a:r>
+            <a:r>
+              <a:rPr sz="1100" i="1" spc="-15">
+                <a:solidFill>
+                  <a:srgbClr val="777879"/>
+                </a:solidFill>
+                <a:latin typeface="AdobeClean-LightIt"/>
+                <a:cs typeface="AdobeClean-LightIt"/>
+              </a:rPr>
+              <a:t>your</a:t>
+            </a:r>
+            <a:r>
+              <a:rPr sz="1100" i="1" spc="-70">
+                <a:solidFill>
+                  <a:srgbClr val="777879"/>
+                </a:solidFill>
+                <a:latin typeface="AdobeClean-LightIt"/>
+                <a:cs typeface="AdobeClean-LightIt"/>
+              </a:rPr>
+              <a:t> </a:t>
+            </a:r>
+            <a:r>
+              <a:rPr sz="1100" i="1" spc="-15">
+                <a:solidFill>
+                  <a:srgbClr val="777879"/>
+                </a:solidFill>
+                <a:latin typeface="AdobeClean-LightIt"/>
+                <a:cs typeface="AdobeClean-LightIt"/>
+              </a:rPr>
+              <a:t>Named</a:t>
+            </a:r>
+            <a:r>
+              <a:rPr sz="1100" i="1" spc="-55">
+                <a:solidFill>
+                  <a:srgbClr val="777879"/>
+                </a:solidFill>
+                <a:latin typeface="AdobeClean-LightIt"/>
+                <a:cs typeface="AdobeClean-LightIt"/>
+              </a:rPr>
+              <a:t> </a:t>
+            </a:r>
+            <a:r>
+              <a:rPr sz="1100" i="1" spc="-25">
+                <a:solidFill>
+                  <a:srgbClr val="777879"/>
+                </a:solidFill>
+                <a:latin typeface="AdobeClean-LightIt"/>
+                <a:cs typeface="AdobeClean-LightIt"/>
+              </a:rPr>
+              <a:t>Account</a:t>
+            </a:r>
+            <a:r>
+              <a:rPr sz="1100" i="1" spc="-120">
+                <a:solidFill>
+                  <a:srgbClr val="777879"/>
+                </a:solidFill>
+                <a:latin typeface="AdobeClean-LightIt"/>
+                <a:cs typeface="AdobeClean-LightIt"/>
+              </a:rPr>
+              <a:t> </a:t>
+            </a:r>
+            <a:r>
+              <a:rPr sz="1100" i="1" spc="-20">
+                <a:solidFill>
+                  <a:srgbClr val="777879"/>
+                </a:solidFill>
+                <a:latin typeface="AdobeClean-LightIt"/>
+                <a:cs typeface="AdobeClean-LightIt"/>
+              </a:rPr>
+              <a:t>Manager</a:t>
+            </a:r>
+            <a:r>
+              <a:rPr lang="en-US" sz="1100" i="1" spc="-20">
+                <a:solidFill>
+                  <a:srgbClr val="777879"/>
+                </a:solidFill>
+                <a:latin typeface="AdobeClean-LightIt"/>
+                <a:cs typeface="AdobeClean-LightIt"/>
+              </a:rPr>
+              <a:t> </a:t>
+            </a:r>
+            <a:r>
+              <a:rPr sz="1100" i="1" spc="-20">
+                <a:solidFill>
+                  <a:srgbClr val="777879"/>
+                </a:solidFill>
+                <a:latin typeface="AdobeClean-LightIt"/>
+                <a:cs typeface="AdobeClean-LightIt"/>
+              </a:rPr>
+              <a:t> </a:t>
+            </a:r>
+            <a:r>
+              <a:rPr sz="1100" i="1" spc="-15">
+                <a:solidFill>
+                  <a:srgbClr val="777879"/>
+                </a:solidFill>
+                <a:latin typeface="AdobeClean-LightIt"/>
+                <a:cs typeface="AdobeClean-LightIt"/>
+              </a:rPr>
+              <a:t>(NAM) </a:t>
+            </a:r>
+            <a:r>
+              <a:rPr sz="1100" i="1" spc="-10">
+                <a:solidFill>
+                  <a:srgbClr val="777879"/>
+                </a:solidFill>
+                <a:latin typeface="AdobeClean-LightIt"/>
+                <a:cs typeface="AdobeClean-LightIt"/>
+              </a:rPr>
+              <a:t>or </a:t>
+            </a:r>
+            <a:r>
+              <a:rPr sz="1100" i="1" spc="-15">
+                <a:solidFill>
+                  <a:srgbClr val="777879"/>
+                </a:solidFill>
+                <a:latin typeface="AdobeClean-LightIt"/>
+                <a:cs typeface="AdobeClean-LightIt"/>
+              </a:rPr>
+              <a:t>Customer</a:t>
+            </a:r>
+            <a:r>
+              <a:rPr lang="en-US" sz="1100" i="1" spc="-15">
+                <a:solidFill>
+                  <a:srgbClr val="777879"/>
+                </a:solidFill>
+                <a:latin typeface="AdobeClean-LightIt"/>
+                <a:cs typeface="AdobeClean-LightIt"/>
+              </a:rPr>
+              <a:t> </a:t>
+            </a:r>
+            <a:r>
+              <a:rPr lang="en-US" sz="1100" i="1" spc="-20">
+                <a:solidFill>
+                  <a:srgbClr val="777879"/>
+                </a:solidFill>
+                <a:latin typeface="AdobeClean-LightIt"/>
+                <a:cs typeface="AdobeClean-LightIt"/>
+              </a:rPr>
+              <a:t>Success </a:t>
+            </a:r>
+            <a:r>
+              <a:rPr lang="en-US" sz="1100" i="1" spc="-15">
+                <a:solidFill>
+                  <a:srgbClr val="777879"/>
+                </a:solidFill>
+                <a:latin typeface="AdobeClean-LightIt"/>
+                <a:cs typeface="AdobeClean-LightIt"/>
+              </a:rPr>
+              <a:t>Manager </a:t>
+            </a:r>
+            <a:r>
+              <a:rPr sz="1100" i="1" spc="-15">
+                <a:solidFill>
+                  <a:srgbClr val="777879"/>
+                </a:solidFill>
+                <a:latin typeface="AdobeClean-LightIt"/>
+                <a:cs typeface="AdobeClean-LightIt"/>
+              </a:rPr>
+              <a:t>(CSM)</a:t>
+            </a:r>
+            <a:endParaRPr sz="1100">
+              <a:latin typeface="AdobeClean-LightIt"/>
+              <a:cs typeface="AdobeClean-LightIt"/>
+            </a:endParaRPr>
           </a:p>
           <a:p>
             <a:pPr marL="34290">
@@ -9310,15 +10453,59 @@
               </a:spcBef>
             </a:pPr>
             <a:r>
-              <a:rPr lang="it-IT" sz="800" dirty="0">
+              <a:rPr sz="800" spc="-5">
                 <a:solidFill>
                   <a:srgbClr val="6D6D6D"/>
                 </a:solidFill>
                 <a:latin typeface="Adobe Clean"/>
                 <a:cs typeface="Adobe Clean"/>
               </a:rPr>
-              <a:t>©2021 Adobe. All Rights Reserved. Adobe Confidential.</a:t>
-            </a:r>
+              <a:t>©202</a:t>
+            </a:r>
+            <a:r>
+              <a:rPr lang="en-US" sz="800" spc="-5">
+                <a:solidFill>
+                  <a:srgbClr val="6D6D6D"/>
+                </a:solidFill>
+                <a:latin typeface="Adobe Clean"/>
+                <a:cs typeface="Adobe Clean"/>
+              </a:rPr>
+              <a:t>1</a:t>
+            </a:r>
+            <a:r>
+              <a:rPr sz="800" spc="-5">
+                <a:solidFill>
+                  <a:srgbClr val="6D6D6D"/>
+                </a:solidFill>
+                <a:latin typeface="Adobe Clean"/>
+                <a:cs typeface="Adobe Clean"/>
+              </a:rPr>
+              <a:t> Adobe. All Rights Reserved. Adobe</a:t>
+            </a:r>
+            <a:r>
+              <a:rPr sz="800" spc="75">
+                <a:solidFill>
+                  <a:srgbClr val="6D6D6D"/>
+                </a:solidFill>
+                <a:latin typeface="Adobe Clean"/>
+                <a:cs typeface="Adobe Clean"/>
+              </a:rPr>
+              <a:t> </a:t>
+            </a:r>
+            <a:r>
+              <a:rPr sz="800" spc="-5">
+                <a:solidFill>
+                  <a:srgbClr val="6D6D6D"/>
+                </a:solidFill>
+                <a:latin typeface="Adobe Clean"/>
+                <a:cs typeface="Adobe Clean"/>
+              </a:rPr>
+              <a:t>Confidential.</a:t>
+            </a:r>
+            <a:endParaRPr sz="800">
+              <a:latin typeface="Adobe Clean"/>
+              <a:cs typeface="Adobe Clean"/>
+            </a:endParaRPr>
           </a:p>
         </p:txBody>
       </p:sp>
@@ -9336,8 +10523,8 @@
         </p:nvSpPr>
         <p:spPr>
           <a:xfrm>
-            <a:off x="197232" y="5031270"/>
-            <a:ext cx="6588377" cy="755976"/>
+            <a:off x="197233" y="5031270"/>
+            <a:ext cx="6476646" cy="755976"/>
           </a:xfrm>
           <a:prstGeom prst="rect">
             <a:avLst/>
@@ -9355,15 +10542,19 @@
               </a:spcBef>
             </a:pPr>
             <a:r>
-              <a:rPr lang="it-IT" sz="1400" b="1" dirty="0">
+              <a:rPr lang="en-US" sz="1400" b="1" spc="-15">
                 <a:solidFill>
                   <a:srgbClr val="020302"/>
                 </a:solidFill>
                 <a:latin typeface="Adobe Clean"/>
                 <a:cs typeface="Adobe Clean"/>
               </a:rPr>
-              <a:t>Supporto Adobe: aree geografiche, orari operativi e lingue</a:t>
-            </a:r>
+              <a:t>Regional scope of Adobe Support, Local Hours Of Operation And Language Support</a:t>
+            </a:r>
+            <a:endParaRPr lang="en-US" sz="1400" spc="-15">
+              <a:ea typeface="+mn-lt"/>
+              <a:cs typeface="+mn-lt"/>
+            </a:endParaRPr>
           </a:p>
           <a:p>
             <a:pPr>
@@ -9372,14 +10563,15 @@
               </a:spcBef>
             </a:pPr>
             <a:r>
-              <a:rPr lang="it-IT" sz="1000" dirty="0">
+              <a:rPr lang="en-US" sz="1000" spc="-15">
                 <a:solidFill>
                   <a:srgbClr val="1F1F1F"/>
                 </a:solidFill>
                 <a:latin typeface="AdobeClean-Light"/>
               </a:rPr>
-              <a:t>L’ambito del supporto Adobe è definito allineando l’indirizzo di fatturazione del cliente (in base all’ordine di vendita o altro documento di acquisto del servizio di supporto Adobe) a una delle seguenti aree geografiche:</a:t>
-            </a:r>
+              <a:t>The Regional scope of Adobe Support is established by aligning the customer's billing address (via the Sales Order or other Adobe Support purchasing document) to one of the following regions:</a:t>
+            </a:r>
+            <a:endParaRPr lang="en-US"/>
           </a:p>
         </p:txBody>
       </p:sp>
@@ -9398,7 +10590,7 @@
           <p:nvPr>
             <p:extLst>
               <p:ext uri="{D42A27DB-BD31-4B8C-83A1-F6EECF244321}">
-                <p14:modId xmlns:p14="http://schemas.microsoft.com/office/powerpoint/2010/main" val="2649027313"/>
+                <p14:modId xmlns:p14="http://schemas.microsoft.com/office/powerpoint/2010/main" val="914484175"/>
               </p:ext>
             </p:extLst>
           </p:nvPr>
@@ -9451,13 +10643,13 @@
                     <a:p>
                       <a:pPr algn="ctr"/>
                       <a:r>
-                        <a:rPr lang="it-IT" sz="1100">
+                        <a:rPr lang="en-US" sz="1100">
                           <a:solidFill>
                             <a:schemeClr val="tx1"/>
                           </a:solidFill>
                           <a:latin typeface="Adobe Clean"/>
                         </a:rPr>
-                        <a:t>Americhe</a:t>
+                        <a:t>Americas</a:t>
                       </a:r>
                     </a:p>
                   </a:txBody>
@@ -9516,30 +10708,13 @@
                     <a:p>
                       <a:pPr algn="ctr"/>
                       <a:r>
-                        <a:rPr lang="it-IT" sz="1100" dirty="0">
+                        <a:rPr lang="en-US" sz="1100">
                           <a:solidFill>
                             <a:schemeClr val="tx1"/>
                           </a:solidFill>
                           <a:latin typeface="Adobe Clean"/>
                         </a:rPr>
-                        <a:t>Europa, Medio Oriente </a:t>
-                      </a:r>
-                      <a:br>
-                        <a:rPr lang="it-IT" sz="1100" dirty="0">
-                          <a:solidFill>
-                            <a:schemeClr val="tx1"/>
-                          </a:solidFill>
-                          <a:latin typeface="Adobe Clean"/>
-                        </a:rPr>
-                      </a:br>
-                      <a:r>
-                        <a:rPr lang="it-IT" sz="1100" dirty="0">
-                          <a:solidFill>
-                            <a:schemeClr val="tx1"/>
-                          </a:solidFill>
-                          <a:latin typeface="Adobe Clean"/>
-                        </a:rPr>
-                        <a:t>e Africa</a:t>
+                        <a:t>Europe, Middle East &amp; Africa</a:t>
                       </a:r>
                     </a:p>
                   </a:txBody>
@@ -9598,13 +10773,13 @@
                     <a:p>
                       <a:pPr algn="ctr"/>
                       <a:r>
-                        <a:rPr lang="it-IT" sz="1100">
+                        <a:rPr lang="en-US" sz="1100">
                           <a:solidFill>
                             <a:schemeClr val="tx1"/>
                           </a:solidFill>
                           <a:latin typeface="Adobe Clean"/>
                         </a:rPr>
-                        <a:t>Asia-Pacifico</a:t>
+                        <a:t>Asia Pacific</a:t>
                       </a:r>
                     </a:p>
                   </a:txBody>
@@ -9663,16 +10838,16 @@
                     <a:p>
                       <a:pPr algn="ctr"/>
                       <a:r>
-                        <a:rPr lang="it-IT" sz="1100">
+                        <a:rPr lang="en-US" sz="1100">
                           <a:solidFill>
                             <a:schemeClr val="tx1"/>
                           </a:solidFill>
                           <a:latin typeface="Adobe Clean"/>
                         </a:rPr>
-                        <a:t>Giappone</a:t>
+                        <a:t>Japan </a:t>
                       </a:r>
                       <a:r>
-                        <a:rPr lang="it-IT" sz="1100" baseline="30000">
+                        <a:rPr lang="en-US" sz="1100" baseline="30000">
                           <a:solidFill>
                             <a:schemeClr val="tx1"/>
                           </a:solidFill>
@@ -9680,6 +10855,12 @@
                         </a:rPr>
                         <a:t>1 </a:t>
                       </a:r>
+                      <a:endParaRPr lang="en-US" sz="1100">
+                        <a:solidFill>
+                          <a:schemeClr val="tx1"/>
+                        </a:solidFill>
+                        <a:latin typeface="Adobe Clean" panose="020B0503020404020204" pitchFamily="34" charset="0"/>
+                      </a:endParaRPr>
                     </a:p>
                   </a:txBody>
                   <a:tcPr anchor="ctr">
@@ -9744,13 +10925,13 @@
                     <a:p>
                       <a:pPr algn="ctr"/>
                       <a:r>
-                        <a:rPr lang="it-IT" sz="1100">
+                        <a:rPr lang="en-US" sz="1100">
                           <a:solidFill>
                             <a:schemeClr val="tx1"/>
                           </a:solidFill>
                           <a:latin typeface="Adobe Clean"/>
                         </a:rPr>
-                        <a:t>06:00 – 17:30</a:t>
+                        <a:t>6 am – 5:30 pm</a:t>
                       </a:r>
                     </a:p>
                   </a:txBody>
@@ -9809,13 +10990,13 @@
                     <a:p>
                       <a:pPr algn="ctr"/>
                       <a:r>
-                        <a:rPr lang="it-IT" sz="1100">
+                        <a:rPr lang="en-US" sz="1100">
                           <a:solidFill>
                             <a:schemeClr val="tx1"/>
                           </a:solidFill>
                           <a:latin typeface="Adobe Clean"/>
                         </a:rPr>
-                        <a:t>09:00 – 17:00</a:t>
+                        <a:t>9 am – 5 pm</a:t>
                       </a:r>
                     </a:p>
                   </a:txBody>
@@ -9874,13 +11055,13 @@
                     <a:p>
                       <a:pPr algn="ctr"/>
                       <a:r>
-                        <a:rPr lang="it-IT" sz="1100">
+                        <a:rPr lang="en-US" sz="1100">
                           <a:solidFill>
                             <a:schemeClr val="tx1"/>
                           </a:solidFill>
                           <a:latin typeface="Adobe Clean"/>
                         </a:rPr>
-                        <a:t>09:00 – 17:00</a:t>
+                        <a:t>9 am – 5 pm</a:t>
                       </a:r>
                     </a:p>
                   </a:txBody>
@@ -9939,13 +11120,13 @@
                     <a:p>
                       <a:pPr algn="ctr"/>
                       <a:r>
-                        <a:rPr lang="it-IT" sz="1100">
+                        <a:rPr lang="en-US" sz="1100">
                           <a:solidFill>
                             <a:schemeClr val="tx1"/>
                           </a:solidFill>
                           <a:latin typeface="Adobe Clean"/>
                         </a:rPr>
-                        <a:t>09:00 – 17:30</a:t>
+                        <a:t>9 am – 5:30 pm</a:t>
                       </a:r>
                     </a:p>
                   </a:txBody>
@@ -10025,10 +11206,11 @@
                         <a:buNone/>
                       </a:pPr>
                       <a:r>
-                        <a:rPr lang="it-IT" sz="1100" b="1" i="0" u="none" strike="noStrike" cap="none" normalizeH="0" baseline="30000" noProof="0" dirty="0">
+                        <a:rPr lang="en-US" sz="1100" b="1" i="0" u="none" strike="noStrike" kern="0" cap="none" spc="0" normalizeH="0" baseline="30000" noProof="0" dirty="0">
                           <a:ln>
                             <a:noFill/>
                           </a:ln>
+                          <a:effectLst/>
                           <a:uLnTx/>
                           <a:uFillTx/>
                           <a:latin typeface="Adobe Clean"/>
@@ -10038,16 +11220,17 @@
                         <a:t> </a:t>
                       </a:r>
                       <a:r>
-                        <a:rPr lang="it-IT" sz="1100" dirty="0">
+                        <a:rPr lang="en-US" sz="1100" dirty="0">
                           <a:solidFill>
                             <a:schemeClr val="tx1"/>
                           </a:solidFill>
                           <a:latin typeface="Adobe Clean"/>
-                          <a:ea typeface="+mn-ea"/>
-                          <a:cs typeface="+mn-cs"/>
                         </a:rPr>
-                        <a:t>Il supporto è disponibile solo in inglese e giapponese.</a:t>
+                        <a:t>Language support is only available in English and Japanese.</a:t>
                       </a:r>
+                      <a:endParaRPr lang="en-US" dirty="0">
+                        <a:latin typeface="Adobe Clean"/>
+                      </a:endParaRPr>
                     </a:p>
                     <a:p>
                       <a:pPr marL="0" marR="0" lvl="0" indent="0" algn="ctr">
@@ -10066,17 +11249,17 @@
                         <a:buNone/>
                       </a:pPr>
                       <a:r>
-                        <a:rPr lang="it-IT" sz="1100" i="1" dirty="0">
+                        <a:rPr lang="en-US" sz="1100" i="1" dirty="0">
                           <a:solidFill>
                             <a:schemeClr val="tx1"/>
                           </a:solidFill>
                           <a:latin typeface="Adobe Clean"/>
                         </a:rPr>
-                        <a:t>* Adobe Commerce non prevede il supporto in lingua giapponese.</a:t>
+                        <a:t>*Adobe Commerce excludes Japanese languages support. </a:t>
                       </a:r>
                     </a:p>
                     <a:p>
-                      <a:pPr algn="l" rtl="0"/>
+                      <a:pPr algn="ctr"/>
                       <a:endParaRPr kumimoji="0" lang="en-US" sz="1100" b="1" i="0" u="none" strike="noStrike" kern="0" cap="none" spc="0" normalizeH="0" baseline="30000" noProof="0" dirty="0">
                         <a:ln>
                           <a:noFill/>
@@ -10095,7 +11278,7 @@
                     <a:p>
                       <a:pPr algn="ctr"/>
                       <a:r>
-                        <a:rPr lang="it-IT" sz="1100" i="0" dirty="0">
+                        <a:rPr lang="en-US" sz="1100" i="0" dirty="0">
                           <a:solidFill>
                             <a:schemeClr val="tx1"/>
                           </a:solidFill>
@@ -10104,7 +11287,7 @@
                         <a:t> </a:t>
                       </a:r>
                       <a:r>
-                        <a:rPr lang="it-IT" sz="1100" i="0" baseline="30000" dirty="0">
+                        <a:rPr lang="en-US" sz="1100" i="0" baseline="30000" dirty="0">
                           <a:solidFill>
                             <a:schemeClr val="tx1"/>
                           </a:solidFill>
@@ -10113,14 +11296,20 @@
                         <a:t>1 </a:t>
                       </a:r>
                       <a:r>
-                        <a:rPr lang="it-IT" sz="1100" i="0" dirty="0">
+                        <a:rPr lang="en-US" sz="1100" i="0" dirty="0">
                           <a:solidFill>
                             <a:schemeClr val="tx1"/>
                           </a:solidFill>
                           <a:latin typeface="Adobe Clean"/>
                         </a:rPr>
-                        <a:t>In Giappone, i casi P2, P3 e P4 sono limitati al solo orario operativo.</a:t>
+                        <a:t>P2, P3, P4 cases are limited to business hours only in Japan.</a:t>
                       </a:r>
+                      <a:endParaRPr lang="en-US" sz="1100" b="1" i="0" dirty="0">
+                        <a:solidFill>
+                          <a:schemeClr val="tx1"/>
+                        </a:solidFill>
+                        <a:latin typeface="Adobe Clean"/>
+                      </a:endParaRPr>
                     </a:p>
                   </a:txBody>
                   <a:tcPr anchor="ctr">
@@ -10475,7 +11664,7 @@
           </a:bodyPr>
           <a:lstStyle/>
           <a:p>
-            <a:pPr marR="5080" algn="ctr">
+            <a:pPr marL="139065" marR="5080" indent="-139065">
               <a:lnSpc>
                 <a:spcPts val="1390"/>
               </a:lnSpc>
@@ -10484,15 +11673,129 @@
               </a:spcBef>
             </a:pPr>
             <a:r>
-              <a:rPr lang="it-IT" sz="1200" b="1" dirty="0">
+              <a:rPr sz="1200" b="1" spc="-15">
                 <a:solidFill>
                   <a:srgbClr val="FFFFFF"/>
                 </a:solidFill>
                 <a:latin typeface="Adobe Clean"/>
                 <a:cs typeface="Adobe Clean"/>
               </a:rPr>
-              <a:t>Eccellenza tecnica</a:t>
-            </a:r>
+              <a:t>U</a:t>
+            </a:r>
+            <a:r>
+              <a:rPr sz="1200" b="1" spc="-20">
+                <a:solidFill>
+                  <a:srgbClr val="FFFFFF"/>
+                </a:solidFill>
+                <a:latin typeface="Adobe Clean"/>
+                <a:cs typeface="Adobe Clean"/>
+              </a:rPr>
+              <a:t>n</a:t>
+            </a:r>
+            <a:r>
+              <a:rPr sz="1200" b="1" spc="-25">
+                <a:solidFill>
+                  <a:srgbClr val="FFFFFF"/>
+                </a:solidFill>
+                <a:latin typeface="Adobe Clean"/>
+                <a:cs typeface="Adobe Clean"/>
+              </a:rPr>
+              <a:t>p</a:t>
+            </a:r>
+            <a:r>
+              <a:rPr sz="1200" b="1" spc="-15">
+                <a:solidFill>
+                  <a:srgbClr val="FFFFFF"/>
+                </a:solidFill>
+                <a:latin typeface="Adobe Clean"/>
+                <a:cs typeface="Adobe Clean"/>
+              </a:rPr>
+              <a:t>a</a:t>
+            </a:r>
+            <a:r>
+              <a:rPr sz="1200" b="1" spc="-25">
+                <a:solidFill>
+                  <a:srgbClr val="FFFFFF"/>
+                </a:solidFill>
+                <a:latin typeface="Adobe Clean"/>
+                <a:cs typeface="Adobe Clean"/>
+              </a:rPr>
+              <a:t>r</a:t>
+            </a:r>
+            <a:r>
+              <a:rPr sz="1200" b="1" spc="-15">
+                <a:solidFill>
+                  <a:srgbClr val="FFFFFF"/>
+                </a:solidFill>
+                <a:latin typeface="Adobe Clean"/>
+                <a:cs typeface="Adobe Clean"/>
+              </a:rPr>
+              <a:t>a</a:t>
+            </a:r>
+            <a:r>
+              <a:rPr sz="1200" b="1" spc="-30">
+                <a:solidFill>
+                  <a:srgbClr val="FFFFFF"/>
+                </a:solidFill>
+                <a:latin typeface="Adobe Clean"/>
+                <a:cs typeface="Adobe Clean"/>
+              </a:rPr>
+              <a:t>ll</a:t>
+            </a:r>
+            <a:r>
+              <a:rPr sz="1200" b="1" spc="-25">
+                <a:solidFill>
+                  <a:srgbClr val="FFFFFF"/>
+                </a:solidFill>
+                <a:latin typeface="Adobe Clean"/>
+                <a:cs typeface="Adobe Clean"/>
+              </a:rPr>
+              <a:t>e</a:t>
+            </a:r>
+            <a:r>
+              <a:rPr sz="1200" b="1" spc="-30">
+                <a:solidFill>
+                  <a:srgbClr val="FFFFFF"/>
+                </a:solidFill>
+                <a:latin typeface="Adobe Clean"/>
+                <a:cs typeface="Adobe Clean"/>
+              </a:rPr>
+              <a:t>l</a:t>
+            </a:r>
+            <a:r>
+              <a:rPr sz="1200" b="1" spc="-25">
+                <a:solidFill>
+                  <a:srgbClr val="FFFFFF"/>
+                </a:solidFill>
+                <a:latin typeface="Adobe Clean"/>
+                <a:cs typeface="Adobe Clean"/>
+              </a:rPr>
+              <a:t>e</a:t>
+            </a:r>
+            <a:r>
+              <a:rPr sz="1200" b="1">
+                <a:solidFill>
+                  <a:srgbClr val="FFFFFF"/>
+                </a:solidFill>
+                <a:latin typeface="Adobe Clean"/>
+                <a:cs typeface="Adobe Clean"/>
+              </a:rPr>
+              <a:t>d  </a:t>
+            </a:r>
+            <a:r>
+              <a:rPr sz="1200" b="1" spc="-25">
+                <a:solidFill>
+                  <a:srgbClr val="FFFFFF"/>
+                </a:solidFill>
+                <a:latin typeface="Adobe Clean"/>
+                <a:cs typeface="Adobe Clean"/>
+              </a:rPr>
+              <a:t>Expertise</a:t>
+            </a:r>
+            <a:endParaRPr sz="1200">
+              <a:latin typeface="Adobe Clean"/>
+              <a:cs typeface="Adobe Clean"/>
+            </a:endParaRPr>
           </a:p>
         </p:txBody>
       </p:sp>
@@ -10523,7 +11826,7 @@
           </a:bodyPr>
           <a:lstStyle/>
           <a:p>
-            <a:pPr marR="5080" algn="ctr">
+            <a:pPr marL="139065" marR="5080" indent="-139065">
               <a:lnSpc>
                 <a:spcPts val="1390"/>
               </a:lnSpc>
@@ -10532,15 +11835,19 @@
               </a:spcBef>
             </a:pPr>
             <a:r>
-              <a:rPr lang="it-IT" sz="1200" b="1" dirty="0">
+              <a:rPr lang="en-US" sz="1200" b="1" spc="-15">
                 <a:solidFill>
                   <a:srgbClr val="FFFFFF"/>
                 </a:solidFill>
                 <a:latin typeface="Adobe Clean"/>
                 <a:cs typeface="Adobe Clean"/>
               </a:rPr>
-              <a:t>Supporto rapido</a:t>
-            </a:r>
+              <a:t>Accelerated Support</a:t>
+            </a:r>
+            <a:endParaRPr sz="1200">
+              <a:latin typeface="Adobe Clean"/>
+              <a:cs typeface="Adobe Clean"/>
+            </a:endParaRPr>
           </a:p>
         </p:txBody>
       </p:sp>
@@ -10558,8 +11865,8 @@
         </p:nvSpPr>
         <p:spPr>
           <a:xfrm>
-            <a:off x="6343650" y="8543943"/>
-            <a:ext cx="1071478" cy="385445"/>
+            <a:off x="6624119" y="8543943"/>
+            <a:ext cx="510540" cy="385445"/>
           </a:xfrm>
           <a:prstGeom prst="rect">
             <a:avLst/>
@@ -10571,7 +11878,7 @@
           </a:bodyPr>
           <a:lstStyle/>
           <a:p>
-            <a:pPr marL="3175" marR="5080" indent="-3175" algn="ctr">
+            <a:pPr marL="50800" marR="5080" indent="-51435">
               <a:lnSpc>
                 <a:spcPts val="1390"/>
               </a:lnSpc>
@@ -10580,15 +11887,109 @@
               </a:spcBef>
             </a:pPr>
             <a:r>
-              <a:rPr lang="it-IT" sz="1200" b="1" dirty="0">
+              <a:rPr sz="1200" b="1" spc="-50">
                 <a:solidFill>
                   <a:srgbClr val="FFFFFF"/>
                 </a:solidFill>
                 <a:latin typeface="Adobe Clean"/>
                 <a:cs typeface="Adobe Clean"/>
               </a:rPr>
-              <a:t>Consulenza strategica</a:t>
-            </a:r>
+              <a:t>S</a:t>
+            </a:r>
+            <a:r>
+              <a:rPr sz="1200" b="1" spc="-20">
+                <a:solidFill>
+                  <a:srgbClr val="FFFFFF"/>
+                </a:solidFill>
+                <a:latin typeface="Adobe Clean"/>
+                <a:cs typeface="Adobe Clean"/>
+              </a:rPr>
+              <a:t>t</a:t>
+            </a:r>
+            <a:r>
+              <a:rPr sz="1200" b="1" spc="-75">
+                <a:solidFill>
+                  <a:srgbClr val="FFFFFF"/>
+                </a:solidFill>
+                <a:latin typeface="Adobe Clean"/>
+                <a:cs typeface="Adobe Clean"/>
+              </a:rPr>
+              <a:t>r</a:t>
+            </a:r>
+            <a:r>
+              <a:rPr sz="1200" b="1" spc="-90">
+                <a:solidFill>
+                  <a:srgbClr val="FFFFFF"/>
+                </a:solidFill>
+                <a:latin typeface="Adobe Clean"/>
+                <a:cs typeface="Adobe Clean"/>
+              </a:rPr>
+              <a:t>a</a:t>
+            </a:r>
+            <a:r>
+              <a:rPr sz="1200" b="1" spc="-55">
+                <a:solidFill>
+                  <a:srgbClr val="FFFFFF"/>
+                </a:solidFill>
+                <a:latin typeface="Adobe Clean"/>
+                <a:cs typeface="Adobe Clean"/>
+              </a:rPr>
+              <a:t>t</a:t>
+            </a:r>
+            <a:r>
+              <a:rPr sz="1200" b="1" spc="-100">
+                <a:solidFill>
+                  <a:srgbClr val="FFFFFF"/>
+                </a:solidFill>
+                <a:latin typeface="Adobe Clean"/>
+                <a:cs typeface="Adobe Clean"/>
+              </a:rPr>
+              <a:t>e</a:t>
+            </a:r>
+            <a:r>
+              <a:rPr sz="1200" b="1" spc="-80">
+                <a:solidFill>
+                  <a:srgbClr val="FFFFFF"/>
+                </a:solidFill>
+                <a:latin typeface="Adobe Clean"/>
+                <a:cs typeface="Adobe Clean"/>
+              </a:rPr>
+              <a:t>g</a:t>
+            </a:r>
+            <a:r>
+              <a:rPr sz="1200" b="1" spc="-35">
+                <a:solidFill>
+                  <a:srgbClr val="FFFFFF"/>
+                </a:solidFill>
+                <a:latin typeface="Adobe Clean"/>
+                <a:cs typeface="Adobe Clean"/>
+              </a:rPr>
+              <a:t>i</a:t>
+            </a:r>
+            <a:r>
+              <a:rPr sz="1200" b="1">
+                <a:solidFill>
+                  <a:srgbClr val="FFFFFF"/>
+                </a:solidFill>
+                <a:latin typeface="Adobe Clean"/>
+                <a:cs typeface="Adobe Clean"/>
+              </a:rPr>
+              <a:t>c  </a:t>
+            </a:r>
+            <a:r>
+              <a:rPr sz="1200" b="1" spc="-45">
+                <a:solidFill>
+                  <a:srgbClr val="FFFFFF"/>
+                </a:solidFill>
+                <a:latin typeface="Adobe Clean"/>
+                <a:cs typeface="Adobe Clean"/>
+              </a:rPr>
+              <a:t>Advice</a:t>
+            </a:r>
+            <a:endParaRPr sz="1200">
+              <a:latin typeface="Adobe Clean"/>
+              <a:cs typeface="Adobe Clean"/>
+            </a:endParaRPr>
           </a:p>
         </p:txBody>
       </p:sp>
@@ -10607,14 +12008,14 @@
           <p:nvPr>
             <p:extLst>
               <p:ext uri="{D42A27DB-BD31-4B8C-83A1-F6EECF244321}">
-                <p14:modId xmlns:p14="http://schemas.microsoft.com/office/powerpoint/2010/main" val="2987526193"/>
+                <p14:modId xmlns:p14="http://schemas.microsoft.com/office/powerpoint/2010/main" val="3773282750"/>
               </p:ext>
             </p:extLst>
           </p:nvPr>
         </p:nvGraphicFramePr>
         <p:xfrm>
           <a:off x="194236" y="1059345"/>
-          <a:ext cx="7368291" cy="3606800"/>
+          <a:ext cx="7368291" cy="3302000"/>
         </p:xfrm>
         <a:graphic>
           <a:graphicData uri="http://schemas.openxmlformats.org/drawingml/2006/table">
@@ -10645,7 +12046,7 @@
                     <a:lstStyle/>
                     <a:p>
                       <a:r>
-                        <a:rPr lang="it-IT" sz="1100" b="0">
+                        <a:rPr lang="en-US" sz="1100" b="0">
                           <a:solidFill>
                             <a:schemeClr val="tx1"/>
                           </a:solidFill>
@@ -10656,6 +12057,14 @@
                         </a:rPr>
                         <a:t>Experience League</a:t>
                       </a:r>
+                      <a:endParaRPr lang="en-US" sz="1100" b="0">
+                        <a:solidFill>
+                          <a:schemeClr val="tx1"/>
+                        </a:solidFill>
+                        <a:latin typeface="Adobe Clean"/>
+                        <a:ea typeface="+mn-ea"/>
+                        <a:cs typeface="+mn-cs"/>
+                      </a:endParaRPr>
                     </a:p>
                   </a:txBody>
                   <a:tcPr marL="47625" marR="47625" marT="0" marB="0" anchor="ctr">
@@ -10727,7 +12136,7 @@
                         <a:buNone/>
                       </a:pPr>
                       <a:r>
-                        <a:rPr lang="it-IT" sz="1000" b="0" dirty="0">
+                        <a:rPr lang="en-US" sz="1000" b="0" kern="1200">
                           <a:solidFill>
                             <a:srgbClr val="000000"/>
                           </a:solidFill>
@@ -10735,29 +12144,16 @@
                           <a:ea typeface="+mn-ea"/>
                           <a:cs typeface="+mn-cs"/>
                         </a:rPr>
-                        <a:t>Con Experience League, Adobe aiuta le aziende a conseguire il valore che si aspettano dalle soluzioni Adobe in cui hanno investito. In questo portale unificato, puoi imparare, relazionarti con altri professionisti </a:t>
+                        <a:t>Experience League is how Adobe helps businesses achieve the value they expect from their Adobe investment. It’s the unified place where customers can learn, connect, and grow along a personalized path to success that includes self-help tutorials, product documentation, instructor-led training, community and technical support. </a:t>
                       </a:r>
-                      <a:br>
-                        <a:rPr lang="it-IT" sz="1000" b="0" dirty="0">
-                          <a:solidFill>
-                            <a:srgbClr val="000000"/>
-                          </a:solidFill>
-                          <a:latin typeface="Adobe Clean Light"/>
-                          <a:ea typeface="+mn-ea"/>
-                          <a:cs typeface="+mn-cs"/>
-                        </a:rPr>
-                      </a:br>
-                      <a:r>
-                        <a:rPr lang="it-IT" sz="1000" b="0" dirty="0">
-                          <a:solidFill>
-                            <a:srgbClr val="000000"/>
-                          </a:solidFill>
-                          <a:latin typeface="Adobe Clean Light"/>
-                          <a:ea typeface="+mn-ea"/>
-                          <a:cs typeface="+mn-cs"/>
-                        </a:rPr>
-                        <a:t>e crescere seguendo un percorso personalizzato con tutorial, documentazione dei prodotti, formazione con istruttori, supporto tecnico e il sostegno dell’intera community. </a:t>
-                      </a:r>
+                      <a:endParaRPr lang="en-US" sz="1000" b="0" kern="1200">
+                        <a:solidFill>
+                          <a:srgbClr val="000000"/>
+                        </a:solidFill>
+                        <a:latin typeface="Adobe Clean Light" panose="020B0303020404020204" pitchFamily="34" charset="0"/>
+                        <a:ea typeface="+mn-ea"/>
+                        <a:cs typeface="+mn-cs"/>
+                      </a:endParaRPr>
                     </a:p>
                   </a:txBody>
                   <a:tcPr anchor="ctr">
@@ -10838,28 +12234,39 @@
                         <a:defRPr/>
                       </a:pPr>
                       <a:r>
-                        <a:rPr lang="it-IT" sz="1100">
+                        <a:rPr lang="en-US" sz="1100">
                           <a:solidFill>
                             <a:schemeClr val="dk1"/>
                           </a:solidFill>
+                          <a:effectLst/>
                           <a:latin typeface="Adobe Clean"/>
                           <a:ea typeface="+mn-ea"/>
                           <a:cs typeface="+mn-cs"/>
                           <a:hlinkClick r:id="rId8"/>
                         </a:rPr>
-                        <a:t>Formazione</a:t>
+                        <a:t>Training</a:t>
                       </a:r>
                       <a:r>
-                        <a:rPr lang="it-IT" sz="1100">
+                        <a:rPr lang="en-US" sz="1100">
                           <a:solidFill>
                             <a:schemeClr val="dk1"/>
                           </a:solidFill>
+                          <a:effectLst/>
                           <a:latin typeface="Adobe Clean"/>
                           <a:ea typeface="+mn-ea"/>
                           <a:cs typeface="+mn-cs"/>
                         </a:rPr>
                         <a:t> </a:t>
                       </a:r>
+                      <a:endParaRPr lang="en-US" sz="1100">
+                        <a:solidFill>
+                          <a:schemeClr val="tx1"/>
+                        </a:solidFill>
+                        <a:effectLst/>
+                        <a:latin typeface="Adobe Clean"/>
+                        <a:ea typeface="+mn-ea"/>
+                        <a:cs typeface="+mn-cs"/>
+                      </a:endParaRPr>
                     </a:p>
                   </a:txBody>
                   <a:tcPr anchor="ctr">
@@ -10933,7 +12340,7 @@
                         <a:defRPr/>
                       </a:pPr>
                       <a:r>
-                        <a:rPr lang="it-IT" sz="1000" dirty="0">
+                        <a:rPr lang="en-US" sz="1000" kern="1200">
                           <a:solidFill>
                             <a:srgbClr val="000000"/>
                           </a:solidFill>
@@ -10941,7 +12348,7 @@
                           <a:ea typeface="+mn-ea"/>
                           <a:cs typeface="+mn-cs"/>
                         </a:rPr>
-                        <a:t>I corsi Adobe Digital Learning Services sono accessibili da Experience League. I corsi di apprendimento comprendono lezioni sia on-demand che guidate da istruttori.  Potrai acquisire nuove competenze particolarmente ricercate nel settore e metterle in pratica nella tua organizzazione, per favorirne il successo.</a:t>
+                        <a:t>Adobe Digital Learning Services courses are accessible from Experience League. Learning courses integrate both on-demand and instructor-led lessons.  Here you can accrue skills that have recognized market value and position them to drive success in your organizations.</a:t>
                       </a:r>
                     </a:p>
                   </a:txBody>
@@ -11023,17 +12430,27 @@
                         <a:defRPr/>
                       </a:pPr>
                       <a:r>
-                        <a:rPr lang="it-IT" sz="1100">
+                        <a:rPr lang="en-US" sz="1100">
                           <a:solidFill>
                             <a:schemeClr val="tx1"/>
                           </a:solidFill>
+                          <a:effectLst/>
                           <a:latin typeface="Adobe Clean"/>
                           <a:ea typeface="+mn-ea"/>
                           <a:cs typeface="+mn-cs"/>
                           <a:hlinkClick r:id="rId9"/>
                         </a:rPr>
-                        <a:t>Problemi di produzione e interruzioni del sistema</a:t>
+                        <a:t>Production Issues &amp; System Outages</a:t>
                       </a:r>
+                      <a:endParaRPr lang="en-US" sz="1100">
+                        <a:solidFill>
+                          <a:schemeClr val="tx1"/>
+                        </a:solidFill>
+                        <a:effectLst/>
+                        <a:latin typeface="Adobe Clean"/>
+                        <a:ea typeface="+mn-ea"/>
+                        <a:cs typeface="+mn-cs"/>
+                      </a:endParaRPr>
                     </a:p>
                   </a:txBody>
                   <a:tcPr anchor="ctr">
@@ -11105,7 +12522,7 @@
                         <a:buNone/>
                       </a:pPr>
                       <a:r>
-                        <a:rPr lang="it-IT" sz="1000" dirty="0">
+                        <a:rPr lang="en-US" sz="1000" kern="1200">
                           <a:solidFill>
                             <a:srgbClr val="000000"/>
                           </a:solidFill>
@@ -11113,50 +12530,16 @@
                           <a:ea typeface="+mn-ea"/>
                           <a:cs typeface="+mn-cs"/>
                         </a:rPr>
-                        <a:t>Status.adobe.com trasmette informazioni sullo stato di tutti i prodotti </a:t>
+                        <a:t>Status.adobe.com conveys the health information of all Adobe products and services that are deployed in multi-tenant environments. Customers can choose their subscription preferences to get email notifications whenever Adobe creates, updates or resolves a product event. This can include scheduled maintenance or service issues of varying levels of severity. </a:t>
                       </a:r>
-                      <a:br>
-                        <a:rPr lang="it-IT" sz="1000" dirty="0">
-                          <a:solidFill>
-                            <a:srgbClr val="000000"/>
-                          </a:solidFill>
-                          <a:latin typeface="Adobe Clean Light"/>
-                          <a:ea typeface="+mn-ea"/>
-                          <a:cs typeface="+mn-cs"/>
-                        </a:rPr>
-                      </a:br>
-                      <a:r>
-                        <a:rPr lang="it-IT" sz="1000" dirty="0">
-                          <a:solidFill>
-                            <a:srgbClr val="000000"/>
-                          </a:solidFill>
-                          <a:latin typeface="Adobe Clean Light"/>
-                          <a:ea typeface="+mn-ea"/>
-                          <a:cs typeface="+mn-cs"/>
-                        </a:rPr>
-                        <a:t>e i servizi Adobe implementati in ambienti multi-tenant. Puoi scegliere se ricevere notifiche e-mail ogni volta che Adobe segnala, aggiorna </a:t>
-                      </a:r>
-                      <a:br>
-                        <a:rPr lang="it-IT" sz="1000" dirty="0">
-                          <a:solidFill>
-                            <a:srgbClr val="000000"/>
-                          </a:solidFill>
-                          <a:latin typeface="Adobe Clean Light"/>
-                          <a:ea typeface="+mn-ea"/>
-                          <a:cs typeface="+mn-cs"/>
-                        </a:rPr>
-                      </a:br>
-                      <a:r>
-                        <a:rPr lang="it-IT" sz="1000" dirty="0">
-                          <a:solidFill>
-                            <a:srgbClr val="000000"/>
-                          </a:solidFill>
-                          <a:latin typeface="Adobe Clean Light"/>
-                          <a:ea typeface="+mn-ea"/>
-                          <a:cs typeface="+mn-cs"/>
-                        </a:rPr>
-                        <a:t>o risolve un problema relativo a un prodotto. Vengono segnalate ad esempio le interruzioni per manutenzione programmata o problemi relativi ai servizi con diversi livelli di gravità. </a:t>
-                      </a:r>
+                      <a:endParaRPr lang="en-US" sz="1000" kern="1200">
+                        <a:solidFill>
+                          <a:srgbClr val="000000"/>
+                        </a:solidFill>
+                        <a:latin typeface="Adobe Clean Light" panose="020B0303020404020204" pitchFamily="34" charset="0"/>
+                        <a:ea typeface="+mn-ea"/>
+                        <a:cs typeface="+mn-cs"/>
+                      </a:endParaRPr>
                     </a:p>
                   </a:txBody>
                   <a:tcPr anchor="ctr">
@@ -11237,17 +12620,27 @@
                         <a:defRPr/>
                       </a:pPr>
                       <a:r>
-                        <a:rPr lang="it-IT" sz="1100" b="0" i="0">
+                        <a:rPr lang="en-US" sz="1100" b="0" i="0">
                           <a:solidFill>
                             <a:schemeClr val="dk1"/>
                           </a:solidFill>
+                          <a:effectLst/>
                           <a:latin typeface="Adobe Clean"/>
                           <a:ea typeface="+mn-ea"/>
                           <a:cs typeface="+mn-cs"/>
-                          <a:hlinkClick r:id="rId10" tooltip="https://helpx.adobe.com/it/support/programs/enterprise-support-programs/premier-support-business.html"/>
+                          <a:hlinkClick r:id="rId10" tooltip="https://helpx.adobe.com/support/programs/enterprise-support-programs/premier-support-business.html"/>
                         </a:rPr>
-                        <a:t>Sito del supporto Business</a:t>
+                        <a:t>Business Support Website</a:t>
                       </a:r>
+                      <a:endParaRPr lang="en-US" sz="1100" b="0" i="0">
+                        <a:solidFill>
+                          <a:schemeClr val="dk1"/>
+                        </a:solidFill>
+                        <a:effectLst/>
+                        <a:latin typeface="Adobe Clean"/>
+                        <a:ea typeface="+mn-ea"/>
+                        <a:cs typeface="+mn-cs"/>
+                      </a:endParaRPr>
                     </a:p>
                   </a:txBody>
                   <a:tcPr anchor="ctr">
@@ -11304,7 +12697,7 @@
                     <a:lstStyle/>
                     <a:p>
                       <a:r>
-                        <a:rPr lang="it-IT" sz="1000">
+                        <a:rPr lang="en-US" sz="1000" kern="1200">
                           <a:solidFill>
                             <a:srgbClr val="000000"/>
                           </a:solidFill>
@@ -11312,8 +12705,16 @@
                           <a:ea typeface="+mn-ea"/>
                           <a:cs typeface="+mn-cs"/>
                         </a:rPr>
-                        <a:t>Sito del supporto Business di Adobe.</a:t>
+                        <a:t>Adobe Business Support website.</a:t>
                       </a:r>
+                      <a:endParaRPr lang="en-US" sz="1000" kern="1200">
+                        <a:solidFill>
+                          <a:srgbClr val="000000"/>
+                        </a:solidFill>
+                        <a:latin typeface="Adobe Clean Light" panose="020B0303020404020204" pitchFamily="34" charset="0"/>
+                        <a:ea typeface="+mn-ea"/>
+                        <a:cs typeface="+mn-cs"/>
+                      </a:endParaRPr>
                     </a:p>
                   </a:txBody>
                   <a:tcPr anchor="ctr">
@@ -11394,17 +12795,27 @@
                         <a:defRPr/>
                       </a:pPr>
                       <a:r>
-                        <a:rPr lang="it-IT" sz="1100">
+                        <a:rPr lang="en-US" sz="1100">
                           <a:solidFill>
                             <a:schemeClr val="tx1"/>
                           </a:solidFill>
+                          <a:effectLst/>
                           <a:latin typeface="Adobe Clean"/>
                           <a:ea typeface="+mn-ea"/>
                           <a:cs typeface="+mn-cs"/>
                           <a:hlinkClick r:id="rId11"/>
                         </a:rPr>
-                        <a:t>Termini e condizioni</a:t>
+                        <a:t>Terms and Conditions</a:t>
                       </a:r>
+                      <a:endParaRPr lang="en-US" sz="1100">
+                        <a:solidFill>
+                          <a:schemeClr val="tx1"/>
+                        </a:solidFill>
+                        <a:effectLst/>
+                        <a:latin typeface="Adobe Clean"/>
+                        <a:ea typeface="+mn-ea"/>
+                        <a:cs typeface="+mn-cs"/>
+                      </a:endParaRPr>
                     </a:p>
                   </a:txBody>
                   <a:tcPr anchor="ctr">
@@ -11461,7 +12872,7 @@
                     <a:lstStyle/>
                     <a:p>
                       <a:r>
-                        <a:rPr lang="it-IT" sz="1000" dirty="0">
+                        <a:rPr lang="en-US" sz="1000" kern="1200">
                           <a:solidFill>
                             <a:srgbClr val="000000"/>
                           </a:solidFill>
@@ -11469,8 +12880,16 @@
                           <a:ea typeface="+mn-ea"/>
                           <a:cs typeface="+mn-cs"/>
                         </a:rPr>
-                        <a:t>Termini e condizioni che descrivono i servizi di supporto disponibili.</a:t>
+                        <a:t>Terms and conditions detailing Support Services offerings.</a:t>
                       </a:r>
+                      <a:endParaRPr lang="en-US" sz="1000" kern="1200">
+                        <a:solidFill>
+                          <a:srgbClr val="000000"/>
+                        </a:solidFill>
+                        <a:latin typeface="Adobe Clean Light" panose="020B0303020404020204" pitchFamily="34" charset="0"/>
+                        <a:ea typeface="+mn-ea"/>
+                        <a:cs typeface="+mn-cs"/>
+                      </a:endParaRPr>
                     </a:p>
                   </a:txBody>
                   <a:tcPr anchor="ctr">
@@ -12240,6 +13659,21 @@
 </file>
 
 <file path=customXml/item1.xml><?xml version="1.0" encoding="utf-8"?>
+<p:properties xmlns:p="http://schemas.microsoft.com/office/2006/metadata/properties" xmlns:xsi="http://www.w3.org/2001/XMLSchema-instance" xmlns:pc="http://schemas.microsoft.com/office/infopath/2007/PartnerControls">
+  <documentManagement/>
+</p:properties>
+</file>
+
+<file path=customXml/item2.xml><?xml version="1.0" encoding="utf-8"?>
+<?mso-contentType ?>
+<FormTemplates xmlns="http://schemas.microsoft.com/sharepoint/v3/contenttype/forms">
+  <Display>DocumentLibraryForm</Display>
+  <Edit>DocumentLibraryForm</Edit>
+  <New>DocumentLibraryForm</New>
+</FormTemplates>
+</file>
+
+<file path=customXml/item3.xml><?xml version="1.0" encoding="utf-8"?>
 <ct:contentTypeSchema xmlns:ct="http://schemas.microsoft.com/office/2006/metadata/contentType" xmlns:ma="http://schemas.microsoft.com/office/2006/metadata/properties/metaAttributes" ct:_="" ma:_="" ma:contentTypeName="Document" ma:contentTypeID="0x010100E783BF6876BCC646A459363AF21A7736" ma:contentTypeVersion="10" ma:contentTypeDescription="Create a new document." ma:contentTypeScope="" ma:versionID="c4ffda7f4f415767600769e454c2ea87">
   <xsd:schema xmlns:xsd="http://www.w3.org/2001/XMLSchema" xmlns:xs="http://www.w3.org/2001/XMLSchema" xmlns:p="http://schemas.microsoft.com/office/2006/metadata/properties" xmlns:ns2="8a053bff-88be-49e4-9a87-e748e18b8b62" xmlns:ns3="6c8368ec-3776-49b5-a5bb-90648cf9530f" targetNamespace="http://schemas.microsoft.com/office/2006/metadata/properties" ma:root="true" ma:fieldsID="df3ec33bccc23e23bce7bc897fad43d1" ns2:_="" ns3:_="">
     <xsd:import namespace="8a053bff-88be-49e4-9a87-e748e18b8b62"/>
@@ -12444,22 +13878,32 @@
 </ct:contentTypeSchema>
 </file>
 
-<file path=customXml/item2.xml><?xml version="1.0" encoding="utf-8"?>
-<?mso-contentType ?>
-<FormTemplates xmlns="http://schemas.microsoft.com/sharepoint/v3/contenttype/forms">
-  <Display>DocumentLibraryForm</Display>
-  <Edit>DocumentLibraryForm</Edit>
-  <New>DocumentLibraryForm</New>
-</FormTemplates>
+<file path=customXml/itemProps1.xml><?xml version="1.0" encoding="utf-8"?>
+<ds:datastoreItem xmlns:ds="http://schemas.openxmlformats.org/officeDocument/2006/customXml" ds:itemID="{10FC3CAF-E6F1-40E3-87D4-6B781C97D6B4}">
+  <ds:schemaRefs>
+    <ds:schemaRef ds:uri="6c8368ec-3776-49b5-a5bb-90648cf9530f"/>
+    <ds:schemaRef ds:uri="8a053bff-88be-49e4-9a87-e748e18b8b62"/>
+    <ds:schemaRef ds:uri="http://purl.org/dc/dcmitype/"/>
+    <ds:schemaRef ds:uri="http://purl.org/dc/elements/1.1/"/>
+    <ds:schemaRef ds:uri="http://purl.org/dc/terms/"/>
+    <ds:schemaRef ds:uri="http://schemas.microsoft.com/office/2006/documentManagement/types"/>
+    <ds:schemaRef ds:uri="http://schemas.microsoft.com/office/2006/metadata/properties"/>
+    <ds:schemaRef ds:uri="http://schemas.microsoft.com/office/infopath/2007/PartnerControls"/>
+    <ds:schemaRef ds:uri="http://schemas.openxmlformats.org/package/2006/metadata/core-properties"/>
+    <ds:schemaRef ds:uri="http://www.w3.org/XML/1998/namespace"/>
+  </ds:schemaRefs>
+</ds:datastoreItem>
 </file>
 
-<file path=customXml/item3.xml><?xml version="1.0" encoding="utf-8"?>
-<p:properties xmlns:p="http://schemas.microsoft.com/office/2006/metadata/properties" xmlns:xsi="http://www.w3.org/2001/XMLSchema-instance" xmlns:pc="http://schemas.microsoft.com/office/infopath/2007/PartnerControls">
-  <documentManagement/>
-</p:properties>
+<file path=customXml/itemProps2.xml><?xml version="1.0" encoding="utf-8"?>
+<ds:datastoreItem xmlns:ds="http://schemas.openxmlformats.org/officeDocument/2006/customXml" ds:itemID="{95AE3B0B-E909-400C-B0B3-909FB50E07DE}">
+  <ds:schemaRefs>
+    <ds:schemaRef ds:uri="http://schemas.microsoft.com/sharepoint/v3/contenttype/forms"/>
+  </ds:schemaRefs>
+</ds:datastoreItem>
 </file>
 
-<file path=customXml/itemProps1.xml><?xml version="1.0" encoding="utf-8"?>
+<file path=customXml/itemProps3.xml><?xml version="1.0" encoding="utf-8"?>
 <ds:datastoreItem xmlns:ds="http://schemas.openxmlformats.org/officeDocument/2006/customXml" ds:itemID="{E0DB8BDF-6DA8-4ABC-A3CA-043AFD674CFC}">
   <ds:schemaRefs>
     <ds:schemaRef ds:uri="6c8368ec-3776-49b5-a5bb-90648cf9530f"/>
@@ -12476,29 +13920,4 @@
     <ds:schemaRef ds:uri="http://www.w3.org/2001/XMLSchema"/>
   </ds:schemaRefs>
 </ds:datastoreItem>
-</file>
-
-<file path=customXml/itemProps2.xml><?xml version="1.0" encoding="utf-8"?>
-<ds:datastoreItem xmlns:ds="http://schemas.openxmlformats.org/officeDocument/2006/customXml" ds:itemID="{95AE3B0B-E909-400C-B0B3-909FB50E07DE}">
-  <ds:schemaRefs>
-    <ds:schemaRef ds:uri="http://schemas.microsoft.com/sharepoint/v3/contenttype/forms"/>
-  </ds:schemaRefs>
-</ds:datastoreItem>
-</file>
-
-<file path=customXml/itemProps3.xml><?xml version="1.0" encoding="utf-8"?>
-<ds:datastoreItem xmlns:ds="http://schemas.openxmlformats.org/officeDocument/2006/customXml" ds:itemID="{10FC3CAF-E6F1-40E3-87D4-6B781C97D6B4}">
-  <ds:schemaRefs>
-    <ds:schemaRef ds:uri="6c8368ec-3776-49b5-a5bb-90648cf9530f"/>
-    <ds:schemaRef ds:uri="8a053bff-88be-49e4-9a87-e748e18b8b62"/>
-    <ds:schemaRef ds:uri="http://purl.org/dc/dcmitype/"/>
-    <ds:schemaRef ds:uri="http://purl.org/dc/elements/1.1/"/>
-    <ds:schemaRef ds:uri="http://purl.org/dc/terms/"/>
-    <ds:schemaRef ds:uri="http://schemas.microsoft.com/office/2006/documentManagement/types"/>
-    <ds:schemaRef ds:uri="http://schemas.microsoft.com/office/2006/metadata/properties"/>
-    <ds:schemaRef ds:uri="http://schemas.microsoft.com/office/infopath/2007/PartnerControls"/>
-    <ds:schemaRef ds:uri="http://schemas.openxmlformats.org/package/2006/metadata/core-properties"/>
-    <ds:schemaRef ds:uri="http://www.w3.org/XML/1998/namespace"/>
-  </ds:schemaRefs>
-</ds:datastoreItem>
 </file>
--- a/help/data-sheets/assets/BusinessSupportDatasheet.pptx
+++ b/help/data-sheets/assets/BusinessSupportDatasheet.pptx
@@ -247,6 +247,30 @@
     </pc:docChg>
   </pc:docChgLst>
   <pc:docChgLst>
+    <pc:chgData name="Akilah Johnson" userId="S::akjohnso@adobe.com::2fa3aa60-0c9c-4d06-bae2-795983241227" providerId="AD" clId="Web-{71D6CFBF-0EA2-99B0-93F4-22F19EF0AE4E}"/>
+    <pc:docChg chg="modSld">
+      <pc:chgData name="Akilah Johnson" userId="S::akjohnso@adobe.com::2fa3aa60-0c9c-4d06-bae2-795983241227" providerId="AD" clId="Web-{71D6CFBF-0EA2-99B0-93F4-22F19EF0AE4E}" dt="2021-09-22T19:06:58.732" v="1" actId="1076"/>
+      <pc:docMkLst>
+        <pc:docMk/>
+      </pc:docMkLst>
+      <pc:sldChg chg="modSp">
+        <pc:chgData name="Akilah Johnson" userId="S::akjohnso@adobe.com::2fa3aa60-0c9c-4d06-bae2-795983241227" providerId="AD" clId="Web-{71D6CFBF-0EA2-99B0-93F4-22F19EF0AE4E}" dt="2021-09-22T19:06:58.732" v="1" actId="1076"/>
+        <pc:sldMkLst>
+          <pc:docMk/>
+          <pc:sldMk cId="1050037809" sldId="261"/>
+        </pc:sldMkLst>
+        <pc:spChg chg="mod">
+          <ac:chgData name="Akilah Johnson" userId="S::akjohnso@adobe.com::2fa3aa60-0c9c-4d06-bae2-795983241227" providerId="AD" clId="Web-{71D6CFBF-0EA2-99B0-93F4-22F19EF0AE4E}" dt="2021-09-22T19:06:58.732" v="1" actId="1076"/>
+          <ac:spMkLst>
+            <pc:docMk/>
+            <pc:sldMk cId="1050037809" sldId="261"/>
+            <ac:spMk id="64" creationId="{41467BDC-3D83-D844-B922-CD07E94E5AAB}"/>
+          </ac:spMkLst>
+        </pc:spChg>
+      </pc:sldChg>
+    </pc:docChg>
+  </pc:docChgLst>
+  <pc:docChgLst>
     <pc:chgData name="Akilah Johnson" userId="S::akjohnso@adobe.com::2fa3aa60-0c9c-4d06-bae2-795983241227" providerId="AD" clId="Web-{D428A0AE-54E2-30D2-C574-7A0742876CCF}"/>
     <pc:docChg chg="modSld">
       <pc:chgData name="Akilah Johnson" userId="S::akjohnso@adobe.com::2fa3aa60-0c9c-4d06-bae2-795983241227" providerId="AD" clId="Web-{D428A0AE-54E2-30D2-C574-7A0742876CCF}" dt="2021-10-12T19:11:25.330" v="0" actId="20577"/>
@@ -265,30 +289,6 @@
             <pc:docMk/>
             <pc:sldMk cId="0" sldId="256"/>
             <ac:spMk id="4" creationId="{00000000-0000-0000-0000-000000000000}"/>
-          </ac:spMkLst>
-        </pc:spChg>
-      </pc:sldChg>
-    </pc:docChg>
-  </pc:docChgLst>
-  <pc:docChgLst>
-    <pc:chgData name="Akilah Johnson" userId="S::akjohnso@adobe.com::2fa3aa60-0c9c-4d06-bae2-795983241227" providerId="AD" clId="Web-{71D6CFBF-0EA2-99B0-93F4-22F19EF0AE4E}"/>
-    <pc:docChg chg="modSld">
-      <pc:chgData name="Akilah Johnson" userId="S::akjohnso@adobe.com::2fa3aa60-0c9c-4d06-bae2-795983241227" providerId="AD" clId="Web-{71D6CFBF-0EA2-99B0-93F4-22F19EF0AE4E}" dt="2021-09-22T19:06:58.732" v="1" actId="1076"/>
-      <pc:docMkLst>
-        <pc:docMk/>
-      </pc:docMkLst>
-      <pc:sldChg chg="modSp">
-        <pc:chgData name="Akilah Johnson" userId="S::akjohnso@adobe.com::2fa3aa60-0c9c-4d06-bae2-795983241227" providerId="AD" clId="Web-{71D6CFBF-0EA2-99B0-93F4-22F19EF0AE4E}" dt="2021-09-22T19:06:58.732" v="1" actId="1076"/>
-        <pc:sldMkLst>
-          <pc:docMk/>
-          <pc:sldMk cId="1050037809" sldId="261"/>
-        </pc:sldMkLst>
-        <pc:spChg chg="mod">
-          <ac:chgData name="Akilah Johnson" userId="S::akjohnso@adobe.com::2fa3aa60-0c9c-4d06-bae2-795983241227" providerId="AD" clId="Web-{71D6CFBF-0EA2-99B0-93F4-22F19EF0AE4E}" dt="2021-09-22T19:06:58.732" v="1" actId="1076"/>
-          <ac:spMkLst>
-            <pc:docMk/>
-            <pc:sldMk cId="1050037809" sldId="261"/>
-            <ac:spMk id="64" creationId="{41467BDC-3D83-D844-B922-CD07E94E5AAB}"/>
           </ac:spMkLst>
         </pc:spChg>
       </pc:sldChg>
@@ -499,7 +499,7 @@
           <a:p>
             <a:fld id="{FB81873C-0B24-F04A-98A1-90E0A78F7E8A}" type="datetimeFigureOut">
               <a:rPr lang="en-US" smtClean="0"/>
-              <a:t>12/7/21</a:t>
+              <a:t>11/12/2021</a:t>
             </a:fld>
             <a:endParaRPr lang="en-US"/>
           </a:p>
@@ -1122,7 +1122,7 @@
           <a:p>
             <a:fld id="{1D8BD707-D9CF-40AE-B4C6-C98DA3205C09}" type="datetimeFigureOut">
               <a:rPr lang="en-US"/>
-              <a:t>12/7/21</a:t>
+              <a:t>11/12/2021</a:t>
             </a:fld>
             <a:endParaRPr lang="en-US"/>
           </a:p>
@@ -1314,7 +1314,7 @@
           <a:p>
             <a:fld id="{1D8BD707-D9CF-40AE-B4C6-C98DA3205C09}" type="datetimeFigureOut">
               <a:rPr lang="en-US"/>
-              <a:t>12/7/21</a:t>
+              <a:t>11/12/2021</a:t>
             </a:fld>
             <a:endParaRPr lang="en-US"/>
           </a:p>
@@ -1632,7 +1632,7 @@
           <a:p>
             <a:fld id="{1D8BD707-D9CF-40AE-B4C6-C98DA3205C09}" type="datetimeFigureOut">
               <a:rPr lang="en-US"/>
-              <a:t>12/7/21</a:t>
+              <a:t>11/12/2021</a:t>
             </a:fld>
             <a:endParaRPr lang="en-US"/>
           </a:p>
@@ -1886,8 +1886,8 @@
         </p:nvSpPr>
         <p:spPr>
           <a:xfrm>
-            <a:off x="168565" y="7162363"/>
-            <a:ext cx="2800350" cy="238760"/>
+            <a:off x="168564" y="7059493"/>
+            <a:ext cx="5988395" cy="227626"/>
           </a:xfrm>
           <a:prstGeom prst="rect">
             <a:avLst/>
@@ -1908,7 +1908,7 @@
               </a:spcBef>
             </a:pPr>
             <a:r>
-              <a:rPr sz="1400" b="1" u="heavy" spc="10">
+              <a:rPr lang="it-IT" sz="1400" b="1" u="heavy" dirty="0">
                 <a:solidFill>
                   <a:srgbClr val="020302"/>
                 </a:solidFill>
@@ -1920,87 +1920,8 @@
                 <a:latin typeface="Adobe Clean"/>
                 <a:cs typeface="Adobe Clean"/>
               </a:rPr>
-              <a:t>Service </a:t>
+              <a:t>Obiettivi del livello di servizio: risposta iniziale</a:t>
             </a:r>
-            <a:r>
-              <a:rPr sz="1400" b="1" u="heavy" spc="-10">
-                <a:solidFill>
-                  <a:srgbClr val="020302"/>
-                </a:solidFill>
-                <a:uFill>
-                  <a:solidFill>
-                    <a:srgbClr val="020302"/>
-                  </a:solidFill>
-                </a:uFill>
-                <a:latin typeface="Adobe Clean"/>
-                <a:cs typeface="Adobe Clean"/>
-              </a:rPr>
-              <a:t>Level </a:t>
-            </a:r>
-            <a:r>
-              <a:rPr sz="1400" b="1" u="heavy" spc="-45">
-                <a:solidFill>
-                  <a:srgbClr val="020302"/>
-                </a:solidFill>
-                <a:uFill>
-                  <a:solidFill>
-                    <a:srgbClr val="020302"/>
-                  </a:solidFill>
-                </a:uFill>
-                <a:latin typeface="Adobe Clean"/>
-                <a:cs typeface="Adobe Clean"/>
-              </a:rPr>
-              <a:t>Targets: </a:t>
-            </a:r>
-            <a:r>
-              <a:rPr sz="1400" b="1" u="heavy" spc="-10">
-                <a:solidFill>
-                  <a:srgbClr val="020302"/>
-                </a:solidFill>
-                <a:uFill>
-                  <a:solidFill>
-                    <a:srgbClr val="020302"/>
-                  </a:solidFill>
-                </a:uFill>
-                <a:latin typeface="Adobe Clean"/>
-                <a:cs typeface="Adobe Clean"/>
-              </a:rPr>
-              <a:t>Initial</a:t>
-            </a:r>
-            <a:r>
-              <a:rPr sz="1400" b="1" u="heavy" spc="-140">
-                <a:solidFill>
-                  <a:srgbClr val="020302"/>
-                </a:solidFill>
-                <a:uFill>
-                  <a:solidFill>
-                    <a:srgbClr val="020302"/>
-                  </a:solidFill>
-                </a:uFill>
-                <a:latin typeface="Adobe Clean"/>
-                <a:cs typeface="Adobe Clean"/>
-              </a:rPr>
-              <a:t> </a:t>
-            </a:r>
-            <a:r>
-              <a:rPr sz="1400" b="1" u="heavy" spc="-15">
-                <a:solidFill>
-                  <a:srgbClr val="020302"/>
-                </a:solidFill>
-                <a:uFill>
-                  <a:solidFill>
-                    <a:srgbClr val="020302"/>
-                  </a:solidFill>
-                </a:uFill>
-                <a:latin typeface="Adobe Clean"/>
-                <a:cs typeface="Adobe Clean"/>
-              </a:rPr>
-              <a:t>Response</a:t>
-            </a:r>
-            <a:endParaRPr sz="1400">
-              <a:latin typeface="Adobe Clean"/>
-              <a:cs typeface="Adobe Clean"/>
-            </a:endParaRPr>
           </a:p>
         </p:txBody>
       </p:sp>
@@ -2067,20 +1988,11 @@
               </a:spcBef>
             </a:pPr>
             <a:r>
-              <a:rPr sz="2300">
+              <a:rPr lang="it-IT" sz="2300">
                 <a:latin typeface="Adobe Clean"/>
               </a:rPr>
-              <a:t>ADOBE </a:t>
+              <a:t>PIANI DI SUPPORTO ADOBE</a:t>
             </a:r>
-            <a:r>
-              <a:rPr lang="en-US" sz="2300">
-                <a:latin typeface="Adobe Clean"/>
-              </a:rPr>
-              <a:t>SUPPORT PLANS</a:t>
-            </a:r>
-            <a:endParaRPr sz="2300">
-              <a:latin typeface="Adobe Clean" panose="020B0503020404020204" pitchFamily="34" charset="0"/>
-            </a:endParaRPr>
           </a:p>
         </p:txBody>
       </p:sp>
@@ -2114,7 +2026,7 @@
               </a:spcBef>
             </a:pPr>
             <a:r>
-              <a:rPr lang="en-US" sz="900">
+              <a:rPr lang="it-IT" sz="900" dirty="0">
                 <a:solidFill>
                   <a:schemeClr val="bg1"/>
                 </a:solidFill>
@@ -2123,7 +2035,7 @@
               <a:t>Online | </a:t>
             </a:r>
             <a:r>
-              <a:rPr lang="en-US" sz="900" b="1">
+              <a:rPr lang="it-IT" sz="900" b="1" dirty="0">
                 <a:solidFill>
                   <a:schemeClr val="bg1"/>
                 </a:solidFill>
@@ -2132,7 +2044,7 @@
               <a:t>Business</a:t>
             </a:r>
             <a:r>
-              <a:rPr lang="en-US" sz="900">
+              <a:rPr lang="it-IT" sz="900" dirty="0">
                 <a:solidFill>
                   <a:schemeClr val="bg1"/>
                 </a:solidFill>
@@ -2151,21 +2063,65 @@
               </a:spcBef>
             </a:pPr>
             <a:r>
-              <a:rPr lang="en-US" sz="900">
+              <a:rPr lang="it-IT" sz="900" dirty="0">
                 <a:solidFill>
                   <a:schemeClr val="bg1"/>
                 </a:solidFill>
                 <a:latin typeface="Adobe Clean SemiLight" panose="020B0403020404020204" pitchFamily="34" charset="0"/>
               </a:rPr>
-              <a:t>Adobe provides a comprehensive range of technical resources to help support your business, included as part of your Experience Cloud license subscription and enhanced in the BUSINESS support package. BUSINESS support includes access to personalized learning paths and monitored community forums via the Adobe Experience League. You can also take advantage of our detailed and in-depth technical product documentation and current release notes. BUSINESS customers also benefit from access to our technical support teams for any product query via either the telephone or the support web portal, to help protect your business at the most critical times. BUSINESS customers will receive regular communications and updates from their Account Support Lead in addition to support case escalation management for your most critical of support requests. </a:t>
+              <a:t>Adobe offre una gamma completa di risorse tecniche per assistere la tua azienda, incluse nell’abbonamento Experience Cloud </a:t>
             </a:r>
-            <a:endParaRPr lang="en-US" sz="900">
-              <a:solidFill>
-                <a:schemeClr val="bg1"/>
-              </a:solidFill>
-              <a:latin typeface="Adobe Clean Light" panose="020B0303020404020204" pitchFamily="34" charset="0"/>
-              <a:cs typeface="AdobeClean-Light"/>
-            </a:endParaRPr>
+            <a:br>
+              <a:rPr lang="it-IT" sz="900" dirty="0">
+                <a:solidFill>
+                  <a:schemeClr val="bg1"/>
+                </a:solidFill>
+                <a:latin typeface="Adobe Clean SemiLight" panose="020B0403020404020204" pitchFamily="34" charset="0"/>
+              </a:rPr>
+            </a:br>
+            <a:r>
+              <a:rPr lang="it-IT" sz="900" dirty="0">
+                <a:solidFill>
+                  <a:schemeClr val="bg1"/>
+                </a:solidFill>
+                <a:latin typeface="Adobe Clean SemiLight" panose="020B0403020404020204" pitchFamily="34" charset="0"/>
+              </a:rPr>
+              <a:t>e ampliabili con un pacchetto di supporto BUSINESS. Il supporto BUSINESS include l’accesso a percorsi di apprendimento personalizzati e forum della community monitorati tramite Adobe Experience League. Puoi inoltre usufruire di documentazione tecnica dettagliata e note sulla versione sempre aggiornate. I clienti BUSINESS possono anche contattare, tramite telefono </a:t>
+            </a:r>
+            <a:br>
+              <a:rPr lang="it-IT" sz="900" dirty="0">
+                <a:solidFill>
+                  <a:schemeClr val="bg1"/>
+                </a:solidFill>
+                <a:latin typeface="Adobe Clean SemiLight" panose="020B0403020404020204" pitchFamily="34" charset="0"/>
+              </a:rPr>
+            </a:br>
+            <a:r>
+              <a:rPr lang="it-IT" sz="900" dirty="0">
+                <a:solidFill>
+                  <a:schemeClr val="bg1"/>
+                </a:solidFill>
+                <a:latin typeface="Adobe Clean SemiLight" panose="020B0403020404020204" pitchFamily="34" charset="0"/>
+              </a:rPr>
+              <a:t>o portale web, i team addetti al supporto tecnico, per ricevere assistenza nei momenti più critici. I clienti BUSINESS riceveranno comunicazioni e aggiornamenti regolari dal proprio Account Support Lead, nonché la gestione delle escalation per le richieste </a:t>
+            </a:r>
+            <a:br>
+              <a:rPr lang="it-IT" sz="900" dirty="0">
+                <a:solidFill>
+                  <a:schemeClr val="bg1"/>
+                </a:solidFill>
+                <a:latin typeface="Adobe Clean SemiLight" panose="020B0403020404020204" pitchFamily="34" charset="0"/>
+              </a:rPr>
+            </a:br>
+            <a:r>
+              <a:rPr lang="it-IT" sz="900" dirty="0">
+                <a:solidFill>
+                  <a:schemeClr val="bg1"/>
+                </a:solidFill>
+                <a:latin typeface="Adobe Clean SemiLight" panose="020B0403020404020204" pitchFamily="34" charset="0"/>
+              </a:rPr>
+              <a:t>di supporto più critiche. </a:t>
+            </a:r>
           </a:p>
         </p:txBody>
       </p:sp>
@@ -2232,24 +2188,8 @@
               </a:spcBef>
             </a:pPr>
             <a:r>
-              <a:rPr spc="-5"/>
-              <a:t>©202</a:t>
-            </a:r>
-            <a:r>
-              <a:rPr lang="en-US" spc="-5"/>
-              <a:t>1</a:t>
-            </a:r>
-            <a:r>
-              <a:rPr spc="-5"/>
-              <a:t> Adobe. All Rights Reserved. Adobe</a:t>
-            </a:r>
-            <a:r>
-              <a:rPr spc="60"/>
-              <a:t> </a:t>
-            </a:r>
-            <a:r>
-              <a:rPr spc="-5"/>
-              <a:t>Confidential.</a:t>
+              <a:rPr lang="it-IT"/>
+              <a:t>©2021 Adobe. All Rights Reserved. Adobe Confidential.</a:t>
             </a:r>
           </a:p>
         </p:txBody>
@@ -2263,14 +2203,14 @@
           <p:nvPr>
             <p:extLst>
               <p:ext uri="{D42A27DB-BD31-4B8C-83A1-F6EECF244321}">
-                <p14:modId xmlns:p14="http://schemas.microsoft.com/office/powerpoint/2010/main" val="852543156"/>
+                <p14:modId xmlns:p14="http://schemas.microsoft.com/office/powerpoint/2010/main" val="2657955460"/>
               </p:ext>
             </p:extLst>
           </p:nvPr>
         </p:nvGraphicFramePr>
         <p:xfrm>
-          <a:off x="118872" y="7475985"/>
-          <a:ext cx="7498851" cy="2223598"/>
+          <a:off x="118872" y="7373115"/>
+          <a:ext cx="7498851" cy="2386563"/>
         </p:xfrm>
         <a:graphic>
           <a:graphicData uri="http://schemas.openxmlformats.org/drawingml/2006/table">
@@ -2316,19 +2256,15 @@
                         </a:spcBef>
                       </a:pPr>
                       <a:r>
-                        <a:rPr sz="900" spc="0">
+                        <a:rPr lang="it-IT" sz="900" dirty="0">
                           <a:solidFill>
                             <a:srgbClr val="020302"/>
                           </a:solidFill>
                           <a:latin typeface="Adobe Clean"/>
                           <a:cs typeface="Adobe Clean"/>
                         </a:rPr>
-                        <a:t>Priority</a:t>
+                        <a:t>Priorità</a:t>
                       </a:r>
-                      <a:endParaRPr sz="900" spc="0">
-                        <a:latin typeface="Adobe Clean"/>
-                        <a:cs typeface="Adobe Clean"/>
-                      </a:endParaRPr>
                     </a:p>
                   </a:txBody>
                   <a:tcPr marL="0" marR="0" marT="7620" marB="0">
@@ -2366,28 +2302,34 @@
                     <a:bodyPr/>
                     <a:lstStyle/>
                     <a:p>
-                      <a:pPr marL="135255" algn="ctr">
+                      <a:pPr marL="2540" marR="0" lvl="0" indent="0" algn="ctr" defTabSz="914400" eaLnBrk="1" fontAlgn="auto" latinLnBrk="0" hangingPunct="1">
                         <a:lnSpc>
                           <a:spcPct val="100000"/>
                         </a:lnSpc>
                         <a:spcBef>
                           <a:spcPts val="60"/>
                         </a:spcBef>
+                        <a:spcAft>
+                          <a:spcPts val="0"/>
+                        </a:spcAft>
+                        <a:buClrTx/>
+                        <a:buSzTx/>
+                        <a:buFontTx/>
+                        <a:buNone/>
+                        <a:tabLst/>
+                        <a:defRPr/>
                       </a:pPr>
                       <a:r>
-                        <a:rPr sz="900" spc="0">
+                        <a:rPr lang="it-IT" sz="900" dirty="0">
                           <a:solidFill>
-                            <a:srgbClr val="020302"/>
+                            <a:srgbClr val="404040"/>
                           </a:solidFill>
                           <a:latin typeface="Adobe Clean"/>
+                          <a:ea typeface="+mn-ea"/>
                           <a:cs typeface="Adobe Clean"/>
                         </a:rPr>
-                        <a:t>Online Support</a:t>
+                        <a:t>Supporto Online</a:t>
                       </a:r>
-                      <a:endParaRPr sz="900" spc="0">
-                        <a:latin typeface="Adobe Clean"/>
-                        <a:cs typeface="Adobe Clean"/>
-                      </a:endParaRPr>
                     </a:p>
                   </a:txBody>
                   <a:tcPr marL="182880" marT="91440" anchor="ctr">
@@ -2425,7 +2367,7 @@
                     <a:bodyPr/>
                     <a:lstStyle/>
                     <a:p>
-                      <a:pPr marL="92710">
+                      <a:pPr marL="2540" algn="ctr">
                         <a:lnSpc>
                           <a:spcPct val="100000"/>
                         </a:lnSpc>
@@ -2434,39 +2376,16 @@
                         </a:spcBef>
                       </a:pPr>
                       <a:r>
-                        <a:rPr sz="900" spc="0">
+                        <a:rPr lang="it-IT" sz="900" dirty="0">
                           <a:solidFill>
                             <a:srgbClr val="FFFFFF"/>
                           </a:solidFill>
                           <a:latin typeface="Adobe Clean"/>
+                          <a:ea typeface="+mn-ea"/>
                           <a:cs typeface="Adobe Clean"/>
                         </a:rPr>
-                        <a:t>Business</a:t>
+                        <a:t>Supporto Business</a:t>
                       </a:r>
-                      <a:r>
-                        <a:rPr lang="en-US" sz="900" spc="0">
-                          <a:solidFill>
-                            <a:srgbClr val="FFFFFF"/>
-                          </a:solidFill>
-                          <a:latin typeface="Adobe Clean"/>
-                          <a:cs typeface="Adobe Clean"/>
-                        </a:rPr>
-                        <a:t> </a:t>
-                      </a:r>
-                      <a:r>
-                        <a:rPr sz="900" spc="0">
-                          <a:solidFill>
-                            <a:srgbClr val="FFFFFF"/>
-                          </a:solidFill>
-                          <a:latin typeface="Adobe Clean"/>
-                          <a:cs typeface="Adobe Clean"/>
-                        </a:rPr>
-                        <a:t>Support</a:t>
-                      </a:r>
-                      <a:endParaRPr sz="900" spc="0">
-                        <a:latin typeface="Adobe Clean"/>
-                        <a:cs typeface="Adobe Clean"/>
-                      </a:endParaRPr>
                     </a:p>
                   </a:txBody>
                   <a:tcPr marL="182880" marT="91440" anchor="ctr">
@@ -2520,19 +2439,15 @@
                         </a:spcBef>
                       </a:pPr>
                       <a:r>
-                        <a:rPr sz="900" b="1" spc="0">
+                        <a:rPr lang="it-IT" sz="900" b="1" dirty="0">
                           <a:solidFill>
                             <a:srgbClr val="020302"/>
                           </a:solidFill>
                           <a:latin typeface="Adobe Clean"/>
                           <a:cs typeface="Adobe Clean"/>
                         </a:rPr>
-                        <a:t>PRIORITY 1</a:t>
+                        <a:t>PRIORITÀ 1 (P1)</a:t>
                       </a:r>
-                      <a:endParaRPr sz="900" spc="0">
-                        <a:latin typeface="Adobe Clean"/>
-                        <a:cs typeface="Adobe Clean"/>
-                      </a:endParaRPr>
                     </a:p>
                     <a:p>
                       <a:pPr marL="50800" marR="387985" lvl="0" indent="0" algn="l" defTabSz="914400" rtl="0" eaLnBrk="1" fontAlgn="auto" latinLnBrk="0" hangingPunct="1">
@@ -2553,22 +2468,34 @@
                         <a:defRPr/>
                       </a:pPr>
                       <a:r>
-                        <a:rPr lang="en-US" sz="900" b="0" i="0" spc="0">
+                        <a:rPr lang="it-IT" sz="900" b="0" i="0" dirty="0">
                           <a:solidFill>
                             <a:srgbClr val="000000"/>
                           </a:solidFill>
-                          <a:effectLst/>
                           <a:latin typeface="Adobe Clean Light" panose="020B0303020404020204" pitchFamily="34" charset="0"/>
                         </a:rPr>
-                        <a:t>Customer's production business functions are down or have significant data loss or service degradation and immediate attention is required to restore functionality and usability</a:t>
+                        <a:t>Le funzioni operative nell’ambiente di produzione del cliente non sono disponibili oppure </a:t>
                       </a:r>
-                      <a:endParaRPr lang="en-US" sz="900" b="0" i="0" spc="0">
-                        <a:latin typeface="Adobe Clean Light" panose="020B0303020404020204" pitchFamily="34" charset="0"/>
-                        <a:cs typeface="AdobeClean-Light"/>
-                      </a:endParaRPr>
+                      <a:br>
+                        <a:rPr lang="it-IT" sz="900" b="0" i="0" dirty="0">
+                          <a:solidFill>
+                            <a:srgbClr val="000000"/>
+                          </a:solidFill>
+                          <a:latin typeface="Adobe Clean Light" panose="020B0303020404020204" pitchFamily="34" charset="0"/>
+                        </a:rPr>
+                      </a:br>
+                      <a:r>
+                        <a:rPr lang="it-IT" sz="900" b="0" i="0" dirty="0">
+                          <a:solidFill>
+                            <a:srgbClr val="000000"/>
+                          </a:solidFill>
+                          <a:latin typeface="Adobe Clean Light" panose="020B0303020404020204" pitchFamily="34" charset="0"/>
+                        </a:rPr>
+                        <a:t>si verificano problemi significativi di perdita di dati o deterioramento del servizio ed è richiesto un intervento immediato per ripristinare funzionalità e usabilità.</a:t>
+                      </a:r>
                     </a:p>
                   </a:txBody>
-                  <a:tcPr marL="0" marR="0" marT="3810" marB="0">
+                  <a:tcPr marL="0" marR="0" marT="3810" marB="36000">
                     <a:lnL w="3175">
                       <a:solidFill>
                         <a:srgbClr val="B7B8B8"/>
@@ -2609,59 +2536,15 @@
                         </a:spcBef>
                       </a:pPr>
                       <a:r>
-                        <a:rPr sz="900" spc="0">
+                        <a:rPr lang="it-IT" sz="900">
                           <a:solidFill>
                             <a:srgbClr val="020302"/>
                           </a:solidFill>
                           <a:latin typeface="AdobeClean-Light"/>
                           <a:cs typeface="AdobeClean-Light"/>
                         </a:rPr>
-                        <a:t>24x7</a:t>
+                        <a:t>24x7/1 ora</a:t>
                       </a:r>
-                      <a:r>
-                        <a:rPr lang="en-US" sz="900" spc="0">
-                          <a:solidFill>
-                            <a:srgbClr val="020302"/>
-                          </a:solidFill>
-                          <a:latin typeface="AdobeClean-Light"/>
-                          <a:cs typeface="AdobeClean-Light"/>
-                        </a:rPr>
-                        <a:t> </a:t>
-                      </a:r>
-                      <a:r>
-                        <a:rPr sz="900" spc="0">
-                          <a:solidFill>
-                            <a:srgbClr val="020302"/>
-                          </a:solidFill>
-                          <a:latin typeface="AdobeClean-Light"/>
-                          <a:cs typeface="AdobeClean-Light"/>
-                        </a:rPr>
-                        <a:t>/</a:t>
-                      </a:r>
-                      <a:r>
-                        <a:rPr lang="en-US" sz="900" spc="0">
-                          <a:solidFill>
-                            <a:srgbClr val="020302"/>
-                          </a:solidFill>
-                          <a:latin typeface="AdobeClean-Light"/>
-                          <a:cs typeface="AdobeClean-Light"/>
-                        </a:rPr>
-                        <a:t> </a:t>
-                      </a:r>
-                      <a:r>
-                        <a:rPr sz="900" spc="0">
-                          <a:solidFill>
-                            <a:srgbClr val="020302"/>
-                          </a:solidFill>
-                          <a:latin typeface="AdobeClean-Light"/>
-                          <a:cs typeface="AdobeClean-Light"/>
-                        </a:rPr>
-                        <a:t>1 hour</a:t>
-                      </a:r>
-                      <a:endParaRPr sz="900" spc="0">
-                        <a:latin typeface="AdobeClean-Light"/>
-                        <a:cs typeface="AdobeClean-Light"/>
-                      </a:endParaRPr>
                     </a:p>
                   </a:txBody>
                   <a:tcPr marL="0" marR="0" marT="91440" marB="91440" anchor="ctr" anchorCtr="1">
@@ -2705,59 +2588,15 @@
                         </a:spcBef>
                       </a:pPr>
                       <a:r>
-                        <a:rPr sz="900" spc="0">
+                        <a:rPr lang="it-IT" sz="900">
                           <a:solidFill>
                             <a:srgbClr val="020302"/>
                           </a:solidFill>
                           <a:latin typeface="AdobeClean-Light"/>
                           <a:cs typeface="AdobeClean-Light"/>
                         </a:rPr>
-                        <a:t>24x7</a:t>
+                        <a:t>24x7/1 ora</a:t>
                       </a:r>
-                      <a:r>
-                        <a:rPr lang="en-US" sz="900" spc="0">
-                          <a:solidFill>
-                            <a:srgbClr val="020302"/>
-                          </a:solidFill>
-                          <a:latin typeface="AdobeClean-Light"/>
-                          <a:cs typeface="AdobeClean-Light"/>
-                        </a:rPr>
-                        <a:t> </a:t>
-                      </a:r>
-                      <a:r>
-                        <a:rPr sz="900" spc="0">
-                          <a:solidFill>
-                            <a:srgbClr val="020302"/>
-                          </a:solidFill>
-                          <a:latin typeface="AdobeClean-Light"/>
-                          <a:cs typeface="AdobeClean-Light"/>
-                        </a:rPr>
-                        <a:t>/</a:t>
-                      </a:r>
-                      <a:r>
-                        <a:rPr lang="en-US" sz="900" spc="0">
-                          <a:solidFill>
-                            <a:srgbClr val="020302"/>
-                          </a:solidFill>
-                          <a:latin typeface="AdobeClean-Light"/>
-                          <a:cs typeface="AdobeClean-Light"/>
-                        </a:rPr>
-                        <a:t> </a:t>
-                      </a:r>
-                      <a:r>
-                        <a:rPr sz="900" spc="0">
-                          <a:solidFill>
-                            <a:srgbClr val="020302"/>
-                          </a:solidFill>
-                          <a:latin typeface="AdobeClean-Light"/>
-                          <a:cs typeface="AdobeClean-Light"/>
-                        </a:rPr>
-                        <a:t>1 hour</a:t>
-                      </a:r>
-                      <a:endParaRPr sz="900" spc="0">
-                        <a:latin typeface="AdobeClean-Light"/>
-                        <a:cs typeface="AdobeClean-Light"/>
-                      </a:endParaRPr>
                     </a:p>
                   </a:txBody>
                   <a:tcPr marL="0" marR="0" marT="91440" marB="91440" anchor="ctr" anchorCtr="1">
@@ -2813,19 +2652,15 @@
                         </a:spcBef>
                       </a:pPr>
                       <a:r>
-                        <a:rPr sz="900" b="1" spc="0">
+                        <a:rPr lang="it-IT" sz="900" b="1" dirty="0">
                           <a:solidFill>
                             <a:srgbClr val="020302"/>
                           </a:solidFill>
                           <a:latin typeface="Adobe Clean"/>
                           <a:cs typeface="Adobe Clean"/>
                         </a:rPr>
-                        <a:t>PRIORITY 2</a:t>
+                        <a:t>PRIORITÀ 2 (P2)</a:t>
                       </a:r>
-                      <a:endParaRPr sz="900" spc="0">
-                        <a:latin typeface="Adobe Clean"/>
-                        <a:cs typeface="Adobe Clean"/>
-                      </a:endParaRPr>
                     </a:p>
                     <a:p>
                       <a:pPr marL="50165" marR="203200">
@@ -2837,19 +2672,31 @@
                         </a:spcBef>
                       </a:pPr>
                       <a:r>
-                        <a:rPr lang="en-US" sz="900" b="0" i="0" spc="0">
+                        <a:rPr lang="it-IT" sz="900" b="0" i="0" dirty="0">
                           <a:solidFill>
                             <a:srgbClr val="000000"/>
                           </a:solidFill>
-                          <a:effectLst/>
                           <a:latin typeface="Adobe Clean Light" panose="020B0303020404020204" pitchFamily="34" charset="0"/>
                         </a:rPr>
-                        <a:t>Customer's business functions have major service degradation or potential data loss, or a major feature is impacted </a:t>
+                        <a:t>Le funzioni operative del cliente hanno subìto un notevole deterioramento del servizio </a:t>
                       </a:r>
-                      <a:endParaRPr lang="en-US" sz="900" b="0" i="0" spc="0">
-                        <a:latin typeface="Adobe Clean Light" panose="020B0303020404020204" pitchFamily="34" charset="0"/>
-                        <a:cs typeface="AdobeClean-Light"/>
-                      </a:endParaRPr>
+                      <a:br>
+                        <a:rPr lang="it-IT" sz="900" b="0" i="0" dirty="0">
+                          <a:solidFill>
+                            <a:srgbClr val="000000"/>
+                          </a:solidFill>
+                          <a:latin typeface="Adobe Clean Light" panose="020B0303020404020204" pitchFamily="34" charset="0"/>
+                        </a:rPr>
+                      </a:br>
+                      <a:r>
+                        <a:rPr lang="it-IT" sz="900" b="0" i="0" dirty="0">
+                          <a:solidFill>
+                            <a:srgbClr val="000000"/>
+                          </a:solidFill>
+                          <a:latin typeface="Adobe Clean Light" panose="020B0303020404020204" pitchFamily="34" charset="0"/>
+                        </a:rPr>
+                        <a:t>o potenziale perdita di dati, oppure un problema interessa una funzione importante. </a:t>
+                      </a:r>
                     </a:p>
                   </a:txBody>
                   <a:tcPr marL="0" marR="0" marT="3810" marB="0">
@@ -2884,7 +2731,7 @@
                     <a:bodyPr/>
                     <a:lstStyle/>
                     <a:p>
-                      <a:pPr marL="316865" marR="184785" indent="-193675" algn="ctr">
+                      <a:pPr marL="125413" marR="184785" indent="-3175" algn="ctr">
                         <a:lnSpc>
                           <a:spcPct val="100000"/>
                         </a:lnSpc>
@@ -2893,79 +2740,34 @@
                         </a:spcBef>
                       </a:pPr>
                       <a:r>
-                        <a:rPr sz="900" spc="0">
+                        <a:rPr lang="it-IT" sz="900" dirty="0">
                           <a:solidFill>
                             <a:srgbClr val="020302"/>
                           </a:solidFill>
                           <a:latin typeface="AdobeClean-Light"/>
                           <a:cs typeface="AdobeClean-Light"/>
                         </a:rPr>
-                        <a:t>Business</a:t>
+                        <a:t>Orario operativo/</a:t>
                       </a:r>
-                      <a:r>
-                        <a:rPr lang="en-US" sz="900" spc="0">
+                      <a:br>
+                        <a:rPr lang="it-IT" sz="900" dirty="0">
                           <a:solidFill>
                             <a:srgbClr val="020302"/>
                           </a:solidFill>
                           <a:latin typeface="AdobeClean-Light"/>
                           <a:cs typeface="AdobeClean-Light"/>
                         </a:rPr>
-                        <a:t> </a:t>
-                      </a:r>
+                      </a:br>
                       <a:r>
-                        <a:rPr sz="900" spc="0">
+                        <a:rPr lang="it-IT" sz="900" dirty="0">
                           <a:solidFill>
                             <a:srgbClr val="020302"/>
                           </a:solidFill>
                           <a:latin typeface="AdobeClean-Light"/>
                           <a:cs typeface="AdobeClean-Light"/>
                         </a:rPr>
-                        <a:t>hours</a:t>
+                        <a:t>4 ore</a:t>
                       </a:r>
-                      <a:r>
-                        <a:rPr lang="en-US" sz="900" spc="0">
-                          <a:solidFill>
-                            <a:srgbClr val="020302"/>
-                          </a:solidFill>
-                          <a:latin typeface="AdobeClean-Light"/>
-                          <a:cs typeface="AdobeClean-Light"/>
-                        </a:rPr>
-                        <a:t> </a:t>
-                      </a:r>
-                      <a:r>
-                        <a:rPr sz="900" spc="0">
-                          <a:solidFill>
-                            <a:srgbClr val="020302"/>
-                          </a:solidFill>
-                          <a:latin typeface="AdobeClean-Light"/>
-                          <a:cs typeface="AdobeClean-Light"/>
-                        </a:rPr>
-                        <a:t>/</a:t>
-                      </a:r>
-                      <a:r>
-                        <a:rPr lang="en-US" sz="900" spc="0">
-                          <a:solidFill>
-                            <a:srgbClr val="020302"/>
-                          </a:solidFill>
-                          <a:latin typeface="AdobeClean-Light"/>
-                          <a:cs typeface="AdobeClean-Light"/>
-                        </a:rPr>
-                        <a:t> </a:t>
-                      </a:r>
-                      <a:r>
-                        <a:rPr sz="900" spc="0">
-                          <a:solidFill>
-                            <a:srgbClr val="020302"/>
-                          </a:solidFill>
-                          <a:latin typeface="AdobeClean-Light"/>
-                          <a:cs typeface="AdobeClean-Light"/>
-                        </a:rPr>
-                        <a:t>4 hours</a:t>
-                      </a:r>
-                      <a:endParaRPr sz="900" spc="0">
-                        <a:latin typeface="AdobeClean-Light"/>
-                        <a:cs typeface="AdobeClean-Light"/>
-                      </a:endParaRPr>
                     </a:p>
                   </a:txBody>
                   <a:tcPr marL="0" marR="0" marT="91440" marB="91440" anchor="ctr" anchorCtr="1">
@@ -3000,7 +2802,7 @@
                     <a:bodyPr/>
                     <a:lstStyle/>
                     <a:p>
-                      <a:pPr marL="317500" marR="184785" indent="-194310" algn="ctr">
+                      <a:pPr marL="125413" marR="184785" indent="-3175" algn="ctr">
                         <a:lnSpc>
                           <a:spcPct val="100000"/>
                         </a:lnSpc>
@@ -3009,89 +2811,37 @@
                         </a:spcBef>
                       </a:pPr>
                       <a:r>
-                        <a:rPr lang="en-US" sz="900" spc="0">
+                        <a:rPr lang="it-IT" sz="900" dirty="0">
                           <a:solidFill>
                             <a:srgbClr val="020302"/>
                           </a:solidFill>
                           <a:latin typeface="AdobeClean-Light"/>
+                          <a:ea typeface="+mn-ea"/>
                           <a:cs typeface="AdobeClean-Light"/>
                         </a:rPr>
-                        <a:t>    </a:t>
+                        <a:t>    Orario operativo/</a:t>
                       </a:r>
-                      <a:r>
-                        <a:rPr sz="900" spc="0">
+                      <a:br>
+                        <a:rPr lang="it-IT" sz="900" dirty="0">
                           <a:solidFill>
                             <a:srgbClr val="020302"/>
                           </a:solidFill>
                           <a:latin typeface="AdobeClean-Light"/>
+                          <a:ea typeface="+mn-ea"/>
                           <a:cs typeface="AdobeClean-Light"/>
                         </a:rPr>
-                        <a:t>Business</a:t>
-                      </a:r>
+                      </a:br>
                       <a:r>
-                        <a:rPr lang="en-US" sz="900" spc="0">
+                        <a:rPr lang="it-IT" sz="900" dirty="0">
                           <a:solidFill>
                             <a:srgbClr val="020302"/>
                           </a:solidFill>
                           <a:latin typeface="AdobeClean-Light"/>
+                          <a:ea typeface="+mn-ea"/>
                           <a:cs typeface="AdobeClean-Light"/>
                         </a:rPr>
-                        <a:t> </a:t>
+                        <a:t>2 ore</a:t>
                       </a:r>
-                      <a:r>
-                        <a:rPr sz="900" spc="0">
-                          <a:solidFill>
-                            <a:srgbClr val="020302"/>
-                          </a:solidFill>
-                          <a:latin typeface="AdobeClean-Light"/>
-                          <a:cs typeface="AdobeClean-Light"/>
-                        </a:rPr>
-                        <a:t>hours</a:t>
-                      </a:r>
-                      <a:r>
-                        <a:rPr lang="en-US" sz="900" spc="0">
-                          <a:solidFill>
-                            <a:srgbClr val="020302"/>
-                          </a:solidFill>
-                          <a:latin typeface="AdobeClean-Light"/>
-                          <a:cs typeface="AdobeClean-Light"/>
-                        </a:rPr>
-                        <a:t> / </a:t>
-                      </a:r>
-                      <a:r>
-                        <a:rPr sz="900" spc="0">
-                          <a:solidFill>
-                            <a:srgbClr val="020302"/>
-                          </a:solidFill>
-                          <a:latin typeface="AdobeClean-Light"/>
-                          <a:cs typeface="AdobeClean-Light"/>
-                        </a:rPr>
-                        <a:t>2</a:t>
-                      </a:r>
-                      <a:r>
-                        <a:rPr lang="en-US" sz="900" spc="0">
-                          <a:solidFill>
-                            <a:srgbClr val="020302"/>
-                          </a:solidFill>
-                          <a:latin typeface="AdobeClean-Light"/>
-                          <a:cs typeface="AdobeClean-Light"/>
-                        </a:rPr>
-                        <a:t> </a:t>
-                      </a:r>
-                      <a:r>
-                        <a:rPr sz="900" spc="0">
-                          <a:solidFill>
-                            <a:srgbClr val="020302"/>
-                          </a:solidFill>
-                          <a:latin typeface="AdobeClean-Light"/>
-                          <a:cs typeface="AdobeClean-Light"/>
-                        </a:rPr>
-                        <a:t>hours</a:t>
-                      </a:r>
-                      <a:endParaRPr sz="900" spc="0">
-                        <a:latin typeface="AdobeClean-Light"/>
-                        <a:cs typeface="AdobeClean-Light"/>
-                      </a:endParaRPr>
                     </a:p>
                   </a:txBody>
                   <a:tcPr marL="0" marR="0" marT="91440" marB="91440" anchor="ctr" anchorCtr="1">
@@ -3147,19 +2897,15 @@
                         </a:spcBef>
                       </a:pPr>
                       <a:r>
-                        <a:rPr sz="900" b="1" spc="0">
+                        <a:rPr lang="it-IT" sz="900" b="1" dirty="0">
                           <a:solidFill>
                             <a:srgbClr val="020302"/>
                           </a:solidFill>
                           <a:latin typeface="Adobe Clean"/>
                           <a:cs typeface="Adobe Clean"/>
                         </a:rPr>
-                        <a:t>PRIORITY 3</a:t>
+                        <a:t>PRIORITÀ 3 (P3)</a:t>
                       </a:r>
-                      <a:endParaRPr sz="900" spc="0">
-                        <a:latin typeface="Adobe Clean"/>
-                        <a:cs typeface="Adobe Clean"/>
-                      </a:endParaRPr>
                     </a:p>
                     <a:p>
                       <a:pPr marL="49530" marR="212090" indent="-2540">
@@ -3171,26 +2917,52 @@
                         </a:spcBef>
                       </a:pPr>
                       <a:r>
-                        <a:rPr kumimoji="0" lang="en-US" sz="900" b="0" i="0" u="none" strike="noStrike" kern="1200" cap="none" spc="0" normalizeH="0" baseline="0" noProof="0">
+                        <a:rPr kumimoji="0" lang="it-IT" sz="900" b="0" i="0" u="none" strike="noStrike" cap="none" normalizeH="0" baseline="0" noProof="0" dirty="0">
                           <a:ln>
                             <a:noFill/>
                           </a:ln>
                           <a:solidFill>
                             <a:srgbClr val="000000"/>
                           </a:solidFill>
-                          <a:effectLst/>
                           <a:uLnTx/>
                           <a:uFillTx/>
                           <a:latin typeface="Adobe Clean Light" panose="020B0303020404020204" pitchFamily="34" charset="0"/>
                           <a:ea typeface="+mn-ea"/>
                           <a:cs typeface="+mn-cs"/>
                         </a:rPr>
-                        <a:t>Customer's business functions have minor service degradation but there exists a solution/workaround allowing business functions to continue </a:t>
+                        <a:t>Le funzioni operative del cliente sono interessate da deterioramento lieve del servizio, </a:t>
                       </a:r>
-                      <a:endParaRPr lang="en-US" sz="900" b="0" i="0" spc="0">
-                        <a:latin typeface="Adobe Clean Light" panose="020B0303020404020204" pitchFamily="34" charset="0"/>
-                        <a:cs typeface="AdobeClean-Light"/>
-                      </a:endParaRPr>
+                      <a:br>
+                        <a:rPr kumimoji="0" lang="it-IT" sz="900" b="0" i="0" u="none" strike="noStrike" cap="none" normalizeH="0" baseline="0" noProof="0" dirty="0">
+                          <a:ln>
+                            <a:noFill/>
+                          </a:ln>
+                          <a:solidFill>
+                            <a:srgbClr val="000000"/>
+                          </a:solidFill>
+                          <a:uLnTx/>
+                          <a:uFillTx/>
+                          <a:latin typeface="Adobe Clean Light" panose="020B0303020404020204" pitchFamily="34" charset="0"/>
+                          <a:ea typeface="+mn-ea"/>
+                          <a:cs typeface="+mn-cs"/>
+                        </a:rPr>
+                      </a:br>
+                      <a:r>
+                        <a:rPr kumimoji="0" lang="it-IT" sz="900" b="0" i="0" u="none" strike="noStrike" cap="none" normalizeH="0" baseline="0" noProof="0" dirty="0">
+                          <a:ln>
+                            <a:noFill/>
+                          </a:ln>
+                          <a:solidFill>
+                            <a:srgbClr val="000000"/>
+                          </a:solidFill>
+                          <a:uLnTx/>
+                          <a:uFillTx/>
+                          <a:latin typeface="Adobe Clean Light" panose="020B0303020404020204" pitchFamily="34" charset="0"/>
+                          <a:ea typeface="+mn-ea"/>
+                          <a:cs typeface="+mn-cs"/>
+                        </a:rPr>
+                        <a:t>tuttavia è possibile procedere mediante una soluzione temporanea. </a:t>
+                      </a:r>
                     </a:p>
                   </a:txBody>
                   <a:tcPr marL="0" marR="0" marT="3810" marB="0">
@@ -3225,98 +2997,46 @@
                     <a:bodyPr/>
                     <a:lstStyle/>
                     <a:p>
-                      <a:pPr marL="313690" marR="184150" indent="-189865" algn="ctr">
+                      <a:pPr marL="125413" marR="184785" indent="-3175" algn="ctr">
                         <a:lnSpc>
                           <a:spcPct val="100000"/>
                         </a:lnSpc>
                         <a:spcBef>
-                          <a:spcPts val="645"/>
+                          <a:spcPts val="670"/>
                         </a:spcBef>
                       </a:pPr>
                       <a:r>
-                        <a:rPr lang="en-US" sz="900" spc="0">
+                        <a:rPr lang="it-IT" sz="900" dirty="0">
                           <a:solidFill>
                             <a:srgbClr val="020302"/>
                           </a:solidFill>
                           <a:latin typeface="AdobeClean-Light"/>
+                          <a:ea typeface="+mn-ea"/>
                           <a:cs typeface="AdobeClean-Light"/>
                         </a:rPr>
-                        <a:t>   </a:t>
+                        <a:t>   Orario operativo/</a:t>
                       </a:r>
-                      <a:r>
-                        <a:rPr sz="900" spc="0">
+                      <a:br>
+                        <a:rPr lang="it-IT" sz="900" dirty="0">
                           <a:solidFill>
                             <a:srgbClr val="020302"/>
                           </a:solidFill>
                           <a:latin typeface="AdobeClean-Light"/>
+                          <a:ea typeface="+mn-ea"/>
                           <a:cs typeface="AdobeClean-Light"/>
                         </a:rPr>
-                        <a:t>Business</a:t>
-                      </a:r>
+                      </a:br>
                       <a:r>
-                        <a:rPr lang="en-US" sz="900" spc="0">
+                        <a:rPr lang="it-IT" sz="900" dirty="0">
                           <a:solidFill>
                             <a:srgbClr val="020302"/>
                           </a:solidFill>
                           <a:latin typeface="AdobeClean-Light"/>
+                          <a:ea typeface="+mn-ea"/>
                           <a:cs typeface="AdobeClean-Light"/>
                         </a:rPr>
-                        <a:t> </a:t>
+                        <a:t>6 ore</a:t>
                       </a:r>
-                      <a:r>
-                        <a:rPr sz="900" spc="0">
-                          <a:solidFill>
-                            <a:srgbClr val="020302"/>
-                          </a:solidFill>
-                          <a:latin typeface="AdobeClean-Light"/>
-                          <a:cs typeface="AdobeClean-Light"/>
-                        </a:rPr>
-                        <a:t>hours</a:t>
-                      </a:r>
-                      <a:r>
-                        <a:rPr lang="en-US" sz="900" spc="0">
-                          <a:solidFill>
-                            <a:srgbClr val="020302"/>
-                          </a:solidFill>
-                          <a:latin typeface="AdobeClean-Light"/>
-                          <a:cs typeface="AdobeClean-Light"/>
-                        </a:rPr>
-                        <a:t> / </a:t>
-                      </a:r>
-                      <a:r>
-                        <a:rPr sz="900" spc="0">
-                          <a:solidFill>
-                            <a:srgbClr val="020302"/>
-                          </a:solidFill>
-                          <a:latin typeface="AdobeClean-Light"/>
-                          <a:cs typeface="AdobeClean-Light"/>
-                        </a:rPr>
-                        <a:t>6</a:t>
-                      </a:r>
-                      <a:r>
-                        <a:rPr lang="en-US" sz="900" spc="0">
-                          <a:solidFill>
-                            <a:srgbClr val="020302"/>
-                          </a:solidFill>
-                          <a:latin typeface="AdobeClean-Light"/>
-                          <a:cs typeface="AdobeClean-Light"/>
-                        </a:rPr>
-                        <a:t> </a:t>
-                      </a:r>
-                      <a:r>
-                        <a:rPr sz="900" spc="0">
-                          <a:solidFill>
-                            <a:srgbClr val="020302"/>
-                          </a:solidFill>
-                          <a:latin typeface="AdobeClean-Light"/>
-                          <a:cs typeface="AdobeClean-Light"/>
-                        </a:rPr>
-                        <a:t>hours</a:t>
-                      </a:r>
-                      <a:endParaRPr sz="900" spc="0">
-                        <a:latin typeface="AdobeClean-Light"/>
-                        <a:cs typeface="AdobeClean-Light"/>
-                      </a:endParaRPr>
                     </a:p>
                   </a:txBody>
                   <a:tcPr marL="0" marR="0" marT="91440" marB="91440" anchor="ctr" anchorCtr="1">
@@ -3351,88 +3071,46 @@
                     <a:bodyPr/>
                     <a:lstStyle/>
                     <a:p>
-                      <a:pPr marL="316230" marR="185420" indent="-193675" algn="ctr">
+                      <a:pPr marL="125413" marR="184785" indent="-3175" algn="ctr">
                         <a:lnSpc>
                           <a:spcPct val="100000"/>
                         </a:lnSpc>
                         <a:spcBef>
-                          <a:spcPts val="645"/>
+                          <a:spcPts val="670"/>
                         </a:spcBef>
                       </a:pPr>
                       <a:r>
-                        <a:rPr sz="900" spc="0">
+                        <a:rPr lang="it-IT" sz="900" dirty="0">
                           <a:solidFill>
                             <a:srgbClr val="020302"/>
                           </a:solidFill>
                           <a:latin typeface="AdobeClean-Light"/>
+                          <a:ea typeface="+mn-ea"/>
                           <a:cs typeface="AdobeClean-Light"/>
                         </a:rPr>
-                        <a:t>Business</a:t>
+                        <a:t>Orario operativo/</a:t>
                       </a:r>
-                      <a:r>
-                        <a:rPr lang="en-US" sz="900" spc="0">
+                      <a:br>
+                        <a:rPr lang="it-IT" sz="900" dirty="0">
                           <a:solidFill>
                             <a:srgbClr val="020302"/>
                           </a:solidFill>
                           <a:latin typeface="AdobeClean-Light"/>
+                          <a:ea typeface="+mn-ea"/>
                           <a:cs typeface="AdobeClean-Light"/>
                         </a:rPr>
-                        <a:t> </a:t>
-                      </a:r>
+                      </a:br>
                       <a:r>
-                        <a:rPr sz="900" spc="0">
+                        <a:rPr lang="it-IT" sz="900" dirty="0">
                           <a:solidFill>
                             <a:srgbClr val="020302"/>
                           </a:solidFill>
                           <a:latin typeface="AdobeClean-Light"/>
+                          <a:ea typeface="+mn-ea"/>
                           <a:cs typeface="AdobeClean-Light"/>
                         </a:rPr>
-                        <a:t>hours</a:t>
+                        <a:t>4 ore</a:t>
                       </a:r>
-                      <a:r>
-                        <a:rPr lang="en-US" sz="900" spc="0">
-                          <a:solidFill>
-                            <a:srgbClr val="020302"/>
-                          </a:solidFill>
-                          <a:latin typeface="AdobeClean-Light"/>
-                          <a:cs typeface="AdobeClean-Light"/>
-                        </a:rPr>
-                        <a:t> </a:t>
-                      </a:r>
-                      <a:r>
-                        <a:rPr sz="900" spc="0">
-                          <a:solidFill>
-                            <a:srgbClr val="020302"/>
-                          </a:solidFill>
-                          <a:latin typeface="AdobeClean-Light"/>
-                          <a:cs typeface="AdobeClean-Light"/>
-                        </a:rPr>
-                        <a:t>/ 4</a:t>
-                      </a:r>
-                      <a:r>
-                        <a:rPr lang="en-US" sz="900" spc="0">
-                          <a:solidFill>
-                            <a:srgbClr val="020302"/>
-                          </a:solidFill>
-                          <a:latin typeface="AdobeClean-Light"/>
-                          <a:cs typeface="AdobeClean-Light"/>
-                        </a:rPr>
-                        <a:t> </a:t>
-                      </a:r>
-                      <a:r>
-                        <a:rPr sz="900" spc="0">
-                          <a:solidFill>
-                            <a:srgbClr val="020302"/>
-                          </a:solidFill>
-                          <a:latin typeface="AdobeClean-Light"/>
-                          <a:cs typeface="AdobeClean-Light"/>
-                        </a:rPr>
-                        <a:t>hours</a:t>
-                      </a:r>
-                      <a:endParaRPr sz="900" spc="0">
-                        <a:latin typeface="AdobeClean-Light"/>
-                        <a:cs typeface="AdobeClean-Light"/>
-                      </a:endParaRPr>
                     </a:p>
                   </a:txBody>
                   <a:tcPr marL="0" marR="0" marT="91440" marB="91440" anchor="ctr" anchorCtr="1">
@@ -3488,19 +3166,15 @@
                         </a:spcBef>
                       </a:pPr>
                       <a:r>
-                        <a:rPr sz="900" b="1" spc="0">
+                        <a:rPr lang="it-IT" sz="900" b="1">
                           <a:solidFill>
                             <a:srgbClr val="020302"/>
                           </a:solidFill>
                           <a:latin typeface="Adobe Clean"/>
                           <a:cs typeface="Adobe Clean"/>
                         </a:rPr>
-                        <a:t>PRIORITY 4</a:t>
+                        <a:t>PRIORITÀ 4 (P4)</a:t>
                       </a:r>
-                      <a:endParaRPr sz="900" spc="0">
-                        <a:latin typeface="Adobe Clean"/>
-                        <a:cs typeface="Adobe Clean"/>
-                      </a:endParaRPr>
                     </a:p>
                     <a:p>
                       <a:pPr marL="48895" marR="0" lvl="0" indent="0" defTabSz="914400" eaLnBrk="1" fontAlgn="auto" latinLnBrk="0" hangingPunct="1">
@@ -3521,19 +3195,14 @@
                         <a:defRPr/>
                       </a:pPr>
                       <a:r>
-                        <a:rPr lang="en-US" sz="900" b="0" i="0" spc="0">
+                        <a:rPr lang="it-IT" sz="900" b="0" i="0">
                           <a:solidFill>
                             <a:srgbClr val="000000"/>
                           </a:solidFill>
-                          <a:effectLst/>
                           <a:latin typeface="Adobe Clean Light" panose="020B0303020404020204" pitchFamily="34" charset="0"/>
                         </a:rPr>
-                        <a:t>General question regarding current product functionality or an enhancement request</a:t>
+                        <a:t>Domande generali sulle attuali funzionalità del prodotto o su una richiesta di miglioramento</a:t>
                       </a:r>
-                      <a:endParaRPr lang="en-US" sz="900" b="0" i="0" spc="0">
-                        <a:latin typeface="Adobe Clean Light" panose="020B0303020404020204" pitchFamily="34" charset="0"/>
-                        <a:cs typeface="AdobeClean-Light"/>
-                      </a:endParaRPr>
                     </a:p>
                   </a:txBody>
                   <a:tcPr marL="0" marR="0" marT="1905" marB="0">
@@ -3568,78 +3237,46 @@
                     <a:bodyPr/>
                     <a:lstStyle/>
                     <a:p>
-                      <a:pPr marL="340360" marR="203200" indent="-193040" algn="ctr">
+                      <a:pPr marL="125413" marR="184785" indent="-3175" algn="ctr">
                         <a:lnSpc>
                           <a:spcPct val="100000"/>
                         </a:lnSpc>
                         <a:spcBef>
-                          <a:spcPts val="155"/>
+                          <a:spcPts val="670"/>
                         </a:spcBef>
                       </a:pPr>
                       <a:r>
-                        <a:rPr lang="en-US" sz="900" spc="0">
+                        <a:rPr lang="it-IT" sz="900" dirty="0">
                           <a:solidFill>
                             <a:srgbClr val="020302"/>
                           </a:solidFill>
                           <a:latin typeface="AdobeClean-Light"/>
+                          <a:ea typeface="+mn-ea"/>
                           <a:cs typeface="AdobeClean-Light"/>
                         </a:rPr>
-                        <a:t>  </a:t>
+                        <a:t>  Giorni lavorativi/</a:t>
                       </a:r>
-                      <a:r>
-                        <a:rPr sz="900" spc="0">
+                      <a:br>
+                        <a:rPr lang="it-IT" sz="900" dirty="0">
                           <a:solidFill>
                             <a:srgbClr val="020302"/>
                           </a:solidFill>
                           <a:latin typeface="AdobeClean-Light"/>
+                          <a:ea typeface="+mn-ea"/>
                           <a:cs typeface="AdobeClean-Light"/>
                         </a:rPr>
-                        <a:t>Business</a:t>
-                      </a:r>
+                      </a:br>
                       <a:r>
-                        <a:rPr lang="en-US" sz="900" spc="0">
+                        <a:rPr lang="it-IT" sz="900" dirty="0">
                           <a:solidFill>
                             <a:srgbClr val="020302"/>
                           </a:solidFill>
                           <a:latin typeface="AdobeClean-Light"/>
+                          <a:ea typeface="+mn-ea"/>
                           <a:cs typeface="AdobeClean-Light"/>
                         </a:rPr>
-                        <a:t> </a:t>
+                        <a:t>3 giorni</a:t>
                       </a:r>
-                      <a:r>
-                        <a:rPr sz="900" spc="0">
-                          <a:solidFill>
-                            <a:srgbClr val="020302"/>
-                          </a:solidFill>
-                          <a:latin typeface="AdobeClean-Light"/>
-                          <a:cs typeface="AdobeClean-Light"/>
-                        </a:rPr>
-                        <a:t>days</a:t>
-                      </a:r>
-                      <a:r>
-                        <a:rPr lang="en-US" sz="900" spc="0">
-                          <a:solidFill>
-                            <a:srgbClr val="020302"/>
-                          </a:solidFill>
-                          <a:latin typeface="AdobeClean-Light"/>
-                          <a:cs typeface="AdobeClean-Light"/>
-                        </a:rPr>
-                        <a:t> / </a:t>
-                      </a:r>
-                      <a:r>
-                        <a:rPr sz="900" spc="0">
-                          <a:solidFill>
-                            <a:srgbClr val="020302"/>
-                          </a:solidFill>
-                          <a:latin typeface="AdobeClean-Light"/>
-                          <a:cs typeface="AdobeClean-Light"/>
-                        </a:rPr>
-                        <a:t>3 days</a:t>
-                      </a:r>
-                      <a:endParaRPr sz="900" spc="0">
-                        <a:latin typeface="AdobeClean-Light"/>
-                        <a:cs typeface="AdobeClean-Light"/>
-                      </a:endParaRPr>
                     </a:p>
                   </a:txBody>
                   <a:tcPr marL="0" marR="0" marT="91440" marB="91440" anchor="ctr" anchorCtr="1">
@@ -3674,88 +3311,46 @@
                     <a:bodyPr/>
                     <a:lstStyle/>
                     <a:p>
-                      <a:pPr marL="370840" marR="223520" indent="-202565" algn="ctr">
+                      <a:pPr marL="125413" marR="184785" indent="-3175" algn="ctr">
                         <a:lnSpc>
                           <a:spcPct val="100000"/>
                         </a:lnSpc>
                         <a:spcBef>
-                          <a:spcPts val="155"/>
+                          <a:spcPts val="670"/>
                         </a:spcBef>
                       </a:pPr>
                       <a:r>
-                        <a:rPr sz="900" spc="0">
+                        <a:rPr lang="it-IT" sz="900" dirty="0">
                           <a:solidFill>
                             <a:srgbClr val="020302"/>
                           </a:solidFill>
                           <a:latin typeface="AdobeClean-Light"/>
+                          <a:ea typeface="+mn-ea"/>
                           <a:cs typeface="AdobeClean-Light"/>
                         </a:rPr>
-                        <a:t>Business</a:t>
+                        <a:t>Giorni lavorativi/</a:t>
                       </a:r>
-                      <a:r>
-                        <a:rPr lang="en-US" sz="900" spc="0">
+                      <a:br>
+                        <a:rPr lang="it-IT" sz="900" dirty="0">
                           <a:solidFill>
                             <a:srgbClr val="020302"/>
                           </a:solidFill>
                           <a:latin typeface="AdobeClean-Light"/>
+                          <a:ea typeface="+mn-ea"/>
                           <a:cs typeface="AdobeClean-Light"/>
                         </a:rPr>
-                        <a:t> </a:t>
-                      </a:r>
+                      </a:br>
                       <a:r>
-                        <a:rPr sz="900" spc="0">
+                        <a:rPr lang="it-IT" sz="900" dirty="0">
                           <a:solidFill>
                             <a:srgbClr val="020302"/>
                           </a:solidFill>
                           <a:latin typeface="AdobeClean-Light"/>
+                          <a:ea typeface="+mn-ea"/>
                           <a:cs typeface="AdobeClean-Light"/>
                         </a:rPr>
-                        <a:t>day</a:t>
+                        <a:t>1 giorno</a:t>
                       </a:r>
-                      <a:r>
-                        <a:rPr lang="en-US" sz="900" spc="0">
-                          <a:solidFill>
-                            <a:srgbClr val="020302"/>
-                          </a:solidFill>
-                          <a:latin typeface="AdobeClean-Light"/>
-                          <a:cs typeface="AdobeClean-Light"/>
-                        </a:rPr>
-                        <a:t>s </a:t>
-                      </a:r>
-                      <a:r>
-                        <a:rPr sz="900" spc="0">
-                          <a:solidFill>
-                            <a:srgbClr val="020302"/>
-                          </a:solidFill>
-                          <a:latin typeface="AdobeClean-Light"/>
-                          <a:cs typeface="AdobeClean-Light"/>
-                        </a:rPr>
-                        <a:t>/</a:t>
-                      </a:r>
-                      <a:r>
-                        <a:rPr lang="en-US" sz="900" spc="0">
-                          <a:solidFill>
-                            <a:srgbClr val="020302"/>
-                          </a:solidFill>
-                          <a:latin typeface="AdobeClean-Light"/>
-                          <a:cs typeface="AdobeClean-Light"/>
-                        </a:rPr>
-                        <a:t> </a:t>
-                      </a:r>
-                      <a:r>
-                        <a:rPr sz="900" spc="0">
-                          <a:solidFill>
-                            <a:srgbClr val="020302"/>
-                          </a:solidFill>
-                          <a:latin typeface="AdobeClean-Light"/>
-                          <a:cs typeface="AdobeClean-Light"/>
-                        </a:rPr>
-                        <a:t>1 day</a:t>
-                      </a:r>
-                      <a:endParaRPr sz="900" spc="0">
-                        <a:latin typeface="AdobeClean-Light"/>
-                        <a:cs typeface="AdobeClean-Light"/>
-                      </a:endParaRPr>
                     </a:p>
                   </a:txBody>
                   <a:tcPr marL="0" marR="0" marT="91440" marB="91440" anchor="ctr" anchorCtr="1">
@@ -3815,14 +3410,14 @@
           <p:nvPr>
             <p:extLst>
               <p:ext uri="{D42A27DB-BD31-4B8C-83A1-F6EECF244321}">
-                <p14:modId xmlns:p14="http://schemas.microsoft.com/office/powerpoint/2010/main" val="116851390"/>
+                <p14:modId xmlns:p14="http://schemas.microsoft.com/office/powerpoint/2010/main" val="4201184"/>
               </p:ext>
             </p:extLst>
           </p:nvPr>
         </p:nvGraphicFramePr>
         <p:xfrm>
           <a:off x="121147" y="2120949"/>
-          <a:ext cx="7498851" cy="4714546"/>
+          <a:ext cx="7498851" cy="4815558"/>
         </p:xfrm>
         <a:graphic>
           <a:graphicData uri="http://schemas.openxmlformats.org/drawingml/2006/table">
@@ -3904,39 +3499,15 @@
                         <a:defRPr/>
                       </a:pPr>
                       <a:r>
-                        <a:rPr lang="en-US" sz="900" spc="-20">
+                        <a:rPr lang="it-IT" sz="900" dirty="0">
                           <a:solidFill>
                             <a:srgbClr val="404040"/>
                           </a:solidFill>
                           <a:latin typeface="Adobe Clean"/>
                           <a:cs typeface="Adobe Clean"/>
                         </a:rPr>
-                        <a:t>Online </a:t>
+                        <a:t>Supporto Online</a:t>
                       </a:r>
-                      <a:r>
-                        <a:rPr lang="en-US" sz="900" spc="-135">
-                          <a:solidFill>
-                            <a:srgbClr val="404040"/>
-                          </a:solidFill>
-                          <a:latin typeface="Adobe Clean"/>
-                          <a:cs typeface="Adobe Clean"/>
-                        </a:rPr>
-                        <a:t> </a:t>
-                      </a:r>
-                      <a:r>
-                        <a:rPr lang="en-US" sz="900" spc="-20">
-                          <a:solidFill>
-                            <a:srgbClr val="404040"/>
-                          </a:solidFill>
-                          <a:latin typeface="Adobe Clean"/>
-                          <a:cs typeface="Adobe Clean"/>
-                        </a:rPr>
-                        <a:t>Support</a:t>
-                      </a:r>
-                      <a:endParaRPr lang="en-US" sz="900">
-                        <a:latin typeface="Adobe Clean"/>
-                        <a:cs typeface="Adobe Clean"/>
-                      </a:endParaRPr>
                     </a:p>
                   </a:txBody>
                   <a:tcPr marL="0" marR="0" marT="7620" marB="0" anchor="ctr">
@@ -3977,39 +3548,15 @@
                         </a:spcBef>
                       </a:pPr>
                       <a:r>
-                        <a:rPr sz="900" spc="-20">
+                        <a:rPr lang="it-IT" sz="900" dirty="0">
                           <a:solidFill>
                             <a:srgbClr val="FFFFFF"/>
                           </a:solidFill>
                           <a:latin typeface="Adobe Clean"/>
                           <a:cs typeface="Adobe Clean"/>
                         </a:rPr>
-                        <a:t>Business</a:t>
+                        <a:t>Supporto Business</a:t>
                       </a:r>
-                      <a:r>
-                        <a:rPr lang="en-US" sz="900" spc="-20">
-                          <a:solidFill>
-                            <a:srgbClr val="FFFFFF"/>
-                          </a:solidFill>
-                          <a:latin typeface="Adobe Clean"/>
-                          <a:cs typeface="Adobe Clean"/>
-                        </a:rPr>
-                        <a:t> </a:t>
-                      </a:r>
-                      <a:r>
-                        <a:rPr sz="900" spc="-20">
-                          <a:solidFill>
-                            <a:srgbClr val="FFFFFF"/>
-                          </a:solidFill>
-                          <a:latin typeface="Adobe Clean"/>
-                          <a:cs typeface="Adobe Clean"/>
-                        </a:rPr>
-                        <a:t>Support</a:t>
-                      </a:r>
-                      <a:endParaRPr sz="900">
-                        <a:latin typeface="Adobe Clean"/>
-                        <a:cs typeface="Adobe Clean"/>
-                      </a:endParaRPr>
                     </a:p>
                   </a:txBody>
                   <a:tcPr marL="0" marR="0" marT="7620" marB="0" anchor="ctr">
@@ -4074,7 +3621,7 @@
                     <a:bodyPr/>
                     <a:lstStyle/>
                     <a:p>
-                      <a:pPr marL="0" marR="0" lvl="0" indent="0" algn="ctr" defTabSz="914400" eaLnBrk="1" fontAlgn="auto" latinLnBrk="0" hangingPunct="1">
+                      <a:pPr marL="0" marR="0" lvl="0" indent="0" algn="l" defTabSz="914400" rtl="0" eaLnBrk="1" fontAlgn="auto" latinLnBrk="0" hangingPunct="1">
                         <a:lnSpc>
                           <a:spcPct val="100000"/>
                         </a:lnSpc>
@@ -4155,13 +3702,13 @@
                         <a:defRPr/>
                       </a:pPr>
                       <a:r>
-                        <a:rPr lang="en-US" sz="800" i="1">
+                        <a:rPr lang="it-IT" sz="800" i="1">
                           <a:solidFill>
                             <a:schemeClr val="bg1"/>
                           </a:solidFill>
                           <a:latin typeface="Adobe Clean Light" panose="020B0303020404020204" pitchFamily="34" charset="0"/>
                         </a:rPr>
-                        <a:t>Paid Support ($)</a:t>
+                        <a:t>Supporto a pagamento ($)</a:t>
                       </a:r>
                     </a:p>
                   </a:txBody>
@@ -4225,22 +3772,15 @@
                         </a:spcBef>
                       </a:pPr>
                       <a:r>
-                        <a:rPr lang="en-US" sz="1000" b="1" i="0" spc="0">
+                        <a:rPr lang="it-IT" sz="1000" b="1" i="0">
                           <a:solidFill>
                             <a:schemeClr val="bg1"/>
                           </a:solidFill>
                           <a:latin typeface="Adobe Clean" panose="020B0503020404020204" pitchFamily="34" charset="0"/>
                           <a:cs typeface="AdobeClean-Light"/>
                         </a:rPr>
-                        <a:t>Assigned Experts</a:t>
+                        <a:t>Esperti assegnati</a:t>
                       </a:r>
-                      <a:endParaRPr sz="1000" b="1" i="0" spc="0">
-                        <a:solidFill>
-                          <a:schemeClr val="bg1"/>
-                        </a:solidFill>
-                        <a:latin typeface="Adobe Clean" panose="020B0503020404020204" pitchFamily="34" charset="0"/>
-                        <a:cs typeface="AdobeClean-Light"/>
-                      </a:endParaRPr>
                     </a:p>
                   </a:txBody>
                   <a:tcPr marL="0" marR="0" marT="58419" marB="0" anchor="ctr">
@@ -4287,7 +3827,7 @@
                         </a:spcBef>
                       </a:pPr>
                       <a:r>
-                        <a:rPr sz="900" spc="0">
+                        <a:rPr lang="it-IT" sz="900">
                           <a:solidFill>
                             <a:srgbClr val="020302"/>
                           </a:solidFill>
@@ -4296,10 +3836,6 @@
                         </a:rPr>
                         <a:t>Account Support Lead</a:t>
                       </a:r>
-                      <a:endParaRPr sz="900" spc="0">
-                        <a:latin typeface="AdobeClean-Light"/>
-                        <a:cs typeface="AdobeClean-Light"/>
-                      </a:endParaRPr>
                     </a:p>
                   </a:txBody>
                   <a:tcPr marL="0" marR="0" marT="58419" marB="0">
@@ -4334,7 +3870,7 @@
                     <a:bodyPr/>
                     <a:lstStyle/>
                     <a:p>
-                      <a:pPr algn="ctr">
+                      <a:pPr algn="l" rtl="0">
                         <a:lnSpc>
                           <a:spcPct val="100000"/>
                         </a:lnSpc>
@@ -4384,7 +3920,7 @@
                         </a:spcBef>
                       </a:pPr>
                       <a:r>
-                        <a:rPr sz="900">
+                        <a:rPr lang="it-IT" sz="900">
                           <a:solidFill>
                             <a:srgbClr val="020302"/>
                           </a:solidFill>
@@ -4393,10 +3929,6 @@
                         </a:rPr>
                         <a:t></a:t>
                       </a:r>
-                      <a:endParaRPr sz="900">
-                        <a:latin typeface="Wingdings"/>
-                        <a:cs typeface="Wingdings"/>
-                      </a:endParaRPr>
                     </a:p>
                   </a:txBody>
                   <a:tcPr marL="0" marR="0" marT="59690" marB="0" anchor="ctr">
@@ -4428,7 +3960,7 @@
                     <a:bodyPr/>
                     <a:lstStyle/>
                     <a:p>
-                      <a:pPr marL="50800">
+                      <a:pPr marL="50800" algn="l" rtl="0">
                         <a:lnSpc>
                           <a:spcPct val="100000"/>
                         </a:lnSpc>
@@ -4474,7 +4006,7 @@
                         </a:spcBef>
                       </a:pPr>
                       <a:r>
-                        <a:rPr sz="900" spc="0">
+                        <a:rPr lang="it-IT" sz="900">
                           <a:solidFill>
                             <a:srgbClr val="020302"/>
                           </a:solidFill>
@@ -4483,10 +4015,6 @@
                         </a:rPr>
                         <a:t>Named Support Engineer</a:t>
                       </a:r>
-                      <a:endParaRPr sz="900" spc="0">
-                        <a:latin typeface="AdobeClean-Light"/>
-                        <a:cs typeface="AdobeClean-Light"/>
-                      </a:endParaRPr>
                     </a:p>
                   </a:txBody>
                   <a:tcPr marL="0" marR="0" marT="58419" marB="0">
@@ -4509,7 +4037,7 @@
                     <a:bodyPr/>
                     <a:lstStyle/>
                     <a:p>
-                      <a:pPr algn="ctr">
+                      <a:pPr algn="l" rtl="0">
                         <a:lnSpc>
                           <a:spcPct val="100000"/>
                         </a:lnSpc>
@@ -4538,7 +4066,7 @@
                     <a:bodyPr/>
                     <a:lstStyle/>
                     <a:p>
-                      <a:pPr algn="ctr">
+                      <a:pPr algn="l" rtl="0">
                         <a:lnSpc>
                           <a:spcPct val="100000"/>
                         </a:lnSpc>
@@ -4569,7 +4097,7 @@
                     <a:bodyPr/>
                     <a:lstStyle/>
                     <a:p>
-                      <a:pPr marL="50800">
+                      <a:pPr marL="50800" algn="l" rtl="0">
                         <a:lnSpc>
                           <a:spcPct val="100000"/>
                         </a:lnSpc>
@@ -4627,7 +4155,7 @@
                         </a:spcBef>
                       </a:pPr>
                       <a:r>
-                        <a:rPr sz="900" spc="0">
+                        <a:rPr lang="it-IT" sz="900">
                           <a:solidFill>
                             <a:srgbClr val="020302"/>
                           </a:solidFill>
@@ -4636,10 +4164,6 @@
                         </a:rPr>
                         <a:t>Technical Account Manager</a:t>
                       </a:r>
-                      <a:endParaRPr sz="900" spc="0">
-                        <a:latin typeface="AdobeClean-Light"/>
-                        <a:cs typeface="AdobeClean-Light"/>
-                      </a:endParaRPr>
                     </a:p>
                   </a:txBody>
                   <a:tcPr marL="0" marR="0" marT="63500" marB="0">
@@ -4668,7 +4192,7 @@
                     <a:bodyPr/>
                     <a:lstStyle/>
                     <a:p>
-                      <a:pPr algn="ctr">
+                      <a:pPr algn="l" rtl="0">
                         <a:lnSpc>
                           <a:spcPct val="100000"/>
                         </a:lnSpc>
@@ -4706,7 +4230,7 @@
                     <a:bodyPr/>
                     <a:lstStyle/>
                     <a:p>
-                      <a:pPr algn="ctr">
+                      <a:pPr algn="l" rtl="0">
                         <a:lnSpc>
                           <a:spcPct val="100000"/>
                         </a:lnSpc>
@@ -4755,22 +4279,15 @@
                         </a:spcBef>
                       </a:pPr>
                       <a:r>
-                        <a:rPr lang="en-US" sz="1000" b="1" i="0" spc="0">
+                        <a:rPr lang="it-IT" sz="1000" b="1" i="0">
                           <a:solidFill>
                             <a:schemeClr val="bg1"/>
                           </a:solidFill>
                           <a:latin typeface="Adobe Clean" panose="020B0503020404020204" pitchFamily="34" charset="0"/>
                           <a:cs typeface="AdobeClean-Light"/>
                         </a:rPr>
-                        <a:t>Support Services</a:t>
+                        <a:t>Servizi di assistenza</a:t>
                       </a:r>
-                      <a:endParaRPr sz="1000" b="1" i="0" spc="0">
-                        <a:solidFill>
-                          <a:schemeClr val="bg1"/>
-                        </a:solidFill>
-                        <a:latin typeface="Adobe Clean" panose="020B0503020404020204" pitchFamily="34" charset="0"/>
-                        <a:cs typeface="AdobeClean-Light"/>
-                      </a:endParaRPr>
                     </a:p>
                   </a:txBody>
                   <a:tcPr marL="0" marR="0" marT="57150" marB="0" anchor="ctr">
@@ -4826,29 +4343,15 @@
                         </a:spcBef>
                       </a:pPr>
                       <a:r>
-                        <a:rPr lang="en-US" sz="900" spc="0">
+                        <a:rPr lang="it-IT" sz="900">
                           <a:solidFill>
                             <a:srgbClr val="020302"/>
                           </a:solidFill>
                           <a:latin typeface="AdobeClean-Light"/>
                           <a:cs typeface="AdobeClean-Light"/>
                         </a:rPr>
-                        <a:t>Online</a:t>
+                        <a:t>Supporto Online</a:t>
                       </a:r>
-                      <a:r>
-                        <a:rPr sz="900" spc="0">
-                          <a:solidFill>
-                            <a:srgbClr val="020302"/>
-                          </a:solidFill>
-                          <a:latin typeface="AdobeClean-Light"/>
-                          <a:cs typeface="AdobeClean-Light"/>
-                        </a:rPr>
-                        <a:t> Support</a:t>
-                      </a:r>
-                      <a:endParaRPr sz="900" spc="0">
-                        <a:latin typeface="AdobeClean-Light"/>
-                        <a:cs typeface="AdobeClean-Light"/>
-                      </a:endParaRPr>
                     </a:p>
                   </a:txBody>
                   <a:tcPr marL="0" marR="0" marT="57150" marB="0">
@@ -4886,39 +4389,15 @@
                         </a:spcBef>
                       </a:pPr>
                       <a:r>
-                        <a:rPr sz="900" spc="-25">
+                        <a:rPr lang="it-IT" sz="900">
                           <a:solidFill>
                             <a:srgbClr val="020302"/>
                           </a:solidFill>
                           <a:latin typeface="AdobeClean-Light"/>
                           <a:cs typeface="AdobeClean-Light"/>
                         </a:rPr>
-                        <a:t>Business</a:t>
+                        <a:t>Orario operativo</a:t>
                       </a:r>
-                      <a:r>
-                        <a:rPr sz="900" spc="-15">
-                          <a:solidFill>
-                            <a:srgbClr val="020302"/>
-                          </a:solidFill>
-                          <a:latin typeface="AdobeClean-Light"/>
-                          <a:cs typeface="AdobeClean-Light"/>
-                        </a:rPr>
-                        <a:t> </a:t>
-                      </a:r>
-                      <a:r>
-                        <a:rPr sz="900" spc="-30">
-                          <a:solidFill>
-                            <a:srgbClr val="020302"/>
-                          </a:solidFill>
-                          <a:latin typeface="AdobeClean-Light"/>
-                          <a:cs typeface="AdobeClean-Light"/>
-                        </a:rPr>
-                        <a:t>hours</a:t>
-                      </a:r>
-                      <a:endParaRPr sz="900">
-                        <a:latin typeface="AdobeClean-Light"/>
-                        <a:cs typeface="AdobeClean-Light"/>
-                      </a:endParaRPr>
                     </a:p>
                   </a:txBody>
                   <a:tcPr marL="0" marR="0" marT="67945" marB="0">
@@ -4957,39 +4436,15 @@
                         </a:spcBef>
                       </a:pPr>
                       <a:r>
-                        <a:rPr sz="900" spc="-25">
+                        <a:rPr lang="it-IT" sz="900">
                           <a:solidFill>
                             <a:srgbClr val="020302"/>
                           </a:solidFill>
                           <a:latin typeface="AdobeClean-Light"/>
                           <a:cs typeface="AdobeClean-Light"/>
                         </a:rPr>
-                        <a:t>Business</a:t>
+                        <a:t>Orario operativo</a:t>
                       </a:r>
-                      <a:r>
-                        <a:rPr sz="900" spc="-15">
-                          <a:solidFill>
-                            <a:srgbClr val="020302"/>
-                          </a:solidFill>
-                          <a:latin typeface="AdobeClean-Light"/>
-                          <a:cs typeface="AdobeClean-Light"/>
-                        </a:rPr>
-                        <a:t> </a:t>
-                      </a:r>
-                      <a:r>
-                        <a:rPr sz="900" spc="-30">
-                          <a:solidFill>
-                            <a:srgbClr val="020302"/>
-                          </a:solidFill>
-                          <a:latin typeface="AdobeClean-Light"/>
-                          <a:cs typeface="AdobeClean-Light"/>
-                        </a:rPr>
-                        <a:t>hours</a:t>
-                      </a:r>
-                      <a:endParaRPr sz="900">
-                        <a:latin typeface="AdobeClean-Light"/>
-                        <a:cs typeface="AdobeClean-Light"/>
-                      </a:endParaRPr>
                     </a:p>
                   </a:txBody>
                   <a:tcPr marL="0" marR="0" marT="67945" marB="0">
@@ -5021,7 +4476,7 @@
                     <a:bodyPr/>
                     <a:lstStyle/>
                     <a:p>
-                      <a:pPr marL="50800">
+                      <a:pPr marL="50800" algn="l" rtl="0">
                         <a:lnSpc>
                           <a:spcPct val="100000"/>
                         </a:lnSpc>
@@ -5070,39 +4525,15 @@
                         </a:spcBef>
                       </a:pPr>
                       <a:r>
-                        <a:rPr sz="900" spc="0">
+                        <a:rPr lang="it-IT" sz="900">
                           <a:solidFill>
                             <a:srgbClr val="020302"/>
                           </a:solidFill>
                           <a:latin typeface="AdobeClean-Light"/>
                           <a:cs typeface="AdobeClean-Light"/>
                         </a:rPr>
-                        <a:t>24x7</a:t>
+                        <a:t>Supporto per problemi P1 24x7x365</a:t>
                       </a:r>
-                      <a:r>
-                        <a:rPr lang="en-US" sz="900" spc="0">
-                          <a:solidFill>
-                            <a:srgbClr val="020302"/>
-                          </a:solidFill>
-                          <a:latin typeface="AdobeClean-Light"/>
-                          <a:cs typeface="AdobeClean-Light"/>
-                        </a:rPr>
-                        <a:t>x365</a:t>
-                      </a:r>
-                      <a:r>
-                        <a:rPr sz="900" spc="0">
-                          <a:solidFill>
-                            <a:srgbClr val="020302"/>
-                          </a:solidFill>
-                          <a:latin typeface="AdobeClean-Light"/>
-                          <a:cs typeface="AdobeClean-Light"/>
-                        </a:rPr>
-                        <a:t> P1 Issue Support</a:t>
-                      </a:r>
-                      <a:endParaRPr sz="900" spc="0">
-                        <a:latin typeface="AdobeClean-Light"/>
-                        <a:cs typeface="AdobeClean-Light"/>
-                      </a:endParaRPr>
                     </a:p>
                   </a:txBody>
                   <a:tcPr marL="0" marR="0" marT="57785" marB="0">
@@ -5134,7 +4565,7 @@
                         </a:spcBef>
                       </a:pPr>
                       <a:r>
-                        <a:rPr sz="900">
+                        <a:rPr lang="it-IT" sz="900">
                           <a:solidFill>
                             <a:srgbClr val="020302"/>
                           </a:solidFill>
@@ -5143,10 +4574,6 @@
                         </a:rPr>
                         <a:t></a:t>
                       </a:r>
-                      <a:endParaRPr sz="900">
-                        <a:latin typeface="Wingdings"/>
-                        <a:cs typeface="Wingdings"/>
-                      </a:endParaRPr>
                     </a:p>
                   </a:txBody>
                   <a:tcPr marL="0" marR="0" marT="58419" marB="0">
@@ -5176,7 +4603,7 @@
                         </a:spcBef>
                       </a:pPr>
                       <a:r>
-                        <a:rPr sz="900">
+                        <a:rPr lang="it-IT" sz="900">
                           <a:solidFill>
                             <a:srgbClr val="020302"/>
                           </a:solidFill>
@@ -5185,10 +4612,6 @@
                         </a:rPr>
                         <a:t></a:t>
                       </a:r>
-                      <a:endParaRPr sz="900">
-                        <a:latin typeface="Wingdings"/>
-                        <a:cs typeface="Wingdings"/>
-                      </a:endParaRPr>
                     </a:p>
                   </a:txBody>
                   <a:tcPr marL="0" marR="0" marT="58419" marB="0">
@@ -5211,7 +4634,7 @@
                     <a:bodyPr/>
                     <a:lstStyle/>
                     <a:p>
-                      <a:pPr marL="50800">
+                      <a:pPr marL="50800" algn="l" rtl="0">
                         <a:lnSpc>
                           <a:spcPct val="100000"/>
                         </a:lnSpc>
@@ -5269,19 +4692,15 @@
                         </a:spcBef>
                       </a:pPr>
                       <a:r>
-                        <a:rPr lang="en-US" sz="900" spc="0">
+                        <a:rPr lang="it-IT" sz="900">
                           <a:solidFill>
                             <a:srgbClr val="020302"/>
                           </a:solidFill>
                           <a:latin typeface="AdobeClean-Light"/>
                           <a:cs typeface="AdobeClean-Light"/>
                         </a:rPr>
-                        <a:t>Named Support Contacts (per product)</a:t>
+                        <a:t>Contatti interni per il supporto (per prodotto)</a:t>
                       </a:r>
-                      <a:endParaRPr sz="900" spc="0">
-                        <a:latin typeface="AdobeClean-Light"/>
-                        <a:cs typeface="AdobeClean-Light"/>
-                      </a:endParaRPr>
                     </a:p>
                   </a:txBody>
                   <a:tcPr marL="0" marR="0" marT="57785" marB="0">
@@ -5319,7 +4738,7 @@
                         </a:spcBef>
                       </a:pPr>
                       <a:r>
-                        <a:rPr sz="900">
+                        <a:rPr lang="it-IT" sz="900">
                           <a:solidFill>
                             <a:srgbClr val="020302"/>
                           </a:solidFill>
@@ -5328,10 +4747,6 @@
                         </a:rPr>
                         <a:t>4</a:t>
                       </a:r>
-                      <a:endParaRPr sz="900">
-                        <a:latin typeface="AdobeClean-Light"/>
-                        <a:cs typeface="AdobeClean-Light"/>
-                      </a:endParaRPr>
                     </a:p>
                   </a:txBody>
                   <a:tcPr marL="0" marR="0" marT="57785" marB="0">
@@ -5361,7 +4776,7 @@
                         </a:spcBef>
                       </a:pPr>
                       <a:r>
-                        <a:rPr sz="900">
+                        <a:rPr lang="it-IT" sz="900">
                           <a:solidFill>
                             <a:srgbClr val="020302"/>
                           </a:solidFill>
@@ -5370,10 +4785,6 @@
                         </a:rPr>
                         <a:t>6</a:t>
                       </a:r>
-                      <a:endParaRPr sz="900">
-                        <a:latin typeface="AdobeClean-Light"/>
-                        <a:cs typeface="AdobeClean-Light"/>
-                      </a:endParaRPr>
                     </a:p>
                   </a:txBody>
                   <a:tcPr marL="0" marR="0" marT="57785" marB="0">
@@ -5396,7 +4807,7 @@
                     <a:bodyPr/>
                     <a:lstStyle/>
                     <a:p>
-                      <a:pPr marL="50800">
+                      <a:pPr marL="50800" algn="l" rtl="0">
                         <a:lnSpc>
                           <a:spcPct val="100000"/>
                         </a:lnSpc>
@@ -5445,19 +4856,15 @@
                         </a:spcBef>
                       </a:pPr>
                       <a:r>
-                        <a:rPr lang="en-US" sz="900" spc="0">
+                        <a:rPr lang="it-IT" sz="900">
                           <a:solidFill>
                             <a:srgbClr val="020302"/>
                           </a:solidFill>
                           <a:latin typeface="AdobeClean-Light"/>
                           <a:cs typeface="AdobeClean-Light"/>
                         </a:rPr>
-                        <a:t>Live Telephone Support</a:t>
+                        <a:t>Supporto telefonico in diretta</a:t>
                       </a:r>
-                      <a:endParaRPr sz="900" spc="0">
-                        <a:latin typeface="AdobeClean-Light"/>
-                        <a:cs typeface="AdobeClean-Light"/>
-                      </a:endParaRPr>
                     </a:p>
                   </a:txBody>
                   <a:tcPr marL="0" marR="0" marT="57785" marB="0">
@@ -5480,7 +4887,7 @@
                     <a:bodyPr/>
                     <a:lstStyle/>
                     <a:p>
-                      <a:pPr algn="ctr">
+                      <a:pPr algn="l" rtl="0">
                         <a:lnSpc>
                           <a:spcPct val="100000"/>
                         </a:lnSpc>
@@ -5521,7 +4928,7 @@
                         </a:spcBef>
                       </a:pPr>
                       <a:r>
-                        <a:rPr sz="900">
+                        <a:rPr lang="it-IT" sz="900">
                           <a:solidFill>
                             <a:srgbClr val="020302"/>
                           </a:solidFill>
@@ -5530,10 +4937,6 @@
                         </a:rPr>
                         <a:t></a:t>
                       </a:r>
-                      <a:endParaRPr sz="900">
-                        <a:latin typeface="Wingdings"/>
-                        <a:cs typeface="Wingdings"/>
-                      </a:endParaRPr>
                     </a:p>
                   </a:txBody>
                   <a:tcPr marL="0" marR="0" marT="59054" marB="0">
@@ -5556,7 +4959,7 @@
                     <a:bodyPr/>
                     <a:lstStyle/>
                     <a:p>
-                      <a:pPr marL="50800">
+                      <a:pPr marL="50800" algn="l" rtl="0">
                         <a:lnSpc>
                           <a:spcPct val="100000"/>
                         </a:lnSpc>
@@ -5605,19 +5008,15 @@
                         </a:spcBef>
                       </a:pPr>
                       <a:r>
-                        <a:rPr sz="900" spc="0">
+                        <a:rPr lang="it-IT" sz="900">
                           <a:solidFill>
                             <a:srgbClr val="020302"/>
                           </a:solidFill>
                           <a:latin typeface="AdobeClean-Light"/>
                           <a:cs typeface="AdobeClean-Light"/>
                         </a:rPr>
-                        <a:t>Escalation Management</a:t>
+                        <a:t>Gestione delle escalation</a:t>
                       </a:r>
-                      <a:endParaRPr sz="900" spc="0">
-                        <a:latin typeface="AdobeClean-Light"/>
-                        <a:cs typeface="AdobeClean-Light"/>
-                      </a:endParaRPr>
                     </a:p>
                   </a:txBody>
                   <a:tcPr marL="0" marR="0" marT="58419" marB="0">
@@ -5640,7 +5039,7 @@
                     <a:bodyPr/>
                     <a:lstStyle/>
                     <a:p>
-                      <a:pPr algn="ctr">
+                      <a:pPr algn="l" rtl="0">
                         <a:lnSpc>
                           <a:spcPct val="100000"/>
                         </a:lnSpc>
@@ -5681,7 +5080,7 @@
                         </a:spcBef>
                       </a:pPr>
                       <a:r>
-                        <a:rPr sz="900">
+                        <a:rPr lang="it-IT" sz="900">
                           <a:solidFill>
                             <a:srgbClr val="020302"/>
                           </a:solidFill>
@@ -5690,10 +5089,6 @@
                         </a:rPr>
                         <a:t></a:t>
                       </a:r>
-                      <a:endParaRPr sz="900">
-                        <a:latin typeface="Wingdings"/>
-                        <a:cs typeface="Wingdings"/>
-                      </a:endParaRPr>
                     </a:p>
                   </a:txBody>
                   <a:tcPr marL="0" marR="0" marT="59690" marB="0">
@@ -5716,7 +5111,7 @@
                     <a:bodyPr/>
                     <a:lstStyle/>
                     <a:p>
-                      <a:pPr marL="50800">
+                      <a:pPr marL="50800" algn="l" rtl="0">
                         <a:lnSpc>
                           <a:spcPct val="100000"/>
                         </a:lnSpc>
@@ -5765,29 +5160,15 @@
                         </a:spcBef>
                       </a:pPr>
                       <a:r>
-                        <a:rPr sz="900" spc="0">
+                        <a:rPr lang="it-IT" sz="900">
                           <a:solidFill>
                             <a:srgbClr val="020302"/>
                           </a:solidFill>
                           <a:latin typeface="AdobeClean-Light"/>
                           <a:cs typeface="AdobeClean-Light"/>
                         </a:rPr>
-                        <a:t>Service Reviews </a:t>
+                        <a:t>Valutazioni dei servizi all’anno</a:t>
                       </a:r>
-                      <a:r>
-                        <a:rPr lang="en-US" sz="900" spc="0">
-                          <a:solidFill>
-                            <a:srgbClr val="020302"/>
-                          </a:solidFill>
-                          <a:latin typeface="AdobeClean-Light"/>
-                          <a:cs typeface="AdobeClean-Light"/>
-                        </a:rPr>
-                        <a:t>per Year</a:t>
-                      </a:r>
-                      <a:endParaRPr sz="900" spc="0">
-                        <a:latin typeface="AdobeClean-Light"/>
-                        <a:cs typeface="AdobeClean-Light"/>
-                      </a:endParaRPr>
                     </a:p>
                   </a:txBody>
                   <a:tcPr marL="0" marR="0" marT="57150" marB="0">
@@ -5810,7 +5191,7 @@
                     <a:bodyPr/>
                     <a:lstStyle/>
                     <a:p>
-                      <a:pPr>
+                      <a:pPr algn="l" rtl="0">
                         <a:lnSpc>
                           <a:spcPct val="100000"/>
                         </a:lnSpc>
@@ -5839,7 +5220,7 @@
                     <a:bodyPr/>
                     <a:lstStyle/>
                     <a:p>
-                      <a:pPr>
+                      <a:pPr algn="l" rtl="0">
                         <a:lnSpc>
                           <a:spcPct val="100000"/>
                         </a:lnSpc>
@@ -5889,16 +5270,12 @@
                         </a:spcBef>
                       </a:pPr>
                       <a:r>
-                        <a:rPr lang="en-US" sz="900" spc="0">
+                        <a:rPr lang="it-IT" sz="900">
                           <a:latin typeface="AdobeClean-Light"/>
                           <a:cs typeface="AdobeClean-Light"/>
                         </a:rPr>
-                        <a:t>Expert Sessions per Year</a:t>
+                        <a:t>Sessioni con esperti all’anno</a:t>
                       </a:r>
-                      <a:endParaRPr sz="900" spc="0">
-                        <a:latin typeface="AdobeClean-Light"/>
-                        <a:cs typeface="AdobeClean-Light"/>
-                      </a:endParaRPr>
                     </a:p>
                   </a:txBody>
                   <a:tcPr marL="0" marR="0" marT="57150" marB="0">
@@ -5927,7 +5304,7 @@
                     <a:bodyPr/>
                     <a:lstStyle/>
                     <a:p>
-                      <a:pPr>
+                      <a:pPr algn="l" rtl="0">
                         <a:lnSpc>
                           <a:spcPct val="100000"/>
                         </a:lnSpc>
@@ -5956,7 +5333,7 @@
                     <a:bodyPr/>
                     <a:lstStyle/>
                     <a:p>
-                      <a:pPr>
+                      <a:pPr algn="l" rtl="0">
                         <a:lnSpc>
                           <a:spcPct val="100000"/>
                         </a:lnSpc>
@@ -6006,16 +5383,12 @@
                         </a:spcBef>
                       </a:pPr>
                       <a:r>
-                        <a:rPr lang="en-US" sz="900" spc="0">
+                        <a:rPr lang="it-IT" sz="900">
                           <a:latin typeface="AdobeClean-Light"/>
                           <a:cs typeface="AdobeClean-Light"/>
                         </a:rPr>
-                        <a:t>Case Reviews</a:t>
+                        <a:t>Valutazione dei casi</a:t>
                       </a:r>
-                      <a:endParaRPr sz="900" spc="0">
-                        <a:latin typeface="AdobeClean-Light"/>
-                        <a:cs typeface="AdobeClean-Light"/>
-                      </a:endParaRPr>
                     </a:p>
                   </a:txBody>
                   <a:tcPr marL="0" marR="0" marT="57150" marB="0">
@@ -6044,7 +5417,7 @@
                     <a:bodyPr/>
                     <a:lstStyle/>
                     <a:p>
-                      <a:pPr>
+                      <a:pPr algn="l" rtl="0">
                         <a:lnSpc>
                           <a:spcPct val="100000"/>
                         </a:lnSpc>
@@ -6073,7 +5446,7 @@
                     <a:bodyPr/>
                     <a:lstStyle/>
                     <a:p>
-                      <a:pPr>
+                      <a:pPr algn="l" rtl="0">
                         <a:lnSpc>
                           <a:spcPct val="100000"/>
                         </a:lnSpc>
@@ -6104,7 +5477,7 @@
                     <a:bodyPr/>
                     <a:lstStyle/>
                     <a:p>
-                      <a:pPr marL="48895">
+                      <a:pPr marL="48895" algn="l" rtl="0">
                         <a:lnSpc>
                           <a:spcPct val="100000"/>
                         </a:lnSpc>
@@ -6162,29 +5535,15 @@
                         </a:spcBef>
                       </a:pPr>
                       <a:r>
-                        <a:rPr sz="900" spc="0">
+                        <a:rPr lang="it-IT" sz="900">
                           <a:solidFill>
                             <a:srgbClr val="020302"/>
                           </a:solidFill>
                           <a:latin typeface="AdobeClean-Light"/>
                           <a:cs typeface="AdobeClean-Light"/>
                         </a:rPr>
-                        <a:t>Event </a:t>
+                        <a:t>Gestione degli eventi</a:t>
                       </a:r>
-                      <a:r>
-                        <a:rPr lang="en-US" sz="900" spc="0">
-                          <a:solidFill>
-                            <a:srgbClr val="020302"/>
-                          </a:solidFill>
-                          <a:latin typeface="AdobeClean-Light"/>
-                          <a:cs typeface="AdobeClean-Light"/>
-                        </a:rPr>
-                        <a:t>Management</a:t>
-                      </a:r>
-                      <a:endParaRPr sz="900" spc="0">
-                        <a:latin typeface="AdobeClean-Light"/>
-                        <a:cs typeface="AdobeClean-Light"/>
-                      </a:endParaRPr>
                     </a:p>
                   </a:txBody>
                   <a:tcPr marL="0" marR="0" marT="58419" marB="0">
@@ -6213,7 +5572,7 @@
                     <a:bodyPr/>
                     <a:lstStyle/>
                     <a:p>
-                      <a:pPr>
+                      <a:pPr algn="l" rtl="0">
                         <a:lnSpc>
                           <a:spcPct val="100000"/>
                         </a:lnSpc>
@@ -6242,7 +5601,7 @@
                     <a:bodyPr/>
                     <a:lstStyle/>
                     <a:p>
-                      <a:pPr>
+                      <a:pPr algn="l" rtl="0">
                         <a:lnSpc>
                           <a:spcPct val="100000"/>
                         </a:lnSpc>
@@ -6273,7 +5632,7 @@
                     <a:bodyPr/>
                     <a:lstStyle/>
                     <a:p>
-                      <a:pPr marL="48895">
+                      <a:pPr marL="48895" algn="l" rtl="0">
                         <a:lnSpc>
                           <a:spcPct val="100000"/>
                         </a:lnSpc>
@@ -6322,39 +5681,15 @@
                         </a:spcBef>
                       </a:pPr>
                       <a:r>
-                        <a:rPr sz="900" spc="0">
+                        <a:rPr lang="it-IT" sz="900">
                           <a:solidFill>
                             <a:srgbClr val="020302"/>
                           </a:solidFill>
                           <a:latin typeface="AdobeClean-Light"/>
                           <a:cs typeface="AdobeClean-Light"/>
                         </a:rPr>
-                        <a:t>Environment</a:t>
+                        <a:t>Valutazione ambiente, manutenzione e monitoraggio</a:t>
                       </a:r>
-                      <a:r>
-                        <a:rPr lang="en-US" sz="900" spc="0">
-                          <a:solidFill>
-                            <a:srgbClr val="020302"/>
-                          </a:solidFill>
-                          <a:latin typeface="AdobeClean-Light"/>
-                          <a:cs typeface="AdobeClean-Light"/>
-                        </a:rPr>
-                        <a:t> </a:t>
-                      </a:r>
-                      <a:r>
-                        <a:rPr sz="900" spc="0">
-                          <a:solidFill>
-                            <a:srgbClr val="020302"/>
-                          </a:solidFill>
-                          <a:latin typeface="AdobeClean-Light"/>
-                          <a:cs typeface="AdobeClean-Light"/>
-                        </a:rPr>
-                        <a:t>Review, Maintenance &amp; Monitoring</a:t>
-                      </a:r>
-                      <a:endParaRPr sz="900" spc="0">
-                        <a:latin typeface="AdobeClean-Light"/>
-                        <a:cs typeface="AdobeClean-Light"/>
-                      </a:endParaRPr>
                     </a:p>
                   </a:txBody>
                   <a:tcPr marL="0" marR="0" marT="59055" marB="0">
@@ -6377,7 +5712,7 @@
                     <a:bodyPr/>
                     <a:lstStyle/>
                     <a:p>
-                      <a:pPr>
+                      <a:pPr algn="l" rtl="0">
                         <a:lnSpc>
                           <a:spcPct val="100000"/>
                         </a:lnSpc>
@@ -6406,7 +5741,7 @@
                     <a:bodyPr/>
                     <a:lstStyle/>
                     <a:p>
-                      <a:pPr>
+                      <a:pPr algn="l" rtl="0">
                         <a:lnSpc>
                           <a:spcPct val="100000"/>
                         </a:lnSpc>
@@ -6437,7 +5772,7 @@
                     <a:bodyPr/>
                     <a:lstStyle/>
                     <a:p>
-                      <a:pPr marL="49530">
+                      <a:pPr marL="49530" algn="l" rtl="0">
                         <a:lnSpc>
                           <a:spcPct val="100000"/>
                         </a:lnSpc>
@@ -6486,19 +5821,34 @@
                         </a:spcBef>
                       </a:pPr>
                       <a:r>
-                        <a:rPr sz="900" spc="0">
+                        <a:rPr lang="it-IT" sz="900" dirty="0">
                           <a:solidFill>
                             <a:srgbClr val="020302"/>
                           </a:solidFill>
                           <a:latin typeface="AdobeClean-Light"/>
                           <a:cs typeface="AdobeClean-Light"/>
                         </a:rPr>
-                        <a:t>Release, Migration, Upgrade &amp; Product Roadmap Review</a:t>
+                        <a:t>Valutazione della roadmap di prodotti, versioni, migrazione </a:t>
                       </a:r>
-                      <a:endParaRPr sz="900" spc="0">
-                        <a:latin typeface="AdobeClean-Light"/>
-                        <a:cs typeface="AdobeClean-Light"/>
-                      </a:endParaRPr>
+                      <a:br>
+                        <a:rPr lang="it-IT" sz="900" dirty="0">
+                          <a:solidFill>
+                            <a:srgbClr val="020302"/>
+                          </a:solidFill>
+                          <a:latin typeface="AdobeClean-Light"/>
+                          <a:cs typeface="AdobeClean-Light"/>
+                        </a:rPr>
+                      </a:br>
+                      <a:r>
+                        <a:rPr lang="it-IT" sz="900" dirty="0">
+                          <a:solidFill>
+                            <a:srgbClr val="020302"/>
+                          </a:solidFill>
+                          <a:latin typeface="AdobeClean-Light"/>
+                          <a:cs typeface="AdobeClean-Light"/>
+                        </a:rPr>
+                        <a:t>e aggiornamento</a:t>
+                      </a:r>
                     </a:p>
                   </a:txBody>
                   <a:tcPr marL="0" marR="0" marT="63500" marB="0">
@@ -6521,7 +5871,7 @@
                     <a:bodyPr/>
                     <a:lstStyle/>
                     <a:p>
-                      <a:pPr>
+                      <a:pPr algn="l" rtl="0">
                         <a:lnSpc>
                           <a:spcPct val="100000"/>
                         </a:lnSpc>
@@ -6550,7 +5900,7 @@
                     <a:bodyPr/>
                     <a:lstStyle/>
                     <a:p>
-                      <a:pPr>
+                      <a:pPr algn="l" rtl="0">
                         <a:lnSpc>
                           <a:spcPct val="100000"/>
                         </a:lnSpc>
@@ -6581,7 +5931,7 @@
                     <a:bodyPr/>
                     <a:lstStyle/>
                     <a:p>
-                      <a:pPr marL="49530">
+                      <a:pPr marL="49530" algn="l" rtl="0">
                         <a:lnSpc>
                           <a:spcPct val="100000"/>
                         </a:lnSpc>
@@ -6639,11 +5989,11 @@
                         </a:spcBef>
                       </a:pPr>
                       <a:r>
-                        <a:rPr sz="900" spc="0">
+                        <a:rPr lang="it-IT" sz="900">
                           <a:latin typeface="AdobeClean-Light"/>
                           <a:cs typeface="AdobeClean-Light"/>
                         </a:rPr>
-                        <a:t>Cloud Support Activities – Experience Manager as Cloud</a:t>
+                        <a:t>Attività di supporto cloud - Experience Manager as Cloud</a:t>
                       </a:r>
                     </a:p>
                   </a:txBody>
@@ -6673,7 +6023,7 @@
                     <a:bodyPr/>
                     <a:lstStyle/>
                     <a:p>
-                      <a:pPr>
+                      <a:pPr algn="l" rtl="0">
                         <a:lnSpc>
                           <a:spcPct val="100000"/>
                         </a:lnSpc>
@@ -6711,7 +6061,7 @@
                     <a:bodyPr/>
                     <a:lstStyle/>
                     <a:p>
-                      <a:pPr>
+                      <a:pPr algn="l" rtl="0">
                         <a:lnSpc>
                           <a:spcPct val="100000"/>
                         </a:lnSpc>
@@ -6760,22 +6110,15 @@
                         </a:spcBef>
                       </a:pPr>
                       <a:r>
-                        <a:rPr lang="en-US" sz="1000" b="1" i="0" spc="0">
+                        <a:rPr lang="it-IT" sz="1000" b="1" i="0">
                           <a:solidFill>
                             <a:schemeClr val="bg1"/>
                           </a:solidFill>
                           <a:latin typeface="Adobe Clean" panose="020B0503020404020204" pitchFamily="34" charset="0"/>
                           <a:cs typeface="AdobeClean-Light"/>
                         </a:rPr>
-                        <a:t>Field Services</a:t>
+                        <a:t>Servizi sul campo</a:t>
                       </a:r>
-                      <a:endParaRPr sz="1000" b="1" i="0" spc="0">
-                        <a:solidFill>
-                          <a:schemeClr val="bg1"/>
-                        </a:solidFill>
-                        <a:latin typeface="Adobe Clean" panose="020B0503020404020204" pitchFamily="34" charset="0"/>
-                        <a:cs typeface="AdobeClean-Light"/>
-                      </a:endParaRPr>
                     </a:p>
                   </a:txBody>
                   <a:tcPr marL="0" marR="0" marT="48260" marB="0" anchor="ctr">
@@ -6828,19 +6171,15 @@
                         </a:spcBef>
                       </a:pPr>
                       <a:r>
-                        <a:rPr sz="900" spc="0">
+                        <a:rPr lang="it-IT" sz="900">
                           <a:solidFill>
                             <a:srgbClr val="020302"/>
                           </a:solidFill>
                           <a:latin typeface="AdobeClean-Light"/>
                           <a:cs typeface="AdobeClean-Light"/>
                         </a:rPr>
-                        <a:t>Launch Advisory Services – First Year of new solution</a:t>
+                        <a:t>Launch Advisory - Nel primo anno di nuove soluzioni</a:t>
                       </a:r>
-                      <a:endParaRPr sz="900" spc="0">
-                        <a:latin typeface="AdobeClean-Light"/>
-                        <a:cs typeface="AdobeClean-Light"/>
-                      </a:endParaRPr>
                     </a:p>
                     <a:p>
                       <a:pPr marL="48260" hangingPunct="0">
@@ -6852,11 +6191,11 @@
                         </a:spcBef>
                       </a:pPr>
                       <a:r>
-                        <a:rPr sz="900" spc="0">
+                        <a:rPr lang="it-IT" sz="900">
                           <a:latin typeface="AdobeClean-Light"/>
                           <a:cs typeface="AdobeClean-Light"/>
                         </a:rPr>
-                        <a:t>Field Service Activities </a:t>
+                        <a:t>Attività di servizio sul campo </a:t>
                       </a:r>
                     </a:p>
                   </a:txBody>
@@ -6892,7 +6231,7 @@
                     <a:bodyPr/>
                     <a:lstStyle/>
                     <a:p>
-                      <a:pPr>
+                      <a:pPr algn="l" rtl="0">
                         <a:lnSpc>
                           <a:spcPct val="100000"/>
                         </a:lnSpc>
@@ -6930,7 +6269,7 @@
                     <a:bodyPr/>
                     <a:lstStyle/>
                     <a:p>
-                      <a:pPr>
+                      <a:pPr algn="l" rtl="0">
                         <a:lnSpc>
                           <a:spcPct val="100000"/>
                         </a:lnSpc>
@@ -7015,7 +6354,7 @@
                     <a:bodyPr/>
                     <a:lstStyle/>
                     <a:p>
-                      <a:pPr>
+                      <a:pPr algn="l" rtl="0">
                         <a:lnSpc>
                           <a:spcPct val="100000"/>
                         </a:lnSpc>
@@ -7041,12 +6380,12 @@
                     <a:bodyPr/>
                     <a:lstStyle/>
                     <a:p>
-                      <a:pPr>
+                      <a:pPr algn="l" rtl="0">
                         <a:lnSpc>
                           <a:spcPct val="100000"/>
                         </a:lnSpc>
                       </a:pPr>
-                      <a:endParaRPr sz="900">
+                      <a:endParaRPr sz="900" dirty="0">
                         <a:latin typeface="Times New Roman"/>
                         <a:cs typeface="Times New Roman"/>
                       </a:endParaRPr>
@@ -7105,7 +6444,7 @@
           <a:lstStyle/>
           <a:p>
             <a:r>
-              <a:rPr lang="en-US" sz="700" i="1">
+              <a:rPr lang="it-IT" sz="700" i="1">
                 <a:solidFill>
                   <a:schemeClr val="bg1"/>
                 </a:solidFill>
@@ -7287,7 +6626,7 @@
         <p:spPr>
           <a:xfrm>
             <a:off x="370040" y="1409311"/>
-            <a:ext cx="2286000" cy="1289969"/>
+            <a:ext cx="2286000" cy="1458926"/>
           </a:xfrm>
           <a:prstGeom prst="rect">
             <a:avLst/>
@@ -7308,18 +6647,14 @@
               </a:spcBef>
             </a:pPr>
             <a:r>
-              <a:rPr lang="en-US" sz="1000">
+              <a:rPr lang="it-IT" sz="1000" dirty="0">
                 <a:solidFill>
                   <a:srgbClr val="000000"/>
                 </a:solidFill>
                 <a:latin typeface="Adobe Clean Light" panose="020B0303020404020204" pitchFamily="34" charset="0"/>
               </a:rPr>
-              <a:t>A designated Account Support Lead to proactively monitor cases, drive cross-team collaboration, deliver onboarding webinars, run service reports, provide non-technical support assistance, and function as your escalation point and internal advocate within Adobe Support.</a:t>
+              <a:t>Un Account Support Lead dedicato per il monitoraggio proattivo dei casi e per promuovere la collaborazione tra team, fornire webinar introduttivi, eseguire rapporti sui servizi e fornire assistenza non tecnica. Inoltre funge da riferimento per l’escalation dei problemi e da rappresentante del cliente all’interno del supporto Adobe.</a:t>
             </a:r>
-            <a:endParaRPr lang="en-US" sz="1000">
-              <a:latin typeface="Adobe Clean Light" panose="020B0303020404020204" pitchFamily="34" charset="0"/>
-              <a:cs typeface="AdobeClean-Light"/>
-            </a:endParaRPr>
           </a:p>
         </p:txBody>
       </p:sp>
@@ -7356,44 +6691,14 @@
               </a:tabLst>
             </a:pPr>
             <a:r>
-              <a:rPr sz="1000">
+              <a:rPr lang="it-IT" sz="1000" dirty="0">
                 <a:solidFill>
                   <a:srgbClr val="020302"/>
                 </a:solidFill>
                 <a:latin typeface="AdobeClean-Light"/>
                 <a:cs typeface="AdobeClean-Light"/>
               </a:rPr>
-              <a:t>Start a chat session to get answers</a:t>
-            </a:r>
-            <a:r>
-              <a:rPr lang="en-US" sz="1000">
-                <a:solidFill>
-                  <a:srgbClr val="020302"/>
-                </a:solidFill>
-                <a:latin typeface="AdobeClean-Light"/>
-                <a:cs typeface="AdobeClean-Light"/>
-              </a:rPr>
-              <a:t> &amp; </a:t>
-            </a:r>
-            <a:r>
-              <a:rPr sz="1000">
-                <a:solidFill>
-                  <a:srgbClr val="020302"/>
-                </a:solidFill>
-                <a:latin typeface="AdobeClean-Light"/>
-                <a:cs typeface="AdobeClean-Light"/>
-              </a:rPr>
-              <a:t>help with case submission</a:t>
-            </a:r>
-            <a:r>
-              <a:rPr lang="en-US" sz="1000">
-                <a:solidFill>
-                  <a:srgbClr val="020302"/>
-                </a:solidFill>
-                <a:latin typeface="AdobeClean-Light"/>
-                <a:cs typeface="AdobeClean-Light"/>
-              </a:rPr>
-              <a:t>.</a:t>
+              <a:t>Avvia una sessione di chat per ottenere risposte e assistenza nell’invio di un caso.</a:t>
             </a:r>
           </a:p>
           <a:p>
@@ -7406,39 +6711,25 @@
               </a:tabLst>
             </a:pPr>
             <a:r>
-              <a:rPr sz="1000" i="1">
+              <a:rPr lang="it-IT" sz="1000" i="1" dirty="0">
                 <a:solidFill>
                   <a:srgbClr val="7A7A7A"/>
                 </a:solidFill>
                 <a:latin typeface="AdobeClean-LightIt"/>
                 <a:cs typeface="AdobeClean-LightIt"/>
               </a:rPr>
-              <a:t>*Not all products have live chat support</a:t>
+              <a:t>* Il supporto chat in diretta non è disponibile per tutti i prodotti</a:t>
             </a:r>
             <a:r>
-              <a:rPr sz="900" i="1">
+              <a:rPr lang="it-IT" sz="900" i="1" dirty="0">
                 <a:solidFill>
                   <a:srgbClr val="7A7A7A"/>
                 </a:solidFill>
                 <a:latin typeface="AdobeClean-LightIt"/>
                 <a:cs typeface="AdobeClean-LightIt"/>
               </a:rPr>
-              <a:t>.</a:t>
+              <a:t>.  </a:t>
             </a:r>
-            <a:r>
-              <a:rPr lang="en-US" sz="900" i="1">
-                <a:solidFill>
-                  <a:srgbClr val="7A7A7A"/>
-                </a:solidFill>
-                <a:latin typeface="AdobeClean-LightIt"/>
-                <a:cs typeface="AdobeClean-LightIt"/>
-              </a:rPr>
-              <a:t>  </a:t>
-            </a:r>
-            <a:endParaRPr sz="900">
-              <a:latin typeface="AdobeClean-Light"/>
-              <a:cs typeface="AdobeClean-Light"/>
-            </a:endParaRPr>
           </a:p>
         </p:txBody>
       </p:sp>
@@ -7487,7 +6778,7 @@
         </p:nvSpPr>
         <p:spPr>
           <a:xfrm>
-            <a:off x="838200" y="6046398"/>
+            <a:off x="838200" y="5737788"/>
             <a:ext cx="1568246" cy="184666"/>
           </a:xfrm>
           <a:prstGeom prst="rect">
@@ -7514,12 +6805,12 @@
               <a:defRPr/>
             </a:pPr>
             <a:r>
-              <a:rPr lang="en-US" sz="1200">
+              <a:rPr lang="it-IT" sz="1200">
                 <a:solidFill>
                   <a:srgbClr val="000000"/>
                 </a:solidFill>
               </a:rPr>
-              <a:t>Community Forums</a:t>
+              <a:t>Forum della community</a:t>
             </a:r>
           </a:p>
         </p:txBody>
@@ -7540,7 +6831,7 @@
         </p:nvSpPr>
         <p:spPr>
           <a:xfrm>
-            <a:off x="838200" y="6277305"/>
+            <a:off x="838200" y="5968695"/>
             <a:ext cx="959314" cy="184666"/>
           </a:xfrm>
           <a:prstGeom prst="rect">
@@ -7562,12 +6853,12 @@
               </a:spcAft>
             </a:pPr>
             <a:r>
-              <a:rPr lang="en-US" sz="1200" b="1">
+              <a:rPr lang="it-IT" sz="1200" b="1">
                 <a:latin typeface="+mj-lt"/>
                 <a:ea typeface="Open Sans" pitchFamily="34" charset="0"/>
                 <a:cs typeface="Open Sans" pitchFamily="34" charset="0"/>
               </a:rPr>
-              <a:t>Online Forums</a:t>
+              <a:t>Forum online</a:t>
             </a:r>
           </a:p>
         </p:txBody>
@@ -7586,8 +6877,8 @@
         </p:nvSpPr>
         <p:spPr>
           <a:xfrm>
-            <a:off x="370040" y="6529249"/>
-            <a:ext cx="2286000" cy="805349"/>
+            <a:off x="370040" y="6220639"/>
+            <a:ext cx="2286000" cy="959237"/>
           </a:xfrm>
           <a:prstGeom prst="rect">
             <a:avLst/>
@@ -7600,13 +6891,47 @@
           <a:lstStyle/>
           <a:p>
             <a:r>
-              <a:rPr lang="en-US" sz="1000">
+              <a:rPr lang="it-IT" sz="1000" dirty="0">
                 <a:solidFill>
                   <a:srgbClr val="000000"/>
                 </a:solidFill>
                 <a:latin typeface="Adobe Clean Light" panose="020B0303020404020204" pitchFamily="34" charset="0"/>
               </a:rPr>
-              <a:t>Continuous online access to a growing database of technical solutions, product documentation, FAQs and more. Thousands of customers can connect to share best practices and lessons learned.</a:t>
+              <a:t>Accesso online continuo a un database </a:t>
+            </a:r>
+            <a:br>
+              <a:rPr lang="it-IT" sz="1000" dirty="0">
+                <a:solidFill>
+                  <a:srgbClr val="000000"/>
+                </a:solidFill>
+                <a:latin typeface="Adobe Clean Light" panose="020B0303020404020204" pitchFamily="34" charset="0"/>
+              </a:rPr>
+            </a:br>
+            <a:r>
+              <a:rPr lang="it-IT" sz="1000" dirty="0">
+                <a:solidFill>
+                  <a:srgbClr val="000000"/>
+                </a:solidFill>
+                <a:latin typeface="Adobe Clean Light" panose="020B0303020404020204" pitchFamily="34" charset="0"/>
+              </a:rPr>
+              <a:t>in continua crescita di soluzioni tecniche, documentazione del prodotto, risposte alle domande più frequenti e altro ancora. </a:t>
+            </a:r>
+            <a:br>
+              <a:rPr lang="it-IT" sz="1000" dirty="0">
+                <a:solidFill>
+                  <a:srgbClr val="000000"/>
+                </a:solidFill>
+                <a:latin typeface="Adobe Clean Light" panose="020B0303020404020204" pitchFamily="34" charset="0"/>
+              </a:rPr>
+            </a:br>
+            <a:r>
+              <a:rPr lang="it-IT" sz="1000" dirty="0">
+                <a:solidFill>
+                  <a:srgbClr val="000000"/>
+                </a:solidFill>
+                <a:latin typeface="Adobe Clean Light" panose="020B0303020404020204" pitchFamily="34" charset="0"/>
+              </a:rPr>
+              <a:t>Migliaia di clienti possono condividere best practice ed esperienze.</a:t>
             </a:r>
           </a:p>
         </p:txBody>
@@ -7627,7 +6952,7 @@
         </p:nvSpPr>
         <p:spPr>
           <a:xfrm>
-            <a:off x="5851290" y="6277305"/>
+            <a:off x="5851290" y="5968695"/>
             <a:ext cx="1316707" cy="184666"/>
           </a:xfrm>
           <a:prstGeom prst="rect">
@@ -7649,12 +6974,12 @@
               </a:spcAft>
             </a:pPr>
             <a:r>
-              <a:rPr lang="en-US" sz="1200" b="1">
+              <a:rPr lang="it-IT" sz="1200" b="1">
                 <a:latin typeface="+mj-lt"/>
                 <a:ea typeface="Open Sans" pitchFamily="34" charset="0"/>
                 <a:cs typeface="Open Sans" pitchFamily="34" charset="0"/>
               </a:rPr>
-              <a:t>Self-guided Journeys</a:t>
+              <a:t>Percorsi autoguidati</a:t>
             </a:r>
           </a:p>
         </p:txBody>
@@ -7673,8 +6998,8 @@
         </p:nvSpPr>
         <p:spPr>
           <a:xfrm>
-            <a:off x="5376301" y="6529249"/>
-            <a:ext cx="2286000" cy="959237"/>
+            <a:off x="5376301" y="6220639"/>
+            <a:ext cx="2243699" cy="1574790"/>
           </a:xfrm>
           <a:prstGeom prst="rect">
             <a:avLst/>
@@ -7687,13 +7012,30 @@
           <a:lstStyle/>
           <a:p>
             <a:r>
-              <a:rPr lang="en-US" sz="1000">
+              <a:rPr lang="it-IT" sz="1000" dirty="0">
                 <a:solidFill>
                   <a:srgbClr val="000000"/>
                 </a:solidFill>
                 <a:latin typeface="Adobe Clean Light" panose="020B0303020404020204" pitchFamily="34" charset="0"/>
               </a:rPr>
-              <a:t>Experience Makers are made with Experience League. Customers can kickstart their Customer Experience Management abilities with personalized learning to develop skills, engage with a global community of peers, and earn career advancing recognition.</a:t>
+              <a:t>Diventa un Experience Maker con </a:t>
+            </a:r>
+            <a:br>
+              <a:rPr lang="it-IT" sz="1000" dirty="0">
+                <a:solidFill>
+                  <a:srgbClr val="000000"/>
+                </a:solidFill>
+                <a:latin typeface="Adobe Clean Light" panose="020B0303020404020204" pitchFamily="34" charset="0"/>
+              </a:rPr>
+            </a:br>
+            <a:r>
+              <a:rPr lang="it-IT" sz="1000" dirty="0">
+                <a:solidFill>
+                  <a:srgbClr val="000000"/>
+                </a:solidFill>
+                <a:latin typeface="Adobe Clean Light" panose="020B0303020404020204" pitchFamily="34" charset="0"/>
+              </a:rPr>
+              <a:t>Experience League. Puoi acquisire rapidamente le capacità necessarie nella gestione della customer experience seguendo un percorso di apprendimento personalizzato per sviluppare nuove competenze, partecipare a una comunità globale di professionisti e guadagnare riconoscimenti di valore sul piano professionale.</a:t>
             </a:r>
           </a:p>
         </p:txBody>
@@ -7741,12 +7083,12 @@
               <a:defRPr/>
             </a:pPr>
             <a:r>
-              <a:rPr lang="en-US" sz="1200">
+              <a:rPr lang="it-IT" sz="1200">
                 <a:solidFill>
                   <a:srgbClr val="000000"/>
                 </a:solidFill>
               </a:rPr>
-              <a:t>Live Chat  Support*</a:t>
+              <a:t>Supporto chat in diretta*</a:t>
             </a:r>
           </a:p>
         </p:txBody>
@@ -7789,12 +7131,12 @@
               </a:spcAft>
             </a:pPr>
             <a:r>
-              <a:rPr lang="en-US" sz="1200" b="1">
+              <a:rPr lang="it-IT" sz="1200" b="1">
                 <a:latin typeface="+mj-lt"/>
                 <a:ea typeface="Open Sans" pitchFamily="34" charset="0"/>
                 <a:cs typeface="Open Sans" pitchFamily="34" charset="0"/>
               </a:rPr>
-              <a:t>Chat Support</a:t>
+              <a:t>Supporto chat</a:t>
             </a:r>
           </a:p>
         </p:txBody>
@@ -7815,7 +7157,7 @@
         </p:nvSpPr>
         <p:spPr>
           <a:xfrm>
-            <a:off x="3290772" y="6046398"/>
+            <a:off x="3290772" y="5737788"/>
             <a:ext cx="2520000" cy="184666"/>
           </a:xfrm>
           <a:prstGeom prst="rect">
@@ -7842,12 +7184,12 @@
               <a:defRPr/>
             </a:pPr>
             <a:r>
-              <a:rPr lang="en-US" sz="1200">
+              <a:rPr lang="it-IT" sz="1200">
                 <a:solidFill>
                   <a:srgbClr val="000000"/>
                 </a:solidFill>
               </a:rPr>
-              <a:t>24X7 P1 </a:t>
+              <a:t>24x7 P1 </a:t>
             </a:r>
           </a:p>
         </p:txBody>
@@ -7868,7 +7210,7 @@
         </p:nvSpPr>
         <p:spPr>
           <a:xfrm>
-            <a:off x="3276600" y="6277305"/>
+            <a:off x="3276600" y="5968695"/>
             <a:ext cx="992259" cy="184666"/>
           </a:xfrm>
           <a:prstGeom prst="rect">
@@ -7890,12 +7232,12 @@
               </a:spcAft>
             </a:pPr>
             <a:r>
-              <a:rPr lang="en-US" sz="1200" b="1">
+              <a:rPr lang="it-IT" sz="1200" b="1">
                 <a:latin typeface="+mj-lt"/>
                 <a:ea typeface="Open Sans" pitchFamily="34" charset="0"/>
                 <a:cs typeface="Open Sans" pitchFamily="34" charset="0"/>
               </a:rPr>
-              <a:t>Phone Support</a:t>
+              <a:t>Supporto telefonico</a:t>
             </a:r>
           </a:p>
         </p:txBody>
@@ -7914,8 +7256,8 @@
         </p:nvSpPr>
         <p:spPr>
           <a:xfrm>
-            <a:off x="2836967" y="6529249"/>
-            <a:ext cx="2286000" cy="805349"/>
+            <a:off x="2836966" y="6220639"/>
+            <a:ext cx="2325583" cy="959237"/>
           </a:xfrm>
           <a:prstGeom prst="rect">
             <a:avLst/>
@@ -7928,26 +7270,37 @@
           <a:lstStyle/>
           <a:p>
             <a:r>
-              <a:rPr lang="en-US" sz="1000">
+              <a:rPr lang="it-IT" sz="1000" dirty="0">
                 <a:solidFill>
                   <a:srgbClr val="020302"/>
                 </a:solidFill>
                 <a:latin typeface="AdobeClean-Light"/>
               </a:rPr>
-              <a:t>Authorized users or Named Support Contacts </a:t>
+              <a:t>Gli utenti autorizzati o i contatti interni per il supporto possono segnalare i problemi tramite tutti i canali disponibili (compreso il supporto telefonico per casi P1) e interagire con il team Adobe di assistenza tecnica per conto della </a:t>
+            </a:r>
+            <a:br>
+              <a:rPr lang="it-IT" sz="1000" dirty="0">
+                <a:solidFill>
+                  <a:srgbClr val="020302"/>
+                </a:solidFill>
+                <a:latin typeface="AdobeClean-Light"/>
+              </a:rPr>
+            </a:br>
+            <a:r>
+              <a:rPr lang="it-IT" sz="1000" dirty="0">
+                <a:solidFill>
+                  <a:srgbClr val="020302"/>
+                </a:solidFill>
+                <a:latin typeface="AdobeClean-Light"/>
+              </a:rPr>
+              <a:t>tua azienda</a:t>
             </a:r>
             <a:r>
-              <a:rPr lang="en-US" sz="1000">
+              <a:rPr lang="it-IT" sz="1000" dirty="0">
                 <a:latin typeface="Adobe Clean Light" panose="020B0303020404020204" pitchFamily="34" charset="0"/>
               </a:rPr>
-              <a:t>can submit issues through all available  channels (including phone for P1) and interact with our technical support team on behalf of your company. </a:t>
+              <a:t>. </a:t>
             </a:r>
-            <a:endParaRPr lang="en-US" sz="1000">
-              <a:solidFill>
-                <a:srgbClr val="000000"/>
-              </a:solidFill>
-              <a:latin typeface="Adobe Clean Light" panose="020B0303020404020204" pitchFamily="34" charset="0"/>
-            </a:endParaRPr>
           </a:p>
         </p:txBody>
       </p:sp>
@@ -7991,24 +7344,8 @@
               </a:spcBef>
             </a:pPr>
             <a:r>
-              <a:rPr spc="-5"/>
-              <a:t>©202</a:t>
-            </a:r>
-            <a:r>
-              <a:rPr lang="en-US" spc="-5"/>
-              <a:t>1</a:t>
-            </a:r>
-            <a:r>
-              <a:rPr spc="-5"/>
-              <a:t> Adobe. All Rights Reserved. Adobe</a:t>
-            </a:r>
-            <a:r>
-              <a:rPr spc="60"/>
-              <a:t> </a:t>
-            </a:r>
-            <a:r>
-              <a:rPr spc="-5"/>
-              <a:t>Confidential.</a:t>
+              <a:rPr lang="it-IT"/>
+              <a:t>©2021 Adobe. All Rights Reserved. Adobe Confidential.</a:t>
             </a:r>
           </a:p>
         </p:txBody>
@@ -8051,7 +7388,7 @@
               </a:spcAft>
             </a:pPr>
             <a:r>
-              <a:rPr lang="en-US" sz="1200" b="1" spc="-10">
+              <a:rPr lang="it-IT" sz="1200" b="1">
                 <a:solidFill>
                   <a:srgbClr val="020302"/>
                 </a:solidFill>
@@ -8076,8 +7413,8 @@
         </p:nvSpPr>
         <p:spPr>
           <a:xfrm>
-            <a:off x="401995" y="5785009"/>
-            <a:ext cx="1848207" cy="45719"/>
+            <a:off x="401995" y="5632609"/>
+            <a:ext cx="2626955" cy="45719"/>
           </a:xfrm>
           <a:custGeom>
             <a:avLst/>
@@ -8124,7 +7461,7 @@
         </p:nvSpPr>
         <p:spPr>
           <a:xfrm>
-            <a:off x="318713" y="5432541"/>
+            <a:off x="318713" y="5314431"/>
             <a:ext cx="2006640" cy="307777"/>
           </a:xfrm>
           <a:prstGeom prst="rect">
@@ -8146,19 +7483,15 @@
               </a:spcBef>
             </a:pPr>
             <a:r>
-              <a:rPr lang="en-US" sz="1400" b="1" spc="-10">
+              <a:rPr lang="it-IT" sz="1400" b="1">
                 <a:solidFill>
                   <a:srgbClr val="020302"/>
                 </a:solidFill>
                 <a:latin typeface="Adobe Clean"/>
                 <a:cs typeface="Adobe Clean"/>
               </a:rPr>
-              <a:t>Online Support Features</a:t>
+              <a:t>Caratteristiche del supporto online</a:t>
             </a:r>
-            <a:endParaRPr lang="en-US" sz="1400">
-              <a:latin typeface="Adobe Clean"/>
-              <a:cs typeface="Adobe Clean"/>
-            </a:endParaRPr>
           </a:p>
         </p:txBody>
       </p:sp>
@@ -8176,8 +7509,8 @@
         </p:nvSpPr>
         <p:spPr>
           <a:xfrm>
-            <a:off x="384421" y="774495"/>
-            <a:ext cx="2011680" cy="0"/>
+            <a:off x="384420" y="774494"/>
+            <a:ext cx="2762639" cy="53355"/>
           </a:xfrm>
           <a:custGeom>
             <a:avLst/>
@@ -8246,19 +7579,15 @@
               </a:spcBef>
             </a:pPr>
             <a:r>
-              <a:rPr lang="en-US" sz="1400" b="1" spc="-10">
+              <a:rPr lang="it-IT" sz="1400" b="1">
                 <a:solidFill>
                   <a:srgbClr val="020302"/>
                 </a:solidFill>
                 <a:latin typeface="Adobe Clean"/>
                 <a:cs typeface="Adobe Clean"/>
               </a:rPr>
-              <a:t>Business  Support Features</a:t>
+              <a:t>Caratteristiche del supporto Business</a:t>
             </a:r>
-            <a:endParaRPr lang="en-US" sz="1400">
-              <a:latin typeface="Adobe Clean"/>
-              <a:cs typeface="Adobe Clean"/>
-            </a:endParaRPr>
           </a:p>
         </p:txBody>
       </p:sp>
@@ -8276,8 +7605,8 @@
         </p:nvSpPr>
         <p:spPr>
           <a:xfrm>
-            <a:off x="2836967" y="1370913"/>
-            <a:ext cx="2286000" cy="1456681"/>
+            <a:off x="2836966" y="1370913"/>
+            <a:ext cx="2359873" cy="1638462"/>
           </a:xfrm>
           <a:prstGeom prst="rect">
             <a:avLst/>
@@ -8298,15 +7627,55 @@
               </a:spcBef>
             </a:pPr>
             <a:r>
-              <a:rPr lang="en-US" sz="1000">
+              <a:rPr lang="it-IT" sz="1000" dirty="0">
                 <a:latin typeface="Adobe Clean Light" panose="020B0303020404020204" pitchFamily="34" charset="0"/>
               </a:rPr>
-              <a:t>Customers can submit support cases via Phone for all P2, P3, P4 issues during regional support hours. There are no upper limits on the number of times you can call into support. Customers can also request a call back from support or request a meeting to demonstrate or work through an issue using a shared remote desktop session.</a:t>
+              <a:t>I clienti possono segnalare telefonicamente </a:t>
             </a:r>
-            <a:endParaRPr lang="en-US" sz="1000">
-              <a:latin typeface="Adobe Clean Light" panose="020B0303020404020204" pitchFamily="34" charset="0"/>
-              <a:cs typeface="AdobeClean-Light"/>
-            </a:endParaRPr>
+            <a:br>
+              <a:rPr lang="it-IT" sz="1000" dirty="0">
+                <a:latin typeface="Adobe Clean Light" panose="020B0303020404020204" pitchFamily="34" charset="0"/>
+              </a:rPr>
+            </a:br>
+            <a:r>
+              <a:rPr lang="it-IT" sz="1000" dirty="0">
+                <a:latin typeface="Adobe Clean Light" panose="020B0303020404020204" pitchFamily="34" charset="0"/>
+              </a:rPr>
+              <a:t>i problemi P2, P3 e P4 durante l’orario operativo per la propria area geografica. Non vi è alcun limite al numero di chiamate di supporto consentite. I clienti possono anche chiedere </a:t>
+            </a:r>
+            <a:br>
+              <a:rPr lang="it-IT" sz="1000" dirty="0">
+                <a:latin typeface="Adobe Clean Light" panose="020B0303020404020204" pitchFamily="34" charset="0"/>
+              </a:rPr>
+            </a:br>
+            <a:r>
+              <a:rPr lang="it-IT" sz="1000" dirty="0">
+                <a:latin typeface="Adobe Clean Light" panose="020B0303020404020204" pitchFamily="34" charset="0"/>
+              </a:rPr>
+              <a:t>di essere richiamati dal supporto, o richiedere una sessione con desktop remoto condiviso </a:t>
+            </a:r>
+            <a:br>
+              <a:rPr lang="it-IT" sz="1000" dirty="0">
+                <a:latin typeface="Adobe Clean Light" panose="020B0303020404020204" pitchFamily="34" charset="0"/>
+              </a:rPr>
+            </a:br>
+            <a:r>
+              <a:rPr lang="it-IT" sz="1000" dirty="0">
+                <a:latin typeface="Adobe Clean Light" panose="020B0303020404020204" pitchFamily="34" charset="0"/>
+              </a:rPr>
+              <a:t>a scopo di dimostrazione o risoluzione </a:t>
+            </a:r>
+            <a:br>
+              <a:rPr lang="it-IT" sz="1000" dirty="0">
+                <a:latin typeface="Adobe Clean Light" panose="020B0303020404020204" pitchFamily="34" charset="0"/>
+              </a:rPr>
+            </a:br>
+            <a:r>
+              <a:rPr lang="it-IT" sz="1000" dirty="0">
+                <a:latin typeface="Adobe Clean Light" panose="020B0303020404020204" pitchFamily="34" charset="0"/>
+              </a:rPr>
+              <a:t>di un problema.</a:t>
+            </a:r>
           </a:p>
         </p:txBody>
       </p:sp>
@@ -8348,13 +7717,13 @@
               </a:spcAft>
             </a:pPr>
             <a:r>
-              <a:rPr lang="en-US" sz="1200" b="1" spc="-10">
+              <a:rPr lang="it-IT" sz="1200" b="1" dirty="0">
                 <a:solidFill>
                   <a:srgbClr val="020302"/>
                 </a:solidFill>
                 <a:latin typeface="+mj-lt"/>
               </a:rPr>
-              <a:t>Live Telephone Support</a:t>
+              <a:t>Supporto telefonico in diretta</a:t>
             </a:r>
           </a:p>
         </p:txBody>
@@ -8374,7 +7743,7 @@
         <p:spPr>
           <a:xfrm>
             <a:off x="5376301" y="1398482"/>
-            <a:ext cx="2286000" cy="805349"/>
+            <a:ext cx="2147240" cy="805349"/>
           </a:xfrm>
           <a:prstGeom prst="rect">
             <a:avLst/>
@@ -8395,18 +7764,14 @@
               </a:spcBef>
             </a:pPr>
             <a:r>
-              <a:rPr lang="en-US" sz="1000">
+              <a:rPr lang="it-IT" sz="1000" dirty="0">
                 <a:solidFill>
                   <a:srgbClr val="4B4B4B"/>
                 </a:solidFill>
                 <a:latin typeface="Adobe Clean Light" panose="020B0303020404020204" pitchFamily="34" charset="0"/>
               </a:rPr>
-              <a:t>A designated point of contact within Adobe who can provide escalation assistance, regular updates and ensure priority is given to your most critical open support requests.</a:t>
+              <a:t>Un contatto Adobe dedicato che può fornire assistenza e aggiornamenti regolari in merito ai casi che richiedono escalation, e assicurarsi che venga data priorità alle richieste di supporto aperte più critiche.</a:t>
             </a:r>
-            <a:endParaRPr lang="en-US" sz="1000">
-              <a:latin typeface="Adobe Clean Light" panose="020B0303020404020204" pitchFamily="34" charset="0"/>
-              <a:cs typeface="AdobeClean-Light"/>
-            </a:endParaRPr>
           </a:p>
         </p:txBody>
       </p:sp>
@@ -8448,13 +7813,13 @@
               </a:spcAft>
             </a:pPr>
             <a:r>
-              <a:rPr lang="en-US" sz="1200" b="1" spc="-10">
+              <a:rPr lang="it-IT" sz="1200" b="1" dirty="0">
                 <a:solidFill>
                   <a:srgbClr val="020302"/>
                 </a:solidFill>
                 <a:latin typeface="+mj-lt"/>
               </a:rPr>
-              <a:t>Escalation Management</a:t>
+              <a:t>Gestione delle escalation</a:t>
             </a:r>
           </a:p>
         </p:txBody>
@@ -8502,7 +7867,7 @@
               <a:defRPr/>
             </a:pPr>
             <a:r>
-              <a:rPr lang="en-US" sz="1200">
+              <a:rPr lang="it-IT" sz="1200">
                 <a:solidFill>
                   <a:srgbClr val="000000"/>
                 </a:solidFill>
@@ -8550,12 +7915,12 @@
               </a:spcAft>
             </a:pPr>
             <a:r>
-              <a:rPr lang="en-US" sz="1200" b="1">
+              <a:rPr lang="it-IT" sz="1200" b="1">
                 <a:latin typeface="+mj-lt"/>
                 <a:ea typeface="Open Sans" pitchFamily="34" charset="0"/>
                 <a:cs typeface="Open Sans" pitchFamily="34" charset="0"/>
               </a:rPr>
-              <a:t>Webinars</a:t>
+              <a:t>Webinar</a:t>
             </a:r>
           </a:p>
         </p:txBody>
@@ -8575,7 +7940,7 @@
         <p:spPr>
           <a:xfrm>
             <a:off x="370040" y="8618616"/>
-            <a:ext cx="2286000" cy="1113125"/>
+            <a:ext cx="2286000" cy="959237"/>
           </a:xfrm>
           <a:prstGeom prst="rect">
             <a:avLst/>
@@ -8588,13 +7953,47 @@
           <a:lstStyle/>
           <a:p>
             <a:r>
-              <a:rPr lang="en-US" sz="1000">
+              <a:rPr lang="it-IT" sz="1000" dirty="0">
                 <a:solidFill>
                   <a:srgbClr val="000000"/>
                 </a:solidFill>
                 <a:latin typeface="Adobe Clean Light" panose="020B0303020404020204" pitchFamily="34" charset="0"/>
               </a:rPr>
-              <a:t>Office Hours is an initiative led by the Adobe Customer Support team. These sessions are designed to inform as well as help participants troubleshoot problems and provide tips and tricks to be successful with Adobe Experience Cloud.</a:t>
+              <a:t>Office Hours è un’iniziativa nata dal team </a:t>
+            </a:r>
+            <a:br>
+              <a:rPr lang="it-IT" sz="1000" dirty="0">
+                <a:solidFill>
+                  <a:srgbClr val="000000"/>
+                </a:solidFill>
+                <a:latin typeface="Adobe Clean Light" panose="020B0303020404020204" pitchFamily="34" charset="0"/>
+              </a:rPr>
+            </a:br>
+            <a:r>
+              <a:rPr lang="it-IT" sz="1000" dirty="0">
+                <a:solidFill>
+                  <a:srgbClr val="000000"/>
+                </a:solidFill>
+                <a:latin typeface="Adobe Clean Light" panose="020B0303020404020204" pitchFamily="34" charset="0"/>
+              </a:rPr>
+              <a:t>del Servizio clienti di Adobe. Queste sessioni sono progettate per informare e aiutare </a:t>
+            </a:r>
+            <a:br>
+              <a:rPr lang="it-IT" sz="1000" dirty="0">
+                <a:solidFill>
+                  <a:srgbClr val="000000"/>
+                </a:solidFill>
+                <a:latin typeface="Adobe Clean Light" panose="020B0303020404020204" pitchFamily="34" charset="0"/>
+              </a:rPr>
+            </a:br>
+            <a:r>
+              <a:rPr lang="it-IT" sz="1000" dirty="0">
+                <a:solidFill>
+                  <a:srgbClr val="000000"/>
+                </a:solidFill>
+                <a:latin typeface="Adobe Clean Light" panose="020B0303020404020204" pitchFamily="34" charset="0"/>
+              </a:rPr>
+              <a:t>i partecipanti a risolvere problemi e fornire suggerimenti e trucchi utili per le soluzioni Adobe Experience Cloud.</a:t>
             </a:r>
           </a:p>
         </p:txBody>
@@ -8615,7 +8014,7 @@
         </p:nvSpPr>
         <p:spPr>
           <a:xfrm>
-            <a:off x="5851290" y="8373543"/>
+            <a:off x="5851290" y="8419263"/>
             <a:ext cx="1267206" cy="184666"/>
           </a:xfrm>
           <a:prstGeom prst="rect">
@@ -8637,12 +8036,12 @@
               </a:spcAft>
             </a:pPr>
             <a:r>
-              <a:rPr lang="en-US" sz="1200" b="1">
+              <a:rPr lang="it-IT" sz="1200" b="1" dirty="0">
                 <a:latin typeface="+mj-lt"/>
                 <a:ea typeface="Open Sans" pitchFamily="34" charset="0"/>
                 <a:cs typeface="Open Sans" pitchFamily="34" charset="0"/>
               </a:rPr>
-              <a:t>24/7 Support Portal</a:t>
+              <a:t>Portale di supporto 24/7</a:t>
             </a:r>
           </a:p>
         </p:txBody>
@@ -8675,16 +8074,16 @@
           <a:lstStyle/>
           <a:p>
             <a:r>
-              <a:rPr lang="en-US" sz="1000">
+              <a:rPr lang="it-IT" sz="1000" dirty="0">
                 <a:solidFill>
                   <a:srgbClr val="000000"/>
                 </a:solidFill>
                 <a:latin typeface="Adobe Clean Light" panose="020B0303020404020204" pitchFamily="34" charset="0"/>
               </a:rPr>
-              <a:t>On-demand access to the online </a:t>
+              <a:t>Accesso on-demand al portale di assistenza autonoma per inviare richieste di supporto, esaminare lo stato dei casi e sfogliare altre risorse, come la knowledge base, notizie </a:t>
             </a:r>
             <a:br>
-              <a:rPr lang="en-US" sz="1000">
+              <a:rPr lang="it-IT" sz="1000" dirty="0">
                 <a:solidFill>
                   <a:srgbClr val="000000"/>
                 </a:solidFill>
@@ -8692,13 +8091,13 @@
               </a:rPr>
             </a:br>
             <a:r>
-              <a:rPr lang="en-US" sz="1000">
+              <a:rPr lang="it-IT" sz="1000" dirty="0">
                 <a:solidFill>
                   <a:srgbClr val="000000"/>
                 </a:solidFill>
                 <a:latin typeface="Adobe Clean Light" panose="020B0303020404020204" pitchFamily="34" charset="0"/>
               </a:rPr>
-              <a:t>Self-help Support Portal to submit support requests, review case status, and browse other resources, like our knowledgebase, news and alerts, featured tips, and more.</a:t>
+              <a:t>e avvisi, suggerimenti e altro ancora.</a:t>
             </a:r>
           </a:p>
         </p:txBody>
@@ -8810,10 +8209,10 @@
           <a:lstStyle/>
           <a:p>
             <a:r>
-              <a:rPr lang="en-US" sz="1200" b="1">
+              <a:rPr lang="it-IT" sz="1200" b="1">
                 <a:latin typeface="+mj-lt"/>
               </a:rPr>
-              <a:t>Business Services</a:t>
+              <a:t>Servizi Business</a:t>
             </a:r>
           </a:p>
         </p:txBody>
@@ -8854,15 +8253,11 @@
               </a:spcBef>
             </a:pPr>
             <a:r>
-              <a:rPr lang="en-US" sz="1000">
+              <a:rPr lang="it-IT" sz="1000" dirty="0">
                 <a:latin typeface="Adobe Clean Light" panose="020B0303020404020204" pitchFamily="34" charset="0"/>
               </a:rPr>
-              <a:t>An Account Support Lead will host webinars covering an overview of business support services.  </a:t>
+              <a:t>Un Account Support Lead terrà dei webinar per illustrare i servizi di supporto Business.  </a:t>
             </a:r>
-            <a:endParaRPr lang="en-US" sz="1000">
-              <a:latin typeface="Adobe Clean Light" panose="020B0303020404020204" pitchFamily="34" charset="0"/>
-              <a:cs typeface="AdobeClean-Light"/>
-            </a:endParaRPr>
           </a:p>
         </p:txBody>
       </p:sp>
@@ -8880,7 +8275,7 @@
         </p:nvSpPr>
         <p:spPr>
           <a:xfrm rot="5400000" flipH="1">
-            <a:off x="3863341" y="302967"/>
+            <a:off x="3863341" y="422235"/>
             <a:ext cx="45719" cy="5577840"/>
           </a:xfrm>
           <a:custGeom>
@@ -9069,7 +8464,7 @@
         </p:blipFill>
         <p:spPr>
           <a:xfrm>
-            <a:off x="2836967" y="6062796"/>
+            <a:off x="2836967" y="5754186"/>
             <a:ext cx="411480" cy="411480"/>
           </a:xfrm>
           <a:prstGeom prst="rect">
@@ -9108,7 +8503,7 @@
         </p:blipFill>
         <p:spPr>
           <a:xfrm>
-            <a:off x="359731" y="6062796"/>
+            <a:off x="359731" y="5754186"/>
             <a:ext cx="411480" cy="411480"/>
           </a:xfrm>
           <a:prstGeom prst="rect">
@@ -9147,7 +8542,7 @@
         </p:blipFill>
         <p:spPr>
           <a:xfrm>
-            <a:off x="5329042" y="6062796"/>
+            <a:off x="5329042" y="5754186"/>
             <a:ext cx="411480" cy="411480"/>
           </a:xfrm>
           <a:prstGeom prst="rect">
@@ -9247,7 +8642,7 @@
         </p:nvSpPr>
         <p:spPr>
           <a:xfrm rot="5400000" flipH="1">
-            <a:off x="3863341" y="4967117"/>
+            <a:off x="3863341" y="5115707"/>
             <a:ext cx="45719" cy="5577840"/>
           </a:xfrm>
           <a:custGeom>
@@ -9304,7 +8699,78 @@
         </p:nvSpPr>
         <p:spPr>
           <a:xfrm>
-            <a:off x="5851290" y="8150141"/>
+            <a:off x="5851290" y="8100611"/>
+            <a:ext cx="2520000" cy="307777"/>
+          </a:xfrm>
+          <a:prstGeom prst="rect">
+            <a:avLst/>
+          </a:prstGeom>
+          <a:noFill/>
+        </p:spPr>
+        <p:txBody>
+          <a:bodyPr wrap="square" lIns="0" tIns="0" rIns="0" bIns="0" rtlCol="0">
+            <a:spAutoFit/>
+          </a:bodyPr>
+          <a:lstStyle>
+            <a:defPPr>
+              <a:defRPr lang="en-US"/>
+            </a:defPPr>
+            <a:lvl1pPr>
+              <a:defRPr sz="3200">
+                <a:latin typeface="Adobe Clean Light" panose="020B0303020404020204" pitchFamily="34" charset="0"/>
+              </a:defRPr>
+            </a:lvl1pPr>
+          </a:lstStyle>
+          <a:p>
+            <a:pPr>
+              <a:lnSpc>
+                <a:spcPts val="1200"/>
+              </a:lnSpc>
+              <a:defRPr/>
+            </a:pPr>
+            <a:r>
+              <a:rPr lang="it-IT" sz="1200" spc="-20" dirty="0">
+                <a:solidFill>
+                  <a:srgbClr val="000000"/>
+                </a:solidFill>
+              </a:rPr>
+              <a:t>Portale di assistenza </a:t>
+            </a:r>
+            <a:br>
+              <a:rPr lang="it-IT" sz="1200" spc="-20" dirty="0">
+                <a:solidFill>
+                  <a:srgbClr val="000000"/>
+                </a:solidFill>
+              </a:rPr>
+            </a:br>
+            <a:r>
+              <a:rPr lang="it-IT" sz="1200" spc="-20" dirty="0">
+                <a:solidFill>
+                  <a:srgbClr val="000000"/>
+                </a:solidFill>
+              </a:rPr>
+              <a:t>autonoma</a:t>
+            </a:r>
+          </a:p>
+        </p:txBody>
+      </p:sp>
+      <p:sp>
+        <p:nvSpPr>
+          <p:cNvPr id="83" name="TextBox 82">
+            <a:extLst>
+              <a:ext uri="{FF2B5EF4-FFF2-40B4-BE49-F238E27FC236}">
+                <a16:creationId xmlns:a16="http://schemas.microsoft.com/office/drawing/2014/main" id="{AF154937-CC7F-194F-914A-583BEF4B46DE}"/>
+              </a:ext>
+            </a:extLst>
+          </p:cNvPr>
+          <p:cNvSpPr txBox="1">
+            <a:spLocks/>
+          </p:cNvSpPr>
+          <p:nvPr/>
+        </p:nvSpPr>
+        <p:spPr>
+          <a:xfrm>
+            <a:off x="5851290" y="5737788"/>
             <a:ext cx="2520000" cy="184666"/>
           </a:xfrm>
           <a:prstGeom prst="rect">
@@ -9331,60 +8797,7 @@
               <a:defRPr/>
             </a:pPr>
             <a:r>
-              <a:rPr lang="en-US" sz="1200">
-                <a:solidFill>
-                  <a:srgbClr val="000000"/>
-                </a:solidFill>
-              </a:rPr>
-              <a:t>Self– Help Portal</a:t>
-            </a:r>
-          </a:p>
-        </p:txBody>
-      </p:sp>
-      <p:sp>
-        <p:nvSpPr>
-          <p:cNvPr id="83" name="TextBox 82">
-            <a:extLst>
-              <a:ext uri="{FF2B5EF4-FFF2-40B4-BE49-F238E27FC236}">
-                <a16:creationId xmlns:a16="http://schemas.microsoft.com/office/drawing/2014/main" id="{AF154937-CC7F-194F-914A-583BEF4B46DE}"/>
-              </a:ext>
-            </a:extLst>
-          </p:cNvPr>
-          <p:cNvSpPr txBox="1">
-            <a:spLocks/>
-          </p:cNvSpPr>
-          <p:nvPr/>
-        </p:nvSpPr>
-        <p:spPr>
-          <a:xfrm>
-            <a:off x="5851290" y="6046398"/>
-            <a:ext cx="2520000" cy="184666"/>
-          </a:xfrm>
-          <a:prstGeom prst="rect">
-            <a:avLst/>
-          </a:prstGeom>
-          <a:noFill/>
-        </p:spPr>
-        <p:txBody>
-          <a:bodyPr wrap="square" lIns="0" tIns="0" rIns="0" bIns="0" rtlCol="0">
-            <a:spAutoFit/>
-          </a:bodyPr>
-          <a:lstStyle>
-            <a:defPPr>
-              <a:defRPr lang="en-US"/>
-            </a:defPPr>
-            <a:lvl1pPr>
-              <a:defRPr sz="3200">
-                <a:latin typeface="Adobe Clean Light" panose="020B0303020404020204" pitchFamily="34" charset="0"/>
-              </a:defRPr>
-            </a:lvl1pPr>
-          </a:lstStyle>
-          <a:p>
-            <a:pPr>
-              <a:defRPr/>
-            </a:pPr>
-            <a:r>
-              <a:rPr lang="en-US" sz="1200">
+              <a:rPr lang="it-IT" sz="1200">
                 <a:solidFill>
                   <a:srgbClr val="000000"/>
                 </a:solidFill>
@@ -9446,49 +8859,15 @@
               </a:lnSpc>
             </a:pPr>
             <a:r>
-              <a:rPr sz="500" spc="-5">
+              <a:rPr lang="it-IT" sz="500">
                 <a:solidFill>
                   <a:srgbClr val="6C6C6C"/>
                 </a:solidFill>
                 <a:latin typeface="Adobe Clean"/>
                 <a:cs typeface="Adobe Clean"/>
               </a:rPr>
-              <a:t>©2020 Adobe. All Rights Reserved. </a:t>
+              <a:t>©2020 Adobe. All Rights Reserved. Adobe Confidential.</a:t>
             </a:r>
-            <a:r>
-              <a:rPr sz="500">
-                <a:solidFill>
-                  <a:srgbClr val="6C6C6C"/>
-                </a:solidFill>
-                <a:latin typeface="Adobe Clean"/>
-                <a:cs typeface="Adobe Clean"/>
-              </a:rPr>
-              <a:t>Adobe</a:t>
-            </a:r>
-            <a:r>
-              <a:rPr sz="500" spc="5">
-                <a:solidFill>
-                  <a:srgbClr val="6C6C6C"/>
-                </a:solidFill>
-                <a:latin typeface="Adobe Clean"/>
-                <a:cs typeface="Adobe Clean"/>
-              </a:rPr>
-              <a:t> </a:t>
-            </a:r>
-            <a:r>
-              <a:rPr sz="500" spc="-5">
-                <a:solidFill>
-                  <a:srgbClr val="6C6C6C"/>
-                </a:solidFill>
-                <a:latin typeface="Adobe Clean"/>
-                <a:cs typeface="Adobe Clean"/>
-              </a:rPr>
-              <a:t>Confidential.</a:t>
-            </a:r>
-            <a:endParaRPr sz="500">
-              <a:latin typeface="Adobe Clean"/>
-              <a:cs typeface="Adobe Clean"/>
-            </a:endParaRPr>
           </a:p>
           <a:p>
             <a:pPr>
@@ -9514,39 +8893,15 @@
               </a:spcBef>
             </a:pPr>
             <a:r>
-              <a:rPr sz="800" spc="-5">
+              <a:rPr lang="it-IT" sz="800">
                 <a:solidFill>
                   <a:srgbClr val="6D6D6D"/>
                 </a:solidFill>
                 <a:latin typeface="Adobe Clean"/>
                 <a:cs typeface="Adobe Clean"/>
               </a:rPr>
-              <a:t>©2020 Adobe. All Rights Reserved. Adobe</a:t>
+              <a:t>©2020 Adobe. All Rights Reserved. Adobe Confidential.</a:t>
             </a:r>
-            <a:r>
-              <a:rPr sz="800" spc="75">
-                <a:solidFill>
-                  <a:srgbClr val="6D6D6D"/>
-                </a:solidFill>
-                <a:latin typeface="Adobe Clean"/>
-                <a:cs typeface="Adobe Clean"/>
-              </a:rPr>
-              <a:t> </a:t>
-            </a:r>
-            <a:r>
-              <a:rPr sz="800" spc="-5">
-                <a:solidFill>
-                  <a:srgbClr val="6D6D6D"/>
-                </a:solidFill>
-                <a:latin typeface="Adobe Clean"/>
-                <a:cs typeface="Adobe Clean"/>
-              </a:rPr>
-              <a:t>Confidential.</a:t>
-            </a:r>
-            <a:endParaRPr sz="800">
-              <a:latin typeface="Adobe Clean"/>
-              <a:cs typeface="Adobe Clean"/>
-            </a:endParaRPr>
           </a:p>
         </p:txBody>
       </p:sp>
@@ -9630,19 +8985,15 @@
               </a:spcBef>
             </a:pPr>
             <a:r>
-              <a:rPr lang="en-US" sz="1400" b="1" spc="-15">
+              <a:rPr lang="it-IT" sz="1400" b="1">
                 <a:solidFill>
                   <a:srgbClr val="020302"/>
                 </a:solidFill>
                 <a:latin typeface="Adobe Clean"/>
                 <a:cs typeface="Adobe Clean"/>
               </a:rPr>
-              <a:t>Resources</a:t>
+              <a:t>Risorse</a:t>
             </a:r>
-            <a:endParaRPr sz="1400">
-              <a:latin typeface="Adobe Clean"/>
-              <a:cs typeface="Adobe Clean"/>
-            </a:endParaRPr>
           </a:p>
         </p:txBody>
       </p:sp>
@@ -9655,7 +9006,7 @@
         <p:spPr>
           <a:xfrm>
             <a:off x="6754821" y="9283729"/>
-            <a:ext cx="930275" cy="662305"/>
+            <a:ext cx="990909" cy="662305"/>
           </a:xfrm>
           <a:prstGeom prst="rect">
             <a:avLst/>
@@ -9676,7 +9027,7 @@
               </a:spcBef>
             </a:pPr>
             <a:r>
-              <a:rPr sz="800" spc="-15">
+              <a:rPr lang="it-IT" sz="800" dirty="0">
                 <a:solidFill>
                   <a:srgbClr val="777879"/>
                 </a:solidFill>
@@ -9685,10 +9036,6 @@
               </a:rPr>
               <a:t>Adobe</a:t>
             </a:r>
-            <a:endParaRPr sz="800">
-              <a:latin typeface="Adobe Clean"/>
-              <a:cs typeface="Adobe Clean"/>
-            </a:endParaRPr>
           </a:p>
           <a:p>
             <a:pPr marL="12700">
@@ -9697,39 +9044,15 @@
               </a:lnSpc>
             </a:pPr>
             <a:r>
-              <a:rPr sz="800" spc="-15">
+              <a:rPr lang="it-IT" sz="800" dirty="0">
                 <a:solidFill>
                   <a:srgbClr val="777879"/>
                 </a:solidFill>
                 <a:latin typeface="Adobe Clean"/>
                 <a:cs typeface="Adobe Clean"/>
               </a:rPr>
-              <a:t>345 Park</a:t>
+              <a:t>345 Park Avenue</a:t>
             </a:r>
-            <a:r>
-              <a:rPr sz="800" spc="-100">
-                <a:solidFill>
-                  <a:srgbClr val="777879"/>
-                </a:solidFill>
-                <a:latin typeface="Adobe Clean"/>
-                <a:cs typeface="Adobe Clean"/>
-              </a:rPr>
-              <a:t> </a:t>
-            </a:r>
-            <a:r>
-              <a:rPr sz="800" spc="-15">
-                <a:solidFill>
-                  <a:srgbClr val="777879"/>
-                </a:solidFill>
-                <a:latin typeface="Adobe Clean"/>
-                <a:cs typeface="Adobe Clean"/>
-              </a:rPr>
-              <a:t>Avenue</a:t>
-            </a:r>
-            <a:endParaRPr sz="800">
-              <a:latin typeface="Adobe Clean"/>
-              <a:cs typeface="Adobe Clean"/>
-            </a:endParaRPr>
           </a:p>
           <a:p>
             <a:pPr marL="12700">
@@ -9738,49 +9061,15 @@
               </a:lnSpc>
             </a:pPr>
             <a:r>
-              <a:rPr sz="800" spc="-10">
+              <a:rPr lang="it-IT" sz="800" dirty="0">
                 <a:solidFill>
                   <a:srgbClr val="777879"/>
                 </a:solidFill>
                 <a:latin typeface="Adobe Clean"/>
                 <a:cs typeface="Adobe Clean"/>
               </a:rPr>
-              <a:t>San </a:t>
+              <a:t>San Jose, CA 95110-2704</a:t>
             </a:r>
-            <a:r>
-              <a:rPr sz="800" spc="-15">
-                <a:solidFill>
-                  <a:srgbClr val="777879"/>
-                </a:solidFill>
-                <a:latin typeface="Adobe Clean"/>
-                <a:cs typeface="Adobe Clean"/>
-              </a:rPr>
-              <a:t>Jose,</a:t>
-            </a:r>
-            <a:r>
-              <a:rPr sz="800" spc="-140">
-                <a:solidFill>
-                  <a:srgbClr val="777879"/>
-                </a:solidFill>
-                <a:latin typeface="Adobe Clean"/>
-                <a:cs typeface="Adobe Clean"/>
-              </a:rPr>
-              <a:t> </a:t>
-            </a:r>
-            <a:r>
-              <a:rPr sz="800" spc="-20">
-                <a:solidFill>
-                  <a:srgbClr val="777879"/>
-                </a:solidFill>
-                <a:latin typeface="Adobe Clean"/>
-                <a:cs typeface="Adobe Clean"/>
-              </a:rPr>
-              <a:t>CA95110-2704</a:t>
-            </a:r>
-            <a:endParaRPr sz="800">
-              <a:latin typeface="Adobe Clean"/>
-              <a:cs typeface="Adobe Clean"/>
-            </a:endParaRPr>
           </a:p>
           <a:p>
             <a:pPr marL="12700">
@@ -9792,7 +9081,7 @@
               </a:spcBef>
             </a:pPr>
             <a:r>
-              <a:rPr sz="800" spc="-10">
+              <a:rPr lang="it-IT" sz="800" dirty="0">
                 <a:solidFill>
                   <a:srgbClr val="777879"/>
                 </a:solidFill>
@@ -9801,10 +9090,6 @@
               </a:rPr>
               <a:t>USA</a:t>
             </a:r>
-            <a:endParaRPr sz="800">
-              <a:latin typeface="Adobe Clean"/>
-              <a:cs typeface="Adobe Clean"/>
-            </a:endParaRPr>
           </a:p>
           <a:p>
             <a:pPr marL="12700">
@@ -9816,7 +9101,7 @@
               </a:spcBef>
             </a:pPr>
             <a:r>
-              <a:rPr sz="800" u="sng" spc="-25">
+              <a:rPr lang="it-IT" sz="800" u="sng" dirty="0">
                 <a:solidFill>
                   <a:srgbClr val="5F5F5F"/>
                 </a:solidFill>
@@ -9831,10 +9116,6 @@
               </a:rPr>
               <a:t>www.adobe.com</a:t>
             </a:r>
-            <a:endParaRPr sz="800">
-              <a:latin typeface="Adobe Clean"/>
-              <a:cs typeface="Adobe Clean"/>
-            </a:endParaRPr>
           </a:p>
         </p:txBody>
       </p:sp>
@@ -10009,439 +9290,15 @@
               </a:spcBef>
             </a:pPr>
             <a:r>
-              <a:rPr sz="1100" i="1" spc="-10">
+              <a:rPr lang="it-IT" sz="1100" i="1" dirty="0">
                 <a:solidFill>
                   <a:srgbClr val="777879"/>
                 </a:solidFill>
                 <a:latin typeface="AdobeClean-LightIt"/>
                 <a:cs typeface="AdobeClean-LightIt"/>
               </a:rPr>
-              <a:t>To</a:t>
+              <a:t>Per saperne di più sulle opzioni di Supporto Adobe e capire quale sia il livello più adatto alle tue esigenze, contatta il tuo Named Account Manager (NAM) o Customer Success Manager (CSM).</a:t>
             </a:r>
-            <a:r>
-              <a:rPr sz="1100" i="1" spc="-50">
-                <a:solidFill>
-                  <a:srgbClr val="777879"/>
-                </a:solidFill>
-                <a:latin typeface="AdobeClean-LightIt"/>
-                <a:cs typeface="AdobeClean-LightIt"/>
-              </a:rPr>
-              <a:t> </a:t>
-            </a:r>
-            <a:r>
-              <a:rPr sz="1100" i="1" spc="-15">
-                <a:solidFill>
-                  <a:srgbClr val="777879"/>
-                </a:solidFill>
-                <a:latin typeface="AdobeClean-LightIt"/>
-                <a:cs typeface="AdobeClean-LightIt"/>
-              </a:rPr>
-              <a:t>learn</a:t>
-            </a:r>
-            <a:r>
-              <a:rPr sz="1100" i="1" spc="-40">
-                <a:solidFill>
-                  <a:srgbClr val="777879"/>
-                </a:solidFill>
-                <a:latin typeface="AdobeClean-LightIt"/>
-                <a:cs typeface="AdobeClean-LightIt"/>
-              </a:rPr>
-              <a:t> </a:t>
-            </a:r>
-            <a:r>
-              <a:rPr sz="1100" i="1" spc="-15">
-                <a:solidFill>
-                  <a:srgbClr val="777879"/>
-                </a:solidFill>
-                <a:latin typeface="AdobeClean-LightIt"/>
-                <a:cs typeface="AdobeClean-LightIt"/>
-              </a:rPr>
-              <a:t>more</a:t>
-            </a:r>
-            <a:r>
-              <a:rPr sz="1100" i="1" spc="-45">
-                <a:solidFill>
-                  <a:srgbClr val="777879"/>
-                </a:solidFill>
-                <a:latin typeface="AdobeClean-LightIt"/>
-                <a:cs typeface="AdobeClean-LightIt"/>
-              </a:rPr>
-              <a:t> </a:t>
-            </a:r>
-            <a:r>
-              <a:rPr sz="1100" i="1" spc="-15">
-                <a:solidFill>
-                  <a:srgbClr val="777879"/>
-                </a:solidFill>
-                <a:latin typeface="AdobeClean-LightIt"/>
-                <a:cs typeface="AdobeClean-LightIt"/>
-              </a:rPr>
-              <a:t>about</a:t>
-            </a:r>
-            <a:r>
-              <a:rPr sz="1100" i="1" spc="-45">
-                <a:solidFill>
-                  <a:srgbClr val="777879"/>
-                </a:solidFill>
-                <a:latin typeface="AdobeClean-LightIt"/>
-                <a:cs typeface="AdobeClean-LightIt"/>
-              </a:rPr>
-              <a:t> </a:t>
-            </a:r>
-            <a:r>
-              <a:rPr sz="1100" i="1" spc="-15">
-                <a:solidFill>
-                  <a:srgbClr val="777879"/>
-                </a:solidFill>
-                <a:latin typeface="AdobeClean-LightIt"/>
-                <a:cs typeface="AdobeClean-LightIt"/>
-              </a:rPr>
-              <a:t>Adobe</a:t>
-            </a:r>
-            <a:r>
-              <a:rPr sz="1100" i="1" spc="-50">
-                <a:solidFill>
-                  <a:srgbClr val="777879"/>
-                </a:solidFill>
-                <a:latin typeface="AdobeClean-LightIt"/>
-                <a:cs typeface="AdobeClean-LightIt"/>
-              </a:rPr>
-              <a:t> </a:t>
-            </a:r>
-            <a:r>
-              <a:rPr sz="1100" i="1" spc="-15">
-                <a:solidFill>
-                  <a:srgbClr val="777879"/>
-                </a:solidFill>
-                <a:latin typeface="AdobeClean-LightIt"/>
-                <a:cs typeface="AdobeClean-LightIt"/>
-              </a:rPr>
-              <a:t>Support</a:t>
-            </a:r>
-            <a:r>
-              <a:rPr lang="en-US" sz="1100" i="1" spc="-15">
-                <a:solidFill>
-                  <a:srgbClr val="777879"/>
-                </a:solidFill>
-                <a:latin typeface="AdobeClean-LightIt"/>
-                <a:cs typeface="AdobeClean-LightIt"/>
-              </a:rPr>
-              <a:t> Offerings</a:t>
-            </a:r>
-            <a:r>
-              <a:rPr sz="1100" i="1" spc="-75">
-                <a:solidFill>
-                  <a:srgbClr val="777879"/>
-                </a:solidFill>
-                <a:latin typeface="AdobeClean-LightIt"/>
-                <a:cs typeface="AdobeClean-LightIt"/>
-              </a:rPr>
-              <a:t> </a:t>
-            </a:r>
-            <a:r>
-              <a:rPr sz="1100" i="1" spc="-15">
-                <a:solidFill>
-                  <a:srgbClr val="777879"/>
-                </a:solidFill>
-                <a:latin typeface="AdobeClean-LightIt"/>
-                <a:cs typeface="AdobeClean-LightIt"/>
-              </a:rPr>
-              <a:t>and</a:t>
-            </a:r>
-            <a:r>
-              <a:rPr sz="1100" i="1" spc="-50">
-                <a:solidFill>
-                  <a:srgbClr val="777879"/>
-                </a:solidFill>
-                <a:latin typeface="AdobeClean-LightIt"/>
-                <a:cs typeface="AdobeClean-LightIt"/>
-              </a:rPr>
-              <a:t> </a:t>
-            </a:r>
-            <a:r>
-              <a:rPr sz="1100" i="1" spc="-15">
-                <a:solidFill>
-                  <a:srgbClr val="777879"/>
-                </a:solidFill>
-                <a:latin typeface="AdobeClean-LightIt"/>
-                <a:cs typeface="AdobeClean-LightIt"/>
-              </a:rPr>
-              <a:t>the</a:t>
-            </a:r>
-            <a:r>
-              <a:rPr sz="1100" i="1" spc="-55">
-                <a:solidFill>
-                  <a:srgbClr val="777879"/>
-                </a:solidFill>
-                <a:latin typeface="AdobeClean-LightIt"/>
-                <a:cs typeface="AdobeClean-LightIt"/>
-              </a:rPr>
-              <a:t> </a:t>
-            </a:r>
-            <a:r>
-              <a:rPr sz="1100" i="1" spc="-15">
-                <a:solidFill>
-                  <a:srgbClr val="777879"/>
-                </a:solidFill>
-                <a:latin typeface="AdobeClean-LightIt"/>
-                <a:cs typeface="AdobeClean-LightIt"/>
-              </a:rPr>
-              <a:t>right</a:t>
-            </a:r>
-            <a:r>
-              <a:rPr sz="1100" i="1" spc="-95">
-                <a:solidFill>
-                  <a:srgbClr val="777879"/>
-                </a:solidFill>
-                <a:latin typeface="AdobeClean-LightIt"/>
-                <a:cs typeface="AdobeClean-LightIt"/>
-              </a:rPr>
-              <a:t> </a:t>
-            </a:r>
-            <a:r>
-              <a:rPr sz="1100" i="1" spc="-15">
-                <a:solidFill>
-                  <a:srgbClr val="777879"/>
-                </a:solidFill>
-                <a:latin typeface="AdobeClean-LightIt"/>
-                <a:cs typeface="AdobeClean-LightIt"/>
-              </a:rPr>
-              <a:t>level</a:t>
-            </a:r>
-            <a:r>
-              <a:rPr sz="1100" i="1" spc="-55">
-                <a:solidFill>
-                  <a:srgbClr val="777879"/>
-                </a:solidFill>
-                <a:latin typeface="AdobeClean-LightIt"/>
-                <a:cs typeface="AdobeClean-LightIt"/>
-              </a:rPr>
-              <a:t> </a:t>
-            </a:r>
-            <a:r>
-              <a:rPr sz="1100" i="1" spc="-15">
-                <a:solidFill>
-                  <a:srgbClr val="777879"/>
-                </a:solidFill>
-                <a:latin typeface="AdobeClean-LightIt"/>
-                <a:cs typeface="AdobeClean-LightIt"/>
-              </a:rPr>
-              <a:t>for</a:t>
-            </a:r>
-            <a:r>
-              <a:rPr sz="1100" i="1" spc="-85">
-                <a:solidFill>
-                  <a:srgbClr val="777879"/>
-                </a:solidFill>
-                <a:latin typeface="AdobeClean-LightIt"/>
-                <a:cs typeface="AdobeClean-LightIt"/>
-              </a:rPr>
-              <a:t> </a:t>
-            </a:r>
-            <a:r>
-              <a:rPr sz="1100" i="1" spc="-15">
-                <a:solidFill>
-                  <a:srgbClr val="777879"/>
-                </a:solidFill>
-                <a:latin typeface="AdobeClean-LightIt"/>
-                <a:cs typeface="AdobeClean-LightIt"/>
-              </a:rPr>
-              <a:t>you,</a:t>
-            </a:r>
-            <a:r>
-              <a:rPr sz="1100" i="1" spc="-65">
-                <a:solidFill>
-                  <a:srgbClr val="777879"/>
-                </a:solidFill>
-                <a:latin typeface="AdobeClean-LightIt"/>
-                <a:cs typeface="AdobeClean-LightIt"/>
-              </a:rPr>
-              <a:t> </a:t>
-            </a:r>
-            <a:r>
-              <a:rPr sz="1100" i="1" spc="-15">
-                <a:solidFill>
-                  <a:srgbClr val="777879"/>
-                </a:solidFill>
-                <a:latin typeface="AdobeClean-LightIt"/>
-                <a:cs typeface="AdobeClean-LightIt"/>
-              </a:rPr>
-              <a:t>contact</a:t>
-            </a:r>
-            <a:r>
-              <a:rPr sz="1100" i="1" spc="-85">
-                <a:solidFill>
-                  <a:srgbClr val="777879"/>
-                </a:solidFill>
-                <a:latin typeface="AdobeClean-LightIt"/>
-                <a:cs typeface="AdobeClean-LightIt"/>
-              </a:rPr>
-              <a:t> </a:t>
-            </a:r>
-            <a:r>
-              <a:rPr sz="1100" i="1" spc="-15">
-                <a:solidFill>
-                  <a:srgbClr val="777879"/>
-                </a:solidFill>
-                <a:latin typeface="AdobeClean-LightIt"/>
-                <a:cs typeface="AdobeClean-LightIt"/>
-              </a:rPr>
-              <a:t>your</a:t>
-            </a:r>
-            <a:r>
-              <a:rPr sz="1100" i="1" spc="-70">
-                <a:solidFill>
-                  <a:srgbClr val="777879"/>
-                </a:solidFill>
-                <a:latin typeface="AdobeClean-LightIt"/>
-                <a:cs typeface="AdobeClean-LightIt"/>
-              </a:rPr>
-              <a:t> </a:t>
-            </a:r>
-            <a:r>
-              <a:rPr sz="1100" i="1" spc="-15">
-                <a:solidFill>
-                  <a:srgbClr val="777879"/>
-                </a:solidFill>
-                <a:latin typeface="AdobeClean-LightIt"/>
-                <a:cs typeface="AdobeClean-LightIt"/>
-              </a:rPr>
-              <a:t>Named</a:t>
-            </a:r>
-            <a:r>
-              <a:rPr sz="1100" i="1" spc="-55">
-                <a:solidFill>
-                  <a:srgbClr val="777879"/>
-                </a:solidFill>
-                <a:latin typeface="AdobeClean-LightIt"/>
-                <a:cs typeface="AdobeClean-LightIt"/>
-              </a:rPr>
-              <a:t> </a:t>
-            </a:r>
-            <a:r>
-              <a:rPr sz="1100" i="1" spc="-25">
-                <a:solidFill>
-                  <a:srgbClr val="777879"/>
-                </a:solidFill>
-                <a:latin typeface="AdobeClean-LightIt"/>
-                <a:cs typeface="AdobeClean-LightIt"/>
-              </a:rPr>
-              <a:t>Account</a:t>
-            </a:r>
-            <a:r>
-              <a:rPr sz="1100" i="1" spc="-120">
-                <a:solidFill>
-                  <a:srgbClr val="777879"/>
-                </a:solidFill>
-                <a:latin typeface="AdobeClean-LightIt"/>
-                <a:cs typeface="AdobeClean-LightIt"/>
-              </a:rPr>
-              <a:t> </a:t>
-            </a:r>
-            <a:r>
-              <a:rPr sz="1100" i="1" spc="-20">
-                <a:solidFill>
-                  <a:srgbClr val="777879"/>
-                </a:solidFill>
-                <a:latin typeface="AdobeClean-LightIt"/>
-                <a:cs typeface="AdobeClean-LightIt"/>
-              </a:rPr>
-              <a:t>Manager</a:t>
-            </a:r>
-            <a:r>
-              <a:rPr lang="en-US" sz="1100" i="1" spc="-20">
-                <a:solidFill>
-                  <a:srgbClr val="777879"/>
-                </a:solidFill>
-                <a:latin typeface="AdobeClean-LightIt"/>
-                <a:cs typeface="AdobeClean-LightIt"/>
-              </a:rPr>
-              <a:t> </a:t>
-            </a:r>
-            <a:r>
-              <a:rPr sz="1100" i="1" spc="-20">
-                <a:solidFill>
-                  <a:srgbClr val="777879"/>
-                </a:solidFill>
-                <a:latin typeface="AdobeClean-LightIt"/>
-                <a:cs typeface="AdobeClean-LightIt"/>
-              </a:rPr>
-              <a:t> </a:t>
-            </a:r>
-            <a:r>
-              <a:rPr sz="1100" i="1" spc="-15">
-                <a:solidFill>
-                  <a:srgbClr val="777879"/>
-                </a:solidFill>
-                <a:latin typeface="AdobeClean-LightIt"/>
-                <a:cs typeface="AdobeClean-LightIt"/>
-              </a:rPr>
-              <a:t>(NAM) </a:t>
-            </a:r>
-            <a:r>
-              <a:rPr sz="1100" i="1" spc="-10">
-                <a:solidFill>
-                  <a:srgbClr val="777879"/>
-                </a:solidFill>
-                <a:latin typeface="AdobeClean-LightIt"/>
-                <a:cs typeface="AdobeClean-LightIt"/>
-              </a:rPr>
-              <a:t>or </a:t>
-            </a:r>
-            <a:r>
-              <a:rPr sz="1100" i="1" spc="-15">
-                <a:solidFill>
-                  <a:srgbClr val="777879"/>
-                </a:solidFill>
-                <a:latin typeface="AdobeClean-LightIt"/>
-                <a:cs typeface="AdobeClean-LightIt"/>
-              </a:rPr>
-              <a:t>Customer</a:t>
-            </a:r>
-            <a:r>
-              <a:rPr lang="en-US" sz="1100" i="1" spc="-15">
-                <a:solidFill>
-                  <a:srgbClr val="777879"/>
-                </a:solidFill>
-                <a:latin typeface="AdobeClean-LightIt"/>
-                <a:cs typeface="AdobeClean-LightIt"/>
-              </a:rPr>
-              <a:t> </a:t>
-            </a:r>
-            <a:r>
-              <a:rPr lang="en-US" sz="1100" i="1" spc="-20">
-                <a:solidFill>
-                  <a:srgbClr val="777879"/>
-                </a:solidFill>
-                <a:latin typeface="AdobeClean-LightIt"/>
-                <a:cs typeface="AdobeClean-LightIt"/>
-              </a:rPr>
-              <a:t>Success </a:t>
-            </a:r>
-            <a:r>
-              <a:rPr lang="en-US" sz="1100" i="1" spc="-15">
-                <a:solidFill>
-                  <a:srgbClr val="777879"/>
-                </a:solidFill>
-                <a:latin typeface="AdobeClean-LightIt"/>
-                <a:cs typeface="AdobeClean-LightIt"/>
-              </a:rPr>
-              <a:t>Manager </a:t>
-            </a:r>
-            <a:r>
-              <a:rPr sz="1100" i="1" spc="-15">
-                <a:solidFill>
-                  <a:srgbClr val="777879"/>
-                </a:solidFill>
-                <a:latin typeface="AdobeClean-LightIt"/>
-                <a:cs typeface="AdobeClean-LightIt"/>
-              </a:rPr>
-              <a:t>(CSM)</a:t>
-            </a:r>
-            <a:endParaRPr sz="1100">
-              <a:latin typeface="AdobeClean-LightIt"/>
-              <a:cs typeface="AdobeClean-LightIt"/>
-            </a:endParaRPr>
           </a:p>
           <a:p>
             <a:pPr marL="34290">
@@ -10453,59 +9310,15 @@
               </a:spcBef>
             </a:pPr>
             <a:r>
-              <a:rPr sz="800" spc="-5">
+              <a:rPr lang="it-IT" sz="800" dirty="0">
                 <a:solidFill>
                   <a:srgbClr val="6D6D6D"/>
                 </a:solidFill>
                 <a:latin typeface="Adobe Clean"/>
                 <a:cs typeface="Adobe Clean"/>
               </a:rPr>
-              <a:t>©202</a:t>
+              <a:t>©2021 Adobe. All Rights Reserved. Adobe Confidential.</a:t>
             </a:r>
-            <a:r>
-              <a:rPr lang="en-US" sz="800" spc="-5">
-                <a:solidFill>
-                  <a:srgbClr val="6D6D6D"/>
-                </a:solidFill>
-                <a:latin typeface="Adobe Clean"/>
-                <a:cs typeface="Adobe Clean"/>
-              </a:rPr>
-              <a:t>1</a:t>
-            </a:r>
-            <a:r>
-              <a:rPr sz="800" spc="-5">
-                <a:solidFill>
-                  <a:srgbClr val="6D6D6D"/>
-                </a:solidFill>
-                <a:latin typeface="Adobe Clean"/>
-                <a:cs typeface="Adobe Clean"/>
-              </a:rPr>
-              <a:t> Adobe. All Rights Reserved. Adobe</a:t>
-            </a:r>
-            <a:r>
-              <a:rPr sz="800" spc="75">
-                <a:solidFill>
-                  <a:srgbClr val="6D6D6D"/>
-                </a:solidFill>
-                <a:latin typeface="Adobe Clean"/>
-                <a:cs typeface="Adobe Clean"/>
-              </a:rPr>
-              <a:t> </a:t>
-            </a:r>
-            <a:r>
-              <a:rPr sz="800" spc="-5">
-                <a:solidFill>
-                  <a:srgbClr val="6D6D6D"/>
-                </a:solidFill>
-                <a:latin typeface="Adobe Clean"/>
-                <a:cs typeface="Adobe Clean"/>
-              </a:rPr>
-              <a:t>Confidential.</a:t>
-            </a:r>
-            <a:endParaRPr sz="800">
-              <a:latin typeface="Adobe Clean"/>
-              <a:cs typeface="Adobe Clean"/>
-            </a:endParaRPr>
           </a:p>
         </p:txBody>
       </p:sp>
@@ -10523,8 +9336,8 @@
         </p:nvSpPr>
         <p:spPr>
           <a:xfrm>
-            <a:off x="197233" y="5031270"/>
-            <a:ext cx="6476646" cy="755976"/>
+            <a:off x="197232" y="5031270"/>
+            <a:ext cx="6588377" cy="755976"/>
           </a:xfrm>
           <a:prstGeom prst="rect">
             <a:avLst/>
@@ -10542,19 +9355,15 @@
               </a:spcBef>
             </a:pPr>
             <a:r>
-              <a:rPr lang="en-US" sz="1400" b="1" spc="-15">
+              <a:rPr lang="it-IT" sz="1400" b="1" dirty="0">
                 <a:solidFill>
                   <a:srgbClr val="020302"/>
                 </a:solidFill>
                 <a:latin typeface="Adobe Clean"/>
                 <a:cs typeface="Adobe Clean"/>
               </a:rPr>
-              <a:t>Regional scope of Adobe Support, Local Hours Of Operation And Language Support</a:t>
+              <a:t>Supporto Adobe: aree geografiche, orari operativi e lingue</a:t>
             </a:r>
-            <a:endParaRPr lang="en-US" sz="1400" spc="-15">
-              <a:ea typeface="+mn-lt"/>
-              <a:cs typeface="+mn-lt"/>
-            </a:endParaRPr>
           </a:p>
           <a:p>
             <a:pPr>
@@ -10563,15 +9372,14 @@
               </a:spcBef>
             </a:pPr>
             <a:r>
-              <a:rPr lang="en-US" sz="1000" spc="-15">
+              <a:rPr lang="it-IT" sz="1000" dirty="0">
                 <a:solidFill>
                   <a:srgbClr val="1F1F1F"/>
                 </a:solidFill>
                 <a:latin typeface="AdobeClean-Light"/>
               </a:rPr>
-              <a:t>The Regional scope of Adobe Support is established by aligning the customer's billing address (via the Sales Order or other Adobe Support purchasing document) to one of the following regions:</a:t>
+              <a:t>L’ambito del supporto Adobe è definito allineando l’indirizzo di fatturazione del cliente (in base all’ordine di vendita o altro documento di acquisto del servizio di supporto Adobe) a una delle seguenti aree geografiche:</a:t>
             </a:r>
-            <a:endParaRPr lang="en-US"/>
           </a:p>
         </p:txBody>
       </p:sp>
@@ -10590,7 +9398,7 @@
           <p:nvPr>
             <p:extLst>
               <p:ext uri="{D42A27DB-BD31-4B8C-83A1-F6EECF244321}">
-                <p14:modId xmlns:p14="http://schemas.microsoft.com/office/powerpoint/2010/main" val="914484175"/>
+                <p14:modId xmlns:p14="http://schemas.microsoft.com/office/powerpoint/2010/main" val="2649027313"/>
               </p:ext>
             </p:extLst>
           </p:nvPr>
@@ -10643,13 +9451,13 @@
                     <a:p>
                       <a:pPr algn="ctr"/>
                       <a:r>
-                        <a:rPr lang="en-US" sz="1100">
+                        <a:rPr lang="it-IT" sz="1100">
                           <a:solidFill>
                             <a:schemeClr val="tx1"/>
                           </a:solidFill>
                           <a:latin typeface="Adobe Clean"/>
                         </a:rPr>
-                        <a:t>Americas</a:t>
+                        <a:t>Americhe</a:t>
                       </a:r>
                     </a:p>
                   </a:txBody>
@@ -10708,13 +9516,30 @@
                     <a:p>
                       <a:pPr algn="ctr"/>
                       <a:r>
-                        <a:rPr lang="en-US" sz="1100">
+                        <a:rPr lang="it-IT" sz="1100" dirty="0">
                           <a:solidFill>
                             <a:schemeClr val="tx1"/>
                           </a:solidFill>
                           <a:latin typeface="Adobe Clean"/>
                         </a:rPr>
-                        <a:t>Europe, Middle East &amp; Africa</a:t>
+                        <a:t>Europa, Medio Oriente </a:t>
+                      </a:r>
+                      <a:br>
+                        <a:rPr lang="it-IT" sz="1100" dirty="0">
+                          <a:solidFill>
+                            <a:schemeClr val="tx1"/>
+                          </a:solidFill>
+                          <a:latin typeface="Adobe Clean"/>
+                        </a:rPr>
+                      </a:br>
+                      <a:r>
+                        <a:rPr lang="it-IT" sz="1100" dirty="0">
+                          <a:solidFill>
+                            <a:schemeClr val="tx1"/>
+                          </a:solidFill>
+                          <a:latin typeface="Adobe Clean"/>
+                        </a:rPr>
+                        <a:t>e Africa</a:t>
                       </a:r>
                     </a:p>
                   </a:txBody>
@@ -10773,13 +9598,13 @@
                     <a:p>
                       <a:pPr algn="ctr"/>
                       <a:r>
-                        <a:rPr lang="en-US" sz="1100">
+                        <a:rPr lang="it-IT" sz="1100">
                           <a:solidFill>
                             <a:schemeClr val="tx1"/>
                           </a:solidFill>
                           <a:latin typeface="Adobe Clean"/>
                         </a:rPr>
-                        <a:t>Asia Pacific</a:t>
+                        <a:t>Asia-Pacifico</a:t>
                       </a:r>
                     </a:p>
                   </a:txBody>
@@ -10838,16 +9663,16 @@
                     <a:p>
                       <a:pPr algn="ctr"/>
                       <a:r>
-                        <a:rPr lang="en-US" sz="1100">
+                        <a:rPr lang="it-IT" sz="1100">
                           <a:solidFill>
                             <a:schemeClr val="tx1"/>
                           </a:solidFill>
                           <a:latin typeface="Adobe Clean"/>
                         </a:rPr>
-                        <a:t>Japan </a:t>
+                        <a:t>Giappone</a:t>
                       </a:r>
                       <a:r>
-                        <a:rPr lang="en-US" sz="1100" baseline="30000">
+                        <a:rPr lang="it-IT" sz="1100" baseline="30000">
                           <a:solidFill>
                             <a:schemeClr val="tx1"/>
                           </a:solidFill>
@@ -10855,12 +9680,6 @@
                         </a:rPr>
                         <a:t>1 </a:t>
                       </a:r>
-                      <a:endParaRPr lang="en-US" sz="1100">
-                        <a:solidFill>
-                          <a:schemeClr val="tx1"/>
-                        </a:solidFill>
-                        <a:latin typeface="Adobe Clean" panose="020B0503020404020204" pitchFamily="34" charset="0"/>
-                      </a:endParaRPr>
                     </a:p>
                   </a:txBody>
                   <a:tcPr anchor="ctr">
@@ -10925,13 +9744,13 @@
                     <a:p>
                       <a:pPr algn="ctr"/>
                       <a:r>
-                        <a:rPr lang="en-US" sz="1100">
+                        <a:rPr lang="it-IT" sz="1100">
                           <a:solidFill>
                             <a:schemeClr val="tx1"/>
                           </a:solidFill>
                           <a:latin typeface="Adobe Clean"/>
                         </a:rPr>
-                        <a:t>6 am – 5:30 pm</a:t>
+                        <a:t>06:00 – 17:30</a:t>
                       </a:r>
                     </a:p>
                   </a:txBody>
@@ -10990,13 +9809,13 @@
                     <a:p>
                       <a:pPr algn="ctr"/>
                       <a:r>
-                        <a:rPr lang="en-US" sz="1100">
+                        <a:rPr lang="it-IT" sz="1100">
                           <a:solidFill>
                             <a:schemeClr val="tx1"/>
                           </a:solidFill>
                           <a:latin typeface="Adobe Clean"/>
                         </a:rPr>
-                        <a:t>9 am – 5 pm</a:t>
+                        <a:t>09:00 – 17:00</a:t>
                       </a:r>
                     </a:p>
                   </a:txBody>
@@ -11055,13 +9874,13 @@
                     <a:p>
                       <a:pPr algn="ctr"/>
                       <a:r>
-                        <a:rPr lang="en-US" sz="1100">
+                        <a:rPr lang="it-IT" sz="1100">
                           <a:solidFill>
                             <a:schemeClr val="tx1"/>
                           </a:solidFill>
                           <a:latin typeface="Adobe Clean"/>
                         </a:rPr>
-                        <a:t>9 am – 5 pm</a:t>
+                        <a:t>09:00 – 17:00</a:t>
                       </a:r>
                     </a:p>
                   </a:txBody>
@@ -11120,13 +9939,13 @@
                     <a:p>
                       <a:pPr algn="ctr"/>
                       <a:r>
-                        <a:rPr lang="en-US" sz="1100">
+                        <a:rPr lang="it-IT" sz="1100">
                           <a:solidFill>
                             <a:schemeClr val="tx1"/>
                           </a:solidFill>
                           <a:latin typeface="Adobe Clean"/>
                         </a:rPr>
-                        <a:t>9 am – 5:30 pm</a:t>
+                        <a:t>09:00 – 17:30</a:t>
                       </a:r>
                     </a:p>
                   </a:txBody>
@@ -11206,11 +10025,10 @@
                         <a:buNone/>
                       </a:pPr>
                       <a:r>
-                        <a:rPr lang="en-US" sz="1100" b="1" i="0" u="none" strike="noStrike" kern="0" cap="none" spc="0" normalizeH="0" baseline="30000" noProof="0" dirty="0">
+                        <a:rPr lang="it-IT" sz="1100" b="1" i="0" u="none" strike="noStrike" cap="none" normalizeH="0" baseline="30000" noProof="0" dirty="0">
                           <a:ln>
                             <a:noFill/>
                           </a:ln>
-                          <a:effectLst/>
                           <a:uLnTx/>
                           <a:uFillTx/>
                           <a:latin typeface="Adobe Clean"/>
@@ -11220,17 +10038,16 @@
                         <a:t> </a:t>
                       </a:r>
                       <a:r>
-                        <a:rPr lang="en-US" sz="1100" dirty="0">
+                        <a:rPr lang="it-IT" sz="1100" dirty="0">
                           <a:solidFill>
                             <a:schemeClr val="tx1"/>
                           </a:solidFill>
                           <a:latin typeface="Adobe Clean"/>
+                          <a:ea typeface="+mn-ea"/>
+                          <a:cs typeface="+mn-cs"/>
                         </a:rPr>
-                        <a:t>Language support is only available in English and Japanese.</a:t>
+                        <a:t>Il supporto è disponibile solo in inglese e giapponese.</a:t>
                       </a:r>
-                      <a:endParaRPr lang="en-US" dirty="0">
-                        <a:latin typeface="Adobe Clean"/>
-                      </a:endParaRPr>
                     </a:p>
                     <a:p>
                       <a:pPr marL="0" marR="0" lvl="0" indent="0" algn="ctr">
@@ -11249,17 +10066,17 @@
                         <a:buNone/>
                       </a:pPr>
                       <a:r>
-                        <a:rPr lang="en-US" sz="1100" i="1" dirty="0">
+                        <a:rPr lang="it-IT" sz="1100" i="1" dirty="0">
                           <a:solidFill>
                             <a:schemeClr val="tx1"/>
                           </a:solidFill>
                           <a:latin typeface="Adobe Clean"/>
                         </a:rPr>
-                        <a:t>*Adobe Commerce excludes Japanese languages support. </a:t>
+                        <a:t>* Adobe Commerce non prevede il supporto in lingua giapponese.</a:t>
                       </a:r>
                     </a:p>
                     <a:p>
-                      <a:pPr algn="ctr"/>
+                      <a:pPr algn="l" rtl="0"/>
                       <a:endParaRPr kumimoji="0" lang="en-US" sz="1100" b="1" i="0" u="none" strike="noStrike" kern="0" cap="none" spc="0" normalizeH="0" baseline="30000" noProof="0" dirty="0">
                         <a:ln>
                           <a:noFill/>
@@ -11278,7 +10095,7 @@
                     <a:p>
                       <a:pPr algn="ctr"/>
                       <a:r>
-                        <a:rPr lang="en-US" sz="1100" i="0" dirty="0">
+                        <a:rPr lang="it-IT" sz="1100" i="0" dirty="0">
                           <a:solidFill>
                             <a:schemeClr val="tx1"/>
                           </a:solidFill>
@@ -11287,7 +10104,7 @@
                         <a:t> </a:t>
                       </a:r>
                       <a:r>
-                        <a:rPr lang="en-US" sz="1100" i="0" baseline="30000" dirty="0">
+                        <a:rPr lang="it-IT" sz="1100" i="0" baseline="30000" dirty="0">
                           <a:solidFill>
                             <a:schemeClr val="tx1"/>
                           </a:solidFill>
@@ -11296,20 +10113,14 @@
                         <a:t>1 </a:t>
                       </a:r>
                       <a:r>
-                        <a:rPr lang="en-US" sz="1100" i="0" dirty="0">
+                        <a:rPr lang="it-IT" sz="1100" i="0" dirty="0">
                           <a:solidFill>
                             <a:schemeClr val="tx1"/>
                           </a:solidFill>
                           <a:latin typeface="Adobe Clean"/>
                         </a:rPr>
-                        <a:t>P2, P3, P4 cases are limited to business hours only in Japan.</a:t>
+                        <a:t>In Giappone, i casi P2, P3 e P4 sono limitati al solo orario operativo.</a:t>
                       </a:r>
-                      <a:endParaRPr lang="en-US" sz="1100" b="1" i="0" dirty="0">
-                        <a:solidFill>
-                          <a:schemeClr val="tx1"/>
-                        </a:solidFill>
-                        <a:latin typeface="Adobe Clean"/>
-                      </a:endParaRPr>
                     </a:p>
                   </a:txBody>
                   <a:tcPr anchor="ctr">
@@ -11664,7 +10475,7 @@
           </a:bodyPr>
           <a:lstStyle/>
           <a:p>
-            <a:pPr marL="139065" marR="5080" indent="-139065">
+            <a:pPr marR="5080" algn="ctr">
               <a:lnSpc>
                 <a:spcPts val="1390"/>
               </a:lnSpc>
@@ -11673,129 +10484,15 @@
               </a:spcBef>
             </a:pPr>
             <a:r>
-              <a:rPr sz="1200" b="1" spc="-15">
+              <a:rPr lang="it-IT" sz="1200" b="1" dirty="0">
                 <a:solidFill>
                   <a:srgbClr val="FFFFFF"/>
                 </a:solidFill>
                 <a:latin typeface="Adobe Clean"/>
                 <a:cs typeface="Adobe Clean"/>
               </a:rPr>
-              <a:t>U</a:t>
+              <a:t>Eccellenza tecnica</a:t>
             </a:r>
-            <a:r>
-              <a:rPr sz="1200" b="1" spc="-20">
-                <a:solidFill>
-                  <a:srgbClr val="FFFFFF"/>
-                </a:solidFill>
-                <a:latin typeface="Adobe Clean"/>
-                <a:cs typeface="Adobe Clean"/>
-              </a:rPr>
-              <a:t>n</a:t>
-            </a:r>
-            <a:r>
-              <a:rPr sz="1200" b="1" spc="-25">
-                <a:solidFill>
-                  <a:srgbClr val="FFFFFF"/>
-                </a:solidFill>
-                <a:latin typeface="Adobe Clean"/>
-                <a:cs typeface="Adobe Clean"/>
-              </a:rPr>
-              <a:t>p</a:t>
-            </a:r>
-            <a:r>
-              <a:rPr sz="1200" b="1" spc="-15">
-                <a:solidFill>
-                  <a:srgbClr val="FFFFFF"/>
-                </a:solidFill>
-                <a:latin typeface="Adobe Clean"/>
-                <a:cs typeface="Adobe Clean"/>
-              </a:rPr>
-              <a:t>a</a:t>
-            </a:r>
-            <a:r>
-              <a:rPr sz="1200" b="1" spc="-25">
-                <a:solidFill>
-                  <a:srgbClr val="FFFFFF"/>
-                </a:solidFill>
-                <a:latin typeface="Adobe Clean"/>
-                <a:cs typeface="Adobe Clean"/>
-              </a:rPr>
-              <a:t>r</a:t>
-            </a:r>
-            <a:r>
-              <a:rPr sz="1200" b="1" spc="-15">
-                <a:solidFill>
-                  <a:srgbClr val="FFFFFF"/>
-                </a:solidFill>
-                <a:latin typeface="Adobe Clean"/>
-                <a:cs typeface="Adobe Clean"/>
-              </a:rPr>
-              <a:t>a</a:t>
-            </a:r>
-            <a:r>
-              <a:rPr sz="1200" b="1" spc="-30">
-                <a:solidFill>
-                  <a:srgbClr val="FFFFFF"/>
-                </a:solidFill>
-                <a:latin typeface="Adobe Clean"/>
-                <a:cs typeface="Adobe Clean"/>
-              </a:rPr>
-              <a:t>ll</a:t>
-            </a:r>
-            <a:r>
-              <a:rPr sz="1200" b="1" spc="-25">
-                <a:solidFill>
-                  <a:srgbClr val="FFFFFF"/>
-                </a:solidFill>
-                <a:latin typeface="Adobe Clean"/>
-                <a:cs typeface="Adobe Clean"/>
-              </a:rPr>
-              <a:t>e</a:t>
-            </a:r>
-            <a:r>
-              <a:rPr sz="1200" b="1" spc="-30">
-                <a:solidFill>
-                  <a:srgbClr val="FFFFFF"/>
-                </a:solidFill>
-                <a:latin typeface="Adobe Clean"/>
-                <a:cs typeface="Adobe Clean"/>
-              </a:rPr>
-              <a:t>l</a:t>
-            </a:r>
-            <a:r>
-              <a:rPr sz="1200" b="1" spc="-25">
-                <a:solidFill>
-                  <a:srgbClr val="FFFFFF"/>
-                </a:solidFill>
-                <a:latin typeface="Adobe Clean"/>
-                <a:cs typeface="Adobe Clean"/>
-              </a:rPr>
-              <a:t>e</a:t>
-            </a:r>
-            <a:r>
-              <a:rPr sz="1200" b="1">
-                <a:solidFill>
-                  <a:srgbClr val="FFFFFF"/>
-                </a:solidFill>
-                <a:latin typeface="Adobe Clean"/>
-                <a:cs typeface="Adobe Clean"/>
-              </a:rPr>
-              <a:t>d  </a:t>
-            </a:r>
-            <a:r>
-              <a:rPr sz="1200" b="1" spc="-25">
-                <a:solidFill>
-                  <a:srgbClr val="FFFFFF"/>
-                </a:solidFill>
-                <a:latin typeface="Adobe Clean"/>
-                <a:cs typeface="Adobe Clean"/>
-              </a:rPr>
-              <a:t>Expertise</a:t>
-            </a:r>
-            <a:endParaRPr sz="1200">
-              <a:latin typeface="Adobe Clean"/>
-              <a:cs typeface="Adobe Clean"/>
-            </a:endParaRPr>
           </a:p>
         </p:txBody>
       </p:sp>
@@ -11826,7 +10523,7 @@
           </a:bodyPr>
           <a:lstStyle/>
           <a:p>
-            <a:pPr marL="139065" marR="5080" indent="-139065">
+            <a:pPr marR="5080" algn="ctr">
               <a:lnSpc>
                 <a:spcPts val="1390"/>
               </a:lnSpc>
@@ -11835,19 +10532,15 @@
               </a:spcBef>
             </a:pPr>
             <a:r>
-              <a:rPr lang="en-US" sz="1200" b="1" spc="-15">
+              <a:rPr lang="it-IT" sz="1200" b="1" dirty="0">
                 <a:solidFill>
                   <a:srgbClr val="FFFFFF"/>
                 </a:solidFill>
                 <a:latin typeface="Adobe Clean"/>
                 <a:cs typeface="Adobe Clean"/>
               </a:rPr>
-              <a:t>Accelerated Support</a:t>
+              <a:t>Supporto rapido</a:t>
             </a:r>
-            <a:endParaRPr sz="1200">
-              <a:latin typeface="Adobe Clean"/>
-              <a:cs typeface="Adobe Clean"/>
-            </a:endParaRPr>
           </a:p>
         </p:txBody>
       </p:sp>
@@ -11865,8 +10558,8 @@
         </p:nvSpPr>
         <p:spPr>
           <a:xfrm>
-            <a:off x="6624119" y="8543943"/>
-            <a:ext cx="510540" cy="385445"/>
+            <a:off x="6343650" y="8543943"/>
+            <a:ext cx="1071478" cy="385445"/>
           </a:xfrm>
           <a:prstGeom prst="rect">
             <a:avLst/>
@@ -11878,7 +10571,7 @@
           </a:bodyPr>
           <a:lstStyle/>
           <a:p>
-            <a:pPr marL="50800" marR="5080" indent="-51435">
+            <a:pPr marL="3175" marR="5080" indent="-3175" algn="ctr">
               <a:lnSpc>
                 <a:spcPts val="1390"/>
               </a:lnSpc>
@@ -11887,109 +10580,15 @@
               </a:spcBef>
             </a:pPr>
             <a:r>
-              <a:rPr sz="1200" b="1" spc="-50">
+              <a:rPr lang="it-IT" sz="1200" b="1" dirty="0">
                 <a:solidFill>
                   <a:srgbClr val="FFFFFF"/>
                 </a:solidFill>
                 <a:latin typeface="Adobe Clean"/>
                 <a:cs typeface="Adobe Clean"/>
               </a:rPr>
-              <a:t>S</a:t>
+              <a:t>Consulenza strategica</a:t>
             </a:r>
-            <a:r>
-              <a:rPr sz="1200" b="1" spc="-20">
-                <a:solidFill>
-                  <a:srgbClr val="FFFFFF"/>
-                </a:solidFill>
-                <a:latin typeface="Adobe Clean"/>
-                <a:cs typeface="Adobe Clean"/>
-              </a:rPr>
-              <a:t>t</a:t>
-            </a:r>
-            <a:r>
-              <a:rPr sz="1200" b="1" spc="-75">
-                <a:solidFill>
-                  <a:srgbClr val="FFFFFF"/>
-                </a:solidFill>
-                <a:latin typeface="Adobe Clean"/>
-                <a:cs typeface="Adobe Clean"/>
-              </a:rPr>
-              <a:t>r</a:t>
-            </a:r>
-            <a:r>
-              <a:rPr sz="1200" b="1" spc="-90">
-                <a:solidFill>
-                  <a:srgbClr val="FFFFFF"/>
-                </a:solidFill>
-                <a:latin typeface="Adobe Clean"/>
-                <a:cs typeface="Adobe Clean"/>
-              </a:rPr>
-              <a:t>a</a:t>
-            </a:r>
-            <a:r>
-              <a:rPr sz="1200" b="1" spc="-55">
-                <a:solidFill>
-                  <a:srgbClr val="FFFFFF"/>
-                </a:solidFill>
-                <a:latin typeface="Adobe Clean"/>
-                <a:cs typeface="Adobe Clean"/>
-              </a:rPr>
-              <a:t>t</a:t>
-            </a:r>
-            <a:r>
-              <a:rPr sz="1200" b="1" spc="-100">
-                <a:solidFill>
-                  <a:srgbClr val="FFFFFF"/>
-                </a:solidFill>
-                <a:latin typeface="Adobe Clean"/>
-                <a:cs typeface="Adobe Clean"/>
-              </a:rPr>
-              <a:t>e</a:t>
-            </a:r>
-            <a:r>
-              <a:rPr sz="1200" b="1" spc="-80">
-                <a:solidFill>
-                  <a:srgbClr val="FFFFFF"/>
-                </a:solidFill>
-                <a:latin typeface="Adobe Clean"/>
-                <a:cs typeface="Adobe Clean"/>
-              </a:rPr>
-              <a:t>g</a:t>
-            </a:r>
-            <a:r>
-              <a:rPr sz="1200" b="1" spc="-35">
-                <a:solidFill>
-                  <a:srgbClr val="FFFFFF"/>
-                </a:solidFill>
-                <a:latin typeface="Adobe Clean"/>
-                <a:cs typeface="Adobe Clean"/>
-              </a:rPr>
-              <a:t>i</a:t>
-            </a:r>
-            <a:r>
-              <a:rPr sz="1200" b="1">
-                <a:solidFill>
-                  <a:srgbClr val="FFFFFF"/>
-                </a:solidFill>
-                <a:latin typeface="Adobe Clean"/>
-                <a:cs typeface="Adobe Clean"/>
-              </a:rPr>
-              <a:t>c  </a:t>
-            </a:r>
-            <a:r>
-              <a:rPr sz="1200" b="1" spc="-45">
-                <a:solidFill>
-                  <a:srgbClr val="FFFFFF"/>
-                </a:solidFill>
-                <a:latin typeface="Adobe Clean"/>
-                <a:cs typeface="Adobe Clean"/>
-              </a:rPr>
-              <a:t>Advice</a:t>
-            </a:r>
-            <a:endParaRPr sz="1200">
-              <a:latin typeface="Adobe Clean"/>
-              <a:cs typeface="Adobe Clean"/>
-            </a:endParaRPr>
           </a:p>
         </p:txBody>
       </p:sp>
@@ -12008,14 +10607,14 @@
           <p:nvPr>
             <p:extLst>
               <p:ext uri="{D42A27DB-BD31-4B8C-83A1-F6EECF244321}">
-                <p14:modId xmlns:p14="http://schemas.microsoft.com/office/powerpoint/2010/main" val="3773282750"/>
+                <p14:modId xmlns:p14="http://schemas.microsoft.com/office/powerpoint/2010/main" val="2987526193"/>
               </p:ext>
             </p:extLst>
           </p:nvPr>
         </p:nvGraphicFramePr>
         <p:xfrm>
           <a:off x="194236" y="1059345"/>
-          <a:ext cx="7368291" cy="3302000"/>
+          <a:ext cx="7368291" cy="3606800"/>
         </p:xfrm>
         <a:graphic>
           <a:graphicData uri="http://schemas.openxmlformats.org/drawingml/2006/table">
@@ -12046,7 +10645,7 @@
                     <a:lstStyle/>
                     <a:p>
                       <a:r>
-                        <a:rPr lang="en-US" sz="1100" b="0">
+                        <a:rPr lang="it-IT" sz="1100" b="0">
                           <a:solidFill>
                             <a:schemeClr val="tx1"/>
                           </a:solidFill>
@@ -12057,14 +10656,6 @@
                         </a:rPr>
                         <a:t>Experience League</a:t>
                       </a:r>
-                      <a:endParaRPr lang="en-US" sz="1100" b="0">
-                        <a:solidFill>
-                          <a:schemeClr val="tx1"/>
-                        </a:solidFill>
-                        <a:latin typeface="Adobe Clean"/>
-                        <a:ea typeface="+mn-ea"/>
-                        <a:cs typeface="+mn-cs"/>
-                      </a:endParaRPr>
                     </a:p>
                   </a:txBody>
                   <a:tcPr marL="47625" marR="47625" marT="0" marB="0" anchor="ctr">
@@ -12136,7 +10727,7 @@
                         <a:buNone/>
                       </a:pPr>
                       <a:r>
-                        <a:rPr lang="en-US" sz="1000" b="0" kern="1200">
+                        <a:rPr lang="it-IT" sz="1000" b="0" dirty="0">
                           <a:solidFill>
                             <a:srgbClr val="000000"/>
                           </a:solidFill>
@@ -12144,16 +10735,29 @@
                           <a:ea typeface="+mn-ea"/>
                           <a:cs typeface="+mn-cs"/>
                         </a:rPr>
-                        <a:t>Experience League is how Adobe helps businesses achieve the value they expect from their Adobe investment. It’s the unified place where customers can learn, connect, and grow along a personalized path to success that includes self-help tutorials, product documentation, instructor-led training, community and technical support. </a:t>
+                        <a:t>Con Experience League, Adobe aiuta le aziende a conseguire il valore che si aspettano dalle soluzioni Adobe in cui hanno investito. In questo portale unificato, puoi imparare, relazionarti con altri professionisti </a:t>
                       </a:r>
-                      <a:endParaRPr lang="en-US" sz="1000" b="0" kern="1200">
-                        <a:solidFill>
-                          <a:srgbClr val="000000"/>
-                        </a:solidFill>
-                        <a:latin typeface="Adobe Clean Light" panose="020B0303020404020204" pitchFamily="34" charset="0"/>
-                        <a:ea typeface="+mn-ea"/>
-                        <a:cs typeface="+mn-cs"/>
-                      </a:endParaRPr>
+                      <a:br>
+                        <a:rPr lang="it-IT" sz="1000" b="0" dirty="0">
+                          <a:solidFill>
+                            <a:srgbClr val="000000"/>
+                          </a:solidFill>
+                          <a:latin typeface="Adobe Clean Light"/>
+                          <a:ea typeface="+mn-ea"/>
+                          <a:cs typeface="+mn-cs"/>
+                        </a:rPr>
+                      </a:br>
+                      <a:r>
+                        <a:rPr lang="it-IT" sz="1000" b="0" dirty="0">
+                          <a:solidFill>
+                            <a:srgbClr val="000000"/>
+                          </a:solidFill>
+                          <a:latin typeface="Adobe Clean Light"/>
+                          <a:ea typeface="+mn-ea"/>
+                          <a:cs typeface="+mn-cs"/>
+                        </a:rPr>
+                        <a:t>e crescere seguendo un percorso personalizzato con tutorial, documentazione dei prodotti, formazione con istruttori, supporto tecnico e il sostegno dell’intera community. </a:t>
+                      </a:r>
                     </a:p>
                   </a:txBody>
                   <a:tcPr anchor="ctr">
@@ -12234,39 +10838,28 @@
                         <a:defRPr/>
                       </a:pPr>
                       <a:r>
-                        <a:rPr lang="en-US" sz="1100">
+                        <a:rPr lang="it-IT" sz="1100">
                           <a:solidFill>
                             <a:schemeClr val="dk1"/>
                           </a:solidFill>
-                          <a:effectLst/>
                           <a:latin typeface="Adobe Clean"/>
                           <a:ea typeface="+mn-ea"/>
                           <a:cs typeface="+mn-cs"/>
                           <a:hlinkClick r:id="rId8"/>
                         </a:rPr>
-                        <a:t>Training</a:t>
+                        <a:t>Formazione</a:t>
                       </a:r>
                       <a:r>
-                        <a:rPr lang="en-US" sz="1100">
+                        <a:rPr lang="it-IT" sz="1100">
                           <a:solidFill>
                             <a:schemeClr val="dk1"/>
                           </a:solidFill>
-                          <a:effectLst/>
                           <a:latin typeface="Adobe Clean"/>
                           <a:ea typeface="+mn-ea"/>
                           <a:cs typeface="+mn-cs"/>
                         </a:rPr>
                         <a:t> </a:t>
                       </a:r>
-                      <a:endParaRPr lang="en-US" sz="1100">
-                        <a:solidFill>
-                          <a:schemeClr val="tx1"/>
-                        </a:solidFill>
-                        <a:effectLst/>
-                        <a:latin typeface="Adobe Clean"/>
-                        <a:ea typeface="+mn-ea"/>
-                        <a:cs typeface="+mn-cs"/>
-                      </a:endParaRPr>
                     </a:p>
                   </a:txBody>
                   <a:tcPr anchor="ctr">
@@ -12340,7 +10933,7 @@
                         <a:defRPr/>
                       </a:pPr>
                       <a:r>
-                        <a:rPr lang="en-US" sz="1000" kern="1200">
+                        <a:rPr lang="it-IT" sz="1000" dirty="0">
                           <a:solidFill>
                             <a:srgbClr val="000000"/>
                           </a:solidFill>
@@ -12348,7 +10941,7 @@
                           <a:ea typeface="+mn-ea"/>
                           <a:cs typeface="+mn-cs"/>
                         </a:rPr>
-                        <a:t>Adobe Digital Learning Services courses are accessible from Experience League. Learning courses integrate both on-demand and instructor-led lessons.  Here you can accrue skills that have recognized market value and position them to drive success in your organizations.</a:t>
+                        <a:t>I corsi Adobe Digital Learning Services sono accessibili da Experience League. I corsi di apprendimento comprendono lezioni sia on-demand che guidate da istruttori.  Potrai acquisire nuove competenze particolarmente ricercate nel settore e metterle in pratica nella tua organizzazione, per favorirne il successo.</a:t>
                       </a:r>
                     </a:p>
                   </a:txBody>
@@ -12430,27 +11023,17 @@
                         <a:defRPr/>
                       </a:pPr>
                       <a:r>
-                        <a:rPr lang="en-US" sz="1100">
+                        <a:rPr lang="it-IT" sz="1100">
                           <a:solidFill>
                             <a:schemeClr val="tx1"/>
                           </a:solidFill>
-                          <a:effectLst/>
                           <a:latin typeface="Adobe Clean"/>
                           <a:ea typeface="+mn-ea"/>
                           <a:cs typeface="+mn-cs"/>
                           <a:hlinkClick r:id="rId9"/>
                         </a:rPr>
-                        <a:t>Production Issues &amp; System Outages</a:t>
+                        <a:t>Problemi di produzione e interruzioni del sistema</a:t>
                       </a:r>
-                      <a:endParaRPr lang="en-US" sz="1100">
-                        <a:solidFill>
-                          <a:schemeClr val="tx1"/>
-                        </a:solidFill>
-                        <a:effectLst/>
-                        <a:latin typeface="Adobe Clean"/>
-                        <a:ea typeface="+mn-ea"/>
-                        <a:cs typeface="+mn-cs"/>
-                      </a:endParaRPr>
                     </a:p>
                   </a:txBody>
                   <a:tcPr anchor="ctr">
@@ -12522,7 +11105,7 @@
                         <a:buNone/>
                       </a:pPr>
                       <a:r>
-                        <a:rPr lang="en-US" sz="1000" kern="1200">
+                        <a:rPr lang="it-IT" sz="1000" dirty="0">
                           <a:solidFill>
                             <a:srgbClr val="000000"/>
                           </a:solidFill>
@@ -12530,16 +11113,50 @@
                           <a:ea typeface="+mn-ea"/>
                           <a:cs typeface="+mn-cs"/>
                         </a:rPr>
-                        <a:t>Status.adobe.com conveys the health information of all Adobe products and services that are deployed in multi-tenant environments. Customers can choose their subscription preferences to get email notifications whenever Adobe creates, updates or resolves a product event. This can include scheduled maintenance or service issues of varying levels of severity. </a:t>
+                        <a:t>Status.adobe.com trasmette informazioni sullo stato di tutti i prodotti </a:t>
                       </a:r>
-                      <a:endParaRPr lang="en-US" sz="1000" kern="1200">
-                        <a:solidFill>
-                          <a:srgbClr val="000000"/>
-                        </a:solidFill>
-                        <a:latin typeface="Adobe Clean Light" panose="020B0303020404020204" pitchFamily="34" charset="0"/>
-                        <a:ea typeface="+mn-ea"/>
-                        <a:cs typeface="+mn-cs"/>
-                      </a:endParaRPr>
+                      <a:br>
+                        <a:rPr lang="it-IT" sz="1000" dirty="0">
+                          <a:solidFill>
+                            <a:srgbClr val="000000"/>
+                          </a:solidFill>
+                          <a:latin typeface="Adobe Clean Light"/>
+                          <a:ea typeface="+mn-ea"/>
+                          <a:cs typeface="+mn-cs"/>
+                        </a:rPr>
+                      </a:br>
+                      <a:r>
+                        <a:rPr lang="it-IT" sz="1000" dirty="0">
+                          <a:solidFill>
+                            <a:srgbClr val="000000"/>
+                          </a:solidFill>
+                          <a:latin typeface="Adobe Clean Light"/>
+                          <a:ea typeface="+mn-ea"/>
+                          <a:cs typeface="+mn-cs"/>
+                        </a:rPr>
+                        <a:t>e i servizi Adobe implementati in ambienti multi-tenant. Puoi scegliere se ricevere notifiche e-mail ogni volta che Adobe segnala, aggiorna </a:t>
+                      </a:r>
+                      <a:br>
+                        <a:rPr lang="it-IT" sz="1000" dirty="0">
+                          <a:solidFill>
+                            <a:srgbClr val="000000"/>
+                          </a:solidFill>
+                          <a:latin typeface="Adobe Clean Light"/>
+                          <a:ea typeface="+mn-ea"/>
+                          <a:cs typeface="+mn-cs"/>
+                        </a:rPr>
+                      </a:br>
+                      <a:r>
+                        <a:rPr lang="it-IT" sz="1000" dirty="0">
+                          <a:solidFill>
+                            <a:srgbClr val="000000"/>
+                          </a:solidFill>
+                          <a:latin typeface="Adobe Clean Light"/>
+                          <a:ea typeface="+mn-ea"/>
+                          <a:cs typeface="+mn-cs"/>
+                        </a:rPr>
+                        <a:t>o risolve un problema relativo a un prodotto. Vengono segnalate ad esempio le interruzioni per manutenzione programmata o problemi relativi ai servizi con diversi livelli di gravità. </a:t>
+                      </a:r>
                     </a:p>
                   </a:txBody>
                   <a:tcPr anchor="ctr">
@@ -12620,27 +11237,17 @@
                         <a:defRPr/>
                       </a:pPr>
                       <a:r>
-                        <a:rPr lang="en-US" sz="1100" b="0" i="0">
+                        <a:rPr lang="it-IT" sz="1100" b="0" i="0">
                           <a:solidFill>
                             <a:schemeClr val="dk1"/>
                           </a:solidFill>
-                          <a:effectLst/>
                           <a:latin typeface="Adobe Clean"/>
                           <a:ea typeface="+mn-ea"/>
                           <a:cs typeface="+mn-cs"/>
-                          <a:hlinkClick r:id="rId10" tooltip="https://helpx.adobe.com/support/programs/enterprise-support-programs/premier-support-business.html"/>
+                          <a:hlinkClick r:id="rId10" tooltip="https://helpx.adobe.com/it/support/programs/enterprise-support-programs/premier-support-business.html"/>
                         </a:rPr>
-                        <a:t>Business Support Website</a:t>
+                        <a:t>Sito del supporto Business</a:t>
                       </a:r>
-                      <a:endParaRPr lang="en-US" sz="1100" b="0" i="0">
-                        <a:solidFill>
-                          <a:schemeClr val="dk1"/>
-                        </a:solidFill>
-                        <a:effectLst/>
-                        <a:latin typeface="Adobe Clean"/>
-                        <a:ea typeface="+mn-ea"/>
-                        <a:cs typeface="+mn-cs"/>
-                      </a:endParaRPr>
                     </a:p>
                   </a:txBody>
                   <a:tcPr anchor="ctr">
@@ -12697,7 +11304,7 @@
                     <a:lstStyle/>
                     <a:p>
                       <a:r>
-                        <a:rPr lang="en-US" sz="1000" kern="1200">
+                        <a:rPr lang="it-IT" sz="1000">
                           <a:solidFill>
                             <a:srgbClr val="000000"/>
                           </a:solidFill>
@@ -12705,16 +11312,8 @@
                           <a:ea typeface="+mn-ea"/>
                           <a:cs typeface="+mn-cs"/>
                         </a:rPr>
-                        <a:t>Adobe Business Support website.</a:t>
+                        <a:t>Sito del supporto Business di Adobe.</a:t>
                       </a:r>
-                      <a:endParaRPr lang="en-US" sz="1000" kern="1200">
-                        <a:solidFill>
-                          <a:srgbClr val="000000"/>
-                        </a:solidFill>
-                        <a:latin typeface="Adobe Clean Light" panose="020B0303020404020204" pitchFamily="34" charset="0"/>
-                        <a:ea typeface="+mn-ea"/>
-                        <a:cs typeface="+mn-cs"/>
-                      </a:endParaRPr>
                     </a:p>
                   </a:txBody>
                   <a:tcPr anchor="ctr">
@@ -12795,27 +11394,17 @@
                         <a:defRPr/>
                       </a:pPr>
                       <a:r>
-                        <a:rPr lang="en-US" sz="1100">
+                        <a:rPr lang="it-IT" sz="1100">
                           <a:solidFill>
                             <a:schemeClr val="tx1"/>
                           </a:solidFill>
-                          <a:effectLst/>
                           <a:latin typeface="Adobe Clean"/>
                           <a:ea typeface="+mn-ea"/>
                           <a:cs typeface="+mn-cs"/>
                           <a:hlinkClick r:id="rId11"/>
                         </a:rPr>
-                        <a:t>Terms and Conditions</a:t>
+                        <a:t>Termini e condizioni</a:t>
                       </a:r>
-                      <a:endParaRPr lang="en-US" sz="1100">
-                        <a:solidFill>
-                          <a:schemeClr val="tx1"/>
-                        </a:solidFill>
-                        <a:effectLst/>
-                        <a:latin typeface="Adobe Clean"/>
-                        <a:ea typeface="+mn-ea"/>
-                        <a:cs typeface="+mn-cs"/>
-                      </a:endParaRPr>
                     </a:p>
                   </a:txBody>
                   <a:tcPr anchor="ctr">
@@ -12872,7 +11461,7 @@
                     <a:lstStyle/>
                     <a:p>
                       <a:r>
-                        <a:rPr lang="en-US" sz="1000" kern="1200">
+                        <a:rPr lang="it-IT" sz="1000" dirty="0">
                           <a:solidFill>
                             <a:srgbClr val="000000"/>
                           </a:solidFill>
@@ -12880,16 +11469,8 @@
                           <a:ea typeface="+mn-ea"/>
                           <a:cs typeface="+mn-cs"/>
                         </a:rPr>
-                        <a:t>Terms and conditions detailing Support Services offerings.</a:t>
+                        <a:t>Termini e condizioni che descrivono i servizi di supporto disponibili.</a:t>
                       </a:r>
-                      <a:endParaRPr lang="en-US" sz="1000" kern="1200">
-                        <a:solidFill>
-                          <a:srgbClr val="000000"/>
-                        </a:solidFill>
-                        <a:latin typeface="Adobe Clean Light" panose="020B0303020404020204" pitchFamily="34" charset="0"/>
-                        <a:ea typeface="+mn-ea"/>
-                        <a:cs typeface="+mn-cs"/>
-                      </a:endParaRPr>
                     </a:p>
                   </a:txBody>
                   <a:tcPr anchor="ctr">
@@ -13659,21 +12240,6 @@
 </file>
 
 <file path=customXml/item1.xml><?xml version="1.0" encoding="utf-8"?>
-<p:properties xmlns:p="http://schemas.microsoft.com/office/2006/metadata/properties" xmlns:xsi="http://www.w3.org/2001/XMLSchema-instance" xmlns:pc="http://schemas.microsoft.com/office/infopath/2007/PartnerControls">
-  <documentManagement/>
-</p:properties>
-</file>
-
-<file path=customXml/item2.xml><?xml version="1.0" encoding="utf-8"?>
-<?mso-contentType ?>
-<FormTemplates xmlns="http://schemas.microsoft.com/sharepoint/v3/contenttype/forms">
-  <Display>DocumentLibraryForm</Display>
-  <Edit>DocumentLibraryForm</Edit>
-  <New>DocumentLibraryForm</New>
-</FormTemplates>
-</file>
-
-<file path=customXml/item3.xml><?xml version="1.0" encoding="utf-8"?>
 <ct:contentTypeSchema xmlns:ct="http://schemas.microsoft.com/office/2006/metadata/contentType" xmlns:ma="http://schemas.microsoft.com/office/2006/metadata/properties/metaAttributes" ct:_="" ma:_="" ma:contentTypeName="Document" ma:contentTypeID="0x010100E783BF6876BCC646A459363AF21A7736" ma:contentTypeVersion="10" ma:contentTypeDescription="Create a new document." ma:contentTypeScope="" ma:versionID="c4ffda7f4f415767600769e454c2ea87">
   <xsd:schema xmlns:xsd="http://www.w3.org/2001/XMLSchema" xmlns:xs="http://www.w3.org/2001/XMLSchema" xmlns:p="http://schemas.microsoft.com/office/2006/metadata/properties" xmlns:ns2="8a053bff-88be-49e4-9a87-e748e18b8b62" xmlns:ns3="6c8368ec-3776-49b5-a5bb-90648cf9530f" targetNamespace="http://schemas.microsoft.com/office/2006/metadata/properties" ma:root="true" ma:fieldsID="df3ec33bccc23e23bce7bc897fad43d1" ns2:_="" ns3:_="">
     <xsd:import namespace="8a053bff-88be-49e4-9a87-e748e18b8b62"/>
@@ -13878,32 +12444,22 @@
 </ct:contentTypeSchema>
 </file>
 
-<file path=customXml/itemProps1.xml><?xml version="1.0" encoding="utf-8"?>
-<ds:datastoreItem xmlns:ds="http://schemas.openxmlformats.org/officeDocument/2006/customXml" ds:itemID="{10FC3CAF-E6F1-40E3-87D4-6B781C97D6B4}">
-  <ds:schemaRefs>
-    <ds:schemaRef ds:uri="6c8368ec-3776-49b5-a5bb-90648cf9530f"/>
-    <ds:schemaRef ds:uri="8a053bff-88be-49e4-9a87-e748e18b8b62"/>
-    <ds:schemaRef ds:uri="http://purl.org/dc/dcmitype/"/>
-    <ds:schemaRef ds:uri="http://purl.org/dc/elements/1.1/"/>
-    <ds:schemaRef ds:uri="http://purl.org/dc/terms/"/>
-    <ds:schemaRef ds:uri="http://schemas.microsoft.com/office/2006/documentManagement/types"/>
-    <ds:schemaRef ds:uri="http://schemas.microsoft.com/office/2006/metadata/properties"/>
-    <ds:schemaRef ds:uri="http://schemas.microsoft.com/office/infopath/2007/PartnerControls"/>
-    <ds:schemaRef ds:uri="http://schemas.openxmlformats.org/package/2006/metadata/core-properties"/>
-    <ds:schemaRef ds:uri="http://www.w3.org/XML/1998/namespace"/>
-  </ds:schemaRefs>
-</ds:datastoreItem>
+<file path=customXml/item2.xml><?xml version="1.0" encoding="utf-8"?>
+<?mso-contentType ?>
+<FormTemplates xmlns="http://schemas.microsoft.com/sharepoint/v3/contenttype/forms">
+  <Display>DocumentLibraryForm</Display>
+  <Edit>DocumentLibraryForm</Edit>
+  <New>DocumentLibraryForm</New>
+</FormTemplates>
 </file>
 
-<file path=customXml/itemProps2.xml><?xml version="1.0" encoding="utf-8"?>
-<ds:datastoreItem xmlns:ds="http://schemas.openxmlformats.org/officeDocument/2006/customXml" ds:itemID="{95AE3B0B-E909-400C-B0B3-909FB50E07DE}">
-  <ds:schemaRefs>
-    <ds:schemaRef ds:uri="http://schemas.microsoft.com/sharepoint/v3/contenttype/forms"/>
-  </ds:schemaRefs>
-</ds:datastoreItem>
+<file path=customXml/item3.xml><?xml version="1.0" encoding="utf-8"?>
+<p:properties xmlns:p="http://schemas.microsoft.com/office/2006/metadata/properties" xmlns:xsi="http://www.w3.org/2001/XMLSchema-instance" xmlns:pc="http://schemas.microsoft.com/office/infopath/2007/PartnerControls">
+  <documentManagement/>
+</p:properties>
 </file>
 
-<file path=customXml/itemProps3.xml><?xml version="1.0" encoding="utf-8"?>
+<file path=customXml/itemProps1.xml><?xml version="1.0" encoding="utf-8"?>
 <ds:datastoreItem xmlns:ds="http://schemas.openxmlformats.org/officeDocument/2006/customXml" ds:itemID="{E0DB8BDF-6DA8-4ABC-A3CA-043AFD674CFC}">
   <ds:schemaRefs>
     <ds:schemaRef ds:uri="6c8368ec-3776-49b5-a5bb-90648cf9530f"/>
@@ -13920,4 +12476,29 @@
     <ds:schemaRef ds:uri="http://www.w3.org/2001/XMLSchema"/>
   </ds:schemaRefs>
 </ds:datastoreItem>
+</file>
+
+<file path=customXml/itemProps2.xml><?xml version="1.0" encoding="utf-8"?>
+<ds:datastoreItem xmlns:ds="http://schemas.openxmlformats.org/officeDocument/2006/customXml" ds:itemID="{95AE3B0B-E909-400C-B0B3-909FB50E07DE}">
+  <ds:schemaRefs>
+    <ds:schemaRef ds:uri="http://schemas.microsoft.com/sharepoint/v3/contenttype/forms"/>
+  </ds:schemaRefs>
+</ds:datastoreItem>
+</file>
+
+<file path=customXml/itemProps3.xml><?xml version="1.0" encoding="utf-8"?>
+<ds:datastoreItem xmlns:ds="http://schemas.openxmlformats.org/officeDocument/2006/customXml" ds:itemID="{10FC3CAF-E6F1-40E3-87D4-6B781C97D6B4}">
+  <ds:schemaRefs>
+    <ds:schemaRef ds:uri="6c8368ec-3776-49b5-a5bb-90648cf9530f"/>
+    <ds:schemaRef ds:uri="8a053bff-88be-49e4-9a87-e748e18b8b62"/>
+    <ds:schemaRef ds:uri="http://purl.org/dc/dcmitype/"/>
+    <ds:schemaRef ds:uri="http://purl.org/dc/elements/1.1/"/>
+    <ds:schemaRef ds:uri="http://purl.org/dc/terms/"/>
+    <ds:schemaRef ds:uri="http://schemas.microsoft.com/office/2006/documentManagement/types"/>
+    <ds:schemaRef ds:uri="http://schemas.microsoft.com/office/2006/metadata/properties"/>
+    <ds:schemaRef ds:uri="http://schemas.microsoft.com/office/infopath/2007/PartnerControls"/>
+    <ds:schemaRef ds:uri="http://schemas.openxmlformats.org/package/2006/metadata/core-properties"/>
+    <ds:schemaRef ds:uri="http://www.w3.org/XML/1998/namespace"/>
+  </ds:schemaRefs>
+</ds:datastoreItem>
 </file>
--- a/help/data-sheets/assets/BusinessSupportDatasheet.pptx
+++ b/help/data-sheets/assets/BusinessSupportDatasheet.pptx
@@ -140,32 +140,55 @@
 </p:cmAuthorLst>
 </file>
 
-<file path=ppt/revisionInfo.xml><?xml version="1.0" encoding="utf-8"?>
-<p1510:revInfo xmlns:a="http://schemas.openxmlformats.org/drawingml/2006/main" xmlns:r="http://schemas.openxmlformats.org/officeDocument/2006/relationships" xmlns:p1510="http://schemas.microsoft.com/office/powerpoint/2015/10/main">
-  <p1510:revLst>
-    <p1510:client id="{61630BD6-9AE9-064C-B39F-AFA945B82B3E}" v="202" dt="2021-10-13T19:21:08.267"/>
-    <p1510:client id="{AC30C20D-1316-8ECC-DADD-39CCEC6A7FCF}" v="9" dt="2021-10-13T19:03:35.035"/>
-  </p1510:revLst>
-</p1510:revInfo>
-</file>
-
 <file path=ppt/changesInfos/changesInfo1.xml><?xml version="1.0" encoding="utf-8"?>
 <pc:chgInfo xmlns:a="http://schemas.openxmlformats.org/drawingml/2006/main" xmlns:r="http://schemas.openxmlformats.org/officeDocument/2006/relationships" xmlns:ac="http://schemas.microsoft.com/office/drawing/2013/main/command" xmlns:pc="http://schemas.microsoft.com/office/powerpoint/2013/main/command">
   <pc:docChgLst>
-    <pc:chgData name="Akilah Johnson" userId="S::akjohnso@adobe.com::2fa3aa60-0c9c-4d06-bae2-795983241227" providerId="AD" clId="Web-{4D8E0410-E0CE-85E2-0F84-C1BF4F647622}"/>
+    <pc:chgData name="Akilah Johnson" userId="S::akjohnso@adobe.com::2fa3aa60-0c9c-4d06-bae2-795983241227" providerId="AD" clId="Web-{71D6CFBF-0EA2-99B0-93F4-22F19EF0AE4E}"/>
     <pc:docChg chg="modSld">
-      <pc:chgData name="Akilah Johnson" userId="S::akjohnso@adobe.com::2fa3aa60-0c9c-4d06-bae2-795983241227" providerId="AD" clId="Web-{4D8E0410-E0CE-85E2-0F84-C1BF4F647622}" dt="2021-09-22T22:57:04.802" v="5"/>
+      <pc:chgData name="Akilah Johnson" userId="S::akjohnso@adobe.com::2fa3aa60-0c9c-4d06-bae2-795983241227" providerId="AD" clId="Web-{71D6CFBF-0EA2-99B0-93F4-22F19EF0AE4E}" dt="2021-09-22T19:06:58.732" v="1" actId="1076"/>
       <pc:docMkLst>
         <pc:docMk/>
       </pc:docMkLst>
       <pc:sldChg chg="modSp">
-        <pc:chgData name="Akilah Johnson" userId="S::akjohnso@adobe.com::2fa3aa60-0c9c-4d06-bae2-795983241227" providerId="AD" clId="Web-{4D8E0410-E0CE-85E2-0F84-C1BF4F647622}" dt="2021-09-22T22:57:04.802" v="5"/>
+        <pc:chgData name="Akilah Johnson" userId="S::akjohnso@adobe.com::2fa3aa60-0c9c-4d06-bae2-795983241227" providerId="AD" clId="Web-{71D6CFBF-0EA2-99B0-93F4-22F19EF0AE4E}" dt="2021-09-22T19:06:58.732" v="1" actId="1076"/>
         <pc:sldMkLst>
           <pc:docMk/>
           <pc:sldMk cId="1050037809" sldId="261"/>
         </pc:sldMkLst>
+        <pc:spChg chg="mod">
+          <ac:chgData name="Akilah Johnson" userId="S::akjohnso@adobe.com::2fa3aa60-0c9c-4d06-bae2-795983241227" providerId="AD" clId="Web-{71D6CFBF-0EA2-99B0-93F4-22F19EF0AE4E}" dt="2021-09-22T19:06:58.732" v="1" actId="1076"/>
+          <ac:spMkLst>
+            <pc:docMk/>
+            <pc:sldMk cId="1050037809" sldId="261"/>
+            <ac:spMk id="64" creationId="{41467BDC-3D83-D844-B922-CD07E94E5AAB}"/>
+          </ac:spMkLst>
+        </pc:spChg>
+      </pc:sldChg>
+    </pc:docChg>
+  </pc:docChgLst>
+  <pc:docChgLst>
+    <pc:chgData name="Akilah Johnson" userId="S::akjohnso@adobe.com::2fa3aa60-0c9c-4d06-bae2-795983241227" providerId="AD" clId="Web-{AFB92C2B-405E-C597-0988-18F97C53104C}"/>
+    <pc:docChg chg="modSld">
+      <pc:chgData name="Akilah Johnson" userId="S::akjohnso@adobe.com::2fa3aa60-0c9c-4d06-bae2-795983241227" providerId="AD" clId="Web-{AFB92C2B-405E-C597-0988-18F97C53104C}" dt="2021-09-22T18:53:26.184" v="29"/>
+      <pc:docMkLst>
+        <pc:docMk/>
+      </pc:docMkLst>
+      <pc:sldChg chg="modSp">
+        <pc:chgData name="Akilah Johnson" userId="S::akjohnso@adobe.com::2fa3aa60-0c9c-4d06-bae2-795983241227" providerId="AD" clId="Web-{AFB92C2B-405E-C597-0988-18F97C53104C}" dt="2021-09-22T18:53:26.184" v="29"/>
+        <pc:sldMkLst>
+          <pc:docMk/>
+          <pc:sldMk cId="1050037809" sldId="261"/>
+        </pc:sldMkLst>
+        <pc:spChg chg="mod">
+          <ac:chgData name="Akilah Johnson" userId="S::akjohnso@adobe.com::2fa3aa60-0c9c-4d06-bae2-795983241227" providerId="AD" clId="Web-{AFB92C2B-405E-C597-0988-18F97C53104C}" dt="2021-09-22T18:53:05.841" v="5" actId="20577"/>
+          <ac:spMkLst>
+            <pc:docMk/>
+            <pc:sldMk cId="1050037809" sldId="261"/>
+            <ac:spMk id="64" creationId="{41467BDC-3D83-D844-B922-CD07E94E5AAB}"/>
+          </ac:spMkLst>
+        </pc:spChg>
         <pc:graphicFrameChg chg="mod modGraphic">
-          <ac:chgData name="Akilah Johnson" userId="S::akjohnso@adobe.com::2fa3aa60-0c9c-4d06-bae2-795983241227" providerId="AD" clId="Web-{4D8E0410-E0CE-85E2-0F84-C1BF4F647622}" dt="2021-09-22T22:57:04.802" v="5"/>
+          <ac:chgData name="Akilah Johnson" userId="S::akjohnso@adobe.com::2fa3aa60-0c9c-4d06-bae2-795983241227" providerId="AD" clId="Web-{AFB92C2B-405E-C597-0988-18F97C53104C}" dt="2021-09-22T18:53:26.184" v="29"/>
           <ac:graphicFrameMkLst>
             <pc:docMk/>
             <pc:sldMk cId="1050037809" sldId="261"/>
@@ -223,6 +246,117 @@
     </pc:docChg>
   </pc:docChgLst>
   <pc:docChgLst>
+    <pc:chgData name="Ankita Sood" userId="c93a62e3-2a47-429d-82c6-c2a8fd110ae7" providerId="ADAL" clId="{EADEB940-4844-7941-8DD1-C0A7CBA2737C}"/>
+    <pc:docChg chg="modSld">
+      <pc:chgData name="Ankita Sood" userId="c93a62e3-2a47-429d-82c6-c2a8fd110ae7" providerId="ADAL" clId="{EADEB940-4844-7941-8DD1-C0A7CBA2737C}" dt="2022-01-20T19:38:27.531" v="31" actId="20577"/>
+      <pc:docMkLst>
+        <pc:docMk/>
+      </pc:docMkLst>
+      <pc:sldChg chg="modSp mod">
+        <pc:chgData name="Ankita Sood" userId="c93a62e3-2a47-429d-82c6-c2a8fd110ae7" providerId="ADAL" clId="{EADEB940-4844-7941-8DD1-C0A7CBA2737C}" dt="2022-01-20T19:38:22.046" v="23" actId="20577"/>
+        <pc:sldMkLst>
+          <pc:docMk/>
+          <pc:sldMk cId="0" sldId="256"/>
+        </pc:sldMkLst>
+        <pc:spChg chg="mod">
+          <ac:chgData name="Ankita Sood" userId="c93a62e3-2a47-429d-82c6-c2a8fd110ae7" providerId="ADAL" clId="{EADEB940-4844-7941-8DD1-C0A7CBA2737C}" dt="2022-01-20T19:38:07.964" v="7" actId="20577"/>
+          <ac:spMkLst>
+            <pc:docMk/>
+            <pc:sldMk cId="0" sldId="256"/>
+            <ac:spMk id="5" creationId="{00000000-0000-0000-0000-000000000000}"/>
+          </ac:spMkLst>
+        </pc:spChg>
+        <pc:graphicFrameChg chg="modGraphic">
+          <ac:chgData name="Ankita Sood" userId="c93a62e3-2a47-429d-82c6-c2a8fd110ae7" providerId="ADAL" clId="{EADEB940-4844-7941-8DD1-C0A7CBA2737C}" dt="2022-01-20T19:38:22.046" v="23" actId="20577"/>
+          <ac:graphicFrameMkLst>
+            <pc:docMk/>
+            <pc:sldMk cId="0" sldId="256"/>
+            <ac:graphicFrameMk id="9" creationId="{00000000-0000-0000-0000-000000000000}"/>
+          </ac:graphicFrameMkLst>
+        </pc:graphicFrameChg>
+        <pc:graphicFrameChg chg="modGraphic">
+          <ac:chgData name="Ankita Sood" userId="c93a62e3-2a47-429d-82c6-c2a8fd110ae7" providerId="ADAL" clId="{EADEB940-4844-7941-8DD1-C0A7CBA2737C}" dt="2022-01-20T19:38:16.769" v="15" actId="20577"/>
+          <ac:graphicFrameMkLst>
+            <pc:docMk/>
+            <pc:sldMk cId="0" sldId="256"/>
+            <ac:graphicFrameMk id="11" creationId="{3AC7AEA2-E7A4-BD48-80EA-856168E207F6}"/>
+          </ac:graphicFrameMkLst>
+        </pc:graphicFrameChg>
+      </pc:sldChg>
+      <pc:sldChg chg="modSp mod">
+        <pc:chgData name="Ankita Sood" userId="c93a62e3-2a47-429d-82c6-c2a8fd110ae7" providerId="ADAL" clId="{EADEB940-4844-7941-8DD1-C0A7CBA2737C}" dt="2022-01-20T19:38:27.531" v="31" actId="20577"/>
+        <pc:sldMkLst>
+          <pc:docMk/>
+          <pc:sldMk cId="0" sldId="257"/>
+        </pc:sldMkLst>
+        <pc:spChg chg="mod">
+          <ac:chgData name="Ankita Sood" userId="c93a62e3-2a47-429d-82c6-c2a8fd110ae7" providerId="ADAL" clId="{EADEB940-4844-7941-8DD1-C0A7CBA2737C}" dt="2022-01-20T19:38:27.531" v="31" actId="20577"/>
+          <ac:spMkLst>
+            <pc:docMk/>
+            <pc:sldMk cId="0" sldId="257"/>
+            <ac:spMk id="44" creationId="{147009FB-1B8D-6D4F-87DF-41B5DE49EFE5}"/>
+          </ac:spMkLst>
+        </pc:spChg>
+      </pc:sldChg>
+    </pc:docChg>
+  </pc:docChgLst>
+  <pc:docChgLst>
+    <pc:chgData name="Andy Witt" userId="S::awitt@adobe.com::e9157bdf-53b2-40e4-9459-936793d75696" providerId="AD" clId="Web-{CA5D33DF-AE75-BCA1-B9BC-A7CD44D2F3C7}"/>
+    <pc:docChg chg="modSld">
+      <pc:chgData name="Andy Witt" userId="S::awitt@adobe.com::e9157bdf-53b2-40e4-9459-936793d75696" providerId="AD" clId="Web-{CA5D33DF-AE75-BCA1-B9BC-A7CD44D2F3C7}" dt="2021-08-25T22:38:18.624" v="1" actId="1076"/>
+      <pc:docMkLst>
+        <pc:docMk/>
+      </pc:docMkLst>
+      <pc:sldChg chg="modSp">
+        <pc:chgData name="Andy Witt" userId="S::awitt@adobe.com::e9157bdf-53b2-40e4-9459-936793d75696" providerId="AD" clId="Web-{CA5D33DF-AE75-BCA1-B9BC-A7CD44D2F3C7}" dt="2021-08-25T22:38:18.624" v="1" actId="1076"/>
+        <pc:sldMkLst>
+          <pc:docMk/>
+          <pc:sldMk cId="1050037809" sldId="261"/>
+        </pc:sldMkLst>
+        <pc:spChg chg="mod">
+          <ac:chgData name="Andy Witt" userId="S::awitt@adobe.com::e9157bdf-53b2-40e4-9459-936793d75696" providerId="AD" clId="Web-{CA5D33DF-AE75-BCA1-B9BC-A7CD44D2F3C7}" dt="2021-08-25T22:38:18.624" v="1" actId="1076"/>
+          <ac:spMkLst>
+            <pc:docMk/>
+            <pc:sldMk cId="1050037809" sldId="261"/>
+            <ac:spMk id="50" creationId="{043050D0-21FC-0C42-8484-7FE7C0DB771F}"/>
+          </ac:spMkLst>
+        </pc:spChg>
+      </pc:sldChg>
+    </pc:docChg>
+  </pc:docChgLst>
+  <pc:docChgLst>
+    <pc:chgData name="Lauren Schutte" userId="6e08b2d3-447a-4d66-86be-444d50df187f" providerId="ADAL" clId="{61630BD6-9AE9-064C-B39F-AFA945B82B3E}"/>
+    <pc:docChg chg="undo custSel modSld">
+      <pc:chgData name="Lauren Schutte" userId="6e08b2d3-447a-4d66-86be-444d50df187f" providerId="ADAL" clId="{61630BD6-9AE9-064C-B39F-AFA945B82B3E}" dt="2021-10-13T19:21:08.267" v="201" actId="20577"/>
+      <pc:docMkLst>
+        <pc:docMk/>
+      </pc:docMkLst>
+      <pc:sldChg chg="modSp mod">
+        <pc:chgData name="Lauren Schutte" userId="6e08b2d3-447a-4d66-86be-444d50df187f" providerId="ADAL" clId="{61630BD6-9AE9-064C-B39F-AFA945B82B3E}" dt="2021-10-13T19:21:08.267" v="201" actId="20577"/>
+        <pc:sldMkLst>
+          <pc:docMk/>
+          <pc:sldMk cId="0" sldId="256"/>
+        </pc:sldMkLst>
+        <pc:spChg chg="mod">
+          <ac:chgData name="Lauren Schutte" userId="6e08b2d3-447a-4d66-86be-444d50df187f" providerId="ADAL" clId="{61630BD6-9AE9-064C-B39F-AFA945B82B3E}" dt="2021-10-13T19:03:44.344" v="3" actId="1076"/>
+          <ac:spMkLst>
+            <pc:docMk/>
+            <pc:sldMk cId="0" sldId="256"/>
+            <ac:spMk id="3" creationId="{00000000-0000-0000-0000-000000000000}"/>
+          </ac:spMkLst>
+        </pc:spChg>
+        <pc:graphicFrameChg chg="mod modGraphic">
+          <ac:chgData name="Lauren Schutte" userId="6e08b2d3-447a-4d66-86be-444d50df187f" providerId="ADAL" clId="{61630BD6-9AE9-064C-B39F-AFA945B82B3E}" dt="2021-10-13T19:21:08.267" v="201" actId="20577"/>
+          <ac:graphicFrameMkLst>
+            <pc:docMk/>
+            <pc:sldMk cId="0" sldId="256"/>
+            <ac:graphicFrameMk id="9" creationId="{00000000-0000-0000-0000-000000000000}"/>
+          </ac:graphicFrameMkLst>
+        </pc:graphicFrameChg>
+      </pc:sldChg>
+    </pc:docChg>
+  </pc:docChgLst>
+  <pc:docChgLst>
     <pc:chgData name="Andy Witt" userId="S::awitt@adobe.com::e9157bdf-53b2-40e4-9459-936793d75696" providerId="AD" clId="Web-{06B13378-B080-7F0F-51A5-F9203CEE57ED}"/>
     <pc:docChg chg="modSld">
       <pc:chgData name="Andy Witt" userId="S::awitt@adobe.com::e9157bdf-53b2-40e4-9459-936793d75696" providerId="AD" clId="Web-{06B13378-B080-7F0F-51A5-F9203CEE57ED}" dt="2021-08-25T22:25:13.647" v="363"/>
@@ -247,50 +381,26 @@
     </pc:docChg>
   </pc:docChgLst>
   <pc:docChgLst>
-    <pc:chgData name="Akilah Johnson" userId="S::akjohnso@adobe.com::2fa3aa60-0c9c-4d06-bae2-795983241227" providerId="AD" clId="Web-{71D6CFBF-0EA2-99B0-93F4-22F19EF0AE4E}"/>
+    <pc:chgData name="Akilah Johnson" userId="S::akjohnso@adobe.com::2fa3aa60-0c9c-4d06-bae2-795983241227" providerId="AD" clId="Web-{4D8E0410-E0CE-85E2-0F84-C1BF4F647622}"/>
     <pc:docChg chg="modSld">
-      <pc:chgData name="Akilah Johnson" userId="S::akjohnso@adobe.com::2fa3aa60-0c9c-4d06-bae2-795983241227" providerId="AD" clId="Web-{71D6CFBF-0EA2-99B0-93F4-22F19EF0AE4E}" dt="2021-09-22T19:06:58.732" v="1" actId="1076"/>
+      <pc:chgData name="Akilah Johnson" userId="S::akjohnso@adobe.com::2fa3aa60-0c9c-4d06-bae2-795983241227" providerId="AD" clId="Web-{4D8E0410-E0CE-85E2-0F84-C1BF4F647622}" dt="2021-09-22T22:57:04.802" v="5"/>
       <pc:docMkLst>
         <pc:docMk/>
       </pc:docMkLst>
       <pc:sldChg chg="modSp">
-        <pc:chgData name="Akilah Johnson" userId="S::akjohnso@adobe.com::2fa3aa60-0c9c-4d06-bae2-795983241227" providerId="AD" clId="Web-{71D6CFBF-0EA2-99B0-93F4-22F19EF0AE4E}" dt="2021-09-22T19:06:58.732" v="1" actId="1076"/>
+        <pc:chgData name="Akilah Johnson" userId="S::akjohnso@adobe.com::2fa3aa60-0c9c-4d06-bae2-795983241227" providerId="AD" clId="Web-{4D8E0410-E0CE-85E2-0F84-C1BF4F647622}" dt="2021-09-22T22:57:04.802" v="5"/>
         <pc:sldMkLst>
           <pc:docMk/>
           <pc:sldMk cId="1050037809" sldId="261"/>
         </pc:sldMkLst>
-        <pc:spChg chg="mod">
-          <ac:chgData name="Akilah Johnson" userId="S::akjohnso@adobe.com::2fa3aa60-0c9c-4d06-bae2-795983241227" providerId="AD" clId="Web-{71D6CFBF-0EA2-99B0-93F4-22F19EF0AE4E}" dt="2021-09-22T19:06:58.732" v="1" actId="1076"/>
-          <ac:spMkLst>
+        <pc:graphicFrameChg chg="mod modGraphic">
+          <ac:chgData name="Akilah Johnson" userId="S::akjohnso@adobe.com::2fa3aa60-0c9c-4d06-bae2-795983241227" providerId="AD" clId="Web-{4D8E0410-E0CE-85E2-0F84-C1BF4F647622}" dt="2021-09-22T22:57:04.802" v="5"/>
+          <ac:graphicFrameMkLst>
             <pc:docMk/>
             <pc:sldMk cId="1050037809" sldId="261"/>
-            <ac:spMk id="64" creationId="{41467BDC-3D83-D844-B922-CD07E94E5AAB}"/>
-          </ac:spMkLst>
-        </pc:spChg>
-      </pc:sldChg>
-    </pc:docChg>
-  </pc:docChgLst>
-  <pc:docChgLst>
-    <pc:chgData name="Akilah Johnson" userId="S::akjohnso@adobe.com::2fa3aa60-0c9c-4d06-bae2-795983241227" providerId="AD" clId="Web-{D428A0AE-54E2-30D2-C574-7A0742876CCF}"/>
-    <pc:docChg chg="modSld">
-      <pc:chgData name="Akilah Johnson" userId="S::akjohnso@adobe.com::2fa3aa60-0c9c-4d06-bae2-795983241227" providerId="AD" clId="Web-{D428A0AE-54E2-30D2-C574-7A0742876CCF}" dt="2021-10-12T19:11:25.330" v="0" actId="20577"/>
-      <pc:docMkLst>
-        <pc:docMk/>
-      </pc:docMkLst>
-      <pc:sldChg chg="modSp">
-        <pc:chgData name="Akilah Johnson" userId="S::akjohnso@adobe.com::2fa3aa60-0c9c-4d06-bae2-795983241227" providerId="AD" clId="Web-{D428A0AE-54E2-30D2-C574-7A0742876CCF}" dt="2021-10-12T19:11:25.330" v="0" actId="20577"/>
-        <pc:sldMkLst>
-          <pc:docMk/>
-          <pc:sldMk cId="0" sldId="256"/>
-        </pc:sldMkLst>
-        <pc:spChg chg="mod">
-          <ac:chgData name="Akilah Johnson" userId="S::akjohnso@adobe.com::2fa3aa60-0c9c-4d06-bae2-795983241227" providerId="AD" clId="Web-{D428A0AE-54E2-30D2-C574-7A0742876CCF}" dt="2021-10-12T19:11:25.330" v="0" actId="20577"/>
-          <ac:spMkLst>
-            <pc:docMk/>
-            <pc:sldMk cId="0" sldId="256"/>
-            <ac:spMk id="4" creationId="{00000000-0000-0000-0000-000000000000}"/>
-          </ac:spMkLst>
-        </pc:spChg>
+            <ac:graphicFrameMk id="25" creationId="{3A91F5B0-3974-A14D-A146-FB590F2AAD18}"/>
+          </ac:graphicFrameMkLst>
+        </pc:graphicFrameChg>
       </pc:sldChg>
     </pc:docChg>
   </pc:docChgLst>
@@ -327,88 +437,24 @@
     </pc:docChg>
   </pc:docChgLst>
   <pc:docChgLst>
-    <pc:chgData name="Akilah Johnson" userId="S::akjohnso@adobe.com::2fa3aa60-0c9c-4d06-bae2-795983241227" providerId="AD" clId="Web-{AFB92C2B-405E-C597-0988-18F97C53104C}"/>
+    <pc:chgData name="Akilah Johnson" userId="S::akjohnso@adobe.com::2fa3aa60-0c9c-4d06-bae2-795983241227" providerId="AD" clId="Web-{D428A0AE-54E2-30D2-C574-7A0742876CCF}"/>
     <pc:docChg chg="modSld">
-      <pc:chgData name="Akilah Johnson" userId="S::akjohnso@adobe.com::2fa3aa60-0c9c-4d06-bae2-795983241227" providerId="AD" clId="Web-{AFB92C2B-405E-C597-0988-18F97C53104C}" dt="2021-09-22T18:53:26.184" v="29"/>
+      <pc:chgData name="Akilah Johnson" userId="S::akjohnso@adobe.com::2fa3aa60-0c9c-4d06-bae2-795983241227" providerId="AD" clId="Web-{D428A0AE-54E2-30D2-C574-7A0742876CCF}" dt="2021-10-12T19:11:25.330" v="0" actId="20577"/>
       <pc:docMkLst>
         <pc:docMk/>
       </pc:docMkLst>
       <pc:sldChg chg="modSp">
-        <pc:chgData name="Akilah Johnson" userId="S::akjohnso@adobe.com::2fa3aa60-0c9c-4d06-bae2-795983241227" providerId="AD" clId="Web-{AFB92C2B-405E-C597-0988-18F97C53104C}" dt="2021-09-22T18:53:26.184" v="29"/>
-        <pc:sldMkLst>
-          <pc:docMk/>
-          <pc:sldMk cId="1050037809" sldId="261"/>
-        </pc:sldMkLst>
-        <pc:spChg chg="mod">
-          <ac:chgData name="Akilah Johnson" userId="S::akjohnso@adobe.com::2fa3aa60-0c9c-4d06-bae2-795983241227" providerId="AD" clId="Web-{AFB92C2B-405E-C597-0988-18F97C53104C}" dt="2021-09-22T18:53:05.841" v="5" actId="20577"/>
-          <ac:spMkLst>
-            <pc:docMk/>
-            <pc:sldMk cId="1050037809" sldId="261"/>
-            <ac:spMk id="64" creationId="{41467BDC-3D83-D844-B922-CD07E94E5AAB}"/>
-          </ac:spMkLst>
-        </pc:spChg>
-        <pc:graphicFrameChg chg="mod modGraphic">
-          <ac:chgData name="Akilah Johnson" userId="S::akjohnso@adobe.com::2fa3aa60-0c9c-4d06-bae2-795983241227" providerId="AD" clId="Web-{AFB92C2B-405E-C597-0988-18F97C53104C}" dt="2021-09-22T18:53:26.184" v="29"/>
-          <ac:graphicFrameMkLst>
-            <pc:docMk/>
-            <pc:sldMk cId="1050037809" sldId="261"/>
-            <ac:graphicFrameMk id="25" creationId="{3A91F5B0-3974-A14D-A146-FB590F2AAD18}"/>
-          </ac:graphicFrameMkLst>
-        </pc:graphicFrameChg>
-      </pc:sldChg>
-    </pc:docChg>
-  </pc:docChgLst>
-  <pc:docChgLst>
-    <pc:chgData name="Lauren Schutte" userId="6e08b2d3-447a-4d66-86be-444d50df187f" providerId="ADAL" clId="{61630BD6-9AE9-064C-B39F-AFA945B82B3E}"/>
-    <pc:docChg chg="undo custSel modSld">
-      <pc:chgData name="Lauren Schutte" userId="6e08b2d3-447a-4d66-86be-444d50df187f" providerId="ADAL" clId="{61630BD6-9AE9-064C-B39F-AFA945B82B3E}" dt="2021-10-13T19:21:08.267" v="201" actId="20577"/>
-      <pc:docMkLst>
-        <pc:docMk/>
-      </pc:docMkLst>
-      <pc:sldChg chg="modSp mod">
-        <pc:chgData name="Lauren Schutte" userId="6e08b2d3-447a-4d66-86be-444d50df187f" providerId="ADAL" clId="{61630BD6-9AE9-064C-B39F-AFA945B82B3E}" dt="2021-10-13T19:21:08.267" v="201" actId="20577"/>
+        <pc:chgData name="Akilah Johnson" userId="S::akjohnso@adobe.com::2fa3aa60-0c9c-4d06-bae2-795983241227" providerId="AD" clId="Web-{D428A0AE-54E2-30D2-C574-7A0742876CCF}" dt="2021-10-12T19:11:25.330" v="0" actId="20577"/>
         <pc:sldMkLst>
           <pc:docMk/>
           <pc:sldMk cId="0" sldId="256"/>
         </pc:sldMkLst>
         <pc:spChg chg="mod">
-          <ac:chgData name="Lauren Schutte" userId="6e08b2d3-447a-4d66-86be-444d50df187f" providerId="ADAL" clId="{61630BD6-9AE9-064C-B39F-AFA945B82B3E}" dt="2021-10-13T19:03:44.344" v="3" actId="1076"/>
+          <ac:chgData name="Akilah Johnson" userId="S::akjohnso@adobe.com::2fa3aa60-0c9c-4d06-bae2-795983241227" providerId="AD" clId="Web-{D428A0AE-54E2-30D2-C574-7A0742876CCF}" dt="2021-10-12T19:11:25.330" v="0" actId="20577"/>
           <ac:spMkLst>
             <pc:docMk/>
             <pc:sldMk cId="0" sldId="256"/>
-            <ac:spMk id="3" creationId="{00000000-0000-0000-0000-000000000000}"/>
-          </ac:spMkLst>
-        </pc:spChg>
-        <pc:graphicFrameChg chg="mod modGraphic">
-          <ac:chgData name="Lauren Schutte" userId="6e08b2d3-447a-4d66-86be-444d50df187f" providerId="ADAL" clId="{61630BD6-9AE9-064C-B39F-AFA945B82B3E}" dt="2021-10-13T19:21:08.267" v="201" actId="20577"/>
-          <ac:graphicFrameMkLst>
-            <pc:docMk/>
-            <pc:sldMk cId="0" sldId="256"/>
-            <ac:graphicFrameMk id="9" creationId="{00000000-0000-0000-0000-000000000000}"/>
-          </ac:graphicFrameMkLst>
-        </pc:graphicFrameChg>
-      </pc:sldChg>
-    </pc:docChg>
-  </pc:docChgLst>
-  <pc:docChgLst>
-    <pc:chgData name="Andy Witt" userId="S::awitt@adobe.com::e9157bdf-53b2-40e4-9459-936793d75696" providerId="AD" clId="Web-{CA5D33DF-AE75-BCA1-B9BC-A7CD44D2F3C7}"/>
-    <pc:docChg chg="modSld">
-      <pc:chgData name="Andy Witt" userId="S::awitt@adobe.com::e9157bdf-53b2-40e4-9459-936793d75696" providerId="AD" clId="Web-{CA5D33DF-AE75-BCA1-B9BC-A7CD44D2F3C7}" dt="2021-08-25T22:38:18.624" v="1" actId="1076"/>
-      <pc:docMkLst>
-        <pc:docMk/>
-      </pc:docMkLst>
-      <pc:sldChg chg="modSp">
-        <pc:chgData name="Andy Witt" userId="S::awitt@adobe.com::e9157bdf-53b2-40e4-9459-936793d75696" providerId="AD" clId="Web-{CA5D33DF-AE75-BCA1-B9BC-A7CD44D2F3C7}" dt="2021-08-25T22:38:18.624" v="1" actId="1076"/>
-        <pc:sldMkLst>
-          <pc:docMk/>
-          <pc:sldMk cId="1050037809" sldId="261"/>
-        </pc:sldMkLst>
-        <pc:spChg chg="mod">
-          <ac:chgData name="Andy Witt" userId="S::awitt@adobe.com::e9157bdf-53b2-40e4-9459-936793d75696" providerId="AD" clId="Web-{CA5D33DF-AE75-BCA1-B9BC-A7CD44D2F3C7}" dt="2021-08-25T22:38:18.624" v="1" actId="1076"/>
-          <ac:spMkLst>
-            <pc:docMk/>
-            <pc:sldMk cId="1050037809" sldId="261"/>
-            <ac:spMk id="50" creationId="{043050D0-21FC-0C42-8484-7FE7C0DB771F}"/>
+            <ac:spMk id="4" creationId="{00000000-0000-0000-0000-000000000000}"/>
           </ac:spMkLst>
         </pc:spChg>
       </pc:sldChg>
@@ -499,7 +545,7 @@
           <a:p>
             <a:fld id="{FB81873C-0B24-F04A-98A1-90E0A78F7E8A}" type="datetimeFigureOut">
               <a:rPr lang="en-US" smtClean="0"/>
-              <a:t>11/12/2021</a:t>
+              <a:t>1/20/22</a:t>
             </a:fld>
             <a:endParaRPr lang="en-US"/>
           </a:p>
@@ -1122,7 +1168,7 @@
           <a:p>
             <a:fld id="{1D8BD707-D9CF-40AE-B4C6-C98DA3205C09}" type="datetimeFigureOut">
               <a:rPr lang="en-US"/>
-              <a:t>11/12/2021</a:t>
+              <a:t>1/20/22</a:t>
             </a:fld>
             <a:endParaRPr lang="en-US"/>
           </a:p>
@@ -1314,7 +1360,7 @@
           <a:p>
             <a:fld id="{1D8BD707-D9CF-40AE-B4C6-C98DA3205C09}" type="datetimeFigureOut">
               <a:rPr lang="en-US"/>
-              <a:t>11/12/2021</a:t>
+              <a:t>1/20/22</a:t>
             </a:fld>
             <a:endParaRPr lang="en-US"/>
           </a:p>
@@ -1632,7 +1678,7 @@
           <a:p>
             <a:fld id="{1D8BD707-D9CF-40AE-B4C6-C98DA3205C09}" type="datetimeFigureOut">
               <a:rPr lang="en-US"/>
-              <a:t>11/12/2021</a:t>
+              <a:t>1/20/22</a:t>
             </a:fld>
             <a:endParaRPr lang="en-US"/>
           </a:p>
@@ -1886,8 +1932,8 @@
         </p:nvSpPr>
         <p:spPr>
           <a:xfrm>
-            <a:off x="168564" y="7059493"/>
-            <a:ext cx="5988395" cy="227626"/>
+            <a:off x="168565" y="7162363"/>
+            <a:ext cx="2800350" cy="238760"/>
           </a:xfrm>
           <a:prstGeom prst="rect">
             <a:avLst/>
@@ -1908,7 +1954,7 @@
               </a:spcBef>
             </a:pPr>
             <a:r>
-              <a:rPr lang="it-IT" sz="1400" b="1" u="heavy" dirty="0">
+              <a:rPr sz="1400" b="1" u="heavy" spc="10">
                 <a:solidFill>
                   <a:srgbClr val="020302"/>
                 </a:solidFill>
@@ -1920,8 +1966,87 @@
                 <a:latin typeface="Adobe Clean"/>
                 <a:cs typeface="Adobe Clean"/>
               </a:rPr>
-              <a:t>Obiettivi del livello di servizio: risposta iniziale</a:t>
-            </a:r>
+              <a:t>Service </a:t>
+            </a:r>
+            <a:r>
+              <a:rPr sz="1400" b="1" u="heavy" spc="-10">
+                <a:solidFill>
+                  <a:srgbClr val="020302"/>
+                </a:solidFill>
+                <a:uFill>
+                  <a:solidFill>
+                    <a:srgbClr val="020302"/>
+                  </a:solidFill>
+                </a:uFill>
+                <a:latin typeface="Adobe Clean"/>
+                <a:cs typeface="Adobe Clean"/>
+              </a:rPr>
+              <a:t>Level </a:t>
+            </a:r>
+            <a:r>
+              <a:rPr sz="1400" b="1" u="heavy" spc="-45">
+                <a:solidFill>
+                  <a:srgbClr val="020302"/>
+                </a:solidFill>
+                <a:uFill>
+                  <a:solidFill>
+                    <a:srgbClr val="020302"/>
+                  </a:solidFill>
+                </a:uFill>
+                <a:latin typeface="Adobe Clean"/>
+                <a:cs typeface="Adobe Clean"/>
+              </a:rPr>
+              <a:t>Targets: </a:t>
+            </a:r>
+            <a:r>
+              <a:rPr sz="1400" b="1" u="heavy" spc="-10">
+                <a:solidFill>
+                  <a:srgbClr val="020302"/>
+                </a:solidFill>
+                <a:uFill>
+                  <a:solidFill>
+                    <a:srgbClr val="020302"/>
+                  </a:solidFill>
+                </a:uFill>
+                <a:latin typeface="Adobe Clean"/>
+                <a:cs typeface="Adobe Clean"/>
+              </a:rPr>
+              <a:t>Initial</a:t>
+            </a:r>
+            <a:r>
+              <a:rPr sz="1400" b="1" u="heavy" spc="-140">
+                <a:solidFill>
+                  <a:srgbClr val="020302"/>
+                </a:solidFill>
+                <a:uFill>
+                  <a:solidFill>
+                    <a:srgbClr val="020302"/>
+                  </a:solidFill>
+                </a:uFill>
+                <a:latin typeface="Adobe Clean"/>
+                <a:cs typeface="Adobe Clean"/>
+              </a:rPr>
+              <a:t> </a:t>
+            </a:r>
+            <a:r>
+              <a:rPr sz="1400" b="1" u="heavy" spc="-15">
+                <a:solidFill>
+                  <a:srgbClr val="020302"/>
+                </a:solidFill>
+                <a:uFill>
+                  <a:solidFill>
+                    <a:srgbClr val="020302"/>
+                  </a:solidFill>
+                </a:uFill>
+                <a:latin typeface="Adobe Clean"/>
+                <a:cs typeface="Adobe Clean"/>
+              </a:rPr>
+              <a:t>Response</a:t>
+            </a:r>
+            <a:endParaRPr sz="1400">
+              <a:latin typeface="Adobe Clean"/>
+              <a:cs typeface="Adobe Clean"/>
+            </a:endParaRPr>
           </a:p>
         </p:txBody>
       </p:sp>
@@ -1988,11 +2113,20 @@
               </a:spcBef>
             </a:pPr>
             <a:r>
-              <a:rPr lang="it-IT" sz="2300">
+              <a:rPr sz="2300">
                 <a:latin typeface="Adobe Clean"/>
               </a:rPr>
-              <a:t>PIANI DI SUPPORTO ADOBE</a:t>
-            </a:r>
+              <a:t>ADOBE </a:t>
+            </a:r>
+            <a:r>
+              <a:rPr lang="en-US" sz="2300">
+                <a:latin typeface="Adobe Clean"/>
+              </a:rPr>
+              <a:t>SUPPORT PLANS</a:t>
+            </a:r>
+            <a:endParaRPr sz="2300">
+              <a:latin typeface="Adobe Clean" panose="020B0503020404020204" pitchFamily="34" charset="0"/>
+            </a:endParaRPr>
           </a:p>
         </p:txBody>
       </p:sp>
@@ -2026,16 +2160,16 @@
               </a:spcBef>
             </a:pPr>
             <a:r>
-              <a:rPr lang="it-IT" sz="900" dirty="0">
+              <a:rPr lang="en-US" sz="900" dirty="0">
                 <a:solidFill>
                   <a:schemeClr val="bg1"/>
                 </a:solidFill>
                 <a:latin typeface="Adobe Clean Light" panose="020B0303020404020204" pitchFamily="34" charset="0"/>
               </a:rPr>
-              <a:t>Online | </a:t>
-            </a:r>
-            <a:r>
-              <a:rPr lang="it-IT" sz="900" b="1" dirty="0">
+              <a:t>Standard | </a:t>
+            </a:r>
+            <a:r>
+              <a:rPr lang="en-US" sz="900" b="1" dirty="0">
                 <a:solidFill>
                   <a:schemeClr val="bg1"/>
                 </a:solidFill>
@@ -2044,7 +2178,7 @@
               <a:t>Business</a:t>
             </a:r>
             <a:r>
-              <a:rPr lang="it-IT" sz="900" dirty="0">
+              <a:rPr lang="en-US" sz="900" dirty="0">
                 <a:solidFill>
                   <a:schemeClr val="bg1"/>
                 </a:solidFill>
@@ -2063,65 +2197,21 @@
               </a:spcBef>
             </a:pPr>
             <a:r>
-              <a:rPr lang="it-IT" sz="900" dirty="0">
+              <a:rPr lang="en-US" sz="900" dirty="0">
                 <a:solidFill>
                   <a:schemeClr val="bg1"/>
                 </a:solidFill>
                 <a:latin typeface="Adobe Clean SemiLight" panose="020B0403020404020204" pitchFamily="34" charset="0"/>
               </a:rPr>
-              <a:t>Adobe offre una gamma completa di risorse tecniche per assistere la tua azienda, incluse nell’abbonamento Experience Cloud </a:t>
-            </a:r>
-            <a:br>
-              <a:rPr lang="it-IT" sz="900" dirty="0">
-                <a:solidFill>
-                  <a:schemeClr val="bg1"/>
-                </a:solidFill>
-                <a:latin typeface="Adobe Clean SemiLight" panose="020B0403020404020204" pitchFamily="34" charset="0"/>
-              </a:rPr>
-            </a:br>
-            <a:r>
-              <a:rPr lang="it-IT" sz="900" dirty="0">
-                <a:solidFill>
-                  <a:schemeClr val="bg1"/>
-                </a:solidFill>
-                <a:latin typeface="Adobe Clean SemiLight" panose="020B0403020404020204" pitchFamily="34" charset="0"/>
-              </a:rPr>
-              <a:t>e ampliabili con un pacchetto di supporto BUSINESS. Il supporto BUSINESS include l’accesso a percorsi di apprendimento personalizzati e forum della community monitorati tramite Adobe Experience League. Puoi inoltre usufruire di documentazione tecnica dettagliata e note sulla versione sempre aggiornate. I clienti BUSINESS possono anche contattare, tramite telefono </a:t>
-            </a:r>
-            <a:br>
-              <a:rPr lang="it-IT" sz="900" dirty="0">
-                <a:solidFill>
-                  <a:schemeClr val="bg1"/>
-                </a:solidFill>
-                <a:latin typeface="Adobe Clean SemiLight" panose="020B0403020404020204" pitchFamily="34" charset="0"/>
-              </a:rPr>
-            </a:br>
-            <a:r>
-              <a:rPr lang="it-IT" sz="900" dirty="0">
-                <a:solidFill>
-                  <a:schemeClr val="bg1"/>
-                </a:solidFill>
-                <a:latin typeface="Adobe Clean SemiLight" panose="020B0403020404020204" pitchFamily="34" charset="0"/>
-              </a:rPr>
-              <a:t>o portale web, i team addetti al supporto tecnico, per ricevere assistenza nei momenti più critici. I clienti BUSINESS riceveranno comunicazioni e aggiornamenti regolari dal proprio Account Support Lead, nonché la gestione delle escalation per le richieste </a:t>
-            </a:r>
-            <a:br>
-              <a:rPr lang="it-IT" sz="900" dirty="0">
-                <a:solidFill>
-                  <a:schemeClr val="bg1"/>
-                </a:solidFill>
-                <a:latin typeface="Adobe Clean SemiLight" panose="020B0403020404020204" pitchFamily="34" charset="0"/>
-              </a:rPr>
-            </a:br>
-            <a:r>
-              <a:rPr lang="it-IT" sz="900" dirty="0">
-                <a:solidFill>
-                  <a:schemeClr val="bg1"/>
-                </a:solidFill>
-                <a:latin typeface="Adobe Clean SemiLight" panose="020B0403020404020204" pitchFamily="34" charset="0"/>
-              </a:rPr>
-              <a:t>di supporto più critiche. </a:t>
-            </a:r>
+              <a:t>Adobe provides a comprehensive range of technical resources to help support your business, included as part of your Experience Cloud license subscription and enhanced in the BUSINESS support package. BUSINESS support includes access to personalized learning paths and monitored community forums via the Adobe Experience League. You can also take advantage of our detailed and in-depth technical product documentation and current release notes. BUSINESS customers also benefit from access to our technical support teams for any product query via either the telephone or the support web portal, to help protect your business at the most critical times. BUSINESS customers will receive regular communications and updates from their Account Support Lead in addition to support case escalation management for your most critical of support requests. </a:t>
+            </a:r>
+            <a:endParaRPr lang="en-US" sz="900" dirty="0">
+              <a:solidFill>
+                <a:schemeClr val="bg1"/>
+              </a:solidFill>
+              <a:latin typeface="Adobe Clean Light" panose="020B0303020404020204" pitchFamily="34" charset="0"/>
+              <a:cs typeface="AdobeClean-Light"/>
+            </a:endParaRPr>
           </a:p>
         </p:txBody>
       </p:sp>
@@ -2188,8 +2278,24 @@
               </a:spcBef>
             </a:pPr>
             <a:r>
-              <a:rPr lang="it-IT"/>
-              <a:t>©2021 Adobe. All Rights Reserved. Adobe Confidential.</a:t>
+              <a:rPr spc="-5"/>
+              <a:t>©202</a:t>
+            </a:r>
+            <a:r>
+              <a:rPr lang="en-US" spc="-5"/>
+              <a:t>1</a:t>
+            </a:r>
+            <a:r>
+              <a:rPr spc="-5"/>
+              <a:t> Adobe. All Rights Reserved. Adobe</a:t>
+            </a:r>
+            <a:r>
+              <a:rPr spc="60"/>
+              <a:t> </a:t>
+            </a:r>
+            <a:r>
+              <a:rPr spc="-5"/>
+              <a:t>Confidential.</a:t>
             </a:r>
           </a:p>
         </p:txBody>
@@ -2203,14 +2309,14 @@
           <p:nvPr>
             <p:extLst>
               <p:ext uri="{D42A27DB-BD31-4B8C-83A1-F6EECF244321}">
-                <p14:modId xmlns:p14="http://schemas.microsoft.com/office/powerpoint/2010/main" val="2657955460"/>
+                <p14:modId xmlns:p14="http://schemas.microsoft.com/office/powerpoint/2010/main" val="2485809364"/>
               </p:ext>
             </p:extLst>
           </p:nvPr>
         </p:nvGraphicFramePr>
         <p:xfrm>
-          <a:off x="118872" y="7373115"/>
-          <a:ext cx="7498851" cy="2386563"/>
+          <a:off x="118872" y="7475985"/>
+          <a:ext cx="7498851" cy="2223598"/>
         </p:xfrm>
         <a:graphic>
           <a:graphicData uri="http://schemas.openxmlformats.org/drawingml/2006/table">
@@ -2256,15 +2362,19 @@
                         </a:spcBef>
                       </a:pPr>
                       <a:r>
-                        <a:rPr lang="it-IT" sz="900" dirty="0">
+                        <a:rPr sz="900" spc="0">
                           <a:solidFill>
                             <a:srgbClr val="020302"/>
                           </a:solidFill>
                           <a:latin typeface="Adobe Clean"/>
                           <a:cs typeface="Adobe Clean"/>
                         </a:rPr>
-                        <a:t>Priorità</a:t>
+                        <a:t>Priority</a:t>
                       </a:r>
+                      <a:endParaRPr sz="900" spc="0">
+                        <a:latin typeface="Adobe Clean"/>
+                        <a:cs typeface="Adobe Clean"/>
+                      </a:endParaRPr>
                     </a:p>
                   </a:txBody>
                   <a:tcPr marL="0" marR="0" marT="7620" marB="0">
@@ -2302,34 +2412,38 @@
                     <a:bodyPr/>
                     <a:lstStyle/>
                     <a:p>
-                      <a:pPr marL="2540" marR="0" lvl="0" indent="0" algn="ctr" defTabSz="914400" eaLnBrk="1" fontAlgn="auto" latinLnBrk="0" hangingPunct="1">
+                      <a:pPr marL="135255" algn="ctr">
                         <a:lnSpc>
                           <a:spcPct val="100000"/>
                         </a:lnSpc>
                         <a:spcBef>
                           <a:spcPts val="60"/>
                         </a:spcBef>
-                        <a:spcAft>
-                          <a:spcPts val="0"/>
-                        </a:spcAft>
-                        <a:buClrTx/>
-                        <a:buSzTx/>
-                        <a:buFontTx/>
-                        <a:buNone/>
-                        <a:tabLst/>
-                        <a:defRPr/>
                       </a:pPr>
                       <a:r>
-                        <a:rPr lang="it-IT" sz="900" dirty="0">
+                        <a:rPr lang="en-US" sz="900" spc="0" dirty="0">
                           <a:solidFill>
-                            <a:srgbClr val="404040"/>
+                            <a:srgbClr val="020302"/>
                           </a:solidFill>
                           <a:latin typeface="Adobe Clean"/>
-                          <a:ea typeface="+mn-ea"/>
                           <a:cs typeface="Adobe Clean"/>
                         </a:rPr>
-                        <a:t>Supporto Online</a:t>
+                        <a:t>Standard</a:t>
                       </a:r>
+                      <a:r>
+                        <a:rPr sz="900" spc="0" dirty="0">
+                          <a:solidFill>
+                            <a:srgbClr val="020302"/>
+                          </a:solidFill>
+                          <a:latin typeface="Adobe Clean"/>
+                          <a:cs typeface="Adobe Clean"/>
+                        </a:rPr>
+                        <a:t> Support</a:t>
+                      </a:r>
+                      <a:endParaRPr sz="900" spc="0" dirty="0">
+                        <a:latin typeface="Adobe Clean"/>
+                        <a:cs typeface="Adobe Clean"/>
+                      </a:endParaRPr>
                     </a:p>
                   </a:txBody>
                   <a:tcPr marL="182880" marT="91440" anchor="ctr">
@@ -2367,7 +2481,7 @@
                     <a:bodyPr/>
                     <a:lstStyle/>
                     <a:p>
-                      <a:pPr marL="2540" algn="ctr">
+                      <a:pPr marL="92710">
                         <a:lnSpc>
                           <a:spcPct val="100000"/>
                         </a:lnSpc>
@@ -2376,16 +2490,39 @@
                         </a:spcBef>
                       </a:pPr>
                       <a:r>
-                        <a:rPr lang="it-IT" sz="900" dirty="0">
+                        <a:rPr sz="900" spc="0">
                           <a:solidFill>
                             <a:srgbClr val="FFFFFF"/>
                           </a:solidFill>
                           <a:latin typeface="Adobe Clean"/>
-                          <a:ea typeface="+mn-ea"/>
                           <a:cs typeface="Adobe Clean"/>
                         </a:rPr>
-                        <a:t>Supporto Business</a:t>
+                        <a:t>Business</a:t>
                       </a:r>
+                      <a:r>
+                        <a:rPr lang="en-US" sz="900" spc="0">
+                          <a:solidFill>
+                            <a:srgbClr val="FFFFFF"/>
+                          </a:solidFill>
+                          <a:latin typeface="Adobe Clean"/>
+                          <a:cs typeface="Adobe Clean"/>
+                        </a:rPr>
+                        <a:t> </a:t>
+                      </a:r>
+                      <a:r>
+                        <a:rPr sz="900" spc="0">
+                          <a:solidFill>
+                            <a:srgbClr val="FFFFFF"/>
+                          </a:solidFill>
+                          <a:latin typeface="Adobe Clean"/>
+                          <a:cs typeface="Adobe Clean"/>
+                        </a:rPr>
+                        <a:t>Support</a:t>
+                      </a:r>
+                      <a:endParaRPr sz="900" spc="0">
+                        <a:latin typeface="Adobe Clean"/>
+                        <a:cs typeface="Adobe Clean"/>
+                      </a:endParaRPr>
                     </a:p>
                   </a:txBody>
                   <a:tcPr marL="182880" marT="91440" anchor="ctr">
@@ -2439,15 +2576,19 @@
                         </a:spcBef>
                       </a:pPr>
                       <a:r>
-                        <a:rPr lang="it-IT" sz="900" b="1" dirty="0">
+                        <a:rPr sz="900" b="1" spc="0">
                           <a:solidFill>
                             <a:srgbClr val="020302"/>
                           </a:solidFill>
                           <a:latin typeface="Adobe Clean"/>
                           <a:cs typeface="Adobe Clean"/>
                         </a:rPr>
-                        <a:t>PRIORITÀ 1 (P1)</a:t>
+                        <a:t>PRIORITY 1</a:t>
                       </a:r>
+                      <a:endParaRPr sz="900" spc="0">
+                        <a:latin typeface="Adobe Clean"/>
+                        <a:cs typeface="Adobe Clean"/>
+                      </a:endParaRPr>
                     </a:p>
                     <a:p>
                       <a:pPr marL="50800" marR="387985" lvl="0" indent="0" algn="l" defTabSz="914400" rtl="0" eaLnBrk="1" fontAlgn="auto" latinLnBrk="0" hangingPunct="1">
@@ -2468,34 +2609,22 @@
                         <a:defRPr/>
                       </a:pPr>
                       <a:r>
-                        <a:rPr lang="it-IT" sz="900" b="0" i="0" dirty="0">
+                        <a:rPr lang="en-US" sz="900" b="0" i="0" spc="0">
                           <a:solidFill>
                             <a:srgbClr val="000000"/>
                           </a:solidFill>
+                          <a:effectLst/>
                           <a:latin typeface="Adobe Clean Light" panose="020B0303020404020204" pitchFamily="34" charset="0"/>
                         </a:rPr>
-                        <a:t>Le funzioni operative nell’ambiente di produzione del cliente non sono disponibili oppure </a:t>
+                        <a:t>Customer's production business functions are down or have significant data loss or service degradation and immediate attention is required to restore functionality and usability</a:t>
                       </a:r>
-                      <a:br>
-                        <a:rPr lang="it-IT" sz="900" b="0" i="0" dirty="0">
-                          <a:solidFill>
-                            <a:srgbClr val="000000"/>
-                          </a:solidFill>
-                          <a:latin typeface="Adobe Clean Light" panose="020B0303020404020204" pitchFamily="34" charset="0"/>
-                        </a:rPr>
-                      </a:br>
-                      <a:r>
-                        <a:rPr lang="it-IT" sz="900" b="0" i="0" dirty="0">
-                          <a:solidFill>
-                            <a:srgbClr val="000000"/>
-                          </a:solidFill>
-                          <a:latin typeface="Adobe Clean Light" panose="020B0303020404020204" pitchFamily="34" charset="0"/>
-                        </a:rPr>
-                        <a:t>si verificano problemi significativi di perdita di dati o deterioramento del servizio ed è richiesto un intervento immediato per ripristinare funzionalità e usabilità.</a:t>
-                      </a:r>
+                      <a:endParaRPr lang="en-US" sz="900" b="0" i="0" spc="0">
+                        <a:latin typeface="Adobe Clean Light" panose="020B0303020404020204" pitchFamily="34" charset="0"/>
+                        <a:cs typeface="AdobeClean-Light"/>
+                      </a:endParaRPr>
                     </a:p>
                   </a:txBody>
-                  <a:tcPr marL="0" marR="0" marT="3810" marB="36000">
+                  <a:tcPr marL="0" marR="0" marT="3810" marB="0">
                     <a:lnL w="3175">
                       <a:solidFill>
                         <a:srgbClr val="B7B8B8"/>
@@ -2536,15 +2665,59 @@
                         </a:spcBef>
                       </a:pPr>
                       <a:r>
-                        <a:rPr lang="it-IT" sz="900">
+                        <a:rPr sz="900" spc="0">
                           <a:solidFill>
                             <a:srgbClr val="020302"/>
                           </a:solidFill>
                           <a:latin typeface="AdobeClean-Light"/>
                           <a:cs typeface="AdobeClean-Light"/>
                         </a:rPr>
-                        <a:t>24x7/1 ora</a:t>
+                        <a:t>24x7</a:t>
                       </a:r>
+                      <a:r>
+                        <a:rPr lang="en-US" sz="900" spc="0">
+                          <a:solidFill>
+                            <a:srgbClr val="020302"/>
+                          </a:solidFill>
+                          <a:latin typeface="AdobeClean-Light"/>
+                          <a:cs typeface="AdobeClean-Light"/>
+                        </a:rPr>
+                        <a:t> </a:t>
+                      </a:r>
+                      <a:r>
+                        <a:rPr sz="900" spc="0">
+                          <a:solidFill>
+                            <a:srgbClr val="020302"/>
+                          </a:solidFill>
+                          <a:latin typeface="AdobeClean-Light"/>
+                          <a:cs typeface="AdobeClean-Light"/>
+                        </a:rPr>
+                        <a:t>/</a:t>
+                      </a:r>
+                      <a:r>
+                        <a:rPr lang="en-US" sz="900" spc="0">
+                          <a:solidFill>
+                            <a:srgbClr val="020302"/>
+                          </a:solidFill>
+                          <a:latin typeface="AdobeClean-Light"/>
+                          <a:cs typeface="AdobeClean-Light"/>
+                        </a:rPr>
+                        <a:t> </a:t>
+                      </a:r>
+                      <a:r>
+                        <a:rPr sz="900" spc="0">
+                          <a:solidFill>
+                            <a:srgbClr val="020302"/>
+                          </a:solidFill>
+                          <a:latin typeface="AdobeClean-Light"/>
+                          <a:cs typeface="AdobeClean-Light"/>
+                        </a:rPr>
+                        <a:t>1 hour</a:t>
+                      </a:r>
+                      <a:endParaRPr sz="900" spc="0">
+                        <a:latin typeface="AdobeClean-Light"/>
+                        <a:cs typeface="AdobeClean-Light"/>
+                      </a:endParaRPr>
                     </a:p>
                   </a:txBody>
                   <a:tcPr marL="0" marR="0" marT="91440" marB="91440" anchor="ctr" anchorCtr="1">
@@ -2588,15 +2761,59 @@
                         </a:spcBef>
                       </a:pPr>
                       <a:r>
-                        <a:rPr lang="it-IT" sz="900">
+                        <a:rPr sz="900" spc="0">
                           <a:solidFill>
                             <a:srgbClr val="020302"/>
                           </a:solidFill>
                           <a:latin typeface="AdobeClean-Light"/>
                           <a:cs typeface="AdobeClean-Light"/>
                         </a:rPr>
-                        <a:t>24x7/1 ora</a:t>
+                        <a:t>24x7</a:t>
                       </a:r>
+                      <a:r>
+                        <a:rPr lang="en-US" sz="900" spc="0">
+                          <a:solidFill>
+                            <a:srgbClr val="020302"/>
+                          </a:solidFill>
+                          <a:latin typeface="AdobeClean-Light"/>
+                          <a:cs typeface="AdobeClean-Light"/>
+                        </a:rPr>
+                        <a:t> </a:t>
+                      </a:r>
+                      <a:r>
+                        <a:rPr sz="900" spc="0">
+                          <a:solidFill>
+                            <a:srgbClr val="020302"/>
+                          </a:solidFill>
+                          <a:latin typeface="AdobeClean-Light"/>
+                          <a:cs typeface="AdobeClean-Light"/>
+                        </a:rPr>
+                        <a:t>/</a:t>
+                      </a:r>
+                      <a:r>
+                        <a:rPr lang="en-US" sz="900" spc="0">
+                          <a:solidFill>
+                            <a:srgbClr val="020302"/>
+                          </a:solidFill>
+                          <a:latin typeface="AdobeClean-Light"/>
+                          <a:cs typeface="AdobeClean-Light"/>
+                        </a:rPr>
+                        <a:t> </a:t>
+                      </a:r>
+                      <a:r>
+                        <a:rPr sz="900" spc="0">
+                          <a:solidFill>
+                            <a:srgbClr val="020302"/>
+                          </a:solidFill>
+                          <a:latin typeface="AdobeClean-Light"/>
+                          <a:cs typeface="AdobeClean-Light"/>
+                        </a:rPr>
+                        <a:t>1 hour</a:t>
+                      </a:r>
+                      <a:endParaRPr sz="900" spc="0">
+                        <a:latin typeface="AdobeClean-Light"/>
+                        <a:cs typeface="AdobeClean-Light"/>
+                      </a:endParaRPr>
                     </a:p>
                   </a:txBody>
                   <a:tcPr marL="0" marR="0" marT="91440" marB="91440" anchor="ctr" anchorCtr="1">
@@ -2652,15 +2869,19 @@
                         </a:spcBef>
                       </a:pPr>
                       <a:r>
-                        <a:rPr lang="it-IT" sz="900" b="1" dirty="0">
+                        <a:rPr sz="900" b="1" spc="0">
                           <a:solidFill>
                             <a:srgbClr val="020302"/>
                           </a:solidFill>
                           <a:latin typeface="Adobe Clean"/>
                           <a:cs typeface="Adobe Clean"/>
                         </a:rPr>
-                        <a:t>PRIORITÀ 2 (P2)</a:t>
+                        <a:t>PRIORITY 2</a:t>
                       </a:r>
+                      <a:endParaRPr sz="900" spc="0">
+                        <a:latin typeface="Adobe Clean"/>
+                        <a:cs typeface="Adobe Clean"/>
+                      </a:endParaRPr>
                     </a:p>
                     <a:p>
                       <a:pPr marL="50165" marR="203200">
@@ -2672,31 +2893,19 @@
                         </a:spcBef>
                       </a:pPr>
                       <a:r>
-                        <a:rPr lang="it-IT" sz="900" b="0" i="0" dirty="0">
+                        <a:rPr lang="en-US" sz="900" b="0" i="0" spc="0">
                           <a:solidFill>
                             <a:srgbClr val="000000"/>
                           </a:solidFill>
+                          <a:effectLst/>
                           <a:latin typeface="Adobe Clean Light" panose="020B0303020404020204" pitchFamily="34" charset="0"/>
                         </a:rPr>
-                        <a:t>Le funzioni operative del cliente hanno subìto un notevole deterioramento del servizio </a:t>
+                        <a:t>Customer's business functions have major service degradation or potential data loss, or a major feature is impacted </a:t>
                       </a:r>
-                      <a:br>
-                        <a:rPr lang="it-IT" sz="900" b="0" i="0" dirty="0">
-                          <a:solidFill>
-                            <a:srgbClr val="000000"/>
-                          </a:solidFill>
-                          <a:latin typeface="Adobe Clean Light" panose="020B0303020404020204" pitchFamily="34" charset="0"/>
-                        </a:rPr>
-                      </a:br>
-                      <a:r>
-                        <a:rPr lang="it-IT" sz="900" b="0" i="0" dirty="0">
-                          <a:solidFill>
-                            <a:srgbClr val="000000"/>
-                          </a:solidFill>
-                          <a:latin typeface="Adobe Clean Light" panose="020B0303020404020204" pitchFamily="34" charset="0"/>
-                        </a:rPr>
-                        <a:t>o potenziale perdita di dati, oppure un problema interessa una funzione importante. </a:t>
-                      </a:r>
+                      <a:endParaRPr lang="en-US" sz="900" b="0" i="0" spc="0">
+                        <a:latin typeface="Adobe Clean Light" panose="020B0303020404020204" pitchFamily="34" charset="0"/>
+                        <a:cs typeface="AdobeClean-Light"/>
+                      </a:endParaRPr>
                     </a:p>
                   </a:txBody>
                   <a:tcPr marL="0" marR="0" marT="3810" marB="0">
@@ -2731,7 +2940,7 @@
                     <a:bodyPr/>
                     <a:lstStyle/>
                     <a:p>
-                      <a:pPr marL="125413" marR="184785" indent="-3175" algn="ctr">
+                      <a:pPr marL="316865" marR="184785" indent="-193675" algn="ctr">
                         <a:lnSpc>
                           <a:spcPct val="100000"/>
                         </a:lnSpc>
@@ -2740,34 +2949,79 @@
                         </a:spcBef>
                       </a:pPr>
                       <a:r>
-                        <a:rPr lang="it-IT" sz="900" dirty="0">
+                        <a:rPr sz="900" spc="0">
                           <a:solidFill>
                             <a:srgbClr val="020302"/>
                           </a:solidFill>
                           <a:latin typeface="AdobeClean-Light"/>
                           <a:cs typeface="AdobeClean-Light"/>
                         </a:rPr>
-                        <a:t>Orario operativo/</a:t>
+                        <a:t>Business</a:t>
                       </a:r>
-                      <a:br>
-                        <a:rPr lang="it-IT" sz="900" dirty="0">
+                      <a:r>
+                        <a:rPr lang="en-US" sz="900" spc="0">
                           <a:solidFill>
                             <a:srgbClr val="020302"/>
                           </a:solidFill>
                           <a:latin typeface="AdobeClean-Light"/>
                           <a:cs typeface="AdobeClean-Light"/>
                         </a:rPr>
-                      </a:br>
+                        <a:t> </a:t>
+                      </a:r>
                       <a:r>
-                        <a:rPr lang="it-IT" sz="900" dirty="0">
+                        <a:rPr sz="900" spc="0">
                           <a:solidFill>
                             <a:srgbClr val="020302"/>
                           </a:solidFill>
                           <a:latin typeface="AdobeClean-Light"/>
                           <a:cs typeface="AdobeClean-Light"/>
                         </a:rPr>
-                        <a:t>4 ore</a:t>
+                        <a:t>hours</a:t>
                       </a:r>
+                      <a:r>
+                        <a:rPr lang="en-US" sz="900" spc="0">
+                          <a:solidFill>
+                            <a:srgbClr val="020302"/>
+                          </a:solidFill>
+                          <a:latin typeface="AdobeClean-Light"/>
+                          <a:cs typeface="AdobeClean-Light"/>
+                        </a:rPr>
+                        <a:t> </a:t>
+                      </a:r>
+                      <a:r>
+                        <a:rPr sz="900" spc="0">
+                          <a:solidFill>
+                            <a:srgbClr val="020302"/>
+                          </a:solidFill>
+                          <a:latin typeface="AdobeClean-Light"/>
+                          <a:cs typeface="AdobeClean-Light"/>
+                        </a:rPr>
+                        <a:t>/</a:t>
+                      </a:r>
+                      <a:r>
+                        <a:rPr lang="en-US" sz="900" spc="0">
+                          <a:solidFill>
+                            <a:srgbClr val="020302"/>
+                          </a:solidFill>
+                          <a:latin typeface="AdobeClean-Light"/>
+                          <a:cs typeface="AdobeClean-Light"/>
+                        </a:rPr>
+                        <a:t> </a:t>
+                      </a:r>
+                      <a:r>
+                        <a:rPr sz="900" spc="0">
+                          <a:solidFill>
+                            <a:srgbClr val="020302"/>
+                          </a:solidFill>
+                          <a:latin typeface="AdobeClean-Light"/>
+                          <a:cs typeface="AdobeClean-Light"/>
+                        </a:rPr>
+                        <a:t>4 hours</a:t>
+                      </a:r>
+                      <a:endParaRPr sz="900" spc="0">
+                        <a:latin typeface="AdobeClean-Light"/>
+                        <a:cs typeface="AdobeClean-Light"/>
+                      </a:endParaRPr>
                     </a:p>
                   </a:txBody>
                   <a:tcPr marL="0" marR="0" marT="91440" marB="91440" anchor="ctr" anchorCtr="1">
@@ -2802,7 +3056,7 @@
                     <a:bodyPr/>
                     <a:lstStyle/>
                     <a:p>
-                      <a:pPr marL="125413" marR="184785" indent="-3175" algn="ctr">
+                      <a:pPr marL="317500" marR="184785" indent="-194310" algn="ctr">
                         <a:lnSpc>
                           <a:spcPct val="100000"/>
                         </a:lnSpc>
@@ -2811,37 +3065,89 @@
                         </a:spcBef>
                       </a:pPr>
                       <a:r>
-                        <a:rPr lang="it-IT" sz="900" dirty="0">
+                        <a:rPr lang="en-US" sz="900" spc="0">
                           <a:solidFill>
                             <a:srgbClr val="020302"/>
                           </a:solidFill>
                           <a:latin typeface="AdobeClean-Light"/>
-                          <a:ea typeface="+mn-ea"/>
                           <a:cs typeface="AdobeClean-Light"/>
                         </a:rPr>
-                        <a:t>    Orario operativo/</a:t>
+                        <a:t>    </a:t>
                       </a:r>
-                      <a:br>
-                        <a:rPr lang="it-IT" sz="900" dirty="0">
+                      <a:r>
+                        <a:rPr sz="900" spc="0">
                           <a:solidFill>
                             <a:srgbClr val="020302"/>
                           </a:solidFill>
                           <a:latin typeface="AdobeClean-Light"/>
-                          <a:ea typeface="+mn-ea"/>
                           <a:cs typeface="AdobeClean-Light"/>
                         </a:rPr>
-                      </a:br>
+                        <a:t>Business</a:t>
+                      </a:r>
                       <a:r>
-                        <a:rPr lang="it-IT" sz="900" dirty="0">
+                        <a:rPr lang="en-US" sz="900" spc="0">
                           <a:solidFill>
                             <a:srgbClr val="020302"/>
                           </a:solidFill>
                           <a:latin typeface="AdobeClean-Light"/>
-                          <a:ea typeface="+mn-ea"/>
                           <a:cs typeface="AdobeClean-Light"/>
                         </a:rPr>
-                        <a:t>2 ore</a:t>
+                        <a:t> </a:t>
                       </a:r>
+                      <a:r>
+                        <a:rPr sz="900" spc="0">
+                          <a:solidFill>
+                            <a:srgbClr val="020302"/>
+                          </a:solidFill>
+                          <a:latin typeface="AdobeClean-Light"/>
+                          <a:cs typeface="AdobeClean-Light"/>
+                        </a:rPr>
+                        <a:t>hours</a:t>
+                      </a:r>
+                      <a:r>
+                        <a:rPr lang="en-US" sz="900" spc="0">
+                          <a:solidFill>
+                            <a:srgbClr val="020302"/>
+                          </a:solidFill>
+                          <a:latin typeface="AdobeClean-Light"/>
+                          <a:cs typeface="AdobeClean-Light"/>
+                        </a:rPr>
+                        <a:t> / </a:t>
+                      </a:r>
+                      <a:r>
+                        <a:rPr sz="900" spc="0">
+                          <a:solidFill>
+                            <a:srgbClr val="020302"/>
+                          </a:solidFill>
+                          <a:latin typeface="AdobeClean-Light"/>
+                          <a:cs typeface="AdobeClean-Light"/>
+                        </a:rPr>
+                        <a:t>2</a:t>
+                      </a:r>
+                      <a:r>
+                        <a:rPr lang="en-US" sz="900" spc="0">
+                          <a:solidFill>
+                            <a:srgbClr val="020302"/>
+                          </a:solidFill>
+                          <a:latin typeface="AdobeClean-Light"/>
+                          <a:cs typeface="AdobeClean-Light"/>
+                        </a:rPr>
+                        <a:t> </a:t>
+                      </a:r>
+                      <a:r>
+                        <a:rPr sz="900" spc="0">
+                          <a:solidFill>
+                            <a:srgbClr val="020302"/>
+                          </a:solidFill>
+                          <a:latin typeface="AdobeClean-Light"/>
+                          <a:cs typeface="AdobeClean-Light"/>
+                        </a:rPr>
+                        <a:t>hours</a:t>
+                      </a:r>
+                      <a:endParaRPr sz="900" spc="0">
+                        <a:latin typeface="AdobeClean-Light"/>
+                        <a:cs typeface="AdobeClean-Light"/>
+                      </a:endParaRPr>
                     </a:p>
                   </a:txBody>
                   <a:tcPr marL="0" marR="0" marT="91440" marB="91440" anchor="ctr" anchorCtr="1">
@@ -2897,15 +3203,19 @@
                         </a:spcBef>
                       </a:pPr>
                       <a:r>
-                        <a:rPr lang="it-IT" sz="900" b="1" dirty="0">
+                        <a:rPr sz="900" b="1" spc="0">
                           <a:solidFill>
                             <a:srgbClr val="020302"/>
                           </a:solidFill>
                           <a:latin typeface="Adobe Clean"/>
                           <a:cs typeface="Adobe Clean"/>
                         </a:rPr>
-                        <a:t>PRIORITÀ 3 (P3)</a:t>
+                        <a:t>PRIORITY 3</a:t>
                       </a:r>
+                      <a:endParaRPr sz="900" spc="0">
+                        <a:latin typeface="Adobe Clean"/>
+                        <a:cs typeface="Adobe Clean"/>
+                      </a:endParaRPr>
                     </a:p>
                     <a:p>
                       <a:pPr marL="49530" marR="212090" indent="-2540">
@@ -2917,52 +3227,26 @@
                         </a:spcBef>
                       </a:pPr>
                       <a:r>
-                        <a:rPr kumimoji="0" lang="it-IT" sz="900" b="0" i="0" u="none" strike="noStrike" cap="none" normalizeH="0" baseline="0" noProof="0" dirty="0">
+                        <a:rPr kumimoji="0" lang="en-US" sz="900" b="0" i="0" u="none" strike="noStrike" kern="1200" cap="none" spc="0" normalizeH="0" baseline="0" noProof="0">
                           <a:ln>
                             <a:noFill/>
                           </a:ln>
                           <a:solidFill>
                             <a:srgbClr val="000000"/>
                           </a:solidFill>
+                          <a:effectLst/>
                           <a:uLnTx/>
                           <a:uFillTx/>
                           <a:latin typeface="Adobe Clean Light" panose="020B0303020404020204" pitchFamily="34" charset="0"/>
                           <a:ea typeface="+mn-ea"/>
                           <a:cs typeface="+mn-cs"/>
                         </a:rPr>
-                        <a:t>Le funzioni operative del cliente sono interessate da deterioramento lieve del servizio, </a:t>
+                        <a:t>Customer's business functions have minor service degradation but there exists a solution/workaround allowing business functions to continue </a:t>
                       </a:r>
-                      <a:br>
-                        <a:rPr kumimoji="0" lang="it-IT" sz="900" b="0" i="0" u="none" strike="noStrike" cap="none" normalizeH="0" baseline="0" noProof="0" dirty="0">
-                          <a:ln>
-                            <a:noFill/>
-                          </a:ln>
-                          <a:solidFill>
-                            <a:srgbClr val="000000"/>
-                          </a:solidFill>
-                          <a:uLnTx/>
-                          <a:uFillTx/>
-                          <a:latin typeface="Adobe Clean Light" panose="020B0303020404020204" pitchFamily="34" charset="0"/>
-                          <a:ea typeface="+mn-ea"/>
-                          <a:cs typeface="+mn-cs"/>
-                        </a:rPr>
-                      </a:br>
-                      <a:r>
-                        <a:rPr kumimoji="0" lang="it-IT" sz="900" b="0" i="0" u="none" strike="noStrike" cap="none" normalizeH="0" baseline="0" noProof="0" dirty="0">
-                          <a:ln>
-                            <a:noFill/>
-                          </a:ln>
-                          <a:solidFill>
-                            <a:srgbClr val="000000"/>
-                          </a:solidFill>
-                          <a:uLnTx/>
-                          <a:uFillTx/>
-                          <a:latin typeface="Adobe Clean Light" panose="020B0303020404020204" pitchFamily="34" charset="0"/>
-                          <a:ea typeface="+mn-ea"/>
-                          <a:cs typeface="+mn-cs"/>
-                        </a:rPr>
-                        <a:t>tuttavia è possibile procedere mediante una soluzione temporanea. </a:t>
-                      </a:r>
+                      <a:endParaRPr lang="en-US" sz="900" b="0" i="0" spc="0">
+                        <a:latin typeface="Adobe Clean Light" panose="020B0303020404020204" pitchFamily="34" charset="0"/>
+                        <a:cs typeface="AdobeClean-Light"/>
+                      </a:endParaRPr>
                     </a:p>
                   </a:txBody>
                   <a:tcPr marL="0" marR="0" marT="3810" marB="0">
@@ -2997,46 +3281,98 @@
                     <a:bodyPr/>
                     <a:lstStyle/>
                     <a:p>
-                      <a:pPr marL="125413" marR="184785" indent="-3175" algn="ctr">
+                      <a:pPr marL="313690" marR="184150" indent="-189865" algn="ctr">
                         <a:lnSpc>
                           <a:spcPct val="100000"/>
                         </a:lnSpc>
                         <a:spcBef>
-                          <a:spcPts val="670"/>
+                          <a:spcPts val="645"/>
                         </a:spcBef>
                       </a:pPr>
                       <a:r>
-                        <a:rPr lang="it-IT" sz="900" dirty="0">
+                        <a:rPr lang="en-US" sz="900" spc="0">
                           <a:solidFill>
                             <a:srgbClr val="020302"/>
                           </a:solidFill>
                           <a:latin typeface="AdobeClean-Light"/>
-                          <a:ea typeface="+mn-ea"/>
                           <a:cs typeface="AdobeClean-Light"/>
                         </a:rPr>
-                        <a:t>   Orario operativo/</a:t>
+                        <a:t>   </a:t>
                       </a:r>
-                      <a:br>
-                        <a:rPr lang="it-IT" sz="900" dirty="0">
+                      <a:r>
+                        <a:rPr sz="900" spc="0">
                           <a:solidFill>
                             <a:srgbClr val="020302"/>
                           </a:solidFill>
                           <a:latin typeface="AdobeClean-Light"/>
-                          <a:ea typeface="+mn-ea"/>
                           <a:cs typeface="AdobeClean-Light"/>
                         </a:rPr>
-                      </a:br>
+                        <a:t>Business</a:t>
+                      </a:r>
                       <a:r>
-                        <a:rPr lang="it-IT" sz="900" dirty="0">
+                        <a:rPr lang="en-US" sz="900" spc="0">
                           <a:solidFill>
                             <a:srgbClr val="020302"/>
                           </a:solidFill>
                           <a:latin typeface="AdobeClean-Light"/>
-                          <a:ea typeface="+mn-ea"/>
                           <a:cs typeface="AdobeClean-Light"/>
                         </a:rPr>
-                        <a:t>6 ore</a:t>
+                        <a:t> </a:t>
                       </a:r>
+                      <a:r>
+                        <a:rPr sz="900" spc="0">
+                          <a:solidFill>
+                            <a:srgbClr val="020302"/>
+                          </a:solidFill>
+                          <a:latin typeface="AdobeClean-Light"/>
+                          <a:cs typeface="AdobeClean-Light"/>
+                        </a:rPr>
+                        <a:t>hours</a:t>
+                      </a:r>
+                      <a:r>
+                        <a:rPr lang="en-US" sz="900" spc="0">
+                          <a:solidFill>
+                            <a:srgbClr val="020302"/>
+                          </a:solidFill>
+                          <a:latin typeface="AdobeClean-Light"/>
+                          <a:cs typeface="AdobeClean-Light"/>
+                        </a:rPr>
+                        <a:t> / </a:t>
+                      </a:r>
+                      <a:r>
+                        <a:rPr sz="900" spc="0">
+                          <a:solidFill>
+                            <a:srgbClr val="020302"/>
+                          </a:solidFill>
+                          <a:latin typeface="AdobeClean-Light"/>
+                          <a:cs typeface="AdobeClean-Light"/>
+                        </a:rPr>
+                        <a:t>6</a:t>
+                      </a:r>
+                      <a:r>
+                        <a:rPr lang="en-US" sz="900" spc="0">
+                          <a:solidFill>
+                            <a:srgbClr val="020302"/>
+                          </a:solidFill>
+                          <a:latin typeface="AdobeClean-Light"/>
+                          <a:cs typeface="AdobeClean-Light"/>
+                        </a:rPr>
+                        <a:t> </a:t>
+                      </a:r>
+                      <a:r>
+                        <a:rPr sz="900" spc="0">
+                          <a:solidFill>
+                            <a:srgbClr val="020302"/>
+                          </a:solidFill>
+                          <a:latin typeface="AdobeClean-Light"/>
+                          <a:cs typeface="AdobeClean-Light"/>
+                        </a:rPr>
+                        <a:t>hours</a:t>
+                      </a:r>
+                      <a:endParaRPr sz="900" spc="0">
+                        <a:latin typeface="AdobeClean-Light"/>
+                        <a:cs typeface="AdobeClean-Light"/>
+                      </a:endParaRPr>
                     </a:p>
                   </a:txBody>
                   <a:tcPr marL="0" marR="0" marT="91440" marB="91440" anchor="ctr" anchorCtr="1">
@@ -3071,46 +3407,88 @@
                     <a:bodyPr/>
                     <a:lstStyle/>
                     <a:p>
-                      <a:pPr marL="125413" marR="184785" indent="-3175" algn="ctr">
+                      <a:pPr marL="316230" marR="185420" indent="-193675" algn="ctr">
                         <a:lnSpc>
                           <a:spcPct val="100000"/>
                         </a:lnSpc>
                         <a:spcBef>
-                          <a:spcPts val="670"/>
+                          <a:spcPts val="645"/>
                         </a:spcBef>
                       </a:pPr>
                       <a:r>
-                        <a:rPr lang="it-IT" sz="900" dirty="0">
+                        <a:rPr sz="900" spc="0">
                           <a:solidFill>
                             <a:srgbClr val="020302"/>
                           </a:solidFill>
                           <a:latin typeface="AdobeClean-Light"/>
-                          <a:ea typeface="+mn-ea"/>
                           <a:cs typeface="AdobeClean-Light"/>
                         </a:rPr>
-                        <a:t>Orario operativo/</a:t>
+                        <a:t>Business</a:t>
                       </a:r>
-                      <a:br>
-                        <a:rPr lang="it-IT" sz="900" dirty="0">
+                      <a:r>
+                        <a:rPr lang="en-US" sz="900" spc="0">
                           <a:solidFill>
                             <a:srgbClr val="020302"/>
                           </a:solidFill>
                           <a:latin typeface="AdobeClean-Light"/>
-                          <a:ea typeface="+mn-ea"/>
                           <a:cs typeface="AdobeClean-Light"/>
                         </a:rPr>
-                      </a:br>
+                        <a:t> </a:t>
+                      </a:r>
                       <a:r>
-                        <a:rPr lang="it-IT" sz="900" dirty="0">
+                        <a:rPr sz="900" spc="0">
                           <a:solidFill>
                             <a:srgbClr val="020302"/>
                           </a:solidFill>
                           <a:latin typeface="AdobeClean-Light"/>
-                          <a:ea typeface="+mn-ea"/>
                           <a:cs typeface="AdobeClean-Light"/>
                         </a:rPr>
-                        <a:t>4 ore</a:t>
+                        <a:t>hours</a:t>
                       </a:r>
+                      <a:r>
+                        <a:rPr lang="en-US" sz="900" spc="0">
+                          <a:solidFill>
+                            <a:srgbClr val="020302"/>
+                          </a:solidFill>
+                          <a:latin typeface="AdobeClean-Light"/>
+                          <a:cs typeface="AdobeClean-Light"/>
+                        </a:rPr>
+                        <a:t> </a:t>
+                      </a:r>
+                      <a:r>
+                        <a:rPr sz="900" spc="0">
+                          <a:solidFill>
+                            <a:srgbClr val="020302"/>
+                          </a:solidFill>
+                          <a:latin typeface="AdobeClean-Light"/>
+                          <a:cs typeface="AdobeClean-Light"/>
+                        </a:rPr>
+                        <a:t>/ 4</a:t>
+                      </a:r>
+                      <a:r>
+                        <a:rPr lang="en-US" sz="900" spc="0">
+                          <a:solidFill>
+                            <a:srgbClr val="020302"/>
+                          </a:solidFill>
+                          <a:latin typeface="AdobeClean-Light"/>
+                          <a:cs typeface="AdobeClean-Light"/>
+                        </a:rPr>
+                        <a:t> </a:t>
+                      </a:r>
+                      <a:r>
+                        <a:rPr sz="900" spc="0">
+                          <a:solidFill>
+                            <a:srgbClr val="020302"/>
+                          </a:solidFill>
+                          <a:latin typeface="AdobeClean-Light"/>
+                          <a:cs typeface="AdobeClean-Light"/>
+                        </a:rPr>
+                        <a:t>hours</a:t>
+                      </a:r>
+                      <a:endParaRPr sz="900" spc="0">
+                        <a:latin typeface="AdobeClean-Light"/>
+                        <a:cs typeface="AdobeClean-Light"/>
+                      </a:endParaRPr>
                     </a:p>
                   </a:txBody>
                   <a:tcPr marL="0" marR="0" marT="91440" marB="91440" anchor="ctr" anchorCtr="1">
@@ -3166,15 +3544,19 @@
                         </a:spcBef>
                       </a:pPr>
                       <a:r>
-                        <a:rPr lang="it-IT" sz="900" b="1">
+                        <a:rPr sz="900" b="1" spc="0">
                           <a:solidFill>
                             <a:srgbClr val="020302"/>
                           </a:solidFill>
                           <a:latin typeface="Adobe Clean"/>
                           <a:cs typeface="Adobe Clean"/>
                         </a:rPr>
-                        <a:t>PRIORITÀ 4 (P4)</a:t>
+                        <a:t>PRIORITY 4</a:t>
                       </a:r>
+                      <a:endParaRPr sz="900" spc="0">
+                        <a:latin typeface="Adobe Clean"/>
+                        <a:cs typeface="Adobe Clean"/>
+                      </a:endParaRPr>
                     </a:p>
                     <a:p>
                       <a:pPr marL="48895" marR="0" lvl="0" indent="0" defTabSz="914400" eaLnBrk="1" fontAlgn="auto" latinLnBrk="0" hangingPunct="1">
@@ -3195,14 +3577,19 @@
                         <a:defRPr/>
                       </a:pPr>
                       <a:r>
-                        <a:rPr lang="it-IT" sz="900" b="0" i="0">
+                        <a:rPr lang="en-US" sz="900" b="0" i="0" spc="0">
                           <a:solidFill>
                             <a:srgbClr val="000000"/>
                           </a:solidFill>
+                          <a:effectLst/>
                           <a:latin typeface="Adobe Clean Light" panose="020B0303020404020204" pitchFamily="34" charset="0"/>
                         </a:rPr>
-                        <a:t>Domande generali sulle attuali funzionalità del prodotto o su una richiesta di miglioramento</a:t>
+                        <a:t>General question regarding current product functionality or an enhancement request</a:t>
                       </a:r>
+                      <a:endParaRPr lang="en-US" sz="900" b="0" i="0" spc="0">
+                        <a:latin typeface="Adobe Clean Light" panose="020B0303020404020204" pitchFamily="34" charset="0"/>
+                        <a:cs typeface="AdobeClean-Light"/>
+                      </a:endParaRPr>
                     </a:p>
                   </a:txBody>
                   <a:tcPr marL="0" marR="0" marT="1905" marB="0">
@@ -3237,46 +3624,78 @@
                     <a:bodyPr/>
                     <a:lstStyle/>
                     <a:p>
-                      <a:pPr marL="125413" marR="184785" indent="-3175" algn="ctr">
+                      <a:pPr marL="340360" marR="203200" indent="-193040" algn="ctr">
                         <a:lnSpc>
                           <a:spcPct val="100000"/>
                         </a:lnSpc>
                         <a:spcBef>
-                          <a:spcPts val="670"/>
+                          <a:spcPts val="155"/>
                         </a:spcBef>
                       </a:pPr>
                       <a:r>
-                        <a:rPr lang="it-IT" sz="900" dirty="0">
+                        <a:rPr lang="en-US" sz="900" spc="0">
                           <a:solidFill>
                             <a:srgbClr val="020302"/>
                           </a:solidFill>
                           <a:latin typeface="AdobeClean-Light"/>
-                          <a:ea typeface="+mn-ea"/>
                           <a:cs typeface="AdobeClean-Light"/>
                         </a:rPr>
-                        <a:t>  Giorni lavorativi/</a:t>
+                        <a:t>  </a:t>
                       </a:r>
-                      <a:br>
-                        <a:rPr lang="it-IT" sz="900" dirty="0">
+                      <a:r>
+                        <a:rPr sz="900" spc="0">
                           <a:solidFill>
                             <a:srgbClr val="020302"/>
                           </a:solidFill>
                           <a:latin typeface="AdobeClean-Light"/>
-                          <a:ea typeface="+mn-ea"/>
                           <a:cs typeface="AdobeClean-Light"/>
                         </a:rPr>
-                      </a:br>
+                        <a:t>Business</a:t>
+                      </a:r>
                       <a:r>
-                        <a:rPr lang="it-IT" sz="900" dirty="0">
+                        <a:rPr lang="en-US" sz="900" spc="0">
                           <a:solidFill>
                             <a:srgbClr val="020302"/>
                           </a:solidFill>
                           <a:latin typeface="AdobeClean-Light"/>
-                          <a:ea typeface="+mn-ea"/>
                           <a:cs typeface="AdobeClean-Light"/>
                         </a:rPr>
-                        <a:t>3 giorni</a:t>
+                        <a:t> </a:t>
                       </a:r>
+                      <a:r>
+                        <a:rPr sz="900" spc="0">
+                          <a:solidFill>
+                            <a:srgbClr val="020302"/>
+                          </a:solidFill>
+                          <a:latin typeface="AdobeClean-Light"/>
+                          <a:cs typeface="AdobeClean-Light"/>
+                        </a:rPr>
+                        <a:t>days</a:t>
+                      </a:r>
+                      <a:r>
+                        <a:rPr lang="en-US" sz="900" spc="0">
+                          <a:solidFill>
+                            <a:srgbClr val="020302"/>
+                          </a:solidFill>
+                          <a:latin typeface="AdobeClean-Light"/>
+                          <a:cs typeface="AdobeClean-Light"/>
+                        </a:rPr>
+                        <a:t> / </a:t>
+                      </a:r>
+                      <a:r>
+                        <a:rPr sz="900" spc="0">
+                          <a:solidFill>
+                            <a:srgbClr val="020302"/>
+                          </a:solidFill>
+                          <a:latin typeface="AdobeClean-Light"/>
+                          <a:cs typeface="AdobeClean-Light"/>
+                        </a:rPr>
+                        <a:t>3 days</a:t>
+                      </a:r>
+                      <a:endParaRPr sz="900" spc="0">
+                        <a:latin typeface="AdobeClean-Light"/>
+                        <a:cs typeface="AdobeClean-Light"/>
+                      </a:endParaRPr>
                     </a:p>
                   </a:txBody>
                   <a:tcPr marL="0" marR="0" marT="91440" marB="91440" anchor="ctr" anchorCtr="1">
@@ -3311,46 +3730,88 @@
                     <a:bodyPr/>
                     <a:lstStyle/>
                     <a:p>
-                      <a:pPr marL="125413" marR="184785" indent="-3175" algn="ctr">
+                      <a:pPr marL="370840" marR="223520" indent="-202565" algn="ctr">
                         <a:lnSpc>
                           <a:spcPct val="100000"/>
                         </a:lnSpc>
                         <a:spcBef>
-                          <a:spcPts val="670"/>
+                          <a:spcPts val="155"/>
                         </a:spcBef>
                       </a:pPr>
                       <a:r>
-                        <a:rPr lang="it-IT" sz="900" dirty="0">
+                        <a:rPr sz="900" spc="0" dirty="0">
                           <a:solidFill>
                             <a:srgbClr val="020302"/>
                           </a:solidFill>
                           <a:latin typeface="AdobeClean-Light"/>
-                          <a:ea typeface="+mn-ea"/>
                           <a:cs typeface="AdobeClean-Light"/>
                         </a:rPr>
-                        <a:t>Giorni lavorativi/</a:t>
+                        <a:t>Business</a:t>
                       </a:r>
-                      <a:br>
-                        <a:rPr lang="it-IT" sz="900" dirty="0">
+                      <a:r>
+                        <a:rPr lang="en-US" sz="900" spc="0" dirty="0">
                           <a:solidFill>
                             <a:srgbClr val="020302"/>
                           </a:solidFill>
                           <a:latin typeface="AdobeClean-Light"/>
-                          <a:ea typeface="+mn-ea"/>
                           <a:cs typeface="AdobeClean-Light"/>
                         </a:rPr>
-                      </a:br>
+                        <a:t> </a:t>
+                      </a:r>
                       <a:r>
-                        <a:rPr lang="it-IT" sz="900" dirty="0">
+                        <a:rPr sz="900" spc="0" dirty="0">
                           <a:solidFill>
                             <a:srgbClr val="020302"/>
                           </a:solidFill>
                           <a:latin typeface="AdobeClean-Light"/>
-                          <a:ea typeface="+mn-ea"/>
                           <a:cs typeface="AdobeClean-Light"/>
                         </a:rPr>
-                        <a:t>1 giorno</a:t>
+                        <a:t>day</a:t>
                       </a:r>
+                      <a:r>
+                        <a:rPr lang="en-US" sz="900" spc="0" dirty="0">
+                          <a:solidFill>
+                            <a:srgbClr val="020302"/>
+                          </a:solidFill>
+                          <a:latin typeface="AdobeClean-Light"/>
+                          <a:cs typeface="AdobeClean-Light"/>
+                        </a:rPr>
+                        <a:t>s </a:t>
+                      </a:r>
+                      <a:r>
+                        <a:rPr sz="900" spc="0" dirty="0">
+                          <a:solidFill>
+                            <a:srgbClr val="020302"/>
+                          </a:solidFill>
+                          <a:latin typeface="AdobeClean-Light"/>
+                          <a:cs typeface="AdobeClean-Light"/>
+                        </a:rPr>
+                        <a:t>/</a:t>
+                      </a:r>
+                      <a:r>
+                        <a:rPr lang="en-US" sz="900" spc="0" dirty="0">
+                          <a:solidFill>
+                            <a:srgbClr val="020302"/>
+                          </a:solidFill>
+                          <a:latin typeface="AdobeClean-Light"/>
+                          <a:cs typeface="AdobeClean-Light"/>
+                        </a:rPr>
+                        <a:t> </a:t>
+                      </a:r>
+                      <a:r>
+                        <a:rPr sz="900" spc="0" dirty="0">
+                          <a:solidFill>
+                            <a:srgbClr val="020302"/>
+                          </a:solidFill>
+                          <a:latin typeface="AdobeClean-Light"/>
+                          <a:cs typeface="AdobeClean-Light"/>
+                        </a:rPr>
+                        <a:t>1 day</a:t>
+                      </a:r>
+                      <a:endParaRPr sz="900" spc="0" dirty="0">
+                        <a:latin typeface="AdobeClean-Light"/>
+                        <a:cs typeface="AdobeClean-Light"/>
+                      </a:endParaRPr>
                     </a:p>
                   </a:txBody>
                   <a:tcPr marL="0" marR="0" marT="91440" marB="91440" anchor="ctr" anchorCtr="1">
@@ -3410,14 +3871,14 @@
           <p:nvPr>
             <p:extLst>
               <p:ext uri="{D42A27DB-BD31-4B8C-83A1-F6EECF244321}">
-                <p14:modId xmlns:p14="http://schemas.microsoft.com/office/powerpoint/2010/main" val="4201184"/>
+                <p14:modId xmlns:p14="http://schemas.microsoft.com/office/powerpoint/2010/main" val="1162910209"/>
               </p:ext>
             </p:extLst>
           </p:nvPr>
         </p:nvGraphicFramePr>
         <p:xfrm>
           <a:off x="121147" y="2120949"/>
-          <a:ext cx="7498851" cy="4815558"/>
+          <a:ext cx="7498851" cy="4714546"/>
         </p:xfrm>
         <a:graphic>
           <a:graphicData uri="http://schemas.openxmlformats.org/drawingml/2006/table">
@@ -3499,15 +3960,39 @@
                         <a:defRPr/>
                       </a:pPr>
                       <a:r>
-                        <a:rPr lang="it-IT" sz="900" dirty="0">
+                        <a:rPr lang="en-US" sz="900" spc="-20" dirty="0">
                           <a:solidFill>
                             <a:srgbClr val="404040"/>
                           </a:solidFill>
                           <a:latin typeface="Adobe Clean"/>
                           <a:cs typeface="Adobe Clean"/>
                         </a:rPr>
-                        <a:t>Supporto Online</a:t>
+                        <a:t>Standard </a:t>
                       </a:r>
+                      <a:r>
+                        <a:rPr lang="en-US" sz="900" spc="-135" dirty="0">
+                          <a:solidFill>
+                            <a:srgbClr val="404040"/>
+                          </a:solidFill>
+                          <a:latin typeface="Adobe Clean"/>
+                          <a:cs typeface="Adobe Clean"/>
+                        </a:rPr>
+                        <a:t> </a:t>
+                      </a:r>
+                      <a:r>
+                        <a:rPr lang="en-US" sz="900" spc="-20" dirty="0">
+                          <a:solidFill>
+                            <a:srgbClr val="404040"/>
+                          </a:solidFill>
+                          <a:latin typeface="Adobe Clean"/>
+                          <a:cs typeface="Adobe Clean"/>
+                        </a:rPr>
+                        <a:t>Support</a:t>
+                      </a:r>
+                      <a:endParaRPr lang="en-US" sz="900" dirty="0">
+                        <a:latin typeface="Adobe Clean"/>
+                        <a:cs typeface="Adobe Clean"/>
+                      </a:endParaRPr>
                     </a:p>
                   </a:txBody>
                   <a:tcPr marL="0" marR="0" marT="7620" marB="0" anchor="ctr">
@@ -3548,15 +4033,39 @@
                         </a:spcBef>
                       </a:pPr>
                       <a:r>
-                        <a:rPr lang="it-IT" sz="900" dirty="0">
+                        <a:rPr sz="900" spc="-20">
                           <a:solidFill>
                             <a:srgbClr val="FFFFFF"/>
                           </a:solidFill>
                           <a:latin typeface="Adobe Clean"/>
                           <a:cs typeface="Adobe Clean"/>
                         </a:rPr>
-                        <a:t>Supporto Business</a:t>
+                        <a:t>Business</a:t>
                       </a:r>
+                      <a:r>
+                        <a:rPr lang="en-US" sz="900" spc="-20">
+                          <a:solidFill>
+                            <a:srgbClr val="FFFFFF"/>
+                          </a:solidFill>
+                          <a:latin typeface="Adobe Clean"/>
+                          <a:cs typeface="Adobe Clean"/>
+                        </a:rPr>
+                        <a:t> </a:t>
+                      </a:r>
+                      <a:r>
+                        <a:rPr sz="900" spc="-20">
+                          <a:solidFill>
+                            <a:srgbClr val="FFFFFF"/>
+                          </a:solidFill>
+                          <a:latin typeface="Adobe Clean"/>
+                          <a:cs typeface="Adobe Clean"/>
+                        </a:rPr>
+                        <a:t>Support</a:t>
+                      </a:r>
+                      <a:endParaRPr sz="900">
+                        <a:latin typeface="Adobe Clean"/>
+                        <a:cs typeface="Adobe Clean"/>
+                      </a:endParaRPr>
                     </a:p>
                   </a:txBody>
                   <a:tcPr marL="0" marR="0" marT="7620" marB="0" anchor="ctr">
@@ -3621,7 +4130,7 @@
                     <a:bodyPr/>
                     <a:lstStyle/>
                     <a:p>
-                      <a:pPr marL="0" marR="0" lvl="0" indent="0" algn="l" defTabSz="914400" rtl="0" eaLnBrk="1" fontAlgn="auto" latinLnBrk="0" hangingPunct="1">
+                      <a:pPr marL="0" marR="0" lvl="0" indent="0" algn="ctr" defTabSz="914400" eaLnBrk="1" fontAlgn="auto" latinLnBrk="0" hangingPunct="1">
                         <a:lnSpc>
                           <a:spcPct val="100000"/>
                         </a:lnSpc>
@@ -3702,13 +4211,13 @@
                         <a:defRPr/>
                       </a:pPr>
                       <a:r>
-                        <a:rPr lang="it-IT" sz="800" i="1">
+                        <a:rPr lang="en-US" sz="800" i="1">
                           <a:solidFill>
                             <a:schemeClr val="bg1"/>
                           </a:solidFill>
                           <a:latin typeface="Adobe Clean Light" panose="020B0303020404020204" pitchFamily="34" charset="0"/>
                         </a:rPr>
-                        <a:t>Supporto a pagamento ($)</a:t>
+                        <a:t>Paid Support ($)</a:t>
                       </a:r>
                     </a:p>
                   </a:txBody>
@@ -3772,15 +4281,22 @@
                         </a:spcBef>
                       </a:pPr>
                       <a:r>
-                        <a:rPr lang="it-IT" sz="1000" b="1" i="0">
+                        <a:rPr lang="en-US" sz="1000" b="1" i="0" spc="0">
                           <a:solidFill>
                             <a:schemeClr val="bg1"/>
                           </a:solidFill>
                           <a:latin typeface="Adobe Clean" panose="020B0503020404020204" pitchFamily="34" charset="0"/>
                           <a:cs typeface="AdobeClean-Light"/>
                         </a:rPr>
-                        <a:t>Esperti assegnati</a:t>
+                        <a:t>Assigned Experts</a:t>
                       </a:r>
+                      <a:endParaRPr sz="1000" b="1" i="0" spc="0">
+                        <a:solidFill>
+                          <a:schemeClr val="bg1"/>
+                        </a:solidFill>
+                        <a:latin typeface="Adobe Clean" panose="020B0503020404020204" pitchFamily="34" charset="0"/>
+                        <a:cs typeface="AdobeClean-Light"/>
+                      </a:endParaRPr>
                     </a:p>
                   </a:txBody>
                   <a:tcPr marL="0" marR="0" marT="58419" marB="0" anchor="ctr">
@@ -3827,7 +4343,7 @@
                         </a:spcBef>
                       </a:pPr>
                       <a:r>
-                        <a:rPr lang="it-IT" sz="900">
+                        <a:rPr sz="900" spc="0">
                           <a:solidFill>
                             <a:srgbClr val="020302"/>
                           </a:solidFill>
@@ -3836,6 +4352,10 @@
                         </a:rPr>
                         <a:t>Account Support Lead</a:t>
                       </a:r>
+                      <a:endParaRPr sz="900" spc="0">
+                        <a:latin typeface="AdobeClean-Light"/>
+                        <a:cs typeface="AdobeClean-Light"/>
+                      </a:endParaRPr>
                     </a:p>
                   </a:txBody>
                   <a:tcPr marL="0" marR="0" marT="58419" marB="0">
@@ -3870,7 +4390,7 @@
                     <a:bodyPr/>
                     <a:lstStyle/>
                     <a:p>
-                      <a:pPr algn="l" rtl="0">
+                      <a:pPr algn="ctr">
                         <a:lnSpc>
                           <a:spcPct val="100000"/>
                         </a:lnSpc>
@@ -3920,7 +4440,7 @@
                         </a:spcBef>
                       </a:pPr>
                       <a:r>
-                        <a:rPr lang="it-IT" sz="900">
+                        <a:rPr sz="900">
                           <a:solidFill>
                             <a:srgbClr val="020302"/>
                           </a:solidFill>
@@ -3929,6 +4449,10 @@
                         </a:rPr>
                         <a:t></a:t>
                       </a:r>
+                      <a:endParaRPr sz="900">
+                        <a:latin typeface="Wingdings"/>
+                        <a:cs typeface="Wingdings"/>
+                      </a:endParaRPr>
                     </a:p>
                   </a:txBody>
                   <a:tcPr marL="0" marR="0" marT="59690" marB="0" anchor="ctr">
@@ -3960,7 +4484,7 @@
                     <a:bodyPr/>
                     <a:lstStyle/>
                     <a:p>
-                      <a:pPr marL="50800" algn="l" rtl="0">
+                      <a:pPr marL="50800">
                         <a:lnSpc>
                           <a:spcPct val="100000"/>
                         </a:lnSpc>
@@ -4006,7 +4530,7 @@
                         </a:spcBef>
                       </a:pPr>
                       <a:r>
-                        <a:rPr lang="it-IT" sz="900">
+                        <a:rPr sz="900" spc="0">
                           <a:solidFill>
                             <a:srgbClr val="020302"/>
                           </a:solidFill>
@@ -4015,6 +4539,10 @@
                         </a:rPr>
                         <a:t>Named Support Engineer</a:t>
                       </a:r>
+                      <a:endParaRPr sz="900" spc="0">
+                        <a:latin typeface="AdobeClean-Light"/>
+                        <a:cs typeface="AdobeClean-Light"/>
+                      </a:endParaRPr>
                     </a:p>
                   </a:txBody>
                   <a:tcPr marL="0" marR="0" marT="58419" marB="0">
@@ -4037,7 +4565,7 @@
                     <a:bodyPr/>
                     <a:lstStyle/>
                     <a:p>
-                      <a:pPr algn="l" rtl="0">
+                      <a:pPr algn="ctr">
                         <a:lnSpc>
                           <a:spcPct val="100000"/>
                         </a:lnSpc>
@@ -4066,7 +4594,7 @@
                     <a:bodyPr/>
                     <a:lstStyle/>
                     <a:p>
-                      <a:pPr algn="l" rtl="0">
+                      <a:pPr algn="ctr">
                         <a:lnSpc>
                           <a:spcPct val="100000"/>
                         </a:lnSpc>
@@ -4097,7 +4625,7 @@
                     <a:bodyPr/>
                     <a:lstStyle/>
                     <a:p>
-                      <a:pPr marL="50800" algn="l" rtl="0">
+                      <a:pPr marL="50800">
                         <a:lnSpc>
                           <a:spcPct val="100000"/>
                         </a:lnSpc>
@@ -4155,7 +4683,7 @@
                         </a:spcBef>
                       </a:pPr>
                       <a:r>
-                        <a:rPr lang="it-IT" sz="900">
+                        <a:rPr sz="900" spc="0">
                           <a:solidFill>
                             <a:srgbClr val="020302"/>
                           </a:solidFill>
@@ -4164,6 +4692,10 @@
                         </a:rPr>
                         <a:t>Technical Account Manager</a:t>
                       </a:r>
+                      <a:endParaRPr sz="900" spc="0">
+                        <a:latin typeface="AdobeClean-Light"/>
+                        <a:cs typeface="AdobeClean-Light"/>
+                      </a:endParaRPr>
                     </a:p>
                   </a:txBody>
                   <a:tcPr marL="0" marR="0" marT="63500" marB="0">
@@ -4192,7 +4724,7 @@
                     <a:bodyPr/>
                     <a:lstStyle/>
                     <a:p>
-                      <a:pPr algn="l" rtl="0">
+                      <a:pPr algn="ctr">
                         <a:lnSpc>
                           <a:spcPct val="100000"/>
                         </a:lnSpc>
@@ -4230,7 +4762,7 @@
                     <a:bodyPr/>
                     <a:lstStyle/>
                     <a:p>
-                      <a:pPr algn="l" rtl="0">
+                      <a:pPr algn="ctr">
                         <a:lnSpc>
                           <a:spcPct val="100000"/>
                         </a:lnSpc>
@@ -4279,15 +4811,22 @@
                         </a:spcBef>
                       </a:pPr>
                       <a:r>
-                        <a:rPr lang="it-IT" sz="1000" b="1" i="0">
+                        <a:rPr lang="en-US" sz="1000" b="1" i="0" spc="0">
                           <a:solidFill>
                             <a:schemeClr val="bg1"/>
                           </a:solidFill>
                           <a:latin typeface="Adobe Clean" panose="020B0503020404020204" pitchFamily="34" charset="0"/>
                           <a:cs typeface="AdobeClean-Light"/>
                         </a:rPr>
-                        <a:t>Servizi di assistenza</a:t>
+                        <a:t>Support Services</a:t>
                       </a:r>
+                      <a:endParaRPr sz="1000" b="1" i="0" spc="0">
+                        <a:solidFill>
+                          <a:schemeClr val="bg1"/>
+                        </a:solidFill>
+                        <a:latin typeface="Adobe Clean" panose="020B0503020404020204" pitchFamily="34" charset="0"/>
+                        <a:cs typeface="AdobeClean-Light"/>
+                      </a:endParaRPr>
                     </a:p>
                   </a:txBody>
                   <a:tcPr marL="0" marR="0" marT="57150" marB="0" anchor="ctr">
@@ -4343,15 +4882,29 @@
                         </a:spcBef>
                       </a:pPr>
                       <a:r>
-                        <a:rPr lang="it-IT" sz="900">
+                        <a:rPr lang="en-US" sz="900" spc="0">
                           <a:solidFill>
                             <a:srgbClr val="020302"/>
                           </a:solidFill>
                           <a:latin typeface="AdobeClean-Light"/>
                           <a:cs typeface="AdobeClean-Light"/>
                         </a:rPr>
-                        <a:t>Supporto Online</a:t>
+                        <a:t>Online</a:t>
                       </a:r>
+                      <a:r>
+                        <a:rPr sz="900" spc="0">
+                          <a:solidFill>
+                            <a:srgbClr val="020302"/>
+                          </a:solidFill>
+                          <a:latin typeface="AdobeClean-Light"/>
+                          <a:cs typeface="AdobeClean-Light"/>
+                        </a:rPr>
+                        <a:t> Support</a:t>
+                      </a:r>
+                      <a:endParaRPr sz="900" spc="0">
+                        <a:latin typeface="AdobeClean-Light"/>
+                        <a:cs typeface="AdobeClean-Light"/>
+                      </a:endParaRPr>
                     </a:p>
                   </a:txBody>
                   <a:tcPr marL="0" marR="0" marT="57150" marB="0">
@@ -4389,15 +4942,39 @@
                         </a:spcBef>
                       </a:pPr>
                       <a:r>
-                        <a:rPr lang="it-IT" sz="900">
+                        <a:rPr sz="900" spc="-25">
                           <a:solidFill>
                             <a:srgbClr val="020302"/>
                           </a:solidFill>
                           <a:latin typeface="AdobeClean-Light"/>
                           <a:cs typeface="AdobeClean-Light"/>
                         </a:rPr>
-                        <a:t>Orario operativo</a:t>
+                        <a:t>Business</a:t>
                       </a:r>
+                      <a:r>
+                        <a:rPr sz="900" spc="-15">
+                          <a:solidFill>
+                            <a:srgbClr val="020302"/>
+                          </a:solidFill>
+                          <a:latin typeface="AdobeClean-Light"/>
+                          <a:cs typeface="AdobeClean-Light"/>
+                        </a:rPr>
+                        <a:t> </a:t>
+                      </a:r>
+                      <a:r>
+                        <a:rPr sz="900" spc="-30">
+                          <a:solidFill>
+                            <a:srgbClr val="020302"/>
+                          </a:solidFill>
+                          <a:latin typeface="AdobeClean-Light"/>
+                          <a:cs typeface="AdobeClean-Light"/>
+                        </a:rPr>
+                        <a:t>hours</a:t>
+                      </a:r>
+                      <a:endParaRPr sz="900">
+                        <a:latin typeface="AdobeClean-Light"/>
+                        <a:cs typeface="AdobeClean-Light"/>
+                      </a:endParaRPr>
                     </a:p>
                   </a:txBody>
                   <a:tcPr marL="0" marR="0" marT="67945" marB="0">
@@ -4436,15 +5013,39 @@
                         </a:spcBef>
                       </a:pPr>
                       <a:r>
-                        <a:rPr lang="it-IT" sz="900">
+                        <a:rPr sz="900" spc="-25">
                           <a:solidFill>
                             <a:srgbClr val="020302"/>
                           </a:solidFill>
                           <a:latin typeface="AdobeClean-Light"/>
                           <a:cs typeface="AdobeClean-Light"/>
                         </a:rPr>
-                        <a:t>Orario operativo</a:t>
+                        <a:t>Business</a:t>
                       </a:r>
+                      <a:r>
+                        <a:rPr sz="900" spc="-15">
+                          <a:solidFill>
+                            <a:srgbClr val="020302"/>
+                          </a:solidFill>
+                          <a:latin typeface="AdobeClean-Light"/>
+                          <a:cs typeface="AdobeClean-Light"/>
+                        </a:rPr>
+                        <a:t> </a:t>
+                      </a:r>
+                      <a:r>
+                        <a:rPr sz="900" spc="-30">
+                          <a:solidFill>
+                            <a:srgbClr val="020302"/>
+                          </a:solidFill>
+                          <a:latin typeface="AdobeClean-Light"/>
+                          <a:cs typeface="AdobeClean-Light"/>
+                        </a:rPr>
+                        <a:t>hours</a:t>
+                      </a:r>
+                      <a:endParaRPr sz="900">
+                        <a:latin typeface="AdobeClean-Light"/>
+                        <a:cs typeface="AdobeClean-Light"/>
+                      </a:endParaRPr>
                     </a:p>
                   </a:txBody>
                   <a:tcPr marL="0" marR="0" marT="67945" marB="0">
@@ -4476,7 +5077,7 @@
                     <a:bodyPr/>
                     <a:lstStyle/>
                     <a:p>
-                      <a:pPr marL="50800" algn="l" rtl="0">
+                      <a:pPr marL="50800">
                         <a:lnSpc>
                           <a:spcPct val="100000"/>
                         </a:lnSpc>
@@ -4525,15 +5126,39 @@
                         </a:spcBef>
                       </a:pPr>
                       <a:r>
-                        <a:rPr lang="it-IT" sz="900">
+                        <a:rPr sz="900" spc="0">
                           <a:solidFill>
                             <a:srgbClr val="020302"/>
                           </a:solidFill>
                           <a:latin typeface="AdobeClean-Light"/>
                           <a:cs typeface="AdobeClean-Light"/>
                         </a:rPr>
-                        <a:t>Supporto per problemi P1 24x7x365</a:t>
+                        <a:t>24x7</a:t>
                       </a:r>
+                      <a:r>
+                        <a:rPr lang="en-US" sz="900" spc="0">
+                          <a:solidFill>
+                            <a:srgbClr val="020302"/>
+                          </a:solidFill>
+                          <a:latin typeface="AdobeClean-Light"/>
+                          <a:cs typeface="AdobeClean-Light"/>
+                        </a:rPr>
+                        <a:t>x365</a:t>
+                      </a:r>
+                      <a:r>
+                        <a:rPr sz="900" spc="0">
+                          <a:solidFill>
+                            <a:srgbClr val="020302"/>
+                          </a:solidFill>
+                          <a:latin typeface="AdobeClean-Light"/>
+                          <a:cs typeface="AdobeClean-Light"/>
+                        </a:rPr>
+                        <a:t> P1 Issue Support</a:t>
+                      </a:r>
+                      <a:endParaRPr sz="900" spc="0">
+                        <a:latin typeface="AdobeClean-Light"/>
+                        <a:cs typeface="AdobeClean-Light"/>
+                      </a:endParaRPr>
                     </a:p>
                   </a:txBody>
                   <a:tcPr marL="0" marR="0" marT="57785" marB="0">
@@ -4565,7 +5190,7 @@
                         </a:spcBef>
                       </a:pPr>
                       <a:r>
-                        <a:rPr lang="it-IT" sz="900">
+                        <a:rPr sz="900">
                           <a:solidFill>
                             <a:srgbClr val="020302"/>
                           </a:solidFill>
@@ -4574,6 +5199,10 @@
                         </a:rPr>
                         <a:t></a:t>
                       </a:r>
+                      <a:endParaRPr sz="900">
+                        <a:latin typeface="Wingdings"/>
+                        <a:cs typeface="Wingdings"/>
+                      </a:endParaRPr>
                     </a:p>
                   </a:txBody>
                   <a:tcPr marL="0" marR="0" marT="58419" marB="0">
@@ -4603,7 +5232,7 @@
                         </a:spcBef>
                       </a:pPr>
                       <a:r>
-                        <a:rPr lang="it-IT" sz="900">
+                        <a:rPr sz="900">
                           <a:solidFill>
                             <a:srgbClr val="020302"/>
                           </a:solidFill>
@@ -4612,6 +5241,10 @@
                         </a:rPr>
                         <a:t></a:t>
                       </a:r>
+                      <a:endParaRPr sz="900">
+                        <a:latin typeface="Wingdings"/>
+                        <a:cs typeface="Wingdings"/>
+                      </a:endParaRPr>
                     </a:p>
                   </a:txBody>
                   <a:tcPr marL="0" marR="0" marT="58419" marB="0">
@@ -4634,7 +5267,7 @@
                     <a:bodyPr/>
                     <a:lstStyle/>
                     <a:p>
-                      <a:pPr marL="50800" algn="l" rtl="0">
+                      <a:pPr marL="50800">
                         <a:lnSpc>
                           <a:spcPct val="100000"/>
                         </a:lnSpc>
@@ -4692,15 +5325,19 @@
                         </a:spcBef>
                       </a:pPr>
                       <a:r>
-                        <a:rPr lang="it-IT" sz="900">
+                        <a:rPr lang="en-US" sz="900" spc="0">
                           <a:solidFill>
                             <a:srgbClr val="020302"/>
                           </a:solidFill>
                           <a:latin typeface="AdobeClean-Light"/>
                           <a:cs typeface="AdobeClean-Light"/>
                         </a:rPr>
-                        <a:t>Contatti interni per il supporto (per prodotto)</a:t>
+                        <a:t>Named Support Contacts (per product)</a:t>
                       </a:r>
+                      <a:endParaRPr sz="900" spc="0">
+                        <a:latin typeface="AdobeClean-Light"/>
+                        <a:cs typeface="AdobeClean-Light"/>
+                      </a:endParaRPr>
                     </a:p>
                   </a:txBody>
                   <a:tcPr marL="0" marR="0" marT="57785" marB="0">
@@ -4738,7 +5375,7 @@
                         </a:spcBef>
                       </a:pPr>
                       <a:r>
-                        <a:rPr lang="it-IT" sz="900">
+                        <a:rPr sz="900">
                           <a:solidFill>
                             <a:srgbClr val="020302"/>
                           </a:solidFill>
@@ -4747,6 +5384,10 @@
                         </a:rPr>
                         <a:t>4</a:t>
                       </a:r>
+                      <a:endParaRPr sz="900">
+                        <a:latin typeface="AdobeClean-Light"/>
+                        <a:cs typeface="AdobeClean-Light"/>
+                      </a:endParaRPr>
                     </a:p>
                   </a:txBody>
                   <a:tcPr marL="0" marR="0" marT="57785" marB="0">
@@ -4776,7 +5417,7 @@
                         </a:spcBef>
                       </a:pPr>
                       <a:r>
-                        <a:rPr lang="it-IT" sz="900">
+                        <a:rPr sz="900">
                           <a:solidFill>
                             <a:srgbClr val="020302"/>
                           </a:solidFill>
@@ -4785,6 +5426,10 @@
                         </a:rPr>
                         <a:t>6</a:t>
                       </a:r>
+                      <a:endParaRPr sz="900">
+                        <a:latin typeface="AdobeClean-Light"/>
+                        <a:cs typeface="AdobeClean-Light"/>
+                      </a:endParaRPr>
                     </a:p>
                   </a:txBody>
                   <a:tcPr marL="0" marR="0" marT="57785" marB="0">
@@ -4807,7 +5452,7 @@
                     <a:bodyPr/>
                     <a:lstStyle/>
                     <a:p>
-                      <a:pPr marL="50800" algn="l" rtl="0">
+                      <a:pPr marL="50800">
                         <a:lnSpc>
                           <a:spcPct val="100000"/>
                         </a:lnSpc>
@@ -4856,15 +5501,19 @@
                         </a:spcBef>
                       </a:pPr>
                       <a:r>
-                        <a:rPr lang="it-IT" sz="900">
+                        <a:rPr lang="en-US" sz="900" spc="0">
                           <a:solidFill>
                             <a:srgbClr val="020302"/>
                           </a:solidFill>
                           <a:latin typeface="AdobeClean-Light"/>
                           <a:cs typeface="AdobeClean-Light"/>
                         </a:rPr>
-                        <a:t>Supporto telefonico in diretta</a:t>
+                        <a:t>Live Telephone Support</a:t>
                       </a:r>
+                      <a:endParaRPr sz="900" spc="0">
+                        <a:latin typeface="AdobeClean-Light"/>
+                        <a:cs typeface="AdobeClean-Light"/>
+                      </a:endParaRPr>
                     </a:p>
                   </a:txBody>
                   <a:tcPr marL="0" marR="0" marT="57785" marB="0">
@@ -4887,7 +5536,7 @@
                     <a:bodyPr/>
                     <a:lstStyle/>
                     <a:p>
-                      <a:pPr algn="l" rtl="0">
+                      <a:pPr algn="ctr">
                         <a:lnSpc>
                           <a:spcPct val="100000"/>
                         </a:lnSpc>
@@ -4928,7 +5577,7 @@
                         </a:spcBef>
                       </a:pPr>
                       <a:r>
-                        <a:rPr lang="it-IT" sz="900">
+                        <a:rPr sz="900">
                           <a:solidFill>
                             <a:srgbClr val="020302"/>
                           </a:solidFill>
@@ -4937,6 +5586,10 @@
                         </a:rPr>
                         <a:t></a:t>
                       </a:r>
+                      <a:endParaRPr sz="900">
+                        <a:latin typeface="Wingdings"/>
+                        <a:cs typeface="Wingdings"/>
+                      </a:endParaRPr>
                     </a:p>
                   </a:txBody>
                   <a:tcPr marL="0" marR="0" marT="59054" marB="0">
@@ -4959,7 +5612,7 @@
                     <a:bodyPr/>
                     <a:lstStyle/>
                     <a:p>
-                      <a:pPr marL="50800" algn="l" rtl="0">
+                      <a:pPr marL="50800">
                         <a:lnSpc>
                           <a:spcPct val="100000"/>
                         </a:lnSpc>
@@ -5008,15 +5661,19 @@
                         </a:spcBef>
                       </a:pPr>
                       <a:r>
-                        <a:rPr lang="it-IT" sz="900">
+                        <a:rPr sz="900" spc="0">
                           <a:solidFill>
                             <a:srgbClr val="020302"/>
                           </a:solidFill>
                           <a:latin typeface="AdobeClean-Light"/>
                           <a:cs typeface="AdobeClean-Light"/>
                         </a:rPr>
-                        <a:t>Gestione delle escalation</a:t>
+                        <a:t>Escalation Management</a:t>
                       </a:r>
+                      <a:endParaRPr sz="900" spc="0">
+                        <a:latin typeface="AdobeClean-Light"/>
+                        <a:cs typeface="AdobeClean-Light"/>
+                      </a:endParaRPr>
                     </a:p>
                   </a:txBody>
                   <a:tcPr marL="0" marR="0" marT="58419" marB="0">
@@ -5039,7 +5696,7 @@
                     <a:bodyPr/>
                     <a:lstStyle/>
                     <a:p>
-                      <a:pPr algn="l" rtl="0">
+                      <a:pPr algn="ctr">
                         <a:lnSpc>
                           <a:spcPct val="100000"/>
                         </a:lnSpc>
@@ -5080,7 +5737,7 @@
                         </a:spcBef>
                       </a:pPr>
                       <a:r>
-                        <a:rPr lang="it-IT" sz="900">
+                        <a:rPr sz="900">
                           <a:solidFill>
                             <a:srgbClr val="020302"/>
                           </a:solidFill>
@@ -5089,6 +5746,10 @@
                         </a:rPr>
                         <a:t></a:t>
                       </a:r>
+                      <a:endParaRPr sz="900">
+                        <a:latin typeface="Wingdings"/>
+                        <a:cs typeface="Wingdings"/>
+                      </a:endParaRPr>
                     </a:p>
                   </a:txBody>
                   <a:tcPr marL="0" marR="0" marT="59690" marB="0">
@@ -5111,7 +5772,7 @@
                     <a:bodyPr/>
                     <a:lstStyle/>
                     <a:p>
-                      <a:pPr marL="50800" algn="l" rtl="0">
+                      <a:pPr marL="50800">
                         <a:lnSpc>
                           <a:spcPct val="100000"/>
                         </a:lnSpc>
@@ -5160,15 +5821,29 @@
                         </a:spcBef>
                       </a:pPr>
                       <a:r>
-                        <a:rPr lang="it-IT" sz="900">
+                        <a:rPr sz="900" spc="0">
                           <a:solidFill>
                             <a:srgbClr val="020302"/>
                           </a:solidFill>
                           <a:latin typeface="AdobeClean-Light"/>
                           <a:cs typeface="AdobeClean-Light"/>
                         </a:rPr>
-                        <a:t>Valutazioni dei servizi all’anno</a:t>
+                        <a:t>Service Reviews </a:t>
                       </a:r>
+                      <a:r>
+                        <a:rPr lang="en-US" sz="900" spc="0">
+                          <a:solidFill>
+                            <a:srgbClr val="020302"/>
+                          </a:solidFill>
+                          <a:latin typeface="AdobeClean-Light"/>
+                          <a:cs typeface="AdobeClean-Light"/>
+                        </a:rPr>
+                        <a:t>per Year</a:t>
+                      </a:r>
+                      <a:endParaRPr sz="900" spc="0">
+                        <a:latin typeface="AdobeClean-Light"/>
+                        <a:cs typeface="AdobeClean-Light"/>
+                      </a:endParaRPr>
                     </a:p>
                   </a:txBody>
                   <a:tcPr marL="0" marR="0" marT="57150" marB="0">
@@ -5191,7 +5866,7 @@
                     <a:bodyPr/>
                     <a:lstStyle/>
                     <a:p>
-                      <a:pPr algn="l" rtl="0">
+                      <a:pPr>
                         <a:lnSpc>
                           <a:spcPct val="100000"/>
                         </a:lnSpc>
@@ -5220,7 +5895,7 @@
                     <a:bodyPr/>
                     <a:lstStyle/>
                     <a:p>
-                      <a:pPr algn="l" rtl="0">
+                      <a:pPr>
                         <a:lnSpc>
                           <a:spcPct val="100000"/>
                         </a:lnSpc>
@@ -5270,12 +5945,16 @@
                         </a:spcBef>
                       </a:pPr>
                       <a:r>
-                        <a:rPr lang="it-IT" sz="900">
+                        <a:rPr lang="en-US" sz="900" spc="0">
                           <a:latin typeface="AdobeClean-Light"/>
                           <a:cs typeface="AdobeClean-Light"/>
                         </a:rPr>
-                        <a:t>Sessioni con esperti all’anno</a:t>
+                        <a:t>Expert Sessions per Year</a:t>
                       </a:r>
+                      <a:endParaRPr sz="900" spc="0">
+                        <a:latin typeface="AdobeClean-Light"/>
+                        <a:cs typeface="AdobeClean-Light"/>
+                      </a:endParaRPr>
                     </a:p>
                   </a:txBody>
                   <a:tcPr marL="0" marR="0" marT="57150" marB="0">
@@ -5304,7 +5983,7 @@
                     <a:bodyPr/>
                     <a:lstStyle/>
                     <a:p>
-                      <a:pPr algn="l" rtl="0">
+                      <a:pPr>
                         <a:lnSpc>
                           <a:spcPct val="100000"/>
                         </a:lnSpc>
@@ -5333,7 +6012,7 @@
                     <a:bodyPr/>
                     <a:lstStyle/>
                     <a:p>
-                      <a:pPr algn="l" rtl="0">
+                      <a:pPr>
                         <a:lnSpc>
                           <a:spcPct val="100000"/>
                         </a:lnSpc>
@@ -5383,12 +6062,16 @@
                         </a:spcBef>
                       </a:pPr>
                       <a:r>
-                        <a:rPr lang="it-IT" sz="900">
+                        <a:rPr lang="en-US" sz="900" spc="0">
                           <a:latin typeface="AdobeClean-Light"/>
                           <a:cs typeface="AdobeClean-Light"/>
                         </a:rPr>
-                        <a:t>Valutazione dei casi</a:t>
+                        <a:t>Case Reviews</a:t>
                       </a:r>
+                      <a:endParaRPr sz="900" spc="0">
+                        <a:latin typeface="AdobeClean-Light"/>
+                        <a:cs typeface="AdobeClean-Light"/>
+                      </a:endParaRPr>
                     </a:p>
                   </a:txBody>
                   <a:tcPr marL="0" marR="0" marT="57150" marB="0">
@@ -5417,7 +6100,7 @@
                     <a:bodyPr/>
                     <a:lstStyle/>
                     <a:p>
-                      <a:pPr algn="l" rtl="0">
+                      <a:pPr>
                         <a:lnSpc>
                           <a:spcPct val="100000"/>
                         </a:lnSpc>
@@ -5446,7 +6129,7 @@
                     <a:bodyPr/>
                     <a:lstStyle/>
                     <a:p>
-                      <a:pPr algn="l" rtl="0">
+                      <a:pPr>
                         <a:lnSpc>
                           <a:spcPct val="100000"/>
                         </a:lnSpc>
@@ -5477,7 +6160,7 @@
                     <a:bodyPr/>
                     <a:lstStyle/>
                     <a:p>
-                      <a:pPr marL="48895" algn="l" rtl="0">
+                      <a:pPr marL="48895">
                         <a:lnSpc>
                           <a:spcPct val="100000"/>
                         </a:lnSpc>
@@ -5535,15 +6218,29 @@
                         </a:spcBef>
                       </a:pPr>
                       <a:r>
-                        <a:rPr lang="it-IT" sz="900">
+                        <a:rPr sz="900" spc="0">
                           <a:solidFill>
                             <a:srgbClr val="020302"/>
                           </a:solidFill>
                           <a:latin typeface="AdobeClean-Light"/>
                           <a:cs typeface="AdobeClean-Light"/>
                         </a:rPr>
-                        <a:t>Gestione degli eventi</a:t>
+                        <a:t>Event </a:t>
                       </a:r>
+                      <a:r>
+                        <a:rPr lang="en-US" sz="900" spc="0">
+                          <a:solidFill>
+                            <a:srgbClr val="020302"/>
+                          </a:solidFill>
+                          <a:latin typeface="AdobeClean-Light"/>
+                          <a:cs typeface="AdobeClean-Light"/>
+                        </a:rPr>
+                        <a:t>Management</a:t>
+                      </a:r>
+                      <a:endParaRPr sz="900" spc="0">
+                        <a:latin typeface="AdobeClean-Light"/>
+                        <a:cs typeface="AdobeClean-Light"/>
+                      </a:endParaRPr>
                     </a:p>
                   </a:txBody>
                   <a:tcPr marL="0" marR="0" marT="58419" marB="0">
@@ -5572,7 +6269,7 @@
                     <a:bodyPr/>
                     <a:lstStyle/>
                     <a:p>
-                      <a:pPr algn="l" rtl="0">
+                      <a:pPr>
                         <a:lnSpc>
                           <a:spcPct val="100000"/>
                         </a:lnSpc>
@@ -5601,7 +6298,7 @@
                     <a:bodyPr/>
                     <a:lstStyle/>
                     <a:p>
-                      <a:pPr algn="l" rtl="0">
+                      <a:pPr>
                         <a:lnSpc>
                           <a:spcPct val="100000"/>
                         </a:lnSpc>
@@ -5632,7 +6329,7 @@
                     <a:bodyPr/>
                     <a:lstStyle/>
                     <a:p>
-                      <a:pPr marL="48895" algn="l" rtl="0">
+                      <a:pPr marL="48895">
                         <a:lnSpc>
                           <a:spcPct val="100000"/>
                         </a:lnSpc>
@@ -5681,15 +6378,39 @@
                         </a:spcBef>
                       </a:pPr>
                       <a:r>
-                        <a:rPr lang="it-IT" sz="900">
+                        <a:rPr sz="900" spc="0">
                           <a:solidFill>
                             <a:srgbClr val="020302"/>
                           </a:solidFill>
                           <a:latin typeface="AdobeClean-Light"/>
                           <a:cs typeface="AdobeClean-Light"/>
                         </a:rPr>
-                        <a:t>Valutazione ambiente, manutenzione e monitoraggio</a:t>
+                        <a:t>Environment</a:t>
                       </a:r>
+                      <a:r>
+                        <a:rPr lang="en-US" sz="900" spc="0">
+                          <a:solidFill>
+                            <a:srgbClr val="020302"/>
+                          </a:solidFill>
+                          <a:latin typeface="AdobeClean-Light"/>
+                          <a:cs typeface="AdobeClean-Light"/>
+                        </a:rPr>
+                        <a:t> </a:t>
+                      </a:r>
+                      <a:r>
+                        <a:rPr sz="900" spc="0">
+                          <a:solidFill>
+                            <a:srgbClr val="020302"/>
+                          </a:solidFill>
+                          <a:latin typeface="AdobeClean-Light"/>
+                          <a:cs typeface="AdobeClean-Light"/>
+                        </a:rPr>
+                        <a:t>Review, Maintenance &amp; Monitoring</a:t>
+                      </a:r>
+                      <a:endParaRPr sz="900" spc="0">
+                        <a:latin typeface="AdobeClean-Light"/>
+                        <a:cs typeface="AdobeClean-Light"/>
+                      </a:endParaRPr>
                     </a:p>
                   </a:txBody>
                   <a:tcPr marL="0" marR="0" marT="59055" marB="0">
@@ -5712,7 +6433,7 @@
                     <a:bodyPr/>
                     <a:lstStyle/>
                     <a:p>
-                      <a:pPr algn="l" rtl="0">
+                      <a:pPr>
                         <a:lnSpc>
                           <a:spcPct val="100000"/>
                         </a:lnSpc>
@@ -5741,7 +6462,7 @@
                     <a:bodyPr/>
                     <a:lstStyle/>
                     <a:p>
-                      <a:pPr algn="l" rtl="0">
+                      <a:pPr>
                         <a:lnSpc>
                           <a:spcPct val="100000"/>
                         </a:lnSpc>
@@ -5772,7 +6493,7 @@
                     <a:bodyPr/>
                     <a:lstStyle/>
                     <a:p>
-                      <a:pPr marL="49530" algn="l" rtl="0">
+                      <a:pPr marL="49530">
                         <a:lnSpc>
                           <a:spcPct val="100000"/>
                         </a:lnSpc>
@@ -5821,34 +6542,19 @@
                         </a:spcBef>
                       </a:pPr>
                       <a:r>
-                        <a:rPr lang="it-IT" sz="900" dirty="0">
+                        <a:rPr sz="900" spc="0">
                           <a:solidFill>
                             <a:srgbClr val="020302"/>
                           </a:solidFill>
                           <a:latin typeface="AdobeClean-Light"/>
                           <a:cs typeface="AdobeClean-Light"/>
                         </a:rPr>
-                        <a:t>Valutazione della roadmap di prodotti, versioni, migrazione </a:t>
+                        <a:t>Release, Migration, Upgrade &amp; Product Roadmap Review</a:t>
                       </a:r>
-                      <a:br>
-                        <a:rPr lang="it-IT" sz="900" dirty="0">
-                          <a:solidFill>
-                            <a:srgbClr val="020302"/>
-                          </a:solidFill>
-                          <a:latin typeface="AdobeClean-Light"/>
-                          <a:cs typeface="AdobeClean-Light"/>
-                        </a:rPr>
-                      </a:br>
-                      <a:r>
-                        <a:rPr lang="it-IT" sz="900" dirty="0">
-                          <a:solidFill>
-                            <a:srgbClr val="020302"/>
-                          </a:solidFill>
-                          <a:latin typeface="AdobeClean-Light"/>
-                          <a:cs typeface="AdobeClean-Light"/>
-                        </a:rPr>
-                        <a:t>e aggiornamento</a:t>
-                      </a:r>
+                      <a:endParaRPr sz="900" spc="0">
+                        <a:latin typeface="AdobeClean-Light"/>
+                        <a:cs typeface="AdobeClean-Light"/>
+                      </a:endParaRPr>
                     </a:p>
                   </a:txBody>
                   <a:tcPr marL="0" marR="0" marT="63500" marB="0">
@@ -5871,7 +6577,7 @@
                     <a:bodyPr/>
                     <a:lstStyle/>
                     <a:p>
-                      <a:pPr algn="l" rtl="0">
+                      <a:pPr>
                         <a:lnSpc>
                           <a:spcPct val="100000"/>
                         </a:lnSpc>
@@ -5900,7 +6606,7 @@
                     <a:bodyPr/>
                     <a:lstStyle/>
                     <a:p>
-                      <a:pPr algn="l" rtl="0">
+                      <a:pPr>
                         <a:lnSpc>
                           <a:spcPct val="100000"/>
                         </a:lnSpc>
@@ -5931,7 +6637,7 @@
                     <a:bodyPr/>
                     <a:lstStyle/>
                     <a:p>
-                      <a:pPr marL="49530" algn="l" rtl="0">
+                      <a:pPr marL="49530">
                         <a:lnSpc>
                           <a:spcPct val="100000"/>
                         </a:lnSpc>
@@ -5989,11 +6695,11 @@
                         </a:spcBef>
                       </a:pPr>
                       <a:r>
-                        <a:rPr lang="it-IT" sz="900">
+                        <a:rPr sz="900" spc="0">
                           <a:latin typeface="AdobeClean-Light"/>
                           <a:cs typeface="AdobeClean-Light"/>
                         </a:rPr>
-                        <a:t>Attività di supporto cloud - Experience Manager as Cloud</a:t>
+                        <a:t>Cloud Support Activities – Experience Manager as Cloud</a:t>
                       </a:r>
                     </a:p>
                   </a:txBody>
@@ -6023,7 +6729,7 @@
                     <a:bodyPr/>
                     <a:lstStyle/>
                     <a:p>
-                      <a:pPr algn="l" rtl="0">
+                      <a:pPr>
                         <a:lnSpc>
                           <a:spcPct val="100000"/>
                         </a:lnSpc>
@@ -6061,7 +6767,7 @@
                     <a:bodyPr/>
                     <a:lstStyle/>
                     <a:p>
-                      <a:pPr algn="l" rtl="0">
+                      <a:pPr>
                         <a:lnSpc>
                           <a:spcPct val="100000"/>
                         </a:lnSpc>
@@ -6110,15 +6816,22 @@
                         </a:spcBef>
                       </a:pPr>
                       <a:r>
-                        <a:rPr lang="it-IT" sz="1000" b="1" i="0">
+                        <a:rPr lang="en-US" sz="1000" b="1" i="0" spc="0">
                           <a:solidFill>
                             <a:schemeClr val="bg1"/>
                           </a:solidFill>
                           <a:latin typeface="Adobe Clean" panose="020B0503020404020204" pitchFamily="34" charset="0"/>
                           <a:cs typeface="AdobeClean-Light"/>
                         </a:rPr>
-                        <a:t>Servizi sul campo</a:t>
+                        <a:t>Field Services</a:t>
                       </a:r>
+                      <a:endParaRPr sz="1000" b="1" i="0" spc="0">
+                        <a:solidFill>
+                          <a:schemeClr val="bg1"/>
+                        </a:solidFill>
+                        <a:latin typeface="Adobe Clean" panose="020B0503020404020204" pitchFamily="34" charset="0"/>
+                        <a:cs typeface="AdobeClean-Light"/>
+                      </a:endParaRPr>
                     </a:p>
                   </a:txBody>
                   <a:tcPr marL="0" marR="0" marT="48260" marB="0" anchor="ctr">
@@ -6171,15 +6884,19 @@
                         </a:spcBef>
                       </a:pPr>
                       <a:r>
-                        <a:rPr lang="it-IT" sz="900">
+                        <a:rPr sz="900" spc="0">
                           <a:solidFill>
                             <a:srgbClr val="020302"/>
                           </a:solidFill>
                           <a:latin typeface="AdobeClean-Light"/>
                           <a:cs typeface="AdobeClean-Light"/>
                         </a:rPr>
-                        <a:t>Launch Advisory - Nel primo anno di nuove soluzioni</a:t>
+                        <a:t>Launch Advisory Services – First Year of new solution</a:t>
                       </a:r>
+                      <a:endParaRPr sz="900" spc="0">
+                        <a:latin typeface="AdobeClean-Light"/>
+                        <a:cs typeface="AdobeClean-Light"/>
+                      </a:endParaRPr>
                     </a:p>
                     <a:p>
                       <a:pPr marL="48260" hangingPunct="0">
@@ -6191,11 +6908,11 @@
                         </a:spcBef>
                       </a:pPr>
                       <a:r>
-                        <a:rPr lang="it-IT" sz="900">
+                        <a:rPr sz="900" spc="0">
                           <a:latin typeface="AdobeClean-Light"/>
                           <a:cs typeface="AdobeClean-Light"/>
                         </a:rPr>
-                        <a:t>Attività di servizio sul campo </a:t>
+                        <a:t>Field Service Activities </a:t>
                       </a:r>
                     </a:p>
                   </a:txBody>
@@ -6231,7 +6948,7 @@
                     <a:bodyPr/>
                     <a:lstStyle/>
                     <a:p>
-                      <a:pPr algn="l" rtl="0">
+                      <a:pPr>
                         <a:lnSpc>
                           <a:spcPct val="100000"/>
                         </a:lnSpc>
@@ -6269,7 +6986,7 @@
                     <a:bodyPr/>
                     <a:lstStyle/>
                     <a:p>
-                      <a:pPr algn="l" rtl="0">
+                      <a:pPr>
                         <a:lnSpc>
                           <a:spcPct val="100000"/>
                         </a:lnSpc>
@@ -6354,7 +7071,7 @@
                     <a:bodyPr/>
                     <a:lstStyle/>
                     <a:p>
-                      <a:pPr algn="l" rtl="0">
+                      <a:pPr>
                         <a:lnSpc>
                           <a:spcPct val="100000"/>
                         </a:lnSpc>
@@ -6380,7 +7097,7 @@
                     <a:bodyPr/>
                     <a:lstStyle/>
                     <a:p>
-                      <a:pPr algn="l" rtl="0">
+                      <a:pPr>
                         <a:lnSpc>
                           <a:spcPct val="100000"/>
                         </a:lnSpc>
@@ -6444,7 +7161,7 @@
           <a:lstStyle/>
           <a:p>
             <a:r>
-              <a:rPr lang="it-IT" sz="700" i="1">
+              <a:rPr lang="en-US" sz="700" i="1">
                 <a:solidFill>
                   <a:schemeClr val="bg1"/>
                 </a:solidFill>
@@ -6626,7 +7343,7 @@
         <p:spPr>
           <a:xfrm>
             <a:off x="370040" y="1409311"/>
-            <a:ext cx="2286000" cy="1458926"/>
+            <a:ext cx="2286000" cy="1289969"/>
           </a:xfrm>
           <a:prstGeom prst="rect">
             <a:avLst/>
@@ -6647,14 +7364,18 @@
               </a:spcBef>
             </a:pPr>
             <a:r>
-              <a:rPr lang="it-IT" sz="1000" dirty="0">
+              <a:rPr lang="en-US" sz="1000">
                 <a:solidFill>
                   <a:srgbClr val="000000"/>
                 </a:solidFill>
                 <a:latin typeface="Adobe Clean Light" panose="020B0303020404020204" pitchFamily="34" charset="0"/>
               </a:rPr>
-              <a:t>Un Account Support Lead dedicato per il monitoraggio proattivo dei casi e per promuovere la collaborazione tra team, fornire webinar introduttivi, eseguire rapporti sui servizi e fornire assistenza non tecnica. Inoltre funge da riferimento per l’escalation dei problemi e da rappresentante del cliente all’interno del supporto Adobe.</a:t>
-            </a:r>
+              <a:t>A designated Account Support Lead to proactively monitor cases, drive cross-team collaboration, deliver onboarding webinars, run service reports, provide non-technical support assistance, and function as your escalation point and internal advocate within Adobe Support.</a:t>
+            </a:r>
+            <a:endParaRPr lang="en-US" sz="1000">
+              <a:latin typeface="Adobe Clean Light" panose="020B0303020404020204" pitchFamily="34" charset="0"/>
+              <a:cs typeface="AdobeClean-Light"/>
+            </a:endParaRPr>
           </a:p>
         </p:txBody>
       </p:sp>
@@ -6691,14 +7412,44 @@
               </a:tabLst>
             </a:pPr>
             <a:r>
-              <a:rPr lang="it-IT" sz="1000" dirty="0">
+              <a:rPr sz="1000">
                 <a:solidFill>
                   <a:srgbClr val="020302"/>
                 </a:solidFill>
                 <a:latin typeface="AdobeClean-Light"/>
                 <a:cs typeface="AdobeClean-Light"/>
               </a:rPr>
-              <a:t>Avvia una sessione di chat per ottenere risposte e assistenza nell’invio di un caso.</a:t>
+              <a:t>Start a chat session to get answers</a:t>
+            </a:r>
+            <a:r>
+              <a:rPr lang="en-US" sz="1000">
+                <a:solidFill>
+                  <a:srgbClr val="020302"/>
+                </a:solidFill>
+                <a:latin typeface="AdobeClean-Light"/>
+                <a:cs typeface="AdobeClean-Light"/>
+              </a:rPr>
+              <a:t> &amp; </a:t>
+            </a:r>
+            <a:r>
+              <a:rPr sz="1000">
+                <a:solidFill>
+                  <a:srgbClr val="020302"/>
+                </a:solidFill>
+                <a:latin typeface="AdobeClean-Light"/>
+                <a:cs typeface="AdobeClean-Light"/>
+              </a:rPr>
+              <a:t>help with case submission</a:t>
+            </a:r>
+            <a:r>
+              <a:rPr lang="en-US" sz="1000">
+                <a:solidFill>
+                  <a:srgbClr val="020302"/>
+                </a:solidFill>
+                <a:latin typeface="AdobeClean-Light"/>
+                <a:cs typeface="AdobeClean-Light"/>
+              </a:rPr>
+              <a:t>.</a:t>
             </a:r>
           </a:p>
           <a:p>
@@ -6711,25 +7462,39 @@
               </a:tabLst>
             </a:pPr>
             <a:r>
-              <a:rPr lang="it-IT" sz="1000" i="1" dirty="0">
+              <a:rPr sz="1000" i="1">
                 <a:solidFill>
                   <a:srgbClr val="7A7A7A"/>
                 </a:solidFill>
                 <a:latin typeface="AdobeClean-LightIt"/>
                 <a:cs typeface="AdobeClean-LightIt"/>
               </a:rPr>
-              <a:t>* Il supporto chat in diretta non è disponibile per tutti i prodotti</a:t>
-            </a:r>
-            <a:r>
-              <a:rPr lang="it-IT" sz="900" i="1" dirty="0">
+              <a:t>*Not all products have live chat support</a:t>
+            </a:r>
+            <a:r>
+              <a:rPr sz="900" i="1">
                 <a:solidFill>
                   <a:srgbClr val="7A7A7A"/>
                 </a:solidFill>
                 <a:latin typeface="AdobeClean-LightIt"/>
                 <a:cs typeface="AdobeClean-LightIt"/>
               </a:rPr>
-              <a:t>.  </a:t>
-            </a:r>
+              <a:t>.</a:t>
+            </a:r>
+            <a:r>
+              <a:rPr lang="en-US" sz="900" i="1">
+                <a:solidFill>
+                  <a:srgbClr val="7A7A7A"/>
+                </a:solidFill>
+                <a:latin typeface="AdobeClean-LightIt"/>
+                <a:cs typeface="AdobeClean-LightIt"/>
+              </a:rPr>
+              <a:t>  </a:t>
+            </a:r>
+            <a:endParaRPr sz="900">
+              <a:latin typeface="AdobeClean-Light"/>
+              <a:cs typeface="AdobeClean-Light"/>
+            </a:endParaRPr>
           </a:p>
         </p:txBody>
       </p:sp>
@@ -6778,7 +7543,7 @@
         </p:nvSpPr>
         <p:spPr>
           <a:xfrm>
-            <a:off x="838200" y="5737788"/>
+            <a:off x="838200" y="6046398"/>
             <a:ext cx="1568246" cy="184666"/>
           </a:xfrm>
           <a:prstGeom prst="rect">
@@ -6805,12 +7570,12 @@
               <a:defRPr/>
             </a:pPr>
             <a:r>
-              <a:rPr lang="it-IT" sz="1200">
+              <a:rPr lang="en-US" sz="1200">
                 <a:solidFill>
                   <a:srgbClr val="000000"/>
                 </a:solidFill>
               </a:rPr>
-              <a:t>Forum della community</a:t>
+              <a:t>Community Forums</a:t>
             </a:r>
           </a:p>
         </p:txBody>
@@ -6831,7 +7596,7 @@
         </p:nvSpPr>
         <p:spPr>
           <a:xfrm>
-            <a:off x="838200" y="5968695"/>
+            <a:off x="838200" y="6277305"/>
             <a:ext cx="959314" cy="184666"/>
           </a:xfrm>
           <a:prstGeom prst="rect">
@@ -6853,12 +7618,12 @@
               </a:spcAft>
             </a:pPr>
             <a:r>
-              <a:rPr lang="it-IT" sz="1200" b="1">
+              <a:rPr lang="en-US" sz="1200" b="1">
                 <a:latin typeface="+mj-lt"/>
                 <a:ea typeface="Open Sans" pitchFamily="34" charset="0"/>
                 <a:cs typeface="Open Sans" pitchFamily="34" charset="0"/>
               </a:rPr>
-              <a:t>Forum online</a:t>
+              <a:t>Online Forums</a:t>
             </a:r>
           </a:p>
         </p:txBody>
@@ -6877,8 +7642,8 @@
         </p:nvSpPr>
         <p:spPr>
           <a:xfrm>
-            <a:off x="370040" y="6220639"/>
-            <a:ext cx="2286000" cy="959237"/>
+            <a:off x="370040" y="6529249"/>
+            <a:ext cx="2286000" cy="805349"/>
           </a:xfrm>
           <a:prstGeom prst="rect">
             <a:avLst/>
@@ -6891,47 +7656,13 @@
           <a:lstStyle/>
           <a:p>
             <a:r>
-              <a:rPr lang="it-IT" sz="1000" dirty="0">
+              <a:rPr lang="en-US" sz="1000">
                 <a:solidFill>
                   <a:srgbClr val="000000"/>
                 </a:solidFill>
                 <a:latin typeface="Adobe Clean Light" panose="020B0303020404020204" pitchFamily="34" charset="0"/>
               </a:rPr>
-              <a:t>Accesso online continuo a un database </a:t>
-            </a:r>
-            <a:br>
-              <a:rPr lang="it-IT" sz="1000" dirty="0">
-                <a:solidFill>
-                  <a:srgbClr val="000000"/>
-                </a:solidFill>
-                <a:latin typeface="Adobe Clean Light" panose="020B0303020404020204" pitchFamily="34" charset="0"/>
-              </a:rPr>
-            </a:br>
-            <a:r>
-              <a:rPr lang="it-IT" sz="1000" dirty="0">
-                <a:solidFill>
-                  <a:srgbClr val="000000"/>
-                </a:solidFill>
-                <a:latin typeface="Adobe Clean Light" panose="020B0303020404020204" pitchFamily="34" charset="0"/>
-              </a:rPr>
-              <a:t>in continua crescita di soluzioni tecniche, documentazione del prodotto, risposte alle domande più frequenti e altro ancora. </a:t>
-            </a:r>
-            <a:br>
-              <a:rPr lang="it-IT" sz="1000" dirty="0">
-                <a:solidFill>
-                  <a:srgbClr val="000000"/>
-                </a:solidFill>
-                <a:latin typeface="Adobe Clean Light" panose="020B0303020404020204" pitchFamily="34" charset="0"/>
-              </a:rPr>
-            </a:br>
-            <a:r>
-              <a:rPr lang="it-IT" sz="1000" dirty="0">
-                <a:solidFill>
-                  <a:srgbClr val="000000"/>
-                </a:solidFill>
-                <a:latin typeface="Adobe Clean Light" panose="020B0303020404020204" pitchFamily="34" charset="0"/>
-              </a:rPr>
-              <a:t>Migliaia di clienti possono condividere best practice ed esperienze.</a:t>
+              <a:t>Continuous online access to a growing database of technical solutions, product documentation, FAQs and more. Thousands of customers can connect to share best practices and lessons learned.</a:t>
             </a:r>
           </a:p>
         </p:txBody>
@@ -6952,7 +7683,7 @@
         </p:nvSpPr>
         <p:spPr>
           <a:xfrm>
-            <a:off x="5851290" y="5968695"/>
+            <a:off x="5851290" y="6277305"/>
             <a:ext cx="1316707" cy="184666"/>
           </a:xfrm>
           <a:prstGeom prst="rect">
@@ -6974,12 +7705,12 @@
               </a:spcAft>
             </a:pPr>
             <a:r>
-              <a:rPr lang="it-IT" sz="1200" b="1">
+              <a:rPr lang="en-US" sz="1200" b="1">
                 <a:latin typeface="+mj-lt"/>
                 <a:ea typeface="Open Sans" pitchFamily="34" charset="0"/>
                 <a:cs typeface="Open Sans" pitchFamily="34" charset="0"/>
               </a:rPr>
-              <a:t>Percorsi autoguidati</a:t>
+              <a:t>Self-guided Journeys</a:t>
             </a:r>
           </a:p>
         </p:txBody>
@@ -6998,8 +7729,8 @@
         </p:nvSpPr>
         <p:spPr>
           <a:xfrm>
-            <a:off x="5376301" y="6220639"/>
-            <a:ext cx="2243699" cy="1574790"/>
+            <a:off x="5376301" y="6529249"/>
+            <a:ext cx="2286000" cy="959237"/>
           </a:xfrm>
           <a:prstGeom prst="rect">
             <a:avLst/>
@@ -7012,30 +7743,13 @@
           <a:lstStyle/>
           <a:p>
             <a:r>
-              <a:rPr lang="it-IT" sz="1000" dirty="0">
+              <a:rPr lang="en-US" sz="1000">
                 <a:solidFill>
                   <a:srgbClr val="000000"/>
                 </a:solidFill>
                 <a:latin typeface="Adobe Clean Light" panose="020B0303020404020204" pitchFamily="34" charset="0"/>
               </a:rPr>
-              <a:t>Diventa un Experience Maker con </a:t>
-            </a:r>
-            <a:br>
-              <a:rPr lang="it-IT" sz="1000" dirty="0">
-                <a:solidFill>
-                  <a:srgbClr val="000000"/>
-                </a:solidFill>
-                <a:latin typeface="Adobe Clean Light" panose="020B0303020404020204" pitchFamily="34" charset="0"/>
-              </a:rPr>
-            </a:br>
-            <a:r>
-              <a:rPr lang="it-IT" sz="1000" dirty="0">
-                <a:solidFill>
-                  <a:srgbClr val="000000"/>
-                </a:solidFill>
-                <a:latin typeface="Adobe Clean Light" panose="020B0303020404020204" pitchFamily="34" charset="0"/>
-              </a:rPr>
-              <a:t>Experience League. Puoi acquisire rapidamente le capacità necessarie nella gestione della customer experience seguendo un percorso di apprendimento personalizzato per sviluppare nuove competenze, partecipare a una comunità globale di professionisti e guadagnare riconoscimenti di valore sul piano professionale.</a:t>
+              <a:t>Experience Makers are made with Experience League. Customers can kickstart their Customer Experience Management abilities with personalized learning to develop skills, engage with a global community of peers, and earn career advancing recognition.</a:t>
             </a:r>
           </a:p>
         </p:txBody>
@@ -7083,12 +7797,12 @@
               <a:defRPr/>
             </a:pPr>
             <a:r>
-              <a:rPr lang="it-IT" sz="1200">
+              <a:rPr lang="en-US" sz="1200">
                 <a:solidFill>
                   <a:srgbClr val="000000"/>
                 </a:solidFill>
               </a:rPr>
-              <a:t>Supporto chat in diretta*</a:t>
+              <a:t>Live Chat  Support*</a:t>
             </a:r>
           </a:p>
         </p:txBody>
@@ -7131,12 +7845,12 @@
               </a:spcAft>
             </a:pPr>
             <a:r>
-              <a:rPr lang="it-IT" sz="1200" b="1">
+              <a:rPr lang="en-US" sz="1200" b="1">
                 <a:latin typeface="+mj-lt"/>
                 <a:ea typeface="Open Sans" pitchFamily="34" charset="0"/>
                 <a:cs typeface="Open Sans" pitchFamily="34" charset="0"/>
               </a:rPr>
-              <a:t>Supporto chat</a:t>
+              <a:t>Chat Support</a:t>
             </a:r>
           </a:p>
         </p:txBody>
@@ -7157,7 +7871,7 @@
         </p:nvSpPr>
         <p:spPr>
           <a:xfrm>
-            <a:off x="3290772" y="5737788"/>
+            <a:off x="3290772" y="6046398"/>
             <a:ext cx="2520000" cy="184666"/>
           </a:xfrm>
           <a:prstGeom prst="rect">
@@ -7184,12 +7898,12 @@
               <a:defRPr/>
             </a:pPr>
             <a:r>
-              <a:rPr lang="it-IT" sz="1200">
+              <a:rPr lang="en-US" sz="1200">
                 <a:solidFill>
                   <a:srgbClr val="000000"/>
                 </a:solidFill>
               </a:rPr>
-              <a:t>24x7 P1 </a:t>
+              <a:t>24X7 P1 </a:t>
             </a:r>
           </a:p>
         </p:txBody>
@@ -7210,7 +7924,7 @@
         </p:nvSpPr>
         <p:spPr>
           <a:xfrm>
-            <a:off x="3276600" y="5968695"/>
+            <a:off x="3276600" y="6277305"/>
             <a:ext cx="992259" cy="184666"/>
           </a:xfrm>
           <a:prstGeom prst="rect">
@@ -7232,12 +7946,12 @@
               </a:spcAft>
             </a:pPr>
             <a:r>
-              <a:rPr lang="it-IT" sz="1200" b="1">
+              <a:rPr lang="en-US" sz="1200" b="1">
                 <a:latin typeface="+mj-lt"/>
                 <a:ea typeface="Open Sans" pitchFamily="34" charset="0"/>
                 <a:cs typeface="Open Sans" pitchFamily="34" charset="0"/>
               </a:rPr>
-              <a:t>Supporto telefonico</a:t>
+              <a:t>Phone Support</a:t>
             </a:r>
           </a:p>
         </p:txBody>
@@ -7256,8 +7970,8 @@
         </p:nvSpPr>
         <p:spPr>
           <a:xfrm>
-            <a:off x="2836966" y="6220639"/>
-            <a:ext cx="2325583" cy="959237"/>
+            <a:off x="2836967" y="6529249"/>
+            <a:ext cx="2286000" cy="805349"/>
           </a:xfrm>
           <a:prstGeom prst="rect">
             <a:avLst/>
@@ -7270,37 +7984,26 @@
           <a:lstStyle/>
           <a:p>
             <a:r>
-              <a:rPr lang="it-IT" sz="1000" dirty="0">
+              <a:rPr lang="en-US" sz="1000">
                 <a:solidFill>
                   <a:srgbClr val="020302"/>
                 </a:solidFill>
                 <a:latin typeface="AdobeClean-Light"/>
               </a:rPr>
-              <a:t>Gli utenti autorizzati o i contatti interni per il supporto possono segnalare i problemi tramite tutti i canali disponibili (compreso il supporto telefonico per casi P1) e interagire con il team Adobe di assistenza tecnica per conto della </a:t>
-            </a:r>
-            <a:br>
-              <a:rPr lang="it-IT" sz="1000" dirty="0">
-                <a:solidFill>
-                  <a:srgbClr val="020302"/>
-                </a:solidFill>
-                <a:latin typeface="AdobeClean-Light"/>
-              </a:rPr>
-            </a:br>
-            <a:r>
-              <a:rPr lang="it-IT" sz="1000" dirty="0">
-                <a:solidFill>
-                  <a:srgbClr val="020302"/>
-                </a:solidFill>
-                <a:latin typeface="AdobeClean-Light"/>
-              </a:rPr>
-              <a:t>tua azienda</a:t>
-            </a:r>
-            <a:r>
-              <a:rPr lang="it-IT" sz="1000" dirty="0">
+              <a:t>Authorized users or Named Support Contacts </a:t>
+            </a:r>
+            <a:r>
+              <a:rPr lang="en-US" sz="1000">
                 <a:latin typeface="Adobe Clean Light" panose="020B0303020404020204" pitchFamily="34" charset="0"/>
               </a:rPr>
-              <a:t>. </a:t>
-            </a:r>
+              <a:t>can submit issues through all available  channels (including phone for P1) and interact with our technical support team on behalf of your company. </a:t>
+            </a:r>
+            <a:endParaRPr lang="en-US" sz="1000">
+              <a:solidFill>
+                <a:srgbClr val="000000"/>
+              </a:solidFill>
+              <a:latin typeface="Adobe Clean Light" panose="020B0303020404020204" pitchFamily="34" charset="0"/>
+            </a:endParaRPr>
           </a:p>
         </p:txBody>
       </p:sp>
@@ -7344,8 +8047,24 @@
               </a:spcBef>
             </a:pPr>
             <a:r>
-              <a:rPr lang="it-IT"/>
-              <a:t>©2021 Adobe. All Rights Reserved. Adobe Confidential.</a:t>
+              <a:rPr spc="-5"/>
+              <a:t>©202</a:t>
+            </a:r>
+            <a:r>
+              <a:rPr lang="en-US" spc="-5"/>
+              <a:t>1</a:t>
+            </a:r>
+            <a:r>
+              <a:rPr spc="-5"/>
+              <a:t> Adobe. All Rights Reserved. Adobe</a:t>
+            </a:r>
+            <a:r>
+              <a:rPr spc="60"/>
+              <a:t> </a:t>
+            </a:r>
+            <a:r>
+              <a:rPr spc="-5"/>
+              <a:t>Confidential.</a:t>
             </a:r>
           </a:p>
         </p:txBody>
@@ -7388,7 +8107,7 @@
               </a:spcAft>
             </a:pPr>
             <a:r>
-              <a:rPr lang="it-IT" sz="1200" b="1">
+              <a:rPr lang="en-US" sz="1200" b="1" spc="-10">
                 <a:solidFill>
                   <a:srgbClr val="020302"/>
                 </a:solidFill>
@@ -7413,8 +8132,8 @@
         </p:nvSpPr>
         <p:spPr>
           <a:xfrm>
-            <a:off x="401995" y="5632609"/>
-            <a:ext cx="2626955" cy="45719"/>
+            <a:off x="401995" y="5785009"/>
+            <a:ext cx="1848207" cy="45719"/>
           </a:xfrm>
           <a:custGeom>
             <a:avLst/>
@@ -7461,8 +8180,8 @@
         </p:nvSpPr>
         <p:spPr>
           <a:xfrm>
-            <a:off x="318713" y="5314431"/>
-            <a:ext cx="2006640" cy="307777"/>
+            <a:off x="318713" y="5432541"/>
+            <a:ext cx="2180405" cy="307777"/>
           </a:xfrm>
           <a:prstGeom prst="rect">
             <a:avLst/>
@@ -7483,15 +8202,19 @@
               </a:spcBef>
             </a:pPr>
             <a:r>
-              <a:rPr lang="it-IT" sz="1400" b="1">
+              <a:rPr lang="en-US" sz="1400" b="1" spc="-10" dirty="0">
                 <a:solidFill>
                   <a:srgbClr val="020302"/>
                 </a:solidFill>
                 <a:latin typeface="Adobe Clean"/>
                 <a:cs typeface="Adobe Clean"/>
               </a:rPr>
-              <a:t>Caratteristiche del supporto online</a:t>
-            </a:r>
+              <a:t>Standard Support Features</a:t>
+            </a:r>
+            <a:endParaRPr lang="en-US" sz="1400" dirty="0">
+              <a:latin typeface="Adobe Clean"/>
+              <a:cs typeface="Adobe Clean"/>
+            </a:endParaRPr>
           </a:p>
         </p:txBody>
       </p:sp>
@@ -7509,8 +8232,8 @@
         </p:nvSpPr>
         <p:spPr>
           <a:xfrm>
-            <a:off x="384420" y="774494"/>
-            <a:ext cx="2762639" cy="53355"/>
+            <a:off x="384421" y="774495"/>
+            <a:ext cx="2011680" cy="0"/>
           </a:xfrm>
           <a:custGeom>
             <a:avLst/>
@@ -7579,15 +8302,19 @@
               </a:spcBef>
             </a:pPr>
             <a:r>
-              <a:rPr lang="it-IT" sz="1400" b="1">
+              <a:rPr lang="en-US" sz="1400" b="1" spc="-10">
                 <a:solidFill>
                   <a:srgbClr val="020302"/>
                 </a:solidFill>
                 <a:latin typeface="Adobe Clean"/>
                 <a:cs typeface="Adobe Clean"/>
               </a:rPr>
-              <a:t>Caratteristiche del supporto Business</a:t>
-            </a:r>
+              <a:t>Business  Support Features</a:t>
+            </a:r>
+            <a:endParaRPr lang="en-US" sz="1400">
+              <a:latin typeface="Adobe Clean"/>
+              <a:cs typeface="Adobe Clean"/>
+            </a:endParaRPr>
           </a:p>
         </p:txBody>
       </p:sp>
@@ -7605,8 +8332,8 @@
         </p:nvSpPr>
         <p:spPr>
           <a:xfrm>
-            <a:off x="2836966" y="1370913"/>
-            <a:ext cx="2359873" cy="1638462"/>
+            <a:off x="2836967" y="1370913"/>
+            <a:ext cx="2286000" cy="1456681"/>
           </a:xfrm>
           <a:prstGeom prst="rect">
             <a:avLst/>
@@ -7627,55 +8354,15 @@
               </a:spcBef>
             </a:pPr>
             <a:r>
-              <a:rPr lang="it-IT" sz="1000" dirty="0">
+              <a:rPr lang="en-US" sz="1000">
                 <a:latin typeface="Adobe Clean Light" panose="020B0303020404020204" pitchFamily="34" charset="0"/>
               </a:rPr>
-              <a:t>I clienti possono segnalare telefonicamente </a:t>
-            </a:r>
-            <a:br>
-              <a:rPr lang="it-IT" sz="1000" dirty="0">
-                <a:latin typeface="Adobe Clean Light" panose="020B0303020404020204" pitchFamily="34" charset="0"/>
-              </a:rPr>
-            </a:br>
-            <a:r>
-              <a:rPr lang="it-IT" sz="1000" dirty="0">
-                <a:latin typeface="Adobe Clean Light" panose="020B0303020404020204" pitchFamily="34" charset="0"/>
-              </a:rPr>
-              <a:t>i problemi P2, P3 e P4 durante l’orario operativo per la propria area geografica. Non vi è alcun limite al numero di chiamate di supporto consentite. I clienti possono anche chiedere </a:t>
-            </a:r>
-            <a:br>
-              <a:rPr lang="it-IT" sz="1000" dirty="0">
-                <a:latin typeface="Adobe Clean Light" panose="020B0303020404020204" pitchFamily="34" charset="0"/>
-              </a:rPr>
-            </a:br>
-            <a:r>
-              <a:rPr lang="it-IT" sz="1000" dirty="0">
-                <a:latin typeface="Adobe Clean Light" panose="020B0303020404020204" pitchFamily="34" charset="0"/>
-              </a:rPr>
-              <a:t>di essere richiamati dal supporto, o richiedere una sessione con desktop remoto condiviso </a:t>
-            </a:r>
-            <a:br>
-              <a:rPr lang="it-IT" sz="1000" dirty="0">
-                <a:latin typeface="Adobe Clean Light" panose="020B0303020404020204" pitchFamily="34" charset="0"/>
-              </a:rPr>
-            </a:br>
-            <a:r>
-              <a:rPr lang="it-IT" sz="1000" dirty="0">
-                <a:latin typeface="Adobe Clean Light" panose="020B0303020404020204" pitchFamily="34" charset="0"/>
-              </a:rPr>
-              <a:t>a scopo di dimostrazione o risoluzione </a:t>
-            </a:r>
-            <a:br>
-              <a:rPr lang="it-IT" sz="1000" dirty="0">
-                <a:latin typeface="Adobe Clean Light" panose="020B0303020404020204" pitchFamily="34" charset="0"/>
-              </a:rPr>
-            </a:br>
-            <a:r>
-              <a:rPr lang="it-IT" sz="1000" dirty="0">
-                <a:latin typeface="Adobe Clean Light" panose="020B0303020404020204" pitchFamily="34" charset="0"/>
-              </a:rPr>
-              <a:t>di un problema.</a:t>
-            </a:r>
+              <a:t>Customers can submit support cases via Phone for all P2, P3, P4 issues during regional support hours. There are no upper limits on the number of times you can call into support. Customers can also request a call back from support or request a meeting to demonstrate or work through an issue using a shared remote desktop session.</a:t>
+            </a:r>
+            <a:endParaRPr lang="en-US" sz="1000">
+              <a:latin typeface="Adobe Clean Light" panose="020B0303020404020204" pitchFamily="34" charset="0"/>
+              <a:cs typeface="AdobeClean-Light"/>
+            </a:endParaRPr>
           </a:p>
         </p:txBody>
       </p:sp>
@@ -7717,13 +8404,13 @@
               </a:spcAft>
             </a:pPr>
             <a:r>
-              <a:rPr lang="it-IT" sz="1200" b="1" dirty="0">
+              <a:rPr lang="en-US" sz="1200" b="1" spc="-10">
                 <a:solidFill>
                   <a:srgbClr val="020302"/>
                 </a:solidFill>
                 <a:latin typeface="+mj-lt"/>
               </a:rPr>
-              <a:t>Supporto telefonico in diretta</a:t>
+              <a:t>Live Telephone Support</a:t>
             </a:r>
           </a:p>
         </p:txBody>
@@ -7743,7 +8430,7 @@
         <p:spPr>
           <a:xfrm>
             <a:off x="5376301" y="1398482"/>
-            <a:ext cx="2147240" cy="805349"/>
+            <a:ext cx="2286000" cy="805349"/>
           </a:xfrm>
           <a:prstGeom prst="rect">
             <a:avLst/>
@@ -7764,14 +8451,18 @@
               </a:spcBef>
             </a:pPr>
             <a:r>
-              <a:rPr lang="it-IT" sz="1000" dirty="0">
+              <a:rPr lang="en-US" sz="1000">
                 <a:solidFill>
                   <a:srgbClr val="4B4B4B"/>
                 </a:solidFill>
                 <a:latin typeface="Adobe Clean Light" panose="020B0303020404020204" pitchFamily="34" charset="0"/>
               </a:rPr>
-              <a:t>Un contatto Adobe dedicato che può fornire assistenza e aggiornamenti regolari in merito ai casi che richiedono escalation, e assicurarsi che venga data priorità alle richieste di supporto aperte più critiche.</a:t>
-            </a:r>
+              <a:t>A designated point of contact within Adobe who can provide escalation assistance, regular updates and ensure priority is given to your most critical open support requests.</a:t>
+            </a:r>
+            <a:endParaRPr lang="en-US" sz="1000">
+              <a:latin typeface="Adobe Clean Light" panose="020B0303020404020204" pitchFamily="34" charset="0"/>
+              <a:cs typeface="AdobeClean-Light"/>
+            </a:endParaRPr>
           </a:p>
         </p:txBody>
       </p:sp>
@@ -7813,13 +8504,13 @@
               </a:spcAft>
             </a:pPr>
             <a:r>
-              <a:rPr lang="it-IT" sz="1200" b="1" dirty="0">
+              <a:rPr lang="en-US" sz="1200" b="1" spc="-10">
                 <a:solidFill>
                   <a:srgbClr val="020302"/>
                 </a:solidFill>
                 <a:latin typeface="+mj-lt"/>
               </a:rPr>
-              <a:t>Gestione delle escalation</a:t>
+              <a:t>Escalation Management</a:t>
             </a:r>
           </a:p>
         </p:txBody>
@@ -7867,7 +8558,7 @@
               <a:defRPr/>
             </a:pPr>
             <a:r>
-              <a:rPr lang="it-IT" sz="1200">
+              <a:rPr lang="en-US" sz="1200">
                 <a:solidFill>
                   <a:srgbClr val="000000"/>
                 </a:solidFill>
@@ -7915,12 +8606,12 @@
               </a:spcAft>
             </a:pPr>
             <a:r>
-              <a:rPr lang="it-IT" sz="1200" b="1">
+              <a:rPr lang="en-US" sz="1200" b="1">
                 <a:latin typeface="+mj-lt"/>
                 <a:ea typeface="Open Sans" pitchFamily="34" charset="0"/>
                 <a:cs typeface="Open Sans" pitchFamily="34" charset="0"/>
               </a:rPr>
-              <a:t>Webinar</a:t>
+              <a:t>Webinars</a:t>
             </a:r>
           </a:p>
         </p:txBody>
@@ -7940,7 +8631,7 @@
         <p:spPr>
           <a:xfrm>
             <a:off x="370040" y="8618616"/>
-            <a:ext cx="2286000" cy="959237"/>
+            <a:ext cx="2286000" cy="1113125"/>
           </a:xfrm>
           <a:prstGeom prst="rect">
             <a:avLst/>
@@ -7953,47 +8644,13 @@
           <a:lstStyle/>
           <a:p>
             <a:r>
-              <a:rPr lang="it-IT" sz="1000" dirty="0">
+              <a:rPr lang="en-US" sz="1000">
                 <a:solidFill>
                   <a:srgbClr val="000000"/>
                 </a:solidFill>
                 <a:latin typeface="Adobe Clean Light" panose="020B0303020404020204" pitchFamily="34" charset="0"/>
               </a:rPr>
-              <a:t>Office Hours è un’iniziativa nata dal team </a:t>
-            </a:r>
-            <a:br>
-              <a:rPr lang="it-IT" sz="1000" dirty="0">
-                <a:solidFill>
-                  <a:srgbClr val="000000"/>
-                </a:solidFill>
-                <a:latin typeface="Adobe Clean Light" panose="020B0303020404020204" pitchFamily="34" charset="0"/>
-              </a:rPr>
-            </a:br>
-            <a:r>
-              <a:rPr lang="it-IT" sz="1000" dirty="0">
-                <a:solidFill>
-                  <a:srgbClr val="000000"/>
-                </a:solidFill>
-                <a:latin typeface="Adobe Clean Light" panose="020B0303020404020204" pitchFamily="34" charset="0"/>
-              </a:rPr>
-              <a:t>del Servizio clienti di Adobe. Queste sessioni sono progettate per informare e aiutare </a:t>
-            </a:r>
-            <a:br>
-              <a:rPr lang="it-IT" sz="1000" dirty="0">
-                <a:solidFill>
-                  <a:srgbClr val="000000"/>
-                </a:solidFill>
-                <a:latin typeface="Adobe Clean Light" panose="020B0303020404020204" pitchFamily="34" charset="0"/>
-              </a:rPr>
-            </a:br>
-            <a:r>
-              <a:rPr lang="it-IT" sz="1000" dirty="0">
-                <a:solidFill>
-                  <a:srgbClr val="000000"/>
-                </a:solidFill>
-                <a:latin typeface="Adobe Clean Light" panose="020B0303020404020204" pitchFamily="34" charset="0"/>
-              </a:rPr>
-              <a:t>i partecipanti a risolvere problemi e fornire suggerimenti e trucchi utili per le soluzioni Adobe Experience Cloud.</a:t>
+              <a:t>Office Hours is an initiative led by the Adobe Customer Support team. These sessions are designed to inform as well as help participants troubleshoot problems and provide tips and tricks to be successful with Adobe Experience Cloud.</a:t>
             </a:r>
           </a:p>
         </p:txBody>
@@ -8014,7 +8671,7 @@
         </p:nvSpPr>
         <p:spPr>
           <a:xfrm>
-            <a:off x="5851290" y="8419263"/>
+            <a:off x="5851290" y="8373543"/>
             <a:ext cx="1267206" cy="184666"/>
           </a:xfrm>
           <a:prstGeom prst="rect">
@@ -8036,12 +8693,12 @@
               </a:spcAft>
             </a:pPr>
             <a:r>
-              <a:rPr lang="it-IT" sz="1200" b="1" dirty="0">
+              <a:rPr lang="en-US" sz="1200" b="1">
                 <a:latin typeface="+mj-lt"/>
                 <a:ea typeface="Open Sans" pitchFamily="34" charset="0"/>
                 <a:cs typeface="Open Sans" pitchFamily="34" charset="0"/>
               </a:rPr>
-              <a:t>Portale di supporto 24/7</a:t>
+              <a:t>24/7 Support Portal</a:t>
             </a:r>
           </a:p>
         </p:txBody>
@@ -8074,16 +8731,16 @@
           <a:lstStyle/>
           <a:p>
             <a:r>
-              <a:rPr lang="it-IT" sz="1000" dirty="0">
+              <a:rPr lang="en-US" sz="1000">
                 <a:solidFill>
                   <a:srgbClr val="000000"/>
                 </a:solidFill>
                 <a:latin typeface="Adobe Clean Light" panose="020B0303020404020204" pitchFamily="34" charset="0"/>
               </a:rPr>
-              <a:t>Accesso on-demand al portale di assistenza autonoma per inviare richieste di supporto, esaminare lo stato dei casi e sfogliare altre risorse, come la knowledge base, notizie </a:t>
+              <a:t>On-demand access to the online </a:t>
             </a:r>
             <a:br>
-              <a:rPr lang="it-IT" sz="1000" dirty="0">
+              <a:rPr lang="en-US" sz="1000">
                 <a:solidFill>
                   <a:srgbClr val="000000"/>
                 </a:solidFill>
@@ -8091,13 +8748,13 @@
               </a:rPr>
             </a:br>
             <a:r>
-              <a:rPr lang="it-IT" sz="1000" dirty="0">
+              <a:rPr lang="en-US" sz="1000">
                 <a:solidFill>
                   <a:srgbClr val="000000"/>
                 </a:solidFill>
                 <a:latin typeface="Adobe Clean Light" panose="020B0303020404020204" pitchFamily="34" charset="0"/>
               </a:rPr>
-              <a:t>e avvisi, suggerimenti e altro ancora.</a:t>
+              <a:t>Self-help Support Portal to submit support requests, review case status, and browse other resources, like our knowledgebase, news and alerts, featured tips, and more.</a:t>
             </a:r>
           </a:p>
         </p:txBody>
@@ -8209,10 +8866,10 @@
           <a:lstStyle/>
           <a:p>
             <a:r>
-              <a:rPr lang="it-IT" sz="1200" b="1">
+              <a:rPr lang="en-US" sz="1200" b="1">
                 <a:latin typeface="+mj-lt"/>
               </a:rPr>
-              <a:t>Servizi Business</a:t>
+              <a:t>Business Services</a:t>
             </a:r>
           </a:p>
         </p:txBody>
@@ -8253,11 +8910,15 @@
               </a:spcBef>
             </a:pPr>
             <a:r>
-              <a:rPr lang="it-IT" sz="1000" dirty="0">
+              <a:rPr lang="en-US" sz="1000">
                 <a:latin typeface="Adobe Clean Light" panose="020B0303020404020204" pitchFamily="34" charset="0"/>
               </a:rPr>
-              <a:t>Un Account Support Lead terrà dei webinar per illustrare i servizi di supporto Business.  </a:t>
-            </a:r>
+              <a:t>An Account Support Lead will host webinars covering an overview of business support services.  </a:t>
+            </a:r>
+            <a:endParaRPr lang="en-US" sz="1000">
+              <a:latin typeface="Adobe Clean Light" panose="020B0303020404020204" pitchFamily="34" charset="0"/>
+              <a:cs typeface="AdobeClean-Light"/>
+            </a:endParaRPr>
           </a:p>
         </p:txBody>
       </p:sp>
@@ -8275,7 +8936,7 @@
         </p:nvSpPr>
         <p:spPr>
           <a:xfrm rot="5400000" flipH="1">
-            <a:off x="3863341" y="422235"/>
+            <a:off x="3863341" y="302967"/>
             <a:ext cx="45719" cy="5577840"/>
           </a:xfrm>
           <a:custGeom>
@@ -8464,7 +9125,7 @@
         </p:blipFill>
         <p:spPr>
           <a:xfrm>
-            <a:off x="2836967" y="5754186"/>
+            <a:off x="2836967" y="6062796"/>
             <a:ext cx="411480" cy="411480"/>
           </a:xfrm>
           <a:prstGeom prst="rect">
@@ -8503,7 +9164,7 @@
         </p:blipFill>
         <p:spPr>
           <a:xfrm>
-            <a:off x="359731" y="5754186"/>
+            <a:off x="359731" y="6062796"/>
             <a:ext cx="411480" cy="411480"/>
           </a:xfrm>
           <a:prstGeom prst="rect">
@@ -8542,7 +9203,7 @@
         </p:blipFill>
         <p:spPr>
           <a:xfrm>
-            <a:off x="5329042" y="5754186"/>
+            <a:off x="5329042" y="6062796"/>
             <a:ext cx="411480" cy="411480"/>
           </a:xfrm>
           <a:prstGeom prst="rect">
@@ -8642,7 +9303,7 @@
         </p:nvSpPr>
         <p:spPr>
           <a:xfrm rot="5400000" flipH="1">
-            <a:off x="3863341" y="5115707"/>
+            <a:off x="3863341" y="4967117"/>
             <a:ext cx="45719" cy="5577840"/>
           </a:xfrm>
           <a:custGeom>
@@ -8699,78 +9360,7 @@
         </p:nvSpPr>
         <p:spPr>
           <a:xfrm>
-            <a:off x="5851290" y="8100611"/>
-            <a:ext cx="2520000" cy="307777"/>
-          </a:xfrm>
-          <a:prstGeom prst="rect">
-            <a:avLst/>
-          </a:prstGeom>
-          <a:noFill/>
-        </p:spPr>
-        <p:txBody>
-          <a:bodyPr wrap="square" lIns="0" tIns="0" rIns="0" bIns="0" rtlCol="0">
-            <a:spAutoFit/>
-          </a:bodyPr>
-          <a:lstStyle>
-            <a:defPPr>
-              <a:defRPr lang="en-US"/>
-            </a:defPPr>
-            <a:lvl1pPr>
-              <a:defRPr sz="3200">
-                <a:latin typeface="Adobe Clean Light" panose="020B0303020404020204" pitchFamily="34" charset="0"/>
-              </a:defRPr>
-            </a:lvl1pPr>
-          </a:lstStyle>
-          <a:p>
-            <a:pPr>
-              <a:lnSpc>
-                <a:spcPts val="1200"/>
-              </a:lnSpc>
-              <a:defRPr/>
-            </a:pPr>
-            <a:r>
-              <a:rPr lang="it-IT" sz="1200" spc="-20" dirty="0">
-                <a:solidFill>
-                  <a:srgbClr val="000000"/>
-                </a:solidFill>
-              </a:rPr>
-              <a:t>Portale di assistenza </a:t>
-            </a:r>
-            <a:br>
-              <a:rPr lang="it-IT" sz="1200" spc="-20" dirty="0">
-                <a:solidFill>
-                  <a:srgbClr val="000000"/>
-                </a:solidFill>
-              </a:rPr>
-            </a:br>
-            <a:r>
-              <a:rPr lang="it-IT" sz="1200" spc="-20" dirty="0">
-                <a:solidFill>
-                  <a:srgbClr val="000000"/>
-                </a:solidFill>
-              </a:rPr>
-              <a:t>autonoma</a:t>
-            </a:r>
-          </a:p>
-        </p:txBody>
-      </p:sp>
-      <p:sp>
-        <p:nvSpPr>
-          <p:cNvPr id="83" name="TextBox 82">
-            <a:extLst>
-              <a:ext uri="{FF2B5EF4-FFF2-40B4-BE49-F238E27FC236}">
-                <a16:creationId xmlns:a16="http://schemas.microsoft.com/office/drawing/2014/main" id="{AF154937-CC7F-194F-914A-583BEF4B46DE}"/>
-              </a:ext>
-            </a:extLst>
-          </p:cNvPr>
-          <p:cNvSpPr txBox="1">
-            <a:spLocks/>
-          </p:cNvSpPr>
-          <p:nvPr/>
-        </p:nvSpPr>
-        <p:spPr>
-          <a:xfrm>
-            <a:off x="5851290" y="5737788"/>
+            <a:off x="5851290" y="8150141"/>
             <a:ext cx="2520000" cy="184666"/>
           </a:xfrm>
           <a:prstGeom prst="rect">
@@ -8797,7 +9387,60 @@
               <a:defRPr/>
             </a:pPr>
             <a:r>
-              <a:rPr lang="it-IT" sz="1200">
+              <a:rPr lang="en-US" sz="1200">
+                <a:solidFill>
+                  <a:srgbClr val="000000"/>
+                </a:solidFill>
+              </a:rPr>
+              <a:t>Self– Help Portal</a:t>
+            </a:r>
+          </a:p>
+        </p:txBody>
+      </p:sp>
+      <p:sp>
+        <p:nvSpPr>
+          <p:cNvPr id="83" name="TextBox 82">
+            <a:extLst>
+              <a:ext uri="{FF2B5EF4-FFF2-40B4-BE49-F238E27FC236}">
+                <a16:creationId xmlns:a16="http://schemas.microsoft.com/office/drawing/2014/main" id="{AF154937-CC7F-194F-914A-583BEF4B46DE}"/>
+              </a:ext>
+            </a:extLst>
+          </p:cNvPr>
+          <p:cNvSpPr txBox="1">
+            <a:spLocks/>
+          </p:cNvSpPr>
+          <p:nvPr/>
+        </p:nvSpPr>
+        <p:spPr>
+          <a:xfrm>
+            <a:off x="5851290" y="6046398"/>
+            <a:ext cx="2520000" cy="184666"/>
+          </a:xfrm>
+          <a:prstGeom prst="rect">
+            <a:avLst/>
+          </a:prstGeom>
+          <a:noFill/>
+        </p:spPr>
+        <p:txBody>
+          <a:bodyPr wrap="square" lIns="0" tIns="0" rIns="0" bIns="0" rtlCol="0">
+            <a:spAutoFit/>
+          </a:bodyPr>
+          <a:lstStyle>
+            <a:defPPr>
+              <a:defRPr lang="en-US"/>
+            </a:defPPr>
+            <a:lvl1pPr>
+              <a:defRPr sz="3200">
+                <a:latin typeface="Adobe Clean Light" panose="020B0303020404020204" pitchFamily="34" charset="0"/>
+              </a:defRPr>
+            </a:lvl1pPr>
+          </a:lstStyle>
+          <a:p>
+            <a:pPr>
+              <a:defRPr/>
+            </a:pPr>
+            <a:r>
+              <a:rPr lang="en-US" sz="1200">
                 <a:solidFill>
                   <a:srgbClr val="000000"/>
                 </a:solidFill>
@@ -8859,15 +9502,49 @@
               </a:lnSpc>
             </a:pPr>
             <a:r>
-              <a:rPr lang="it-IT" sz="500">
+              <a:rPr sz="500" spc="-5">
                 <a:solidFill>
                   <a:srgbClr val="6C6C6C"/>
                 </a:solidFill>
                 <a:latin typeface="Adobe Clean"/>
                 <a:cs typeface="Adobe Clean"/>
               </a:rPr>
-              <a:t>©2020 Adobe. All Rights Reserved. Adobe Confidential.</a:t>
-            </a:r>
+              <a:t>©2020 Adobe. All Rights Reserved. </a:t>
+            </a:r>
+            <a:r>
+              <a:rPr sz="500">
+                <a:solidFill>
+                  <a:srgbClr val="6C6C6C"/>
+                </a:solidFill>
+                <a:latin typeface="Adobe Clean"/>
+                <a:cs typeface="Adobe Clean"/>
+              </a:rPr>
+              <a:t>Adobe</a:t>
+            </a:r>
+            <a:r>
+              <a:rPr sz="500" spc="5">
+                <a:solidFill>
+                  <a:srgbClr val="6C6C6C"/>
+                </a:solidFill>
+                <a:latin typeface="Adobe Clean"/>
+                <a:cs typeface="Adobe Clean"/>
+              </a:rPr>
+              <a:t> </a:t>
+            </a:r>
+            <a:r>
+              <a:rPr sz="500" spc="-5">
+                <a:solidFill>
+                  <a:srgbClr val="6C6C6C"/>
+                </a:solidFill>
+                <a:latin typeface="Adobe Clean"/>
+                <a:cs typeface="Adobe Clean"/>
+              </a:rPr>
+              <a:t>Confidential.</a:t>
+            </a:r>
+            <a:endParaRPr sz="500">
+              <a:latin typeface="Adobe Clean"/>
+              <a:cs typeface="Adobe Clean"/>
+            </a:endParaRPr>
           </a:p>
           <a:p>
             <a:pPr>
@@ -8893,15 +9570,39 @@
               </a:spcBef>
             </a:pPr>
             <a:r>
-              <a:rPr lang="it-IT" sz="800">
+              <a:rPr sz="800" spc="-5">
                 <a:solidFill>
                   <a:srgbClr val="6D6D6D"/>
                 </a:solidFill>
                 <a:latin typeface="Adobe Clean"/>
                 <a:cs typeface="Adobe Clean"/>
               </a:rPr>
-              <a:t>©2020 Adobe. All Rights Reserved. Adobe Confidential.</a:t>
-            </a:r>
+              <a:t>©2020 Adobe. All Rights Reserved. Adobe</a:t>
+            </a:r>
+            <a:r>
+              <a:rPr sz="800" spc="75">
+                <a:solidFill>
+                  <a:srgbClr val="6D6D6D"/>
+                </a:solidFill>
+                <a:latin typeface="Adobe Clean"/>
+                <a:cs typeface="Adobe Clean"/>
+              </a:rPr>
+              <a:t> </a:t>
+            </a:r>
+            <a:r>
+              <a:rPr sz="800" spc="-5">
+                <a:solidFill>
+                  <a:srgbClr val="6D6D6D"/>
+                </a:solidFill>
+                <a:latin typeface="Adobe Clean"/>
+                <a:cs typeface="Adobe Clean"/>
+              </a:rPr>
+              <a:t>Confidential.</a:t>
+            </a:r>
+            <a:endParaRPr sz="800">
+              <a:latin typeface="Adobe Clean"/>
+              <a:cs typeface="Adobe Clean"/>
+            </a:endParaRPr>
           </a:p>
         </p:txBody>
       </p:sp>
@@ -8985,15 +9686,19 @@
               </a:spcBef>
             </a:pPr>
             <a:r>
-              <a:rPr lang="it-IT" sz="1400" b="1">
+              <a:rPr lang="en-US" sz="1400" b="1" spc="-15">
                 <a:solidFill>
                   <a:srgbClr val="020302"/>
                 </a:solidFill>
                 <a:latin typeface="Adobe Clean"/>
                 <a:cs typeface="Adobe Clean"/>
               </a:rPr>
-              <a:t>Risorse</a:t>
-            </a:r>
+              <a:t>Resources</a:t>
+            </a:r>
+            <a:endParaRPr sz="1400">
+              <a:latin typeface="Adobe Clean"/>
+              <a:cs typeface="Adobe Clean"/>
+            </a:endParaRPr>
           </a:p>
         </p:txBody>
       </p:sp>
@@ -9006,7 +9711,7 @@
         <p:spPr>
           <a:xfrm>
             <a:off x="6754821" y="9283729"/>
-            <a:ext cx="990909" cy="662305"/>
+            <a:ext cx="930275" cy="662305"/>
           </a:xfrm>
           <a:prstGeom prst="rect">
             <a:avLst/>
@@ -9027,7 +9732,7 @@
               </a:spcBef>
             </a:pPr>
             <a:r>
-              <a:rPr lang="it-IT" sz="800" dirty="0">
+              <a:rPr sz="800" spc="-15">
                 <a:solidFill>
                   <a:srgbClr val="777879"/>
                 </a:solidFill>
@@ -9036,6 +9741,10 @@
               </a:rPr>
               <a:t>Adobe</a:t>
             </a:r>
+            <a:endParaRPr sz="800">
+              <a:latin typeface="Adobe Clean"/>
+              <a:cs typeface="Adobe Clean"/>
+            </a:endParaRPr>
           </a:p>
           <a:p>
             <a:pPr marL="12700">
@@ -9044,15 +9753,39 @@
               </a:lnSpc>
             </a:pPr>
             <a:r>
-              <a:rPr lang="it-IT" sz="800" dirty="0">
+              <a:rPr sz="800" spc="-15">
                 <a:solidFill>
                   <a:srgbClr val="777879"/>
                 </a:solidFill>
                 <a:latin typeface="Adobe Clean"/>
                 <a:cs typeface="Adobe Clean"/>
               </a:rPr>
-              <a:t>345 Park Avenue</a:t>
-            </a:r>
+              <a:t>345 Park</a:t>
+            </a:r>
+            <a:r>
+              <a:rPr sz="800" spc="-100">
+                <a:solidFill>
+                  <a:srgbClr val="777879"/>
+                </a:solidFill>
+                <a:latin typeface="Adobe Clean"/>
+                <a:cs typeface="Adobe Clean"/>
+              </a:rPr>
+              <a:t> </a:t>
+            </a:r>
+            <a:r>
+              <a:rPr sz="800" spc="-15">
+                <a:solidFill>
+                  <a:srgbClr val="777879"/>
+                </a:solidFill>
+                <a:latin typeface="Adobe Clean"/>
+                <a:cs typeface="Adobe Clean"/>
+              </a:rPr>
+              <a:t>Avenue</a:t>
+            </a:r>
+            <a:endParaRPr sz="800">
+              <a:latin typeface="Adobe Clean"/>
+              <a:cs typeface="Adobe Clean"/>
+            </a:endParaRPr>
           </a:p>
           <a:p>
             <a:pPr marL="12700">
@@ -9061,15 +9794,49 @@
               </a:lnSpc>
             </a:pPr>
             <a:r>
-              <a:rPr lang="it-IT" sz="800" dirty="0">
+              <a:rPr sz="800" spc="-10">
                 <a:solidFill>
                   <a:srgbClr val="777879"/>
                 </a:solidFill>
                 <a:latin typeface="Adobe Clean"/>
                 <a:cs typeface="Adobe Clean"/>
               </a:rPr>
-              <a:t>San Jose, CA 95110-2704</a:t>
-            </a:r>
+              <a:t>San </a:t>
+            </a:r>
+            <a:r>
+              <a:rPr sz="800" spc="-15">
+                <a:solidFill>
+                  <a:srgbClr val="777879"/>
+                </a:solidFill>
+                <a:latin typeface="Adobe Clean"/>
+                <a:cs typeface="Adobe Clean"/>
+              </a:rPr>
+              <a:t>Jose,</a:t>
+            </a:r>
+            <a:r>
+              <a:rPr sz="800" spc="-140">
+                <a:solidFill>
+                  <a:srgbClr val="777879"/>
+                </a:solidFill>
+                <a:latin typeface="Adobe Clean"/>
+                <a:cs typeface="Adobe Clean"/>
+              </a:rPr>
+              <a:t> </a:t>
+            </a:r>
+            <a:r>
+              <a:rPr sz="800" spc="-20">
+                <a:solidFill>
+                  <a:srgbClr val="777879"/>
+                </a:solidFill>
+                <a:latin typeface="Adobe Clean"/>
+                <a:cs typeface="Adobe Clean"/>
+              </a:rPr>
+              <a:t>CA95110-2704</a:t>
+            </a:r>
+            <a:endParaRPr sz="800">
+              <a:latin typeface="Adobe Clean"/>
+              <a:cs typeface="Adobe Clean"/>
+            </a:endParaRPr>
           </a:p>
           <a:p>
             <a:pPr marL="12700">
@@ -9081,7 +9848,7 @@
               </a:spcBef>
             </a:pPr>
             <a:r>
-              <a:rPr lang="it-IT" sz="800" dirty="0">
+              <a:rPr sz="800" spc="-10">
                 <a:solidFill>
                   <a:srgbClr val="777879"/>
                 </a:solidFill>
@@ -9090,6 +9857,10 @@
               </a:rPr>
               <a:t>USA</a:t>
             </a:r>
+            <a:endParaRPr sz="800">
+              <a:latin typeface="Adobe Clean"/>
+              <a:cs typeface="Adobe Clean"/>
+            </a:endParaRPr>
           </a:p>
           <a:p>
             <a:pPr marL="12700">
@@ -9101,7 +9872,7 @@
               </a:spcBef>
             </a:pPr>
             <a:r>
-              <a:rPr lang="it-IT" sz="800" u="sng" dirty="0">
+              <a:rPr sz="800" u="sng" spc="-25">
                 <a:solidFill>
                   <a:srgbClr val="5F5F5F"/>
                 </a:solidFill>
@@ -9116,6 +9887,10 @@
               </a:rPr>
               <a:t>www.adobe.com</a:t>
             </a:r>
+            <a:endParaRPr sz="800">
+              <a:latin typeface="Adobe Clean"/>
+              <a:cs typeface="Adobe Clean"/>
+            </a:endParaRPr>
           </a:p>
         </p:txBody>
       </p:sp>
@@ -9290,15 +10065,439 @@
               </a:spcBef>
             </a:pPr>
             <a:r>
-              <a:rPr lang="it-IT" sz="1100" i="1" dirty="0">
+              <a:rPr sz="1100" i="1" spc="-10">
                 <a:solidFill>
                   <a:srgbClr val="777879"/>
                 </a:solidFill>
                 <a:latin typeface="AdobeClean-LightIt"/>
                 <a:cs typeface="AdobeClean-LightIt"/>
               </a:rPr>
-              <a:t>Per saperne di più sulle opzioni di Supporto Adobe e capire quale sia il livello più adatto alle tue esigenze, contatta il tuo Named Account Manager (NAM) o Customer Success Manager (CSM).</a:t>
-            </a:r>
+              <a:t>To</a:t>
+            </a:r>
+            <a:r>
+              <a:rPr sz="1100" i="1" spc="-50">
+                <a:solidFill>
+                  <a:srgbClr val="777879"/>
+                </a:solidFill>
+                <a:latin typeface="AdobeClean-LightIt"/>
+                <a:cs typeface="AdobeClean-LightIt"/>
+              </a:rPr>
+              <a:t> </a:t>
+            </a:r>
+            <a:r>
+              <a:rPr sz="1100" i="1" spc="-15">
+                <a:solidFill>
+                  <a:srgbClr val="777879"/>
+                </a:solidFill>
+                <a:latin typeface="AdobeClean-LightIt"/>
+                <a:cs typeface="AdobeClean-LightIt"/>
+              </a:rPr>
+              <a:t>learn</a:t>
+            </a:r>
+            <a:r>
+              <a:rPr sz="1100" i="1" spc="-40">
+                <a:solidFill>
+                  <a:srgbClr val="777879"/>
+                </a:solidFill>
+                <a:latin typeface="AdobeClean-LightIt"/>
+                <a:cs typeface="AdobeClean-LightIt"/>
+              </a:rPr>
+              <a:t> </a:t>
+            </a:r>
+            <a:r>
+              <a:rPr sz="1100" i="1" spc="-15">
+                <a:solidFill>
+                  <a:srgbClr val="777879"/>
+                </a:solidFill>
+                <a:latin typeface="AdobeClean-LightIt"/>
+                <a:cs typeface="AdobeClean-LightIt"/>
+              </a:rPr>
+              <a:t>more</a:t>
+            </a:r>
+            <a:r>
+              <a:rPr sz="1100" i="1" spc="-45">
+                <a:solidFill>
+                  <a:srgbClr val="777879"/>
+                </a:solidFill>
+                <a:latin typeface="AdobeClean-LightIt"/>
+                <a:cs typeface="AdobeClean-LightIt"/>
+              </a:rPr>
+              <a:t> </a:t>
+            </a:r>
+            <a:r>
+              <a:rPr sz="1100" i="1" spc="-15">
+                <a:solidFill>
+                  <a:srgbClr val="777879"/>
+                </a:solidFill>
+                <a:latin typeface="AdobeClean-LightIt"/>
+                <a:cs typeface="AdobeClean-LightIt"/>
+              </a:rPr>
+              <a:t>about</a:t>
+            </a:r>
+            <a:r>
+              <a:rPr sz="1100" i="1" spc="-45">
+                <a:solidFill>
+                  <a:srgbClr val="777879"/>
+                </a:solidFill>
+                <a:latin typeface="AdobeClean-LightIt"/>
+                <a:cs typeface="AdobeClean-LightIt"/>
+              </a:rPr>
+              <a:t> </a:t>
+            </a:r>
+            <a:r>
+              <a:rPr sz="1100" i="1" spc="-15">
+                <a:solidFill>
+                  <a:srgbClr val="777879"/>
+                </a:solidFill>
+                <a:latin typeface="AdobeClean-LightIt"/>
+                <a:cs typeface="AdobeClean-LightIt"/>
+              </a:rPr>
+              <a:t>Adobe</a:t>
+            </a:r>
+            <a:r>
+              <a:rPr sz="1100" i="1" spc="-50">
+                <a:solidFill>
+                  <a:srgbClr val="777879"/>
+                </a:solidFill>
+                <a:latin typeface="AdobeClean-LightIt"/>
+                <a:cs typeface="AdobeClean-LightIt"/>
+              </a:rPr>
+              <a:t> </a:t>
+            </a:r>
+            <a:r>
+              <a:rPr sz="1100" i="1" spc="-15">
+                <a:solidFill>
+                  <a:srgbClr val="777879"/>
+                </a:solidFill>
+                <a:latin typeface="AdobeClean-LightIt"/>
+                <a:cs typeface="AdobeClean-LightIt"/>
+              </a:rPr>
+              <a:t>Support</a:t>
+            </a:r>
+            <a:r>
+              <a:rPr lang="en-US" sz="1100" i="1" spc="-15">
+                <a:solidFill>
+                  <a:srgbClr val="777879"/>
+                </a:solidFill>
+                <a:latin typeface="AdobeClean-LightIt"/>
+                <a:cs typeface="AdobeClean-LightIt"/>
+              </a:rPr>
+              <a:t> Offerings</a:t>
+            </a:r>
+            <a:r>
+              <a:rPr sz="1100" i="1" spc="-75">
+                <a:solidFill>
+                  <a:srgbClr val="777879"/>
+                </a:solidFill>
+                <a:latin typeface="AdobeClean-LightIt"/>
+                <a:cs typeface="AdobeClean-LightIt"/>
+              </a:rPr>
+              <a:t> </a:t>
+            </a:r>
+            <a:r>
+              <a:rPr sz="1100" i="1" spc="-15">
+                <a:solidFill>
+                  <a:srgbClr val="777879"/>
+                </a:solidFill>
+                <a:latin typeface="AdobeClean-LightIt"/>
+                <a:cs typeface="AdobeClean-LightIt"/>
+              </a:rPr>
+              <a:t>and</a:t>
+            </a:r>
+            <a:r>
+              <a:rPr sz="1100" i="1" spc="-50">
+                <a:solidFill>
+                  <a:srgbClr val="777879"/>
+                </a:solidFill>
+                <a:latin typeface="AdobeClean-LightIt"/>
+                <a:cs typeface="AdobeClean-LightIt"/>
+              </a:rPr>
+              <a:t> </a:t>
+            </a:r>
+            <a:r>
+              <a:rPr sz="1100" i="1" spc="-15">
+                <a:solidFill>
+                  <a:srgbClr val="777879"/>
+                </a:solidFill>
+                <a:latin typeface="AdobeClean-LightIt"/>
+                <a:cs typeface="AdobeClean-LightIt"/>
+              </a:rPr>
+              <a:t>the</a:t>
+            </a:r>
+            <a:r>
+              <a:rPr sz="1100" i="1" spc="-55">
+                <a:solidFill>
+                  <a:srgbClr val="777879"/>
+                </a:solidFill>
+                <a:latin typeface="AdobeClean-LightIt"/>
+                <a:cs typeface="AdobeClean-LightIt"/>
+              </a:rPr>
+              <a:t> </a:t>
+            </a:r>
+            <a:r>
+              <a:rPr sz="1100" i="1" spc="-15">
+                <a:solidFill>
+                  <a:srgbClr val="777879"/>
+                </a:solidFill>
+                <a:latin typeface="AdobeClean-LightIt"/>
+                <a:cs typeface="AdobeClean-LightIt"/>
+              </a:rPr>
+              <a:t>right</a:t>
+            </a:r>
+            <a:r>
+              <a:rPr sz="1100" i="1" spc="-95">
+                <a:solidFill>
+                  <a:srgbClr val="777879"/>
+                </a:solidFill>
+                <a:latin typeface="AdobeClean-LightIt"/>
+                <a:cs typeface="AdobeClean-LightIt"/>
+              </a:rPr>
+              <a:t> </a:t>
+            </a:r>
+            <a:r>
+              <a:rPr sz="1100" i="1" spc="-15">
+                <a:solidFill>
+                  <a:srgbClr val="777879"/>
+                </a:solidFill>
+                <a:latin typeface="AdobeClean-LightIt"/>
+                <a:cs typeface="AdobeClean-LightIt"/>
+              </a:rPr>
+              <a:t>level</a:t>
+            </a:r>
+            <a:r>
+              <a:rPr sz="1100" i="1" spc="-55">
+                <a:solidFill>
+                  <a:srgbClr val="777879"/>
+                </a:solidFill>
+                <a:latin typeface="AdobeClean-LightIt"/>
+                <a:cs typeface="AdobeClean-LightIt"/>
+              </a:rPr>
+              <a:t> </a:t>
+            </a:r>
+            <a:r>
+              <a:rPr sz="1100" i="1" spc="-15">
+                <a:solidFill>
+                  <a:srgbClr val="777879"/>
+                </a:solidFill>
+                <a:latin typeface="AdobeClean-LightIt"/>
+                <a:cs typeface="AdobeClean-LightIt"/>
+              </a:rPr>
+              <a:t>for</a:t>
+            </a:r>
+            <a:r>
+              <a:rPr sz="1100" i="1" spc="-85">
+                <a:solidFill>
+                  <a:srgbClr val="777879"/>
+                </a:solidFill>
+                <a:latin typeface="AdobeClean-LightIt"/>
+                <a:cs typeface="AdobeClean-LightIt"/>
+              </a:rPr>
+              <a:t> </a:t>
+            </a:r>
+            <a:r>
+              <a:rPr sz="1100" i="1" spc="-15">
+                <a:solidFill>
+                  <a:srgbClr val="777879"/>
+                </a:solidFill>
+                <a:latin typeface="AdobeClean-LightIt"/>
+                <a:cs typeface="AdobeClean-LightIt"/>
+              </a:rPr>
+              <a:t>you,</a:t>
+            </a:r>
+            <a:r>
+              <a:rPr sz="1100" i="1" spc="-65">
+                <a:solidFill>
+                  <a:srgbClr val="777879"/>
+                </a:solidFill>
+                <a:latin typeface="AdobeClean-LightIt"/>
+                <a:cs typeface="AdobeClean-LightIt"/>
+              </a:rPr>
+              <a:t> </a:t>
+            </a:r>
+            <a:r>
+              <a:rPr sz="1100" i="1" spc="-15">
+                <a:solidFill>
+                  <a:srgbClr val="777879"/>
+                </a:solidFill>
+                <a:latin typeface="AdobeClean-LightIt"/>
+                <a:cs typeface="AdobeClean-LightIt"/>
+              </a:rPr>
+              <a:t>contact</a:t>
+            </a:r>
+            <a:r>
+              <a:rPr sz="1100" i="1" spc="-85">
+                <a:solidFill>
+                  <a:srgbClr val="777879"/>
+                </a:solidFill>
+                <a:latin typeface="AdobeClean-LightIt"/>
+                <a:cs typeface="AdobeClean-LightIt"/>
+              </a:rPr>
+              <a:t> </a:t>
+            </a:r>
+            <a:r>
+              <a:rPr sz="1100" i="1" spc="-15">
+                <a:solidFill>
+                  <a:srgbClr val="777879"/>
+                </a:solidFill>
+                <a:latin typeface="AdobeClean-LightIt"/>
+                <a:cs typeface="AdobeClean-LightIt"/>
+              </a:rPr>
+              <a:t>your</a:t>
+            </a:r>
+            <a:r>
+              <a:rPr sz="1100" i="1" spc="-70">
+                <a:solidFill>
+                  <a:srgbClr val="777879"/>
+                </a:solidFill>
+                <a:latin typeface="AdobeClean-LightIt"/>
+                <a:cs typeface="AdobeClean-LightIt"/>
+              </a:rPr>
+              <a:t> </a:t>
+            </a:r>
+            <a:r>
+              <a:rPr sz="1100" i="1" spc="-15">
+                <a:solidFill>
+                  <a:srgbClr val="777879"/>
+                </a:solidFill>
+                <a:latin typeface="AdobeClean-LightIt"/>
+                <a:cs typeface="AdobeClean-LightIt"/>
+              </a:rPr>
+              <a:t>Named</a:t>
+            </a:r>
+            <a:r>
+              <a:rPr sz="1100" i="1" spc="-55">
+                <a:solidFill>
+                  <a:srgbClr val="777879"/>
+                </a:solidFill>
+                <a:latin typeface="AdobeClean-LightIt"/>
+                <a:cs typeface="AdobeClean-LightIt"/>
+              </a:rPr>
+              <a:t> </a:t>
+            </a:r>
+            <a:r>
+              <a:rPr sz="1100" i="1" spc="-25">
+                <a:solidFill>
+                  <a:srgbClr val="777879"/>
+                </a:solidFill>
+                <a:latin typeface="AdobeClean-LightIt"/>
+                <a:cs typeface="AdobeClean-LightIt"/>
+              </a:rPr>
+              <a:t>Account</a:t>
+            </a:r>
+            <a:r>
+              <a:rPr sz="1100" i="1" spc="-120">
+                <a:solidFill>
+                  <a:srgbClr val="777879"/>
+                </a:solidFill>
+                <a:latin typeface="AdobeClean-LightIt"/>
+                <a:cs typeface="AdobeClean-LightIt"/>
+              </a:rPr>
+              <a:t> </a:t>
+            </a:r>
+            <a:r>
+              <a:rPr sz="1100" i="1" spc="-20">
+                <a:solidFill>
+                  <a:srgbClr val="777879"/>
+                </a:solidFill>
+                <a:latin typeface="AdobeClean-LightIt"/>
+                <a:cs typeface="AdobeClean-LightIt"/>
+              </a:rPr>
+              <a:t>Manager</a:t>
+            </a:r>
+            <a:r>
+              <a:rPr lang="en-US" sz="1100" i="1" spc="-20">
+                <a:solidFill>
+                  <a:srgbClr val="777879"/>
+                </a:solidFill>
+                <a:latin typeface="AdobeClean-LightIt"/>
+                <a:cs typeface="AdobeClean-LightIt"/>
+              </a:rPr>
+              <a:t> </a:t>
+            </a:r>
+            <a:r>
+              <a:rPr sz="1100" i="1" spc="-20">
+                <a:solidFill>
+                  <a:srgbClr val="777879"/>
+                </a:solidFill>
+                <a:latin typeface="AdobeClean-LightIt"/>
+                <a:cs typeface="AdobeClean-LightIt"/>
+              </a:rPr>
+              <a:t> </a:t>
+            </a:r>
+            <a:r>
+              <a:rPr sz="1100" i="1" spc="-15">
+                <a:solidFill>
+                  <a:srgbClr val="777879"/>
+                </a:solidFill>
+                <a:latin typeface="AdobeClean-LightIt"/>
+                <a:cs typeface="AdobeClean-LightIt"/>
+              </a:rPr>
+              <a:t>(NAM) </a:t>
+            </a:r>
+            <a:r>
+              <a:rPr sz="1100" i="1" spc="-10">
+                <a:solidFill>
+                  <a:srgbClr val="777879"/>
+                </a:solidFill>
+                <a:latin typeface="AdobeClean-LightIt"/>
+                <a:cs typeface="AdobeClean-LightIt"/>
+              </a:rPr>
+              <a:t>or </a:t>
+            </a:r>
+            <a:r>
+              <a:rPr sz="1100" i="1" spc="-15">
+                <a:solidFill>
+                  <a:srgbClr val="777879"/>
+                </a:solidFill>
+                <a:latin typeface="AdobeClean-LightIt"/>
+                <a:cs typeface="AdobeClean-LightIt"/>
+              </a:rPr>
+              <a:t>Customer</a:t>
+            </a:r>
+            <a:r>
+              <a:rPr lang="en-US" sz="1100" i="1" spc="-15">
+                <a:solidFill>
+                  <a:srgbClr val="777879"/>
+                </a:solidFill>
+                <a:latin typeface="AdobeClean-LightIt"/>
+                <a:cs typeface="AdobeClean-LightIt"/>
+              </a:rPr>
+              <a:t> </a:t>
+            </a:r>
+            <a:r>
+              <a:rPr lang="en-US" sz="1100" i="1" spc="-20">
+                <a:solidFill>
+                  <a:srgbClr val="777879"/>
+                </a:solidFill>
+                <a:latin typeface="AdobeClean-LightIt"/>
+                <a:cs typeface="AdobeClean-LightIt"/>
+              </a:rPr>
+              <a:t>Success </a:t>
+            </a:r>
+            <a:r>
+              <a:rPr lang="en-US" sz="1100" i="1" spc="-15">
+                <a:solidFill>
+                  <a:srgbClr val="777879"/>
+                </a:solidFill>
+                <a:latin typeface="AdobeClean-LightIt"/>
+                <a:cs typeface="AdobeClean-LightIt"/>
+              </a:rPr>
+              <a:t>Manager </a:t>
+            </a:r>
+            <a:r>
+              <a:rPr sz="1100" i="1" spc="-15">
+                <a:solidFill>
+                  <a:srgbClr val="777879"/>
+                </a:solidFill>
+                <a:latin typeface="AdobeClean-LightIt"/>
+                <a:cs typeface="AdobeClean-LightIt"/>
+              </a:rPr>
+              <a:t>(CSM)</a:t>
+            </a:r>
+            <a:endParaRPr sz="1100">
+              <a:latin typeface="AdobeClean-LightIt"/>
+              <a:cs typeface="AdobeClean-LightIt"/>
+            </a:endParaRPr>
           </a:p>
           <a:p>
             <a:pPr marL="34290">
@@ -9310,15 +10509,59 @@
               </a:spcBef>
             </a:pPr>
             <a:r>
-              <a:rPr lang="it-IT" sz="800" dirty="0">
+              <a:rPr sz="800" spc="-5">
                 <a:solidFill>
                   <a:srgbClr val="6D6D6D"/>
                 </a:solidFill>
                 <a:latin typeface="Adobe Clean"/>
                 <a:cs typeface="Adobe Clean"/>
               </a:rPr>
-              <a:t>©2021 Adobe. All Rights Reserved. Adobe Confidential.</a:t>
-            </a:r>
+              <a:t>©202</a:t>
+            </a:r>
+            <a:r>
+              <a:rPr lang="en-US" sz="800" spc="-5">
+                <a:solidFill>
+                  <a:srgbClr val="6D6D6D"/>
+                </a:solidFill>
+                <a:latin typeface="Adobe Clean"/>
+                <a:cs typeface="Adobe Clean"/>
+              </a:rPr>
+              <a:t>1</a:t>
+            </a:r>
+            <a:r>
+              <a:rPr sz="800" spc="-5">
+                <a:solidFill>
+                  <a:srgbClr val="6D6D6D"/>
+                </a:solidFill>
+                <a:latin typeface="Adobe Clean"/>
+                <a:cs typeface="Adobe Clean"/>
+              </a:rPr>
+              <a:t> Adobe. All Rights Reserved. Adobe</a:t>
+            </a:r>
+            <a:r>
+              <a:rPr sz="800" spc="75">
+                <a:solidFill>
+                  <a:srgbClr val="6D6D6D"/>
+                </a:solidFill>
+                <a:latin typeface="Adobe Clean"/>
+                <a:cs typeface="Adobe Clean"/>
+              </a:rPr>
+              <a:t> </a:t>
+            </a:r>
+            <a:r>
+              <a:rPr sz="800" spc="-5">
+                <a:solidFill>
+                  <a:srgbClr val="6D6D6D"/>
+                </a:solidFill>
+                <a:latin typeface="Adobe Clean"/>
+                <a:cs typeface="Adobe Clean"/>
+              </a:rPr>
+              <a:t>Confidential.</a:t>
+            </a:r>
+            <a:endParaRPr sz="800">
+              <a:latin typeface="Adobe Clean"/>
+              <a:cs typeface="Adobe Clean"/>
+            </a:endParaRPr>
           </a:p>
         </p:txBody>
       </p:sp>
@@ -9336,8 +10579,8 @@
         </p:nvSpPr>
         <p:spPr>
           <a:xfrm>
-            <a:off x="197232" y="5031270"/>
-            <a:ext cx="6588377" cy="755976"/>
+            <a:off x="197233" y="5031270"/>
+            <a:ext cx="6476646" cy="755976"/>
           </a:xfrm>
           <a:prstGeom prst="rect">
             <a:avLst/>
@@ -9355,15 +10598,19 @@
               </a:spcBef>
             </a:pPr>
             <a:r>
-              <a:rPr lang="it-IT" sz="1400" b="1" dirty="0">
+              <a:rPr lang="en-US" sz="1400" b="1" spc="-15">
                 <a:solidFill>
                   <a:srgbClr val="020302"/>
                 </a:solidFill>
                 <a:latin typeface="Adobe Clean"/>
                 <a:cs typeface="Adobe Clean"/>
               </a:rPr>
-              <a:t>Supporto Adobe: aree geografiche, orari operativi e lingue</a:t>
-            </a:r>
+              <a:t>Regional scope of Adobe Support, Local Hours Of Operation And Language Support</a:t>
+            </a:r>
+            <a:endParaRPr lang="en-US" sz="1400" spc="-15">
+              <a:ea typeface="+mn-lt"/>
+              <a:cs typeface="+mn-lt"/>
+            </a:endParaRPr>
           </a:p>
           <a:p>
             <a:pPr>
@@ -9372,14 +10619,15 @@
               </a:spcBef>
             </a:pPr>
             <a:r>
-              <a:rPr lang="it-IT" sz="1000" dirty="0">
+              <a:rPr lang="en-US" sz="1000" spc="-15">
                 <a:solidFill>
                   <a:srgbClr val="1F1F1F"/>
                 </a:solidFill>
                 <a:latin typeface="AdobeClean-Light"/>
               </a:rPr>
-              <a:t>L’ambito del supporto Adobe è definito allineando l’indirizzo di fatturazione del cliente (in base all’ordine di vendita o altro documento di acquisto del servizio di supporto Adobe) a una delle seguenti aree geografiche:</a:t>
-            </a:r>
+              <a:t>The Regional scope of Adobe Support is established by aligning the customer's billing address (via the Sales Order or other Adobe Support purchasing document) to one of the following regions:</a:t>
+            </a:r>
+            <a:endParaRPr lang="en-US"/>
           </a:p>
         </p:txBody>
       </p:sp>
@@ -9398,7 +10646,7 @@
           <p:nvPr>
             <p:extLst>
               <p:ext uri="{D42A27DB-BD31-4B8C-83A1-F6EECF244321}">
-                <p14:modId xmlns:p14="http://schemas.microsoft.com/office/powerpoint/2010/main" val="2649027313"/>
+                <p14:modId xmlns:p14="http://schemas.microsoft.com/office/powerpoint/2010/main" val="2969235217"/>
               </p:ext>
             </p:extLst>
           </p:nvPr>
@@ -9451,13 +10699,13 @@
                     <a:p>
                       <a:pPr algn="ctr"/>
                       <a:r>
-                        <a:rPr lang="it-IT" sz="1100">
+                        <a:rPr lang="en-US" sz="1100">
                           <a:solidFill>
                             <a:schemeClr val="tx1"/>
                           </a:solidFill>
                           <a:latin typeface="Adobe Clean"/>
                         </a:rPr>
-                        <a:t>Americhe</a:t>
+                        <a:t>Americas</a:t>
                       </a:r>
                     </a:p>
                   </a:txBody>
@@ -9516,30 +10764,13 @@
                     <a:p>
                       <a:pPr algn="ctr"/>
                       <a:r>
-                        <a:rPr lang="it-IT" sz="1100" dirty="0">
+                        <a:rPr lang="en-US" sz="1100">
                           <a:solidFill>
                             <a:schemeClr val="tx1"/>
                           </a:solidFill>
                           <a:latin typeface="Adobe Clean"/>
                         </a:rPr>
-                        <a:t>Europa, Medio Oriente </a:t>
-                      </a:r>
-                      <a:br>
-                        <a:rPr lang="it-IT" sz="1100" dirty="0">
-                          <a:solidFill>
-                            <a:schemeClr val="tx1"/>
-                          </a:solidFill>
-                          <a:latin typeface="Adobe Clean"/>
-                        </a:rPr>
-                      </a:br>
-                      <a:r>
-                        <a:rPr lang="it-IT" sz="1100" dirty="0">
-                          <a:solidFill>
-                            <a:schemeClr val="tx1"/>
-                          </a:solidFill>
-                          <a:latin typeface="Adobe Clean"/>
-                        </a:rPr>
-                        <a:t>e Africa</a:t>
+                        <a:t>Europe, Middle East &amp; Africa</a:t>
                       </a:r>
                     </a:p>
                   </a:txBody>
@@ -9598,13 +10829,13 @@
                     <a:p>
                       <a:pPr algn="ctr"/>
                       <a:r>
-                        <a:rPr lang="it-IT" sz="1100">
+                        <a:rPr lang="en-US" sz="1100">
                           <a:solidFill>
                             <a:schemeClr val="tx1"/>
                           </a:solidFill>
                           <a:latin typeface="Adobe Clean"/>
                         </a:rPr>
-                        <a:t>Asia-Pacifico</a:t>
+                        <a:t>Asia Pacific</a:t>
                       </a:r>
                     </a:p>
                   </a:txBody>
@@ -9663,16 +10894,16 @@
                     <a:p>
                       <a:pPr algn="ctr"/>
                       <a:r>
-                        <a:rPr lang="it-IT" sz="1100">
+                        <a:rPr lang="en-US" sz="1100">
                           <a:solidFill>
                             <a:schemeClr val="tx1"/>
                           </a:solidFill>
                           <a:latin typeface="Adobe Clean"/>
                         </a:rPr>
-                        <a:t>Giappone</a:t>
+                        <a:t>Japan </a:t>
                       </a:r>
                       <a:r>
-                        <a:rPr lang="it-IT" sz="1100" baseline="30000">
+                        <a:rPr lang="en-US" sz="1100" baseline="30000">
                           <a:solidFill>
                             <a:schemeClr val="tx1"/>
                           </a:solidFill>
@@ -9680,6 +10911,12 @@
                         </a:rPr>
                         <a:t>1 </a:t>
                       </a:r>
+                      <a:endParaRPr lang="en-US" sz="1100">
+                        <a:solidFill>
+                          <a:schemeClr val="tx1"/>
+                        </a:solidFill>
+                        <a:latin typeface="Adobe Clean" panose="020B0503020404020204" pitchFamily="34" charset="0"/>
+                      </a:endParaRPr>
                     </a:p>
                   </a:txBody>
                   <a:tcPr anchor="ctr">
@@ -9744,13 +10981,13 @@
                     <a:p>
                       <a:pPr algn="ctr"/>
                       <a:r>
-                        <a:rPr lang="it-IT" sz="1100">
+                        <a:rPr lang="en-US" sz="1100">
                           <a:solidFill>
                             <a:schemeClr val="tx1"/>
                           </a:solidFill>
                           <a:latin typeface="Adobe Clean"/>
                         </a:rPr>
-                        <a:t>06:00 – 17:30</a:t>
+                        <a:t>6 am – 5:30 pm</a:t>
                       </a:r>
                     </a:p>
                   </a:txBody>
@@ -9809,13 +11046,13 @@
                     <a:p>
                       <a:pPr algn="ctr"/>
                       <a:r>
-                        <a:rPr lang="it-IT" sz="1100">
+                        <a:rPr lang="en-US" sz="1100">
                           <a:solidFill>
                             <a:schemeClr val="tx1"/>
                           </a:solidFill>
                           <a:latin typeface="Adobe Clean"/>
                         </a:rPr>
-                        <a:t>09:00 – 17:00</a:t>
+                        <a:t>9 am – 5 pm</a:t>
                       </a:r>
                     </a:p>
                   </a:txBody>
@@ -9874,13 +11111,13 @@
                     <a:p>
                       <a:pPr algn="ctr"/>
                       <a:r>
-                        <a:rPr lang="it-IT" sz="1100">
+                        <a:rPr lang="en-US" sz="1100">
                           <a:solidFill>
                             <a:schemeClr val="tx1"/>
                           </a:solidFill>
                           <a:latin typeface="Adobe Clean"/>
                         </a:rPr>
-                        <a:t>09:00 – 17:00</a:t>
+                        <a:t>9 am – 5 pm</a:t>
                       </a:r>
                     </a:p>
                   </a:txBody>
@@ -9939,13 +11176,13 @@
                     <a:p>
                       <a:pPr algn="ctr"/>
                       <a:r>
-                        <a:rPr lang="it-IT" sz="1100">
+                        <a:rPr lang="en-US" sz="1100">
                           <a:solidFill>
                             <a:schemeClr val="tx1"/>
                           </a:solidFill>
                           <a:latin typeface="Adobe Clean"/>
                         </a:rPr>
-                        <a:t>09:00 – 17:30</a:t>
+                        <a:t>9 am – 5:30 pm</a:t>
                       </a:r>
                     </a:p>
                   </a:txBody>
@@ -10025,10 +11262,11 @@
                         <a:buNone/>
                       </a:pPr>
                       <a:r>
-                        <a:rPr lang="it-IT" sz="1100" b="1" i="0" u="none" strike="noStrike" cap="none" normalizeH="0" baseline="30000" noProof="0" dirty="0">
+                        <a:rPr lang="en-US" sz="1100" b="1" i="0" u="none" strike="noStrike" kern="0" cap="none" spc="0" normalizeH="0" baseline="30000" noProof="0">
                           <a:ln>
                             <a:noFill/>
                           </a:ln>
+                          <a:effectLst/>
                           <a:uLnTx/>
                           <a:uFillTx/>
                           <a:latin typeface="Adobe Clean"/>
@@ -10038,16 +11276,17 @@
                         <a:t> </a:t>
                       </a:r>
                       <a:r>
-                        <a:rPr lang="it-IT" sz="1100" dirty="0">
+                        <a:rPr lang="en-US" sz="1100">
                           <a:solidFill>
                             <a:schemeClr val="tx1"/>
                           </a:solidFill>
                           <a:latin typeface="Adobe Clean"/>
-                          <a:ea typeface="+mn-ea"/>
-                          <a:cs typeface="+mn-cs"/>
                         </a:rPr>
-                        <a:t>Il supporto è disponibile solo in inglese e giapponese.</a:t>
+                        <a:t>Language support is only available in English and Japanese.</a:t>
                       </a:r>
+                      <a:endParaRPr lang="en-US">
+                        <a:latin typeface="Adobe Clean"/>
+                      </a:endParaRPr>
                     </a:p>
                     <a:p>
                       <a:pPr marL="0" marR="0" lvl="0" indent="0" algn="ctr">
@@ -10066,18 +11305,18 @@
                         <a:buNone/>
                       </a:pPr>
                       <a:r>
-                        <a:rPr lang="it-IT" sz="1100" i="1" dirty="0">
+                        <a:rPr lang="en-US" sz="1100" i="1">
                           <a:solidFill>
                             <a:schemeClr val="tx1"/>
                           </a:solidFill>
                           <a:latin typeface="Adobe Clean"/>
                         </a:rPr>
-                        <a:t>* Adobe Commerce non prevede il supporto in lingua giapponese.</a:t>
+                        <a:t>*Adobe Commerce excludes Japanese languages support.</a:t>
                       </a:r>
                     </a:p>
                     <a:p>
-                      <a:pPr algn="l" rtl="0"/>
-                      <a:endParaRPr kumimoji="0" lang="en-US" sz="1100" b="1" i="0" u="none" strike="noStrike" kern="0" cap="none" spc="0" normalizeH="0" baseline="30000" noProof="0" dirty="0">
+                      <a:pPr algn="ctr"/>
+                      <a:endParaRPr kumimoji="0" lang="en-US" sz="1100" b="1" i="0" u="none" strike="noStrike" kern="0" cap="none" spc="0" normalizeH="0" baseline="30000" noProof="0">
                         <a:ln>
                           <a:noFill/>
                         </a:ln>
@@ -10095,7 +11334,7 @@
                     <a:p>
                       <a:pPr algn="ctr"/>
                       <a:r>
-                        <a:rPr lang="it-IT" sz="1100" i="0" dirty="0">
+                        <a:rPr lang="en-US" sz="1100" i="0">
                           <a:solidFill>
                             <a:schemeClr val="tx1"/>
                           </a:solidFill>
@@ -10104,7 +11343,7 @@
                         <a:t> </a:t>
                       </a:r>
                       <a:r>
-                        <a:rPr lang="it-IT" sz="1100" i="0" baseline="30000" dirty="0">
+                        <a:rPr lang="en-US" sz="1100" i="0" baseline="30000">
                           <a:solidFill>
                             <a:schemeClr val="tx1"/>
                           </a:solidFill>
@@ -10113,14 +11352,20 @@
                         <a:t>1 </a:t>
                       </a:r>
                       <a:r>
-                        <a:rPr lang="it-IT" sz="1100" i="0" dirty="0">
+                        <a:rPr lang="en-US" sz="1100" i="0">
                           <a:solidFill>
                             <a:schemeClr val="tx1"/>
                           </a:solidFill>
                           <a:latin typeface="Adobe Clean"/>
                         </a:rPr>
-                        <a:t>In Giappone, i casi P2, P3 e P4 sono limitati al solo orario operativo.</a:t>
+                        <a:t>P2, P3, P4 cases are limited to business hours only in Japan.</a:t>
                       </a:r>
+                      <a:endParaRPr lang="en-US" sz="1100" b="1" i="0">
+                        <a:solidFill>
+                          <a:schemeClr val="tx1"/>
+                        </a:solidFill>
+                        <a:latin typeface="Adobe Clean"/>
+                      </a:endParaRPr>
                     </a:p>
                   </a:txBody>
                   <a:tcPr anchor="ctr">
@@ -10475,7 +11720,7 @@
           </a:bodyPr>
           <a:lstStyle/>
           <a:p>
-            <a:pPr marR="5080" algn="ctr">
+            <a:pPr marL="139065" marR="5080" indent="-139065">
               <a:lnSpc>
                 <a:spcPts val="1390"/>
               </a:lnSpc>
@@ -10484,15 +11729,129 @@
               </a:spcBef>
             </a:pPr>
             <a:r>
-              <a:rPr lang="it-IT" sz="1200" b="1" dirty="0">
+              <a:rPr sz="1200" b="1" spc="-15">
                 <a:solidFill>
                   <a:srgbClr val="FFFFFF"/>
                 </a:solidFill>
                 <a:latin typeface="Adobe Clean"/>
                 <a:cs typeface="Adobe Clean"/>
               </a:rPr>
-              <a:t>Eccellenza tecnica</a:t>
-            </a:r>
+              <a:t>U</a:t>
+            </a:r>
+            <a:r>
+              <a:rPr sz="1200" b="1" spc="-20">
+                <a:solidFill>
+                  <a:srgbClr val="FFFFFF"/>
+                </a:solidFill>
+                <a:latin typeface="Adobe Clean"/>
+                <a:cs typeface="Adobe Clean"/>
+              </a:rPr>
+              <a:t>n</a:t>
+            </a:r>
+            <a:r>
+              <a:rPr sz="1200" b="1" spc="-25">
+                <a:solidFill>
+                  <a:srgbClr val="FFFFFF"/>
+                </a:solidFill>
+                <a:latin typeface="Adobe Clean"/>
+                <a:cs typeface="Adobe Clean"/>
+              </a:rPr>
+              <a:t>p</a:t>
+            </a:r>
+            <a:r>
+              <a:rPr sz="1200" b="1" spc="-15">
+                <a:solidFill>
+                  <a:srgbClr val="FFFFFF"/>
+                </a:solidFill>
+                <a:latin typeface="Adobe Clean"/>
+                <a:cs typeface="Adobe Clean"/>
+              </a:rPr>
+              <a:t>a</a:t>
+            </a:r>
+            <a:r>
+              <a:rPr sz="1200" b="1" spc="-25">
+                <a:solidFill>
+                  <a:srgbClr val="FFFFFF"/>
+                </a:solidFill>
+                <a:latin typeface="Adobe Clean"/>
+                <a:cs typeface="Adobe Clean"/>
+              </a:rPr>
+              <a:t>r</a:t>
+            </a:r>
+            <a:r>
+              <a:rPr sz="1200" b="1" spc="-15">
+                <a:solidFill>
+                  <a:srgbClr val="FFFFFF"/>
+                </a:solidFill>
+                <a:latin typeface="Adobe Clean"/>
+                <a:cs typeface="Adobe Clean"/>
+              </a:rPr>
+              <a:t>a</a:t>
+            </a:r>
+            <a:r>
+              <a:rPr sz="1200" b="1" spc="-30">
+                <a:solidFill>
+                  <a:srgbClr val="FFFFFF"/>
+                </a:solidFill>
+                <a:latin typeface="Adobe Clean"/>
+                <a:cs typeface="Adobe Clean"/>
+              </a:rPr>
+              <a:t>ll</a:t>
+            </a:r>
+            <a:r>
+              <a:rPr sz="1200" b="1" spc="-25">
+                <a:solidFill>
+                  <a:srgbClr val="FFFFFF"/>
+                </a:solidFill>
+                <a:latin typeface="Adobe Clean"/>
+                <a:cs typeface="Adobe Clean"/>
+              </a:rPr>
+              <a:t>e</a:t>
+            </a:r>
+            <a:r>
+              <a:rPr sz="1200" b="1" spc="-30">
+                <a:solidFill>
+                  <a:srgbClr val="FFFFFF"/>
+                </a:solidFill>
+                <a:latin typeface="Adobe Clean"/>
+                <a:cs typeface="Adobe Clean"/>
+              </a:rPr>
+              <a:t>l</a:t>
+            </a:r>
+            <a:r>
+              <a:rPr sz="1200" b="1" spc="-25">
+                <a:solidFill>
+                  <a:srgbClr val="FFFFFF"/>
+                </a:solidFill>
+                <a:latin typeface="Adobe Clean"/>
+                <a:cs typeface="Adobe Clean"/>
+              </a:rPr>
+              <a:t>e</a:t>
+            </a:r>
+            <a:r>
+              <a:rPr sz="1200" b="1">
+                <a:solidFill>
+                  <a:srgbClr val="FFFFFF"/>
+                </a:solidFill>
+                <a:latin typeface="Adobe Clean"/>
+                <a:cs typeface="Adobe Clean"/>
+              </a:rPr>
+              <a:t>d  </a:t>
+            </a:r>
+            <a:r>
+              <a:rPr sz="1200" b="1" spc="-25">
+                <a:solidFill>
+                  <a:srgbClr val="FFFFFF"/>
+                </a:solidFill>
+                <a:latin typeface="Adobe Clean"/>
+                <a:cs typeface="Adobe Clean"/>
+              </a:rPr>
+              <a:t>Expertise</a:t>
+            </a:r>
+            <a:endParaRPr sz="1200">
+              <a:latin typeface="Adobe Clean"/>
+              <a:cs typeface="Adobe Clean"/>
+            </a:endParaRPr>
           </a:p>
         </p:txBody>
       </p:sp>
@@ -10523,7 +11882,7 @@
           </a:bodyPr>
           <a:lstStyle/>
           <a:p>
-            <a:pPr marR="5080" algn="ctr">
+            <a:pPr marL="139065" marR="5080" indent="-139065">
               <a:lnSpc>
                 <a:spcPts val="1390"/>
               </a:lnSpc>
@@ -10532,15 +11891,19 @@
               </a:spcBef>
             </a:pPr>
             <a:r>
-              <a:rPr lang="it-IT" sz="1200" b="1" dirty="0">
+              <a:rPr lang="en-US" sz="1200" b="1" spc="-15">
                 <a:solidFill>
                   <a:srgbClr val="FFFFFF"/>
                 </a:solidFill>
                 <a:latin typeface="Adobe Clean"/>
                 <a:cs typeface="Adobe Clean"/>
               </a:rPr>
-              <a:t>Supporto rapido</a:t>
-            </a:r>
+              <a:t>Accelerated Support</a:t>
+            </a:r>
+            <a:endParaRPr sz="1200">
+              <a:latin typeface="Adobe Clean"/>
+              <a:cs typeface="Adobe Clean"/>
+            </a:endParaRPr>
           </a:p>
         </p:txBody>
       </p:sp>
@@ -10558,8 +11921,8 @@
         </p:nvSpPr>
         <p:spPr>
           <a:xfrm>
-            <a:off x="6343650" y="8543943"/>
-            <a:ext cx="1071478" cy="385445"/>
+            <a:off x="6624119" y="8543943"/>
+            <a:ext cx="510540" cy="385445"/>
           </a:xfrm>
           <a:prstGeom prst="rect">
             <a:avLst/>
@@ -10571,7 +11934,7 @@
           </a:bodyPr>
           <a:lstStyle/>
           <a:p>
-            <a:pPr marL="3175" marR="5080" indent="-3175" algn="ctr">
+            <a:pPr marL="50800" marR="5080" indent="-51435">
               <a:lnSpc>
                 <a:spcPts val="1390"/>
               </a:lnSpc>
@@ -10580,15 +11943,109 @@
               </a:spcBef>
             </a:pPr>
             <a:r>
-              <a:rPr lang="it-IT" sz="1200" b="1" dirty="0">
+              <a:rPr sz="1200" b="1" spc="-50">
                 <a:solidFill>
                   <a:srgbClr val="FFFFFF"/>
                 </a:solidFill>
                 <a:latin typeface="Adobe Clean"/>
                 <a:cs typeface="Adobe Clean"/>
               </a:rPr>
-              <a:t>Consulenza strategica</a:t>
-            </a:r>
+              <a:t>S</a:t>
+            </a:r>
+            <a:r>
+              <a:rPr sz="1200" b="1" spc="-20">
+                <a:solidFill>
+                  <a:srgbClr val="FFFFFF"/>
+                </a:solidFill>
+                <a:latin typeface="Adobe Clean"/>
+                <a:cs typeface="Adobe Clean"/>
+              </a:rPr>
+              <a:t>t</a:t>
+            </a:r>
+            <a:r>
+              <a:rPr sz="1200" b="1" spc="-75">
+                <a:solidFill>
+                  <a:srgbClr val="FFFFFF"/>
+                </a:solidFill>
+                <a:latin typeface="Adobe Clean"/>
+                <a:cs typeface="Adobe Clean"/>
+              </a:rPr>
+              <a:t>r</a:t>
+            </a:r>
+            <a:r>
+              <a:rPr sz="1200" b="1" spc="-90">
+                <a:solidFill>
+                  <a:srgbClr val="FFFFFF"/>
+                </a:solidFill>
+                <a:latin typeface="Adobe Clean"/>
+                <a:cs typeface="Adobe Clean"/>
+              </a:rPr>
+              <a:t>a</a:t>
+            </a:r>
+            <a:r>
+              <a:rPr sz="1200" b="1" spc="-55">
+                <a:solidFill>
+                  <a:srgbClr val="FFFFFF"/>
+                </a:solidFill>
+                <a:latin typeface="Adobe Clean"/>
+                <a:cs typeface="Adobe Clean"/>
+              </a:rPr>
+              <a:t>t</a:t>
+            </a:r>
+            <a:r>
+              <a:rPr sz="1200" b="1" spc="-100">
+                <a:solidFill>
+                  <a:srgbClr val="FFFFFF"/>
+                </a:solidFill>
+                <a:latin typeface="Adobe Clean"/>
+                <a:cs typeface="Adobe Clean"/>
+              </a:rPr>
+              <a:t>e</a:t>
+            </a:r>
+            <a:r>
+              <a:rPr sz="1200" b="1" spc="-80">
+                <a:solidFill>
+                  <a:srgbClr val="FFFFFF"/>
+                </a:solidFill>
+                <a:latin typeface="Adobe Clean"/>
+                <a:cs typeface="Adobe Clean"/>
+              </a:rPr>
+              <a:t>g</a:t>
+            </a:r>
+            <a:r>
+              <a:rPr sz="1200" b="1" spc="-35">
+                <a:solidFill>
+                  <a:srgbClr val="FFFFFF"/>
+                </a:solidFill>
+                <a:latin typeface="Adobe Clean"/>
+                <a:cs typeface="Adobe Clean"/>
+              </a:rPr>
+              <a:t>i</a:t>
+            </a:r>
+            <a:r>
+              <a:rPr sz="1200" b="1">
+                <a:solidFill>
+                  <a:srgbClr val="FFFFFF"/>
+                </a:solidFill>
+                <a:latin typeface="Adobe Clean"/>
+                <a:cs typeface="Adobe Clean"/>
+              </a:rPr>
+              <a:t>c  </a:t>
+            </a:r>
+            <a:r>
+              <a:rPr sz="1200" b="1" spc="-45">
+                <a:solidFill>
+                  <a:srgbClr val="FFFFFF"/>
+                </a:solidFill>
+                <a:latin typeface="Adobe Clean"/>
+                <a:cs typeface="Adobe Clean"/>
+              </a:rPr>
+              <a:t>Advice</a:t>
+            </a:r>
+            <a:endParaRPr sz="1200">
+              <a:latin typeface="Adobe Clean"/>
+              <a:cs typeface="Adobe Clean"/>
+            </a:endParaRPr>
           </a:p>
         </p:txBody>
       </p:sp>
@@ -10607,14 +12064,14 @@
           <p:nvPr>
             <p:extLst>
               <p:ext uri="{D42A27DB-BD31-4B8C-83A1-F6EECF244321}">
-                <p14:modId xmlns:p14="http://schemas.microsoft.com/office/powerpoint/2010/main" val="2987526193"/>
+                <p14:modId xmlns:p14="http://schemas.microsoft.com/office/powerpoint/2010/main" val="3773282750"/>
               </p:ext>
             </p:extLst>
           </p:nvPr>
         </p:nvGraphicFramePr>
         <p:xfrm>
           <a:off x="194236" y="1059345"/>
-          <a:ext cx="7368291" cy="3606800"/>
+          <a:ext cx="7368291" cy="3302000"/>
         </p:xfrm>
         <a:graphic>
           <a:graphicData uri="http://schemas.openxmlformats.org/drawingml/2006/table">
@@ -10645,7 +12102,7 @@
                     <a:lstStyle/>
                     <a:p>
                       <a:r>
-                        <a:rPr lang="it-IT" sz="1100" b="0">
+                        <a:rPr lang="en-US" sz="1100" b="0">
                           <a:solidFill>
                             <a:schemeClr val="tx1"/>
                           </a:solidFill>
@@ -10656,6 +12113,14 @@
                         </a:rPr>
                         <a:t>Experience League</a:t>
                       </a:r>
+                      <a:endParaRPr lang="en-US" sz="1100" b="0">
+                        <a:solidFill>
+                          <a:schemeClr val="tx1"/>
+                        </a:solidFill>
+                        <a:latin typeface="Adobe Clean"/>
+                        <a:ea typeface="+mn-ea"/>
+                        <a:cs typeface="+mn-cs"/>
+                      </a:endParaRPr>
                     </a:p>
                   </a:txBody>
                   <a:tcPr marL="47625" marR="47625" marT="0" marB="0" anchor="ctr">
@@ -10727,7 +12192,7 @@
                         <a:buNone/>
                       </a:pPr>
                       <a:r>
-                        <a:rPr lang="it-IT" sz="1000" b="0" dirty="0">
+                        <a:rPr lang="en-US" sz="1000" b="0" kern="1200">
                           <a:solidFill>
                             <a:srgbClr val="000000"/>
                           </a:solidFill>
@@ -10735,29 +12200,16 @@
                           <a:ea typeface="+mn-ea"/>
                           <a:cs typeface="+mn-cs"/>
                         </a:rPr>
-                        <a:t>Con Experience League, Adobe aiuta le aziende a conseguire il valore che si aspettano dalle soluzioni Adobe in cui hanno investito. In questo portale unificato, puoi imparare, relazionarti con altri professionisti </a:t>
+                        <a:t>Experience League is how Adobe helps businesses achieve the value they expect from their Adobe investment. It’s the unified place where customers can learn, connect, and grow along a personalized path to success that includes self-help tutorials, product documentation, instructor-led training, community and technical support. </a:t>
                       </a:r>
-                      <a:br>
-                        <a:rPr lang="it-IT" sz="1000" b="0" dirty="0">
-                          <a:solidFill>
-                            <a:srgbClr val="000000"/>
-                          </a:solidFill>
-                          <a:latin typeface="Adobe Clean Light"/>
-                          <a:ea typeface="+mn-ea"/>
-                          <a:cs typeface="+mn-cs"/>
-                        </a:rPr>
-                      </a:br>
-                      <a:r>
-                        <a:rPr lang="it-IT" sz="1000" b="0" dirty="0">
-                          <a:solidFill>
-                            <a:srgbClr val="000000"/>
-                          </a:solidFill>
-                          <a:latin typeface="Adobe Clean Light"/>
-                          <a:ea typeface="+mn-ea"/>
-                          <a:cs typeface="+mn-cs"/>
-                        </a:rPr>
-                        <a:t>e crescere seguendo un percorso personalizzato con tutorial, documentazione dei prodotti, formazione con istruttori, supporto tecnico e il sostegno dell’intera community. </a:t>
-                      </a:r>
+                      <a:endParaRPr lang="en-US" sz="1000" b="0" kern="1200">
+                        <a:solidFill>
+                          <a:srgbClr val="000000"/>
+                        </a:solidFill>
+                        <a:latin typeface="Adobe Clean Light" panose="020B0303020404020204" pitchFamily="34" charset="0"/>
+                        <a:ea typeface="+mn-ea"/>
+                        <a:cs typeface="+mn-cs"/>
+                      </a:endParaRPr>
                     </a:p>
                   </a:txBody>
                   <a:tcPr anchor="ctr">
@@ -10838,28 +12290,39 @@
                         <a:defRPr/>
                       </a:pPr>
                       <a:r>
-                        <a:rPr lang="it-IT" sz="1100">
+                        <a:rPr lang="en-US" sz="1100">
                           <a:solidFill>
                             <a:schemeClr val="dk1"/>
                           </a:solidFill>
+                          <a:effectLst/>
                           <a:latin typeface="Adobe Clean"/>
                           <a:ea typeface="+mn-ea"/>
                           <a:cs typeface="+mn-cs"/>
                           <a:hlinkClick r:id="rId8"/>
                         </a:rPr>
-                        <a:t>Formazione</a:t>
+                        <a:t>Training</a:t>
                       </a:r>
                       <a:r>
-                        <a:rPr lang="it-IT" sz="1100">
+                        <a:rPr lang="en-US" sz="1100">
                           <a:solidFill>
                             <a:schemeClr val="dk1"/>
                           </a:solidFill>
+                          <a:effectLst/>
                           <a:latin typeface="Adobe Clean"/>
                           <a:ea typeface="+mn-ea"/>
                           <a:cs typeface="+mn-cs"/>
                         </a:rPr>
                         <a:t> </a:t>
                       </a:r>
+                      <a:endParaRPr lang="en-US" sz="1100">
+                        <a:solidFill>
+                          <a:schemeClr val="tx1"/>
+                        </a:solidFill>
+                        <a:effectLst/>
+                        <a:latin typeface="Adobe Clean"/>
+                        <a:ea typeface="+mn-ea"/>
+                        <a:cs typeface="+mn-cs"/>
+                      </a:endParaRPr>
                     </a:p>
                   </a:txBody>
                   <a:tcPr anchor="ctr">
@@ -10933,7 +12396,7 @@
                         <a:defRPr/>
                       </a:pPr>
                       <a:r>
-                        <a:rPr lang="it-IT" sz="1000" dirty="0">
+                        <a:rPr lang="en-US" sz="1000" kern="1200">
                           <a:solidFill>
                             <a:srgbClr val="000000"/>
                           </a:solidFill>
@@ -10941,7 +12404,7 @@
                           <a:ea typeface="+mn-ea"/>
                           <a:cs typeface="+mn-cs"/>
                         </a:rPr>
-                        <a:t>I corsi Adobe Digital Learning Services sono accessibili da Experience League. I corsi di apprendimento comprendono lezioni sia on-demand che guidate da istruttori.  Potrai acquisire nuove competenze particolarmente ricercate nel settore e metterle in pratica nella tua organizzazione, per favorirne il successo.</a:t>
+                        <a:t>Adobe Digital Learning Services courses are accessible from Experience League. Learning courses integrate both on-demand and instructor-led lessons.  Here you can accrue skills that have recognized market value and position them to drive success in your organizations.</a:t>
                       </a:r>
                     </a:p>
                   </a:txBody>
@@ -11023,17 +12486,27 @@
                         <a:defRPr/>
                       </a:pPr>
                       <a:r>
-                        <a:rPr lang="it-IT" sz="1100">
+                        <a:rPr lang="en-US" sz="1100">
                           <a:solidFill>
                             <a:schemeClr val="tx1"/>
                           </a:solidFill>
+                          <a:effectLst/>
                           <a:latin typeface="Adobe Clean"/>
                           <a:ea typeface="+mn-ea"/>
                           <a:cs typeface="+mn-cs"/>
                           <a:hlinkClick r:id="rId9"/>
                         </a:rPr>
-                        <a:t>Problemi di produzione e interruzioni del sistema</a:t>
+                        <a:t>Production Issues &amp; System Outages</a:t>
                       </a:r>
+                      <a:endParaRPr lang="en-US" sz="1100">
+                        <a:solidFill>
+                          <a:schemeClr val="tx1"/>
+                        </a:solidFill>
+                        <a:effectLst/>
+                        <a:latin typeface="Adobe Clean"/>
+                        <a:ea typeface="+mn-ea"/>
+                        <a:cs typeface="+mn-cs"/>
+                      </a:endParaRPr>
                     </a:p>
                   </a:txBody>
                   <a:tcPr anchor="ctr">
@@ -11105,7 +12578,7 @@
                         <a:buNone/>
                       </a:pPr>
                       <a:r>
-                        <a:rPr lang="it-IT" sz="1000" dirty="0">
+                        <a:rPr lang="en-US" sz="1000" kern="1200">
                           <a:solidFill>
                             <a:srgbClr val="000000"/>
                           </a:solidFill>
@@ -11113,50 +12586,16 @@
                           <a:ea typeface="+mn-ea"/>
                           <a:cs typeface="+mn-cs"/>
                         </a:rPr>
-                        <a:t>Status.adobe.com trasmette informazioni sullo stato di tutti i prodotti </a:t>
+                        <a:t>Status.adobe.com conveys the health information of all Adobe products and services that are deployed in multi-tenant environments. Customers can choose their subscription preferences to get email notifications whenever Adobe creates, updates or resolves a product event. This can include scheduled maintenance or service issues of varying levels of severity. </a:t>
                       </a:r>
-                      <a:br>
-                        <a:rPr lang="it-IT" sz="1000" dirty="0">
-                          <a:solidFill>
-                            <a:srgbClr val="000000"/>
-                          </a:solidFill>
-                          <a:latin typeface="Adobe Clean Light"/>
-                          <a:ea typeface="+mn-ea"/>
-                          <a:cs typeface="+mn-cs"/>
-                        </a:rPr>
-                      </a:br>
-                      <a:r>
-                        <a:rPr lang="it-IT" sz="1000" dirty="0">
-                          <a:solidFill>
-                            <a:srgbClr val="000000"/>
-                          </a:solidFill>
-                          <a:latin typeface="Adobe Clean Light"/>
-                          <a:ea typeface="+mn-ea"/>
-                          <a:cs typeface="+mn-cs"/>
-                        </a:rPr>
-                        <a:t>e i servizi Adobe implementati in ambienti multi-tenant. Puoi scegliere se ricevere notifiche e-mail ogni volta che Adobe segnala, aggiorna </a:t>
-                      </a:r>
-                      <a:br>
-                        <a:rPr lang="it-IT" sz="1000" dirty="0">
-                          <a:solidFill>
-                            <a:srgbClr val="000000"/>
-                          </a:solidFill>
-                          <a:latin typeface="Adobe Clean Light"/>
-                          <a:ea typeface="+mn-ea"/>
-                          <a:cs typeface="+mn-cs"/>
-                        </a:rPr>
-                      </a:br>
-                      <a:r>
-                        <a:rPr lang="it-IT" sz="1000" dirty="0">
-                          <a:solidFill>
-                            <a:srgbClr val="000000"/>
-                          </a:solidFill>
-                          <a:latin typeface="Adobe Clean Light"/>
-                          <a:ea typeface="+mn-ea"/>
-                          <a:cs typeface="+mn-cs"/>
-                        </a:rPr>
-                        <a:t>o risolve un problema relativo a un prodotto. Vengono segnalate ad esempio le interruzioni per manutenzione programmata o problemi relativi ai servizi con diversi livelli di gravità. </a:t>
-                      </a:r>
+                      <a:endParaRPr lang="en-US" sz="1000" kern="1200">
+                        <a:solidFill>
+                          <a:srgbClr val="000000"/>
+                        </a:solidFill>
+                        <a:latin typeface="Adobe Clean Light" panose="020B0303020404020204" pitchFamily="34" charset="0"/>
+                        <a:ea typeface="+mn-ea"/>
+                        <a:cs typeface="+mn-cs"/>
+                      </a:endParaRPr>
                     </a:p>
                   </a:txBody>
                   <a:tcPr anchor="ctr">
@@ -11237,17 +12676,27 @@
                         <a:defRPr/>
                       </a:pPr>
                       <a:r>
-                        <a:rPr lang="it-IT" sz="1100" b="0" i="0">
+                        <a:rPr lang="en-US" sz="1100" b="0" i="0">
                           <a:solidFill>
                             <a:schemeClr val="dk1"/>
                           </a:solidFill>
+                          <a:effectLst/>
                           <a:latin typeface="Adobe Clean"/>
                           <a:ea typeface="+mn-ea"/>
                           <a:cs typeface="+mn-cs"/>
-                          <a:hlinkClick r:id="rId10" tooltip="https://helpx.adobe.com/it/support/programs/enterprise-support-programs/premier-support-business.html"/>
+                          <a:hlinkClick r:id="rId10" tooltip="https://helpx.adobe.com/support/programs/enterprise-support-programs/premier-support-business.html"/>
                         </a:rPr>
-                        <a:t>Sito del supporto Business</a:t>
+                        <a:t>Business Support Website</a:t>
                       </a:r>
+                      <a:endParaRPr lang="en-US" sz="1100" b="0" i="0">
+                        <a:solidFill>
+                          <a:schemeClr val="dk1"/>
+                        </a:solidFill>
+                        <a:effectLst/>
+                        <a:latin typeface="Adobe Clean"/>
+                        <a:ea typeface="+mn-ea"/>
+                        <a:cs typeface="+mn-cs"/>
+                      </a:endParaRPr>
                     </a:p>
                   </a:txBody>
                   <a:tcPr anchor="ctr">
@@ -11304,7 +12753,7 @@
                     <a:lstStyle/>
                     <a:p>
                       <a:r>
-                        <a:rPr lang="it-IT" sz="1000">
+                        <a:rPr lang="en-US" sz="1000" kern="1200">
                           <a:solidFill>
                             <a:srgbClr val="000000"/>
                           </a:solidFill>
@@ -11312,8 +12761,16 @@
                           <a:ea typeface="+mn-ea"/>
                           <a:cs typeface="+mn-cs"/>
                         </a:rPr>
-                        <a:t>Sito del supporto Business di Adobe.</a:t>
+                        <a:t>Adobe Business Support website.</a:t>
                       </a:r>
+                      <a:endParaRPr lang="en-US" sz="1000" kern="1200">
+                        <a:solidFill>
+                          <a:srgbClr val="000000"/>
+                        </a:solidFill>
+                        <a:latin typeface="Adobe Clean Light" panose="020B0303020404020204" pitchFamily="34" charset="0"/>
+                        <a:ea typeface="+mn-ea"/>
+                        <a:cs typeface="+mn-cs"/>
+                      </a:endParaRPr>
                     </a:p>
                   </a:txBody>
                   <a:tcPr anchor="ctr">
@@ -11394,17 +12851,27 @@
                         <a:defRPr/>
                       </a:pPr>
                       <a:r>
-                        <a:rPr lang="it-IT" sz="1100">
+                        <a:rPr lang="en-US" sz="1100">
                           <a:solidFill>
                             <a:schemeClr val="tx1"/>
                           </a:solidFill>
+                          <a:effectLst/>
                           <a:latin typeface="Adobe Clean"/>
                           <a:ea typeface="+mn-ea"/>
                           <a:cs typeface="+mn-cs"/>
                           <a:hlinkClick r:id="rId11"/>
                         </a:rPr>
-                        <a:t>Termini e condizioni</a:t>
+                        <a:t>Terms and Conditions</a:t>
                       </a:r>
+                      <a:endParaRPr lang="en-US" sz="1100">
+                        <a:solidFill>
+                          <a:schemeClr val="tx1"/>
+                        </a:solidFill>
+                        <a:effectLst/>
+                        <a:latin typeface="Adobe Clean"/>
+                        <a:ea typeface="+mn-ea"/>
+                        <a:cs typeface="+mn-cs"/>
+                      </a:endParaRPr>
                     </a:p>
                   </a:txBody>
                   <a:tcPr anchor="ctr">
@@ -11461,7 +12928,7 @@
                     <a:lstStyle/>
                     <a:p>
                       <a:r>
-                        <a:rPr lang="it-IT" sz="1000" dirty="0">
+                        <a:rPr lang="en-US" sz="1000" kern="1200">
                           <a:solidFill>
                             <a:srgbClr val="000000"/>
                           </a:solidFill>
@@ -11469,8 +12936,16 @@
                           <a:ea typeface="+mn-ea"/>
                           <a:cs typeface="+mn-cs"/>
                         </a:rPr>
-                        <a:t>Termini e condizioni che descrivono i servizi di supporto disponibili.</a:t>
+                        <a:t>Terms and conditions detailing Support Services offerings.</a:t>
                       </a:r>
+                      <a:endParaRPr lang="en-US" sz="1000" kern="1200">
+                        <a:solidFill>
+                          <a:srgbClr val="000000"/>
+                        </a:solidFill>
+                        <a:latin typeface="Adobe Clean Light" panose="020B0303020404020204" pitchFamily="34" charset="0"/>
+                        <a:ea typeface="+mn-ea"/>
+                        <a:cs typeface="+mn-cs"/>
+                      </a:endParaRPr>
                     </a:p>
                   </a:txBody>
                   <a:tcPr anchor="ctr">
@@ -12240,6 +13715,21 @@
 </file>
 
 <file path=customXml/item1.xml><?xml version="1.0" encoding="utf-8"?>
+<p:properties xmlns:p="http://schemas.microsoft.com/office/2006/metadata/properties" xmlns:xsi="http://www.w3.org/2001/XMLSchema-instance" xmlns:pc="http://schemas.microsoft.com/office/infopath/2007/PartnerControls">
+  <documentManagement/>
+</p:properties>
+</file>
+
+<file path=customXml/item2.xml><?xml version="1.0" encoding="utf-8"?>
+<?mso-contentType ?>
+<FormTemplates xmlns="http://schemas.microsoft.com/sharepoint/v3/contenttype/forms">
+  <Display>DocumentLibraryForm</Display>
+  <Edit>DocumentLibraryForm</Edit>
+  <New>DocumentLibraryForm</New>
+</FormTemplates>
+</file>
+
+<file path=customXml/item3.xml><?xml version="1.0" encoding="utf-8"?>
 <ct:contentTypeSchema xmlns:ct="http://schemas.microsoft.com/office/2006/metadata/contentType" xmlns:ma="http://schemas.microsoft.com/office/2006/metadata/properties/metaAttributes" ct:_="" ma:_="" ma:contentTypeName="Document" ma:contentTypeID="0x010100E783BF6876BCC646A459363AF21A7736" ma:contentTypeVersion="10" ma:contentTypeDescription="Create a new document." ma:contentTypeScope="" ma:versionID="c4ffda7f4f415767600769e454c2ea87">
   <xsd:schema xmlns:xsd="http://www.w3.org/2001/XMLSchema" xmlns:xs="http://www.w3.org/2001/XMLSchema" xmlns:p="http://schemas.microsoft.com/office/2006/metadata/properties" xmlns:ns2="8a053bff-88be-49e4-9a87-e748e18b8b62" xmlns:ns3="6c8368ec-3776-49b5-a5bb-90648cf9530f" targetNamespace="http://schemas.microsoft.com/office/2006/metadata/properties" ma:root="true" ma:fieldsID="df3ec33bccc23e23bce7bc897fad43d1" ns2:_="" ns3:_="">
     <xsd:import namespace="8a053bff-88be-49e4-9a87-e748e18b8b62"/>
@@ -12444,22 +13934,32 @@
 </ct:contentTypeSchema>
 </file>
 
-<file path=customXml/item2.xml><?xml version="1.0" encoding="utf-8"?>
-<?mso-contentType ?>
-<FormTemplates xmlns="http://schemas.microsoft.com/sharepoint/v3/contenttype/forms">
-  <Display>DocumentLibraryForm</Display>
-  <Edit>DocumentLibraryForm</Edit>
-  <New>DocumentLibraryForm</New>
-</FormTemplates>
+<file path=customXml/itemProps1.xml><?xml version="1.0" encoding="utf-8"?>
+<ds:datastoreItem xmlns:ds="http://schemas.openxmlformats.org/officeDocument/2006/customXml" ds:itemID="{10FC3CAF-E6F1-40E3-87D4-6B781C97D6B4}">
+  <ds:schemaRefs>
+    <ds:schemaRef ds:uri="6c8368ec-3776-49b5-a5bb-90648cf9530f"/>
+    <ds:schemaRef ds:uri="http://purl.org/dc/elements/1.1/"/>
+    <ds:schemaRef ds:uri="http://schemas.openxmlformats.org/package/2006/metadata/core-properties"/>
+    <ds:schemaRef ds:uri="8a053bff-88be-49e4-9a87-e748e18b8b62"/>
+    <ds:schemaRef ds:uri="http://www.w3.org/XML/1998/namespace"/>
+    <ds:schemaRef ds:uri="http://purl.org/dc/dcmitype/"/>
+    <ds:schemaRef ds:uri="http://schemas.microsoft.com/office/2006/documentManagement/types"/>
+    <ds:schemaRef ds:uri="http://schemas.microsoft.com/office/infopath/2007/PartnerControls"/>
+    <ds:schemaRef ds:uri="http://schemas.microsoft.com/office/2006/metadata/properties"/>
+    <ds:schemaRef ds:uri="http://purl.org/dc/terms/"/>
+  </ds:schemaRefs>
+</ds:datastoreItem>
 </file>
 
-<file path=customXml/item3.xml><?xml version="1.0" encoding="utf-8"?>
-<p:properties xmlns:p="http://schemas.microsoft.com/office/2006/metadata/properties" xmlns:xsi="http://www.w3.org/2001/XMLSchema-instance" xmlns:pc="http://schemas.microsoft.com/office/infopath/2007/PartnerControls">
-  <documentManagement/>
-</p:properties>
+<file path=customXml/itemProps2.xml><?xml version="1.0" encoding="utf-8"?>
+<ds:datastoreItem xmlns:ds="http://schemas.openxmlformats.org/officeDocument/2006/customXml" ds:itemID="{95AE3B0B-E909-400C-B0B3-909FB50E07DE}">
+  <ds:schemaRefs>
+    <ds:schemaRef ds:uri="http://schemas.microsoft.com/sharepoint/v3/contenttype/forms"/>
+  </ds:schemaRefs>
+</ds:datastoreItem>
 </file>
 
-<file path=customXml/itemProps1.xml><?xml version="1.0" encoding="utf-8"?>
+<file path=customXml/itemProps3.xml><?xml version="1.0" encoding="utf-8"?>
 <ds:datastoreItem xmlns:ds="http://schemas.openxmlformats.org/officeDocument/2006/customXml" ds:itemID="{E0DB8BDF-6DA8-4ABC-A3CA-043AFD674CFC}">
   <ds:schemaRefs>
     <ds:schemaRef ds:uri="6c8368ec-3776-49b5-a5bb-90648cf9530f"/>
@@ -12476,29 +13976,4 @@
     <ds:schemaRef ds:uri="http://www.w3.org/2001/XMLSchema"/>
   </ds:schemaRefs>
 </ds:datastoreItem>
-</file>
-
-<file path=customXml/itemProps2.xml><?xml version="1.0" encoding="utf-8"?>
-<ds:datastoreItem xmlns:ds="http://schemas.openxmlformats.org/officeDocument/2006/customXml" ds:itemID="{95AE3B0B-E909-400C-B0B3-909FB50E07DE}">
-  <ds:schemaRefs>
-    <ds:schemaRef ds:uri="http://schemas.microsoft.com/sharepoint/v3/contenttype/forms"/>
-  </ds:schemaRefs>
-</ds:datastoreItem>
-</file>
-
-<file path=customXml/itemProps3.xml><?xml version="1.0" encoding="utf-8"?>
-<ds:datastoreItem xmlns:ds="http://schemas.openxmlformats.org/officeDocument/2006/customXml" ds:itemID="{10FC3CAF-E6F1-40E3-87D4-6B781C97D6B4}">
-  <ds:schemaRefs>
-    <ds:schemaRef ds:uri="6c8368ec-3776-49b5-a5bb-90648cf9530f"/>
-    <ds:schemaRef ds:uri="8a053bff-88be-49e4-9a87-e748e18b8b62"/>
-    <ds:schemaRef ds:uri="http://purl.org/dc/dcmitype/"/>
-    <ds:schemaRef ds:uri="http://purl.org/dc/elements/1.1/"/>
-    <ds:schemaRef ds:uri="http://purl.org/dc/terms/"/>
-    <ds:schemaRef ds:uri="http://schemas.microsoft.com/office/2006/documentManagement/types"/>
-    <ds:schemaRef ds:uri="http://schemas.microsoft.com/office/2006/metadata/properties"/>
-    <ds:schemaRef ds:uri="http://schemas.microsoft.com/office/infopath/2007/PartnerControls"/>
-    <ds:schemaRef ds:uri="http://schemas.openxmlformats.org/package/2006/metadata/core-properties"/>
-    <ds:schemaRef ds:uri="http://www.w3.org/XML/1998/namespace"/>
-  </ds:schemaRefs>
-</ds:datastoreItem>
 </file>
--- a/help/data-sheets/assets/BusinessSupportDatasheet.pptx
+++ b/help/data-sheets/assets/BusinessSupportDatasheet.pptx
@@ -143,62 +143,6 @@
 <file path=ppt/changesInfos/changesInfo1.xml><?xml version="1.0" encoding="utf-8"?>
 <pc:chgInfo xmlns:a="http://schemas.openxmlformats.org/drawingml/2006/main" xmlns:r="http://schemas.openxmlformats.org/officeDocument/2006/relationships" xmlns:ac="http://schemas.microsoft.com/office/drawing/2013/main/command" xmlns:pc="http://schemas.microsoft.com/office/powerpoint/2013/main/command">
   <pc:docChgLst>
-    <pc:chgData name="Akilah Johnson" userId="S::akjohnso@adobe.com::2fa3aa60-0c9c-4d06-bae2-795983241227" providerId="AD" clId="Web-{71D6CFBF-0EA2-99B0-93F4-22F19EF0AE4E}"/>
-    <pc:docChg chg="modSld">
-      <pc:chgData name="Akilah Johnson" userId="S::akjohnso@adobe.com::2fa3aa60-0c9c-4d06-bae2-795983241227" providerId="AD" clId="Web-{71D6CFBF-0EA2-99B0-93F4-22F19EF0AE4E}" dt="2021-09-22T19:06:58.732" v="1" actId="1076"/>
-      <pc:docMkLst>
-        <pc:docMk/>
-      </pc:docMkLst>
-      <pc:sldChg chg="modSp">
-        <pc:chgData name="Akilah Johnson" userId="S::akjohnso@adobe.com::2fa3aa60-0c9c-4d06-bae2-795983241227" providerId="AD" clId="Web-{71D6CFBF-0EA2-99B0-93F4-22F19EF0AE4E}" dt="2021-09-22T19:06:58.732" v="1" actId="1076"/>
-        <pc:sldMkLst>
-          <pc:docMk/>
-          <pc:sldMk cId="1050037809" sldId="261"/>
-        </pc:sldMkLst>
-        <pc:spChg chg="mod">
-          <ac:chgData name="Akilah Johnson" userId="S::akjohnso@adobe.com::2fa3aa60-0c9c-4d06-bae2-795983241227" providerId="AD" clId="Web-{71D6CFBF-0EA2-99B0-93F4-22F19EF0AE4E}" dt="2021-09-22T19:06:58.732" v="1" actId="1076"/>
-          <ac:spMkLst>
-            <pc:docMk/>
-            <pc:sldMk cId="1050037809" sldId="261"/>
-            <ac:spMk id="64" creationId="{41467BDC-3D83-D844-B922-CD07E94E5AAB}"/>
-          </ac:spMkLst>
-        </pc:spChg>
-      </pc:sldChg>
-    </pc:docChg>
-  </pc:docChgLst>
-  <pc:docChgLst>
-    <pc:chgData name="Akilah Johnson" userId="S::akjohnso@adobe.com::2fa3aa60-0c9c-4d06-bae2-795983241227" providerId="AD" clId="Web-{AFB92C2B-405E-C597-0988-18F97C53104C}"/>
-    <pc:docChg chg="modSld">
-      <pc:chgData name="Akilah Johnson" userId="S::akjohnso@adobe.com::2fa3aa60-0c9c-4d06-bae2-795983241227" providerId="AD" clId="Web-{AFB92C2B-405E-C597-0988-18F97C53104C}" dt="2021-09-22T18:53:26.184" v="29"/>
-      <pc:docMkLst>
-        <pc:docMk/>
-      </pc:docMkLst>
-      <pc:sldChg chg="modSp">
-        <pc:chgData name="Akilah Johnson" userId="S::akjohnso@adobe.com::2fa3aa60-0c9c-4d06-bae2-795983241227" providerId="AD" clId="Web-{AFB92C2B-405E-C597-0988-18F97C53104C}" dt="2021-09-22T18:53:26.184" v="29"/>
-        <pc:sldMkLst>
-          <pc:docMk/>
-          <pc:sldMk cId="1050037809" sldId="261"/>
-        </pc:sldMkLst>
-        <pc:spChg chg="mod">
-          <ac:chgData name="Akilah Johnson" userId="S::akjohnso@adobe.com::2fa3aa60-0c9c-4d06-bae2-795983241227" providerId="AD" clId="Web-{AFB92C2B-405E-C597-0988-18F97C53104C}" dt="2021-09-22T18:53:05.841" v="5" actId="20577"/>
-          <ac:spMkLst>
-            <pc:docMk/>
-            <pc:sldMk cId="1050037809" sldId="261"/>
-            <ac:spMk id="64" creationId="{41467BDC-3D83-D844-B922-CD07E94E5AAB}"/>
-          </ac:spMkLst>
-        </pc:spChg>
-        <pc:graphicFrameChg chg="mod modGraphic">
-          <ac:chgData name="Akilah Johnson" userId="S::akjohnso@adobe.com::2fa3aa60-0c9c-4d06-bae2-795983241227" providerId="AD" clId="Web-{AFB92C2B-405E-C597-0988-18F97C53104C}" dt="2021-09-22T18:53:26.184" v="29"/>
-          <ac:graphicFrameMkLst>
-            <pc:docMk/>
-            <pc:sldMk cId="1050037809" sldId="261"/>
-            <ac:graphicFrameMk id="25" creationId="{3A91F5B0-3974-A14D-A146-FB590F2AAD18}"/>
-          </ac:graphicFrameMkLst>
-        </pc:graphicFrameChg>
-      </pc:sldChg>
-    </pc:docChg>
-  </pc:docChgLst>
-  <pc:docChgLst>
     <pc:chgData name="Akilah Johnson" userId="S::akjohnso@adobe.com::2fa3aa60-0c9c-4d06-bae2-795983241227" providerId="AD" clId="Web-{019F6A09-DCDA-BB53-9E3C-5BA3B13E26BB}"/>
     <pc:docChg chg="modSld">
       <pc:chgData name="Akilah Johnson" userId="S::akjohnso@adobe.com::2fa3aa60-0c9c-4d06-bae2-795983241227" providerId="AD" clId="Web-{019F6A09-DCDA-BB53-9E3C-5BA3B13E26BB}" dt="2021-10-12T17:10:36.752" v="17" actId="20577"/>
@@ -240,6 +184,30 @@
             <pc:docMk/>
             <pc:sldMk cId="1050037809" sldId="261"/>
             <ac:graphicFrameMk id="111" creationId="{D8653CEC-4213-DE40-9BAF-D1E3318FF89C}"/>
+          </ac:graphicFrameMkLst>
+        </pc:graphicFrameChg>
+      </pc:sldChg>
+    </pc:docChg>
+  </pc:docChgLst>
+  <pc:docChgLst>
+    <pc:chgData name="Akilah Johnson" userId="S::akjohnso@adobe.com::2fa3aa60-0c9c-4d06-bae2-795983241227" providerId="AD" clId="Web-{4D8E0410-E0CE-85E2-0F84-C1BF4F647622}"/>
+    <pc:docChg chg="modSld">
+      <pc:chgData name="Akilah Johnson" userId="S::akjohnso@adobe.com::2fa3aa60-0c9c-4d06-bae2-795983241227" providerId="AD" clId="Web-{4D8E0410-E0CE-85E2-0F84-C1BF4F647622}" dt="2021-09-22T22:57:04.802" v="5"/>
+      <pc:docMkLst>
+        <pc:docMk/>
+      </pc:docMkLst>
+      <pc:sldChg chg="modSp">
+        <pc:chgData name="Akilah Johnson" userId="S::akjohnso@adobe.com::2fa3aa60-0c9c-4d06-bae2-795983241227" providerId="AD" clId="Web-{4D8E0410-E0CE-85E2-0F84-C1BF4F647622}" dt="2021-09-22T22:57:04.802" v="5"/>
+        <pc:sldMkLst>
+          <pc:docMk/>
+          <pc:sldMk cId="1050037809" sldId="261"/>
+        </pc:sldMkLst>
+        <pc:graphicFrameChg chg="mod modGraphic">
+          <ac:chgData name="Akilah Johnson" userId="S::akjohnso@adobe.com::2fa3aa60-0c9c-4d06-bae2-795983241227" providerId="AD" clId="Web-{4D8E0410-E0CE-85E2-0F84-C1BF4F647622}" dt="2021-09-22T22:57:04.802" v="5"/>
+          <ac:graphicFrameMkLst>
+            <pc:docMk/>
+            <pc:sldMk cId="1050037809" sldId="261"/>
+            <ac:graphicFrameMk id="25" creationId="{3A91F5B0-3974-A14D-A146-FB590F2AAD18}"/>
           </ac:graphicFrameMkLst>
         </pc:graphicFrameChg>
       </pc:sldChg>
@@ -301,6 +269,142 @@
     </pc:docChg>
   </pc:docChgLst>
   <pc:docChgLst>
+    <pc:chgData name="Akilah Johnson" userId="S::akjohnso@adobe.com::2fa3aa60-0c9c-4d06-bae2-795983241227" providerId="AD" clId="Web-{71D6CFBF-0EA2-99B0-93F4-22F19EF0AE4E}"/>
+    <pc:docChg chg="modSld">
+      <pc:chgData name="Akilah Johnson" userId="S::akjohnso@adobe.com::2fa3aa60-0c9c-4d06-bae2-795983241227" providerId="AD" clId="Web-{71D6CFBF-0EA2-99B0-93F4-22F19EF0AE4E}" dt="2021-09-22T19:06:58.732" v="1" actId="1076"/>
+      <pc:docMkLst>
+        <pc:docMk/>
+      </pc:docMkLst>
+      <pc:sldChg chg="modSp">
+        <pc:chgData name="Akilah Johnson" userId="S::akjohnso@adobe.com::2fa3aa60-0c9c-4d06-bae2-795983241227" providerId="AD" clId="Web-{71D6CFBF-0EA2-99B0-93F4-22F19EF0AE4E}" dt="2021-09-22T19:06:58.732" v="1" actId="1076"/>
+        <pc:sldMkLst>
+          <pc:docMk/>
+          <pc:sldMk cId="1050037809" sldId="261"/>
+        </pc:sldMkLst>
+        <pc:spChg chg="mod">
+          <ac:chgData name="Akilah Johnson" userId="S::akjohnso@adobe.com::2fa3aa60-0c9c-4d06-bae2-795983241227" providerId="AD" clId="Web-{71D6CFBF-0EA2-99B0-93F4-22F19EF0AE4E}" dt="2021-09-22T19:06:58.732" v="1" actId="1076"/>
+          <ac:spMkLst>
+            <pc:docMk/>
+            <pc:sldMk cId="1050037809" sldId="261"/>
+            <ac:spMk id="64" creationId="{41467BDC-3D83-D844-B922-CD07E94E5AAB}"/>
+          </ac:spMkLst>
+        </pc:spChg>
+      </pc:sldChg>
+    </pc:docChg>
+  </pc:docChgLst>
+  <pc:docChgLst>
+    <pc:chgData name="Akilah Johnson" userId="S::akjohnso@adobe.com::2fa3aa60-0c9c-4d06-bae2-795983241227" providerId="AD" clId="Web-{D428A0AE-54E2-30D2-C574-7A0742876CCF}"/>
+    <pc:docChg chg="modSld">
+      <pc:chgData name="Akilah Johnson" userId="S::akjohnso@adobe.com::2fa3aa60-0c9c-4d06-bae2-795983241227" providerId="AD" clId="Web-{D428A0AE-54E2-30D2-C574-7A0742876CCF}" dt="2021-10-12T19:11:25.330" v="0" actId="20577"/>
+      <pc:docMkLst>
+        <pc:docMk/>
+      </pc:docMkLst>
+      <pc:sldChg chg="modSp">
+        <pc:chgData name="Akilah Johnson" userId="S::akjohnso@adobe.com::2fa3aa60-0c9c-4d06-bae2-795983241227" providerId="AD" clId="Web-{D428A0AE-54E2-30D2-C574-7A0742876CCF}" dt="2021-10-12T19:11:25.330" v="0" actId="20577"/>
+        <pc:sldMkLst>
+          <pc:docMk/>
+          <pc:sldMk cId="0" sldId="256"/>
+        </pc:sldMkLst>
+        <pc:spChg chg="mod">
+          <ac:chgData name="Akilah Johnson" userId="S::akjohnso@adobe.com::2fa3aa60-0c9c-4d06-bae2-795983241227" providerId="AD" clId="Web-{D428A0AE-54E2-30D2-C574-7A0742876CCF}" dt="2021-10-12T19:11:25.330" v="0" actId="20577"/>
+          <ac:spMkLst>
+            <pc:docMk/>
+            <pc:sldMk cId="0" sldId="256"/>
+            <ac:spMk id="4" creationId="{00000000-0000-0000-0000-000000000000}"/>
+          </ac:spMkLst>
+        </pc:spChg>
+      </pc:sldChg>
+    </pc:docChg>
+  </pc:docChgLst>
+  <pc:docChgLst>
+    <pc:chgData name="Andy Witt" userId="S::awitt@adobe.com::e9157bdf-53b2-40e4-9459-936793d75696" providerId="AD" clId="Web-{06B13378-B080-7F0F-51A5-F9203CEE57ED}"/>
+    <pc:docChg chg="modSld">
+      <pc:chgData name="Andy Witt" userId="S::awitt@adobe.com::e9157bdf-53b2-40e4-9459-936793d75696" providerId="AD" clId="Web-{06B13378-B080-7F0F-51A5-F9203CEE57ED}" dt="2021-08-25T22:25:13.647" v="363"/>
+      <pc:docMkLst>
+        <pc:docMk/>
+      </pc:docMkLst>
+      <pc:sldChg chg="modSp">
+        <pc:chgData name="Andy Witt" userId="S::awitt@adobe.com::e9157bdf-53b2-40e4-9459-936793d75696" providerId="AD" clId="Web-{06B13378-B080-7F0F-51A5-F9203CEE57ED}" dt="2021-08-25T22:25:13.647" v="363"/>
+        <pc:sldMkLst>
+          <pc:docMk/>
+          <pc:sldMk cId="1050037809" sldId="261"/>
+        </pc:sldMkLst>
+        <pc:graphicFrameChg chg="mod modGraphic">
+          <ac:chgData name="Andy Witt" userId="S::awitt@adobe.com::e9157bdf-53b2-40e4-9459-936793d75696" providerId="AD" clId="Web-{06B13378-B080-7F0F-51A5-F9203CEE57ED}" dt="2021-08-25T22:25:13.647" v="363"/>
+          <ac:graphicFrameMkLst>
+            <pc:docMk/>
+            <pc:sldMk cId="1050037809" sldId="261"/>
+            <ac:graphicFrameMk id="25" creationId="{3A91F5B0-3974-A14D-A146-FB590F2AAD18}"/>
+          </ac:graphicFrameMkLst>
+        </pc:graphicFrameChg>
+      </pc:sldChg>
+    </pc:docChg>
+  </pc:docChgLst>
+  <pc:docChgLst>
+    <pc:chgData name="Lauren Schutte" userId="S::schutte@adobe.com::6e08b2d3-447a-4d66-86be-444d50df187f" providerId="AD" clId="Web-{AC30C20D-1316-8ECC-DADD-39CCEC6A7FCF}"/>
+    <pc:docChg chg="modSld">
+      <pc:chgData name="Lauren Schutte" userId="S::schutte@adobe.com::6e08b2d3-447a-4d66-86be-444d50df187f" providerId="AD" clId="Web-{AC30C20D-1316-8ECC-DADD-39CCEC6A7FCF}" dt="2021-10-13T19:03:35.035" v="8" actId="1076"/>
+      <pc:docMkLst>
+        <pc:docMk/>
+      </pc:docMkLst>
+      <pc:sldChg chg="modSp">
+        <pc:chgData name="Lauren Schutte" userId="S::schutte@adobe.com::6e08b2d3-447a-4d66-86be-444d50df187f" providerId="AD" clId="Web-{AC30C20D-1316-8ECC-DADD-39CCEC6A7FCF}" dt="2021-10-13T19:03:35.035" v="8" actId="1076"/>
+        <pc:sldMkLst>
+          <pc:docMk/>
+          <pc:sldMk cId="0" sldId="256"/>
+        </pc:sldMkLst>
+        <pc:spChg chg="mod">
+          <ac:chgData name="Lauren Schutte" userId="S::schutte@adobe.com::6e08b2d3-447a-4d66-86be-444d50df187f" providerId="AD" clId="Web-{AC30C20D-1316-8ECC-DADD-39CCEC6A7FCF}" dt="2021-10-13T19:03:27.878" v="7" actId="14100"/>
+          <ac:spMkLst>
+            <pc:docMk/>
+            <pc:sldMk cId="0" sldId="256"/>
+            <ac:spMk id="3" creationId="{00000000-0000-0000-0000-000000000000}"/>
+          </ac:spMkLst>
+        </pc:spChg>
+        <pc:spChg chg="mod">
+          <ac:chgData name="Lauren Schutte" userId="S::schutte@adobe.com::6e08b2d3-447a-4d66-86be-444d50df187f" providerId="AD" clId="Web-{AC30C20D-1316-8ECC-DADD-39CCEC6A7FCF}" dt="2021-10-13T19:03:35.035" v="8" actId="1076"/>
+          <ac:spMkLst>
+            <pc:docMk/>
+            <pc:sldMk cId="0" sldId="256"/>
+            <ac:spMk id="5" creationId="{00000000-0000-0000-0000-000000000000}"/>
+          </ac:spMkLst>
+        </pc:spChg>
+      </pc:sldChg>
+    </pc:docChg>
+  </pc:docChgLst>
+  <pc:docChgLst>
+    <pc:chgData name="Akilah Johnson" userId="S::akjohnso@adobe.com::2fa3aa60-0c9c-4d06-bae2-795983241227" providerId="AD" clId="Web-{AFB92C2B-405E-C597-0988-18F97C53104C}"/>
+    <pc:docChg chg="modSld">
+      <pc:chgData name="Akilah Johnson" userId="S::akjohnso@adobe.com::2fa3aa60-0c9c-4d06-bae2-795983241227" providerId="AD" clId="Web-{AFB92C2B-405E-C597-0988-18F97C53104C}" dt="2021-09-22T18:53:26.184" v="29"/>
+      <pc:docMkLst>
+        <pc:docMk/>
+      </pc:docMkLst>
+      <pc:sldChg chg="modSp">
+        <pc:chgData name="Akilah Johnson" userId="S::akjohnso@adobe.com::2fa3aa60-0c9c-4d06-bae2-795983241227" providerId="AD" clId="Web-{AFB92C2B-405E-C597-0988-18F97C53104C}" dt="2021-09-22T18:53:26.184" v="29"/>
+        <pc:sldMkLst>
+          <pc:docMk/>
+          <pc:sldMk cId="1050037809" sldId="261"/>
+        </pc:sldMkLst>
+        <pc:spChg chg="mod">
+          <ac:chgData name="Akilah Johnson" userId="S::akjohnso@adobe.com::2fa3aa60-0c9c-4d06-bae2-795983241227" providerId="AD" clId="Web-{AFB92C2B-405E-C597-0988-18F97C53104C}" dt="2021-09-22T18:53:05.841" v="5" actId="20577"/>
+          <ac:spMkLst>
+            <pc:docMk/>
+            <pc:sldMk cId="1050037809" sldId="261"/>
+            <ac:spMk id="64" creationId="{41467BDC-3D83-D844-B922-CD07E94E5AAB}"/>
+          </ac:spMkLst>
+        </pc:spChg>
+        <pc:graphicFrameChg chg="mod modGraphic">
+          <ac:chgData name="Akilah Johnson" userId="S::akjohnso@adobe.com::2fa3aa60-0c9c-4d06-bae2-795983241227" providerId="AD" clId="Web-{AFB92C2B-405E-C597-0988-18F97C53104C}" dt="2021-09-22T18:53:26.184" v="29"/>
+          <ac:graphicFrameMkLst>
+            <pc:docMk/>
+            <pc:sldMk cId="1050037809" sldId="261"/>
+            <ac:graphicFrameMk id="25" creationId="{3A91F5B0-3974-A14D-A146-FB590F2AAD18}"/>
+          </ac:graphicFrameMkLst>
+        </pc:graphicFrameChg>
+      </pc:sldChg>
+    </pc:docChg>
+  </pc:docChgLst>
+  <pc:docChgLst>
     <pc:chgData name="Andy Witt" userId="S::awitt@adobe.com::e9157bdf-53b2-40e4-9459-936793d75696" providerId="AD" clId="Web-{CA5D33DF-AE75-BCA1-B9BC-A7CD44D2F3C7}"/>
     <pc:docChg chg="modSld">
       <pc:chgData name="Andy Witt" userId="S::awitt@adobe.com::e9157bdf-53b2-40e4-9459-936793d75696" providerId="AD" clId="Web-{CA5D33DF-AE75-BCA1-B9BC-A7CD44D2F3C7}" dt="2021-08-25T22:38:18.624" v="1" actId="1076"/>
@@ -353,110 +457,6 @@
             <ac:graphicFrameMk id="9" creationId="{00000000-0000-0000-0000-000000000000}"/>
           </ac:graphicFrameMkLst>
         </pc:graphicFrameChg>
-      </pc:sldChg>
-    </pc:docChg>
-  </pc:docChgLst>
-  <pc:docChgLst>
-    <pc:chgData name="Andy Witt" userId="S::awitt@adobe.com::e9157bdf-53b2-40e4-9459-936793d75696" providerId="AD" clId="Web-{06B13378-B080-7F0F-51A5-F9203CEE57ED}"/>
-    <pc:docChg chg="modSld">
-      <pc:chgData name="Andy Witt" userId="S::awitt@adobe.com::e9157bdf-53b2-40e4-9459-936793d75696" providerId="AD" clId="Web-{06B13378-B080-7F0F-51A5-F9203CEE57ED}" dt="2021-08-25T22:25:13.647" v="363"/>
-      <pc:docMkLst>
-        <pc:docMk/>
-      </pc:docMkLst>
-      <pc:sldChg chg="modSp">
-        <pc:chgData name="Andy Witt" userId="S::awitt@adobe.com::e9157bdf-53b2-40e4-9459-936793d75696" providerId="AD" clId="Web-{06B13378-B080-7F0F-51A5-F9203CEE57ED}" dt="2021-08-25T22:25:13.647" v="363"/>
-        <pc:sldMkLst>
-          <pc:docMk/>
-          <pc:sldMk cId="1050037809" sldId="261"/>
-        </pc:sldMkLst>
-        <pc:graphicFrameChg chg="mod modGraphic">
-          <ac:chgData name="Andy Witt" userId="S::awitt@adobe.com::e9157bdf-53b2-40e4-9459-936793d75696" providerId="AD" clId="Web-{06B13378-B080-7F0F-51A5-F9203CEE57ED}" dt="2021-08-25T22:25:13.647" v="363"/>
-          <ac:graphicFrameMkLst>
-            <pc:docMk/>
-            <pc:sldMk cId="1050037809" sldId="261"/>
-            <ac:graphicFrameMk id="25" creationId="{3A91F5B0-3974-A14D-A146-FB590F2AAD18}"/>
-          </ac:graphicFrameMkLst>
-        </pc:graphicFrameChg>
-      </pc:sldChg>
-    </pc:docChg>
-  </pc:docChgLst>
-  <pc:docChgLst>
-    <pc:chgData name="Akilah Johnson" userId="S::akjohnso@adobe.com::2fa3aa60-0c9c-4d06-bae2-795983241227" providerId="AD" clId="Web-{4D8E0410-E0CE-85E2-0F84-C1BF4F647622}"/>
-    <pc:docChg chg="modSld">
-      <pc:chgData name="Akilah Johnson" userId="S::akjohnso@adobe.com::2fa3aa60-0c9c-4d06-bae2-795983241227" providerId="AD" clId="Web-{4D8E0410-E0CE-85E2-0F84-C1BF4F647622}" dt="2021-09-22T22:57:04.802" v="5"/>
-      <pc:docMkLst>
-        <pc:docMk/>
-      </pc:docMkLst>
-      <pc:sldChg chg="modSp">
-        <pc:chgData name="Akilah Johnson" userId="S::akjohnso@adobe.com::2fa3aa60-0c9c-4d06-bae2-795983241227" providerId="AD" clId="Web-{4D8E0410-E0CE-85E2-0F84-C1BF4F647622}" dt="2021-09-22T22:57:04.802" v="5"/>
-        <pc:sldMkLst>
-          <pc:docMk/>
-          <pc:sldMk cId="1050037809" sldId="261"/>
-        </pc:sldMkLst>
-        <pc:graphicFrameChg chg="mod modGraphic">
-          <ac:chgData name="Akilah Johnson" userId="S::akjohnso@adobe.com::2fa3aa60-0c9c-4d06-bae2-795983241227" providerId="AD" clId="Web-{4D8E0410-E0CE-85E2-0F84-C1BF4F647622}" dt="2021-09-22T22:57:04.802" v="5"/>
-          <ac:graphicFrameMkLst>
-            <pc:docMk/>
-            <pc:sldMk cId="1050037809" sldId="261"/>
-            <ac:graphicFrameMk id="25" creationId="{3A91F5B0-3974-A14D-A146-FB590F2AAD18}"/>
-          </ac:graphicFrameMkLst>
-        </pc:graphicFrameChg>
-      </pc:sldChg>
-    </pc:docChg>
-  </pc:docChgLst>
-  <pc:docChgLst>
-    <pc:chgData name="Lauren Schutte" userId="S::schutte@adobe.com::6e08b2d3-447a-4d66-86be-444d50df187f" providerId="AD" clId="Web-{AC30C20D-1316-8ECC-DADD-39CCEC6A7FCF}"/>
-    <pc:docChg chg="modSld">
-      <pc:chgData name="Lauren Schutte" userId="S::schutte@adobe.com::6e08b2d3-447a-4d66-86be-444d50df187f" providerId="AD" clId="Web-{AC30C20D-1316-8ECC-DADD-39CCEC6A7FCF}" dt="2021-10-13T19:03:35.035" v="8" actId="1076"/>
-      <pc:docMkLst>
-        <pc:docMk/>
-      </pc:docMkLst>
-      <pc:sldChg chg="modSp">
-        <pc:chgData name="Lauren Schutte" userId="S::schutte@adobe.com::6e08b2d3-447a-4d66-86be-444d50df187f" providerId="AD" clId="Web-{AC30C20D-1316-8ECC-DADD-39CCEC6A7FCF}" dt="2021-10-13T19:03:35.035" v="8" actId="1076"/>
-        <pc:sldMkLst>
-          <pc:docMk/>
-          <pc:sldMk cId="0" sldId="256"/>
-        </pc:sldMkLst>
-        <pc:spChg chg="mod">
-          <ac:chgData name="Lauren Schutte" userId="S::schutte@adobe.com::6e08b2d3-447a-4d66-86be-444d50df187f" providerId="AD" clId="Web-{AC30C20D-1316-8ECC-DADD-39CCEC6A7FCF}" dt="2021-10-13T19:03:27.878" v="7" actId="14100"/>
-          <ac:spMkLst>
-            <pc:docMk/>
-            <pc:sldMk cId="0" sldId="256"/>
-            <ac:spMk id="3" creationId="{00000000-0000-0000-0000-000000000000}"/>
-          </ac:spMkLst>
-        </pc:spChg>
-        <pc:spChg chg="mod">
-          <ac:chgData name="Lauren Schutte" userId="S::schutte@adobe.com::6e08b2d3-447a-4d66-86be-444d50df187f" providerId="AD" clId="Web-{AC30C20D-1316-8ECC-DADD-39CCEC6A7FCF}" dt="2021-10-13T19:03:35.035" v="8" actId="1076"/>
-          <ac:spMkLst>
-            <pc:docMk/>
-            <pc:sldMk cId="0" sldId="256"/>
-            <ac:spMk id="5" creationId="{00000000-0000-0000-0000-000000000000}"/>
-          </ac:spMkLst>
-        </pc:spChg>
-      </pc:sldChg>
-    </pc:docChg>
-  </pc:docChgLst>
-  <pc:docChgLst>
-    <pc:chgData name="Akilah Johnson" userId="S::akjohnso@adobe.com::2fa3aa60-0c9c-4d06-bae2-795983241227" providerId="AD" clId="Web-{D428A0AE-54E2-30D2-C574-7A0742876CCF}"/>
-    <pc:docChg chg="modSld">
-      <pc:chgData name="Akilah Johnson" userId="S::akjohnso@adobe.com::2fa3aa60-0c9c-4d06-bae2-795983241227" providerId="AD" clId="Web-{D428A0AE-54E2-30D2-C574-7A0742876CCF}" dt="2021-10-12T19:11:25.330" v="0" actId="20577"/>
-      <pc:docMkLst>
-        <pc:docMk/>
-      </pc:docMkLst>
-      <pc:sldChg chg="modSp">
-        <pc:chgData name="Akilah Johnson" userId="S::akjohnso@adobe.com::2fa3aa60-0c9c-4d06-bae2-795983241227" providerId="AD" clId="Web-{D428A0AE-54E2-30D2-C574-7A0742876CCF}" dt="2021-10-12T19:11:25.330" v="0" actId="20577"/>
-        <pc:sldMkLst>
-          <pc:docMk/>
-          <pc:sldMk cId="0" sldId="256"/>
-        </pc:sldMkLst>
-        <pc:spChg chg="mod">
-          <ac:chgData name="Akilah Johnson" userId="S::akjohnso@adobe.com::2fa3aa60-0c9c-4d06-bae2-795983241227" providerId="AD" clId="Web-{D428A0AE-54E2-30D2-C574-7A0742876CCF}" dt="2021-10-12T19:11:25.330" v="0" actId="20577"/>
-          <ac:spMkLst>
-            <pc:docMk/>
-            <pc:sldMk cId="0" sldId="256"/>
-            <ac:spMk id="4" creationId="{00000000-0000-0000-0000-000000000000}"/>
-          </ac:spMkLst>
-        </pc:spChg>
       </pc:sldChg>
     </pc:docChg>
   </pc:docChgLst>
@@ -545,7 +545,7 @@
           <a:p>
             <a:fld id="{FB81873C-0B24-F04A-98A1-90E0A78F7E8A}" type="datetimeFigureOut">
               <a:rPr lang="en-US" smtClean="0"/>
-              <a:t>1/20/22</a:t>
+              <a:t>2/14/2022</a:t>
             </a:fld>
             <a:endParaRPr lang="en-US"/>
           </a:p>
@@ -1168,7 +1168,7 @@
           <a:p>
             <a:fld id="{1D8BD707-D9CF-40AE-B4C6-C98DA3205C09}" type="datetimeFigureOut">
               <a:rPr lang="en-US"/>
-              <a:t>1/20/22</a:t>
+              <a:t>2/14/2022</a:t>
             </a:fld>
             <a:endParaRPr lang="en-US"/>
           </a:p>
@@ -1360,7 +1360,7 @@
           <a:p>
             <a:fld id="{1D8BD707-D9CF-40AE-B4C6-C98DA3205C09}" type="datetimeFigureOut">
               <a:rPr lang="en-US"/>
-              <a:t>1/20/22</a:t>
+              <a:t>2/14/2022</a:t>
             </a:fld>
             <a:endParaRPr lang="en-US"/>
           </a:p>
@@ -1678,7 +1678,7 @@
           <a:p>
             <a:fld id="{1D8BD707-D9CF-40AE-B4C6-C98DA3205C09}" type="datetimeFigureOut">
               <a:rPr lang="en-US"/>
-              <a:t>1/20/22</a:t>
+              <a:t>2/14/2022</a:t>
             </a:fld>
             <a:endParaRPr lang="en-US"/>
           </a:p>
@@ -1932,8 +1932,8 @@
         </p:nvSpPr>
         <p:spPr>
           <a:xfrm>
-            <a:off x="168565" y="7162363"/>
-            <a:ext cx="2800350" cy="238760"/>
+            <a:off x="168564" y="7162363"/>
+            <a:ext cx="4555835" cy="196849"/>
           </a:xfrm>
           <a:prstGeom prst="rect">
             <a:avLst/>
@@ -1954,7 +1954,7 @@
               </a:spcBef>
             </a:pPr>
             <a:r>
-              <a:rPr sz="1400" b="1" u="heavy" spc="10">
+              <a:rPr lang="it-IT" sz="1200" b="1" u="heavy" dirty="0">
                 <a:solidFill>
                   <a:srgbClr val="020302"/>
                 </a:solidFill>
@@ -1966,87 +1966,8 @@
                 <a:latin typeface="Adobe Clean"/>
                 <a:cs typeface="Adobe Clean"/>
               </a:rPr>
-              <a:t>Service </a:t>
+              <a:t>Obiettivi del livello di servizio: risposta iniziale</a:t>
             </a:r>
-            <a:r>
-              <a:rPr sz="1400" b="1" u="heavy" spc="-10">
-                <a:solidFill>
-                  <a:srgbClr val="020302"/>
-                </a:solidFill>
-                <a:uFill>
-                  <a:solidFill>
-                    <a:srgbClr val="020302"/>
-                  </a:solidFill>
-                </a:uFill>
-                <a:latin typeface="Adobe Clean"/>
-                <a:cs typeface="Adobe Clean"/>
-              </a:rPr>
-              <a:t>Level </a:t>
-            </a:r>
-            <a:r>
-              <a:rPr sz="1400" b="1" u="heavy" spc="-45">
-                <a:solidFill>
-                  <a:srgbClr val="020302"/>
-                </a:solidFill>
-                <a:uFill>
-                  <a:solidFill>
-                    <a:srgbClr val="020302"/>
-                  </a:solidFill>
-                </a:uFill>
-                <a:latin typeface="Adobe Clean"/>
-                <a:cs typeface="Adobe Clean"/>
-              </a:rPr>
-              <a:t>Targets: </a:t>
-            </a:r>
-            <a:r>
-              <a:rPr sz="1400" b="1" u="heavy" spc="-10">
-                <a:solidFill>
-                  <a:srgbClr val="020302"/>
-                </a:solidFill>
-                <a:uFill>
-                  <a:solidFill>
-                    <a:srgbClr val="020302"/>
-                  </a:solidFill>
-                </a:uFill>
-                <a:latin typeface="Adobe Clean"/>
-                <a:cs typeface="Adobe Clean"/>
-              </a:rPr>
-              <a:t>Initial</a:t>
-            </a:r>
-            <a:r>
-              <a:rPr sz="1400" b="1" u="heavy" spc="-140">
-                <a:solidFill>
-                  <a:srgbClr val="020302"/>
-                </a:solidFill>
-                <a:uFill>
-                  <a:solidFill>
-                    <a:srgbClr val="020302"/>
-                  </a:solidFill>
-                </a:uFill>
-                <a:latin typeface="Adobe Clean"/>
-                <a:cs typeface="Adobe Clean"/>
-              </a:rPr>
-              <a:t> </a:t>
-            </a:r>
-            <a:r>
-              <a:rPr sz="1400" b="1" u="heavy" spc="-15">
-                <a:solidFill>
-                  <a:srgbClr val="020302"/>
-                </a:solidFill>
-                <a:uFill>
-                  <a:solidFill>
-                    <a:srgbClr val="020302"/>
-                  </a:solidFill>
-                </a:uFill>
-                <a:latin typeface="Adobe Clean"/>
-                <a:cs typeface="Adobe Clean"/>
-              </a:rPr>
-              <a:t>Response</a:t>
-            </a:r>
-            <a:endParaRPr sz="1400">
-              <a:latin typeface="Adobe Clean"/>
-              <a:cs typeface="Adobe Clean"/>
-            </a:endParaRPr>
           </a:p>
         </p:txBody>
       </p:sp>
@@ -2075,7 +1996,7 @@
           <a:bodyPr wrap="square" lIns="0" tIns="0" rIns="0" bIns="0" rtlCol="0"/>
           <a:lstStyle/>
           <a:p>
-            <a:endParaRPr/>
+            <a:endParaRPr sz="1600"/>
           </a:p>
         </p:txBody>
       </p:sp>
@@ -2092,7 +2013,7 @@
         <p:spPr>
           <a:xfrm>
             <a:off x="439022" y="54646"/>
-            <a:ext cx="5229466" cy="366767"/>
+            <a:ext cx="5229466" cy="320601"/>
           </a:xfrm>
           <a:prstGeom prst="rect">
             <a:avLst/>
@@ -2113,20 +2034,11 @@
               </a:spcBef>
             </a:pPr>
             <a:r>
-              <a:rPr sz="2300">
+              <a:rPr lang="it-IT" sz="2000">
                 <a:latin typeface="Adobe Clean"/>
               </a:rPr>
-              <a:t>ADOBE </a:t>
+              <a:t>PIANI DI SUPPORTO ADOBE</a:t>
             </a:r>
-            <a:r>
-              <a:rPr lang="en-US" sz="2300">
-                <a:latin typeface="Adobe Clean"/>
-              </a:rPr>
-              <a:t>SUPPORT PLANS</a:t>
-            </a:r>
-            <a:endParaRPr sz="2300">
-              <a:latin typeface="Adobe Clean" panose="020B0503020404020204" pitchFamily="34" charset="0"/>
-            </a:endParaRPr>
           </a:p>
         </p:txBody>
       </p:sp>
@@ -2139,7 +2051,7 @@
         <p:spPr>
           <a:xfrm>
             <a:off x="121147" y="531160"/>
-            <a:ext cx="5865216" cy="1269065"/>
+            <a:ext cx="5865216" cy="1273105"/>
           </a:xfrm>
           <a:prstGeom prst="rect">
             <a:avLst/>
@@ -2160,7 +2072,7 @@
               </a:spcBef>
             </a:pPr>
             <a:r>
-              <a:rPr lang="en-US" sz="900" dirty="0">
+              <a:rPr lang="it-IT" sz="900" dirty="0">
                 <a:solidFill>
                   <a:schemeClr val="bg1"/>
                 </a:solidFill>
@@ -2169,7 +2081,7 @@
               <a:t>Standard | </a:t>
             </a:r>
             <a:r>
-              <a:rPr lang="en-US" sz="900" b="1" dirty="0">
+              <a:rPr lang="it-IT" sz="900" b="1" dirty="0">
                 <a:solidFill>
                   <a:schemeClr val="bg1"/>
                 </a:solidFill>
@@ -2178,7 +2090,7 @@
               <a:t>Business</a:t>
             </a:r>
             <a:r>
-              <a:rPr lang="en-US" sz="900" dirty="0">
+              <a:rPr lang="it-IT" sz="900" dirty="0">
                 <a:solidFill>
                   <a:schemeClr val="bg1"/>
                 </a:solidFill>
@@ -2197,21 +2109,14 @@
               </a:spcBef>
             </a:pPr>
             <a:r>
-              <a:rPr lang="en-US" sz="900" dirty="0">
+              <a:rPr lang="it-IT" sz="900" dirty="0">
                 <a:solidFill>
                   <a:schemeClr val="bg1"/>
                 </a:solidFill>
                 <a:latin typeface="Adobe Clean SemiLight" panose="020B0403020404020204" pitchFamily="34" charset="0"/>
               </a:rPr>
-              <a:t>Adobe provides a comprehensive range of technical resources to help support your business, included as part of your Experience Cloud license subscription and enhanced in the BUSINESS support package. BUSINESS support includes access to personalized learning paths and monitored community forums via the Adobe Experience League. You can also take advantage of our detailed and in-depth technical product documentation and current release notes. BUSINESS customers also benefit from access to our technical support teams for any product query via either the telephone or the support web portal, to help protect your business at the most critical times. BUSINESS customers will receive regular communications and updates from their Account Support Lead in addition to support case escalation management for your most critical of support requests. </a:t>
+              <a:t>Adobe offre una gamma completa di risorse tecniche per assistere la tua azienda, incluse nell’abbonamento Experience Cloud e ampliabili con un pacchetto di supporto BUSINESS. Il supporto BUSINESS include l’accesso a percorsi di apprendimento personalizzati e forum della community monitorati tramite Adobe Experience League. Puoi inoltre usufruire di documentazione tecnica dettagliata e note sulla versione sempre aggiornate. I clienti BUSINESS possono anche contattare, tramite telefono o portale web, i team addetti al supporto tecnico, per ricevere assistenza nei momenti più critici. I clienti BUSINESS riceveranno comunicazioni e aggiornamenti regolari dal proprio Account Support Lead, nonché la gestione delle escalation per le richieste di supporto più critiche. </a:t>
             </a:r>
-            <a:endParaRPr lang="en-US" sz="900" dirty="0">
-              <a:solidFill>
-                <a:schemeClr val="bg1"/>
-              </a:solidFill>
-              <a:latin typeface="Adobe Clean Light" panose="020B0303020404020204" pitchFamily="34" charset="0"/>
-              <a:cs typeface="AdobeClean-Light"/>
-            </a:endParaRPr>
           </a:p>
         </p:txBody>
       </p:sp>
@@ -2240,7 +2145,7 @@
           <a:bodyPr wrap="square" lIns="0" tIns="0" rIns="0" bIns="0" rtlCol="0"/>
           <a:lstStyle/>
           <a:p>
-            <a:endParaRPr/>
+            <a:endParaRPr sz="1600"/>
           </a:p>
         </p:txBody>
       </p:sp>
@@ -2257,7 +2162,7 @@
         <p:spPr>
           <a:xfrm>
             <a:off x="5307201" y="9862966"/>
-            <a:ext cx="2465198" cy="132729"/>
+            <a:ext cx="2465198" cy="117340"/>
           </a:xfrm>
           <a:prstGeom prst="rect">
             <a:avLst/>
@@ -2278,1584 +2183,12 @@
               </a:spcBef>
             </a:pPr>
             <a:r>
-              <a:rPr spc="-5"/>
-              <a:t>©202</a:t>
-            </a:r>
-            <a:r>
-              <a:rPr lang="en-US" spc="-5"/>
-              <a:t>1</a:t>
-            </a:r>
-            <a:r>
-              <a:rPr spc="-5"/>
-              <a:t> Adobe. All Rights Reserved. Adobe</a:t>
-            </a:r>
-            <a:r>
-              <a:rPr spc="60"/>
-              <a:t> </a:t>
-            </a:r>
-            <a:r>
-              <a:rPr spc="-5"/>
-              <a:t>Confidential.</a:t>
+              <a:rPr lang="it-IT" sz="700"/>
+              <a:t>©2021 Adobe. All Rights Reserved. Adobe Confidential.</a:t>
             </a:r>
           </a:p>
         </p:txBody>
       </p:sp>
-      <p:graphicFrame>
-        <p:nvGraphicFramePr>
-          <p:cNvPr id="9" name="object 9"/>
-          <p:cNvGraphicFramePr>
-            <a:graphicFrameLocks noGrp="1"/>
-          </p:cNvGraphicFramePr>
-          <p:nvPr>
-            <p:extLst>
-              <p:ext uri="{D42A27DB-BD31-4B8C-83A1-F6EECF244321}">
-                <p14:modId xmlns:p14="http://schemas.microsoft.com/office/powerpoint/2010/main" val="2485809364"/>
-              </p:ext>
-            </p:extLst>
-          </p:nvPr>
-        </p:nvGraphicFramePr>
-        <p:xfrm>
-          <a:off x="118872" y="7475985"/>
-          <a:ext cx="7498851" cy="2223598"/>
-        </p:xfrm>
-        <a:graphic>
-          <a:graphicData uri="http://schemas.openxmlformats.org/drawingml/2006/table">
-            <a:tbl>
-              <a:tblPr firstRow="1" bandRow="1">
-                <a:tableStyleId>{2D5ABB26-0587-4C30-8999-92F81FD0307C}</a:tableStyleId>
-              </a:tblPr>
-              <a:tblGrid>
-                <a:gridCol w="4698744">
-                  <a:extLst>
-                    <a:ext uri="{9D8B030D-6E8A-4147-A177-3AD203B41FA5}">
-                      <a16:colId xmlns:a16="http://schemas.microsoft.com/office/drawing/2014/main" val="20000"/>
-                    </a:ext>
-                  </a:extLst>
-                </a:gridCol>
-                <a:gridCol w="1400053">
-                  <a:extLst>
-                    <a:ext uri="{9D8B030D-6E8A-4147-A177-3AD203B41FA5}">
-                      <a16:colId xmlns:a16="http://schemas.microsoft.com/office/drawing/2014/main" val="20001"/>
-                    </a:ext>
-                  </a:extLst>
-                </a:gridCol>
-                <a:gridCol w="1400054">
-                  <a:extLst>
-                    <a:ext uri="{9D8B030D-6E8A-4147-A177-3AD203B41FA5}">
-                      <a16:colId xmlns:a16="http://schemas.microsoft.com/office/drawing/2014/main" val="20002"/>
-                    </a:ext>
-                  </a:extLst>
-                </a:gridCol>
-              </a:tblGrid>
-              <a:tr h="291248">
-                <a:tc>
-                  <a:txBody>
-                    <a:bodyPr/>
-                    <a:lstStyle/>
-                    <a:p>
-                      <a:pPr marL="50800">
-                        <a:lnSpc>
-                          <a:spcPct val="100000"/>
-                        </a:lnSpc>
-                        <a:spcBef>
-                          <a:spcPts val="60"/>
-                        </a:spcBef>
-                      </a:pPr>
-                      <a:r>
-                        <a:rPr sz="900" spc="0">
-                          <a:solidFill>
-                            <a:srgbClr val="020302"/>
-                          </a:solidFill>
-                          <a:latin typeface="Adobe Clean"/>
-                          <a:cs typeface="Adobe Clean"/>
-                        </a:rPr>
-                        <a:t>Priority</a:t>
-                      </a:r>
-                      <a:endParaRPr sz="900" spc="0">
-                        <a:latin typeface="Adobe Clean"/>
-                        <a:cs typeface="Adobe Clean"/>
-                      </a:endParaRPr>
-                    </a:p>
-                  </a:txBody>
-                  <a:tcPr marL="0" marR="0" marT="7620" marB="0">
-                    <a:lnL w="3175">
-                      <a:solidFill>
-                        <a:srgbClr val="B7B8B8"/>
-                      </a:solidFill>
-                      <a:prstDash val="solid"/>
-                    </a:lnL>
-                    <a:lnR w="3175">
-                      <a:solidFill>
-                        <a:srgbClr val="B7B8B8"/>
-                      </a:solidFill>
-                      <a:prstDash val="solid"/>
-                    </a:lnR>
-                    <a:lnT w="3175">
-                      <a:solidFill>
-                        <a:srgbClr val="B7B8B8"/>
-                      </a:solidFill>
-                      <a:prstDash val="solid"/>
-                    </a:lnT>
-                    <a:lnB w="3175">
-                      <a:solidFill>
-                        <a:srgbClr val="B7B8B8"/>
-                      </a:solidFill>
-                      <a:prstDash val="solid"/>
-                    </a:lnB>
-                    <a:solidFill>
-                      <a:srgbClr val="F7F7F7"/>
-                    </a:solidFill>
-                  </a:tcPr>
-                </a:tc>
-                <a:tc>
-                  <a:txBody>
-                    <a:bodyPr/>
-                    <a:lstStyle/>
-                    <a:p>
-                      <a:pPr marL="135255" algn="ctr">
-                        <a:lnSpc>
-                          <a:spcPct val="100000"/>
-                        </a:lnSpc>
-                        <a:spcBef>
-                          <a:spcPts val="60"/>
-                        </a:spcBef>
-                      </a:pPr>
-                      <a:r>
-                        <a:rPr lang="en-US" sz="900" spc="0" dirty="0">
-                          <a:solidFill>
-                            <a:srgbClr val="020302"/>
-                          </a:solidFill>
-                          <a:latin typeface="Adobe Clean"/>
-                          <a:cs typeface="Adobe Clean"/>
-                        </a:rPr>
-                        <a:t>Standard</a:t>
-                      </a:r>
-                      <a:r>
-                        <a:rPr sz="900" spc="0" dirty="0">
-                          <a:solidFill>
-                            <a:srgbClr val="020302"/>
-                          </a:solidFill>
-                          <a:latin typeface="Adobe Clean"/>
-                          <a:cs typeface="Adobe Clean"/>
-                        </a:rPr>
-                        <a:t> Support</a:t>
-                      </a:r>
-                      <a:endParaRPr sz="900" spc="0" dirty="0">
-                        <a:latin typeface="Adobe Clean"/>
-                        <a:cs typeface="Adobe Clean"/>
-                      </a:endParaRPr>
-                    </a:p>
-                  </a:txBody>
-                  <a:tcPr marL="182880" marT="91440" anchor="ctr">
-                    <a:lnL w="3175">
-                      <a:solidFill>
-                        <a:srgbClr val="B7B8B8"/>
-                      </a:solidFill>
-                      <a:prstDash val="solid"/>
-                    </a:lnL>
-                    <a:lnR w="3175">
-                      <a:solidFill>
-                        <a:srgbClr val="B7B8B8"/>
-                      </a:solidFill>
-                      <a:prstDash val="solid"/>
-                    </a:lnR>
-                    <a:lnT w="3175">
-                      <a:solidFill>
-                        <a:srgbClr val="B7B8B8"/>
-                      </a:solidFill>
-                      <a:prstDash val="solid"/>
-                    </a:lnT>
-                    <a:lnB w="76200">
-                      <a:solidFill>
-                        <a:srgbClr val="858585"/>
-                      </a:solidFill>
-                      <a:prstDash val="solid"/>
-                    </a:lnB>
-                    <a:solidFill>
-                      <a:srgbClr val="D9D9D9"/>
-                    </a:solidFill>
-                  </a:tcPr>
-                </a:tc>
-                <a:tc>
-                  <a:txBody>
-                    <a:bodyPr/>
-                    <a:lstStyle/>
-                    <a:p>
-                      <a:pPr marL="92710">
-                        <a:lnSpc>
-                          <a:spcPct val="100000"/>
-                        </a:lnSpc>
-                        <a:spcBef>
-                          <a:spcPts val="60"/>
-                        </a:spcBef>
-                      </a:pPr>
-                      <a:r>
-                        <a:rPr sz="900" spc="0">
-                          <a:solidFill>
-                            <a:srgbClr val="FFFFFF"/>
-                          </a:solidFill>
-                          <a:latin typeface="Adobe Clean"/>
-                          <a:cs typeface="Adobe Clean"/>
-                        </a:rPr>
-                        <a:t>Business</a:t>
-                      </a:r>
-                      <a:r>
-                        <a:rPr lang="en-US" sz="900" spc="0">
-                          <a:solidFill>
-                            <a:srgbClr val="FFFFFF"/>
-                          </a:solidFill>
-                          <a:latin typeface="Adobe Clean"/>
-                          <a:cs typeface="Adobe Clean"/>
-                        </a:rPr>
-                        <a:t> </a:t>
-                      </a:r>
-                      <a:r>
-                        <a:rPr sz="900" spc="0">
-                          <a:solidFill>
-                            <a:srgbClr val="FFFFFF"/>
-                          </a:solidFill>
-                          <a:latin typeface="Adobe Clean"/>
-                          <a:cs typeface="Adobe Clean"/>
-                        </a:rPr>
-                        <a:t>Support</a:t>
-                      </a:r>
-                      <a:endParaRPr sz="900" spc="0">
-                        <a:latin typeface="Adobe Clean"/>
-                        <a:cs typeface="Adobe Clean"/>
-                      </a:endParaRPr>
-                    </a:p>
-                  </a:txBody>
-                  <a:tcPr marL="182880" marT="91440" anchor="ctr">
-                    <a:lnL w="3175">
-                      <a:solidFill>
-                        <a:srgbClr val="B7B8B8"/>
-                      </a:solidFill>
-                      <a:prstDash val="solid"/>
-                    </a:lnL>
-                    <a:lnR w="3175">
-                      <a:solidFill>
-                        <a:srgbClr val="B7B8B8"/>
-                      </a:solidFill>
-                      <a:prstDash val="solid"/>
-                    </a:lnR>
-                    <a:lnT w="3175">
-                      <a:solidFill>
-                        <a:srgbClr val="B7B8B8"/>
-                      </a:solidFill>
-                      <a:prstDash val="solid"/>
-                    </a:lnT>
-                    <a:lnB w="76200">
-                      <a:solidFill>
-                        <a:srgbClr val="ACD2FF"/>
-                      </a:solidFill>
-                      <a:prstDash val="solid"/>
-                    </a:lnB>
-                    <a:solidFill>
-                      <a:srgbClr val="7D7D7D"/>
-                    </a:solidFill>
-                  </a:tcPr>
-                </a:tc>
-                <a:extLst>
-                  <a:ext uri="{0D108BD9-81ED-4DB2-BD59-A6C34878D82A}">
-                    <a16:rowId xmlns:a16="http://schemas.microsoft.com/office/drawing/2014/main" val="10000"/>
-                  </a:ext>
-                </a:extLst>
-              </a:tr>
-              <a:tr h="514672">
-                <a:tc>
-                  <a:txBody>
-                    <a:bodyPr/>
-                    <a:lstStyle/>
-                    <a:p>
-                      <a:pPr marL="50800">
-                        <a:lnSpc>
-                          <a:spcPct val="100000"/>
-                        </a:lnSpc>
-                        <a:spcBef>
-                          <a:spcPts val="30"/>
-                        </a:spcBef>
-                      </a:pPr>
-                      <a:r>
-                        <a:rPr sz="900" b="1" spc="0">
-                          <a:solidFill>
-                            <a:srgbClr val="020302"/>
-                          </a:solidFill>
-                          <a:latin typeface="Adobe Clean"/>
-                          <a:cs typeface="Adobe Clean"/>
-                        </a:rPr>
-                        <a:t>PRIORITY 1</a:t>
-                      </a:r>
-                      <a:endParaRPr sz="900" spc="0">
-                        <a:latin typeface="Adobe Clean"/>
-                        <a:cs typeface="Adobe Clean"/>
-                      </a:endParaRPr>
-                    </a:p>
-                    <a:p>
-                      <a:pPr marL="50800" marR="387985" lvl="0" indent="0" algn="l" defTabSz="914400" rtl="0" eaLnBrk="1" fontAlgn="auto" latinLnBrk="0" hangingPunct="1">
-                        <a:lnSpc>
-                          <a:spcPts val="1000"/>
-                        </a:lnSpc>
-                        <a:spcBef>
-                          <a:spcPts val="420"/>
-                        </a:spcBef>
-                        <a:spcAft>
-                          <a:spcPts val="0"/>
-                        </a:spcAft>
-                        <a:buClrTx/>
-                        <a:buSzTx/>
-                        <a:buFontTx/>
-                        <a:buNone/>
-                        <a:tabLst/>
-                        <a:defRPr/>
-                      </a:pPr>
-                      <a:r>
-                        <a:rPr lang="en-US" sz="900" b="0" i="0" spc="0">
-                          <a:solidFill>
-                            <a:srgbClr val="000000"/>
-                          </a:solidFill>
-                          <a:effectLst/>
-                          <a:latin typeface="Adobe Clean Light" panose="020B0303020404020204" pitchFamily="34" charset="0"/>
-                        </a:rPr>
-                        <a:t>Customer's production business functions are down or have significant data loss or service degradation and immediate attention is required to restore functionality and usability</a:t>
-                      </a:r>
-                      <a:endParaRPr lang="en-US" sz="900" b="0" i="0" spc="0">
-                        <a:latin typeface="Adobe Clean Light" panose="020B0303020404020204" pitchFamily="34" charset="0"/>
-                        <a:cs typeface="AdobeClean-Light"/>
-                      </a:endParaRPr>
-                    </a:p>
-                  </a:txBody>
-                  <a:tcPr marL="0" marR="0" marT="3810" marB="0">
-                    <a:lnL w="3175">
-                      <a:solidFill>
-                        <a:srgbClr val="B7B8B8"/>
-                      </a:solidFill>
-                      <a:prstDash val="solid"/>
-                    </a:lnL>
-                    <a:lnR w="3175">
-                      <a:solidFill>
-                        <a:srgbClr val="B7B8B8"/>
-                      </a:solidFill>
-                      <a:prstDash val="solid"/>
-                    </a:lnR>
-                    <a:lnT w="3175">
-                      <a:solidFill>
-                        <a:srgbClr val="B7B8B8"/>
-                      </a:solidFill>
-                      <a:prstDash val="solid"/>
-                    </a:lnT>
-                    <a:lnB w="3175">
-                      <a:solidFill>
-                        <a:srgbClr val="B7B8B8"/>
-                      </a:solidFill>
-                      <a:prstDash val="solid"/>
-                    </a:lnB>
-                  </a:tcPr>
-                </a:tc>
-                <a:tc>
-                  <a:txBody>
-                    <a:bodyPr/>
-                    <a:lstStyle/>
-                    <a:p>
-                      <a:pPr marL="374015" marR="325120" indent="-3810" algn="ctr">
-                        <a:lnSpc>
-                          <a:spcPct val="100000"/>
-                        </a:lnSpc>
-                        <a:spcBef>
-                          <a:spcPts val="670"/>
-                        </a:spcBef>
-                      </a:pPr>
-                      <a:r>
-                        <a:rPr sz="900" spc="0">
-                          <a:solidFill>
-                            <a:srgbClr val="020302"/>
-                          </a:solidFill>
-                          <a:latin typeface="AdobeClean-Light"/>
-                          <a:cs typeface="AdobeClean-Light"/>
-                        </a:rPr>
-                        <a:t>24x7</a:t>
-                      </a:r>
-                      <a:r>
-                        <a:rPr lang="en-US" sz="900" spc="0">
-                          <a:solidFill>
-                            <a:srgbClr val="020302"/>
-                          </a:solidFill>
-                          <a:latin typeface="AdobeClean-Light"/>
-                          <a:cs typeface="AdobeClean-Light"/>
-                        </a:rPr>
-                        <a:t> </a:t>
-                      </a:r>
-                      <a:r>
-                        <a:rPr sz="900" spc="0">
-                          <a:solidFill>
-                            <a:srgbClr val="020302"/>
-                          </a:solidFill>
-                          <a:latin typeface="AdobeClean-Light"/>
-                          <a:cs typeface="AdobeClean-Light"/>
-                        </a:rPr>
-                        <a:t>/</a:t>
-                      </a:r>
-                      <a:r>
-                        <a:rPr lang="en-US" sz="900" spc="0">
-                          <a:solidFill>
-                            <a:srgbClr val="020302"/>
-                          </a:solidFill>
-                          <a:latin typeface="AdobeClean-Light"/>
-                          <a:cs typeface="AdobeClean-Light"/>
-                        </a:rPr>
-                        <a:t> </a:t>
-                      </a:r>
-                      <a:r>
-                        <a:rPr sz="900" spc="0">
-                          <a:solidFill>
-                            <a:srgbClr val="020302"/>
-                          </a:solidFill>
-                          <a:latin typeface="AdobeClean-Light"/>
-                          <a:cs typeface="AdobeClean-Light"/>
-                        </a:rPr>
-                        <a:t>1 hour</a:t>
-                      </a:r>
-                      <a:endParaRPr sz="900" spc="0">
-                        <a:latin typeface="AdobeClean-Light"/>
-                        <a:cs typeface="AdobeClean-Light"/>
-                      </a:endParaRPr>
-                    </a:p>
-                  </a:txBody>
-                  <a:tcPr marL="0" marR="0" marT="91440" marB="91440" anchor="ctr" anchorCtr="1">
-                    <a:lnL w="3175">
-                      <a:solidFill>
-                        <a:srgbClr val="B7B8B8"/>
-                      </a:solidFill>
-                      <a:prstDash val="solid"/>
-                    </a:lnL>
-                    <a:lnR w="3175">
-                      <a:solidFill>
-                        <a:srgbClr val="B7B8B8"/>
-                      </a:solidFill>
-                      <a:prstDash val="solid"/>
-                    </a:lnR>
-                    <a:lnT w="76200">
-                      <a:solidFill>
-                        <a:srgbClr val="858585"/>
-                      </a:solidFill>
-                      <a:prstDash val="solid"/>
-                    </a:lnT>
-                    <a:lnB w="3175">
-                      <a:solidFill>
-                        <a:srgbClr val="B7B8B8"/>
-                      </a:solidFill>
-                      <a:prstDash val="solid"/>
-                    </a:lnB>
-                  </a:tcPr>
-                </a:tc>
-                <a:tc>
-                  <a:txBody>
-                    <a:bodyPr/>
-                    <a:lstStyle/>
-                    <a:p>
-                      <a:pPr marL="373380" marR="325755" indent="-3810" algn="ctr">
-                        <a:lnSpc>
-                          <a:spcPct val="100000"/>
-                        </a:lnSpc>
-                        <a:spcBef>
-                          <a:spcPts val="670"/>
-                        </a:spcBef>
-                      </a:pPr>
-                      <a:r>
-                        <a:rPr sz="900" spc="0">
-                          <a:solidFill>
-                            <a:srgbClr val="020302"/>
-                          </a:solidFill>
-                          <a:latin typeface="AdobeClean-Light"/>
-                          <a:cs typeface="AdobeClean-Light"/>
-                        </a:rPr>
-                        <a:t>24x7</a:t>
-                      </a:r>
-                      <a:r>
-                        <a:rPr lang="en-US" sz="900" spc="0">
-                          <a:solidFill>
-                            <a:srgbClr val="020302"/>
-                          </a:solidFill>
-                          <a:latin typeface="AdobeClean-Light"/>
-                          <a:cs typeface="AdobeClean-Light"/>
-                        </a:rPr>
-                        <a:t> </a:t>
-                      </a:r>
-                      <a:r>
-                        <a:rPr sz="900" spc="0">
-                          <a:solidFill>
-                            <a:srgbClr val="020302"/>
-                          </a:solidFill>
-                          <a:latin typeface="AdobeClean-Light"/>
-                          <a:cs typeface="AdobeClean-Light"/>
-                        </a:rPr>
-                        <a:t>/</a:t>
-                      </a:r>
-                      <a:r>
-                        <a:rPr lang="en-US" sz="900" spc="0">
-                          <a:solidFill>
-                            <a:srgbClr val="020302"/>
-                          </a:solidFill>
-                          <a:latin typeface="AdobeClean-Light"/>
-                          <a:cs typeface="AdobeClean-Light"/>
-                        </a:rPr>
-                        <a:t> </a:t>
-                      </a:r>
-                      <a:r>
-                        <a:rPr sz="900" spc="0">
-                          <a:solidFill>
-                            <a:srgbClr val="020302"/>
-                          </a:solidFill>
-                          <a:latin typeface="AdobeClean-Light"/>
-                          <a:cs typeface="AdobeClean-Light"/>
-                        </a:rPr>
-                        <a:t>1 hour</a:t>
-                      </a:r>
-                      <a:endParaRPr sz="900" spc="0">
-                        <a:latin typeface="AdobeClean-Light"/>
-                        <a:cs typeface="AdobeClean-Light"/>
-                      </a:endParaRPr>
-                    </a:p>
-                  </a:txBody>
-                  <a:tcPr marL="0" marR="0" marT="91440" marB="91440" anchor="ctr" anchorCtr="1">
-                    <a:lnL w="3175">
-                      <a:solidFill>
-                        <a:srgbClr val="B7B8B8"/>
-                      </a:solidFill>
-                      <a:prstDash val="solid"/>
-                    </a:lnL>
-                    <a:lnR w="3175">
-                      <a:solidFill>
-                        <a:srgbClr val="B7B8B8"/>
-                      </a:solidFill>
-                      <a:prstDash val="solid"/>
-                    </a:lnR>
-                    <a:lnT w="76200">
-                      <a:solidFill>
-                        <a:srgbClr val="ACD2FF"/>
-                      </a:solidFill>
-                      <a:prstDash val="solid"/>
-                    </a:lnT>
-                    <a:lnB w="3175">
-                      <a:solidFill>
-                        <a:srgbClr val="B7B8B8"/>
-                      </a:solidFill>
-                      <a:prstDash val="solid"/>
-                    </a:lnB>
-                    <a:solidFill>
-                      <a:schemeClr val="bg1">
-                        <a:lumMod val="95000"/>
-                      </a:schemeClr>
-                    </a:solidFill>
-                  </a:tcPr>
-                </a:tc>
-                <a:extLst>
-                  <a:ext uri="{0D108BD9-81ED-4DB2-BD59-A6C34878D82A}">
-                    <a16:rowId xmlns:a16="http://schemas.microsoft.com/office/drawing/2014/main" val="10001"/>
-                  </a:ext>
-                </a:extLst>
-              </a:tr>
-              <a:tr h="514672">
-                <a:tc>
-                  <a:txBody>
-                    <a:bodyPr/>
-                    <a:lstStyle/>
-                    <a:p>
-                      <a:pPr marL="50165">
-                        <a:lnSpc>
-                          <a:spcPct val="100000"/>
-                        </a:lnSpc>
-                        <a:spcBef>
-                          <a:spcPts val="30"/>
-                        </a:spcBef>
-                      </a:pPr>
-                      <a:r>
-                        <a:rPr sz="900" b="1" spc="0">
-                          <a:solidFill>
-                            <a:srgbClr val="020302"/>
-                          </a:solidFill>
-                          <a:latin typeface="Adobe Clean"/>
-                          <a:cs typeface="Adobe Clean"/>
-                        </a:rPr>
-                        <a:t>PRIORITY 2</a:t>
-                      </a:r>
-                      <a:endParaRPr sz="900" spc="0">
-                        <a:latin typeface="Adobe Clean"/>
-                        <a:cs typeface="Adobe Clean"/>
-                      </a:endParaRPr>
-                    </a:p>
-                    <a:p>
-                      <a:pPr marL="50165" marR="203200">
-                        <a:lnSpc>
-                          <a:spcPts val="1000"/>
-                        </a:lnSpc>
-                        <a:spcBef>
-                          <a:spcPts val="415"/>
-                        </a:spcBef>
-                      </a:pPr>
-                      <a:r>
-                        <a:rPr lang="en-US" sz="900" b="0" i="0" spc="0">
-                          <a:solidFill>
-                            <a:srgbClr val="000000"/>
-                          </a:solidFill>
-                          <a:effectLst/>
-                          <a:latin typeface="Adobe Clean Light" panose="020B0303020404020204" pitchFamily="34" charset="0"/>
-                        </a:rPr>
-                        <a:t>Customer's business functions have major service degradation or potential data loss, or a major feature is impacted </a:t>
-                      </a:r>
-                      <a:endParaRPr lang="en-US" sz="900" b="0" i="0" spc="0">
-                        <a:latin typeface="Adobe Clean Light" panose="020B0303020404020204" pitchFamily="34" charset="0"/>
-                        <a:cs typeface="AdobeClean-Light"/>
-                      </a:endParaRPr>
-                    </a:p>
-                  </a:txBody>
-                  <a:tcPr marL="0" marR="0" marT="3810" marB="0">
-                    <a:lnL w="3175">
-                      <a:solidFill>
-                        <a:srgbClr val="B7B8B8"/>
-                      </a:solidFill>
-                      <a:prstDash val="solid"/>
-                    </a:lnL>
-                    <a:lnR w="3175">
-                      <a:solidFill>
-                        <a:srgbClr val="B7B8B8"/>
-                      </a:solidFill>
-                      <a:prstDash val="solid"/>
-                    </a:lnR>
-                    <a:lnT w="3175">
-                      <a:solidFill>
-                        <a:srgbClr val="B7B8B8"/>
-                      </a:solidFill>
-                      <a:prstDash val="solid"/>
-                    </a:lnT>
-                    <a:lnB w="3175">
-                      <a:solidFill>
-                        <a:srgbClr val="B7B8B8"/>
-                      </a:solidFill>
-                      <a:prstDash val="solid"/>
-                    </a:lnB>
-                  </a:tcPr>
-                </a:tc>
-                <a:tc>
-                  <a:txBody>
-                    <a:bodyPr/>
-                    <a:lstStyle/>
-                    <a:p>
-                      <a:pPr marL="316865" marR="184785" indent="-193675" algn="ctr">
-                        <a:lnSpc>
-                          <a:spcPct val="100000"/>
-                        </a:lnSpc>
-                        <a:spcBef>
-                          <a:spcPts val="670"/>
-                        </a:spcBef>
-                      </a:pPr>
-                      <a:r>
-                        <a:rPr sz="900" spc="0">
-                          <a:solidFill>
-                            <a:srgbClr val="020302"/>
-                          </a:solidFill>
-                          <a:latin typeface="AdobeClean-Light"/>
-                          <a:cs typeface="AdobeClean-Light"/>
-                        </a:rPr>
-                        <a:t>Business</a:t>
-                      </a:r>
-                      <a:r>
-                        <a:rPr lang="en-US" sz="900" spc="0">
-                          <a:solidFill>
-                            <a:srgbClr val="020302"/>
-                          </a:solidFill>
-                          <a:latin typeface="AdobeClean-Light"/>
-                          <a:cs typeface="AdobeClean-Light"/>
-                        </a:rPr>
-                        <a:t> </a:t>
-                      </a:r>
-                      <a:r>
-                        <a:rPr sz="900" spc="0">
-                          <a:solidFill>
-                            <a:srgbClr val="020302"/>
-                          </a:solidFill>
-                          <a:latin typeface="AdobeClean-Light"/>
-                          <a:cs typeface="AdobeClean-Light"/>
-                        </a:rPr>
-                        <a:t>hours</a:t>
-                      </a:r>
-                      <a:r>
-                        <a:rPr lang="en-US" sz="900" spc="0">
-                          <a:solidFill>
-                            <a:srgbClr val="020302"/>
-                          </a:solidFill>
-                          <a:latin typeface="AdobeClean-Light"/>
-                          <a:cs typeface="AdobeClean-Light"/>
-                        </a:rPr>
-                        <a:t> </a:t>
-                      </a:r>
-                      <a:r>
-                        <a:rPr sz="900" spc="0">
-                          <a:solidFill>
-                            <a:srgbClr val="020302"/>
-                          </a:solidFill>
-                          <a:latin typeface="AdobeClean-Light"/>
-                          <a:cs typeface="AdobeClean-Light"/>
-                        </a:rPr>
-                        <a:t>/</a:t>
-                      </a:r>
-                      <a:r>
-                        <a:rPr lang="en-US" sz="900" spc="0">
-                          <a:solidFill>
-                            <a:srgbClr val="020302"/>
-                          </a:solidFill>
-                          <a:latin typeface="AdobeClean-Light"/>
-                          <a:cs typeface="AdobeClean-Light"/>
-                        </a:rPr>
-                        <a:t> </a:t>
-                      </a:r>
-                      <a:r>
-                        <a:rPr sz="900" spc="0">
-                          <a:solidFill>
-                            <a:srgbClr val="020302"/>
-                          </a:solidFill>
-                          <a:latin typeface="AdobeClean-Light"/>
-                          <a:cs typeface="AdobeClean-Light"/>
-                        </a:rPr>
-                        <a:t>4 hours</a:t>
-                      </a:r>
-                      <a:endParaRPr sz="900" spc="0">
-                        <a:latin typeface="AdobeClean-Light"/>
-                        <a:cs typeface="AdobeClean-Light"/>
-                      </a:endParaRPr>
-                    </a:p>
-                  </a:txBody>
-                  <a:tcPr marL="0" marR="0" marT="91440" marB="91440" anchor="ctr" anchorCtr="1">
-                    <a:lnL w="3175">
-                      <a:solidFill>
-                        <a:srgbClr val="B7B8B8"/>
-                      </a:solidFill>
-                      <a:prstDash val="solid"/>
-                    </a:lnL>
-                    <a:lnR w="3175">
-                      <a:solidFill>
-                        <a:srgbClr val="B7B8B8"/>
-                      </a:solidFill>
-                      <a:prstDash val="solid"/>
-                    </a:lnR>
-                    <a:lnT w="3175">
-                      <a:solidFill>
-                        <a:srgbClr val="B7B8B8"/>
-                      </a:solidFill>
-                      <a:prstDash val="solid"/>
-                    </a:lnT>
-                    <a:lnB w="3175">
-                      <a:solidFill>
-                        <a:srgbClr val="B7B8B8"/>
-                      </a:solidFill>
-                      <a:prstDash val="solid"/>
-                    </a:lnB>
-                  </a:tcPr>
-                </a:tc>
-                <a:tc>
-                  <a:txBody>
-                    <a:bodyPr/>
-                    <a:lstStyle/>
-                    <a:p>
-                      <a:pPr marL="317500" marR="184785" indent="-194310" algn="ctr">
-                        <a:lnSpc>
-                          <a:spcPct val="100000"/>
-                        </a:lnSpc>
-                        <a:spcBef>
-                          <a:spcPts val="670"/>
-                        </a:spcBef>
-                      </a:pPr>
-                      <a:r>
-                        <a:rPr lang="en-US" sz="900" spc="0">
-                          <a:solidFill>
-                            <a:srgbClr val="020302"/>
-                          </a:solidFill>
-                          <a:latin typeface="AdobeClean-Light"/>
-                          <a:cs typeface="AdobeClean-Light"/>
-                        </a:rPr>
-                        <a:t>    </a:t>
-                      </a:r>
-                      <a:r>
-                        <a:rPr sz="900" spc="0">
-                          <a:solidFill>
-                            <a:srgbClr val="020302"/>
-                          </a:solidFill>
-                          <a:latin typeface="AdobeClean-Light"/>
-                          <a:cs typeface="AdobeClean-Light"/>
-                        </a:rPr>
-                        <a:t>Business</a:t>
-                      </a:r>
-                      <a:r>
-                        <a:rPr lang="en-US" sz="900" spc="0">
-                          <a:solidFill>
-                            <a:srgbClr val="020302"/>
-                          </a:solidFill>
-                          <a:latin typeface="AdobeClean-Light"/>
-                          <a:cs typeface="AdobeClean-Light"/>
-                        </a:rPr>
-                        <a:t> </a:t>
-                      </a:r>
-                      <a:r>
-                        <a:rPr sz="900" spc="0">
-                          <a:solidFill>
-                            <a:srgbClr val="020302"/>
-                          </a:solidFill>
-                          <a:latin typeface="AdobeClean-Light"/>
-                          <a:cs typeface="AdobeClean-Light"/>
-                        </a:rPr>
-                        <a:t>hours</a:t>
-                      </a:r>
-                      <a:r>
-                        <a:rPr lang="en-US" sz="900" spc="0">
-                          <a:solidFill>
-                            <a:srgbClr val="020302"/>
-                          </a:solidFill>
-                          <a:latin typeface="AdobeClean-Light"/>
-                          <a:cs typeface="AdobeClean-Light"/>
-                        </a:rPr>
-                        <a:t> / </a:t>
-                      </a:r>
-                      <a:r>
-                        <a:rPr sz="900" spc="0">
-                          <a:solidFill>
-                            <a:srgbClr val="020302"/>
-                          </a:solidFill>
-                          <a:latin typeface="AdobeClean-Light"/>
-                          <a:cs typeface="AdobeClean-Light"/>
-                        </a:rPr>
-                        <a:t>2</a:t>
-                      </a:r>
-                      <a:r>
-                        <a:rPr lang="en-US" sz="900" spc="0">
-                          <a:solidFill>
-                            <a:srgbClr val="020302"/>
-                          </a:solidFill>
-                          <a:latin typeface="AdobeClean-Light"/>
-                          <a:cs typeface="AdobeClean-Light"/>
-                        </a:rPr>
-                        <a:t> </a:t>
-                      </a:r>
-                      <a:r>
-                        <a:rPr sz="900" spc="0">
-                          <a:solidFill>
-                            <a:srgbClr val="020302"/>
-                          </a:solidFill>
-                          <a:latin typeface="AdobeClean-Light"/>
-                          <a:cs typeface="AdobeClean-Light"/>
-                        </a:rPr>
-                        <a:t>hours</a:t>
-                      </a:r>
-                      <a:endParaRPr sz="900" spc="0">
-                        <a:latin typeface="AdobeClean-Light"/>
-                        <a:cs typeface="AdobeClean-Light"/>
-                      </a:endParaRPr>
-                    </a:p>
-                  </a:txBody>
-                  <a:tcPr marL="0" marR="0" marT="91440" marB="91440" anchor="ctr" anchorCtr="1">
-                    <a:lnL w="3175">
-                      <a:solidFill>
-                        <a:srgbClr val="B7B8B8"/>
-                      </a:solidFill>
-                      <a:prstDash val="solid"/>
-                    </a:lnL>
-                    <a:lnR w="3175">
-                      <a:solidFill>
-                        <a:srgbClr val="B7B8B8"/>
-                      </a:solidFill>
-                      <a:prstDash val="solid"/>
-                    </a:lnR>
-                    <a:lnT w="3175">
-                      <a:solidFill>
-                        <a:srgbClr val="B7B8B8"/>
-                      </a:solidFill>
-                      <a:prstDash val="solid"/>
-                    </a:lnT>
-                    <a:lnB w="3175">
-                      <a:solidFill>
-                        <a:srgbClr val="B7B8B8"/>
-                      </a:solidFill>
-                      <a:prstDash val="solid"/>
-                    </a:lnB>
-                    <a:solidFill>
-                      <a:schemeClr val="bg1">
-                        <a:lumMod val="95000"/>
-                      </a:schemeClr>
-                    </a:solidFill>
-                  </a:tcPr>
-                </a:tc>
-                <a:extLst>
-                  <a:ext uri="{0D108BD9-81ED-4DB2-BD59-A6C34878D82A}">
-                    <a16:rowId xmlns:a16="http://schemas.microsoft.com/office/drawing/2014/main" val="10002"/>
-                  </a:ext>
-                </a:extLst>
-              </a:tr>
-              <a:tr h="514673">
-                <a:tc>
-                  <a:txBody>
-                    <a:bodyPr/>
-                    <a:lstStyle/>
-                    <a:p>
-                      <a:pPr marL="50165">
-                        <a:lnSpc>
-                          <a:spcPct val="100000"/>
-                        </a:lnSpc>
-                        <a:spcBef>
-                          <a:spcPts val="30"/>
-                        </a:spcBef>
-                      </a:pPr>
-                      <a:r>
-                        <a:rPr sz="900" b="1" spc="0">
-                          <a:solidFill>
-                            <a:srgbClr val="020302"/>
-                          </a:solidFill>
-                          <a:latin typeface="Adobe Clean"/>
-                          <a:cs typeface="Adobe Clean"/>
-                        </a:rPr>
-                        <a:t>PRIORITY 3</a:t>
-                      </a:r>
-                      <a:endParaRPr sz="900" spc="0">
-                        <a:latin typeface="Adobe Clean"/>
-                        <a:cs typeface="Adobe Clean"/>
-                      </a:endParaRPr>
-                    </a:p>
-                    <a:p>
-                      <a:pPr marL="49530" marR="212090" indent="-2540">
-                        <a:lnSpc>
-                          <a:spcPts val="1000"/>
-                        </a:lnSpc>
-                        <a:spcBef>
-                          <a:spcPts val="415"/>
-                        </a:spcBef>
-                      </a:pPr>
-                      <a:r>
-                        <a:rPr kumimoji="0" lang="en-US" sz="900" b="0" i="0" u="none" strike="noStrike" kern="1200" cap="none" spc="0" normalizeH="0" baseline="0" noProof="0">
-                          <a:ln>
-                            <a:noFill/>
-                          </a:ln>
-                          <a:solidFill>
-                            <a:srgbClr val="000000"/>
-                          </a:solidFill>
-                          <a:effectLst/>
-                          <a:uLnTx/>
-                          <a:uFillTx/>
-                          <a:latin typeface="Adobe Clean Light" panose="020B0303020404020204" pitchFamily="34" charset="0"/>
-                          <a:ea typeface="+mn-ea"/>
-                          <a:cs typeface="+mn-cs"/>
-                        </a:rPr>
-                        <a:t>Customer's business functions have minor service degradation but there exists a solution/workaround allowing business functions to continue </a:t>
-                      </a:r>
-                      <a:endParaRPr lang="en-US" sz="900" b="0" i="0" spc="0">
-                        <a:latin typeface="Adobe Clean Light" panose="020B0303020404020204" pitchFamily="34" charset="0"/>
-                        <a:cs typeface="AdobeClean-Light"/>
-                      </a:endParaRPr>
-                    </a:p>
-                  </a:txBody>
-                  <a:tcPr marL="0" marR="0" marT="3810" marB="0">
-                    <a:lnL w="3175">
-                      <a:solidFill>
-                        <a:srgbClr val="B7B8B8"/>
-                      </a:solidFill>
-                      <a:prstDash val="solid"/>
-                    </a:lnL>
-                    <a:lnR w="3175">
-                      <a:solidFill>
-                        <a:srgbClr val="B7B8B8"/>
-                      </a:solidFill>
-                      <a:prstDash val="solid"/>
-                    </a:lnR>
-                    <a:lnT w="3175">
-                      <a:solidFill>
-                        <a:srgbClr val="B7B8B8"/>
-                      </a:solidFill>
-                      <a:prstDash val="solid"/>
-                    </a:lnT>
-                    <a:lnB w="3175">
-                      <a:solidFill>
-                        <a:srgbClr val="B7B8B8"/>
-                      </a:solidFill>
-                      <a:prstDash val="solid"/>
-                    </a:lnB>
-                  </a:tcPr>
-                </a:tc>
-                <a:tc>
-                  <a:txBody>
-                    <a:bodyPr/>
-                    <a:lstStyle/>
-                    <a:p>
-                      <a:pPr marL="313690" marR="184150" indent="-189865" algn="ctr">
-                        <a:lnSpc>
-                          <a:spcPct val="100000"/>
-                        </a:lnSpc>
-                        <a:spcBef>
-                          <a:spcPts val="645"/>
-                        </a:spcBef>
-                      </a:pPr>
-                      <a:r>
-                        <a:rPr lang="en-US" sz="900" spc="0">
-                          <a:solidFill>
-                            <a:srgbClr val="020302"/>
-                          </a:solidFill>
-                          <a:latin typeface="AdobeClean-Light"/>
-                          <a:cs typeface="AdobeClean-Light"/>
-                        </a:rPr>
-                        <a:t>   </a:t>
-                      </a:r>
-                      <a:r>
-                        <a:rPr sz="900" spc="0">
-                          <a:solidFill>
-                            <a:srgbClr val="020302"/>
-                          </a:solidFill>
-                          <a:latin typeface="AdobeClean-Light"/>
-                          <a:cs typeface="AdobeClean-Light"/>
-                        </a:rPr>
-                        <a:t>Business</a:t>
-                      </a:r>
-                      <a:r>
-                        <a:rPr lang="en-US" sz="900" spc="0">
-                          <a:solidFill>
-                            <a:srgbClr val="020302"/>
-                          </a:solidFill>
-                          <a:latin typeface="AdobeClean-Light"/>
-                          <a:cs typeface="AdobeClean-Light"/>
-                        </a:rPr>
-                        <a:t> </a:t>
-                      </a:r>
-                      <a:r>
-                        <a:rPr sz="900" spc="0">
-                          <a:solidFill>
-                            <a:srgbClr val="020302"/>
-                          </a:solidFill>
-                          <a:latin typeface="AdobeClean-Light"/>
-                          <a:cs typeface="AdobeClean-Light"/>
-                        </a:rPr>
-                        <a:t>hours</a:t>
-                      </a:r>
-                      <a:r>
-                        <a:rPr lang="en-US" sz="900" spc="0">
-                          <a:solidFill>
-                            <a:srgbClr val="020302"/>
-                          </a:solidFill>
-                          <a:latin typeface="AdobeClean-Light"/>
-                          <a:cs typeface="AdobeClean-Light"/>
-                        </a:rPr>
-                        <a:t> / </a:t>
-                      </a:r>
-                      <a:r>
-                        <a:rPr sz="900" spc="0">
-                          <a:solidFill>
-                            <a:srgbClr val="020302"/>
-                          </a:solidFill>
-                          <a:latin typeface="AdobeClean-Light"/>
-                          <a:cs typeface="AdobeClean-Light"/>
-                        </a:rPr>
-                        <a:t>6</a:t>
-                      </a:r>
-                      <a:r>
-                        <a:rPr lang="en-US" sz="900" spc="0">
-                          <a:solidFill>
-                            <a:srgbClr val="020302"/>
-                          </a:solidFill>
-                          <a:latin typeface="AdobeClean-Light"/>
-                          <a:cs typeface="AdobeClean-Light"/>
-                        </a:rPr>
-                        <a:t> </a:t>
-                      </a:r>
-                      <a:r>
-                        <a:rPr sz="900" spc="0">
-                          <a:solidFill>
-                            <a:srgbClr val="020302"/>
-                          </a:solidFill>
-                          <a:latin typeface="AdobeClean-Light"/>
-                          <a:cs typeface="AdobeClean-Light"/>
-                        </a:rPr>
-                        <a:t>hours</a:t>
-                      </a:r>
-                      <a:endParaRPr sz="900" spc="0">
-                        <a:latin typeface="AdobeClean-Light"/>
-                        <a:cs typeface="AdobeClean-Light"/>
-                      </a:endParaRPr>
-                    </a:p>
-                  </a:txBody>
-                  <a:tcPr marL="0" marR="0" marT="91440" marB="91440" anchor="ctr" anchorCtr="1">
-                    <a:lnL w="3175">
-                      <a:solidFill>
-                        <a:srgbClr val="B7B8B8"/>
-                      </a:solidFill>
-                      <a:prstDash val="solid"/>
-                    </a:lnL>
-                    <a:lnR w="3175">
-                      <a:solidFill>
-                        <a:srgbClr val="B7B8B8"/>
-                      </a:solidFill>
-                      <a:prstDash val="solid"/>
-                    </a:lnR>
-                    <a:lnT w="3175">
-                      <a:solidFill>
-                        <a:srgbClr val="B7B8B8"/>
-                      </a:solidFill>
-                      <a:prstDash val="solid"/>
-                    </a:lnT>
-                    <a:lnB w="3175">
-                      <a:solidFill>
-                        <a:srgbClr val="B7B8B8"/>
-                      </a:solidFill>
-                      <a:prstDash val="solid"/>
-                    </a:lnB>
-                  </a:tcPr>
-                </a:tc>
-                <a:tc>
-                  <a:txBody>
-                    <a:bodyPr/>
-                    <a:lstStyle/>
-                    <a:p>
-                      <a:pPr marL="316230" marR="185420" indent="-193675" algn="ctr">
-                        <a:lnSpc>
-                          <a:spcPct val="100000"/>
-                        </a:lnSpc>
-                        <a:spcBef>
-                          <a:spcPts val="645"/>
-                        </a:spcBef>
-                      </a:pPr>
-                      <a:r>
-                        <a:rPr sz="900" spc="0">
-                          <a:solidFill>
-                            <a:srgbClr val="020302"/>
-                          </a:solidFill>
-                          <a:latin typeface="AdobeClean-Light"/>
-                          <a:cs typeface="AdobeClean-Light"/>
-                        </a:rPr>
-                        <a:t>Business</a:t>
-                      </a:r>
-                      <a:r>
-                        <a:rPr lang="en-US" sz="900" spc="0">
-                          <a:solidFill>
-                            <a:srgbClr val="020302"/>
-                          </a:solidFill>
-                          <a:latin typeface="AdobeClean-Light"/>
-                          <a:cs typeface="AdobeClean-Light"/>
-                        </a:rPr>
-                        <a:t> </a:t>
-                      </a:r>
-                      <a:r>
-                        <a:rPr sz="900" spc="0">
-                          <a:solidFill>
-                            <a:srgbClr val="020302"/>
-                          </a:solidFill>
-                          <a:latin typeface="AdobeClean-Light"/>
-                          <a:cs typeface="AdobeClean-Light"/>
-                        </a:rPr>
-                        <a:t>hours</a:t>
-                      </a:r>
-                      <a:r>
-                        <a:rPr lang="en-US" sz="900" spc="0">
-                          <a:solidFill>
-                            <a:srgbClr val="020302"/>
-                          </a:solidFill>
-                          <a:latin typeface="AdobeClean-Light"/>
-                          <a:cs typeface="AdobeClean-Light"/>
-                        </a:rPr>
-                        <a:t> </a:t>
-                      </a:r>
-                      <a:r>
-                        <a:rPr sz="900" spc="0">
-                          <a:solidFill>
-                            <a:srgbClr val="020302"/>
-                          </a:solidFill>
-                          <a:latin typeface="AdobeClean-Light"/>
-                          <a:cs typeface="AdobeClean-Light"/>
-                        </a:rPr>
-                        <a:t>/ 4</a:t>
-                      </a:r>
-                      <a:r>
-                        <a:rPr lang="en-US" sz="900" spc="0">
-                          <a:solidFill>
-                            <a:srgbClr val="020302"/>
-                          </a:solidFill>
-                          <a:latin typeface="AdobeClean-Light"/>
-                          <a:cs typeface="AdobeClean-Light"/>
-                        </a:rPr>
-                        <a:t> </a:t>
-                      </a:r>
-                      <a:r>
-                        <a:rPr sz="900" spc="0">
-                          <a:solidFill>
-                            <a:srgbClr val="020302"/>
-                          </a:solidFill>
-                          <a:latin typeface="AdobeClean-Light"/>
-                          <a:cs typeface="AdobeClean-Light"/>
-                        </a:rPr>
-                        <a:t>hours</a:t>
-                      </a:r>
-                      <a:endParaRPr sz="900" spc="0">
-                        <a:latin typeface="AdobeClean-Light"/>
-                        <a:cs typeface="AdobeClean-Light"/>
-                      </a:endParaRPr>
-                    </a:p>
-                  </a:txBody>
-                  <a:tcPr marL="0" marR="0" marT="91440" marB="91440" anchor="ctr" anchorCtr="1">
-                    <a:lnL w="3175">
-                      <a:solidFill>
-                        <a:srgbClr val="B7B8B8"/>
-                      </a:solidFill>
-                      <a:prstDash val="solid"/>
-                    </a:lnL>
-                    <a:lnR w="3175">
-                      <a:solidFill>
-                        <a:srgbClr val="B7B8B8"/>
-                      </a:solidFill>
-                      <a:prstDash val="solid"/>
-                    </a:lnR>
-                    <a:lnT w="3175">
-                      <a:solidFill>
-                        <a:srgbClr val="B7B8B8"/>
-                      </a:solidFill>
-                      <a:prstDash val="solid"/>
-                    </a:lnT>
-                    <a:lnB w="3175">
-                      <a:solidFill>
-                        <a:srgbClr val="B7B8B8"/>
-                      </a:solidFill>
-                      <a:prstDash val="solid"/>
-                    </a:lnB>
-                    <a:solidFill>
-                      <a:schemeClr val="bg1">
-                        <a:lumMod val="95000"/>
-                      </a:schemeClr>
-                    </a:solidFill>
-                  </a:tcPr>
-                </a:tc>
-                <a:extLst>
-                  <a:ext uri="{0D108BD9-81ED-4DB2-BD59-A6C34878D82A}">
-                    <a16:rowId xmlns:a16="http://schemas.microsoft.com/office/drawing/2014/main" val="10003"/>
-                  </a:ext>
-                </a:extLst>
-              </a:tr>
-              <a:tr h="388333">
-                <a:tc>
-                  <a:txBody>
-                    <a:bodyPr/>
-                    <a:lstStyle/>
-                    <a:p>
-                      <a:pPr marL="48895">
-                        <a:lnSpc>
-                          <a:spcPct val="100000"/>
-                        </a:lnSpc>
-                        <a:spcBef>
-                          <a:spcPts val="15"/>
-                        </a:spcBef>
-                      </a:pPr>
-                      <a:r>
-                        <a:rPr sz="900" b="1" spc="0">
-                          <a:solidFill>
-                            <a:srgbClr val="020302"/>
-                          </a:solidFill>
-                          <a:latin typeface="Adobe Clean"/>
-                          <a:cs typeface="Adobe Clean"/>
-                        </a:rPr>
-                        <a:t>PRIORITY 4</a:t>
-                      </a:r>
-                      <a:endParaRPr sz="900" spc="0">
-                        <a:latin typeface="Adobe Clean"/>
-                        <a:cs typeface="Adobe Clean"/>
-                      </a:endParaRPr>
-                    </a:p>
-                    <a:p>
-                      <a:pPr marL="48895" marR="0" lvl="0" indent="0" defTabSz="914400" eaLnBrk="1" fontAlgn="auto" latinLnBrk="0" hangingPunct="1">
-                        <a:lnSpc>
-                          <a:spcPct val="100000"/>
-                        </a:lnSpc>
-                        <a:spcBef>
-                          <a:spcPts val="300"/>
-                        </a:spcBef>
-                        <a:spcAft>
-                          <a:spcPts val="0"/>
-                        </a:spcAft>
-                        <a:buClrTx/>
-                        <a:buSzTx/>
-                        <a:buFontTx/>
-                        <a:buNone/>
-                        <a:tabLst/>
-                        <a:defRPr/>
-                      </a:pPr>
-                      <a:r>
-                        <a:rPr lang="en-US" sz="900" b="0" i="0" spc="0">
-                          <a:solidFill>
-                            <a:srgbClr val="000000"/>
-                          </a:solidFill>
-                          <a:effectLst/>
-                          <a:latin typeface="Adobe Clean Light" panose="020B0303020404020204" pitchFamily="34" charset="0"/>
-                        </a:rPr>
-                        <a:t>General question regarding current product functionality or an enhancement request</a:t>
-                      </a:r>
-                      <a:endParaRPr lang="en-US" sz="900" b="0" i="0" spc="0">
-                        <a:latin typeface="Adobe Clean Light" panose="020B0303020404020204" pitchFamily="34" charset="0"/>
-                        <a:cs typeface="AdobeClean-Light"/>
-                      </a:endParaRPr>
-                    </a:p>
-                  </a:txBody>
-                  <a:tcPr marL="0" marR="0" marT="1905" marB="0">
-                    <a:lnL w="3175">
-                      <a:solidFill>
-                        <a:srgbClr val="B7B8B8"/>
-                      </a:solidFill>
-                      <a:prstDash val="solid"/>
-                    </a:lnL>
-                    <a:lnR w="3175">
-                      <a:solidFill>
-                        <a:srgbClr val="B7B8B8"/>
-                      </a:solidFill>
-                      <a:prstDash val="solid"/>
-                    </a:lnR>
-                    <a:lnT w="3175">
-                      <a:solidFill>
-                        <a:srgbClr val="B7B8B8"/>
-                      </a:solidFill>
-                      <a:prstDash val="solid"/>
-                    </a:lnT>
-                    <a:lnB w="3175">
-                      <a:solidFill>
-                        <a:srgbClr val="B7B8B8"/>
-                      </a:solidFill>
-                      <a:prstDash val="solid"/>
-                    </a:lnB>
-                  </a:tcPr>
-                </a:tc>
-                <a:tc>
-                  <a:txBody>
-                    <a:bodyPr/>
-                    <a:lstStyle/>
-                    <a:p>
-                      <a:pPr marL="340360" marR="203200" indent="-193040" algn="ctr">
-                        <a:lnSpc>
-                          <a:spcPct val="100000"/>
-                        </a:lnSpc>
-                        <a:spcBef>
-                          <a:spcPts val="155"/>
-                        </a:spcBef>
-                      </a:pPr>
-                      <a:r>
-                        <a:rPr lang="en-US" sz="900" spc="0">
-                          <a:solidFill>
-                            <a:srgbClr val="020302"/>
-                          </a:solidFill>
-                          <a:latin typeface="AdobeClean-Light"/>
-                          <a:cs typeface="AdobeClean-Light"/>
-                        </a:rPr>
-                        <a:t>  </a:t>
-                      </a:r>
-                      <a:r>
-                        <a:rPr sz="900" spc="0">
-                          <a:solidFill>
-                            <a:srgbClr val="020302"/>
-                          </a:solidFill>
-                          <a:latin typeface="AdobeClean-Light"/>
-                          <a:cs typeface="AdobeClean-Light"/>
-                        </a:rPr>
-                        <a:t>Business</a:t>
-                      </a:r>
-                      <a:r>
-                        <a:rPr lang="en-US" sz="900" spc="0">
-                          <a:solidFill>
-                            <a:srgbClr val="020302"/>
-                          </a:solidFill>
-                          <a:latin typeface="AdobeClean-Light"/>
-                          <a:cs typeface="AdobeClean-Light"/>
-                        </a:rPr>
-                        <a:t> </a:t>
-                      </a:r>
-                      <a:r>
-                        <a:rPr sz="900" spc="0">
-                          <a:solidFill>
-                            <a:srgbClr val="020302"/>
-                          </a:solidFill>
-                          <a:latin typeface="AdobeClean-Light"/>
-                          <a:cs typeface="AdobeClean-Light"/>
-                        </a:rPr>
-                        <a:t>days</a:t>
-                      </a:r>
-                      <a:r>
-                        <a:rPr lang="en-US" sz="900" spc="0">
-                          <a:solidFill>
-                            <a:srgbClr val="020302"/>
-                          </a:solidFill>
-                          <a:latin typeface="AdobeClean-Light"/>
-                          <a:cs typeface="AdobeClean-Light"/>
-                        </a:rPr>
-                        <a:t> / </a:t>
-                      </a:r>
-                      <a:r>
-                        <a:rPr sz="900" spc="0">
-                          <a:solidFill>
-                            <a:srgbClr val="020302"/>
-                          </a:solidFill>
-                          <a:latin typeface="AdobeClean-Light"/>
-                          <a:cs typeface="AdobeClean-Light"/>
-                        </a:rPr>
-                        <a:t>3 days</a:t>
-                      </a:r>
-                      <a:endParaRPr sz="900" spc="0">
-                        <a:latin typeface="AdobeClean-Light"/>
-                        <a:cs typeface="AdobeClean-Light"/>
-                      </a:endParaRPr>
-                    </a:p>
-                  </a:txBody>
-                  <a:tcPr marL="0" marR="0" marT="91440" marB="91440" anchor="ctr" anchorCtr="1">
-                    <a:lnL w="3175">
-                      <a:solidFill>
-                        <a:srgbClr val="B7B8B8"/>
-                      </a:solidFill>
-                      <a:prstDash val="solid"/>
-                    </a:lnL>
-                    <a:lnR w="3175">
-                      <a:solidFill>
-                        <a:srgbClr val="B7B8B8"/>
-                      </a:solidFill>
-                      <a:prstDash val="solid"/>
-                    </a:lnR>
-                    <a:lnT w="3175">
-                      <a:solidFill>
-                        <a:srgbClr val="B7B8B8"/>
-                      </a:solidFill>
-                      <a:prstDash val="solid"/>
-                    </a:lnT>
-                    <a:lnB w="3175">
-                      <a:solidFill>
-                        <a:srgbClr val="B7B8B8"/>
-                      </a:solidFill>
-                      <a:prstDash val="solid"/>
-                    </a:lnB>
-                  </a:tcPr>
-                </a:tc>
-                <a:tc>
-                  <a:txBody>
-                    <a:bodyPr/>
-                    <a:lstStyle/>
-                    <a:p>
-                      <a:pPr marL="370840" marR="223520" indent="-202565" algn="ctr">
-                        <a:lnSpc>
-                          <a:spcPct val="100000"/>
-                        </a:lnSpc>
-                        <a:spcBef>
-                          <a:spcPts val="155"/>
-                        </a:spcBef>
-                      </a:pPr>
-                      <a:r>
-                        <a:rPr sz="900" spc="0" dirty="0">
-                          <a:solidFill>
-                            <a:srgbClr val="020302"/>
-                          </a:solidFill>
-                          <a:latin typeface="AdobeClean-Light"/>
-                          <a:cs typeface="AdobeClean-Light"/>
-                        </a:rPr>
-                        <a:t>Business</a:t>
-                      </a:r>
-                      <a:r>
-                        <a:rPr lang="en-US" sz="900" spc="0" dirty="0">
-                          <a:solidFill>
-                            <a:srgbClr val="020302"/>
-                          </a:solidFill>
-                          <a:latin typeface="AdobeClean-Light"/>
-                          <a:cs typeface="AdobeClean-Light"/>
-                        </a:rPr>
-                        <a:t> </a:t>
-                      </a:r>
-                      <a:r>
-                        <a:rPr sz="900" spc="0" dirty="0">
-                          <a:solidFill>
-                            <a:srgbClr val="020302"/>
-                          </a:solidFill>
-                          <a:latin typeface="AdobeClean-Light"/>
-                          <a:cs typeface="AdobeClean-Light"/>
-                        </a:rPr>
-                        <a:t>day</a:t>
-                      </a:r>
-                      <a:r>
-                        <a:rPr lang="en-US" sz="900" spc="0" dirty="0">
-                          <a:solidFill>
-                            <a:srgbClr val="020302"/>
-                          </a:solidFill>
-                          <a:latin typeface="AdobeClean-Light"/>
-                          <a:cs typeface="AdobeClean-Light"/>
-                        </a:rPr>
-                        <a:t>s </a:t>
-                      </a:r>
-                      <a:r>
-                        <a:rPr sz="900" spc="0" dirty="0">
-                          <a:solidFill>
-                            <a:srgbClr val="020302"/>
-                          </a:solidFill>
-                          <a:latin typeface="AdobeClean-Light"/>
-                          <a:cs typeface="AdobeClean-Light"/>
-                        </a:rPr>
-                        <a:t>/</a:t>
-                      </a:r>
-                      <a:r>
-                        <a:rPr lang="en-US" sz="900" spc="0" dirty="0">
-                          <a:solidFill>
-                            <a:srgbClr val="020302"/>
-                          </a:solidFill>
-                          <a:latin typeface="AdobeClean-Light"/>
-                          <a:cs typeface="AdobeClean-Light"/>
-                        </a:rPr>
-                        <a:t> </a:t>
-                      </a:r>
-                      <a:r>
-                        <a:rPr sz="900" spc="0" dirty="0">
-                          <a:solidFill>
-                            <a:srgbClr val="020302"/>
-                          </a:solidFill>
-                          <a:latin typeface="AdobeClean-Light"/>
-                          <a:cs typeface="AdobeClean-Light"/>
-                        </a:rPr>
-                        <a:t>1 day</a:t>
-                      </a:r>
-                      <a:endParaRPr sz="900" spc="0" dirty="0">
-                        <a:latin typeface="AdobeClean-Light"/>
-                        <a:cs typeface="AdobeClean-Light"/>
-                      </a:endParaRPr>
-                    </a:p>
-                  </a:txBody>
-                  <a:tcPr marL="0" marR="0" marT="91440" marB="91440" anchor="ctr" anchorCtr="1">
-                    <a:lnL w="3175">
-                      <a:solidFill>
-                        <a:srgbClr val="B7B8B8"/>
-                      </a:solidFill>
-                      <a:prstDash val="solid"/>
-                    </a:lnL>
-                    <a:lnR w="3175">
-                      <a:solidFill>
-                        <a:srgbClr val="B7B8B8"/>
-                      </a:solidFill>
-                      <a:prstDash val="solid"/>
-                    </a:lnR>
-                    <a:lnT w="3175">
-                      <a:solidFill>
-                        <a:srgbClr val="B7B8B8"/>
-                      </a:solidFill>
-                      <a:prstDash val="solid"/>
-                    </a:lnT>
-                    <a:lnB w="3175">
-                      <a:solidFill>
-                        <a:srgbClr val="B7B8B8"/>
-                      </a:solidFill>
-                      <a:prstDash val="solid"/>
-                    </a:lnB>
-                    <a:solidFill>
-                      <a:schemeClr val="bg1">
-                        <a:lumMod val="95000"/>
-                      </a:schemeClr>
-                    </a:solidFill>
-                  </a:tcPr>
-                </a:tc>
-                <a:extLst>
-                  <a:ext uri="{0D108BD9-81ED-4DB2-BD59-A6C34878D82A}">
-                    <a16:rowId xmlns:a16="http://schemas.microsoft.com/office/drawing/2014/main" val="10004"/>
-                  </a:ext>
-                </a:extLst>
-              </a:tr>
-            </a:tbl>
-          </a:graphicData>
-        </a:graphic>
-      </p:graphicFrame>
       <p:graphicFrame>
         <p:nvGraphicFramePr>
           <p:cNvPr id="11" name="object 8">
@@ -3871,14 +2204,14 @@
           <p:nvPr>
             <p:extLst>
               <p:ext uri="{D42A27DB-BD31-4B8C-83A1-F6EECF244321}">
-                <p14:modId xmlns:p14="http://schemas.microsoft.com/office/powerpoint/2010/main" val="1162910209"/>
+                <p14:modId xmlns:p14="http://schemas.microsoft.com/office/powerpoint/2010/main" val="3217374913"/>
               </p:ext>
             </p:extLst>
           </p:nvPr>
         </p:nvGraphicFramePr>
         <p:xfrm>
           <a:off x="121147" y="2120949"/>
-          <a:ext cx="7498851" cy="4714546"/>
+          <a:ext cx="7498851" cy="4815558"/>
         </p:xfrm>
         <a:graphic>
           <a:graphicData uri="http://schemas.openxmlformats.org/drawingml/2006/table">
@@ -3960,39 +2293,15 @@
                         <a:defRPr/>
                       </a:pPr>
                       <a:r>
-                        <a:rPr lang="en-US" sz="900" spc="-20" dirty="0">
+                        <a:rPr lang="it-IT" sz="900">
                           <a:solidFill>
                             <a:srgbClr val="404040"/>
                           </a:solidFill>
                           <a:latin typeface="Adobe Clean"/>
                           <a:cs typeface="Adobe Clean"/>
                         </a:rPr>
-                        <a:t>Standard </a:t>
+                        <a:t>Supporto Standard</a:t>
                       </a:r>
-                      <a:r>
-                        <a:rPr lang="en-US" sz="900" spc="-135" dirty="0">
-                          <a:solidFill>
-                            <a:srgbClr val="404040"/>
-                          </a:solidFill>
-                          <a:latin typeface="Adobe Clean"/>
-                          <a:cs typeface="Adobe Clean"/>
-                        </a:rPr>
-                        <a:t> </a:t>
-                      </a:r>
-                      <a:r>
-                        <a:rPr lang="en-US" sz="900" spc="-20" dirty="0">
-                          <a:solidFill>
-                            <a:srgbClr val="404040"/>
-                          </a:solidFill>
-                          <a:latin typeface="Adobe Clean"/>
-                          <a:cs typeface="Adobe Clean"/>
-                        </a:rPr>
-                        <a:t>Support</a:t>
-                      </a:r>
-                      <a:endParaRPr lang="en-US" sz="900" dirty="0">
-                        <a:latin typeface="Adobe Clean"/>
-                        <a:cs typeface="Adobe Clean"/>
-                      </a:endParaRPr>
                     </a:p>
                   </a:txBody>
                   <a:tcPr marL="0" marR="0" marT="7620" marB="0" anchor="ctr">
@@ -4033,39 +2342,15 @@
                         </a:spcBef>
                       </a:pPr>
                       <a:r>
-                        <a:rPr sz="900" spc="-20">
+                        <a:rPr lang="it-IT" sz="900">
                           <a:solidFill>
                             <a:srgbClr val="FFFFFF"/>
                           </a:solidFill>
                           <a:latin typeface="Adobe Clean"/>
                           <a:cs typeface="Adobe Clean"/>
                         </a:rPr>
-                        <a:t>Business</a:t>
+                        <a:t>Supporto Business</a:t>
                       </a:r>
-                      <a:r>
-                        <a:rPr lang="en-US" sz="900" spc="-20">
-                          <a:solidFill>
-                            <a:srgbClr val="FFFFFF"/>
-                          </a:solidFill>
-                          <a:latin typeface="Adobe Clean"/>
-                          <a:cs typeface="Adobe Clean"/>
-                        </a:rPr>
-                        <a:t> </a:t>
-                      </a:r>
-                      <a:r>
-                        <a:rPr sz="900" spc="-20">
-                          <a:solidFill>
-                            <a:srgbClr val="FFFFFF"/>
-                          </a:solidFill>
-                          <a:latin typeface="Adobe Clean"/>
-                          <a:cs typeface="Adobe Clean"/>
-                        </a:rPr>
-                        <a:t>Support</a:t>
-                      </a:r>
-                      <a:endParaRPr sz="900">
-                        <a:latin typeface="Adobe Clean"/>
-                        <a:cs typeface="Adobe Clean"/>
-                      </a:endParaRPr>
                     </a:p>
                   </a:txBody>
                   <a:tcPr marL="0" marR="0" marT="7620" marB="0" anchor="ctr">
@@ -4130,7 +2415,7 @@
                     <a:bodyPr/>
                     <a:lstStyle/>
                     <a:p>
-                      <a:pPr marL="0" marR="0" lvl="0" indent="0" algn="ctr" defTabSz="914400" eaLnBrk="1" fontAlgn="auto" latinLnBrk="0" hangingPunct="1">
+                      <a:pPr marL="0" marR="0" lvl="0" indent="0" algn="l" defTabSz="914400" rtl="0" eaLnBrk="1" fontAlgn="auto" latinLnBrk="0" hangingPunct="1">
                         <a:lnSpc>
                           <a:spcPct val="100000"/>
                         </a:lnSpc>
@@ -4211,13 +2496,13 @@
                         <a:defRPr/>
                       </a:pPr>
                       <a:r>
-                        <a:rPr lang="en-US" sz="800" i="1">
+                        <a:rPr lang="it-IT" sz="800" i="1">
                           <a:solidFill>
                             <a:schemeClr val="bg1"/>
                           </a:solidFill>
                           <a:latin typeface="Adobe Clean Light" panose="020B0303020404020204" pitchFamily="34" charset="0"/>
                         </a:rPr>
-                        <a:t>Paid Support ($)</a:t>
+                        <a:t>Supporto a pagamento ($)</a:t>
                       </a:r>
                     </a:p>
                   </a:txBody>
@@ -4281,22 +2566,15 @@
                         </a:spcBef>
                       </a:pPr>
                       <a:r>
-                        <a:rPr lang="en-US" sz="1000" b="1" i="0" spc="0">
+                        <a:rPr lang="it-IT" sz="1000" b="1" i="0">
                           <a:solidFill>
                             <a:schemeClr val="bg1"/>
                           </a:solidFill>
                           <a:latin typeface="Adobe Clean" panose="020B0503020404020204" pitchFamily="34" charset="0"/>
                           <a:cs typeface="AdobeClean-Light"/>
                         </a:rPr>
-                        <a:t>Assigned Experts</a:t>
+                        <a:t>Esperti assegnati</a:t>
                       </a:r>
-                      <a:endParaRPr sz="1000" b="1" i="0" spc="0">
-                        <a:solidFill>
-                          <a:schemeClr val="bg1"/>
-                        </a:solidFill>
-                        <a:latin typeface="Adobe Clean" panose="020B0503020404020204" pitchFamily="34" charset="0"/>
-                        <a:cs typeface="AdobeClean-Light"/>
-                      </a:endParaRPr>
                     </a:p>
                   </a:txBody>
                   <a:tcPr marL="0" marR="0" marT="58419" marB="0" anchor="ctr">
@@ -4343,7 +2621,7 @@
                         </a:spcBef>
                       </a:pPr>
                       <a:r>
-                        <a:rPr sz="900" spc="0">
+                        <a:rPr lang="it-IT" sz="900">
                           <a:solidFill>
                             <a:srgbClr val="020302"/>
                           </a:solidFill>
@@ -4352,10 +2630,6 @@
                         </a:rPr>
                         <a:t>Account Support Lead</a:t>
                       </a:r>
-                      <a:endParaRPr sz="900" spc="0">
-                        <a:latin typeface="AdobeClean-Light"/>
-                        <a:cs typeface="AdobeClean-Light"/>
-                      </a:endParaRPr>
                     </a:p>
                   </a:txBody>
                   <a:tcPr marL="0" marR="0" marT="58419" marB="0">
@@ -4390,7 +2664,7 @@
                     <a:bodyPr/>
                     <a:lstStyle/>
                     <a:p>
-                      <a:pPr algn="ctr">
+                      <a:pPr algn="l" rtl="0">
                         <a:lnSpc>
                           <a:spcPct val="100000"/>
                         </a:lnSpc>
@@ -4440,7 +2714,7 @@
                         </a:spcBef>
                       </a:pPr>
                       <a:r>
-                        <a:rPr sz="900">
+                        <a:rPr lang="it-IT" sz="900">
                           <a:solidFill>
                             <a:srgbClr val="020302"/>
                           </a:solidFill>
@@ -4449,10 +2723,6 @@
                         </a:rPr>
                         <a:t></a:t>
                       </a:r>
-                      <a:endParaRPr sz="900">
-                        <a:latin typeface="Wingdings"/>
-                        <a:cs typeface="Wingdings"/>
-                      </a:endParaRPr>
                     </a:p>
                   </a:txBody>
                   <a:tcPr marL="0" marR="0" marT="59690" marB="0" anchor="ctr">
@@ -4484,7 +2754,7 @@
                     <a:bodyPr/>
                     <a:lstStyle/>
                     <a:p>
-                      <a:pPr marL="50800">
+                      <a:pPr marL="50800" algn="l" rtl="0">
                         <a:lnSpc>
                           <a:spcPct val="100000"/>
                         </a:lnSpc>
@@ -4530,7 +2800,7 @@
                         </a:spcBef>
                       </a:pPr>
                       <a:r>
-                        <a:rPr sz="900" spc="0">
+                        <a:rPr lang="it-IT" sz="900">
                           <a:solidFill>
                             <a:srgbClr val="020302"/>
                           </a:solidFill>
@@ -4539,10 +2809,6 @@
                         </a:rPr>
                         <a:t>Named Support Engineer</a:t>
                       </a:r>
-                      <a:endParaRPr sz="900" spc="0">
-                        <a:latin typeface="AdobeClean-Light"/>
-                        <a:cs typeface="AdobeClean-Light"/>
-                      </a:endParaRPr>
                     </a:p>
                   </a:txBody>
                   <a:tcPr marL="0" marR="0" marT="58419" marB="0">
@@ -4565,7 +2831,7 @@
                     <a:bodyPr/>
                     <a:lstStyle/>
                     <a:p>
-                      <a:pPr algn="ctr">
+                      <a:pPr algn="l" rtl="0">
                         <a:lnSpc>
                           <a:spcPct val="100000"/>
                         </a:lnSpc>
@@ -4594,7 +2860,7 @@
                     <a:bodyPr/>
                     <a:lstStyle/>
                     <a:p>
-                      <a:pPr algn="ctr">
+                      <a:pPr algn="l" rtl="0">
                         <a:lnSpc>
                           <a:spcPct val="100000"/>
                         </a:lnSpc>
@@ -4625,7 +2891,7 @@
                     <a:bodyPr/>
                     <a:lstStyle/>
                     <a:p>
-                      <a:pPr marL="50800">
+                      <a:pPr marL="50800" algn="l" rtl="0">
                         <a:lnSpc>
                           <a:spcPct val="100000"/>
                         </a:lnSpc>
@@ -4683,7 +2949,7 @@
                         </a:spcBef>
                       </a:pPr>
                       <a:r>
-                        <a:rPr sz="900" spc="0">
+                        <a:rPr lang="it-IT" sz="900">
                           <a:solidFill>
                             <a:srgbClr val="020302"/>
                           </a:solidFill>
@@ -4692,10 +2958,6 @@
                         </a:rPr>
                         <a:t>Technical Account Manager</a:t>
                       </a:r>
-                      <a:endParaRPr sz="900" spc="0">
-                        <a:latin typeface="AdobeClean-Light"/>
-                        <a:cs typeface="AdobeClean-Light"/>
-                      </a:endParaRPr>
                     </a:p>
                   </a:txBody>
                   <a:tcPr marL="0" marR="0" marT="63500" marB="0">
@@ -4724,7 +2986,7 @@
                     <a:bodyPr/>
                     <a:lstStyle/>
                     <a:p>
-                      <a:pPr algn="ctr">
+                      <a:pPr algn="l" rtl="0">
                         <a:lnSpc>
                           <a:spcPct val="100000"/>
                         </a:lnSpc>
@@ -4762,7 +3024,7 @@
                     <a:bodyPr/>
                     <a:lstStyle/>
                     <a:p>
-                      <a:pPr algn="ctr">
+                      <a:pPr algn="l" rtl="0">
                         <a:lnSpc>
                           <a:spcPct val="100000"/>
                         </a:lnSpc>
@@ -4811,22 +3073,15 @@
                         </a:spcBef>
                       </a:pPr>
                       <a:r>
-                        <a:rPr lang="en-US" sz="1000" b="1" i="0" spc="0">
+                        <a:rPr lang="it-IT" sz="1000" b="1" i="0">
                           <a:solidFill>
                             <a:schemeClr val="bg1"/>
                           </a:solidFill>
                           <a:latin typeface="Adobe Clean" panose="020B0503020404020204" pitchFamily="34" charset="0"/>
                           <a:cs typeface="AdobeClean-Light"/>
                         </a:rPr>
-                        <a:t>Support Services</a:t>
+                        <a:t>Servizi di assistenza</a:t>
                       </a:r>
-                      <a:endParaRPr sz="1000" b="1" i="0" spc="0">
-                        <a:solidFill>
-                          <a:schemeClr val="bg1"/>
-                        </a:solidFill>
-                        <a:latin typeface="Adobe Clean" panose="020B0503020404020204" pitchFamily="34" charset="0"/>
-                        <a:cs typeface="AdobeClean-Light"/>
-                      </a:endParaRPr>
                     </a:p>
                   </a:txBody>
                   <a:tcPr marL="0" marR="0" marT="57150" marB="0" anchor="ctr">
@@ -4882,29 +3137,15 @@
                         </a:spcBef>
                       </a:pPr>
                       <a:r>
-                        <a:rPr lang="en-US" sz="900" spc="0">
+                        <a:rPr lang="it-IT" sz="900">
                           <a:solidFill>
                             <a:srgbClr val="020302"/>
                           </a:solidFill>
                           <a:latin typeface="AdobeClean-Light"/>
                           <a:cs typeface="AdobeClean-Light"/>
                         </a:rPr>
-                        <a:t>Online</a:t>
+                        <a:t>Supporto online</a:t>
                       </a:r>
-                      <a:r>
-                        <a:rPr sz="900" spc="0">
-                          <a:solidFill>
-                            <a:srgbClr val="020302"/>
-                          </a:solidFill>
-                          <a:latin typeface="AdobeClean-Light"/>
-                          <a:cs typeface="AdobeClean-Light"/>
-                        </a:rPr>
-                        <a:t> Support</a:t>
-                      </a:r>
-                      <a:endParaRPr sz="900" spc="0">
-                        <a:latin typeface="AdobeClean-Light"/>
-                        <a:cs typeface="AdobeClean-Light"/>
-                      </a:endParaRPr>
                     </a:p>
                   </a:txBody>
                   <a:tcPr marL="0" marR="0" marT="57150" marB="0">
@@ -4942,39 +3183,15 @@
                         </a:spcBef>
                       </a:pPr>
                       <a:r>
-                        <a:rPr sz="900" spc="-25">
+                        <a:rPr lang="it-IT" sz="900">
                           <a:solidFill>
                             <a:srgbClr val="020302"/>
                           </a:solidFill>
                           <a:latin typeface="AdobeClean-Light"/>
                           <a:cs typeface="AdobeClean-Light"/>
                         </a:rPr>
-                        <a:t>Business</a:t>
+                        <a:t>Orario operativo</a:t>
                       </a:r>
-                      <a:r>
-                        <a:rPr sz="900" spc="-15">
-                          <a:solidFill>
-                            <a:srgbClr val="020302"/>
-                          </a:solidFill>
-                          <a:latin typeface="AdobeClean-Light"/>
-                          <a:cs typeface="AdobeClean-Light"/>
-                        </a:rPr>
-                        <a:t> </a:t>
-                      </a:r>
-                      <a:r>
-                        <a:rPr sz="900" spc="-30">
-                          <a:solidFill>
-                            <a:srgbClr val="020302"/>
-                          </a:solidFill>
-                          <a:latin typeface="AdobeClean-Light"/>
-                          <a:cs typeface="AdobeClean-Light"/>
-                        </a:rPr>
-                        <a:t>hours</a:t>
-                      </a:r>
-                      <a:endParaRPr sz="900">
-                        <a:latin typeface="AdobeClean-Light"/>
-                        <a:cs typeface="AdobeClean-Light"/>
-                      </a:endParaRPr>
                     </a:p>
                   </a:txBody>
                   <a:tcPr marL="0" marR="0" marT="67945" marB="0">
@@ -5013,39 +3230,15 @@
                         </a:spcBef>
                       </a:pPr>
                       <a:r>
-                        <a:rPr sz="900" spc="-25">
+                        <a:rPr lang="it-IT" sz="900">
                           <a:solidFill>
                             <a:srgbClr val="020302"/>
                           </a:solidFill>
                           <a:latin typeface="AdobeClean-Light"/>
                           <a:cs typeface="AdobeClean-Light"/>
                         </a:rPr>
-                        <a:t>Business</a:t>
+                        <a:t>Orario operativo</a:t>
                       </a:r>
-                      <a:r>
-                        <a:rPr sz="900" spc="-15">
-                          <a:solidFill>
-                            <a:srgbClr val="020302"/>
-                          </a:solidFill>
-                          <a:latin typeface="AdobeClean-Light"/>
-                          <a:cs typeface="AdobeClean-Light"/>
-                        </a:rPr>
-                        <a:t> </a:t>
-                      </a:r>
-                      <a:r>
-                        <a:rPr sz="900" spc="-30">
-                          <a:solidFill>
-                            <a:srgbClr val="020302"/>
-                          </a:solidFill>
-                          <a:latin typeface="AdobeClean-Light"/>
-                          <a:cs typeface="AdobeClean-Light"/>
-                        </a:rPr>
-                        <a:t>hours</a:t>
-                      </a:r>
-                      <a:endParaRPr sz="900">
-                        <a:latin typeface="AdobeClean-Light"/>
-                        <a:cs typeface="AdobeClean-Light"/>
-                      </a:endParaRPr>
                     </a:p>
                   </a:txBody>
                   <a:tcPr marL="0" marR="0" marT="67945" marB="0">
@@ -5077,7 +3270,7 @@
                     <a:bodyPr/>
                     <a:lstStyle/>
                     <a:p>
-                      <a:pPr marL="50800">
+                      <a:pPr marL="50800" algn="l" rtl="0">
                         <a:lnSpc>
                           <a:spcPct val="100000"/>
                         </a:lnSpc>
@@ -5126,39 +3319,15 @@
                         </a:spcBef>
                       </a:pPr>
                       <a:r>
-                        <a:rPr sz="900" spc="0">
+                        <a:rPr lang="it-IT" sz="900">
                           <a:solidFill>
                             <a:srgbClr val="020302"/>
                           </a:solidFill>
                           <a:latin typeface="AdobeClean-Light"/>
                           <a:cs typeface="AdobeClean-Light"/>
                         </a:rPr>
-                        <a:t>24x7</a:t>
+                        <a:t>Supporto per problemi P1 24x7x365</a:t>
                       </a:r>
-                      <a:r>
-                        <a:rPr lang="en-US" sz="900" spc="0">
-                          <a:solidFill>
-                            <a:srgbClr val="020302"/>
-                          </a:solidFill>
-                          <a:latin typeface="AdobeClean-Light"/>
-                          <a:cs typeface="AdobeClean-Light"/>
-                        </a:rPr>
-                        <a:t>x365</a:t>
-                      </a:r>
-                      <a:r>
-                        <a:rPr sz="900" spc="0">
-                          <a:solidFill>
-                            <a:srgbClr val="020302"/>
-                          </a:solidFill>
-                          <a:latin typeface="AdobeClean-Light"/>
-                          <a:cs typeface="AdobeClean-Light"/>
-                        </a:rPr>
-                        <a:t> P1 Issue Support</a:t>
-                      </a:r>
-                      <a:endParaRPr sz="900" spc="0">
-                        <a:latin typeface="AdobeClean-Light"/>
-                        <a:cs typeface="AdobeClean-Light"/>
-                      </a:endParaRPr>
                     </a:p>
                   </a:txBody>
                   <a:tcPr marL="0" marR="0" marT="57785" marB="0">
@@ -5190,7 +3359,7 @@
                         </a:spcBef>
                       </a:pPr>
                       <a:r>
-                        <a:rPr sz="900">
+                        <a:rPr lang="it-IT" sz="900">
                           <a:solidFill>
                             <a:srgbClr val="020302"/>
                           </a:solidFill>
@@ -5199,10 +3368,6 @@
                         </a:rPr>
                         <a:t></a:t>
                       </a:r>
-                      <a:endParaRPr sz="900">
-                        <a:latin typeface="Wingdings"/>
-                        <a:cs typeface="Wingdings"/>
-                      </a:endParaRPr>
                     </a:p>
                   </a:txBody>
                   <a:tcPr marL="0" marR="0" marT="58419" marB="0">
@@ -5232,7 +3397,7 @@
                         </a:spcBef>
                       </a:pPr>
                       <a:r>
-                        <a:rPr sz="900">
+                        <a:rPr lang="it-IT" sz="900">
                           <a:solidFill>
                             <a:srgbClr val="020302"/>
                           </a:solidFill>
@@ -5241,10 +3406,6 @@
                         </a:rPr>
                         <a:t></a:t>
                       </a:r>
-                      <a:endParaRPr sz="900">
-                        <a:latin typeface="Wingdings"/>
-                        <a:cs typeface="Wingdings"/>
-                      </a:endParaRPr>
                     </a:p>
                   </a:txBody>
                   <a:tcPr marL="0" marR="0" marT="58419" marB="0">
@@ -5267,7 +3428,7 @@
                     <a:bodyPr/>
                     <a:lstStyle/>
                     <a:p>
-                      <a:pPr marL="50800">
+                      <a:pPr marL="50800" algn="l" rtl="0">
                         <a:lnSpc>
                           <a:spcPct val="100000"/>
                         </a:lnSpc>
@@ -5325,19 +3486,15 @@
                         </a:spcBef>
                       </a:pPr>
                       <a:r>
-                        <a:rPr lang="en-US" sz="900" spc="0">
+                        <a:rPr lang="it-IT" sz="900">
                           <a:solidFill>
                             <a:srgbClr val="020302"/>
                           </a:solidFill>
                           <a:latin typeface="AdobeClean-Light"/>
                           <a:cs typeface="AdobeClean-Light"/>
                         </a:rPr>
-                        <a:t>Named Support Contacts (per product)</a:t>
+                        <a:t>Contatti interni per il supporto (per prodotto)</a:t>
                       </a:r>
-                      <a:endParaRPr sz="900" spc="0">
-                        <a:latin typeface="AdobeClean-Light"/>
-                        <a:cs typeface="AdobeClean-Light"/>
-                      </a:endParaRPr>
                     </a:p>
                   </a:txBody>
                   <a:tcPr marL="0" marR="0" marT="57785" marB="0">
@@ -5375,7 +3532,7 @@
                         </a:spcBef>
                       </a:pPr>
                       <a:r>
-                        <a:rPr sz="900">
+                        <a:rPr lang="it-IT" sz="900">
                           <a:solidFill>
                             <a:srgbClr val="020302"/>
                           </a:solidFill>
@@ -5384,10 +3541,6 @@
                         </a:rPr>
                         <a:t>4</a:t>
                       </a:r>
-                      <a:endParaRPr sz="900">
-                        <a:latin typeface="AdobeClean-Light"/>
-                        <a:cs typeface="AdobeClean-Light"/>
-                      </a:endParaRPr>
                     </a:p>
                   </a:txBody>
                   <a:tcPr marL="0" marR="0" marT="57785" marB="0">
@@ -5417,7 +3570,7 @@
                         </a:spcBef>
                       </a:pPr>
                       <a:r>
-                        <a:rPr sz="900">
+                        <a:rPr lang="it-IT" sz="900">
                           <a:solidFill>
                             <a:srgbClr val="020302"/>
                           </a:solidFill>
@@ -5426,10 +3579,6 @@
                         </a:rPr>
                         <a:t>6</a:t>
                       </a:r>
-                      <a:endParaRPr sz="900">
-                        <a:latin typeface="AdobeClean-Light"/>
-                        <a:cs typeface="AdobeClean-Light"/>
-                      </a:endParaRPr>
                     </a:p>
                   </a:txBody>
                   <a:tcPr marL="0" marR="0" marT="57785" marB="0">
@@ -5452,7 +3601,7 @@
                     <a:bodyPr/>
                     <a:lstStyle/>
                     <a:p>
-                      <a:pPr marL="50800">
+                      <a:pPr marL="50800" algn="l" rtl="0">
                         <a:lnSpc>
                           <a:spcPct val="100000"/>
                         </a:lnSpc>
@@ -5501,19 +3650,15 @@
                         </a:spcBef>
                       </a:pPr>
                       <a:r>
-                        <a:rPr lang="en-US" sz="900" spc="0">
+                        <a:rPr lang="it-IT" sz="900">
                           <a:solidFill>
                             <a:srgbClr val="020302"/>
                           </a:solidFill>
                           <a:latin typeface="AdobeClean-Light"/>
                           <a:cs typeface="AdobeClean-Light"/>
                         </a:rPr>
-                        <a:t>Live Telephone Support</a:t>
+                        <a:t>Supporto telefonico in diretta</a:t>
                       </a:r>
-                      <a:endParaRPr sz="900" spc="0">
-                        <a:latin typeface="AdobeClean-Light"/>
-                        <a:cs typeface="AdobeClean-Light"/>
-                      </a:endParaRPr>
                     </a:p>
                   </a:txBody>
                   <a:tcPr marL="0" marR="0" marT="57785" marB="0">
@@ -5536,7 +3681,7 @@
                     <a:bodyPr/>
                     <a:lstStyle/>
                     <a:p>
-                      <a:pPr algn="ctr">
+                      <a:pPr algn="l" rtl="0">
                         <a:lnSpc>
                           <a:spcPct val="100000"/>
                         </a:lnSpc>
@@ -5577,7 +3722,7 @@
                         </a:spcBef>
                       </a:pPr>
                       <a:r>
-                        <a:rPr sz="900">
+                        <a:rPr lang="it-IT" sz="900">
                           <a:solidFill>
                             <a:srgbClr val="020302"/>
                           </a:solidFill>
@@ -5586,10 +3731,6 @@
                         </a:rPr>
                         <a:t></a:t>
                       </a:r>
-                      <a:endParaRPr sz="900">
-                        <a:latin typeface="Wingdings"/>
-                        <a:cs typeface="Wingdings"/>
-                      </a:endParaRPr>
                     </a:p>
                   </a:txBody>
                   <a:tcPr marL="0" marR="0" marT="59054" marB="0">
@@ -5612,7 +3753,7 @@
                     <a:bodyPr/>
                     <a:lstStyle/>
                     <a:p>
-                      <a:pPr marL="50800">
+                      <a:pPr marL="50800" algn="l" rtl="0">
                         <a:lnSpc>
                           <a:spcPct val="100000"/>
                         </a:lnSpc>
@@ -5661,19 +3802,15 @@
                         </a:spcBef>
                       </a:pPr>
                       <a:r>
-                        <a:rPr sz="900" spc="0">
+                        <a:rPr lang="it-IT" sz="900">
                           <a:solidFill>
                             <a:srgbClr val="020302"/>
                           </a:solidFill>
                           <a:latin typeface="AdobeClean-Light"/>
                           <a:cs typeface="AdobeClean-Light"/>
                         </a:rPr>
-                        <a:t>Escalation Management</a:t>
+                        <a:t>Gestione delle escalation</a:t>
                       </a:r>
-                      <a:endParaRPr sz="900" spc="0">
-                        <a:latin typeface="AdobeClean-Light"/>
-                        <a:cs typeface="AdobeClean-Light"/>
-                      </a:endParaRPr>
                     </a:p>
                   </a:txBody>
                   <a:tcPr marL="0" marR="0" marT="58419" marB="0">
@@ -5696,7 +3833,7 @@
                     <a:bodyPr/>
                     <a:lstStyle/>
                     <a:p>
-                      <a:pPr algn="ctr">
+                      <a:pPr algn="l" rtl="0">
                         <a:lnSpc>
                           <a:spcPct val="100000"/>
                         </a:lnSpc>
@@ -5737,7 +3874,7 @@
                         </a:spcBef>
                       </a:pPr>
                       <a:r>
-                        <a:rPr sz="900">
+                        <a:rPr lang="it-IT" sz="900">
                           <a:solidFill>
                             <a:srgbClr val="020302"/>
                           </a:solidFill>
@@ -5746,10 +3883,6 @@
                         </a:rPr>
                         <a:t></a:t>
                       </a:r>
-                      <a:endParaRPr sz="900">
-                        <a:latin typeface="Wingdings"/>
-                        <a:cs typeface="Wingdings"/>
-                      </a:endParaRPr>
                     </a:p>
                   </a:txBody>
                   <a:tcPr marL="0" marR="0" marT="59690" marB="0">
@@ -5772,7 +3905,7 @@
                     <a:bodyPr/>
                     <a:lstStyle/>
                     <a:p>
-                      <a:pPr marL="50800">
+                      <a:pPr marL="50800" algn="l" rtl="0">
                         <a:lnSpc>
                           <a:spcPct val="100000"/>
                         </a:lnSpc>
@@ -5821,29 +3954,15 @@
                         </a:spcBef>
                       </a:pPr>
                       <a:r>
-                        <a:rPr sz="900" spc="0">
+                        <a:rPr lang="it-IT" sz="900">
                           <a:solidFill>
                             <a:srgbClr val="020302"/>
                           </a:solidFill>
                           <a:latin typeface="AdobeClean-Light"/>
                           <a:cs typeface="AdobeClean-Light"/>
                         </a:rPr>
-                        <a:t>Service Reviews </a:t>
+                        <a:t>Valutazioni dei servizi all’anno</a:t>
                       </a:r>
-                      <a:r>
-                        <a:rPr lang="en-US" sz="900" spc="0">
-                          <a:solidFill>
-                            <a:srgbClr val="020302"/>
-                          </a:solidFill>
-                          <a:latin typeface="AdobeClean-Light"/>
-                          <a:cs typeface="AdobeClean-Light"/>
-                        </a:rPr>
-                        <a:t>per Year</a:t>
-                      </a:r>
-                      <a:endParaRPr sz="900" spc="0">
-                        <a:latin typeface="AdobeClean-Light"/>
-                        <a:cs typeface="AdobeClean-Light"/>
-                      </a:endParaRPr>
                     </a:p>
                   </a:txBody>
                   <a:tcPr marL="0" marR="0" marT="57150" marB="0">
@@ -5866,7 +3985,7 @@
                     <a:bodyPr/>
                     <a:lstStyle/>
                     <a:p>
-                      <a:pPr>
+                      <a:pPr algn="l" rtl="0">
                         <a:lnSpc>
                           <a:spcPct val="100000"/>
                         </a:lnSpc>
@@ -5895,7 +4014,7 @@
                     <a:bodyPr/>
                     <a:lstStyle/>
                     <a:p>
-                      <a:pPr>
+                      <a:pPr algn="l" rtl="0">
                         <a:lnSpc>
                           <a:spcPct val="100000"/>
                         </a:lnSpc>
@@ -5945,16 +4064,12 @@
                         </a:spcBef>
                       </a:pPr>
                       <a:r>
-                        <a:rPr lang="en-US" sz="900" spc="0">
+                        <a:rPr lang="it-IT" sz="900">
                           <a:latin typeface="AdobeClean-Light"/>
                           <a:cs typeface="AdobeClean-Light"/>
                         </a:rPr>
-                        <a:t>Expert Sessions per Year</a:t>
+                        <a:t>Sessioni con esperti all’anno</a:t>
                       </a:r>
-                      <a:endParaRPr sz="900" spc="0">
-                        <a:latin typeface="AdobeClean-Light"/>
-                        <a:cs typeface="AdobeClean-Light"/>
-                      </a:endParaRPr>
                     </a:p>
                   </a:txBody>
                   <a:tcPr marL="0" marR="0" marT="57150" marB="0">
@@ -5983,7 +4098,7 @@
                     <a:bodyPr/>
                     <a:lstStyle/>
                     <a:p>
-                      <a:pPr>
+                      <a:pPr algn="l" rtl="0">
                         <a:lnSpc>
                           <a:spcPct val="100000"/>
                         </a:lnSpc>
@@ -6012,7 +4127,7 @@
                     <a:bodyPr/>
                     <a:lstStyle/>
                     <a:p>
-                      <a:pPr>
+                      <a:pPr algn="l" rtl="0">
                         <a:lnSpc>
                           <a:spcPct val="100000"/>
                         </a:lnSpc>
@@ -6062,16 +4177,12 @@
                         </a:spcBef>
                       </a:pPr>
                       <a:r>
-                        <a:rPr lang="en-US" sz="900" spc="0">
+                        <a:rPr lang="it-IT" sz="900">
                           <a:latin typeface="AdobeClean-Light"/>
                           <a:cs typeface="AdobeClean-Light"/>
                         </a:rPr>
-                        <a:t>Case Reviews</a:t>
+                        <a:t>Valutazione dei casi</a:t>
                       </a:r>
-                      <a:endParaRPr sz="900" spc="0">
-                        <a:latin typeface="AdobeClean-Light"/>
-                        <a:cs typeface="AdobeClean-Light"/>
-                      </a:endParaRPr>
                     </a:p>
                   </a:txBody>
                   <a:tcPr marL="0" marR="0" marT="57150" marB="0">
@@ -6100,7 +4211,7 @@
                     <a:bodyPr/>
                     <a:lstStyle/>
                     <a:p>
-                      <a:pPr>
+                      <a:pPr algn="l" rtl="0">
                         <a:lnSpc>
                           <a:spcPct val="100000"/>
                         </a:lnSpc>
@@ -6129,7 +4240,7 @@
                     <a:bodyPr/>
                     <a:lstStyle/>
                     <a:p>
-                      <a:pPr>
+                      <a:pPr algn="l" rtl="0">
                         <a:lnSpc>
                           <a:spcPct val="100000"/>
                         </a:lnSpc>
@@ -6160,7 +4271,7 @@
                     <a:bodyPr/>
                     <a:lstStyle/>
                     <a:p>
-                      <a:pPr marL="48895">
+                      <a:pPr marL="48895" algn="l" rtl="0">
                         <a:lnSpc>
                           <a:spcPct val="100000"/>
                         </a:lnSpc>
@@ -6218,29 +4329,15 @@
                         </a:spcBef>
                       </a:pPr>
                       <a:r>
-                        <a:rPr sz="900" spc="0">
+                        <a:rPr lang="it-IT" sz="900">
                           <a:solidFill>
                             <a:srgbClr val="020302"/>
                           </a:solidFill>
                           <a:latin typeface="AdobeClean-Light"/>
                           <a:cs typeface="AdobeClean-Light"/>
                         </a:rPr>
-                        <a:t>Event </a:t>
+                        <a:t>Gestione degli eventi</a:t>
                       </a:r>
-                      <a:r>
-                        <a:rPr lang="en-US" sz="900" spc="0">
-                          <a:solidFill>
-                            <a:srgbClr val="020302"/>
-                          </a:solidFill>
-                          <a:latin typeface="AdobeClean-Light"/>
-                          <a:cs typeface="AdobeClean-Light"/>
-                        </a:rPr>
-                        <a:t>Management</a:t>
-                      </a:r>
-                      <a:endParaRPr sz="900" spc="0">
-                        <a:latin typeface="AdobeClean-Light"/>
-                        <a:cs typeface="AdobeClean-Light"/>
-                      </a:endParaRPr>
                     </a:p>
                   </a:txBody>
                   <a:tcPr marL="0" marR="0" marT="58419" marB="0">
@@ -6269,7 +4366,7 @@
                     <a:bodyPr/>
                     <a:lstStyle/>
                     <a:p>
-                      <a:pPr>
+                      <a:pPr algn="l" rtl="0">
                         <a:lnSpc>
                           <a:spcPct val="100000"/>
                         </a:lnSpc>
@@ -6298,7 +4395,7 @@
                     <a:bodyPr/>
                     <a:lstStyle/>
                     <a:p>
-                      <a:pPr>
+                      <a:pPr algn="l" rtl="0">
                         <a:lnSpc>
                           <a:spcPct val="100000"/>
                         </a:lnSpc>
@@ -6329,7 +4426,7 @@
                     <a:bodyPr/>
                     <a:lstStyle/>
                     <a:p>
-                      <a:pPr marL="48895">
+                      <a:pPr marL="48895" algn="l" rtl="0">
                         <a:lnSpc>
                           <a:spcPct val="100000"/>
                         </a:lnSpc>
@@ -6378,39 +4475,15 @@
                         </a:spcBef>
                       </a:pPr>
                       <a:r>
-                        <a:rPr sz="900" spc="0">
+                        <a:rPr lang="it-IT" sz="900">
                           <a:solidFill>
                             <a:srgbClr val="020302"/>
                           </a:solidFill>
                           <a:latin typeface="AdobeClean-Light"/>
                           <a:cs typeface="AdobeClean-Light"/>
                         </a:rPr>
-                        <a:t>Environment</a:t>
+                        <a:t>Valutazione ambiente, manutenzione e monitoraggio</a:t>
                       </a:r>
-                      <a:r>
-                        <a:rPr lang="en-US" sz="900" spc="0">
-                          <a:solidFill>
-                            <a:srgbClr val="020302"/>
-                          </a:solidFill>
-                          <a:latin typeface="AdobeClean-Light"/>
-                          <a:cs typeface="AdobeClean-Light"/>
-                        </a:rPr>
-                        <a:t> </a:t>
-                      </a:r>
-                      <a:r>
-                        <a:rPr sz="900" spc="0">
-                          <a:solidFill>
-                            <a:srgbClr val="020302"/>
-                          </a:solidFill>
-                          <a:latin typeface="AdobeClean-Light"/>
-                          <a:cs typeface="AdobeClean-Light"/>
-                        </a:rPr>
-                        <a:t>Review, Maintenance &amp; Monitoring</a:t>
-                      </a:r>
-                      <a:endParaRPr sz="900" spc="0">
-                        <a:latin typeface="AdobeClean-Light"/>
-                        <a:cs typeface="AdobeClean-Light"/>
-                      </a:endParaRPr>
                     </a:p>
                   </a:txBody>
                   <a:tcPr marL="0" marR="0" marT="59055" marB="0">
@@ -6433,7 +4506,7 @@
                     <a:bodyPr/>
                     <a:lstStyle/>
                     <a:p>
-                      <a:pPr>
+                      <a:pPr algn="l" rtl="0">
                         <a:lnSpc>
                           <a:spcPct val="100000"/>
                         </a:lnSpc>
@@ -6462,7 +4535,7 @@
                     <a:bodyPr/>
                     <a:lstStyle/>
                     <a:p>
-                      <a:pPr>
+                      <a:pPr algn="l" rtl="0">
                         <a:lnSpc>
                           <a:spcPct val="100000"/>
                         </a:lnSpc>
@@ -6493,7 +4566,7 @@
                     <a:bodyPr/>
                     <a:lstStyle/>
                     <a:p>
-                      <a:pPr marL="49530">
+                      <a:pPr marL="49530" algn="l" rtl="0">
                         <a:lnSpc>
                           <a:spcPct val="100000"/>
                         </a:lnSpc>
@@ -6542,19 +4615,34 @@
                         </a:spcBef>
                       </a:pPr>
                       <a:r>
-                        <a:rPr sz="900" spc="0">
+                        <a:rPr lang="it-IT" sz="900" dirty="0">
                           <a:solidFill>
                             <a:srgbClr val="020302"/>
                           </a:solidFill>
                           <a:latin typeface="AdobeClean-Light"/>
                           <a:cs typeface="AdobeClean-Light"/>
                         </a:rPr>
-                        <a:t>Release, Migration, Upgrade &amp; Product Roadmap Review</a:t>
+                        <a:t>Valutazione della roadmap di prodotti, versioni, </a:t>
                       </a:r>
-                      <a:endParaRPr sz="900" spc="0">
-                        <a:latin typeface="AdobeClean-Light"/>
-                        <a:cs typeface="AdobeClean-Light"/>
-                      </a:endParaRPr>
+                      <a:br>
+                        <a:rPr lang="it-IT" sz="900" dirty="0">
+                          <a:solidFill>
+                            <a:srgbClr val="020302"/>
+                          </a:solidFill>
+                          <a:latin typeface="AdobeClean-Light"/>
+                          <a:cs typeface="AdobeClean-Light"/>
+                        </a:rPr>
+                      </a:br>
+                      <a:r>
+                        <a:rPr lang="it-IT" sz="900" dirty="0">
+                          <a:solidFill>
+                            <a:srgbClr val="020302"/>
+                          </a:solidFill>
+                          <a:latin typeface="AdobeClean-Light"/>
+                          <a:cs typeface="AdobeClean-Light"/>
+                        </a:rPr>
+                        <a:t>migrazione e aggiornamento</a:t>
+                      </a:r>
                     </a:p>
                   </a:txBody>
                   <a:tcPr marL="0" marR="0" marT="63500" marB="0">
@@ -6577,7 +4665,7 @@
                     <a:bodyPr/>
                     <a:lstStyle/>
                     <a:p>
-                      <a:pPr>
+                      <a:pPr algn="l" rtl="0">
                         <a:lnSpc>
                           <a:spcPct val="100000"/>
                         </a:lnSpc>
@@ -6606,7 +4694,7 @@
                     <a:bodyPr/>
                     <a:lstStyle/>
                     <a:p>
-                      <a:pPr>
+                      <a:pPr algn="l" rtl="0">
                         <a:lnSpc>
                           <a:spcPct val="100000"/>
                         </a:lnSpc>
@@ -6637,7 +4725,7 @@
                     <a:bodyPr/>
                     <a:lstStyle/>
                     <a:p>
-                      <a:pPr marL="49530">
+                      <a:pPr marL="49530" algn="l" rtl="0">
                         <a:lnSpc>
                           <a:spcPct val="100000"/>
                         </a:lnSpc>
@@ -6695,11 +4783,11 @@
                         </a:spcBef>
                       </a:pPr>
                       <a:r>
-                        <a:rPr sz="900" spc="0">
+                        <a:rPr lang="it-IT" sz="900">
                           <a:latin typeface="AdobeClean-Light"/>
                           <a:cs typeface="AdobeClean-Light"/>
                         </a:rPr>
-                        <a:t>Cloud Support Activities – Experience Manager as Cloud</a:t>
+                        <a:t>Attività di supporto cloud - Experience Manager as Cloud</a:t>
                       </a:r>
                     </a:p>
                   </a:txBody>
@@ -6729,7 +4817,7 @@
                     <a:bodyPr/>
                     <a:lstStyle/>
                     <a:p>
-                      <a:pPr>
+                      <a:pPr algn="l" rtl="0">
                         <a:lnSpc>
                           <a:spcPct val="100000"/>
                         </a:lnSpc>
@@ -6767,7 +4855,7 @@
                     <a:bodyPr/>
                     <a:lstStyle/>
                     <a:p>
-                      <a:pPr>
+                      <a:pPr algn="l" rtl="0">
                         <a:lnSpc>
                           <a:spcPct val="100000"/>
                         </a:lnSpc>
@@ -6816,22 +4904,15 @@
                         </a:spcBef>
                       </a:pPr>
                       <a:r>
-                        <a:rPr lang="en-US" sz="1000" b="1" i="0" spc="0">
+                        <a:rPr lang="it-IT" sz="1000" b="1" i="0">
                           <a:solidFill>
                             <a:schemeClr val="bg1"/>
                           </a:solidFill>
                           <a:latin typeface="Adobe Clean" panose="020B0503020404020204" pitchFamily="34" charset="0"/>
                           <a:cs typeface="AdobeClean-Light"/>
                         </a:rPr>
-                        <a:t>Field Services</a:t>
+                        <a:t>Servizi sul campo</a:t>
                       </a:r>
-                      <a:endParaRPr sz="1000" b="1" i="0" spc="0">
-                        <a:solidFill>
-                          <a:schemeClr val="bg1"/>
-                        </a:solidFill>
-                        <a:latin typeface="Adobe Clean" panose="020B0503020404020204" pitchFamily="34" charset="0"/>
-                        <a:cs typeface="AdobeClean-Light"/>
-                      </a:endParaRPr>
                     </a:p>
                   </a:txBody>
                   <a:tcPr marL="0" marR="0" marT="48260" marB="0" anchor="ctr">
@@ -6884,19 +4965,15 @@
                         </a:spcBef>
                       </a:pPr>
                       <a:r>
-                        <a:rPr sz="900" spc="0">
+                        <a:rPr lang="it-IT" sz="900">
                           <a:solidFill>
                             <a:srgbClr val="020302"/>
                           </a:solidFill>
                           <a:latin typeface="AdobeClean-Light"/>
                           <a:cs typeface="AdobeClean-Light"/>
                         </a:rPr>
-                        <a:t>Launch Advisory Services – First Year of new solution</a:t>
+                        <a:t>Launch Advisory - Nel primo anno di nuove soluzioni</a:t>
                       </a:r>
-                      <a:endParaRPr sz="900" spc="0">
-                        <a:latin typeface="AdobeClean-Light"/>
-                        <a:cs typeface="AdobeClean-Light"/>
-                      </a:endParaRPr>
                     </a:p>
                     <a:p>
                       <a:pPr marL="48260" hangingPunct="0">
@@ -6908,11 +4985,11 @@
                         </a:spcBef>
                       </a:pPr>
                       <a:r>
-                        <a:rPr sz="900" spc="0">
+                        <a:rPr lang="it-IT" sz="900">
                           <a:latin typeface="AdobeClean-Light"/>
                           <a:cs typeface="AdobeClean-Light"/>
                         </a:rPr>
-                        <a:t>Field Service Activities </a:t>
+                        <a:t>Attività di servizio sul campo </a:t>
                       </a:r>
                     </a:p>
                   </a:txBody>
@@ -6948,7 +5025,7 @@
                     <a:bodyPr/>
                     <a:lstStyle/>
                     <a:p>
-                      <a:pPr>
+                      <a:pPr algn="l" rtl="0">
                         <a:lnSpc>
                           <a:spcPct val="100000"/>
                         </a:lnSpc>
@@ -6986,7 +5063,7 @@
                     <a:bodyPr/>
                     <a:lstStyle/>
                     <a:p>
-                      <a:pPr>
+                      <a:pPr algn="l" rtl="0">
                         <a:lnSpc>
                           <a:spcPct val="100000"/>
                         </a:lnSpc>
@@ -7071,7 +5148,7 @@
                     <a:bodyPr/>
                     <a:lstStyle/>
                     <a:p>
-                      <a:pPr>
+                      <a:pPr algn="l" rtl="0">
                         <a:lnSpc>
                           <a:spcPct val="100000"/>
                         </a:lnSpc>
@@ -7097,7 +5174,7 @@
                     <a:bodyPr/>
                     <a:lstStyle/>
                     <a:p>
-                      <a:pPr>
+                      <a:pPr algn="l" rtl="0">
                         <a:lnSpc>
                           <a:spcPct val="100000"/>
                         </a:lnSpc>
@@ -7147,7 +5224,7 @@
         <p:spPr>
           <a:xfrm>
             <a:off x="356615" y="358817"/>
-            <a:ext cx="2717050" cy="200055"/>
+            <a:ext cx="2717050" cy="184666"/>
           </a:xfrm>
           <a:prstGeom prst="rect">
             <a:avLst/>
@@ -7161,7 +5238,7 @@
           <a:lstStyle/>
           <a:p>
             <a:r>
-              <a:rPr lang="en-US" sz="700" i="1">
+              <a:rPr lang="it-IT" sz="600" i="1" dirty="0">
                 <a:solidFill>
                   <a:schemeClr val="bg1"/>
                 </a:solidFill>
@@ -7171,6 +5248,1044 @@
           </a:p>
         </p:txBody>
       </p:sp>
+      <p:graphicFrame>
+        <p:nvGraphicFramePr>
+          <p:cNvPr id="9" name="object 9"/>
+          <p:cNvGraphicFramePr>
+            <a:graphicFrameLocks noGrp="1"/>
+          </p:cNvGraphicFramePr>
+          <p:nvPr>
+            <p:extLst>
+              <p:ext uri="{D42A27DB-BD31-4B8C-83A1-F6EECF244321}">
+                <p14:modId xmlns:p14="http://schemas.microsoft.com/office/powerpoint/2010/main" val="1033564429"/>
+              </p:ext>
+            </p:extLst>
+          </p:nvPr>
+        </p:nvGraphicFramePr>
+        <p:xfrm>
+          <a:off x="118872" y="7475985"/>
+          <a:ext cx="7498851" cy="2350563"/>
+        </p:xfrm>
+        <a:graphic>
+          <a:graphicData uri="http://schemas.openxmlformats.org/drawingml/2006/table">
+            <a:tbl>
+              <a:tblPr firstRow="1" bandRow="1">
+                <a:tableStyleId>{2D5ABB26-0587-4C30-8999-92F81FD0307C}</a:tableStyleId>
+              </a:tblPr>
+              <a:tblGrid>
+                <a:gridCol w="4698744">
+                  <a:extLst>
+                    <a:ext uri="{9D8B030D-6E8A-4147-A177-3AD203B41FA5}">
+                      <a16:colId xmlns:a16="http://schemas.microsoft.com/office/drawing/2014/main" val="20000"/>
+                    </a:ext>
+                  </a:extLst>
+                </a:gridCol>
+                <a:gridCol w="1400053">
+                  <a:extLst>
+                    <a:ext uri="{9D8B030D-6E8A-4147-A177-3AD203B41FA5}">
+                      <a16:colId xmlns:a16="http://schemas.microsoft.com/office/drawing/2014/main" val="20001"/>
+                    </a:ext>
+                  </a:extLst>
+                </a:gridCol>
+                <a:gridCol w="1400054">
+                  <a:extLst>
+                    <a:ext uri="{9D8B030D-6E8A-4147-A177-3AD203B41FA5}">
+                      <a16:colId xmlns:a16="http://schemas.microsoft.com/office/drawing/2014/main" val="20002"/>
+                    </a:ext>
+                  </a:extLst>
+                </a:gridCol>
+              </a:tblGrid>
+              <a:tr h="291248">
+                <a:tc>
+                  <a:txBody>
+                    <a:bodyPr/>
+                    <a:lstStyle/>
+                    <a:p>
+                      <a:pPr marL="50800">
+                        <a:lnSpc>
+                          <a:spcPct val="100000"/>
+                        </a:lnSpc>
+                        <a:spcBef>
+                          <a:spcPts val="60"/>
+                        </a:spcBef>
+                      </a:pPr>
+                      <a:r>
+                        <a:rPr lang="it-IT" sz="900" dirty="0">
+                          <a:solidFill>
+                            <a:srgbClr val="020302"/>
+                          </a:solidFill>
+                          <a:latin typeface="Adobe Clean"/>
+                          <a:cs typeface="Adobe Clean"/>
+                        </a:rPr>
+                        <a:t>Priorità</a:t>
+                      </a:r>
+                    </a:p>
+                  </a:txBody>
+                  <a:tcPr marL="0" marR="0" marT="7620" marB="0">
+                    <a:lnL w="3175">
+                      <a:solidFill>
+                        <a:srgbClr val="B7B8B8"/>
+                      </a:solidFill>
+                      <a:prstDash val="solid"/>
+                    </a:lnL>
+                    <a:lnR w="3175">
+                      <a:solidFill>
+                        <a:srgbClr val="B7B8B8"/>
+                      </a:solidFill>
+                      <a:prstDash val="solid"/>
+                    </a:lnR>
+                    <a:lnT w="3175">
+                      <a:solidFill>
+                        <a:srgbClr val="B7B8B8"/>
+                      </a:solidFill>
+                      <a:prstDash val="solid"/>
+                    </a:lnT>
+                    <a:lnB w="3175">
+                      <a:solidFill>
+                        <a:srgbClr val="B7B8B8"/>
+                      </a:solidFill>
+                      <a:prstDash val="solid"/>
+                    </a:lnB>
+                    <a:solidFill>
+                      <a:srgbClr val="F7F7F7"/>
+                    </a:solidFill>
+                  </a:tcPr>
+                </a:tc>
+                <a:tc>
+                  <a:txBody>
+                    <a:bodyPr/>
+                    <a:lstStyle/>
+                    <a:p>
+                      <a:pPr marL="135255" algn="ctr">
+                        <a:lnSpc>
+                          <a:spcPct val="100000"/>
+                        </a:lnSpc>
+                        <a:spcBef>
+                          <a:spcPts val="60"/>
+                        </a:spcBef>
+                      </a:pPr>
+                      <a:r>
+                        <a:rPr lang="it-IT" sz="900">
+                          <a:solidFill>
+                            <a:srgbClr val="020302"/>
+                          </a:solidFill>
+                          <a:latin typeface="Adobe Clean"/>
+                          <a:cs typeface="Adobe Clean"/>
+                        </a:rPr>
+                        <a:t>Supporto Standard</a:t>
+                      </a:r>
+                    </a:p>
+                  </a:txBody>
+                  <a:tcPr marL="182880" marT="91440" anchor="ctr">
+                    <a:lnL w="3175">
+                      <a:solidFill>
+                        <a:srgbClr val="B7B8B8"/>
+                      </a:solidFill>
+                      <a:prstDash val="solid"/>
+                    </a:lnL>
+                    <a:lnR w="3175">
+                      <a:solidFill>
+                        <a:srgbClr val="B7B8B8"/>
+                      </a:solidFill>
+                      <a:prstDash val="solid"/>
+                    </a:lnR>
+                    <a:lnT w="3175">
+                      <a:solidFill>
+                        <a:srgbClr val="B7B8B8"/>
+                      </a:solidFill>
+                      <a:prstDash val="solid"/>
+                    </a:lnT>
+                    <a:lnB w="76200">
+                      <a:solidFill>
+                        <a:srgbClr val="858585"/>
+                      </a:solidFill>
+                      <a:prstDash val="solid"/>
+                    </a:lnB>
+                    <a:solidFill>
+                      <a:srgbClr val="D9D9D9"/>
+                    </a:solidFill>
+                  </a:tcPr>
+                </a:tc>
+                <a:tc>
+                  <a:txBody>
+                    <a:bodyPr/>
+                    <a:lstStyle/>
+                    <a:p>
+                      <a:pPr marL="92710">
+                        <a:lnSpc>
+                          <a:spcPct val="100000"/>
+                        </a:lnSpc>
+                        <a:spcBef>
+                          <a:spcPts val="60"/>
+                        </a:spcBef>
+                      </a:pPr>
+                      <a:r>
+                        <a:rPr lang="it-IT" sz="900">
+                          <a:solidFill>
+                            <a:srgbClr val="FFFFFF"/>
+                          </a:solidFill>
+                          <a:latin typeface="Adobe Clean"/>
+                          <a:cs typeface="Adobe Clean"/>
+                        </a:rPr>
+                        <a:t>Supporto Business</a:t>
+                      </a:r>
+                    </a:p>
+                  </a:txBody>
+                  <a:tcPr marL="182880" marT="91440" anchor="ctr">
+                    <a:lnL w="3175">
+                      <a:solidFill>
+                        <a:srgbClr val="B7B8B8"/>
+                      </a:solidFill>
+                      <a:prstDash val="solid"/>
+                    </a:lnL>
+                    <a:lnR w="3175">
+                      <a:solidFill>
+                        <a:srgbClr val="B7B8B8"/>
+                      </a:solidFill>
+                      <a:prstDash val="solid"/>
+                    </a:lnR>
+                    <a:lnT w="3175">
+                      <a:solidFill>
+                        <a:srgbClr val="B7B8B8"/>
+                      </a:solidFill>
+                      <a:prstDash val="solid"/>
+                    </a:lnT>
+                    <a:lnB w="76200">
+                      <a:solidFill>
+                        <a:srgbClr val="ACD2FF"/>
+                      </a:solidFill>
+                      <a:prstDash val="solid"/>
+                    </a:lnB>
+                    <a:solidFill>
+                      <a:srgbClr val="7D7D7D"/>
+                    </a:solidFill>
+                  </a:tcPr>
+                </a:tc>
+                <a:extLst>
+                  <a:ext uri="{0D108BD9-81ED-4DB2-BD59-A6C34878D82A}">
+                    <a16:rowId xmlns:a16="http://schemas.microsoft.com/office/drawing/2014/main" val="10000"/>
+                  </a:ext>
+                </a:extLst>
+              </a:tr>
+              <a:tr h="514672">
+                <a:tc>
+                  <a:txBody>
+                    <a:bodyPr/>
+                    <a:lstStyle/>
+                    <a:p>
+                      <a:pPr marL="50800">
+                        <a:lnSpc>
+                          <a:spcPct val="100000"/>
+                        </a:lnSpc>
+                        <a:spcBef>
+                          <a:spcPts val="30"/>
+                        </a:spcBef>
+                      </a:pPr>
+                      <a:r>
+                        <a:rPr lang="it-IT" sz="900" b="1" dirty="0">
+                          <a:solidFill>
+                            <a:srgbClr val="020302"/>
+                          </a:solidFill>
+                          <a:latin typeface="Adobe Clean"/>
+                          <a:cs typeface="Adobe Clean"/>
+                        </a:rPr>
+                        <a:t>PRIORITÀ 1 (P1)</a:t>
+                      </a:r>
+                    </a:p>
+                    <a:p>
+                      <a:pPr marL="50800" marR="387985" lvl="0" indent="0" algn="l" defTabSz="914400" rtl="0" eaLnBrk="1" fontAlgn="auto" latinLnBrk="0" hangingPunct="1">
+                        <a:lnSpc>
+                          <a:spcPts val="1000"/>
+                        </a:lnSpc>
+                        <a:spcBef>
+                          <a:spcPts val="420"/>
+                        </a:spcBef>
+                        <a:spcAft>
+                          <a:spcPts val="0"/>
+                        </a:spcAft>
+                        <a:buClrTx/>
+                        <a:buSzTx/>
+                        <a:buFontTx/>
+                        <a:buNone/>
+                        <a:tabLst/>
+                        <a:defRPr/>
+                      </a:pPr>
+                      <a:r>
+                        <a:rPr lang="it-IT" sz="900" b="0" i="0" dirty="0">
+                          <a:solidFill>
+                            <a:srgbClr val="000000"/>
+                          </a:solidFill>
+                          <a:latin typeface="Adobe Clean Light" panose="020B0303020404020204" pitchFamily="34" charset="0"/>
+                        </a:rPr>
+                        <a:t>Le funzioni operative nell’ambiente di produzione del cliente non sono disponibili oppure si verificano problemi significativi di perdita di dati o deterioramento del servizio ed è richiesto un intervento immediato per ripristinare funzionalità e usabilità.</a:t>
+                      </a:r>
+                    </a:p>
+                  </a:txBody>
+                  <a:tcPr marL="0" marR="0" marT="3810" marB="0">
+                    <a:lnL w="3175">
+                      <a:solidFill>
+                        <a:srgbClr val="B7B8B8"/>
+                      </a:solidFill>
+                      <a:prstDash val="solid"/>
+                    </a:lnL>
+                    <a:lnR w="3175">
+                      <a:solidFill>
+                        <a:srgbClr val="B7B8B8"/>
+                      </a:solidFill>
+                      <a:prstDash val="solid"/>
+                    </a:lnR>
+                    <a:lnT w="3175">
+                      <a:solidFill>
+                        <a:srgbClr val="B7B8B8"/>
+                      </a:solidFill>
+                      <a:prstDash val="solid"/>
+                    </a:lnT>
+                    <a:lnB w="3175">
+                      <a:solidFill>
+                        <a:srgbClr val="B7B8B8"/>
+                      </a:solidFill>
+                      <a:prstDash val="solid"/>
+                    </a:lnB>
+                  </a:tcPr>
+                </a:tc>
+                <a:tc>
+                  <a:txBody>
+                    <a:bodyPr/>
+                    <a:lstStyle/>
+                    <a:p>
+                      <a:pPr marL="374015" marR="325120" indent="-3810" algn="ctr">
+                        <a:lnSpc>
+                          <a:spcPct val="100000"/>
+                        </a:lnSpc>
+                        <a:spcBef>
+                          <a:spcPts val="670"/>
+                        </a:spcBef>
+                      </a:pPr>
+                      <a:r>
+                        <a:rPr lang="it-IT" sz="900">
+                          <a:solidFill>
+                            <a:srgbClr val="020302"/>
+                          </a:solidFill>
+                          <a:latin typeface="AdobeClean-Light"/>
+                          <a:cs typeface="AdobeClean-Light"/>
+                        </a:rPr>
+                        <a:t>24x7/1 ora</a:t>
+                      </a:r>
+                    </a:p>
+                  </a:txBody>
+                  <a:tcPr marL="0" marR="0" marT="91440" marB="91440" anchor="ctr" anchorCtr="1">
+                    <a:lnL w="3175">
+                      <a:solidFill>
+                        <a:srgbClr val="B7B8B8"/>
+                      </a:solidFill>
+                      <a:prstDash val="solid"/>
+                    </a:lnL>
+                    <a:lnR w="3175">
+                      <a:solidFill>
+                        <a:srgbClr val="B7B8B8"/>
+                      </a:solidFill>
+                      <a:prstDash val="solid"/>
+                    </a:lnR>
+                    <a:lnT w="76200">
+                      <a:solidFill>
+                        <a:srgbClr val="858585"/>
+                      </a:solidFill>
+                      <a:prstDash val="solid"/>
+                    </a:lnT>
+                    <a:lnB w="3175">
+                      <a:solidFill>
+                        <a:srgbClr val="B7B8B8"/>
+                      </a:solidFill>
+                      <a:prstDash val="solid"/>
+                    </a:lnB>
+                  </a:tcPr>
+                </a:tc>
+                <a:tc>
+                  <a:txBody>
+                    <a:bodyPr/>
+                    <a:lstStyle/>
+                    <a:p>
+                      <a:pPr marL="373380" marR="325755" indent="-3810" algn="ctr">
+                        <a:lnSpc>
+                          <a:spcPct val="100000"/>
+                        </a:lnSpc>
+                        <a:spcBef>
+                          <a:spcPts val="670"/>
+                        </a:spcBef>
+                      </a:pPr>
+                      <a:r>
+                        <a:rPr lang="it-IT" sz="900" dirty="0">
+                          <a:solidFill>
+                            <a:srgbClr val="020302"/>
+                          </a:solidFill>
+                          <a:latin typeface="AdobeClean-Light"/>
+                          <a:cs typeface="AdobeClean-Light"/>
+                        </a:rPr>
+                        <a:t>24x7/1 ora</a:t>
+                      </a:r>
+                    </a:p>
+                  </a:txBody>
+                  <a:tcPr marL="0" marR="0" marT="0" marB="0" anchor="ctr" anchorCtr="1">
+                    <a:lnL w="3175">
+                      <a:solidFill>
+                        <a:srgbClr val="B7B8B8"/>
+                      </a:solidFill>
+                      <a:prstDash val="solid"/>
+                    </a:lnL>
+                    <a:lnR w="3175">
+                      <a:solidFill>
+                        <a:srgbClr val="B7B8B8"/>
+                      </a:solidFill>
+                      <a:prstDash val="solid"/>
+                    </a:lnR>
+                    <a:lnT w="76200">
+                      <a:solidFill>
+                        <a:srgbClr val="ACD2FF"/>
+                      </a:solidFill>
+                      <a:prstDash val="solid"/>
+                    </a:lnT>
+                    <a:lnB w="3175">
+                      <a:solidFill>
+                        <a:srgbClr val="B7B8B8"/>
+                      </a:solidFill>
+                      <a:prstDash val="solid"/>
+                    </a:lnB>
+                    <a:solidFill>
+                      <a:schemeClr val="bg1">
+                        <a:lumMod val="95000"/>
+                      </a:schemeClr>
+                    </a:solidFill>
+                  </a:tcPr>
+                </a:tc>
+                <a:extLst>
+                  <a:ext uri="{0D108BD9-81ED-4DB2-BD59-A6C34878D82A}">
+                    <a16:rowId xmlns:a16="http://schemas.microsoft.com/office/drawing/2014/main" val="10001"/>
+                  </a:ext>
+                </a:extLst>
+              </a:tr>
+              <a:tr h="514672">
+                <a:tc>
+                  <a:txBody>
+                    <a:bodyPr/>
+                    <a:lstStyle/>
+                    <a:p>
+                      <a:pPr marL="50165">
+                        <a:lnSpc>
+                          <a:spcPct val="100000"/>
+                        </a:lnSpc>
+                        <a:spcBef>
+                          <a:spcPts val="30"/>
+                        </a:spcBef>
+                      </a:pPr>
+                      <a:r>
+                        <a:rPr lang="it-IT" sz="900" b="1" dirty="0">
+                          <a:solidFill>
+                            <a:srgbClr val="020302"/>
+                          </a:solidFill>
+                          <a:latin typeface="Adobe Clean"/>
+                          <a:cs typeface="Adobe Clean"/>
+                        </a:rPr>
+                        <a:t>PRIORITÀ 2 (P2)</a:t>
+                      </a:r>
+                    </a:p>
+                    <a:p>
+                      <a:pPr marL="50165" marR="203200">
+                        <a:lnSpc>
+                          <a:spcPts val="1000"/>
+                        </a:lnSpc>
+                        <a:spcBef>
+                          <a:spcPts val="415"/>
+                        </a:spcBef>
+                      </a:pPr>
+                      <a:r>
+                        <a:rPr lang="it-IT" sz="900" b="0" i="0" dirty="0">
+                          <a:solidFill>
+                            <a:srgbClr val="000000"/>
+                          </a:solidFill>
+                          <a:latin typeface="Adobe Clean Light" panose="020B0303020404020204" pitchFamily="34" charset="0"/>
+                        </a:rPr>
+                        <a:t>Le funzioni operative del cliente hanno subìto un notevole deterioramento del servizio o potenziale perdita di dati, oppure un problema interessa una funzione importante. </a:t>
+                      </a:r>
+                    </a:p>
+                  </a:txBody>
+                  <a:tcPr marL="0" marR="0" marT="3810" marB="0">
+                    <a:lnL w="3175">
+                      <a:solidFill>
+                        <a:srgbClr val="B7B8B8"/>
+                      </a:solidFill>
+                      <a:prstDash val="solid"/>
+                    </a:lnL>
+                    <a:lnR w="3175">
+                      <a:solidFill>
+                        <a:srgbClr val="B7B8B8"/>
+                      </a:solidFill>
+                      <a:prstDash val="solid"/>
+                    </a:lnR>
+                    <a:lnT w="3175">
+                      <a:solidFill>
+                        <a:srgbClr val="B7B8B8"/>
+                      </a:solidFill>
+                      <a:prstDash val="solid"/>
+                    </a:lnT>
+                    <a:lnB w="3175">
+                      <a:solidFill>
+                        <a:srgbClr val="B7B8B8"/>
+                      </a:solidFill>
+                      <a:prstDash val="solid"/>
+                    </a:lnB>
+                  </a:tcPr>
+                </a:tc>
+                <a:tc>
+                  <a:txBody>
+                    <a:bodyPr/>
+                    <a:lstStyle/>
+                    <a:p>
+                      <a:pPr marL="316865" marR="184785" indent="-193675" algn="ctr">
+                        <a:lnSpc>
+                          <a:spcPct val="100000"/>
+                        </a:lnSpc>
+                        <a:spcBef>
+                          <a:spcPts val="670"/>
+                        </a:spcBef>
+                      </a:pPr>
+                      <a:r>
+                        <a:rPr lang="it-IT" sz="900" dirty="0">
+                          <a:solidFill>
+                            <a:srgbClr val="020302"/>
+                          </a:solidFill>
+                          <a:latin typeface="AdobeClean-Light"/>
+                          <a:cs typeface="AdobeClean-Light"/>
+                        </a:rPr>
+                        <a:t>Orario operativo/4 ore</a:t>
+                      </a:r>
+                    </a:p>
+                  </a:txBody>
+                  <a:tcPr marL="0" marR="0" marT="91440" marB="91440" anchor="ctr" anchorCtr="1">
+                    <a:lnL w="3175">
+                      <a:solidFill>
+                        <a:srgbClr val="B7B8B8"/>
+                      </a:solidFill>
+                      <a:prstDash val="solid"/>
+                    </a:lnL>
+                    <a:lnR w="3175">
+                      <a:solidFill>
+                        <a:srgbClr val="B7B8B8"/>
+                      </a:solidFill>
+                      <a:prstDash val="solid"/>
+                    </a:lnR>
+                    <a:lnT w="3175">
+                      <a:solidFill>
+                        <a:srgbClr val="B7B8B8"/>
+                      </a:solidFill>
+                      <a:prstDash val="solid"/>
+                    </a:lnT>
+                    <a:lnB w="3175">
+                      <a:solidFill>
+                        <a:srgbClr val="B7B8B8"/>
+                      </a:solidFill>
+                      <a:prstDash val="solid"/>
+                    </a:lnB>
+                  </a:tcPr>
+                </a:tc>
+                <a:tc>
+                  <a:txBody>
+                    <a:bodyPr/>
+                    <a:lstStyle/>
+                    <a:p>
+                      <a:pPr marL="0" marR="184785" indent="0" algn="ctr">
+                        <a:lnSpc>
+                          <a:spcPct val="100000"/>
+                        </a:lnSpc>
+                        <a:spcBef>
+                          <a:spcPts val="670"/>
+                        </a:spcBef>
+                      </a:pPr>
+                      <a:r>
+                        <a:rPr lang="it-IT" sz="900" dirty="0">
+                          <a:solidFill>
+                            <a:srgbClr val="020302"/>
+                          </a:solidFill>
+                          <a:latin typeface="AdobeClean-Light"/>
+                          <a:cs typeface="AdobeClean-Light"/>
+                        </a:rPr>
+                        <a:t>    Orario operativo/2 ore</a:t>
+                      </a:r>
+                    </a:p>
+                  </a:txBody>
+                  <a:tcPr marL="0" marR="0" marT="0" marB="0" anchor="ctr" anchorCtr="1">
+                    <a:lnL w="3175">
+                      <a:solidFill>
+                        <a:srgbClr val="B7B8B8"/>
+                      </a:solidFill>
+                      <a:prstDash val="solid"/>
+                    </a:lnL>
+                    <a:lnR w="3175">
+                      <a:solidFill>
+                        <a:srgbClr val="B7B8B8"/>
+                      </a:solidFill>
+                      <a:prstDash val="solid"/>
+                    </a:lnR>
+                    <a:lnT w="3175">
+                      <a:solidFill>
+                        <a:srgbClr val="B7B8B8"/>
+                      </a:solidFill>
+                      <a:prstDash val="solid"/>
+                    </a:lnT>
+                    <a:lnB w="3175">
+                      <a:solidFill>
+                        <a:srgbClr val="B7B8B8"/>
+                      </a:solidFill>
+                      <a:prstDash val="solid"/>
+                    </a:lnB>
+                    <a:solidFill>
+                      <a:schemeClr val="bg1">
+                        <a:lumMod val="95000"/>
+                      </a:schemeClr>
+                    </a:solidFill>
+                  </a:tcPr>
+                </a:tc>
+                <a:extLst>
+                  <a:ext uri="{0D108BD9-81ED-4DB2-BD59-A6C34878D82A}">
+                    <a16:rowId xmlns:a16="http://schemas.microsoft.com/office/drawing/2014/main" val="10002"/>
+                  </a:ext>
+                </a:extLst>
+              </a:tr>
+              <a:tr h="514673">
+                <a:tc>
+                  <a:txBody>
+                    <a:bodyPr/>
+                    <a:lstStyle/>
+                    <a:p>
+                      <a:pPr marL="50165">
+                        <a:lnSpc>
+                          <a:spcPct val="100000"/>
+                        </a:lnSpc>
+                        <a:spcBef>
+                          <a:spcPts val="30"/>
+                        </a:spcBef>
+                      </a:pPr>
+                      <a:r>
+                        <a:rPr lang="it-IT" sz="900" b="1" dirty="0">
+                          <a:solidFill>
+                            <a:srgbClr val="020302"/>
+                          </a:solidFill>
+                          <a:latin typeface="Adobe Clean"/>
+                          <a:cs typeface="Adobe Clean"/>
+                        </a:rPr>
+                        <a:t>PRIORITÀ 3 (P3)</a:t>
+                      </a:r>
+                    </a:p>
+                    <a:p>
+                      <a:pPr marL="49530" marR="212090" indent="-2540">
+                        <a:lnSpc>
+                          <a:spcPts val="1000"/>
+                        </a:lnSpc>
+                        <a:spcBef>
+                          <a:spcPts val="415"/>
+                        </a:spcBef>
+                      </a:pPr>
+                      <a:r>
+                        <a:rPr kumimoji="0" lang="it-IT" sz="900" b="0" i="0" u="none" strike="noStrike" cap="none" normalizeH="0" baseline="0" noProof="0" dirty="0">
+                          <a:ln>
+                            <a:noFill/>
+                          </a:ln>
+                          <a:solidFill>
+                            <a:srgbClr val="000000"/>
+                          </a:solidFill>
+                          <a:uLnTx/>
+                          <a:uFillTx/>
+                          <a:latin typeface="Adobe Clean Light" panose="020B0303020404020204" pitchFamily="34" charset="0"/>
+                          <a:ea typeface="+mn-ea"/>
+                          <a:cs typeface="+mn-cs"/>
+                        </a:rPr>
+                        <a:t>Le funzioni operative del cliente sono interessate da deterioramento lieve del servizio, tuttavia è possibile procedere mediante una soluzione temporanea. </a:t>
+                      </a:r>
+                    </a:p>
+                  </a:txBody>
+                  <a:tcPr marL="0" marR="0" marT="3810" marB="0">
+                    <a:lnL w="3175">
+                      <a:solidFill>
+                        <a:srgbClr val="B7B8B8"/>
+                      </a:solidFill>
+                      <a:prstDash val="solid"/>
+                    </a:lnL>
+                    <a:lnR w="3175">
+                      <a:solidFill>
+                        <a:srgbClr val="B7B8B8"/>
+                      </a:solidFill>
+                      <a:prstDash val="solid"/>
+                    </a:lnR>
+                    <a:lnT w="3175">
+                      <a:solidFill>
+                        <a:srgbClr val="B7B8B8"/>
+                      </a:solidFill>
+                      <a:prstDash val="solid"/>
+                    </a:lnT>
+                    <a:lnB w="3175">
+                      <a:solidFill>
+                        <a:srgbClr val="B7B8B8"/>
+                      </a:solidFill>
+                      <a:prstDash val="solid"/>
+                    </a:lnB>
+                  </a:tcPr>
+                </a:tc>
+                <a:tc>
+                  <a:txBody>
+                    <a:bodyPr/>
+                    <a:lstStyle/>
+                    <a:p>
+                      <a:pPr marL="0" marR="184150" indent="0" algn="ctr">
+                        <a:lnSpc>
+                          <a:spcPct val="100000"/>
+                        </a:lnSpc>
+                        <a:spcBef>
+                          <a:spcPts val="645"/>
+                        </a:spcBef>
+                      </a:pPr>
+                      <a:r>
+                        <a:rPr lang="it-IT" sz="900" dirty="0">
+                          <a:solidFill>
+                            <a:srgbClr val="020302"/>
+                          </a:solidFill>
+                          <a:latin typeface="AdobeClean-Light"/>
+                          <a:cs typeface="AdobeClean-Light"/>
+                        </a:rPr>
+                        <a:t>   Orario operativo/6 ore</a:t>
+                      </a:r>
+                    </a:p>
+                  </a:txBody>
+                  <a:tcPr marL="0" marR="0" marT="91440" marB="91440" anchor="ctr" anchorCtr="1">
+                    <a:lnL w="3175">
+                      <a:solidFill>
+                        <a:srgbClr val="B7B8B8"/>
+                      </a:solidFill>
+                      <a:prstDash val="solid"/>
+                    </a:lnL>
+                    <a:lnR w="3175">
+                      <a:solidFill>
+                        <a:srgbClr val="B7B8B8"/>
+                      </a:solidFill>
+                      <a:prstDash val="solid"/>
+                    </a:lnR>
+                    <a:lnT w="3175">
+                      <a:solidFill>
+                        <a:srgbClr val="B7B8B8"/>
+                      </a:solidFill>
+                      <a:prstDash val="solid"/>
+                    </a:lnT>
+                    <a:lnB w="3175">
+                      <a:solidFill>
+                        <a:srgbClr val="B7B8B8"/>
+                      </a:solidFill>
+                      <a:prstDash val="solid"/>
+                    </a:lnB>
+                  </a:tcPr>
+                </a:tc>
+                <a:tc>
+                  <a:txBody>
+                    <a:bodyPr/>
+                    <a:lstStyle/>
+                    <a:p>
+                      <a:pPr marL="316230" marR="185420" indent="-193675" algn="ctr">
+                        <a:lnSpc>
+                          <a:spcPct val="100000"/>
+                        </a:lnSpc>
+                        <a:spcBef>
+                          <a:spcPts val="645"/>
+                        </a:spcBef>
+                      </a:pPr>
+                      <a:r>
+                        <a:rPr lang="it-IT" sz="900" dirty="0">
+                          <a:solidFill>
+                            <a:srgbClr val="020302"/>
+                          </a:solidFill>
+                          <a:latin typeface="AdobeClean-Light"/>
+                          <a:cs typeface="AdobeClean-Light"/>
+                        </a:rPr>
+                        <a:t>Orario operativo/4 ore</a:t>
+                      </a:r>
+                    </a:p>
+                  </a:txBody>
+                  <a:tcPr marL="0" marR="0" marT="0" marB="0" anchor="ctr" anchorCtr="1">
+                    <a:lnL w="3175">
+                      <a:solidFill>
+                        <a:srgbClr val="B7B8B8"/>
+                      </a:solidFill>
+                      <a:prstDash val="solid"/>
+                    </a:lnL>
+                    <a:lnR w="3175">
+                      <a:solidFill>
+                        <a:srgbClr val="B7B8B8"/>
+                      </a:solidFill>
+                      <a:prstDash val="solid"/>
+                    </a:lnR>
+                    <a:lnT w="3175">
+                      <a:solidFill>
+                        <a:srgbClr val="B7B8B8"/>
+                      </a:solidFill>
+                      <a:prstDash val="solid"/>
+                    </a:lnT>
+                    <a:lnB w="3175">
+                      <a:solidFill>
+                        <a:srgbClr val="B7B8B8"/>
+                      </a:solidFill>
+                      <a:prstDash val="solid"/>
+                    </a:lnB>
+                    <a:solidFill>
+                      <a:schemeClr val="bg1">
+                        <a:lumMod val="95000"/>
+                      </a:schemeClr>
+                    </a:solidFill>
+                  </a:tcPr>
+                </a:tc>
+                <a:extLst>
+                  <a:ext uri="{0D108BD9-81ED-4DB2-BD59-A6C34878D82A}">
+                    <a16:rowId xmlns:a16="http://schemas.microsoft.com/office/drawing/2014/main" val="10003"/>
+                  </a:ext>
+                </a:extLst>
+              </a:tr>
+              <a:tr h="388333">
+                <a:tc>
+                  <a:txBody>
+                    <a:bodyPr/>
+                    <a:lstStyle/>
+                    <a:p>
+                      <a:pPr marL="48895">
+                        <a:lnSpc>
+                          <a:spcPct val="100000"/>
+                        </a:lnSpc>
+                        <a:spcBef>
+                          <a:spcPts val="15"/>
+                        </a:spcBef>
+                      </a:pPr>
+                      <a:r>
+                        <a:rPr lang="it-IT" sz="900" b="1" dirty="0">
+                          <a:solidFill>
+                            <a:srgbClr val="020302"/>
+                          </a:solidFill>
+                          <a:latin typeface="Adobe Clean"/>
+                          <a:cs typeface="Adobe Clean"/>
+                        </a:rPr>
+                        <a:t>PRIORITÀ 4 (P4)</a:t>
+                      </a:r>
+                    </a:p>
+                    <a:p>
+                      <a:pPr marL="48895" marR="0" lvl="0" indent="0" defTabSz="914400" eaLnBrk="1" fontAlgn="auto" latinLnBrk="0" hangingPunct="1">
+                        <a:lnSpc>
+                          <a:spcPct val="100000"/>
+                        </a:lnSpc>
+                        <a:spcBef>
+                          <a:spcPts val="300"/>
+                        </a:spcBef>
+                        <a:spcAft>
+                          <a:spcPts val="0"/>
+                        </a:spcAft>
+                        <a:buClrTx/>
+                        <a:buSzTx/>
+                        <a:buFontTx/>
+                        <a:buNone/>
+                        <a:tabLst/>
+                        <a:defRPr/>
+                      </a:pPr>
+                      <a:r>
+                        <a:rPr lang="it-IT" sz="900" b="0" i="0" dirty="0">
+                          <a:solidFill>
+                            <a:srgbClr val="000000"/>
+                          </a:solidFill>
+                          <a:latin typeface="Adobe Clean Light" panose="020B0303020404020204" pitchFamily="34" charset="0"/>
+                        </a:rPr>
+                        <a:t>Domande generali sulle attuali funzionalità del prodotto o su una richiesta di miglioramento</a:t>
+                      </a:r>
+                    </a:p>
+                  </a:txBody>
+                  <a:tcPr marL="0" marR="0" marT="1905" marB="0">
+                    <a:lnL w="3175">
+                      <a:solidFill>
+                        <a:srgbClr val="B7B8B8"/>
+                      </a:solidFill>
+                      <a:prstDash val="solid"/>
+                    </a:lnL>
+                    <a:lnR w="3175">
+                      <a:solidFill>
+                        <a:srgbClr val="B7B8B8"/>
+                      </a:solidFill>
+                      <a:prstDash val="solid"/>
+                    </a:lnR>
+                    <a:lnT w="3175">
+                      <a:solidFill>
+                        <a:srgbClr val="B7B8B8"/>
+                      </a:solidFill>
+                      <a:prstDash val="solid"/>
+                    </a:lnT>
+                    <a:lnB w="3175">
+                      <a:solidFill>
+                        <a:srgbClr val="B7B8B8"/>
+                      </a:solidFill>
+                      <a:prstDash val="solid"/>
+                    </a:lnB>
+                  </a:tcPr>
+                </a:tc>
+                <a:tc>
+                  <a:txBody>
+                    <a:bodyPr/>
+                    <a:lstStyle/>
+                    <a:p>
+                      <a:pPr marL="60325" marR="203200" indent="0" algn="ctr">
+                        <a:lnSpc>
+                          <a:spcPct val="100000"/>
+                        </a:lnSpc>
+                        <a:spcBef>
+                          <a:spcPts val="155"/>
+                        </a:spcBef>
+                      </a:pPr>
+                      <a:r>
+                        <a:rPr lang="it-IT" sz="900" dirty="0">
+                          <a:solidFill>
+                            <a:srgbClr val="020302"/>
+                          </a:solidFill>
+                          <a:latin typeface="AdobeClean-Light"/>
+                          <a:cs typeface="AdobeClean-Light"/>
+                        </a:rPr>
+                        <a:t>  Giorni lavorativi/</a:t>
+                      </a:r>
+                      <a:br>
+                        <a:rPr lang="it-IT" sz="900" dirty="0">
+                          <a:solidFill>
+                            <a:srgbClr val="020302"/>
+                          </a:solidFill>
+                          <a:latin typeface="AdobeClean-Light"/>
+                          <a:cs typeface="AdobeClean-Light"/>
+                        </a:rPr>
+                      </a:br>
+                      <a:r>
+                        <a:rPr lang="it-IT" sz="900" dirty="0">
+                          <a:solidFill>
+                            <a:srgbClr val="020302"/>
+                          </a:solidFill>
+                          <a:latin typeface="AdobeClean-Light"/>
+                          <a:cs typeface="AdobeClean-Light"/>
+                        </a:rPr>
+                        <a:t>3 giorni</a:t>
+                      </a:r>
+                    </a:p>
+                  </a:txBody>
+                  <a:tcPr marL="0" marR="0" marT="91440" marB="91440" anchor="ctr" anchorCtr="1">
+                    <a:lnL w="3175">
+                      <a:solidFill>
+                        <a:srgbClr val="B7B8B8"/>
+                      </a:solidFill>
+                      <a:prstDash val="solid"/>
+                    </a:lnL>
+                    <a:lnR w="3175">
+                      <a:solidFill>
+                        <a:srgbClr val="B7B8B8"/>
+                      </a:solidFill>
+                      <a:prstDash val="solid"/>
+                    </a:lnR>
+                    <a:lnT w="3175">
+                      <a:solidFill>
+                        <a:srgbClr val="B7B8B8"/>
+                      </a:solidFill>
+                      <a:prstDash val="solid"/>
+                    </a:lnT>
+                    <a:lnB w="3175">
+                      <a:solidFill>
+                        <a:srgbClr val="B7B8B8"/>
+                      </a:solidFill>
+                      <a:prstDash val="solid"/>
+                    </a:lnB>
+                  </a:tcPr>
+                </a:tc>
+                <a:tc>
+                  <a:txBody>
+                    <a:bodyPr/>
+                    <a:lstStyle/>
+                    <a:p>
+                      <a:pPr marL="114300" marR="223520" indent="0" algn="ctr" defTabSz="1203325" fontAlgn="t">
+                        <a:lnSpc>
+                          <a:spcPct val="100000"/>
+                        </a:lnSpc>
+                        <a:spcBef>
+                          <a:spcPts val="155"/>
+                        </a:spcBef>
+                        <a:tabLst/>
+                      </a:pPr>
+                      <a:r>
+                        <a:rPr lang="it-IT" sz="900" b="0" i="0" u="none" strike="noStrike" dirty="0">
+                          <a:solidFill>
+                            <a:srgbClr val="020302"/>
+                          </a:solidFill>
+                          <a:latin typeface="AdobeClean-Light" panose="020B0503020404020204" pitchFamily="34" charset="0"/>
+                          <a:ea typeface="+mn-ea"/>
+                          <a:cs typeface="+mn-cs"/>
+                        </a:rPr>
+                        <a:t>Giorni lavorativi/</a:t>
+                      </a:r>
+                      <a:br>
+                        <a:rPr lang="it-IT" sz="900" b="0" i="0" u="none" strike="noStrike" dirty="0">
+                          <a:solidFill>
+                            <a:srgbClr val="020302"/>
+                          </a:solidFill>
+                          <a:latin typeface="AdobeClean-Light" panose="020B0503020404020204" pitchFamily="34" charset="0"/>
+                          <a:ea typeface="+mn-ea"/>
+                          <a:cs typeface="+mn-cs"/>
+                        </a:rPr>
+                      </a:br>
+                      <a:r>
+                        <a:rPr lang="it-IT" sz="900" b="0" i="0" u="none" strike="noStrike" dirty="0">
+                          <a:solidFill>
+                            <a:srgbClr val="020302"/>
+                          </a:solidFill>
+                          <a:latin typeface="AdobeClean-Light" panose="020B0503020404020204" pitchFamily="34" charset="0"/>
+                          <a:ea typeface="+mn-ea"/>
+                          <a:cs typeface="+mn-cs"/>
+                        </a:rPr>
+                        <a:t>1 giorno</a:t>
+                      </a:r>
+                    </a:p>
+                  </a:txBody>
+                  <a:tcPr marL="0" marR="0" marT="0" marB="0" anchor="ctr">
+                    <a:lnL w="3175">
+                      <a:solidFill>
+                        <a:srgbClr val="B7B8B8"/>
+                      </a:solidFill>
+                      <a:prstDash val="solid"/>
+                    </a:lnL>
+                    <a:lnR w="3175">
+                      <a:solidFill>
+                        <a:srgbClr val="B7B8B8"/>
+                      </a:solidFill>
+                      <a:prstDash val="solid"/>
+                    </a:lnR>
+                    <a:lnT w="3175">
+                      <a:solidFill>
+                        <a:srgbClr val="B7B8B8"/>
+                      </a:solidFill>
+                      <a:prstDash val="solid"/>
+                    </a:lnT>
+                    <a:lnB w="3175">
+                      <a:solidFill>
+                        <a:srgbClr val="B7B8B8"/>
+                      </a:solidFill>
+                      <a:prstDash val="solid"/>
+                    </a:lnB>
+                    <a:solidFill>
+                      <a:schemeClr val="bg1">
+                        <a:lumMod val="95000"/>
+                      </a:schemeClr>
+                    </a:solidFill>
+                  </a:tcPr>
+                </a:tc>
+                <a:extLst>
+                  <a:ext uri="{0D108BD9-81ED-4DB2-BD59-A6C34878D82A}">
+                    <a16:rowId xmlns:a16="http://schemas.microsoft.com/office/drawing/2014/main" val="10004"/>
+                  </a:ext>
+                </a:extLst>
+              </a:tr>
+            </a:tbl>
+          </a:graphicData>
+        </a:graphic>
+      </p:graphicFrame>
     </p:spTree>
   </p:cSld>
   <p:clrMapOvr>
@@ -7248,7 +6363,7 @@
             <a:bodyPr wrap="square" lIns="0" tIns="0" rIns="0" bIns="0" rtlCol="0"/>
             <a:lstStyle/>
             <a:p>
-              <a:endParaRPr/>
+              <a:endParaRPr sz="1600"/>
             </a:p>
           </p:txBody>
         </p:sp>
@@ -7300,7 +6415,7 @@
             <a:bodyPr wrap="square" lIns="0" tIns="0" rIns="0" bIns="0" rtlCol="0"/>
             <a:lstStyle/>
             <a:p>
-              <a:endParaRPr/>
+              <a:endParaRPr sz="1600"/>
             </a:p>
           </p:txBody>
         </p:sp>
@@ -7330,7 +6445,7 @@
           <a:bodyPr wrap="square" lIns="0" tIns="0" rIns="0" bIns="0" rtlCol="0"/>
           <a:lstStyle/>
           <a:p>
-            <a:endParaRPr/>
+            <a:endParaRPr sz="1600"/>
           </a:p>
         </p:txBody>
       </p:sp>
@@ -7343,7 +6458,7 @@
         <p:spPr>
           <a:xfrm>
             <a:off x="370040" y="1409311"/>
-            <a:ext cx="2286000" cy="1289969"/>
+            <a:ext cx="2286000" cy="1457771"/>
           </a:xfrm>
           <a:prstGeom prst="rect">
             <a:avLst/>
@@ -7364,18 +6479,14 @@
               </a:spcBef>
             </a:pPr>
             <a:r>
-              <a:rPr lang="en-US" sz="1000">
+              <a:rPr lang="it-IT" sz="900" dirty="0">
                 <a:solidFill>
                   <a:srgbClr val="000000"/>
                 </a:solidFill>
                 <a:latin typeface="Adobe Clean Light" panose="020B0303020404020204" pitchFamily="34" charset="0"/>
               </a:rPr>
-              <a:t>A designated Account Support Lead to proactively monitor cases, drive cross-team collaboration, deliver onboarding webinars, run service reports, provide non-technical support assistance, and function as your escalation point and internal advocate within Adobe Support.</a:t>
+              <a:t>Un Account Support Lead dedicato per il monitoraggio proattivo dei casi e per promuovere la collaborazione tra team, fornire webinar introduttivi, eseguire rapporti sui servizi e fornire assistenza non tecnica. Inoltre funge da riferimento per l’escalation dei problemi e da rappresentante del cliente all’interno del supporto Adobe.</a:t>
             </a:r>
-            <a:endParaRPr lang="en-US" sz="1000">
-              <a:latin typeface="Adobe Clean Light" panose="020B0303020404020204" pitchFamily="34" charset="0"/>
-              <a:cs typeface="AdobeClean-Light"/>
-            </a:endParaRPr>
           </a:p>
         </p:txBody>
       </p:sp>
@@ -7388,7 +6499,7 @@
         <p:spPr>
           <a:xfrm>
             <a:off x="2836967" y="8618616"/>
-            <a:ext cx="2286000" cy="641201"/>
+            <a:ext cx="2286000" cy="579646"/>
           </a:xfrm>
           <a:prstGeom prst="rect">
             <a:avLst/>
@@ -7412,44 +6523,14 @@
               </a:tabLst>
             </a:pPr>
             <a:r>
-              <a:rPr sz="1000">
+              <a:rPr lang="it-IT" sz="900">
                 <a:solidFill>
                   <a:srgbClr val="020302"/>
                 </a:solidFill>
                 <a:latin typeface="AdobeClean-Light"/>
                 <a:cs typeface="AdobeClean-Light"/>
               </a:rPr>
-              <a:t>Start a chat session to get answers</a:t>
-            </a:r>
-            <a:r>
-              <a:rPr lang="en-US" sz="1000">
-                <a:solidFill>
-                  <a:srgbClr val="020302"/>
-                </a:solidFill>
-                <a:latin typeface="AdobeClean-Light"/>
-                <a:cs typeface="AdobeClean-Light"/>
-              </a:rPr>
-              <a:t> &amp; </a:t>
-            </a:r>
-            <a:r>
-              <a:rPr sz="1000">
-                <a:solidFill>
-                  <a:srgbClr val="020302"/>
-                </a:solidFill>
-                <a:latin typeface="AdobeClean-Light"/>
-                <a:cs typeface="AdobeClean-Light"/>
-              </a:rPr>
-              <a:t>help with case submission</a:t>
-            </a:r>
-            <a:r>
-              <a:rPr lang="en-US" sz="1000">
-                <a:solidFill>
-                  <a:srgbClr val="020302"/>
-                </a:solidFill>
-                <a:latin typeface="AdobeClean-Light"/>
-                <a:cs typeface="AdobeClean-Light"/>
-              </a:rPr>
-              <a:t>.</a:t>
+              <a:t>Avvia una sessione di chat per ottenere risposte e assistenza nell’invio di un caso.</a:t>
             </a:r>
           </a:p>
           <a:p>
@@ -7462,39 +6543,25 @@
               </a:tabLst>
             </a:pPr>
             <a:r>
-              <a:rPr sz="1000" i="1">
+              <a:rPr lang="it-IT" sz="900" i="1">
                 <a:solidFill>
                   <a:srgbClr val="7A7A7A"/>
                 </a:solidFill>
                 <a:latin typeface="AdobeClean-LightIt"/>
                 <a:cs typeface="AdobeClean-LightIt"/>
               </a:rPr>
-              <a:t>*Not all products have live chat support</a:t>
+              <a:t>* Il supporto chat in diretta non è disponibile per tutti i prodotti</a:t>
             </a:r>
             <a:r>
-              <a:rPr sz="900" i="1">
+              <a:rPr lang="it-IT" sz="800" i="1">
                 <a:solidFill>
                   <a:srgbClr val="7A7A7A"/>
                 </a:solidFill>
                 <a:latin typeface="AdobeClean-LightIt"/>
                 <a:cs typeface="AdobeClean-LightIt"/>
               </a:rPr>
-              <a:t>.</a:t>
+              <a:t>.  </a:t>
             </a:r>
-            <a:r>
-              <a:rPr lang="en-US" sz="900" i="1">
-                <a:solidFill>
-                  <a:srgbClr val="7A7A7A"/>
-                </a:solidFill>
-                <a:latin typeface="AdobeClean-LightIt"/>
-                <a:cs typeface="AdobeClean-LightIt"/>
-              </a:rPr>
-              <a:t>  </a:t>
-            </a:r>
-            <a:endParaRPr sz="900">
-              <a:latin typeface="AdobeClean-Light"/>
-              <a:cs typeface="AdobeClean-Light"/>
-            </a:endParaRPr>
           </a:p>
         </p:txBody>
       </p:sp>
@@ -7523,7 +6590,7 @@
           <a:bodyPr wrap="square" lIns="0" tIns="0" rIns="0" bIns="0" rtlCol="0"/>
           <a:lstStyle/>
           <a:p>
-            <a:endParaRPr/>
+            <a:endParaRPr sz="1600"/>
           </a:p>
         </p:txBody>
       </p:sp>
@@ -7543,8 +6610,8 @@
         </p:nvSpPr>
         <p:spPr>
           <a:xfrm>
-            <a:off x="838200" y="6046398"/>
-            <a:ext cx="1568246" cy="184666"/>
+            <a:off x="838200" y="6008298"/>
+            <a:ext cx="1568246" cy="169277"/>
           </a:xfrm>
           <a:prstGeom prst="rect">
             <a:avLst/>
@@ -7570,12 +6637,12 @@
               <a:defRPr/>
             </a:pPr>
             <a:r>
-              <a:rPr lang="en-US" sz="1200">
+              <a:rPr lang="it-IT" sz="1100">
                 <a:solidFill>
                   <a:srgbClr val="000000"/>
                 </a:solidFill>
               </a:rPr>
-              <a:t>Community Forums</a:t>
+              <a:t>Forum della community</a:t>
             </a:r>
           </a:p>
         </p:txBody>
@@ -7596,8 +6663,8 @@
         </p:nvSpPr>
         <p:spPr>
           <a:xfrm>
-            <a:off x="838200" y="6277305"/>
-            <a:ext cx="959314" cy="184666"/>
+            <a:off x="838200" y="6239205"/>
+            <a:ext cx="959314" cy="169277"/>
           </a:xfrm>
           <a:prstGeom prst="rect">
             <a:avLst/>
@@ -7618,12 +6685,12 @@
               </a:spcAft>
             </a:pPr>
             <a:r>
-              <a:rPr lang="en-US" sz="1200" b="1">
+              <a:rPr lang="it-IT" sz="1100" b="1">
                 <a:latin typeface="+mj-lt"/>
                 <a:ea typeface="Open Sans" pitchFamily="34" charset="0"/>
                 <a:cs typeface="Open Sans" pitchFamily="34" charset="0"/>
               </a:rPr>
-              <a:t>Online Forums</a:t>
+              <a:t>Forum online</a:t>
             </a:r>
           </a:p>
         </p:txBody>
@@ -7642,8 +6709,8 @@
         </p:nvSpPr>
         <p:spPr>
           <a:xfrm>
-            <a:off x="370040" y="6529249"/>
-            <a:ext cx="2286000" cy="805349"/>
+            <a:off x="370040" y="6491149"/>
+            <a:ext cx="2286000" cy="866904"/>
           </a:xfrm>
           <a:prstGeom prst="rect">
             <a:avLst/>
@@ -7656,13 +6723,13 @@
           <a:lstStyle/>
           <a:p>
             <a:r>
-              <a:rPr lang="en-US" sz="1000">
+              <a:rPr lang="it-IT" sz="900">
                 <a:solidFill>
                   <a:srgbClr val="000000"/>
                 </a:solidFill>
                 <a:latin typeface="Adobe Clean Light" panose="020B0303020404020204" pitchFamily="34" charset="0"/>
               </a:rPr>
-              <a:t>Continuous online access to a growing database of technical solutions, product documentation, FAQs and more. Thousands of customers can connect to share best practices and lessons learned.</a:t>
+              <a:t>Accesso online continuo a un database in continua crescita di soluzioni tecniche, documentazione del prodotto, risposte alle domande più frequenti e altro ancora. Migliaia di clienti possono condividere best practice ed esperienze.</a:t>
             </a:r>
           </a:p>
         </p:txBody>
@@ -7683,8 +6750,8 @@
         </p:nvSpPr>
         <p:spPr>
           <a:xfrm>
-            <a:off x="5851290" y="6277305"/>
-            <a:ext cx="1316707" cy="184666"/>
+            <a:off x="5851290" y="6239205"/>
+            <a:ext cx="1179810" cy="169277"/>
           </a:xfrm>
           <a:prstGeom prst="rect">
             <a:avLst/>
@@ -7705,12 +6772,12 @@
               </a:spcAft>
             </a:pPr>
             <a:r>
-              <a:rPr lang="en-US" sz="1200" b="1">
+              <a:rPr lang="it-IT" sz="1100" b="1">
                 <a:latin typeface="+mj-lt"/>
                 <a:ea typeface="Open Sans" pitchFamily="34" charset="0"/>
                 <a:cs typeface="Open Sans" pitchFamily="34" charset="0"/>
               </a:rPr>
-              <a:t>Self-guided Journeys</a:t>
+              <a:t>Percorsi autoguidati</a:t>
             </a:r>
           </a:p>
         </p:txBody>
@@ -7729,8 +6796,8 @@
         </p:nvSpPr>
         <p:spPr>
           <a:xfrm>
-            <a:off x="5376301" y="6529249"/>
-            <a:ext cx="2286000" cy="959237"/>
+            <a:off x="5376301" y="6491149"/>
+            <a:ext cx="2286000" cy="1143903"/>
           </a:xfrm>
           <a:prstGeom prst="rect">
             <a:avLst/>
@@ -7743,13 +6810,13 @@
           <a:lstStyle/>
           <a:p>
             <a:r>
-              <a:rPr lang="en-US" sz="1000">
+              <a:rPr lang="it-IT" sz="900" spc="-20" dirty="0">
                 <a:solidFill>
                   <a:srgbClr val="000000"/>
                 </a:solidFill>
                 <a:latin typeface="Adobe Clean Light" panose="020B0303020404020204" pitchFamily="34" charset="0"/>
               </a:rPr>
-              <a:t>Experience Makers are made with Experience League. Customers can kickstart their Customer Experience Management abilities with personalized learning to develop skills, engage with a global community of peers, and earn career advancing recognition.</a:t>
+              <a:t>Diventa un Experience Maker con Experience League. Puoi acquisire rapidamente le capacità necessarie nella gestione della customer experience seguendo un percorso di apprendimento personalizzato per sviluppare nuove competenze, partecipare a una comunità globale di professionisti e guadagnare riconoscimenti di valore sul piano professionale.</a:t>
             </a:r>
           </a:p>
         </p:txBody>
@@ -7771,7 +6838,7 @@
         <p:spPr>
           <a:xfrm>
             <a:off x="3215895" y="8150141"/>
-            <a:ext cx="2520000" cy="184666"/>
+            <a:ext cx="2520000" cy="169277"/>
           </a:xfrm>
           <a:prstGeom prst="rect">
             <a:avLst/>
@@ -7797,12 +6864,12 @@
               <a:defRPr/>
             </a:pPr>
             <a:r>
-              <a:rPr lang="en-US" sz="1200">
+              <a:rPr lang="it-IT" sz="1100">
                 <a:solidFill>
                   <a:srgbClr val="000000"/>
                 </a:solidFill>
               </a:rPr>
-              <a:t>Live Chat  Support*</a:t>
+              <a:t>Supporto chat in diretta*</a:t>
             </a:r>
           </a:p>
         </p:txBody>
@@ -7824,7 +6891,7 @@
         <p:spPr>
           <a:xfrm>
             <a:off x="3198434" y="8373543"/>
-            <a:ext cx="840166" cy="184666"/>
+            <a:ext cx="828753" cy="169277"/>
           </a:xfrm>
           <a:prstGeom prst="rect">
             <a:avLst/>
@@ -7845,12 +6912,12 @@
               </a:spcAft>
             </a:pPr>
             <a:r>
-              <a:rPr lang="en-US" sz="1200" b="1">
+              <a:rPr lang="it-IT" sz="1100" b="1">
                 <a:latin typeface="+mj-lt"/>
                 <a:ea typeface="Open Sans" pitchFamily="34" charset="0"/>
                 <a:cs typeface="Open Sans" pitchFamily="34" charset="0"/>
               </a:rPr>
-              <a:t>Chat Support</a:t>
+              <a:t>Supporto chat</a:t>
             </a:r>
           </a:p>
         </p:txBody>
@@ -7871,8 +6938,8 @@
         </p:nvSpPr>
         <p:spPr>
           <a:xfrm>
-            <a:off x="3290772" y="6046398"/>
-            <a:ext cx="2520000" cy="184666"/>
+            <a:off x="3290772" y="6008298"/>
+            <a:ext cx="2520000" cy="169277"/>
           </a:xfrm>
           <a:prstGeom prst="rect">
             <a:avLst/>
@@ -7898,12 +6965,12 @@
               <a:defRPr/>
             </a:pPr>
             <a:r>
-              <a:rPr lang="en-US" sz="1200">
+              <a:rPr lang="it-IT" sz="1100">
                 <a:solidFill>
                   <a:srgbClr val="000000"/>
                 </a:solidFill>
               </a:rPr>
-              <a:t>24X7 P1 </a:t>
+              <a:t>24x7 P1 </a:t>
             </a:r>
           </a:p>
         </p:txBody>
@@ -7924,8 +6991,8 @@
         </p:nvSpPr>
         <p:spPr>
           <a:xfrm>
-            <a:off x="3276600" y="6277305"/>
-            <a:ext cx="992259" cy="184666"/>
+            <a:off x="3276600" y="6239205"/>
+            <a:ext cx="1166986" cy="169277"/>
           </a:xfrm>
           <a:prstGeom prst="rect">
             <a:avLst/>
@@ -7946,12 +7013,12 @@
               </a:spcAft>
             </a:pPr>
             <a:r>
-              <a:rPr lang="en-US" sz="1200" b="1">
+              <a:rPr lang="it-IT" sz="1100" b="1">
                 <a:latin typeface="+mj-lt"/>
                 <a:ea typeface="Open Sans" pitchFamily="34" charset="0"/>
                 <a:cs typeface="Open Sans" pitchFamily="34" charset="0"/>
               </a:rPr>
-              <a:t>Phone Support</a:t>
+              <a:t>Supporto telefonico</a:t>
             </a:r>
           </a:p>
         </p:txBody>
@@ -7970,8 +7037,8 @@
         </p:nvSpPr>
         <p:spPr>
           <a:xfrm>
-            <a:off x="2836967" y="6529249"/>
-            <a:ext cx="2286000" cy="805349"/>
+            <a:off x="2836967" y="6491149"/>
+            <a:ext cx="2286000" cy="866904"/>
           </a:xfrm>
           <a:prstGeom prst="rect">
             <a:avLst/>
@@ -7984,26 +7051,20 @@
           <a:lstStyle/>
           <a:p>
             <a:r>
-              <a:rPr lang="en-US" sz="1000">
+              <a:rPr lang="it-IT" sz="900">
                 <a:solidFill>
                   <a:srgbClr val="020302"/>
                 </a:solidFill>
                 <a:latin typeface="AdobeClean-Light"/>
               </a:rPr>
-              <a:t>Authorized users or Named Support Contacts </a:t>
+              <a:t>Gli utenti autorizzati o i contatti interni per il supporto possono segnalare i problemi tramite tutti i canali disponibili (compreso il supporto telefonico per casi P1) e interagire con il team Adobe di assistenza tecnica per conto della tua azienda</a:t>
             </a:r>
             <a:r>
-              <a:rPr lang="en-US" sz="1000">
+              <a:rPr lang="it-IT" sz="900">
                 <a:latin typeface="Adobe Clean Light" panose="020B0303020404020204" pitchFamily="34" charset="0"/>
               </a:rPr>
-              <a:t>can submit issues through all available  channels (including phone for P1) and interact with our technical support team on behalf of your company. </a:t>
+              <a:t>. </a:t>
             </a:r>
-            <a:endParaRPr lang="en-US" sz="1000">
-              <a:solidFill>
-                <a:srgbClr val="000000"/>
-              </a:solidFill>
-              <a:latin typeface="Adobe Clean Light" panose="020B0303020404020204" pitchFamily="34" charset="0"/>
-            </a:endParaRPr>
           </a:p>
         </p:txBody>
       </p:sp>
@@ -8026,7 +7087,7 @@
         <p:spPr>
           <a:xfrm>
             <a:off x="5253416" y="9862966"/>
-            <a:ext cx="2270125" cy="132729"/>
+            <a:ext cx="2270125" cy="117340"/>
           </a:xfrm>
           <a:prstGeom prst="rect">
             <a:avLst/>
@@ -8047,24 +7108,8 @@
               </a:spcBef>
             </a:pPr>
             <a:r>
-              <a:rPr spc="-5"/>
-              <a:t>©202</a:t>
-            </a:r>
-            <a:r>
-              <a:rPr lang="en-US" spc="-5"/>
-              <a:t>1</a:t>
-            </a:r>
-            <a:r>
-              <a:rPr spc="-5"/>
-              <a:t> Adobe. All Rights Reserved. Adobe</a:t>
-            </a:r>
-            <a:r>
-              <a:rPr spc="60"/>
-              <a:t> </a:t>
-            </a:r>
-            <a:r>
-              <a:rPr spc="-5"/>
-              <a:t>Confidential.</a:t>
+              <a:rPr lang="it-IT" sz="700"/>
+              <a:t>©2021 Adobe. All Rights Reserved. Adobe Confidential.</a:t>
             </a:r>
           </a:p>
         </p:txBody>
@@ -8086,7 +7131,7 @@
         <p:spPr>
           <a:xfrm>
             <a:off x="821898" y="1099315"/>
-            <a:ext cx="1726164" cy="184666"/>
+            <a:ext cx="1726164" cy="169277"/>
           </a:xfrm>
           <a:prstGeom prst="rect">
             <a:avLst/>
@@ -8107,7 +7152,7 @@
               </a:spcAft>
             </a:pPr>
             <a:r>
-              <a:rPr lang="en-US" sz="1200" b="1" spc="-10">
+              <a:rPr lang="it-IT" sz="1100" b="1">
                 <a:solidFill>
                   <a:srgbClr val="020302"/>
                 </a:solidFill>
@@ -8132,7 +7177,7 @@
         </p:nvSpPr>
         <p:spPr>
           <a:xfrm>
-            <a:off x="401995" y="5785009"/>
+            <a:off x="401995" y="5762149"/>
             <a:ext cx="1848207" cy="45719"/>
           </a:xfrm>
           <a:custGeom>
@@ -8162,7 +7207,7 @@
           <a:bodyPr wrap="square" lIns="0" tIns="0" rIns="0" bIns="0" rtlCol="0"/>
           <a:lstStyle/>
           <a:p>
-            <a:endParaRPr/>
+            <a:endParaRPr sz="1600"/>
           </a:p>
         </p:txBody>
       </p:sp>
@@ -8180,8 +7225,8 @@
         </p:nvSpPr>
         <p:spPr>
           <a:xfrm>
-            <a:off x="318713" y="5432541"/>
-            <a:ext cx="2180405" cy="307777"/>
+            <a:off x="318713" y="5409681"/>
+            <a:ext cx="2591800" cy="276999"/>
           </a:xfrm>
           <a:prstGeom prst="rect">
             <a:avLst/>
@@ -8202,19 +7247,15 @@
               </a:spcBef>
             </a:pPr>
             <a:r>
-              <a:rPr lang="en-US" sz="1400" b="1" spc="-10" dirty="0">
+              <a:rPr lang="it-IT" sz="1200" b="1">
                 <a:solidFill>
                   <a:srgbClr val="020302"/>
                 </a:solidFill>
                 <a:latin typeface="Adobe Clean"/>
                 <a:cs typeface="Adobe Clean"/>
               </a:rPr>
-              <a:t>Standard Support Features</a:t>
+              <a:t>Caratteristiche del supporto Standard</a:t>
             </a:r>
-            <a:endParaRPr lang="en-US" sz="1400" dirty="0">
-              <a:latin typeface="Adobe Clean"/>
-              <a:cs typeface="Adobe Clean"/>
-            </a:endParaRPr>
           </a:p>
         </p:txBody>
       </p:sp>
@@ -8262,7 +7303,7 @@
           <a:bodyPr wrap="square" lIns="0" tIns="0" rIns="0" bIns="0" rtlCol="0"/>
           <a:lstStyle/>
           <a:p>
-            <a:endParaRPr/>
+            <a:endParaRPr sz="1600"/>
           </a:p>
         </p:txBody>
       </p:sp>
@@ -8281,7 +7322,7 @@
         <p:spPr>
           <a:xfrm>
             <a:off x="240424" y="429188"/>
-            <a:ext cx="2163221" cy="307777"/>
+            <a:ext cx="2566280" cy="276999"/>
           </a:xfrm>
           <a:prstGeom prst="rect">
             <a:avLst/>
@@ -8302,19 +7343,15 @@
               </a:spcBef>
             </a:pPr>
             <a:r>
-              <a:rPr lang="en-US" sz="1400" b="1" spc="-10">
+              <a:rPr lang="it-IT" sz="1200" b="1">
                 <a:solidFill>
                   <a:srgbClr val="020302"/>
                 </a:solidFill>
                 <a:latin typeface="Adobe Clean"/>
                 <a:cs typeface="Adobe Clean"/>
               </a:rPr>
-              <a:t>Business  Support Features</a:t>
+              <a:t>Caratteristiche del supporto Business</a:t>
             </a:r>
-            <a:endParaRPr lang="en-US" sz="1400">
-              <a:latin typeface="Adobe Clean"/>
-              <a:cs typeface="Adobe Clean"/>
-            </a:endParaRPr>
           </a:p>
         </p:txBody>
       </p:sp>
@@ -8354,15 +7391,11 @@
               </a:spcBef>
             </a:pPr>
             <a:r>
-              <a:rPr lang="en-US" sz="1000">
+              <a:rPr lang="it-IT" sz="900">
                 <a:latin typeface="Adobe Clean Light" panose="020B0303020404020204" pitchFamily="34" charset="0"/>
               </a:rPr>
-              <a:t>Customers can submit support cases via Phone for all P2, P3, P4 issues during regional support hours. There are no upper limits on the number of times you can call into support. Customers can also request a call back from support or request a meeting to demonstrate or work through an issue using a shared remote desktop session.</a:t>
+              <a:t>I clienti possono segnalare telefonicamente i problemi P2, P3 e P4 durante l’orario operativo per la propria area geografica. Non vi è alcun limite al numero di chiamate di supporto consentite. I clienti possono anche chiedere di essere richiamati dal supporto, o richiedere una sessione con desktop remoto condiviso a scopo di dimostrazione o risoluzione di un problema.</a:t>
             </a:r>
-            <a:endParaRPr lang="en-US" sz="1000">
-              <a:latin typeface="Adobe Clean Light" panose="020B0303020404020204" pitchFamily="34" charset="0"/>
-              <a:cs typeface="AdobeClean-Light"/>
-            </a:endParaRPr>
           </a:p>
         </p:txBody>
       </p:sp>
@@ -8383,7 +7416,7 @@
         <p:spPr>
           <a:xfrm>
             <a:off x="3257682" y="1083435"/>
-            <a:ext cx="1976242" cy="184666"/>
+            <a:ext cx="1976242" cy="169277"/>
           </a:xfrm>
           <a:prstGeom prst="rect">
             <a:avLst/>
@@ -8404,13 +7437,13 @@
               </a:spcAft>
             </a:pPr>
             <a:r>
-              <a:rPr lang="en-US" sz="1200" b="1" spc="-10">
+              <a:rPr lang="it-IT" sz="1100" b="1">
                 <a:solidFill>
                   <a:srgbClr val="020302"/>
                 </a:solidFill>
                 <a:latin typeface="+mj-lt"/>
               </a:rPr>
-              <a:t>Live Telephone Support</a:t>
+              <a:t>Supporto telefonico in diretta</a:t>
             </a:r>
           </a:p>
         </p:txBody>
@@ -8430,7 +7463,7 @@
         <p:spPr>
           <a:xfrm>
             <a:off x="5376301" y="1398482"/>
-            <a:ext cx="2286000" cy="805349"/>
+            <a:ext cx="2286000" cy="728405"/>
           </a:xfrm>
           <a:prstGeom prst="rect">
             <a:avLst/>
@@ -8451,18 +7484,14 @@
               </a:spcBef>
             </a:pPr>
             <a:r>
-              <a:rPr lang="en-US" sz="1000">
+              <a:rPr lang="it-IT" sz="900">
                 <a:solidFill>
                   <a:srgbClr val="4B4B4B"/>
                 </a:solidFill>
                 <a:latin typeface="Adobe Clean Light" panose="020B0303020404020204" pitchFamily="34" charset="0"/>
               </a:rPr>
-              <a:t>A designated point of contact within Adobe who can provide escalation assistance, regular updates and ensure priority is given to your most critical open support requests.</a:t>
+              <a:t>Un contatto Adobe dedicato che può fornire assistenza e aggiornamenti regolari in merito ai casi che richiedono escalation, e assicurarsi che venga data priorità alle richieste di supporto aperte più critiche.</a:t>
             </a:r>
-            <a:endParaRPr lang="en-US" sz="1000">
-              <a:latin typeface="Adobe Clean Light" panose="020B0303020404020204" pitchFamily="34" charset="0"/>
-              <a:cs typeface="AdobeClean-Light"/>
-            </a:endParaRPr>
           </a:p>
         </p:txBody>
       </p:sp>
@@ -8483,7 +7512,7 @@
         <p:spPr>
           <a:xfrm>
             <a:off x="5885313" y="1085652"/>
-            <a:ext cx="1608472" cy="184666"/>
+            <a:ext cx="1608472" cy="169277"/>
           </a:xfrm>
           <a:prstGeom prst="rect">
             <a:avLst/>
@@ -8504,13 +7533,13 @@
               </a:spcAft>
             </a:pPr>
             <a:r>
-              <a:rPr lang="en-US" sz="1200" b="1" spc="-10">
+              <a:rPr lang="it-IT" sz="1100" b="1">
                 <a:solidFill>
                   <a:srgbClr val="020302"/>
                 </a:solidFill>
                 <a:latin typeface="+mj-lt"/>
               </a:rPr>
-              <a:t>Escalation Management</a:t>
+              <a:t>Gestione delle escalation</a:t>
             </a:r>
           </a:p>
         </p:txBody>
@@ -8532,7 +7561,7 @@
         <p:spPr>
           <a:xfrm>
             <a:off x="838200" y="8148121"/>
-            <a:ext cx="2520000" cy="184666"/>
+            <a:ext cx="2520000" cy="169277"/>
           </a:xfrm>
           <a:prstGeom prst="rect">
             <a:avLst/>
@@ -8558,7 +7587,7 @@
               <a:defRPr/>
             </a:pPr>
             <a:r>
-              <a:rPr lang="en-US" sz="1200">
+              <a:rPr lang="it-IT" sz="1100">
                 <a:solidFill>
                   <a:srgbClr val="000000"/>
                 </a:solidFill>
@@ -8585,7 +7614,7 @@
         <p:spPr>
           <a:xfrm>
             <a:off x="838200" y="8373543"/>
-            <a:ext cx="604974" cy="184666"/>
+            <a:ext cx="503343" cy="169277"/>
           </a:xfrm>
           <a:prstGeom prst="rect">
             <a:avLst/>
@@ -8606,12 +7635,12 @@
               </a:spcAft>
             </a:pPr>
             <a:r>
-              <a:rPr lang="en-US" sz="1200" b="1">
+              <a:rPr lang="it-IT" sz="1100" b="1">
                 <a:latin typeface="+mj-lt"/>
                 <a:ea typeface="Open Sans" pitchFamily="34" charset="0"/>
                 <a:cs typeface="Open Sans" pitchFamily="34" charset="0"/>
               </a:rPr>
-              <a:t>Webinars</a:t>
+              <a:t>Webinar</a:t>
             </a:r>
           </a:p>
         </p:txBody>
@@ -8631,7 +7660,7 @@
         <p:spPr>
           <a:xfrm>
             <a:off x="370040" y="8618616"/>
-            <a:ext cx="2286000" cy="1113125"/>
+            <a:ext cx="2286000" cy="866904"/>
           </a:xfrm>
           <a:prstGeom prst="rect">
             <a:avLst/>
@@ -8644,13 +7673,13 @@
           <a:lstStyle/>
           <a:p>
             <a:r>
-              <a:rPr lang="en-US" sz="1000">
+              <a:rPr lang="it-IT" sz="900" dirty="0">
                 <a:solidFill>
                   <a:srgbClr val="000000"/>
                 </a:solidFill>
                 <a:latin typeface="Adobe Clean Light" panose="020B0303020404020204" pitchFamily="34" charset="0"/>
               </a:rPr>
-              <a:t>Office Hours is an initiative led by the Adobe Customer Support team. These sessions are designed to inform as well as help participants troubleshoot problems and provide tips and tricks to be successful with Adobe Experience Cloud.</a:t>
+              <a:t>Office Hours è un’iniziativa nata dal team del Servizio clienti di Adobe. Queste sessioni sono progettate per informare e aiutare i partecipanti a risolvere problemi e fornire suggerimenti e trucchi utili per le soluzioni Adobe Experience Cloud.</a:t>
             </a:r>
           </a:p>
         </p:txBody>
@@ -8672,7 +7701,7 @@
         <p:spPr>
           <a:xfrm>
             <a:off x="5851290" y="8373543"/>
-            <a:ext cx="1267206" cy="184666"/>
+            <a:ext cx="1441100" cy="169277"/>
           </a:xfrm>
           <a:prstGeom prst="rect">
             <a:avLst/>
@@ -8693,12 +7722,12 @@
               </a:spcAft>
             </a:pPr>
             <a:r>
-              <a:rPr lang="en-US" sz="1200" b="1">
+              <a:rPr lang="it-IT" sz="1100" b="1">
                 <a:latin typeface="+mj-lt"/>
                 <a:ea typeface="Open Sans" pitchFamily="34" charset="0"/>
                 <a:cs typeface="Open Sans" pitchFamily="34" charset="0"/>
               </a:rPr>
-              <a:t>24/7 Support Portal</a:t>
+              <a:t>Portale di supporto 24/7</a:t>
             </a:r>
           </a:p>
         </p:txBody>
@@ -8718,7 +7747,7 @@
         <p:spPr>
           <a:xfrm>
             <a:off x="5376301" y="8618616"/>
-            <a:ext cx="2286000" cy="805349"/>
+            <a:ext cx="2286000" cy="728405"/>
           </a:xfrm>
           <a:prstGeom prst="rect">
             <a:avLst/>
@@ -8731,30 +7760,13 @@
           <a:lstStyle/>
           <a:p>
             <a:r>
-              <a:rPr lang="en-US" sz="1000">
+              <a:rPr lang="it-IT" sz="900">
                 <a:solidFill>
                   <a:srgbClr val="000000"/>
                 </a:solidFill>
                 <a:latin typeface="Adobe Clean Light" panose="020B0303020404020204" pitchFamily="34" charset="0"/>
               </a:rPr>
-              <a:t>On-demand access to the online </a:t>
-            </a:r>
-            <a:br>
-              <a:rPr lang="en-US" sz="1000">
-                <a:solidFill>
-                  <a:srgbClr val="000000"/>
-                </a:solidFill>
-                <a:latin typeface="Adobe Clean Light" panose="020B0303020404020204" pitchFamily="34" charset="0"/>
-              </a:rPr>
-            </a:br>
-            <a:r>
-              <a:rPr lang="en-US" sz="1000">
-                <a:solidFill>
-                  <a:srgbClr val="000000"/>
-                </a:solidFill>
-                <a:latin typeface="Adobe Clean Light" panose="020B0303020404020204" pitchFamily="34" charset="0"/>
-              </a:rPr>
-              <a:t>Self-help Support Portal to submit support requests, review case status, and browse other resources, like our knowledgebase, news and alerts, featured tips, and more.</a:t>
+              <a:t>Accesso on-demand al portale di assistenza autonoma per inviare richieste di supporto, esaminare lo stato dei casi e sfogliare altre risorse, come la knowledge base, notizie e avvisi, suggerimenti e altro ancora.</a:t>
             </a:r>
           </a:p>
         </p:txBody>
@@ -8852,7 +7864,7 @@
         <p:spPr>
           <a:xfrm>
             <a:off x="789025" y="3499700"/>
-            <a:ext cx="1336142" cy="285247"/>
+            <a:ext cx="1336142" cy="261610"/>
           </a:xfrm>
           <a:prstGeom prst="rect">
             <a:avLst/>
@@ -8866,10 +7878,10 @@
           <a:lstStyle/>
           <a:p>
             <a:r>
-              <a:rPr lang="en-US" sz="1200" b="1">
+              <a:rPr lang="it-IT" sz="1100" b="1">
                 <a:latin typeface="+mj-lt"/>
               </a:rPr>
-              <a:t>Business Services</a:t>
+              <a:t>Servizi Business</a:t>
             </a:r>
           </a:p>
         </p:txBody>
@@ -8889,7 +7901,7 @@
         <p:spPr>
           <a:xfrm>
             <a:off x="370041" y="3875832"/>
-            <a:ext cx="2286000" cy="558999"/>
+            <a:ext cx="2286000" cy="380553"/>
           </a:xfrm>
           <a:prstGeom prst="rect">
             <a:avLst/>
@@ -8910,15 +7922,11 @@
               </a:spcBef>
             </a:pPr>
             <a:r>
-              <a:rPr lang="en-US" sz="1000">
+              <a:rPr lang="it-IT" sz="900">
                 <a:latin typeface="Adobe Clean Light" panose="020B0303020404020204" pitchFamily="34" charset="0"/>
               </a:rPr>
-              <a:t>An Account Support Lead will host webinars covering an overview of business support services.  </a:t>
+              <a:t>Un Account Support Lead terrà dei webinar per illustrare i servizi di supporto Business.  </a:t>
             </a:r>
-            <a:endParaRPr lang="en-US" sz="1000">
-              <a:latin typeface="Adobe Clean Light" panose="020B0303020404020204" pitchFamily="34" charset="0"/>
-              <a:cs typeface="AdobeClean-Light"/>
-            </a:endParaRPr>
           </a:p>
         </p:txBody>
       </p:sp>
@@ -8973,7 +7981,7 @@
           <a:bodyPr wrap="square" lIns="0" tIns="0" rIns="0" bIns="0" rtlCol="0"/>
           <a:lstStyle/>
           <a:p>
-            <a:endParaRPr/>
+            <a:endParaRPr sz="1600"/>
           </a:p>
         </p:txBody>
       </p:sp>
@@ -9125,7 +8133,7 @@
         </p:blipFill>
         <p:spPr>
           <a:xfrm>
-            <a:off x="2836967" y="6062796"/>
+            <a:off x="2836967" y="6024696"/>
             <a:ext cx="411480" cy="411480"/>
           </a:xfrm>
           <a:prstGeom prst="rect">
@@ -9164,7 +8172,7 @@
         </p:blipFill>
         <p:spPr>
           <a:xfrm>
-            <a:off x="359731" y="6062796"/>
+            <a:off x="359731" y="6024696"/>
             <a:ext cx="411480" cy="411480"/>
           </a:xfrm>
           <a:prstGeom prst="rect">
@@ -9203,7 +8211,7 @@
         </p:blipFill>
         <p:spPr>
           <a:xfrm>
-            <a:off x="5329042" y="6062796"/>
+            <a:off x="5329042" y="6024696"/>
             <a:ext cx="411480" cy="411480"/>
           </a:xfrm>
           <a:prstGeom prst="rect">
@@ -9340,7 +8348,7 @@
           <a:bodyPr wrap="square" lIns="0" tIns="0" rIns="0" bIns="0" rtlCol="0"/>
           <a:lstStyle/>
           <a:p>
-            <a:endParaRPr/>
+            <a:endParaRPr sz="1600"/>
           </a:p>
         </p:txBody>
       </p:sp>
@@ -9361,7 +8369,7 @@
         <p:spPr>
           <a:xfrm>
             <a:off x="5851290" y="8150141"/>
-            <a:ext cx="2520000" cy="184666"/>
+            <a:ext cx="2520000" cy="169277"/>
           </a:xfrm>
           <a:prstGeom prst="rect">
             <a:avLst/>
@@ -9387,12 +8395,12 @@
               <a:defRPr/>
             </a:pPr>
             <a:r>
-              <a:rPr lang="en-US" sz="1200">
+              <a:rPr lang="it-IT" sz="1100" dirty="0">
                 <a:solidFill>
                   <a:srgbClr val="000000"/>
                 </a:solidFill>
               </a:rPr>
-              <a:t>Self– Help Portal</a:t>
+              <a:t>Portale di assistenza autonoma</a:t>
             </a:r>
           </a:p>
         </p:txBody>
@@ -9413,8 +8421,8 @@
         </p:nvSpPr>
         <p:spPr>
           <a:xfrm>
-            <a:off x="5851290" y="6046398"/>
-            <a:ext cx="2520000" cy="184666"/>
+            <a:off x="5851290" y="5924478"/>
+            <a:ext cx="2520000" cy="169277"/>
           </a:xfrm>
           <a:prstGeom prst="rect">
             <a:avLst/>
@@ -9440,7 +8448,7 @@
               <a:defRPr/>
             </a:pPr>
             <a:r>
-              <a:rPr lang="en-US" sz="1200">
+              <a:rPr lang="it-IT" sz="1100">
                 <a:solidFill>
                   <a:srgbClr val="000000"/>
                 </a:solidFill>
@@ -9484,7 +8492,7 @@
         <p:spPr>
           <a:xfrm>
             <a:off x="110489" y="9667609"/>
-            <a:ext cx="7355205" cy="332105"/>
+            <a:ext cx="7355205" cy="292388"/>
           </a:xfrm>
           <a:prstGeom prst="rect">
             <a:avLst/>
@@ -9502,49 +8510,15 @@
               </a:lnSpc>
             </a:pPr>
             <a:r>
-              <a:rPr sz="500" spc="-5">
+              <a:rPr lang="it-IT" sz="400">
                 <a:solidFill>
                   <a:srgbClr val="6C6C6C"/>
                 </a:solidFill>
                 <a:latin typeface="Adobe Clean"/>
                 <a:cs typeface="Adobe Clean"/>
               </a:rPr>
-              <a:t>©2020 Adobe. All Rights Reserved. </a:t>
+              <a:t>©2020 Adobe. All Rights Reserved. Adobe Confidential.</a:t>
             </a:r>
-            <a:r>
-              <a:rPr sz="500">
-                <a:solidFill>
-                  <a:srgbClr val="6C6C6C"/>
-                </a:solidFill>
-                <a:latin typeface="Adobe Clean"/>
-                <a:cs typeface="Adobe Clean"/>
-              </a:rPr>
-              <a:t>Adobe</a:t>
-            </a:r>
-            <a:r>
-              <a:rPr sz="500" spc="5">
-                <a:solidFill>
-                  <a:srgbClr val="6C6C6C"/>
-                </a:solidFill>
-                <a:latin typeface="Adobe Clean"/>
-                <a:cs typeface="Adobe Clean"/>
-              </a:rPr>
-              <a:t> </a:t>
-            </a:r>
-            <a:r>
-              <a:rPr sz="500" spc="-5">
-                <a:solidFill>
-                  <a:srgbClr val="6C6C6C"/>
-                </a:solidFill>
-                <a:latin typeface="Adobe Clean"/>
-                <a:cs typeface="Adobe Clean"/>
-              </a:rPr>
-              <a:t>Confidential.</a:t>
-            </a:r>
-            <a:endParaRPr sz="500">
-              <a:latin typeface="Adobe Clean"/>
-              <a:cs typeface="Adobe Clean"/>
-            </a:endParaRPr>
           </a:p>
           <a:p>
             <a:pPr>
@@ -9555,7 +8529,7 @@
                 <a:spcPts val="25"/>
               </a:spcBef>
             </a:pPr>
-            <a:endParaRPr sz="800">
+            <a:endParaRPr sz="700">
               <a:latin typeface="Adobe Clean"/>
               <a:cs typeface="Adobe Clean"/>
             </a:endParaRPr>
@@ -9570,39 +8544,15 @@
               </a:spcBef>
             </a:pPr>
             <a:r>
-              <a:rPr sz="800" spc="-5">
+              <a:rPr lang="it-IT" sz="700">
                 <a:solidFill>
                   <a:srgbClr val="6D6D6D"/>
                 </a:solidFill>
                 <a:latin typeface="Adobe Clean"/>
                 <a:cs typeface="Adobe Clean"/>
               </a:rPr>
-              <a:t>©2020 Adobe. All Rights Reserved. Adobe</a:t>
+              <a:t>©2020 Adobe. All Rights Reserved. Adobe Confidential.</a:t>
             </a:r>
-            <a:r>
-              <a:rPr sz="800" spc="75">
-                <a:solidFill>
-                  <a:srgbClr val="6D6D6D"/>
-                </a:solidFill>
-                <a:latin typeface="Adobe Clean"/>
-                <a:cs typeface="Adobe Clean"/>
-              </a:rPr>
-              <a:t> </a:t>
-            </a:r>
-            <a:r>
-              <a:rPr sz="800" spc="-5">
-                <a:solidFill>
-                  <a:srgbClr val="6D6D6D"/>
-                </a:solidFill>
-                <a:latin typeface="Adobe Clean"/>
-                <a:cs typeface="Adobe Clean"/>
-              </a:rPr>
-              <a:t>Confidential.</a:t>
-            </a:r>
-            <a:endParaRPr sz="800">
-              <a:latin typeface="Adobe Clean"/>
-              <a:cs typeface="Adobe Clean"/>
-            </a:endParaRPr>
           </a:p>
         </p:txBody>
       </p:sp>
@@ -9652,7 +8602,7 @@
           <a:bodyPr wrap="square" lIns="0" tIns="0" rIns="0" bIns="0" rtlCol="0"/>
           <a:lstStyle/>
           <a:p>
-            <a:endParaRPr/>
+            <a:endParaRPr sz="1600"/>
           </a:p>
         </p:txBody>
       </p:sp>
@@ -9665,7 +8615,7 @@
         <p:spPr>
           <a:xfrm>
             <a:off x="194237" y="545148"/>
-            <a:ext cx="3476626" cy="332783"/>
+            <a:ext cx="3476626" cy="302006"/>
           </a:xfrm>
           <a:prstGeom prst="rect">
             <a:avLst/>
@@ -9686,19 +8636,15 @@
               </a:spcBef>
             </a:pPr>
             <a:r>
-              <a:rPr lang="en-US" sz="1400" b="1" spc="-15">
+              <a:rPr lang="it-IT" sz="1200" b="1">
                 <a:solidFill>
                   <a:srgbClr val="020302"/>
                 </a:solidFill>
                 <a:latin typeface="Adobe Clean"/>
                 <a:cs typeface="Adobe Clean"/>
               </a:rPr>
-              <a:t>Resources</a:t>
+              <a:t>Risorse</a:t>
             </a:r>
-            <a:endParaRPr sz="1400">
-              <a:latin typeface="Adobe Clean"/>
-              <a:cs typeface="Adobe Clean"/>
-            </a:endParaRPr>
           </a:p>
         </p:txBody>
       </p:sp>
@@ -9711,7 +8657,7 @@
         <p:spPr>
           <a:xfrm>
             <a:off x="6754821" y="9283729"/>
-            <a:ext cx="930275" cy="662305"/>
+            <a:ext cx="930275" cy="612347"/>
           </a:xfrm>
           <a:prstGeom prst="rect">
             <a:avLst/>
@@ -9732,7 +8678,7 @@
               </a:spcBef>
             </a:pPr>
             <a:r>
-              <a:rPr sz="800" spc="-15">
+              <a:rPr lang="it-IT" sz="700" dirty="0">
                 <a:solidFill>
                   <a:srgbClr val="777879"/>
                 </a:solidFill>
@@ -9741,10 +8687,6 @@
               </a:rPr>
               <a:t>Adobe</a:t>
             </a:r>
-            <a:endParaRPr sz="800">
-              <a:latin typeface="Adobe Clean"/>
-              <a:cs typeface="Adobe Clean"/>
-            </a:endParaRPr>
           </a:p>
           <a:p>
             <a:pPr marL="12700">
@@ -9753,39 +8695,15 @@
               </a:lnSpc>
             </a:pPr>
             <a:r>
-              <a:rPr sz="800" spc="-15">
+              <a:rPr lang="it-IT" sz="700" dirty="0">
                 <a:solidFill>
                   <a:srgbClr val="777879"/>
                 </a:solidFill>
                 <a:latin typeface="Adobe Clean"/>
                 <a:cs typeface="Adobe Clean"/>
               </a:rPr>
-              <a:t>345 Park</a:t>
+              <a:t>345 Park Avenue</a:t>
             </a:r>
-            <a:r>
-              <a:rPr sz="800" spc="-100">
-                <a:solidFill>
-                  <a:srgbClr val="777879"/>
-                </a:solidFill>
-                <a:latin typeface="Adobe Clean"/>
-                <a:cs typeface="Adobe Clean"/>
-              </a:rPr>
-              <a:t> </a:t>
-            </a:r>
-            <a:r>
-              <a:rPr sz="800" spc="-15">
-                <a:solidFill>
-                  <a:srgbClr val="777879"/>
-                </a:solidFill>
-                <a:latin typeface="Adobe Clean"/>
-                <a:cs typeface="Adobe Clean"/>
-              </a:rPr>
-              <a:t>Avenue</a:t>
-            </a:r>
-            <a:endParaRPr sz="800">
-              <a:latin typeface="Adobe Clean"/>
-              <a:cs typeface="Adobe Clean"/>
-            </a:endParaRPr>
           </a:p>
           <a:p>
             <a:pPr marL="12700">
@@ -9794,49 +8712,15 @@
               </a:lnSpc>
             </a:pPr>
             <a:r>
-              <a:rPr sz="800" spc="-10">
+              <a:rPr lang="it-IT" sz="700" dirty="0">
                 <a:solidFill>
                   <a:srgbClr val="777879"/>
                 </a:solidFill>
                 <a:latin typeface="Adobe Clean"/>
                 <a:cs typeface="Adobe Clean"/>
               </a:rPr>
-              <a:t>San </a:t>
+              <a:t>San Jose, CA 95110-2704</a:t>
             </a:r>
-            <a:r>
-              <a:rPr sz="800" spc="-15">
-                <a:solidFill>
-                  <a:srgbClr val="777879"/>
-                </a:solidFill>
-                <a:latin typeface="Adobe Clean"/>
-                <a:cs typeface="Adobe Clean"/>
-              </a:rPr>
-              <a:t>Jose,</a:t>
-            </a:r>
-            <a:r>
-              <a:rPr sz="800" spc="-140">
-                <a:solidFill>
-                  <a:srgbClr val="777879"/>
-                </a:solidFill>
-                <a:latin typeface="Adobe Clean"/>
-                <a:cs typeface="Adobe Clean"/>
-              </a:rPr>
-              <a:t> </a:t>
-            </a:r>
-            <a:r>
-              <a:rPr sz="800" spc="-20">
-                <a:solidFill>
-                  <a:srgbClr val="777879"/>
-                </a:solidFill>
-                <a:latin typeface="Adobe Clean"/>
-                <a:cs typeface="Adobe Clean"/>
-              </a:rPr>
-              <a:t>CA95110-2704</a:t>
-            </a:r>
-            <a:endParaRPr sz="800">
-              <a:latin typeface="Adobe Clean"/>
-              <a:cs typeface="Adobe Clean"/>
-            </a:endParaRPr>
           </a:p>
           <a:p>
             <a:pPr marL="12700">
@@ -9848,7 +8732,7 @@
               </a:spcBef>
             </a:pPr>
             <a:r>
-              <a:rPr sz="800" spc="-10">
+              <a:rPr lang="it-IT" sz="700" dirty="0">
                 <a:solidFill>
                   <a:srgbClr val="777879"/>
                 </a:solidFill>
@@ -9857,10 +8741,6 @@
               </a:rPr>
               <a:t>USA</a:t>
             </a:r>
-            <a:endParaRPr sz="800">
-              <a:latin typeface="Adobe Clean"/>
-              <a:cs typeface="Adobe Clean"/>
-            </a:endParaRPr>
           </a:p>
           <a:p>
             <a:pPr marL="12700">
@@ -9872,7 +8752,7 @@
               </a:spcBef>
             </a:pPr>
             <a:r>
-              <a:rPr sz="800" u="sng" spc="-25">
+              <a:rPr lang="it-IT" sz="700" u="sng" dirty="0">
                 <a:solidFill>
                   <a:srgbClr val="5F5F5F"/>
                 </a:solidFill>
@@ -9887,10 +8767,6 @@
               </a:rPr>
               <a:t>www.adobe.com</a:t>
             </a:r>
-            <a:endParaRPr sz="800">
-              <a:latin typeface="Adobe Clean"/>
-              <a:cs typeface="Adobe Clean"/>
-            </a:endParaRPr>
           </a:p>
         </p:txBody>
       </p:sp>
@@ -9919,7 +8795,7 @@
           <a:bodyPr wrap="square" lIns="0" tIns="0" rIns="0" bIns="0" rtlCol="0"/>
           <a:lstStyle/>
           <a:p>
-            <a:endParaRPr/>
+            <a:endParaRPr sz="1600"/>
           </a:p>
         </p:txBody>
       </p:sp>
@@ -10002,7 +8878,7 @@
           <a:bodyPr wrap="square" lIns="0" tIns="0" rIns="0" bIns="0" rtlCol="0"/>
           <a:lstStyle/>
           <a:p>
-            <a:endParaRPr/>
+            <a:endParaRPr sz="1600"/>
           </a:p>
         </p:txBody>
       </p:sp>
@@ -10031,7 +8907,7 @@
           <a:bodyPr wrap="square" lIns="0" tIns="0" rIns="0" bIns="0" rtlCol="0"/>
           <a:lstStyle/>
           <a:p>
-            <a:endParaRPr/>
+            <a:endParaRPr sz="1600"/>
           </a:p>
         </p:txBody>
       </p:sp>
@@ -10044,7 +8920,7 @@
         <p:spPr>
           <a:xfrm>
             <a:off x="75947" y="9437110"/>
-            <a:ext cx="5466715" cy="570865"/>
+            <a:ext cx="5466715" cy="548227"/>
           </a:xfrm>
           <a:prstGeom prst="rect">
             <a:avLst/>
@@ -10065,439 +8941,15 @@
               </a:spcBef>
             </a:pPr>
             <a:r>
-              <a:rPr sz="1100" i="1" spc="-10">
+              <a:rPr lang="it-IT" sz="1050" i="1">
                 <a:solidFill>
                   <a:srgbClr val="777879"/>
                 </a:solidFill>
                 <a:latin typeface="AdobeClean-LightIt"/>
                 <a:cs typeface="AdobeClean-LightIt"/>
               </a:rPr>
-              <a:t>To</a:t>
+              <a:t>Per saperne di più sulle opzioni di Supporto Adobe e capire quale sia il livello più adatto alle tue esigenze, contatta il tuo Named Account Manager (NAM) o Customer Success Manager (CSM).</a:t>
             </a:r>
-            <a:r>
-              <a:rPr sz="1100" i="1" spc="-50">
-                <a:solidFill>
-                  <a:srgbClr val="777879"/>
-                </a:solidFill>
-                <a:latin typeface="AdobeClean-LightIt"/>
-                <a:cs typeface="AdobeClean-LightIt"/>
-              </a:rPr>
-              <a:t> </a:t>
-            </a:r>
-            <a:r>
-              <a:rPr sz="1100" i="1" spc="-15">
-                <a:solidFill>
-                  <a:srgbClr val="777879"/>
-                </a:solidFill>
-                <a:latin typeface="AdobeClean-LightIt"/>
-                <a:cs typeface="AdobeClean-LightIt"/>
-              </a:rPr>
-              <a:t>learn</a:t>
-            </a:r>
-            <a:r>
-              <a:rPr sz="1100" i="1" spc="-40">
-                <a:solidFill>
-                  <a:srgbClr val="777879"/>
-                </a:solidFill>
-                <a:latin typeface="AdobeClean-LightIt"/>
-                <a:cs typeface="AdobeClean-LightIt"/>
-              </a:rPr>
-              <a:t> </a:t>
-            </a:r>
-            <a:r>
-              <a:rPr sz="1100" i="1" spc="-15">
-                <a:solidFill>
-                  <a:srgbClr val="777879"/>
-                </a:solidFill>
-                <a:latin typeface="AdobeClean-LightIt"/>
-                <a:cs typeface="AdobeClean-LightIt"/>
-              </a:rPr>
-              <a:t>more</a:t>
-            </a:r>
-            <a:r>
-              <a:rPr sz="1100" i="1" spc="-45">
-                <a:solidFill>
-                  <a:srgbClr val="777879"/>
-                </a:solidFill>
-                <a:latin typeface="AdobeClean-LightIt"/>
-                <a:cs typeface="AdobeClean-LightIt"/>
-              </a:rPr>
-              <a:t> </a:t>
-            </a:r>
-            <a:r>
-              <a:rPr sz="1100" i="1" spc="-15">
-                <a:solidFill>
-                  <a:srgbClr val="777879"/>
-                </a:solidFill>
-                <a:latin typeface="AdobeClean-LightIt"/>
-                <a:cs typeface="AdobeClean-LightIt"/>
-              </a:rPr>
-              <a:t>about</a:t>
-            </a:r>
-            <a:r>
-              <a:rPr sz="1100" i="1" spc="-45">
-                <a:solidFill>
-                  <a:srgbClr val="777879"/>
-                </a:solidFill>
-                <a:latin typeface="AdobeClean-LightIt"/>
-                <a:cs typeface="AdobeClean-LightIt"/>
-              </a:rPr>
-              <a:t> </a:t>
-            </a:r>
-            <a:r>
-              <a:rPr sz="1100" i="1" spc="-15">
-                <a:solidFill>
-                  <a:srgbClr val="777879"/>
-                </a:solidFill>
-                <a:latin typeface="AdobeClean-LightIt"/>
-                <a:cs typeface="AdobeClean-LightIt"/>
-              </a:rPr>
-              <a:t>Adobe</a:t>
-            </a:r>
-            <a:r>
-              <a:rPr sz="1100" i="1" spc="-50">
-                <a:solidFill>
-                  <a:srgbClr val="777879"/>
-                </a:solidFill>
-                <a:latin typeface="AdobeClean-LightIt"/>
-                <a:cs typeface="AdobeClean-LightIt"/>
-              </a:rPr>
-              <a:t> </a:t>
-            </a:r>
-            <a:r>
-              <a:rPr sz="1100" i="1" spc="-15">
-                <a:solidFill>
-                  <a:srgbClr val="777879"/>
-                </a:solidFill>
-                <a:latin typeface="AdobeClean-LightIt"/>
-                <a:cs typeface="AdobeClean-LightIt"/>
-              </a:rPr>
-              <a:t>Support</a:t>
-            </a:r>
-            <a:r>
-              <a:rPr lang="en-US" sz="1100" i="1" spc="-15">
-                <a:solidFill>
-                  <a:srgbClr val="777879"/>
-                </a:solidFill>
-                <a:latin typeface="AdobeClean-LightIt"/>
-                <a:cs typeface="AdobeClean-LightIt"/>
-              </a:rPr>
-              <a:t> Offerings</a:t>
-            </a:r>
-            <a:r>
-              <a:rPr sz="1100" i="1" spc="-75">
-                <a:solidFill>
-                  <a:srgbClr val="777879"/>
-                </a:solidFill>
-                <a:latin typeface="AdobeClean-LightIt"/>
-                <a:cs typeface="AdobeClean-LightIt"/>
-              </a:rPr>
-              <a:t> </a:t>
-            </a:r>
-            <a:r>
-              <a:rPr sz="1100" i="1" spc="-15">
-                <a:solidFill>
-                  <a:srgbClr val="777879"/>
-                </a:solidFill>
-                <a:latin typeface="AdobeClean-LightIt"/>
-                <a:cs typeface="AdobeClean-LightIt"/>
-              </a:rPr>
-              <a:t>and</a:t>
-            </a:r>
-            <a:r>
-              <a:rPr sz="1100" i="1" spc="-50">
-                <a:solidFill>
-                  <a:srgbClr val="777879"/>
-                </a:solidFill>
-                <a:latin typeface="AdobeClean-LightIt"/>
-                <a:cs typeface="AdobeClean-LightIt"/>
-              </a:rPr>
-              <a:t> </a:t>
-            </a:r>
-            <a:r>
-              <a:rPr sz="1100" i="1" spc="-15">
-                <a:solidFill>
-                  <a:srgbClr val="777879"/>
-                </a:solidFill>
-                <a:latin typeface="AdobeClean-LightIt"/>
-                <a:cs typeface="AdobeClean-LightIt"/>
-              </a:rPr>
-              <a:t>the</a:t>
-            </a:r>
-            <a:r>
-              <a:rPr sz="1100" i="1" spc="-55">
-                <a:solidFill>
-                  <a:srgbClr val="777879"/>
-                </a:solidFill>
-                <a:latin typeface="AdobeClean-LightIt"/>
-                <a:cs typeface="AdobeClean-LightIt"/>
-              </a:rPr>
-              <a:t> </a:t>
-            </a:r>
-            <a:r>
-              <a:rPr sz="1100" i="1" spc="-15">
-                <a:solidFill>
-                  <a:srgbClr val="777879"/>
-                </a:solidFill>
-                <a:latin typeface="AdobeClean-LightIt"/>
-                <a:cs typeface="AdobeClean-LightIt"/>
-              </a:rPr>
-              <a:t>right</a:t>
-            </a:r>
-            <a:r>
-              <a:rPr sz="1100" i="1" spc="-95">
-                <a:solidFill>
-                  <a:srgbClr val="777879"/>
-                </a:solidFill>
-                <a:latin typeface="AdobeClean-LightIt"/>
-                <a:cs typeface="AdobeClean-LightIt"/>
-              </a:rPr>
-              <a:t> </a:t>
-            </a:r>
-            <a:r>
-              <a:rPr sz="1100" i="1" spc="-15">
-                <a:solidFill>
-                  <a:srgbClr val="777879"/>
-                </a:solidFill>
-                <a:latin typeface="AdobeClean-LightIt"/>
-                <a:cs typeface="AdobeClean-LightIt"/>
-              </a:rPr>
-              <a:t>level</a:t>
-            </a:r>
-            <a:r>
-              <a:rPr sz="1100" i="1" spc="-55">
-                <a:solidFill>
-                  <a:srgbClr val="777879"/>
-                </a:solidFill>
-                <a:latin typeface="AdobeClean-LightIt"/>
-                <a:cs typeface="AdobeClean-LightIt"/>
-              </a:rPr>
-              <a:t> </a:t>
-            </a:r>
-            <a:r>
-              <a:rPr sz="1100" i="1" spc="-15">
-                <a:solidFill>
-                  <a:srgbClr val="777879"/>
-                </a:solidFill>
-                <a:latin typeface="AdobeClean-LightIt"/>
-                <a:cs typeface="AdobeClean-LightIt"/>
-              </a:rPr>
-              <a:t>for</a:t>
-            </a:r>
-            <a:r>
-              <a:rPr sz="1100" i="1" spc="-85">
-                <a:solidFill>
-                  <a:srgbClr val="777879"/>
-                </a:solidFill>
-                <a:latin typeface="AdobeClean-LightIt"/>
-                <a:cs typeface="AdobeClean-LightIt"/>
-              </a:rPr>
-              <a:t> </a:t>
-            </a:r>
-            <a:r>
-              <a:rPr sz="1100" i="1" spc="-15">
-                <a:solidFill>
-                  <a:srgbClr val="777879"/>
-                </a:solidFill>
-                <a:latin typeface="AdobeClean-LightIt"/>
-                <a:cs typeface="AdobeClean-LightIt"/>
-              </a:rPr>
-              <a:t>you,</a:t>
-            </a:r>
-            <a:r>
-              <a:rPr sz="1100" i="1" spc="-65">
-                <a:solidFill>
-                  <a:srgbClr val="777879"/>
-                </a:solidFill>
-                <a:latin typeface="AdobeClean-LightIt"/>
-                <a:cs typeface="AdobeClean-LightIt"/>
-              </a:rPr>
-              <a:t> </a:t>
-            </a:r>
-            <a:r>
-              <a:rPr sz="1100" i="1" spc="-15">
-                <a:solidFill>
-                  <a:srgbClr val="777879"/>
-                </a:solidFill>
-                <a:latin typeface="AdobeClean-LightIt"/>
-                <a:cs typeface="AdobeClean-LightIt"/>
-              </a:rPr>
-              <a:t>contact</a:t>
-            </a:r>
-            <a:r>
-              <a:rPr sz="1100" i="1" spc="-85">
-                <a:solidFill>
-                  <a:srgbClr val="777879"/>
-                </a:solidFill>
-                <a:latin typeface="AdobeClean-LightIt"/>
-                <a:cs typeface="AdobeClean-LightIt"/>
-              </a:rPr>
-              <a:t> </a:t>
-            </a:r>
-            <a:r>
-              <a:rPr sz="1100" i="1" spc="-15">
-                <a:solidFill>
-                  <a:srgbClr val="777879"/>
-                </a:solidFill>
-                <a:latin typeface="AdobeClean-LightIt"/>
-                <a:cs typeface="AdobeClean-LightIt"/>
-              </a:rPr>
-              <a:t>your</a:t>
-            </a:r>
-            <a:r>
-              <a:rPr sz="1100" i="1" spc="-70">
-                <a:solidFill>
-                  <a:srgbClr val="777879"/>
-                </a:solidFill>
-                <a:latin typeface="AdobeClean-LightIt"/>
-                <a:cs typeface="AdobeClean-LightIt"/>
-              </a:rPr>
-              <a:t> </a:t>
-            </a:r>
-            <a:r>
-              <a:rPr sz="1100" i="1" spc="-15">
-                <a:solidFill>
-                  <a:srgbClr val="777879"/>
-                </a:solidFill>
-                <a:latin typeface="AdobeClean-LightIt"/>
-                <a:cs typeface="AdobeClean-LightIt"/>
-              </a:rPr>
-              <a:t>Named</a:t>
-            </a:r>
-            <a:r>
-              <a:rPr sz="1100" i="1" spc="-55">
-                <a:solidFill>
-                  <a:srgbClr val="777879"/>
-                </a:solidFill>
-                <a:latin typeface="AdobeClean-LightIt"/>
-                <a:cs typeface="AdobeClean-LightIt"/>
-              </a:rPr>
-              <a:t> </a:t>
-            </a:r>
-            <a:r>
-              <a:rPr sz="1100" i="1" spc="-25">
-                <a:solidFill>
-                  <a:srgbClr val="777879"/>
-                </a:solidFill>
-                <a:latin typeface="AdobeClean-LightIt"/>
-                <a:cs typeface="AdobeClean-LightIt"/>
-              </a:rPr>
-              <a:t>Account</a:t>
-            </a:r>
-            <a:r>
-              <a:rPr sz="1100" i="1" spc="-120">
-                <a:solidFill>
-                  <a:srgbClr val="777879"/>
-                </a:solidFill>
-                <a:latin typeface="AdobeClean-LightIt"/>
-                <a:cs typeface="AdobeClean-LightIt"/>
-              </a:rPr>
-              <a:t> </a:t>
-            </a:r>
-            <a:r>
-              <a:rPr sz="1100" i="1" spc="-20">
-                <a:solidFill>
-                  <a:srgbClr val="777879"/>
-                </a:solidFill>
-                <a:latin typeface="AdobeClean-LightIt"/>
-                <a:cs typeface="AdobeClean-LightIt"/>
-              </a:rPr>
-              <a:t>Manager</a:t>
-            </a:r>
-            <a:r>
-              <a:rPr lang="en-US" sz="1100" i="1" spc="-20">
-                <a:solidFill>
-                  <a:srgbClr val="777879"/>
-                </a:solidFill>
-                <a:latin typeface="AdobeClean-LightIt"/>
-                <a:cs typeface="AdobeClean-LightIt"/>
-              </a:rPr>
-              <a:t> </a:t>
-            </a:r>
-            <a:r>
-              <a:rPr sz="1100" i="1" spc="-20">
-                <a:solidFill>
-                  <a:srgbClr val="777879"/>
-                </a:solidFill>
-                <a:latin typeface="AdobeClean-LightIt"/>
-                <a:cs typeface="AdobeClean-LightIt"/>
-              </a:rPr>
-              <a:t> </a:t>
-            </a:r>
-            <a:r>
-              <a:rPr sz="1100" i="1" spc="-15">
-                <a:solidFill>
-                  <a:srgbClr val="777879"/>
-                </a:solidFill>
-                <a:latin typeface="AdobeClean-LightIt"/>
-                <a:cs typeface="AdobeClean-LightIt"/>
-              </a:rPr>
-              <a:t>(NAM) </a:t>
-            </a:r>
-            <a:r>
-              <a:rPr sz="1100" i="1" spc="-10">
-                <a:solidFill>
-                  <a:srgbClr val="777879"/>
-                </a:solidFill>
-                <a:latin typeface="AdobeClean-LightIt"/>
-                <a:cs typeface="AdobeClean-LightIt"/>
-              </a:rPr>
-              <a:t>or </a:t>
-            </a:r>
-            <a:r>
-              <a:rPr sz="1100" i="1" spc="-15">
-                <a:solidFill>
-                  <a:srgbClr val="777879"/>
-                </a:solidFill>
-                <a:latin typeface="AdobeClean-LightIt"/>
-                <a:cs typeface="AdobeClean-LightIt"/>
-              </a:rPr>
-              <a:t>Customer</a:t>
-            </a:r>
-            <a:r>
-              <a:rPr lang="en-US" sz="1100" i="1" spc="-15">
-                <a:solidFill>
-                  <a:srgbClr val="777879"/>
-                </a:solidFill>
-                <a:latin typeface="AdobeClean-LightIt"/>
-                <a:cs typeface="AdobeClean-LightIt"/>
-              </a:rPr>
-              <a:t> </a:t>
-            </a:r>
-            <a:r>
-              <a:rPr lang="en-US" sz="1100" i="1" spc="-20">
-                <a:solidFill>
-                  <a:srgbClr val="777879"/>
-                </a:solidFill>
-                <a:latin typeface="AdobeClean-LightIt"/>
-                <a:cs typeface="AdobeClean-LightIt"/>
-              </a:rPr>
-              <a:t>Success </a:t>
-            </a:r>
-            <a:r>
-              <a:rPr lang="en-US" sz="1100" i="1" spc="-15">
-                <a:solidFill>
-                  <a:srgbClr val="777879"/>
-                </a:solidFill>
-                <a:latin typeface="AdobeClean-LightIt"/>
-                <a:cs typeface="AdobeClean-LightIt"/>
-              </a:rPr>
-              <a:t>Manager </a:t>
-            </a:r>
-            <a:r>
-              <a:rPr sz="1100" i="1" spc="-15">
-                <a:solidFill>
-                  <a:srgbClr val="777879"/>
-                </a:solidFill>
-                <a:latin typeface="AdobeClean-LightIt"/>
-                <a:cs typeface="AdobeClean-LightIt"/>
-              </a:rPr>
-              <a:t>(CSM)</a:t>
-            </a:r>
-            <a:endParaRPr sz="1100">
-              <a:latin typeface="AdobeClean-LightIt"/>
-              <a:cs typeface="AdobeClean-LightIt"/>
-            </a:endParaRPr>
           </a:p>
           <a:p>
             <a:pPr marL="34290">
@@ -10509,59 +8961,15 @@
               </a:spcBef>
             </a:pPr>
             <a:r>
-              <a:rPr sz="800" spc="-5">
+              <a:rPr lang="it-IT" sz="700">
                 <a:solidFill>
                   <a:srgbClr val="6D6D6D"/>
                 </a:solidFill>
                 <a:latin typeface="Adobe Clean"/>
                 <a:cs typeface="Adobe Clean"/>
               </a:rPr>
-              <a:t>©202</a:t>
+              <a:t>©2021 Adobe. All Rights Reserved. Adobe Confidential.</a:t>
             </a:r>
-            <a:r>
-              <a:rPr lang="en-US" sz="800" spc="-5">
-                <a:solidFill>
-                  <a:srgbClr val="6D6D6D"/>
-                </a:solidFill>
-                <a:latin typeface="Adobe Clean"/>
-                <a:cs typeface="Adobe Clean"/>
-              </a:rPr>
-              <a:t>1</a:t>
-            </a:r>
-            <a:r>
-              <a:rPr sz="800" spc="-5">
-                <a:solidFill>
-                  <a:srgbClr val="6D6D6D"/>
-                </a:solidFill>
-                <a:latin typeface="Adobe Clean"/>
-                <a:cs typeface="Adobe Clean"/>
-              </a:rPr>
-              <a:t> Adobe. All Rights Reserved. Adobe</a:t>
-            </a:r>
-            <a:r>
-              <a:rPr sz="800" spc="75">
-                <a:solidFill>
-                  <a:srgbClr val="6D6D6D"/>
-                </a:solidFill>
-                <a:latin typeface="Adobe Clean"/>
-                <a:cs typeface="Adobe Clean"/>
-              </a:rPr>
-              <a:t> </a:t>
-            </a:r>
-            <a:r>
-              <a:rPr sz="800" spc="-5">
-                <a:solidFill>
-                  <a:srgbClr val="6D6D6D"/>
-                </a:solidFill>
-                <a:latin typeface="Adobe Clean"/>
-                <a:cs typeface="Adobe Clean"/>
-              </a:rPr>
-              <a:t>Confidential.</a:t>
-            </a:r>
-            <a:endParaRPr sz="800">
-              <a:latin typeface="Adobe Clean"/>
-              <a:cs typeface="Adobe Clean"/>
-            </a:endParaRPr>
           </a:p>
         </p:txBody>
       </p:sp>
@@ -10579,8 +8987,8 @@
         </p:nvSpPr>
         <p:spPr>
           <a:xfrm>
-            <a:off x="197233" y="5031270"/>
-            <a:ext cx="6476646" cy="755976"/>
+            <a:off x="197232" y="5031270"/>
+            <a:ext cx="6797927" cy="694421"/>
           </a:xfrm>
           <a:prstGeom prst="rect">
             <a:avLst/>
@@ -10598,19 +9006,15 @@
               </a:spcBef>
             </a:pPr>
             <a:r>
-              <a:rPr lang="en-US" sz="1400" b="1" spc="-15">
+              <a:rPr lang="it-IT" sz="1200" b="1" dirty="0">
                 <a:solidFill>
                   <a:srgbClr val="020302"/>
                 </a:solidFill>
                 <a:latin typeface="Adobe Clean"/>
                 <a:cs typeface="Adobe Clean"/>
               </a:rPr>
-              <a:t>Regional scope of Adobe Support, Local Hours Of Operation And Language Support</a:t>
+              <a:t>Supporto Adobe: aree geografiche, orari operativi e lingue</a:t>
             </a:r>
-            <a:endParaRPr lang="en-US" sz="1400" spc="-15">
-              <a:ea typeface="+mn-lt"/>
-              <a:cs typeface="+mn-lt"/>
-            </a:endParaRPr>
           </a:p>
           <a:p>
             <a:pPr>
@@ -10619,15 +9023,14 @@
               </a:spcBef>
             </a:pPr>
             <a:r>
-              <a:rPr lang="en-US" sz="1000" spc="-15">
+              <a:rPr lang="it-IT" sz="900" dirty="0">
                 <a:solidFill>
                   <a:srgbClr val="1F1F1F"/>
                 </a:solidFill>
                 <a:latin typeface="AdobeClean-Light"/>
               </a:rPr>
-              <a:t>The Regional scope of Adobe Support is established by aligning the customer's billing address (via the Sales Order or other Adobe Support purchasing document) to one of the following regions:</a:t>
+              <a:t>L’ambito del supporto Adobe è definito allineando l’indirizzo di fatturazione del cliente (in base all’ordine di vendita o altro documento di acquisto del servizio di supporto Adobe) a una delle seguenti aree geografiche:</a:t>
             </a:r>
-            <a:endParaRPr lang="en-US"/>
           </a:p>
         </p:txBody>
       </p:sp>
@@ -10646,7 +9049,7 @@
           <p:nvPr>
             <p:extLst>
               <p:ext uri="{D42A27DB-BD31-4B8C-83A1-F6EECF244321}">
-                <p14:modId xmlns:p14="http://schemas.microsoft.com/office/powerpoint/2010/main" val="2969235217"/>
+                <p14:modId xmlns:p14="http://schemas.microsoft.com/office/powerpoint/2010/main" val="1334879293"/>
               </p:ext>
             </p:extLst>
           </p:nvPr>
@@ -10699,13 +9102,13 @@
                     <a:p>
                       <a:pPr algn="ctr"/>
                       <a:r>
-                        <a:rPr lang="en-US" sz="1100">
+                        <a:rPr lang="it-IT" sz="1100">
                           <a:solidFill>
                             <a:schemeClr val="tx1"/>
                           </a:solidFill>
                           <a:latin typeface="Adobe Clean"/>
                         </a:rPr>
-                        <a:t>Americas</a:t>
+                        <a:t>Americhe</a:t>
                       </a:r>
                     </a:p>
                   </a:txBody>
@@ -10764,13 +9167,13 @@
                     <a:p>
                       <a:pPr algn="ctr"/>
                       <a:r>
-                        <a:rPr lang="en-US" sz="1100">
+                        <a:rPr lang="it-IT" sz="1100" dirty="0">
                           <a:solidFill>
                             <a:schemeClr val="tx1"/>
                           </a:solidFill>
                           <a:latin typeface="Adobe Clean"/>
                         </a:rPr>
-                        <a:t>Europe, Middle East &amp; Africa</a:t>
+                        <a:t>Europa, Medio Oriente e Africa</a:t>
                       </a:r>
                     </a:p>
                   </a:txBody>
@@ -10829,13 +9232,13 @@
                     <a:p>
                       <a:pPr algn="ctr"/>
                       <a:r>
-                        <a:rPr lang="en-US" sz="1100">
+                        <a:rPr lang="it-IT" sz="1100">
                           <a:solidFill>
                             <a:schemeClr val="tx1"/>
                           </a:solidFill>
                           <a:latin typeface="Adobe Clean"/>
                         </a:rPr>
-                        <a:t>Asia Pacific</a:t>
+                        <a:t>Asia-Pacifico</a:t>
                       </a:r>
                     </a:p>
                   </a:txBody>
@@ -10894,16 +9297,16 @@
                     <a:p>
                       <a:pPr algn="ctr"/>
                       <a:r>
-                        <a:rPr lang="en-US" sz="1100">
+                        <a:rPr lang="it-IT" sz="1100">
                           <a:solidFill>
                             <a:schemeClr val="tx1"/>
                           </a:solidFill>
                           <a:latin typeface="Adobe Clean"/>
                         </a:rPr>
-                        <a:t>Japan </a:t>
+                        <a:t>Giappone</a:t>
                       </a:r>
                       <a:r>
-                        <a:rPr lang="en-US" sz="1100" baseline="30000">
+                        <a:rPr lang="it-IT" sz="1100" baseline="30000">
                           <a:solidFill>
                             <a:schemeClr val="tx1"/>
                           </a:solidFill>
@@ -10911,12 +9314,6 @@
                         </a:rPr>
                         <a:t>1 </a:t>
                       </a:r>
-                      <a:endParaRPr lang="en-US" sz="1100">
-                        <a:solidFill>
-                          <a:schemeClr val="tx1"/>
-                        </a:solidFill>
-                        <a:latin typeface="Adobe Clean" panose="020B0503020404020204" pitchFamily="34" charset="0"/>
-                      </a:endParaRPr>
                     </a:p>
                   </a:txBody>
                   <a:tcPr anchor="ctr">
@@ -10981,13 +9378,13 @@
                     <a:p>
                       <a:pPr algn="ctr"/>
                       <a:r>
-                        <a:rPr lang="en-US" sz="1100">
+                        <a:rPr lang="it-IT" sz="1100">
                           <a:solidFill>
                             <a:schemeClr val="tx1"/>
                           </a:solidFill>
                           <a:latin typeface="Adobe Clean"/>
                         </a:rPr>
-                        <a:t>6 am – 5:30 pm</a:t>
+                        <a:t>06:00 – 17:30</a:t>
                       </a:r>
                     </a:p>
                   </a:txBody>
@@ -11046,13 +9443,13 @@
                     <a:p>
                       <a:pPr algn="ctr"/>
                       <a:r>
-                        <a:rPr lang="en-US" sz="1100">
+                        <a:rPr lang="it-IT" sz="1100">
                           <a:solidFill>
                             <a:schemeClr val="tx1"/>
                           </a:solidFill>
                           <a:latin typeface="Adobe Clean"/>
                         </a:rPr>
-                        <a:t>9 am – 5 pm</a:t>
+                        <a:t>09:00 – 17:00</a:t>
                       </a:r>
                     </a:p>
                   </a:txBody>
@@ -11111,13 +9508,13 @@
                     <a:p>
                       <a:pPr algn="ctr"/>
                       <a:r>
-                        <a:rPr lang="en-US" sz="1100">
+                        <a:rPr lang="it-IT" sz="1100">
                           <a:solidFill>
                             <a:schemeClr val="tx1"/>
                           </a:solidFill>
                           <a:latin typeface="Adobe Clean"/>
                         </a:rPr>
-                        <a:t>9 am – 5 pm</a:t>
+                        <a:t>09:00 – 17:00</a:t>
                       </a:r>
                     </a:p>
                   </a:txBody>
@@ -11176,13 +9573,13 @@
                     <a:p>
                       <a:pPr algn="ctr"/>
                       <a:r>
-                        <a:rPr lang="en-US" sz="1100">
+                        <a:rPr lang="it-IT" sz="1100">
                           <a:solidFill>
                             <a:schemeClr val="tx1"/>
                           </a:solidFill>
                           <a:latin typeface="Adobe Clean"/>
                         </a:rPr>
-                        <a:t>9 am – 5:30 pm</a:t>
+                        <a:t>09:00 – 17:30</a:t>
                       </a:r>
                     </a:p>
                   </a:txBody>
@@ -11262,11 +9659,10 @@
                         <a:buNone/>
                       </a:pPr>
                       <a:r>
-                        <a:rPr lang="en-US" sz="1100" b="1" i="0" u="none" strike="noStrike" kern="0" cap="none" spc="0" normalizeH="0" baseline="30000" noProof="0">
+                        <a:rPr lang="it-IT" sz="1100" b="1" i="0" u="none" strike="noStrike" cap="none" normalizeH="0" baseline="30000" noProof="0" dirty="0">
                           <a:ln>
                             <a:noFill/>
                           </a:ln>
-                          <a:effectLst/>
                           <a:uLnTx/>
                           <a:uFillTx/>
                           <a:latin typeface="Adobe Clean"/>
@@ -11276,17 +9672,16 @@
                         <a:t> </a:t>
                       </a:r>
                       <a:r>
-                        <a:rPr lang="en-US" sz="1100">
+                        <a:rPr lang="it-IT" sz="1100" dirty="0">
                           <a:solidFill>
                             <a:schemeClr val="tx1"/>
                           </a:solidFill>
                           <a:latin typeface="Adobe Clean"/>
+                          <a:ea typeface="+mn-ea"/>
+                          <a:cs typeface="+mn-cs"/>
                         </a:rPr>
-                        <a:t>Language support is only available in English and Japanese.</a:t>
+                        <a:t>Il supporto è disponibile solo in inglese e giapponese.</a:t>
                       </a:r>
-                      <a:endParaRPr lang="en-US">
-                        <a:latin typeface="Adobe Clean"/>
-                      </a:endParaRPr>
                     </a:p>
                     <a:p>
                       <a:pPr marL="0" marR="0" lvl="0" indent="0" algn="ctr">
@@ -11305,18 +9700,18 @@
                         <a:buNone/>
                       </a:pPr>
                       <a:r>
-                        <a:rPr lang="en-US" sz="1100" i="1">
+                        <a:rPr lang="it-IT" sz="1100" i="1" dirty="0">
                           <a:solidFill>
                             <a:schemeClr val="tx1"/>
                           </a:solidFill>
                           <a:latin typeface="Adobe Clean"/>
                         </a:rPr>
-                        <a:t>*Adobe Commerce excludes Japanese languages support.</a:t>
+                        <a:t>* Adobe Commerce non prevede il supporto in lingua giapponese.</a:t>
                       </a:r>
                     </a:p>
                     <a:p>
-                      <a:pPr algn="ctr"/>
-                      <a:endParaRPr kumimoji="0" lang="en-US" sz="1100" b="1" i="0" u="none" strike="noStrike" kern="0" cap="none" spc="0" normalizeH="0" baseline="30000" noProof="0">
+                      <a:pPr algn="l" rtl="0"/>
+                      <a:endParaRPr kumimoji="0" lang="en-US" sz="1100" b="1" i="0" u="none" strike="noStrike" kern="0" cap="none" spc="0" normalizeH="0" baseline="30000" noProof="0" dirty="0">
                         <a:ln>
                           <a:noFill/>
                         </a:ln>
@@ -11334,7 +9729,7 @@
                     <a:p>
                       <a:pPr algn="ctr"/>
                       <a:r>
-                        <a:rPr lang="en-US" sz="1100" i="0">
+                        <a:rPr lang="it-IT" sz="1100" i="0" dirty="0">
                           <a:solidFill>
                             <a:schemeClr val="tx1"/>
                           </a:solidFill>
@@ -11343,7 +9738,7 @@
                         <a:t> </a:t>
                       </a:r>
                       <a:r>
-                        <a:rPr lang="en-US" sz="1100" i="0" baseline="30000">
+                        <a:rPr lang="it-IT" sz="1100" i="0" baseline="30000" dirty="0">
                           <a:solidFill>
                             <a:schemeClr val="tx1"/>
                           </a:solidFill>
@@ -11352,20 +9747,14 @@
                         <a:t>1 </a:t>
                       </a:r>
                       <a:r>
-                        <a:rPr lang="en-US" sz="1100" i="0">
+                        <a:rPr lang="it-IT" sz="1100" i="0" dirty="0">
                           <a:solidFill>
                             <a:schemeClr val="tx1"/>
                           </a:solidFill>
                           <a:latin typeface="Adobe Clean"/>
                         </a:rPr>
-                        <a:t>P2, P3, P4 cases are limited to business hours only in Japan.</a:t>
+                        <a:t>In Giappone, i casi P2, P3 e P4 sono limitati al solo orario operativo.</a:t>
                       </a:r>
-                      <a:endParaRPr lang="en-US" sz="1100" b="1" i="0">
-                        <a:solidFill>
-                          <a:schemeClr val="tx1"/>
-                        </a:solidFill>
-                        <a:latin typeface="Adobe Clean"/>
-                      </a:endParaRPr>
                     </a:p>
                   </a:txBody>
                   <a:tcPr anchor="ctr">
@@ -11661,7 +10050,7 @@
           <a:bodyPr wrap="square" lIns="0" tIns="0" rIns="0" bIns="0" rtlCol="0"/>
           <a:lstStyle/>
           <a:p>
-            <a:endParaRPr/>
+            <a:endParaRPr sz="1600"/>
           </a:p>
         </p:txBody>
       </p:sp>
@@ -11720,7 +10109,7 @@
           </a:bodyPr>
           <a:lstStyle/>
           <a:p>
-            <a:pPr marL="139065" marR="5080" indent="-139065">
+            <a:pPr marR="5080" algn="ctr">
               <a:lnSpc>
                 <a:spcPts val="1390"/>
               </a:lnSpc>
@@ -11729,129 +10118,15 @@
               </a:spcBef>
             </a:pPr>
             <a:r>
-              <a:rPr sz="1200" b="1" spc="-15">
+              <a:rPr lang="it-IT" sz="1100" b="1" dirty="0">
                 <a:solidFill>
                   <a:srgbClr val="FFFFFF"/>
                 </a:solidFill>
                 <a:latin typeface="Adobe Clean"/>
                 <a:cs typeface="Adobe Clean"/>
               </a:rPr>
-              <a:t>U</a:t>
+              <a:t>Eccellenza tecnica</a:t>
             </a:r>
-            <a:r>
-              <a:rPr sz="1200" b="1" spc="-20">
-                <a:solidFill>
-                  <a:srgbClr val="FFFFFF"/>
-                </a:solidFill>
-                <a:latin typeface="Adobe Clean"/>
-                <a:cs typeface="Adobe Clean"/>
-              </a:rPr>
-              <a:t>n</a:t>
-            </a:r>
-            <a:r>
-              <a:rPr sz="1200" b="1" spc="-25">
-                <a:solidFill>
-                  <a:srgbClr val="FFFFFF"/>
-                </a:solidFill>
-                <a:latin typeface="Adobe Clean"/>
-                <a:cs typeface="Adobe Clean"/>
-              </a:rPr>
-              <a:t>p</a:t>
-            </a:r>
-            <a:r>
-              <a:rPr sz="1200" b="1" spc="-15">
-                <a:solidFill>
-                  <a:srgbClr val="FFFFFF"/>
-                </a:solidFill>
-                <a:latin typeface="Adobe Clean"/>
-                <a:cs typeface="Adobe Clean"/>
-              </a:rPr>
-              <a:t>a</a:t>
-            </a:r>
-            <a:r>
-              <a:rPr sz="1200" b="1" spc="-25">
-                <a:solidFill>
-                  <a:srgbClr val="FFFFFF"/>
-                </a:solidFill>
-                <a:latin typeface="Adobe Clean"/>
-                <a:cs typeface="Adobe Clean"/>
-              </a:rPr>
-              <a:t>r</a:t>
-            </a:r>
-            <a:r>
-              <a:rPr sz="1200" b="1" spc="-15">
-                <a:solidFill>
-                  <a:srgbClr val="FFFFFF"/>
-                </a:solidFill>
-                <a:latin typeface="Adobe Clean"/>
-                <a:cs typeface="Adobe Clean"/>
-              </a:rPr>
-              <a:t>a</a:t>
-            </a:r>
-            <a:r>
-              <a:rPr sz="1200" b="1" spc="-30">
-                <a:solidFill>
-                  <a:srgbClr val="FFFFFF"/>
-                </a:solidFill>
-                <a:latin typeface="Adobe Clean"/>
-                <a:cs typeface="Adobe Clean"/>
-              </a:rPr>
-              <a:t>ll</a:t>
-            </a:r>
-            <a:r>
-              <a:rPr sz="1200" b="1" spc="-25">
-                <a:solidFill>
-                  <a:srgbClr val="FFFFFF"/>
-                </a:solidFill>
-                <a:latin typeface="Adobe Clean"/>
-                <a:cs typeface="Adobe Clean"/>
-              </a:rPr>
-              <a:t>e</a:t>
-            </a:r>
-            <a:r>
-              <a:rPr sz="1200" b="1" spc="-30">
-                <a:solidFill>
-                  <a:srgbClr val="FFFFFF"/>
-                </a:solidFill>
-                <a:latin typeface="Adobe Clean"/>
-                <a:cs typeface="Adobe Clean"/>
-              </a:rPr>
-              <a:t>l</a:t>
-            </a:r>
-            <a:r>
-              <a:rPr sz="1200" b="1" spc="-25">
-                <a:solidFill>
-                  <a:srgbClr val="FFFFFF"/>
-                </a:solidFill>
-                <a:latin typeface="Adobe Clean"/>
-                <a:cs typeface="Adobe Clean"/>
-              </a:rPr>
-              <a:t>e</a:t>
-            </a:r>
-            <a:r>
-              <a:rPr sz="1200" b="1">
-                <a:solidFill>
-                  <a:srgbClr val="FFFFFF"/>
-                </a:solidFill>
-                <a:latin typeface="Adobe Clean"/>
-                <a:cs typeface="Adobe Clean"/>
-              </a:rPr>
-              <a:t>d  </a:t>
-            </a:r>
-            <a:r>
-              <a:rPr sz="1200" b="1" spc="-25">
-                <a:solidFill>
-                  <a:srgbClr val="FFFFFF"/>
-                </a:solidFill>
-                <a:latin typeface="Adobe Clean"/>
-                <a:cs typeface="Adobe Clean"/>
-              </a:rPr>
-              <a:t>Expertise</a:t>
-            </a:r>
-            <a:endParaRPr sz="1200">
-              <a:latin typeface="Adobe Clean"/>
-              <a:cs typeface="Adobe Clean"/>
-            </a:endParaRPr>
           </a:p>
         </p:txBody>
       </p:sp>
@@ -11882,7 +10157,7 @@
           </a:bodyPr>
           <a:lstStyle/>
           <a:p>
-            <a:pPr marL="139065" marR="5080" indent="-139065">
+            <a:pPr marR="5080" algn="ctr">
               <a:lnSpc>
                 <a:spcPts val="1390"/>
               </a:lnSpc>
@@ -11891,19 +10166,15 @@
               </a:spcBef>
             </a:pPr>
             <a:r>
-              <a:rPr lang="en-US" sz="1200" b="1" spc="-15">
+              <a:rPr lang="it-IT" sz="1100" b="1" dirty="0">
                 <a:solidFill>
                   <a:srgbClr val="FFFFFF"/>
                 </a:solidFill>
                 <a:latin typeface="Adobe Clean"/>
                 <a:cs typeface="Adobe Clean"/>
               </a:rPr>
-              <a:t>Accelerated Support</a:t>
+              <a:t>Supporto rapido</a:t>
             </a:r>
-            <a:endParaRPr sz="1200">
-              <a:latin typeface="Adobe Clean"/>
-              <a:cs typeface="Adobe Clean"/>
-            </a:endParaRPr>
           </a:p>
         </p:txBody>
       </p:sp>
@@ -11921,8 +10192,8 @@
         </p:nvSpPr>
         <p:spPr>
           <a:xfrm>
-            <a:off x="6624119" y="8543943"/>
-            <a:ext cx="510540" cy="385445"/>
+            <a:off x="6514264" y="8543943"/>
+            <a:ext cx="810895" cy="375167"/>
           </a:xfrm>
           <a:prstGeom prst="rect">
             <a:avLst/>
@@ -11934,7 +10205,7 @@
           </a:bodyPr>
           <a:lstStyle/>
           <a:p>
-            <a:pPr marL="50800" marR="5080" indent="-51435">
+            <a:pPr marL="50800" marR="5080" indent="-51435" algn="ctr">
               <a:lnSpc>
                 <a:spcPts val="1390"/>
               </a:lnSpc>
@@ -11943,109 +10214,15 @@
               </a:spcBef>
             </a:pPr>
             <a:r>
-              <a:rPr sz="1200" b="1" spc="-50">
+              <a:rPr lang="it-IT" sz="1100" b="1" dirty="0">
                 <a:solidFill>
                   <a:srgbClr val="FFFFFF"/>
                 </a:solidFill>
                 <a:latin typeface="Adobe Clean"/>
                 <a:cs typeface="Adobe Clean"/>
               </a:rPr>
-              <a:t>S</a:t>
+              <a:t>Consulenza strategica</a:t>
             </a:r>
-            <a:r>
-              <a:rPr sz="1200" b="1" spc="-20">
-                <a:solidFill>
-                  <a:srgbClr val="FFFFFF"/>
-                </a:solidFill>
-                <a:latin typeface="Adobe Clean"/>
-                <a:cs typeface="Adobe Clean"/>
-              </a:rPr>
-              <a:t>t</a:t>
-            </a:r>
-            <a:r>
-              <a:rPr sz="1200" b="1" spc="-75">
-                <a:solidFill>
-                  <a:srgbClr val="FFFFFF"/>
-                </a:solidFill>
-                <a:latin typeface="Adobe Clean"/>
-                <a:cs typeface="Adobe Clean"/>
-              </a:rPr>
-              <a:t>r</a:t>
-            </a:r>
-            <a:r>
-              <a:rPr sz="1200" b="1" spc="-90">
-                <a:solidFill>
-                  <a:srgbClr val="FFFFFF"/>
-                </a:solidFill>
-                <a:latin typeface="Adobe Clean"/>
-                <a:cs typeface="Adobe Clean"/>
-              </a:rPr>
-              <a:t>a</a:t>
-            </a:r>
-            <a:r>
-              <a:rPr sz="1200" b="1" spc="-55">
-                <a:solidFill>
-                  <a:srgbClr val="FFFFFF"/>
-                </a:solidFill>
-                <a:latin typeface="Adobe Clean"/>
-                <a:cs typeface="Adobe Clean"/>
-              </a:rPr>
-              <a:t>t</a:t>
-            </a:r>
-            <a:r>
-              <a:rPr sz="1200" b="1" spc="-100">
-                <a:solidFill>
-                  <a:srgbClr val="FFFFFF"/>
-                </a:solidFill>
-                <a:latin typeface="Adobe Clean"/>
-                <a:cs typeface="Adobe Clean"/>
-              </a:rPr>
-              <a:t>e</a:t>
-            </a:r>
-            <a:r>
-              <a:rPr sz="1200" b="1" spc="-80">
-                <a:solidFill>
-                  <a:srgbClr val="FFFFFF"/>
-                </a:solidFill>
-                <a:latin typeface="Adobe Clean"/>
-                <a:cs typeface="Adobe Clean"/>
-              </a:rPr>
-              <a:t>g</a:t>
-            </a:r>
-            <a:r>
-              <a:rPr sz="1200" b="1" spc="-35">
-                <a:solidFill>
-                  <a:srgbClr val="FFFFFF"/>
-                </a:solidFill>
-                <a:latin typeface="Adobe Clean"/>
-                <a:cs typeface="Adobe Clean"/>
-              </a:rPr>
-              <a:t>i</a:t>
-            </a:r>
-            <a:r>
-              <a:rPr sz="1200" b="1">
-                <a:solidFill>
-                  <a:srgbClr val="FFFFFF"/>
-                </a:solidFill>
-                <a:latin typeface="Adobe Clean"/>
-                <a:cs typeface="Adobe Clean"/>
-              </a:rPr>
-              <a:t>c  </a:t>
-            </a:r>
-            <a:r>
-              <a:rPr sz="1200" b="1" spc="-45">
-                <a:solidFill>
-                  <a:srgbClr val="FFFFFF"/>
-                </a:solidFill>
-                <a:latin typeface="Adobe Clean"/>
-                <a:cs typeface="Adobe Clean"/>
-              </a:rPr>
-              <a:t>Advice</a:t>
-            </a:r>
-            <a:endParaRPr sz="1200">
-              <a:latin typeface="Adobe Clean"/>
-              <a:cs typeface="Adobe Clean"/>
-            </a:endParaRPr>
           </a:p>
         </p:txBody>
       </p:sp>
@@ -12071,7 +10248,7 @@
         </p:nvGraphicFramePr>
         <p:xfrm>
           <a:off x="194236" y="1059345"/>
-          <a:ext cx="7368291" cy="3302000"/>
+          <a:ext cx="7368291" cy="3759200"/>
         </p:xfrm>
         <a:graphic>
           <a:graphicData uri="http://schemas.openxmlformats.org/drawingml/2006/table">
@@ -12102,7 +10279,7 @@
                     <a:lstStyle/>
                     <a:p>
                       <a:r>
-                        <a:rPr lang="en-US" sz="1100" b="0">
+                        <a:rPr lang="it-IT" sz="1100" b="0">
                           <a:solidFill>
                             <a:schemeClr val="tx1"/>
                           </a:solidFill>
@@ -12113,14 +10290,6 @@
                         </a:rPr>
                         <a:t>Experience League</a:t>
                       </a:r>
-                      <a:endParaRPr lang="en-US" sz="1100" b="0">
-                        <a:solidFill>
-                          <a:schemeClr val="tx1"/>
-                        </a:solidFill>
-                        <a:latin typeface="Adobe Clean"/>
-                        <a:ea typeface="+mn-ea"/>
-                        <a:cs typeface="+mn-cs"/>
-                      </a:endParaRPr>
                     </a:p>
                   </a:txBody>
                   <a:tcPr marL="47625" marR="47625" marT="0" marB="0" anchor="ctr">
@@ -12192,7 +10361,7 @@
                         <a:buNone/>
                       </a:pPr>
                       <a:r>
-                        <a:rPr lang="en-US" sz="1000" b="0" kern="1200">
+                        <a:rPr lang="it-IT" sz="1000" b="0">
                           <a:solidFill>
                             <a:srgbClr val="000000"/>
                           </a:solidFill>
@@ -12200,16 +10369,8 @@
                           <a:ea typeface="+mn-ea"/>
                           <a:cs typeface="+mn-cs"/>
                         </a:rPr>
-                        <a:t>Experience League is how Adobe helps businesses achieve the value they expect from their Adobe investment. It’s the unified place where customers can learn, connect, and grow along a personalized path to success that includes self-help tutorials, product documentation, instructor-led training, community and technical support. </a:t>
+                        <a:t>Con Experience League, Adobe aiuta le aziende a conseguire il valore che si aspettano dalle soluzioni Adobe in cui hanno investito. In questo portale unificato, puoi imparare, relazionarti con altri professionisti e crescere seguendo un percorso personalizzato con tutorial, documentazione dei prodotti, formazione con istruttori, supporto tecnico e il sostegno dell’intera community. </a:t>
                       </a:r>
-                      <a:endParaRPr lang="en-US" sz="1000" b="0" kern="1200">
-                        <a:solidFill>
-                          <a:srgbClr val="000000"/>
-                        </a:solidFill>
-                        <a:latin typeface="Adobe Clean Light" panose="020B0303020404020204" pitchFamily="34" charset="0"/>
-                        <a:ea typeface="+mn-ea"/>
-                        <a:cs typeface="+mn-cs"/>
-                      </a:endParaRPr>
                     </a:p>
                   </a:txBody>
                   <a:tcPr anchor="ctr">
@@ -12290,39 +10451,28 @@
                         <a:defRPr/>
                       </a:pPr>
                       <a:r>
-                        <a:rPr lang="en-US" sz="1100">
+                        <a:rPr lang="it-IT" sz="1100">
                           <a:solidFill>
                             <a:schemeClr val="dk1"/>
                           </a:solidFill>
-                          <a:effectLst/>
                           <a:latin typeface="Adobe Clean"/>
                           <a:ea typeface="+mn-ea"/>
                           <a:cs typeface="+mn-cs"/>
                           <a:hlinkClick r:id="rId8"/>
                         </a:rPr>
-                        <a:t>Training</a:t>
+                        <a:t>Formazione</a:t>
                       </a:r>
                       <a:r>
-                        <a:rPr lang="en-US" sz="1100">
+                        <a:rPr lang="it-IT" sz="1100">
                           <a:solidFill>
                             <a:schemeClr val="dk1"/>
                           </a:solidFill>
-                          <a:effectLst/>
                           <a:latin typeface="Adobe Clean"/>
                           <a:ea typeface="+mn-ea"/>
                           <a:cs typeface="+mn-cs"/>
                         </a:rPr>
                         <a:t> </a:t>
                       </a:r>
-                      <a:endParaRPr lang="en-US" sz="1100">
-                        <a:solidFill>
-                          <a:schemeClr val="tx1"/>
-                        </a:solidFill>
-                        <a:effectLst/>
-                        <a:latin typeface="Adobe Clean"/>
-                        <a:ea typeface="+mn-ea"/>
-                        <a:cs typeface="+mn-cs"/>
-                      </a:endParaRPr>
                     </a:p>
                   </a:txBody>
                   <a:tcPr anchor="ctr">
@@ -12396,7 +10546,7 @@
                         <a:defRPr/>
                       </a:pPr>
                       <a:r>
-                        <a:rPr lang="en-US" sz="1000" kern="1200">
+                        <a:rPr lang="it-IT" sz="1000">
                           <a:solidFill>
                             <a:srgbClr val="000000"/>
                           </a:solidFill>
@@ -12404,7 +10554,7 @@
                           <a:ea typeface="+mn-ea"/>
                           <a:cs typeface="+mn-cs"/>
                         </a:rPr>
-                        <a:t>Adobe Digital Learning Services courses are accessible from Experience League. Learning courses integrate both on-demand and instructor-led lessons.  Here you can accrue skills that have recognized market value and position them to drive success in your organizations.</a:t>
+                        <a:t>I corsi Adobe Digital Learning Services sono accessibili da Experience League. I corsi di apprendimento comprendono lezioni sia on-demand che guidate da istruttori.  Potrai acquisire nuove competenze particolarmente ricercate nel settore e metterle in pratica nella tua organizzazione, per favorirne il successo.</a:t>
                       </a:r>
                     </a:p>
                   </a:txBody>
@@ -12486,27 +10636,17 @@
                         <a:defRPr/>
                       </a:pPr>
                       <a:r>
-                        <a:rPr lang="en-US" sz="1100">
+                        <a:rPr lang="it-IT" sz="1100">
                           <a:solidFill>
                             <a:schemeClr val="tx1"/>
                           </a:solidFill>
-                          <a:effectLst/>
                           <a:latin typeface="Adobe Clean"/>
                           <a:ea typeface="+mn-ea"/>
                           <a:cs typeface="+mn-cs"/>
                           <a:hlinkClick r:id="rId9"/>
                         </a:rPr>
-                        <a:t>Production Issues &amp; System Outages</a:t>
+                        <a:t>Problemi di produzione e interruzioni del sistema</a:t>
                       </a:r>
-                      <a:endParaRPr lang="en-US" sz="1100">
-                        <a:solidFill>
-                          <a:schemeClr val="tx1"/>
-                        </a:solidFill>
-                        <a:effectLst/>
-                        <a:latin typeface="Adobe Clean"/>
-                        <a:ea typeface="+mn-ea"/>
-                        <a:cs typeface="+mn-cs"/>
-                      </a:endParaRPr>
                     </a:p>
                   </a:txBody>
                   <a:tcPr anchor="ctr">
@@ -12578,7 +10718,7 @@
                         <a:buNone/>
                       </a:pPr>
                       <a:r>
-                        <a:rPr lang="en-US" sz="1000" kern="1200">
+                        <a:rPr lang="it-IT" sz="1000">
                           <a:solidFill>
                             <a:srgbClr val="000000"/>
                           </a:solidFill>
@@ -12586,16 +10726,8 @@
                           <a:ea typeface="+mn-ea"/>
                           <a:cs typeface="+mn-cs"/>
                         </a:rPr>
-                        <a:t>Status.adobe.com conveys the health information of all Adobe products and services that are deployed in multi-tenant environments. Customers can choose their subscription preferences to get email notifications whenever Adobe creates, updates or resolves a product event. This can include scheduled maintenance or service issues of varying levels of severity. </a:t>
+                        <a:t>Status.adobe.com trasmette informazioni sullo stato di tutti i prodotti e i servizi Adobe implementati in ambienti multi-tenant. Puoi scegliere se ricevere notifiche e-mail ogni volta che Adobe segnala, aggiorna o risolve un problema relativo a un prodotto. Vengono segnalate ad esempio le interruzioni per manutenzione programmata o problemi relativi ai servizi con diversi livelli di gravità. </a:t>
                       </a:r>
-                      <a:endParaRPr lang="en-US" sz="1000" kern="1200">
-                        <a:solidFill>
-                          <a:srgbClr val="000000"/>
-                        </a:solidFill>
-                        <a:latin typeface="Adobe Clean Light" panose="020B0303020404020204" pitchFamily="34" charset="0"/>
-                        <a:ea typeface="+mn-ea"/>
-                        <a:cs typeface="+mn-cs"/>
-                      </a:endParaRPr>
                     </a:p>
                   </a:txBody>
                   <a:tcPr anchor="ctr">
@@ -12676,27 +10808,17 @@
                         <a:defRPr/>
                       </a:pPr>
                       <a:r>
-                        <a:rPr lang="en-US" sz="1100" b="0" i="0">
+                        <a:rPr lang="it-IT" sz="1100" b="0" i="0">
                           <a:solidFill>
                             <a:schemeClr val="dk1"/>
                           </a:solidFill>
-                          <a:effectLst/>
                           <a:latin typeface="Adobe Clean"/>
                           <a:ea typeface="+mn-ea"/>
                           <a:cs typeface="+mn-cs"/>
-                          <a:hlinkClick r:id="rId10" tooltip="https://helpx.adobe.com/support/programs/enterprise-support-programs/premier-support-business.html"/>
+                          <a:hlinkClick r:id="rId10" tooltip="https://helpx.adobe.com/it/support/programs/enterprise-support-programs/premier-support-business.html"/>
                         </a:rPr>
-                        <a:t>Business Support Website</a:t>
+                        <a:t>Sito del supporto Business</a:t>
                       </a:r>
-                      <a:endParaRPr lang="en-US" sz="1100" b="0" i="0">
-                        <a:solidFill>
-                          <a:schemeClr val="dk1"/>
-                        </a:solidFill>
-                        <a:effectLst/>
-                        <a:latin typeface="Adobe Clean"/>
-                        <a:ea typeface="+mn-ea"/>
-                        <a:cs typeface="+mn-cs"/>
-                      </a:endParaRPr>
                     </a:p>
                   </a:txBody>
                   <a:tcPr anchor="ctr">
@@ -12753,7 +10875,7 @@
                     <a:lstStyle/>
                     <a:p>
                       <a:r>
-                        <a:rPr lang="en-US" sz="1000" kern="1200">
+                        <a:rPr lang="it-IT" sz="1000">
                           <a:solidFill>
                             <a:srgbClr val="000000"/>
                           </a:solidFill>
@@ -12761,16 +10883,8 @@
                           <a:ea typeface="+mn-ea"/>
                           <a:cs typeface="+mn-cs"/>
                         </a:rPr>
-                        <a:t>Adobe Business Support website.</a:t>
+                        <a:t>Sito del supporto Business di Adobe.</a:t>
                       </a:r>
-                      <a:endParaRPr lang="en-US" sz="1000" kern="1200">
-                        <a:solidFill>
-                          <a:srgbClr val="000000"/>
-                        </a:solidFill>
-                        <a:latin typeface="Adobe Clean Light" panose="020B0303020404020204" pitchFamily="34" charset="0"/>
-                        <a:ea typeface="+mn-ea"/>
-                        <a:cs typeface="+mn-cs"/>
-                      </a:endParaRPr>
                     </a:p>
                   </a:txBody>
                   <a:tcPr anchor="ctr">
@@ -12851,27 +10965,17 @@
                         <a:defRPr/>
                       </a:pPr>
                       <a:r>
-                        <a:rPr lang="en-US" sz="1100">
+                        <a:rPr lang="it-IT" sz="1100">
                           <a:solidFill>
                             <a:schemeClr val="tx1"/>
                           </a:solidFill>
-                          <a:effectLst/>
                           <a:latin typeface="Adobe Clean"/>
                           <a:ea typeface="+mn-ea"/>
                           <a:cs typeface="+mn-cs"/>
                           <a:hlinkClick r:id="rId11"/>
                         </a:rPr>
-                        <a:t>Terms and Conditions</a:t>
+                        <a:t>Termini e condizioni</a:t>
                       </a:r>
-                      <a:endParaRPr lang="en-US" sz="1100">
-                        <a:solidFill>
-                          <a:schemeClr val="tx1"/>
-                        </a:solidFill>
-                        <a:effectLst/>
-                        <a:latin typeface="Adobe Clean"/>
-                        <a:ea typeface="+mn-ea"/>
-                        <a:cs typeface="+mn-cs"/>
-                      </a:endParaRPr>
                     </a:p>
                   </a:txBody>
                   <a:tcPr anchor="ctr">
@@ -12928,7 +11032,7 @@
                     <a:lstStyle/>
                     <a:p>
                       <a:r>
-                        <a:rPr lang="en-US" sz="1000" kern="1200">
+                        <a:rPr lang="it-IT" sz="1000">
                           <a:solidFill>
                             <a:srgbClr val="000000"/>
                           </a:solidFill>
@@ -12936,16 +11040,8 @@
                           <a:ea typeface="+mn-ea"/>
                           <a:cs typeface="+mn-cs"/>
                         </a:rPr>
-                        <a:t>Terms and conditions detailing Support Services offerings.</a:t>
+                        <a:t>Termini e condizioni che descrivono i servizi di supporto disponibili.</a:t>
                       </a:r>
-                      <a:endParaRPr lang="en-US" sz="1000" kern="1200">
-                        <a:solidFill>
-                          <a:srgbClr val="000000"/>
-                        </a:solidFill>
-                        <a:latin typeface="Adobe Clean Light" panose="020B0303020404020204" pitchFamily="34" charset="0"/>
-                        <a:ea typeface="+mn-ea"/>
-                        <a:cs typeface="+mn-cs"/>
-                      </a:endParaRPr>
                     </a:p>
                   </a:txBody>
                   <a:tcPr anchor="ctr">
@@ -13721,15 +11817,6 @@
 </file>
 
 <file path=customXml/item2.xml><?xml version="1.0" encoding="utf-8"?>
-<?mso-contentType ?>
-<FormTemplates xmlns="http://schemas.microsoft.com/sharepoint/v3/contenttype/forms">
-  <Display>DocumentLibraryForm</Display>
-  <Edit>DocumentLibraryForm</Edit>
-  <New>DocumentLibraryForm</New>
-</FormTemplates>
-</file>
-
-<file path=customXml/item3.xml><?xml version="1.0" encoding="utf-8"?>
 <ct:contentTypeSchema xmlns:ct="http://schemas.microsoft.com/office/2006/metadata/contentType" xmlns:ma="http://schemas.microsoft.com/office/2006/metadata/properties/metaAttributes" ct:_="" ma:_="" ma:contentTypeName="Document" ma:contentTypeID="0x010100E783BF6876BCC646A459363AF21A7736" ma:contentTypeVersion="10" ma:contentTypeDescription="Create a new document." ma:contentTypeScope="" ma:versionID="c4ffda7f4f415767600769e454c2ea87">
   <xsd:schema xmlns:xsd="http://www.w3.org/2001/XMLSchema" xmlns:xs="http://www.w3.org/2001/XMLSchema" xmlns:p="http://schemas.microsoft.com/office/2006/metadata/properties" xmlns:ns2="8a053bff-88be-49e4-9a87-e748e18b8b62" xmlns:ns3="6c8368ec-3776-49b5-a5bb-90648cf9530f" targetNamespace="http://schemas.microsoft.com/office/2006/metadata/properties" ma:root="true" ma:fieldsID="df3ec33bccc23e23bce7bc897fad43d1" ns2:_="" ns3:_="">
     <xsd:import namespace="8a053bff-88be-49e4-9a87-e748e18b8b62"/>
@@ -13934,6 +12021,15 @@
 </ct:contentTypeSchema>
 </file>
 
+<file path=customXml/item3.xml><?xml version="1.0" encoding="utf-8"?>
+<?mso-contentType ?>
+<FormTemplates xmlns="http://schemas.microsoft.com/sharepoint/v3/contenttype/forms">
+  <Display>DocumentLibraryForm</Display>
+  <Edit>DocumentLibraryForm</Edit>
+  <New>DocumentLibraryForm</New>
+</FormTemplates>
+</file>
+
 <file path=customXml/itemProps1.xml><?xml version="1.0" encoding="utf-8"?>
 <ds:datastoreItem xmlns:ds="http://schemas.openxmlformats.org/officeDocument/2006/customXml" ds:itemID="{10FC3CAF-E6F1-40E3-87D4-6B781C97D6B4}">
   <ds:schemaRefs>
@@ -13952,14 +12048,6 @@
 </file>
 
 <file path=customXml/itemProps2.xml><?xml version="1.0" encoding="utf-8"?>
-<ds:datastoreItem xmlns:ds="http://schemas.openxmlformats.org/officeDocument/2006/customXml" ds:itemID="{95AE3B0B-E909-400C-B0B3-909FB50E07DE}">
-  <ds:schemaRefs>
-    <ds:schemaRef ds:uri="http://schemas.microsoft.com/sharepoint/v3/contenttype/forms"/>
-  </ds:schemaRefs>
-</ds:datastoreItem>
-</file>
-
-<file path=customXml/itemProps3.xml><?xml version="1.0" encoding="utf-8"?>
 <ds:datastoreItem xmlns:ds="http://schemas.openxmlformats.org/officeDocument/2006/customXml" ds:itemID="{E0DB8BDF-6DA8-4ABC-A3CA-043AFD674CFC}">
   <ds:schemaRefs>
     <ds:schemaRef ds:uri="6c8368ec-3776-49b5-a5bb-90648cf9530f"/>
@@ -13976,4 +12064,12 @@
     <ds:schemaRef ds:uri="http://www.w3.org/2001/XMLSchema"/>
   </ds:schemaRefs>
 </ds:datastoreItem>
+</file>
+
+<file path=customXml/itemProps3.xml><?xml version="1.0" encoding="utf-8"?>
+<ds:datastoreItem xmlns:ds="http://schemas.openxmlformats.org/officeDocument/2006/customXml" ds:itemID="{95AE3B0B-E909-400C-B0B3-909FB50E07DE}">
+  <ds:schemaRefs>
+    <ds:schemaRef ds:uri="http://schemas.microsoft.com/sharepoint/v3/contenttype/forms"/>
+  </ds:schemaRefs>
+</ds:datastoreItem>
 </file>